--- a/Febbraio 2015.pptx
+++ b/Febbraio 2015.pptx
@@ -5,7 +5,7 @@
     <p:sldMasterId id="2147483648" r:id="rId1"/>
   </p:sldMasterIdLst>
   <p:notesMasterIdLst>
-    <p:notesMasterId r:id="rId20"/>
+    <p:notesMasterId r:id="rId39"/>
   </p:notesMasterIdLst>
   <p:sldIdLst>
     <p:sldId id="256" r:id="rId2"/>
@@ -24,8 +24,27 @@
     <p:sldId id="266" r:id="rId15"/>
     <p:sldId id="267" r:id="rId16"/>
     <p:sldId id="269" r:id="rId17"/>
-    <p:sldId id="270" r:id="rId18"/>
-    <p:sldId id="271" r:id="rId19"/>
+    <p:sldId id="277" r:id="rId18"/>
+    <p:sldId id="278" r:id="rId19"/>
+    <p:sldId id="279" r:id="rId20"/>
+    <p:sldId id="280" r:id="rId21"/>
+    <p:sldId id="281" r:id="rId22"/>
+    <p:sldId id="282" r:id="rId23"/>
+    <p:sldId id="283" r:id="rId24"/>
+    <p:sldId id="284" r:id="rId25"/>
+    <p:sldId id="285" r:id="rId26"/>
+    <p:sldId id="286" r:id="rId27"/>
+    <p:sldId id="287" r:id="rId28"/>
+    <p:sldId id="288" r:id="rId29"/>
+    <p:sldId id="289" r:id="rId30"/>
+    <p:sldId id="290" r:id="rId31"/>
+    <p:sldId id="291" r:id="rId32"/>
+    <p:sldId id="292" r:id="rId33"/>
+    <p:sldId id="293" r:id="rId34"/>
+    <p:sldId id="294" r:id="rId35"/>
+    <p:sldId id="270" r:id="rId36"/>
+    <p:sldId id="271" r:id="rId37"/>
+    <p:sldId id="276" r:id="rId38"/>
   </p:sldIdLst>
   <p:sldSz cx="12192000" cy="6858000"/>
   <p:notesSz cx="6858000" cy="9144000"/>
@@ -126,7 +145,7 @@
   </p:defaultTextStyle>
   <p:extLst>
     <p:ext uri="{EFAFB233-063F-42B5-8137-9DF3F51BA10A}">
-      <p15:sldGuideLst xmlns:p15="http://schemas.microsoft.com/office/powerpoint/2012/main" xmlns=""/>
+      <p15:sldGuideLst xmlns="" xmlns:p15="http://schemas.microsoft.com/office/powerpoint/2012/main"/>
     </p:ext>
   </p:extLst>
 </p:presentation>
@@ -3515,12 +3534,6 @@
               </a:rPr>
               <a:t> 748101</a:t>
             </a:r>
-            <a:endParaRPr lang="en-US" sz="3400" dirty="0" smtClean="0">
-              <a:solidFill>
-                <a:schemeClr val="bg1"/>
-              </a:solidFill>
-              <a:latin typeface="Segoe UI Light" panose="020B0502040204020203" pitchFamily="34" charset="0"/>
-            </a:endParaRPr>
           </a:p>
           <a:p>
             <a:r>
@@ -3550,12 +3563,6 @@
               </a:rPr>
               <a:t> 748118</a:t>
             </a:r>
-            <a:endParaRPr lang="en-US" sz="3400" dirty="0" smtClean="0">
-              <a:solidFill>
-                <a:schemeClr val="bg1"/>
-              </a:solidFill>
-              <a:latin typeface="Segoe UI Light" panose="020B0502040204020203" pitchFamily="34" charset="0"/>
-            </a:endParaRPr>
           </a:p>
           <a:p>
             <a:r>
@@ -3601,12 +3608,6 @@
               </a:rPr>
               <a:t>Architetture </a:t>
             </a:r>
-            <a:endParaRPr lang="it-IT" sz="6000" b="1" dirty="0" smtClean="0">
-              <a:solidFill>
-                <a:schemeClr val="bg1"/>
-              </a:solidFill>
-              <a:latin typeface="Segoe UI Light" panose="020B0502040204020203" pitchFamily="34" charset="0"/>
-            </a:endParaRPr>
           </a:p>
           <a:p>
             <a:r>
@@ -3959,28 +3960,7 @@
                 <a:latin typeface="+mj-lt"/>
                 <a:cs typeface="Arial" charset="0"/>
               </a:rPr>
-              <a:t>C</a:t>
-            </a:r>
-            <a:r>
-              <a:rPr lang="it-IT" sz="3200" spc="-100" dirty="0" smtClean="0">
-                <a:ln w="3175">
-                  <a:noFill/>
-                </a:ln>
-                <a:gradFill>
-                  <a:gsLst>
-                    <a:gs pos="1250">
-                      <a:schemeClr val="tx2"/>
-                    </a:gs>
-                    <a:gs pos="100000">
-                      <a:schemeClr val="tx2"/>
-                    </a:gs>
-                  </a:gsLst>
-                  <a:lin ang="5400000" scaled="0"/>
-                </a:gradFill>
-                <a:latin typeface="+mj-lt"/>
-                <a:cs typeface="Arial" charset="0"/>
-              </a:rPr>
-              <a:t>hi </a:t>
+              <a:t>Chi </a:t>
             </a:r>
             <a:r>
               <a:rPr lang="it-IT" sz="3200" spc="-100" dirty="0">
@@ -4669,49 +4649,7 @@
                 <a:latin typeface="+mj-lt"/>
                 <a:cs typeface="Arial" charset="0"/>
               </a:rPr>
-              <a:t>L’algoritmo che identifica una </a:t>
-            </a:r>
-            <a:r>
-              <a:rPr lang="it-IT" sz="3200" spc="-100" dirty="0" smtClean="0">
-                <a:ln w="3175">
-                  <a:noFill/>
-                </a:ln>
-                <a:gradFill>
-                  <a:gsLst>
-                    <a:gs pos="1250">
-                      <a:schemeClr val="tx2"/>
-                    </a:gs>
-                    <a:gs pos="100000">
-                      <a:schemeClr val="tx2"/>
-                    </a:gs>
-                  </a:gsLst>
-                  <a:lin ang="5400000" scaled="0"/>
-                </a:gradFill>
-                <a:latin typeface="+mj-lt"/>
-                <a:cs typeface="Arial" charset="0"/>
-              </a:rPr>
-              <a:t>SEP sulla base di quanti dati lavora</a:t>
-            </a:r>
-            <a:r>
-              <a:rPr lang="it-IT" sz="3200" spc="-100" dirty="0" smtClean="0">
-                <a:ln w="3175">
-                  <a:noFill/>
-                </a:ln>
-                <a:gradFill>
-                  <a:gsLst>
-                    <a:gs pos="1250">
-                      <a:schemeClr val="tx2"/>
-                    </a:gs>
-                    <a:gs pos="100000">
-                      <a:schemeClr val="tx2"/>
-                    </a:gs>
-                  </a:gsLst>
-                  <a:lin ang="5400000" scaled="0"/>
-                </a:gradFill>
-                <a:latin typeface="+mj-lt"/>
-                <a:cs typeface="Arial" charset="0"/>
-              </a:rPr>
-              <a:t>?</a:t>
+              <a:t>L’algoritmo che identifica una SEP sulla base di quanti dati lavora?</a:t>
             </a:r>
             <a:endParaRPr lang="it-IT" sz="3200" spc="-100" dirty="0">
               <a:ln w="3175">
@@ -5184,28 +5122,7 @@
                 <a:latin typeface="+mj-lt"/>
                 <a:cs typeface="Arial" charset="0"/>
               </a:rPr>
-              <a:t>E</a:t>
-            </a:r>
-            <a:r>
-              <a:rPr lang="it-IT" sz="3200" spc="-100" dirty="0" smtClean="0">
-                <a:ln w="3175">
-                  <a:noFill/>
-                </a:ln>
-                <a:gradFill>
-                  <a:gsLst>
-                    <a:gs pos="1250">
-                      <a:schemeClr val="tx2"/>
-                    </a:gs>
-                    <a:gs pos="100000">
-                      <a:schemeClr val="tx2"/>
-                    </a:gs>
-                  </a:gsLst>
-                  <a:lin ang="5400000" scaled="0"/>
-                </a:gradFill>
-                <a:latin typeface="+mj-lt"/>
-                <a:cs typeface="Arial" charset="0"/>
-              </a:rPr>
-              <a:t>sistono </a:t>
+              <a:t>Esistono </a:t>
             </a:r>
             <a:r>
               <a:rPr lang="it-IT" sz="3200" spc="-100" dirty="0">
@@ -7384,6 +7301,146 @@
       </p:grpSpPr>
       <p:sp>
         <p:nvSpPr>
+          <p:cNvPr id="5" name="Rettangolo 4"/>
+          <p:cNvSpPr/>
+          <p:nvPr/>
+        </p:nvSpPr>
+        <p:spPr>
+          <a:xfrm>
+            <a:off x="0" y="-28574"/>
+            <a:ext cx="12192000" cy="342900"/>
+          </a:xfrm>
+          <a:prstGeom prst="rect">
+            <a:avLst/>
+          </a:prstGeom>
+          <a:solidFill>
+            <a:srgbClr val="0072C6"/>
+          </a:solidFill>
+        </p:spPr>
+        <p:style>
+          <a:lnRef idx="2">
+            <a:schemeClr val="accent1">
+              <a:shade val="50000"/>
+            </a:schemeClr>
+          </a:lnRef>
+          <a:fillRef idx="1">
+            <a:schemeClr val="accent1"/>
+          </a:fillRef>
+          <a:effectRef idx="0">
+            <a:schemeClr val="accent1"/>
+          </a:effectRef>
+          <a:fontRef idx="minor">
+            <a:schemeClr val="lt1"/>
+          </a:fontRef>
+        </p:style>
+        <p:txBody>
+          <a:bodyPr rtlCol="0" anchor="ctr"/>
+          <a:lstStyle/>
+          <a:p>
+            <a:pPr algn="ctr"/>
+            <a:endParaRPr lang="it-IT"/>
+          </a:p>
+        </p:txBody>
+      </p:sp>
+      <p:sp>
+        <p:nvSpPr>
+          <p:cNvPr id="9" name="CasellaDiTesto 8"/>
+          <p:cNvSpPr txBox="1"/>
+          <p:nvPr/>
+        </p:nvSpPr>
+        <p:spPr>
+          <a:xfrm>
+            <a:off x="415529" y="314326"/>
+            <a:ext cx="11613357" cy="2308324"/>
+          </a:xfrm>
+          <a:prstGeom prst="rect">
+            <a:avLst/>
+          </a:prstGeom>
+          <a:noFill/>
+        </p:spPr>
+        <p:txBody>
+          <a:bodyPr wrap="square" rtlCol="0">
+            <a:spAutoFit/>
+          </a:bodyPr>
+          <a:lstStyle/>
+          <a:p>
+            <a:r>
+              <a:rPr lang="it-IT" sz="5400" b="1" spc="-100" dirty="0" smtClean="0">
+                <a:ln w="3175">
+                  <a:noFill/>
+                </a:ln>
+                <a:solidFill>
+                  <a:srgbClr val="0072C6"/>
+                </a:solidFill>
+                <a:latin typeface="+mj-lt"/>
+                <a:cs typeface="Arial" charset="0"/>
+              </a:rPr>
+              <a:t>Use </a:t>
+            </a:r>
+            <a:r>
+              <a:rPr lang="it-IT" sz="5400" b="1" spc="-100" dirty="0" err="1" smtClean="0">
+                <a:ln w="3175">
+                  <a:noFill/>
+                </a:ln>
+                <a:solidFill>
+                  <a:srgbClr val="0072C6"/>
+                </a:solidFill>
+                <a:latin typeface="+mj-lt"/>
+                <a:cs typeface="Arial" charset="0"/>
+              </a:rPr>
+              <a:t>cases</a:t>
+            </a:r>
+            <a:endParaRPr lang="it-IT" sz="5400" b="1" spc="-100" dirty="0">
+              <a:ln w="3175">
+                <a:noFill/>
+              </a:ln>
+              <a:solidFill>
+                <a:srgbClr val="0072C6"/>
+              </a:solidFill>
+              <a:latin typeface="+mj-lt"/>
+              <a:cs typeface="Arial" charset="0"/>
+            </a:endParaRPr>
+          </a:p>
+          <a:p>
+            <a:endParaRPr lang="it-IT" sz="3000" b="1" spc="-100" dirty="0" smtClean="0">
+              <a:ln w="3175">
+                <a:noFill/>
+              </a:ln>
+              <a:solidFill>
+                <a:srgbClr val="0072C6"/>
+              </a:solidFill>
+              <a:latin typeface="+mj-lt"/>
+              <a:cs typeface="Arial" charset="0"/>
+            </a:endParaRPr>
+          </a:p>
+          <a:p>
+            <a:endParaRPr lang="it-IT" sz="3000" b="1" spc="-100" dirty="0">
+              <a:ln w="3175">
+                <a:noFill/>
+              </a:ln>
+              <a:solidFill>
+                <a:srgbClr val="0072C6"/>
+              </a:solidFill>
+              <a:latin typeface="+mj-lt"/>
+              <a:cs typeface="Arial" charset="0"/>
+            </a:endParaRPr>
+          </a:p>
+          <a:p>
+            <a:endParaRPr lang="it-IT" sz="3000" b="1" spc="-100" dirty="0">
+              <a:ln w="3175">
+                <a:noFill/>
+              </a:ln>
+              <a:solidFill>
+                <a:srgbClr val="0072C6"/>
+              </a:solidFill>
+              <a:latin typeface="+mj-lt"/>
+              <a:cs typeface="Arial" charset="0"/>
+            </a:endParaRPr>
+          </a:p>
+        </p:txBody>
+      </p:sp>
+      <p:sp>
+        <p:nvSpPr>
           <p:cNvPr id="4" name="Rettangolo 3"/>
           <p:cNvSpPr/>
           <p:nvPr/>
@@ -7425,125 +7482,36 @@
           </a:p>
         </p:txBody>
       </p:sp>
-      <p:sp>
-        <p:nvSpPr>
-          <p:cNvPr id="5" name="Rettangolo 4"/>
-          <p:cNvSpPr/>
+      <p:pic>
+        <p:nvPicPr>
+          <p:cNvPr id="3" name="Immagine 2" descr="Schermata 2015-02-19 alle 14.35.01.png"/>
+          <p:cNvPicPr>
+            <a:picLocks noChangeAspect="1"/>
+          </p:cNvPicPr>
           <p:nvPr/>
-        </p:nvSpPr>
+        </p:nvPicPr>
+        <p:blipFill>
+          <a:blip r:embed="rId2">
+            <a:extLst>
+              <a:ext uri="{28A0092B-C50C-407E-A947-70E740481C1C}">
+                <a14:useLocalDpi xmlns:a14="http://schemas.microsoft.com/office/drawing/2010/main" val="0"/>
+              </a:ext>
+            </a:extLst>
+          </a:blip>
+          <a:stretch>
+            <a:fillRect/>
+          </a:stretch>
+        </p:blipFill>
         <p:spPr>
           <a:xfrm>
-            <a:off x="0" y="-28574"/>
-            <a:ext cx="12192000" cy="342900"/>
+            <a:off x="308912" y="1064099"/>
+            <a:ext cx="11361084" cy="5446353"/>
           </a:xfrm>
           <a:prstGeom prst="rect">
             <a:avLst/>
           </a:prstGeom>
-          <a:solidFill>
-            <a:srgbClr val="0072C6"/>
-          </a:solidFill>
         </p:spPr>
-        <p:style>
-          <a:lnRef idx="2">
-            <a:schemeClr val="accent1">
-              <a:shade val="50000"/>
-            </a:schemeClr>
-          </a:lnRef>
-          <a:fillRef idx="1">
-            <a:schemeClr val="accent1"/>
-          </a:fillRef>
-          <a:effectRef idx="0">
-            <a:schemeClr val="accent1"/>
-          </a:effectRef>
-          <a:fontRef idx="minor">
-            <a:schemeClr val="lt1"/>
-          </a:fontRef>
-        </p:style>
-        <p:txBody>
-          <a:bodyPr rtlCol="0" anchor="ctr"/>
-          <a:lstStyle/>
-          <a:p>
-            <a:pPr algn="ctr"/>
-            <a:endParaRPr lang="it-IT"/>
-          </a:p>
-        </p:txBody>
-      </p:sp>
-      <p:sp>
-        <p:nvSpPr>
-          <p:cNvPr id="9" name="CasellaDiTesto 8"/>
-          <p:cNvSpPr txBox="1"/>
-          <p:nvPr/>
-        </p:nvSpPr>
-        <p:spPr>
-          <a:xfrm>
-            <a:off x="415529" y="314326"/>
-            <a:ext cx="11613357" cy="1384995"/>
-          </a:xfrm>
-          <a:prstGeom prst="rect">
-            <a:avLst/>
-          </a:prstGeom>
-          <a:noFill/>
-        </p:spPr>
-        <p:txBody>
-          <a:bodyPr wrap="square" rtlCol="0">
-            <a:spAutoFit/>
-          </a:bodyPr>
-          <a:lstStyle/>
-          <a:p>
-            <a:r>
-              <a:rPr lang="it-IT" sz="5400" b="1" spc="-100" dirty="0">
-                <a:ln w="3175">
-                  <a:noFill/>
-                </a:ln>
-                <a:solidFill>
-                  <a:srgbClr val="0072C6"/>
-                </a:solidFill>
-                <a:latin typeface="+mj-lt"/>
-                <a:cs typeface="Arial" charset="0"/>
-              </a:rPr>
-              <a:t>Analisi del problema</a:t>
-            </a:r>
-          </a:p>
-          <a:p>
-            <a:r>
-              <a:rPr lang="it-IT" sz="3000" b="1" spc="-100" dirty="0">
-                <a:ln w="3175">
-                  <a:noFill/>
-                </a:ln>
-                <a:solidFill>
-                  <a:srgbClr val="0072C6"/>
-                </a:solidFill>
-                <a:latin typeface="+mj-lt"/>
-                <a:cs typeface="Arial" charset="0"/>
-              </a:rPr>
-              <a:t>Use </a:t>
-            </a:r>
-            <a:r>
-              <a:rPr lang="it-IT" sz="3000" b="1" spc="-100" dirty="0" err="1">
-                <a:ln w="3175">
-                  <a:noFill/>
-                </a:ln>
-                <a:solidFill>
-                  <a:srgbClr val="0072C6"/>
-                </a:solidFill>
-                <a:latin typeface="+mj-lt"/>
-                <a:cs typeface="Arial" charset="0"/>
-              </a:rPr>
-              <a:t>cases</a:t>
-            </a:r>
-            <a:endParaRPr lang="it-IT" sz="3000" b="1" spc="-100" dirty="0">
-              <a:ln w="3175">
-                <a:noFill/>
-              </a:ln>
-              <a:solidFill>
-                <a:srgbClr val="0072C6"/>
-              </a:solidFill>
-              <a:latin typeface="+mj-lt"/>
-              <a:cs typeface="Arial" charset="0"/>
-            </a:endParaRPr>
-          </a:p>
-        </p:txBody>
-      </p:sp>
+      </p:pic>
     </p:spTree>
     <p:extLst>
       <p:ext uri="{BB962C8B-B14F-4D97-AF65-F5344CB8AC3E}">
@@ -7586,6 +7554,49 @@
       </p:grpSpPr>
       <p:sp>
         <p:nvSpPr>
+          <p:cNvPr id="5" name="Rettangolo 4"/>
+          <p:cNvSpPr/>
+          <p:nvPr/>
+        </p:nvSpPr>
+        <p:spPr>
+          <a:xfrm>
+            <a:off x="0" y="-28574"/>
+            <a:ext cx="12192000" cy="342900"/>
+          </a:xfrm>
+          <a:prstGeom prst="rect">
+            <a:avLst/>
+          </a:prstGeom>
+          <a:solidFill>
+            <a:srgbClr val="0072C6"/>
+          </a:solidFill>
+        </p:spPr>
+        <p:style>
+          <a:lnRef idx="2">
+            <a:schemeClr val="accent1">
+              <a:shade val="50000"/>
+            </a:schemeClr>
+          </a:lnRef>
+          <a:fillRef idx="1">
+            <a:schemeClr val="accent1"/>
+          </a:fillRef>
+          <a:effectRef idx="0">
+            <a:schemeClr val="accent1"/>
+          </a:effectRef>
+          <a:fontRef idx="minor">
+            <a:schemeClr val="lt1"/>
+          </a:fontRef>
+        </p:style>
+        <p:txBody>
+          <a:bodyPr rtlCol="0" anchor="ctr"/>
+          <a:lstStyle/>
+          <a:p>
+            <a:pPr algn="ctr"/>
+            <a:endParaRPr lang="it-IT"/>
+          </a:p>
+        </p:txBody>
+      </p:sp>
+      <p:sp>
+        <p:nvSpPr>
           <p:cNvPr id="4" name="Rettangolo 3"/>
           <p:cNvSpPr/>
           <p:nvPr/>
@@ -7627,67 +7638,30 @@
           </a:p>
         </p:txBody>
       </p:sp>
-      <p:sp>
-        <p:nvSpPr>
-          <p:cNvPr id="5" name="Rettangolo 4"/>
-          <p:cNvSpPr/>
-          <p:nvPr/>
-        </p:nvSpPr>
-        <p:spPr>
-          <a:xfrm>
-            <a:off x="0" y="-28574"/>
-            <a:ext cx="12192000" cy="342900"/>
-          </a:xfrm>
-          <a:prstGeom prst="rect">
-            <a:avLst/>
-          </a:prstGeom>
-          <a:solidFill>
-            <a:srgbClr val="0072C6"/>
-          </a:solidFill>
-        </p:spPr>
-        <p:style>
-          <a:lnRef idx="2">
-            <a:schemeClr val="accent1">
-              <a:shade val="50000"/>
-            </a:schemeClr>
-          </a:lnRef>
-          <a:fillRef idx="1">
-            <a:schemeClr val="accent1"/>
-          </a:fillRef>
-          <a:effectRef idx="0">
-            <a:schemeClr val="accent1"/>
-          </a:effectRef>
-          <a:fontRef idx="minor">
-            <a:schemeClr val="lt1"/>
-          </a:fontRef>
-        </p:style>
-        <p:txBody>
-          <a:bodyPr rtlCol="0" anchor="ctr"/>
-          <a:lstStyle/>
-          <a:p>
-            <a:pPr algn="ctr"/>
-            <a:endParaRPr lang="it-IT"/>
-          </a:p>
-        </p:txBody>
-      </p:sp>
       <p:pic>
         <p:nvPicPr>
-          <p:cNvPr id="2" name="Immagine 1"/>
+          <p:cNvPr id="8" name="Immagine 7" descr="Schermata 2015-02-19 alle 16.01.40.png"/>
           <p:cNvPicPr>
             <a:picLocks noChangeAspect="1"/>
           </p:cNvPicPr>
           <p:nvPr/>
         </p:nvPicPr>
         <p:blipFill>
-          <a:blip r:embed="rId2"/>
+          <a:blip r:embed="rId2">
+            <a:extLst>
+              <a:ext uri="{28A0092B-C50C-407E-A947-70E740481C1C}">
+                <a14:useLocalDpi xmlns:a14="http://schemas.microsoft.com/office/drawing/2010/main" val="0"/>
+              </a:ext>
+            </a:extLst>
+          </a:blip>
           <a:stretch>
             <a:fillRect/>
           </a:stretch>
         </p:blipFill>
         <p:spPr>
           <a:xfrm>
-            <a:off x="415529" y="1992929"/>
-            <a:ext cx="1838325" cy="3600450"/>
+            <a:off x="134763" y="642043"/>
+            <a:ext cx="11661086" cy="5872062"/>
           </a:xfrm>
           <a:prstGeom prst="rect">
             <a:avLst/>
@@ -7696,14 +7670,14 @@
       </p:pic>
       <p:sp>
         <p:nvSpPr>
-          <p:cNvPr id="3" name="CasellaDiTesto 2"/>
+          <p:cNvPr id="9" name="CasellaDiTesto 8"/>
           <p:cNvSpPr txBox="1"/>
           <p:nvPr/>
         </p:nvSpPr>
         <p:spPr>
           <a:xfrm>
-            <a:off x="2669382" y="1515904"/>
-            <a:ext cx="9129713" cy="5201424"/>
+            <a:off x="415529" y="314326"/>
+            <a:ext cx="11613357" cy="1692771"/>
           </a:xfrm>
           <a:prstGeom prst="rect">
             <a:avLst/>
@@ -7717,868 +7691,7 @@
           <a:lstStyle/>
           <a:p>
             <a:r>
-              <a:rPr lang="it-IT" sz="2800" spc="-100" dirty="0">
-                <a:ln w="3175">
-                  <a:noFill/>
-                </a:ln>
-                <a:gradFill>
-                  <a:gsLst>
-                    <a:gs pos="1250">
-                      <a:schemeClr val="tx2"/>
-                    </a:gs>
-                    <a:gs pos="100000">
-                      <a:schemeClr val="tx2"/>
-                    </a:gs>
-                  </a:gsLst>
-                  <a:lin ang="5400000" scaled="0"/>
-                </a:gradFill>
-                <a:latin typeface="+mj-lt"/>
-                <a:cs typeface="Arial" charset="0"/>
-              </a:rPr>
-              <a:t>S</a:t>
-            </a:r>
-            <a:r>
-              <a:rPr lang="it-IT" sz="2800" spc="-100" dirty="0" smtClean="0">
-                <a:ln w="3175">
-                  <a:noFill/>
-                </a:ln>
-                <a:gradFill>
-                  <a:gsLst>
-                    <a:gs pos="1250">
-                      <a:schemeClr val="tx2"/>
-                    </a:gs>
-                    <a:gs pos="100000">
-                      <a:schemeClr val="tx2"/>
-                    </a:gs>
-                  </a:gsLst>
-                  <a:lin ang="5400000" scaled="0"/>
-                </a:gradFill>
-                <a:latin typeface="+mj-lt"/>
-                <a:cs typeface="Arial" charset="0"/>
-              </a:rPr>
-              <a:t>ensore </a:t>
-            </a:r>
-            <a:r>
-              <a:rPr lang="it-IT" sz="2800" spc="-100" dirty="0">
-                <a:ln w="3175">
-                  <a:noFill/>
-                </a:ln>
-                <a:gradFill>
-                  <a:gsLst>
-                    <a:gs pos="1250">
-                      <a:schemeClr val="tx2"/>
-                    </a:gs>
-                    <a:gs pos="100000">
-                      <a:schemeClr val="tx2"/>
-                    </a:gs>
-                  </a:gsLst>
-                  <a:lin ang="5400000" scaled="0"/>
-                </a:gradFill>
-                <a:latin typeface="+mj-lt"/>
-                <a:cs typeface="Arial" charset="0"/>
-              </a:rPr>
-              <a:t>per la </a:t>
-            </a:r>
-            <a:r>
-              <a:rPr lang="it-IT" sz="2800" spc="-100" dirty="0" smtClean="0">
-                <a:ln w="3175">
-                  <a:noFill/>
-                </a:ln>
-                <a:gradFill>
-                  <a:gsLst>
-                    <a:gs pos="1250">
-                      <a:schemeClr val="tx2"/>
-                    </a:gs>
-                    <a:gs pos="100000">
-                      <a:schemeClr val="tx2"/>
-                    </a:gs>
-                  </a:gsLst>
-                  <a:lin ang="5400000" scaled="0"/>
-                </a:gradFill>
-                <a:latin typeface="+mj-lt"/>
-                <a:cs typeface="Arial" charset="0"/>
-              </a:rPr>
-              <a:t>rilevazione di DI utilizzato.</a:t>
-            </a:r>
-            <a:endParaRPr lang="it-IT" sz="2800" spc="-100" dirty="0">
-              <a:ln w="3175">
-                <a:noFill/>
-              </a:ln>
-              <a:gradFill>
-                <a:gsLst>
-                  <a:gs pos="1250">
-                    <a:schemeClr val="tx2"/>
-                  </a:gs>
-                  <a:gs pos="100000">
-                    <a:schemeClr val="tx2"/>
-                  </a:gs>
-                </a:gsLst>
-                <a:lin ang="5400000" scaled="0"/>
-              </a:gradFill>
-              <a:latin typeface="+mj-lt"/>
-              <a:cs typeface="Arial" charset="0"/>
-            </a:endParaRPr>
-          </a:p>
-          <a:p>
-            <a:endParaRPr lang="it-IT" sz="1000" spc="-100" dirty="0">
-              <a:ln w="3175">
-                <a:noFill/>
-              </a:ln>
-              <a:gradFill>
-                <a:gsLst>
-                  <a:gs pos="1250">
-                    <a:schemeClr val="tx2"/>
-                  </a:gs>
-                  <a:gs pos="100000">
-                    <a:schemeClr val="tx2"/>
-                  </a:gs>
-                </a:gsLst>
-                <a:lin ang="5400000" scaled="0"/>
-              </a:gradFill>
-              <a:latin typeface="+mj-lt"/>
-              <a:cs typeface="Arial" charset="0"/>
-            </a:endParaRPr>
-          </a:p>
-          <a:p>
-            <a:pPr lvl="0"/>
-            <a:r>
-              <a:rPr lang="it-IT" sz="3000" b="1" spc="-100" dirty="0" err="1" smtClean="0">
-                <a:ln w="3175">
-                  <a:noFill/>
-                </a:ln>
-                <a:gradFill>
-                  <a:gsLst>
-                    <a:gs pos="1250">
-                      <a:schemeClr val="tx2"/>
-                    </a:gs>
-                    <a:gs pos="100000">
-                      <a:schemeClr val="tx2"/>
-                    </a:gs>
-                  </a:gsLst>
-                  <a:lin ang="5400000" scaled="0"/>
-                </a:gradFill>
-                <a:latin typeface="+mj-lt"/>
-                <a:cs typeface="Arial" charset="0"/>
-              </a:rPr>
-              <a:t>GaugerGSM</a:t>
-            </a:r>
-            <a:r>
-              <a:rPr lang="it-IT" sz="2800" spc="-100" dirty="0" smtClean="0">
-                <a:ln w="3175">
-                  <a:noFill/>
-                </a:ln>
-                <a:gradFill>
-                  <a:gsLst>
-                    <a:gs pos="1250">
-                      <a:schemeClr val="tx2"/>
-                    </a:gs>
-                    <a:gs pos="100000">
-                      <a:schemeClr val="tx2"/>
-                    </a:gs>
-                  </a:gsLst>
-                  <a:lin ang="5400000" scaled="0"/>
-                </a:gradFill>
-                <a:latin typeface="+mj-lt"/>
-                <a:cs typeface="Arial" charset="0"/>
-              </a:rPr>
-              <a:t> </a:t>
-            </a:r>
-          </a:p>
-          <a:p>
-            <a:pPr lvl="0"/>
-            <a:r>
-              <a:rPr lang="it-IT" sz="2800" spc="-100" dirty="0" err="1" smtClean="0">
-                <a:ln w="3175">
-                  <a:noFill/>
-                </a:ln>
-                <a:gradFill>
-                  <a:gsLst>
-                    <a:gs pos="1250">
-                      <a:schemeClr val="tx2"/>
-                    </a:gs>
-                    <a:gs pos="100000">
-                      <a:schemeClr val="tx2"/>
-                    </a:gs>
-                  </a:gsLst>
-                  <a:lin ang="5400000" scaled="0"/>
-                </a:gradFill>
-                <a:latin typeface="+mj-lt"/>
-                <a:cs typeface="Arial" charset="0"/>
-              </a:rPr>
-              <a:t>Measuring</a:t>
-            </a:r>
-            <a:r>
-              <a:rPr lang="it-IT" sz="2800" spc="-100" dirty="0" smtClean="0">
-                <a:ln w="3175">
-                  <a:noFill/>
-                </a:ln>
-                <a:gradFill>
-                  <a:gsLst>
-                    <a:gs pos="1250">
-                      <a:schemeClr val="tx2"/>
-                    </a:gs>
-                    <a:gs pos="100000">
-                      <a:schemeClr val="tx2"/>
-                    </a:gs>
-                  </a:gsLst>
-                  <a:lin ang="5400000" scaled="0"/>
-                </a:gradFill>
-                <a:latin typeface="+mj-lt"/>
-                <a:cs typeface="Arial" charset="0"/>
-              </a:rPr>
-              <a:t> </a:t>
-            </a:r>
-            <a:r>
-              <a:rPr lang="it-IT" sz="2800" spc="-100" dirty="0" err="1">
-                <a:ln w="3175">
-                  <a:noFill/>
-                </a:ln>
-                <a:gradFill>
-                  <a:gsLst>
-                    <a:gs pos="1250">
-                      <a:schemeClr val="tx2"/>
-                    </a:gs>
-                    <a:gs pos="100000">
-                      <a:schemeClr val="tx2"/>
-                    </a:gs>
-                  </a:gsLst>
-                  <a:lin ang="5400000" scaled="0"/>
-                </a:gradFill>
-                <a:latin typeface="+mj-lt"/>
-                <a:cs typeface="Arial" charset="0"/>
-              </a:rPr>
-              <a:t>range</a:t>
-            </a:r>
-            <a:r>
-              <a:rPr lang="it-IT" sz="2800" spc="-100" dirty="0">
-                <a:ln w="3175">
-                  <a:noFill/>
-                </a:ln>
-                <a:gradFill>
-                  <a:gsLst>
-                    <a:gs pos="1250">
-                      <a:schemeClr val="tx2"/>
-                    </a:gs>
-                    <a:gs pos="100000">
-                      <a:schemeClr val="tx2"/>
-                    </a:gs>
-                  </a:gsLst>
-                  <a:lin ang="5400000" scaled="0"/>
-                </a:gradFill>
-                <a:latin typeface="+mj-lt"/>
-                <a:cs typeface="Arial" charset="0"/>
-              </a:rPr>
-              <a:t>: 		8-9.5m</a:t>
-            </a:r>
-          </a:p>
-          <a:p>
-            <a:pPr lvl="0"/>
-            <a:r>
-              <a:rPr lang="it-IT" sz="2800" spc="-100" dirty="0" err="1" smtClean="0">
-                <a:ln w="3175">
-                  <a:noFill/>
-                </a:ln>
-                <a:gradFill>
-                  <a:gsLst>
-                    <a:gs pos="1250">
-                      <a:schemeClr val="tx2"/>
-                    </a:gs>
-                    <a:gs pos="100000">
-                      <a:schemeClr val="tx2"/>
-                    </a:gs>
-                  </a:gsLst>
-                  <a:lin ang="5400000" scaled="0"/>
-                </a:gradFill>
-                <a:latin typeface="+mj-lt"/>
-                <a:cs typeface="Arial" charset="0"/>
-              </a:rPr>
-              <a:t>Power</a:t>
-            </a:r>
-            <a:r>
-              <a:rPr lang="it-IT" sz="2800" spc="-100" dirty="0" smtClean="0">
-                <a:ln w="3175">
-                  <a:noFill/>
-                </a:ln>
-                <a:gradFill>
-                  <a:gsLst>
-                    <a:gs pos="1250">
-                      <a:schemeClr val="tx2"/>
-                    </a:gs>
-                    <a:gs pos="100000">
-                      <a:schemeClr val="tx2"/>
-                    </a:gs>
-                  </a:gsLst>
-                  <a:lin ang="5400000" scaled="0"/>
-                </a:gradFill>
-                <a:latin typeface="+mj-lt"/>
-                <a:cs typeface="Arial" charset="0"/>
-              </a:rPr>
-              <a:t> </a:t>
-            </a:r>
-            <a:r>
-              <a:rPr lang="it-IT" sz="2800" spc="-100" dirty="0">
-                <a:ln w="3175">
-                  <a:noFill/>
-                </a:ln>
-                <a:gradFill>
-                  <a:gsLst>
-                    <a:gs pos="1250">
-                      <a:schemeClr val="tx2"/>
-                    </a:gs>
-                    <a:gs pos="100000">
-                      <a:schemeClr val="tx2"/>
-                    </a:gs>
-                  </a:gsLst>
-                  <a:lin ang="5400000" scaled="0"/>
-                </a:gradFill>
-                <a:latin typeface="+mj-lt"/>
-                <a:cs typeface="Arial" charset="0"/>
-              </a:rPr>
-              <a:t>Supply (DC): 		8 – 33 DC</a:t>
-            </a:r>
-          </a:p>
-          <a:p>
-            <a:pPr lvl="0"/>
-            <a:r>
-              <a:rPr lang="it-IT" sz="2800" spc="-100" dirty="0" err="1" smtClean="0">
-                <a:ln w="3175">
-                  <a:noFill/>
-                </a:ln>
-                <a:gradFill>
-                  <a:gsLst>
-                    <a:gs pos="1250">
-                      <a:schemeClr val="tx2"/>
-                    </a:gs>
-                    <a:gs pos="100000">
-                      <a:schemeClr val="tx2"/>
-                    </a:gs>
-                  </a:gsLst>
-                  <a:lin ang="5400000" scaled="0"/>
-                </a:gradFill>
-                <a:latin typeface="+mj-lt"/>
-                <a:cs typeface="Arial" charset="0"/>
-              </a:rPr>
-              <a:t>Measurement</a:t>
-            </a:r>
-            <a:r>
-              <a:rPr lang="it-IT" sz="2800" spc="-100" dirty="0" smtClean="0">
-                <a:ln w="3175">
-                  <a:noFill/>
-                </a:ln>
-                <a:gradFill>
-                  <a:gsLst>
-                    <a:gs pos="1250">
-                      <a:schemeClr val="tx2"/>
-                    </a:gs>
-                    <a:gs pos="100000">
-                      <a:schemeClr val="tx2"/>
-                    </a:gs>
-                  </a:gsLst>
-                  <a:lin ang="5400000" scaled="0"/>
-                </a:gradFill>
-                <a:latin typeface="+mj-lt"/>
-                <a:cs typeface="Arial" charset="0"/>
-              </a:rPr>
-              <a:t> </a:t>
-            </a:r>
-            <a:r>
-              <a:rPr lang="it-IT" sz="2800" spc="-100" dirty="0" err="1">
-                <a:ln w="3175">
-                  <a:noFill/>
-                </a:ln>
-                <a:gradFill>
-                  <a:gsLst>
-                    <a:gs pos="1250">
-                      <a:schemeClr val="tx2"/>
-                    </a:gs>
-                    <a:gs pos="100000">
-                      <a:schemeClr val="tx2"/>
-                    </a:gs>
-                  </a:gsLst>
-                  <a:lin ang="5400000" scaled="0"/>
-                </a:gradFill>
-                <a:latin typeface="+mj-lt"/>
-                <a:cs typeface="Arial" charset="0"/>
-              </a:rPr>
-              <a:t>accuracy</a:t>
-            </a:r>
-            <a:r>
-              <a:rPr lang="it-IT" sz="2800" spc="-100" dirty="0">
-                <a:ln w="3175">
-                  <a:noFill/>
-                </a:ln>
-                <a:gradFill>
-                  <a:gsLst>
-                    <a:gs pos="1250">
-                      <a:schemeClr val="tx2"/>
-                    </a:gs>
-                    <a:gs pos="100000">
-                      <a:schemeClr val="tx2"/>
-                    </a:gs>
-                  </a:gsLst>
-                  <a:lin ang="5400000" scaled="0"/>
-                </a:gradFill>
-                <a:latin typeface="+mj-lt"/>
-                <a:cs typeface="Arial" charset="0"/>
-              </a:rPr>
-              <a:t>: 	0.3% / </a:t>
-            </a:r>
-            <a:r>
-              <a:rPr lang="it-IT" sz="2800" spc="-100" dirty="0" smtClean="0">
-                <a:ln w="3175">
-                  <a:noFill/>
-                </a:ln>
-                <a:gradFill>
-                  <a:gsLst>
-                    <a:gs pos="1250">
-                      <a:schemeClr val="tx2"/>
-                    </a:gs>
-                    <a:gs pos="100000">
-                      <a:schemeClr val="tx2"/>
-                    </a:gs>
-                  </a:gsLst>
-                  <a:lin ang="5400000" scaled="0"/>
-                </a:gradFill>
-                <a:latin typeface="+mj-lt"/>
-                <a:cs typeface="Arial" charset="0"/>
-              </a:rPr>
-              <a:t>1.5mm</a:t>
-            </a:r>
-          </a:p>
-          <a:p>
-            <a:pPr lvl="0"/>
-            <a:r>
-              <a:rPr lang="it-IT" sz="2800" spc="-100" dirty="0" smtClean="0">
-                <a:ln w="3175">
-                  <a:noFill/>
-                </a:ln>
-                <a:gradFill>
-                  <a:gsLst>
-                    <a:gs pos="1250">
-                      <a:schemeClr val="tx2"/>
-                    </a:gs>
-                    <a:gs pos="100000">
-                      <a:schemeClr val="tx2"/>
-                    </a:gs>
-                  </a:gsLst>
-                  <a:lin ang="5400000" scaled="0"/>
-                </a:gradFill>
-                <a:latin typeface="+mj-lt"/>
-                <a:cs typeface="Arial" charset="0"/>
-              </a:rPr>
-              <a:t>Temperature:                             -30° to +70°</a:t>
-            </a:r>
-            <a:endParaRPr lang="it-IT" sz="2800" spc="-100" dirty="0">
-              <a:ln w="3175">
-                <a:noFill/>
-              </a:ln>
-              <a:gradFill>
-                <a:gsLst>
-                  <a:gs pos="1250">
-                    <a:schemeClr val="tx2"/>
-                  </a:gs>
-                  <a:gs pos="100000">
-                    <a:schemeClr val="tx2"/>
-                  </a:gs>
-                </a:gsLst>
-                <a:lin ang="5400000" scaled="0"/>
-              </a:gradFill>
-              <a:latin typeface="+mj-lt"/>
-              <a:cs typeface="Arial" charset="0"/>
-            </a:endParaRPr>
-          </a:p>
-          <a:p>
-            <a:pPr lvl="0"/>
-            <a:r>
-              <a:rPr lang="it-IT" sz="2800" spc="-100" dirty="0" smtClean="0">
-                <a:ln w="3175">
-                  <a:noFill/>
-                </a:ln>
-                <a:gradFill>
-                  <a:gsLst>
-                    <a:gs pos="1250">
-                      <a:schemeClr val="tx2"/>
-                    </a:gs>
-                    <a:gs pos="100000">
-                      <a:schemeClr val="tx2"/>
-                    </a:gs>
-                  </a:gsLst>
-                  <a:lin ang="5400000" scaled="0"/>
-                </a:gradFill>
-                <a:latin typeface="+mj-lt"/>
-                <a:cs typeface="Arial" charset="0"/>
-              </a:rPr>
-              <a:t>Output:</a:t>
-            </a:r>
-            <a:r>
-              <a:rPr lang="it-IT" sz="2800" spc="-100" dirty="0">
-                <a:ln w="3175">
-                  <a:noFill/>
-                </a:ln>
-                <a:gradFill>
-                  <a:gsLst>
-                    <a:gs pos="1250">
-                      <a:schemeClr val="tx2"/>
-                    </a:gs>
-                    <a:gs pos="100000">
-                      <a:schemeClr val="tx2"/>
-                    </a:gs>
-                  </a:gsLst>
-                  <a:lin ang="5400000" scaled="0"/>
-                </a:gradFill>
-                <a:latin typeface="+mj-lt"/>
-                <a:cs typeface="Arial" charset="0"/>
-              </a:rPr>
-              <a:t>			</a:t>
-            </a:r>
-            <a:r>
-              <a:rPr lang="it-IT" sz="2800" spc="-100" dirty="0" smtClean="0">
-                <a:ln w="3175">
-                  <a:noFill/>
-                </a:ln>
-                <a:gradFill>
-                  <a:gsLst>
-                    <a:gs pos="1250">
-                      <a:schemeClr val="tx2"/>
-                    </a:gs>
-                    <a:gs pos="100000">
-                      <a:schemeClr val="tx2"/>
-                    </a:gs>
-                  </a:gsLst>
-                  <a:lin ang="5400000" scaled="0"/>
-                </a:gradFill>
-                <a:latin typeface="+mj-lt"/>
-                <a:cs typeface="Arial" charset="0"/>
-              </a:rPr>
-              <a:t>		              GPRS</a:t>
-            </a:r>
-            <a:r>
-              <a:rPr lang="it-IT" sz="2800" spc="-100" dirty="0">
-                <a:ln w="3175">
-                  <a:noFill/>
-                </a:ln>
-                <a:gradFill>
-                  <a:gsLst>
-                    <a:gs pos="1250">
-                      <a:schemeClr val="tx2"/>
-                    </a:gs>
-                    <a:gs pos="100000">
-                      <a:schemeClr val="tx2"/>
-                    </a:gs>
-                  </a:gsLst>
-                  <a:lin ang="5400000" scaled="0"/>
-                </a:gradFill>
-                <a:latin typeface="+mj-lt"/>
-                <a:cs typeface="Arial" charset="0"/>
-              </a:rPr>
-              <a:t>/GSM</a:t>
-            </a:r>
-          </a:p>
-          <a:p>
-            <a:pPr lvl="0"/>
-            <a:endParaRPr lang="it-IT" sz="1000" spc="-100" dirty="0" smtClean="0">
-              <a:ln w="3175">
-                <a:noFill/>
-              </a:ln>
-              <a:gradFill>
-                <a:gsLst>
-                  <a:gs pos="1250">
-                    <a:schemeClr val="tx2"/>
-                  </a:gs>
-                  <a:gs pos="100000">
-                    <a:schemeClr val="tx2"/>
-                  </a:gs>
-                </a:gsLst>
-                <a:lin ang="5400000" scaled="0"/>
-              </a:gradFill>
-              <a:latin typeface="+mj-lt"/>
-              <a:cs typeface="Arial" charset="0"/>
-            </a:endParaRPr>
-          </a:p>
-          <a:p>
-            <a:pPr lvl="0"/>
-            <a:r>
-              <a:rPr lang="it-IT" sz="2800" spc="-100" dirty="0" smtClean="0">
-                <a:ln w="3175">
-                  <a:noFill/>
-                </a:ln>
-                <a:gradFill>
-                  <a:gsLst>
-                    <a:gs pos="1250">
-                      <a:schemeClr val="tx2"/>
-                    </a:gs>
-                    <a:gs pos="100000">
-                      <a:schemeClr val="tx2"/>
-                    </a:gs>
-                  </a:gsLst>
-                  <a:lin ang="5400000" scaled="0"/>
-                </a:gradFill>
-                <a:latin typeface="+mj-lt"/>
-                <a:cs typeface="Arial" charset="0"/>
-              </a:rPr>
-              <a:t>Price</a:t>
-            </a:r>
-            <a:r>
-              <a:rPr lang="it-IT" sz="2800" spc="-100" dirty="0">
-                <a:ln w="3175">
-                  <a:noFill/>
-                </a:ln>
-                <a:gradFill>
-                  <a:gsLst>
-                    <a:gs pos="1250">
-                      <a:schemeClr val="tx2"/>
-                    </a:gs>
-                    <a:gs pos="100000">
-                      <a:schemeClr val="tx2"/>
-                    </a:gs>
-                  </a:gsLst>
-                  <a:lin ang="5400000" scaled="0"/>
-                </a:gradFill>
-                <a:latin typeface="+mj-lt"/>
-                <a:cs typeface="Arial" charset="0"/>
-              </a:rPr>
-              <a:t>:				</a:t>
-            </a:r>
-            <a:r>
-              <a:rPr lang="it-IT" sz="2800" spc="-100" dirty="0" smtClean="0">
-                <a:ln w="3175">
-                  <a:noFill/>
-                </a:ln>
-                <a:gradFill>
-                  <a:gsLst>
-                    <a:gs pos="1250">
-                      <a:schemeClr val="tx2"/>
-                    </a:gs>
-                    <a:gs pos="100000">
-                      <a:schemeClr val="tx2"/>
-                    </a:gs>
-                  </a:gsLst>
-                  <a:lin ang="5400000" scaled="0"/>
-                </a:gradFill>
-                <a:latin typeface="+mj-lt"/>
-                <a:cs typeface="Arial" charset="0"/>
-              </a:rPr>
-              <a:t>	                            1400€/unità </a:t>
-            </a:r>
-            <a:r>
-              <a:rPr lang="it-IT" sz="1400" spc="-100" dirty="0" smtClean="0">
-                <a:ln w="3175">
-                  <a:noFill/>
-                </a:ln>
-                <a:gradFill>
-                  <a:gsLst>
-                    <a:gs pos="1250">
-                      <a:schemeClr val="tx2"/>
-                    </a:gs>
-                    <a:gs pos="100000">
-                      <a:schemeClr val="tx2"/>
-                    </a:gs>
-                  </a:gsLst>
-                  <a:lin ang="5400000" scaled="0"/>
-                </a:gradFill>
-                <a:latin typeface="+mj-lt"/>
-                <a:cs typeface="Arial" charset="0"/>
-              </a:rPr>
-              <a:t>  </a:t>
-            </a:r>
-            <a:r>
-              <a:rPr lang="it-IT" sz="2000" spc="-100" dirty="0" smtClean="0">
-                <a:ln w="3175">
-                  <a:noFill/>
-                </a:ln>
-                <a:gradFill>
-                  <a:gsLst>
-                    <a:gs pos="1250">
-                      <a:schemeClr val="tx2"/>
-                    </a:gs>
-                    <a:gs pos="100000">
-                      <a:schemeClr val="tx2"/>
-                    </a:gs>
-                  </a:gsLst>
-                  <a:lin ang="5400000" scaled="0"/>
-                </a:gradFill>
-                <a:latin typeface="+mj-lt"/>
-                <a:cs typeface="Arial" charset="0"/>
-              </a:rPr>
-              <a:t>(Prezzo aggiornato a febbraio 2015)</a:t>
-            </a:r>
-            <a:endParaRPr lang="it-IT" sz="2000" spc="-100" dirty="0" smtClean="0">
-              <a:ln w="3175">
-                <a:noFill/>
-              </a:ln>
-              <a:gradFill>
-                <a:gsLst>
-                  <a:gs pos="1250">
-                    <a:schemeClr val="tx2"/>
-                  </a:gs>
-                  <a:gs pos="100000">
-                    <a:schemeClr val="tx2"/>
-                  </a:gs>
-                </a:gsLst>
-                <a:lin ang="5400000" scaled="0"/>
-              </a:gradFill>
-              <a:latin typeface="+mj-lt"/>
-              <a:cs typeface="Arial" charset="0"/>
-            </a:endParaRPr>
-          </a:p>
-          <a:p>
-            <a:pPr lvl="0"/>
-            <a:endParaRPr lang="it-IT" sz="2800" spc="-100" dirty="0" smtClean="0">
-              <a:ln w="3175">
-                <a:noFill/>
-              </a:ln>
-              <a:gradFill>
-                <a:gsLst>
-                  <a:gs pos="1250">
-                    <a:schemeClr val="tx2"/>
-                  </a:gs>
-                  <a:gs pos="100000">
-                    <a:schemeClr val="tx2"/>
-                  </a:gs>
-                </a:gsLst>
-                <a:lin ang="5400000" scaled="0"/>
-              </a:gradFill>
-              <a:latin typeface="+mj-lt"/>
-              <a:cs typeface="Arial" charset="0"/>
-            </a:endParaRPr>
-          </a:p>
-          <a:p>
-            <a:pPr lvl="0"/>
-            <a:endParaRPr lang="it-IT" sz="1000" spc="-100" dirty="0">
-              <a:ln w="3175">
-                <a:noFill/>
-              </a:ln>
-              <a:gradFill>
-                <a:gsLst>
-                  <a:gs pos="1250">
-                    <a:schemeClr val="tx2"/>
-                  </a:gs>
-                  <a:gs pos="100000">
-                    <a:schemeClr val="tx2"/>
-                  </a:gs>
-                </a:gsLst>
-                <a:lin ang="5400000" scaled="0"/>
-              </a:gradFill>
-              <a:latin typeface="+mj-lt"/>
-              <a:cs typeface="Arial" charset="0"/>
-            </a:endParaRPr>
-          </a:p>
-          <a:p>
-            <a:pPr lvl="0"/>
-            <a:endParaRPr lang="it-IT" sz="1000" spc="-100" dirty="0" smtClean="0">
-              <a:ln w="3175">
-                <a:noFill/>
-              </a:ln>
-              <a:gradFill>
-                <a:gsLst>
-                  <a:gs pos="1250">
-                    <a:schemeClr val="tx2"/>
-                  </a:gs>
-                  <a:gs pos="100000">
-                    <a:schemeClr val="tx2"/>
-                  </a:gs>
-                </a:gsLst>
-                <a:lin ang="5400000" scaled="0"/>
-              </a:gradFill>
-              <a:latin typeface="+mj-lt"/>
-              <a:cs typeface="Arial" charset="0"/>
-            </a:endParaRPr>
-          </a:p>
-          <a:p>
-            <a:pPr lvl="0" algn="r"/>
-            <a:r>
-              <a:rPr lang="it-IT" sz="2000" spc="-100" dirty="0" smtClean="0">
-                <a:ln w="3175">
-                  <a:noFill/>
-                </a:ln>
-                <a:gradFill>
-                  <a:gsLst>
-                    <a:gs pos="1250">
-                      <a:schemeClr val="tx2"/>
-                    </a:gs>
-                    <a:gs pos="100000">
-                      <a:schemeClr val="tx2"/>
-                    </a:gs>
-                  </a:gsLst>
-                  <a:lin ang="5400000" scaled="0"/>
-                </a:gradFill>
-                <a:latin typeface="+mj-lt"/>
-                <a:cs typeface="Arial" charset="0"/>
-              </a:rPr>
-              <a:t>data </a:t>
-            </a:r>
-            <a:r>
-              <a:rPr lang="it-IT" sz="2000" spc="-100" dirty="0" err="1">
-                <a:ln w="3175">
-                  <a:noFill/>
-                </a:ln>
-                <a:gradFill>
-                  <a:gsLst>
-                    <a:gs pos="1250">
-                      <a:schemeClr val="tx2"/>
-                    </a:gs>
-                    <a:gs pos="100000">
-                      <a:schemeClr val="tx2"/>
-                    </a:gs>
-                  </a:gsLst>
-                  <a:lin ang="5400000" scaled="0"/>
-                </a:gradFill>
-                <a:latin typeface="+mj-lt"/>
-                <a:cs typeface="Arial" charset="0"/>
-              </a:rPr>
-              <a:t>sheet</a:t>
-            </a:r>
-            <a:r>
-              <a:rPr lang="it-IT" sz="2000" spc="-100" dirty="0">
-                <a:ln w="3175">
-                  <a:noFill/>
-                </a:ln>
-                <a:gradFill>
-                  <a:gsLst>
-                    <a:gs pos="1250">
-                      <a:schemeClr val="tx2"/>
-                    </a:gs>
-                    <a:gs pos="100000">
-                      <a:schemeClr val="tx2"/>
-                    </a:gs>
-                  </a:gsLst>
-                  <a:lin ang="5400000" scaled="0"/>
-                </a:gradFill>
-                <a:latin typeface="+mj-lt"/>
-                <a:cs typeface="Arial" charset="0"/>
-              </a:rPr>
-              <a:t>: http://www.solidat.com/objects/DS/DS-GaugerGSM.pdf</a:t>
-            </a:r>
-          </a:p>
-          <a:p>
-            <a:endParaRPr lang="it-IT" dirty="0"/>
-          </a:p>
-        </p:txBody>
-      </p:sp>
-      <p:sp>
-        <p:nvSpPr>
-          <p:cNvPr id="12" name="CasellaDiTesto 11"/>
-          <p:cNvSpPr txBox="1"/>
-          <p:nvPr/>
-        </p:nvSpPr>
-        <p:spPr>
-          <a:xfrm>
-            <a:off x="415529" y="314326"/>
-            <a:ext cx="11613357" cy="1384995"/>
-          </a:xfrm>
-          <a:prstGeom prst="rect">
-            <a:avLst/>
-          </a:prstGeom>
-          <a:noFill/>
-        </p:spPr>
-        <p:txBody>
-          <a:bodyPr wrap="square" rtlCol="0">
-            <a:spAutoFit/>
-          </a:bodyPr>
-          <a:lstStyle/>
-          <a:p>
-            <a:r>
-              <a:rPr lang="it-IT" sz="5400" b="1" spc="-100" dirty="0" smtClean="0">
+              <a:rPr lang="it-IT" sz="4400" b="1" spc="-100" dirty="0" smtClean="0">
                 <a:ln w="3175">
                   <a:noFill/>
                 </a:ln>
@@ -8588,22 +7701,9 @@
                 <a:latin typeface="+mj-lt"/>
                 <a:cs typeface="Arial" charset="0"/>
               </a:rPr>
-              <a:t>Architettura di </a:t>
-            </a:r>
-            <a:r>
-              <a:rPr lang="it-IT" sz="5400" b="1" spc="-100" dirty="0" err="1" smtClean="0">
-                <a:ln w="3175">
-                  <a:noFill/>
-                </a:ln>
-                <a:solidFill>
-                  <a:srgbClr val="0072C6"/>
-                </a:solidFill>
-                <a:latin typeface="+mj-lt"/>
-                <a:cs typeface="Arial" charset="0"/>
-              </a:rPr>
-              <a:t>deployment</a:t>
-            </a:r>
-            <a:endParaRPr lang="it-IT" sz="5400" b="1" spc="-100" dirty="0">
+              <a:t>Information model</a:t>
+            </a:r>
+            <a:endParaRPr lang="it-IT" sz="4400" b="1" spc="-100" dirty="0">
               <a:ln w="3175">
                 <a:noFill/>
               </a:ln>
@@ -8615,28 +7715,7 @@
             </a:endParaRPr>
           </a:p>
           <a:p>
-            <a:pPr defTabSz="914363">
-              <a:lnSpc>
-                <a:spcPct val="90000"/>
-              </a:lnSpc>
-              <a:spcBef>
-                <a:spcPct val="0"/>
-              </a:spcBef>
-            </a:pPr>
-            <a:r>
-              <a:rPr lang="it-IT" sz="3000" b="1" i="1" spc="-100" dirty="0" smtClean="0">
-                <a:ln w="3175">
-                  <a:noFill/>
-                </a:ln>
-                <a:solidFill>
-                  <a:srgbClr val="0072C6"/>
-                </a:solidFill>
-                <a:latin typeface="+mj-lt"/>
-                <a:cs typeface="Arial" charset="0"/>
-              </a:rPr>
-              <a:t>Strumenti - 1</a:t>
-            </a:r>
-            <a:endParaRPr lang="it-IT" sz="3000" b="1" i="1" spc="-100" dirty="0">
+            <a:endParaRPr lang="it-IT" sz="3000" b="1" spc="-100" dirty="0">
               <a:ln w="3175">
                 <a:noFill/>
               </a:ln>
@@ -8647,12 +7726,24 @@
               <a:cs typeface="Arial" charset="0"/>
             </a:endParaRPr>
           </a:p>
+          <a:p>
+            <a:endParaRPr lang="it-IT" sz="3000" b="1" spc="-100" dirty="0">
+              <a:ln w="3175">
+                <a:noFill/>
+              </a:ln>
+              <a:solidFill>
+                <a:srgbClr val="0072C6"/>
+              </a:solidFill>
+              <a:latin typeface="+mj-lt"/>
+              <a:cs typeface="Arial" charset="0"/>
+            </a:endParaRPr>
+          </a:p>
         </p:txBody>
       </p:sp>
     </p:spTree>
     <p:extLst>
       <p:ext uri="{BB962C8B-B14F-4D97-AF65-F5344CB8AC3E}">
-        <p14:creationId xmlns:p14="http://schemas.microsoft.com/office/powerpoint/2010/main" val="2904861033"/>
+        <p14:creationId xmlns:p14="http://schemas.microsoft.com/office/powerpoint/2010/main" val="2057061757"/>
       </p:ext>
     </p:extLst>
   </p:cSld>
@@ -8691,6 +7782,49 @@
       </p:grpSpPr>
       <p:sp>
         <p:nvSpPr>
+          <p:cNvPr id="5" name="Rettangolo 4"/>
+          <p:cNvSpPr/>
+          <p:nvPr/>
+        </p:nvSpPr>
+        <p:spPr>
+          <a:xfrm>
+            <a:off x="0" y="-28574"/>
+            <a:ext cx="12192000" cy="342900"/>
+          </a:xfrm>
+          <a:prstGeom prst="rect">
+            <a:avLst/>
+          </a:prstGeom>
+          <a:solidFill>
+            <a:srgbClr val="0072C6"/>
+          </a:solidFill>
+        </p:spPr>
+        <p:style>
+          <a:lnRef idx="2">
+            <a:schemeClr val="accent1">
+              <a:shade val="50000"/>
+            </a:schemeClr>
+          </a:lnRef>
+          <a:fillRef idx="1">
+            <a:schemeClr val="accent1"/>
+          </a:fillRef>
+          <a:effectRef idx="0">
+            <a:schemeClr val="accent1"/>
+          </a:effectRef>
+          <a:fontRef idx="minor">
+            <a:schemeClr val="lt1"/>
+          </a:fontRef>
+        </p:style>
+        <p:txBody>
+          <a:bodyPr rtlCol="0" anchor="ctr"/>
+          <a:lstStyle/>
+          <a:p>
+            <a:pPr algn="ctr"/>
+            <a:endParaRPr lang="it-IT"/>
+          </a:p>
+        </p:txBody>
+      </p:sp>
+      <p:sp>
+        <p:nvSpPr>
           <p:cNvPr id="4" name="Rettangolo 3"/>
           <p:cNvSpPr/>
           <p:nvPr/>
@@ -8734,6 +7868,161 @@
       </p:sp>
       <p:sp>
         <p:nvSpPr>
+          <p:cNvPr id="9" name="CasellaDiTesto 8"/>
+          <p:cNvSpPr txBox="1"/>
+          <p:nvPr/>
+        </p:nvSpPr>
+        <p:spPr>
+          <a:xfrm>
+            <a:off x="415529" y="314326"/>
+            <a:ext cx="11613357" cy="1692771"/>
+          </a:xfrm>
+          <a:prstGeom prst="rect">
+            <a:avLst/>
+          </a:prstGeom>
+          <a:noFill/>
+        </p:spPr>
+        <p:txBody>
+          <a:bodyPr wrap="square" rtlCol="0">
+            <a:spAutoFit/>
+          </a:bodyPr>
+          <a:lstStyle/>
+          <a:p>
+            <a:r>
+              <a:rPr lang="it-IT" sz="4400" b="1" spc="-100" dirty="0" smtClean="0">
+                <a:ln w="3175">
+                  <a:noFill/>
+                </a:ln>
+                <a:solidFill>
+                  <a:srgbClr val="0072C6"/>
+                </a:solidFill>
+                <a:latin typeface="+mj-lt"/>
+                <a:cs typeface="Arial" charset="0"/>
+              </a:rPr>
+              <a:t>Information flow – </a:t>
+            </a:r>
+            <a:r>
+              <a:rPr lang="it-IT" sz="4400" b="1" spc="-100" dirty="0" smtClean="0">
+                <a:ln w="3175">
+                  <a:noFill/>
+                </a:ln>
+                <a:solidFill>
+                  <a:srgbClr val="0072C6"/>
+                </a:solidFill>
+                <a:latin typeface="+mj-lt"/>
+                <a:cs typeface="Arial" charset="0"/>
+              </a:rPr>
+              <a:t>Rileva DI</a:t>
+            </a:r>
+            <a:endParaRPr lang="it-IT" sz="4400" b="1" spc="-100" dirty="0">
+              <a:ln w="3175">
+                <a:noFill/>
+              </a:ln>
+              <a:solidFill>
+                <a:srgbClr val="0072C6"/>
+              </a:solidFill>
+              <a:latin typeface="+mj-lt"/>
+              <a:cs typeface="Arial" charset="0"/>
+            </a:endParaRPr>
+          </a:p>
+          <a:p>
+            <a:endParaRPr lang="it-IT" sz="3000" b="1" spc="-100" dirty="0">
+              <a:ln w="3175">
+                <a:noFill/>
+              </a:ln>
+              <a:solidFill>
+                <a:srgbClr val="0072C6"/>
+              </a:solidFill>
+              <a:latin typeface="+mj-lt"/>
+              <a:cs typeface="Arial" charset="0"/>
+            </a:endParaRPr>
+          </a:p>
+          <a:p>
+            <a:endParaRPr lang="it-IT" sz="3000" b="1" spc="-100" dirty="0">
+              <a:ln w="3175">
+                <a:noFill/>
+              </a:ln>
+              <a:solidFill>
+                <a:srgbClr val="0072C6"/>
+              </a:solidFill>
+              <a:latin typeface="+mj-lt"/>
+              <a:cs typeface="Arial" charset="0"/>
+            </a:endParaRPr>
+          </a:p>
+        </p:txBody>
+      </p:sp>
+      <p:pic>
+        <p:nvPicPr>
+          <p:cNvPr id="2" name="Immagine 1" descr="Schermata 2015-02-19 alle 15.06.39.png"/>
+          <p:cNvPicPr>
+            <a:picLocks noChangeAspect="1"/>
+          </p:cNvPicPr>
+          <p:nvPr/>
+        </p:nvPicPr>
+        <p:blipFill>
+          <a:blip r:embed="rId2">
+            <a:extLst>
+              <a:ext uri="{28A0092B-C50C-407E-A947-70E740481C1C}">
+                <a14:useLocalDpi xmlns:a14="http://schemas.microsoft.com/office/drawing/2010/main" val="0"/>
+              </a:ext>
+            </a:extLst>
+          </a:blip>
+          <a:stretch>
+            <a:fillRect/>
+          </a:stretch>
+        </p:blipFill>
+        <p:spPr>
+          <a:xfrm>
+            <a:off x="0" y="1493310"/>
+            <a:ext cx="11770623" cy="4204766"/>
+          </a:xfrm>
+          <a:prstGeom prst="rect">
+            <a:avLst/>
+          </a:prstGeom>
+        </p:spPr>
+      </p:pic>
+    </p:spTree>
+    <p:extLst>
+      <p:ext uri="{BB962C8B-B14F-4D97-AF65-F5344CB8AC3E}">
+        <p14:creationId xmlns:p14="http://schemas.microsoft.com/office/powerpoint/2010/main" val="3205351610"/>
+      </p:ext>
+    </p:extLst>
+  </p:cSld>
+  <p:clrMapOvr>
+    <a:masterClrMapping/>
+  </p:clrMapOvr>
+  <p:transition xmlns:p14="http://schemas.microsoft.com/office/powerpoint/2010/main" spd="slow">
+    <p:push dir="u"/>
+  </p:transition>
+  <p:timing>
+    <p:tnLst>
+      <p:par>
+        <p:cTn xmlns:p14="http://schemas.microsoft.com/office/powerpoint/2010/main" id="1" dur="indefinite" restart="never" nodeType="tmRoot"/>
+      </p:par>
+    </p:tnLst>
+  </p:timing>
+</p:sld>
+</file>
+
+<file path=ppt/slides/slide19.xml><?xml version="1.0" encoding="utf-8"?>
+<p:sld xmlns:a="http://schemas.openxmlformats.org/drawingml/2006/main" xmlns:r="http://schemas.openxmlformats.org/officeDocument/2006/relationships" xmlns:p="http://schemas.openxmlformats.org/presentationml/2006/main">
+  <p:cSld>
+    <p:spTree>
+      <p:nvGrpSpPr>
+        <p:cNvPr id="1" name=""/>
+        <p:cNvGrpSpPr/>
+        <p:nvPr/>
+      </p:nvGrpSpPr>
+      <p:grpSpPr>
+        <a:xfrm>
+          <a:off x="0" y="0"/>
+          <a:ext cx="0" cy="0"/>
+          <a:chOff x="0" y="0"/>
+          <a:chExt cx="0" cy="0"/>
+        </a:xfrm>
+      </p:grpSpPr>
+      <p:sp>
+        <p:nvSpPr>
           <p:cNvPr id="5" name="Rettangolo 4"/>
           <p:cNvSpPr/>
           <p:nvPr/>
@@ -8777,187 +8066,166 @@
       </p:sp>
       <p:sp>
         <p:nvSpPr>
-          <p:cNvPr id="6" name="Title 2"/>
-          <p:cNvSpPr txBox="1">
-            <a:spLocks/>
-          </p:cNvSpPr>
+          <p:cNvPr id="4" name="Rettangolo 3"/>
+          <p:cNvSpPr/>
           <p:nvPr/>
         </p:nvSpPr>
         <p:spPr>
           <a:xfrm>
-            <a:off x="521493" y="485778"/>
-            <a:ext cx="11149013" cy="1214436"/>
+            <a:off x="0" y="6515100"/>
+            <a:ext cx="12192000" cy="342900"/>
+          </a:xfrm>
+          <a:prstGeom prst="rect">
+            <a:avLst/>
+          </a:prstGeom>
+          <a:solidFill>
+            <a:srgbClr val="0072C6"/>
+          </a:solidFill>
+        </p:spPr>
+        <p:style>
+          <a:lnRef idx="2">
+            <a:schemeClr val="accent1">
+              <a:shade val="50000"/>
+            </a:schemeClr>
+          </a:lnRef>
+          <a:fillRef idx="1">
+            <a:schemeClr val="accent1"/>
+          </a:fillRef>
+          <a:effectRef idx="0">
+            <a:schemeClr val="accent1"/>
+          </a:effectRef>
+          <a:fontRef idx="minor">
+            <a:schemeClr val="lt1"/>
+          </a:fontRef>
+        </p:style>
+        <p:txBody>
+          <a:bodyPr rtlCol="0" anchor="ctr"/>
+          <a:lstStyle/>
+          <a:p>
+            <a:pPr algn="ctr"/>
+            <a:endParaRPr lang="it-IT"/>
+          </a:p>
+        </p:txBody>
+      </p:sp>
+      <p:sp>
+        <p:nvSpPr>
+          <p:cNvPr id="9" name="CasellaDiTesto 8"/>
+          <p:cNvSpPr txBox="1"/>
+          <p:nvPr/>
+        </p:nvSpPr>
+        <p:spPr>
+          <a:xfrm>
+            <a:off x="415529" y="314326"/>
+            <a:ext cx="11613357" cy="1692771"/>
+          </a:xfrm>
+          <a:prstGeom prst="rect">
+            <a:avLst/>
+          </a:prstGeom>
+          <a:noFill/>
+        </p:spPr>
+        <p:txBody>
+          <a:bodyPr wrap="square" rtlCol="0">
+            <a:spAutoFit/>
+          </a:bodyPr>
+          <a:lstStyle/>
+          <a:p>
+            <a:r>
+              <a:rPr lang="it-IT" sz="4400" b="1" spc="-100" dirty="0" smtClean="0">
+                <a:ln w="3175">
+                  <a:noFill/>
+                </a:ln>
+                <a:solidFill>
+                  <a:srgbClr val="0072C6"/>
+                </a:solidFill>
+                <a:latin typeface="+mj-lt"/>
+                <a:cs typeface="Arial" charset="0"/>
+              </a:rPr>
+              <a:t>Information flow – A</a:t>
+            </a:r>
+            <a:r>
+              <a:rPr lang="it-IT" sz="4400" b="1" spc="-100" dirty="0" smtClean="0">
+                <a:ln w="3175">
+                  <a:noFill/>
+                </a:ln>
+                <a:solidFill>
+                  <a:srgbClr val="0072C6"/>
+                </a:solidFill>
+                <a:latin typeface="+mj-lt"/>
+                <a:cs typeface="Arial" charset="0"/>
+              </a:rPr>
+              <a:t>ggiorna storico</a:t>
+            </a:r>
+            <a:endParaRPr lang="it-IT" sz="4400" b="1" spc="-100" dirty="0">
+              <a:ln w="3175">
+                <a:noFill/>
+              </a:ln>
+              <a:solidFill>
+                <a:srgbClr val="0072C6"/>
+              </a:solidFill>
+              <a:latin typeface="+mj-lt"/>
+              <a:cs typeface="Arial" charset="0"/>
+            </a:endParaRPr>
+          </a:p>
+          <a:p>
+            <a:endParaRPr lang="it-IT" sz="3000" b="1" spc="-100" dirty="0">
+              <a:ln w="3175">
+                <a:noFill/>
+              </a:ln>
+              <a:solidFill>
+                <a:srgbClr val="0072C6"/>
+              </a:solidFill>
+              <a:latin typeface="+mj-lt"/>
+              <a:cs typeface="Arial" charset="0"/>
+            </a:endParaRPr>
+          </a:p>
+          <a:p>
+            <a:endParaRPr lang="it-IT" sz="3000" b="1" spc="-100" dirty="0">
+              <a:ln w="3175">
+                <a:noFill/>
+              </a:ln>
+              <a:solidFill>
+                <a:srgbClr val="0072C6"/>
+              </a:solidFill>
+              <a:latin typeface="+mj-lt"/>
+              <a:cs typeface="Arial" charset="0"/>
+            </a:endParaRPr>
+          </a:p>
+        </p:txBody>
+      </p:sp>
+      <p:pic>
+        <p:nvPicPr>
+          <p:cNvPr id="3" name="Immagine 2" descr="Schermata 2015-02-19 alle 15.09.02.png"/>
+          <p:cNvPicPr>
+            <a:picLocks noChangeAspect="1"/>
+          </p:cNvPicPr>
+          <p:nvPr/>
+        </p:nvPicPr>
+        <p:blipFill>
+          <a:blip r:embed="rId2">
+            <a:extLst>
+              <a:ext uri="{28A0092B-C50C-407E-A947-70E740481C1C}">
+                <a14:useLocalDpi xmlns:a14="http://schemas.microsoft.com/office/drawing/2010/main" val="0"/>
+              </a:ext>
+            </a:extLst>
+          </a:blip>
+          <a:stretch>
+            <a:fillRect/>
+          </a:stretch>
+        </p:blipFill>
+        <p:spPr>
+          <a:xfrm>
+            <a:off x="0" y="1548068"/>
+            <a:ext cx="12047555" cy="3656456"/>
           </a:xfrm>
           <a:prstGeom prst="rect">
             <a:avLst/>
           </a:prstGeom>
         </p:spPr>
-        <p:txBody>
-          <a:bodyPr/>
-          <a:lstStyle>
-            <a:lvl1pPr algn="l" defTabSz="914363" rtl="0" eaLnBrk="1" latinLnBrk="0" hangingPunct="1">
-              <a:lnSpc>
-                <a:spcPct val="90000"/>
-              </a:lnSpc>
-              <a:spcBef>
-                <a:spcPct val="0"/>
-              </a:spcBef>
-              <a:buNone/>
-              <a:defRPr lang="en-US" sz="5400" b="0" kern="1200" cap="none" spc="-100" baseline="0" dirty="0" smtClean="0">
-                <a:ln w="3175">
-                  <a:noFill/>
-                </a:ln>
-                <a:gradFill>
-                  <a:gsLst>
-                    <a:gs pos="1250">
-                      <a:schemeClr val="tx2"/>
-                    </a:gs>
-                    <a:gs pos="100000">
-                      <a:schemeClr val="tx2"/>
-                    </a:gs>
-                  </a:gsLst>
-                  <a:lin ang="5400000" scaled="0"/>
-                </a:gradFill>
-                <a:effectLst/>
-                <a:latin typeface="+mj-lt"/>
-                <a:ea typeface="+mn-ea"/>
-                <a:cs typeface="Arial" charset="0"/>
-              </a:defRPr>
-            </a:lvl1pPr>
-          </a:lstStyle>
-          <a:p>
-            <a:r>
-              <a:rPr lang="it-IT" b="1" dirty="0" smtClean="0">
-                <a:solidFill>
-                  <a:srgbClr val="0072C6"/>
-                </a:solidFill>
-              </a:rPr>
-              <a:t>Architettura di </a:t>
-            </a:r>
-            <a:r>
-              <a:rPr lang="it-IT" b="1" dirty="0" err="1" smtClean="0">
-                <a:solidFill>
-                  <a:srgbClr val="0072C6"/>
-                </a:solidFill>
-              </a:rPr>
-              <a:t>deployment</a:t>
-            </a:r>
-            <a:endParaRPr lang="it-IT" b="1" dirty="0" smtClean="0">
-              <a:solidFill>
-                <a:srgbClr val="0072C6"/>
-              </a:solidFill>
-            </a:endParaRPr>
-          </a:p>
-          <a:p>
-            <a:r>
-              <a:rPr lang="it-IT" sz="3000" b="1" i="1" dirty="0" smtClean="0">
-                <a:solidFill>
-                  <a:srgbClr val="0072C6"/>
-                </a:solidFill>
-              </a:rPr>
-              <a:t>Strumenti - 2</a:t>
-            </a:r>
-            <a:endParaRPr lang="it-IT" sz="3000" b="1" i="1" dirty="0">
-              <a:solidFill>
-                <a:srgbClr val="0072C6"/>
-              </a:solidFill>
-            </a:endParaRPr>
-          </a:p>
-          <a:p>
-            <a:endParaRPr lang="it-IT" sz="1500" b="1" i="1" dirty="0" smtClean="0">
-              <a:solidFill>
-                <a:srgbClr val="0072C6"/>
-              </a:solidFill>
-            </a:endParaRPr>
-          </a:p>
-          <a:p>
-            <a:pPr marL="457200" lvl="0" indent="-457200">
-              <a:buFont typeface="Arial" panose="020B0604020202020204" pitchFamily="34" charset="0"/>
-              <a:buChar char="•"/>
-            </a:pPr>
-            <a:endParaRPr lang="it-IT" sz="3200" dirty="0" smtClean="0"/>
-          </a:p>
-          <a:p>
-            <a:pPr marL="457200" lvl="0" indent="-457200">
-              <a:buFont typeface="Arial" panose="020B0604020202020204" pitchFamily="34" charset="0"/>
-              <a:buChar char="•"/>
-            </a:pPr>
-            <a:endParaRPr lang="it-IT" sz="3200" dirty="0"/>
-          </a:p>
-          <a:p>
-            <a:pPr marL="457200" lvl="0" indent="-457200">
-              <a:buFont typeface="Arial" panose="020B0604020202020204" pitchFamily="34" charset="0"/>
-              <a:buChar char="•"/>
-            </a:pPr>
-            <a:endParaRPr lang="it-IT" sz="3200" dirty="0" smtClean="0"/>
-          </a:p>
-          <a:p>
-            <a:pPr marL="457200" lvl="0" indent="-457200">
-              <a:buFont typeface="Arial" panose="020B0604020202020204" pitchFamily="34" charset="0"/>
-              <a:buChar char="•"/>
-            </a:pPr>
-            <a:endParaRPr lang="it-IT" sz="3200" dirty="0"/>
-          </a:p>
-          <a:p>
-            <a:pPr marL="457200" lvl="0" indent="-457200">
-              <a:buFont typeface="Arial" panose="020B0604020202020204" pitchFamily="34" charset="0"/>
-              <a:buChar char="•"/>
-            </a:pPr>
-            <a:endParaRPr lang="it-IT" sz="3000" dirty="0"/>
-          </a:p>
-          <a:p>
-            <a:pPr marL="457200" lvl="0" indent="-457200">
-              <a:buFont typeface="Arial" panose="020B0604020202020204" pitchFamily="34" charset="0"/>
-              <a:buChar char="•"/>
-            </a:pPr>
-            <a:endParaRPr lang="it-IT" sz="3000" b="1" i="1" dirty="0" smtClean="0">
-              <a:solidFill>
-                <a:srgbClr val="0072C6"/>
-              </a:solidFill>
-            </a:endParaRPr>
-          </a:p>
-          <a:p>
-            <a:pPr marL="457200" lvl="0" indent="-457200">
-              <a:buFont typeface="Arial" panose="020B0604020202020204" pitchFamily="34" charset="0"/>
-              <a:buChar char="•"/>
-            </a:pPr>
-            <a:endParaRPr lang="it-IT" sz="3000" b="1" i="1" dirty="0" smtClean="0">
-              <a:solidFill>
-                <a:srgbClr val="0072C6"/>
-              </a:solidFill>
-            </a:endParaRPr>
-          </a:p>
-          <a:p>
-            <a:pPr marL="457200" lvl="0" indent="-457200">
-              <a:buFont typeface="Arial" panose="020B0604020202020204" pitchFamily="34" charset="0"/>
-              <a:buChar char="•"/>
-            </a:pPr>
-            <a:endParaRPr lang="it-IT" sz="5000" b="1" i="1" dirty="0">
-              <a:solidFill>
-                <a:srgbClr val="0072C6"/>
-              </a:solidFill>
-            </a:endParaRPr>
-          </a:p>
-          <a:p>
-            <a:endParaRPr lang="it-IT" sz="5000" b="1" i="1" dirty="0" smtClean="0">
-              <a:solidFill>
-                <a:srgbClr val="0072C6"/>
-              </a:solidFill>
-            </a:endParaRPr>
-          </a:p>
-          <a:p>
-            <a:endParaRPr lang="it-IT" sz="3000" b="1" i="1" dirty="0">
-              <a:solidFill>
-                <a:srgbClr val="0072C6"/>
-              </a:solidFill>
-            </a:endParaRPr>
-          </a:p>
-        </p:txBody>
-      </p:sp>
+      </p:pic>
     </p:spTree>
     <p:extLst>
       <p:ext uri="{BB962C8B-B14F-4D97-AF65-F5344CB8AC3E}">
-        <p14:creationId xmlns:p14="http://schemas.microsoft.com/office/powerpoint/2010/main" val="1479327376"/>
+        <p14:creationId xmlns:p14="http://schemas.microsoft.com/office/powerpoint/2010/main" val="2332675129"/>
       </p:ext>
     </p:extLst>
   </p:cSld>
@@ -9265,7 +8533,7 @@
 </p:sld>
 </file>
 
-<file path=ppt/slides/slide3.xml><?xml version="1.0" encoding="utf-8"?>
+<file path=ppt/slides/slide20.xml><?xml version="1.0" encoding="utf-8"?>
 <p:sld xmlns:a="http://schemas.openxmlformats.org/drawingml/2006/main" xmlns:r="http://schemas.openxmlformats.org/officeDocument/2006/relationships" xmlns:p="http://schemas.openxmlformats.org/presentationml/2006/main">
   <p:cSld>
     <p:spTree>
@@ -9284,7 +8552,50 @@
       </p:grpSpPr>
       <p:sp>
         <p:nvSpPr>
-          <p:cNvPr id="7" name="Rettangolo 6"/>
+          <p:cNvPr id="5" name="Rettangolo 4"/>
+          <p:cNvSpPr/>
+          <p:nvPr/>
+        </p:nvSpPr>
+        <p:spPr>
+          <a:xfrm>
+            <a:off x="0" y="-28574"/>
+            <a:ext cx="12192000" cy="342900"/>
+          </a:xfrm>
+          <a:prstGeom prst="rect">
+            <a:avLst/>
+          </a:prstGeom>
+          <a:solidFill>
+            <a:srgbClr val="0072C6"/>
+          </a:solidFill>
+        </p:spPr>
+        <p:style>
+          <a:lnRef idx="2">
+            <a:schemeClr val="accent1">
+              <a:shade val="50000"/>
+            </a:schemeClr>
+          </a:lnRef>
+          <a:fillRef idx="1">
+            <a:schemeClr val="accent1"/>
+          </a:fillRef>
+          <a:effectRef idx="0">
+            <a:schemeClr val="accent1"/>
+          </a:effectRef>
+          <a:fontRef idx="minor">
+            <a:schemeClr val="lt1"/>
+          </a:fontRef>
+        </p:style>
+        <p:txBody>
+          <a:bodyPr rtlCol="0" anchor="ctr"/>
+          <a:lstStyle/>
+          <a:p>
+            <a:pPr algn="ctr"/>
+            <a:endParaRPr lang="it-IT"/>
+          </a:p>
+        </p:txBody>
+      </p:sp>
+      <p:sp>
+        <p:nvSpPr>
+          <p:cNvPr id="4" name="Rettangolo 3"/>
           <p:cNvSpPr/>
           <p:nvPr/>
         </p:nvSpPr>
@@ -9327,7 +8638,149 @@
       </p:sp>
       <p:sp>
         <p:nvSpPr>
-          <p:cNvPr id="8" name="Rettangolo 7"/>
+          <p:cNvPr id="9" name="CasellaDiTesto 8"/>
+          <p:cNvSpPr txBox="1"/>
+          <p:nvPr/>
+        </p:nvSpPr>
+        <p:spPr>
+          <a:xfrm>
+            <a:off x="415529" y="314326"/>
+            <a:ext cx="11613357" cy="1692771"/>
+          </a:xfrm>
+          <a:prstGeom prst="rect">
+            <a:avLst/>
+          </a:prstGeom>
+          <a:noFill/>
+        </p:spPr>
+        <p:txBody>
+          <a:bodyPr wrap="square" rtlCol="0">
+            <a:spAutoFit/>
+          </a:bodyPr>
+          <a:lstStyle/>
+          <a:p>
+            <a:r>
+              <a:rPr lang="it-IT" sz="4400" b="1" spc="-100" dirty="0" smtClean="0">
+                <a:ln w="3175">
+                  <a:noFill/>
+                </a:ln>
+                <a:solidFill>
+                  <a:srgbClr val="0072C6"/>
+                </a:solidFill>
+                <a:latin typeface="+mj-lt"/>
+                <a:cs typeface="Arial" charset="0"/>
+              </a:rPr>
+              <a:t>Information flow – Identifica SEP</a:t>
+            </a:r>
+            <a:endParaRPr lang="it-IT" sz="4400" b="1" spc="-100" dirty="0">
+              <a:ln w="3175">
+                <a:noFill/>
+              </a:ln>
+              <a:solidFill>
+                <a:srgbClr val="0072C6"/>
+              </a:solidFill>
+              <a:latin typeface="+mj-lt"/>
+              <a:cs typeface="Arial" charset="0"/>
+            </a:endParaRPr>
+          </a:p>
+          <a:p>
+            <a:endParaRPr lang="it-IT" sz="3000" b="1" spc="-100" dirty="0">
+              <a:ln w="3175">
+                <a:noFill/>
+              </a:ln>
+              <a:solidFill>
+                <a:srgbClr val="0072C6"/>
+              </a:solidFill>
+              <a:latin typeface="+mj-lt"/>
+              <a:cs typeface="Arial" charset="0"/>
+            </a:endParaRPr>
+          </a:p>
+          <a:p>
+            <a:endParaRPr lang="it-IT" sz="3000" b="1" spc="-100" dirty="0">
+              <a:ln w="3175">
+                <a:noFill/>
+              </a:ln>
+              <a:solidFill>
+                <a:srgbClr val="0072C6"/>
+              </a:solidFill>
+              <a:latin typeface="+mj-lt"/>
+              <a:cs typeface="Arial" charset="0"/>
+            </a:endParaRPr>
+          </a:p>
+        </p:txBody>
+      </p:sp>
+      <p:pic>
+        <p:nvPicPr>
+          <p:cNvPr id="2" name="Immagine 1" descr="Schermata 2015-02-19 alle 15.10.15.png"/>
+          <p:cNvPicPr>
+            <a:picLocks noChangeAspect="1"/>
+          </p:cNvPicPr>
+          <p:nvPr/>
+        </p:nvPicPr>
+        <p:blipFill>
+          <a:blip r:embed="rId2">
+            <a:extLst>
+              <a:ext uri="{28A0092B-C50C-407E-A947-70E740481C1C}">
+                <a14:useLocalDpi xmlns:a14="http://schemas.microsoft.com/office/drawing/2010/main" val="0"/>
+              </a:ext>
+            </a:extLst>
+          </a:blip>
+          <a:stretch>
+            <a:fillRect/>
+          </a:stretch>
+        </p:blipFill>
+        <p:spPr>
+          <a:xfrm>
+            <a:off x="-1" y="1201401"/>
+            <a:ext cx="12217169" cy="5316731"/>
+          </a:xfrm>
+          <a:prstGeom prst="rect">
+            <a:avLst/>
+          </a:prstGeom>
+        </p:spPr>
+      </p:pic>
+    </p:spTree>
+    <p:extLst>
+      <p:ext uri="{BB962C8B-B14F-4D97-AF65-F5344CB8AC3E}">
+        <p14:creationId xmlns:p14="http://schemas.microsoft.com/office/powerpoint/2010/main" val="3480597299"/>
+      </p:ext>
+    </p:extLst>
+  </p:cSld>
+  <p:clrMapOvr>
+    <a:masterClrMapping/>
+  </p:clrMapOvr>
+  <p:transition xmlns:p14="http://schemas.microsoft.com/office/powerpoint/2010/main" spd="slow">
+    <p:push dir="u"/>
+  </p:transition>
+  <p:timing>
+    <p:tnLst>
+      <p:par>
+        <p:cTn xmlns:p14="http://schemas.microsoft.com/office/powerpoint/2010/main" id="1" dur="indefinite" restart="never" nodeType="tmRoot"/>
+      </p:par>
+    </p:tnLst>
+  </p:timing>
+</p:sld>
+</file>
+
+<file path=ppt/slides/slide21.xml><?xml version="1.0" encoding="utf-8"?>
+<p:sld xmlns:a="http://schemas.openxmlformats.org/drawingml/2006/main" xmlns:r="http://schemas.openxmlformats.org/officeDocument/2006/relationships" xmlns:p="http://schemas.openxmlformats.org/presentationml/2006/main">
+  <p:cSld>
+    <p:spTree>
+      <p:nvGrpSpPr>
+        <p:cNvPr id="1" name=""/>
+        <p:cNvGrpSpPr/>
+        <p:nvPr/>
+      </p:nvGrpSpPr>
+      <p:grpSpPr>
+        <a:xfrm>
+          <a:off x="0" y="0"/>
+          <a:ext cx="0" cy="0"/>
+          <a:chOff x="0" y="0"/>
+          <a:chExt cx="0" cy="0"/>
+        </a:xfrm>
+      </p:grpSpPr>
+      <p:sp>
+        <p:nvSpPr>
+          <p:cNvPr id="5" name="Rettangolo 4"/>
           <p:cNvSpPr/>
           <p:nvPr/>
         </p:nvSpPr>
@@ -9370,6 +8823,2244 @@
       </p:sp>
       <p:sp>
         <p:nvSpPr>
+          <p:cNvPr id="4" name="Rettangolo 3"/>
+          <p:cNvSpPr/>
+          <p:nvPr/>
+        </p:nvSpPr>
+        <p:spPr>
+          <a:xfrm>
+            <a:off x="0" y="6515100"/>
+            <a:ext cx="12192000" cy="342900"/>
+          </a:xfrm>
+          <a:prstGeom prst="rect">
+            <a:avLst/>
+          </a:prstGeom>
+          <a:solidFill>
+            <a:srgbClr val="0072C6"/>
+          </a:solidFill>
+        </p:spPr>
+        <p:style>
+          <a:lnRef idx="2">
+            <a:schemeClr val="accent1">
+              <a:shade val="50000"/>
+            </a:schemeClr>
+          </a:lnRef>
+          <a:fillRef idx="1">
+            <a:schemeClr val="accent1"/>
+          </a:fillRef>
+          <a:effectRef idx="0">
+            <a:schemeClr val="accent1"/>
+          </a:effectRef>
+          <a:fontRef idx="minor">
+            <a:schemeClr val="lt1"/>
+          </a:fontRef>
+        </p:style>
+        <p:txBody>
+          <a:bodyPr rtlCol="0" anchor="ctr"/>
+          <a:lstStyle/>
+          <a:p>
+            <a:pPr algn="ctr"/>
+            <a:endParaRPr lang="it-IT"/>
+          </a:p>
+        </p:txBody>
+      </p:sp>
+      <p:sp>
+        <p:nvSpPr>
+          <p:cNvPr id="9" name="CasellaDiTesto 8"/>
+          <p:cNvSpPr txBox="1"/>
+          <p:nvPr/>
+        </p:nvSpPr>
+        <p:spPr>
+          <a:xfrm>
+            <a:off x="415529" y="314326"/>
+            <a:ext cx="11613357" cy="1692771"/>
+          </a:xfrm>
+          <a:prstGeom prst="rect">
+            <a:avLst/>
+          </a:prstGeom>
+          <a:noFill/>
+        </p:spPr>
+        <p:txBody>
+          <a:bodyPr wrap="square" rtlCol="0">
+            <a:spAutoFit/>
+          </a:bodyPr>
+          <a:lstStyle/>
+          <a:p>
+            <a:r>
+              <a:rPr lang="it-IT" sz="4400" b="1" spc="-100" dirty="0" smtClean="0">
+                <a:ln w="3175">
+                  <a:noFill/>
+                </a:ln>
+                <a:solidFill>
+                  <a:srgbClr val="0072C6"/>
+                </a:solidFill>
+                <a:latin typeface="+mj-lt"/>
+                <a:cs typeface="Arial" charset="0"/>
+              </a:rPr>
+              <a:t>Information flow – Pianifica spostamento squadre e.</a:t>
+            </a:r>
+            <a:endParaRPr lang="it-IT" sz="4400" b="1" spc="-100" dirty="0">
+              <a:ln w="3175">
+                <a:noFill/>
+              </a:ln>
+              <a:solidFill>
+                <a:srgbClr val="0072C6"/>
+              </a:solidFill>
+              <a:latin typeface="+mj-lt"/>
+              <a:cs typeface="Arial" charset="0"/>
+            </a:endParaRPr>
+          </a:p>
+          <a:p>
+            <a:endParaRPr lang="it-IT" sz="3000" b="1" spc="-100" dirty="0">
+              <a:ln w="3175">
+                <a:noFill/>
+              </a:ln>
+              <a:solidFill>
+                <a:srgbClr val="0072C6"/>
+              </a:solidFill>
+              <a:latin typeface="+mj-lt"/>
+              <a:cs typeface="Arial" charset="0"/>
+            </a:endParaRPr>
+          </a:p>
+          <a:p>
+            <a:endParaRPr lang="it-IT" sz="3000" b="1" spc="-100" dirty="0">
+              <a:ln w="3175">
+                <a:noFill/>
+              </a:ln>
+              <a:solidFill>
+                <a:srgbClr val="0072C6"/>
+              </a:solidFill>
+              <a:latin typeface="+mj-lt"/>
+              <a:cs typeface="Arial" charset="0"/>
+            </a:endParaRPr>
+          </a:p>
+        </p:txBody>
+      </p:sp>
+      <p:pic>
+        <p:nvPicPr>
+          <p:cNvPr id="3" name="Immagine 2" descr="Schermata 2015-02-19 alle 15.11.23.png"/>
+          <p:cNvPicPr>
+            <a:picLocks noChangeAspect="1"/>
+          </p:cNvPicPr>
+          <p:nvPr/>
+        </p:nvPicPr>
+        <p:blipFill>
+          <a:blip r:embed="rId2">
+            <a:extLst>
+              <a:ext uri="{28A0092B-C50C-407E-A947-70E740481C1C}">
+                <a14:useLocalDpi xmlns:a14="http://schemas.microsoft.com/office/drawing/2010/main" val="0"/>
+              </a:ext>
+            </a:extLst>
+          </a:blip>
+          <a:stretch>
+            <a:fillRect/>
+          </a:stretch>
+        </p:blipFill>
+        <p:spPr>
+          <a:xfrm>
+            <a:off x="995382" y="939196"/>
+            <a:ext cx="10194085" cy="5413713"/>
+          </a:xfrm>
+          <a:prstGeom prst="rect">
+            <a:avLst/>
+          </a:prstGeom>
+        </p:spPr>
+      </p:pic>
+    </p:spTree>
+    <p:extLst>
+      <p:ext uri="{BB962C8B-B14F-4D97-AF65-F5344CB8AC3E}">
+        <p14:creationId xmlns:p14="http://schemas.microsoft.com/office/powerpoint/2010/main" val="482032415"/>
+      </p:ext>
+    </p:extLst>
+  </p:cSld>
+  <p:clrMapOvr>
+    <a:masterClrMapping/>
+  </p:clrMapOvr>
+  <p:transition xmlns:p14="http://schemas.microsoft.com/office/powerpoint/2010/main" spd="slow">
+    <p:push dir="u"/>
+  </p:transition>
+  <p:timing>
+    <p:tnLst>
+      <p:par>
+        <p:cTn xmlns:p14="http://schemas.microsoft.com/office/powerpoint/2010/main" id="1" dur="indefinite" restart="never" nodeType="tmRoot"/>
+      </p:par>
+    </p:tnLst>
+  </p:timing>
+</p:sld>
+</file>
+
+<file path=ppt/slides/slide22.xml><?xml version="1.0" encoding="utf-8"?>
+<p:sld xmlns:a="http://schemas.openxmlformats.org/drawingml/2006/main" xmlns:r="http://schemas.openxmlformats.org/officeDocument/2006/relationships" xmlns:p="http://schemas.openxmlformats.org/presentationml/2006/main">
+  <p:cSld>
+    <p:spTree>
+      <p:nvGrpSpPr>
+        <p:cNvPr id="1" name=""/>
+        <p:cNvGrpSpPr/>
+        <p:nvPr/>
+      </p:nvGrpSpPr>
+      <p:grpSpPr>
+        <a:xfrm>
+          <a:off x="0" y="0"/>
+          <a:ext cx="0" cy="0"/>
+          <a:chOff x="0" y="0"/>
+          <a:chExt cx="0" cy="0"/>
+        </a:xfrm>
+      </p:grpSpPr>
+      <p:sp>
+        <p:nvSpPr>
+          <p:cNvPr id="5" name="Rettangolo 4"/>
+          <p:cNvSpPr/>
+          <p:nvPr/>
+        </p:nvSpPr>
+        <p:spPr>
+          <a:xfrm>
+            <a:off x="0" y="-28574"/>
+            <a:ext cx="12192000" cy="342900"/>
+          </a:xfrm>
+          <a:prstGeom prst="rect">
+            <a:avLst/>
+          </a:prstGeom>
+          <a:solidFill>
+            <a:srgbClr val="0072C6"/>
+          </a:solidFill>
+        </p:spPr>
+        <p:style>
+          <a:lnRef idx="2">
+            <a:schemeClr val="accent1">
+              <a:shade val="50000"/>
+            </a:schemeClr>
+          </a:lnRef>
+          <a:fillRef idx="1">
+            <a:schemeClr val="accent1"/>
+          </a:fillRef>
+          <a:effectRef idx="0">
+            <a:schemeClr val="accent1"/>
+          </a:effectRef>
+          <a:fontRef idx="minor">
+            <a:schemeClr val="lt1"/>
+          </a:fontRef>
+        </p:style>
+        <p:txBody>
+          <a:bodyPr rtlCol="0" anchor="ctr"/>
+          <a:lstStyle/>
+          <a:p>
+            <a:pPr algn="ctr"/>
+            <a:endParaRPr lang="it-IT"/>
+          </a:p>
+        </p:txBody>
+      </p:sp>
+      <p:sp>
+        <p:nvSpPr>
+          <p:cNvPr id="4" name="Rettangolo 3"/>
+          <p:cNvSpPr/>
+          <p:nvPr/>
+        </p:nvSpPr>
+        <p:spPr>
+          <a:xfrm>
+            <a:off x="0" y="6515100"/>
+            <a:ext cx="12192000" cy="342900"/>
+          </a:xfrm>
+          <a:prstGeom prst="rect">
+            <a:avLst/>
+          </a:prstGeom>
+          <a:solidFill>
+            <a:srgbClr val="0072C6"/>
+          </a:solidFill>
+        </p:spPr>
+        <p:style>
+          <a:lnRef idx="2">
+            <a:schemeClr val="accent1">
+              <a:shade val="50000"/>
+            </a:schemeClr>
+          </a:lnRef>
+          <a:fillRef idx="1">
+            <a:schemeClr val="accent1"/>
+          </a:fillRef>
+          <a:effectRef idx="0">
+            <a:schemeClr val="accent1"/>
+          </a:effectRef>
+          <a:fontRef idx="minor">
+            <a:schemeClr val="lt1"/>
+          </a:fontRef>
+        </p:style>
+        <p:txBody>
+          <a:bodyPr rtlCol="0" anchor="ctr"/>
+          <a:lstStyle/>
+          <a:p>
+            <a:pPr algn="ctr"/>
+            <a:endParaRPr lang="it-IT"/>
+          </a:p>
+        </p:txBody>
+      </p:sp>
+      <p:sp>
+        <p:nvSpPr>
+          <p:cNvPr id="9" name="CasellaDiTesto 8"/>
+          <p:cNvSpPr txBox="1"/>
+          <p:nvPr/>
+        </p:nvSpPr>
+        <p:spPr>
+          <a:xfrm>
+            <a:off x="415529" y="314326"/>
+            <a:ext cx="11613357" cy="1692771"/>
+          </a:xfrm>
+          <a:prstGeom prst="rect">
+            <a:avLst/>
+          </a:prstGeom>
+          <a:noFill/>
+        </p:spPr>
+        <p:txBody>
+          <a:bodyPr wrap="square" rtlCol="0">
+            <a:spAutoFit/>
+          </a:bodyPr>
+          <a:lstStyle/>
+          <a:p>
+            <a:r>
+              <a:rPr lang="it-IT" sz="4400" b="1" spc="-100" dirty="0" smtClean="0">
+                <a:ln w="3175">
+                  <a:noFill/>
+                </a:ln>
+                <a:solidFill>
+                  <a:srgbClr val="0072C6"/>
+                </a:solidFill>
+                <a:latin typeface="+mj-lt"/>
+                <a:cs typeface="Arial" charset="0"/>
+              </a:rPr>
+              <a:t>Information flow – Ricevi SEG</a:t>
+            </a:r>
+            <a:endParaRPr lang="it-IT" sz="4400" b="1" spc="-100" dirty="0">
+              <a:ln w="3175">
+                <a:noFill/>
+              </a:ln>
+              <a:solidFill>
+                <a:srgbClr val="0072C6"/>
+              </a:solidFill>
+              <a:latin typeface="+mj-lt"/>
+              <a:cs typeface="Arial" charset="0"/>
+            </a:endParaRPr>
+          </a:p>
+          <a:p>
+            <a:endParaRPr lang="it-IT" sz="3000" b="1" spc="-100" dirty="0">
+              <a:ln w="3175">
+                <a:noFill/>
+              </a:ln>
+              <a:solidFill>
+                <a:srgbClr val="0072C6"/>
+              </a:solidFill>
+              <a:latin typeface="+mj-lt"/>
+              <a:cs typeface="Arial" charset="0"/>
+            </a:endParaRPr>
+          </a:p>
+          <a:p>
+            <a:endParaRPr lang="it-IT" sz="3000" b="1" spc="-100" dirty="0">
+              <a:ln w="3175">
+                <a:noFill/>
+              </a:ln>
+              <a:solidFill>
+                <a:srgbClr val="0072C6"/>
+              </a:solidFill>
+              <a:latin typeface="+mj-lt"/>
+              <a:cs typeface="Arial" charset="0"/>
+            </a:endParaRPr>
+          </a:p>
+        </p:txBody>
+      </p:sp>
+      <p:pic>
+        <p:nvPicPr>
+          <p:cNvPr id="2" name="Immagine 1" descr="Schermata 2015-02-19 alle 15.12.57.png"/>
+          <p:cNvPicPr>
+            <a:picLocks noChangeAspect="1"/>
+          </p:cNvPicPr>
+          <p:nvPr/>
+        </p:nvPicPr>
+        <p:blipFill>
+          <a:blip r:embed="rId2">
+            <a:extLst>
+              <a:ext uri="{28A0092B-C50C-407E-A947-70E740481C1C}">
+                <a14:useLocalDpi xmlns:a14="http://schemas.microsoft.com/office/drawing/2010/main" val="0"/>
+              </a:ext>
+            </a:extLst>
+          </a:blip>
+          <a:stretch>
+            <a:fillRect/>
+          </a:stretch>
+        </p:blipFill>
+        <p:spPr>
+          <a:xfrm>
+            <a:off x="4032797" y="1059735"/>
+            <a:ext cx="7454140" cy="5432123"/>
+          </a:xfrm>
+          <a:prstGeom prst="rect">
+            <a:avLst/>
+          </a:prstGeom>
+        </p:spPr>
+      </p:pic>
+    </p:spTree>
+    <p:extLst>
+      <p:ext uri="{BB962C8B-B14F-4D97-AF65-F5344CB8AC3E}">
+        <p14:creationId xmlns:p14="http://schemas.microsoft.com/office/powerpoint/2010/main" val="1763030203"/>
+      </p:ext>
+    </p:extLst>
+  </p:cSld>
+  <p:clrMapOvr>
+    <a:masterClrMapping/>
+  </p:clrMapOvr>
+  <p:transition xmlns:p14="http://schemas.microsoft.com/office/powerpoint/2010/main" spd="slow">
+    <p:push dir="u"/>
+  </p:transition>
+  <p:timing>
+    <p:tnLst>
+      <p:par>
+        <p:cTn xmlns:p14="http://schemas.microsoft.com/office/powerpoint/2010/main" id="1" dur="indefinite" restart="never" nodeType="tmRoot"/>
+      </p:par>
+    </p:tnLst>
+  </p:timing>
+</p:sld>
+</file>
+
+<file path=ppt/slides/slide23.xml><?xml version="1.0" encoding="utf-8"?>
+<p:sld xmlns:a="http://schemas.openxmlformats.org/drawingml/2006/main" xmlns:r="http://schemas.openxmlformats.org/officeDocument/2006/relationships" xmlns:p="http://schemas.openxmlformats.org/presentationml/2006/main">
+  <p:cSld>
+    <p:spTree>
+      <p:nvGrpSpPr>
+        <p:cNvPr id="1" name=""/>
+        <p:cNvGrpSpPr/>
+        <p:nvPr/>
+      </p:nvGrpSpPr>
+      <p:grpSpPr>
+        <a:xfrm>
+          <a:off x="0" y="0"/>
+          <a:ext cx="0" cy="0"/>
+          <a:chOff x="0" y="0"/>
+          <a:chExt cx="0" cy="0"/>
+        </a:xfrm>
+      </p:grpSpPr>
+      <p:sp>
+        <p:nvSpPr>
+          <p:cNvPr id="5" name="Rettangolo 4"/>
+          <p:cNvSpPr/>
+          <p:nvPr/>
+        </p:nvSpPr>
+        <p:spPr>
+          <a:xfrm>
+            <a:off x="0" y="-28574"/>
+            <a:ext cx="12192000" cy="342900"/>
+          </a:xfrm>
+          <a:prstGeom prst="rect">
+            <a:avLst/>
+          </a:prstGeom>
+          <a:solidFill>
+            <a:srgbClr val="0072C6"/>
+          </a:solidFill>
+        </p:spPr>
+        <p:style>
+          <a:lnRef idx="2">
+            <a:schemeClr val="accent1">
+              <a:shade val="50000"/>
+            </a:schemeClr>
+          </a:lnRef>
+          <a:fillRef idx="1">
+            <a:schemeClr val="accent1"/>
+          </a:fillRef>
+          <a:effectRef idx="0">
+            <a:schemeClr val="accent1"/>
+          </a:effectRef>
+          <a:fontRef idx="minor">
+            <a:schemeClr val="lt1"/>
+          </a:fontRef>
+        </p:style>
+        <p:txBody>
+          <a:bodyPr rtlCol="0" anchor="ctr"/>
+          <a:lstStyle/>
+          <a:p>
+            <a:pPr algn="ctr"/>
+            <a:endParaRPr lang="it-IT"/>
+          </a:p>
+        </p:txBody>
+      </p:sp>
+      <p:sp>
+        <p:nvSpPr>
+          <p:cNvPr id="4" name="Rettangolo 3"/>
+          <p:cNvSpPr/>
+          <p:nvPr/>
+        </p:nvSpPr>
+        <p:spPr>
+          <a:xfrm>
+            <a:off x="0" y="6515100"/>
+            <a:ext cx="12192000" cy="342900"/>
+          </a:xfrm>
+          <a:prstGeom prst="rect">
+            <a:avLst/>
+          </a:prstGeom>
+          <a:solidFill>
+            <a:srgbClr val="0072C6"/>
+          </a:solidFill>
+        </p:spPr>
+        <p:style>
+          <a:lnRef idx="2">
+            <a:schemeClr val="accent1">
+              <a:shade val="50000"/>
+            </a:schemeClr>
+          </a:lnRef>
+          <a:fillRef idx="1">
+            <a:schemeClr val="accent1"/>
+          </a:fillRef>
+          <a:effectRef idx="0">
+            <a:schemeClr val="accent1"/>
+          </a:effectRef>
+          <a:fontRef idx="minor">
+            <a:schemeClr val="lt1"/>
+          </a:fontRef>
+        </p:style>
+        <p:txBody>
+          <a:bodyPr rtlCol="0" anchor="ctr"/>
+          <a:lstStyle/>
+          <a:p>
+            <a:pPr algn="ctr"/>
+            <a:endParaRPr lang="it-IT"/>
+          </a:p>
+        </p:txBody>
+      </p:sp>
+      <p:sp>
+        <p:nvSpPr>
+          <p:cNvPr id="9" name="CasellaDiTesto 8"/>
+          <p:cNvSpPr txBox="1"/>
+          <p:nvPr/>
+        </p:nvSpPr>
+        <p:spPr>
+          <a:xfrm>
+            <a:off x="415529" y="314326"/>
+            <a:ext cx="11613357" cy="1692771"/>
+          </a:xfrm>
+          <a:prstGeom prst="rect">
+            <a:avLst/>
+          </a:prstGeom>
+          <a:noFill/>
+        </p:spPr>
+        <p:txBody>
+          <a:bodyPr wrap="square" rtlCol="0">
+            <a:spAutoFit/>
+          </a:bodyPr>
+          <a:lstStyle/>
+          <a:p>
+            <a:r>
+              <a:rPr lang="it-IT" sz="4400" b="1" spc="-100" dirty="0" smtClean="0">
+                <a:ln w="3175">
+                  <a:noFill/>
+                </a:ln>
+                <a:solidFill>
+                  <a:srgbClr val="0072C6"/>
+                </a:solidFill>
+                <a:latin typeface="+mj-lt"/>
+                <a:cs typeface="Arial" charset="0"/>
+              </a:rPr>
+              <a:t>Componenti logici – Aggiorna storico </a:t>
+            </a:r>
+            <a:endParaRPr lang="it-IT" sz="4400" b="1" spc="-100" dirty="0">
+              <a:ln w="3175">
+                <a:noFill/>
+              </a:ln>
+              <a:solidFill>
+                <a:srgbClr val="0072C6"/>
+              </a:solidFill>
+              <a:latin typeface="+mj-lt"/>
+              <a:cs typeface="Arial" charset="0"/>
+            </a:endParaRPr>
+          </a:p>
+          <a:p>
+            <a:endParaRPr lang="it-IT" sz="3000" b="1" spc="-100" dirty="0">
+              <a:ln w="3175">
+                <a:noFill/>
+              </a:ln>
+              <a:solidFill>
+                <a:srgbClr val="0072C6"/>
+              </a:solidFill>
+              <a:latin typeface="+mj-lt"/>
+              <a:cs typeface="Arial" charset="0"/>
+            </a:endParaRPr>
+          </a:p>
+          <a:p>
+            <a:endParaRPr lang="it-IT" sz="3000" b="1" spc="-100" dirty="0">
+              <a:ln w="3175">
+                <a:noFill/>
+              </a:ln>
+              <a:solidFill>
+                <a:srgbClr val="0072C6"/>
+              </a:solidFill>
+              <a:latin typeface="+mj-lt"/>
+              <a:cs typeface="Arial" charset="0"/>
+            </a:endParaRPr>
+          </a:p>
+        </p:txBody>
+      </p:sp>
+      <p:pic>
+        <p:nvPicPr>
+          <p:cNvPr id="3" name="Immagine 2" descr="Schermata 2015-02-19 alle 15.15.27.png"/>
+          <p:cNvPicPr>
+            <a:picLocks noChangeAspect="1"/>
+          </p:cNvPicPr>
+          <p:nvPr/>
+        </p:nvPicPr>
+        <p:blipFill>
+          <a:blip r:embed="rId2">
+            <a:extLst>
+              <a:ext uri="{28A0092B-C50C-407E-A947-70E740481C1C}">
+                <a14:useLocalDpi xmlns:a14="http://schemas.microsoft.com/office/drawing/2010/main" val="0"/>
+              </a:ext>
+            </a:extLst>
+          </a:blip>
+          <a:stretch>
+            <a:fillRect/>
+          </a:stretch>
+        </p:blipFill>
+        <p:spPr>
+          <a:xfrm>
+            <a:off x="0" y="1000583"/>
+            <a:ext cx="12192000" cy="5571368"/>
+          </a:xfrm>
+          <a:prstGeom prst="rect">
+            <a:avLst/>
+          </a:prstGeom>
+        </p:spPr>
+      </p:pic>
+    </p:spTree>
+    <p:extLst>
+      <p:ext uri="{BB962C8B-B14F-4D97-AF65-F5344CB8AC3E}">
+        <p14:creationId xmlns:p14="http://schemas.microsoft.com/office/powerpoint/2010/main" val="2317099178"/>
+      </p:ext>
+    </p:extLst>
+  </p:cSld>
+  <p:clrMapOvr>
+    <a:masterClrMapping/>
+  </p:clrMapOvr>
+  <p:transition xmlns:p14="http://schemas.microsoft.com/office/powerpoint/2010/main" spd="slow">
+    <p:push dir="u"/>
+  </p:transition>
+  <p:timing>
+    <p:tnLst>
+      <p:par>
+        <p:cTn xmlns:p14="http://schemas.microsoft.com/office/powerpoint/2010/main" id="1" dur="indefinite" restart="never" nodeType="tmRoot"/>
+      </p:par>
+    </p:tnLst>
+  </p:timing>
+</p:sld>
+</file>
+
+<file path=ppt/slides/slide24.xml><?xml version="1.0" encoding="utf-8"?>
+<p:sld xmlns:a="http://schemas.openxmlformats.org/drawingml/2006/main" xmlns:r="http://schemas.openxmlformats.org/officeDocument/2006/relationships" xmlns:p="http://schemas.openxmlformats.org/presentationml/2006/main">
+  <p:cSld>
+    <p:spTree>
+      <p:nvGrpSpPr>
+        <p:cNvPr id="1" name=""/>
+        <p:cNvGrpSpPr/>
+        <p:nvPr/>
+      </p:nvGrpSpPr>
+      <p:grpSpPr>
+        <a:xfrm>
+          <a:off x="0" y="0"/>
+          <a:ext cx="0" cy="0"/>
+          <a:chOff x="0" y="0"/>
+          <a:chExt cx="0" cy="0"/>
+        </a:xfrm>
+      </p:grpSpPr>
+      <p:sp>
+        <p:nvSpPr>
+          <p:cNvPr id="5" name="Rettangolo 4"/>
+          <p:cNvSpPr/>
+          <p:nvPr/>
+        </p:nvSpPr>
+        <p:spPr>
+          <a:xfrm>
+            <a:off x="0" y="-28574"/>
+            <a:ext cx="12192000" cy="342900"/>
+          </a:xfrm>
+          <a:prstGeom prst="rect">
+            <a:avLst/>
+          </a:prstGeom>
+          <a:solidFill>
+            <a:srgbClr val="0072C6"/>
+          </a:solidFill>
+        </p:spPr>
+        <p:style>
+          <a:lnRef idx="2">
+            <a:schemeClr val="accent1">
+              <a:shade val="50000"/>
+            </a:schemeClr>
+          </a:lnRef>
+          <a:fillRef idx="1">
+            <a:schemeClr val="accent1"/>
+          </a:fillRef>
+          <a:effectRef idx="0">
+            <a:schemeClr val="accent1"/>
+          </a:effectRef>
+          <a:fontRef idx="minor">
+            <a:schemeClr val="lt1"/>
+          </a:fontRef>
+        </p:style>
+        <p:txBody>
+          <a:bodyPr rtlCol="0" anchor="ctr"/>
+          <a:lstStyle/>
+          <a:p>
+            <a:pPr algn="ctr"/>
+            <a:endParaRPr lang="it-IT"/>
+          </a:p>
+        </p:txBody>
+      </p:sp>
+      <p:sp>
+        <p:nvSpPr>
+          <p:cNvPr id="4" name="Rettangolo 3"/>
+          <p:cNvSpPr/>
+          <p:nvPr/>
+        </p:nvSpPr>
+        <p:spPr>
+          <a:xfrm>
+            <a:off x="0" y="6515100"/>
+            <a:ext cx="12192000" cy="342900"/>
+          </a:xfrm>
+          <a:prstGeom prst="rect">
+            <a:avLst/>
+          </a:prstGeom>
+          <a:solidFill>
+            <a:srgbClr val="0072C6"/>
+          </a:solidFill>
+        </p:spPr>
+        <p:style>
+          <a:lnRef idx="2">
+            <a:schemeClr val="accent1">
+              <a:shade val="50000"/>
+            </a:schemeClr>
+          </a:lnRef>
+          <a:fillRef idx="1">
+            <a:schemeClr val="accent1"/>
+          </a:fillRef>
+          <a:effectRef idx="0">
+            <a:schemeClr val="accent1"/>
+          </a:effectRef>
+          <a:fontRef idx="minor">
+            <a:schemeClr val="lt1"/>
+          </a:fontRef>
+        </p:style>
+        <p:txBody>
+          <a:bodyPr rtlCol="0" anchor="ctr"/>
+          <a:lstStyle/>
+          <a:p>
+            <a:pPr algn="ctr"/>
+            <a:endParaRPr lang="it-IT"/>
+          </a:p>
+        </p:txBody>
+      </p:sp>
+      <p:sp>
+        <p:nvSpPr>
+          <p:cNvPr id="9" name="CasellaDiTesto 8"/>
+          <p:cNvSpPr txBox="1"/>
+          <p:nvPr/>
+        </p:nvSpPr>
+        <p:spPr>
+          <a:xfrm>
+            <a:off x="415529" y="314326"/>
+            <a:ext cx="11613357" cy="1692771"/>
+          </a:xfrm>
+          <a:prstGeom prst="rect">
+            <a:avLst/>
+          </a:prstGeom>
+          <a:noFill/>
+        </p:spPr>
+        <p:txBody>
+          <a:bodyPr wrap="square" rtlCol="0">
+            <a:spAutoFit/>
+          </a:bodyPr>
+          <a:lstStyle/>
+          <a:p>
+            <a:r>
+              <a:rPr lang="it-IT" sz="4400" b="1" spc="-100" dirty="0" smtClean="0">
+                <a:ln w="3175">
+                  <a:noFill/>
+                </a:ln>
+                <a:solidFill>
+                  <a:srgbClr val="0072C6"/>
+                </a:solidFill>
+                <a:latin typeface="+mj-lt"/>
+                <a:cs typeface="Arial" charset="0"/>
+              </a:rPr>
+              <a:t>Componenti logici – Gestisci SEP</a:t>
+            </a:r>
+            <a:endParaRPr lang="it-IT" sz="4400" b="1" spc="-100" dirty="0">
+              <a:ln w="3175">
+                <a:noFill/>
+              </a:ln>
+              <a:solidFill>
+                <a:srgbClr val="0072C6"/>
+              </a:solidFill>
+              <a:latin typeface="+mj-lt"/>
+              <a:cs typeface="Arial" charset="0"/>
+            </a:endParaRPr>
+          </a:p>
+          <a:p>
+            <a:endParaRPr lang="it-IT" sz="3000" b="1" spc="-100" dirty="0">
+              <a:ln w="3175">
+                <a:noFill/>
+              </a:ln>
+              <a:solidFill>
+                <a:srgbClr val="0072C6"/>
+              </a:solidFill>
+              <a:latin typeface="+mj-lt"/>
+              <a:cs typeface="Arial" charset="0"/>
+            </a:endParaRPr>
+          </a:p>
+          <a:p>
+            <a:endParaRPr lang="it-IT" sz="3000" b="1" spc="-100" dirty="0">
+              <a:ln w="3175">
+                <a:noFill/>
+              </a:ln>
+              <a:solidFill>
+                <a:srgbClr val="0072C6"/>
+              </a:solidFill>
+              <a:latin typeface="+mj-lt"/>
+              <a:cs typeface="Arial" charset="0"/>
+            </a:endParaRPr>
+          </a:p>
+        </p:txBody>
+      </p:sp>
+      <p:pic>
+        <p:nvPicPr>
+          <p:cNvPr id="6" name="Immagine 5" descr="Schermata 2015-02-19 alle 15.18.11.png"/>
+          <p:cNvPicPr>
+            <a:picLocks noChangeAspect="1"/>
+          </p:cNvPicPr>
+          <p:nvPr/>
+        </p:nvPicPr>
+        <p:blipFill>
+          <a:blip r:embed="rId2">
+            <a:extLst>
+              <a:ext uri="{28A0092B-C50C-407E-A947-70E740481C1C}">
+                <a14:useLocalDpi xmlns:a14="http://schemas.microsoft.com/office/drawing/2010/main" val="0"/>
+              </a:ext>
+            </a:extLst>
+          </a:blip>
+          <a:stretch>
+            <a:fillRect/>
+          </a:stretch>
+        </p:blipFill>
+        <p:spPr>
+          <a:xfrm>
+            <a:off x="0" y="988797"/>
+            <a:ext cx="12192000" cy="5474814"/>
+          </a:xfrm>
+          <a:prstGeom prst="rect">
+            <a:avLst/>
+          </a:prstGeom>
+        </p:spPr>
+      </p:pic>
+    </p:spTree>
+    <p:extLst>
+      <p:ext uri="{BB962C8B-B14F-4D97-AF65-F5344CB8AC3E}">
+        <p14:creationId xmlns:p14="http://schemas.microsoft.com/office/powerpoint/2010/main" val="124631020"/>
+      </p:ext>
+    </p:extLst>
+  </p:cSld>
+  <p:clrMapOvr>
+    <a:masterClrMapping/>
+  </p:clrMapOvr>
+  <p:transition xmlns:p14="http://schemas.microsoft.com/office/powerpoint/2010/main" spd="slow">
+    <p:push dir="u"/>
+  </p:transition>
+  <p:timing>
+    <p:tnLst>
+      <p:par>
+        <p:cTn xmlns:p14="http://schemas.microsoft.com/office/powerpoint/2010/main" id="1" dur="indefinite" restart="never" nodeType="tmRoot"/>
+      </p:par>
+    </p:tnLst>
+  </p:timing>
+</p:sld>
+</file>
+
+<file path=ppt/slides/slide25.xml><?xml version="1.0" encoding="utf-8"?>
+<p:sld xmlns:a="http://schemas.openxmlformats.org/drawingml/2006/main" xmlns:r="http://schemas.openxmlformats.org/officeDocument/2006/relationships" xmlns:p="http://schemas.openxmlformats.org/presentationml/2006/main">
+  <p:cSld>
+    <p:spTree>
+      <p:nvGrpSpPr>
+        <p:cNvPr id="1" name=""/>
+        <p:cNvGrpSpPr/>
+        <p:nvPr/>
+      </p:nvGrpSpPr>
+      <p:grpSpPr>
+        <a:xfrm>
+          <a:off x="0" y="0"/>
+          <a:ext cx="0" cy="0"/>
+          <a:chOff x="0" y="0"/>
+          <a:chExt cx="0" cy="0"/>
+        </a:xfrm>
+      </p:grpSpPr>
+      <p:sp>
+        <p:nvSpPr>
+          <p:cNvPr id="5" name="Rettangolo 4"/>
+          <p:cNvSpPr/>
+          <p:nvPr/>
+        </p:nvSpPr>
+        <p:spPr>
+          <a:xfrm>
+            <a:off x="0" y="-28574"/>
+            <a:ext cx="12192000" cy="342900"/>
+          </a:xfrm>
+          <a:prstGeom prst="rect">
+            <a:avLst/>
+          </a:prstGeom>
+          <a:solidFill>
+            <a:srgbClr val="0072C6"/>
+          </a:solidFill>
+        </p:spPr>
+        <p:style>
+          <a:lnRef idx="2">
+            <a:schemeClr val="accent1">
+              <a:shade val="50000"/>
+            </a:schemeClr>
+          </a:lnRef>
+          <a:fillRef idx="1">
+            <a:schemeClr val="accent1"/>
+          </a:fillRef>
+          <a:effectRef idx="0">
+            <a:schemeClr val="accent1"/>
+          </a:effectRef>
+          <a:fontRef idx="minor">
+            <a:schemeClr val="lt1"/>
+          </a:fontRef>
+        </p:style>
+        <p:txBody>
+          <a:bodyPr rtlCol="0" anchor="ctr"/>
+          <a:lstStyle/>
+          <a:p>
+            <a:pPr algn="ctr"/>
+            <a:endParaRPr lang="it-IT"/>
+          </a:p>
+        </p:txBody>
+      </p:sp>
+      <p:sp>
+        <p:nvSpPr>
+          <p:cNvPr id="4" name="Rettangolo 3"/>
+          <p:cNvSpPr/>
+          <p:nvPr/>
+        </p:nvSpPr>
+        <p:spPr>
+          <a:xfrm>
+            <a:off x="0" y="6515100"/>
+            <a:ext cx="12192000" cy="342900"/>
+          </a:xfrm>
+          <a:prstGeom prst="rect">
+            <a:avLst/>
+          </a:prstGeom>
+          <a:solidFill>
+            <a:srgbClr val="0072C6"/>
+          </a:solidFill>
+        </p:spPr>
+        <p:style>
+          <a:lnRef idx="2">
+            <a:schemeClr val="accent1">
+              <a:shade val="50000"/>
+            </a:schemeClr>
+          </a:lnRef>
+          <a:fillRef idx="1">
+            <a:schemeClr val="accent1"/>
+          </a:fillRef>
+          <a:effectRef idx="0">
+            <a:schemeClr val="accent1"/>
+          </a:effectRef>
+          <a:fontRef idx="minor">
+            <a:schemeClr val="lt1"/>
+          </a:fontRef>
+        </p:style>
+        <p:txBody>
+          <a:bodyPr rtlCol="0" anchor="ctr"/>
+          <a:lstStyle/>
+          <a:p>
+            <a:pPr algn="ctr"/>
+            <a:endParaRPr lang="it-IT"/>
+          </a:p>
+        </p:txBody>
+      </p:sp>
+      <p:sp>
+        <p:nvSpPr>
+          <p:cNvPr id="9" name="CasellaDiTesto 8"/>
+          <p:cNvSpPr txBox="1"/>
+          <p:nvPr/>
+        </p:nvSpPr>
+        <p:spPr>
+          <a:xfrm>
+            <a:off x="415529" y="314326"/>
+            <a:ext cx="11613357" cy="1692771"/>
+          </a:xfrm>
+          <a:prstGeom prst="rect">
+            <a:avLst/>
+          </a:prstGeom>
+          <a:noFill/>
+        </p:spPr>
+        <p:txBody>
+          <a:bodyPr wrap="square" rtlCol="0">
+            <a:spAutoFit/>
+          </a:bodyPr>
+          <a:lstStyle/>
+          <a:p>
+            <a:r>
+              <a:rPr lang="it-IT" sz="4400" b="1" spc="-100" dirty="0" smtClean="0">
+                <a:ln w="3175">
+                  <a:noFill/>
+                </a:ln>
+                <a:solidFill>
+                  <a:srgbClr val="0072C6"/>
+                </a:solidFill>
+                <a:latin typeface="+mj-lt"/>
+                <a:cs typeface="Arial" charset="0"/>
+              </a:rPr>
+              <a:t>Componenti logici – P</a:t>
+            </a:r>
+            <a:r>
+              <a:rPr lang="it-IT" sz="4400" b="1" spc="-100" dirty="0" smtClean="0">
+                <a:ln w="3175">
+                  <a:noFill/>
+                </a:ln>
+                <a:solidFill>
+                  <a:srgbClr val="0072C6"/>
+                </a:solidFill>
+                <a:latin typeface="+mj-lt"/>
+                <a:cs typeface="Arial" charset="0"/>
+              </a:rPr>
+              <a:t>ianifica spostamento squadre e.</a:t>
+            </a:r>
+            <a:endParaRPr lang="it-IT" sz="4400" b="1" spc="-100" dirty="0">
+              <a:ln w="3175">
+                <a:noFill/>
+              </a:ln>
+              <a:solidFill>
+                <a:srgbClr val="0072C6"/>
+              </a:solidFill>
+              <a:latin typeface="+mj-lt"/>
+              <a:cs typeface="Arial" charset="0"/>
+            </a:endParaRPr>
+          </a:p>
+          <a:p>
+            <a:endParaRPr lang="it-IT" sz="3000" b="1" spc="-100" dirty="0">
+              <a:ln w="3175">
+                <a:noFill/>
+              </a:ln>
+              <a:solidFill>
+                <a:srgbClr val="0072C6"/>
+              </a:solidFill>
+              <a:latin typeface="+mj-lt"/>
+              <a:cs typeface="Arial" charset="0"/>
+            </a:endParaRPr>
+          </a:p>
+          <a:p>
+            <a:endParaRPr lang="it-IT" sz="3000" b="1" spc="-100" dirty="0">
+              <a:ln w="3175">
+                <a:noFill/>
+              </a:ln>
+              <a:solidFill>
+                <a:srgbClr val="0072C6"/>
+              </a:solidFill>
+              <a:latin typeface="+mj-lt"/>
+              <a:cs typeface="Arial" charset="0"/>
+            </a:endParaRPr>
+          </a:p>
+        </p:txBody>
+      </p:sp>
+      <p:pic>
+        <p:nvPicPr>
+          <p:cNvPr id="2" name="Immagine 1" descr="Schermata 2015-02-19 alle 15.22.56.png"/>
+          <p:cNvPicPr>
+            <a:picLocks noChangeAspect="1"/>
+          </p:cNvPicPr>
+          <p:nvPr/>
+        </p:nvPicPr>
+        <p:blipFill>
+          <a:blip r:embed="rId2">
+            <a:extLst>
+              <a:ext uri="{28A0092B-C50C-407E-A947-70E740481C1C}">
+                <a14:useLocalDpi xmlns:a14="http://schemas.microsoft.com/office/drawing/2010/main" val="0"/>
+              </a:ext>
+            </a:extLst>
+          </a:blip>
+          <a:stretch>
+            <a:fillRect/>
+          </a:stretch>
+        </p:blipFill>
+        <p:spPr>
+          <a:xfrm>
+            <a:off x="0" y="1126604"/>
+            <a:ext cx="12192000" cy="5399579"/>
+          </a:xfrm>
+          <a:prstGeom prst="rect">
+            <a:avLst/>
+          </a:prstGeom>
+        </p:spPr>
+      </p:pic>
+    </p:spTree>
+    <p:extLst>
+      <p:ext uri="{BB962C8B-B14F-4D97-AF65-F5344CB8AC3E}">
+        <p14:creationId xmlns:p14="http://schemas.microsoft.com/office/powerpoint/2010/main" val="344012714"/>
+      </p:ext>
+    </p:extLst>
+  </p:cSld>
+  <p:clrMapOvr>
+    <a:masterClrMapping/>
+  </p:clrMapOvr>
+  <p:transition xmlns:p14="http://schemas.microsoft.com/office/powerpoint/2010/main" spd="slow">
+    <p:push dir="u"/>
+  </p:transition>
+  <p:timing>
+    <p:tnLst>
+      <p:par>
+        <p:cTn xmlns:p14="http://schemas.microsoft.com/office/powerpoint/2010/main" id="1" dur="indefinite" restart="never" nodeType="tmRoot"/>
+      </p:par>
+    </p:tnLst>
+  </p:timing>
+</p:sld>
+</file>
+
+<file path=ppt/slides/slide26.xml><?xml version="1.0" encoding="utf-8"?>
+<p:sld xmlns:a="http://schemas.openxmlformats.org/drawingml/2006/main" xmlns:r="http://schemas.openxmlformats.org/officeDocument/2006/relationships" xmlns:p="http://schemas.openxmlformats.org/presentationml/2006/main">
+  <p:cSld>
+    <p:spTree>
+      <p:nvGrpSpPr>
+        <p:cNvPr id="1" name=""/>
+        <p:cNvGrpSpPr/>
+        <p:nvPr/>
+      </p:nvGrpSpPr>
+      <p:grpSpPr>
+        <a:xfrm>
+          <a:off x="0" y="0"/>
+          <a:ext cx="0" cy="0"/>
+          <a:chOff x="0" y="0"/>
+          <a:chExt cx="0" cy="0"/>
+        </a:xfrm>
+      </p:grpSpPr>
+      <p:sp>
+        <p:nvSpPr>
+          <p:cNvPr id="5" name="Rettangolo 4"/>
+          <p:cNvSpPr/>
+          <p:nvPr/>
+        </p:nvSpPr>
+        <p:spPr>
+          <a:xfrm>
+            <a:off x="0" y="-28574"/>
+            <a:ext cx="12192000" cy="342900"/>
+          </a:xfrm>
+          <a:prstGeom prst="rect">
+            <a:avLst/>
+          </a:prstGeom>
+          <a:solidFill>
+            <a:srgbClr val="0072C6"/>
+          </a:solidFill>
+        </p:spPr>
+        <p:style>
+          <a:lnRef idx="2">
+            <a:schemeClr val="accent1">
+              <a:shade val="50000"/>
+            </a:schemeClr>
+          </a:lnRef>
+          <a:fillRef idx="1">
+            <a:schemeClr val="accent1"/>
+          </a:fillRef>
+          <a:effectRef idx="0">
+            <a:schemeClr val="accent1"/>
+          </a:effectRef>
+          <a:fontRef idx="minor">
+            <a:schemeClr val="lt1"/>
+          </a:fontRef>
+        </p:style>
+        <p:txBody>
+          <a:bodyPr rtlCol="0" anchor="ctr"/>
+          <a:lstStyle/>
+          <a:p>
+            <a:pPr algn="ctr"/>
+            <a:endParaRPr lang="it-IT"/>
+          </a:p>
+        </p:txBody>
+      </p:sp>
+      <p:sp>
+        <p:nvSpPr>
+          <p:cNvPr id="4" name="Rettangolo 3"/>
+          <p:cNvSpPr/>
+          <p:nvPr/>
+        </p:nvSpPr>
+        <p:spPr>
+          <a:xfrm>
+            <a:off x="0" y="6515100"/>
+            <a:ext cx="12192000" cy="342900"/>
+          </a:xfrm>
+          <a:prstGeom prst="rect">
+            <a:avLst/>
+          </a:prstGeom>
+          <a:solidFill>
+            <a:srgbClr val="0072C6"/>
+          </a:solidFill>
+        </p:spPr>
+        <p:style>
+          <a:lnRef idx="2">
+            <a:schemeClr val="accent1">
+              <a:shade val="50000"/>
+            </a:schemeClr>
+          </a:lnRef>
+          <a:fillRef idx="1">
+            <a:schemeClr val="accent1"/>
+          </a:fillRef>
+          <a:effectRef idx="0">
+            <a:schemeClr val="accent1"/>
+          </a:effectRef>
+          <a:fontRef idx="minor">
+            <a:schemeClr val="lt1"/>
+          </a:fontRef>
+        </p:style>
+        <p:txBody>
+          <a:bodyPr rtlCol="0" anchor="ctr"/>
+          <a:lstStyle/>
+          <a:p>
+            <a:pPr algn="ctr"/>
+            <a:endParaRPr lang="it-IT"/>
+          </a:p>
+        </p:txBody>
+      </p:sp>
+      <p:sp>
+        <p:nvSpPr>
+          <p:cNvPr id="9" name="CasellaDiTesto 8"/>
+          <p:cNvSpPr txBox="1"/>
+          <p:nvPr/>
+        </p:nvSpPr>
+        <p:spPr>
+          <a:xfrm>
+            <a:off x="415529" y="314326"/>
+            <a:ext cx="11613357" cy="1692771"/>
+          </a:xfrm>
+          <a:prstGeom prst="rect">
+            <a:avLst/>
+          </a:prstGeom>
+          <a:noFill/>
+        </p:spPr>
+        <p:txBody>
+          <a:bodyPr wrap="square" rtlCol="0">
+            <a:spAutoFit/>
+          </a:bodyPr>
+          <a:lstStyle/>
+          <a:p>
+            <a:r>
+              <a:rPr lang="it-IT" sz="4400" b="1" spc="-100" dirty="0" smtClean="0">
+                <a:ln w="3175">
+                  <a:noFill/>
+                </a:ln>
+                <a:solidFill>
+                  <a:srgbClr val="0072C6"/>
+                </a:solidFill>
+                <a:latin typeface="+mj-lt"/>
+                <a:cs typeface="Arial" charset="0"/>
+              </a:rPr>
+              <a:t>Componenti logici – Gestisci SEG</a:t>
+            </a:r>
+            <a:endParaRPr lang="it-IT" sz="4400" b="1" spc="-100" dirty="0">
+              <a:ln w="3175">
+                <a:noFill/>
+              </a:ln>
+              <a:solidFill>
+                <a:srgbClr val="0072C6"/>
+              </a:solidFill>
+              <a:latin typeface="+mj-lt"/>
+              <a:cs typeface="Arial" charset="0"/>
+            </a:endParaRPr>
+          </a:p>
+          <a:p>
+            <a:endParaRPr lang="it-IT" sz="3000" b="1" spc="-100" dirty="0">
+              <a:ln w="3175">
+                <a:noFill/>
+              </a:ln>
+              <a:solidFill>
+                <a:srgbClr val="0072C6"/>
+              </a:solidFill>
+              <a:latin typeface="+mj-lt"/>
+              <a:cs typeface="Arial" charset="0"/>
+            </a:endParaRPr>
+          </a:p>
+          <a:p>
+            <a:endParaRPr lang="it-IT" sz="3000" b="1" spc="-100" dirty="0">
+              <a:ln w="3175">
+                <a:noFill/>
+              </a:ln>
+              <a:solidFill>
+                <a:srgbClr val="0072C6"/>
+              </a:solidFill>
+              <a:latin typeface="+mj-lt"/>
+              <a:cs typeface="Arial" charset="0"/>
+            </a:endParaRPr>
+          </a:p>
+        </p:txBody>
+      </p:sp>
+      <p:pic>
+        <p:nvPicPr>
+          <p:cNvPr id="3" name="Immagine 2" descr="Schermata 2015-02-19 alle 15.25.29.png"/>
+          <p:cNvPicPr>
+            <a:picLocks noChangeAspect="1"/>
+          </p:cNvPicPr>
+          <p:nvPr/>
+        </p:nvPicPr>
+        <p:blipFill>
+          <a:blip r:embed="rId2">
+            <a:extLst>
+              <a:ext uri="{28A0092B-C50C-407E-A947-70E740481C1C}">
+                <a14:useLocalDpi xmlns:a14="http://schemas.microsoft.com/office/drawing/2010/main" val="0"/>
+              </a:ext>
+            </a:extLst>
+          </a:blip>
+          <a:stretch>
+            <a:fillRect/>
+          </a:stretch>
+        </p:blipFill>
+        <p:spPr>
+          <a:xfrm>
+            <a:off x="0" y="981107"/>
+            <a:ext cx="12192000" cy="5556518"/>
+          </a:xfrm>
+          <a:prstGeom prst="rect">
+            <a:avLst/>
+          </a:prstGeom>
+        </p:spPr>
+      </p:pic>
+    </p:spTree>
+    <p:extLst>
+      <p:ext uri="{BB962C8B-B14F-4D97-AF65-F5344CB8AC3E}">
+        <p14:creationId xmlns:p14="http://schemas.microsoft.com/office/powerpoint/2010/main" val="1235350205"/>
+      </p:ext>
+    </p:extLst>
+  </p:cSld>
+  <p:clrMapOvr>
+    <a:masterClrMapping/>
+  </p:clrMapOvr>
+  <p:transition xmlns:p14="http://schemas.microsoft.com/office/powerpoint/2010/main" spd="slow">
+    <p:push dir="u"/>
+  </p:transition>
+  <p:timing>
+    <p:tnLst>
+      <p:par>
+        <p:cTn xmlns:p14="http://schemas.microsoft.com/office/powerpoint/2010/main" id="1" dur="indefinite" restart="never" nodeType="tmRoot"/>
+      </p:par>
+    </p:tnLst>
+  </p:timing>
+</p:sld>
+</file>
+
+<file path=ppt/slides/slide27.xml><?xml version="1.0" encoding="utf-8"?>
+<p:sld xmlns:a="http://schemas.openxmlformats.org/drawingml/2006/main" xmlns:r="http://schemas.openxmlformats.org/officeDocument/2006/relationships" xmlns:p="http://schemas.openxmlformats.org/presentationml/2006/main">
+  <p:cSld>
+    <p:spTree>
+      <p:nvGrpSpPr>
+        <p:cNvPr id="1" name=""/>
+        <p:cNvGrpSpPr/>
+        <p:nvPr/>
+      </p:nvGrpSpPr>
+      <p:grpSpPr>
+        <a:xfrm>
+          <a:off x="0" y="0"/>
+          <a:ext cx="0" cy="0"/>
+          <a:chOff x="0" y="0"/>
+          <a:chExt cx="0" cy="0"/>
+        </a:xfrm>
+      </p:grpSpPr>
+      <p:sp>
+        <p:nvSpPr>
+          <p:cNvPr id="5" name="Rettangolo 4"/>
+          <p:cNvSpPr/>
+          <p:nvPr/>
+        </p:nvSpPr>
+        <p:spPr>
+          <a:xfrm>
+            <a:off x="0" y="-28574"/>
+            <a:ext cx="12192000" cy="342900"/>
+          </a:xfrm>
+          <a:prstGeom prst="rect">
+            <a:avLst/>
+          </a:prstGeom>
+          <a:solidFill>
+            <a:srgbClr val="0072C6"/>
+          </a:solidFill>
+        </p:spPr>
+        <p:style>
+          <a:lnRef idx="2">
+            <a:schemeClr val="accent1">
+              <a:shade val="50000"/>
+            </a:schemeClr>
+          </a:lnRef>
+          <a:fillRef idx="1">
+            <a:schemeClr val="accent1"/>
+          </a:fillRef>
+          <a:effectRef idx="0">
+            <a:schemeClr val="accent1"/>
+          </a:effectRef>
+          <a:fontRef idx="minor">
+            <a:schemeClr val="lt1"/>
+          </a:fontRef>
+        </p:style>
+        <p:txBody>
+          <a:bodyPr rtlCol="0" anchor="ctr"/>
+          <a:lstStyle/>
+          <a:p>
+            <a:pPr algn="ctr"/>
+            <a:endParaRPr lang="it-IT"/>
+          </a:p>
+        </p:txBody>
+      </p:sp>
+      <p:sp>
+        <p:nvSpPr>
+          <p:cNvPr id="4" name="Rettangolo 3"/>
+          <p:cNvSpPr/>
+          <p:nvPr/>
+        </p:nvSpPr>
+        <p:spPr>
+          <a:xfrm>
+            <a:off x="0" y="6515100"/>
+            <a:ext cx="12192000" cy="342900"/>
+          </a:xfrm>
+          <a:prstGeom prst="rect">
+            <a:avLst/>
+          </a:prstGeom>
+          <a:solidFill>
+            <a:srgbClr val="0072C6"/>
+          </a:solidFill>
+        </p:spPr>
+        <p:style>
+          <a:lnRef idx="2">
+            <a:schemeClr val="accent1">
+              <a:shade val="50000"/>
+            </a:schemeClr>
+          </a:lnRef>
+          <a:fillRef idx="1">
+            <a:schemeClr val="accent1"/>
+          </a:fillRef>
+          <a:effectRef idx="0">
+            <a:schemeClr val="accent1"/>
+          </a:effectRef>
+          <a:fontRef idx="minor">
+            <a:schemeClr val="lt1"/>
+          </a:fontRef>
+        </p:style>
+        <p:txBody>
+          <a:bodyPr rtlCol="0" anchor="ctr"/>
+          <a:lstStyle/>
+          <a:p>
+            <a:pPr algn="ctr"/>
+            <a:endParaRPr lang="it-IT"/>
+          </a:p>
+        </p:txBody>
+      </p:sp>
+      <p:sp>
+        <p:nvSpPr>
+          <p:cNvPr id="9" name="CasellaDiTesto 8"/>
+          <p:cNvSpPr txBox="1"/>
+          <p:nvPr/>
+        </p:nvSpPr>
+        <p:spPr>
+          <a:xfrm>
+            <a:off x="415529" y="314326"/>
+            <a:ext cx="11613357" cy="1692771"/>
+          </a:xfrm>
+          <a:prstGeom prst="rect">
+            <a:avLst/>
+          </a:prstGeom>
+          <a:noFill/>
+        </p:spPr>
+        <p:txBody>
+          <a:bodyPr wrap="square" rtlCol="0">
+            <a:spAutoFit/>
+          </a:bodyPr>
+          <a:lstStyle/>
+          <a:p>
+            <a:r>
+              <a:rPr lang="it-IT" sz="4400" b="1" spc="-100" dirty="0" err="1" smtClean="0">
+                <a:ln w="3175">
+                  <a:noFill/>
+                </a:ln>
+                <a:solidFill>
+                  <a:srgbClr val="0072C6"/>
+                </a:solidFill>
+                <a:latin typeface="+mj-lt"/>
+                <a:cs typeface="Arial" charset="0"/>
+              </a:rPr>
+              <a:t>Sequence</a:t>
+            </a:r>
+            <a:r>
+              <a:rPr lang="it-IT" sz="4400" b="1" spc="-100" dirty="0" smtClean="0">
+                <a:ln w="3175">
+                  <a:noFill/>
+                </a:ln>
+                <a:solidFill>
+                  <a:srgbClr val="0072C6"/>
+                </a:solidFill>
+                <a:latin typeface="+mj-lt"/>
+                <a:cs typeface="Arial" charset="0"/>
+              </a:rPr>
+              <a:t> </a:t>
+            </a:r>
+            <a:r>
+              <a:rPr lang="it-IT" sz="4400" b="1" spc="-100" dirty="0" err="1" smtClean="0">
+                <a:ln w="3175">
+                  <a:noFill/>
+                </a:ln>
+                <a:solidFill>
+                  <a:srgbClr val="0072C6"/>
+                </a:solidFill>
+                <a:latin typeface="+mj-lt"/>
+                <a:cs typeface="Arial" charset="0"/>
+              </a:rPr>
+              <a:t>diagram</a:t>
+            </a:r>
+            <a:r>
+              <a:rPr lang="it-IT" sz="4400" b="1" spc="-100" dirty="0" smtClean="0">
+                <a:ln w="3175">
+                  <a:noFill/>
+                </a:ln>
+                <a:solidFill>
+                  <a:srgbClr val="0072C6"/>
+                </a:solidFill>
+                <a:latin typeface="+mj-lt"/>
+                <a:cs typeface="Arial" charset="0"/>
+              </a:rPr>
+              <a:t>– Aggiorna storico</a:t>
+            </a:r>
+            <a:endParaRPr lang="it-IT" sz="4400" b="1" spc="-100" dirty="0">
+              <a:ln w="3175">
+                <a:noFill/>
+              </a:ln>
+              <a:solidFill>
+                <a:srgbClr val="0072C6"/>
+              </a:solidFill>
+              <a:latin typeface="+mj-lt"/>
+              <a:cs typeface="Arial" charset="0"/>
+            </a:endParaRPr>
+          </a:p>
+          <a:p>
+            <a:endParaRPr lang="it-IT" sz="3000" b="1" spc="-100" dirty="0">
+              <a:ln w="3175">
+                <a:noFill/>
+              </a:ln>
+              <a:solidFill>
+                <a:srgbClr val="0072C6"/>
+              </a:solidFill>
+              <a:latin typeface="+mj-lt"/>
+              <a:cs typeface="Arial" charset="0"/>
+            </a:endParaRPr>
+          </a:p>
+          <a:p>
+            <a:endParaRPr lang="it-IT" sz="3000" b="1" spc="-100" dirty="0">
+              <a:ln w="3175">
+                <a:noFill/>
+              </a:ln>
+              <a:solidFill>
+                <a:srgbClr val="0072C6"/>
+              </a:solidFill>
+              <a:latin typeface="+mj-lt"/>
+              <a:cs typeface="Arial" charset="0"/>
+            </a:endParaRPr>
+          </a:p>
+        </p:txBody>
+      </p:sp>
+      <p:pic>
+        <p:nvPicPr>
+          <p:cNvPr id="2" name="Immagine 1" descr="Schermata 2015-02-19 alle 15.29.04.png"/>
+          <p:cNvPicPr>
+            <a:picLocks noChangeAspect="1"/>
+          </p:cNvPicPr>
+          <p:nvPr/>
+        </p:nvPicPr>
+        <p:blipFill>
+          <a:blip r:embed="rId2">
+            <a:extLst>
+              <a:ext uri="{28A0092B-C50C-407E-A947-70E740481C1C}">
+                <a14:useLocalDpi xmlns:a14="http://schemas.microsoft.com/office/drawing/2010/main" val="0"/>
+              </a:ext>
+            </a:extLst>
+          </a:blip>
+          <a:stretch>
+            <a:fillRect/>
+          </a:stretch>
+        </p:blipFill>
+        <p:spPr>
+          <a:xfrm>
+            <a:off x="1361498" y="996394"/>
+            <a:ext cx="9484067" cy="5525500"/>
+          </a:xfrm>
+          <a:prstGeom prst="rect">
+            <a:avLst/>
+          </a:prstGeom>
+        </p:spPr>
+      </p:pic>
+    </p:spTree>
+    <p:extLst>
+      <p:ext uri="{BB962C8B-B14F-4D97-AF65-F5344CB8AC3E}">
+        <p14:creationId xmlns:p14="http://schemas.microsoft.com/office/powerpoint/2010/main" val="2069654529"/>
+      </p:ext>
+    </p:extLst>
+  </p:cSld>
+  <p:clrMapOvr>
+    <a:masterClrMapping/>
+  </p:clrMapOvr>
+  <p:transition xmlns:p14="http://schemas.microsoft.com/office/powerpoint/2010/main" spd="slow">
+    <p:push dir="u"/>
+  </p:transition>
+  <p:timing>
+    <p:tnLst>
+      <p:par>
+        <p:cTn xmlns:p14="http://schemas.microsoft.com/office/powerpoint/2010/main" id="1" dur="indefinite" restart="never" nodeType="tmRoot"/>
+      </p:par>
+    </p:tnLst>
+  </p:timing>
+</p:sld>
+</file>
+
+<file path=ppt/slides/slide28.xml><?xml version="1.0" encoding="utf-8"?>
+<p:sld xmlns:a="http://schemas.openxmlformats.org/drawingml/2006/main" xmlns:r="http://schemas.openxmlformats.org/officeDocument/2006/relationships" xmlns:p="http://schemas.openxmlformats.org/presentationml/2006/main">
+  <p:cSld>
+    <p:spTree>
+      <p:nvGrpSpPr>
+        <p:cNvPr id="1" name=""/>
+        <p:cNvGrpSpPr/>
+        <p:nvPr/>
+      </p:nvGrpSpPr>
+      <p:grpSpPr>
+        <a:xfrm>
+          <a:off x="0" y="0"/>
+          <a:ext cx="0" cy="0"/>
+          <a:chOff x="0" y="0"/>
+          <a:chExt cx="0" cy="0"/>
+        </a:xfrm>
+      </p:grpSpPr>
+      <p:sp>
+        <p:nvSpPr>
+          <p:cNvPr id="5" name="Rettangolo 4"/>
+          <p:cNvSpPr/>
+          <p:nvPr/>
+        </p:nvSpPr>
+        <p:spPr>
+          <a:xfrm>
+            <a:off x="0" y="-28574"/>
+            <a:ext cx="12192000" cy="342900"/>
+          </a:xfrm>
+          <a:prstGeom prst="rect">
+            <a:avLst/>
+          </a:prstGeom>
+          <a:solidFill>
+            <a:srgbClr val="0072C6"/>
+          </a:solidFill>
+        </p:spPr>
+        <p:style>
+          <a:lnRef idx="2">
+            <a:schemeClr val="accent1">
+              <a:shade val="50000"/>
+            </a:schemeClr>
+          </a:lnRef>
+          <a:fillRef idx="1">
+            <a:schemeClr val="accent1"/>
+          </a:fillRef>
+          <a:effectRef idx="0">
+            <a:schemeClr val="accent1"/>
+          </a:effectRef>
+          <a:fontRef idx="minor">
+            <a:schemeClr val="lt1"/>
+          </a:fontRef>
+        </p:style>
+        <p:txBody>
+          <a:bodyPr rtlCol="0" anchor="ctr"/>
+          <a:lstStyle/>
+          <a:p>
+            <a:pPr algn="ctr"/>
+            <a:endParaRPr lang="it-IT"/>
+          </a:p>
+        </p:txBody>
+      </p:sp>
+      <p:sp>
+        <p:nvSpPr>
+          <p:cNvPr id="4" name="Rettangolo 3"/>
+          <p:cNvSpPr/>
+          <p:nvPr/>
+        </p:nvSpPr>
+        <p:spPr>
+          <a:xfrm>
+            <a:off x="0" y="6515100"/>
+            <a:ext cx="12192000" cy="342900"/>
+          </a:xfrm>
+          <a:prstGeom prst="rect">
+            <a:avLst/>
+          </a:prstGeom>
+          <a:solidFill>
+            <a:srgbClr val="0072C6"/>
+          </a:solidFill>
+        </p:spPr>
+        <p:style>
+          <a:lnRef idx="2">
+            <a:schemeClr val="accent1">
+              <a:shade val="50000"/>
+            </a:schemeClr>
+          </a:lnRef>
+          <a:fillRef idx="1">
+            <a:schemeClr val="accent1"/>
+          </a:fillRef>
+          <a:effectRef idx="0">
+            <a:schemeClr val="accent1"/>
+          </a:effectRef>
+          <a:fontRef idx="minor">
+            <a:schemeClr val="lt1"/>
+          </a:fontRef>
+        </p:style>
+        <p:txBody>
+          <a:bodyPr rtlCol="0" anchor="ctr"/>
+          <a:lstStyle/>
+          <a:p>
+            <a:pPr algn="ctr"/>
+            <a:endParaRPr lang="it-IT"/>
+          </a:p>
+        </p:txBody>
+      </p:sp>
+      <p:sp>
+        <p:nvSpPr>
+          <p:cNvPr id="9" name="CasellaDiTesto 8"/>
+          <p:cNvSpPr txBox="1"/>
+          <p:nvPr/>
+        </p:nvSpPr>
+        <p:spPr>
+          <a:xfrm>
+            <a:off x="415529" y="314326"/>
+            <a:ext cx="11613357" cy="1692771"/>
+          </a:xfrm>
+          <a:prstGeom prst="rect">
+            <a:avLst/>
+          </a:prstGeom>
+          <a:noFill/>
+        </p:spPr>
+        <p:txBody>
+          <a:bodyPr wrap="square" rtlCol="0">
+            <a:spAutoFit/>
+          </a:bodyPr>
+          <a:lstStyle/>
+          <a:p>
+            <a:r>
+              <a:rPr lang="it-IT" sz="4400" b="1" spc="-100" dirty="0" err="1" smtClean="0">
+                <a:ln w="3175">
+                  <a:noFill/>
+                </a:ln>
+                <a:solidFill>
+                  <a:srgbClr val="0072C6"/>
+                </a:solidFill>
+                <a:latin typeface="+mj-lt"/>
+                <a:cs typeface="Arial" charset="0"/>
+              </a:rPr>
+              <a:t>Sequence</a:t>
+            </a:r>
+            <a:r>
+              <a:rPr lang="it-IT" sz="4400" b="1" spc="-100" dirty="0" smtClean="0">
+                <a:ln w="3175">
+                  <a:noFill/>
+                </a:ln>
+                <a:solidFill>
+                  <a:srgbClr val="0072C6"/>
+                </a:solidFill>
+                <a:latin typeface="+mj-lt"/>
+                <a:cs typeface="Arial" charset="0"/>
+              </a:rPr>
+              <a:t> </a:t>
+            </a:r>
+            <a:r>
+              <a:rPr lang="it-IT" sz="4400" b="1" spc="-100" dirty="0" err="1" smtClean="0">
+                <a:ln w="3175">
+                  <a:noFill/>
+                </a:ln>
+                <a:solidFill>
+                  <a:srgbClr val="0072C6"/>
+                </a:solidFill>
+                <a:latin typeface="+mj-lt"/>
+                <a:cs typeface="Arial" charset="0"/>
+              </a:rPr>
+              <a:t>diagram</a:t>
+            </a:r>
+            <a:r>
+              <a:rPr lang="it-IT" sz="4400" b="1" spc="-100" dirty="0" smtClean="0">
+                <a:ln w="3175">
+                  <a:noFill/>
+                </a:ln>
+                <a:solidFill>
+                  <a:srgbClr val="0072C6"/>
+                </a:solidFill>
+                <a:latin typeface="+mj-lt"/>
+                <a:cs typeface="Arial" charset="0"/>
+              </a:rPr>
+              <a:t>– Identifica SEP</a:t>
+            </a:r>
+            <a:endParaRPr lang="it-IT" sz="4400" b="1" spc="-100" dirty="0">
+              <a:ln w="3175">
+                <a:noFill/>
+              </a:ln>
+              <a:solidFill>
+                <a:srgbClr val="0072C6"/>
+              </a:solidFill>
+              <a:latin typeface="+mj-lt"/>
+              <a:cs typeface="Arial" charset="0"/>
+            </a:endParaRPr>
+          </a:p>
+          <a:p>
+            <a:endParaRPr lang="it-IT" sz="3000" b="1" spc="-100" dirty="0">
+              <a:ln w="3175">
+                <a:noFill/>
+              </a:ln>
+              <a:solidFill>
+                <a:srgbClr val="0072C6"/>
+              </a:solidFill>
+              <a:latin typeface="+mj-lt"/>
+              <a:cs typeface="Arial" charset="0"/>
+            </a:endParaRPr>
+          </a:p>
+          <a:p>
+            <a:endParaRPr lang="it-IT" sz="3000" b="1" spc="-100" dirty="0">
+              <a:ln w="3175">
+                <a:noFill/>
+              </a:ln>
+              <a:solidFill>
+                <a:srgbClr val="0072C6"/>
+              </a:solidFill>
+              <a:latin typeface="+mj-lt"/>
+              <a:cs typeface="Arial" charset="0"/>
+            </a:endParaRPr>
+          </a:p>
+        </p:txBody>
+      </p:sp>
+      <p:pic>
+        <p:nvPicPr>
+          <p:cNvPr id="3" name="Immagine 2" descr="Schermata 2015-02-19 alle 15.31.07.png"/>
+          <p:cNvPicPr>
+            <a:picLocks noChangeAspect="1"/>
+          </p:cNvPicPr>
+          <p:nvPr/>
+        </p:nvPicPr>
+        <p:blipFill>
+          <a:blip r:embed="rId2">
+            <a:extLst>
+              <a:ext uri="{28A0092B-C50C-407E-A947-70E740481C1C}">
+                <a14:useLocalDpi xmlns:a14="http://schemas.microsoft.com/office/drawing/2010/main" val="0"/>
+              </a:ext>
+            </a:extLst>
+          </a:blip>
+          <a:stretch>
+            <a:fillRect/>
+          </a:stretch>
+        </p:blipFill>
+        <p:spPr>
+          <a:xfrm>
+            <a:off x="1761941" y="1239484"/>
+            <a:ext cx="8329174" cy="5146100"/>
+          </a:xfrm>
+          <a:prstGeom prst="rect">
+            <a:avLst/>
+          </a:prstGeom>
+        </p:spPr>
+      </p:pic>
+    </p:spTree>
+    <p:extLst>
+      <p:ext uri="{BB962C8B-B14F-4D97-AF65-F5344CB8AC3E}">
+        <p14:creationId xmlns:p14="http://schemas.microsoft.com/office/powerpoint/2010/main" val="1942032394"/>
+      </p:ext>
+    </p:extLst>
+  </p:cSld>
+  <p:clrMapOvr>
+    <a:masterClrMapping/>
+  </p:clrMapOvr>
+  <p:transition xmlns:p14="http://schemas.microsoft.com/office/powerpoint/2010/main" spd="slow">
+    <p:push dir="u"/>
+  </p:transition>
+  <p:timing>
+    <p:tnLst>
+      <p:par>
+        <p:cTn xmlns:p14="http://schemas.microsoft.com/office/powerpoint/2010/main" id="1" dur="indefinite" restart="never" nodeType="tmRoot"/>
+      </p:par>
+    </p:tnLst>
+  </p:timing>
+</p:sld>
+</file>
+
+<file path=ppt/slides/slide29.xml><?xml version="1.0" encoding="utf-8"?>
+<p:sld xmlns:a="http://schemas.openxmlformats.org/drawingml/2006/main" xmlns:r="http://schemas.openxmlformats.org/officeDocument/2006/relationships" xmlns:p="http://schemas.openxmlformats.org/presentationml/2006/main">
+  <p:cSld>
+    <p:spTree>
+      <p:nvGrpSpPr>
+        <p:cNvPr id="1" name=""/>
+        <p:cNvGrpSpPr/>
+        <p:nvPr/>
+      </p:nvGrpSpPr>
+      <p:grpSpPr>
+        <a:xfrm>
+          <a:off x="0" y="0"/>
+          <a:ext cx="0" cy="0"/>
+          <a:chOff x="0" y="0"/>
+          <a:chExt cx="0" cy="0"/>
+        </a:xfrm>
+      </p:grpSpPr>
+      <p:sp>
+        <p:nvSpPr>
+          <p:cNvPr id="5" name="Rettangolo 4"/>
+          <p:cNvSpPr/>
+          <p:nvPr/>
+        </p:nvSpPr>
+        <p:spPr>
+          <a:xfrm>
+            <a:off x="0" y="-28574"/>
+            <a:ext cx="12192000" cy="342900"/>
+          </a:xfrm>
+          <a:prstGeom prst="rect">
+            <a:avLst/>
+          </a:prstGeom>
+          <a:solidFill>
+            <a:srgbClr val="0072C6"/>
+          </a:solidFill>
+        </p:spPr>
+        <p:style>
+          <a:lnRef idx="2">
+            <a:schemeClr val="accent1">
+              <a:shade val="50000"/>
+            </a:schemeClr>
+          </a:lnRef>
+          <a:fillRef idx="1">
+            <a:schemeClr val="accent1"/>
+          </a:fillRef>
+          <a:effectRef idx="0">
+            <a:schemeClr val="accent1"/>
+          </a:effectRef>
+          <a:fontRef idx="minor">
+            <a:schemeClr val="lt1"/>
+          </a:fontRef>
+        </p:style>
+        <p:txBody>
+          <a:bodyPr rtlCol="0" anchor="ctr"/>
+          <a:lstStyle/>
+          <a:p>
+            <a:pPr algn="ctr"/>
+            <a:endParaRPr lang="it-IT"/>
+          </a:p>
+        </p:txBody>
+      </p:sp>
+      <p:sp>
+        <p:nvSpPr>
+          <p:cNvPr id="4" name="Rettangolo 3"/>
+          <p:cNvSpPr/>
+          <p:nvPr/>
+        </p:nvSpPr>
+        <p:spPr>
+          <a:xfrm>
+            <a:off x="0" y="6515100"/>
+            <a:ext cx="12192000" cy="342900"/>
+          </a:xfrm>
+          <a:prstGeom prst="rect">
+            <a:avLst/>
+          </a:prstGeom>
+          <a:solidFill>
+            <a:srgbClr val="0072C6"/>
+          </a:solidFill>
+        </p:spPr>
+        <p:style>
+          <a:lnRef idx="2">
+            <a:schemeClr val="accent1">
+              <a:shade val="50000"/>
+            </a:schemeClr>
+          </a:lnRef>
+          <a:fillRef idx="1">
+            <a:schemeClr val="accent1"/>
+          </a:fillRef>
+          <a:effectRef idx="0">
+            <a:schemeClr val="accent1"/>
+          </a:effectRef>
+          <a:fontRef idx="minor">
+            <a:schemeClr val="lt1"/>
+          </a:fontRef>
+        </p:style>
+        <p:txBody>
+          <a:bodyPr rtlCol="0" anchor="ctr"/>
+          <a:lstStyle/>
+          <a:p>
+            <a:pPr algn="ctr"/>
+            <a:endParaRPr lang="it-IT"/>
+          </a:p>
+        </p:txBody>
+      </p:sp>
+      <p:sp>
+        <p:nvSpPr>
+          <p:cNvPr id="9" name="CasellaDiTesto 8"/>
+          <p:cNvSpPr txBox="1"/>
+          <p:nvPr/>
+        </p:nvSpPr>
+        <p:spPr>
+          <a:xfrm>
+            <a:off x="415529" y="314326"/>
+            <a:ext cx="11613357" cy="1692771"/>
+          </a:xfrm>
+          <a:prstGeom prst="rect">
+            <a:avLst/>
+          </a:prstGeom>
+          <a:noFill/>
+        </p:spPr>
+        <p:txBody>
+          <a:bodyPr wrap="square" rtlCol="0">
+            <a:spAutoFit/>
+          </a:bodyPr>
+          <a:lstStyle/>
+          <a:p>
+            <a:r>
+              <a:rPr lang="it-IT" sz="4400" b="1" spc="-100" dirty="0" err="1" smtClean="0">
+                <a:ln w="3175">
+                  <a:noFill/>
+                </a:ln>
+                <a:solidFill>
+                  <a:srgbClr val="0072C6"/>
+                </a:solidFill>
+                <a:latin typeface="+mj-lt"/>
+                <a:cs typeface="Arial" charset="0"/>
+              </a:rPr>
+              <a:t>Sequence</a:t>
+            </a:r>
+            <a:r>
+              <a:rPr lang="it-IT" sz="4400" b="1" spc="-100" dirty="0" smtClean="0">
+                <a:ln w="3175">
+                  <a:noFill/>
+                </a:ln>
+                <a:solidFill>
+                  <a:srgbClr val="0072C6"/>
+                </a:solidFill>
+                <a:latin typeface="+mj-lt"/>
+                <a:cs typeface="Arial" charset="0"/>
+              </a:rPr>
+              <a:t> </a:t>
+            </a:r>
+            <a:r>
+              <a:rPr lang="it-IT" sz="4400" b="1" spc="-100" dirty="0" err="1" smtClean="0">
+                <a:ln w="3175">
+                  <a:noFill/>
+                </a:ln>
+                <a:solidFill>
+                  <a:srgbClr val="0072C6"/>
+                </a:solidFill>
+                <a:latin typeface="+mj-lt"/>
+                <a:cs typeface="Arial" charset="0"/>
+              </a:rPr>
+              <a:t>diagram</a:t>
+            </a:r>
+            <a:r>
+              <a:rPr lang="it-IT" sz="4400" b="1" spc="-100" dirty="0" smtClean="0">
+                <a:ln w="3175">
+                  <a:noFill/>
+                </a:ln>
+                <a:solidFill>
+                  <a:srgbClr val="0072C6"/>
+                </a:solidFill>
+                <a:latin typeface="+mj-lt"/>
+                <a:cs typeface="Arial" charset="0"/>
+              </a:rPr>
+              <a:t>– Pianific</a:t>
+            </a:r>
+            <a:r>
+              <a:rPr lang="it-IT" sz="4400" b="1" spc="-100" dirty="0" smtClean="0">
+                <a:ln w="3175">
+                  <a:noFill/>
+                </a:ln>
+                <a:solidFill>
+                  <a:srgbClr val="0072C6"/>
+                </a:solidFill>
+                <a:latin typeface="+mj-lt"/>
+                <a:cs typeface="Arial" charset="0"/>
+              </a:rPr>
+              <a:t>a spostamento squadre e.</a:t>
+            </a:r>
+            <a:endParaRPr lang="it-IT" sz="4400" b="1" spc="-100" dirty="0">
+              <a:ln w="3175">
+                <a:noFill/>
+              </a:ln>
+              <a:solidFill>
+                <a:srgbClr val="0072C6"/>
+              </a:solidFill>
+              <a:latin typeface="+mj-lt"/>
+              <a:cs typeface="Arial" charset="0"/>
+            </a:endParaRPr>
+          </a:p>
+          <a:p>
+            <a:endParaRPr lang="it-IT" sz="3000" b="1" spc="-100" dirty="0">
+              <a:ln w="3175">
+                <a:noFill/>
+              </a:ln>
+              <a:solidFill>
+                <a:srgbClr val="0072C6"/>
+              </a:solidFill>
+              <a:latin typeface="+mj-lt"/>
+              <a:cs typeface="Arial" charset="0"/>
+            </a:endParaRPr>
+          </a:p>
+          <a:p>
+            <a:endParaRPr lang="it-IT" sz="3000" b="1" spc="-100" dirty="0">
+              <a:ln w="3175">
+                <a:noFill/>
+              </a:ln>
+              <a:solidFill>
+                <a:srgbClr val="0072C6"/>
+              </a:solidFill>
+              <a:latin typeface="+mj-lt"/>
+              <a:cs typeface="Arial" charset="0"/>
+            </a:endParaRPr>
+          </a:p>
+        </p:txBody>
+      </p:sp>
+      <p:pic>
+        <p:nvPicPr>
+          <p:cNvPr id="6" name="Immagine 5" descr="Schermata 2015-02-19 alle 16.09.36.png"/>
+          <p:cNvPicPr>
+            <a:picLocks noChangeAspect="1"/>
+          </p:cNvPicPr>
+          <p:nvPr/>
+        </p:nvPicPr>
+        <p:blipFill>
+          <a:blip r:embed="rId2">
+            <a:extLst>
+              <a:ext uri="{28A0092B-C50C-407E-A947-70E740481C1C}">
+                <a14:useLocalDpi xmlns:a14="http://schemas.microsoft.com/office/drawing/2010/main" val="0"/>
+              </a:ext>
+            </a:extLst>
+          </a:blip>
+          <a:stretch>
+            <a:fillRect/>
+          </a:stretch>
+        </p:blipFill>
+        <p:spPr>
+          <a:xfrm>
+            <a:off x="0" y="1075541"/>
+            <a:ext cx="12192000" cy="5387163"/>
+          </a:xfrm>
+          <a:prstGeom prst="rect">
+            <a:avLst/>
+          </a:prstGeom>
+        </p:spPr>
+      </p:pic>
+    </p:spTree>
+    <p:extLst>
+      <p:ext uri="{BB962C8B-B14F-4D97-AF65-F5344CB8AC3E}">
+        <p14:creationId xmlns:p14="http://schemas.microsoft.com/office/powerpoint/2010/main" val="3987645894"/>
+      </p:ext>
+    </p:extLst>
+  </p:cSld>
+  <p:clrMapOvr>
+    <a:masterClrMapping/>
+  </p:clrMapOvr>
+  <p:transition xmlns:p14="http://schemas.microsoft.com/office/powerpoint/2010/main" spd="slow">
+    <p:push dir="u"/>
+  </p:transition>
+  <p:timing>
+    <p:tnLst>
+      <p:par>
+        <p:cTn xmlns:p14="http://schemas.microsoft.com/office/powerpoint/2010/main" id="1" dur="indefinite" restart="never" nodeType="tmRoot"/>
+      </p:par>
+    </p:tnLst>
+  </p:timing>
+</p:sld>
+</file>
+
+<file path=ppt/slides/slide3.xml><?xml version="1.0" encoding="utf-8"?>
+<p:sld xmlns:a="http://schemas.openxmlformats.org/drawingml/2006/main" xmlns:r="http://schemas.openxmlformats.org/officeDocument/2006/relationships" xmlns:p="http://schemas.openxmlformats.org/presentationml/2006/main">
+  <p:cSld>
+    <p:spTree>
+      <p:nvGrpSpPr>
+        <p:cNvPr id="1" name=""/>
+        <p:cNvGrpSpPr/>
+        <p:nvPr/>
+      </p:nvGrpSpPr>
+      <p:grpSpPr>
+        <a:xfrm>
+          <a:off x="0" y="0"/>
+          <a:ext cx="0" cy="0"/>
+          <a:chOff x="0" y="0"/>
+          <a:chExt cx="0" cy="0"/>
+        </a:xfrm>
+      </p:grpSpPr>
+      <p:sp>
+        <p:nvSpPr>
+          <p:cNvPr id="7" name="Rettangolo 6"/>
+          <p:cNvSpPr/>
+          <p:nvPr/>
+        </p:nvSpPr>
+        <p:spPr>
+          <a:xfrm>
+            <a:off x="0" y="6515100"/>
+            <a:ext cx="12192000" cy="342900"/>
+          </a:xfrm>
+          <a:prstGeom prst="rect">
+            <a:avLst/>
+          </a:prstGeom>
+          <a:solidFill>
+            <a:srgbClr val="0072C6"/>
+          </a:solidFill>
+        </p:spPr>
+        <p:style>
+          <a:lnRef idx="2">
+            <a:schemeClr val="accent1">
+              <a:shade val="50000"/>
+            </a:schemeClr>
+          </a:lnRef>
+          <a:fillRef idx="1">
+            <a:schemeClr val="accent1"/>
+          </a:fillRef>
+          <a:effectRef idx="0">
+            <a:schemeClr val="accent1"/>
+          </a:effectRef>
+          <a:fontRef idx="minor">
+            <a:schemeClr val="lt1"/>
+          </a:fontRef>
+        </p:style>
+        <p:txBody>
+          <a:bodyPr rtlCol="0" anchor="ctr"/>
+          <a:lstStyle/>
+          <a:p>
+            <a:pPr algn="ctr"/>
+            <a:endParaRPr lang="it-IT"/>
+          </a:p>
+        </p:txBody>
+      </p:sp>
+      <p:sp>
+        <p:nvSpPr>
+          <p:cNvPr id="8" name="Rettangolo 7"/>
+          <p:cNvSpPr/>
+          <p:nvPr/>
+        </p:nvSpPr>
+        <p:spPr>
+          <a:xfrm>
+            <a:off x="0" y="-28574"/>
+            <a:ext cx="12192000" cy="342900"/>
+          </a:xfrm>
+          <a:prstGeom prst="rect">
+            <a:avLst/>
+          </a:prstGeom>
+          <a:solidFill>
+            <a:srgbClr val="0072C6"/>
+          </a:solidFill>
+        </p:spPr>
+        <p:style>
+          <a:lnRef idx="2">
+            <a:schemeClr val="accent1">
+              <a:shade val="50000"/>
+            </a:schemeClr>
+          </a:lnRef>
+          <a:fillRef idx="1">
+            <a:schemeClr val="accent1"/>
+          </a:fillRef>
+          <a:effectRef idx="0">
+            <a:schemeClr val="accent1"/>
+          </a:effectRef>
+          <a:fontRef idx="minor">
+            <a:schemeClr val="lt1"/>
+          </a:fontRef>
+        </p:style>
+        <p:txBody>
+          <a:bodyPr rtlCol="0" anchor="ctr"/>
+          <a:lstStyle/>
+          <a:p>
+            <a:pPr algn="ctr"/>
+            <a:endParaRPr lang="it-IT"/>
+          </a:p>
+        </p:txBody>
+      </p:sp>
+      <p:sp>
+        <p:nvSpPr>
           <p:cNvPr id="2" name="CasellaDiTesto 1"/>
           <p:cNvSpPr txBox="1"/>
           <p:nvPr/>
@@ -9630,6 +11321,4111 @@
     <p:extLst>
       <p:ext uri="{BB962C8B-B14F-4D97-AF65-F5344CB8AC3E}">
         <p14:creationId xmlns:p14="http://schemas.microsoft.com/office/powerpoint/2010/main" val="1097181896"/>
+      </p:ext>
+    </p:extLst>
+  </p:cSld>
+  <p:clrMapOvr>
+    <a:masterClrMapping/>
+  </p:clrMapOvr>
+  <p:transition xmlns:p14="http://schemas.microsoft.com/office/powerpoint/2010/main" spd="slow">
+    <p:push dir="u"/>
+  </p:transition>
+  <p:timing>
+    <p:tnLst>
+      <p:par>
+        <p:cTn xmlns:p14="http://schemas.microsoft.com/office/powerpoint/2010/main" id="1" dur="indefinite" restart="never" nodeType="tmRoot"/>
+      </p:par>
+    </p:tnLst>
+  </p:timing>
+</p:sld>
+</file>
+
+<file path=ppt/slides/slide30.xml><?xml version="1.0" encoding="utf-8"?>
+<p:sld xmlns:a="http://schemas.openxmlformats.org/drawingml/2006/main" xmlns:r="http://schemas.openxmlformats.org/officeDocument/2006/relationships" xmlns:p="http://schemas.openxmlformats.org/presentationml/2006/main">
+  <p:cSld>
+    <p:spTree>
+      <p:nvGrpSpPr>
+        <p:cNvPr id="1" name=""/>
+        <p:cNvGrpSpPr/>
+        <p:nvPr/>
+      </p:nvGrpSpPr>
+      <p:grpSpPr>
+        <a:xfrm>
+          <a:off x="0" y="0"/>
+          <a:ext cx="0" cy="0"/>
+          <a:chOff x="0" y="0"/>
+          <a:chExt cx="0" cy="0"/>
+        </a:xfrm>
+      </p:grpSpPr>
+      <p:sp>
+        <p:nvSpPr>
+          <p:cNvPr id="5" name="Rettangolo 4"/>
+          <p:cNvSpPr/>
+          <p:nvPr/>
+        </p:nvSpPr>
+        <p:spPr>
+          <a:xfrm>
+            <a:off x="0" y="-28574"/>
+            <a:ext cx="12192000" cy="342900"/>
+          </a:xfrm>
+          <a:prstGeom prst="rect">
+            <a:avLst/>
+          </a:prstGeom>
+          <a:solidFill>
+            <a:srgbClr val="0072C6"/>
+          </a:solidFill>
+        </p:spPr>
+        <p:style>
+          <a:lnRef idx="2">
+            <a:schemeClr val="accent1">
+              <a:shade val="50000"/>
+            </a:schemeClr>
+          </a:lnRef>
+          <a:fillRef idx="1">
+            <a:schemeClr val="accent1"/>
+          </a:fillRef>
+          <a:effectRef idx="0">
+            <a:schemeClr val="accent1"/>
+          </a:effectRef>
+          <a:fontRef idx="minor">
+            <a:schemeClr val="lt1"/>
+          </a:fontRef>
+        </p:style>
+        <p:txBody>
+          <a:bodyPr rtlCol="0" anchor="ctr"/>
+          <a:lstStyle/>
+          <a:p>
+            <a:pPr algn="ctr"/>
+            <a:endParaRPr lang="it-IT"/>
+          </a:p>
+        </p:txBody>
+      </p:sp>
+      <p:sp>
+        <p:nvSpPr>
+          <p:cNvPr id="4" name="Rettangolo 3"/>
+          <p:cNvSpPr/>
+          <p:nvPr/>
+        </p:nvSpPr>
+        <p:spPr>
+          <a:xfrm>
+            <a:off x="0" y="6515100"/>
+            <a:ext cx="12192000" cy="342900"/>
+          </a:xfrm>
+          <a:prstGeom prst="rect">
+            <a:avLst/>
+          </a:prstGeom>
+          <a:solidFill>
+            <a:srgbClr val="0072C6"/>
+          </a:solidFill>
+        </p:spPr>
+        <p:style>
+          <a:lnRef idx="2">
+            <a:schemeClr val="accent1">
+              <a:shade val="50000"/>
+            </a:schemeClr>
+          </a:lnRef>
+          <a:fillRef idx="1">
+            <a:schemeClr val="accent1"/>
+          </a:fillRef>
+          <a:effectRef idx="0">
+            <a:schemeClr val="accent1"/>
+          </a:effectRef>
+          <a:fontRef idx="minor">
+            <a:schemeClr val="lt1"/>
+          </a:fontRef>
+        </p:style>
+        <p:txBody>
+          <a:bodyPr rtlCol="0" anchor="ctr"/>
+          <a:lstStyle/>
+          <a:p>
+            <a:pPr algn="ctr"/>
+            <a:endParaRPr lang="it-IT"/>
+          </a:p>
+        </p:txBody>
+      </p:sp>
+      <p:sp>
+        <p:nvSpPr>
+          <p:cNvPr id="9" name="CasellaDiTesto 8"/>
+          <p:cNvSpPr txBox="1"/>
+          <p:nvPr/>
+        </p:nvSpPr>
+        <p:spPr>
+          <a:xfrm>
+            <a:off x="415529" y="314326"/>
+            <a:ext cx="11613357" cy="1692771"/>
+          </a:xfrm>
+          <a:prstGeom prst="rect">
+            <a:avLst/>
+          </a:prstGeom>
+          <a:noFill/>
+        </p:spPr>
+        <p:txBody>
+          <a:bodyPr wrap="square" rtlCol="0">
+            <a:spAutoFit/>
+          </a:bodyPr>
+          <a:lstStyle/>
+          <a:p>
+            <a:r>
+              <a:rPr lang="it-IT" sz="4400" b="1" spc="-100" dirty="0" err="1" smtClean="0">
+                <a:ln w="3175">
+                  <a:noFill/>
+                </a:ln>
+                <a:solidFill>
+                  <a:srgbClr val="0072C6"/>
+                </a:solidFill>
+                <a:latin typeface="+mj-lt"/>
+                <a:cs typeface="Arial" charset="0"/>
+              </a:rPr>
+              <a:t>Sequence</a:t>
+            </a:r>
+            <a:r>
+              <a:rPr lang="it-IT" sz="4400" b="1" spc="-100" dirty="0" smtClean="0">
+                <a:ln w="3175">
+                  <a:noFill/>
+                </a:ln>
+                <a:solidFill>
+                  <a:srgbClr val="0072C6"/>
+                </a:solidFill>
+                <a:latin typeface="+mj-lt"/>
+                <a:cs typeface="Arial" charset="0"/>
+              </a:rPr>
+              <a:t> </a:t>
+            </a:r>
+            <a:r>
+              <a:rPr lang="it-IT" sz="4400" b="1" spc="-100" dirty="0" err="1" smtClean="0">
+                <a:ln w="3175">
+                  <a:noFill/>
+                </a:ln>
+                <a:solidFill>
+                  <a:srgbClr val="0072C6"/>
+                </a:solidFill>
+                <a:latin typeface="+mj-lt"/>
+                <a:cs typeface="Arial" charset="0"/>
+              </a:rPr>
+              <a:t>diagram</a:t>
+            </a:r>
+            <a:r>
+              <a:rPr lang="it-IT" sz="4400" b="1" spc="-100" dirty="0" smtClean="0">
+                <a:ln w="3175">
+                  <a:noFill/>
+                </a:ln>
+                <a:solidFill>
+                  <a:srgbClr val="0072C6"/>
+                </a:solidFill>
+                <a:latin typeface="+mj-lt"/>
+                <a:cs typeface="Arial" charset="0"/>
+              </a:rPr>
+              <a:t>– Gestisci SEG</a:t>
+            </a:r>
+            <a:endParaRPr lang="it-IT" sz="4400" b="1" spc="-100" dirty="0">
+              <a:ln w="3175">
+                <a:noFill/>
+              </a:ln>
+              <a:solidFill>
+                <a:srgbClr val="0072C6"/>
+              </a:solidFill>
+              <a:latin typeface="+mj-lt"/>
+              <a:cs typeface="Arial" charset="0"/>
+            </a:endParaRPr>
+          </a:p>
+          <a:p>
+            <a:endParaRPr lang="it-IT" sz="3000" b="1" spc="-100" dirty="0">
+              <a:ln w="3175">
+                <a:noFill/>
+              </a:ln>
+              <a:solidFill>
+                <a:srgbClr val="0072C6"/>
+              </a:solidFill>
+              <a:latin typeface="+mj-lt"/>
+              <a:cs typeface="Arial" charset="0"/>
+            </a:endParaRPr>
+          </a:p>
+          <a:p>
+            <a:endParaRPr lang="it-IT" sz="3000" b="1" spc="-100" dirty="0">
+              <a:ln w="3175">
+                <a:noFill/>
+              </a:ln>
+              <a:solidFill>
+                <a:srgbClr val="0072C6"/>
+              </a:solidFill>
+              <a:latin typeface="+mj-lt"/>
+              <a:cs typeface="Arial" charset="0"/>
+            </a:endParaRPr>
+          </a:p>
+        </p:txBody>
+      </p:sp>
+      <p:pic>
+        <p:nvPicPr>
+          <p:cNvPr id="3" name="Immagine 2" descr="Schermata 2015-02-19 alle 15.33.34.png"/>
+          <p:cNvPicPr>
+            <a:picLocks noChangeAspect="1"/>
+          </p:cNvPicPr>
+          <p:nvPr/>
+        </p:nvPicPr>
+        <p:blipFill>
+          <a:blip r:embed="rId2">
+            <a:extLst>
+              <a:ext uri="{28A0092B-C50C-407E-A947-70E740481C1C}">
+                <a14:useLocalDpi xmlns:a14="http://schemas.microsoft.com/office/drawing/2010/main" val="0"/>
+              </a:ext>
+            </a:extLst>
+          </a:blip>
+          <a:stretch>
+            <a:fillRect/>
+          </a:stretch>
+        </p:blipFill>
+        <p:spPr>
+          <a:xfrm>
+            <a:off x="0" y="1018856"/>
+            <a:ext cx="12192000" cy="5507327"/>
+          </a:xfrm>
+          <a:prstGeom prst="rect">
+            <a:avLst/>
+          </a:prstGeom>
+        </p:spPr>
+      </p:pic>
+    </p:spTree>
+    <p:extLst>
+      <p:ext uri="{BB962C8B-B14F-4D97-AF65-F5344CB8AC3E}">
+        <p14:creationId xmlns:p14="http://schemas.microsoft.com/office/powerpoint/2010/main" val="2668304574"/>
+      </p:ext>
+    </p:extLst>
+  </p:cSld>
+  <p:clrMapOvr>
+    <a:masterClrMapping/>
+  </p:clrMapOvr>
+  <p:transition xmlns:p14="http://schemas.microsoft.com/office/powerpoint/2010/main" spd="slow">
+    <p:push dir="u"/>
+  </p:transition>
+  <p:timing>
+    <p:tnLst>
+      <p:par>
+        <p:cTn xmlns:p14="http://schemas.microsoft.com/office/powerpoint/2010/main" id="1" dur="indefinite" restart="never" nodeType="tmRoot"/>
+      </p:par>
+    </p:tnLst>
+  </p:timing>
+</p:sld>
+</file>
+
+<file path=ppt/slides/slide31.xml><?xml version="1.0" encoding="utf-8"?>
+<p:sld xmlns:a="http://schemas.openxmlformats.org/drawingml/2006/main" xmlns:r="http://schemas.openxmlformats.org/officeDocument/2006/relationships" xmlns:p="http://schemas.openxmlformats.org/presentationml/2006/main">
+  <p:cSld>
+    <p:spTree>
+      <p:nvGrpSpPr>
+        <p:cNvPr id="1" name=""/>
+        <p:cNvGrpSpPr/>
+        <p:nvPr/>
+      </p:nvGrpSpPr>
+      <p:grpSpPr>
+        <a:xfrm>
+          <a:off x="0" y="0"/>
+          <a:ext cx="0" cy="0"/>
+          <a:chOff x="0" y="0"/>
+          <a:chExt cx="0" cy="0"/>
+        </a:xfrm>
+      </p:grpSpPr>
+      <p:sp>
+        <p:nvSpPr>
+          <p:cNvPr id="5" name="Rettangolo 4"/>
+          <p:cNvSpPr/>
+          <p:nvPr/>
+        </p:nvSpPr>
+        <p:spPr>
+          <a:xfrm>
+            <a:off x="0" y="-28574"/>
+            <a:ext cx="12192000" cy="342900"/>
+          </a:xfrm>
+          <a:prstGeom prst="rect">
+            <a:avLst/>
+          </a:prstGeom>
+          <a:solidFill>
+            <a:srgbClr val="0072C6"/>
+          </a:solidFill>
+        </p:spPr>
+        <p:style>
+          <a:lnRef idx="2">
+            <a:schemeClr val="accent1">
+              <a:shade val="50000"/>
+            </a:schemeClr>
+          </a:lnRef>
+          <a:fillRef idx="1">
+            <a:schemeClr val="accent1"/>
+          </a:fillRef>
+          <a:effectRef idx="0">
+            <a:schemeClr val="accent1"/>
+          </a:effectRef>
+          <a:fontRef idx="minor">
+            <a:schemeClr val="lt1"/>
+          </a:fontRef>
+        </p:style>
+        <p:txBody>
+          <a:bodyPr rtlCol="0" anchor="ctr"/>
+          <a:lstStyle/>
+          <a:p>
+            <a:pPr algn="ctr"/>
+            <a:endParaRPr lang="it-IT"/>
+          </a:p>
+        </p:txBody>
+      </p:sp>
+      <p:sp>
+        <p:nvSpPr>
+          <p:cNvPr id="4" name="Rettangolo 3"/>
+          <p:cNvSpPr/>
+          <p:nvPr/>
+        </p:nvSpPr>
+        <p:spPr>
+          <a:xfrm>
+            <a:off x="0" y="6515100"/>
+            <a:ext cx="12192000" cy="342900"/>
+          </a:xfrm>
+          <a:prstGeom prst="rect">
+            <a:avLst/>
+          </a:prstGeom>
+          <a:solidFill>
+            <a:srgbClr val="0072C6"/>
+          </a:solidFill>
+        </p:spPr>
+        <p:style>
+          <a:lnRef idx="2">
+            <a:schemeClr val="accent1">
+              <a:shade val="50000"/>
+            </a:schemeClr>
+          </a:lnRef>
+          <a:fillRef idx="1">
+            <a:schemeClr val="accent1"/>
+          </a:fillRef>
+          <a:effectRef idx="0">
+            <a:schemeClr val="accent1"/>
+          </a:effectRef>
+          <a:fontRef idx="minor">
+            <a:schemeClr val="lt1"/>
+          </a:fontRef>
+        </p:style>
+        <p:txBody>
+          <a:bodyPr rtlCol="0" anchor="ctr"/>
+          <a:lstStyle/>
+          <a:p>
+            <a:pPr algn="ctr"/>
+            <a:endParaRPr lang="it-IT"/>
+          </a:p>
+        </p:txBody>
+      </p:sp>
+      <p:sp>
+        <p:nvSpPr>
+          <p:cNvPr id="9" name="CasellaDiTesto 8"/>
+          <p:cNvSpPr txBox="1"/>
+          <p:nvPr/>
+        </p:nvSpPr>
+        <p:spPr>
+          <a:xfrm>
+            <a:off x="415529" y="314326"/>
+            <a:ext cx="11613357" cy="1692771"/>
+          </a:xfrm>
+          <a:prstGeom prst="rect">
+            <a:avLst/>
+          </a:prstGeom>
+          <a:noFill/>
+        </p:spPr>
+        <p:txBody>
+          <a:bodyPr wrap="square" rtlCol="0">
+            <a:spAutoFit/>
+          </a:bodyPr>
+          <a:lstStyle/>
+          <a:p>
+            <a:r>
+              <a:rPr lang="it-IT" sz="4400" b="1" spc="-100" dirty="0" err="1" smtClean="0">
+                <a:ln w="3175">
+                  <a:noFill/>
+                </a:ln>
+                <a:solidFill>
+                  <a:srgbClr val="0072C6"/>
+                </a:solidFill>
+                <a:latin typeface="+mj-lt"/>
+                <a:cs typeface="Arial" charset="0"/>
+              </a:rPr>
+              <a:t>Sequence</a:t>
+            </a:r>
+            <a:r>
+              <a:rPr lang="it-IT" sz="4400" b="1" spc="-100" dirty="0" smtClean="0">
+                <a:ln w="3175">
+                  <a:noFill/>
+                </a:ln>
+                <a:solidFill>
+                  <a:srgbClr val="0072C6"/>
+                </a:solidFill>
+                <a:latin typeface="+mj-lt"/>
+                <a:cs typeface="Arial" charset="0"/>
+              </a:rPr>
+              <a:t> </a:t>
+            </a:r>
+            <a:r>
+              <a:rPr lang="it-IT" sz="4400" b="1" spc="-100" dirty="0" err="1" smtClean="0">
+                <a:ln w="3175">
+                  <a:noFill/>
+                </a:ln>
+                <a:solidFill>
+                  <a:srgbClr val="0072C6"/>
+                </a:solidFill>
+                <a:latin typeface="+mj-lt"/>
+                <a:cs typeface="Arial" charset="0"/>
+              </a:rPr>
+              <a:t>diagram</a:t>
+            </a:r>
+            <a:r>
+              <a:rPr lang="it-IT" sz="4400" b="1" spc="-100" dirty="0" smtClean="0">
+                <a:ln w="3175">
+                  <a:noFill/>
+                </a:ln>
+                <a:solidFill>
+                  <a:srgbClr val="0072C6"/>
+                </a:solidFill>
+                <a:latin typeface="+mj-lt"/>
+                <a:cs typeface="Arial" charset="0"/>
+              </a:rPr>
+              <a:t>– visualizza dati sintetici </a:t>
+            </a:r>
+            <a:endParaRPr lang="it-IT" sz="4400" b="1" spc="-100" dirty="0">
+              <a:ln w="3175">
+                <a:noFill/>
+              </a:ln>
+              <a:solidFill>
+                <a:srgbClr val="0072C6"/>
+              </a:solidFill>
+              <a:latin typeface="+mj-lt"/>
+              <a:cs typeface="Arial" charset="0"/>
+            </a:endParaRPr>
+          </a:p>
+          <a:p>
+            <a:endParaRPr lang="it-IT" sz="3000" b="1" spc="-100" dirty="0">
+              <a:ln w="3175">
+                <a:noFill/>
+              </a:ln>
+              <a:solidFill>
+                <a:srgbClr val="0072C6"/>
+              </a:solidFill>
+              <a:latin typeface="+mj-lt"/>
+              <a:cs typeface="Arial" charset="0"/>
+            </a:endParaRPr>
+          </a:p>
+          <a:p>
+            <a:endParaRPr lang="it-IT" sz="3000" b="1" spc="-100" dirty="0">
+              <a:ln w="3175">
+                <a:noFill/>
+              </a:ln>
+              <a:solidFill>
+                <a:srgbClr val="0072C6"/>
+              </a:solidFill>
+              <a:latin typeface="+mj-lt"/>
+              <a:cs typeface="Arial" charset="0"/>
+            </a:endParaRPr>
+          </a:p>
+        </p:txBody>
+      </p:sp>
+      <p:pic>
+        <p:nvPicPr>
+          <p:cNvPr id="2" name="Immagine 1" descr="Schermata 2015-02-19 alle 15.34.37.png"/>
+          <p:cNvPicPr>
+            <a:picLocks noChangeAspect="1"/>
+          </p:cNvPicPr>
+          <p:nvPr/>
+        </p:nvPicPr>
+        <p:blipFill>
+          <a:blip r:embed="rId2">
+            <a:extLst>
+              <a:ext uri="{28A0092B-C50C-407E-A947-70E740481C1C}">
+                <a14:useLocalDpi xmlns:a14="http://schemas.microsoft.com/office/drawing/2010/main" val="0"/>
+              </a:ext>
+            </a:extLst>
+          </a:blip>
+          <a:stretch>
+            <a:fillRect/>
+          </a:stretch>
+        </p:blipFill>
+        <p:spPr>
+          <a:xfrm>
+            <a:off x="0" y="1349536"/>
+            <a:ext cx="12224078" cy="4337097"/>
+          </a:xfrm>
+          <a:prstGeom prst="rect">
+            <a:avLst/>
+          </a:prstGeom>
+        </p:spPr>
+      </p:pic>
+    </p:spTree>
+    <p:extLst>
+      <p:ext uri="{BB962C8B-B14F-4D97-AF65-F5344CB8AC3E}">
+        <p14:creationId xmlns:p14="http://schemas.microsoft.com/office/powerpoint/2010/main" val="3475258070"/>
+      </p:ext>
+    </p:extLst>
+  </p:cSld>
+  <p:clrMapOvr>
+    <a:masterClrMapping/>
+  </p:clrMapOvr>
+  <p:transition xmlns:p14="http://schemas.microsoft.com/office/powerpoint/2010/main" spd="slow">
+    <p:push dir="u"/>
+  </p:transition>
+  <p:timing>
+    <p:tnLst>
+      <p:par>
+        <p:cTn xmlns:p14="http://schemas.microsoft.com/office/powerpoint/2010/main" id="1" dur="indefinite" restart="never" nodeType="tmRoot"/>
+      </p:par>
+    </p:tnLst>
+  </p:timing>
+</p:sld>
+</file>
+
+<file path=ppt/slides/slide32.xml><?xml version="1.0" encoding="utf-8"?>
+<p:sld xmlns:a="http://schemas.openxmlformats.org/drawingml/2006/main" xmlns:r="http://schemas.openxmlformats.org/officeDocument/2006/relationships" xmlns:p="http://schemas.openxmlformats.org/presentationml/2006/main">
+  <p:cSld>
+    <p:spTree>
+      <p:nvGrpSpPr>
+        <p:cNvPr id="1" name=""/>
+        <p:cNvGrpSpPr/>
+        <p:nvPr/>
+      </p:nvGrpSpPr>
+      <p:grpSpPr>
+        <a:xfrm>
+          <a:off x="0" y="0"/>
+          <a:ext cx="0" cy="0"/>
+          <a:chOff x="0" y="0"/>
+          <a:chExt cx="0" cy="0"/>
+        </a:xfrm>
+      </p:grpSpPr>
+      <p:sp>
+        <p:nvSpPr>
+          <p:cNvPr id="5" name="Rettangolo 4"/>
+          <p:cNvSpPr/>
+          <p:nvPr/>
+        </p:nvSpPr>
+        <p:spPr>
+          <a:xfrm>
+            <a:off x="0" y="-28574"/>
+            <a:ext cx="12192000" cy="342900"/>
+          </a:xfrm>
+          <a:prstGeom prst="rect">
+            <a:avLst/>
+          </a:prstGeom>
+          <a:solidFill>
+            <a:srgbClr val="0072C6"/>
+          </a:solidFill>
+        </p:spPr>
+        <p:style>
+          <a:lnRef idx="2">
+            <a:schemeClr val="accent1">
+              <a:shade val="50000"/>
+            </a:schemeClr>
+          </a:lnRef>
+          <a:fillRef idx="1">
+            <a:schemeClr val="accent1"/>
+          </a:fillRef>
+          <a:effectRef idx="0">
+            <a:schemeClr val="accent1"/>
+          </a:effectRef>
+          <a:fontRef idx="minor">
+            <a:schemeClr val="lt1"/>
+          </a:fontRef>
+        </p:style>
+        <p:txBody>
+          <a:bodyPr rtlCol="0" anchor="ctr"/>
+          <a:lstStyle/>
+          <a:p>
+            <a:pPr algn="ctr"/>
+            <a:endParaRPr lang="it-IT"/>
+          </a:p>
+        </p:txBody>
+      </p:sp>
+      <p:sp>
+        <p:nvSpPr>
+          <p:cNvPr id="4" name="Rettangolo 3"/>
+          <p:cNvSpPr/>
+          <p:nvPr/>
+        </p:nvSpPr>
+        <p:spPr>
+          <a:xfrm>
+            <a:off x="0" y="6515100"/>
+            <a:ext cx="12192000" cy="342900"/>
+          </a:xfrm>
+          <a:prstGeom prst="rect">
+            <a:avLst/>
+          </a:prstGeom>
+          <a:solidFill>
+            <a:srgbClr val="0072C6"/>
+          </a:solidFill>
+        </p:spPr>
+        <p:style>
+          <a:lnRef idx="2">
+            <a:schemeClr val="accent1">
+              <a:shade val="50000"/>
+            </a:schemeClr>
+          </a:lnRef>
+          <a:fillRef idx="1">
+            <a:schemeClr val="accent1"/>
+          </a:fillRef>
+          <a:effectRef idx="0">
+            <a:schemeClr val="accent1"/>
+          </a:effectRef>
+          <a:fontRef idx="minor">
+            <a:schemeClr val="lt1"/>
+          </a:fontRef>
+        </p:style>
+        <p:txBody>
+          <a:bodyPr rtlCol="0" anchor="ctr"/>
+          <a:lstStyle/>
+          <a:p>
+            <a:pPr algn="ctr"/>
+            <a:endParaRPr lang="it-IT"/>
+          </a:p>
+        </p:txBody>
+      </p:sp>
+      <p:sp>
+        <p:nvSpPr>
+          <p:cNvPr id="9" name="CasellaDiTesto 8"/>
+          <p:cNvSpPr txBox="1"/>
+          <p:nvPr/>
+        </p:nvSpPr>
+        <p:spPr>
+          <a:xfrm>
+            <a:off x="415529" y="314326"/>
+            <a:ext cx="11613357" cy="1692771"/>
+          </a:xfrm>
+          <a:prstGeom prst="rect">
+            <a:avLst/>
+          </a:prstGeom>
+          <a:noFill/>
+        </p:spPr>
+        <p:txBody>
+          <a:bodyPr wrap="square" rtlCol="0">
+            <a:spAutoFit/>
+          </a:bodyPr>
+          <a:lstStyle/>
+          <a:p>
+            <a:r>
+              <a:rPr lang="it-IT" sz="4400" b="1" spc="-100" dirty="0" err="1" smtClean="0">
+                <a:ln w="3175">
+                  <a:noFill/>
+                </a:ln>
+                <a:solidFill>
+                  <a:srgbClr val="0072C6"/>
+                </a:solidFill>
+                <a:latin typeface="+mj-lt"/>
+                <a:cs typeface="Arial" charset="0"/>
+              </a:rPr>
+              <a:t>Sequence</a:t>
+            </a:r>
+            <a:r>
+              <a:rPr lang="it-IT" sz="4400" b="1" spc="-100" dirty="0" smtClean="0">
+                <a:ln w="3175">
+                  <a:noFill/>
+                </a:ln>
+                <a:solidFill>
+                  <a:srgbClr val="0072C6"/>
+                </a:solidFill>
+                <a:latin typeface="+mj-lt"/>
+                <a:cs typeface="Arial" charset="0"/>
+              </a:rPr>
+              <a:t> </a:t>
+            </a:r>
+            <a:r>
+              <a:rPr lang="it-IT" sz="4400" b="1" spc="-100" dirty="0" err="1" smtClean="0">
+                <a:ln w="3175">
+                  <a:noFill/>
+                </a:ln>
+                <a:solidFill>
+                  <a:srgbClr val="0072C6"/>
+                </a:solidFill>
+                <a:latin typeface="+mj-lt"/>
+                <a:cs typeface="Arial" charset="0"/>
+              </a:rPr>
+              <a:t>diagram</a:t>
+            </a:r>
+            <a:r>
+              <a:rPr lang="it-IT" sz="4400" b="1" spc="-100" dirty="0" smtClean="0">
+                <a:ln w="3175">
+                  <a:noFill/>
+                </a:ln>
+                <a:solidFill>
+                  <a:srgbClr val="0072C6"/>
+                </a:solidFill>
+                <a:latin typeface="+mj-lt"/>
+                <a:cs typeface="Arial" charset="0"/>
+              </a:rPr>
+              <a:t>– visualizza dati dettagliati </a:t>
+            </a:r>
+            <a:endParaRPr lang="it-IT" sz="4400" b="1" spc="-100" dirty="0">
+              <a:ln w="3175">
+                <a:noFill/>
+              </a:ln>
+              <a:solidFill>
+                <a:srgbClr val="0072C6"/>
+              </a:solidFill>
+              <a:latin typeface="+mj-lt"/>
+              <a:cs typeface="Arial" charset="0"/>
+            </a:endParaRPr>
+          </a:p>
+          <a:p>
+            <a:endParaRPr lang="it-IT" sz="3000" b="1" spc="-100" dirty="0">
+              <a:ln w="3175">
+                <a:noFill/>
+              </a:ln>
+              <a:solidFill>
+                <a:srgbClr val="0072C6"/>
+              </a:solidFill>
+              <a:latin typeface="+mj-lt"/>
+              <a:cs typeface="Arial" charset="0"/>
+            </a:endParaRPr>
+          </a:p>
+          <a:p>
+            <a:endParaRPr lang="it-IT" sz="3000" b="1" spc="-100" dirty="0">
+              <a:ln w="3175">
+                <a:noFill/>
+              </a:ln>
+              <a:solidFill>
+                <a:srgbClr val="0072C6"/>
+              </a:solidFill>
+              <a:latin typeface="+mj-lt"/>
+              <a:cs typeface="Arial" charset="0"/>
+            </a:endParaRPr>
+          </a:p>
+        </p:txBody>
+      </p:sp>
+      <p:pic>
+        <p:nvPicPr>
+          <p:cNvPr id="3" name="Immagine 2" descr="Schermata 2015-02-19 alle 15.34.47.png"/>
+          <p:cNvPicPr>
+            <a:picLocks noChangeAspect="1"/>
+          </p:cNvPicPr>
+          <p:nvPr/>
+        </p:nvPicPr>
+        <p:blipFill>
+          <a:blip r:embed="rId2">
+            <a:extLst>
+              <a:ext uri="{28A0092B-C50C-407E-A947-70E740481C1C}">
+                <a14:useLocalDpi xmlns:a14="http://schemas.microsoft.com/office/drawing/2010/main" val="0"/>
+              </a:ext>
+            </a:extLst>
+          </a:blip>
+          <a:stretch>
+            <a:fillRect/>
+          </a:stretch>
+        </p:blipFill>
+        <p:spPr>
+          <a:xfrm>
+            <a:off x="0" y="1327264"/>
+            <a:ext cx="12192000" cy="4336486"/>
+          </a:xfrm>
+          <a:prstGeom prst="rect">
+            <a:avLst/>
+          </a:prstGeom>
+        </p:spPr>
+      </p:pic>
+    </p:spTree>
+    <p:extLst>
+      <p:ext uri="{BB962C8B-B14F-4D97-AF65-F5344CB8AC3E}">
+        <p14:creationId xmlns:p14="http://schemas.microsoft.com/office/powerpoint/2010/main" val="972435111"/>
+      </p:ext>
+    </p:extLst>
+  </p:cSld>
+  <p:clrMapOvr>
+    <a:masterClrMapping/>
+  </p:clrMapOvr>
+  <p:transition xmlns:p14="http://schemas.microsoft.com/office/powerpoint/2010/main" spd="slow">
+    <p:push dir="u"/>
+  </p:transition>
+  <p:timing>
+    <p:tnLst>
+      <p:par>
+        <p:cTn xmlns:p14="http://schemas.microsoft.com/office/powerpoint/2010/main" id="1" dur="indefinite" restart="never" nodeType="tmRoot"/>
+      </p:par>
+    </p:tnLst>
+  </p:timing>
+</p:sld>
+</file>
+
+<file path=ppt/slides/slide33.xml><?xml version="1.0" encoding="utf-8"?>
+<p:sld xmlns:a="http://schemas.openxmlformats.org/drawingml/2006/main" xmlns:r="http://schemas.openxmlformats.org/officeDocument/2006/relationships" xmlns:p="http://schemas.openxmlformats.org/presentationml/2006/main">
+  <p:cSld>
+    <p:spTree>
+      <p:nvGrpSpPr>
+        <p:cNvPr id="1" name=""/>
+        <p:cNvGrpSpPr/>
+        <p:nvPr/>
+      </p:nvGrpSpPr>
+      <p:grpSpPr>
+        <a:xfrm>
+          <a:off x="0" y="0"/>
+          <a:ext cx="0" cy="0"/>
+          <a:chOff x="0" y="0"/>
+          <a:chExt cx="0" cy="0"/>
+        </a:xfrm>
+      </p:grpSpPr>
+      <p:sp>
+        <p:nvSpPr>
+          <p:cNvPr id="5" name="Rettangolo 4"/>
+          <p:cNvSpPr/>
+          <p:nvPr/>
+        </p:nvSpPr>
+        <p:spPr>
+          <a:xfrm>
+            <a:off x="0" y="-28574"/>
+            <a:ext cx="12192000" cy="342900"/>
+          </a:xfrm>
+          <a:prstGeom prst="rect">
+            <a:avLst/>
+          </a:prstGeom>
+          <a:solidFill>
+            <a:srgbClr val="0072C6"/>
+          </a:solidFill>
+        </p:spPr>
+        <p:style>
+          <a:lnRef idx="2">
+            <a:schemeClr val="accent1">
+              <a:shade val="50000"/>
+            </a:schemeClr>
+          </a:lnRef>
+          <a:fillRef idx="1">
+            <a:schemeClr val="accent1"/>
+          </a:fillRef>
+          <a:effectRef idx="0">
+            <a:schemeClr val="accent1"/>
+          </a:effectRef>
+          <a:fontRef idx="minor">
+            <a:schemeClr val="lt1"/>
+          </a:fontRef>
+        </p:style>
+        <p:txBody>
+          <a:bodyPr rtlCol="0" anchor="ctr"/>
+          <a:lstStyle/>
+          <a:p>
+            <a:pPr algn="ctr"/>
+            <a:endParaRPr lang="it-IT"/>
+          </a:p>
+        </p:txBody>
+      </p:sp>
+      <p:sp>
+        <p:nvSpPr>
+          <p:cNvPr id="4" name="Rettangolo 3"/>
+          <p:cNvSpPr/>
+          <p:nvPr/>
+        </p:nvSpPr>
+        <p:spPr>
+          <a:xfrm>
+            <a:off x="0" y="6515100"/>
+            <a:ext cx="12192000" cy="342900"/>
+          </a:xfrm>
+          <a:prstGeom prst="rect">
+            <a:avLst/>
+          </a:prstGeom>
+          <a:solidFill>
+            <a:srgbClr val="0072C6"/>
+          </a:solidFill>
+        </p:spPr>
+        <p:style>
+          <a:lnRef idx="2">
+            <a:schemeClr val="accent1">
+              <a:shade val="50000"/>
+            </a:schemeClr>
+          </a:lnRef>
+          <a:fillRef idx="1">
+            <a:schemeClr val="accent1"/>
+          </a:fillRef>
+          <a:effectRef idx="0">
+            <a:schemeClr val="accent1"/>
+          </a:effectRef>
+          <a:fontRef idx="minor">
+            <a:schemeClr val="lt1"/>
+          </a:fontRef>
+        </p:style>
+        <p:txBody>
+          <a:bodyPr rtlCol="0" anchor="ctr"/>
+          <a:lstStyle/>
+          <a:p>
+            <a:pPr algn="ctr"/>
+            <a:endParaRPr lang="it-IT"/>
+          </a:p>
+        </p:txBody>
+      </p:sp>
+      <p:sp>
+        <p:nvSpPr>
+          <p:cNvPr id="9" name="CasellaDiTesto 8"/>
+          <p:cNvSpPr txBox="1"/>
+          <p:nvPr/>
+        </p:nvSpPr>
+        <p:spPr>
+          <a:xfrm>
+            <a:off x="415529" y="314326"/>
+            <a:ext cx="11613357" cy="1692771"/>
+          </a:xfrm>
+          <a:prstGeom prst="rect">
+            <a:avLst/>
+          </a:prstGeom>
+          <a:noFill/>
+        </p:spPr>
+        <p:txBody>
+          <a:bodyPr wrap="square" rtlCol="0">
+            <a:spAutoFit/>
+          </a:bodyPr>
+          <a:lstStyle/>
+          <a:p>
+            <a:r>
+              <a:rPr lang="it-IT" sz="4400" b="1" spc="-100" dirty="0" smtClean="0">
+                <a:ln w="3175">
+                  <a:noFill/>
+                </a:ln>
+                <a:solidFill>
+                  <a:srgbClr val="0072C6"/>
+                </a:solidFill>
+                <a:latin typeface="+mj-lt"/>
+                <a:cs typeface="Arial" charset="0"/>
+              </a:rPr>
+              <a:t>Deployment </a:t>
+            </a:r>
+            <a:r>
+              <a:rPr lang="it-IT" sz="4400" b="1" spc="-100" dirty="0" err="1" smtClean="0">
+                <a:ln w="3175">
+                  <a:noFill/>
+                </a:ln>
+                <a:solidFill>
+                  <a:srgbClr val="0072C6"/>
+                </a:solidFill>
+                <a:latin typeface="+mj-lt"/>
+                <a:cs typeface="Arial" charset="0"/>
+              </a:rPr>
+              <a:t>architecture</a:t>
+            </a:r>
+            <a:endParaRPr lang="it-IT" sz="4400" b="1" spc="-100" dirty="0">
+              <a:ln w="3175">
+                <a:noFill/>
+              </a:ln>
+              <a:solidFill>
+                <a:srgbClr val="0072C6"/>
+              </a:solidFill>
+              <a:latin typeface="+mj-lt"/>
+              <a:cs typeface="Arial" charset="0"/>
+            </a:endParaRPr>
+          </a:p>
+          <a:p>
+            <a:endParaRPr lang="it-IT" sz="3000" b="1" spc="-100" dirty="0">
+              <a:ln w="3175">
+                <a:noFill/>
+              </a:ln>
+              <a:solidFill>
+                <a:srgbClr val="0072C6"/>
+              </a:solidFill>
+              <a:latin typeface="+mj-lt"/>
+              <a:cs typeface="Arial" charset="0"/>
+            </a:endParaRPr>
+          </a:p>
+          <a:p>
+            <a:endParaRPr lang="it-IT" sz="3000" b="1" spc="-100" dirty="0">
+              <a:ln w="3175">
+                <a:noFill/>
+              </a:ln>
+              <a:solidFill>
+                <a:srgbClr val="0072C6"/>
+              </a:solidFill>
+              <a:latin typeface="+mj-lt"/>
+              <a:cs typeface="Arial" charset="0"/>
+            </a:endParaRPr>
+          </a:p>
+        </p:txBody>
+      </p:sp>
+      <p:pic>
+        <p:nvPicPr>
+          <p:cNvPr id="2" name="Immagine 1" descr="Schermata 2015-02-19 alle 16.11.02.png"/>
+          <p:cNvPicPr>
+            <a:picLocks noChangeAspect="1"/>
+          </p:cNvPicPr>
+          <p:nvPr/>
+        </p:nvPicPr>
+        <p:blipFill>
+          <a:blip r:embed="rId2">
+            <a:extLst>
+              <a:ext uri="{28A0092B-C50C-407E-A947-70E740481C1C}">
+                <a14:useLocalDpi xmlns:a14="http://schemas.microsoft.com/office/drawing/2010/main" val="0"/>
+              </a:ext>
+            </a:extLst>
+          </a:blip>
+          <a:stretch>
+            <a:fillRect/>
+          </a:stretch>
+        </p:blipFill>
+        <p:spPr>
+          <a:xfrm>
+            <a:off x="0" y="1014834"/>
+            <a:ext cx="12192000" cy="5522791"/>
+          </a:xfrm>
+          <a:prstGeom prst="rect">
+            <a:avLst/>
+          </a:prstGeom>
+        </p:spPr>
+      </p:pic>
+    </p:spTree>
+    <p:extLst>
+      <p:ext uri="{BB962C8B-B14F-4D97-AF65-F5344CB8AC3E}">
+        <p14:creationId xmlns:p14="http://schemas.microsoft.com/office/powerpoint/2010/main" val="3361661293"/>
+      </p:ext>
+    </p:extLst>
+  </p:cSld>
+  <p:clrMapOvr>
+    <a:masterClrMapping/>
+  </p:clrMapOvr>
+  <p:transition xmlns:p14="http://schemas.microsoft.com/office/powerpoint/2010/main" spd="slow">
+    <p:push dir="u"/>
+  </p:transition>
+  <p:timing>
+    <p:tnLst>
+      <p:par>
+        <p:cTn xmlns:p14="http://schemas.microsoft.com/office/powerpoint/2010/main" id="1" dur="indefinite" restart="never" nodeType="tmRoot"/>
+      </p:par>
+    </p:tnLst>
+  </p:timing>
+</p:sld>
+</file>
+
+<file path=ppt/slides/slide34.xml><?xml version="1.0" encoding="utf-8"?>
+<p:sld xmlns:a="http://schemas.openxmlformats.org/drawingml/2006/main" xmlns:r="http://schemas.openxmlformats.org/officeDocument/2006/relationships" xmlns:p="http://schemas.openxmlformats.org/presentationml/2006/main">
+  <p:cSld>
+    <p:spTree>
+      <p:nvGrpSpPr>
+        <p:cNvPr id="1" name=""/>
+        <p:cNvGrpSpPr/>
+        <p:nvPr/>
+      </p:nvGrpSpPr>
+      <p:grpSpPr>
+        <a:xfrm>
+          <a:off x="0" y="0"/>
+          <a:ext cx="0" cy="0"/>
+          <a:chOff x="0" y="0"/>
+          <a:chExt cx="0" cy="0"/>
+        </a:xfrm>
+      </p:grpSpPr>
+      <p:sp>
+        <p:nvSpPr>
+          <p:cNvPr id="5" name="Rettangolo 4"/>
+          <p:cNvSpPr/>
+          <p:nvPr/>
+        </p:nvSpPr>
+        <p:spPr>
+          <a:xfrm>
+            <a:off x="0" y="-28574"/>
+            <a:ext cx="12192000" cy="342900"/>
+          </a:xfrm>
+          <a:prstGeom prst="rect">
+            <a:avLst/>
+          </a:prstGeom>
+          <a:solidFill>
+            <a:srgbClr val="0072C6"/>
+          </a:solidFill>
+        </p:spPr>
+        <p:style>
+          <a:lnRef idx="2">
+            <a:schemeClr val="accent1">
+              <a:shade val="50000"/>
+            </a:schemeClr>
+          </a:lnRef>
+          <a:fillRef idx="1">
+            <a:schemeClr val="accent1"/>
+          </a:fillRef>
+          <a:effectRef idx="0">
+            <a:schemeClr val="accent1"/>
+          </a:effectRef>
+          <a:fontRef idx="minor">
+            <a:schemeClr val="lt1"/>
+          </a:fontRef>
+        </p:style>
+        <p:txBody>
+          <a:bodyPr rtlCol="0" anchor="ctr"/>
+          <a:lstStyle/>
+          <a:p>
+            <a:pPr algn="ctr"/>
+            <a:endParaRPr lang="it-IT"/>
+          </a:p>
+        </p:txBody>
+      </p:sp>
+      <p:sp>
+        <p:nvSpPr>
+          <p:cNvPr id="4" name="Rettangolo 3"/>
+          <p:cNvSpPr/>
+          <p:nvPr/>
+        </p:nvSpPr>
+        <p:spPr>
+          <a:xfrm>
+            <a:off x="0" y="6515100"/>
+            <a:ext cx="12192000" cy="342900"/>
+          </a:xfrm>
+          <a:prstGeom prst="rect">
+            <a:avLst/>
+          </a:prstGeom>
+          <a:solidFill>
+            <a:srgbClr val="0072C6"/>
+          </a:solidFill>
+        </p:spPr>
+        <p:style>
+          <a:lnRef idx="2">
+            <a:schemeClr val="accent1">
+              <a:shade val="50000"/>
+            </a:schemeClr>
+          </a:lnRef>
+          <a:fillRef idx="1">
+            <a:schemeClr val="accent1"/>
+          </a:fillRef>
+          <a:effectRef idx="0">
+            <a:schemeClr val="accent1"/>
+          </a:effectRef>
+          <a:fontRef idx="minor">
+            <a:schemeClr val="lt1"/>
+          </a:fontRef>
+        </p:style>
+        <p:txBody>
+          <a:bodyPr rtlCol="0" anchor="ctr"/>
+          <a:lstStyle/>
+          <a:p>
+            <a:pPr algn="ctr"/>
+            <a:endParaRPr lang="it-IT"/>
+          </a:p>
+        </p:txBody>
+      </p:sp>
+      <p:sp>
+        <p:nvSpPr>
+          <p:cNvPr id="9" name="CasellaDiTesto 8"/>
+          <p:cNvSpPr txBox="1"/>
+          <p:nvPr/>
+        </p:nvSpPr>
+        <p:spPr>
+          <a:xfrm>
+            <a:off x="415529" y="314326"/>
+            <a:ext cx="11613357" cy="1692771"/>
+          </a:xfrm>
+          <a:prstGeom prst="rect">
+            <a:avLst/>
+          </a:prstGeom>
+          <a:noFill/>
+        </p:spPr>
+        <p:txBody>
+          <a:bodyPr wrap="square" rtlCol="0">
+            <a:spAutoFit/>
+          </a:bodyPr>
+          <a:lstStyle/>
+          <a:p>
+            <a:r>
+              <a:rPr lang="it-IT" sz="4400" b="1" spc="-100" dirty="0" smtClean="0">
+                <a:ln w="3175">
+                  <a:noFill/>
+                </a:ln>
+                <a:solidFill>
+                  <a:srgbClr val="0072C6"/>
+                </a:solidFill>
+                <a:latin typeface="+mj-lt"/>
+                <a:cs typeface="Arial" charset="0"/>
+              </a:rPr>
+              <a:t>Deployment </a:t>
+            </a:r>
+            <a:r>
+              <a:rPr lang="it-IT" sz="4400" b="1" spc="-100" dirty="0" err="1" smtClean="0">
+                <a:ln w="3175">
+                  <a:noFill/>
+                </a:ln>
+                <a:solidFill>
+                  <a:srgbClr val="0072C6"/>
+                </a:solidFill>
+                <a:latin typeface="+mj-lt"/>
+                <a:cs typeface="Arial" charset="0"/>
+              </a:rPr>
+              <a:t>architecture</a:t>
+            </a:r>
+            <a:endParaRPr lang="it-IT" sz="4400" b="1" spc="-100" dirty="0">
+              <a:ln w="3175">
+                <a:noFill/>
+              </a:ln>
+              <a:solidFill>
+                <a:srgbClr val="0072C6"/>
+              </a:solidFill>
+              <a:latin typeface="+mj-lt"/>
+              <a:cs typeface="Arial" charset="0"/>
+            </a:endParaRPr>
+          </a:p>
+          <a:p>
+            <a:endParaRPr lang="it-IT" sz="3000" b="1" spc="-100" dirty="0">
+              <a:ln w="3175">
+                <a:noFill/>
+              </a:ln>
+              <a:solidFill>
+                <a:srgbClr val="0072C6"/>
+              </a:solidFill>
+              <a:latin typeface="+mj-lt"/>
+              <a:cs typeface="Arial" charset="0"/>
+            </a:endParaRPr>
+          </a:p>
+          <a:p>
+            <a:endParaRPr lang="it-IT" sz="3000" b="1" spc="-100" dirty="0">
+              <a:ln w="3175">
+                <a:noFill/>
+              </a:ln>
+              <a:solidFill>
+                <a:srgbClr val="0072C6"/>
+              </a:solidFill>
+              <a:latin typeface="+mj-lt"/>
+              <a:cs typeface="Arial" charset="0"/>
+            </a:endParaRPr>
+          </a:p>
+        </p:txBody>
+      </p:sp>
+      <p:pic>
+        <p:nvPicPr>
+          <p:cNvPr id="6" name="Immagine 5" descr="FP.pdf"/>
+          <p:cNvPicPr>
+            <a:picLocks noChangeAspect="1"/>
+          </p:cNvPicPr>
+          <p:nvPr/>
+        </p:nvPicPr>
+        <p:blipFill>
+          <a:blip r:embed="rId2">
+            <a:extLst>
+              <a:ext uri="{28A0092B-C50C-407E-A947-70E740481C1C}">
+                <a14:useLocalDpi xmlns:a14="http://schemas.microsoft.com/office/drawing/2010/main" val="0"/>
+              </a:ext>
+            </a:extLst>
+          </a:blip>
+          <a:stretch>
+            <a:fillRect/>
+          </a:stretch>
+        </p:blipFill>
+        <p:spPr>
+          <a:xfrm>
+            <a:off x="5261179" y="1768736"/>
+            <a:ext cx="6660345" cy="4492524"/>
+          </a:xfrm>
+          <a:prstGeom prst="rect">
+            <a:avLst/>
+          </a:prstGeom>
+        </p:spPr>
+      </p:pic>
+      <p:graphicFrame>
+        <p:nvGraphicFramePr>
+          <p:cNvPr id="10" name="Tabella 9"/>
+          <p:cNvGraphicFramePr>
+            <a:graphicFrameLocks noGrp="1"/>
+          </p:cNvGraphicFramePr>
+          <p:nvPr>
+            <p:extLst>
+              <p:ext uri="{D42A27DB-BD31-4B8C-83A1-F6EECF244321}">
+                <p14:modId xmlns:p14="http://schemas.microsoft.com/office/powerpoint/2010/main" val="2806825491"/>
+              </p:ext>
+            </p:extLst>
+          </p:nvPr>
+        </p:nvGraphicFramePr>
+        <p:xfrm>
+          <a:off x="452619" y="2423738"/>
+          <a:ext cx="4673026" cy="3102707"/>
+        </p:xfrm>
+        <a:graphic>
+          <a:graphicData uri="http://schemas.openxmlformats.org/drawingml/2006/table">
+            <a:tbl>
+              <a:tblPr/>
+              <a:tblGrid>
+                <a:gridCol w="2429973"/>
+                <a:gridCol w="2243053"/>
+              </a:tblGrid>
+              <a:tr h="381208">
+                <a:tc>
+                  <a:txBody>
+                    <a:bodyPr/>
+                    <a:lstStyle/>
+                    <a:p>
+                      <a:pPr algn="ctr" fontAlgn="t"/>
+                      <a:r>
+                        <a:rPr lang="it-IT" sz="1800" b="1" i="0" u="none" strike="noStrike" dirty="0" smtClean="0">
+                          <a:solidFill>
+                            <a:srgbClr val="000000"/>
+                          </a:solidFill>
+                          <a:effectLst/>
+                          <a:latin typeface="Helvetica"/>
+                        </a:rPr>
+                        <a:t>Astrazione</a:t>
+                      </a:r>
+                      <a:endParaRPr lang="it-IT" sz="1800" b="1" i="0" u="none" strike="noStrike" dirty="0">
+                        <a:solidFill>
+                          <a:srgbClr val="000000"/>
+                        </a:solidFill>
+                        <a:effectLst/>
+                        <a:latin typeface="Helvetica"/>
+                      </a:endParaRPr>
+                    </a:p>
+                  </a:txBody>
+                  <a:tcPr marL="12700" marR="12700" marT="12700" marB="0">
+                    <a:lnL w="6350" cap="flat" cmpd="sng" algn="ctr">
+                      <a:solidFill>
+                        <a:srgbClr val="000000"/>
+                      </a:solidFill>
+                      <a:prstDash val="solid"/>
+                      <a:round/>
+                      <a:headEnd type="none" w="med" len="med"/>
+                      <a:tailEnd type="none" w="med" len="med"/>
+                    </a:lnL>
+                    <a:lnR w="6350" cap="flat" cmpd="sng" algn="ctr">
+                      <a:solidFill>
+                        <a:srgbClr val="000000"/>
+                      </a:solidFill>
+                      <a:prstDash val="solid"/>
+                      <a:round/>
+                      <a:headEnd type="none" w="med" len="med"/>
+                      <a:tailEnd type="none" w="med" len="med"/>
+                    </a:lnR>
+                    <a:lnT w="6350" cap="flat" cmpd="sng" algn="ctr">
+                      <a:solidFill>
+                        <a:srgbClr val="000000"/>
+                      </a:solidFill>
+                      <a:prstDash val="solid"/>
+                      <a:round/>
+                      <a:headEnd type="none" w="med" len="med"/>
+                      <a:tailEnd type="none" w="med" len="med"/>
+                    </a:lnT>
+                    <a:lnB w="6350" cap="flat" cmpd="sng" algn="ctr">
+                      <a:solidFill>
+                        <a:srgbClr val="000000"/>
+                      </a:solidFill>
+                      <a:prstDash val="solid"/>
+                      <a:round/>
+                      <a:headEnd type="none" w="med" len="med"/>
+                      <a:tailEnd type="none" w="med" len="med"/>
+                    </a:lnB>
+                    <a:solidFill>
+                      <a:srgbClr val="DBDBDB"/>
+                    </a:solidFill>
+                  </a:tcPr>
+                </a:tc>
+                <a:tc>
+                  <a:txBody>
+                    <a:bodyPr/>
+                    <a:lstStyle/>
+                    <a:p>
+                      <a:pPr algn="ctr" fontAlgn="t"/>
+                      <a:r>
+                        <a:rPr lang="it-IT" sz="1800" b="0" i="0" u="none" strike="noStrike" dirty="0">
+                          <a:solidFill>
+                            <a:srgbClr val="000000"/>
+                          </a:solidFill>
+                          <a:effectLst/>
+                          <a:latin typeface="Helvetica"/>
+                        </a:rPr>
+                        <a:t>10</a:t>
+                      </a:r>
+                    </a:p>
+                  </a:txBody>
+                  <a:tcPr marL="12700" marR="12700" marT="12700" marB="0">
+                    <a:lnL w="6350" cap="flat" cmpd="sng" algn="ctr">
+                      <a:solidFill>
+                        <a:srgbClr val="000000"/>
+                      </a:solidFill>
+                      <a:prstDash val="solid"/>
+                      <a:round/>
+                      <a:headEnd type="none" w="med" len="med"/>
+                      <a:tailEnd type="none" w="med" len="med"/>
+                    </a:lnL>
+                    <a:lnR w="6350" cap="flat" cmpd="sng" algn="ctr">
+                      <a:solidFill>
+                        <a:srgbClr val="000000"/>
+                      </a:solidFill>
+                      <a:prstDash val="solid"/>
+                      <a:round/>
+                      <a:headEnd type="none" w="med" len="med"/>
+                      <a:tailEnd type="none" w="med" len="med"/>
+                    </a:lnR>
+                    <a:lnT w="6350" cap="flat" cmpd="sng" algn="ctr">
+                      <a:solidFill>
+                        <a:srgbClr val="000000"/>
+                      </a:solidFill>
+                      <a:prstDash val="solid"/>
+                      <a:round/>
+                      <a:headEnd type="none" w="med" len="med"/>
+                      <a:tailEnd type="none" w="med" len="med"/>
+                    </a:lnT>
+                    <a:lnB w="6350" cap="flat" cmpd="sng" algn="ctr">
+                      <a:solidFill>
+                        <a:srgbClr val="000000"/>
+                      </a:solidFill>
+                      <a:prstDash val="solid"/>
+                      <a:round/>
+                      <a:headEnd type="none" w="med" len="med"/>
+                      <a:tailEnd type="none" w="med" len="med"/>
+                    </a:lnB>
+                  </a:tcPr>
+                </a:tc>
+              </a:tr>
+              <a:tr h="381208">
+                <a:tc>
+                  <a:txBody>
+                    <a:bodyPr/>
+                    <a:lstStyle/>
+                    <a:p>
+                      <a:pPr algn="ctr" fontAlgn="t"/>
+                      <a:r>
+                        <a:rPr lang="it-IT" sz="1800" b="1" i="0" u="none" strike="noStrike" dirty="0">
+                          <a:solidFill>
+                            <a:srgbClr val="000000"/>
+                          </a:solidFill>
+                          <a:effectLst/>
+                          <a:latin typeface="Helvetica"/>
+                        </a:rPr>
+                        <a:t>Complessità</a:t>
+                      </a:r>
+                    </a:p>
+                  </a:txBody>
+                  <a:tcPr marL="12700" marR="12700" marT="12700" marB="0">
+                    <a:lnL w="6350" cap="flat" cmpd="sng" algn="ctr">
+                      <a:solidFill>
+                        <a:srgbClr val="000000"/>
+                      </a:solidFill>
+                      <a:prstDash val="solid"/>
+                      <a:round/>
+                      <a:headEnd type="none" w="med" len="med"/>
+                      <a:tailEnd type="none" w="med" len="med"/>
+                    </a:lnL>
+                    <a:lnR w="6350" cap="flat" cmpd="sng" algn="ctr">
+                      <a:solidFill>
+                        <a:srgbClr val="000000"/>
+                      </a:solidFill>
+                      <a:prstDash val="solid"/>
+                      <a:round/>
+                      <a:headEnd type="none" w="med" len="med"/>
+                      <a:tailEnd type="none" w="med" len="med"/>
+                    </a:lnR>
+                    <a:lnT w="6350" cap="flat" cmpd="sng" algn="ctr">
+                      <a:solidFill>
+                        <a:srgbClr val="000000"/>
+                      </a:solidFill>
+                      <a:prstDash val="solid"/>
+                      <a:round/>
+                      <a:headEnd type="none" w="med" len="med"/>
+                      <a:tailEnd type="none" w="med" len="med"/>
+                    </a:lnT>
+                    <a:lnB w="6350" cap="flat" cmpd="sng" algn="ctr">
+                      <a:solidFill>
+                        <a:srgbClr val="000000"/>
+                      </a:solidFill>
+                      <a:prstDash val="solid"/>
+                      <a:round/>
+                      <a:headEnd type="none" w="med" len="med"/>
+                      <a:tailEnd type="none" w="med" len="med"/>
+                    </a:lnB>
+                    <a:solidFill>
+                      <a:srgbClr val="DBDBDB"/>
+                    </a:solidFill>
+                  </a:tcPr>
+                </a:tc>
+                <a:tc>
+                  <a:txBody>
+                    <a:bodyPr/>
+                    <a:lstStyle/>
+                    <a:p>
+                      <a:pPr algn="ctr" fontAlgn="t"/>
+                      <a:r>
+                        <a:rPr lang="it-IT" sz="1800" b="0" i="0" u="none" strike="noStrike" dirty="0">
+                          <a:solidFill>
+                            <a:srgbClr val="000000"/>
+                          </a:solidFill>
+                          <a:effectLst/>
+                          <a:latin typeface="Helvetica"/>
+                        </a:rPr>
+                        <a:t>30</a:t>
+                      </a:r>
+                    </a:p>
+                  </a:txBody>
+                  <a:tcPr marL="12700" marR="12700" marT="12700" marB="0">
+                    <a:lnL w="6350" cap="flat" cmpd="sng" algn="ctr">
+                      <a:solidFill>
+                        <a:srgbClr val="000000"/>
+                      </a:solidFill>
+                      <a:prstDash val="solid"/>
+                      <a:round/>
+                      <a:headEnd type="none" w="med" len="med"/>
+                      <a:tailEnd type="none" w="med" len="med"/>
+                    </a:lnL>
+                    <a:lnR w="6350" cap="flat" cmpd="sng" algn="ctr">
+                      <a:solidFill>
+                        <a:srgbClr val="000000"/>
+                      </a:solidFill>
+                      <a:prstDash val="solid"/>
+                      <a:round/>
+                      <a:headEnd type="none" w="med" len="med"/>
+                      <a:tailEnd type="none" w="med" len="med"/>
+                    </a:lnR>
+                    <a:lnT w="6350" cap="flat" cmpd="sng" algn="ctr">
+                      <a:solidFill>
+                        <a:srgbClr val="000000"/>
+                      </a:solidFill>
+                      <a:prstDash val="solid"/>
+                      <a:round/>
+                      <a:headEnd type="none" w="med" len="med"/>
+                      <a:tailEnd type="none" w="med" len="med"/>
+                    </a:lnT>
+                    <a:lnB w="6350" cap="flat" cmpd="sng" algn="ctr">
+                      <a:solidFill>
+                        <a:srgbClr val="000000"/>
+                      </a:solidFill>
+                      <a:prstDash val="solid"/>
+                      <a:round/>
+                      <a:headEnd type="none" w="med" len="med"/>
+                      <a:tailEnd type="none" w="med" len="med"/>
+                    </a:lnB>
+                  </a:tcPr>
+                </a:tc>
+              </a:tr>
+              <a:tr h="381208">
+                <a:tc>
+                  <a:txBody>
+                    <a:bodyPr/>
+                    <a:lstStyle/>
+                    <a:p>
+                      <a:pPr algn="ctr" fontAlgn="t"/>
+                      <a:r>
+                        <a:rPr lang="it-IT" sz="1800" b="1" i="0" u="none" strike="noStrike" dirty="0">
+                          <a:solidFill>
+                            <a:srgbClr val="000000"/>
+                          </a:solidFill>
+                          <a:effectLst/>
+                          <a:latin typeface="Helvetica"/>
+                        </a:rPr>
+                        <a:t>Frequenza</a:t>
+                      </a:r>
+                    </a:p>
+                  </a:txBody>
+                  <a:tcPr marL="12700" marR="12700" marT="12700" marB="0">
+                    <a:lnL w="6350" cap="flat" cmpd="sng" algn="ctr">
+                      <a:solidFill>
+                        <a:srgbClr val="000000"/>
+                      </a:solidFill>
+                      <a:prstDash val="solid"/>
+                      <a:round/>
+                      <a:headEnd type="none" w="med" len="med"/>
+                      <a:tailEnd type="none" w="med" len="med"/>
+                    </a:lnL>
+                    <a:lnR w="6350" cap="flat" cmpd="sng" algn="ctr">
+                      <a:solidFill>
+                        <a:srgbClr val="000000"/>
+                      </a:solidFill>
+                      <a:prstDash val="solid"/>
+                      <a:round/>
+                      <a:headEnd type="none" w="med" len="med"/>
+                      <a:tailEnd type="none" w="med" len="med"/>
+                    </a:lnR>
+                    <a:lnT w="6350" cap="flat" cmpd="sng" algn="ctr">
+                      <a:solidFill>
+                        <a:srgbClr val="000000"/>
+                      </a:solidFill>
+                      <a:prstDash val="solid"/>
+                      <a:round/>
+                      <a:headEnd type="none" w="med" len="med"/>
+                      <a:tailEnd type="none" w="med" len="med"/>
+                    </a:lnT>
+                    <a:lnB w="6350" cap="flat" cmpd="sng" algn="ctr">
+                      <a:solidFill>
+                        <a:srgbClr val="000000"/>
+                      </a:solidFill>
+                      <a:prstDash val="solid"/>
+                      <a:round/>
+                      <a:headEnd type="none" w="med" len="med"/>
+                      <a:tailEnd type="none" w="med" len="med"/>
+                    </a:lnB>
+                    <a:solidFill>
+                      <a:srgbClr val="DBDBDB"/>
+                    </a:solidFill>
+                  </a:tcPr>
+                </a:tc>
+                <a:tc>
+                  <a:txBody>
+                    <a:bodyPr/>
+                    <a:lstStyle/>
+                    <a:p>
+                      <a:pPr algn="ctr" fontAlgn="t"/>
+                      <a:r>
+                        <a:rPr lang="it-IT" sz="1800" b="0" i="0" u="none" strike="noStrike" dirty="0">
+                          <a:solidFill>
+                            <a:srgbClr val="000000"/>
+                          </a:solidFill>
+                          <a:effectLst/>
+                          <a:latin typeface="Helvetica"/>
+                        </a:rPr>
+                        <a:t>20</a:t>
+                      </a:r>
+                    </a:p>
+                  </a:txBody>
+                  <a:tcPr marL="12700" marR="12700" marT="12700" marB="0">
+                    <a:lnL w="6350" cap="flat" cmpd="sng" algn="ctr">
+                      <a:solidFill>
+                        <a:srgbClr val="000000"/>
+                      </a:solidFill>
+                      <a:prstDash val="solid"/>
+                      <a:round/>
+                      <a:headEnd type="none" w="med" len="med"/>
+                      <a:tailEnd type="none" w="med" len="med"/>
+                    </a:lnL>
+                    <a:lnR w="6350" cap="flat" cmpd="sng" algn="ctr">
+                      <a:solidFill>
+                        <a:srgbClr val="000000"/>
+                      </a:solidFill>
+                      <a:prstDash val="solid"/>
+                      <a:round/>
+                      <a:headEnd type="none" w="med" len="med"/>
+                      <a:tailEnd type="none" w="med" len="med"/>
+                    </a:lnR>
+                    <a:lnT w="6350" cap="flat" cmpd="sng" algn="ctr">
+                      <a:solidFill>
+                        <a:srgbClr val="000000"/>
+                      </a:solidFill>
+                      <a:prstDash val="solid"/>
+                      <a:round/>
+                      <a:headEnd type="none" w="med" len="med"/>
+                      <a:tailEnd type="none" w="med" len="med"/>
+                    </a:lnT>
+                    <a:lnB w="6350" cap="flat" cmpd="sng" algn="ctr">
+                      <a:solidFill>
+                        <a:srgbClr val="000000"/>
+                      </a:solidFill>
+                      <a:prstDash val="solid"/>
+                      <a:round/>
+                      <a:headEnd type="none" w="med" len="med"/>
+                      <a:tailEnd type="none" w="med" len="med"/>
+                    </a:lnB>
+                  </a:tcPr>
+                </a:tc>
+              </a:tr>
+              <a:tr h="381208">
+                <a:tc>
+                  <a:txBody>
+                    <a:bodyPr/>
+                    <a:lstStyle/>
+                    <a:p>
+                      <a:pPr algn="ctr" fontAlgn="t"/>
+                      <a:r>
+                        <a:rPr lang="it-IT" sz="1800" b="1" i="0" u="none" strike="noStrike" dirty="0">
+                          <a:solidFill>
+                            <a:srgbClr val="000000"/>
+                          </a:solidFill>
+                          <a:effectLst/>
+                          <a:latin typeface="Helvetica"/>
+                        </a:rPr>
+                        <a:t>Ritardo</a:t>
+                      </a:r>
+                    </a:p>
+                  </a:txBody>
+                  <a:tcPr marL="12700" marR="12700" marT="12700" marB="0">
+                    <a:lnL w="6350" cap="flat" cmpd="sng" algn="ctr">
+                      <a:solidFill>
+                        <a:srgbClr val="000000"/>
+                      </a:solidFill>
+                      <a:prstDash val="solid"/>
+                      <a:round/>
+                      <a:headEnd type="none" w="med" len="med"/>
+                      <a:tailEnd type="none" w="med" len="med"/>
+                    </a:lnL>
+                    <a:lnR w="6350" cap="flat" cmpd="sng" algn="ctr">
+                      <a:solidFill>
+                        <a:srgbClr val="000000"/>
+                      </a:solidFill>
+                      <a:prstDash val="solid"/>
+                      <a:round/>
+                      <a:headEnd type="none" w="med" len="med"/>
+                      <a:tailEnd type="none" w="med" len="med"/>
+                    </a:lnR>
+                    <a:lnT w="6350" cap="flat" cmpd="sng" algn="ctr">
+                      <a:solidFill>
+                        <a:srgbClr val="000000"/>
+                      </a:solidFill>
+                      <a:prstDash val="solid"/>
+                      <a:round/>
+                      <a:headEnd type="none" w="med" len="med"/>
+                      <a:tailEnd type="none" w="med" len="med"/>
+                    </a:lnT>
+                    <a:lnB w="6350" cap="flat" cmpd="sng" algn="ctr">
+                      <a:solidFill>
+                        <a:srgbClr val="000000"/>
+                      </a:solidFill>
+                      <a:prstDash val="solid"/>
+                      <a:round/>
+                      <a:headEnd type="none" w="med" len="med"/>
+                      <a:tailEnd type="none" w="med" len="med"/>
+                    </a:lnB>
+                    <a:solidFill>
+                      <a:srgbClr val="DBDBDB"/>
+                    </a:solidFill>
+                  </a:tcPr>
+                </a:tc>
+                <a:tc>
+                  <a:txBody>
+                    <a:bodyPr/>
+                    <a:lstStyle/>
+                    <a:p>
+                      <a:pPr algn="ctr" fontAlgn="t"/>
+                      <a:r>
+                        <a:rPr lang="it-IT" sz="1800" b="0" i="0" u="none" strike="noStrike" dirty="0">
+                          <a:solidFill>
+                            <a:srgbClr val="000000"/>
+                          </a:solidFill>
+                          <a:effectLst/>
+                          <a:latin typeface="Helvetica"/>
+                        </a:rPr>
+                        <a:t>10</a:t>
+                      </a:r>
+                    </a:p>
+                  </a:txBody>
+                  <a:tcPr marL="12700" marR="12700" marT="12700" marB="0">
+                    <a:lnL w="6350" cap="flat" cmpd="sng" algn="ctr">
+                      <a:solidFill>
+                        <a:srgbClr val="000000"/>
+                      </a:solidFill>
+                      <a:prstDash val="solid"/>
+                      <a:round/>
+                      <a:headEnd type="none" w="med" len="med"/>
+                      <a:tailEnd type="none" w="med" len="med"/>
+                    </a:lnL>
+                    <a:lnR w="6350" cap="flat" cmpd="sng" algn="ctr">
+                      <a:solidFill>
+                        <a:srgbClr val="000000"/>
+                      </a:solidFill>
+                      <a:prstDash val="solid"/>
+                      <a:round/>
+                      <a:headEnd type="none" w="med" len="med"/>
+                      <a:tailEnd type="none" w="med" len="med"/>
+                    </a:lnR>
+                    <a:lnT w="6350" cap="flat" cmpd="sng" algn="ctr">
+                      <a:solidFill>
+                        <a:srgbClr val="000000"/>
+                      </a:solidFill>
+                      <a:prstDash val="solid"/>
+                      <a:round/>
+                      <a:headEnd type="none" w="med" len="med"/>
+                      <a:tailEnd type="none" w="med" len="med"/>
+                    </a:lnT>
+                    <a:lnB w="6350" cap="flat" cmpd="sng" algn="ctr">
+                      <a:solidFill>
+                        <a:srgbClr val="000000"/>
+                      </a:solidFill>
+                      <a:prstDash val="solid"/>
+                      <a:round/>
+                      <a:headEnd type="none" w="med" len="med"/>
+                      <a:tailEnd type="none" w="med" len="med"/>
+                    </a:lnB>
+                  </a:tcPr>
+                </a:tc>
+              </a:tr>
+              <a:tr h="405148">
+                <a:tc>
+                  <a:txBody>
+                    <a:bodyPr/>
+                    <a:lstStyle/>
+                    <a:p>
+                      <a:pPr algn="ctr" fontAlgn="t"/>
+                      <a:r>
+                        <a:rPr lang="it-IT" sz="1800" b="1" i="0" u="none" strike="noStrike">
+                          <a:solidFill>
+                            <a:srgbClr val="000000"/>
+                          </a:solidFill>
+                          <a:effectLst/>
+                          <a:latin typeface="Helvetica"/>
+                        </a:rPr>
+                        <a:t>Localizzazione</a:t>
+                      </a:r>
+                    </a:p>
+                  </a:txBody>
+                  <a:tcPr marL="12700" marR="12700" marT="12700" marB="0">
+                    <a:lnL w="6350" cap="flat" cmpd="sng" algn="ctr">
+                      <a:solidFill>
+                        <a:srgbClr val="000000"/>
+                      </a:solidFill>
+                      <a:prstDash val="solid"/>
+                      <a:round/>
+                      <a:headEnd type="none" w="med" len="med"/>
+                      <a:tailEnd type="none" w="med" len="med"/>
+                    </a:lnL>
+                    <a:lnR w="6350" cap="flat" cmpd="sng" algn="ctr">
+                      <a:solidFill>
+                        <a:srgbClr val="000000"/>
+                      </a:solidFill>
+                      <a:prstDash val="solid"/>
+                      <a:round/>
+                      <a:headEnd type="none" w="med" len="med"/>
+                      <a:tailEnd type="none" w="med" len="med"/>
+                    </a:lnR>
+                    <a:lnT w="6350" cap="flat" cmpd="sng" algn="ctr">
+                      <a:solidFill>
+                        <a:srgbClr val="000000"/>
+                      </a:solidFill>
+                      <a:prstDash val="solid"/>
+                      <a:round/>
+                      <a:headEnd type="none" w="med" len="med"/>
+                      <a:tailEnd type="none" w="med" len="med"/>
+                    </a:lnT>
+                    <a:lnB w="6350" cap="flat" cmpd="sng" algn="ctr">
+                      <a:solidFill>
+                        <a:srgbClr val="000000"/>
+                      </a:solidFill>
+                      <a:prstDash val="solid"/>
+                      <a:round/>
+                      <a:headEnd type="none" w="med" len="med"/>
+                      <a:tailEnd type="none" w="med" len="med"/>
+                    </a:lnB>
+                    <a:solidFill>
+                      <a:srgbClr val="DBDBDB"/>
+                    </a:solidFill>
+                  </a:tcPr>
+                </a:tc>
+                <a:tc>
+                  <a:txBody>
+                    <a:bodyPr/>
+                    <a:lstStyle/>
+                    <a:p>
+                      <a:pPr algn="ctr" fontAlgn="t"/>
+                      <a:r>
+                        <a:rPr lang="it-IT" sz="1800" b="0" i="0" u="none" strike="noStrike" dirty="0">
+                          <a:solidFill>
+                            <a:srgbClr val="000000"/>
+                          </a:solidFill>
+                          <a:effectLst/>
+                          <a:latin typeface="Helvetica"/>
+                        </a:rPr>
+                        <a:t>30</a:t>
+                      </a:r>
+                    </a:p>
+                  </a:txBody>
+                  <a:tcPr marL="12700" marR="12700" marT="12700" marB="0">
+                    <a:lnL w="6350" cap="flat" cmpd="sng" algn="ctr">
+                      <a:solidFill>
+                        <a:srgbClr val="000000"/>
+                      </a:solidFill>
+                      <a:prstDash val="solid"/>
+                      <a:round/>
+                      <a:headEnd type="none" w="med" len="med"/>
+                      <a:tailEnd type="none" w="med" len="med"/>
+                    </a:lnL>
+                    <a:lnR w="6350" cap="flat" cmpd="sng" algn="ctr">
+                      <a:solidFill>
+                        <a:srgbClr val="000000"/>
+                      </a:solidFill>
+                      <a:prstDash val="solid"/>
+                      <a:round/>
+                      <a:headEnd type="none" w="med" len="med"/>
+                      <a:tailEnd type="none" w="med" len="med"/>
+                    </a:lnR>
+                    <a:lnT w="6350" cap="flat" cmpd="sng" algn="ctr">
+                      <a:solidFill>
+                        <a:srgbClr val="000000"/>
+                      </a:solidFill>
+                      <a:prstDash val="solid"/>
+                      <a:round/>
+                      <a:headEnd type="none" w="med" len="med"/>
+                      <a:tailEnd type="none" w="med" len="med"/>
+                    </a:lnT>
+                    <a:lnB w="6350" cap="flat" cmpd="sng" algn="ctr">
+                      <a:solidFill>
+                        <a:srgbClr val="000000"/>
+                      </a:solidFill>
+                      <a:prstDash val="solid"/>
+                      <a:round/>
+                      <a:headEnd type="none" w="med" len="med"/>
+                      <a:tailEnd type="none" w="med" len="med"/>
+                    </a:lnB>
+                  </a:tcPr>
+                </a:tc>
+              </a:tr>
+              <a:tr h="410311">
+                <a:tc>
+                  <a:txBody>
+                    <a:bodyPr/>
+                    <a:lstStyle/>
+                    <a:p>
+                      <a:pPr algn="ctr" fontAlgn="t"/>
+                      <a:r>
+                        <a:rPr lang="it-IT" sz="1800" b="1" i="0" u="none" strike="noStrike" dirty="0" err="1">
+                          <a:solidFill>
+                            <a:srgbClr val="000000"/>
+                          </a:solidFill>
+                          <a:effectLst/>
+                          <a:latin typeface="Helvetica"/>
+                        </a:rPr>
+                        <a:t>ExtraFlow</a:t>
+                      </a:r>
+                      <a:endParaRPr lang="it-IT" sz="1800" b="1" i="0" u="none" strike="noStrike" dirty="0">
+                        <a:solidFill>
+                          <a:srgbClr val="000000"/>
+                        </a:solidFill>
+                        <a:effectLst/>
+                        <a:latin typeface="Helvetica"/>
+                      </a:endParaRPr>
+                    </a:p>
+                  </a:txBody>
+                  <a:tcPr marL="12700" marR="12700" marT="12700" marB="0">
+                    <a:lnL w="6350" cap="flat" cmpd="sng" algn="ctr">
+                      <a:solidFill>
+                        <a:srgbClr val="000000"/>
+                      </a:solidFill>
+                      <a:prstDash val="solid"/>
+                      <a:round/>
+                      <a:headEnd type="none" w="med" len="med"/>
+                      <a:tailEnd type="none" w="med" len="med"/>
+                    </a:lnL>
+                    <a:lnR w="6350" cap="flat" cmpd="sng" algn="ctr">
+                      <a:solidFill>
+                        <a:srgbClr val="000000"/>
+                      </a:solidFill>
+                      <a:prstDash val="solid"/>
+                      <a:round/>
+                      <a:headEnd type="none" w="med" len="med"/>
+                      <a:tailEnd type="none" w="med" len="med"/>
+                    </a:lnR>
+                    <a:lnT w="6350" cap="flat" cmpd="sng" algn="ctr">
+                      <a:solidFill>
+                        <a:srgbClr val="000000"/>
+                      </a:solidFill>
+                      <a:prstDash val="solid"/>
+                      <a:round/>
+                      <a:headEnd type="none" w="med" len="med"/>
+                      <a:tailEnd type="none" w="med" len="med"/>
+                    </a:lnT>
+                    <a:lnB w="6350" cap="flat" cmpd="sng" algn="ctr">
+                      <a:solidFill>
+                        <a:srgbClr val="000000"/>
+                      </a:solidFill>
+                      <a:prstDash val="solid"/>
+                      <a:round/>
+                      <a:headEnd type="none" w="med" len="med"/>
+                      <a:tailEnd type="none" w="med" len="med"/>
+                    </a:lnB>
+                    <a:solidFill>
+                      <a:srgbClr val="DBDBDB"/>
+                    </a:solidFill>
+                  </a:tcPr>
+                </a:tc>
+                <a:tc>
+                  <a:txBody>
+                    <a:bodyPr/>
+                    <a:lstStyle/>
+                    <a:p>
+                      <a:pPr algn="ctr" fontAlgn="t"/>
+                      <a:r>
+                        <a:rPr lang="it-IT" sz="1800" b="0" i="0" u="none" strike="noStrike" dirty="0">
+                          <a:solidFill>
+                            <a:srgbClr val="000000"/>
+                          </a:solidFill>
+                          <a:effectLst/>
+                          <a:latin typeface="Helvetica"/>
+                        </a:rPr>
+                        <a:t>30</a:t>
+                      </a:r>
+                    </a:p>
+                  </a:txBody>
+                  <a:tcPr marL="12700" marR="12700" marT="12700" marB="0">
+                    <a:lnL w="6350" cap="flat" cmpd="sng" algn="ctr">
+                      <a:solidFill>
+                        <a:srgbClr val="000000"/>
+                      </a:solidFill>
+                      <a:prstDash val="solid"/>
+                      <a:round/>
+                      <a:headEnd type="none" w="med" len="med"/>
+                      <a:tailEnd type="none" w="med" len="med"/>
+                    </a:lnL>
+                    <a:lnR w="6350" cap="flat" cmpd="sng" algn="ctr">
+                      <a:solidFill>
+                        <a:srgbClr val="000000"/>
+                      </a:solidFill>
+                      <a:prstDash val="solid"/>
+                      <a:round/>
+                      <a:headEnd type="none" w="med" len="med"/>
+                      <a:tailEnd type="none" w="med" len="med"/>
+                    </a:lnR>
+                    <a:lnT w="6350" cap="flat" cmpd="sng" algn="ctr">
+                      <a:solidFill>
+                        <a:srgbClr val="000000"/>
+                      </a:solidFill>
+                      <a:prstDash val="solid"/>
+                      <a:round/>
+                      <a:headEnd type="none" w="med" len="med"/>
+                      <a:tailEnd type="none" w="med" len="med"/>
+                    </a:lnT>
+                    <a:lnB w="6350" cap="flat" cmpd="sng" algn="ctr">
+                      <a:solidFill>
+                        <a:srgbClr val="000000"/>
+                      </a:solidFill>
+                      <a:prstDash val="solid"/>
+                      <a:round/>
+                      <a:headEnd type="none" w="med" len="med"/>
+                      <a:tailEnd type="none" w="med" len="med"/>
+                    </a:lnB>
+                  </a:tcPr>
+                </a:tc>
+              </a:tr>
+              <a:tr h="381208">
+                <a:tc>
+                  <a:txBody>
+                    <a:bodyPr/>
+                    <a:lstStyle/>
+                    <a:p>
+                      <a:pPr algn="ctr" fontAlgn="t"/>
+                      <a:r>
+                        <a:rPr lang="it-IT" sz="1800" b="1" i="0" u="none" strike="noStrike" dirty="0" err="1">
+                          <a:solidFill>
+                            <a:srgbClr val="000000"/>
+                          </a:solidFill>
+                          <a:effectLst/>
+                          <a:latin typeface="Helvetica"/>
+                        </a:rPr>
+                        <a:t>IntraFlow</a:t>
+                      </a:r>
+                      <a:endParaRPr lang="it-IT" sz="1800" b="1" i="0" u="none" strike="noStrike" dirty="0">
+                        <a:solidFill>
+                          <a:srgbClr val="000000"/>
+                        </a:solidFill>
+                        <a:effectLst/>
+                        <a:latin typeface="Helvetica"/>
+                      </a:endParaRPr>
+                    </a:p>
+                  </a:txBody>
+                  <a:tcPr marL="12700" marR="12700" marT="12700" marB="0">
+                    <a:lnL w="6350" cap="flat" cmpd="sng" algn="ctr">
+                      <a:solidFill>
+                        <a:srgbClr val="000000"/>
+                      </a:solidFill>
+                      <a:prstDash val="solid"/>
+                      <a:round/>
+                      <a:headEnd type="none" w="med" len="med"/>
+                      <a:tailEnd type="none" w="med" len="med"/>
+                    </a:lnL>
+                    <a:lnR w="6350" cap="flat" cmpd="sng" algn="ctr">
+                      <a:solidFill>
+                        <a:srgbClr val="000000"/>
+                      </a:solidFill>
+                      <a:prstDash val="solid"/>
+                      <a:round/>
+                      <a:headEnd type="none" w="med" len="med"/>
+                      <a:tailEnd type="none" w="med" len="med"/>
+                    </a:lnR>
+                    <a:lnT w="6350" cap="flat" cmpd="sng" algn="ctr">
+                      <a:solidFill>
+                        <a:srgbClr val="000000"/>
+                      </a:solidFill>
+                      <a:prstDash val="solid"/>
+                      <a:round/>
+                      <a:headEnd type="none" w="med" len="med"/>
+                      <a:tailEnd type="none" w="med" len="med"/>
+                    </a:lnT>
+                    <a:lnB w="6350" cap="flat" cmpd="sng" algn="ctr">
+                      <a:solidFill>
+                        <a:srgbClr val="000000"/>
+                      </a:solidFill>
+                      <a:prstDash val="solid"/>
+                      <a:round/>
+                      <a:headEnd type="none" w="med" len="med"/>
+                      <a:tailEnd type="none" w="med" len="med"/>
+                    </a:lnB>
+                    <a:solidFill>
+                      <a:srgbClr val="DBDBDB"/>
+                    </a:solidFill>
+                  </a:tcPr>
+                </a:tc>
+                <a:tc>
+                  <a:txBody>
+                    <a:bodyPr/>
+                    <a:lstStyle/>
+                    <a:p>
+                      <a:pPr algn="ctr" fontAlgn="t"/>
+                      <a:r>
+                        <a:rPr lang="it-IT" sz="1800" b="0" i="0" u="none" strike="noStrike" dirty="0">
+                          <a:solidFill>
+                            <a:srgbClr val="000000"/>
+                          </a:solidFill>
+                          <a:effectLst/>
+                          <a:latin typeface="Helvetica"/>
+                        </a:rPr>
+                        <a:t>60</a:t>
+                      </a:r>
+                    </a:p>
+                  </a:txBody>
+                  <a:tcPr marL="12700" marR="12700" marT="12700" marB="0">
+                    <a:lnL w="6350" cap="flat" cmpd="sng" algn="ctr">
+                      <a:solidFill>
+                        <a:srgbClr val="000000"/>
+                      </a:solidFill>
+                      <a:prstDash val="solid"/>
+                      <a:round/>
+                      <a:headEnd type="none" w="med" len="med"/>
+                      <a:tailEnd type="none" w="med" len="med"/>
+                    </a:lnL>
+                    <a:lnR w="6350" cap="flat" cmpd="sng" algn="ctr">
+                      <a:solidFill>
+                        <a:srgbClr val="000000"/>
+                      </a:solidFill>
+                      <a:prstDash val="solid"/>
+                      <a:round/>
+                      <a:headEnd type="none" w="med" len="med"/>
+                      <a:tailEnd type="none" w="med" len="med"/>
+                    </a:lnR>
+                    <a:lnT w="6350" cap="flat" cmpd="sng" algn="ctr">
+                      <a:solidFill>
+                        <a:srgbClr val="000000"/>
+                      </a:solidFill>
+                      <a:prstDash val="solid"/>
+                      <a:round/>
+                      <a:headEnd type="none" w="med" len="med"/>
+                      <a:tailEnd type="none" w="med" len="med"/>
+                    </a:lnT>
+                    <a:lnB w="6350" cap="flat" cmpd="sng" algn="ctr">
+                      <a:solidFill>
+                        <a:srgbClr val="000000"/>
+                      </a:solidFill>
+                      <a:prstDash val="solid"/>
+                      <a:round/>
+                      <a:headEnd type="none" w="med" len="med"/>
+                      <a:tailEnd type="none" w="med" len="med"/>
+                    </a:lnB>
+                  </a:tcPr>
+                </a:tc>
+              </a:tr>
+              <a:tr h="381208">
+                <a:tc>
+                  <a:txBody>
+                    <a:bodyPr/>
+                    <a:lstStyle/>
+                    <a:p>
+                      <a:pPr algn="ctr" fontAlgn="t"/>
+                      <a:r>
+                        <a:rPr lang="it-IT" sz="1800" b="1" i="0" u="none" strike="noStrike" dirty="0">
+                          <a:solidFill>
+                            <a:srgbClr val="000000"/>
+                          </a:solidFill>
+                          <a:effectLst/>
+                          <a:latin typeface="Helvetica"/>
+                        </a:rPr>
+                        <a:t>Condivisione</a:t>
+                      </a:r>
+                    </a:p>
+                  </a:txBody>
+                  <a:tcPr marL="12700" marR="12700" marT="12700" marB="0">
+                    <a:lnL w="6350" cap="flat" cmpd="sng" algn="ctr">
+                      <a:solidFill>
+                        <a:srgbClr val="000000"/>
+                      </a:solidFill>
+                      <a:prstDash val="solid"/>
+                      <a:round/>
+                      <a:headEnd type="none" w="med" len="med"/>
+                      <a:tailEnd type="none" w="med" len="med"/>
+                    </a:lnL>
+                    <a:lnR w="6350" cap="flat" cmpd="sng" algn="ctr">
+                      <a:solidFill>
+                        <a:srgbClr val="000000"/>
+                      </a:solidFill>
+                      <a:prstDash val="solid"/>
+                      <a:round/>
+                      <a:headEnd type="none" w="med" len="med"/>
+                      <a:tailEnd type="none" w="med" len="med"/>
+                    </a:lnR>
+                    <a:lnT w="6350" cap="flat" cmpd="sng" algn="ctr">
+                      <a:solidFill>
+                        <a:srgbClr val="000000"/>
+                      </a:solidFill>
+                      <a:prstDash val="solid"/>
+                      <a:round/>
+                      <a:headEnd type="none" w="med" len="med"/>
+                      <a:tailEnd type="none" w="med" len="med"/>
+                    </a:lnT>
+                    <a:lnB w="6350" cap="flat" cmpd="sng" algn="ctr">
+                      <a:solidFill>
+                        <a:srgbClr val="000000"/>
+                      </a:solidFill>
+                      <a:prstDash val="solid"/>
+                      <a:round/>
+                      <a:headEnd type="none" w="med" len="med"/>
+                      <a:tailEnd type="none" w="med" len="med"/>
+                    </a:lnB>
+                    <a:solidFill>
+                      <a:srgbClr val="DBDBDB"/>
+                    </a:solidFill>
+                  </a:tcPr>
+                </a:tc>
+                <a:tc>
+                  <a:txBody>
+                    <a:bodyPr/>
+                    <a:lstStyle/>
+                    <a:p>
+                      <a:pPr algn="ctr" fontAlgn="t"/>
+                      <a:r>
+                        <a:rPr lang="it-IT" sz="1800" b="0" i="0" u="none" strike="noStrike" dirty="0">
+                          <a:solidFill>
+                            <a:srgbClr val="000000"/>
+                          </a:solidFill>
+                          <a:effectLst/>
+                          <a:latin typeface="Helvetica"/>
+                        </a:rPr>
+                        <a:t>20</a:t>
+                      </a:r>
+                    </a:p>
+                  </a:txBody>
+                  <a:tcPr marL="12700" marR="12700" marT="12700" marB="0">
+                    <a:lnL w="6350" cap="flat" cmpd="sng" algn="ctr">
+                      <a:solidFill>
+                        <a:srgbClr val="000000"/>
+                      </a:solidFill>
+                      <a:prstDash val="solid"/>
+                      <a:round/>
+                      <a:headEnd type="none" w="med" len="med"/>
+                      <a:tailEnd type="none" w="med" len="med"/>
+                    </a:lnL>
+                    <a:lnR w="6350" cap="flat" cmpd="sng" algn="ctr">
+                      <a:solidFill>
+                        <a:srgbClr val="000000"/>
+                      </a:solidFill>
+                      <a:prstDash val="solid"/>
+                      <a:round/>
+                      <a:headEnd type="none" w="med" len="med"/>
+                      <a:tailEnd type="none" w="med" len="med"/>
+                    </a:lnR>
+                    <a:lnT w="6350" cap="flat" cmpd="sng" algn="ctr">
+                      <a:solidFill>
+                        <a:srgbClr val="000000"/>
+                      </a:solidFill>
+                      <a:prstDash val="solid"/>
+                      <a:round/>
+                      <a:headEnd type="none" w="med" len="med"/>
+                      <a:tailEnd type="none" w="med" len="med"/>
+                    </a:lnT>
+                    <a:lnB w="6350" cap="flat" cmpd="sng" algn="ctr">
+                      <a:solidFill>
+                        <a:srgbClr val="000000"/>
+                      </a:solidFill>
+                      <a:prstDash val="solid"/>
+                      <a:round/>
+                      <a:headEnd type="none" w="med" len="med"/>
+                      <a:tailEnd type="none" w="med" len="med"/>
+                    </a:lnB>
+                  </a:tcPr>
+                </a:tc>
+              </a:tr>
+            </a:tbl>
+          </a:graphicData>
+        </a:graphic>
+      </p:graphicFrame>
+    </p:spTree>
+    <p:extLst>
+      <p:ext uri="{BB962C8B-B14F-4D97-AF65-F5344CB8AC3E}">
+        <p14:creationId xmlns:p14="http://schemas.microsoft.com/office/powerpoint/2010/main" val="2341356410"/>
+      </p:ext>
+    </p:extLst>
+  </p:cSld>
+  <p:clrMapOvr>
+    <a:masterClrMapping/>
+  </p:clrMapOvr>
+  <p:transition xmlns:p14="http://schemas.microsoft.com/office/powerpoint/2010/main" spd="slow">
+    <p:push dir="u"/>
+  </p:transition>
+  <p:timing>
+    <p:tnLst>
+      <p:par>
+        <p:cTn xmlns:p14="http://schemas.microsoft.com/office/powerpoint/2010/main" id="1" dur="indefinite" restart="never" nodeType="tmRoot"/>
+      </p:par>
+    </p:tnLst>
+  </p:timing>
+</p:sld>
+</file>
+
+<file path=ppt/slides/slide35.xml><?xml version="1.0" encoding="utf-8"?>
+<p:sld xmlns:a="http://schemas.openxmlformats.org/drawingml/2006/main" xmlns:r="http://schemas.openxmlformats.org/officeDocument/2006/relationships" xmlns:p="http://schemas.openxmlformats.org/presentationml/2006/main">
+  <p:cSld>
+    <p:spTree>
+      <p:nvGrpSpPr>
+        <p:cNvPr id="1" name=""/>
+        <p:cNvGrpSpPr/>
+        <p:nvPr/>
+      </p:nvGrpSpPr>
+      <p:grpSpPr>
+        <a:xfrm>
+          <a:off x="0" y="0"/>
+          <a:ext cx="0" cy="0"/>
+          <a:chOff x="0" y="0"/>
+          <a:chExt cx="0" cy="0"/>
+        </a:xfrm>
+      </p:grpSpPr>
+      <p:sp>
+        <p:nvSpPr>
+          <p:cNvPr id="4" name="Rettangolo 3"/>
+          <p:cNvSpPr/>
+          <p:nvPr/>
+        </p:nvSpPr>
+        <p:spPr>
+          <a:xfrm>
+            <a:off x="0" y="6515100"/>
+            <a:ext cx="12192000" cy="342900"/>
+          </a:xfrm>
+          <a:prstGeom prst="rect">
+            <a:avLst/>
+          </a:prstGeom>
+          <a:solidFill>
+            <a:srgbClr val="0072C6"/>
+          </a:solidFill>
+        </p:spPr>
+        <p:style>
+          <a:lnRef idx="2">
+            <a:schemeClr val="accent1">
+              <a:shade val="50000"/>
+            </a:schemeClr>
+          </a:lnRef>
+          <a:fillRef idx="1">
+            <a:schemeClr val="accent1"/>
+          </a:fillRef>
+          <a:effectRef idx="0">
+            <a:schemeClr val="accent1"/>
+          </a:effectRef>
+          <a:fontRef idx="minor">
+            <a:schemeClr val="lt1"/>
+          </a:fontRef>
+        </p:style>
+        <p:txBody>
+          <a:bodyPr rtlCol="0" anchor="ctr"/>
+          <a:lstStyle/>
+          <a:p>
+            <a:pPr algn="ctr"/>
+            <a:endParaRPr lang="it-IT"/>
+          </a:p>
+        </p:txBody>
+      </p:sp>
+      <p:sp>
+        <p:nvSpPr>
+          <p:cNvPr id="5" name="Rettangolo 4"/>
+          <p:cNvSpPr/>
+          <p:nvPr/>
+        </p:nvSpPr>
+        <p:spPr>
+          <a:xfrm>
+            <a:off x="0" y="-28574"/>
+            <a:ext cx="12192000" cy="342900"/>
+          </a:xfrm>
+          <a:prstGeom prst="rect">
+            <a:avLst/>
+          </a:prstGeom>
+          <a:solidFill>
+            <a:srgbClr val="0072C6"/>
+          </a:solidFill>
+        </p:spPr>
+        <p:style>
+          <a:lnRef idx="2">
+            <a:schemeClr val="accent1">
+              <a:shade val="50000"/>
+            </a:schemeClr>
+          </a:lnRef>
+          <a:fillRef idx="1">
+            <a:schemeClr val="accent1"/>
+          </a:fillRef>
+          <a:effectRef idx="0">
+            <a:schemeClr val="accent1"/>
+          </a:effectRef>
+          <a:fontRef idx="minor">
+            <a:schemeClr val="lt1"/>
+          </a:fontRef>
+        </p:style>
+        <p:txBody>
+          <a:bodyPr rtlCol="0" anchor="ctr"/>
+          <a:lstStyle/>
+          <a:p>
+            <a:pPr algn="ctr"/>
+            <a:endParaRPr lang="it-IT"/>
+          </a:p>
+        </p:txBody>
+      </p:sp>
+      <p:pic>
+        <p:nvPicPr>
+          <p:cNvPr id="2" name="Immagine 1"/>
+          <p:cNvPicPr>
+            <a:picLocks noChangeAspect="1"/>
+          </p:cNvPicPr>
+          <p:nvPr/>
+        </p:nvPicPr>
+        <p:blipFill>
+          <a:blip r:embed="rId2"/>
+          <a:stretch>
+            <a:fillRect/>
+          </a:stretch>
+        </p:blipFill>
+        <p:spPr>
+          <a:xfrm>
+            <a:off x="415529" y="1992929"/>
+            <a:ext cx="1838325" cy="3600450"/>
+          </a:xfrm>
+          <a:prstGeom prst="rect">
+            <a:avLst/>
+          </a:prstGeom>
+        </p:spPr>
+      </p:pic>
+      <p:sp>
+        <p:nvSpPr>
+          <p:cNvPr id="3" name="CasellaDiTesto 2"/>
+          <p:cNvSpPr txBox="1"/>
+          <p:nvPr/>
+        </p:nvSpPr>
+        <p:spPr>
+          <a:xfrm>
+            <a:off x="2669382" y="1515904"/>
+            <a:ext cx="9129713" cy="5201424"/>
+          </a:xfrm>
+          <a:prstGeom prst="rect">
+            <a:avLst/>
+          </a:prstGeom>
+          <a:noFill/>
+        </p:spPr>
+        <p:txBody>
+          <a:bodyPr wrap="square" rtlCol="0">
+            <a:spAutoFit/>
+          </a:bodyPr>
+          <a:lstStyle/>
+          <a:p>
+            <a:r>
+              <a:rPr lang="it-IT" sz="2800" spc="-100" dirty="0">
+                <a:ln w="3175">
+                  <a:noFill/>
+                </a:ln>
+                <a:gradFill>
+                  <a:gsLst>
+                    <a:gs pos="1250">
+                      <a:schemeClr val="tx2"/>
+                    </a:gs>
+                    <a:gs pos="100000">
+                      <a:schemeClr val="tx2"/>
+                    </a:gs>
+                  </a:gsLst>
+                  <a:lin ang="5400000" scaled="0"/>
+                </a:gradFill>
+                <a:latin typeface="+mj-lt"/>
+                <a:cs typeface="Arial" charset="0"/>
+              </a:rPr>
+              <a:t>S</a:t>
+            </a:r>
+            <a:r>
+              <a:rPr lang="it-IT" sz="2800" spc="-100" dirty="0" smtClean="0">
+                <a:ln w="3175">
+                  <a:noFill/>
+                </a:ln>
+                <a:gradFill>
+                  <a:gsLst>
+                    <a:gs pos="1250">
+                      <a:schemeClr val="tx2"/>
+                    </a:gs>
+                    <a:gs pos="100000">
+                      <a:schemeClr val="tx2"/>
+                    </a:gs>
+                  </a:gsLst>
+                  <a:lin ang="5400000" scaled="0"/>
+                </a:gradFill>
+                <a:latin typeface="+mj-lt"/>
+                <a:cs typeface="Arial" charset="0"/>
+              </a:rPr>
+              <a:t>ensore </a:t>
+            </a:r>
+            <a:r>
+              <a:rPr lang="it-IT" sz="2800" spc="-100" dirty="0">
+                <a:ln w="3175">
+                  <a:noFill/>
+                </a:ln>
+                <a:gradFill>
+                  <a:gsLst>
+                    <a:gs pos="1250">
+                      <a:schemeClr val="tx2"/>
+                    </a:gs>
+                    <a:gs pos="100000">
+                      <a:schemeClr val="tx2"/>
+                    </a:gs>
+                  </a:gsLst>
+                  <a:lin ang="5400000" scaled="0"/>
+                </a:gradFill>
+                <a:latin typeface="+mj-lt"/>
+                <a:cs typeface="Arial" charset="0"/>
+              </a:rPr>
+              <a:t>per la </a:t>
+            </a:r>
+            <a:r>
+              <a:rPr lang="it-IT" sz="2800" spc="-100" dirty="0" smtClean="0">
+                <a:ln w="3175">
+                  <a:noFill/>
+                </a:ln>
+                <a:gradFill>
+                  <a:gsLst>
+                    <a:gs pos="1250">
+                      <a:schemeClr val="tx2"/>
+                    </a:gs>
+                    <a:gs pos="100000">
+                      <a:schemeClr val="tx2"/>
+                    </a:gs>
+                  </a:gsLst>
+                  <a:lin ang="5400000" scaled="0"/>
+                </a:gradFill>
+                <a:latin typeface="+mj-lt"/>
+                <a:cs typeface="Arial" charset="0"/>
+              </a:rPr>
+              <a:t>rilevazione di DI utilizzato.</a:t>
+            </a:r>
+            <a:endParaRPr lang="it-IT" sz="2800" spc="-100" dirty="0">
+              <a:ln w="3175">
+                <a:noFill/>
+              </a:ln>
+              <a:gradFill>
+                <a:gsLst>
+                  <a:gs pos="1250">
+                    <a:schemeClr val="tx2"/>
+                  </a:gs>
+                  <a:gs pos="100000">
+                    <a:schemeClr val="tx2"/>
+                  </a:gs>
+                </a:gsLst>
+                <a:lin ang="5400000" scaled="0"/>
+              </a:gradFill>
+              <a:latin typeface="+mj-lt"/>
+              <a:cs typeface="Arial" charset="0"/>
+            </a:endParaRPr>
+          </a:p>
+          <a:p>
+            <a:endParaRPr lang="it-IT" sz="1000" spc="-100" dirty="0">
+              <a:ln w="3175">
+                <a:noFill/>
+              </a:ln>
+              <a:gradFill>
+                <a:gsLst>
+                  <a:gs pos="1250">
+                    <a:schemeClr val="tx2"/>
+                  </a:gs>
+                  <a:gs pos="100000">
+                    <a:schemeClr val="tx2"/>
+                  </a:gs>
+                </a:gsLst>
+                <a:lin ang="5400000" scaled="0"/>
+              </a:gradFill>
+              <a:latin typeface="+mj-lt"/>
+              <a:cs typeface="Arial" charset="0"/>
+            </a:endParaRPr>
+          </a:p>
+          <a:p>
+            <a:pPr lvl="0"/>
+            <a:r>
+              <a:rPr lang="it-IT" sz="3000" b="1" spc="-100" dirty="0" err="1" smtClean="0">
+                <a:ln w="3175">
+                  <a:noFill/>
+                </a:ln>
+                <a:gradFill>
+                  <a:gsLst>
+                    <a:gs pos="1250">
+                      <a:schemeClr val="tx2"/>
+                    </a:gs>
+                    <a:gs pos="100000">
+                      <a:schemeClr val="tx2"/>
+                    </a:gs>
+                  </a:gsLst>
+                  <a:lin ang="5400000" scaled="0"/>
+                </a:gradFill>
+                <a:latin typeface="+mj-lt"/>
+                <a:cs typeface="Arial" charset="0"/>
+              </a:rPr>
+              <a:t>GaugerGSM</a:t>
+            </a:r>
+            <a:r>
+              <a:rPr lang="it-IT" sz="2800" spc="-100" dirty="0" smtClean="0">
+                <a:ln w="3175">
+                  <a:noFill/>
+                </a:ln>
+                <a:gradFill>
+                  <a:gsLst>
+                    <a:gs pos="1250">
+                      <a:schemeClr val="tx2"/>
+                    </a:gs>
+                    <a:gs pos="100000">
+                      <a:schemeClr val="tx2"/>
+                    </a:gs>
+                  </a:gsLst>
+                  <a:lin ang="5400000" scaled="0"/>
+                </a:gradFill>
+                <a:latin typeface="+mj-lt"/>
+                <a:cs typeface="Arial" charset="0"/>
+              </a:rPr>
+              <a:t> </a:t>
+            </a:r>
+          </a:p>
+          <a:p>
+            <a:pPr lvl="0"/>
+            <a:r>
+              <a:rPr lang="it-IT" sz="2800" spc="-100" dirty="0" err="1" smtClean="0">
+                <a:ln w="3175">
+                  <a:noFill/>
+                </a:ln>
+                <a:gradFill>
+                  <a:gsLst>
+                    <a:gs pos="1250">
+                      <a:schemeClr val="tx2"/>
+                    </a:gs>
+                    <a:gs pos="100000">
+                      <a:schemeClr val="tx2"/>
+                    </a:gs>
+                  </a:gsLst>
+                  <a:lin ang="5400000" scaled="0"/>
+                </a:gradFill>
+                <a:latin typeface="+mj-lt"/>
+                <a:cs typeface="Arial" charset="0"/>
+              </a:rPr>
+              <a:t>Measuring</a:t>
+            </a:r>
+            <a:r>
+              <a:rPr lang="it-IT" sz="2800" spc="-100" dirty="0" smtClean="0">
+                <a:ln w="3175">
+                  <a:noFill/>
+                </a:ln>
+                <a:gradFill>
+                  <a:gsLst>
+                    <a:gs pos="1250">
+                      <a:schemeClr val="tx2"/>
+                    </a:gs>
+                    <a:gs pos="100000">
+                      <a:schemeClr val="tx2"/>
+                    </a:gs>
+                  </a:gsLst>
+                  <a:lin ang="5400000" scaled="0"/>
+                </a:gradFill>
+                <a:latin typeface="+mj-lt"/>
+                <a:cs typeface="Arial" charset="0"/>
+              </a:rPr>
+              <a:t> </a:t>
+            </a:r>
+            <a:r>
+              <a:rPr lang="it-IT" sz="2800" spc="-100" dirty="0" err="1">
+                <a:ln w="3175">
+                  <a:noFill/>
+                </a:ln>
+                <a:gradFill>
+                  <a:gsLst>
+                    <a:gs pos="1250">
+                      <a:schemeClr val="tx2"/>
+                    </a:gs>
+                    <a:gs pos="100000">
+                      <a:schemeClr val="tx2"/>
+                    </a:gs>
+                  </a:gsLst>
+                  <a:lin ang="5400000" scaled="0"/>
+                </a:gradFill>
+                <a:latin typeface="+mj-lt"/>
+                <a:cs typeface="Arial" charset="0"/>
+              </a:rPr>
+              <a:t>range</a:t>
+            </a:r>
+            <a:r>
+              <a:rPr lang="it-IT" sz="2800" spc="-100" dirty="0">
+                <a:ln w="3175">
+                  <a:noFill/>
+                </a:ln>
+                <a:gradFill>
+                  <a:gsLst>
+                    <a:gs pos="1250">
+                      <a:schemeClr val="tx2"/>
+                    </a:gs>
+                    <a:gs pos="100000">
+                      <a:schemeClr val="tx2"/>
+                    </a:gs>
+                  </a:gsLst>
+                  <a:lin ang="5400000" scaled="0"/>
+                </a:gradFill>
+                <a:latin typeface="+mj-lt"/>
+                <a:cs typeface="Arial" charset="0"/>
+              </a:rPr>
+              <a:t>: 		8-9.5m</a:t>
+            </a:r>
+          </a:p>
+          <a:p>
+            <a:pPr lvl="0"/>
+            <a:r>
+              <a:rPr lang="it-IT" sz="2800" spc="-100" dirty="0" err="1" smtClean="0">
+                <a:ln w="3175">
+                  <a:noFill/>
+                </a:ln>
+                <a:gradFill>
+                  <a:gsLst>
+                    <a:gs pos="1250">
+                      <a:schemeClr val="tx2"/>
+                    </a:gs>
+                    <a:gs pos="100000">
+                      <a:schemeClr val="tx2"/>
+                    </a:gs>
+                  </a:gsLst>
+                  <a:lin ang="5400000" scaled="0"/>
+                </a:gradFill>
+                <a:latin typeface="+mj-lt"/>
+                <a:cs typeface="Arial" charset="0"/>
+              </a:rPr>
+              <a:t>Power</a:t>
+            </a:r>
+            <a:r>
+              <a:rPr lang="it-IT" sz="2800" spc="-100" dirty="0" smtClean="0">
+                <a:ln w="3175">
+                  <a:noFill/>
+                </a:ln>
+                <a:gradFill>
+                  <a:gsLst>
+                    <a:gs pos="1250">
+                      <a:schemeClr val="tx2"/>
+                    </a:gs>
+                    <a:gs pos="100000">
+                      <a:schemeClr val="tx2"/>
+                    </a:gs>
+                  </a:gsLst>
+                  <a:lin ang="5400000" scaled="0"/>
+                </a:gradFill>
+                <a:latin typeface="+mj-lt"/>
+                <a:cs typeface="Arial" charset="0"/>
+              </a:rPr>
+              <a:t> </a:t>
+            </a:r>
+            <a:r>
+              <a:rPr lang="it-IT" sz="2800" spc="-100" dirty="0">
+                <a:ln w="3175">
+                  <a:noFill/>
+                </a:ln>
+                <a:gradFill>
+                  <a:gsLst>
+                    <a:gs pos="1250">
+                      <a:schemeClr val="tx2"/>
+                    </a:gs>
+                    <a:gs pos="100000">
+                      <a:schemeClr val="tx2"/>
+                    </a:gs>
+                  </a:gsLst>
+                  <a:lin ang="5400000" scaled="0"/>
+                </a:gradFill>
+                <a:latin typeface="+mj-lt"/>
+                <a:cs typeface="Arial" charset="0"/>
+              </a:rPr>
+              <a:t>Supply (DC): 		8 – 33 DC</a:t>
+            </a:r>
+          </a:p>
+          <a:p>
+            <a:pPr lvl="0"/>
+            <a:r>
+              <a:rPr lang="it-IT" sz="2800" spc="-100" dirty="0" err="1" smtClean="0">
+                <a:ln w="3175">
+                  <a:noFill/>
+                </a:ln>
+                <a:gradFill>
+                  <a:gsLst>
+                    <a:gs pos="1250">
+                      <a:schemeClr val="tx2"/>
+                    </a:gs>
+                    <a:gs pos="100000">
+                      <a:schemeClr val="tx2"/>
+                    </a:gs>
+                  </a:gsLst>
+                  <a:lin ang="5400000" scaled="0"/>
+                </a:gradFill>
+                <a:latin typeface="+mj-lt"/>
+                <a:cs typeface="Arial" charset="0"/>
+              </a:rPr>
+              <a:t>Measurement</a:t>
+            </a:r>
+            <a:r>
+              <a:rPr lang="it-IT" sz="2800" spc="-100" dirty="0" smtClean="0">
+                <a:ln w="3175">
+                  <a:noFill/>
+                </a:ln>
+                <a:gradFill>
+                  <a:gsLst>
+                    <a:gs pos="1250">
+                      <a:schemeClr val="tx2"/>
+                    </a:gs>
+                    <a:gs pos="100000">
+                      <a:schemeClr val="tx2"/>
+                    </a:gs>
+                  </a:gsLst>
+                  <a:lin ang="5400000" scaled="0"/>
+                </a:gradFill>
+                <a:latin typeface="+mj-lt"/>
+                <a:cs typeface="Arial" charset="0"/>
+              </a:rPr>
+              <a:t> </a:t>
+            </a:r>
+            <a:r>
+              <a:rPr lang="it-IT" sz="2800" spc="-100" dirty="0" err="1">
+                <a:ln w="3175">
+                  <a:noFill/>
+                </a:ln>
+                <a:gradFill>
+                  <a:gsLst>
+                    <a:gs pos="1250">
+                      <a:schemeClr val="tx2"/>
+                    </a:gs>
+                    <a:gs pos="100000">
+                      <a:schemeClr val="tx2"/>
+                    </a:gs>
+                  </a:gsLst>
+                  <a:lin ang="5400000" scaled="0"/>
+                </a:gradFill>
+                <a:latin typeface="+mj-lt"/>
+                <a:cs typeface="Arial" charset="0"/>
+              </a:rPr>
+              <a:t>accuracy</a:t>
+            </a:r>
+            <a:r>
+              <a:rPr lang="it-IT" sz="2800" spc="-100" dirty="0">
+                <a:ln w="3175">
+                  <a:noFill/>
+                </a:ln>
+                <a:gradFill>
+                  <a:gsLst>
+                    <a:gs pos="1250">
+                      <a:schemeClr val="tx2"/>
+                    </a:gs>
+                    <a:gs pos="100000">
+                      <a:schemeClr val="tx2"/>
+                    </a:gs>
+                  </a:gsLst>
+                  <a:lin ang="5400000" scaled="0"/>
+                </a:gradFill>
+                <a:latin typeface="+mj-lt"/>
+                <a:cs typeface="Arial" charset="0"/>
+              </a:rPr>
+              <a:t>: 	0.3% / </a:t>
+            </a:r>
+            <a:r>
+              <a:rPr lang="it-IT" sz="2800" spc="-100" dirty="0" smtClean="0">
+                <a:ln w="3175">
+                  <a:noFill/>
+                </a:ln>
+                <a:gradFill>
+                  <a:gsLst>
+                    <a:gs pos="1250">
+                      <a:schemeClr val="tx2"/>
+                    </a:gs>
+                    <a:gs pos="100000">
+                      <a:schemeClr val="tx2"/>
+                    </a:gs>
+                  </a:gsLst>
+                  <a:lin ang="5400000" scaled="0"/>
+                </a:gradFill>
+                <a:latin typeface="+mj-lt"/>
+                <a:cs typeface="Arial" charset="0"/>
+              </a:rPr>
+              <a:t>1.5mm</a:t>
+            </a:r>
+          </a:p>
+          <a:p>
+            <a:pPr lvl="0"/>
+            <a:r>
+              <a:rPr lang="it-IT" sz="2800" spc="-100" dirty="0" smtClean="0">
+                <a:ln w="3175">
+                  <a:noFill/>
+                </a:ln>
+                <a:gradFill>
+                  <a:gsLst>
+                    <a:gs pos="1250">
+                      <a:schemeClr val="tx2"/>
+                    </a:gs>
+                    <a:gs pos="100000">
+                      <a:schemeClr val="tx2"/>
+                    </a:gs>
+                  </a:gsLst>
+                  <a:lin ang="5400000" scaled="0"/>
+                </a:gradFill>
+                <a:latin typeface="+mj-lt"/>
+                <a:cs typeface="Arial" charset="0"/>
+              </a:rPr>
+              <a:t>Temperature:                             -30° to +70°</a:t>
+            </a:r>
+            <a:endParaRPr lang="it-IT" sz="2800" spc="-100" dirty="0">
+              <a:ln w="3175">
+                <a:noFill/>
+              </a:ln>
+              <a:gradFill>
+                <a:gsLst>
+                  <a:gs pos="1250">
+                    <a:schemeClr val="tx2"/>
+                  </a:gs>
+                  <a:gs pos="100000">
+                    <a:schemeClr val="tx2"/>
+                  </a:gs>
+                </a:gsLst>
+                <a:lin ang="5400000" scaled="0"/>
+              </a:gradFill>
+              <a:latin typeface="+mj-lt"/>
+              <a:cs typeface="Arial" charset="0"/>
+            </a:endParaRPr>
+          </a:p>
+          <a:p>
+            <a:pPr lvl="0"/>
+            <a:r>
+              <a:rPr lang="it-IT" sz="2800" spc="-100" dirty="0" smtClean="0">
+                <a:ln w="3175">
+                  <a:noFill/>
+                </a:ln>
+                <a:gradFill>
+                  <a:gsLst>
+                    <a:gs pos="1250">
+                      <a:schemeClr val="tx2"/>
+                    </a:gs>
+                    <a:gs pos="100000">
+                      <a:schemeClr val="tx2"/>
+                    </a:gs>
+                  </a:gsLst>
+                  <a:lin ang="5400000" scaled="0"/>
+                </a:gradFill>
+                <a:latin typeface="+mj-lt"/>
+                <a:cs typeface="Arial" charset="0"/>
+              </a:rPr>
+              <a:t>Output:</a:t>
+            </a:r>
+            <a:r>
+              <a:rPr lang="it-IT" sz="2800" spc="-100" dirty="0">
+                <a:ln w="3175">
+                  <a:noFill/>
+                </a:ln>
+                <a:gradFill>
+                  <a:gsLst>
+                    <a:gs pos="1250">
+                      <a:schemeClr val="tx2"/>
+                    </a:gs>
+                    <a:gs pos="100000">
+                      <a:schemeClr val="tx2"/>
+                    </a:gs>
+                  </a:gsLst>
+                  <a:lin ang="5400000" scaled="0"/>
+                </a:gradFill>
+                <a:latin typeface="+mj-lt"/>
+                <a:cs typeface="Arial" charset="0"/>
+              </a:rPr>
+              <a:t>			</a:t>
+            </a:r>
+            <a:r>
+              <a:rPr lang="it-IT" sz="2800" spc="-100" dirty="0" smtClean="0">
+                <a:ln w="3175">
+                  <a:noFill/>
+                </a:ln>
+                <a:gradFill>
+                  <a:gsLst>
+                    <a:gs pos="1250">
+                      <a:schemeClr val="tx2"/>
+                    </a:gs>
+                    <a:gs pos="100000">
+                      <a:schemeClr val="tx2"/>
+                    </a:gs>
+                  </a:gsLst>
+                  <a:lin ang="5400000" scaled="0"/>
+                </a:gradFill>
+                <a:latin typeface="+mj-lt"/>
+                <a:cs typeface="Arial" charset="0"/>
+              </a:rPr>
+              <a:t>		              GPRS</a:t>
+            </a:r>
+            <a:r>
+              <a:rPr lang="it-IT" sz="2800" spc="-100" dirty="0">
+                <a:ln w="3175">
+                  <a:noFill/>
+                </a:ln>
+                <a:gradFill>
+                  <a:gsLst>
+                    <a:gs pos="1250">
+                      <a:schemeClr val="tx2"/>
+                    </a:gs>
+                    <a:gs pos="100000">
+                      <a:schemeClr val="tx2"/>
+                    </a:gs>
+                  </a:gsLst>
+                  <a:lin ang="5400000" scaled="0"/>
+                </a:gradFill>
+                <a:latin typeface="+mj-lt"/>
+                <a:cs typeface="Arial" charset="0"/>
+              </a:rPr>
+              <a:t>/GSM</a:t>
+            </a:r>
+          </a:p>
+          <a:p>
+            <a:pPr lvl="0"/>
+            <a:endParaRPr lang="it-IT" sz="1000" spc="-100" dirty="0" smtClean="0">
+              <a:ln w="3175">
+                <a:noFill/>
+              </a:ln>
+              <a:gradFill>
+                <a:gsLst>
+                  <a:gs pos="1250">
+                    <a:schemeClr val="tx2"/>
+                  </a:gs>
+                  <a:gs pos="100000">
+                    <a:schemeClr val="tx2"/>
+                  </a:gs>
+                </a:gsLst>
+                <a:lin ang="5400000" scaled="0"/>
+              </a:gradFill>
+              <a:latin typeface="+mj-lt"/>
+              <a:cs typeface="Arial" charset="0"/>
+            </a:endParaRPr>
+          </a:p>
+          <a:p>
+            <a:pPr lvl="0"/>
+            <a:r>
+              <a:rPr lang="it-IT" sz="2800" spc="-100" dirty="0" smtClean="0">
+                <a:ln w="3175">
+                  <a:noFill/>
+                </a:ln>
+                <a:gradFill>
+                  <a:gsLst>
+                    <a:gs pos="1250">
+                      <a:schemeClr val="tx2"/>
+                    </a:gs>
+                    <a:gs pos="100000">
+                      <a:schemeClr val="tx2"/>
+                    </a:gs>
+                  </a:gsLst>
+                  <a:lin ang="5400000" scaled="0"/>
+                </a:gradFill>
+                <a:latin typeface="+mj-lt"/>
+                <a:cs typeface="Arial" charset="0"/>
+              </a:rPr>
+              <a:t>Price</a:t>
+            </a:r>
+            <a:r>
+              <a:rPr lang="it-IT" sz="2800" spc="-100" dirty="0">
+                <a:ln w="3175">
+                  <a:noFill/>
+                </a:ln>
+                <a:gradFill>
+                  <a:gsLst>
+                    <a:gs pos="1250">
+                      <a:schemeClr val="tx2"/>
+                    </a:gs>
+                    <a:gs pos="100000">
+                      <a:schemeClr val="tx2"/>
+                    </a:gs>
+                  </a:gsLst>
+                  <a:lin ang="5400000" scaled="0"/>
+                </a:gradFill>
+                <a:latin typeface="+mj-lt"/>
+                <a:cs typeface="Arial" charset="0"/>
+              </a:rPr>
+              <a:t>:				</a:t>
+            </a:r>
+            <a:r>
+              <a:rPr lang="it-IT" sz="2800" spc="-100" dirty="0" smtClean="0">
+                <a:ln w="3175">
+                  <a:noFill/>
+                </a:ln>
+                <a:gradFill>
+                  <a:gsLst>
+                    <a:gs pos="1250">
+                      <a:schemeClr val="tx2"/>
+                    </a:gs>
+                    <a:gs pos="100000">
+                      <a:schemeClr val="tx2"/>
+                    </a:gs>
+                  </a:gsLst>
+                  <a:lin ang="5400000" scaled="0"/>
+                </a:gradFill>
+                <a:latin typeface="+mj-lt"/>
+                <a:cs typeface="Arial" charset="0"/>
+              </a:rPr>
+              <a:t>	                            1400€/unità </a:t>
+            </a:r>
+            <a:r>
+              <a:rPr lang="it-IT" sz="1400" spc="-100" dirty="0" smtClean="0">
+                <a:ln w="3175">
+                  <a:noFill/>
+                </a:ln>
+                <a:gradFill>
+                  <a:gsLst>
+                    <a:gs pos="1250">
+                      <a:schemeClr val="tx2"/>
+                    </a:gs>
+                    <a:gs pos="100000">
+                      <a:schemeClr val="tx2"/>
+                    </a:gs>
+                  </a:gsLst>
+                  <a:lin ang="5400000" scaled="0"/>
+                </a:gradFill>
+                <a:latin typeface="+mj-lt"/>
+                <a:cs typeface="Arial" charset="0"/>
+              </a:rPr>
+              <a:t>  </a:t>
+            </a:r>
+            <a:r>
+              <a:rPr lang="it-IT" sz="2000" spc="-100" dirty="0" smtClean="0">
+                <a:ln w="3175">
+                  <a:noFill/>
+                </a:ln>
+                <a:gradFill>
+                  <a:gsLst>
+                    <a:gs pos="1250">
+                      <a:schemeClr val="tx2"/>
+                    </a:gs>
+                    <a:gs pos="100000">
+                      <a:schemeClr val="tx2"/>
+                    </a:gs>
+                  </a:gsLst>
+                  <a:lin ang="5400000" scaled="0"/>
+                </a:gradFill>
+                <a:latin typeface="+mj-lt"/>
+                <a:cs typeface="Arial" charset="0"/>
+              </a:rPr>
+              <a:t>(Prezzo aggiornato a febbraio 2015)</a:t>
+            </a:r>
+          </a:p>
+          <a:p>
+            <a:pPr lvl="0"/>
+            <a:endParaRPr lang="it-IT" sz="2800" spc="-100" dirty="0" smtClean="0">
+              <a:ln w="3175">
+                <a:noFill/>
+              </a:ln>
+              <a:gradFill>
+                <a:gsLst>
+                  <a:gs pos="1250">
+                    <a:schemeClr val="tx2"/>
+                  </a:gs>
+                  <a:gs pos="100000">
+                    <a:schemeClr val="tx2"/>
+                  </a:gs>
+                </a:gsLst>
+                <a:lin ang="5400000" scaled="0"/>
+              </a:gradFill>
+              <a:latin typeface="+mj-lt"/>
+              <a:cs typeface="Arial" charset="0"/>
+            </a:endParaRPr>
+          </a:p>
+          <a:p>
+            <a:pPr lvl="0"/>
+            <a:endParaRPr lang="it-IT" sz="1000" spc="-100" dirty="0">
+              <a:ln w="3175">
+                <a:noFill/>
+              </a:ln>
+              <a:gradFill>
+                <a:gsLst>
+                  <a:gs pos="1250">
+                    <a:schemeClr val="tx2"/>
+                  </a:gs>
+                  <a:gs pos="100000">
+                    <a:schemeClr val="tx2"/>
+                  </a:gs>
+                </a:gsLst>
+                <a:lin ang="5400000" scaled="0"/>
+              </a:gradFill>
+              <a:latin typeface="+mj-lt"/>
+              <a:cs typeface="Arial" charset="0"/>
+            </a:endParaRPr>
+          </a:p>
+          <a:p>
+            <a:pPr lvl="0"/>
+            <a:endParaRPr lang="it-IT" sz="1000" spc="-100" dirty="0" smtClean="0">
+              <a:ln w="3175">
+                <a:noFill/>
+              </a:ln>
+              <a:gradFill>
+                <a:gsLst>
+                  <a:gs pos="1250">
+                    <a:schemeClr val="tx2"/>
+                  </a:gs>
+                  <a:gs pos="100000">
+                    <a:schemeClr val="tx2"/>
+                  </a:gs>
+                </a:gsLst>
+                <a:lin ang="5400000" scaled="0"/>
+              </a:gradFill>
+              <a:latin typeface="+mj-lt"/>
+              <a:cs typeface="Arial" charset="0"/>
+            </a:endParaRPr>
+          </a:p>
+          <a:p>
+            <a:pPr lvl="0" algn="r"/>
+            <a:r>
+              <a:rPr lang="it-IT" sz="2000" spc="-100" dirty="0" smtClean="0">
+                <a:ln w="3175">
+                  <a:noFill/>
+                </a:ln>
+                <a:gradFill>
+                  <a:gsLst>
+                    <a:gs pos="1250">
+                      <a:schemeClr val="tx2"/>
+                    </a:gs>
+                    <a:gs pos="100000">
+                      <a:schemeClr val="tx2"/>
+                    </a:gs>
+                  </a:gsLst>
+                  <a:lin ang="5400000" scaled="0"/>
+                </a:gradFill>
+                <a:latin typeface="+mj-lt"/>
+                <a:cs typeface="Arial" charset="0"/>
+              </a:rPr>
+              <a:t>data </a:t>
+            </a:r>
+            <a:r>
+              <a:rPr lang="it-IT" sz="2000" spc="-100" dirty="0" err="1">
+                <a:ln w="3175">
+                  <a:noFill/>
+                </a:ln>
+                <a:gradFill>
+                  <a:gsLst>
+                    <a:gs pos="1250">
+                      <a:schemeClr val="tx2"/>
+                    </a:gs>
+                    <a:gs pos="100000">
+                      <a:schemeClr val="tx2"/>
+                    </a:gs>
+                  </a:gsLst>
+                  <a:lin ang="5400000" scaled="0"/>
+                </a:gradFill>
+                <a:latin typeface="+mj-lt"/>
+                <a:cs typeface="Arial" charset="0"/>
+              </a:rPr>
+              <a:t>sheet</a:t>
+            </a:r>
+            <a:r>
+              <a:rPr lang="it-IT" sz="2000" spc="-100" dirty="0">
+                <a:ln w="3175">
+                  <a:noFill/>
+                </a:ln>
+                <a:gradFill>
+                  <a:gsLst>
+                    <a:gs pos="1250">
+                      <a:schemeClr val="tx2"/>
+                    </a:gs>
+                    <a:gs pos="100000">
+                      <a:schemeClr val="tx2"/>
+                    </a:gs>
+                  </a:gsLst>
+                  <a:lin ang="5400000" scaled="0"/>
+                </a:gradFill>
+                <a:latin typeface="+mj-lt"/>
+                <a:cs typeface="Arial" charset="0"/>
+              </a:rPr>
+              <a:t>: http://www.solidat.com/objects/DS/DS-GaugerGSM.pdf</a:t>
+            </a:r>
+          </a:p>
+          <a:p>
+            <a:endParaRPr lang="it-IT" dirty="0"/>
+          </a:p>
+        </p:txBody>
+      </p:sp>
+      <p:sp>
+        <p:nvSpPr>
+          <p:cNvPr id="12" name="CasellaDiTesto 11"/>
+          <p:cNvSpPr txBox="1"/>
+          <p:nvPr/>
+        </p:nvSpPr>
+        <p:spPr>
+          <a:xfrm>
+            <a:off x="415529" y="314326"/>
+            <a:ext cx="11613357" cy="1384995"/>
+          </a:xfrm>
+          <a:prstGeom prst="rect">
+            <a:avLst/>
+          </a:prstGeom>
+          <a:noFill/>
+        </p:spPr>
+        <p:txBody>
+          <a:bodyPr wrap="square" rtlCol="0">
+            <a:spAutoFit/>
+          </a:bodyPr>
+          <a:lstStyle/>
+          <a:p>
+            <a:r>
+              <a:rPr lang="it-IT" sz="5400" b="1" spc="-100" dirty="0" smtClean="0">
+                <a:ln w="3175">
+                  <a:noFill/>
+                </a:ln>
+                <a:solidFill>
+                  <a:srgbClr val="0072C6"/>
+                </a:solidFill>
+                <a:latin typeface="+mj-lt"/>
+                <a:cs typeface="Arial" charset="0"/>
+              </a:rPr>
+              <a:t>Architettura di </a:t>
+            </a:r>
+            <a:r>
+              <a:rPr lang="it-IT" sz="5400" b="1" spc="-100" dirty="0" err="1" smtClean="0">
+                <a:ln w="3175">
+                  <a:noFill/>
+                </a:ln>
+                <a:solidFill>
+                  <a:srgbClr val="0072C6"/>
+                </a:solidFill>
+                <a:latin typeface="+mj-lt"/>
+                <a:cs typeface="Arial" charset="0"/>
+              </a:rPr>
+              <a:t>deployment</a:t>
+            </a:r>
+            <a:endParaRPr lang="it-IT" sz="5400" b="1" spc="-100" dirty="0">
+              <a:ln w="3175">
+                <a:noFill/>
+              </a:ln>
+              <a:solidFill>
+                <a:srgbClr val="0072C6"/>
+              </a:solidFill>
+              <a:latin typeface="+mj-lt"/>
+              <a:cs typeface="Arial" charset="0"/>
+            </a:endParaRPr>
+          </a:p>
+          <a:p>
+            <a:pPr defTabSz="914363">
+              <a:lnSpc>
+                <a:spcPct val="90000"/>
+              </a:lnSpc>
+              <a:spcBef>
+                <a:spcPct val="0"/>
+              </a:spcBef>
+            </a:pPr>
+            <a:r>
+              <a:rPr lang="it-IT" sz="3000" b="1" i="1" spc="-100" dirty="0" smtClean="0">
+                <a:ln w="3175">
+                  <a:noFill/>
+                </a:ln>
+                <a:solidFill>
+                  <a:srgbClr val="0072C6"/>
+                </a:solidFill>
+                <a:latin typeface="+mj-lt"/>
+                <a:cs typeface="Arial" charset="0"/>
+              </a:rPr>
+              <a:t>Strumenti - 1</a:t>
+            </a:r>
+            <a:endParaRPr lang="it-IT" sz="3000" b="1" i="1" spc="-100" dirty="0">
+              <a:ln w="3175">
+                <a:noFill/>
+              </a:ln>
+              <a:solidFill>
+                <a:srgbClr val="0072C6"/>
+              </a:solidFill>
+              <a:latin typeface="+mj-lt"/>
+              <a:cs typeface="Arial" charset="0"/>
+            </a:endParaRPr>
+          </a:p>
+        </p:txBody>
+      </p:sp>
+    </p:spTree>
+    <p:extLst>
+      <p:ext uri="{BB962C8B-B14F-4D97-AF65-F5344CB8AC3E}">
+        <p14:creationId xmlns:p14="http://schemas.microsoft.com/office/powerpoint/2010/main" val="2904861033"/>
+      </p:ext>
+    </p:extLst>
+  </p:cSld>
+  <p:clrMapOvr>
+    <a:masterClrMapping/>
+  </p:clrMapOvr>
+  <p:transition xmlns:p14="http://schemas.microsoft.com/office/powerpoint/2010/main" spd="slow">
+    <p:push dir="u"/>
+  </p:transition>
+  <p:timing>
+    <p:tnLst>
+      <p:par>
+        <p:cTn xmlns:p14="http://schemas.microsoft.com/office/powerpoint/2010/main" id="1" dur="indefinite" restart="never" nodeType="tmRoot"/>
+      </p:par>
+    </p:tnLst>
+  </p:timing>
+</p:sld>
+</file>
+
+<file path=ppt/slides/slide36.xml><?xml version="1.0" encoding="utf-8"?>
+<p:sld xmlns:a="http://schemas.openxmlformats.org/drawingml/2006/main" xmlns:r="http://schemas.openxmlformats.org/officeDocument/2006/relationships" xmlns:p="http://schemas.openxmlformats.org/presentationml/2006/main">
+  <p:cSld>
+    <p:spTree>
+      <p:nvGrpSpPr>
+        <p:cNvPr id="1" name=""/>
+        <p:cNvGrpSpPr/>
+        <p:nvPr/>
+      </p:nvGrpSpPr>
+      <p:grpSpPr>
+        <a:xfrm>
+          <a:off x="0" y="0"/>
+          <a:ext cx="0" cy="0"/>
+          <a:chOff x="0" y="0"/>
+          <a:chExt cx="0" cy="0"/>
+        </a:xfrm>
+      </p:grpSpPr>
+      <p:sp>
+        <p:nvSpPr>
+          <p:cNvPr id="4" name="Rettangolo 3"/>
+          <p:cNvSpPr/>
+          <p:nvPr/>
+        </p:nvSpPr>
+        <p:spPr>
+          <a:xfrm>
+            <a:off x="0" y="6515100"/>
+            <a:ext cx="12192000" cy="342900"/>
+          </a:xfrm>
+          <a:prstGeom prst="rect">
+            <a:avLst/>
+          </a:prstGeom>
+          <a:solidFill>
+            <a:srgbClr val="0072C6"/>
+          </a:solidFill>
+        </p:spPr>
+        <p:style>
+          <a:lnRef idx="2">
+            <a:schemeClr val="accent1">
+              <a:shade val="50000"/>
+            </a:schemeClr>
+          </a:lnRef>
+          <a:fillRef idx="1">
+            <a:schemeClr val="accent1"/>
+          </a:fillRef>
+          <a:effectRef idx="0">
+            <a:schemeClr val="accent1"/>
+          </a:effectRef>
+          <a:fontRef idx="minor">
+            <a:schemeClr val="lt1"/>
+          </a:fontRef>
+        </p:style>
+        <p:txBody>
+          <a:bodyPr rtlCol="0" anchor="ctr"/>
+          <a:lstStyle/>
+          <a:p>
+            <a:pPr algn="ctr"/>
+            <a:endParaRPr lang="it-IT"/>
+          </a:p>
+        </p:txBody>
+      </p:sp>
+      <p:sp>
+        <p:nvSpPr>
+          <p:cNvPr id="5" name="Rettangolo 4"/>
+          <p:cNvSpPr/>
+          <p:nvPr/>
+        </p:nvSpPr>
+        <p:spPr>
+          <a:xfrm>
+            <a:off x="0" y="-28574"/>
+            <a:ext cx="12192000" cy="342900"/>
+          </a:xfrm>
+          <a:prstGeom prst="rect">
+            <a:avLst/>
+          </a:prstGeom>
+          <a:solidFill>
+            <a:srgbClr val="0072C6"/>
+          </a:solidFill>
+        </p:spPr>
+        <p:style>
+          <a:lnRef idx="2">
+            <a:schemeClr val="accent1">
+              <a:shade val="50000"/>
+            </a:schemeClr>
+          </a:lnRef>
+          <a:fillRef idx="1">
+            <a:schemeClr val="accent1"/>
+          </a:fillRef>
+          <a:effectRef idx="0">
+            <a:schemeClr val="accent1"/>
+          </a:effectRef>
+          <a:fontRef idx="minor">
+            <a:schemeClr val="lt1"/>
+          </a:fontRef>
+        </p:style>
+        <p:txBody>
+          <a:bodyPr rtlCol="0" anchor="ctr"/>
+          <a:lstStyle/>
+          <a:p>
+            <a:pPr algn="ctr"/>
+            <a:endParaRPr lang="it-IT"/>
+          </a:p>
+        </p:txBody>
+      </p:sp>
+      <p:sp>
+        <p:nvSpPr>
+          <p:cNvPr id="6" name="Title 2"/>
+          <p:cNvSpPr txBox="1">
+            <a:spLocks/>
+          </p:cNvSpPr>
+          <p:nvPr/>
+        </p:nvSpPr>
+        <p:spPr>
+          <a:xfrm>
+            <a:off x="521493" y="485778"/>
+            <a:ext cx="11149013" cy="1214436"/>
+          </a:xfrm>
+          <a:prstGeom prst="rect">
+            <a:avLst/>
+          </a:prstGeom>
+        </p:spPr>
+        <p:txBody>
+          <a:bodyPr/>
+          <a:lstStyle>
+            <a:lvl1pPr algn="l" defTabSz="914363" rtl="0" eaLnBrk="1" latinLnBrk="0" hangingPunct="1">
+              <a:lnSpc>
+                <a:spcPct val="90000"/>
+              </a:lnSpc>
+              <a:spcBef>
+                <a:spcPct val="0"/>
+              </a:spcBef>
+              <a:buNone/>
+              <a:defRPr lang="en-US" sz="5400" b="0" kern="1200" cap="none" spc="-100" baseline="0" dirty="0" smtClean="0">
+                <a:ln w="3175">
+                  <a:noFill/>
+                </a:ln>
+                <a:gradFill>
+                  <a:gsLst>
+                    <a:gs pos="1250">
+                      <a:schemeClr val="tx2"/>
+                    </a:gs>
+                    <a:gs pos="100000">
+                      <a:schemeClr val="tx2"/>
+                    </a:gs>
+                  </a:gsLst>
+                  <a:lin ang="5400000" scaled="0"/>
+                </a:gradFill>
+                <a:effectLst/>
+                <a:latin typeface="+mj-lt"/>
+                <a:ea typeface="+mn-ea"/>
+                <a:cs typeface="Arial" charset="0"/>
+              </a:defRPr>
+            </a:lvl1pPr>
+          </a:lstStyle>
+          <a:p>
+            <a:r>
+              <a:rPr lang="it-IT" b="1" dirty="0" smtClean="0">
+                <a:solidFill>
+                  <a:srgbClr val="0072C6"/>
+                </a:solidFill>
+              </a:rPr>
+              <a:t>Architettura di </a:t>
+            </a:r>
+            <a:r>
+              <a:rPr lang="it-IT" b="1" dirty="0" err="1" smtClean="0">
+                <a:solidFill>
+                  <a:srgbClr val="0072C6"/>
+                </a:solidFill>
+              </a:rPr>
+              <a:t>deployment</a:t>
+            </a:r>
+            <a:endParaRPr lang="it-IT" b="1" dirty="0" smtClean="0">
+              <a:solidFill>
+                <a:srgbClr val="0072C6"/>
+              </a:solidFill>
+            </a:endParaRPr>
+          </a:p>
+          <a:p>
+            <a:r>
+              <a:rPr lang="it-IT" sz="3000" b="1" i="1" dirty="0" smtClean="0">
+                <a:solidFill>
+                  <a:srgbClr val="0072C6"/>
+                </a:solidFill>
+              </a:rPr>
+              <a:t>Strumenti - 2</a:t>
+            </a:r>
+            <a:endParaRPr lang="it-IT" sz="3000" b="1" i="1" dirty="0">
+              <a:solidFill>
+                <a:srgbClr val="0072C6"/>
+              </a:solidFill>
+            </a:endParaRPr>
+          </a:p>
+          <a:p>
+            <a:endParaRPr lang="it-IT" sz="1500" b="1" i="1" dirty="0" smtClean="0">
+              <a:solidFill>
+                <a:srgbClr val="0072C6"/>
+              </a:solidFill>
+            </a:endParaRPr>
+          </a:p>
+          <a:p>
+            <a:pPr marL="457200" lvl="0" indent="-457200">
+              <a:buFont typeface="Arial" panose="020B0604020202020204" pitchFamily="34" charset="0"/>
+              <a:buChar char="•"/>
+            </a:pPr>
+            <a:endParaRPr lang="it-IT" sz="3200" dirty="0" smtClean="0"/>
+          </a:p>
+          <a:p>
+            <a:pPr marL="457200" lvl="0" indent="-457200">
+              <a:buFont typeface="Arial" panose="020B0604020202020204" pitchFamily="34" charset="0"/>
+              <a:buChar char="•"/>
+            </a:pPr>
+            <a:r>
+              <a:rPr lang="it-IT" sz="2400" dirty="0" smtClean="0"/>
+              <a:t>Macchina 4 core, 7GB </a:t>
+            </a:r>
+            <a:r>
+              <a:rPr lang="it-IT" sz="2400" dirty="0" err="1" smtClean="0"/>
+              <a:t>Ram</a:t>
+            </a:r>
+            <a:r>
+              <a:rPr lang="it-IT" sz="2400" dirty="0" smtClean="0"/>
+              <a:t>, 320GB HDD</a:t>
+            </a:r>
+          </a:p>
+          <a:p>
+            <a:pPr lvl="0"/>
+            <a:r>
+              <a:rPr lang="it-IT" sz="2400" dirty="0" smtClean="0"/>
+              <a:t>	Prezzo = 97,52€/mese</a:t>
+            </a:r>
+            <a:endParaRPr lang="it-IT" sz="2400" dirty="0"/>
+          </a:p>
+          <a:p>
+            <a:pPr marL="457200" lvl="0" indent="-457200">
+              <a:buFont typeface="Arial" panose="020B0604020202020204" pitchFamily="34" charset="0"/>
+              <a:buChar char="•"/>
+            </a:pPr>
+            <a:endParaRPr lang="it-IT" sz="3200" dirty="0" smtClean="0"/>
+          </a:p>
+          <a:p>
+            <a:pPr marL="457200" lvl="0" indent="-457200">
+              <a:buFont typeface="Arial" panose="020B0604020202020204" pitchFamily="34" charset="0"/>
+              <a:buChar char="•"/>
+            </a:pPr>
+            <a:endParaRPr lang="it-IT" sz="3200" dirty="0"/>
+          </a:p>
+          <a:p>
+            <a:pPr marL="457200" lvl="0" indent="-457200">
+              <a:buFont typeface="Arial" panose="020B0604020202020204" pitchFamily="34" charset="0"/>
+              <a:buChar char="•"/>
+            </a:pPr>
+            <a:endParaRPr lang="it-IT" sz="3000" dirty="0"/>
+          </a:p>
+          <a:p>
+            <a:pPr marL="457200" lvl="0" indent="-457200">
+              <a:buFont typeface="Arial" panose="020B0604020202020204" pitchFamily="34" charset="0"/>
+              <a:buChar char="•"/>
+            </a:pPr>
+            <a:endParaRPr lang="it-IT" sz="3000" b="1" i="1" dirty="0" smtClean="0">
+              <a:solidFill>
+                <a:srgbClr val="0072C6"/>
+              </a:solidFill>
+            </a:endParaRPr>
+          </a:p>
+          <a:p>
+            <a:pPr lvl="0"/>
+            <a:endParaRPr lang="it-IT" sz="3000" b="1" i="1" dirty="0" smtClean="0">
+              <a:solidFill>
+                <a:srgbClr val="0072C6"/>
+              </a:solidFill>
+            </a:endParaRPr>
+          </a:p>
+          <a:p>
+            <a:pPr marL="457200" lvl="0" indent="-457200">
+              <a:buFont typeface="Arial" panose="020B0604020202020204" pitchFamily="34" charset="0"/>
+              <a:buChar char="•"/>
+            </a:pPr>
+            <a:endParaRPr lang="it-IT" sz="5000" b="1" i="1" dirty="0">
+              <a:solidFill>
+                <a:srgbClr val="0072C6"/>
+              </a:solidFill>
+            </a:endParaRPr>
+          </a:p>
+          <a:p>
+            <a:endParaRPr lang="it-IT" sz="5000" b="1" i="1" dirty="0" smtClean="0">
+              <a:solidFill>
+                <a:srgbClr val="0072C6"/>
+              </a:solidFill>
+            </a:endParaRPr>
+          </a:p>
+          <a:p>
+            <a:endParaRPr lang="it-IT" sz="3000" b="1" i="1" dirty="0">
+              <a:solidFill>
+                <a:srgbClr val="0072C6"/>
+              </a:solidFill>
+            </a:endParaRPr>
+          </a:p>
+        </p:txBody>
+      </p:sp>
+      <p:pic>
+        <p:nvPicPr>
+          <p:cNvPr id="7" name="Immagine 6" descr="Schermata 2015-02-19 alle 13.19.51.png"/>
+          <p:cNvPicPr>
+            <a:picLocks noChangeAspect="1"/>
+          </p:cNvPicPr>
+          <p:nvPr/>
+        </p:nvPicPr>
+        <p:blipFill>
+          <a:blip r:embed="rId2">
+            <a:extLst>
+              <a:ext uri="{28A0092B-C50C-407E-A947-70E740481C1C}">
+                <a14:useLocalDpi xmlns:a14="http://schemas.microsoft.com/office/drawing/2010/main" val="0"/>
+              </a:ext>
+            </a:extLst>
+          </a:blip>
+          <a:stretch>
+            <a:fillRect/>
+          </a:stretch>
+        </p:blipFill>
+        <p:spPr>
+          <a:xfrm>
+            <a:off x="4519265" y="2868083"/>
+            <a:ext cx="7138459" cy="2265341"/>
+          </a:xfrm>
+          <a:prstGeom prst="rect">
+            <a:avLst/>
+          </a:prstGeom>
+        </p:spPr>
+      </p:pic>
+      <p:pic>
+        <p:nvPicPr>
+          <p:cNvPr id="8" name="Immagine 7" descr="Schermata 2015-02-19 alle 13.23.44.png"/>
+          <p:cNvPicPr>
+            <a:picLocks noChangeAspect="1"/>
+          </p:cNvPicPr>
+          <p:nvPr/>
+        </p:nvPicPr>
+        <p:blipFill>
+          <a:blip r:embed="rId3">
+            <a:extLst>
+              <a:ext uri="{28A0092B-C50C-407E-A947-70E740481C1C}">
+                <a14:useLocalDpi xmlns:a14="http://schemas.microsoft.com/office/drawing/2010/main" val="0"/>
+              </a:ext>
+            </a:extLst>
+          </a:blip>
+          <a:stretch>
+            <a:fillRect/>
+          </a:stretch>
+        </p:blipFill>
+        <p:spPr>
+          <a:xfrm>
+            <a:off x="1068916" y="3830658"/>
+            <a:ext cx="2863595" cy="736175"/>
+          </a:xfrm>
+          <a:prstGeom prst="rect">
+            <a:avLst/>
+          </a:prstGeom>
+        </p:spPr>
+      </p:pic>
+    </p:spTree>
+    <p:extLst>
+      <p:ext uri="{BB962C8B-B14F-4D97-AF65-F5344CB8AC3E}">
+        <p14:creationId xmlns:p14="http://schemas.microsoft.com/office/powerpoint/2010/main" val="1479327376"/>
+      </p:ext>
+    </p:extLst>
+  </p:cSld>
+  <p:clrMapOvr>
+    <a:masterClrMapping/>
+  </p:clrMapOvr>
+  <p:transition xmlns:p14="http://schemas.microsoft.com/office/powerpoint/2010/main" spd="slow">
+    <p:push dir="u"/>
+  </p:transition>
+  <p:timing>
+    <p:tnLst>
+      <p:par>
+        <p:cTn xmlns:p14="http://schemas.microsoft.com/office/powerpoint/2010/main" id="1" dur="indefinite" restart="never" nodeType="tmRoot"/>
+      </p:par>
+    </p:tnLst>
+  </p:timing>
+</p:sld>
+</file>
+
+<file path=ppt/slides/slide37.xml><?xml version="1.0" encoding="utf-8"?>
+<p:sld xmlns:a="http://schemas.openxmlformats.org/drawingml/2006/main" xmlns:r="http://schemas.openxmlformats.org/officeDocument/2006/relationships" xmlns:p="http://schemas.openxmlformats.org/presentationml/2006/main">
+  <p:cSld>
+    <p:spTree>
+      <p:nvGrpSpPr>
+        <p:cNvPr id="1" name=""/>
+        <p:cNvGrpSpPr/>
+        <p:nvPr/>
+      </p:nvGrpSpPr>
+      <p:grpSpPr>
+        <a:xfrm>
+          <a:off x="0" y="0"/>
+          <a:ext cx="0" cy="0"/>
+          <a:chOff x="0" y="0"/>
+          <a:chExt cx="0" cy="0"/>
+        </a:xfrm>
+      </p:grpSpPr>
+      <p:sp>
+        <p:nvSpPr>
+          <p:cNvPr id="4" name="Rettangolo 3"/>
+          <p:cNvSpPr/>
+          <p:nvPr/>
+        </p:nvSpPr>
+        <p:spPr>
+          <a:xfrm>
+            <a:off x="0" y="6515100"/>
+            <a:ext cx="12192000" cy="342900"/>
+          </a:xfrm>
+          <a:prstGeom prst="rect">
+            <a:avLst/>
+          </a:prstGeom>
+          <a:solidFill>
+            <a:srgbClr val="0072C6"/>
+          </a:solidFill>
+        </p:spPr>
+        <p:style>
+          <a:lnRef idx="2">
+            <a:schemeClr val="accent1">
+              <a:shade val="50000"/>
+            </a:schemeClr>
+          </a:lnRef>
+          <a:fillRef idx="1">
+            <a:schemeClr val="accent1"/>
+          </a:fillRef>
+          <a:effectRef idx="0">
+            <a:schemeClr val="accent1"/>
+          </a:effectRef>
+          <a:fontRef idx="minor">
+            <a:schemeClr val="lt1"/>
+          </a:fontRef>
+        </p:style>
+        <p:txBody>
+          <a:bodyPr rtlCol="0" anchor="ctr"/>
+          <a:lstStyle/>
+          <a:p>
+            <a:pPr algn="ctr"/>
+            <a:endParaRPr lang="it-IT"/>
+          </a:p>
+        </p:txBody>
+      </p:sp>
+      <p:sp>
+        <p:nvSpPr>
+          <p:cNvPr id="5" name="Rettangolo 4"/>
+          <p:cNvSpPr/>
+          <p:nvPr/>
+        </p:nvSpPr>
+        <p:spPr>
+          <a:xfrm>
+            <a:off x="0" y="-28574"/>
+            <a:ext cx="12192000" cy="342900"/>
+          </a:xfrm>
+          <a:prstGeom prst="rect">
+            <a:avLst/>
+          </a:prstGeom>
+          <a:solidFill>
+            <a:srgbClr val="0072C6"/>
+          </a:solidFill>
+        </p:spPr>
+        <p:style>
+          <a:lnRef idx="2">
+            <a:schemeClr val="accent1">
+              <a:shade val="50000"/>
+            </a:schemeClr>
+          </a:lnRef>
+          <a:fillRef idx="1">
+            <a:schemeClr val="accent1"/>
+          </a:fillRef>
+          <a:effectRef idx="0">
+            <a:schemeClr val="accent1"/>
+          </a:effectRef>
+          <a:fontRef idx="minor">
+            <a:schemeClr val="lt1"/>
+          </a:fontRef>
+        </p:style>
+        <p:txBody>
+          <a:bodyPr rtlCol="0" anchor="ctr"/>
+          <a:lstStyle/>
+          <a:p>
+            <a:pPr algn="ctr"/>
+            <a:endParaRPr lang="it-IT"/>
+          </a:p>
+        </p:txBody>
+      </p:sp>
+      <p:sp>
+        <p:nvSpPr>
+          <p:cNvPr id="6" name="Title 2"/>
+          <p:cNvSpPr txBox="1">
+            <a:spLocks/>
+          </p:cNvSpPr>
+          <p:nvPr/>
+        </p:nvSpPr>
+        <p:spPr>
+          <a:xfrm>
+            <a:off x="521493" y="485778"/>
+            <a:ext cx="11149013" cy="1214436"/>
+          </a:xfrm>
+          <a:prstGeom prst="rect">
+            <a:avLst/>
+          </a:prstGeom>
+        </p:spPr>
+        <p:txBody>
+          <a:bodyPr/>
+          <a:lstStyle>
+            <a:lvl1pPr algn="l" defTabSz="914363" rtl="0" eaLnBrk="1" latinLnBrk="0" hangingPunct="1">
+              <a:lnSpc>
+                <a:spcPct val="90000"/>
+              </a:lnSpc>
+              <a:spcBef>
+                <a:spcPct val="0"/>
+              </a:spcBef>
+              <a:buNone/>
+              <a:defRPr lang="en-US" sz="5400" b="0" kern="1200" cap="none" spc="-100" baseline="0" dirty="0" smtClean="0">
+                <a:ln w="3175">
+                  <a:noFill/>
+                </a:ln>
+                <a:gradFill>
+                  <a:gsLst>
+                    <a:gs pos="1250">
+                      <a:schemeClr val="tx2"/>
+                    </a:gs>
+                    <a:gs pos="100000">
+                      <a:schemeClr val="tx2"/>
+                    </a:gs>
+                  </a:gsLst>
+                  <a:lin ang="5400000" scaled="0"/>
+                </a:gradFill>
+                <a:effectLst/>
+                <a:latin typeface="+mj-lt"/>
+                <a:ea typeface="+mn-ea"/>
+                <a:cs typeface="Arial" charset="0"/>
+              </a:defRPr>
+            </a:lvl1pPr>
+          </a:lstStyle>
+          <a:p>
+            <a:r>
+              <a:rPr lang="it-IT" b="1" dirty="0" smtClean="0">
+                <a:solidFill>
+                  <a:srgbClr val="0072C6"/>
+                </a:solidFill>
+              </a:rPr>
+              <a:t>Architettura di </a:t>
+            </a:r>
+            <a:r>
+              <a:rPr lang="it-IT" b="1" dirty="0" err="1" smtClean="0">
+                <a:solidFill>
+                  <a:srgbClr val="0072C6"/>
+                </a:solidFill>
+              </a:rPr>
+              <a:t>deployment</a:t>
+            </a:r>
+            <a:endParaRPr lang="it-IT" b="1" dirty="0" smtClean="0">
+              <a:solidFill>
+                <a:srgbClr val="0072C6"/>
+              </a:solidFill>
+            </a:endParaRPr>
+          </a:p>
+          <a:p>
+            <a:r>
+              <a:rPr lang="it-IT" sz="3000" b="1" i="1" dirty="0" smtClean="0">
+                <a:solidFill>
+                  <a:srgbClr val="0072C6"/>
+                </a:solidFill>
+              </a:rPr>
+              <a:t>Strumenti - 2</a:t>
+            </a:r>
+            <a:endParaRPr lang="it-IT" sz="3000" b="1" i="1" dirty="0">
+              <a:solidFill>
+                <a:srgbClr val="0072C6"/>
+              </a:solidFill>
+            </a:endParaRPr>
+          </a:p>
+          <a:p>
+            <a:endParaRPr lang="it-IT" sz="1500" b="1" i="1" dirty="0" smtClean="0">
+              <a:solidFill>
+                <a:srgbClr val="0072C6"/>
+              </a:solidFill>
+            </a:endParaRPr>
+          </a:p>
+          <a:p>
+            <a:pPr marL="457200" lvl="0" indent="-457200">
+              <a:buFont typeface="Arial" panose="020B0604020202020204" pitchFamily="34" charset="0"/>
+              <a:buChar char="•"/>
+            </a:pPr>
+            <a:endParaRPr lang="it-IT" sz="3200" dirty="0" smtClean="0"/>
+          </a:p>
+          <a:p>
+            <a:pPr marL="457200" lvl="0" indent="-457200">
+              <a:buFont typeface="Arial" panose="020B0604020202020204" pitchFamily="34" charset="0"/>
+              <a:buChar char="•"/>
+            </a:pPr>
+            <a:r>
+              <a:rPr lang="it-IT" sz="2400" dirty="0" smtClean="0"/>
+              <a:t>Macchina 2 core, 7,5GB </a:t>
+            </a:r>
+            <a:r>
+              <a:rPr lang="it-IT" sz="2400" dirty="0" err="1" smtClean="0"/>
+              <a:t>Ram</a:t>
+            </a:r>
+            <a:r>
+              <a:rPr lang="it-IT" sz="2400" dirty="0" smtClean="0"/>
+              <a:t>, 300GB HDD, 32SSD</a:t>
+            </a:r>
+          </a:p>
+          <a:p>
+            <a:pPr lvl="0"/>
+            <a:r>
+              <a:rPr lang="it-IT" sz="2400" dirty="0" smtClean="0"/>
+              <a:t>	Prezzo = 101 €/mese</a:t>
+            </a:r>
+            <a:endParaRPr lang="it-IT" sz="2400" dirty="0"/>
+          </a:p>
+          <a:p>
+            <a:pPr marL="457200" lvl="0" indent="-457200">
+              <a:buFont typeface="Arial" panose="020B0604020202020204" pitchFamily="34" charset="0"/>
+              <a:buChar char="•"/>
+            </a:pPr>
+            <a:endParaRPr lang="it-IT" sz="3200" dirty="0" smtClean="0"/>
+          </a:p>
+          <a:p>
+            <a:pPr marL="457200" lvl="0" indent="-457200">
+              <a:buFont typeface="Arial" panose="020B0604020202020204" pitchFamily="34" charset="0"/>
+              <a:buChar char="•"/>
+            </a:pPr>
+            <a:endParaRPr lang="it-IT" sz="3200" dirty="0"/>
+          </a:p>
+          <a:p>
+            <a:pPr marL="457200" lvl="0" indent="-457200">
+              <a:buFont typeface="Arial" panose="020B0604020202020204" pitchFamily="34" charset="0"/>
+              <a:buChar char="•"/>
+            </a:pPr>
+            <a:endParaRPr lang="it-IT" sz="3000" dirty="0"/>
+          </a:p>
+          <a:p>
+            <a:pPr marL="457200" lvl="0" indent="-457200">
+              <a:buFont typeface="Arial" panose="020B0604020202020204" pitchFamily="34" charset="0"/>
+              <a:buChar char="•"/>
+            </a:pPr>
+            <a:endParaRPr lang="it-IT" sz="3000" b="1" i="1" dirty="0" smtClean="0">
+              <a:solidFill>
+                <a:srgbClr val="0072C6"/>
+              </a:solidFill>
+            </a:endParaRPr>
+          </a:p>
+          <a:p>
+            <a:pPr lvl="0"/>
+            <a:endParaRPr lang="it-IT" sz="3000" b="1" i="1" dirty="0" smtClean="0">
+              <a:solidFill>
+                <a:srgbClr val="0072C6"/>
+              </a:solidFill>
+            </a:endParaRPr>
+          </a:p>
+          <a:p>
+            <a:pPr marL="457200" lvl="0" indent="-457200">
+              <a:buFont typeface="Arial" panose="020B0604020202020204" pitchFamily="34" charset="0"/>
+              <a:buChar char="•"/>
+            </a:pPr>
+            <a:endParaRPr lang="it-IT" sz="5000" b="1" i="1" dirty="0">
+              <a:solidFill>
+                <a:srgbClr val="0072C6"/>
+              </a:solidFill>
+            </a:endParaRPr>
+          </a:p>
+          <a:p>
+            <a:endParaRPr lang="it-IT" sz="5000" b="1" i="1" dirty="0" smtClean="0">
+              <a:solidFill>
+                <a:srgbClr val="0072C6"/>
+              </a:solidFill>
+            </a:endParaRPr>
+          </a:p>
+          <a:p>
+            <a:endParaRPr lang="it-IT" sz="3000" b="1" i="1" dirty="0">
+              <a:solidFill>
+                <a:srgbClr val="0072C6"/>
+              </a:solidFill>
+            </a:endParaRPr>
+          </a:p>
+        </p:txBody>
+      </p:sp>
+      <p:pic>
+        <p:nvPicPr>
+          <p:cNvPr id="2" name="Immagine 1" descr="Unknown.png"/>
+          <p:cNvPicPr>
+            <a:picLocks noChangeAspect="1"/>
+          </p:cNvPicPr>
+          <p:nvPr/>
+        </p:nvPicPr>
+        <p:blipFill>
+          <a:blip r:embed="rId2">
+            <a:extLst>
+              <a:ext uri="{28A0092B-C50C-407E-A947-70E740481C1C}">
+                <a14:useLocalDpi xmlns:a14="http://schemas.microsoft.com/office/drawing/2010/main" val="0"/>
+              </a:ext>
+            </a:extLst>
+          </a:blip>
+          <a:stretch>
+            <a:fillRect/>
+          </a:stretch>
+        </p:blipFill>
+        <p:spPr>
+          <a:xfrm>
+            <a:off x="5192396" y="2846249"/>
+            <a:ext cx="5716668" cy="2286668"/>
+          </a:xfrm>
+          <a:prstGeom prst="rect">
+            <a:avLst/>
+          </a:prstGeom>
+        </p:spPr>
+      </p:pic>
+    </p:spTree>
+    <p:extLst>
+      <p:ext uri="{BB962C8B-B14F-4D97-AF65-F5344CB8AC3E}">
+        <p14:creationId xmlns:p14="http://schemas.microsoft.com/office/powerpoint/2010/main" val="1687975073"/>
       </p:ext>
     </p:extLst>
   </p:cSld>
@@ -10563,28 +16359,7 @@
                 <a:latin typeface="+mj-lt"/>
                 <a:cs typeface="Arial" charset="0"/>
               </a:rPr>
-              <a:t>Il </a:t>
-            </a:r>
-            <a:r>
-              <a:rPr lang="it-IT" sz="3200" spc="-100" dirty="0" smtClean="0">
-                <a:ln w="3175">
-                  <a:noFill/>
-                </a:ln>
-                <a:gradFill>
-                  <a:gsLst>
-                    <a:gs pos="1250">
-                      <a:schemeClr val="tx2"/>
-                    </a:gs>
-                    <a:gs pos="100000">
-                      <a:schemeClr val="tx2"/>
-                    </a:gs>
-                  </a:gsLst>
-                  <a:lin ang="5400000" scaled="0"/>
-                </a:gradFill>
-                <a:latin typeface="+mj-lt"/>
-                <a:cs typeface="Arial" charset="0"/>
-              </a:rPr>
-              <a:t>target del sistema è il territorio nazionale italiano.</a:t>
+              <a:t>Il target del sistema è il territorio nazionale italiano.</a:t>
             </a:r>
           </a:p>
           <a:p>
@@ -12997,7 +18772,7 @@
   <a:extraClrSchemeLst/>
   <a:extLst>
     <a:ext uri="{05A4C25C-085E-4340-85A3-A5531E510DB2}">
-      <thm15:themeFamily xmlns:thm15="http://schemas.microsoft.com/office/thememl/2012/main" xmlns="" name="Office Theme" id="{62F939B6-93AF-4DB8-9C6B-D6C7DFDC589F}" vid="{4A3C46E8-61CC-4603-A589-7422A47A8E4A}"/>
+      <thm15:themeFamily xmlns="" xmlns:thm15="http://schemas.microsoft.com/office/thememl/2012/main" name="Office Theme" id="{62F939B6-93AF-4DB8-9C6B-D6C7DFDC589F}" vid="{4A3C46E8-61CC-4603-A589-7422A47A8E4A}"/>
     </a:ext>
   </a:extLst>
 </a:theme>
@@ -13258,7 +19033,7 @@
   <a:extraClrSchemeLst/>
   <a:extLst>
     <a:ext uri="{05A4C25C-085E-4340-85A3-A5531E510DB2}">
-      <thm15:themeFamily xmlns:thm15="http://schemas.microsoft.com/office/thememl/2012/main" xmlns="" name="Office Theme" id="{62F939B6-93AF-4DB8-9C6B-D6C7DFDC589F}" vid="{4A3C46E8-61CC-4603-A589-7422A47A8E4A}"/>
+      <thm15:themeFamily xmlns="" xmlns:thm15="http://schemas.microsoft.com/office/thememl/2012/main" name="Office Theme" id="{62F939B6-93AF-4DB8-9C6B-D6C7DFDC589F}" vid="{4A3C46E8-61CC-4603-A589-7422A47A8E4A}"/>
     </a:ext>
   </a:extLst>
 </a:theme>

--- a/Febbraio 2015.pptx
+++ b/Febbraio 2015.pptx
@@ -5,7 +5,7 @@
     <p:sldMasterId id="2147483648" r:id="rId1"/>
   </p:sldMasterIdLst>
   <p:notesMasterIdLst>
-    <p:notesMasterId r:id="rId39"/>
+    <p:notesMasterId r:id="rId42"/>
   </p:notesMasterIdLst>
   <p:sldIdLst>
     <p:sldId id="256" r:id="rId2"/>
@@ -45,6 +45,9 @@
     <p:sldId id="270" r:id="rId36"/>
     <p:sldId id="271" r:id="rId37"/>
     <p:sldId id="276" r:id="rId38"/>
+    <p:sldId id="295" r:id="rId39"/>
+    <p:sldId id="296" r:id="rId40"/>
+    <p:sldId id="297" r:id="rId41"/>
   </p:sldIdLst>
   <p:sldSz cx="12192000" cy="6858000"/>
   <p:notesSz cx="6858000" cy="9144000"/>
@@ -145,7 +148,7 @@
   </p:defaultTextStyle>
   <p:extLst>
     <p:ext uri="{EFAFB233-063F-42B5-8137-9DF3F51BA10A}">
-      <p15:sldGuideLst xmlns="" xmlns:p15="http://schemas.microsoft.com/office/powerpoint/2012/main"/>
+      <p15:sldGuideLst xmlns:p15="http://schemas.microsoft.com/office/powerpoint/2012/main" xmlns=""/>
     </p:ext>
   </p:extLst>
 </p:presentation>
@@ -7899,20 +7902,7 @@
                 <a:latin typeface="+mj-lt"/>
                 <a:cs typeface="Arial" charset="0"/>
               </a:rPr>
-              <a:t>Information flow – </a:t>
-            </a:r>
-            <a:r>
-              <a:rPr lang="it-IT" sz="4400" b="1" spc="-100" dirty="0" smtClean="0">
-                <a:ln w="3175">
-                  <a:noFill/>
-                </a:ln>
-                <a:solidFill>
-                  <a:srgbClr val="0072C6"/>
-                </a:solidFill>
-                <a:latin typeface="+mj-lt"/>
-                <a:cs typeface="Arial" charset="0"/>
-              </a:rPr>
-              <a:t>Rileva DI</a:t>
+              <a:t>Information flow – Rileva DI</a:t>
             </a:r>
             <a:endParaRPr lang="it-IT" sz="4400" b="1" spc="-100" dirty="0">
               <a:ln w="3175">
@@ -8140,20 +8130,7 @@
                 <a:latin typeface="+mj-lt"/>
                 <a:cs typeface="Arial" charset="0"/>
               </a:rPr>
-              <a:t>Information flow – A</a:t>
-            </a:r>
-            <a:r>
-              <a:rPr lang="it-IT" sz="4400" b="1" spc="-100" dirty="0" smtClean="0">
-                <a:ln w="3175">
-                  <a:noFill/>
-                </a:ln>
-                <a:solidFill>
-                  <a:srgbClr val="0072C6"/>
-                </a:solidFill>
-                <a:latin typeface="+mj-lt"/>
-                <a:cs typeface="Arial" charset="0"/>
-              </a:rPr>
-              <a:t>ggiorna storico</a:t>
+              <a:t>Information flow – Aggiorna storico</a:t>
             </a:r>
             <a:endParaRPr lang="it-IT" sz="4400" b="1" spc="-100" dirty="0">
               <a:ln w="3175">
@@ -9809,20 +9786,7 @@
                 <a:latin typeface="+mj-lt"/>
                 <a:cs typeface="Arial" charset="0"/>
               </a:rPr>
-              <a:t>Componenti logici – P</a:t>
-            </a:r>
-            <a:r>
-              <a:rPr lang="it-IT" sz="4400" b="1" spc="-100" dirty="0" smtClean="0">
-                <a:ln w="3175">
-                  <a:noFill/>
-                </a:ln>
-                <a:solidFill>
-                  <a:srgbClr val="0072C6"/>
-                </a:solidFill>
-                <a:latin typeface="+mj-lt"/>
-                <a:cs typeface="Arial" charset="0"/>
-              </a:rPr>
-              <a:t>ianifica spostamento squadre e.</a:t>
+              <a:t>Componenti logici – Pianifica spostamento squadre e.</a:t>
             </a:r>
             <a:endParaRPr lang="it-IT" sz="4400" b="1" spc="-100" dirty="0">
               <a:ln w="3175">
@@ -10851,20 +10815,7 @@
                 <a:latin typeface="+mj-lt"/>
                 <a:cs typeface="Arial" charset="0"/>
               </a:rPr>
-              <a:t>– Pianific</a:t>
-            </a:r>
-            <a:r>
-              <a:rPr lang="it-IT" sz="4400" b="1" spc="-100" dirty="0" smtClean="0">
-                <a:ln w="3175">
-                  <a:noFill/>
-                </a:ln>
-                <a:solidFill>
-                  <a:srgbClr val="0072C6"/>
-                </a:solidFill>
-                <a:latin typeface="+mj-lt"/>
-                <a:cs typeface="Arial" charset="0"/>
-              </a:rPr>
-              <a:t>a spostamento squadre e.</a:t>
+              <a:t>– Pianifica spostamento squadre e.</a:t>
             </a:r>
             <a:endParaRPr lang="it-IT" sz="4400" b="1" spc="-100" dirty="0">
               <a:ln w="3175">
@@ -15445,7 +15396,7 @@
 </p:sld>
 </file>
 
-<file path=ppt/slides/slide4.xml><?xml version="1.0" encoding="utf-8"?>
+<file path=ppt/slides/slide38.xml><?xml version="1.0" encoding="utf-8"?>
 <p:sld xmlns:a="http://schemas.openxmlformats.org/drawingml/2006/main" xmlns:r="http://schemas.openxmlformats.org/officeDocument/2006/relationships" xmlns:p="http://schemas.openxmlformats.org/presentationml/2006/main">
   <p:cSld>
     <p:spTree>
@@ -15464,7 +15415,265 @@
       </p:grpSpPr>
       <p:sp>
         <p:nvSpPr>
-          <p:cNvPr id="6" name="Rettangolo 5"/>
+          <p:cNvPr id="5" name="Rettangolo 4"/>
+          <p:cNvSpPr/>
+          <p:nvPr/>
+        </p:nvSpPr>
+        <p:spPr>
+          <a:xfrm>
+            <a:off x="0" y="-28574"/>
+            <a:ext cx="12192000" cy="342900"/>
+          </a:xfrm>
+          <a:prstGeom prst="rect">
+            <a:avLst/>
+          </a:prstGeom>
+          <a:solidFill>
+            <a:srgbClr val="0072C6"/>
+          </a:solidFill>
+        </p:spPr>
+        <p:style>
+          <a:lnRef idx="2">
+            <a:schemeClr val="accent1">
+              <a:shade val="50000"/>
+            </a:schemeClr>
+          </a:lnRef>
+          <a:fillRef idx="1">
+            <a:schemeClr val="accent1"/>
+          </a:fillRef>
+          <a:effectRef idx="0">
+            <a:schemeClr val="accent1"/>
+          </a:effectRef>
+          <a:fontRef idx="minor">
+            <a:schemeClr val="lt1"/>
+          </a:fontRef>
+        </p:style>
+        <p:txBody>
+          <a:bodyPr rtlCol="0" anchor="ctr"/>
+          <a:lstStyle/>
+          <a:p>
+            <a:pPr algn="ctr"/>
+            <a:endParaRPr lang="it-IT"/>
+          </a:p>
+        </p:txBody>
+      </p:sp>
+      <p:pic>
+        <p:nvPicPr>
+          <p:cNvPr id="8" name="Immagine 7" descr="Schermata 2015-02-19 alle 17.20.17.png"/>
+          <p:cNvPicPr>
+            <a:picLocks noChangeAspect="1"/>
+          </p:cNvPicPr>
+          <p:nvPr/>
+        </p:nvPicPr>
+        <p:blipFill>
+          <a:blip r:embed="rId2">
+            <a:extLst>
+              <a:ext uri="{28A0092B-C50C-407E-A947-70E740481C1C}">
+                <a14:useLocalDpi xmlns:a14="http://schemas.microsoft.com/office/drawing/2010/main" val="0"/>
+              </a:ext>
+            </a:extLst>
+          </a:blip>
+          <a:stretch>
+            <a:fillRect/>
+          </a:stretch>
+        </p:blipFill>
+        <p:spPr>
+          <a:xfrm>
+            <a:off x="3961245" y="4212927"/>
+            <a:ext cx="4292600" cy="2311400"/>
+          </a:xfrm>
+          <a:prstGeom prst="rect">
+            <a:avLst/>
+          </a:prstGeom>
+        </p:spPr>
+      </p:pic>
+      <p:sp>
+        <p:nvSpPr>
+          <p:cNvPr id="6" name="Title 2"/>
+          <p:cNvSpPr txBox="1">
+            <a:spLocks/>
+          </p:cNvSpPr>
+          <p:nvPr/>
+        </p:nvSpPr>
+        <p:spPr>
+          <a:xfrm>
+            <a:off x="521493" y="485778"/>
+            <a:ext cx="11149013" cy="868889"/>
+          </a:xfrm>
+          <a:prstGeom prst="rect">
+            <a:avLst/>
+          </a:prstGeom>
+        </p:spPr>
+        <p:txBody>
+          <a:bodyPr/>
+          <a:lstStyle>
+            <a:lvl1pPr algn="l" defTabSz="914363" rtl="0" eaLnBrk="1" latinLnBrk="0" hangingPunct="1">
+              <a:lnSpc>
+                <a:spcPct val="90000"/>
+              </a:lnSpc>
+              <a:spcBef>
+                <a:spcPct val="0"/>
+              </a:spcBef>
+              <a:buNone/>
+              <a:defRPr lang="en-US" sz="5400" b="0" kern="1200" cap="none" spc="-100" baseline="0" dirty="0" smtClean="0">
+                <a:ln w="3175">
+                  <a:noFill/>
+                </a:ln>
+                <a:gradFill>
+                  <a:gsLst>
+                    <a:gs pos="1250">
+                      <a:schemeClr val="tx2"/>
+                    </a:gs>
+                    <a:gs pos="100000">
+                      <a:schemeClr val="tx2"/>
+                    </a:gs>
+                  </a:gsLst>
+                  <a:lin ang="5400000" scaled="0"/>
+                </a:gradFill>
+                <a:effectLst/>
+                <a:latin typeface="+mj-lt"/>
+                <a:ea typeface="+mn-ea"/>
+                <a:cs typeface="Arial" charset="0"/>
+              </a:defRPr>
+            </a:lvl1pPr>
+          </a:lstStyle>
+          <a:p>
+            <a:r>
+              <a:rPr lang="it-IT" b="1" dirty="0" smtClean="0">
+                <a:solidFill>
+                  <a:srgbClr val="0072C6"/>
+                </a:solidFill>
+              </a:rPr>
+              <a:t>Open Data</a:t>
+            </a:r>
+            <a:endParaRPr lang="it-IT" b="1" dirty="0" smtClean="0">
+              <a:solidFill>
+                <a:srgbClr val="0072C6"/>
+              </a:solidFill>
+            </a:endParaRPr>
+          </a:p>
+          <a:p>
+            <a:endParaRPr lang="it-IT" sz="1500" b="1" i="1" dirty="0">
+              <a:solidFill>
+                <a:srgbClr val="0072C6"/>
+              </a:solidFill>
+            </a:endParaRPr>
+          </a:p>
+          <a:p>
+            <a:endParaRPr lang="it-IT" sz="1500" b="1" i="1" dirty="0" smtClean="0">
+              <a:solidFill>
+                <a:srgbClr val="0072C6"/>
+              </a:solidFill>
+            </a:endParaRPr>
+          </a:p>
+          <a:p>
+            <a:pPr lvl="0"/>
+            <a:r>
+              <a:rPr lang="it-IT" sz="3200" dirty="0" smtClean="0"/>
+              <a:t>I valori dei dati nello storico e i relativi corsi d’acqua presenti nella base </a:t>
+            </a:r>
+          </a:p>
+          <a:p>
+            <a:pPr lvl="0"/>
+            <a:r>
+              <a:rPr lang="it-IT" sz="3200" dirty="0" smtClean="0"/>
+              <a:t>dati BRI saranno </a:t>
+            </a:r>
+            <a:r>
+              <a:rPr lang="it-IT" sz="3200" dirty="0" smtClean="0"/>
+              <a:t>resi pubblici e fruibili via web browser.</a:t>
+            </a:r>
+          </a:p>
+          <a:p>
+            <a:pPr lvl="0"/>
+            <a:endParaRPr lang="it-IT" sz="3200" dirty="0"/>
+          </a:p>
+          <a:p>
+            <a:pPr lvl="0"/>
+            <a:r>
+              <a:rPr lang="it-IT" sz="3200" dirty="0" smtClean="0"/>
+              <a:t>I dati pubblicati rispettano i vincoli di privacy e fruibilità degli open data </a:t>
+            </a:r>
+            <a:endParaRPr lang="it-IT" sz="3200" dirty="0"/>
+          </a:p>
+          <a:p>
+            <a:pPr lvl="0"/>
+            <a:r>
+              <a:rPr lang="it-IT" sz="3200" dirty="0"/>
+              <a:t>e</a:t>
+            </a:r>
+            <a:r>
+              <a:rPr lang="it-IT" sz="3200" dirty="0" smtClean="0"/>
+              <a:t> sono esposti in formato JSON via REST API.</a:t>
+            </a:r>
+          </a:p>
+          <a:p>
+            <a:pPr lvl="0"/>
+            <a:endParaRPr lang="it-IT" sz="3200" dirty="0"/>
+          </a:p>
+          <a:p>
+            <a:pPr lvl="0"/>
+            <a:r>
+              <a:rPr lang="it-IT" sz="3200" dirty="0" smtClean="0"/>
+              <a:t> </a:t>
+            </a:r>
+            <a:endParaRPr lang="it-IT" sz="3200" dirty="0"/>
+          </a:p>
+          <a:p>
+            <a:pPr marL="457200" lvl="0" indent="-457200">
+              <a:buFont typeface="Arial" panose="020B0604020202020204" pitchFamily="34" charset="0"/>
+              <a:buChar char="•"/>
+            </a:pPr>
+            <a:endParaRPr lang="it-IT" sz="3000" dirty="0"/>
+          </a:p>
+          <a:p>
+            <a:pPr marL="457200" lvl="0" indent="-457200">
+              <a:buFont typeface="Arial" panose="020B0604020202020204" pitchFamily="34" charset="0"/>
+              <a:buChar char="•"/>
+            </a:pPr>
+            <a:endParaRPr lang="it-IT" sz="3000" b="1" i="1" dirty="0" smtClean="0">
+              <a:solidFill>
+                <a:srgbClr val="0072C6"/>
+              </a:solidFill>
+            </a:endParaRPr>
+          </a:p>
+          <a:p>
+            <a:pPr lvl="0"/>
+            <a:endParaRPr lang="it-IT" sz="3000" b="1" i="1" dirty="0" smtClean="0">
+              <a:solidFill>
+                <a:srgbClr val="0072C6"/>
+              </a:solidFill>
+            </a:endParaRPr>
+          </a:p>
+          <a:p>
+            <a:pPr marL="457200" lvl="0" indent="-457200">
+              <a:buFont typeface="Arial" panose="020B0604020202020204" pitchFamily="34" charset="0"/>
+              <a:buChar char="•"/>
+            </a:pPr>
+            <a:endParaRPr lang="it-IT" sz="5000" b="1" i="1" dirty="0">
+              <a:solidFill>
+                <a:srgbClr val="0072C6"/>
+              </a:solidFill>
+            </a:endParaRPr>
+          </a:p>
+          <a:p>
+            <a:endParaRPr lang="it-IT" sz="5000" b="1" i="1" dirty="0" smtClean="0">
+              <a:solidFill>
+                <a:srgbClr val="0072C6"/>
+              </a:solidFill>
+            </a:endParaRPr>
+          </a:p>
+          <a:p>
+            <a:endParaRPr lang="it-IT" sz="3000" b="1" i="1" dirty="0">
+              <a:solidFill>
+                <a:srgbClr val="0072C6"/>
+              </a:solidFill>
+            </a:endParaRPr>
+          </a:p>
+        </p:txBody>
+      </p:sp>
+      <p:sp>
+        <p:nvSpPr>
+          <p:cNvPr id="4" name="Rettangolo 3"/>
           <p:cNvSpPr/>
           <p:nvPr/>
         </p:nvSpPr>
@@ -15505,9 +15714,49 @@
           </a:p>
         </p:txBody>
       </p:sp>
-      <p:sp>
-        <p:nvSpPr>
-          <p:cNvPr id="7" name="Rettangolo 6"/>
+    </p:spTree>
+    <p:extLst>
+      <p:ext uri="{BB962C8B-B14F-4D97-AF65-F5344CB8AC3E}">
+        <p14:creationId xmlns:p14="http://schemas.microsoft.com/office/powerpoint/2010/main" val="2451209973"/>
+      </p:ext>
+    </p:extLst>
+  </p:cSld>
+  <p:clrMapOvr>
+    <a:masterClrMapping/>
+  </p:clrMapOvr>
+  <p:transition xmlns:p14="http://schemas.microsoft.com/office/powerpoint/2010/main" spd="slow">
+    <p:push dir="u"/>
+  </p:transition>
+  <p:timing>
+    <p:tnLst>
+      <p:par>
+        <p:cTn xmlns:p14="http://schemas.microsoft.com/office/powerpoint/2010/main" id="1" dur="indefinite" restart="never" nodeType="tmRoot"/>
+      </p:par>
+    </p:tnLst>
+  </p:timing>
+</p:sld>
+</file>
+
+<file path=ppt/slides/slide39.xml><?xml version="1.0" encoding="utf-8"?>
+<p:sld xmlns:a="http://schemas.openxmlformats.org/drawingml/2006/main" xmlns:r="http://schemas.openxmlformats.org/officeDocument/2006/relationships" xmlns:p="http://schemas.openxmlformats.org/presentationml/2006/main">
+  <p:cSld>
+    <p:spTree>
+      <p:nvGrpSpPr>
+        <p:cNvPr id="1" name=""/>
+        <p:cNvGrpSpPr/>
+        <p:nvPr/>
+      </p:nvGrpSpPr>
+      <p:grpSpPr>
+        <a:xfrm>
+          <a:off x="0" y="0"/>
+          <a:ext cx="0" cy="0"/>
+          <a:chOff x="0" y="0"/>
+          <a:chExt cx="0" cy="0"/>
+        </a:xfrm>
+      </p:grpSpPr>
+      <p:sp>
+        <p:nvSpPr>
+          <p:cNvPr id="5" name="Rettangolo 4"/>
           <p:cNvSpPr/>
           <p:nvPr/>
         </p:nvSpPr>
@@ -15550,6 +15799,402 @@
       </p:sp>
       <p:sp>
         <p:nvSpPr>
+          <p:cNvPr id="6" name="Title 2"/>
+          <p:cNvSpPr txBox="1">
+            <a:spLocks/>
+          </p:cNvSpPr>
+          <p:nvPr/>
+        </p:nvSpPr>
+        <p:spPr>
+          <a:xfrm>
+            <a:off x="521493" y="485778"/>
+            <a:ext cx="11149013" cy="868889"/>
+          </a:xfrm>
+          <a:prstGeom prst="rect">
+            <a:avLst/>
+          </a:prstGeom>
+        </p:spPr>
+        <p:txBody>
+          <a:bodyPr/>
+          <a:lstStyle>
+            <a:lvl1pPr algn="l" defTabSz="914363" rtl="0" eaLnBrk="1" latinLnBrk="0" hangingPunct="1">
+              <a:lnSpc>
+                <a:spcPct val="90000"/>
+              </a:lnSpc>
+              <a:spcBef>
+                <a:spcPct val="0"/>
+              </a:spcBef>
+              <a:buNone/>
+              <a:defRPr lang="en-US" sz="5400" b="0" kern="1200" cap="none" spc="-100" baseline="0" dirty="0" smtClean="0">
+                <a:ln w="3175">
+                  <a:noFill/>
+                </a:ln>
+                <a:gradFill>
+                  <a:gsLst>
+                    <a:gs pos="1250">
+                      <a:schemeClr val="tx2"/>
+                    </a:gs>
+                    <a:gs pos="100000">
+                      <a:schemeClr val="tx2"/>
+                    </a:gs>
+                  </a:gsLst>
+                  <a:lin ang="5400000" scaled="0"/>
+                </a:gradFill>
+                <a:effectLst/>
+                <a:latin typeface="+mj-lt"/>
+                <a:ea typeface="+mn-ea"/>
+                <a:cs typeface="Arial" charset="0"/>
+              </a:defRPr>
+            </a:lvl1pPr>
+          </a:lstStyle>
+          <a:p>
+            <a:r>
+              <a:rPr lang="it-IT" b="1" dirty="0" smtClean="0">
+                <a:solidFill>
+                  <a:srgbClr val="0072C6"/>
+                </a:solidFill>
+              </a:rPr>
+              <a:t>Open Data</a:t>
+            </a:r>
+            <a:endParaRPr lang="it-IT" b="1" dirty="0" smtClean="0">
+              <a:solidFill>
+                <a:srgbClr val="0072C6"/>
+              </a:solidFill>
+            </a:endParaRPr>
+          </a:p>
+          <a:p>
+            <a:endParaRPr lang="it-IT" sz="1500" b="1" i="1" dirty="0" smtClean="0">
+              <a:solidFill>
+                <a:srgbClr val="0072C6"/>
+              </a:solidFill>
+            </a:endParaRPr>
+          </a:p>
+          <a:p>
+            <a:endParaRPr lang="it-IT" sz="1000" b="1" i="1" dirty="0" smtClean="0">
+              <a:solidFill>
+                <a:srgbClr val="0072C6"/>
+              </a:solidFill>
+            </a:endParaRPr>
+          </a:p>
+          <a:p>
+            <a:pPr lvl="0"/>
+            <a:r>
+              <a:rPr lang="it-IT" sz="3200" dirty="0" smtClean="0"/>
+              <a:t>I dati sui sensori esposti rispettano i principi degli Open Data:</a:t>
+            </a:r>
+          </a:p>
+          <a:p>
+            <a:pPr lvl="0"/>
+            <a:endParaRPr lang="it-IT" sz="1500" dirty="0" smtClean="0"/>
+          </a:p>
+          <a:p>
+            <a:pPr marL="457200" lvl="0" indent="-457200">
+              <a:buFont typeface="Arial"/>
+              <a:buChar char="•"/>
+            </a:pPr>
+            <a:r>
+              <a:rPr lang="it-IT" sz="3200" dirty="0" smtClean="0"/>
+              <a:t>Completi: sono completi di tutte le informazione per l’utilizzo anche offline</a:t>
+            </a:r>
+          </a:p>
+          <a:p>
+            <a:pPr marL="457200" lvl="0" indent="-457200">
+              <a:buFont typeface="Arial"/>
+              <a:buChar char="•"/>
+            </a:pPr>
+            <a:r>
+              <a:rPr lang="it-IT" sz="3200" dirty="0" smtClean="0"/>
+              <a:t>Primari: hanno granularità tale che ne permette l’integrazione con altre applicazioni</a:t>
+            </a:r>
+          </a:p>
+          <a:p>
+            <a:pPr marL="457200" lvl="0" indent="-457200">
+              <a:buFont typeface="Arial"/>
+              <a:buChar char="•"/>
+            </a:pPr>
+            <a:r>
+              <a:rPr lang="it-IT" sz="3200" dirty="0" smtClean="0"/>
+              <a:t>Tempestivi: rappresentazione </a:t>
+            </a:r>
+            <a:r>
+              <a:rPr lang="it-IT" sz="3200" dirty="0" err="1" smtClean="0"/>
+              <a:t>real</a:t>
+            </a:r>
+            <a:r>
+              <a:rPr lang="it-IT" sz="3200" dirty="0" smtClean="0"/>
+              <a:t> time dello storico</a:t>
+            </a:r>
+          </a:p>
+          <a:p>
+            <a:pPr marL="457200" lvl="0" indent="-457200">
+              <a:buFont typeface="Arial"/>
+              <a:buChar char="•"/>
+            </a:pPr>
+            <a:r>
+              <a:rPr lang="it-IT" sz="3200" dirty="0" smtClean="0"/>
+              <a:t>Accessibili: disponibili via REST API </a:t>
+            </a:r>
+          </a:p>
+          <a:p>
+            <a:pPr marL="457200" lvl="0" indent="-457200">
+              <a:buFont typeface="Arial"/>
+              <a:buChar char="•"/>
+            </a:pPr>
+            <a:r>
+              <a:rPr lang="it-IT" sz="3200" dirty="0" smtClean="0"/>
+              <a:t>Non proprietari: i dati sono processabili da applicativi open source</a:t>
+            </a:r>
+          </a:p>
+          <a:p>
+            <a:pPr marL="457200" lvl="0" indent="-457200">
+              <a:buFont typeface="Arial"/>
+              <a:buChar char="•"/>
+            </a:pPr>
+            <a:r>
+              <a:rPr lang="it-IT" sz="3200" dirty="0" smtClean="0"/>
+              <a:t>Non discriminatori: non sono previsti meccanismi di registrazione per l’utilizzo dei dati (es: API KEY)</a:t>
+            </a:r>
+          </a:p>
+          <a:p>
+            <a:pPr lvl="0"/>
+            <a:endParaRPr lang="it-IT" sz="3200" dirty="0" smtClean="0"/>
+          </a:p>
+          <a:p>
+            <a:pPr lvl="0"/>
+            <a:endParaRPr lang="it-IT" sz="3200" dirty="0"/>
+          </a:p>
+          <a:p>
+            <a:pPr lvl="0"/>
+            <a:r>
+              <a:rPr lang="it-IT" sz="3200" dirty="0" smtClean="0"/>
+              <a:t> </a:t>
+            </a:r>
+            <a:endParaRPr lang="it-IT" sz="3200" dirty="0"/>
+          </a:p>
+          <a:p>
+            <a:pPr marL="457200" lvl="0" indent="-457200">
+              <a:buFont typeface="Arial" panose="020B0604020202020204" pitchFamily="34" charset="0"/>
+              <a:buChar char="•"/>
+            </a:pPr>
+            <a:endParaRPr lang="it-IT" sz="3000" dirty="0"/>
+          </a:p>
+          <a:p>
+            <a:pPr marL="457200" lvl="0" indent="-457200">
+              <a:buFont typeface="Arial" panose="020B0604020202020204" pitchFamily="34" charset="0"/>
+              <a:buChar char="•"/>
+            </a:pPr>
+            <a:endParaRPr lang="it-IT" sz="3000" b="1" i="1" dirty="0" smtClean="0">
+              <a:solidFill>
+                <a:srgbClr val="0072C6"/>
+              </a:solidFill>
+            </a:endParaRPr>
+          </a:p>
+          <a:p>
+            <a:pPr lvl="0"/>
+            <a:endParaRPr lang="it-IT" sz="3000" b="1" i="1" dirty="0" smtClean="0">
+              <a:solidFill>
+                <a:srgbClr val="0072C6"/>
+              </a:solidFill>
+            </a:endParaRPr>
+          </a:p>
+          <a:p>
+            <a:pPr marL="457200" lvl="0" indent="-457200">
+              <a:buFont typeface="Arial" panose="020B0604020202020204" pitchFamily="34" charset="0"/>
+              <a:buChar char="•"/>
+            </a:pPr>
+            <a:endParaRPr lang="it-IT" sz="5000" b="1" i="1" dirty="0">
+              <a:solidFill>
+                <a:srgbClr val="0072C6"/>
+              </a:solidFill>
+            </a:endParaRPr>
+          </a:p>
+          <a:p>
+            <a:endParaRPr lang="it-IT" sz="5000" b="1" i="1" dirty="0" smtClean="0">
+              <a:solidFill>
+                <a:srgbClr val="0072C6"/>
+              </a:solidFill>
+            </a:endParaRPr>
+          </a:p>
+          <a:p>
+            <a:endParaRPr lang="it-IT" sz="3000" b="1" i="1" dirty="0">
+              <a:solidFill>
+                <a:srgbClr val="0072C6"/>
+              </a:solidFill>
+            </a:endParaRPr>
+          </a:p>
+        </p:txBody>
+      </p:sp>
+      <p:sp>
+        <p:nvSpPr>
+          <p:cNvPr id="4" name="Rettangolo 3"/>
+          <p:cNvSpPr/>
+          <p:nvPr/>
+        </p:nvSpPr>
+        <p:spPr>
+          <a:xfrm>
+            <a:off x="0" y="6515100"/>
+            <a:ext cx="12192000" cy="342900"/>
+          </a:xfrm>
+          <a:prstGeom prst="rect">
+            <a:avLst/>
+          </a:prstGeom>
+          <a:solidFill>
+            <a:srgbClr val="0072C6"/>
+          </a:solidFill>
+        </p:spPr>
+        <p:style>
+          <a:lnRef idx="2">
+            <a:schemeClr val="accent1">
+              <a:shade val="50000"/>
+            </a:schemeClr>
+          </a:lnRef>
+          <a:fillRef idx="1">
+            <a:schemeClr val="accent1"/>
+          </a:fillRef>
+          <a:effectRef idx="0">
+            <a:schemeClr val="accent1"/>
+          </a:effectRef>
+          <a:fontRef idx="minor">
+            <a:schemeClr val="lt1"/>
+          </a:fontRef>
+        </p:style>
+        <p:txBody>
+          <a:bodyPr rtlCol="0" anchor="ctr"/>
+          <a:lstStyle/>
+          <a:p>
+            <a:pPr algn="ctr"/>
+            <a:endParaRPr lang="it-IT"/>
+          </a:p>
+        </p:txBody>
+      </p:sp>
+    </p:spTree>
+    <p:extLst>
+      <p:ext uri="{BB962C8B-B14F-4D97-AF65-F5344CB8AC3E}">
+        <p14:creationId xmlns:p14="http://schemas.microsoft.com/office/powerpoint/2010/main" val="1257446633"/>
+      </p:ext>
+    </p:extLst>
+  </p:cSld>
+  <p:clrMapOvr>
+    <a:masterClrMapping/>
+  </p:clrMapOvr>
+  <p:transition xmlns:p14="http://schemas.microsoft.com/office/powerpoint/2010/main" spd="slow">
+    <p:push dir="u"/>
+  </p:transition>
+  <p:timing>
+    <p:tnLst>
+      <p:par>
+        <p:cTn xmlns:p14="http://schemas.microsoft.com/office/powerpoint/2010/main" id="1" dur="indefinite" restart="never" nodeType="tmRoot"/>
+      </p:par>
+    </p:tnLst>
+  </p:timing>
+</p:sld>
+</file>
+
+<file path=ppt/slides/slide4.xml><?xml version="1.0" encoding="utf-8"?>
+<p:sld xmlns:a="http://schemas.openxmlformats.org/drawingml/2006/main" xmlns:r="http://schemas.openxmlformats.org/officeDocument/2006/relationships" xmlns:p="http://schemas.openxmlformats.org/presentationml/2006/main">
+  <p:cSld>
+    <p:spTree>
+      <p:nvGrpSpPr>
+        <p:cNvPr id="1" name=""/>
+        <p:cNvGrpSpPr/>
+        <p:nvPr/>
+      </p:nvGrpSpPr>
+      <p:grpSpPr>
+        <a:xfrm>
+          <a:off x="0" y="0"/>
+          <a:ext cx="0" cy="0"/>
+          <a:chOff x="0" y="0"/>
+          <a:chExt cx="0" cy="0"/>
+        </a:xfrm>
+      </p:grpSpPr>
+      <p:sp>
+        <p:nvSpPr>
+          <p:cNvPr id="6" name="Rettangolo 5"/>
+          <p:cNvSpPr/>
+          <p:nvPr/>
+        </p:nvSpPr>
+        <p:spPr>
+          <a:xfrm>
+            <a:off x="0" y="6515100"/>
+            <a:ext cx="12192000" cy="342900"/>
+          </a:xfrm>
+          <a:prstGeom prst="rect">
+            <a:avLst/>
+          </a:prstGeom>
+          <a:solidFill>
+            <a:srgbClr val="0072C6"/>
+          </a:solidFill>
+        </p:spPr>
+        <p:style>
+          <a:lnRef idx="2">
+            <a:schemeClr val="accent1">
+              <a:shade val="50000"/>
+            </a:schemeClr>
+          </a:lnRef>
+          <a:fillRef idx="1">
+            <a:schemeClr val="accent1"/>
+          </a:fillRef>
+          <a:effectRef idx="0">
+            <a:schemeClr val="accent1"/>
+          </a:effectRef>
+          <a:fontRef idx="minor">
+            <a:schemeClr val="lt1"/>
+          </a:fontRef>
+        </p:style>
+        <p:txBody>
+          <a:bodyPr rtlCol="0" anchor="ctr"/>
+          <a:lstStyle/>
+          <a:p>
+            <a:pPr algn="ctr"/>
+            <a:endParaRPr lang="it-IT"/>
+          </a:p>
+        </p:txBody>
+      </p:sp>
+      <p:sp>
+        <p:nvSpPr>
+          <p:cNvPr id="7" name="Rettangolo 6"/>
+          <p:cNvSpPr/>
+          <p:nvPr/>
+        </p:nvSpPr>
+        <p:spPr>
+          <a:xfrm>
+            <a:off x="0" y="-28574"/>
+            <a:ext cx="12192000" cy="342900"/>
+          </a:xfrm>
+          <a:prstGeom prst="rect">
+            <a:avLst/>
+          </a:prstGeom>
+          <a:solidFill>
+            <a:srgbClr val="0072C6"/>
+          </a:solidFill>
+        </p:spPr>
+        <p:style>
+          <a:lnRef idx="2">
+            <a:schemeClr val="accent1">
+              <a:shade val="50000"/>
+            </a:schemeClr>
+          </a:lnRef>
+          <a:fillRef idx="1">
+            <a:schemeClr val="accent1"/>
+          </a:fillRef>
+          <a:effectRef idx="0">
+            <a:schemeClr val="accent1"/>
+          </a:effectRef>
+          <a:fontRef idx="minor">
+            <a:schemeClr val="lt1"/>
+          </a:fontRef>
+        </p:style>
+        <p:txBody>
+          <a:bodyPr rtlCol="0" anchor="ctr"/>
+          <a:lstStyle/>
+          <a:p>
+            <a:pPr algn="ctr"/>
+            <a:endParaRPr lang="it-IT"/>
+          </a:p>
+        </p:txBody>
+      </p:sp>
+      <p:sp>
+        <p:nvSpPr>
           <p:cNvPr id="2" name="CasellaDiTesto 1"/>
           <p:cNvSpPr txBox="1"/>
           <p:nvPr/>
@@ -15818,6 +16463,354 @@
     <p:extLst>
       <p:ext uri="{BB962C8B-B14F-4D97-AF65-F5344CB8AC3E}">
         <p14:creationId xmlns:p14="http://schemas.microsoft.com/office/powerpoint/2010/main" val="3451820100"/>
+      </p:ext>
+    </p:extLst>
+  </p:cSld>
+  <p:clrMapOvr>
+    <a:masterClrMapping/>
+  </p:clrMapOvr>
+  <p:transition xmlns:p14="http://schemas.microsoft.com/office/powerpoint/2010/main" spd="slow">
+    <p:push dir="u"/>
+  </p:transition>
+  <p:timing>
+    <p:tnLst>
+      <p:par>
+        <p:cTn xmlns:p14="http://schemas.microsoft.com/office/powerpoint/2010/main" id="1" dur="indefinite" restart="never" nodeType="tmRoot"/>
+      </p:par>
+    </p:tnLst>
+  </p:timing>
+</p:sld>
+</file>
+
+<file path=ppt/slides/slide40.xml><?xml version="1.0" encoding="utf-8"?>
+<p:sld xmlns:a="http://schemas.openxmlformats.org/drawingml/2006/main" xmlns:r="http://schemas.openxmlformats.org/officeDocument/2006/relationships" xmlns:p="http://schemas.openxmlformats.org/presentationml/2006/main">
+  <p:cSld>
+    <p:spTree>
+      <p:nvGrpSpPr>
+        <p:cNvPr id="1" name=""/>
+        <p:cNvGrpSpPr/>
+        <p:nvPr/>
+      </p:nvGrpSpPr>
+      <p:grpSpPr>
+        <a:xfrm>
+          <a:off x="0" y="0"/>
+          <a:ext cx="0" cy="0"/>
+          <a:chOff x="0" y="0"/>
+          <a:chExt cx="0" cy="0"/>
+        </a:xfrm>
+      </p:grpSpPr>
+      <p:sp>
+        <p:nvSpPr>
+          <p:cNvPr id="5" name="Rettangolo 4"/>
+          <p:cNvSpPr/>
+          <p:nvPr/>
+        </p:nvSpPr>
+        <p:spPr>
+          <a:xfrm>
+            <a:off x="0" y="-28574"/>
+            <a:ext cx="12192000" cy="342900"/>
+          </a:xfrm>
+          <a:prstGeom prst="rect">
+            <a:avLst/>
+          </a:prstGeom>
+          <a:solidFill>
+            <a:srgbClr val="0072C6"/>
+          </a:solidFill>
+        </p:spPr>
+        <p:style>
+          <a:lnRef idx="2">
+            <a:schemeClr val="accent1">
+              <a:shade val="50000"/>
+            </a:schemeClr>
+          </a:lnRef>
+          <a:fillRef idx="1">
+            <a:schemeClr val="accent1"/>
+          </a:fillRef>
+          <a:effectRef idx="0">
+            <a:schemeClr val="accent1"/>
+          </a:effectRef>
+          <a:fontRef idx="minor">
+            <a:schemeClr val="lt1"/>
+          </a:fontRef>
+        </p:style>
+        <p:txBody>
+          <a:bodyPr rtlCol="0" anchor="ctr"/>
+          <a:lstStyle/>
+          <a:p>
+            <a:pPr algn="ctr"/>
+            <a:endParaRPr lang="it-IT"/>
+          </a:p>
+        </p:txBody>
+      </p:sp>
+      <p:sp>
+        <p:nvSpPr>
+          <p:cNvPr id="6" name="Title 2"/>
+          <p:cNvSpPr txBox="1">
+            <a:spLocks/>
+          </p:cNvSpPr>
+          <p:nvPr/>
+        </p:nvSpPr>
+        <p:spPr>
+          <a:xfrm>
+            <a:off x="521493" y="485778"/>
+            <a:ext cx="11149013" cy="868889"/>
+          </a:xfrm>
+          <a:prstGeom prst="rect">
+            <a:avLst/>
+          </a:prstGeom>
+        </p:spPr>
+        <p:txBody>
+          <a:bodyPr/>
+          <a:lstStyle>
+            <a:lvl1pPr algn="l" defTabSz="914363" rtl="0" eaLnBrk="1" latinLnBrk="0" hangingPunct="1">
+              <a:lnSpc>
+                <a:spcPct val="90000"/>
+              </a:lnSpc>
+              <a:spcBef>
+                <a:spcPct val="0"/>
+              </a:spcBef>
+              <a:buNone/>
+              <a:defRPr lang="en-US" sz="5400" b="0" kern="1200" cap="none" spc="-100" baseline="0" dirty="0" smtClean="0">
+                <a:ln w="3175">
+                  <a:noFill/>
+                </a:ln>
+                <a:gradFill>
+                  <a:gsLst>
+                    <a:gs pos="1250">
+                      <a:schemeClr val="tx2"/>
+                    </a:gs>
+                    <a:gs pos="100000">
+                      <a:schemeClr val="tx2"/>
+                    </a:gs>
+                  </a:gsLst>
+                  <a:lin ang="5400000" scaled="0"/>
+                </a:gradFill>
+                <a:effectLst/>
+                <a:latin typeface="+mj-lt"/>
+                <a:ea typeface="+mn-ea"/>
+                <a:cs typeface="Arial" charset="0"/>
+              </a:defRPr>
+            </a:lvl1pPr>
+          </a:lstStyle>
+          <a:p>
+            <a:r>
+              <a:rPr lang="it-IT" b="1" dirty="0" smtClean="0">
+                <a:solidFill>
+                  <a:srgbClr val="0072C6"/>
+                </a:solidFill>
+              </a:rPr>
+              <a:t>Open Data</a:t>
+            </a:r>
+            <a:endParaRPr lang="it-IT" b="1" dirty="0" smtClean="0">
+              <a:solidFill>
+                <a:srgbClr val="0072C6"/>
+              </a:solidFill>
+            </a:endParaRPr>
+          </a:p>
+          <a:p>
+            <a:endParaRPr lang="it-IT" sz="1500" b="1" i="1" dirty="0" smtClean="0">
+              <a:solidFill>
+                <a:srgbClr val="0072C6"/>
+              </a:solidFill>
+            </a:endParaRPr>
+          </a:p>
+          <a:p>
+            <a:endParaRPr lang="it-IT" sz="1000" b="1" i="1" dirty="0" smtClean="0">
+              <a:solidFill>
+                <a:srgbClr val="0072C6"/>
+              </a:solidFill>
+            </a:endParaRPr>
+          </a:p>
+          <a:p>
+            <a:pPr lvl="0"/>
+            <a:endParaRPr lang="it-IT" sz="3200" dirty="0"/>
+          </a:p>
+          <a:p>
+            <a:pPr lvl="0"/>
+            <a:r>
+              <a:rPr lang="it-IT" sz="3200" dirty="0" smtClean="0"/>
+              <a:t>I dati sono pubblicati sotto licenza </a:t>
+            </a:r>
+            <a:r>
+              <a:rPr lang="it-IT" sz="3200" i="1" dirty="0" err="1" smtClean="0"/>
+              <a:t>Italian</a:t>
+            </a:r>
+            <a:r>
+              <a:rPr lang="it-IT" sz="3200" i="1" dirty="0" smtClean="0"/>
+              <a:t> Open Data </a:t>
+            </a:r>
+            <a:r>
+              <a:rPr lang="it-IT" sz="3200" i="1" dirty="0" err="1" smtClean="0"/>
+              <a:t>Licenses</a:t>
+            </a:r>
+            <a:r>
+              <a:rPr lang="it-IT" sz="3200" i="1" dirty="0" smtClean="0"/>
+              <a:t> 2.0</a:t>
+            </a:r>
+          </a:p>
+          <a:p>
+            <a:pPr lvl="0"/>
+            <a:r>
+              <a:rPr lang="it-IT" sz="3200" dirty="0" smtClean="0"/>
+              <a:t>che ne permette l’utilizzo ma obbliga l’utilizzatore a citare il Licenziante.</a:t>
+            </a:r>
+          </a:p>
+          <a:p>
+            <a:pPr lvl="0"/>
+            <a:endParaRPr lang="it-IT" sz="3200" dirty="0"/>
+          </a:p>
+          <a:p>
+            <a:pPr lvl="0" algn="r"/>
+            <a:r>
+              <a:rPr lang="it-IT" sz="3200" dirty="0" smtClean="0"/>
+              <a:t>												            </a:t>
+            </a:r>
+            <a:r>
+              <a:rPr lang="it-IT" sz="2500" dirty="0" smtClean="0"/>
+              <a:t> http</a:t>
+            </a:r>
+            <a:r>
+              <a:rPr lang="it-IT" sz="2500" dirty="0"/>
+              <a:t>://</a:t>
+            </a:r>
+            <a:r>
+              <a:rPr lang="it-IT" sz="2500" dirty="0" err="1"/>
+              <a:t>www.dati.gov.it</a:t>
+            </a:r>
+            <a:r>
+              <a:rPr lang="it-IT" sz="2500" dirty="0"/>
+              <a:t>/</a:t>
+            </a:r>
+            <a:r>
+              <a:rPr lang="it-IT" sz="2500" dirty="0" err="1"/>
+              <a:t>iodl</a:t>
+            </a:r>
+            <a:r>
+              <a:rPr lang="it-IT" sz="2500" dirty="0"/>
+              <a:t>/2.0/</a:t>
+            </a:r>
+            <a:endParaRPr lang="it-IT" sz="2500" dirty="0"/>
+          </a:p>
+          <a:p>
+            <a:pPr marL="457200" lvl="0" indent="-457200">
+              <a:buFont typeface="Arial" panose="020B0604020202020204" pitchFamily="34" charset="0"/>
+              <a:buChar char="•"/>
+            </a:pPr>
+            <a:endParaRPr lang="it-IT" sz="3000" dirty="0" smtClean="0"/>
+          </a:p>
+          <a:p>
+            <a:pPr lvl="0"/>
+            <a:r>
+              <a:rPr lang="it-IT" sz="3000" dirty="0" smtClean="0"/>
+              <a:t>I dati pubblicati possono essere utilizzati ad esempio dal corso di laurea di statistica o di geologia (analisi ed inferenza sui dati) oppure da agenzie che </a:t>
+            </a:r>
+            <a:r>
+              <a:rPr lang="it-IT" sz="3000" smtClean="0"/>
+              <a:t>si occupano </a:t>
+            </a:r>
+            <a:r>
+              <a:rPr lang="it-IT" sz="3000" dirty="0" smtClean="0"/>
+              <a:t>di </a:t>
+            </a:r>
+            <a:r>
+              <a:rPr lang="it-IT" sz="3000" smtClean="0"/>
+              <a:t>gestione territoriale. </a:t>
+            </a:r>
+            <a:endParaRPr lang="it-IT" sz="3000" dirty="0"/>
+          </a:p>
+          <a:p>
+            <a:pPr marL="457200" lvl="0" indent="-457200">
+              <a:buFont typeface="Arial" panose="020B0604020202020204" pitchFamily="34" charset="0"/>
+              <a:buChar char="•"/>
+            </a:pPr>
+            <a:endParaRPr lang="it-IT" sz="3000" b="1" i="1" dirty="0" smtClean="0">
+              <a:solidFill>
+                <a:srgbClr val="0072C6"/>
+              </a:solidFill>
+            </a:endParaRPr>
+          </a:p>
+          <a:p>
+            <a:pPr lvl="0"/>
+            <a:endParaRPr lang="it-IT" sz="3000" b="1" i="1" dirty="0" smtClean="0">
+              <a:solidFill>
+                <a:srgbClr val="0072C6"/>
+              </a:solidFill>
+            </a:endParaRPr>
+          </a:p>
+          <a:p>
+            <a:pPr marL="457200" lvl="0" indent="-457200">
+              <a:buFont typeface="Arial" panose="020B0604020202020204" pitchFamily="34" charset="0"/>
+              <a:buChar char="•"/>
+            </a:pPr>
+            <a:endParaRPr lang="it-IT" sz="5000" b="1" i="1" dirty="0">
+              <a:solidFill>
+                <a:srgbClr val="0072C6"/>
+              </a:solidFill>
+            </a:endParaRPr>
+          </a:p>
+          <a:p>
+            <a:endParaRPr lang="it-IT" sz="5000" b="1" i="1" dirty="0" smtClean="0">
+              <a:solidFill>
+                <a:srgbClr val="0072C6"/>
+              </a:solidFill>
+            </a:endParaRPr>
+          </a:p>
+          <a:p>
+            <a:endParaRPr lang="it-IT" sz="3000" b="1" i="1" dirty="0">
+              <a:solidFill>
+                <a:srgbClr val="0072C6"/>
+              </a:solidFill>
+            </a:endParaRPr>
+          </a:p>
+        </p:txBody>
+      </p:sp>
+      <p:sp>
+        <p:nvSpPr>
+          <p:cNvPr id="4" name="Rettangolo 3"/>
+          <p:cNvSpPr/>
+          <p:nvPr/>
+        </p:nvSpPr>
+        <p:spPr>
+          <a:xfrm>
+            <a:off x="0" y="6515100"/>
+            <a:ext cx="12192000" cy="342900"/>
+          </a:xfrm>
+          <a:prstGeom prst="rect">
+            <a:avLst/>
+          </a:prstGeom>
+          <a:solidFill>
+            <a:srgbClr val="0072C6"/>
+          </a:solidFill>
+        </p:spPr>
+        <p:style>
+          <a:lnRef idx="2">
+            <a:schemeClr val="accent1">
+              <a:shade val="50000"/>
+            </a:schemeClr>
+          </a:lnRef>
+          <a:fillRef idx="1">
+            <a:schemeClr val="accent1"/>
+          </a:fillRef>
+          <a:effectRef idx="0">
+            <a:schemeClr val="accent1"/>
+          </a:effectRef>
+          <a:fontRef idx="minor">
+            <a:schemeClr val="lt1"/>
+          </a:fontRef>
+        </p:style>
+        <p:txBody>
+          <a:bodyPr rtlCol="0" anchor="ctr"/>
+          <a:lstStyle/>
+          <a:p>
+            <a:pPr algn="ctr"/>
+            <a:endParaRPr lang="it-IT"/>
+          </a:p>
+        </p:txBody>
+      </p:sp>
+    </p:spTree>
+    <p:extLst>
+      <p:ext uri="{BB962C8B-B14F-4D97-AF65-F5344CB8AC3E}">
+        <p14:creationId xmlns:p14="http://schemas.microsoft.com/office/powerpoint/2010/main" val="1930695738"/>
       </p:ext>
     </p:extLst>
   </p:cSld>
@@ -18772,7 +19765,7 @@
   <a:extraClrSchemeLst/>
   <a:extLst>
     <a:ext uri="{05A4C25C-085E-4340-85A3-A5531E510DB2}">
-      <thm15:themeFamily xmlns="" xmlns:thm15="http://schemas.microsoft.com/office/thememl/2012/main" name="Office Theme" id="{62F939B6-93AF-4DB8-9C6B-D6C7DFDC589F}" vid="{4A3C46E8-61CC-4603-A589-7422A47A8E4A}"/>
+      <thm15:themeFamily xmlns:thm15="http://schemas.microsoft.com/office/thememl/2012/main" xmlns="" name="Office Theme" id="{62F939B6-93AF-4DB8-9C6B-D6C7DFDC589F}" vid="{4A3C46E8-61CC-4603-A589-7422A47A8E4A}"/>
     </a:ext>
   </a:extLst>
 </a:theme>
@@ -19033,7 +20026,7 @@
   <a:extraClrSchemeLst/>
   <a:extLst>
     <a:ext uri="{05A4C25C-085E-4340-85A3-A5531E510DB2}">
-      <thm15:themeFamily xmlns="" xmlns:thm15="http://schemas.microsoft.com/office/thememl/2012/main" name="Office Theme" id="{62F939B6-93AF-4DB8-9C6B-D6C7DFDC589F}" vid="{4A3C46E8-61CC-4603-A589-7422A47A8E4A}"/>
+      <thm15:themeFamily xmlns:thm15="http://schemas.microsoft.com/office/thememl/2012/main" xmlns="" name="Office Theme" id="{62F939B6-93AF-4DB8-9C6B-D6C7DFDC589F}" vid="{4A3C46E8-61CC-4603-A589-7422A47A8E4A}"/>
     </a:ext>
   </a:extLst>
 </a:theme>

--- a/Febbraio 2015.pptx
+++ b/Febbraio 2015.pptx
@@ -5,7 +5,7 @@
     <p:sldMasterId id="2147483648" r:id="rId1"/>
   </p:sldMasterIdLst>
   <p:notesMasterIdLst>
-    <p:notesMasterId r:id="rId42"/>
+    <p:notesMasterId r:id="rId45"/>
   </p:notesMasterIdLst>
   <p:sldIdLst>
     <p:sldId id="256" r:id="rId2"/>
@@ -45,9 +45,12 @@
     <p:sldId id="270" r:id="rId36"/>
     <p:sldId id="271" r:id="rId37"/>
     <p:sldId id="276" r:id="rId38"/>
-    <p:sldId id="295" r:id="rId39"/>
-    <p:sldId id="296" r:id="rId40"/>
-    <p:sldId id="297" r:id="rId41"/>
+    <p:sldId id="299" r:id="rId39"/>
+    <p:sldId id="300" r:id="rId40"/>
+    <p:sldId id="301" r:id="rId41"/>
+    <p:sldId id="295" r:id="rId42"/>
+    <p:sldId id="296" r:id="rId43"/>
+    <p:sldId id="297" r:id="rId44"/>
   </p:sldIdLst>
   <p:sldSz cx="12192000" cy="6858000"/>
   <p:notesSz cx="6858000" cy="9144000"/>
@@ -148,7 +151,18 @@
   </p:defaultTextStyle>
   <p:extLst>
     <p:ext uri="{EFAFB233-063F-42B5-8137-9DF3F51BA10A}">
-      <p15:sldGuideLst xmlns:p15="http://schemas.microsoft.com/office/powerpoint/2012/main" xmlns=""/>
+      <p15:sldGuideLst xmlns:p15="http://schemas.microsoft.com/office/powerpoint/2012/main">
+        <p15:guide id="1" orient="horz" pos="2160">
+          <p15:clr>
+            <a:srgbClr val="A4A3A4"/>
+          </p15:clr>
+        </p15:guide>
+        <p15:guide id="2" pos="3840">
+          <p15:clr>
+            <a:srgbClr val="A4A3A4"/>
+          </p15:clr>
+        </p15:guide>
+      </p15:sldGuideLst>
     </p:ext>
   </p:extLst>
 </p:presentation>
@@ -236,7 +250,7 @@
           <a:p>
             <a:fld id="{4DC00536-3C86-400C-9F50-1275C6A29586}" type="datetimeFigureOut">
               <a:rPr lang="it-IT" smtClean="0"/>
-              <a:t>19/02/15</a:t>
+              <a:t>20/02/2015</a:t>
             </a:fld>
             <a:endParaRPr lang="it-IT"/>
           </a:p>
@@ -395,7 +409,7 @@
           <a:p>
             <a:fld id="{5D3BD91E-6CA1-409C-9187-4AB7B2A7EE76}" type="slidenum">
               <a:rPr lang="it-IT" smtClean="0"/>
-              <a:t>‹n.›</a:t>
+              <a:t>‹N›</a:t>
             </a:fld>
             <a:endParaRPr lang="it-IT"/>
           </a:p>
@@ -719,7 +733,7 @@
           <a:p>
             <a:fld id="{0809BC95-6AD5-4D34-9000-81E21223B4F6}" type="datetimeFigureOut">
               <a:rPr lang="it-IT" smtClean="0"/>
-              <a:t>19/02/15</a:t>
+              <a:t>20/02/2015</a:t>
             </a:fld>
             <a:endParaRPr lang="it-IT"/>
           </a:p>
@@ -761,7 +775,7 @@
           <a:p>
             <a:fld id="{7506457C-8D0E-4021-BB99-E24A507D8F57}" type="slidenum">
               <a:rPr lang="it-IT" smtClean="0"/>
-              <a:t>‹n.›</a:t>
+              <a:t>‹N›</a:t>
             </a:fld>
             <a:endParaRPr lang="it-IT"/>
           </a:p>
@@ -777,7 +791,7 @@
   <p:clrMapOvr>
     <a:masterClrMapping/>
   </p:clrMapOvr>
-  <p:transition xmlns:p14="http://schemas.microsoft.com/office/powerpoint/2010/main" spd="slow">
+  <p:transition spd="slow">
     <p:push dir="u"/>
   </p:transition>
 </p:sldLayout>
@@ -892,7 +906,7 @@
           <a:p>
             <a:fld id="{0809BC95-6AD5-4D34-9000-81E21223B4F6}" type="datetimeFigureOut">
               <a:rPr lang="it-IT" smtClean="0"/>
-              <a:t>19/02/15</a:t>
+              <a:t>20/02/2015</a:t>
             </a:fld>
             <a:endParaRPr lang="it-IT"/>
           </a:p>
@@ -934,7 +948,7 @@
           <a:p>
             <a:fld id="{7506457C-8D0E-4021-BB99-E24A507D8F57}" type="slidenum">
               <a:rPr lang="it-IT" smtClean="0"/>
-              <a:t>‹n.›</a:t>
+              <a:t>‹N›</a:t>
             </a:fld>
             <a:endParaRPr lang="it-IT"/>
           </a:p>
@@ -950,7 +964,7 @@
   <p:clrMapOvr>
     <a:masterClrMapping/>
   </p:clrMapOvr>
-  <p:transition xmlns:p14="http://schemas.microsoft.com/office/powerpoint/2010/main" spd="slow">
+  <p:transition spd="slow">
     <p:push dir="u"/>
   </p:transition>
 </p:sldLayout>
@@ -1075,7 +1089,7 @@
           <a:p>
             <a:fld id="{0809BC95-6AD5-4D34-9000-81E21223B4F6}" type="datetimeFigureOut">
               <a:rPr lang="it-IT" smtClean="0"/>
-              <a:t>19/02/15</a:t>
+              <a:t>20/02/2015</a:t>
             </a:fld>
             <a:endParaRPr lang="it-IT"/>
           </a:p>
@@ -1117,7 +1131,7 @@
           <a:p>
             <a:fld id="{7506457C-8D0E-4021-BB99-E24A507D8F57}" type="slidenum">
               <a:rPr lang="it-IT" smtClean="0"/>
-              <a:t>‹n.›</a:t>
+              <a:t>‹N›</a:t>
             </a:fld>
             <a:endParaRPr lang="it-IT"/>
           </a:p>
@@ -1133,7 +1147,7 @@
   <p:clrMapOvr>
     <a:masterClrMapping/>
   </p:clrMapOvr>
-  <p:transition xmlns:p14="http://schemas.microsoft.com/office/powerpoint/2010/main" spd="slow">
+  <p:transition spd="slow">
     <p:push dir="u"/>
   </p:transition>
 </p:sldLayout>
@@ -1248,7 +1262,7 @@
           <a:p>
             <a:fld id="{0809BC95-6AD5-4D34-9000-81E21223B4F6}" type="datetimeFigureOut">
               <a:rPr lang="it-IT" smtClean="0"/>
-              <a:t>19/02/15</a:t>
+              <a:t>20/02/2015</a:t>
             </a:fld>
             <a:endParaRPr lang="it-IT"/>
           </a:p>
@@ -1290,7 +1304,7 @@
           <a:p>
             <a:fld id="{7506457C-8D0E-4021-BB99-E24A507D8F57}" type="slidenum">
               <a:rPr lang="it-IT" smtClean="0"/>
-              <a:t>‹n.›</a:t>
+              <a:t>‹N›</a:t>
             </a:fld>
             <a:endParaRPr lang="it-IT"/>
           </a:p>
@@ -1306,7 +1320,7 @@
   <p:clrMapOvr>
     <a:masterClrMapping/>
   </p:clrMapOvr>
-  <p:transition xmlns:p14="http://schemas.microsoft.com/office/powerpoint/2010/main" spd="slow">
+  <p:transition spd="slow">
     <p:push dir="u"/>
   </p:transition>
 </p:sldLayout>
@@ -1497,7 +1511,7 @@
           <a:p>
             <a:fld id="{0809BC95-6AD5-4D34-9000-81E21223B4F6}" type="datetimeFigureOut">
               <a:rPr lang="it-IT" smtClean="0"/>
-              <a:t>19/02/15</a:t>
+              <a:t>20/02/2015</a:t>
             </a:fld>
             <a:endParaRPr lang="it-IT"/>
           </a:p>
@@ -1539,7 +1553,7 @@
           <a:p>
             <a:fld id="{7506457C-8D0E-4021-BB99-E24A507D8F57}" type="slidenum">
               <a:rPr lang="it-IT" smtClean="0"/>
-              <a:t>‹n.›</a:t>
+              <a:t>‹N›</a:t>
             </a:fld>
             <a:endParaRPr lang="it-IT"/>
           </a:p>
@@ -1555,7 +1569,7 @@
   <p:clrMapOvr>
     <a:masterClrMapping/>
   </p:clrMapOvr>
-  <p:transition xmlns:p14="http://schemas.microsoft.com/office/powerpoint/2010/main" spd="slow">
+  <p:transition spd="slow">
     <p:push dir="u"/>
   </p:transition>
 </p:sldLayout>
@@ -1732,7 +1746,7 @@
           <a:p>
             <a:fld id="{0809BC95-6AD5-4D34-9000-81E21223B4F6}" type="datetimeFigureOut">
               <a:rPr lang="it-IT" smtClean="0"/>
-              <a:t>19/02/15</a:t>
+              <a:t>20/02/2015</a:t>
             </a:fld>
             <a:endParaRPr lang="it-IT"/>
           </a:p>
@@ -1774,7 +1788,7 @@
           <a:p>
             <a:fld id="{7506457C-8D0E-4021-BB99-E24A507D8F57}" type="slidenum">
               <a:rPr lang="it-IT" smtClean="0"/>
-              <a:t>‹n.›</a:t>
+              <a:t>‹N›</a:t>
             </a:fld>
             <a:endParaRPr lang="it-IT"/>
           </a:p>
@@ -1790,7 +1804,7 @@
   <p:clrMapOvr>
     <a:masterClrMapping/>
   </p:clrMapOvr>
-  <p:transition xmlns:p14="http://schemas.microsoft.com/office/powerpoint/2010/main" spd="slow">
+  <p:transition spd="slow">
     <p:push dir="u"/>
   </p:transition>
 </p:sldLayout>
@@ -2102,7 +2116,7 @@
           <a:p>
             <a:fld id="{0809BC95-6AD5-4D34-9000-81E21223B4F6}" type="datetimeFigureOut">
               <a:rPr lang="it-IT" smtClean="0"/>
-              <a:t>19/02/15</a:t>
+              <a:t>20/02/2015</a:t>
             </a:fld>
             <a:endParaRPr lang="it-IT"/>
           </a:p>
@@ -2144,7 +2158,7 @@
           <a:p>
             <a:fld id="{7506457C-8D0E-4021-BB99-E24A507D8F57}" type="slidenum">
               <a:rPr lang="it-IT" smtClean="0"/>
-              <a:t>‹n.›</a:t>
+              <a:t>‹N›</a:t>
             </a:fld>
             <a:endParaRPr lang="it-IT"/>
           </a:p>
@@ -2160,7 +2174,7 @@
   <p:clrMapOvr>
     <a:masterClrMapping/>
   </p:clrMapOvr>
-  <p:transition xmlns:p14="http://schemas.microsoft.com/office/powerpoint/2010/main" spd="slow">
+  <p:transition spd="slow">
     <p:push dir="u"/>
   </p:transition>
 </p:sldLayout>
@@ -2223,7 +2237,7 @@
           <a:p>
             <a:fld id="{0809BC95-6AD5-4D34-9000-81E21223B4F6}" type="datetimeFigureOut">
               <a:rPr lang="it-IT" smtClean="0"/>
-              <a:t>19/02/15</a:t>
+              <a:t>20/02/2015</a:t>
             </a:fld>
             <a:endParaRPr lang="it-IT"/>
           </a:p>
@@ -2265,7 +2279,7 @@
           <a:p>
             <a:fld id="{7506457C-8D0E-4021-BB99-E24A507D8F57}" type="slidenum">
               <a:rPr lang="it-IT" smtClean="0"/>
-              <a:t>‹n.›</a:t>
+              <a:t>‹N›</a:t>
             </a:fld>
             <a:endParaRPr lang="it-IT"/>
           </a:p>
@@ -2281,7 +2295,7 @@
   <p:clrMapOvr>
     <a:masterClrMapping/>
   </p:clrMapOvr>
-  <p:transition xmlns:p14="http://schemas.microsoft.com/office/powerpoint/2010/main" spd="slow">
+  <p:transition spd="slow">
     <p:push dir="u"/>
   </p:transition>
 </p:sldLayout>
@@ -2321,7 +2335,7 @@
           <a:p>
             <a:fld id="{0809BC95-6AD5-4D34-9000-81E21223B4F6}" type="datetimeFigureOut">
               <a:rPr lang="it-IT" smtClean="0"/>
-              <a:t>19/02/15</a:t>
+              <a:t>20/02/2015</a:t>
             </a:fld>
             <a:endParaRPr lang="it-IT"/>
           </a:p>
@@ -2363,7 +2377,7 @@
           <a:p>
             <a:fld id="{7506457C-8D0E-4021-BB99-E24A507D8F57}" type="slidenum">
               <a:rPr lang="it-IT" smtClean="0"/>
-              <a:t>‹n.›</a:t>
+              <a:t>‹N›</a:t>
             </a:fld>
             <a:endParaRPr lang="it-IT"/>
           </a:p>
@@ -2379,7 +2393,7 @@
   <p:clrMapOvr>
     <a:masterClrMapping/>
   </p:clrMapOvr>
-  <p:transition xmlns:p14="http://schemas.microsoft.com/office/powerpoint/2010/main" spd="slow">
+  <p:transition spd="slow">
     <p:push dir="u"/>
   </p:transition>
 </p:sldLayout>
@@ -2601,7 +2615,7 @@
           <a:p>
             <a:fld id="{0809BC95-6AD5-4D34-9000-81E21223B4F6}" type="datetimeFigureOut">
               <a:rPr lang="it-IT" smtClean="0"/>
-              <a:t>19/02/15</a:t>
+              <a:t>20/02/2015</a:t>
             </a:fld>
             <a:endParaRPr lang="it-IT"/>
           </a:p>
@@ -2643,7 +2657,7 @@
           <a:p>
             <a:fld id="{7506457C-8D0E-4021-BB99-E24A507D8F57}" type="slidenum">
               <a:rPr lang="it-IT" smtClean="0"/>
-              <a:t>‹n.›</a:t>
+              <a:t>‹N›</a:t>
             </a:fld>
             <a:endParaRPr lang="it-IT"/>
           </a:p>
@@ -2659,7 +2673,7 @@
   <p:clrMapOvr>
     <a:masterClrMapping/>
   </p:clrMapOvr>
-  <p:transition xmlns:p14="http://schemas.microsoft.com/office/powerpoint/2010/main" spd="slow">
+  <p:transition spd="slow">
     <p:push dir="u"/>
   </p:transition>
 </p:sldLayout>
@@ -2857,7 +2871,7 @@
           <a:p>
             <a:fld id="{0809BC95-6AD5-4D34-9000-81E21223B4F6}" type="datetimeFigureOut">
               <a:rPr lang="it-IT" smtClean="0"/>
-              <a:t>19/02/15</a:t>
+              <a:t>20/02/2015</a:t>
             </a:fld>
             <a:endParaRPr lang="it-IT"/>
           </a:p>
@@ -2899,7 +2913,7 @@
           <a:p>
             <a:fld id="{7506457C-8D0E-4021-BB99-E24A507D8F57}" type="slidenum">
               <a:rPr lang="it-IT" smtClean="0"/>
-              <a:t>‹n.›</a:t>
+              <a:t>‹N›</a:t>
             </a:fld>
             <a:endParaRPr lang="it-IT"/>
           </a:p>
@@ -2915,7 +2929,7 @@
   <p:clrMapOvr>
     <a:masterClrMapping/>
   </p:clrMapOvr>
-  <p:transition xmlns:p14="http://schemas.microsoft.com/office/powerpoint/2010/main" spd="slow">
+  <p:transition spd="slow">
     <p:push dir="u"/>
   </p:transition>
 </p:sldLayout>
@@ -3073,7 +3087,7 @@
           <a:p>
             <a:fld id="{0809BC95-6AD5-4D34-9000-81E21223B4F6}" type="datetimeFigureOut">
               <a:rPr lang="it-IT" smtClean="0"/>
-              <a:t>19/02/15</a:t>
+              <a:t>20/02/2015</a:t>
             </a:fld>
             <a:endParaRPr lang="it-IT"/>
           </a:p>
@@ -3151,7 +3165,7 @@
           <a:p>
             <a:fld id="{7506457C-8D0E-4021-BB99-E24A507D8F57}" type="slidenum">
               <a:rPr lang="it-IT" smtClean="0"/>
-              <a:t>‹n.›</a:t>
+              <a:t>‹N›</a:t>
             </a:fld>
             <a:endParaRPr lang="it-IT"/>
           </a:p>
@@ -3178,7 +3192,7 @@
     <p:sldLayoutId id="2147483658" r:id="rId10"/>
     <p:sldLayoutId id="2147483659" r:id="rId11"/>
   </p:sldLayoutIdLst>
-  <p:transition xmlns:p14="http://schemas.microsoft.com/office/powerpoint/2010/main" spd="slow">
+  <p:transition spd="slow">
     <p:push dir="u"/>
   </p:transition>
   <p:txStyles>
@@ -3778,13 +3792,13 @@
   <p:clrMapOvr>
     <a:masterClrMapping/>
   </p:clrMapOvr>
-  <p:transition xmlns:p14="http://schemas.microsoft.com/office/powerpoint/2010/main" spd="slow">
+  <p:transition spd="slow">
     <p:push dir="u"/>
   </p:transition>
   <p:timing>
     <p:tnLst>
       <p:par>
-        <p:cTn xmlns:p14="http://schemas.microsoft.com/office/powerpoint/2010/main" id="1" dur="indefinite" restart="never" nodeType="tmRoot"/>
+        <p:cTn id="1" dur="indefinite" restart="never" nodeType="tmRoot"/>
       </p:par>
     </p:tnLst>
   </p:timing>
@@ -4467,13 +4481,13 @@
   <p:clrMapOvr>
     <a:masterClrMapping/>
   </p:clrMapOvr>
-  <p:transition xmlns:p14="http://schemas.microsoft.com/office/powerpoint/2010/main" spd="slow">
+  <p:transition spd="slow">
     <p:push dir="u"/>
   </p:transition>
   <p:timing>
     <p:tnLst>
       <p:par>
-        <p:cTn xmlns:p14="http://schemas.microsoft.com/office/powerpoint/2010/main" id="1" dur="indefinite" restart="never" nodeType="tmRoot"/>
+        <p:cTn id="1" dur="indefinite" restart="never" nodeType="tmRoot"/>
       </p:par>
     </p:tnLst>
   </p:timing>
@@ -4940,13 +4954,13 @@
   <p:clrMapOvr>
     <a:masterClrMapping/>
   </p:clrMapOvr>
-  <p:transition xmlns:p14="http://schemas.microsoft.com/office/powerpoint/2010/main" spd="slow">
+  <p:transition spd="slow">
     <p:push dir="u"/>
   </p:transition>
   <p:timing>
     <p:tnLst>
       <p:par>
-        <p:cTn xmlns:p14="http://schemas.microsoft.com/office/powerpoint/2010/main" id="1" dur="indefinite" restart="never" nodeType="tmRoot"/>
+        <p:cTn id="1" dur="indefinite" restart="never" nodeType="tmRoot"/>
       </p:par>
     </p:tnLst>
   </p:timing>
@@ -5398,13 +5412,13 @@
   <p:clrMapOvr>
     <a:masterClrMapping/>
   </p:clrMapOvr>
-  <p:transition xmlns:p14="http://schemas.microsoft.com/office/powerpoint/2010/main" spd="slow">
+  <p:transition spd="slow">
     <p:push dir="u"/>
   </p:transition>
   <p:timing>
     <p:tnLst>
       <p:par>
-        <p:cTn xmlns:p14="http://schemas.microsoft.com/office/powerpoint/2010/main" id="1" dur="indefinite" restart="never" nodeType="tmRoot"/>
+        <p:cTn id="1" dur="indefinite" restart="never" nodeType="tmRoot"/>
       </p:par>
     </p:tnLst>
   </p:timing>
@@ -6246,13 +6260,13 @@
   <p:clrMapOvr>
     <a:masterClrMapping/>
   </p:clrMapOvr>
-  <p:transition xmlns:p14="http://schemas.microsoft.com/office/powerpoint/2010/main" spd="slow">
+  <p:transition spd="slow">
     <p:push dir="u"/>
   </p:transition>
   <p:timing>
     <p:tnLst>
       <p:par>
-        <p:cTn xmlns:p14="http://schemas.microsoft.com/office/powerpoint/2010/main" id="1" dur="indefinite" restart="never" nodeType="tmRoot"/>
+        <p:cTn id="1" dur="indefinite" restart="never" nodeType="tmRoot"/>
       </p:par>
     </p:tnLst>
   </p:timing>
@@ -6857,13 +6871,13 @@
   <p:clrMapOvr>
     <a:masterClrMapping/>
   </p:clrMapOvr>
-  <p:transition xmlns:p14="http://schemas.microsoft.com/office/powerpoint/2010/main" spd="slow">
+  <p:transition spd="slow">
     <p:push dir="u"/>
   </p:transition>
   <p:timing>
     <p:tnLst>
       <p:par>
-        <p:cTn xmlns:p14="http://schemas.microsoft.com/office/powerpoint/2010/main" id="1" dur="indefinite" restart="never" nodeType="tmRoot"/>
+        <p:cTn id="1" dur="indefinite" restart="never" nodeType="tmRoot"/>
       </p:par>
     </p:tnLst>
   </p:timing>
@@ -7272,13 +7286,13 @@
   <p:clrMapOvr>
     <a:masterClrMapping/>
   </p:clrMapOvr>
-  <p:transition xmlns:p14="http://schemas.microsoft.com/office/powerpoint/2010/main" spd="slow">
+  <p:transition spd="slow">
     <p:push dir="u"/>
   </p:transition>
   <p:timing>
     <p:tnLst>
       <p:par>
-        <p:cTn xmlns:p14="http://schemas.microsoft.com/office/powerpoint/2010/main" id="1" dur="indefinite" restart="never" nodeType="tmRoot"/>
+        <p:cTn id="1" dur="indefinite" restart="never" nodeType="tmRoot"/>
       </p:par>
     </p:tnLst>
   </p:timing>
@@ -7525,13 +7539,13 @@
   <p:clrMapOvr>
     <a:masterClrMapping/>
   </p:clrMapOvr>
-  <p:transition xmlns:p14="http://schemas.microsoft.com/office/powerpoint/2010/main" spd="slow">
+  <p:transition spd="slow">
     <p:push dir="u"/>
   </p:transition>
   <p:timing>
     <p:tnLst>
       <p:par>
-        <p:cTn xmlns:p14="http://schemas.microsoft.com/office/powerpoint/2010/main" id="1" dur="indefinite" restart="never" nodeType="tmRoot"/>
+        <p:cTn id="1" dur="indefinite" restart="never" nodeType="tmRoot"/>
       </p:par>
     </p:tnLst>
   </p:timing>
@@ -7753,13 +7767,13 @@
   <p:clrMapOvr>
     <a:masterClrMapping/>
   </p:clrMapOvr>
-  <p:transition xmlns:p14="http://schemas.microsoft.com/office/powerpoint/2010/main" spd="slow">
+  <p:transition spd="slow">
     <p:push dir="u"/>
   </p:transition>
   <p:timing>
     <p:tnLst>
       <p:par>
-        <p:cTn xmlns:p14="http://schemas.microsoft.com/office/powerpoint/2010/main" id="1" dur="indefinite" restart="never" nodeType="tmRoot"/>
+        <p:cTn id="1" dur="indefinite" restart="never" nodeType="tmRoot"/>
       </p:par>
     </p:tnLst>
   </p:timing>
@@ -7981,13 +7995,13 @@
   <p:clrMapOvr>
     <a:masterClrMapping/>
   </p:clrMapOvr>
-  <p:transition xmlns:p14="http://schemas.microsoft.com/office/powerpoint/2010/main" spd="slow">
+  <p:transition spd="slow">
     <p:push dir="u"/>
   </p:transition>
   <p:timing>
     <p:tnLst>
       <p:par>
-        <p:cTn xmlns:p14="http://schemas.microsoft.com/office/powerpoint/2010/main" id="1" dur="indefinite" restart="never" nodeType="tmRoot"/>
+        <p:cTn id="1" dur="indefinite" restart="never" nodeType="tmRoot"/>
       </p:par>
     </p:tnLst>
   </p:timing>
@@ -8209,13 +8223,13 @@
   <p:clrMapOvr>
     <a:masterClrMapping/>
   </p:clrMapOvr>
-  <p:transition xmlns:p14="http://schemas.microsoft.com/office/powerpoint/2010/main" spd="slow">
+  <p:transition spd="slow">
     <p:push dir="u"/>
   </p:transition>
   <p:timing>
     <p:tnLst>
       <p:par>
-        <p:cTn xmlns:p14="http://schemas.microsoft.com/office/powerpoint/2010/main" id="1" dur="indefinite" restart="never" nodeType="tmRoot"/>
+        <p:cTn id="1" dur="indefinite" restart="never" nodeType="tmRoot"/>
       </p:par>
     </p:tnLst>
   </p:timing>
@@ -8497,13 +8511,13 @@
   <p:clrMapOvr>
     <a:masterClrMapping/>
   </p:clrMapOvr>
-  <p:transition xmlns:p14="http://schemas.microsoft.com/office/powerpoint/2010/main" spd="slow">
+  <p:transition spd="slow">
     <p:push dir="u"/>
   </p:transition>
   <p:timing>
     <p:tnLst>
       <p:par>
-        <p:cTn xmlns:p14="http://schemas.microsoft.com/office/powerpoint/2010/main" id="1" dur="indefinite" restart="never" nodeType="tmRoot"/>
+        <p:cTn id="1" dur="indefinite" restart="never" nodeType="tmRoot"/>
       </p:par>
     </p:tnLst>
   </p:timing>
@@ -8725,13 +8739,13 @@
   <p:clrMapOvr>
     <a:masterClrMapping/>
   </p:clrMapOvr>
-  <p:transition xmlns:p14="http://schemas.microsoft.com/office/powerpoint/2010/main" spd="slow">
+  <p:transition spd="slow">
     <p:push dir="u"/>
   </p:transition>
   <p:timing>
     <p:tnLst>
       <p:par>
-        <p:cTn xmlns:p14="http://schemas.microsoft.com/office/powerpoint/2010/main" id="1" dur="indefinite" restart="never" nodeType="tmRoot"/>
+        <p:cTn id="1" dur="indefinite" restart="never" nodeType="tmRoot"/>
       </p:par>
     </p:tnLst>
   </p:timing>
@@ -8953,13 +8967,13 @@
   <p:clrMapOvr>
     <a:masterClrMapping/>
   </p:clrMapOvr>
-  <p:transition xmlns:p14="http://schemas.microsoft.com/office/powerpoint/2010/main" spd="slow">
+  <p:transition spd="slow">
     <p:push dir="u"/>
   </p:transition>
   <p:timing>
     <p:tnLst>
       <p:par>
-        <p:cTn xmlns:p14="http://schemas.microsoft.com/office/powerpoint/2010/main" id="1" dur="indefinite" restart="never" nodeType="tmRoot"/>
+        <p:cTn id="1" dur="indefinite" restart="never" nodeType="tmRoot"/>
       </p:par>
     </p:tnLst>
   </p:timing>
@@ -9181,13 +9195,13 @@
   <p:clrMapOvr>
     <a:masterClrMapping/>
   </p:clrMapOvr>
-  <p:transition xmlns:p14="http://schemas.microsoft.com/office/powerpoint/2010/main" spd="slow">
+  <p:transition spd="slow">
     <p:push dir="u"/>
   </p:transition>
   <p:timing>
     <p:tnLst>
       <p:par>
-        <p:cTn xmlns:p14="http://schemas.microsoft.com/office/powerpoint/2010/main" id="1" dur="indefinite" restart="never" nodeType="tmRoot"/>
+        <p:cTn id="1" dur="indefinite" restart="never" nodeType="tmRoot"/>
       </p:par>
     </p:tnLst>
   </p:timing>
@@ -9409,13 +9423,13 @@
   <p:clrMapOvr>
     <a:masterClrMapping/>
   </p:clrMapOvr>
-  <p:transition xmlns:p14="http://schemas.microsoft.com/office/powerpoint/2010/main" spd="slow">
+  <p:transition spd="slow">
     <p:push dir="u"/>
   </p:transition>
   <p:timing>
     <p:tnLst>
       <p:par>
-        <p:cTn xmlns:p14="http://schemas.microsoft.com/office/powerpoint/2010/main" id="1" dur="indefinite" restart="never" nodeType="tmRoot"/>
+        <p:cTn id="1" dur="indefinite" restart="never" nodeType="tmRoot"/>
       </p:par>
     </p:tnLst>
   </p:timing>
@@ -9637,13 +9651,13 @@
   <p:clrMapOvr>
     <a:masterClrMapping/>
   </p:clrMapOvr>
-  <p:transition xmlns:p14="http://schemas.microsoft.com/office/powerpoint/2010/main" spd="slow">
+  <p:transition spd="slow">
     <p:push dir="u"/>
   </p:transition>
   <p:timing>
     <p:tnLst>
       <p:par>
-        <p:cTn xmlns:p14="http://schemas.microsoft.com/office/powerpoint/2010/main" id="1" dur="indefinite" restart="never" nodeType="tmRoot"/>
+        <p:cTn id="1" dur="indefinite" restart="never" nodeType="tmRoot"/>
       </p:par>
     </p:tnLst>
   </p:timing>
@@ -9865,13 +9879,13 @@
   <p:clrMapOvr>
     <a:masterClrMapping/>
   </p:clrMapOvr>
-  <p:transition xmlns:p14="http://schemas.microsoft.com/office/powerpoint/2010/main" spd="slow">
+  <p:transition spd="slow">
     <p:push dir="u"/>
   </p:transition>
   <p:timing>
     <p:tnLst>
       <p:par>
-        <p:cTn xmlns:p14="http://schemas.microsoft.com/office/powerpoint/2010/main" id="1" dur="indefinite" restart="never" nodeType="tmRoot"/>
+        <p:cTn id="1" dur="indefinite" restart="never" nodeType="tmRoot"/>
       </p:par>
     </p:tnLst>
   </p:timing>
@@ -10093,13 +10107,13 @@
   <p:clrMapOvr>
     <a:masterClrMapping/>
   </p:clrMapOvr>
-  <p:transition xmlns:p14="http://schemas.microsoft.com/office/powerpoint/2010/main" spd="slow">
+  <p:transition spd="slow">
     <p:push dir="u"/>
   </p:transition>
   <p:timing>
     <p:tnLst>
       <p:par>
-        <p:cTn xmlns:p14="http://schemas.microsoft.com/office/powerpoint/2010/main" id="1" dur="indefinite" restart="never" nodeType="tmRoot"/>
+        <p:cTn id="1" dur="indefinite" restart="never" nodeType="tmRoot"/>
       </p:par>
     </p:tnLst>
   </p:timing>
@@ -10360,13 +10374,13 @@
   <p:clrMapOvr>
     <a:masterClrMapping/>
   </p:clrMapOvr>
-  <p:transition xmlns:p14="http://schemas.microsoft.com/office/powerpoint/2010/main" spd="slow">
+  <p:transition spd="slow">
     <p:push dir="u"/>
   </p:transition>
   <p:timing>
     <p:tnLst>
       <p:par>
-        <p:cTn xmlns:p14="http://schemas.microsoft.com/office/powerpoint/2010/main" id="1" dur="indefinite" restart="never" nodeType="tmRoot"/>
+        <p:cTn id="1" dur="indefinite" restart="never" nodeType="tmRoot"/>
       </p:par>
     </p:tnLst>
   </p:timing>
@@ -10627,13 +10641,13 @@
   <p:clrMapOvr>
     <a:masterClrMapping/>
   </p:clrMapOvr>
-  <p:transition xmlns:p14="http://schemas.microsoft.com/office/powerpoint/2010/main" spd="slow">
+  <p:transition spd="slow">
     <p:push dir="u"/>
   </p:transition>
   <p:timing>
     <p:tnLst>
       <p:par>
-        <p:cTn xmlns:p14="http://schemas.microsoft.com/office/powerpoint/2010/main" id="1" dur="indefinite" restart="never" nodeType="tmRoot"/>
+        <p:cTn id="1" dur="indefinite" restart="never" nodeType="tmRoot"/>
       </p:par>
     </p:tnLst>
   </p:timing>
@@ -10894,13 +10908,13 @@
   <p:clrMapOvr>
     <a:masterClrMapping/>
   </p:clrMapOvr>
-  <p:transition xmlns:p14="http://schemas.microsoft.com/office/powerpoint/2010/main" spd="slow">
+  <p:transition spd="slow">
     <p:push dir="u"/>
   </p:transition>
   <p:timing>
     <p:tnLst>
       <p:par>
-        <p:cTn xmlns:p14="http://schemas.microsoft.com/office/powerpoint/2010/main" id="1" dur="indefinite" restart="never" nodeType="tmRoot"/>
+        <p:cTn id="1" dur="indefinite" restart="never" nodeType="tmRoot"/>
       </p:par>
     </p:tnLst>
   </p:timing>
@@ -11278,13 +11292,13 @@
   <p:clrMapOvr>
     <a:masterClrMapping/>
   </p:clrMapOvr>
-  <p:transition xmlns:p14="http://schemas.microsoft.com/office/powerpoint/2010/main" spd="slow">
+  <p:transition spd="slow">
     <p:push dir="u"/>
   </p:transition>
   <p:timing>
     <p:tnLst>
       <p:par>
-        <p:cTn xmlns:p14="http://schemas.microsoft.com/office/powerpoint/2010/main" id="1" dur="indefinite" restart="never" nodeType="tmRoot"/>
+        <p:cTn id="1" dur="indefinite" restart="never" nodeType="tmRoot"/>
       </p:par>
     </p:tnLst>
   </p:timing>
@@ -11545,13 +11559,13 @@
   <p:clrMapOvr>
     <a:masterClrMapping/>
   </p:clrMapOvr>
-  <p:transition xmlns:p14="http://schemas.microsoft.com/office/powerpoint/2010/main" spd="slow">
+  <p:transition spd="slow">
     <p:push dir="u"/>
   </p:transition>
   <p:timing>
     <p:tnLst>
       <p:par>
-        <p:cTn xmlns:p14="http://schemas.microsoft.com/office/powerpoint/2010/main" id="1" dur="indefinite" restart="never" nodeType="tmRoot"/>
+        <p:cTn id="1" dur="indefinite" restart="never" nodeType="tmRoot"/>
       </p:par>
     </p:tnLst>
   </p:timing>
@@ -11812,13 +11826,13 @@
   <p:clrMapOvr>
     <a:masterClrMapping/>
   </p:clrMapOvr>
-  <p:transition xmlns:p14="http://schemas.microsoft.com/office/powerpoint/2010/main" spd="slow">
+  <p:transition spd="slow">
     <p:push dir="u"/>
   </p:transition>
   <p:timing>
     <p:tnLst>
       <p:par>
-        <p:cTn xmlns:p14="http://schemas.microsoft.com/office/powerpoint/2010/main" id="1" dur="indefinite" restart="never" nodeType="tmRoot"/>
+        <p:cTn id="1" dur="indefinite" restart="never" nodeType="tmRoot"/>
       </p:par>
     </p:tnLst>
   </p:timing>
@@ -12079,13 +12093,13 @@
   <p:clrMapOvr>
     <a:masterClrMapping/>
   </p:clrMapOvr>
-  <p:transition xmlns:p14="http://schemas.microsoft.com/office/powerpoint/2010/main" spd="slow">
+  <p:transition spd="slow">
     <p:push dir="u"/>
   </p:transition>
   <p:timing>
     <p:tnLst>
       <p:par>
-        <p:cTn xmlns:p14="http://schemas.microsoft.com/office/powerpoint/2010/main" id="1" dur="indefinite" restart="never" nodeType="tmRoot"/>
+        <p:cTn id="1" dur="indefinite" restart="never" nodeType="tmRoot"/>
       </p:par>
     </p:tnLst>
   </p:timing>
@@ -12320,13 +12334,13 @@
   <p:clrMapOvr>
     <a:masterClrMapping/>
   </p:clrMapOvr>
-  <p:transition xmlns:p14="http://schemas.microsoft.com/office/powerpoint/2010/main" spd="slow">
+  <p:transition spd="slow">
     <p:push dir="u"/>
   </p:transition>
   <p:timing>
     <p:tnLst>
       <p:par>
-        <p:cTn xmlns:p14="http://schemas.microsoft.com/office/powerpoint/2010/main" id="1" dur="indefinite" restart="never" nodeType="tmRoot"/>
+        <p:cTn id="1" dur="indefinite" restart="never" nodeType="tmRoot"/>
       </p:par>
     </p:tnLst>
   </p:timing>
@@ -13564,13 +13578,13 @@
   <p:clrMapOvr>
     <a:masterClrMapping/>
   </p:clrMapOvr>
-  <p:transition xmlns:p14="http://schemas.microsoft.com/office/powerpoint/2010/main" spd="slow">
+  <p:transition spd="slow">
     <p:push dir="u"/>
   </p:transition>
   <p:timing>
     <p:tnLst>
       <p:par>
-        <p:cTn xmlns:p14="http://schemas.microsoft.com/office/powerpoint/2010/main" id="1" dur="indefinite" restart="never" nodeType="tmRoot"/>
+        <p:cTn id="1" dur="indefinite" restart="never" nodeType="tmRoot"/>
       </p:par>
     </p:tnLst>
   </p:timing>
@@ -13713,7 +13727,7 @@
         <p:spPr>
           <a:xfrm>
             <a:off x="2669382" y="1515904"/>
-            <a:ext cx="9129713" cy="5201424"/>
+            <a:ext cx="9129713" cy="5047536"/>
           </a:xfrm>
           <a:prstGeom prst="rect">
             <a:avLst/>
@@ -14260,29 +14274,26 @@
                 <a:latin typeface="+mj-lt"/>
                 <a:cs typeface="Arial" charset="0"/>
               </a:rPr>
-              <a:t>		              GPRS</a:t>
-            </a:r>
-            <a:r>
-              <a:rPr lang="it-IT" sz="2800" spc="-100" dirty="0">
-                <a:ln w="3175">
-                  <a:noFill/>
-                </a:ln>
-                <a:gradFill>
-                  <a:gsLst>
-                    <a:gs pos="1250">
-                      <a:schemeClr val="tx2"/>
-                    </a:gs>
-                    <a:gs pos="100000">
-                      <a:schemeClr val="tx2"/>
-                    </a:gs>
-                  </a:gsLst>
-                  <a:lin ang="5400000" scaled="0"/>
-                </a:gradFill>
-                <a:latin typeface="+mj-lt"/>
-                <a:cs typeface="Arial" charset="0"/>
-              </a:rPr>
-              <a:t>/GSM</a:t>
-            </a:r>
+              <a:t>GPRS/GSM</a:t>
+            </a:r>
+            <a:endParaRPr lang="it-IT" sz="2800" spc="-100" dirty="0">
+              <a:ln w="3175">
+                <a:noFill/>
+              </a:ln>
+              <a:gradFill>
+                <a:gsLst>
+                  <a:gs pos="1250">
+                    <a:schemeClr val="tx2"/>
+                  </a:gs>
+                  <a:gs pos="100000">
+                    <a:schemeClr val="tx2"/>
+                  </a:gs>
+                </a:gsLst>
+                <a:lin ang="5400000" scaled="0"/>
+              </a:gradFill>
+              <a:latin typeface="+mj-lt"/>
+              <a:cs typeface="Arial" charset="0"/>
+            </a:endParaRPr>
           </a:p>
           <a:p>
             <a:pPr lvl="0"/>
@@ -14368,7 +14379,28 @@
                 <a:latin typeface="+mj-lt"/>
                 <a:cs typeface="Arial" charset="0"/>
               </a:rPr>
-              <a:t>	                            1400€/unità </a:t>
+              <a:t>1400</a:t>
+            </a:r>
+            <a:r>
+              <a:rPr lang="it-IT" sz="2800" spc="-100" dirty="0" smtClean="0">
+                <a:ln w="3175">
+                  <a:noFill/>
+                </a:ln>
+                <a:gradFill>
+                  <a:gsLst>
+                    <a:gs pos="1250">
+                      <a:schemeClr val="tx2"/>
+                    </a:gs>
+                    <a:gs pos="100000">
+                      <a:schemeClr val="tx2"/>
+                    </a:gs>
+                  </a:gsLst>
+                  <a:lin ang="5400000" scaled="0"/>
+                </a:gradFill>
+                <a:latin typeface="+mj-lt"/>
+                <a:cs typeface="Arial" charset="0"/>
+              </a:rPr>
+              <a:t>€/unità </a:t>
             </a:r>
             <a:r>
               <a:rPr lang="it-IT" sz="1400" spc="-100" dirty="0" smtClean="0">
@@ -14456,27 +14488,6 @@
             </a:endParaRPr>
           </a:p>
           <a:p>
-            <a:pPr lvl="0"/>
-            <a:endParaRPr lang="it-IT" sz="1000" spc="-100" dirty="0" smtClean="0">
-              <a:ln w="3175">
-                <a:noFill/>
-              </a:ln>
-              <a:gradFill>
-                <a:gsLst>
-                  <a:gs pos="1250">
-                    <a:schemeClr val="tx2"/>
-                  </a:gs>
-                  <a:gs pos="100000">
-                    <a:schemeClr val="tx2"/>
-                  </a:gs>
-                </a:gsLst>
-                <a:lin ang="5400000" scaled="0"/>
-              </a:gradFill>
-              <a:latin typeface="+mj-lt"/>
-              <a:cs typeface="Arial" charset="0"/>
-            </a:endParaRPr>
-          </a:p>
-          <a:p>
             <a:pPr lvl="0" algn="r"/>
             <a:r>
               <a:rPr lang="it-IT" sz="2000" spc="-100" dirty="0" smtClean="0">
@@ -14651,13 +14662,13 @@
   <p:clrMapOvr>
     <a:masterClrMapping/>
   </p:clrMapOvr>
-  <p:transition xmlns:p14="http://schemas.microsoft.com/office/powerpoint/2010/main" spd="slow">
+  <p:transition spd="slow">
     <p:push dir="u"/>
   </p:transition>
   <p:timing>
     <p:tnLst>
       <p:par>
-        <p:cTn xmlns:p14="http://schemas.microsoft.com/office/powerpoint/2010/main" id="1" dur="indefinite" restart="never" nodeType="tmRoot"/>
+        <p:cTn id="1" dur="indefinite" restart="never" nodeType="tmRoot"/>
       </p:par>
     </p:tnLst>
   </p:timing>
@@ -15032,13 +15043,13 @@
   <p:clrMapOvr>
     <a:masterClrMapping/>
   </p:clrMapOvr>
-  <p:transition xmlns:p14="http://schemas.microsoft.com/office/powerpoint/2010/main" spd="slow">
+  <p:transition spd="slow">
     <p:push dir="u"/>
   </p:transition>
   <p:timing>
     <p:tnLst>
       <p:par>
-        <p:cTn xmlns:p14="http://schemas.microsoft.com/office/powerpoint/2010/main" id="1" dur="indefinite" restart="never" nodeType="tmRoot"/>
+        <p:cTn id="1" dur="indefinite" restart="never" nodeType="tmRoot"/>
       </p:par>
     </p:tnLst>
   </p:timing>
@@ -15365,8 +15376,8 @@
         </p:blipFill>
         <p:spPr>
           <a:xfrm>
-            <a:off x="5192396" y="2846249"/>
-            <a:ext cx="5716668" cy="2286668"/>
+            <a:off x="5800724" y="2846249"/>
+            <a:ext cx="5108339" cy="2043336"/>
           </a:xfrm>
           <a:prstGeom prst="rect">
             <a:avLst/>
@@ -15383,13 +15394,13 @@
   <p:clrMapOvr>
     <a:masterClrMapping/>
   </p:clrMapOvr>
-  <p:transition xmlns:p14="http://schemas.microsoft.com/office/powerpoint/2010/main" spd="slow">
+  <p:transition spd="slow">
     <p:push dir="u"/>
   </p:transition>
   <p:timing>
     <p:tnLst>
       <p:par>
-        <p:cTn xmlns:p14="http://schemas.microsoft.com/office/powerpoint/2010/main" id="1" dur="indefinite" restart="never" nodeType="tmRoot"/>
+        <p:cTn id="1" dur="indefinite" restart="never" nodeType="tmRoot"/>
       </p:par>
     </p:tnLst>
   </p:timing>
@@ -15397,6 +15408,1696 @@
 </file>
 
 <file path=ppt/slides/slide38.xml><?xml version="1.0" encoding="utf-8"?>
+<p:sld xmlns:a="http://schemas.openxmlformats.org/drawingml/2006/main" xmlns:r="http://schemas.openxmlformats.org/officeDocument/2006/relationships" xmlns:p="http://schemas.openxmlformats.org/presentationml/2006/main">
+  <p:cSld>
+    <p:spTree>
+      <p:nvGrpSpPr>
+        <p:cNvPr id="1" name=""/>
+        <p:cNvGrpSpPr/>
+        <p:nvPr/>
+      </p:nvGrpSpPr>
+      <p:grpSpPr>
+        <a:xfrm>
+          <a:off x="0" y="0"/>
+          <a:ext cx="0" cy="0"/>
+          <a:chOff x="0" y="0"/>
+          <a:chExt cx="0" cy="0"/>
+        </a:xfrm>
+      </p:grpSpPr>
+      <p:sp>
+        <p:nvSpPr>
+          <p:cNvPr id="4" name="Rettangolo 3"/>
+          <p:cNvSpPr/>
+          <p:nvPr/>
+        </p:nvSpPr>
+        <p:spPr>
+          <a:xfrm>
+            <a:off x="0" y="6515100"/>
+            <a:ext cx="12192000" cy="342900"/>
+          </a:xfrm>
+          <a:prstGeom prst="rect">
+            <a:avLst/>
+          </a:prstGeom>
+          <a:solidFill>
+            <a:srgbClr val="0072C6"/>
+          </a:solidFill>
+        </p:spPr>
+        <p:style>
+          <a:lnRef idx="2">
+            <a:schemeClr val="accent1">
+              <a:shade val="50000"/>
+            </a:schemeClr>
+          </a:lnRef>
+          <a:fillRef idx="1">
+            <a:schemeClr val="accent1"/>
+          </a:fillRef>
+          <a:effectRef idx="0">
+            <a:schemeClr val="accent1"/>
+          </a:effectRef>
+          <a:fontRef idx="minor">
+            <a:schemeClr val="lt1"/>
+          </a:fontRef>
+        </p:style>
+        <p:txBody>
+          <a:bodyPr rtlCol="0" anchor="ctr"/>
+          <a:lstStyle/>
+          <a:p>
+            <a:pPr algn="ctr"/>
+            <a:endParaRPr lang="it-IT"/>
+          </a:p>
+        </p:txBody>
+      </p:sp>
+      <p:sp>
+        <p:nvSpPr>
+          <p:cNvPr id="5" name="Rettangolo 4"/>
+          <p:cNvSpPr/>
+          <p:nvPr/>
+        </p:nvSpPr>
+        <p:spPr>
+          <a:xfrm>
+            <a:off x="0" y="-28574"/>
+            <a:ext cx="12192000" cy="342900"/>
+          </a:xfrm>
+          <a:prstGeom prst="rect">
+            <a:avLst/>
+          </a:prstGeom>
+          <a:solidFill>
+            <a:srgbClr val="0072C6"/>
+          </a:solidFill>
+        </p:spPr>
+        <p:style>
+          <a:lnRef idx="2">
+            <a:schemeClr val="accent1">
+              <a:shade val="50000"/>
+            </a:schemeClr>
+          </a:lnRef>
+          <a:fillRef idx="1">
+            <a:schemeClr val="accent1"/>
+          </a:fillRef>
+          <a:effectRef idx="0">
+            <a:schemeClr val="accent1"/>
+          </a:effectRef>
+          <a:fontRef idx="minor">
+            <a:schemeClr val="lt1"/>
+          </a:fontRef>
+        </p:style>
+        <p:txBody>
+          <a:bodyPr rtlCol="0" anchor="ctr"/>
+          <a:lstStyle/>
+          <a:p>
+            <a:pPr algn="ctr"/>
+            <a:endParaRPr lang="it-IT"/>
+          </a:p>
+        </p:txBody>
+      </p:sp>
+      <p:sp>
+        <p:nvSpPr>
+          <p:cNvPr id="6" name="Title 2"/>
+          <p:cNvSpPr txBox="1">
+            <a:spLocks/>
+          </p:cNvSpPr>
+          <p:nvPr/>
+        </p:nvSpPr>
+        <p:spPr>
+          <a:xfrm>
+            <a:off x="521493" y="485778"/>
+            <a:ext cx="11149013" cy="1214436"/>
+          </a:xfrm>
+          <a:prstGeom prst="rect">
+            <a:avLst/>
+          </a:prstGeom>
+        </p:spPr>
+        <p:txBody>
+          <a:bodyPr/>
+          <a:lstStyle>
+            <a:lvl1pPr algn="l" defTabSz="914363" rtl="0" eaLnBrk="1" latinLnBrk="0" hangingPunct="1">
+              <a:lnSpc>
+                <a:spcPct val="90000"/>
+              </a:lnSpc>
+              <a:spcBef>
+                <a:spcPct val="0"/>
+              </a:spcBef>
+              <a:buNone/>
+              <a:defRPr lang="en-US" sz="5400" b="0" kern="1200" cap="none" spc="-100" baseline="0" dirty="0" smtClean="0">
+                <a:ln w="3175">
+                  <a:noFill/>
+                </a:ln>
+                <a:gradFill>
+                  <a:gsLst>
+                    <a:gs pos="1250">
+                      <a:schemeClr val="tx2"/>
+                    </a:gs>
+                    <a:gs pos="100000">
+                      <a:schemeClr val="tx2"/>
+                    </a:gs>
+                  </a:gsLst>
+                  <a:lin ang="5400000" scaled="0"/>
+                </a:gradFill>
+                <a:effectLst/>
+                <a:latin typeface="+mj-lt"/>
+                <a:ea typeface="+mn-ea"/>
+                <a:cs typeface="Arial" charset="0"/>
+              </a:defRPr>
+            </a:lvl1pPr>
+          </a:lstStyle>
+          <a:p>
+            <a:r>
+              <a:rPr lang="it-IT" b="1" dirty="0" smtClean="0">
+                <a:solidFill>
+                  <a:srgbClr val="0072C6"/>
+                </a:solidFill>
+              </a:rPr>
+              <a:t>Architettura di </a:t>
+            </a:r>
+            <a:r>
+              <a:rPr lang="it-IT" b="1" dirty="0" err="1" smtClean="0">
+                <a:solidFill>
+                  <a:srgbClr val="0072C6"/>
+                </a:solidFill>
+              </a:rPr>
+              <a:t>deployment</a:t>
+            </a:r>
+            <a:endParaRPr lang="it-IT" b="1" dirty="0" smtClean="0">
+              <a:solidFill>
+                <a:srgbClr val="0072C6"/>
+              </a:solidFill>
+            </a:endParaRPr>
+          </a:p>
+          <a:p>
+            <a:r>
+              <a:rPr lang="it-IT" sz="3000" b="1" i="1" dirty="0" smtClean="0">
+                <a:solidFill>
+                  <a:srgbClr val="0072C6"/>
+                </a:solidFill>
+              </a:rPr>
+              <a:t>Strumenti - </a:t>
+            </a:r>
+            <a:r>
+              <a:rPr lang="it-IT" sz="3000" b="1" i="1" dirty="0" smtClean="0">
+                <a:solidFill>
+                  <a:srgbClr val="0072C6"/>
+                </a:solidFill>
+              </a:rPr>
+              <a:t>3</a:t>
+            </a:r>
+            <a:endParaRPr lang="it-IT" sz="3000" b="1" i="1" dirty="0">
+              <a:solidFill>
+                <a:srgbClr val="0072C6"/>
+              </a:solidFill>
+            </a:endParaRPr>
+          </a:p>
+          <a:p>
+            <a:endParaRPr lang="it-IT" sz="1500" b="1" i="1" dirty="0" smtClean="0">
+              <a:solidFill>
+                <a:srgbClr val="0072C6"/>
+              </a:solidFill>
+            </a:endParaRPr>
+          </a:p>
+          <a:p>
+            <a:pPr marL="457200" lvl="0" indent="-457200">
+              <a:buFont typeface="Arial" panose="020B0604020202020204" pitchFamily="34" charset="0"/>
+              <a:buChar char="•"/>
+            </a:pPr>
+            <a:endParaRPr lang="it-IT" sz="3200" dirty="0" smtClean="0"/>
+          </a:p>
+          <a:p>
+            <a:pPr lvl="0"/>
+            <a:r>
+              <a:rPr lang="it-IT" sz="2400" dirty="0" smtClean="0"/>
+              <a:t>Per lo sviluppo del sistema supponiamo i seguenti costi:</a:t>
+            </a:r>
+          </a:p>
+          <a:p>
+            <a:pPr lvl="0"/>
+            <a:endParaRPr lang="it-IT" sz="2400" dirty="0"/>
+          </a:p>
+          <a:p>
+            <a:pPr lvl="0"/>
+            <a:r>
+              <a:rPr lang="it-IT" sz="2400" dirty="0" smtClean="0"/>
+              <a:t>Analisi requisiti e creazione documenti di implementazione/architettura:</a:t>
+            </a:r>
+          </a:p>
+          <a:p>
+            <a:pPr lvl="0"/>
+            <a:r>
+              <a:rPr lang="it-IT" sz="2400" dirty="0"/>
+              <a:t>	</a:t>
+            </a:r>
+            <a:endParaRPr lang="it-IT" sz="2400" dirty="0" smtClean="0"/>
+          </a:p>
+          <a:p>
+            <a:pPr lvl="0"/>
+            <a:r>
+              <a:rPr lang="it-IT" sz="2400" dirty="0"/>
+              <a:t>	</a:t>
+            </a:r>
+            <a:r>
+              <a:rPr lang="it-IT" sz="2400" dirty="0" smtClean="0"/>
+              <a:t>3         per 7-10 gg a 150€/h</a:t>
+            </a:r>
+          </a:p>
+          <a:p>
+            <a:pPr lvl="0"/>
+            <a:endParaRPr lang="it-IT" sz="2400" dirty="0"/>
+          </a:p>
+          <a:p>
+            <a:pPr lvl="0"/>
+            <a:r>
+              <a:rPr lang="it-IT" sz="2400" dirty="0" smtClean="0"/>
+              <a:t>Sviluppo del sistema partendo dalla documentazione prodotta nella fase di analisi:</a:t>
+            </a:r>
+          </a:p>
+          <a:p>
+            <a:pPr lvl="0"/>
+            <a:endParaRPr lang="it-IT" sz="2400" dirty="0" smtClean="0"/>
+          </a:p>
+          <a:p>
+            <a:pPr lvl="0"/>
+            <a:r>
+              <a:rPr lang="it-IT" sz="2400" dirty="0"/>
+              <a:t>	</a:t>
+            </a:r>
+            <a:r>
+              <a:rPr lang="it-IT" sz="2400" dirty="0" smtClean="0"/>
+              <a:t>5          per 90 gg a 80€/h</a:t>
+            </a:r>
+          </a:p>
+          <a:p>
+            <a:pPr lvl="0"/>
+            <a:endParaRPr lang="it-IT" sz="2400" dirty="0"/>
+          </a:p>
+          <a:p>
+            <a:pPr lvl="0"/>
+            <a:endParaRPr lang="it-IT" sz="2400" dirty="0"/>
+          </a:p>
+          <a:p>
+            <a:pPr lvl="0"/>
+            <a:r>
+              <a:rPr lang="it-IT" sz="2400" dirty="0" smtClean="0"/>
+              <a:t>	     </a:t>
+            </a:r>
+            <a:endParaRPr lang="it-IT" sz="2400" dirty="0"/>
+          </a:p>
+          <a:p>
+            <a:pPr marL="457200" lvl="0" indent="-457200">
+              <a:buFont typeface="Arial" panose="020B0604020202020204" pitchFamily="34" charset="0"/>
+              <a:buChar char="•"/>
+            </a:pPr>
+            <a:endParaRPr lang="it-IT" sz="3200" dirty="0" smtClean="0"/>
+          </a:p>
+          <a:p>
+            <a:pPr marL="457200" lvl="0" indent="-457200">
+              <a:buFont typeface="Arial" panose="020B0604020202020204" pitchFamily="34" charset="0"/>
+              <a:buChar char="•"/>
+            </a:pPr>
+            <a:endParaRPr lang="it-IT" sz="3200" dirty="0"/>
+          </a:p>
+          <a:p>
+            <a:pPr marL="457200" lvl="0" indent="-457200">
+              <a:buFont typeface="Arial" panose="020B0604020202020204" pitchFamily="34" charset="0"/>
+              <a:buChar char="•"/>
+            </a:pPr>
+            <a:endParaRPr lang="it-IT" sz="3000" dirty="0"/>
+          </a:p>
+          <a:p>
+            <a:pPr marL="457200" lvl="0" indent="-457200">
+              <a:buFont typeface="Arial" panose="020B0604020202020204" pitchFamily="34" charset="0"/>
+              <a:buChar char="•"/>
+            </a:pPr>
+            <a:endParaRPr lang="it-IT" sz="3000" b="1" i="1" dirty="0" smtClean="0">
+              <a:solidFill>
+                <a:srgbClr val="0072C6"/>
+              </a:solidFill>
+            </a:endParaRPr>
+          </a:p>
+          <a:p>
+            <a:pPr lvl="0"/>
+            <a:endParaRPr lang="it-IT" sz="3000" b="1" i="1" dirty="0" smtClean="0">
+              <a:solidFill>
+                <a:srgbClr val="0072C6"/>
+              </a:solidFill>
+            </a:endParaRPr>
+          </a:p>
+          <a:p>
+            <a:pPr marL="457200" lvl="0" indent="-457200">
+              <a:buFont typeface="Arial" panose="020B0604020202020204" pitchFamily="34" charset="0"/>
+              <a:buChar char="•"/>
+            </a:pPr>
+            <a:endParaRPr lang="it-IT" sz="5000" b="1" i="1" dirty="0">
+              <a:solidFill>
+                <a:srgbClr val="0072C6"/>
+              </a:solidFill>
+            </a:endParaRPr>
+          </a:p>
+          <a:p>
+            <a:endParaRPr lang="it-IT" sz="5000" b="1" i="1" dirty="0" smtClean="0">
+              <a:solidFill>
+                <a:srgbClr val="0072C6"/>
+              </a:solidFill>
+            </a:endParaRPr>
+          </a:p>
+          <a:p>
+            <a:endParaRPr lang="it-IT" sz="3000" b="1" i="1" dirty="0">
+              <a:solidFill>
+                <a:srgbClr val="0072C6"/>
+              </a:solidFill>
+            </a:endParaRPr>
+          </a:p>
+        </p:txBody>
+      </p:sp>
+      <p:pic>
+        <p:nvPicPr>
+          <p:cNvPr id="3" name="Immagine 2"/>
+          <p:cNvPicPr>
+            <a:picLocks noChangeAspect="1"/>
+          </p:cNvPicPr>
+          <p:nvPr/>
+        </p:nvPicPr>
+        <p:blipFill>
+          <a:blip r:embed="rId2"/>
+          <a:stretch>
+            <a:fillRect/>
+          </a:stretch>
+        </p:blipFill>
+        <p:spPr>
+          <a:xfrm>
+            <a:off x="1771651" y="3516949"/>
+            <a:ext cx="300037" cy="576420"/>
+          </a:xfrm>
+          <a:prstGeom prst="rect">
+            <a:avLst/>
+          </a:prstGeom>
+        </p:spPr>
+      </p:pic>
+      <p:pic>
+        <p:nvPicPr>
+          <p:cNvPr id="7" name="Immagine 6"/>
+          <p:cNvPicPr>
+            <a:picLocks noChangeAspect="1"/>
+          </p:cNvPicPr>
+          <p:nvPr/>
+        </p:nvPicPr>
+        <p:blipFill>
+          <a:blip r:embed="rId2"/>
+          <a:stretch>
+            <a:fillRect/>
+          </a:stretch>
+        </p:blipFill>
+        <p:spPr>
+          <a:xfrm>
+            <a:off x="1771650" y="4841002"/>
+            <a:ext cx="300037" cy="576420"/>
+          </a:xfrm>
+          <a:prstGeom prst="rect">
+            <a:avLst/>
+          </a:prstGeom>
+        </p:spPr>
+      </p:pic>
+    </p:spTree>
+    <p:extLst>
+      <p:ext uri="{BB962C8B-B14F-4D97-AF65-F5344CB8AC3E}">
+        <p14:creationId xmlns:p14="http://schemas.microsoft.com/office/powerpoint/2010/main" val="630926700"/>
+      </p:ext>
+    </p:extLst>
+  </p:cSld>
+  <p:clrMapOvr>
+    <a:masterClrMapping/>
+  </p:clrMapOvr>
+  <p:transition spd="slow">
+    <p:push dir="u"/>
+  </p:transition>
+  <p:timing>
+    <p:tnLst>
+      <p:par>
+        <p:cTn id="1" dur="indefinite" restart="never" nodeType="tmRoot"/>
+      </p:par>
+    </p:tnLst>
+  </p:timing>
+</p:sld>
+</file>
+
+<file path=ppt/slides/slide39.xml><?xml version="1.0" encoding="utf-8"?>
+<p:sld xmlns:a="http://schemas.openxmlformats.org/drawingml/2006/main" xmlns:r="http://schemas.openxmlformats.org/officeDocument/2006/relationships" xmlns:p="http://schemas.openxmlformats.org/presentationml/2006/main">
+  <p:cSld>
+    <p:spTree>
+      <p:nvGrpSpPr>
+        <p:cNvPr id="1" name=""/>
+        <p:cNvGrpSpPr/>
+        <p:nvPr/>
+      </p:nvGrpSpPr>
+      <p:grpSpPr>
+        <a:xfrm>
+          <a:off x="0" y="0"/>
+          <a:ext cx="0" cy="0"/>
+          <a:chOff x="0" y="0"/>
+          <a:chExt cx="0" cy="0"/>
+        </a:xfrm>
+      </p:grpSpPr>
+      <p:sp>
+        <p:nvSpPr>
+          <p:cNvPr id="4" name="Rettangolo 3"/>
+          <p:cNvSpPr/>
+          <p:nvPr/>
+        </p:nvSpPr>
+        <p:spPr>
+          <a:xfrm>
+            <a:off x="0" y="6515100"/>
+            <a:ext cx="12192000" cy="342900"/>
+          </a:xfrm>
+          <a:prstGeom prst="rect">
+            <a:avLst/>
+          </a:prstGeom>
+          <a:solidFill>
+            <a:srgbClr val="0072C6"/>
+          </a:solidFill>
+        </p:spPr>
+        <p:style>
+          <a:lnRef idx="2">
+            <a:schemeClr val="accent1">
+              <a:shade val="50000"/>
+            </a:schemeClr>
+          </a:lnRef>
+          <a:fillRef idx="1">
+            <a:schemeClr val="accent1"/>
+          </a:fillRef>
+          <a:effectRef idx="0">
+            <a:schemeClr val="accent1"/>
+          </a:effectRef>
+          <a:fontRef idx="minor">
+            <a:schemeClr val="lt1"/>
+          </a:fontRef>
+        </p:style>
+        <p:txBody>
+          <a:bodyPr rtlCol="0" anchor="ctr"/>
+          <a:lstStyle/>
+          <a:p>
+            <a:pPr algn="ctr"/>
+            <a:endParaRPr lang="it-IT"/>
+          </a:p>
+        </p:txBody>
+      </p:sp>
+      <p:sp>
+        <p:nvSpPr>
+          <p:cNvPr id="5" name="Rettangolo 4"/>
+          <p:cNvSpPr/>
+          <p:nvPr/>
+        </p:nvSpPr>
+        <p:spPr>
+          <a:xfrm>
+            <a:off x="0" y="-28574"/>
+            <a:ext cx="12192000" cy="342900"/>
+          </a:xfrm>
+          <a:prstGeom prst="rect">
+            <a:avLst/>
+          </a:prstGeom>
+          <a:solidFill>
+            <a:srgbClr val="0072C6"/>
+          </a:solidFill>
+        </p:spPr>
+        <p:style>
+          <a:lnRef idx="2">
+            <a:schemeClr val="accent1">
+              <a:shade val="50000"/>
+            </a:schemeClr>
+          </a:lnRef>
+          <a:fillRef idx="1">
+            <a:schemeClr val="accent1"/>
+          </a:fillRef>
+          <a:effectRef idx="0">
+            <a:schemeClr val="accent1"/>
+          </a:effectRef>
+          <a:fontRef idx="minor">
+            <a:schemeClr val="lt1"/>
+          </a:fontRef>
+        </p:style>
+        <p:txBody>
+          <a:bodyPr rtlCol="0" anchor="ctr"/>
+          <a:lstStyle/>
+          <a:p>
+            <a:pPr algn="ctr"/>
+            <a:endParaRPr lang="it-IT"/>
+          </a:p>
+        </p:txBody>
+      </p:sp>
+      <p:sp>
+        <p:nvSpPr>
+          <p:cNvPr id="6" name="Title 2"/>
+          <p:cNvSpPr txBox="1">
+            <a:spLocks/>
+          </p:cNvSpPr>
+          <p:nvPr/>
+        </p:nvSpPr>
+        <p:spPr>
+          <a:xfrm>
+            <a:off x="521493" y="485778"/>
+            <a:ext cx="11149013" cy="1214436"/>
+          </a:xfrm>
+          <a:prstGeom prst="rect">
+            <a:avLst/>
+          </a:prstGeom>
+        </p:spPr>
+        <p:txBody>
+          <a:bodyPr/>
+          <a:lstStyle>
+            <a:lvl1pPr algn="l" defTabSz="914363" rtl="0" eaLnBrk="1" latinLnBrk="0" hangingPunct="1">
+              <a:lnSpc>
+                <a:spcPct val="90000"/>
+              </a:lnSpc>
+              <a:spcBef>
+                <a:spcPct val="0"/>
+              </a:spcBef>
+              <a:buNone/>
+              <a:defRPr lang="en-US" sz="5400" b="0" kern="1200" cap="none" spc="-100" baseline="0" dirty="0" smtClean="0">
+                <a:ln w="3175">
+                  <a:noFill/>
+                </a:ln>
+                <a:gradFill>
+                  <a:gsLst>
+                    <a:gs pos="1250">
+                      <a:schemeClr val="tx2"/>
+                    </a:gs>
+                    <a:gs pos="100000">
+                      <a:schemeClr val="tx2"/>
+                    </a:gs>
+                  </a:gsLst>
+                  <a:lin ang="5400000" scaled="0"/>
+                </a:gradFill>
+                <a:effectLst/>
+                <a:latin typeface="+mj-lt"/>
+                <a:ea typeface="+mn-ea"/>
+                <a:cs typeface="Arial" charset="0"/>
+              </a:defRPr>
+            </a:lvl1pPr>
+          </a:lstStyle>
+          <a:p>
+            <a:r>
+              <a:rPr lang="it-IT" b="1" dirty="0" smtClean="0">
+                <a:solidFill>
+                  <a:srgbClr val="0072C6"/>
+                </a:solidFill>
+              </a:rPr>
+              <a:t>Architettura di </a:t>
+            </a:r>
+            <a:r>
+              <a:rPr lang="it-IT" b="1" dirty="0" err="1" smtClean="0">
+                <a:solidFill>
+                  <a:srgbClr val="0072C6"/>
+                </a:solidFill>
+              </a:rPr>
+              <a:t>deployment</a:t>
+            </a:r>
+            <a:endParaRPr lang="it-IT" b="1" dirty="0" smtClean="0">
+              <a:solidFill>
+                <a:srgbClr val="0072C6"/>
+              </a:solidFill>
+            </a:endParaRPr>
+          </a:p>
+          <a:p>
+            <a:r>
+              <a:rPr lang="it-IT" sz="3000" b="1" i="1" dirty="0" smtClean="0">
+                <a:solidFill>
+                  <a:srgbClr val="0072C6"/>
+                </a:solidFill>
+              </a:rPr>
+              <a:t>Strumenti - </a:t>
+            </a:r>
+            <a:r>
+              <a:rPr lang="it-IT" sz="3000" b="1" i="1" dirty="0">
+                <a:solidFill>
+                  <a:srgbClr val="0072C6"/>
+                </a:solidFill>
+              </a:rPr>
+              <a:t>4</a:t>
+            </a:r>
+            <a:endParaRPr lang="it-IT" sz="3000" b="1" i="1" dirty="0">
+              <a:solidFill>
+                <a:srgbClr val="0072C6"/>
+              </a:solidFill>
+            </a:endParaRPr>
+          </a:p>
+          <a:p>
+            <a:endParaRPr lang="it-IT" sz="1500" b="1" i="1" dirty="0" smtClean="0">
+              <a:solidFill>
+                <a:srgbClr val="0072C6"/>
+              </a:solidFill>
+            </a:endParaRPr>
+          </a:p>
+          <a:p>
+            <a:pPr marL="457200" lvl="0" indent="-457200">
+              <a:buFont typeface="Arial" panose="020B0604020202020204" pitchFamily="34" charset="0"/>
+              <a:buChar char="•"/>
+            </a:pPr>
+            <a:endParaRPr lang="it-IT" sz="3200" dirty="0" smtClean="0"/>
+          </a:p>
+          <a:p>
+            <a:pPr lvl="0"/>
+            <a:r>
+              <a:rPr lang="it-IT" sz="2400" dirty="0" smtClean="0"/>
+              <a:t>Installazione di un singolo sensore:</a:t>
+            </a:r>
+          </a:p>
+          <a:p>
+            <a:pPr lvl="0"/>
+            <a:r>
+              <a:rPr lang="it-IT" sz="2400" dirty="0"/>
+              <a:t>	</a:t>
+            </a:r>
+            <a:endParaRPr lang="it-IT" sz="2400" dirty="0" smtClean="0"/>
+          </a:p>
+          <a:p>
+            <a:pPr lvl="0"/>
+            <a:r>
+              <a:rPr lang="it-IT" sz="2400" dirty="0"/>
+              <a:t>	</a:t>
+            </a:r>
+            <a:r>
+              <a:rPr lang="it-IT" sz="2400" dirty="0" smtClean="0"/>
+              <a:t>2         per 4 ore a 30€/h</a:t>
+            </a:r>
+          </a:p>
+          <a:p>
+            <a:pPr lvl="0"/>
+            <a:endParaRPr lang="it-IT" sz="2400" dirty="0"/>
+          </a:p>
+          <a:p>
+            <a:pPr lvl="0"/>
+            <a:endParaRPr lang="it-IT" sz="2400" dirty="0"/>
+          </a:p>
+          <a:p>
+            <a:pPr lvl="0"/>
+            <a:r>
+              <a:rPr lang="it-IT" sz="2400" dirty="0" smtClean="0"/>
+              <a:t>Costo per licenze </a:t>
+            </a:r>
+            <a:r>
+              <a:rPr lang="it-IT" sz="2400" i="1" dirty="0" err="1" smtClean="0"/>
+              <a:t>MySQL</a:t>
+            </a:r>
+            <a:r>
+              <a:rPr lang="it-IT" sz="2400" dirty="0" smtClean="0"/>
+              <a:t> e </a:t>
+            </a:r>
+            <a:r>
+              <a:rPr lang="it-IT" sz="2400" i="1" dirty="0" smtClean="0"/>
+              <a:t>Java SE Server </a:t>
+            </a:r>
+            <a:r>
+              <a:rPr lang="it-IT" sz="2400" dirty="0" smtClean="0"/>
+              <a:t>(</a:t>
+            </a:r>
+            <a:r>
+              <a:rPr lang="it-IT" sz="2400" i="1" dirty="0" err="1" smtClean="0"/>
+              <a:t>GlassFish</a:t>
+            </a:r>
+            <a:r>
+              <a:rPr lang="it-IT" sz="2400" dirty="0" smtClean="0"/>
+              <a:t>) : circa 5000€ / anno	     </a:t>
+            </a:r>
+            <a:endParaRPr lang="it-IT" sz="2400" dirty="0"/>
+          </a:p>
+          <a:p>
+            <a:pPr marL="457200" lvl="0" indent="-457200">
+              <a:buFont typeface="Arial" panose="020B0604020202020204" pitchFamily="34" charset="0"/>
+              <a:buChar char="•"/>
+            </a:pPr>
+            <a:endParaRPr lang="it-IT" sz="3200" dirty="0" smtClean="0"/>
+          </a:p>
+          <a:p>
+            <a:pPr lvl="0"/>
+            <a:endParaRPr lang="it-IT" sz="3200" dirty="0"/>
+          </a:p>
+          <a:p>
+            <a:pPr marL="457200" lvl="0" indent="-457200">
+              <a:buFont typeface="Arial" panose="020B0604020202020204" pitchFamily="34" charset="0"/>
+              <a:buChar char="•"/>
+            </a:pPr>
+            <a:endParaRPr lang="it-IT" sz="3000" dirty="0"/>
+          </a:p>
+          <a:p>
+            <a:pPr marL="457200" lvl="0" indent="-457200">
+              <a:buFont typeface="Arial" panose="020B0604020202020204" pitchFamily="34" charset="0"/>
+              <a:buChar char="•"/>
+            </a:pPr>
+            <a:endParaRPr lang="it-IT" sz="3000" b="1" i="1" dirty="0" smtClean="0">
+              <a:solidFill>
+                <a:srgbClr val="0072C6"/>
+              </a:solidFill>
+            </a:endParaRPr>
+          </a:p>
+          <a:p>
+            <a:pPr lvl="0"/>
+            <a:endParaRPr lang="it-IT" sz="3000" b="1" i="1" dirty="0" smtClean="0">
+              <a:solidFill>
+                <a:srgbClr val="0072C6"/>
+              </a:solidFill>
+            </a:endParaRPr>
+          </a:p>
+          <a:p>
+            <a:pPr marL="457200" lvl="0" indent="-457200">
+              <a:buFont typeface="Arial" panose="020B0604020202020204" pitchFamily="34" charset="0"/>
+              <a:buChar char="•"/>
+            </a:pPr>
+            <a:endParaRPr lang="it-IT" sz="5000" b="1" i="1" dirty="0">
+              <a:solidFill>
+                <a:srgbClr val="0072C6"/>
+              </a:solidFill>
+            </a:endParaRPr>
+          </a:p>
+          <a:p>
+            <a:endParaRPr lang="it-IT" sz="5000" b="1" i="1" dirty="0" smtClean="0">
+              <a:solidFill>
+                <a:srgbClr val="0072C6"/>
+              </a:solidFill>
+            </a:endParaRPr>
+          </a:p>
+          <a:p>
+            <a:endParaRPr lang="it-IT" sz="3000" b="1" i="1" dirty="0">
+              <a:solidFill>
+                <a:srgbClr val="0072C6"/>
+              </a:solidFill>
+            </a:endParaRPr>
+          </a:p>
+        </p:txBody>
+      </p:sp>
+      <p:pic>
+        <p:nvPicPr>
+          <p:cNvPr id="3" name="Immagine 2"/>
+          <p:cNvPicPr>
+            <a:picLocks noChangeAspect="1"/>
+          </p:cNvPicPr>
+          <p:nvPr/>
+        </p:nvPicPr>
+        <p:blipFill>
+          <a:blip r:embed="rId2"/>
+          <a:stretch>
+            <a:fillRect/>
+          </a:stretch>
+        </p:blipFill>
+        <p:spPr>
+          <a:xfrm>
+            <a:off x="1771649" y="2797892"/>
+            <a:ext cx="300037" cy="576420"/>
+          </a:xfrm>
+          <a:prstGeom prst="rect">
+            <a:avLst/>
+          </a:prstGeom>
+        </p:spPr>
+      </p:pic>
+    </p:spTree>
+    <p:extLst>
+      <p:ext uri="{BB962C8B-B14F-4D97-AF65-F5344CB8AC3E}">
+        <p14:creationId xmlns:p14="http://schemas.microsoft.com/office/powerpoint/2010/main" val="2765831776"/>
+      </p:ext>
+    </p:extLst>
+  </p:cSld>
+  <p:clrMapOvr>
+    <a:masterClrMapping/>
+  </p:clrMapOvr>
+  <p:transition spd="slow">
+    <p:push dir="u"/>
+  </p:transition>
+  <p:timing>
+    <p:tnLst>
+      <p:par>
+        <p:cTn id="1" dur="indefinite" restart="never" nodeType="tmRoot"/>
+      </p:par>
+    </p:tnLst>
+  </p:timing>
+</p:sld>
+</file>
+
+<file path=ppt/slides/slide4.xml><?xml version="1.0" encoding="utf-8"?>
+<p:sld xmlns:a="http://schemas.openxmlformats.org/drawingml/2006/main" xmlns:r="http://schemas.openxmlformats.org/officeDocument/2006/relationships" xmlns:p="http://schemas.openxmlformats.org/presentationml/2006/main">
+  <p:cSld>
+    <p:spTree>
+      <p:nvGrpSpPr>
+        <p:cNvPr id="1" name=""/>
+        <p:cNvGrpSpPr/>
+        <p:nvPr/>
+      </p:nvGrpSpPr>
+      <p:grpSpPr>
+        <a:xfrm>
+          <a:off x="0" y="0"/>
+          <a:ext cx="0" cy="0"/>
+          <a:chOff x="0" y="0"/>
+          <a:chExt cx="0" cy="0"/>
+        </a:xfrm>
+      </p:grpSpPr>
+      <p:sp>
+        <p:nvSpPr>
+          <p:cNvPr id="6" name="Rettangolo 5"/>
+          <p:cNvSpPr/>
+          <p:nvPr/>
+        </p:nvSpPr>
+        <p:spPr>
+          <a:xfrm>
+            <a:off x="0" y="6515100"/>
+            <a:ext cx="12192000" cy="342900"/>
+          </a:xfrm>
+          <a:prstGeom prst="rect">
+            <a:avLst/>
+          </a:prstGeom>
+          <a:solidFill>
+            <a:srgbClr val="0072C6"/>
+          </a:solidFill>
+        </p:spPr>
+        <p:style>
+          <a:lnRef idx="2">
+            <a:schemeClr val="accent1">
+              <a:shade val="50000"/>
+            </a:schemeClr>
+          </a:lnRef>
+          <a:fillRef idx="1">
+            <a:schemeClr val="accent1"/>
+          </a:fillRef>
+          <a:effectRef idx="0">
+            <a:schemeClr val="accent1"/>
+          </a:effectRef>
+          <a:fontRef idx="minor">
+            <a:schemeClr val="lt1"/>
+          </a:fontRef>
+        </p:style>
+        <p:txBody>
+          <a:bodyPr rtlCol="0" anchor="ctr"/>
+          <a:lstStyle/>
+          <a:p>
+            <a:pPr algn="ctr"/>
+            <a:endParaRPr lang="it-IT"/>
+          </a:p>
+        </p:txBody>
+      </p:sp>
+      <p:sp>
+        <p:nvSpPr>
+          <p:cNvPr id="7" name="Rettangolo 6"/>
+          <p:cNvSpPr/>
+          <p:nvPr/>
+        </p:nvSpPr>
+        <p:spPr>
+          <a:xfrm>
+            <a:off x="0" y="-28574"/>
+            <a:ext cx="12192000" cy="342900"/>
+          </a:xfrm>
+          <a:prstGeom prst="rect">
+            <a:avLst/>
+          </a:prstGeom>
+          <a:solidFill>
+            <a:srgbClr val="0072C6"/>
+          </a:solidFill>
+        </p:spPr>
+        <p:style>
+          <a:lnRef idx="2">
+            <a:schemeClr val="accent1">
+              <a:shade val="50000"/>
+            </a:schemeClr>
+          </a:lnRef>
+          <a:fillRef idx="1">
+            <a:schemeClr val="accent1"/>
+          </a:fillRef>
+          <a:effectRef idx="0">
+            <a:schemeClr val="accent1"/>
+          </a:effectRef>
+          <a:fontRef idx="minor">
+            <a:schemeClr val="lt1"/>
+          </a:fontRef>
+        </p:style>
+        <p:txBody>
+          <a:bodyPr rtlCol="0" anchor="ctr"/>
+          <a:lstStyle/>
+          <a:p>
+            <a:pPr algn="ctr"/>
+            <a:endParaRPr lang="it-IT"/>
+          </a:p>
+        </p:txBody>
+      </p:sp>
+      <p:sp>
+        <p:nvSpPr>
+          <p:cNvPr id="2" name="CasellaDiTesto 1"/>
+          <p:cNvSpPr txBox="1"/>
+          <p:nvPr/>
+        </p:nvSpPr>
+        <p:spPr>
+          <a:xfrm>
+            <a:off x="521493" y="1828800"/>
+            <a:ext cx="11044237" cy="4231928"/>
+          </a:xfrm>
+          <a:prstGeom prst="rect">
+            <a:avLst/>
+          </a:prstGeom>
+          <a:noFill/>
+        </p:spPr>
+        <p:txBody>
+          <a:bodyPr wrap="square" rtlCol="0">
+            <a:spAutoFit/>
+          </a:bodyPr>
+          <a:lstStyle/>
+          <a:p>
+            <a:pPr marL="457200" lvl="0" indent="-457200">
+              <a:buFont typeface="Arial" panose="020B0604020202020204" pitchFamily="34" charset="0"/>
+              <a:buChar char="•"/>
+            </a:pPr>
+            <a:r>
+              <a:rPr lang="it-IT" sz="3200" spc="-100" dirty="0">
+                <a:ln w="3175">
+                  <a:noFill/>
+                </a:ln>
+                <a:gradFill>
+                  <a:gsLst>
+                    <a:gs pos="1250">
+                      <a:schemeClr val="tx2"/>
+                    </a:gs>
+                    <a:gs pos="100000">
+                      <a:schemeClr val="tx2"/>
+                    </a:gs>
+                  </a:gsLst>
+                  <a:lin ang="5400000" scaled="0"/>
+                </a:gradFill>
+                <a:latin typeface="+mj-lt"/>
+                <a:cs typeface="Arial" charset="0"/>
+              </a:rPr>
+              <a:t>pianificare degli spostamenti delle squadre di emergenza in base alle informazioni relative alle emergenze potenziali</a:t>
+            </a:r>
+          </a:p>
+          <a:p>
+            <a:pPr marL="457200" lvl="0" indent="-457200">
+              <a:buFont typeface="Arial" panose="020B0604020202020204" pitchFamily="34" charset="0"/>
+              <a:buChar char="•"/>
+            </a:pPr>
+            <a:endParaRPr lang="it-IT" sz="1500" spc="-100" dirty="0">
+              <a:ln w="3175">
+                <a:noFill/>
+              </a:ln>
+              <a:gradFill>
+                <a:gsLst>
+                  <a:gs pos="1250">
+                    <a:schemeClr val="tx2"/>
+                  </a:gs>
+                  <a:gs pos="100000">
+                    <a:schemeClr val="tx2"/>
+                  </a:gs>
+                </a:gsLst>
+                <a:lin ang="5400000" scaled="0"/>
+              </a:gradFill>
+              <a:latin typeface="+mj-lt"/>
+              <a:cs typeface="Arial" charset="0"/>
+            </a:endParaRPr>
+          </a:p>
+          <a:p>
+            <a:pPr marL="457200" lvl="0" indent="-457200">
+              <a:buFont typeface="Arial" panose="020B0604020202020204" pitchFamily="34" charset="0"/>
+              <a:buChar char="•"/>
+            </a:pPr>
+            <a:r>
+              <a:rPr lang="it-IT" sz="3200" spc="-100" dirty="0">
+                <a:ln w="3175">
+                  <a:noFill/>
+                </a:ln>
+                <a:gradFill>
+                  <a:gsLst>
+                    <a:gs pos="1250">
+                      <a:schemeClr val="tx2"/>
+                    </a:gs>
+                    <a:gs pos="100000">
+                      <a:schemeClr val="tx2"/>
+                    </a:gs>
+                  </a:gsLst>
+                  <a:lin ang="5400000" scaled="0"/>
+                </a:gradFill>
+                <a:latin typeface="+mj-lt"/>
+                <a:cs typeface="Arial" charset="0"/>
+              </a:rPr>
+              <a:t>notificare la pianificazione ai responsabili territoriali della protezione civile e alle squadre di emergenza coinvolte</a:t>
+            </a:r>
+          </a:p>
+          <a:p>
+            <a:pPr marL="457200" lvl="0" indent="-457200">
+              <a:buFont typeface="Arial" panose="020B0604020202020204" pitchFamily="34" charset="0"/>
+              <a:buChar char="•"/>
+            </a:pPr>
+            <a:endParaRPr lang="it-IT" sz="1500" spc="-100" dirty="0">
+              <a:ln w="3175">
+                <a:noFill/>
+              </a:ln>
+              <a:gradFill>
+                <a:gsLst>
+                  <a:gs pos="1250">
+                    <a:schemeClr val="tx2"/>
+                  </a:gs>
+                  <a:gs pos="100000">
+                    <a:schemeClr val="tx2"/>
+                  </a:gs>
+                </a:gsLst>
+                <a:lin ang="5400000" scaled="0"/>
+              </a:gradFill>
+              <a:latin typeface="+mj-lt"/>
+              <a:cs typeface="Arial" charset="0"/>
+            </a:endParaRPr>
+          </a:p>
+          <a:p>
+            <a:pPr marL="457200" lvl="0" indent="-457200">
+              <a:buFont typeface="Arial" panose="020B0604020202020204" pitchFamily="34" charset="0"/>
+              <a:buChar char="•"/>
+            </a:pPr>
+            <a:r>
+              <a:rPr lang="it-IT" sz="3200" spc="-100" dirty="0">
+                <a:ln w="3175">
+                  <a:noFill/>
+                </a:ln>
+                <a:gradFill>
+                  <a:gsLst>
+                    <a:gs pos="1250">
+                      <a:schemeClr val="tx2"/>
+                    </a:gs>
+                    <a:gs pos="100000">
+                      <a:schemeClr val="tx2"/>
+                    </a:gs>
+                  </a:gsLst>
+                  <a:lin ang="5400000" scaled="0"/>
+                </a:gradFill>
+                <a:latin typeface="+mj-lt"/>
+                <a:cs typeface="Arial" charset="0"/>
+              </a:rPr>
+              <a:t>memorizzare l’allocazione squadre di emergenza</a:t>
+            </a:r>
+          </a:p>
+          <a:p>
+            <a:pPr marL="457200" lvl="0" indent="-457200">
+              <a:buFont typeface="Arial" panose="020B0604020202020204" pitchFamily="34" charset="0"/>
+              <a:buChar char="•"/>
+            </a:pPr>
+            <a:endParaRPr lang="it-IT" sz="1500" spc="-100" dirty="0">
+              <a:ln w="3175">
+                <a:noFill/>
+              </a:ln>
+              <a:gradFill>
+                <a:gsLst>
+                  <a:gs pos="1250">
+                    <a:schemeClr val="tx2"/>
+                  </a:gs>
+                  <a:gs pos="100000">
+                    <a:schemeClr val="tx2"/>
+                  </a:gs>
+                </a:gsLst>
+                <a:lin ang="5400000" scaled="0"/>
+              </a:gradFill>
+              <a:latin typeface="+mj-lt"/>
+              <a:cs typeface="Arial" charset="0"/>
+            </a:endParaRPr>
+          </a:p>
+          <a:p>
+            <a:pPr marL="457200" lvl="0" indent="-457200">
+              <a:buFont typeface="Arial" panose="020B0604020202020204" pitchFamily="34" charset="0"/>
+              <a:buChar char="•"/>
+            </a:pPr>
+            <a:r>
+              <a:rPr lang="it-IT" sz="3200" spc="-100" dirty="0">
+                <a:ln w="3175">
+                  <a:noFill/>
+                </a:ln>
+                <a:gradFill>
+                  <a:gsLst>
+                    <a:gs pos="1250">
+                      <a:schemeClr val="tx2"/>
+                    </a:gs>
+                    <a:gs pos="100000">
+                      <a:schemeClr val="tx2"/>
+                    </a:gs>
+                  </a:gsLst>
+                  <a:lin ang="5400000" scaled="0"/>
+                </a:gradFill>
+                <a:latin typeface="+mj-lt"/>
+                <a:cs typeface="Arial" charset="0"/>
+              </a:rPr>
+              <a:t>notificare di emergenze gravi alle squadre di emergenza più prossime</a:t>
+            </a:r>
+          </a:p>
+        </p:txBody>
+      </p:sp>
+      <p:sp>
+        <p:nvSpPr>
+          <p:cNvPr id="9" name="CasellaDiTesto 8"/>
+          <p:cNvSpPr txBox="1"/>
+          <p:nvPr/>
+        </p:nvSpPr>
+        <p:spPr>
+          <a:xfrm>
+            <a:off x="415529" y="314326"/>
+            <a:ext cx="11613357" cy="1384995"/>
+          </a:xfrm>
+          <a:prstGeom prst="rect">
+            <a:avLst/>
+          </a:prstGeom>
+          <a:noFill/>
+        </p:spPr>
+        <p:txBody>
+          <a:bodyPr wrap="square" rtlCol="0">
+            <a:spAutoFit/>
+          </a:bodyPr>
+          <a:lstStyle/>
+          <a:p>
+            <a:r>
+              <a:rPr lang="it-IT" sz="5400" b="1" spc="-100" dirty="0">
+                <a:ln w="3175">
+                  <a:noFill/>
+                </a:ln>
+                <a:solidFill>
+                  <a:srgbClr val="0072C6"/>
+                </a:solidFill>
+                <a:latin typeface="+mj-lt"/>
+                <a:cs typeface="Arial" charset="0"/>
+              </a:rPr>
+              <a:t>Analisi del problema</a:t>
+            </a:r>
+          </a:p>
+          <a:p>
+            <a:r>
+              <a:rPr lang="it-IT" sz="3000" b="1" spc="-100" dirty="0" smtClean="0">
+                <a:ln w="3175">
+                  <a:noFill/>
+                </a:ln>
+                <a:solidFill>
+                  <a:srgbClr val="0072C6"/>
+                </a:solidFill>
+                <a:latin typeface="+mj-lt"/>
+                <a:cs typeface="Arial" charset="0"/>
+              </a:rPr>
+              <a:t>Studio del problema - 2</a:t>
+            </a:r>
+            <a:endParaRPr lang="it-IT" sz="3000" b="1" spc="-100" dirty="0">
+              <a:ln w="3175">
+                <a:noFill/>
+              </a:ln>
+              <a:solidFill>
+                <a:srgbClr val="0072C6"/>
+              </a:solidFill>
+              <a:latin typeface="+mj-lt"/>
+              <a:cs typeface="Arial" charset="0"/>
+            </a:endParaRPr>
+          </a:p>
+        </p:txBody>
+      </p:sp>
+    </p:spTree>
+    <p:extLst>
+      <p:ext uri="{BB962C8B-B14F-4D97-AF65-F5344CB8AC3E}">
+        <p14:creationId xmlns:p14="http://schemas.microsoft.com/office/powerpoint/2010/main" val="3451820100"/>
+      </p:ext>
+    </p:extLst>
+  </p:cSld>
+  <p:clrMapOvr>
+    <a:masterClrMapping/>
+  </p:clrMapOvr>
+  <p:transition spd="slow">
+    <p:push dir="u"/>
+  </p:transition>
+  <p:timing>
+    <p:tnLst>
+      <p:par>
+        <p:cTn id="1" dur="indefinite" restart="never" nodeType="tmRoot"/>
+      </p:par>
+    </p:tnLst>
+  </p:timing>
+</p:sld>
+</file>
+
+<file path=ppt/slides/slide40.xml><?xml version="1.0" encoding="utf-8"?>
+<p:sld xmlns:a="http://schemas.openxmlformats.org/drawingml/2006/main" xmlns:r="http://schemas.openxmlformats.org/officeDocument/2006/relationships" xmlns:p="http://schemas.openxmlformats.org/presentationml/2006/main">
+  <p:cSld>
+    <p:spTree>
+      <p:nvGrpSpPr>
+        <p:cNvPr id="1" name=""/>
+        <p:cNvGrpSpPr/>
+        <p:nvPr/>
+      </p:nvGrpSpPr>
+      <p:grpSpPr>
+        <a:xfrm>
+          <a:off x="0" y="0"/>
+          <a:ext cx="0" cy="0"/>
+          <a:chOff x="0" y="0"/>
+          <a:chExt cx="0" cy="0"/>
+        </a:xfrm>
+      </p:grpSpPr>
+      <p:sp>
+        <p:nvSpPr>
+          <p:cNvPr id="4" name="Rettangolo 3"/>
+          <p:cNvSpPr/>
+          <p:nvPr/>
+        </p:nvSpPr>
+        <p:spPr>
+          <a:xfrm>
+            <a:off x="0" y="6515100"/>
+            <a:ext cx="12192000" cy="342900"/>
+          </a:xfrm>
+          <a:prstGeom prst="rect">
+            <a:avLst/>
+          </a:prstGeom>
+          <a:solidFill>
+            <a:srgbClr val="0072C6"/>
+          </a:solidFill>
+        </p:spPr>
+        <p:style>
+          <a:lnRef idx="2">
+            <a:schemeClr val="accent1">
+              <a:shade val="50000"/>
+            </a:schemeClr>
+          </a:lnRef>
+          <a:fillRef idx="1">
+            <a:schemeClr val="accent1"/>
+          </a:fillRef>
+          <a:effectRef idx="0">
+            <a:schemeClr val="accent1"/>
+          </a:effectRef>
+          <a:fontRef idx="minor">
+            <a:schemeClr val="lt1"/>
+          </a:fontRef>
+        </p:style>
+        <p:txBody>
+          <a:bodyPr rtlCol="0" anchor="ctr"/>
+          <a:lstStyle/>
+          <a:p>
+            <a:pPr algn="ctr"/>
+            <a:endParaRPr lang="it-IT"/>
+          </a:p>
+        </p:txBody>
+      </p:sp>
+      <p:sp>
+        <p:nvSpPr>
+          <p:cNvPr id="5" name="Rettangolo 4"/>
+          <p:cNvSpPr/>
+          <p:nvPr/>
+        </p:nvSpPr>
+        <p:spPr>
+          <a:xfrm>
+            <a:off x="0" y="-28574"/>
+            <a:ext cx="12192000" cy="342900"/>
+          </a:xfrm>
+          <a:prstGeom prst="rect">
+            <a:avLst/>
+          </a:prstGeom>
+          <a:solidFill>
+            <a:srgbClr val="0072C6"/>
+          </a:solidFill>
+        </p:spPr>
+        <p:style>
+          <a:lnRef idx="2">
+            <a:schemeClr val="accent1">
+              <a:shade val="50000"/>
+            </a:schemeClr>
+          </a:lnRef>
+          <a:fillRef idx="1">
+            <a:schemeClr val="accent1"/>
+          </a:fillRef>
+          <a:effectRef idx="0">
+            <a:schemeClr val="accent1"/>
+          </a:effectRef>
+          <a:fontRef idx="minor">
+            <a:schemeClr val="lt1"/>
+          </a:fontRef>
+        </p:style>
+        <p:txBody>
+          <a:bodyPr rtlCol="0" anchor="ctr"/>
+          <a:lstStyle/>
+          <a:p>
+            <a:pPr algn="ctr"/>
+            <a:endParaRPr lang="it-IT"/>
+          </a:p>
+        </p:txBody>
+      </p:sp>
+      <p:sp>
+        <p:nvSpPr>
+          <p:cNvPr id="6" name="Title 2"/>
+          <p:cNvSpPr txBox="1">
+            <a:spLocks/>
+          </p:cNvSpPr>
+          <p:nvPr/>
+        </p:nvSpPr>
+        <p:spPr>
+          <a:xfrm>
+            <a:off x="521493" y="485778"/>
+            <a:ext cx="11149013" cy="1214436"/>
+          </a:xfrm>
+          <a:prstGeom prst="rect">
+            <a:avLst/>
+          </a:prstGeom>
+        </p:spPr>
+        <p:txBody>
+          <a:bodyPr/>
+          <a:lstStyle>
+            <a:lvl1pPr algn="l" defTabSz="914363" rtl="0" eaLnBrk="1" latinLnBrk="0" hangingPunct="1">
+              <a:lnSpc>
+                <a:spcPct val="90000"/>
+              </a:lnSpc>
+              <a:spcBef>
+                <a:spcPct val="0"/>
+              </a:spcBef>
+              <a:buNone/>
+              <a:defRPr lang="en-US" sz="5400" b="0" kern="1200" cap="none" spc="-100" baseline="0" dirty="0" smtClean="0">
+                <a:ln w="3175">
+                  <a:noFill/>
+                </a:ln>
+                <a:gradFill>
+                  <a:gsLst>
+                    <a:gs pos="1250">
+                      <a:schemeClr val="tx2"/>
+                    </a:gs>
+                    <a:gs pos="100000">
+                      <a:schemeClr val="tx2"/>
+                    </a:gs>
+                  </a:gsLst>
+                  <a:lin ang="5400000" scaled="0"/>
+                </a:gradFill>
+                <a:effectLst/>
+                <a:latin typeface="+mj-lt"/>
+                <a:ea typeface="+mn-ea"/>
+                <a:cs typeface="Arial" charset="0"/>
+              </a:defRPr>
+            </a:lvl1pPr>
+          </a:lstStyle>
+          <a:p>
+            <a:r>
+              <a:rPr lang="it-IT" b="1" dirty="0" smtClean="0">
+                <a:solidFill>
+                  <a:srgbClr val="0072C6"/>
+                </a:solidFill>
+              </a:rPr>
+              <a:t>Architettura di </a:t>
+            </a:r>
+            <a:r>
+              <a:rPr lang="it-IT" b="1" dirty="0" err="1" smtClean="0">
+                <a:solidFill>
+                  <a:srgbClr val="0072C6"/>
+                </a:solidFill>
+              </a:rPr>
+              <a:t>deployment</a:t>
+            </a:r>
+            <a:endParaRPr lang="it-IT" b="1" dirty="0" smtClean="0">
+              <a:solidFill>
+                <a:srgbClr val="0072C6"/>
+              </a:solidFill>
+            </a:endParaRPr>
+          </a:p>
+          <a:p>
+            <a:r>
+              <a:rPr lang="it-IT" sz="3000" b="1" i="1" dirty="0" smtClean="0">
+                <a:solidFill>
+                  <a:srgbClr val="0072C6"/>
+                </a:solidFill>
+              </a:rPr>
+              <a:t>Strumenti - </a:t>
+            </a:r>
+            <a:r>
+              <a:rPr lang="it-IT" sz="3000" b="1" i="1" dirty="0" smtClean="0">
+                <a:solidFill>
+                  <a:srgbClr val="0072C6"/>
+                </a:solidFill>
+              </a:rPr>
+              <a:t>5</a:t>
+            </a:r>
+            <a:endParaRPr lang="it-IT" sz="3000" b="1" i="1" dirty="0">
+              <a:solidFill>
+                <a:srgbClr val="0072C6"/>
+              </a:solidFill>
+            </a:endParaRPr>
+          </a:p>
+          <a:p>
+            <a:endParaRPr lang="it-IT" sz="1500" b="1" i="1" dirty="0" smtClean="0">
+              <a:solidFill>
+                <a:srgbClr val="0072C6"/>
+              </a:solidFill>
+            </a:endParaRPr>
+          </a:p>
+          <a:p>
+            <a:pPr lvl="0"/>
+            <a:r>
+              <a:rPr lang="it-IT" sz="2400" dirty="0" smtClean="0"/>
+              <a:t>Riepilogo costi:	     </a:t>
+            </a:r>
+            <a:endParaRPr lang="it-IT" sz="2400" dirty="0"/>
+          </a:p>
+          <a:p>
+            <a:pPr lvl="0"/>
+            <a:endParaRPr lang="it-IT" sz="1500" dirty="0" smtClean="0"/>
+          </a:p>
+          <a:p>
+            <a:pPr lvl="0"/>
+            <a:r>
+              <a:rPr lang="it-IT" sz="2400" dirty="0" smtClean="0"/>
+              <a:t>2.000 Sensori per 1400€  ** / </a:t>
+            </a:r>
+            <a:r>
+              <a:rPr lang="it-IT" sz="2400" dirty="0" err="1" smtClean="0"/>
+              <a:t>cad</a:t>
+            </a:r>
+            <a:r>
+              <a:rPr lang="it-IT" sz="2400" dirty="0" smtClean="0"/>
+              <a:t>  = 		</a:t>
+            </a:r>
+            <a:r>
+              <a:rPr lang="it-IT" sz="2400" smtClean="0"/>
+              <a:t>	2.800.000  </a:t>
+            </a:r>
+            <a:r>
+              <a:rPr lang="it-IT" sz="2400" dirty="0" smtClean="0"/>
+              <a:t>€</a:t>
+            </a:r>
+          </a:p>
+          <a:p>
+            <a:pPr lvl="0"/>
+            <a:endParaRPr lang="it-IT" sz="1000" dirty="0" smtClean="0"/>
+          </a:p>
+          <a:p>
+            <a:pPr lvl="0"/>
+            <a:r>
+              <a:rPr lang="it-IT" sz="2400" dirty="0" smtClean="0"/>
+              <a:t>Installazione sensori  30 € * 4h * 2p * 2000 = 		    480.000  €</a:t>
+            </a:r>
+          </a:p>
+          <a:p>
+            <a:pPr lvl="0"/>
+            <a:endParaRPr lang="it-IT" sz="1000" dirty="0" smtClean="0"/>
+          </a:p>
+          <a:p>
+            <a:pPr lvl="0"/>
+            <a:r>
+              <a:rPr lang="it-IT" sz="2400" dirty="0" smtClean="0"/>
+              <a:t>Analisi e architettura 150 € * 8h * 3p * 10 =		      36.000  €</a:t>
+            </a:r>
+          </a:p>
+          <a:p>
+            <a:pPr lvl="0"/>
+            <a:endParaRPr lang="it-IT" sz="1000" dirty="0" smtClean="0"/>
+          </a:p>
+          <a:p>
+            <a:pPr lvl="0"/>
+            <a:r>
+              <a:rPr lang="it-IT" sz="2400" dirty="0" smtClean="0"/>
+              <a:t>Sviluppo e test 80 € * 8h * 5p * 90 gg=			     288.000 €</a:t>
+            </a:r>
+          </a:p>
+          <a:p>
+            <a:pPr lvl="0"/>
+            <a:endParaRPr lang="it-IT" sz="1000" dirty="0" smtClean="0"/>
+          </a:p>
+          <a:p>
+            <a:pPr lvl="0"/>
+            <a:r>
+              <a:rPr lang="it-IT" sz="2400" dirty="0" smtClean="0"/>
+              <a:t>Componenti HW (</a:t>
+            </a:r>
+            <a:r>
+              <a:rPr lang="it-IT" sz="2400" dirty="0" err="1" smtClean="0"/>
+              <a:t>Azure</a:t>
+            </a:r>
+            <a:r>
+              <a:rPr lang="it-IT" sz="2400" dirty="0" smtClean="0"/>
+              <a:t> </a:t>
+            </a:r>
+            <a:r>
+              <a:rPr lang="it-IT" sz="2400" dirty="0" err="1" smtClean="0"/>
+              <a:t>solution</a:t>
+            </a:r>
+            <a:r>
+              <a:rPr lang="it-IT" sz="2400" dirty="0"/>
+              <a:t>) = 			</a:t>
+            </a:r>
+            <a:r>
+              <a:rPr lang="it-IT" sz="2400" dirty="0" smtClean="0"/>
+              <a:t>     1170.24 €</a:t>
+            </a:r>
+            <a:r>
+              <a:rPr lang="it-IT" sz="2400" dirty="0" smtClean="0"/>
+              <a:t>  / anno</a:t>
+            </a:r>
+          </a:p>
+          <a:p>
+            <a:pPr lvl="0"/>
+            <a:endParaRPr lang="it-IT" sz="1000" dirty="0" smtClean="0"/>
+          </a:p>
+          <a:p>
+            <a:pPr lvl="0"/>
+            <a:r>
+              <a:rPr lang="it-IT" sz="2400" dirty="0" smtClean="0"/>
+              <a:t>Componenti SW 				</a:t>
+            </a:r>
+            <a:r>
+              <a:rPr lang="it-IT" sz="2400" dirty="0"/>
+              <a:t>	</a:t>
+            </a:r>
+            <a:r>
+              <a:rPr lang="it-IT" sz="2400" dirty="0" smtClean="0"/>
+              <a:t>           5000 €  / anno</a:t>
+            </a:r>
+          </a:p>
+          <a:p>
+            <a:pPr lvl="0"/>
+            <a:endParaRPr lang="it-IT" sz="2400" dirty="0"/>
+          </a:p>
+          <a:p>
+            <a:pPr lvl="0"/>
+            <a:r>
+              <a:rPr lang="it-IT" sz="2400" dirty="0" smtClean="0"/>
+              <a:t>	</a:t>
+            </a:r>
+            <a:r>
+              <a:rPr lang="it-IT" sz="2400" dirty="0"/>
+              <a:t>						</a:t>
+            </a:r>
+            <a:r>
+              <a:rPr lang="it-IT" sz="2400" dirty="0" smtClean="0"/>
+              <a:t>3.610.170,24 €</a:t>
+            </a:r>
+          </a:p>
+          <a:p>
+            <a:pPr lvl="0"/>
+            <a:endParaRPr lang="it-IT" sz="2400" dirty="0"/>
+          </a:p>
+          <a:p>
+            <a:pPr lvl="0"/>
+            <a:r>
+              <a:rPr lang="it-IT" sz="2000" dirty="0" smtClean="0"/>
+              <a:t>** sconto di circa del 30%</a:t>
+            </a:r>
+            <a:r>
+              <a:rPr lang="it-IT" sz="2400" dirty="0" smtClean="0"/>
+              <a:t>					</a:t>
+            </a:r>
+            <a:r>
+              <a:rPr lang="it-IT" sz="2000" dirty="0" smtClean="0"/>
+              <a:t>NB: i costi rappresentano una stima indicativa</a:t>
+            </a:r>
+            <a:endParaRPr lang="it-IT" sz="2000" dirty="0"/>
+          </a:p>
+          <a:p>
+            <a:pPr marL="457200" lvl="0" indent="-457200">
+              <a:buFont typeface="Arial" panose="020B0604020202020204" pitchFamily="34" charset="0"/>
+              <a:buChar char="•"/>
+            </a:pPr>
+            <a:endParaRPr lang="it-IT" sz="3000" dirty="0"/>
+          </a:p>
+          <a:p>
+            <a:pPr marL="457200" lvl="0" indent="-457200">
+              <a:buFont typeface="Arial" panose="020B0604020202020204" pitchFamily="34" charset="0"/>
+              <a:buChar char="•"/>
+            </a:pPr>
+            <a:endParaRPr lang="it-IT" sz="3000" b="1" i="1" dirty="0" smtClean="0">
+              <a:solidFill>
+                <a:srgbClr val="0072C6"/>
+              </a:solidFill>
+            </a:endParaRPr>
+          </a:p>
+          <a:p>
+            <a:pPr lvl="0"/>
+            <a:endParaRPr lang="it-IT" sz="3000" b="1" i="1" dirty="0" smtClean="0">
+              <a:solidFill>
+                <a:srgbClr val="0072C6"/>
+              </a:solidFill>
+            </a:endParaRPr>
+          </a:p>
+          <a:p>
+            <a:pPr marL="457200" lvl="0" indent="-457200">
+              <a:buFont typeface="Arial" panose="020B0604020202020204" pitchFamily="34" charset="0"/>
+              <a:buChar char="•"/>
+            </a:pPr>
+            <a:endParaRPr lang="it-IT" sz="5000" b="1" i="1" dirty="0">
+              <a:solidFill>
+                <a:srgbClr val="0072C6"/>
+              </a:solidFill>
+            </a:endParaRPr>
+          </a:p>
+          <a:p>
+            <a:endParaRPr lang="it-IT" sz="5000" b="1" i="1" dirty="0" smtClean="0">
+              <a:solidFill>
+                <a:srgbClr val="0072C6"/>
+              </a:solidFill>
+            </a:endParaRPr>
+          </a:p>
+          <a:p>
+            <a:endParaRPr lang="it-IT" sz="3000" b="1" i="1" dirty="0">
+              <a:solidFill>
+                <a:srgbClr val="0072C6"/>
+              </a:solidFill>
+            </a:endParaRPr>
+          </a:p>
+        </p:txBody>
+      </p:sp>
+      <p:cxnSp>
+        <p:nvCxnSpPr>
+          <p:cNvPr id="7" name="Connettore 1 6"/>
+          <p:cNvCxnSpPr/>
+          <p:nvPr/>
+        </p:nvCxnSpPr>
+        <p:spPr>
+          <a:xfrm>
+            <a:off x="5786438" y="5243513"/>
+            <a:ext cx="4043362" cy="0"/>
+          </a:xfrm>
+          <a:prstGeom prst="line">
+            <a:avLst/>
+          </a:prstGeom>
+          <a:ln>
+            <a:solidFill>
+              <a:schemeClr val="tx1"/>
+            </a:solidFill>
+          </a:ln>
+        </p:spPr>
+        <p:style>
+          <a:lnRef idx="1">
+            <a:schemeClr val="accent1"/>
+          </a:lnRef>
+          <a:fillRef idx="0">
+            <a:schemeClr val="accent1"/>
+          </a:fillRef>
+          <a:effectRef idx="0">
+            <a:schemeClr val="accent1"/>
+          </a:effectRef>
+          <a:fontRef idx="minor">
+            <a:schemeClr val="tx1"/>
+          </a:fontRef>
+        </p:style>
+      </p:cxnSp>
+    </p:spTree>
+    <p:extLst>
+      <p:ext uri="{BB962C8B-B14F-4D97-AF65-F5344CB8AC3E}">
+        <p14:creationId xmlns:p14="http://schemas.microsoft.com/office/powerpoint/2010/main" val="3505931671"/>
+      </p:ext>
+    </p:extLst>
+  </p:cSld>
+  <p:clrMapOvr>
+    <a:masterClrMapping/>
+  </p:clrMapOvr>
+  <p:transition spd="slow">
+    <p:push dir="u"/>
+  </p:transition>
+  <p:timing>
+    <p:tnLst>
+      <p:par>
+        <p:cTn id="1" dur="indefinite" restart="never" nodeType="tmRoot"/>
+      </p:par>
+    </p:tnLst>
+  </p:timing>
+</p:sld>
+</file>
+
+<file path=ppt/slides/slide41.xml><?xml version="1.0" encoding="utf-8"?>
 <p:sld xmlns:a="http://schemas.openxmlformats.org/drawingml/2006/main" xmlns:r="http://schemas.openxmlformats.org/officeDocument/2006/relationships" xmlns:p="http://schemas.openxmlformats.org/presentationml/2006/main">
   <p:cSld>
     <p:spTree>
@@ -15545,11 +17246,6 @@
               </a:rPr>
               <a:t>Open Data</a:t>
             </a:r>
-            <a:endParaRPr lang="it-IT" b="1" dirty="0" smtClean="0">
-              <a:solidFill>
-                <a:srgbClr val="0072C6"/>
-              </a:solidFill>
-            </a:endParaRPr>
           </a:p>
           <a:p>
             <a:endParaRPr lang="it-IT" sz="1500" b="1" i="1" dirty="0">
@@ -15576,11 +17272,7 @@
             <a:pPr lvl="0"/>
             <a:r>
               <a:rPr lang="it-IT" sz="3200" dirty="0" smtClean="0"/>
-              <a:t>dati BRI saranno </a:t>
-            </a:r>
-            <a:r>
-              <a:rPr lang="it-IT" sz="3200" dirty="0" smtClean="0"/>
-              <a:t>resi pubblici e fruibili via web browser.</a:t>
+              <a:t>dati BRI saranno resi pubblici e fruibili via web browser.</a:t>
             </a:r>
           </a:p>
           <a:p>
@@ -15724,20 +17416,20 @@
   <p:clrMapOvr>
     <a:masterClrMapping/>
   </p:clrMapOvr>
-  <p:transition xmlns:p14="http://schemas.microsoft.com/office/powerpoint/2010/main" spd="slow">
+  <p:transition spd="slow">
     <p:push dir="u"/>
   </p:transition>
   <p:timing>
     <p:tnLst>
       <p:par>
-        <p:cTn xmlns:p14="http://schemas.microsoft.com/office/powerpoint/2010/main" id="1" dur="indefinite" restart="never" nodeType="tmRoot"/>
+        <p:cTn id="1" dur="indefinite" restart="never" nodeType="tmRoot"/>
       </p:par>
     </p:tnLst>
   </p:timing>
 </p:sld>
 </file>
 
-<file path=ppt/slides/slide39.xml><?xml version="1.0" encoding="utf-8"?>
+<file path=ppt/slides/slide42.xml><?xml version="1.0" encoding="utf-8"?>
 <p:sld xmlns:a="http://schemas.openxmlformats.org/drawingml/2006/main" xmlns:r="http://schemas.openxmlformats.org/officeDocument/2006/relationships" xmlns:p="http://schemas.openxmlformats.org/presentationml/2006/main">
   <p:cSld>
     <p:spTree>
@@ -15856,11 +17548,6 @@
               </a:rPr>
               <a:t>Open Data</a:t>
             </a:r>
-            <a:endParaRPr lang="it-IT" b="1" dirty="0" smtClean="0">
-              <a:solidFill>
-                <a:srgbClr val="0072C6"/>
-              </a:solidFill>
-            </a:endParaRPr>
           </a:p>
           <a:p>
             <a:endParaRPr lang="it-IT" sz="1500" b="1" i="1" dirty="0" smtClean="0">
@@ -16077,20 +17764,20 @@
   <p:clrMapOvr>
     <a:masterClrMapping/>
   </p:clrMapOvr>
-  <p:transition xmlns:p14="http://schemas.microsoft.com/office/powerpoint/2010/main" spd="slow">
+  <p:transition spd="slow">
     <p:push dir="u"/>
   </p:transition>
   <p:timing>
     <p:tnLst>
       <p:par>
-        <p:cTn xmlns:p14="http://schemas.microsoft.com/office/powerpoint/2010/main" id="1" dur="indefinite" restart="never" nodeType="tmRoot"/>
+        <p:cTn id="1" dur="indefinite" restart="never" nodeType="tmRoot"/>
       </p:par>
     </p:tnLst>
   </p:timing>
 </p:sld>
 </file>
 
-<file path=ppt/slides/slide4.xml><?xml version="1.0" encoding="utf-8"?>
+<file path=ppt/slides/slide43.xml><?xml version="1.0" encoding="utf-8"?>
 <p:sld xmlns:a="http://schemas.openxmlformats.org/drawingml/2006/main" xmlns:r="http://schemas.openxmlformats.org/officeDocument/2006/relationships" xmlns:p="http://schemas.openxmlformats.org/presentationml/2006/main">
   <p:cSld>
     <p:spTree>
@@ -16109,7 +17796,254 @@
       </p:grpSpPr>
       <p:sp>
         <p:nvSpPr>
-          <p:cNvPr id="6" name="Rettangolo 5"/>
+          <p:cNvPr id="5" name="Rettangolo 4"/>
+          <p:cNvSpPr/>
+          <p:nvPr/>
+        </p:nvSpPr>
+        <p:spPr>
+          <a:xfrm>
+            <a:off x="0" y="-28574"/>
+            <a:ext cx="12192000" cy="342900"/>
+          </a:xfrm>
+          <a:prstGeom prst="rect">
+            <a:avLst/>
+          </a:prstGeom>
+          <a:solidFill>
+            <a:srgbClr val="0072C6"/>
+          </a:solidFill>
+        </p:spPr>
+        <p:style>
+          <a:lnRef idx="2">
+            <a:schemeClr val="accent1">
+              <a:shade val="50000"/>
+            </a:schemeClr>
+          </a:lnRef>
+          <a:fillRef idx="1">
+            <a:schemeClr val="accent1"/>
+          </a:fillRef>
+          <a:effectRef idx="0">
+            <a:schemeClr val="accent1"/>
+          </a:effectRef>
+          <a:fontRef idx="minor">
+            <a:schemeClr val="lt1"/>
+          </a:fontRef>
+        </p:style>
+        <p:txBody>
+          <a:bodyPr rtlCol="0" anchor="ctr"/>
+          <a:lstStyle/>
+          <a:p>
+            <a:pPr algn="ctr"/>
+            <a:endParaRPr lang="it-IT"/>
+          </a:p>
+        </p:txBody>
+      </p:sp>
+      <p:sp>
+        <p:nvSpPr>
+          <p:cNvPr id="6" name="Title 2"/>
+          <p:cNvSpPr txBox="1">
+            <a:spLocks/>
+          </p:cNvSpPr>
+          <p:nvPr/>
+        </p:nvSpPr>
+        <p:spPr>
+          <a:xfrm>
+            <a:off x="521493" y="485778"/>
+            <a:ext cx="11149013" cy="868889"/>
+          </a:xfrm>
+          <a:prstGeom prst="rect">
+            <a:avLst/>
+          </a:prstGeom>
+        </p:spPr>
+        <p:txBody>
+          <a:bodyPr/>
+          <a:lstStyle>
+            <a:lvl1pPr algn="l" defTabSz="914363" rtl="0" eaLnBrk="1" latinLnBrk="0" hangingPunct="1">
+              <a:lnSpc>
+                <a:spcPct val="90000"/>
+              </a:lnSpc>
+              <a:spcBef>
+                <a:spcPct val="0"/>
+              </a:spcBef>
+              <a:buNone/>
+              <a:defRPr lang="en-US" sz="5400" b="0" kern="1200" cap="none" spc="-100" baseline="0" dirty="0" smtClean="0">
+                <a:ln w="3175">
+                  <a:noFill/>
+                </a:ln>
+                <a:gradFill>
+                  <a:gsLst>
+                    <a:gs pos="1250">
+                      <a:schemeClr val="tx2"/>
+                    </a:gs>
+                    <a:gs pos="100000">
+                      <a:schemeClr val="tx2"/>
+                    </a:gs>
+                  </a:gsLst>
+                  <a:lin ang="5400000" scaled="0"/>
+                </a:gradFill>
+                <a:effectLst/>
+                <a:latin typeface="+mj-lt"/>
+                <a:ea typeface="+mn-ea"/>
+                <a:cs typeface="Arial" charset="0"/>
+              </a:defRPr>
+            </a:lvl1pPr>
+          </a:lstStyle>
+          <a:p>
+            <a:r>
+              <a:rPr lang="it-IT" b="1" dirty="0" smtClean="0">
+                <a:solidFill>
+                  <a:srgbClr val="0072C6"/>
+                </a:solidFill>
+              </a:rPr>
+              <a:t>Open Data</a:t>
+            </a:r>
+          </a:p>
+          <a:p>
+            <a:endParaRPr lang="it-IT" sz="1500" b="1" i="1" dirty="0" smtClean="0">
+              <a:solidFill>
+                <a:srgbClr val="0072C6"/>
+              </a:solidFill>
+            </a:endParaRPr>
+          </a:p>
+          <a:p>
+            <a:endParaRPr lang="it-IT" sz="1000" b="1" i="1" dirty="0" smtClean="0">
+              <a:solidFill>
+                <a:srgbClr val="0072C6"/>
+              </a:solidFill>
+            </a:endParaRPr>
+          </a:p>
+          <a:p>
+            <a:pPr lvl="0"/>
+            <a:endParaRPr lang="it-IT" sz="3200" dirty="0"/>
+          </a:p>
+          <a:p>
+            <a:pPr lvl="0"/>
+            <a:r>
+              <a:rPr lang="it-IT" sz="3200" dirty="0" smtClean="0"/>
+              <a:t>I dati sono pubblicati sotto licenza </a:t>
+            </a:r>
+            <a:r>
+              <a:rPr lang="it-IT" sz="3200" i="1" dirty="0" err="1" smtClean="0"/>
+              <a:t>Italian</a:t>
+            </a:r>
+            <a:r>
+              <a:rPr lang="it-IT" sz="3200" i="1" dirty="0" smtClean="0"/>
+              <a:t> Open Data </a:t>
+            </a:r>
+            <a:r>
+              <a:rPr lang="it-IT" sz="3200" i="1" dirty="0" err="1" smtClean="0"/>
+              <a:t>Licenses</a:t>
+            </a:r>
+            <a:r>
+              <a:rPr lang="it-IT" sz="3200" i="1" dirty="0" smtClean="0"/>
+              <a:t> 2.0</a:t>
+            </a:r>
+          </a:p>
+          <a:p>
+            <a:pPr lvl="0"/>
+            <a:r>
+              <a:rPr lang="it-IT" sz="3200" dirty="0" smtClean="0"/>
+              <a:t>che ne permette l’utilizzo ma obbliga l’utilizzatore a citare il Licenziante.</a:t>
+            </a:r>
+          </a:p>
+          <a:p>
+            <a:pPr lvl="0"/>
+            <a:endParaRPr lang="it-IT" sz="3200" dirty="0"/>
+          </a:p>
+          <a:p>
+            <a:pPr lvl="0" algn="r"/>
+            <a:r>
+              <a:rPr lang="it-IT" sz="3200" dirty="0" smtClean="0"/>
+              <a:t>												            </a:t>
+            </a:r>
+            <a:r>
+              <a:rPr lang="it-IT" sz="2500" dirty="0" smtClean="0"/>
+              <a:t> http</a:t>
+            </a:r>
+            <a:r>
+              <a:rPr lang="it-IT" sz="2500" dirty="0"/>
+              <a:t>://</a:t>
+            </a:r>
+            <a:r>
+              <a:rPr lang="it-IT" sz="2500" dirty="0" err="1"/>
+              <a:t>www.dati.gov.it</a:t>
+            </a:r>
+            <a:r>
+              <a:rPr lang="it-IT" sz="2500" dirty="0"/>
+              <a:t>/</a:t>
+            </a:r>
+            <a:r>
+              <a:rPr lang="it-IT" sz="2500" dirty="0" err="1"/>
+              <a:t>iodl</a:t>
+            </a:r>
+            <a:r>
+              <a:rPr lang="it-IT" sz="2500" dirty="0"/>
+              <a:t>/2.0/</a:t>
+            </a:r>
+          </a:p>
+          <a:p>
+            <a:pPr marL="457200" lvl="0" indent="-457200">
+              <a:buFont typeface="Arial" panose="020B0604020202020204" pitchFamily="34" charset="0"/>
+              <a:buChar char="•"/>
+            </a:pPr>
+            <a:endParaRPr lang="it-IT" sz="3000" dirty="0" smtClean="0"/>
+          </a:p>
+          <a:p>
+            <a:pPr lvl="0"/>
+            <a:r>
+              <a:rPr lang="it-IT" sz="3000" dirty="0" smtClean="0"/>
+              <a:t>I dati pubblicati possono essere utilizzati ad esempio dal corso di laurea di statistica o di geologia (analisi ed inferenza sui dati) oppure da agenzie che si occupano di gestione territoriale. </a:t>
+            </a:r>
+            <a:endParaRPr lang="it-IT" sz="3000" dirty="0"/>
+          </a:p>
+          <a:p>
+            <a:pPr marL="457200" lvl="0" indent="-457200">
+              <a:buFont typeface="Arial" panose="020B0604020202020204" pitchFamily="34" charset="0"/>
+              <a:buChar char="•"/>
+            </a:pPr>
+            <a:endParaRPr lang="it-IT" sz="3000" b="1" i="1" dirty="0" smtClean="0">
+              <a:solidFill>
+                <a:srgbClr val="0072C6"/>
+              </a:solidFill>
+            </a:endParaRPr>
+          </a:p>
+          <a:p>
+            <a:pPr lvl="0"/>
+            <a:endParaRPr lang="it-IT" sz="3000" b="1" i="1" dirty="0" smtClean="0">
+              <a:solidFill>
+                <a:srgbClr val="0072C6"/>
+              </a:solidFill>
+            </a:endParaRPr>
+          </a:p>
+          <a:p>
+            <a:pPr marL="457200" lvl="0" indent="-457200">
+              <a:buFont typeface="Arial" panose="020B0604020202020204" pitchFamily="34" charset="0"/>
+              <a:buChar char="•"/>
+            </a:pPr>
+            <a:endParaRPr lang="it-IT" sz="5000" b="1" i="1" dirty="0">
+              <a:solidFill>
+                <a:srgbClr val="0072C6"/>
+              </a:solidFill>
+            </a:endParaRPr>
+          </a:p>
+          <a:p>
+            <a:endParaRPr lang="it-IT" sz="5000" b="1" i="1" dirty="0" smtClean="0">
+              <a:solidFill>
+                <a:srgbClr val="0072C6"/>
+              </a:solidFill>
+            </a:endParaRPr>
+          </a:p>
+          <a:p>
+            <a:endParaRPr lang="it-IT" sz="3000" b="1" i="1" dirty="0">
+              <a:solidFill>
+                <a:srgbClr val="0072C6"/>
+              </a:solidFill>
+            </a:endParaRPr>
+          </a:p>
+        </p:txBody>
+      </p:sp>
+      <p:sp>
+        <p:nvSpPr>
+          <p:cNvPr id="4" name="Rettangolo 3"/>
           <p:cNvSpPr/>
           <p:nvPr/>
         </p:nvSpPr>
@@ -16150,9 +18084,92 @@
           </a:p>
         </p:txBody>
       </p:sp>
-      <p:sp>
-        <p:nvSpPr>
-          <p:cNvPr id="7" name="Rettangolo 6"/>
+    </p:spTree>
+    <p:extLst>
+      <p:ext uri="{BB962C8B-B14F-4D97-AF65-F5344CB8AC3E}">
+        <p14:creationId xmlns:p14="http://schemas.microsoft.com/office/powerpoint/2010/main" val="1930695738"/>
+      </p:ext>
+    </p:extLst>
+  </p:cSld>
+  <p:clrMapOvr>
+    <a:masterClrMapping/>
+  </p:clrMapOvr>
+  <p:transition spd="slow">
+    <p:push dir="u"/>
+  </p:transition>
+  <p:timing>
+    <p:tnLst>
+      <p:par>
+        <p:cTn id="1" dur="indefinite" restart="never" nodeType="tmRoot"/>
+      </p:par>
+    </p:tnLst>
+  </p:timing>
+</p:sld>
+</file>
+
+<file path=ppt/slides/slide5.xml><?xml version="1.0" encoding="utf-8"?>
+<p:sld xmlns:a="http://schemas.openxmlformats.org/drawingml/2006/main" xmlns:r="http://schemas.openxmlformats.org/officeDocument/2006/relationships" xmlns:p="http://schemas.openxmlformats.org/presentationml/2006/main">
+  <p:cSld>
+    <p:spTree>
+      <p:nvGrpSpPr>
+        <p:cNvPr id="1" name=""/>
+        <p:cNvGrpSpPr/>
+        <p:nvPr/>
+      </p:nvGrpSpPr>
+      <p:grpSpPr>
+        <a:xfrm>
+          <a:off x="0" y="0"/>
+          <a:ext cx="0" cy="0"/>
+          <a:chOff x="0" y="0"/>
+          <a:chExt cx="0" cy="0"/>
+        </a:xfrm>
+      </p:grpSpPr>
+      <p:sp>
+        <p:nvSpPr>
+          <p:cNvPr id="3" name="Rettangolo 2"/>
+          <p:cNvSpPr/>
+          <p:nvPr/>
+        </p:nvSpPr>
+        <p:spPr>
+          <a:xfrm>
+            <a:off x="0" y="6515100"/>
+            <a:ext cx="12192000" cy="342900"/>
+          </a:xfrm>
+          <a:prstGeom prst="rect">
+            <a:avLst/>
+          </a:prstGeom>
+          <a:solidFill>
+            <a:srgbClr val="0072C6"/>
+          </a:solidFill>
+        </p:spPr>
+        <p:style>
+          <a:lnRef idx="2">
+            <a:schemeClr val="accent1">
+              <a:shade val="50000"/>
+            </a:schemeClr>
+          </a:lnRef>
+          <a:fillRef idx="1">
+            <a:schemeClr val="accent1"/>
+          </a:fillRef>
+          <a:effectRef idx="0">
+            <a:schemeClr val="accent1"/>
+          </a:effectRef>
+          <a:fontRef idx="minor">
+            <a:schemeClr val="lt1"/>
+          </a:fontRef>
+        </p:style>
+        <p:txBody>
+          <a:bodyPr rtlCol="0" anchor="ctr"/>
+          <a:lstStyle/>
+          <a:p>
+            <a:pPr algn="ctr"/>
+            <a:endParaRPr lang="it-IT"/>
+          </a:p>
+        </p:txBody>
+      </p:sp>
+      <p:sp>
+        <p:nvSpPr>
+          <p:cNvPr id="4" name="Rettangolo 3"/>
           <p:cNvSpPr/>
           <p:nvPr/>
         </p:nvSpPr>
@@ -16201,8 +18218,8 @@
         </p:nvSpPr>
         <p:spPr>
           <a:xfrm>
-            <a:off x="521493" y="1828800"/>
-            <a:ext cx="11044237" cy="4231928"/>
+            <a:off x="521493" y="2208215"/>
+            <a:ext cx="10587037" cy="3046988"/>
           </a:xfrm>
           <a:prstGeom prst="rect">
             <a:avLst/>
@@ -16238,7 +18255,7 @@
                 <a:latin typeface="+mj-lt"/>
                 <a:cs typeface="Arial" charset="0"/>
               </a:rPr>
-              <a:t>pianificare degli spostamenti delle squadre di emergenza in base alle informazioni relative alle emergenze potenziali</a:t>
+              <a:t>DI - dato idrometrico</a:t>
             </a:r>
           </a:p>
           <a:p>
@@ -16246,24 +18263,27 @@
               <a:buFont typeface="Arial" panose="020B0604020202020204" pitchFamily="34" charset="0"/>
               <a:buChar char="•"/>
             </a:pPr>
-            <a:endParaRPr lang="it-IT" sz="1500" spc="-100" dirty="0">
-              <a:ln w="3175">
-                <a:noFill/>
-              </a:ln>
-              <a:gradFill>
-                <a:gsLst>
-                  <a:gs pos="1250">
-                    <a:schemeClr val="tx2"/>
-                  </a:gs>
-                  <a:gs pos="100000">
-                    <a:schemeClr val="tx2"/>
-                  </a:gs>
-                </a:gsLst>
-                <a:lin ang="5400000" scaled="0"/>
-              </a:gradFill>
-              <a:latin typeface="+mj-lt"/>
-              <a:cs typeface="Arial" charset="0"/>
-            </a:endParaRPr>
+            <a:r>
+              <a:rPr lang="it-IT" sz="3200" spc="-100" dirty="0">
+                <a:ln w="3175">
+                  <a:noFill/>
+                </a:ln>
+                <a:gradFill>
+                  <a:gsLst>
+                    <a:gs pos="1250">
+                      <a:schemeClr val="tx2"/>
+                    </a:gs>
+                    <a:gs pos="100000">
+                      <a:schemeClr val="tx2"/>
+                    </a:gs>
+                  </a:gsLst>
+                  <a:lin ang="5400000" scaled="0"/>
+                </a:gradFill>
+                <a:latin typeface="+mj-lt"/>
+                <a:cs typeface="Arial" charset="0"/>
+              </a:rPr>
+              <a:t>SEP - segnalazione emergenza potenziale</a:t>
+            </a:r>
           </a:p>
           <a:p>
             <a:pPr marL="457200" lvl="0" indent="-457200">
@@ -16289,7 +18309,7 @@
                 <a:latin typeface="+mj-lt"/>
                 <a:cs typeface="Arial" charset="0"/>
               </a:rPr>
-              <a:t>notificare la pianificazione ai responsabili territoriali della protezione civile e alle squadre di emergenza coinvolte</a:t>
+              <a:t>SEG - segnalazione emergenza grave</a:t>
             </a:r>
           </a:p>
           <a:p>
@@ -16297,24 +18317,27 @@
               <a:buFont typeface="Arial" panose="020B0604020202020204" pitchFamily="34" charset="0"/>
               <a:buChar char="•"/>
             </a:pPr>
-            <a:endParaRPr lang="it-IT" sz="1500" spc="-100" dirty="0">
-              <a:ln w="3175">
-                <a:noFill/>
-              </a:ln>
-              <a:gradFill>
-                <a:gsLst>
-                  <a:gs pos="1250">
-                    <a:schemeClr val="tx2"/>
-                  </a:gs>
-                  <a:gs pos="100000">
-                    <a:schemeClr val="tx2"/>
-                  </a:gs>
-                </a:gsLst>
-                <a:lin ang="5400000" scaled="0"/>
-              </a:gradFill>
-              <a:latin typeface="+mj-lt"/>
-              <a:cs typeface="Arial" charset="0"/>
-            </a:endParaRPr>
+            <a:r>
+              <a:rPr lang="it-IT" sz="3200" spc="-100" dirty="0">
+                <a:ln w="3175">
+                  <a:noFill/>
+                </a:ln>
+                <a:gradFill>
+                  <a:gsLst>
+                    <a:gs pos="1250">
+                      <a:schemeClr val="tx2"/>
+                    </a:gs>
+                    <a:gs pos="100000">
+                      <a:schemeClr val="tx2"/>
+                    </a:gs>
+                  </a:gsLst>
+                  <a:lin ang="5400000" scaled="0"/>
+                </a:gradFill>
+                <a:latin typeface="+mj-lt"/>
+                <a:cs typeface="Arial" charset="0"/>
+              </a:rPr>
+              <a:t>BDM - base dati meteo</a:t>
+            </a:r>
           </a:p>
           <a:p>
             <a:pPr marL="457200" lvl="0" indent="-457200">
@@ -16340,7 +18363,7 @@
                 <a:latin typeface="+mj-lt"/>
                 <a:cs typeface="Arial" charset="0"/>
               </a:rPr>
-              <a:t>memorizzare l’allocazione squadre di emergenza</a:t>
+              <a:t>BSE - base dati segnalazioni emergenza</a:t>
             </a:r>
           </a:p>
           <a:p>
@@ -16348,30 +18371,6 @@
               <a:buFont typeface="Arial" panose="020B0604020202020204" pitchFamily="34" charset="0"/>
               <a:buChar char="•"/>
             </a:pPr>
-            <a:endParaRPr lang="it-IT" sz="1500" spc="-100" dirty="0">
-              <a:ln w="3175">
-                <a:noFill/>
-              </a:ln>
-              <a:gradFill>
-                <a:gsLst>
-                  <a:gs pos="1250">
-                    <a:schemeClr val="tx2"/>
-                  </a:gs>
-                  <a:gs pos="100000">
-                    <a:schemeClr val="tx2"/>
-                  </a:gs>
-                </a:gsLst>
-                <a:lin ang="5400000" scaled="0"/>
-              </a:gradFill>
-              <a:latin typeface="+mj-lt"/>
-              <a:cs typeface="Arial" charset="0"/>
-            </a:endParaRPr>
-          </a:p>
-          <a:p>
-            <a:pPr marL="457200" lvl="0" indent="-457200">
-              <a:buFont typeface="Arial" panose="020B0604020202020204" pitchFamily="34" charset="0"/>
-              <a:buChar char="•"/>
-            </a:pPr>
             <a:r>
               <a:rPr lang="it-IT" sz="3200" spc="-100" dirty="0">
                 <a:ln w="3175">
@@ -16391,14 +18390,14 @@
                 <a:latin typeface="+mj-lt"/>
                 <a:cs typeface="Arial" charset="0"/>
               </a:rPr>
-              <a:t>notificare di emergenze gravi alle squadre di emergenza più prossime</a:t>
-            </a:r>
-          </a:p>
-        </p:txBody>
-      </p:sp>
-      <p:sp>
-        <p:nvSpPr>
-          <p:cNvPr id="9" name="CasellaDiTesto 8"/>
+              <a:t>BSE - base dati rete idrica</a:t>
+            </a:r>
+          </a:p>
+        </p:txBody>
+      </p:sp>
+      <p:sp>
+        <p:nvSpPr>
+          <p:cNvPr id="7" name="CasellaDiTesto 6"/>
           <p:cNvSpPr txBox="1"/>
           <p:nvPr/>
         </p:nvSpPr>
@@ -16444,7 +18443,7 @@
                 <a:latin typeface="+mj-lt"/>
                 <a:cs typeface="Arial" charset="0"/>
               </a:rPr>
-              <a:t>Studio del problema - 2</a:t>
+              <a:t>Acronimi</a:t>
             </a:r>
             <a:endParaRPr lang="it-IT" sz="3000" b="1" spc="-100" dirty="0">
               <a:ln w="3175">
@@ -16462,27 +18461,27 @@
     </p:spTree>
     <p:extLst>
       <p:ext uri="{BB962C8B-B14F-4D97-AF65-F5344CB8AC3E}">
-        <p14:creationId xmlns:p14="http://schemas.microsoft.com/office/powerpoint/2010/main" val="3451820100"/>
+        <p14:creationId xmlns:p14="http://schemas.microsoft.com/office/powerpoint/2010/main" val="4113006247"/>
       </p:ext>
     </p:extLst>
   </p:cSld>
   <p:clrMapOvr>
     <a:masterClrMapping/>
   </p:clrMapOvr>
-  <p:transition xmlns:p14="http://schemas.microsoft.com/office/powerpoint/2010/main" spd="slow">
+  <p:transition spd="slow">
     <p:push dir="u"/>
   </p:transition>
   <p:timing>
     <p:tnLst>
       <p:par>
-        <p:cTn xmlns:p14="http://schemas.microsoft.com/office/powerpoint/2010/main" id="1" dur="indefinite" restart="never" nodeType="tmRoot"/>
+        <p:cTn id="1" dur="indefinite" restart="never" nodeType="tmRoot"/>
       </p:par>
     </p:tnLst>
   </p:timing>
 </p:sld>
 </file>
 
-<file path=ppt/slides/slide40.xml><?xml version="1.0" encoding="utf-8"?>
+<file path=ppt/slides/slide6.xml><?xml version="1.0" encoding="utf-8"?>
 <p:sld xmlns:a="http://schemas.openxmlformats.org/drawingml/2006/main" xmlns:r="http://schemas.openxmlformats.org/officeDocument/2006/relationships" xmlns:p="http://schemas.openxmlformats.org/presentationml/2006/main">
   <p:cSld>
     <p:spTree>
@@ -16501,7 +18500,50 @@
       </p:grpSpPr>
       <p:sp>
         <p:nvSpPr>
-          <p:cNvPr id="5" name="Rettangolo 4"/>
+          <p:cNvPr id="6" name="Rettangolo 5"/>
+          <p:cNvSpPr/>
+          <p:nvPr/>
+        </p:nvSpPr>
+        <p:spPr>
+          <a:xfrm>
+            <a:off x="0" y="6515100"/>
+            <a:ext cx="12192000" cy="342900"/>
+          </a:xfrm>
+          <a:prstGeom prst="rect">
+            <a:avLst/>
+          </a:prstGeom>
+          <a:solidFill>
+            <a:srgbClr val="0072C6"/>
+          </a:solidFill>
+        </p:spPr>
+        <p:style>
+          <a:lnRef idx="2">
+            <a:schemeClr val="accent1">
+              <a:shade val="50000"/>
+            </a:schemeClr>
+          </a:lnRef>
+          <a:fillRef idx="1">
+            <a:schemeClr val="accent1"/>
+          </a:fillRef>
+          <a:effectRef idx="0">
+            <a:schemeClr val="accent1"/>
+          </a:effectRef>
+          <a:fontRef idx="minor">
+            <a:schemeClr val="lt1"/>
+          </a:fontRef>
+        </p:style>
+        <p:txBody>
+          <a:bodyPr rtlCol="0" anchor="ctr"/>
+          <a:lstStyle/>
+          <a:p>
+            <a:pPr algn="ctr"/>
+            <a:endParaRPr lang="it-IT"/>
+          </a:p>
+        </p:txBody>
+      </p:sp>
+      <p:sp>
+        <p:nvSpPr>
+          <p:cNvPr id="7" name="Rettangolo 6"/>
           <p:cNvSpPr/>
           <p:nvPr/>
         </p:nvSpPr>
@@ -16544,33 +18586,32 @@
       </p:sp>
       <p:sp>
         <p:nvSpPr>
-          <p:cNvPr id="6" name="Title 2"/>
-          <p:cNvSpPr txBox="1">
-            <a:spLocks/>
-          </p:cNvSpPr>
+          <p:cNvPr id="2" name="CasellaDiTesto 1"/>
+          <p:cNvSpPr txBox="1"/>
           <p:nvPr/>
         </p:nvSpPr>
         <p:spPr>
           <a:xfrm>
-            <a:off x="521493" y="485778"/>
-            <a:ext cx="11149013" cy="868889"/>
+            <a:off x="521493" y="1700214"/>
+            <a:ext cx="10158413" cy="5016757"/>
           </a:xfrm>
           <a:prstGeom prst="rect">
             <a:avLst/>
           </a:prstGeom>
+          <a:noFill/>
         </p:spPr>
         <p:txBody>
-          <a:bodyPr/>
-          <a:lstStyle>
-            <a:lvl1pPr algn="l" defTabSz="914363" rtl="0" eaLnBrk="1" latinLnBrk="0" hangingPunct="1">
-              <a:lnSpc>
-                <a:spcPct val="90000"/>
-              </a:lnSpc>
-              <a:spcBef>
-                <a:spcPct val="0"/>
-              </a:spcBef>
-              <a:buNone/>
-              <a:defRPr lang="en-US" sz="5400" b="0" kern="1200" cap="none" spc="-100" baseline="0" dirty="0" smtClean="0">
+          <a:bodyPr wrap="square" rtlCol="0">
+            <a:spAutoFit/>
+          </a:bodyPr>
+          <a:lstStyle/>
+          <a:p>
+            <a:pPr marL="457200" lvl="0" indent="-457200">
+              <a:buFont typeface="Arial"/>
+              <a:buChar char="•"/>
+            </a:pPr>
+            <a:r>
+              <a:rPr lang="it-IT" sz="3200" spc="-100" dirty="0" smtClean="0">
                 <a:ln w="3175">
                   <a:noFill/>
                 </a:ln>
@@ -16585,188 +18626,294 @@
                   </a:gsLst>
                   <a:lin ang="5400000" scaled="0"/>
                 </a:gradFill>
-                <a:effectLst/>
-                <a:latin typeface="+mj-lt"/>
-                <a:ea typeface="+mn-ea"/>
-                <a:cs typeface="Arial" charset="0"/>
-              </a:defRPr>
-            </a:lvl1pPr>
-          </a:lstStyle>
-          <a:p>
-            <a:r>
-              <a:rPr lang="it-IT" b="1" dirty="0" smtClean="0">
+                <a:latin typeface="+mj-lt"/>
+                <a:cs typeface="Arial" charset="0"/>
+              </a:rPr>
+              <a:t>Il target del sistema è il territorio nazionale italiano.</a:t>
+            </a:r>
+          </a:p>
+          <a:p>
+            <a:pPr marL="457200" lvl="0" indent="-457200">
+              <a:buFont typeface="Arial"/>
+              <a:buChar char="•"/>
+            </a:pPr>
+            <a:endParaRPr lang="it-IT" sz="3200" spc="-100" dirty="0" smtClean="0">
+              <a:ln w="3175">
+                <a:noFill/>
+              </a:ln>
+              <a:gradFill>
+                <a:gsLst>
+                  <a:gs pos="1250">
+                    <a:schemeClr val="tx2"/>
+                  </a:gs>
+                  <a:gs pos="100000">
+                    <a:schemeClr val="tx2"/>
+                  </a:gs>
+                </a:gsLst>
+                <a:lin ang="5400000" scaled="0"/>
+              </a:gradFill>
+              <a:latin typeface="+mj-lt"/>
+              <a:cs typeface="Arial" charset="0"/>
+            </a:endParaRPr>
+          </a:p>
+          <a:p>
+            <a:pPr marL="457200" lvl="0" indent="-457200">
+              <a:buFont typeface="Arial"/>
+              <a:buChar char="•"/>
+            </a:pPr>
+            <a:r>
+              <a:rPr lang="it-IT" sz="3200" spc="-100" dirty="0" smtClean="0">
+                <a:ln w="3175">
+                  <a:noFill/>
+                </a:ln>
+                <a:gradFill>
+                  <a:gsLst>
+                    <a:gs pos="1250">
+                      <a:schemeClr val="tx2"/>
+                    </a:gs>
+                    <a:gs pos="100000">
+                      <a:schemeClr val="tx2"/>
+                    </a:gs>
+                  </a:gsLst>
+                  <a:lin ang="5400000" scaled="0"/>
+                </a:gradFill>
+                <a:latin typeface="+mj-lt"/>
+                <a:cs typeface="Arial" charset="0"/>
+              </a:rPr>
+              <a:t>Presenza di 2000 sensori idrici dislocati sul territorio nazionale (a febbraio 2015 in Lombardia sono presenti circa 100 sensori).</a:t>
+            </a:r>
+          </a:p>
+          <a:p>
+            <a:pPr marL="457200" lvl="0" indent="-457200">
+              <a:buFont typeface="Arial"/>
+              <a:buChar char="•"/>
+            </a:pPr>
+            <a:endParaRPr lang="it-IT" sz="3200" spc="-100" dirty="0" smtClean="0">
+              <a:ln w="3175">
+                <a:noFill/>
+              </a:ln>
+              <a:gradFill>
+                <a:gsLst>
+                  <a:gs pos="1250">
+                    <a:schemeClr val="tx2"/>
+                  </a:gs>
+                  <a:gs pos="100000">
+                    <a:schemeClr val="tx2"/>
+                  </a:gs>
+                </a:gsLst>
+                <a:lin ang="5400000" scaled="0"/>
+              </a:gradFill>
+              <a:latin typeface="+mj-lt"/>
+              <a:cs typeface="Arial" charset="0"/>
+            </a:endParaRPr>
+          </a:p>
+          <a:p>
+            <a:pPr marL="457200" lvl="0" indent="-457200">
+              <a:buFont typeface="Arial"/>
+              <a:buChar char="•"/>
+            </a:pPr>
+            <a:r>
+              <a:rPr lang="it-IT" sz="3200" spc="-100" dirty="0" smtClean="0">
+                <a:ln w="3175">
+                  <a:noFill/>
+                </a:ln>
+                <a:gradFill>
+                  <a:gsLst>
+                    <a:gs pos="1250">
+                      <a:schemeClr val="tx2"/>
+                    </a:gs>
+                    <a:gs pos="100000">
+                      <a:schemeClr val="tx2"/>
+                    </a:gs>
+                  </a:gsLst>
+                  <a:lin ang="5400000" scaled="0"/>
+                </a:gradFill>
+                <a:latin typeface="+mj-lt"/>
+                <a:cs typeface="Arial" charset="0"/>
+              </a:rPr>
+              <a:t>I sensori idrici inviano i dati rilevati ogni ora (i sensori sono sincronizzati).</a:t>
+            </a:r>
+          </a:p>
+          <a:p>
+            <a:pPr marL="457200" lvl="0" indent="-457200">
+              <a:buFont typeface="Arial"/>
+              <a:buChar char="•"/>
+            </a:pPr>
+            <a:endParaRPr lang="it-IT" sz="3200" spc="-100" dirty="0" smtClean="0">
+              <a:ln w="3175">
+                <a:noFill/>
+              </a:ln>
+              <a:gradFill>
+                <a:gsLst>
+                  <a:gs pos="1250">
+                    <a:schemeClr val="tx2"/>
+                  </a:gs>
+                  <a:gs pos="100000">
+                    <a:schemeClr val="tx2"/>
+                  </a:gs>
+                </a:gsLst>
+                <a:lin ang="5400000" scaled="0"/>
+              </a:gradFill>
+              <a:latin typeface="+mj-lt"/>
+              <a:cs typeface="Arial" charset="0"/>
+            </a:endParaRPr>
+          </a:p>
+          <a:p>
+            <a:pPr marL="457200" lvl="0" indent="-457200">
+              <a:buFont typeface="Arial"/>
+              <a:buChar char="•"/>
+            </a:pPr>
+            <a:endParaRPr lang="it-IT" sz="3200" spc="-100" dirty="0" smtClean="0">
+              <a:ln w="3175">
+                <a:noFill/>
+              </a:ln>
+              <a:gradFill>
+                <a:gsLst>
+                  <a:gs pos="1250">
+                    <a:schemeClr val="tx2"/>
+                  </a:gs>
+                  <a:gs pos="100000">
+                    <a:schemeClr val="tx2"/>
+                  </a:gs>
+                </a:gsLst>
+                <a:lin ang="5400000" scaled="0"/>
+              </a:gradFill>
+              <a:latin typeface="+mj-lt"/>
+              <a:cs typeface="Arial" charset="0"/>
+            </a:endParaRPr>
+          </a:p>
+          <a:p>
+            <a:pPr marL="457200" lvl="0" indent="-457200">
+              <a:buFont typeface="Arial"/>
+              <a:buChar char="•"/>
+            </a:pPr>
+            <a:endParaRPr lang="it-IT" sz="3200" spc="-100" dirty="0">
+              <a:ln w="3175">
+                <a:noFill/>
+              </a:ln>
+              <a:gradFill>
+                <a:gsLst>
+                  <a:gs pos="1250">
+                    <a:schemeClr val="tx2"/>
+                  </a:gs>
+                  <a:gs pos="100000">
+                    <a:schemeClr val="tx2"/>
+                  </a:gs>
+                </a:gsLst>
+                <a:lin ang="5400000" scaled="0"/>
+              </a:gradFill>
+              <a:latin typeface="+mj-lt"/>
+              <a:cs typeface="Arial" charset="0"/>
+            </a:endParaRPr>
+          </a:p>
+        </p:txBody>
+      </p:sp>
+      <p:sp>
+        <p:nvSpPr>
+          <p:cNvPr id="9" name="CasellaDiTesto 8"/>
+          <p:cNvSpPr txBox="1"/>
+          <p:nvPr/>
+        </p:nvSpPr>
+        <p:spPr>
+          <a:xfrm>
+            <a:off x="415529" y="314326"/>
+            <a:ext cx="11613357" cy="1384995"/>
+          </a:xfrm>
+          <a:prstGeom prst="rect">
+            <a:avLst/>
+          </a:prstGeom>
+          <a:noFill/>
+        </p:spPr>
+        <p:txBody>
+          <a:bodyPr wrap="square" rtlCol="0">
+            <a:spAutoFit/>
+          </a:bodyPr>
+          <a:lstStyle/>
+          <a:p>
+            <a:r>
+              <a:rPr lang="it-IT" sz="5400" b="1" spc="-100" dirty="0">
+                <a:ln w="3175">
+                  <a:noFill/>
+                </a:ln>
                 <a:solidFill>
                   <a:srgbClr val="0072C6"/>
                 </a:solidFill>
-              </a:rPr>
-              <a:t>Open Data</a:t>
-            </a:r>
-            <a:endParaRPr lang="it-IT" b="1" dirty="0" smtClean="0">
+                <a:latin typeface="+mj-lt"/>
+                <a:cs typeface="Arial" charset="0"/>
+              </a:rPr>
+              <a:t>Analisi del problema</a:t>
+            </a:r>
+          </a:p>
+          <a:p>
+            <a:r>
+              <a:rPr lang="it-IT" sz="3000" b="1" spc="-100" dirty="0" smtClean="0">
+                <a:ln w="3175">
+                  <a:noFill/>
+                </a:ln>
+                <a:solidFill>
+                  <a:srgbClr val="0072C6"/>
+                </a:solidFill>
+                <a:latin typeface="+mj-lt"/>
+                <a:cs typeface="Arial" charset="0"/>
+              </a:rPr>
+              <a:t>Assunzioni</a:t>
+            </a:r>
+            <a:endParaRPr lang="it-IT" sz="3000" b="1" spc="-100" dirty="0">
+              <a:ln w="3175">
+                <a:noFill/>
+              </a:ln>
               <a:solidFill>
                 <a:srgbClr val="0072C6"/>
               </a:solidFill>
-            </a:endParaRPr>
-          </a:p>
-          <a:p>
-            <a:endParaRPr lang="it-IT" sz="1500" b="1" i="1" dirty="0" smtClean="0">
-              <a:solidFill>
-                <a:srgbClr val="0072C6"/>
-              </a:solidFill>
-            </a:endParaRPr>
-          </a:p>
-          <a:p>
-            <a:endParaRPr lang="it-IT" sz="1000" b="1" i="1" dirty="0" smtClean="0">
-              <a:solidFill>
-                <a:srgbClr val="0072C6"/>
-              </a:solidFill>
-            </a:endParaRPr>
-          </a:p>
-          <a:p>
-            <a:pPr lvl="0"/>
-            <a:endParaRPr lang="it-IT" sz="3200" dirty="0"/>
-          </a:p>
-          <a:p>
-            <a:pPr lvl="0"/>
-            <a:r>
-              <a:rPr lang="it-IT" sz="3200" dirty="0" smtClean="0"/>
-              <a:t>I dati sono pubblicati sotto licenza </a:t>
-            </a:r>
-            <a:r>
-              <a:rPr lang="it-IT" sz="3200" i="1" dirty="0" err="1" smtClean="0"/>
-              <a:t>Italian</a:t>
-            </a:r>
-            <a:r>
-              <a:rPr lang="it-IT" sz="3200" i="1" dirty="0" smtClean="0"/>
-              <a:t> Open Data </a:t>
-            </a:r>
-            <a:r>
-              <a:rPr lang="it-IT" sz="3200" i="1" dirty="0" err="1" smtClean="0"/>
-              <a:t>Licenses</a:t>
-            </a:r>
-            <a:r>
-              <a:rPr lang="it-IT" sz="3200" i="1" dirty="0" smtClean="0"/>
-              <a:t> 2.0</a:t>
-            </a:r>
-          </a:p>
-          <a:p>
-            <a:pPr lvl="0"/>
-            <a:r>
-              <a:rPr lang="it-IT" sz="3200" dirty="0" smtClean="0"/>
-              <a:t>che ne permette l’utilizzo ma obbliga l’utilizzatore a citare il Licenziante.</a:t>
-            </a:r>
-          </a:p>
-          <a:p>
-            <a:pPr lvl="0"/>
-            <a:endParaRPr lang="it-IT" sz="3200" dirty="0"/>
-          </a:p>
-          <a:p>
-            <a:pPr lvl="0" algn="r"/>
-            <a:r>
-              <a:rPr lang="it-IT" sz="3200" dirty="0" smtClean="0"/>
-              <a:t>												            </a:t>
-            </a:r>
-            <a:r>
-              <a:rPr lang="it-IT" sz="2500" dirty="0" smtClean="0"/>
-              <a:t> http</a:t>
-            </a:r>
-            <a:r>
-              <a:rPr lang="it-IT" sz="2500" dirty="0"/>
-              <a:t>://</a:t>
-            </a:r>
-            <a:r>
-              <a:rPr lang="it-IT" sz="2500" dirty="0" err="1"/>
-              <a:t>www.dati.gov.it</a:t>
-            </a:r>
-            <a:r>
-              <a:rPr lang="it-IT" sz="2500" dirty="0"/>
-              <a:t>/</a:t>
-            </a:r>
-            <a:r>
-              <a:rPr lang="it-IT" sz="2500" dirty="0" err="1"/>
-              <a:t>iodl</a:t>
-            </a:r>
-            <a:r>
-              <a:rPr lang="it-IT" sz="2500" dirty="0"/>
-              <a:t>/2.0/</a:t>
-            </a:r>
-            <a:endParaRPr lang="it-IT" sz="2500" dirty="0"/>
-          </a:p>
-          <a:p>
-            <a:pPr marL="457200" lvl="0" indent="-457200">
-              <a:buFont typeface="Arial" panose="020B0604020202020204" pitchFamily="34" charset="0"/>
-              <a:buChar char="•"/>
-            </a:pPr>
-            <a:endParaRPr lang="it-IT" sz="3000" dirty="0" smtClean="0"/>
-          </a:p>
-          <a:p>
-            <a:pPr lvl="0"/>
-            <a:r>
-              <a:rPr lang="it-IT" sz="3000" dirty="0" smtClean="0"/>
-              <a:t>I dati pubblicati possono essere utilizzati ad esempio dal corso di laurea di statistica o di geologia (analisi ed inferenza sui dati) oppure da agenzie che </a:t>
-            </a:r>
-            <a:r>
-              <a:rPr lang="it-IT" sz="3000" smtClean="0"/>
-              <a:t>si occupano </a:t>
-            </a:r>
-            <a:r>
-              <a:rPr lang="it-IT" sz="3000" dirty="0" smtClean="0"/>
-              <a:t>di </a:t>
-            </a:r>
-            <a:r>
-              <a:rPr lang="it-IT" sz="3000" smtClean="0"/>
-              <a:t>gestione territoriale. </a:t>
-            </a:r>
-            <a:endParaRPr lang="it-IT" sz="3000" dirty="0"/>
-          </a:p>
-          <a:p>
-            <a:pPr marL="457200" lvl="0" indent="-457200">
-              <a:buFont typeface="Arial" panose="020B0604020202020204" pitchFamily="34" charset="0"/>
-              <a:buChar char="•"/>
-            </a:pPr>
-            <a:endParaRPr lang="it-IT" sz="3000" b="1" i="1" dirty="0" smtClean="0">
-              <a:solidFill>
-                <a:srgbClr val="0072C6"/>
-              </a:solidFill>
-            </a:endParaRPr>
-          </a:p>
-          <a:p>
-            <a:pPr lvl="0"/>
-            <a:endParaRPr lang="it-IT" sz="3000" b="1" i="1" dirty="0" smtClean="0">
-              <a:solidFill>
-                <a:srgbClr val="0072C6"/>
-              </a:solidFill>
-            </a:endParaRPr>
-          </a:p>
-          <a:p>
-            <a:pPr marL="457200" lvl="0" indent="-457200">
-              <a:buFont typeface="Arial" panose="020B0604020202020204" pitchFamily="34" charset="0"/>
-              <a:buChar char="•"/>
-            </a:pPr>
-            <a:endParaRPr lang="it-IT" sz="5000" b="1" i="1" dirty="0">
-              <a:solidFill>
-                <a:srgbClr val="0072C6"/>
-              </a:solidFill>
-            </a:endParaRPr>
-          </a:p>
-          <a:p>
-            <a:endParaRPr lang="it-IT" sz="5000" b="1" i="1" dirty="0" smtClean="0">
-              <a:solidFill>
-                <a:srgbClr val="0072C6"/>
-              </a:solidFill>
-            </a:endParaRPr>
-          </a:p>
-          <a:p>
-            <a:endParaRPr lang="it-IT" sz="3000" b="1" i="1" dirty="0">
-              <a:solidFill>
-                <a:srgbClr val="0072C6"/>
-              </a:solidFill>
-            </a:endParaRPr>
-          </a:p>
-        </p:txBody>
-      </p:sp>
-      <p:sp>
-        <p:nvSpPr>
-          <p:cNvPr id="4" name="Rettangolo 3"/>
+              <a:latin typeface="+mj-lt"/>
+              <a:cs typeface="Arial" charset="0"/>
+            </a:endParaRPr>
+          </a:p>
+        </p:txBody>
+      </p:sp>
+    </p:spTree>
+    <p:extLst>
+      <p:ext uri="{BB962C8B-B14F-4D97-AF65-F5344CB8AC3E}">
+        <p14:creationId xmlns:p14="http://schemas.microsoft.com/office/powerpoint/2010/main" val="3137891086"/>
+      </p:ext>
+    </p:extLst>
+  </p:cSld>
+  <p:clrMapOvr>
+    <a:masterClrMapping/>
+  </p:clrMapOvr>
+  <p:transition spd="slow">
+    <p:push dir="u"/>
+  </p:transition>
+  <p:timing>
+    <p:tnLst>
+      <p:par>
+        <p:cTn id="1" dur="indefinite" restart="never" nodeType="tmRoot"/>
+      </p:par>
+    </p:tnLst>
+  </p:timing>
+</p:sld>
+</file>
+
+<file path=ppt/slides/slide7.xml><?xml version="1.0" encoding="utf-8"?>
+<p:sld xmlns:a="http://schemas.openxmlformats.org/drawingml/2006/main" xmlns:r="http://schemas.openxmlformats.org/officeDocument/2006/relationships" xmlns:p="http://schemas.openxmlformats.org/presentationml/2006/main">
+  <p:cSld>
+    <p:spTree>
+      <p:nvGrpSpPr>
+        <p:cNvPr id="1" name=""/>
+        <p:cNvGrpSpPr/>
+        <p:nvPr/>
+      </p:nvGrpSpPr>
+      <p:grpSpPr>
+        <a:xfrm>
+          <a:off x="0" y="0"/>
+          <a:ext cx="0" cy="0"/>
+          <a:chOff x="0" y="0"/>
+          <a:chExt cx="0" cy="0"/>
+        </a:xfrm>
+      </p:grpSpPr>
+      <p:sp>
+        <p:nvSpPr>
+          <p:cNvPr id="6" name="Rettangolo 5"/>
           <p:cNvSpPr/>
           <p:nvPr/>
         </p:nvSpPr>
@@ -16807,30 +18954,447 @@
           </a:p>
         </p:txBody>
       </p:sp>
+      <p:sp>
+        <p:nvSpPr>
+          <p:cNvPr id="7" name="Rettangolo 6"/>
+          <p:cNvSpPr/>
+          <p:nvPr/>
+        </p:nvSpPr>
+        <p:spPr>
+          <a:xfrm>
+            <a:off x="0" y="-28574"/>
+            <a:ext cx="12192000" cy="342900"/>
+          </a:xfrm>
+          <a:prstGeom prst="rect">
+            <a:avLst/>
+          </a:prstGeom>
+          <a:solidFill>
+            <a:srgbClr val="0072C6"/>
+          </a:solidFill>
+        </p:spPr>
+        <p:style>
+          <a:lnRef idx="2">
+            <a:schemeClr val="accent1">
+              <a:shade val="50000"/>
+            </a:schemeClr>
+          </a:lnRef>
+          <a:fillRef idx="1">
+            <a:schemeClr val="accent1"/>
+          </a:fillRef>
+          <a:effectRef idx="0">
+            <a:schemeClr val="accent1"/>
+          </a:effectRef>
+          <a:fontRef idx="minor">
+            <a:schemeClr val="lt1"/>
+          </a:fontRef>
+        </p:style>
+        <p:txBody>
+          <a:bodyPr rtlCol="0" anchor="ctr"/>
+          <a:lstStyle/>
+          <a:p>
+            <a:pPr algn="ctr"/>
+            <a:endParaRPr lang="it-IT"/>
+          </a:p>
+        </p:txBody>
+      </p:sp>
+      <p:sp>
+        <p:nvSpPr>
+          <p:cNvPr id="2" name="CasellaDiTesto 1"/>
+          <p:cNvSpPr txBox="1"/>
+          <p:nvPr/>
+        </p:nvSpPr>
+        <p:spPr>
+          <a:xfrm>
+            <a:off x="521493" y="1700214"/>
+            <a:ext cx="10158413" cy="7478970"/>
+          </a:xfrm>
+          <a:prstGeom prst="rect">
+            <a:avLst/>
+          </a:prstGeom>
+          <a:noFill/>
+        </p:spPr>
+        <p:txBody>
+          <a:bodyPr wrap="square" rtlCol="0">
+            <a:spAutoFit/>
+          </a:bodyPr>
+          <a:lstStyle/>
+          <a:p>
+            <a:pPr marL="457200" lvl="0" indent="-457200">
+              <a:buFont typeface="Arial"/>
+              <a:buChar char="•"/>
+            </a:pPr>
+            <a:r>
+              <a:rPr lang="it-IT" sz="3200" spc="-100" dirty="0">
+                <a:ln w="3175">
+                  <a:noFill/>
+                </a:ln>
+                <a:gradFill>
+                  <a:gsLst>
+                    <a:gs pos="1250">
+                      <a:schemeClr val="tx2"/>
+                    </a:gs>
+                    <a:gs pos="100000">
+                      <a:schemeClr val="tx2"/>
+                    </a:gs>
+                  </a:gsLst>
+                  <a:lin ang="5400000" scaled="0"/>
+                </a:gradFill>
+                <a:latin typeface="+mj-lt"/>
+                <a:cs typeface="Arial" charset="0"/>
+              </a:rPr>
+              <a:t>Il recupero dei dati meteo viene effettuato ogni 3 ore (assunzione fatta sulla base del funzionamento di servizi web reali ) . </a:t>
+            </a:r>
+          </a:p>
+          <a:p>
+            <a:pPr marL="457200" lvl="0" indent="-457200">
+              <a:buFont typeface="Arial"/>
+              <a:buChar char="•"/>
+            </a:pPr>
+            <a:endParaRPr lang="it-IT" sz="1600" spc="-100" dirty="0" smtClean="0">
+              <a:ln w="3175">
+                <a:noFill/>
+              </a:ln>
+              <a:gradFill>
+                <a:gsLst>
+                  <a:gs pos="1250">
+                    <a:schemeClr val="tx2"/>
+                  </a:gs>
+                  <a:gs pos="100000">
+                    <a:schemeClr val="tx2"/>
+                  </a:gs>
+                </a:gsLst>
+                <a:lin ang="5400000" scaled="0"/>
+              </a:gradFill>
+              <a:latin typeface="+mj-lt"/>
+              <a:cs typeface="Arial" charset="0"/>
+            </a:endParaRPr>
+          </a:p>
+          <a:p>
+            <a:pPr marL="457200" lvl="0" indent="-457200">
+              <a:buFont typeface="Arial"/>
+              <a:buChar char="•"/>
+            </a:pPr>
+            <a:r>
+              <a:rPr lang="it-IT" sz="3200" spc="-100" dirty="0" smtClean="0">
+                <a:ln w="3175">
+                  <a:noFill/>
+                </a:ln>
+                <a:gradFill>
+                  <a:gsLst>
+                    <a:gs pos="1250">
+                      <a:schemeClr val="tx2"/>
+                    </a:gs>
+                    <a:gs pos="100000">
+                      <a:schemeClr val="tx2"/>
+                    </a:gs>
+                  </a:gsLst>
+                  <a:lin ang="5400000" scaled="0"/>
+                </a:gradFill>
+                <a:latin typeface="+mj-lt"/>
+                <a:cs typeface="Arial" charset="0"/>
+              </a:rPr>
+              <a:t>La pianificazione degli spostamenti delle squadre di emergenza non viene svolta in automatico dal sistema.</a:t>
+            </a:r>
+          </a:p>
+          <a:p>
+            <a:pPr marL="457200" lvl="0" indent="-457200">
+              <a:buFont typeface="Arial"/>
+              <a:buChar char="•"/>
+            </a:pPr>
+            <a:endParaRPr lang="it-IT" sz="1600" spc="-100" dirty="0" smtClean="0">
+              <a:ln w="3175">
+                <a:noFill/>
+              </a:ln>
+              <a:gradFill>
+                <a:gsLst>
+                  <a:gs pos="1250">
+                    <a:schemeClr val="tx2"/>
+                  </a:gs>
+                  <a:gs pos="100000">
+                    <a:schemeClr val="tx2"/>
+                  </a:gs>
+                </a:gsLst>
+                <a:lin ang="5400000" scaled="0"/>
+              </a:gradFill>
+              <a:latin typeface="+mj-lt"/>
+              <a:cs typeface="Arial" charset="0"/>
+            </a:endParaRPr>
+          </a:p>
+          <a:p>
+            <a:pPr marL="457200" indent="-457200">
+              <a:buFont typeface="Arial"/>
+              <a:buChar char="•"/>
+            </a:pPr>
+            <a:r>
+              <a:rPr lang="it-IT" sz="3200" spc="-100" dirty="0" smtClean="0">
+                <a:ln w="3175">
+                  <a:noFill/>
+                </a:ln>
+                <a:gradFill>
+                  <a:gsLst>
+                    <a:gs pos="1250">
+                      <a:schemeClr val="tx2"/>
+                    </a:gs>
+                    <a:gs pos="100000">
+                      <a:schemeClr val="tx2"/>
+                    </a:gs>
+                  </a:gsLst>
+                  <a:lin ang="5400000" scaled="0"/>
+                </a:gradFill>
+                <a:latin typeface="+mj-lt"/>
+                <a:cs typeface="Arial" charset="0"/>
+              </a:rPr>
+              <a:t>Il campo regione della tabella nodo d’acqua in BRI e il campo denominazione della tabella regione in BDM hanno lo stesso dominio.</a:t>
+            </a:r>
+            <a:endParaRPr lang="it-IT" sz="3200" spc="-100" dirty="0">
+              <a:ln w="3175">
+                <a:noFill/>
+              </a:ln>
+              <a:gradFill>
+                <a:gsLst>
+                  <a:gs pos="1250">
+                    <a:schemeClr val="tx2"/>
+                  </a:gs>
+                  <a:gs pos="100000">
+                    <a:schemeClr val="tx2"/>
+                  </a:gs>
+                </a:gsLst>
+                <a:lin ang="5400000" scaled="0"/>
+              </a:gradFill>
+              <a:latin typeface="+mj-lt"/>
+              <a:cs typeface="Arial" charset="0"/>
+            </a:endParaRPr>
+          </a:p>
+          <a:p>
+            <a:pPr marL="457200" lvl="0" indent="-457200">
+              <a:buFont typeface="Arial"/>
+              <a:buChar char="•"/>
+            </a:pPr>
+            <a:endParaRPr lang="it-IT" sz="3200" spc="-100" dirty="0">
+              <a:ln w="3175">
+                <a:noFill/>
+              </a:ln>
+              <a:gradFill>
+                <a:gsLst>
+                  <a:gs pos="1250">
+                    <a:schemeClr val="tx2"/>
+                  </a:gs>
+                  <a:gs pos="100000">
+                    <a:schemeClr val="tx2"/>
+                  </a:gs>
+                </a:gsLst>
+                <a:lin ang="5400000" scaled="0"/>
+              </a:gradFill>
+              <a:latin typeface="+mj-lt"/>
+              <a:cs typeface="Arial" charset="0"/>
+            </a:endParaRPr>
+          </a:p>
+          <a:p>
+            <a:pPr lvl="0"/>
+            <a:endParaRPr lang="it-IT" sz="3200" spc="-100" dirty="0" smtClean="0">
+              <a:ln w="3175">
+                <a:noFill/>
+              </a:ln>
+              <a:gradFill>
+                <a:gsLst>
+                  <a:gs pos="1250">
+                    <a:schemeClr val="tx2"/>
+                  </a:gs>
+                  <a:gs pos="100000">
+                    <a:schemeClr val="tx2"/>
+                  </a:gs>
+                </a:gsLst>
+                <a:lin ang="5400000" scaled="0"/>
+              </a:gradFill>
+              <a:latin typeface="+mj-lt"/>
+              <a:cs typeface="Arial" charset="0"/>
+            </a:endParaRPr>
+          </a:p>
+          <a:p>
+            <a:pPr marL="457200" lvl="0" indent="-457200">
+              <a:buFont typeface="Arial"/>
+              <a:buChar char="•"/>
+            </a:pPr>
+            <a:endParaRPr lang="it-IT" sz="3200" spc="-100" dirty="0" smtClean="0">
+              <a:ln w="3175">
+                <a:noFill/>
+              </a:ln>
+              <a:gradFill>
+                <a:gsLst>
+                  <a:gs pos="1250">
+                    <a:schemeClr val="tx2"/>
+                  </a:gs>
+                  <a:gs pos="100000">
+                    <a:schemeClr val="tx2"/>
+                  </a:gs>
+                </a:gsLst>
+                <a:lin ang="5400000" scaled="0"/>
+              </a:gradFill>
+              <a:latin typeface="+mj-lt"/>
+              <a:cs typeface="Arial" charset="0"/>
+            </a:endParaRPr>
+          </a:p>
+          <a:p>
+            <a:pPr marL="457200" lvl="0" indent="-457200">
+              <a:buFont typeface="Arial"/>
+              <a:buChar char="•"/>
+            </a:pPr>
+            <a:endParaRPr lang="it-IT" sz="3200" spc="-100" dirty="0" smtClean="0">
+              <a:ln w="3175">
+                <a:noFill/>
+              </a:ln>
+              <a:gradFill>
+                <a:gsLst>
+                  <a:gs pos="1250">
+                    <a:schemeClr val="tx2"/>
+                  </a:gs>
+                  <a:gs pos="100000">
+                    <a:schemeClr val="tx2"/>
+                  </a:gs>
+                </a:gsLst>
+                <a:lin ang="5400000" scaled="0"/>
+              </a:gradFill>
+              <a:latin typeface="+mj-lt"/>
+              <a:cs typeface="Arial" charset="0"/>
+            </a:endParaRPr>
+          </a:p>
+          <a:p>
+            <a:pPr marL="457200" lvl="0" indent="-457200">
+              <a:buFont typeface="Arial"/>
+              <a:buChar char="•"/>
+            </a:pPr>
+            <a:endParaRPr lang="it-IT" sz="3200" spc="-100" dirty="0" smtClean="0">
+              <a:ln w="3175">
+                <a:noFill/>
+              </a:ln>
+              <a:gradFill>
+                <a:gsLst>
+                  <a:gs pos="1250">
+                    <a:schemeClr val="tx2"/>
+                  </a:gs>
+                  <a:gs pos="100000">
+                    <a:schemeClr val="tx2"/>
+                  </a:gs>
+                </a:gsLst>
+                <a:lin ang="5400000" scaled="0"/>
+              </a:gradFill>
+              <a:latin typeface="+mj-lt"/>
+              <a:cs typeface="Arial" charset="0"/>
+            </a:endParaRPr>
+          </a:p>
+          <a:p>
+            <a:pPr marL="457200" lvl="0" indent="-457200">
+              <a:buFont typeface="Arial"/>
+              <a:buChar char="•"/>
+            </a:pPr>
+            <a:endParaRPr lang="it-IT" sz="3200" spc="-100" dirty="0">
+              <a:ln w="3175">
+                <a:noFill/>
+              </a:ln>
+              <a:gradFill>
+                <a:gsLst>
+                  <a:gs pos="1250">
+                    <a:schemeClr val="tx2"/>
+                  </a:gs>
+                  <a:gs pos="100000">
+                    <a:schemeClr val="tx2"/>
+                  </a:gs>
+                </a:gsLst>
+                <a:lin ang="5400000" scaled="0"/>
+              </a:gradFill>
+              <a:latin typeface="+mj-lt"/>
+              <a:cs typeface="Arial" charset="0"/>
+            </a:endParaRPr>
+          </a:p>
+        </p:txBody>
+      </p:sp>
+      <p:sp>
+        <p:nvSpPr>
+          <p:cNvPr id="9" name="CasellaDiTesto 8"/>
+          <p:cNvSpPr txBox="1"/>
+          <p:nvPr/>
+        </p:nvSpPr>
+        <p:spPr>
+          <a:xfrm>
+            <a:off x="415529" y="314326"/>
+            <a:ext cx="11613357" cy="1384995"/>
+          </a:xfrm>
+          <a:prstGeom prst="rect">
+            <a:avLst/>
+          </a:prstGeom>
+          <a:noFill/>
+        </p:spPr>
+        <p:txBody>
+          <a:bodyPr wrap="square" rtlCol="0">
+            <a:spAutoFit/>
+          </a:bodyPr>
+          <a:lstStyle/>
+          <a:p>
+            <a:r>
+              <a:rPr lang="it-IT" sz="5400" b="1" spc="-100" dirty="0">
+                <a:ln w="3175">
+                  <a:noFill/>
+                </a:ln>
+                <a:solidFill>
+                  <a:srgbClr val="0072C6"/>
+                </a:solidFill>
+                <a:latin typeface="+mj-lt"/>
+                <a:cs typeface="Arial" charset="0"/>
+              </a:rPr>
+              <a:t>Analisi del problema</a:t>
+            </a:r>
+          </a:p>
+          <a:p>
+            <a:r>
+              <a:rPr lang="it-IT" sz="3000" b="1" spc="-100" dirty="0" smtClean="0">
+                <a:ln w="3175">
+                  <a:noFill/>
+                </a:ln>
+                <a:solidFill>
+                  <a:srgbClr val="0072C6"/>
+                </a:solidFill>
+                <a:latin typeface="+mj-lt"/>
+                <a:cs typeface="Arial" charset="0"/>
+              </a:rPr>
+              <a:t>Assunzioni</a:t>
+            </a:r>
+            <a:endParaRPr lang="it-IT" sz="3000" b="1" spc="-100" dirty="0">
+              <a:ln w="3175">
+                <a:noFill/>
+              </a:ln>
+              <a:solidFill>
+                <a:srgbClr val="0072C6"/>
+              </a:solidFill>
+              <a:latin typeface="+mj-lt"/>
+              <a:cs typeface="Arial" charset="0"/>
+            </a:endParaRPr>
+          </a:p>
+        </p:txBody>
+      </p:sp>
     </p:spTree>
     <p:extLst>
       <p:ext uri="{BB962C8B-B14F-4D97-AF65-F5344CB8AC3E}">
-        <p14:creationId xmlns:p14="http://schemas.microsoft.com/office/powerpoint/2010/main" val="1930695738"/>
+        <p14:creationId xmlns:p14="http://schemas.microsoft.com/office/powerpoint/2010/main" val="1192680237"/>
       </p:ext>
     </p:extLst>
   </p:cSld>
   <p:clrMapOvr>
     <a:masterClrMapping/>
   </p:clrMapOvr>
-  <p:transition xmlns:p14="http://schemas.microsoft.com/office/powerpoint/2010/main" spd="slow">
+  <p:transition spd="slow">
     <p:push dir="u"/>
   </p:transition>
   <p:timing>
     <p:tnLst>
       <p:par>
-        <p:cTn xmlns:p14="http://schemas.microsoft.com/office/powerpoint/2010/main" id="1" dur="indefinite" restart="never" nodeType="tmRoot"/>
+        <p:cTn id="1" dur="indefinite" restart="never" nodeType="tmRoot"/>
       </p:par>
     </p:tnLst>
   </p:timing>
 </p:sld>
 </file>
 
-<file path=ppt/slides/slide5.xml><?xml version="1.0" encoding="utf-8"?>
+<file path=ppt/slides/slide8.xml><?xml version="1.0" encoding="utf-8"?>
 <p:sld xmlns:a="http://schemas.openxmlformats.org/drawingml/2006/main" xmlns:r="http://schemas.openxmlformats.org/officeDocument/2006/relationships" xmlns:p="http://schemas.openxmlformats.org/presentationml/2006/main">
   <p:cSld>
     <p:spTree>
@@ -16849,7 +19413,7 @@
       </p:grpSpPr>
       <p:sp>
         <p:nvSpPr>
-          <p:cNvPr id="3" name="Rettangolo 2"/>
+          <p:cNvPr id="6" name="Rettangolo 5"/>
           <p:cNvSpPr/>
           <p:nvPr/>
         </p:nvSpPr>
@@ -16892,7 +19456,7 @@
       </p:sp>
       <p:sp>
         <p:nvSpPr>
-          <p:cNvPr id="4" name="Rettangolo 3"/>
+          <p:cNvPr id="7" name="Rettangolo 6"/>
           <p:cNvSpPr/>
           <p:nvPr/>
         </p:nvSpPr>
@@ -16941,8 +19505,8 @@
         </p:nvSpPr>
         <p:spPr>
           <a:xfrm>
-            <a:off x="521493" y="2208215"/>
-            <a:ext cx="10587037" cy="3046988"/>
+            <a:off x="521493" y="1700214"/>
+            <a:ext cx="10158413" cy="6986527"/>
           </a:xfrm>
           <a:prstGeom prst="rect">
             <a:avLst/>
@@ -16956,11 +19520,35 @@
           <a:lstStyle/>
           <a:p>
             <a:pPr marL="457200" lvl="0" indent="-457200">
-              <a:buFont typeface="Arial" panose="020B0604020202020204" pitchFamily="34" charset="0"/>
+              <a:buFont typeface="Arial"/>
               <a:buChar char="•"/>
             </a:pPr>
-            <a:r>
-              <a:rPr lang="it-IT" sz="3200" spc="-100" dirty="0">
+            <a:endParaRPr lang="it-IT" sz="3200" spc="-100" dirty="0" smtClean="0">
+              <a:ln w="3175">
+                <a:noFill/>
+              </a:ln>
+              <a:gradFill>
+                <a:gsLst>
+                  <a:gs pos="1250">
+                    <a:schemeClr val="tx2"/>
+                  </a:gs>
+                  <a:gs pos="100000">
+                    <a:schemeClr val="tx2"/>
+                  </a:gs>
+                </a:gsLst>
+                <a:lin ang="5400000" scaled="0"/>
+              </a:gradFill>
+              <a:latin typeface="+mj-lt"/>
+              <a:cs typeface="Arial" charset="0"/>
+            </a:endParaRPr>
+          </a:p>
+          <a:p>
+            <a:pPr marL="457200" lvl="0" indent="-457200">
+              <a:buFont typeface="Arial"/>
+              <a:buChar char="•"/>
+            </a:pPr>
+            <a:r>
+              <a:rPr lang="it-IT" sz="3200" spc="-100" dirty="0" smtClean="0">
                 <a:ln w="3175">
                   <a:noFill/>
                 </a:ln>
@@ -16978,16 +19566,58 @@
                 <a:latin typeface="+mj-lt"/>
                 <a:cs typeface="Arial" charset="0"/>
               </a:rPr>
-              <a:t>DI - dato idrometrico</a:t>
-            </a:r>
+              <a:t>Conosciamo lo schema logico di BDM. </a:t>
+            </a:r>
+            <a:endParaRPr lang="it-IT" sz="3200" spc="-100" dirty="0">
+              <a:ln w="3175">
+                <a:noFill/>
+              </a:ln>
+              <a:gradFill>
+                <a:gsLst>
+                  <a:gs pos="1250">
+                    <a:schemeClr val="tx2"/>
+                  </a:gs>
+                  <a:gs pos="100000">
+                    <a:schemeClr val="tx2"/>
+                  </a:gs>
+                </a:gsLst>
+                <a:lin ang="5400000" scaled="0"/>
+              </a:gradFill>
+              <a:latin typeface="+mj-lt"/>
+              <a:cs typeface="Arial" charset="0"/>
+            </a:endParaRPr>
           </a:p>
           <a:p>
             <a:pPr marL="457200" lvl="0" indent="-457200">
-              <a:buFont typeface="Arial" panose="020B0604020202020204" pitchFamily="34" charset="0"/>
+              <a:buFont typeface="Arial"/>
               <a:buChar char="•"/>
             </a:pPr>
-            <a:r>
-              <a:rPr lang="it-IT" sz="3200" spc="-100" dirty="0">
+            <a:endParaRPr lang="it-IT" sz="1600" spc="-100" dirty="0" smtClean="0">
+              <a:ln w="3175">
+                <a:noFill/>
+              </a:ln>
+              <a:gradFill>
+                <a:gsLst>
+                  <a:gs pos="1250">
+                    <a:schemeClr val="tx2"/>
+                  </a:gs>
+                  <a:gs pos="100000">
+                    <a:schemeClr val="tx2"/>
+                  </a:gs>
+                </a:gsLst>
+                <a:lin ang="5400000" scaled="0"/>
+              </a:gradFill>
+              <a:latin typeface="+mj-lt"/>
+              <a:cs typeface="Arial" charset="0"/>
+            </a:endParaRPr>
+          </a:p>
+          <a:p>
+            <a:pPr marL="457200" lvl="0" indent="-457200">
+              <a:buFont typeface="Arial"/>
+              <a:buChar char="•"/>
+            </a:pPr>
+            <a:r>
+              <a:rPr lang="it-IT" sz="3200" spc="-100" dirty="0" smtClean="0">
                 <a:ln w="3175">
                   <a:noFill/>
                 </a:ln>
@@ -17005,16 +19635,40 @@
                 <a:latin typeface="+mj-lt"/>
                 <a:cs typeface="Arial" charset="0"/>
               </a:rPr>
-              <a:t>SEP - segnalazione emergenza potenziale</a:t>
+              <a:t>I nodi idrici si trovano in corrispondenza del punto di confluenza di due corsi d’acqua.</a:t>
             </a:r>
           </a:p>
           <a:p>
             <a:pPr marL="457200" lvl="0" indent="-457200">
-              <a:buFont typeface="Arial" panose="020B0604020202020204" pitchFamily="34" charset="0"/>
+              <a:buFont typeface="Arial"/>
               <a:buChar char="•"/>
             </a:pPr>
-            <a:r>
-              <a:rPr lang="it-IT" sz="3200" spc="-100" dirty="0">
+            <a:endParaRPr lang="it-IT" sz="1600" spc="-100" dirty="0" smtClean="0">
+              <a:ln w="3175">
+                <a:noFill/>
+              </a:ln>
+              <a:gradFill>
+                <a:gsLst>
+                  <a:gs pos="1250">
+                    <a:schemeClr val="tx2"/>
+                  </a:gs>
+                  <a:gs pos="100000">
+                    <a:schemeClr val="tx2"/>
+                  </a:gs>
+                </a:gsLst>
+                <a:lin ang="5400000" scaled="0"/>
+              </a:gradFill>
+              <a:latin typeface="+mj-lt"/>
+              <a:cs typeface="Arial" charset="0"/>
+            </a:endParaRPr>
+          </a:p>
+          <a:p>
+            <a:pPr marL="457200" indent="-457200">
+              <a:buFont typeface="Arial"/>
+              <a:buChar char="•"/>
+            </a:pPr>
+            <a:r>
+              <a:rPr lang="it-IT" sz="3200" spc="-100" dirty="0" smtClean="0">
                 <a:ln w="3175">
                   <a:noFill/>
                 </a:ln>
@@ -17032,16 +19686,40 @@
                 <a:latin typeface="+mj-lt"/>
                 <a:cs typeface="Arial" charset="0"/>
               </a:rPr>
-              <a:t>SEG - segnalazione emergenza grave</a:t>
-            </a:r>
-          </a:p>
-          <a:p>
-            <a:pPr marL="457200" lvl="0" indent="-457200">
-              <a:buFont typeface="Arial" panose="020B0604020202020204" pitchFamily="34" charset="0"/>
+              <a:t>Il tratto di fiume va da un nodo al successivo.</a:t>
+            </a:r>
+          </a:p>
+          <a:p>
+            <a:pPr marL="457200" indent="-457200">
+              <a:buFont typeface="Arial"/>
               <a:buChar char="•"/>
             </a:pPr>
-            <a:r>
-              <a:rPr lang="it-IT" sz="3200" spc="-100" dirty="0">
+            <a:endParaRPr lang="it-IT" sz="3200" spc="-100" dirty="0">
+              <a:ln w="3175">
+                <a:noFill/>
+              </a:ln>
+              <a:gradFill>
+                <a:gsLst>
+                  <a:gs pos="1250">
+                    <a:schemeClr val="tx2"/>
+                  </a:gs>
+                  <a:gs pos="100000">
+                    <a:schemeClr val="tx2"/>
+                  </a:gs>
+                </a:gsLst>
+                <a:lin ang="5400000" scaled="0"/>
+              </a:gradFill>
+              <a:latin typeface="+mj-lt"/>
+              <a:cs typeface="Arial" charset="0"/>
+            </a:endParaRPr>
+          </a:p>
+          <a:p>
+            <a:pPr marL="457200" indent="-457200">
+              <a:buFont typeface="Arial"/>
+              <a:buChar char="•"/>
+            </a:pPr>
+            <a:r>
+              <a:rPr lang="it-IT" sz="3200" spc="-100" dirty="0" smtClean="0">
                 <a:ln w="3175">
                   <a:noFill/>
                 </a:ln>
@@ -17059,68 +19737,173 @@
                 <a:latin typeface="+mj-lt"/>
                 <a:cs typeface="Arial" charset="0"/>
               </a:rPr>
-              <a:t>BDM - base dati meteo</a:t>
-            </a:r>
+              <a:t>Vengono monitorati solo i tratti d’acqua considerati a rischio. </a:t>
+            </a:r>
+            <a:endParaRPr lang="it-IT" sz="3200" spc="-100" dirty="0">
+              <a:ln w="3175">
+                <a:noFill/>
+              </a:ln>
+              <a:gradFill>
+                <a:gsLst>
+                  <a:gs pos="1250">
+                    <a:schemeClr val="tx2"/>
+                  </a:gs>
+                  <a:gs pos="100000">
+                    <a:schemeClr val="tx2"/>
+                  </a:gs>
+                </a:gsLst>
+                <a:lin ang="5400000" scaled="0"/>
+              </a:gradFill>
+              <a:latin typeface="+mj-lt"/>
+              <a:cs typeface="Arial" charset="0"/>
+            </a:endParaRPr>
           </a:p>
           <a:p>
             <a:pPr marL="457200" lvl="0" indent="-457200">
-              <a:buFont typeface="Arial" panose="020B0604020202020204" pitchFamily="34" charset="0"/>
+              <a:buFont typeface="Arial"/>
               <a:buChar char="•"/>
             </a:pPr>
-            <a:r>
-              <a:rPr lang="it-IT" sz="3200" spc="-100" dirty="0">
-                <a:ln w="3175">
-                  <a:noFill/>
-                </a:ln>
-                <a:gradFill>
-                  <a:gsLst>
-                    <a:gs pos="1250">
-                      <a:schemeClr val="tx2"/>
-                    </a:gs>
-                    <a:gs pos="100000">
-                      <a:schemeClr val="tx2"/>
-                    </a:gs>
-                  </a:gsLst>
-                  <a:lin ang="5400000" scaled="0"/>
-                </a:gradFill>
-                <a:latin typeface="+mj-lt"/>
-                <a:cs typeface="Arial" charset="0"/>
-              </a:rPr>
-              <a:t>BSE - base dati segnalazioni emergenza</a:t>
-            </a:r>
+            <a:endParaRPr lang="it-IT" sz="3200" spc="-100" dirty="0">
+              <a:ln w="3175">
+                <a:noFill/>
+              </a:ln>
+              <a:gradFill>
+                <a:gsLst>
+                  <a:gs pos="1250">
+                    <a:schemeClr val="tx2"/>
+                  </a:gs>
+                  <a:gs pos="100000">
+                    <a:schemeClr val="tx2"/>
+                  </a:gs>
+                </a:gsLst>
+                <a:lin ang="5400000" scaled="0"/>
+              </a:gradFill>
+              <a:latin typeface="+mj-lt"/>
+              <a:cs typeface="Arial" charset="0"/>
+            </a:endParaRPr>
+          </a:p>
+          <a:p>
+            <a:pPr lvl="0"/>
+            <a:endParaRPr lang="it-IT" sz="3200" spc="-100" dirty="0" smtClean="0">
+              <a:ln w="3175">
+                <a:noFill/>
+              </a:ln>
+              <a:gradFill>
+                <a:gsLst>
+                  <a:gs pos="1250">
+                    <a:schemeClr val="tx2"/>
+                  </a:gs>
+                  <a:gs pos="100000">
+                    <a:schemeClr val="tx2"/>
+                  </a:gs>
+                </a:gsLst>
+                <a:lin ang="5400000" scaled="0"/>
+              </a:gradFill>
+              <a:latin typeface="+mj-lt"/>
+              <a:cs typeface="Arial" charset="0"/>
+            </a:endParaRPr>
           </a:p>
           <a:p>
             <a:pPr marL="457200" lvl="0" indent="-457200">
-              <a:buFont typeface="Arial" panose="020B0604020202020204" pitchFamily="34" charset="0"/>
+              <a:buFont typeface="Arial"/>
               <a:buChar char="•"/>
             </a:pPr>
-            <a:r>
-              <a:rPr lang="it-IT" sz="3200" spc="-100" dirty="0">
-                <a:ln w="3175">
-                  <a:noFill/>
-                </a:ln>
-                <a:gradFill>
-                  <a:gsLst>
-                    <a:gs pos="1250">
-                      <a:schemeClr val="tx2"/>
-                    </a:gs>
-                    <a:gs pos="100000">
-                      <a:schemeClr val="tx2"/>
-                    </a:gs>
-                  </a:gsLst>
-                  <a:lin ang="5400000" scaled="0"/>
-                </a:gradFill>
-                <a:latin typeface="+mj-lt"/>
-                <a:cs typeface="Arial" charset="0"/>
-              </a:rPr>
-              <a:t>BSE - base dati rete idrica</a:t>
-            </a:r>
-          </a:p>
-        </p:txBody>
-      </p:sp>
-      <p:sp>
-        <p:nvSpPr>
-          <p:cNvPr id="7" name="CasellaDiTesto 6"/>
+            <a:endParaRPr lang="it-IT" sz="3200" spc="-100" dirty="0" smtClean="0">
+              <a:ln w="3175">
+                <a:noFill/>
+              </a:ln>
+              <a:gradFill>
+                <a:gsLst>
+                  <a:gs pos="1250">
+                    <a:schemeClr val="tx2"/>
+                  </a:gs>
+                  <a:gs pos="100000">
+                    <a:schemeClr val="tx2"/>
+                  </a:gs>
+                </a:gsLst>
+                <a:lin ang="5400000" scaled="0"/>
+              </a:gradFill>
+              <a:latin typeface="+mj-lt"/>
+              <a:cs typeface="Arial" charset="0"/>
+            </a:endParaRPr>
+          </a:p>
+          <a:p>
+            <a:pPr marL="457200" lvl="0" indent="-457200">
+              <a:buFont typeface="Arial"/>
+              <a:buChar char="•"/>
+            </a:pPr>
+            <a:endParaRPr lang="it-IT" sz="3200" spc="-100" dirty="0" smtClean="0">
+              <a:ln w="3175">
+                <a:noFill/>
+              </a:ln>
+              <a:gradFill>
+                <a:gsLst>
+                  <a:gs pos="1250">
+                    <a:schemeClr val="tx2"/>
+                  </a:gs>
+                  <a:gs pos="100000">
+                    <a:schemeClr val="tx2"/>
+                  </a:gs>
+                </a:gsLst>
+                <a:lin ang="5400000" scaled="0"/>
+              </a:gradFill>
+              <a:latin typeface="+mj-lt"/>
+              <a:cs typeface="Arial" charset="0"/>
+            </a:endParaRPr>
+          </a:p>
+          <a:p>
+            <a:pPr marL="457200" lvl="0" indent="-457200">
+              <a:buFont typeface="Arial"/>
+              <a:buChar char="•"/>
+            </a:pPr>
+            <a:endParaRPr lang="it-IT" sz="3200" spc="-100" dirty="0" smtClean="0">
+              <a:ln w="3175">
+                <a:noFill/>
+              </a:ln>
+              <a:gradFill>
+                <a:gsLst>
+                  <a:gs pos="1250">
+                    <a:schemeClr val="tx2"/>
+                  </a:gs>
+                  <a:gs pos="100000">
+                    <a:schemeClr val="tx2"/>
+                  </a:gs>
+                </a:gsLst>
+                <a:lin ang="5400000" scaled="0"/>
+              </a:gradFill>
+              <a:latin typeface="+mj-lt"/>
+              <a:cs typeface="Arial" charset="0"/>
+            </a:endParaRPr>
+          </a:p>
+          <a:p>
+            <a:pPr marL="457200" lvl="0" indent="-457200">
+              <a:buFont typeface="Arial"/>
+              <a:buChar char="•"/>
+            </a:pPr>
+            <a:endParaRPr lang="it-IT" sz="3200" spc="-100" dirty="0">
+              <a:ln w="3175">
+                <a:noFill/>
+              </a:ln>
+              <a:gradFill>
+                <a:gsLst>
+                  <a:gs pos="1250">
+                    <a:schemeClr val="tx2"/>
+                  </a:gs>
+                  <a:gs pos="100000">
+                    <a:schemeClr val="tx2"/>
+                  </a:gs>
+                </a:gsLst>
+                <a:lin ang="5400000" scaled="0"/>
+              </a:gradFill>
+              <a:latin typeface="+mj-lt"/>
+              <a:cs typeface="Arial" charset="0"/>
+            </a:endParaRPr>
+          </a:p>
+        </p:txBody>
+      </p:sp>
+      <p:sp>
+        <p:nvSpPr>
+          <p:cNvPr id="9" name="CasellaDiTesto 8"/>
           <p:cNvSpPr txBox="1"/>
           <p:nvPr/>
         </p:nvSpPr>
@@ -17166,7 +19949,7 @@
                 <a:latin typeface="+mj-lt"/>
                 <a:cs typeface="Arial" charset="0"/>
               </a:rPr>
-              <a:t>Acronimi</a:t>
+              <a:t>Assunzioni</a:t>
             </a:r>
             <a:endParaRPr lang="it-IT" sz="3000" b="1" spc="-100" dirty="0">
               <a:ln w="3175">
@@ -17184,27 +19967,27 @@
     </p:spTree>
     <p:extLst>
       <p:ext uri="{BB962C8B-B14F-4D97-AF65-F5344CB8AC3E}">
-        <p14:creationId xmlns:p14="http://schemas.microsoft.com/office/powerpoint/2010/main" val="4113006247"/>
+        <p14:creationId xmlns:p14="http://schemas.microsoft.com/office/powerpoint/2010/main" val="4141078905"/>
       </p:ext>
     </p:extLst>
   </p:cSld>
   <p:clrMapOvr>
     <a:masterClrMapping/>
   </p:clrMapOvr>
-  <p:transition xmlns:p14="http://schemas.microsoft.com/office/powerpoint/2010/main" spd="slow">
+  <p:transition spd="slow">
     <p:push dir="u"/>
   </p:transition>
   <p:timing>
     <p:tnLst>
       <p:par>
-        <p:cTn xmlns:p14="http://schemas.microsoft.com/office/powerpoint/2010/main" id="1" dur="indefinite" restart="never" nodeType="tmRoot"/>
+        <p:cTn id="1" dur="indefinite" restart="never" nodeType="tmRoot"/>
       </p:par>
     </p:tnLst>
   </p:timing>
 </p:sld>
 </file>
 
-<file path=ppt/slides/slide6.xml><?xml version="1.0" encoding="utf-8"?>
+<file path=ppt/slides/slide9.xml><?xml version="1.0" encoding="utf-8"?>
 <p:sld xmlns:a="http://schemas.openxmlformats.org/drawingml/2006/main" xmlns:r="http://schemas.openxmlformats.org/officeDocument/2006/relationships" xmlns:p="http://schemas.openxmlformats.org/presentationml/2006/main">
   <p:cSld>
     <p:spTree>
@@ -17316,7 +20099,7 @@
         <p:spPr>
           <a:xfrm>
             <a:off x="521493" y="1700214"/>
-            <a:ext cx="10158413" cy="5016757"/>
+            <a:ext cx="10158413" cy="7971413"/>
           </a:xfrm>
           <a:prstGeom prst="rect">
             <a:avLst/>
@@ -17333,6 +20116,30 @@
               <a:buFont typeface="Arial"/>
               <a:buChar char="•"/>
             </a:pPr>
+            <a:endParaRPr lang="it-IT" sz="1500" spc="-100" dirty="0" smtClean="0">
+              <a:ln w="3175">
+                <a:noFill/>
+              </a:ln>
+              <a:gradFill>
+                <a:gsLst>
+                  <a:gs pos="1250">
+                    <a:schemeClr val="tx2"/>
+                  </a:gs>
+                  <a:gs pos="100000">
+                    <a:schemeClr val="tx2"/>
+                  </a:gs>
+                </a:gsLst>
+                <a:lin ang="5400000" scaled="0"/>
+              </a:gradFill>
+              <a:latin typeface="+mj-lt"/>
+              <a:cs typeface="Arial" charset="0"/>
+            </a:endParaRPr>
+          </a:p>
+          <a:p>
+            <a:pPr marL="457200" lvl="0" indent="-457200">
+              <a:buFont typeface="Arial"/>
+              <a:buChar char="•"/>
+            </a:pPr>
             <a:r>
               <a:rPr lang="it-IT" sz="3200" spc="-100" dirty="0" smtClean="0">
                 <a:ln w="3175">
@@ -17352,8 +20159,470 @@
                 <a:latin typeface="+mj-lt"/>
                 <a:cs typeface="Arial" charset="0"/>
               </a:rPr>
-              <a:t>Il target del sistema è il territorio nazionale italiano.</a:t>
-            </a:r>
+              <a:t>La trasmissione di DI avviene tramite sensori </a:t>
+            </a:r>
+            <a:r>
+              <a:rPr lang="it-IT" sz="3200" spc="-100" dirty="0" err="1" smtClean="0">
+                <a:ln w="3175">
+                  <a:noFill/>
+                </a:ln>
+                <a:gradFill>
+                  <a:gsLst>
+                    <a:gs pos="1250">
+                      <a:schemeClr val="tx2"/>
+                    </a:gs>
+                    <a:gs pos="100000">
+                      <a:schemeClr val="tx2"/>
+                    </a:gs>
+                  </a:gsLst>
+                  <a:lin ang="5400000" scaled="0"/>
+                </a:gradFill>
+                <a:latin typeface="+mj-lt"/>
+                <a:cs typeface="Arial" charset="0"/>
+              </a:rPr>
+              <a:t>idromometrici</a:t>
+            </a:r>
+            <a:r>
+              <a:rPr lang="it-IT" sz="3200" spc="-100" dirty="0" smtClean="0">
+                <a:ln w="3175">
+                  <a:noFill/>
+                </a:ln>
+                <a:gradFill>
+                  <a:gsLst>
+                    <a:gs pos="1250">
+                      <a:schemeClr val="tx2"/>
+                    </a:gs>
+                    <a:gs pos="100000">
+                      <a:schemeClr val="tx2"/>
+                    </a:gs>
+                  </a:gsLst>
+                  <a:lin ang="5400000" scaled="0"/>
+                </a:gradFill>
+                <a:latin typeface="+mj-lt"/>
+                <a:cs typeface="Arial" charset="0"/>
+              </a:rPr>
+              <a:t> dotati di modulo GPRS (Output digitale). </a:t>
+            </a:r>
+            <a:endParaRPr lang="it-IT" sz="3200" spc="-100" dirty="0">
+              <a:ln w="3175">
+                <a:noFill/>
+              </a:ln>
+              <a:gradFill>
+                <a:gsLst>
+                  <a:gs pos="1250">
+                    <a:schemeClr val="tx2"/>
+                  </a:gs>
+                  <a:gs pos="100000">
+                    <a:schemeClr val="tx2"/>
+                  </a:gs>
+                </a:gsLst>
+                <a:lin ang="5400000" scaled="0"/>
+              </a:gradFill>
+              <a:latin typeface="+mj-lt"/>
+              <a:cs typeface="Arial" charset="0"/>
+            </a:endParaRPr>
+          </a:p>
+          <a:p>
+            <a:pPr marL="457200" lvl="0" indent="-457200">
+              <a:buFont typeface="Arial"/>
+              <a:buChar char="•"/>
+            </a:pPr>
+            <a:endParaRPr lang="it-IT" sz="1600" spc="-100" dirty="0" smtClean="0">
+              <a:ln w="3175">
+                <a:noFill/>
+              </a:ln>
+              <a:gradFill>
+                <a:gsLst>
+                  <a:gs pos="1250">
+                    <a:schemeClr val="tx2"/>
+                  </a:gs>
+                  <a:gs pos="100000">
+                    <a:schemeClr val="tx2"/>
+                  </a:gs>
+                </a:gsLst>
+                <a:lin ang="5400000" scaled="0"/>
+              </a:gradFill>
+              <a:latin typeface="+mj-lt"/>
+              <a:cs typeface="Arial" charset="0"/>
+            </a:endParaRPr>
+          </a:p>
+          <a:p>
+            <a:pPr marL="457200" lvl="0" indent="-457200">
+              <a:buFont typeface="Arial"/>
+              <a:buChar char="•"/>
+            </a:pPr>
+            <a:r>
+              <a:rPr lang="it-IT" sz="3200" spc="-100" dirty="0" smtClean="0">
+                <a:ln w="3175">
+                  <a:noFill/>
+                </a:ln>
+                <a:gradFill>
+                  <a:gsLst>
+                    <a:gs pos="1250">
+                      <a:schemeClr val="tx2"/>
+                    </a:gs>
+                    <a:gs pos="100000">
+                      <a:schemeClr val="tx2"/>
+                    </a:gs>
+                  </a:gsLst>
+                  <a:lin ang="5400000" scaled="0"/>
+                </a:gradFill>
+                <a:latin typeface="+mj-lt"/>
+                <a:cs typeface="Arial" charset="0"/>
+              </a:rPr>
+              <a:t>L’id della tabella </a:t>
+            </a:r>
+            <a:r>
+              <a:rPr lang="it-IT" sz="3200" spc="-100" dirty="0" err="1" smtClean="0">
+                <a:ln w="3175">
+                  <a:noFill/>
+                </a:ln>
+                <a:gradFill>
+                  <a:gsLst>
+                    <a:gs pos="1250">
+                      <a:schemeClr val="tx2"/>
+                    </a:gs>
+                    <a:gs pos="100000">
+                      <a:schemeClr val="tx2"/>
+                    </a:gs>
+                  </a:gsLst>
+                  <a:lin ang="5400000" scaled="0"/>
+                </a:gradFill>
+                <a:latin typeface="+mj-lt"/>
+                <a:cs typeface="Arial" charset="0"/>
+              </a:rPr>
+              <a:t>BDM.previsioniMeteo</a:t>
+            </a:r>
+            <a:r>
+              <a:rPr lang="it-IT" sz="3200" spc="-100" dirty="0" smtClean="0">
+                <a:ln w="3175">
+                  <a:noFill/>
+                </a:ln>
+                <a:gradFill>
+                  <a:gsLst>
+                    <a:gs pos="1250">
+                      <a:schemeClr val="tx2"/>
+                    </a:gs>
+                    <a:gs pos="100000">
+                      <a:schemeClr val="tx2"/>
+                    </a:gs>
+                  </a:gsLst>
+                  <a:lin ang="5400000" scaled="0"/>
+                </a:gradFill>
+                <a:latin typeface="+mj-lt"/>
+                <a:cs typeface="Arial" charset="0"/>
+              </a:rPr>
+              <a:t> e l’id della tabella </a:t>
+            </a:r>
+            <a:r>
+              <a:rPr lang="it-IT" sz="3200" spc="-100" dirty="0" err="1" smtClean="0">
+                <a:ln w="3175">
+                  <a:noFill/>
+                </a:ln>
+                <a:gradFill>
+                  <a:gsLst>
+                    <a:gs pos="1250">
+                      <a:schemeClr val="tx2"/>
+                    </a:gs>
+                    <a:gs pos="100000">
+                      <a:schemeClr val="tx2"/>
+                    </a:gs>
+                  </a:gsLst>
+                  <a:lin ang="5400000" scaled="0"/>
+                </a:gradFill>
+                <a:latin typeface="+mj-lt"/>
+                <a:cs typeface="Arial" charset="0"/>
+              </a:rPr>
+              <a:t>BSE.previsioni</a:t>
+            </a:r>
+            <a:r>
+              <a:rPr lang="it-IT" sz="3200" spc="-100" dirty="0">
+                <a:ln w="3175">
+                  <a:noFill/>
+                </a:ln>
+                <a:gradFill>
+                  <a:gsLst>
+                    <a:gs pos="1250">
+                      <a:schemeClr val="tx2"/>
+                    </a:gs>
+                    <a:gs pos="100000">
+                      <a:schemeClr val="tx2"/>
+                    </a:gs>
+                  </a:gsLst>
+                  <a:lin ang="5400000" scaled="0"/>
+                </a:gradFill>
+                <a:latin typeface="+mj-lt"/>
+                <a:cs typeface="Arial" charset="0"/>
+              </a:rPr>
+              <a:t> </a:t>
+            </a:r>
+            <a:r>
+              <a:rPr lang="it-IT" sz="3200" spc="-100" dirty="0" smtClean="0">
+                <a:ln w="3175">
+                  <a:noFill/>
+                </a:ln>
+                <a:gradFill>
+                  <a:gsLst>
+                    <a:gs pos="1250">
+                      <a:schemeClr val="tx2"/>
+                    </a:gs>
+                    <a:gs pos="100000">
+                      <a:schemeClr val="tx2"/>
+                    </a:gs>
+                  </a:gsLst>
+                  <a:lin ang="5400000" scaled="0"/>
+                </a:gradFill>
+                <a:latin typeface="+mj-lt"/>
+                <a:cs typeface="Arial" charset="0"/>
+              </a:rPr>
+              <a:t>identificano la stessa </a:t>
+            </a:r>
+            <a:r>
+              <a:rPr lang="it-IT" sz="3200" spc="-100" dirty="0" err="1" smtClean="0">
+                <a:ln w="3175">
+                  <a:noFill/>
+                </a:ln>
+                <a:gradFill>
+                  <a:gsLst>
+                    <a:gs pos="1250">
+                      <a:schemeClr val="tx2"/>
+                    </a:gs>
+                    <a:gs pos="100000">
+                      <a:schemeClr val="tx2"/>
+                    </a:gs>
+                  </a:gsLst>
+                  <a:lin ang="5400000" scaled="0"/>
+                </a:gradFill>
+                <a:latin typeface="+mj-lt"/>
+                <a:cs typeface="Arial" charset="0"/>
+              </a:rPr>
+              <a:t>tupla</a:t>
+            </a:r>
+            <a:r>
+              <a:rPr lang="it-IT" sz="3200" spc="-100" dirty="0" smtClean="0">
+                <a:ln w="3175">
+                  <a:noFill/>
+                </a:ln>
+                <a:gradFill>
+                  <a:gsLst>
+                    <a:gs pos="1250">
+                      <a:schemeClr val="tx2"/>
+                    </a:gs>
+                    <a:gs pos="100000">
+                      <a:schemeClr val="tx2"/>
+                    </a:gs>
+                  </a:gsLst>
+                  <a:lin ang="5400000" scaled="0"/>
+                </a:gradFill>
+                <a:latin typeface="+mj-lt"/>
+                <a:cs typeface="Arial" charset="0"/>
+              </a:rPr>
+              <a:t>.</a:t>
+            </a:r>
+          </a:p>
+          <a:p>
+            <a:pPr marL="457200" lvl="0" indent="-457200">
+              <a:buFont typeface="Arial"/>
+              <a:buChar char="•"/>
+            </a:pPr>
+            <a:endParaRPr lang="it-IT" sz="1600" spc="-100" dirty="0" smtClean="0">
+              <a:ln w="3175">
+                <a:noFill/>
+              </a:ln>
+              <a:gradFill>
+                <a:gsLst>
+                  <a:gs pos="1250">
+                    <a:schemeClr val="tx2"/>
+                  </a:gs>
+                  <a:gs pos="100000">
+                    <a:schemeClr val="tx2"/>
+                  </a:gs>
+                </a:gsLst>
+                <a:lin ang="5400000" scaled="0"/>
+              </a:gradFill>
+              <a:latin typeface="+mj-lt"/>
+              <a:cs typeface="Arial" charset="0"/>
+            </a:endParaRPr>
+          </a:p>
+          <a:p>
+            <a:pPr marL="457200" indent="-457200">
+              <a:buFont typeface="Arial"/>
+              <a:buChar char="•"/>
+            </a:pPr>
+            <a:r>
+              <a:rPr lang="it-IT" sz="3200" spc="-100" dirty="0" smtClean="0">
+                <a:ln w="3175">
+                  <a:noFill/>
+                </a:ln>
+                <a:gradFill>
+                  <a:gsLst>
+                    <a:gs pos="1250">
+                      <a:schemeClr val="tx2"/>
+                    </a:gs>
+                    <a:gs pos="100000">
+                      <a:schemeClr val="tx2"/>
+                    </a:gs>
+                  </a:gsLst>
+                  <a:lin ang="5400000" scaled="0"/>
+                </a:gradFill>
+                <a:latin typeface="+mj-lt"/>
+                <a:cs typeface="Arial" charset="0"/>
+              </a:rPr>
+              <a:t>Il territorio di una regione è suddiviso in celle.</a:t>
+            </a:r>
+            <a:endParaRPr lang="it-IT" sz="3200" spc="-100" dirty="0" smtClean="0">
+              <a:ln w="3175">
+                <a:noFill/>
+              </a:ln>
+              <a:gradFill>
+                <a:gsLst>
+                  <a:gs pos="1250">
+                    <a:schemeClr val="tx2"/>
+                  </a:gs>
+                  <a:gs pos="100000">
+                    <a:schemeClr val="tx2"/>
+                  </a:gs>
+                </a:gsLst>
+                <a:lin ang="5400000" scaled="0"/>
+              </a:gradFill>
+              <a:latin typeface="+mj-lt"/>
+              <a:cs typeface="Arial" charset="0"/>
+            </a:endParaRPr>
+          </a:p>
+          <a:p>
+            <a:pPr marL="457200" indent="-457200">
+              <a:buFont typeface="Arial"/>
+              <a:buChar char="•"/>
+            </a:pPr>
+            <a:endParaRPr lang="it-IT" sz="3200" spc="-100" dirty="0">
+              <a:ln w="3175">
+                <a:noFill/>
+              </a:ln>
+              <a:gradFill>
+                <a:gsLst>
+                  <a:gs pos="1250">
+                    <a:schemeClr val="tx2"/>
+                  </a:gs>
+                  <a:gs pos="100000">
+                    <a:schemeClr val="tx2"/>
+                  </a:gs>
+                </a:gsLst>
+                <a:lin ang="5400000" scaled="0"/>
+              </a:gradFill>
+              <a:latin typeface="+mj-lt"/>
+              <a:cs typeface="Arial" charset="0"/>
+            </a:endParaRPr>
+          </a:p>
+          <a:p>
+            <a:pPr marL="457200" indent="-457200">
+              <a:buFont typeface="Arial"/>
+              <a:buChar char="•"/>
+            </a:pPr>
+            <a:r>
+              <a:rPr lang="it-IT" sz="3200" spc="-100" dirty="0" smtClean="0">
+                <a:ln w="3175">
+                  <a:noFill/>
+                </a:ln>
+                <a:gradFill>
+                  <a:gsLst>
+                    <a:gs pos="1250">
+                      <a:schemeClr val="tx2"/>
+                    </a:gs>
+                    <a:gs pos="100000">
+                      <a:schemeClr val="tx2"/>
+                    </a:gs>
+                  </a:gsLst>
+                  <a:lin ang="5400000" scaled="0"/>
+                </a:gradFill>
+                <a:latin typeface="+mj-lt"/>
+                <a:cs typeface="Arial" charset="0"/>
+              </a:rPr>
+              <a:t>Una squadra di emergenza </a:t>
+            </a:r>
+            <a:r>
+              <a:rPr lang="it-IT" sz="3200" spc="-100" dirty="0" smtClean="0">
+                <a:ln w="3175">
+                  <a:noFill/>
+                </a:ln>
+                <a:gradFill>
+                  <a:gsLst>
+                    <a:gs pos="1250">
+                      <a:schemeClr val="tx2"/>
+                    </a:gs>
+                    <a:gs pos="100000">
+                      <a:schemeClr val="tx2"/>
+                    </a:gs>
+                  </a:gsLst>
+                  <a:lin ang="5400000" scaled="0"/>
+                </a:gradFill>
+                <a:latin typeface="+mj-lt"/>
+                <a:cs typeface="Arial" charset="0"/>
+              </a:rPr>
+              <a:t> può essere sul campo o nella sede operativa</a:t>
+            </a:r>
+            <a:endParaRPr lang="it-IT" sz="3200" spc="-100" dirty="0">
+              <a:ln w="3175">
+                <a:noFill/>
+              </a:ln>
+              <a:gradFill>
+                <a:gsLst>
+                  <a:gs pos="1250">
+                    <a:schemeClr val="tx2"/>
+                  </a:gs>
+                  <a:gs pos="100000">
+                    <a:schemeClr val="tx2"/>
+                  </a:gs>
+                </a:gsLst>
+                <a:lin ang="5400000" scaled="0"/>
+              </a:gradFill>
+              <a:latin typeface="+mj-lt"/>
+              <a:cs typeface="Arial" charset="0"/>
+            </a:endParaRPr>
+          </a:p>
+          <a:p>
+            <a:pPr marL="457200" lvl="0" indent="-457200">
+              <a:buFont typeface="Arial"/>
+              <a:buChar char="•"/>
+            </a:pPr>
+            <a:endParaRPr lang="it-IT" sz="3200" spc="-100" dirty="0">
+              <a:ln w="3175">
+                <a:noFill/>
+              </a:ln>
+              <a:gradFill>
+                <a:gsLst>
+                  <a:gs pos="1250">
+                    <a:schemeClr val="tx2"/>
+                  </a:gs>
+                  <a:gs pos="100000">
+                    <a:schemeClr val="tx2"/>
+                  </a:gs>
+                </a:gsLst>
+                <a:lin ang="5400000" scaled="0"/>
+              </a:gradFill>
+              <a:latin typeface="+mj-lt"/>
+              <a:cs typeface="Arial" charset="0"/>
+            </a:endParaRPr>
+          </a:p>
+          <a:p>
+            <a:pPr lvl="0"/>
+            <a:endParaRPr lang="it-IT" sz="3200" spc="-100" dirty="0" smtClean="0">
+              <a:ln w="3175">
+                <a:noFill/>
+              </a:ln>
+              <a:gradFill>
+                <a:gsLst>
+                  <a:gs pos="1250">
+                    <a:schemeClr val="tx2"/>
+                  </a:gs>
+                  <a:gs pos="100000">
+                    <a:schemeClr val="tx2"/>
+                  </a:gs>
+                </a:gsLst>
+                <a:lin ang="5400000" scaled="0"/>
+              </a:gradFill>
+              <a:latin typeface="+mj-lt"/>
+              <a:cs typeface="Arial" charset="0"/>
+            </a:endParaRPr>
           </a:p>
           <a:p>
             <a:pPr marL="457200" lvl="0" indent="-457200">
@@ -17384,27 +20653,24 @@
               <a:buFont typeface="Arial"/>
               <a:buChar char="•"/>
             </a:pPr>
-            <a:r>
-              <a:rPr lang="it-IT" sz="3200" spc="-100" dirty="0" smtClean="0">
-                <a:ln w="3175">
-                  <a:noFill/>
-                </a:ln>
-                <a:gradFill>
-                  <a:gsLst>
-                    <a:gs pos="1250">
-                      <a:schemeClr val="tx2"/>
-                    </a:gs>
-                    <a:gs pos="100000">
-                      <a:schemeClr val="tx2"/>
-                    </a:gs>
-                  </a:gsLst>
-                  <a:lin ang="5400000" scaled="0"/>
-                </a:gradFill>
-                <a:latin typeface="+mj-lt"/>
-                <a:cs typeface="Arial" charset="0"/>
-              </a:rPr>
-              <a:t>Presenza di 2000 sensori idrici dislocati sul territorio nazionale (a febbraio 2015 in Lombardia sono presenti circa 100 sensori).</a:t>
-            </a:r>
+            <a:endParaRPr lang="it-IT" sz="3200" spc="-100" dirty="0" smtClean="0">
+              <a:ln w="3175">
+                <a:noFill/>
+              </a:ln>
+              <a:gradFill>
+                <a:gsLst>
+                  <a:gs pos="1250">
+                    <a:schemeClr val="tx2"/>
+                  </a:gs>
+                  <a:gs pos="100000">
+                    <a:schemeClr val="tx2"/>
+                  </a:gs>
+                </a:gsLst>
+                <a:lin ang="5400000" scaled="0"/>
+              </a:gradFill>
+              <a:latin typeface="+mj-lt"/>
+              <a:cs typeface="Arial" charset="0"/>
+            </a:endParaRPr>
           </a:p>
           <a:p>
             <a:pPr marL="457200" lvl="0" indent="-457200">
@@ -17435,81 +20701,6 @@
               <a:buFont typeface="Arial"/>
               <a:buChar char="•"/>
             </a:pPr>
-            <a:r>
-              <a:rPr lang="it-IT" sz="3200" spc="-100" dirty="0" smtClean="0">
-                <a:ln w="3175">
-                  <a:noFill/>
-                </a:ln>
-                <a:gradFill>
-                  <a:gsLst>
-                    <a:gs pos="1250">
-                      <a:schemeClr val="tx2"/>
-                    </a:gs>
-                    <a:gs pos="100000">
-                      <a:schemeClr val="tx2"/>
-                    </a:gs>
-                  </a:gsLst>
-                  <a:lin ang="5400000" scaled="0"/>
-                </a:gradFill>
-                <a:latin typeface="+mj-lt"/>
-                <a:cs typeface="Arial" charset="0"/>
-              </a:rPr>
-              <a:t>I sensori idrici inviano i dati rilevati ogni ora (i sensori sono sincronizzati).</a:t>
-            </a:r>
-          </a:p>
-          <a:p>
-            <a:pPr marL="457200" lvl="0" indent="-457200">
-              <a:buFont typeface="Arial"/>
-              <a:buChar char="•"/>
-            </a:pPr>
-            <a:endParaRPr lang="it-IT" sz="3200" spc="-100" dirty="0" smtClean="0">
-              <a:ln w="3175">
-                <a:noFill/>
-              </a:ln>
-              <a:gradFill>
-                <a:gsLst>
-                  <a:gs pos="1250">
-                    <a:schemeClr val="tx2"/>
-                  </a:gs>
-                  <a:gs pos="100000">
-                    <a:schemeClr val="tx2"/>
-                  </a:gs>
-                </a:gsLst>
-                <a:lin ang="5400000" scaled="0"/>
-              </a:gradFill>
-              <a:latin typeface="+mj-lt"/>
-              <a:cs typeface="Arial" charset="0"/>
-            </a:endParaRPr>
-          </a:p>
-          <a:p>
-            <a:pPr marL="457200" lvl="0" indent="-457200">
-              <a:buFont typeface="Arial"/>
-              <a:buChar char="•"/>
-            </a:pPr>
-            <a:endParaRPr lang="it-IT" sz="3200" spc="-100" dirty="0" smtClean="0">
-              <a:ln w="3175">
-                <a:noFill/>
-              </a:ln>
-              <a:gradFill>
-                <a:gsLst>
-                  <a:gs pos="1250">
-                    <a:schemeClr val="tx2"/>
-                  </a:gs>
-                  <a:gs pos="100000">
-                    <a:schemeClr val="tx2"/>
-                  </a:gs>
-                </a:gsLst>
-                <a:lin ang="5400000" scaled="0"/>
-              </a:gradFill>
-              <a:latin typeface="+mj-lt"/>
-              <a:cs typeface="Arial" charset="0"/>
-            </a:endParaRPr>
-          </a:p>
-          <a:p>
-            <a:pPr marL="457200" lvl="0" indent="-457200">
-              <a:buFont typeface="Arial"/>
-              <a:buChar char="•"/>
-            </a:pPr>
             <a:endParaRPr lang="it-IT" sz="3200" spc="-100" dirty="0">
               <a:ln w="3175">
                 <a:noFill/>
@@ -17597,1899 +20788,6 @@
     </p:spTree>
     <p:extLst>
       <p:ext uri="{BB962C8B-B14F-4D97-AF65-F5344CB8AC3E}">
-        <p14:creationId xmlns:p14="http://schemas.microsoft.com/office/powerpoint/2010/main" val="3137891086"/>
-      </p:ext>
-    </p:extLst>
-  </p:cSld>
-  <p:clrMapOvr>
-    <a:masterClrMapping/>
-  </p:clrMapOvr>
-  <p:transition xmlns:p14="http://schemas.microsoft.com/office/powerpoint/2010/main" spd="slow">
-    <p:push dir="u"/>
-  </p:transition>
-  <p:timing>
-    <p:tnLst>
-      <p:par>
-        <p:cTn xmlns:p14="http://schemas.microsoft.com/office/powerpoint/2010/main" id="1" dur="indefinite" restart="never" nodeType="tmRoot"/>
-      </p:par>
-    </p:tnLst>
-  </p:timing>
-</p:sld>
-</file>
-
-<file path=ppt/slides/slide7.xml><?xml version="1.0" encoding="utf-8"?>
-<p:sld xmlns:a="http://schemas.openxmlformats.org/drawingml/2006/main" xmlns:r="http://schemas.openxmlformats.org/officeDocument/2006/relationships" xmlns:p="http://schemas.openxmlformats.org/presentationml/2006/main">
-  <p:cSld>
-    <p:spTree>
-      <p:nvGrpSpPr>
-        <p:cNvPr id="1" name=""/>
-        <p:cNvGrpSpPr/>
-        <p:nvPr/>
-      </p:nvGrpSpPr>
-      <p:grpSpPr>
-        <a:xfrm>
-          <a:off x="0" y="0"/>
-          <a:ext cx="0" cy="0"/>
-          <a:chOff x="0" y="0"/>
-          <a:chExt cx="0" cy="0"/>
-        </a:xfrm>
-      </p:grpSpPr>
-      <p:sp>
-        <p:nvSpPr>
-          <p:cNvPr id="6" name="Rettangolo 5"/>
-          <p:cNvSpPr/>
-          <p:nvPr/>
-        </p:nvSpPr>
-        <p:spPr>
-          <a:xfrm>
-            <a:off x="0" y="6515100"/>
-            <a:ext cx="12192000" cy="342900"/>
-          </a:xfrm>
-          <a:prstGeom prst="rect">
-            <a:avLst/>
-          </a:prstGeom>
-          <a:solidFill>
-            <a:srgbClr val="0072C6"/>
-          </a:solidFill>
-        </p:spPr>
-        <p:style>
-          <a:lnRef idx="2">
-            <a:schemeClr val="accent1">
-              <a:shade val="50000"/>
-            </a:schemeClr>
-          </a:lnRef>
-          <a:fillRef idx="1">
-            <a:schemeClr val="accent1"/>
-          </a:fillRef>
-          <a:effectRef idx="0">
-            <a:schemeClr val="accent1"/>
-          </a:effectRef>
-          <a:fontRef idx="minor">
-            <a:schemeClr val="lt1"/>
-          </a:fontRef>
-        </p:style>
-        <p:txBody>
-          <a:bodyPr rtlCol="0" anchor="ctr"/>
-          <a:lstStyle/>
-          <a:p>
-            <a:pPr algn="ctr"/>
-            <a:endParaRPr lang="it-IT"/>
-          </a:p>
-        </p:txBody>
-      </p:sp>
-      <p:sp>
-        <p:nvSpPr>
-          <p:cNvPr id="7" name="Rettangolo 6"/>
-          <p:cNvSpPr/>
-          <p:nvPr/>
-        </p:nvSpPr>
-        <p:spPr>
-          <a:xfrm>
-            <a:off x="0" y="-28574"/>
-            <a:ext cx="12192000" cy="342900"/>
-          </a:xfrm>
-          <a:prstGeom prst="rect">
-            <a:avLst/>
-          </a:prstGeom>
-          <a:solidFill>
-            <a:srgbClr val="0072C6"/>
-          </a:solidFill>
-        </p:spPr>
-        <p:style>
-          <a:lnRef idx="2">
-            <a:schemeClr val="accent1">
-              <a:shade val="50000"/>
-            </a:schemeClr>
-          </a:lnRef>
-          <a:fillRef idx="1">
-            <a:schemeClr val="accent1"/>
-          </a:fillRef>
-          <a:effectRef idx="0">
-            <a:schemeClr val="accent1"/>
-          </a:effectRef>
-          <a:fontRef idx="minor">
-            <a:schemeClr val="lt1"/>
-          </a:fontRef>
-        </p:style>
-        <p:txBody>
-          <a:bodyPr rtlCol="0" anchor="ctr"/>
-          <a:lstStyle/>
-          <a:p>
-            <a:pPr algn="ctr"/>
-            <a:endParaRPr lang="it-IT"/>
-          </a:p>
-        </p:txBody>
-      </p:sp>
-      <p:sp>
-        <p:nvSpPr>
-          <p:cNvPr id="2" name="CasellaDiTesto 1"/>
-          <p:cNvSpPr txBox="1"/>
-          <p:nvPr/>
-        </p:nvSpPr>
-        <p:spPr>
-          <a:xfrm>
-            <a:off x="521493" y="1700214"/>
-            <a:ext cx="10158413" cy="7478970"/>
-          </a:xfrm>
-          <a:prstGeom prst="rect">
-            <a:avLst/>
-          </a:prstGeom>
-          <a:noFill/>
-        </p:spPr>
-        <p:txBody>
-          <a:bodyPr wrap="square" rtlCol="0">
-            <a:spAutoFit/>
-          </a:bodyPr>
-          <a:lstStyle/>
-          <a:p>
-            <a:pPr marL="457200" lvl="0" indent="-457200">
-              <a:buFont typeface="Arial"/>
-              <a:buChar char="•"/>
-            </a:pPr>
-            <a:r>
-              <a:rPr lang="it-IT" sz="3200" spc="-100" dirty="0">
-                <a:ln w="3175">
-                  <a:noFill/>
-                </a:ln>
-                <a:gradFill>
-                  <a:gsLst>
-                    <a:gs pos="1250">
-                      <a:schemeClr val="tx2"/>
-                    </a:gs>
-                    <a:gs pos="100000">
-                      <a:schemeClr val="tx2"/>
-                    </a:gs>
-                  </a:gsLst>
-                  <a:lin ang="5400000" scaled="0"/>
-                </a:gradFill>
-                <a:latin typeface="+mj-lt"/>
-                <a:cs typeface="Arial" charset="0"/>
-              </a:rPr>
-              <a:t>Il recupero dei dati meteo viene effettuato ogni 3 ore (assunzione fatta sulla base del funzionamento di servizi web reali ) . </a:t>
-            </a:r>
-          </a:p>
-          <a:p>
-            <a:pPr marL="457200" lvl="0" indent="-457200">
-              <a:buFont typeface="Arial"/>
-              <a:buChar char="•"/>
-            </a:pPr>
-            <a:endParaRPr lang="it-IT" sz="1600" spc="-100" dirty="0" smtClean="0">
-              <a:ln w="3175">
-                <a:noFill/>
-              </a:ln>
-              <a:gradFill>
-                <a:gsLst>
-                  <a:gs pos="1250">
-                    <a:schemeClr val="tx2"/>
-                  </a:gs>
-                  <a:gs pos="100000">
-                    <a:schemeClr val="tx2"/>
-                  </a:gs>
-                </a:gsLst>
-                <a:lin ang="5400000" scaled="0"/>
-              </a:gradFill>
-              <a:latin typeface="+mj-lt"/>
-              <a:cs typeface="Arial" charset="0"/>
-            </a:endParaRPr>
-          </a:p>
-          <a:p>
-            <a:pPr marL="457200" lvl="0" indent="-457200">
-              <a:buFont typeface="Arial"/>
-              <a:buChar char="•"/>
-            </a:pPr>
-            <a:r>
-              <a:rPr lang="it-IT" sz="3200" spc="-100" dirty="0" smtClean="0">
-                <a:ln w="3175">
-                  <a:noFill/>
-                </a:ln>
-                <a:gradFill>
-                  <a:gsLst>
-                    <a:gs pos="1250">
-                      <a:schemeClr val="tx2"/>
-                    </a:gs>
-                    <a:gs pos="100000">
-                      <a:schemeClr val="tx2"/>
-                    </a:gs>
-                  </a:gsLst>
-                  <a:lin ang="5400000" scaled="0"/>
-                </a:gradFill>
-                <a:latin typeface="+mj-lt"/>
-                <a:cs typeface="Arial" charset="0"/>
-              </a:rPr>
-              <a:t>La pianificazione degli spostamenti delle squadre di emergenza non viene svolta in automatico dal sistema.</a:t>
-            </a:r>
-          </a:p>
-          <a:p>
-            <a:pPr marL="457200" lvl="0" indent="-457200">
-              <a:buFont typeface="Arial"/>
-              <a:buChar char="•"/>
-            </a:pPr>
-            <a:endParaRPr lang="it-IT" sz="1600" spc="-100" dirty="0" smtClean="0">
-              <a:ln w="3175">
-                <a:noFill/>
-              </a:ln>
-              <a:gradFill>
-                <a:gsLst>
-                  <a:gs pos="1250">
-                    <a:schemeClr val="tx2"/>
-                  </a:gs>
-                  <a:gs pos="100000">
-                    <a:schemeClr val="tx2"/>
-                  </a:gs>
-                </a:gsLst>
-                <a:lin ang="5400000" scaled="0"/>
-              </a:gradFill>
-              <a:latin typeface="+mj-lt"/>
-              <a:cs typeface="Arial" charset="0"/>
-            </a:endParaRPr>
-          </a:p>
-          <a:p>
-            <a:pPr marL="457200" indent="-457200">
-              <a:buFont typeface="Arial"/>
-              <a:buChar char="•"/>
-            </a:pPr>
-            <a:r>
-              <a:rPr lang="it-IT" sz="3200" spc="-100" dirty="0" smtClean="0">
-                <a:ln w="3175">
-                  <a:noFill/>
-                </a:ln>
-                <a:gradFill>
-                  <a:gsLst>
-                    <a:gs pos="1250">
-                      <a:schemeClr val="tx2"/>
-                    </a:gs>
-                    <a:gs pos="100000">
-                      <a:schemeClr val="tx2"/>
-                    </a:gs>
-                  </a:gsLst>
-                  <a:lin ang="5400000" scaled="0"/>
-                </a:gradFill>
-                <a:latin typeface="+mj-lt"/>
-                <a:cs typeface="Arial" charset="0"/>
-              </a:rPr>
-              <a:t>Il campo regione della tabella nodo d’acqua in BRI e il campo denominazione della tabella regione in BDM hanno lo stesso dominio.</a:t>
-            </a:r>
-            <a:endParaRPr lang="it-IT" sz="3200" spc="-100" dirty="0">
-              <a:ln w="3175">
-                <a:noFill/>
-              </a:ln>
-              <a:gradFill>
-                <a:gsLst>
-                  <a:gs pos="1250">
-                    <a:schemeClr val="tx2"/>
-                  </a:gs>
-                  <a:gs pos="100000">
-                    <a:schemeClr val="tx2"/>
-                  </a:gs>
-                </a:gsLst>
-                <a:lin ang="5400000" scaled="0"/>
-              </a:gradFill>
-              <a:latin typeface="+mj-lt"/>
-              <a:cs typeface="Arial" charset="0"/>
-            </a:endParaRPr>
-          </a:p>
-          <a:p>
-            <a:pPr marL="457200" lvl="0" indent="-457200">
-              <a:buFont typeface="Arial"/>
-              <a:buChar char="•"/>
-            </a:pPr>
-            <a:endParaRPr lang="it-IT" sz="3200" spc="-100" dirty="0">
-              <a:ln w="3175">
-                <a:noFill/>
-              </a:ln>
-              <a:gradFill>
-                <a:gsLst>
-                  <a:gs pos="1250">
-                    <a:schemeClr val="tx2"/>
-                  </a:gs>
-                  <a:gs pos="100000">
-                    <a:schemeClr val="tx2"/>
-                  </a:gs>
-                </a:gsLst>
-                <a:lin ang="5400000" scaled="0"/>
-              </a:gradFill>
-              <a:latin typeface="+mj-lt"/>
-              <a:cs typeface="Arial" charset="0"/>
-            </a:endParaRPr>
-          </a:p>
-          <a:p>
-            <a:pPr lvl="0"/>
-            <a:endParaRPr lang="it-IT" sz="3200" spc="-100" dirty="0" smtClean="0">
-              <a:ln w="3175">
-                <a:noFill/>
-              </a:ln>
-              <a:gradFill>
-                <a:gsLst>
-                  <a:gs pos="1250">
-                    <a:schemeClr val="tx2"/>
-                  </a:gs>
-                  <a:gs pos="100000">
-                    <a:schemeClr val="tx2"/>
-                  </a:gs>
-                </a:gsLst>
-                <a:lin ang="5400000" scaled="0"/>
-              </a:gradFill>
-              <a:latin typeface="+mj-lt"/>
-              <a:cs typeface="Arial" charset="0"/>
-            </a:endParaRPr>
-          </a:p>
-          <a:p>
-            <a:pPr marL="457200" lvl="0" indent="-457200">
-              <a:buFont typeface="Arial"/>
-              <a:buChar char="•"/>
-            </a:pPr>
-            <a:endParaRPr lang="it-IT" sz="3200" spc="-100" dirty="0" smtClean="0">
-              <a:ln w="3175">
-                <a:noFill/>
-              </a:ln>
-              <a:gradFill>
-                <a:gsLst>
-                  <a:gs pos="1250">
-                    <a:schemeClr val="tx2"/>
-                  </a:gs>
-                  <a:gs pos="100000">
-                    <a:schemeClr val="tx2"/>
-                  </a:gs>
-                </a:gsLst>
-                <a:lin ang="5400000" scaled="0"/>
-              </a:gradFill>
-              <a:latin typeface="+mj-lt"/>
-              <a:cs typeface="Arial" charset="0"/>
-            </a:endParaRPr>
-          </a:p>
-          <a:p>
-            <a:pPr marL="457200" lvl="0" indent="-457200">
-              <a:buFont typeface="Arial"/>
-              <a:buChar char="•"/>
-            </a:pPr>
-            <a:endParaRPr lang="it-IT" sz="3200" spc="-100" dirty="0" smtClean="0">
-              <a:ln w="3175">
-                <a:noFill/>
-              </a:ln>
-              <a:gradFill>
-                <a:gsLst>
-                  <a:gs pos="1250">
-                    <a:schemeClr val="tx2"/>
-                  </a:gs>
-                  <a:gs pos="100000">
-                    <a:schemeClr val="tx2"/>
-                  </a:gs>
-                </a:gsLst>
-                <a:lin ang="5400000" scaled="0"/>
-              </a:gradFill>
-              <a:latin typeface="+mj-lt"/>
-              <a:cs typeface="Arial" charset="0"/>
-            </a:endParaRPr>
-          </a:p>
-          <a:p>
-            <a:pPr marL="457200" lvl="0" indent="-457200">
-              <a:buFont typeface="Arial"/>
-              <a:buChar char="•"/>
-            </a:pPr>
-            <a:endParaRPr lang="it-IT" sz="3200" spc="-100" dirty="0" smtClean="0">
-              <a:ln w="3175">
-                <a:noFill/>
-              </a:ln>
-              <a:gradFill>
-                <a:gsLst>
-                  <a:gs pos="1250">
-                    <a:schemeClr val="tx2"/>
-                  </a:gs>
-                  <a:gs pos="100000">
-                    <a:schemeClr val="tx2"/>
-                  </a:gs>
-                </a:gsLst>
-                <a:lin ang="5400000" scaled="0"/>
-              </a:gradFill>
-              <a:latin typeface="+mj-lt"/>
-              <a:cs typeface="Arial" charset="0"/>
-            </a:endParaRPr>
-          </a:p>
-          <a:p>
-            <a:pPr marL="457200" lvl="0" indent="-457200">
-              <a:buFont typeface="Arial"/>
-              <a:buChar char="•"/>
-            </a:pPr>
-            <a:endParaRPr lang="it-IT" sz="3200" spc="-100" dirty="0">
-              <a:ln w="3175">
-                <a:noFill/>
-              </a:ln>
-              <a:gradFill>
-                <a:gsLst>
-                  <a:gs pos="1250">
-                    <a:schemeClr val="tx2"/>
-                  </a:gs>
-                  <a:gs pos="100000">
-                    <a:schemeClr val="tx2"/>
-                  </a:gs>
-                </a:gsLst>
-                <a:lin ang="5400000" scaled="0"/>
-              </a:gradFill>
-              <a:latin typeface="+mj-lt"/>
-              <a:cs typeface="Arial" charset="0"/>
-            </a:endParaRPr>
-          </a:p>
-        </p:txBody>
-      </p:sp>
-      <p:sp>
-        <p:nvSpPr>
-          <p:cNvPr id="9" name="CasellaDiTesto 8"/>
-          <p:cNvSpPr txBox="1"/>
-          <p:nvPr/>
-        </p:nvSpPr>
-        <p:spPr>
-          <a:xfrm>
-            <a:off x="415529" y="314326"/>
-            <a:ext cx="11613357" cy="1384995"/>
-          </a:xfrm>
-          <a:prstGeom prst="rect">
-            <a:avLst/>
-          </a:prstGeom>
-          <a:noFill/>
-        </p:spPr>
-        <p:txBody>
-          <a:bodyPr wrap="square" rtlCol="0">
-            <a:spAutoFit/>
-          </a:bodyPr>
-          <a:lstStyle/>
-          <a:p>
-            <a:r>
-              <a:rPr lang="it-IT" sz="5400" b="1" spc="-100" dirty="0">
-                <a:ln w="3175">
-                  <a:noFill/>
-                </a:ln>
-                <a:solidFill>
-                  <a:srgbClr val="0072C6"/>
-                </a:solidFill>
-                <a:latin typeface="+mj-lt"/>
-                <a:cs typeface="Arial" charset="0"/>
-              </a:rPr>
-              <a:t>Analisi del problema</a:t>
-            </a:r>
-          </a:p>
-          <a:p>
-            <a:r>
-              <a:rPr lang="it-IT" sz="3000" b="1" spc="-100" dirty="0" smtClean="0">
-                <a:ln w="3175">
-                  <a:noFill/>
-                </a:ln>
-                <a:solidFill>
-                  <a:srgbClr val="0072C6"/>
-                </a:solidFill>
-                <a:latin typeface="+mj-lt"/>
-                <a:cs typeface="Arial" charset="0"/>
-              </a:rPr>
-              <a:t>Assunzioni</a:t>
-            </a:r>
-            <a:endParaRPr lang="it-IT" sz="3000" b="1" spc="-100" dirty="0">
-              <a:ln w="3175">
-                <a:noFill/>
-              </a:ln>
-              <a:solidFill>
-                <a:srgbClr val="0072C6"/>
-              </a:solidFill>
-              <a:latin typeface="+mj-lt"/>
-              <a:cs typeface="Arial" charset="0"/>
-            </a:endParaRPr>
-          </a:p>
-        </p:txBody>
-      </p:sp>
-    </p:spTree>
-    <p:extLst>
-      <p:ext uri="{BB962C8B-B14F-4D97-AF65-F5344CB8AC3E}">
-        <p14:creationId xmlns:p14="http://schemas.microsoft.com/office/powerpoint/2010/main" val="1192680237"/>
-      </p:ext>
-    </p:extLst>
-  </p:cSld>
-  <p:clrMapOvr>
-    <a:masterClrMapping/>
-  </p:clrMapOvr>
-  <p:transition xmlns:p14="http://schemas.microsoft.com/office/powerpoint/2010/main" spd="slow">
-    <p:push dir="u"/>
-  </p:transition>
-  <p:timing>
-    <p:tnLst>
-      <p:par>
-        <p:cTn xmlns:p14="http://schemas.microsoft.com/office/powerpoint/2010/main" id="1" dur="indefinite" restart="never" nodeType="tmRoot"/>
-      </p:par>
-    </p:tnLst>
-  </p:timing>
-</p:sld>
-</file>
-
-<file path=ppt/slides/slide8.xml><?xml version="1.0" encoding="utf-8"?>
-<p:sld xmlns:a="http://schemas.openxmlformats.org/drawingml/2006/main" xmlns:r="http://schemas.openxmlformats.org/officeDocument/2006/relationships" xmlns:p="http://schemas.openxmlformats.org/presentationml/2006/main">
-  <p:cSld>
-    <p:spTree>
-      <p:nvGrpSpPr>
-        <p:cNvPr id="1" name=""/>
-        <p:cNvGrpSpPr/>
-        <p:nvPr/>
-      </p:nvGrpSpPr>
-      <p:grpSpPr>
-        <a:xfrm>
-          <a:off x="0" y="0"/>
-          <a:ext cx="0" cy="0"/>
-          <a:chOff x="0" y="0"/>
-          <a:chExt cx="0" cy="0"/>
-        </a:xfrm>
-      </p:grpSpPr>
-      <p:sp>
-        <p:nvSpPr>
-          <p:cNvPr id="6" name="Rettangolo 5"/>
-          <p:cNvSpPr/>
-          <p:nvPr/>
-        </p:nvSpPr>
-        <p:spPr>
-          <a:xfrm>
-            <a:off x="0" y="6515100"/>
-            <a:ext cx="12192000" cy="342900"/>
-          </a:xfrm>
-          <a:prstGeom prst="rect">
-            <a:avLst/>
-          </a:prstGeom>
-          <a:solidFill>
-            <a:srgbClr val="0072C6"/>
-          </a:solidFill>
-        </p:spPr>
-        <p:style>
-          <a:lnRef idx="2">
-            <a:schemeClr val="accent1">
-              <a:shade val="50000"/>
-            </a:schemeClr>
-          </a:lnRef>
-          <a:fillRef idx="1">
-            <a:schemeClr val="accent1"/>
-          </a:fillRef>
-          <a:effectRef idx="0">
-            <a:schemeClr val="accent1"/>
-          </a:effectRef>
-          <a:fontRef idx="minor">
-            <a:schemeClr val="lt1"/>
-          </a:fontRef>
-        </p:style>
-        <p:txBody>
-          <a:bodyPr rtlCol="0" anchor="ctr"/>
-          <a:lstStyle/>
-          <a:p>
-            <a:pPr algn="ctr"/>
-            <a:endParaRPr lang="it-IT"/>
-          </a:p>
-        </p:txBody>
-      </p:sp>
-      <p:sp>
-        <p:nvSpPr>
-          <p:cNvPr id="7" name="Rettangolo 6"/>
-          <p:cNvSpPr/>
-          <p:nvPr/>
-        </p:nvSpPr>
-        <p:spPr>
-          <a:xfrm>
-            <a:off x="0" y="-28574"/>
-            <a:ext cx="12192000" cy="342900"/>
-          </a:xfrm>
-          <a:prstGeom prst="rect">
-            <a:avLst/>
-          </a:prstGeom>
-          <a:solidFill>
-            <a:srgbClr val="0072C6"/>
-          </a:solidFill>
-        </p:spPr>
-        <p:style>
-          <a:lnRef idx="2">
-            <a:schemeClr val="accent1">
-              <a:shade val="50000"/>
-            </a:schemeClr>
-          </a:lnRef>
-          <a:fillRef idx="1">
-            <a:schemeClr val="accent1"/>
-          </a:fillRef>
-          <a:effectRef idx="0">
-            <a:schemeClr val="accent1"/>
-          </a:effectRef>
-          <a:fontRef idx="minor">
-            <a:schemeClr val="lt1"/>
-          </a:fontRef>
-        </p:style>
-        <p:txBody>
-          <a:bodyPr rtlCol="0" anchor="ctr"/>
-          <a:lstStyle/>
-          <a:p>
-            <a:pPr algn="ctr"/>
-            <a:endParaRPr lang="it-IT"/>
-          </a:p>
-        </p:txBody>
-      </p:sp>
-      <p:sp>
-        <p:nvSpPr>
-          <p:cNvPr id="2" name="CasellaDiTesto 1"/>
-          <p:cNvSpPr txBox="1"/>
-          <p:nvPr/>
-        </p:nvSpPr>
-        <p:spPr>
-          <a:xfrm>
-            <a:off x="521493" y="1700214"/>
-            <a:ext cx="10158413" cy="6986527"/>
-          </a:xfrm>
-          <a:prstGeom prst="rect">
-            <a:avLst/>
-          </a:prstGeom>
-          <a:noFill/>
-        </p:spPr>
-        <p:txBody>
-          <a:bodyPr wrap="square" rtlCol="0">
-            <a:spAutoFit/>
-          </a:bodyPr>
-          <a:lstStyle/>
-          <a:p>
-            <a:pPr marL="457200" lvl="0" indent="-457200">
-              <a:buFont typeface="Arial"/>
-              <a:buChar char="•"/>
-            </a:pPr>
-            <a:endParaRPr lang="it-IT" sz="3200" spc="-100" dirty="0" smtClean="0">
-              <a:ln w="3175">
-                <a:noFill/>
-              </a:ln>
-              <a:gradFill>
-                <a:gsLst>
-                  <a:gs pos="1250">
-                    <a:schemeClr val="tx2"/>
-                  </a:gs>
-                  <a:gs pos="100000">
-                    <a:schemeClr val="tx2"/>
-                  </a:gs>
-                </a:gsLst>
-                <a:lin ang="5400000" scaled="0"/>
-              </a:gradFill>
-              <a:latin typeface="+mj-lt"/>
-              <a:cs typeface="Arial" charset="0"/>
-            </a:endParaRPr>
-          </a:p>
-          <a:p>
-            <a:pPr marL="457200" lvl="0" indent="-457200">
-              <a:buFont typeface="Arial"/>
-              <a:buChar char="•"/>
-            </a:pPr>
-            <a:r>
-              <a:rPr lang="it-IT" sz="3200" spc="-100" dirty="0" smtClean="0">
-                <a:ln w="3175">
-                  <a:noFill/>
-                </a:ln>
-                <a:gradFill>
-                  <a:gsLst>
-                    <a:gs pos="1250">
-                      <a:schemeClr val="tx2"/>
-                    </a:gs>
-                    <a:gs pos="100000">
-                      <a:schemeClr val="tx2"/>
-                    </a:gs>
-                  </a:gsLst>
-                  <a:lin ang="5400000" scaled="0"/>
-                </a:gradFill>
-                <a:latin typeface="+mj-lt"/>
-                <a:cs typeface="Arial" charset="0"/>
-              </a:rPr>
-              <a:t>Conosciamo lo schema logico di BDM. </a:t>
-            </a:r>
-            <a:endParaRPr lang="it-IT" sz="3200" spc="-100" dirty="0">
-              <a:ln w="3175">
-                <a:noFill/>
-              </a:ln>
-              <a:gradFill>
-                <a:gsLst>
-                  <a:gs pos="1250">
-                    <a:schemeClr val="tx2"/>
-                  </a:gs>
-                  <a:gs pos="100000">
-                    <a:schemeClr val="tx2"/>
-                  </a:gs>
-                </a:gsLst>
-                <a:lin ang="5400000" scaled="0"/>
-              </a:gradFill>
-              <a:latin typeface="+mj-lt"/>
-              <a:cs typeface="Arial" charset="0"/>
-            </a:endParaRPr>
-          </a:p>
-          <a:p>
-            <a:pPr marL="457200" lvl="0" indent="-457200">
-              <a:buFont typeface="Arial"/>
-              <a:buChar char="•"/>
-            </a:pPr>
-            <a:endParaRPr lang="it-IT" sz="1600" spc="-100" dirty="0" smtClean="0">
-              <a:ln w="3175">
-                <a:noFill/>
-              </a:ln>
-              <a:gradFill>
-                <a:gsLst>
-                  <a:gs pos="1250">
-                    <a:schemeClr val="tx2"/>
-                  </a:gs>
-                  <a:gs pos="100000">
-                    <a:schemeClr val="tx2"/>
-                  </a:gs>
-                </a:gsLst>
-                <a:lin ang="5400000" scaled="0"/>
-              </a:gradFill>
-              <a:latin typeface="+mj-lt"/>
-              <a:cs typeface="Arial" charset="0"/>
-            </a:endParaRPr>
-          </a:p>
-          <a:p>
-            <a:pPr marL="457200" lvl="0" indent="-457200">
-              <a:buFont typeface="Arial"/>
-              <a:buChar char="•"/>
-            </a:pPr>
-            <a:r>
-              <a:rPr lang="it-IT" sz="3200" spc="-100" dirty="0" smtClean="0">
-                <a:ln w="3175">
-                  <a:noFill/>
-                </a:ln>
-                <a:gradFill>
-                  <a:gsLst>
-                    <a:gs pos="1250">
-                      <a:schemeClr val="tx2"/>
-                    </a:gs>
-                    <a:gs pos="100000">
-                      <a:schemeClr val="tx2"/>
-                    </a:gs>
-                  </a:gsLst>
-                  <a:lin ang="5400000" scaled="0"/>
-                </a:gradFill>
-                <a:latin typeface="+mj-lt"/>
-                <a:cs typeface="Arial" charset="0"/>
-              </a:rPr>
-              <a:t>I nodi idrici si trovano in corrispondenza del punto di confluenza di due corsi d’acqua.</a:t>
-            </a:r>
-          </a:p>
-          <a:p>
-            <a:pPr marL="457200" lvl="0" indent="-457200">
-              <a:buFont typeface="Arial"/>
-              <a:buChar char="•"/>
-            </a:pPr>
-            <a:endParaRPr lang="it-IT" sz="1600" spc="-100" dirty="0" smtClean="0">
-              <a:ln w="3175">
-                <a:noFill/>
-              </a:ln>
-              <a:gradFill>
-                <a:gsLst>
-                  <a:gs pos="1250">
-                    <a:schemeClr val="tx2"/>
-                  </a:gs>
-                  <a:gs pos="100000">
-                    <a:schemeClr val="tx2"/>
-                  </a:gs>
-                </a:gsLst>
-                <a:lin ang="5400000" scaled="0"/>
-              </a:gradFill>
-              <a:latin typeface="+mj-lt"/>
-              <a:cs typeface="Arial" charset="0"/>
-            </a:endParaRPr>
-          </a:p>
-          <a:p>
-            <a:pPr marL="457200" indent="-457200">
-              <a:buFont typeface="Arial"/>
-              <a:buChar char="•"/>
-            </a:pPr>
-            <a:r>
-              <a:rPr lang="it-IT" sz="3200" spc="-100" dirty="0" smtClean="0">
-                <a:ln w="3175">
-                  <a:noFill/>
-                </a:ln>
-                <a:gradFill>
-                  <a:gsLst>
-                    <a:gs pos="1250">
-                      <a:schemeClr val="tx2"/>
-                    </a:gs>
-                    <a:gs pos="100000">
-                      <a:schemeClr val="tx2"/>
-                    </a:gs>
-                  </a:gsLst>
-                  <a:lin ang="5400000" scaled="0"/>
-                </a:gradFill>
-                <a:latin typeface="+mj-lt"/>
-                <a:cs typeface="Arial" charset="0"/>
-              </a:rPr>
-              <a:t>Il tratto di fiume va da un nodo al successivo.</a:t>
-            </a:r>
-          </a:p>
-          <a:p>
-            <a:pPr marL="457200" indent="-457200">
-              <a:buFont typeface="Arial"/>
-              <a:buChar char="•"/>
-            </a:pPr>
-            <a:endParaRPr lang="it-IT" sz="3200" spc="-100" dirty="0">
-              <a:ln w="3175">
-                <a:noFill/>
-              </a:ln>
-              <a:gradFill>
-                <a:gsLst>
-                  <a:gs pos="1250">
-                    <a:schemeClr val="tx2"/>
-                  </a:gs>
-                  <a:gs pos="100000">
-                    <a:schemeClr val="tx2"/>
-                  </a:gs>
-                </a:gsLst>
-                <a:lin ang="5400000" scaled="0"/>
-              </a:gradFill>
-              <a:latin typeface="+mj-lt"/>
-              <a:cs typeface="Arial" charset="0"/>
-            </a:endParaRPr>
-          </a:p>
-          <a:p>
-            <a:pPr marL="457200" indent="-457200">
-              <a:buFont typeface="Arial"/>
-              <a:buChar char="•"/>
-            </a:pPr>
-            <a:r>
-              <a:rPr lang="it-IT" sz="3200" spc="-100" dirty="0" smtClean="0">
-                <a:ln w="3175">
-                  <a:noFill/>
-                </a:ln>
-                <a:gradFill>
-                  <a:gsLst>
-                    <a:gs pos="1250">
-                      <a:schemeClr val="tx2"/>
-                    </a:gs>
-                    <a:gs pos="100000">
-                      <a:schemeClr val="tx2"/>
-                    </a:gs>
-                  </a:gsLst>
-                  <a:lin ang="5400000" scaled="0"/>
-                </a:gradFill>
-                <a:latin typeface="+mj-lt"/>
-                <a:cs typeface="Arial" charset="0"/>
-              </a:rPr>
-              <a:t>Vengono monitorati solo i tratti d’acqua considerati a rischio. </a:t>
-            </a:r>
-            <a:endParaRPr lang="it-IT" sz="3200" spc="-100" dirty="0">
-              <a:ln w="3175">
-                <a:noFill/>
-              </a:ln>
-              <a:gradFill>
-                <a:gsLst>
-                  <a:gs pos="1250">
-                    <a:schemeClr val="tx2"/>
-                  </a:gs>
-                  <a:gs pos="100000">
-                    <a:schemeClr val="tx2"/>
-                  </a:gs>
-                </a:gsLst>
-                <a:lin ang="5400000" scaled="0"/>
-              </a:gradFill>
-              <a:latin typeface="+mj-lt"/>
-              <a:cs typeface="Arial" charset="0"/>
-            </a:endParaRPr>
-          </a:p>
-          <a:p>
-            <a:pPr marL="457200" lvl="0" indent="-457200">
-              <a:buFont typeface="Arial"/>
-              <a:buChar char="•"/>
-            </a:pPr>
-            <a:endParaRPr lang="it-IT" sz="3200" spc="-100" dirty="0">
-              <a:ln w="3175">
-                <a:noFill/>
-              </a:ln>
-              <a:gradFill>
-                <a:gsLst>
-                  <a:gs pos="1250">
-                    <a:schemeClr val="tx2"/>
-                  </a:gs>
-                  <a:gs pos="100000">
-                    <a:schemeClr val="tx2"/>
-                  </a:gs>
-                </a:gsLst>
-                <a:lin ang="5400000" scaled="0"/>
-              </a:gradFill>
-              <a:latin typeface="+mj-lt"/>
-              <a:cs typeface="Arial" charset="0"/>
-            </a:endParaRPr>
-          </a:p>
-          <a:p>
-            <a:pPr lvl="0"/>
-            <a:endParaRPr lang="it-IT" sz="3200" spc="-100" dirty="0" smtClean="0">
-              <a:ln w="3175">
-                <a:noFill/>
-              </a:ln>
-              <a:gradFill>
-                <a:gsLst>
-                  <a:gs pos="1250">
-                    <a:schemeClr val="tx2"/>
-                  </a:gs>
-                  <a:gs pos="100000">
-                    <a:schemeClr val="tx2"/>
-                  </a:gs>
-                </a:gsLst>
-                <a:lin ang="5400000" scaled="0"/>
-              </a:gradFill>
-              <a:latin typeface="+mj-lt"/>
-              <a:cs typeface="Arial" charset="0"/>
-            </a:endParaRPr>
-          </a:p>
-          <a:p>
-            <a:pPr marL="457200" lvl="0" indent="-457200">
-              <a:buFont typeface="Arial"/>
-              <a:buChar char="•"/>
-            </a:pPr>
-            <a:endParaRPr lang="it-IT" sz="3200" spc="-100" dirty="0" smtClean="0">
-              <a:ln w="3175">
-                <a:noFill/>
-              </a:ln>
-              <a:gradFill>
-                <a:gsLst>
-                  <a:gs pos="1250">
-                    <a:schemeClr val="tx2"/>
-                  </a:gs>
-                  <a:gs pos="100000">
-                    <a:schemeClr val="tx2"/>
-                  </a:gs>
-                </a:gsLst>
-                <a:lin ang="5400000" scaled="0"/>
-              </a:gradFill>
-              <a:latin typeface="+mj-lt"/>
-              <a:cs typeface="Arial" charset="0"/>
-            </a:endParaRPr>
-          </a:p>
-          <a:p>
-            <a:pPr marL="457200" lvl="0" indent="-457200">
-              <a:buFont typeface="Arial"/>
-              <a:buChar char="•"/>
-            </a:pPr>
-            <a:endParaRPr lang="it-IT" sz="3200" spc="-100" dirty="0" smtClean="0">
-              <a:ln w="3175">
-                <a:noFill/>
-              </a:ln>
-              <a:gradFill>
-                <a:gsLst>
-                  <a:gs pos="1250">
-                    <a:schemeClr val="tx2"/>
-                  </a:gs>
-                  <a:gs pos="100000">
-                    <a:schemeClr val="tx2"/>
-                  </a:gs>
-                </a:gsLst>
-                <a:lin ang="5400000" scaled="0"/>
-              </a:gradFill>
-              <a:latin typeface="+mj-lt"/>
-              <a:cs typeface="Arial" charset="0"/>
-            </a:endParaRPr>
-          </a:p>
-          <a:p>
-            <a:pPr marL="457200" lvl="0" indent="-457200">
-              <a:buFont typeface="Arial"/>
-              <a:buChar char="•"/>
-            </a:pPr>
-            <a:endParaRPr lang="it-IT" sz="3200" spc="-100" dirty="0" smtClean="0">
-              <a:ln w="3175">
-                <a:noFill/>
-              </a:ln>
-              <a:gradFill>
-                <a:gsLst>
-                  <a:gs pos="1250">
-                    <a:schemeClr val="tx2"/>
-                  </a:gs>
-                  <a:gs pos="100000">
-                    <a:schemeClr val="tx2"/>
-                  </a:gs>
-                </a:gsLst>
-                <a:lin ang="5400000" scaled="0"/>
-              </a:gradFill>
-              <a:latin typeface="+mj-lt"/>
-              <a:cs typeface="Arial" charset="0"/>
-            </a:endParaRPr>
-          </a:p>
-          <a:p>
-            <a:pPr marL="457200" lvl="0" indent="-457200">
-              <a:buFont typeface="Arial"/>
-              <a:buChar char="•"/>
-            </a:pPr>
-            <a:endParaRPr lang="it-IT" sz="3200" spc="-100" dirty="0">
-              <a:ln w="3175">
-                <a:noFill/>
-              </a:ln>
-              <a:gradFill>
-                <a:gsLst>
-                  <a:gs pos="1250">
-                    <a:schemeClr val="tx2"/>
-                  </a:gs>
-                  <a:gs pos="100000">
-                    <a:schemeClr val="tx2"/>
-                  </a:gs>
-                </a:gsLst>
-                <a:lin ang="5400000" scaled="0"/>
-              </a:gradFill>
-              <a:latin typeface="+mj-lt"/>
-              <a:cs typeface="Arial" charset="0"/>
-            </a:endParaRPr>
-          </a:p>
-        </p:txBody>
-      </p:sp>
-      <p:sp>
-        <p:nvSpPr>
-          <p:cNvPr id="9" name="CasellaDiTesto 8"/>
-          <p:cNvSpPr txBox="1"/>
-          <p:nvPr/>
-        </p:nvSpPr>
-        <p:spPr>
-          <a:xfrm>
-            <a:off x="415529" y="314326"/>
-            <a:ext cx="11613357" cy="1384995"/>
-          </a:xfrm>
-          <a:prstGeom prst="rect">
-            <a:avLst/>
-          </a:prstGeom>
-          <a:noFill/>
-        </p:spPr>
-        <p:txBody>
-          <a:bodyPr wrap="square" rtlCol="0">
-            <a:spAutoFit/>
-          </a:bodyPr>
-          <a:lstStyle/>
-          <a:p>
-            <a:r>
-              <a:rPr lang="it-IT" sz="5400" b="1" spc="-100" dirty="0">
-                <a:ln w="3175">
-                  <a:noFill/>
-                </a:ln>
-                <a:solidFill>
-                  <a:srgbClr val="0072C6"/>
-                </a:solidFill>
-                <a:latin typeface="+mj-lt"/>
-                <a:cs typeface="Arial" charset="0"/>
-              </a:rPr>
-              <a:t>Analisi del problema</a:t>
-            </a:r>
-          </a:p>
-          <a:p>
-            <a:r>
-              <a:rPr lang="it-IT" sz="3000" b="1" spc="-100" dirty="0" smtClean="0">
-                <a:ln w="3175">
-                  <a:noFill/>
-                </a:ln>
-                <a:solidFill>
-                  <a:srgbClr val="0072C6"/>
-                </a:solidFill>
-                <a:latin typeface="+mj-lt"/>
-                <a:cs typeface="Arial" charset="0"/>
-              </a:rPr>
-              <a:t>Assunzioni</a:t>
-            </a:r>
-            <a:endParaRPr lang="it-IT" sz="3000" b="1" spc="-100" dirty="0">
-              <a:ln w="3175">
-                <a:noFill/>
-              </a:ln>
-              <a:solidFill>
-                <a:srgbClr val="0072C6"/>
-              </a:solidFill>
-              <a:latin typeface="+mj-lt"/>
-              <a:cs typeface="Arial" charset="0"/>
-            </a:endParaRPr>
-          </a:p>
-        </p:txBody>
-      </p:sp>
-    </p:spTree>
-    <p:extLst>
-      <p:ext uri="{BB962C8B-B14F-4D97-AF65-F5344CB8AC3E}">
-        <p14:creationId xmlns:p14="http://schemas.microsoft.com/office/powerpoint/2010/main" val="4141078905"/>
-      </p:ext>
-    </p:extLst>
-  </p:cSld>
-  <p:clrMapOvr>
-    <a:masterClrMapping/>
-  </p:clrMapOvr>
-  <p:transition xmlns:p14="http://schemas.microsoft.com/office/powerpoint/2010/main" spd="slow">
-    <p:push dir="u"/>
-  </p:transition>
-  <p:timing>
-    <p:tnLst>
-      <p:par>
-        <p:cTn xmlns:p14="http://schemas.microsoft.com/office/powerpoint/2010/main" id="1" dur="indefinite" restart="never" nodeType="tmRoot"/>
-      </p:par>
-    </p:tnLst>
-  </p:timing>
-</p:sld>
-</file>
-
-<file path=ppt/slides/slide9.xml><?xml version="1.0" encoding="utf-8"?>
-<p:sld xmlns:a="http://schemas.openxmlformats.org/drawingml/2006/main" xmlns:r="http://schemas.openxmlformats.org/officeDocument/2006/relationships" xmlns:p="http://schemas.openxmlformats.org/presentationml/2006/main">
-  <p:cSld>
-    <p:spTree>
-      <p:nvGrpSpPr>
-        <p:cNvPr id="1" name=""/>
-        <p:cNvGrpSpPr/>
-        <p:nvPr/>
-      </p:nvGrpSpPr>
-      <p:grpSpPr>
-        <a:xfrm>
-          <a:off x="0" y="0"/>
-          <a:ext cx="0" cy="0"/>
-          <a:chOff x="0" y="0"/>
-          <a:chExt cx="0" cy="0"/>
-        </a:xfrm>
-      </p:grpSpPr>
-      <p:sp>
-        <p:nvSpPr>
-          <p:cNvPr id="6" name="Rettangolo 5"/>
-          <p:cNvSpPr/>
-          <p:nvPr/>
-        </p:nvSpPr>
-        <p:spPr>
-          <a:xfrm>
-            <a:off x="0" y="6515100"/>
-            <a:ext cx="12192000" cy="342900"/>
-          </a:xfrm>
-          <a:prstGeom prst="rect">
-            <a:avLst/>
-          </a:prstGeom>
-          <a:solidFill>
-            <a:srgbClr val="0072C6"/>
-          </a:solidFill>
-        </p:spPr>
-        <p:style>
-          <a:lnRef idx="2">
-            <a:schemeClr val="accent1">
-              <a:shade val="50000"/>
-            </a:schemeClr>
-          </a:lnRef>
-          <a:fillRef idx="1">
-            <a:schemeClr val="accent1"/>
-          </a:fillRef>
-          <a:effectRef idx="0">
-            <a:schemeClr val="accent1"/>
-          </a:effectRef>
-          <a:fontRef idx="minor">
-            <a:schemeClr val="lt1"/>
-          </a:fontRef>
-        </p:style>
-        <p:txBody>
-          <a:bodyPr rtlCol="0" anchor="ctr"/>
-          <a:lstStyle/>
-          <a:p>
-            <a:pPr algn="ctr"/>
-            <a:endParaRPr lang="it-IT"/>
-          </a:p>
-        </p:txBody>
-      </p:sp>
-      <p:sp>
-        <p:nvSpPr>
-          <p:cNvPr id="7" name="Rettangolo 6"/>
-          <p:cNvSpPr/>
-          <p:nvPr/>
-        </p:nvSpPr>
-        <p:spPr>
-          <a:xfrm>
-            <a:off x="0" y="-28574"/>
-            <a:ext cx="12192000" cy="342900"/>
-          </a:xfrm>
-          <a:prstGeom prst="rect">
-            <a:avLst/>
-          </a:prstGeom>
-          <a:solidFill>
-            <a:srgbClr val="0072C6"/>
-          </a:solidFill>
-        </p:spPr>
-        <p:style>
-          <a:lnRef idx="2">
-            <a:schemeClr val="accent1">
-              <a:shade val="50000"/>
-            </a:schemeClr>
-          </a:lnRef>
-          <a:fillRef idx="1">
-            <a:schemeClr val="accent1"/>
-          </a:fillRef>
-          <a:effectRef idx="0">
-            <a:schemeClr val="accent1"/>
-          </a:effectRef>
-          <a:fontRef idx="minor">
-            <a:schemeClr val="lt1"/>
-          </a:fontRef>
-        </p:style>
-        <p:txBody>
-          <a:bodyPr rtlCol="0" anchor="ctr"/>
-          <a:lstStyle/>
-          <a:p>
-            <a:pPr algn="ctr"/>
-            <a:endParaRPr lang="it-IT"/>
-          </a:p>
-        </p:txBody>
-      </p:sp>
-      <p:sp>
-        <p:nvSpPr>
-          <p:cNvPr id="2" name="CasellaDiTesto 1"/>
-          <p:cNvSpPr txBox="1"/>
-          <p:nvPr/>
-        </p:nvSpPr>
-        <p:spPr>
-          <a:xfrm>
-            <a:off x="521493" y="1700214"/>
-            <a:ext cx="10158413" cy="7478970"/>
-          </a:xfrm>
-          <a:prstGeom prst="rect">
-            <a:avLst/>
-          </a:prstGeom>
-          <a:noFill/>
-        </p:spPr>
-        <p:txBody>
-          <a:bodyPr wrap="square" rtlCol="0">
-            <a:spAutoFit/>
-          </a:bodyPr>
-          <a:lstStyle/>
-          <a:p>
-            <a:pPr marL="457200" lvl="0" indent="-457200">
-              <a:buFont typeface="Arial"/>
-              <a:buChar char="•"/>
-            </a:pPr>
-            <a:endParaRPr lang="it-IT" sz="3200" spc="-100" dirty="0" smtClean="0">
-              <a:ln w="3175">
-                <a:noFill/>
-              </a:ln>
-              <a:gradFill>
-                <a:gsLst>
-                  <a:gs pos="1250">
-                    <a:schemeClr val="tx2"/>
-                  </a:gs>
-                  <a:gs pos="100000">
-                    <a:schemeClr val="tx2"/>
-                  </a:gs>
-                </a:gsLst>
-                <a:lin ang="5400000" scaled="0"/>
-              </a:gradFill>
-              <a:latin typeface="+mj-lt"/>
-              <a:cs typeface="Arial" charset="0"/>
-            </a:endParaRPr>
-          </a:p>
-          <a:p>
-            <a:pPr marL="457200" lvl="0" indent="-457200">
-              <a:buFont typeface="Arial"/>
-              <a:buChar char="•"/>
-            </a:pPr>
-            <a:r>
-              <a:rPr lang="it-IT" sz="3200" spc="-100" dirty="0" smtClean="0">
-                <a:ln w="3175">
-                  <a:noFill/>
-                </a:ln>
-                <a:gradFill>
-                  <a:gsLst>
-                    <a:gs pos="1250">
-                      <a:schemeClr val="tx2"/>
-                    </a:gs>
-                    <a:gs pos="100000">
-                      <a:schemeClr val="tx2"/>
-                    </a:gs>
-                  </a:gsLst>
-                  <a:lin ang="5400000" scaled="0"/>
-                </a:gradFill>
-                <a:latin typeface="+mj-lt"/>
-                <a:cs typeface="Arial" charset="0"/>
-              </a:rPr>
-              <a:t>La trasmissione di DI avviene tramite sensori </a:t>
-            </a:r>
-            <a:r>
-              <a:rPr lang="it-IT" sz="3200" spc="-100" dirty="0" err="1" smtClean="0">
-                <a:ln w="3175">
-                  <a:noFill/>
-                </a:ln>
-                <a:gradFill>
-                  <a:gsLst>
-                    <a:gs pos="1250">
-                      <a:schemeClr val="tx2"/>
-                    </a:gs>
-                    <a:gs pos="100000">
-                      <a:schemeClr val="tx2"/>
-                    </a:gs>
-                  </a:gsLst>
-                  <a:lin ang="5400000" scaled="0"/>
-                </a:gradFill>
-                <a:latin typeface="+mj-lt"/>
-                <a:cs typeface="Arial" charset="0"/>
-              </a:rPr>
-              <a:t>idromometrici</a:t>
-            </a:r>
-            <a:r>
-              <a:rPr lang="it-IT" sz="3200" spc="-100" dirty="0" smtClean="0">
-                <a:ln w="3175">
-                  <a:noFill/>
-                </a:ln>
-                <a:gradFill>
-                  <a:gsLst>
-                    <a:gs pos="1250">
-                      <a:schemeClr val="tx2"/>
-                    </a:gs>
-                    <a:gs pos="100000">
-                      <a:schemeClr val="tx2"/>
-                    </a:gs>
-                  </a:gsLst>
-                  <a:lin ang="5400000" scaled="0"/>
-                </a:gradFill>
-                <a:latin typeface="+mj-lt"/>
-                <a:cs typeface="Arial" charset="0"/>
-              </a:rPr>
-              <a:t> dotati di modulo GPRS (Output digitale). </a:t>
-            </a:r>
-            <a:endParaRPr lang="it-IT" sz="3200" spc="-100" dirty="0">
-              <a:ln w="3175">
-                <a:noFill/>
-              </a:ln>
-              <a:gradFill>
-                <a:gsLst>
-                  <a:gs pos="1250">
-                    <a:schemeClr val="tx2"/>
-                  </a:gs>
-                  <a:gs pos="100000">
-                    <a:schemeClr val="tx2"/>
-                  </a:gs>
-                </a:gsLst>
-                <a:lin ang="5400000" scaled="0"/>
-              </a:gradFill>
-              <a:latin typeface="+mj-lt"/>
-              <a:cs typeface="Arial" charset="0"/>
-            </a:endParaRPr>
-          </a:p>
-          <a:p>
-            <a:pPr marL="457200" lvl="0" indent="-457200">
-              <a:buFont typeface="Arial"/>
-              <a:buChar char="•"/>
-            </a:pPr>
-            <a:endParaRPr lang="it-IT" sz="1600" spc="-100" dirty="0" smtClean="0">
-              <a:ln w="3175">
-                <a:noFill/>
-              </a:ln>
-              <a:gradFill>
-                <a:gsLst>
-                  <a:gs pos="1250">
-                    <a:schemeClr val="tx2"/>
-                  </a:gs>
-                  <a:gs pos="100000">
-                    <a:schemeClr val="tx2"/>
-                  </a:gs>
-                </a:gsLst>
-                <a:lin ang="5400000" scaled="0"/>
-              </a:gradFill>
-              <a:latin typeface="+mj-lt"/>
-              <a:cs typeface="Arial" charset="0"/>
-            </a:endParaRPr>
-          </a:p>
-          <a:p>
-            <a:pPr marL="457200" lvl="0" indent="-457200">
-              <a:buFont typeface="Arial"/>
-              <a:buChar char="•"/>
-            </a:pPr>
-            <a:r>
-              <a:rPr lang="it-IT" sz="3200" spc="-100" dirty="0" smtClean="0">
-                <a:ln w="3175">
-                  <a:noFill/>
-                </a:ln>
-                <a:gradFill>
-                  <a:gsLst>
-                    <a:gs pos="1250">
-                      <a:schemeClr val="tx2"/>
-                    </a:gs>
-                    <a:gs pos="100000">
-                      <a:schemeClr val="tx2"/>
-                    </a:gs>
-                  </a:gsLst>
-                  <a:lin ang="5400000" scaled="0"/>
-                </a:gradFill>
-                <a:latin typeface="+mj-lt"/>
-                <a:cs typeface="Arial" charset="0"/>
-              </a:rPr>
-              <a:t>L’id della tabella </a:t>
-            </a:r>
-            <a:r>
-              <a:rPr lang="it-IT" sz="3200" spc="-100" dirty="0" err="1" smtClean="0">
-                <a:ln w="3175">
-                  <a:noFill/>
-                </a:ln>
-                <a:gradFill>
-                  <a:gsLst>
-                    <a:gs pos="1250">
-                      <a:schemeClr val="tx2"/>
-                    </a:gs>
-                    <a:gs pos="100000">
-                      <a:schemeClr val="tx2"/>
-                    </a:gs>
-                  </a:gsLst>
-                  <a:lin ang="5400000" scaled="0"/>
-                </a:gradFill>
-                <a:latin typeface="+mj-lt"/>
-                <a:cs typeface="Arial" charset="0"/>
-              </a:rPr>
-              <a:t>BDM.previsioniMeteo</a:t>
-            </a:r>
-            <a:r>
-              <a:rPr lang="it-IT" sz="3200" spc="-100" dirty="0" smtClean="0">
-                <a:ln w="3175">
-                  <a:noFill/>
-                </a:ln>
-                <a:gradFill>
-                  <a:gsLst>
-                    <a:gs pos="1250">
-                      <a:schemeClr val="tx2"/>
-                    </a:gs>
-                    <a:gs pos="100000">
-                      <a:schemeClr val="tx2"/>
-                    </a:gs>
-                  </a:gsLst>
-                  <a:lin ang="5400000" scaled="0"/>
-                </a:gradFill>
-                <a:latin typeface="+mj-lt"/>
-                <a:cs typeface="Arial" charset="0"/>
-              </a:rPr>
-              <a:t> e l’id della tabella </a:t>
-            </a:r>
-            <a:r>
-              <a:rPr lang="it-IT" sz="3200" spc="-100" dirty="0" err="1" smtClean="0">
-                <a:ln w="3175">
-                  <a:noFill/>
-                </a:ln>
-                <a:gradFill>
-                  <a:gsLst>
-                    <a:gs pos="1250">
-                      <a:schemeClr val="tx2"/>
-                    </a:gs>
-                    <a:gs pos="100000">
-                      <a:schemeClr val="tx2"/>
-                    </a:gs>
-                  </a:gsLst>
-                  <a:lin ang="5400000" scaled="0"/>
-                </a:gradFill>
-                <a:latin typeface="+mj-lt"/>
-                <a:cs typeface="Arial" charset="0"/>
-              </a:rPr>
-              <a:t>BSE.previsioni</a:t>
-            </a:r>
-            <a:r>
-              <a:rPr lang="it-IT" sz="3200" spc="-100" dirty="0">
-                <a:ln w="3175">
-                  <a:noFill/>
-                </a:ln>
-                <a:gradFill>
-                  <a:gsLst>
-                    <a:gs pos="1250">
-                      <a:schemeClr val="tx2"/>
-                    </a:gs>
-                    <a:gs pos="100000">
-                      <a:schemeClr val="tx2"/>
-                    </a:gs>
-                  </a:gsLst>
-                  <a:lin ang="5400000" scaled="0"/>
-                </a:gradFill>
-                <a:latin typeface="+mj-lt"/>
-                <a:cs typeface="Arial" charset="0"/>
-              </a:rPr>
-              <a:t> </a:t>
-            </a:r>
-            <a:r>
-              <a:rPr lang="it-IT" sz="3200" spc="-100" dirty="0" smtClean="0">
-                <a:ln w="3175">
-                  <a:noFill/>
-                </a:ln>
-                <a:gradFill>
-                  <a:gsLst>
-                    <a:gs pos="1250">
-                      <a:schemeClr val="tx2"/>
-                    </a:gs>
-                    <a:gs pos="100000">
-                      <a:schemeClr val="tx2"/>
-                    </a:gs>
-                  </a:gsLst>
-                  <a:lin ang="5400000" scaled="0"/>
-                </a:gradFill>
-                <a:latin typeface="+mj-lt"/>
-                <a:cs typeface="Arial" charset="0"/>
-              </a:rPr>
-              <a:t>identificano la stessa </a:t>
-            </a:r>
-            <a:r>
-              <a:rPr lang="it-IT" sz="3200" spc="-100" dirty="0" err="1" smtClean="0">
-                <a:ln w="3175">
-                  <a:noFill/>
-                </a:ln>
-                <a:gradFill>
-                  <a:gsLst>
-                    <a:gs pos="1250">
-                      <a:schemeClr val="tx2"/>
-                    </a:gs>
-                    <a:gs pos="100000">
-                      <a:schemeClr val="tx2"/>
-                    </a:gs>
-                  </a:gsLst>
-                  <a:lin ang="5400000" scaled="0"/>
-                </a:gradFill>
-                <a:latin typeface="+mj-lt"/>
-                <a:cs typeface="Arial" charset="0"/>
-              </a:rPr>
-              <a:t>tupla</a:t>
-            </a:r>
-            <a:r>
-              <a:rPr lang="it-IT" sz="3200" spc="-100" smtClean="0">
-                <a:ln w="3175">
-                  <a:noFill/>
-                </a:ln>
-                <a:gradFill>
-                  <a:gsLst>
-                    <a:gs pos="1250">
-                      <a:schemeClr val="tx2"/>
-                    </a:gs>
-                    <a:gs pos="100000">
-                      <a:schemeClr val="tx2"/>
-                    </a:gs>
-                  </a:gsLst>
-                  <a:lin ang="5400000" scaled="0"/>
-                </a:gradFill>
-                <a:latin typeface="+mj-lt"/>
-                <a:cs typeface="Arial" charset="0"/>
-              </a:rPr>
-              <a:t>.</a:t>
-            </a:r>
-            <a:endParaRPr lang="it-IT" sz="3200" spc="-100" dirty="0" smtClean="0">
-              <a:ln w="3175">
-                <a:noFill/>
-              </a:ln>
-              <a:gradFill>
-                <a:gsLst>
-                  <a:gs pos="1250">
-                    <a:schemeClr val="tx2"/>
-                  </a:gs>
-                  <a:gs pos="100000">
-                    <a:schemeClr val="tx2"/>
-                  </a:gs>
-                </a:gsLst>
-                <a:lin ang="5400000" scaled="0"/>
-              </a:gradFill>
-              <a:latin typeface="+mj-lt"/>
-              <a:cs typeface="Arial" charset="0"/>
-            </a:endParaRPr>
-          </a:p>
-          <a:p>
-            <a:pPr marL="457200" lvl="0" indent="-457200">
-              <a:buFont typeface="Arial"/>
-              <a:buChar char="•"/>
-            </a:pPr>
-            <a:endParaRPr lang="it-IT" sz="1600" spc="-100" dirty="0" smtClean="0">
-              <a:ln w="3175">
-                <a:noFill/>
-              </a:ln>
-              <a:gradFill>
-                <a:gsLst>
-                  <a:gs pos="1250">
-                    <a:schemeClr val="tx2"/>
-                  </a:gs>
-                  <a:gs pos="100000">
-                    <a:schemeClr val="tx2"/>
-                  </a:gs>
-                </a:gsLst>
-                <a:lin ang="5400000" scaled="0"/>
-              </a:gradFill>
-              <a:latin typeface="+mj-lt"/>
-              <a:cs typeface="Arial" charset="0"/>
-            </a:endParaRPr>
-          </a:p>
-          <a:p>
-            <a:pPr marL="457200" indent="-457200">
-              <a:buFont typeface="Arial"/>
-              <a:buChar char="•"/>
-            </a:pPr>
-            <a:r>
-              <a:rPr lang="it-IT" sz="3200" spc="-100" dirty="0" smtClean="0">
-                <a:ln w="3175">
-                  <a:noFill/>
-                </a:ln>
-                <a:gradFill>
-                  <a:gsLst>
-                    <a:gs pos="1250">
-                      <a:schemeClr val="tx2"/>
-                    </a:gs>
-                    <a:gs pos="100000">
-                      <a:schemeClr val="tx2"/>
-                    </a:gs>
-                  </a:gsLst>
-                  <a:lin ang="5400000" scaled="0"/>
-                </a:gradFill>
-                <a:latin typeface="+mj-lt"/>
-                <a:cs typeface="Arial" charset="0"/>
-              </a:rPr>
-              <a:t>!!!!!.</a:t>
-            </a:r>
-          </a:p>
-          <a:p>
-            <a:pPr marL="457200" indent="-457200">
-              <a:buFont typeface="Arial"/>
-              <a:buChar char="•"/>
-            </a:pPr>
-            <a:endParaRPr lang="it-IT" sz="3200" spc="-100" dirty="0">
-              <a:ln w="3175">
-                <a:noFill/>
-              </a:ln>
-              <a:gradFill>
-                <a:gsLst>
-                  <a:gs pos="1250">
-                    <a:schemeClr val="tx2"/>
-                  </a:gs>
-                  <a:gs pos="100000">
-                    <a:schemeClr val="tx2"/>
-                  </a:gs>
-                </a:gsLst>
-                <a:lin ang="5400000" scaled="0"/>
-              </a:gradFill>
-              <a:latin typeface="+mj-lt"/>
-              <a:cs typeface="Arial" charset="0"/>
-            </a:endParaRPr>
-          </a:p>
-          <a:p>
-            <a:pPr marL="457200" indent="-457200">
-              <a:buFont typeface="Arial"/>
-              <a:buChar char="•"/>
-            </a:pPr>
-            <a:r>
-              <a:rPr lang="it-IT" sz="3200" spc="-100" dirty="0" smtClean="0">
-                <a:ln w="3175">
-                  <a:noFill/>
-                </a:ln>
-                <a:gradFill>
-                  <a:gsLst>
-                    <a:gs pos="1250">
-                      <a:schemeClr val="tx2"/>
-                    </a:gs>
-                    <a:gs pos="100000">
-                      <a:schemeClr val="tx2"/>
-                    </a:gs>
-                  </a:gsLst>
-                  <a:lin ang="5400000" scaled="0"/>
-                </a:gradFill>
-                <a:latin typeface="+mj-lt"/>
-                <a:cs typeface="Arial" charset="0"/>
-              </a:rPr>
-              <a:t>!!!!!!!. </a:t>
-            </a:r>
-            <a:endParaRPr lang="it-IT" sz="3200" spc="-100" dirty="0">
-              <a:ln w="3175">
-                <a:noFill/>
-              </a:ln>
-              <a:gradFill>
-                <a:gsLst>
-                  <a:gs pos="1250">
-                    <a:schemeClr val="tx2"/>
-                  </a:gs>
-                  <a:gs pos="100000">
-                    <a:schemeClr val="tx2"/>
-                  </a:gs>
-                </a:gsLst>
-                <a:lin ang="5400000" scaled="0"/>
-              </a:gradFill>
-              <a:latin typeface="+mj-lt"/>
-              <a:cs typeface="Arial" charset="0"/>
-            </a:endParaRPr>
-          </a:p>
-          <a:p>
-            <a:pPr marL="457200" lvl="0" indent="-457200">
-              <a:buFont typeface="Arial"/>
-              <a:buChar char="•"/>
-            </a:pPr>
-            <a:endParaRPr lang="it-IT" sz="3200" spc="-100" dirty="0">
-              <a:ln w="3175">
-                <a:noFill/>
-              </a:ln>
-              <a:gradFill>
-                <a:gsLst>
-                  <a:gs pos="1250">
-                    <a:schemeClr val="tx2"/>
-                  </a:gs>
-                  <a:gs pos="100000">
-                    <a:schemeClr val="tx2"/>
-                  </a:gs>
-                </a:gsLst>
-                <a:lin ang="5400000" scaled="0"/>
-              </a:gradFill>
-              <a:latin typeface="+mj-lt"/>
-              <a:cs typeface="Arial" charset="0"/>
-            </a:endParaRPr>
-          </a:p>
-          <a:p>
-            <a:pPr lvl="0"/>
-            <a:endParaRPr lang="it-IT" sz="3200" spc="-100" dirty="0" smtClean="0">
-              <a:ln w="3175">
-                <a:noFill/>
-              </a:ln>
-              <a:gradFill>
-                <a:gsLst>
-                  <a:gs pos="1250">
-                    <a:schemeClr val="tx2"/>
-                  </a:gs>
-                  <a:gs pos="100000">
-                    <a:schemeClr val="tx2"/>
-                  </a:gs>
-                </a:gsLst>
-                <a:lin ang="5400000" scaled="0"/>
-              </a:gradFill>
-              <a:latin typeface="+mj-lt"/>
-              <a:cs typeface="Arial" charset="0"/>
-            </a:endParaRPr>
-          </a:p>
-          <a:p>
-            <a:pPr marL="457200" lvl="0" indent="-457200">
-              <a:buFont typeface="Arial"/>
-              <a:buChar char="•"/>
-            </a:pPr>
-            <a:endParaRPr lang="it-IT" sz="3200" spc="-100" dirty="0" smtClean="0">
-              <a:ln w="3175">
-                <a:noFill/>
-              </a:ln>
-              <a:gradFill>
-                <a:gsLst>
-                  <a:gs pos="1250">
-                    <a:schemeClr val="tx2"/>
-                  </a:gs>
-                  <a:gs pos="100000">
-                    <a:schemeClr val="tx2"/>
-                  </a:gs>
-                </a:gsLst>
-                <a:lin ang="5400000" scaled="0"/>
-              </a:gradFill>
-              <a:latin typeface="+mj-lt"/>
-              <a:cs typeface="Arial" charset="0"/>
-            </a:endParaRPr>
-          </a:p>
-          <a:p>
-            <a:pPr marL="457200" lvl="0" indent="-457200">
-              <a:buFont typeface="Arial"/>
-              <a:buChar char="•"/>
-            </a:pPr>
-            <a:endParaRPr lang="it-IT" sz="3200" spc="-100" dirty="0" smtClean="0">
-              <a:ln w="3175">
-                <a:noFill/>
-              </a:ln>
-              <a:gradFill>
-                <a:gsLst>
-                  <a:gs pos="1250">
-                    <a:schemeClr val="tx2"/>
-                  </a:gs>
-                  <a:gs pos="100000">
-                    <a:schemeClr val="tx2"/>
-                  </a:gs>
-                </a:gsLst>
-                <a:lin ang="5400000" scaled="0"/>
-              </a:gradFill>
-              <a:latin typeface="+mj-lt"/>
-              <a:cs typeface="Arial" charset="0"/>
-            </a:endParaRPr>
-          </a:p>
-          <a:p>
-            <a:pPr marL="457200" lvl="0" indent="-457200">
-              <a:buFont typeface="Arial"/>
-              <a:buChar char="•"/>
-            </a:pPr>
-            <a:endParaRPr lang="it-IT" sz="3200" spc="-100" dirty="0" smtClean="0">
-              <a:ln w="3175">
-                <a:noFill/>
-              </a:ln>
-              <a:gradFill>
-                <a:gsLst>
-                  <a:gs pos="1250">
-                    <a:schemeClr val="tx2"/>
-                  </a:gs>
-                  <a:gs pos="100000">
-                    <a:schemeClr val="tx2"/>
-                  </a:gs>
-                </a:gsLst>
-                <a:lin ang="5400000" scaled="0"/>
-              </a:gradFill>
-              <a:latin typeface="+mj-lt"/>
-              <a:cs typeface="Arial" charset="0"/>
-            </a:endParaRPr>
-          </a:p>
-          <a:p>
-            <a:pPr marL="457200" lvl="0" indent="-457200">
-              <a:buFont typeface="Arial"/>
-              <a:buChar char="•"/>
-            </a:pPr>
-            <a:endParaRPr lang="it-IT" sz="3200" spc="-100" dirty="0">
-              <a:ln w="3175">
-                <a:noFill/>
-              </a:ln>
-              <a:gradFill>
-                <a:gsLst>
-                  <a:gs pos="1250">
-                    <a:schemeClr val="tx2"/>
-                  </a:gs>
-                  <a:gs pos="100000">
-                    <a:schemeClr val="tx2"/>
-                  </a:gs>
-                </a:gsLst>
-                <a:lin ang="5400000" scaled="0"/>
-              </a:gradFill>
-              <a:latin typeface="+mj-lt"/>
-              <a:cs typeface="Arial" charset="0"/>
-            </a:endParaRPr>
-          </a:p>
-        </p:txBody>
-      </p:sp>
-      <p:sp>
-        <p:nvSpPr>
-          <p:cNvPr id="9" name="CasellaDiTesto 8"/>
-          <p:cNvSpPr txBox="1"/>
-          <p:nvPr/>
-        </p:nvSpPr>
-        <p:spPr>
-          <a:xfrm>
-            <a:off x="415529" y="314326"/>
-            <a:ext cx="11613357" cy="1384995"/>
-          </a:xfrm>
-          <a:prstGeom prst="rect">
-            <a:avLst/>
-          </a:prstGeom>
-          <a:noFill/>
-        </p:spPr>
-        <p:txBody>
-          <a:bodyPr wrap="square" rtlCol="0">
-            <a:spAutoFit/>
-          </a:bodyPr>
-          <a:lstStyle/>
-          <a:p>
-            <a:r>
-              <a:rPr lang="it-IT" sz="5400" b="1" spc="-100" dirty="0">
-                <a:ln w="3175">
-                  <a:noFill/>
-                </a:ln>
-                <a:solidFill>
-                  <a:srgbClr val="0072C6"/>
-                </a:solidFill>
-                <a:latin typeface="+mj-lt"/>
-                <a:cs typeface="Arial" charset="0"/>
-              </a:rPr>
-              <a:t>Analisi del problema</a:t>
-            </a:r>
-          </a:p>
-          <a:p>
-            <a:r>
-              <a:rPr lang="it-IT" sz="3000" b="1" spc="-100" dirty="0" smtClean="0">
-                <a:ln w="3175">
-                  <a:noFill/>
-                </a:ln>
-                <a:solidFill>
-                  <a:srgbClr val="0072C6"/>
-                </a:solidFill>
-                <a:latin typeface="+mj-lt"/>
-                <a:cs typeface="Arial" charset="0"/>
-              </a:rPr>
-              <a:t>Assunzioni</a:t>
-            </a:r>
-            <a:endParaRPr lang="it-IT" sz="3000" b="1" spc="-100" dirty="0">
-              <a:ln w="3175">
-                <a:noFill/>
-              </a:ln>
-              <a:solidFill>
-                <a:srgbClr val="0072C6"/>
-              </a:solidFill>
-              <a:latin typeface="+mj-lt"/>
-              <a:cs typeface="Arial" charset="0"/>
-            </a:endParaRPr>
-          </a:p>
-        </p:txBody>
-      </p:sp>
-    </p:spTree>
-    <p:extLst>
-      <p:ext uri="{BB962C8B-B14F-4D97-AF65-F5344CB8AC3E}">
         <p14:creationId xmlns:p14="http://schemas.microsoft.com/office/powerpoint/2010/main" val="1639075713"/>
       </p:ext>
     </p:extLst>
@@ -19497,13 +20795,13 @@
   <p:clrMapOvr>
     <a:masterClrMapping/>
   </p:clrMapOvr>
-  <p:transition xmlns:p14="http://schemas.microsoft.com/office/powerpoint/2010/main" spd="slow">
+  <p:transition spd="slow">
     <p:push dir="u"/>
   </p:transition>
   <p:timing>
     <p:tnLst>
       <p:par>
-        <p:cTn xmlns:p14="http://schemas.microsoft.com/office/powerpoint/2010/main" id="1" dur="indefinite" restart="never" nodeType="tmRoot"/>
+        <p:cTn id="1" dur="indefinite" restart="never" nodeType="tmRoot"/>
       </p:par>
     </p:tnLst>
   </p:timing>
@@ -19765,7 +21063,7 @@
   <a:extraClrSchemeLst/>
   <a:extLst>
     <a:ext uri="{05A4C25C-085E-4340-85A3-A5531E510DB2}">
-      <thm15:themeFamily xmlns:thm15="http://schemas.microsoft.com/office/thememl/2012/main" xmlns="" name="Office Theme" id="{62F939B6-93AF-4DB8-9C6B-D6C7DFDC589F}" vid="{4A3C46E8-61CC-4603-A589-7422A47A8E4A}"/>
+      <thm15:themeFamily xmlns:thm15="http://schemas.microsoft.com/office/thememl/2012/main" name="Office Theme" id="{62F939B6-93AF-4DB8-9C6B-D6C7DFDC589F}" vid="{4A3C46E8-61CC-4603-A589-7422A47A8E4A}"/>
     </a:ext>
   </a:extLst>
 </a:theme>
@@ -20026,7 +21324,7 @@
   <a:extraClrSchemeLst/>
   <a:extLst>
     <a:ext uri="{05A4C25C-085E-4340-85A3-A5531E510DB2}">
-      <thm15:themeFamily xmlns:thm15="http://schemas.microsoft.com/office/thememl/2012/main" xmlns="" name="Office Theme" id="{62F939B6-93AF-4DB8-9C6B-D6C7DFDC589F}" vid="{4A3C46E8-61CC-4603-A589-7422A47A8E4A}"/>
+      <thm15:themeFamily xmlns:thm15="http://schemas.microsoft.com/office/thememl/2012/main" name="Office Theme" id="{62F939B6-93AF-4DB8-9C6B-D6C7DFDC589F}" vid="{4A3C46E8-61CC-4603-A589-7422A47A8E4A}"/>
     </a:ext>
   </a:extLst>
 </a:theme>

--- a/Febbraio 2015.pptx
+++ b/Febbraio 2015.pptx
@@ -5,7 +5,7 @@
     <p:sldMasterId id="2147483648" r:id="rId1"/>
   </p:sldMasterIdLst>
   <p:notesMasterIdLst>
-    <p:notesMasterId r:id="rId45"/>
+    <p:notesMasterId r:id="rId49"/>
   </p:notesMasterIdLst>
   <p:sldIdLst>
     <p:sldId id="256" r:id="rId2"/>
@@ -42,15 +42,19 @@
     <p:sldId id="292" r:id="rId33"/>
     <p:sldId id="293" r:id="rId34"/>
     <p:sldId id="294" r:id="rId35"/>
-    <p:sldId id="270" r:id="rId36"/>
-    <p:sldId id="271" r:id="rId37"/>
-    <p:sldId id="276" r:id="rId38"/>
-    <p:sldId id="299" r:id="rId39"/>
-    <p:sldId id="300" r:id="rId40"/>
-    <p:sldId id="301" r:id="rId41"/>
-    <p:sldId id="295" r:id="rId42"/>
-    <p:sldId id="296" r:id="rId43"/>
-    <p:sldId id="297" r:id="rId44"/>
+    <p:sldId id="302" r:id="rId36"/>
+    <p:sldId id="303" r:id="rId37"/>
+    <p:sldId id="304" r:id="rId38"/>
+    <p:sldId id="305" r:id="rId39"/>
+    <p:sldId id="270" r:id="rId40"/>
+    <p:sldId id="271" r:id="rId41"/>
+    <p:sldId id="276" r:id="rId42"/>
+    <p:sldId id="299" r:id="rId43"/>
+    <p:sldId id="300" r:id="rId44"/>
+    <p:sldId id="301" r:id="rId45"/>
+    <p:sldId id="295" r:id="rId46"/>
+    <p:sldId id="296" r:id="rId47"/>
+    <p:sldId id="297" r:id="rId48"/>
   </p:sldIdLst>
   <p:sldSz cx="12192000" cy="6858000"/>
   <p:notesSz cx="6858000" cy="9144000"/>
@@ -151,7 +155,7 @@
   </p:defaultTextStyle>
   <p:extLst>
     <p:ext uri="{EFAFB233-063F-42B5-8137-9DF3F51BA10A}">
-      <p15:sldGuideLst xmlns:p15="http://schemas.microsoft.com/office/powerpoint/2012/main">
+      <p15:sldGuideLst xmlns:p15="http://schemas.microsoft.com/office/powerpoint/2012/main" xmlns="">
         <p15:guide id="1" orient="horz" pos="2160">
           <p15:clr>
             <a:srgbClr val="A4A3A4"/>
@@ -250,7 +254,7 @@
           <a:p>
             <a:fld id="{4DC00536-3C86-400C-9F50-1275C6A29586}" type="datetimeFigureOut">
               <a:rPr lang="it-IT" smtClean="0"/>
-              <a:t>20/02/2015</a:t>
+              <a:t>20/02/15</a:t>
             </a:fld>
             <a:endParaRPr lang="it-IT"/>
           </a:p>
@@ -409,7 +413,7 @@
           <a:p>
             <a:fld id="{5D3BD91E-6CA1-409C-9187-4AB7B2A7EE76}" type="slidenum">
               <a:rPr lang="it-IT" smtClean="0"/>
-              <a:t>‹N›</a:t>
+              <a:t>‹n.›</a:t>
             </a:fld>
             <a:endParaRPr lang="it-IT"/>
           </a:p>
@@ -733,7 +737,7 @@
           <a:p>
             <a:fld id="{0809BC95-6AD5-4D34-9000-81E21223B4F6}" type="datetimeFigureOut">
               <a:rPr lang="it-IT" smtClean="0"/>
-              <a:t>20/02/2015</a:t>
+              <a:t>20/02/15</a:t>
             </a:fld>
             <a:endParaRPr lang="it-IT"/>
           </a:p>
@@ -775,7 +779,7 @@
           <a:p>
             <a:fld id="{7506457C-8D0E-4021-BB99-E24A507D8F57}" type="slidenum">
               <a:rPr lang="it-IT" smtClean="0"/>
-              <a:t>‹N›</a:t>
+              <a:t>‹n.›</a:t>
             </a:fld>
             <a:endParaRPr lang="it-IT"/>
           </a:p>
@@ -791,7 +795,7 @@
   <p:clrMapOvr>
     <a:masterClrMapping/>
   </p:clrMapOvr>
-  <p:transition spd="slow">
+  <p:transition xmlns:p14="http://schemas.microsoft.com/office/powerpoint/2010/main" spd="slow">
     <p:push dir="u"/>
   </p:transition>
 </p:sldLayout>
@@ -906,7 +910,7 @@
           <a:p>
             <a:fld id="{0809BC95-6AD5-4D34-9000-81E21223B4F6}" type="datetimeFigureOut">
               <a:rPr lang="it-IT" smtClean="0"/>
-              <a:t>20/02/2015</a:t>
+              <a:t>20/02/15</a:t>
             </a:fld>
             <a:endParaRPr lang="it-IT"/>
           </a:p>
@@ -948,7 +952,7 @@
           <a:p>
             <a:fld id="{7506457C-8D0E-4021-BB99-E24A507D8F57}" type="slidenum">
               <a:rPr lang="it-IT" smtClean="0"/>
-              <a:t>‹N›</a:t>
+              <a:t>‹n.›</a:t>
             </a:fld>
             <a:endParaRPr lang="it-IT"/>
           </a:p>
@@ -964,7 +968,7 @@
   <p:clrMapOvr>
     <a:masterClrMapping/>
   </p:clrMapOvr>
-  <p:transition spd="slow">
+  <p:transition xmlns:p14="http://schemas.microsoft.com/office/powerpoint/2010/main" spd="slow">
     <p:push dir="u"/>
   </p:transition>
 </p:sldLayout>
@@ -1089,7 +1093,7 @@
           <a:p>
             <a:fld id="{0809BC95-6AD5-4D34-9000-81E21223B4F6}" type="datetimeFigureOut">
               <a:rPr lang="it-IT" smtClean="0"/>
-              <a:t>20/02/2015</a:t>
+              <a:t>20/02/15</a:t>
             </a:fld>
             <a:endParaRPr lang="it-IT"/>
           </a:p>
@@ -1131,7 +1135,7 @@
           <a:p>
             <a:fld id="{7506457C-8D0E-4021-BB99-E24A507D8F57}" type="slidenum">
               <a:rPr lang="it-IT" smtClean="0"/>
-              <a:t>‹N›</a:t>
+              <a:t>‹n.›</a:t>
             </a:fld>
             <a:endParaRPr lang="it-IT"/>
           </a:p>
@@ -1147,7 +1151,7 @@
   <p:clrMapOvr>
     <a:masterClrMapping/>
   </p:clrMapOvr>
-  <p:transition spd="slow">
+  <p:transition xmlns:p14="http://schemas.microsoft.com/office/powerpoint/2010/main" spd="slow">
     <p:push dir="u"/>
   </p:transition>
 </p:sldLayout>
@@ -1262,7 +1266,7 @@
           <a:p>
             <a:fld id="{0809BC95-6AD5-4D34-9000-81E21223B4F6}" type="datetimeFigureOut">
               <a:rPr lang="it-IT" smtClean="0"/>
-              <a:t>20/02/2015</a:t>
+              <a:t>20/02/15</a:t>
             </a:fld>
             <a:endParaRPr lang="it-IT"/>
           </a:p>
@@ -1304,7 +1308,7 @@
           <a:p>
             <a:fld id="{7506457C-8D0E-4021-BB99-E24A507D8F57}" type="slidenum">
               <a:rPr lang="it-IT" smtClean="0"/>
-              <a:t>‹N›</a:t>
+              <a:t>‹n.›</a:t>
             </a:fld>
             <a:endParaRPr lang="it-IT"/>
           </a:p>
@@ -1320,7 +1324,7 @@
   <p:clrMapOvr>
     <a:masterClrMapping/>
   </p:clrMapOvr>
-  <p:transition spd="slow">
+  <p:transition xmlns:p14="http://schemas.microsoft.com/office/powerpoint/2010/main" spd="slow">
     <p:push dir="u"/>
   </p:transition>
 </p:sldLayout>
@@ -1511,7 +1515,7 @@
           <a:p>
             <a:fld id="{0809BC95-6AD5-4D34-9000-81E21223B4F6}" type="datetimeFigureOut">
               <a:rPr lang="it-IT" smtClean="0"/>
-              <a:t>20/02/2015</a:t>
+              <a:t>20/02/15</a:t>
             </a:fld>
             <a:endParaRPr lang="it-IT"/>
           </a:p>
@@ -1553,7 +1557,7 @@
           <a:p>
             <a:fld id="{7506457C-8D0E-4021-BB99-E24A507D8F57}" type="slidenum">
               <a:rPr lang="it-IT" smtClean="0"/>
-              <a:t>‹N›</a:t>
+              <a:t>‹n.›</a:t>
             </a:fld>
             <a:endParaRPr lang="it-IT"/>
           </a:p>
@@ -1569,7 +1573,7 @@
   <p:clrMapOvr>
     <a:masterClrMapping/>
   </p:clrMapOvr>
-  <p:transition spd="slow">
+  <p:transition xmlns:p14="http://schemas.microsoft.com/office/powerpoint/2010/main" spd="slow">
     <p:push dir="u"/>
   </p:transition>
 </p:sldLayout>
@@ -1746,7 +1750,7 @@
           <a:p>
             <a:fld id="{0809BC95-6AD5-4D34-9000-81E21223B4F6}" type="datetimeFigureOut">
               <a:rPr lang="it-IT" smtClean="0"/>
-              <a:t>20/02/2015</a:t>
+              <a:t>20/02/15</a:t>
             </a:fld>
             <a:endParaRPr lang="it-IT"/>
           </a:p>
@@ -1788,7 +1792,7 @@
           <a:p>
             <a:fld id="{7506457C-8D0E-4021-BB99-E24A507D8F57}" type="slidenum">
               <a:rPr lang="it-IT" smtClean="0"/>
-              <a:t>‹N›</a:t>
+              <a:t>‹n.›</a:t>
             </a:fld>
             <a:endParaRPr lang="it-IT"/>
           </a:p>
@@ -1804,7 +1808,7 @@
   <p:clrMapOvr>
     <a:masterClrMapping/>
   </p:clrMapOvr>
-  <p:transition spd="slow">
+  <p:transition xmlns:p14="http://schemas.microsoft.com/office/powerpoint/2010/main" spd="slow">
     <p:push dir="u"/>
   </p:transition>
 </p:sldLayout>
@@ -2116,7 +2120,7 @@
           <a:p>
             <a:fld id="{0809BC95-6AD5-4D34-9000-81E21223B4F6}" type="datetimeFigureOut">
               <a:rPr lang="it-IT" smtClean="0"/>
-              <a:t>20/02/2015</a:t>
+              <a:t>20/02/15</a:t>
             </a:fld>
             <a:endParaRPr lang="it-IT"/>
           </a:p>
@@ -2158,7 +2162,7 @@
           <a:p>
             <a:fld id="{7506457C-8D0E-4021-BB99-E24A507D8F57}" type="slidenum">
               <a:rPr lang="it-IT" smtClean="0"/>
-              <a:t>‹N›</a:t>
+              <a:t>‹n.›</a:t>
             </a:fld>
             <a:endParaRPr lang="it-IT"/>
           </a:p>
@@ -2174,7 +2178,7 @@
   <p:clrMapOvr>
     <a:masterClrMapping/>
   </p:clrMapOvr>
-  <p:transition spd="slow">
+  <p:transition xmlns:p14="http://schemas.microsoft.com/office/powerpoint/2010/main" spd="slow">
     <p:push dir="u"/>
   </p:transition>
 </p:sldLayout>
@@ -2237,7 +2241,7 @@
           <a:p>
             <a:fld id="{0809BC95-6AD5-4D34-9000-81E21223B4F6}" type="datetimeFigureOut">
               <a:rPr lang="it-IT" smtClean="0"/>
-              <a:t>20/02/2015</a:t>
+              <a:t>20/02/15</a:t>
             </a:fld>
             <a:endParaRPr lang="it-IT"/>
           </a:p>
@@ -2279,7 +2283,7 @@
           <a:p>
             <a:fld id="{7506457C-8D0E-4021-BB99-E24A507D8F57}" type="slidenum">
               <a:rPr lang="it-IT" smtClean="0"/>
-              <a:t>‹N›</a:t>
+              <a:t>‹n.›</a:t>
             </a:fld>
             <a:endParaRPr lang="it-IT"/>
           </a:p>
@@ -2295,7 +2299,7 @@
   <p:clrMapOvr>
     <a:masterClrMapping/>
   </p:clrMapOvr>
-  <p:transition spd="slow">
+  <p:transition xmlns:p14="http://schemas.microsoft.com/office/powerpoint/2010/main" spd="slow">
     <p:push dir="u"/>
   </p:transition>
 </p:sldLayout>
@@ -2335,7 +2339,7 @@
           <a:p>
             <a:fld id="{0809BC95-6AD5-4D34-9000-81E21223B4F6}" type="datetimeFigureOut">
               <a:rPr lang="it-IT" smtClean="0"/>
-              <a:t>20/02/2015</a:t>
+              <a:t>20/02/15</a:t>
             </a:fld>
             <a:endParaRPr lang="it-IT"/>
           </a:p>
@@ -2377,7 +2381,7 @@
           <a:p>
             <a:fld id="{7506457C-8D0E-4021-BB99-E24A507D8F57}" type="slidenum">
               <a:rPr lang="it-IT" smtClean="0"/>
-              <a:t>‹N›</a:t>
+              <a:t>‹n.›</a:t>
             </a:fld>
             <a:endParaRPr lang="it-IT"/>
           </a:p>
@@ -2393,7 +2397,7 @@
   <p:clrMapOvr>
     <a:masterClrMapping/>
   </p:clrMapOvr>
-  <p:transition spd="slow">
+  <p:transition xmlns:p14="http://schemas.microsoft.com/office/powerpoint/2010/main" spd="slow">
     <p:push dir="u"/>
   </p:transition>
 </p:sldLayout>
@@ -2615,7 +2619,7 @@
           <a:p>
             <a:fld id="{0809BC95-6AD5-4D34-9000-81E21223B4F6}" type="datetimeFigureOut">
               <a:rPr lang="it-IT" smtClean="0"/>
-              <a:t>20/02/2015</a:t>
+              <a:t>20/02/15</a:t>
             </a:fld>
             <a:endParaRPr lang="it-IT"/>
           </a:p>
@@ -2657,7 +2661,7 @@
           <a:p>
             <a:fld id="{7506457C-8D0E-4021-BB99-E24A507D8F57}" type="slidenum">
               <a:rPr lang="it-IT" smtClean="0"/>
-              <a:t>‹N›</a:t>
+              <a:t>‹n.›</a:t>
             </a:fld>
             <a:endParaRPr lang="it-IT"/>
           </a:p>
@@ -2673,7 +2677,7 @@
   <p:clrMapOvr>
     <a:masterClrMapping/>
   </p:clrMapOvr>
-  <p:transition spd="slow">
+  <p:transition xmlns:p14="http://schemas.microsoft.com/office/powerpoint/2010/main" spd="slow">
     <p:push dir="u"/>
   </p:transition>
 </p:sldLayout>
@@ -2871,7 +2875,7 @@
           <a:p>
             <a:fld id="{0809BC95-6AD5-4D34-9000-81E21223B4F6}" type="datetimeFigureOut">
               <a:rPr lang="it-IT" smtClean="0"/>
-              <a:t>20/02/2015</a:t>
+              <a:t>20/02/15</a:t>
             </a:fld>
             <a:endParaRPr lang="it-IT"/>
           </a:p>
@@ -2913,7 +2917,7 @@
           <a:p>
             <a:fld id="{7506457C-8D0E-4021-BB99-E24A507D8F57}" type="slidenum">
               <a:rPr lang="it-IT" smtClean="0"/>
-              <a:t>‹N›</a:t>
+              <a:t>‹n.›</a:t>
             </a:fld>
             <a:endParaRPr lang="it-IT"/>
           </a:p>
@@ -2929,7 +2933,7 @@
   <p:clrMapOvr>
     <a:masterClrMapping/>
   </p:clrMapOvr>
-  <p:transition spd="slow">
+  <p:transition xmlns:p14="http://schemas.microsoft.com/office/powerpoint/2010/main" spd="slow">
     <p:push dir="u"/>
   </p:transition>
 </p:sldLayout>
@@ -3087,7 +3091,7 @@
           <a:p>
             <a:fld id="{0809BC95-6AD5-4D34-9000-81E21223B4F6}" type="datetimeFigureOut">
               <a:rPr lang="it-IT" smtClean="0"/>
-              <a:t>20/02/2015</a:t>
+              <a:t>20/02/15</a:t>
             </a:fld>
             <a:endParaRPr lang="it-IT"/>
           </a:p>
@@ -3165,7 +3169,7 @@
           <a:p>
             <a:fld id="{7506457C-8D0E-4021-BB99-E24A507D8F57}" type="slidenum">
               <a:rPr lang="it-IT" smtClean="0"/>
-              <a:t>‹N›</a:t>
+              <a:t>‹n.›</a:t>
             </a:fld>
             <a:endParaRPr lang="it-IT"/>
           </a:p>
@@ -3192,7 +3196,7 @@
     <p:sldLayoutId id="2147483658" r:id="rId10"/>
     <p:sldLayoutId id="2147483659" r:id="rId11"/>
   </p:sldLayoutIdLst>
-  <p:transition spd="slow">
+  <p:transition xmlns:p14="http://schemas.microsoft.com/office/powerpoint/2010/main" spd="slow">
     <p:push dir="u"/>
   </p:transition>
   <p:txStyles>
@@ -3792,13 +3796,13 @@
   <p:clrMapOvr>
     <a:masterClrMapping/>
   </p:clrMapOvr>
-  <p:transition spd="slow">
+  <p:transition xmlns:p14="http://schemas.microsoft.com/office/powerpoint/2010/main" spd="slow">
     <p:push dir="u"/>
   </p:transition>
   <p:timing>
     <p:tnLst>
       <p:par>
-        <p:cTn id="1" dur="indefinite" restart="never" nodeType="tmRoot"/>
+        <p:cTn xmlns:p14="http://schemas.microsoft.com/office/powerpoint/2010/main" id="1" dur="indefinite" restart="never" nodeType="tmRoot"/>
       </p:par>
     </p:tnLst>
   </p:timing>
@@ -4481,13 +4485,13 @@
   <p:clrMapOvr>
     <a:masterClrMapping/>
   </p:clrMapOvr>
-  <p:transition spd="slow">
+  <p:transition xmlns:p14="http://schemas.microsoft.com/office/powerpoint/2010/main" spd="slow">
     <p:push dir="u"/>
   </p:transition>
   <p:timing>
     <p:tnLst>
       <p:par>
-        <p:cTn id="1" dur="indefinite" restart="never" nodeType="tmRoot"/>
+        <p:cTn xmlns:p14="http://schemas.microsoft.com/office/powerpoint/2010/main" id="1" dur="indefinite" restart="never" nodeType="tmRoot"/>
       </p:par>
     </p:tnLst>
   </p:timing>
@@ -4954,13 +4958,13 @@
   <p:clrMapOvr>
     <a:masterClrMapping/>
   </p:clrMapOvr>
-  <p:transition spd="slow">
+  <p:transition xmlns:p14="http://schemas.microsoft.com/office/powerpoint/2010/main" spd="slow">
     <p:push dir="u"/>
   </p:transition>
   <p:timing>
     <p:tnLst>
       <p:par>
-        <p:cTn id="1" dur="indefinite" restart="never" nodeType="tmRoot"/>
+        <p:cTn xmlns:p14="http://schemas.microsoft.com/office/powerpoint/2010/main" id="1" dur="indefinite" restart="never" nodeType="tmRoot"/>
       </p:par>
     </p:tnLst>
   </p:timing>
@@ -5412,13 +5416,13 @@
   <p:clrMapOvr>
     <a:masterClrMapping/>
   </p:clrMapOvr>
-  <p:transition spd="slow">
+  <p:transition xmlns:p14="http://schemas.microsoft.com/office/powerpoint/2010/main" spd="slow">
     <p:push dir="u"/>
   </p:transition>
   <p:timing>
     <p:tnLst>
       <p:par>
-        <p:cTn id="1" dur="indefinite" restart="never" nodeType="tmRoot"/>
+        <p:cTn xmlns:p14="http://schemas.microsoft.com/office/powerpoint/2010/main" id="1" dur="indefinite" restart="never" nodeType="tmRoot"/>
       </p:par>
     </p:tnLst>
   </p:timing>
@@ -6260,13 +6264,13 @@
   <p:clrMapOvr>
     <a:masterClrMapping/>
   </p:clrMapOvr>
-  <p:transition spd="slow">
+  <p:transition xmlns:p14="http://schemas.microsoft.com/office/powerpoint/2010/main" spd="slow">
     <p:push dir="u"/>
   </p:transition>
   <p:timing>
     <p:tnLst>
       <p:par>
-        <p:cTn id="1" dur="indefinite" restart="never" nodeType="tmRoot"/>
+        <p:cTn xmlns:p14="http://schemas.microsoft.com/office/powerpoint/2010/main" id="1" dur="indefinite" restart="never" nodeType="tmRoot"/>
       </p:par>
     </p:tnLst>
   </p:timing>
@@ -6871,13 +6875,13 @@
   <p:clrMapOvr>
     <a:masterClrMapping/>
   </p:clrMapOvr>
-  <p:transition spd="slow">
+  <p:transition xmlns:p14="http://schemas.microsoft.com/office/powerpoint/2010/main" spd="slow">
     <p:push dir="u"/>
   </p:transition>
   <p:timing>
     <p:tnLst>
       <p:par>
-        <p:cTn id="1" dur="indefinite" restart="never" nodeType="tmRoot"/>
+        <p:cTn xmlns:p14="http://schemas.microsoft.com/office/powerpoint/2010/main" id="1" dur="indefinite" restart="never" nodeType="tmRoot"/>
       </p:par>
     </p:tnLst>
   </p:timing>
@@ -7286,13 +7290,13 @@
   <p:clrMapOvr>
     <a:masterClrMapping/>
   </p:clrMapOvr>
-  <p:transition spd="slow">
+  <p:transition xmlns:p14="http://schemas.microsoft.com/office/powerpoint/2010/main" spd="slow">
     <p:push dir="u"/>
   </p:transition>
   <p:timing>
     <p:tnLst>
       <p:par>
-        <p:cTn id="1" dur="indefinite" restart="never" nodeType="tmRoot"/>
+        <p:cTn xmlns:p14="http://schemas.microsoft.com/office/powerpoint/2010/main" id="1" dur="indefinite" restart="never" nodeType="tmRoot"/>
       </p:par>
     </p:tnLst>
   </p:timing>
@@ -7539,13 +7543,13 @@
   <p:clrMapOvr>
     <a:masterClrMapping/>
   </p:clrMapOvr>
-  <p:transition spd="slow">
+  <p:transition xmlns:p14="http://schemas.microsoft.com/office/powerpoint/2010/main" spd="slow">
     <p:push dir="u"/>
   </p:transition>
   <p:timing>
     <p:tnLst>
       <p:par>
-        <p:cTn id="1" dur="indefinite" restart="never" nodeType="tmRoot"/>
+        <p:cTn xmlns:p14="http://schemas.microsoft.com/office/powerpoint/2010/main" id="1" dur="indefinite" restart="never" nodeType="tmRoot"/>
       </p:par>
     </p:tnLst>
   </p:timing>
@@ -7767,13 +7771,13 @@
   <p:clrMapOvr>
     <a:masterClrMapping/>
   </p:clrMapOvr>
-  <p:transition spd="slow">
+  <p:transition xmlns:p14="http://schemas.microsoft.com/office/powerpoint/2010/main" spd="slow">
     <p:push dir="u"/>
   </p:transition>
   <p:timing>
     <p:tnLst>
       <p:par>
-        <p:cTn id="1" dur="indefinite" restart="never" nodeType="tmRoot"/>
+        <p:cTn xmlns:p14="http://schemas.microsoft.com/office/powerpoint/2010/main" id="1" dur="indefinite" restart="never" nodeType="tmRoot"/>
       </p:par>
     </p:tnLst>
   </p:timing>
@@ -7995,13 +7999,13 @@
   <p:clrMapOvr>
     <a:masterClrMapping/>
   </p:clrMapOvr>
-  <p:transition spd="slow">
+  <p:transition xmlns:p14="http://schemas.microsoft.com/office/powerpoint/2010/main" spd="slow">
     <p:push dir="u"/>
   </p:transition>
   <p:timing>
     <p:tnLst>
       <p:par>
-        <p:cTn id="1" dur="indefinite" restart="never" nodeType="tmRoot"/>
+        <p:cTn xmlns:p14="http://schemas.microsoft.com/office/powerpoint/2010/main" id="1" dur="indefinite" restart="never" nodeType="tmRoot"/>
       </p:par>
     </p:tnLst>
   </p:timing>
@@ -8223,13 +8227,13 @@
   <p:clrMapOvr>
     <a:masterClrMapping/>
   </p:clrMapOvr>
-  <p:transition spd="slow">
+  <p:transition xmlns:p14="http://schemas.microsoft.com/office/powerpoint/2010/main" spd="slow">
     <p:push dir="u"/>
   </p:transition>
   <p:timing>
     <p:tnLst>
       <p:par>
-        <p:cTn id="1" dur="indefinite" restart="never" nodeType="tmRoot"/>
+        <p:cTn xmlns:p14="http://schemas.microsoft.com/office/powerpoint/2010/main" id="1" dur="indefinite" restart="never" nodeType="tmRoot"/>
       </p:par>
     </p:tnLst>
   </p:timing>
@@ -8511,13 +8515,13 @@
   <p:clrMapOvr>
     <a:masterClrMapping/>
   </p:clrMapOvr>
-  <p:transition spd="slow">
+  <p:transition xmlns:p14="http://schemas.microsoft.com/office/powerpoint/2010/main" spd="slow">
     <p:push dir="u"/>
   </p:transition>
   <p:timing>
     <p:tnLst>
       <p:par>
-        <p:cTn id="1" dur="indefinite" restart="never" nodeType="tmRoot"/>
+        <p:cTn xmlns:p14="http://schemas.microsoft.com/office/powerpoint/2010/main" id="1" dur="indefinite" restart="never" nodeType="tmRoot"/>
       </p:par>
     </p:tnLst>
   </p:timing>
@@ -8739,13 +8743,13 @@
   <p:clrMapOvr>
     <a:masterClrMapping/>
   </p:clrMapOvr>
-  <p:transition spd="slow">
+  <p:transition xmlns:p14="http://schemas.microsoft.com/office/powerpoint/2010/main" spd="slow">
     <p:push dir="u"/>
   </p:transition>
   <p:timing>
     <p:tnLst>
       <p:par>
-        <p:cTn id="1" dur="indefinite" restart="never" nodeType="tmRoot"/>
+        <p:cTn xmlns:p14="http://schemas.microsoft.com/office/powerpoint/2010/main" id="1" dur="indefinite" restart="never" nodeType="tmRoot"/>
       </p:par>
     </p:tnLst>
   </p:timing>
@@ -8967,13 +8971,13 @@
   <p:clrMapOvr>
     <a:masterClrMapping/>
   </p:clrMapOvr>
-  <p:transition spd="slow">
+  <p:transition xmlns:p14="http://schemas.microsoft.com/office/powerpoint/2010/main" spd="slow">
     <p:push dir="u"/>
   </p:transition>
   <p:timing>
     <p:tnLst>
       <p:par>
-        <p:cTn id="1" dur="indefinite" restart="never" nodeType="tmRoot"/>
+        <p:cTn xmlns:p14="http://schemas.microsoft.com/office/powerpoint/2010/main" id="1" dur="indefinite" restart="never" nodeType="tmRoot"/>
       </p:par>
     </p:tnLst>
   </p:timing>
@@ -9195,13 +9199,13 @@
   <p:clrMapOvr>
     <a:masterClrMapping/>
   </p:clrMapOvr>
-  <p:transition spd="slow">
+  <p:transition xmlns:p14="http://schemas.microsoft.com/office/powerpoint/2010/main" spd="slow">
     <p:push dir="u"/>
   </p:transition>
   <p:timing>
     <p:tnLst>
       <p:par>
-        <p:cTn id="1" dur="indefinite" restart="never" nodeType="tmRoot"/>
+        <p:cTn xmlns:p14="http://schemas.microsoft.com/office/powerpoint/2010/main" id="1" dur="indefinite" restart="never" nodeType="tmRoot"/>
       </p:par>
     </p:tnLst>
   </p:timing>
@@ -9423,13 +9427,13 @@
   <p:clrMapOvr>
     <a:masterClrMapping/>
   </p:clrMapOvr>
-  <p:transition spd="slow">
+  <p:transition xmlns:p14="http://schemas.microsoft.com/office/powerpoint/2010/main" spd="slow">
     <p:push dir="u"/>
   </p:transition>
   <p:timing>
     <p:tnLst>
       <p:par>
-        <p:cTn id="1" dur="indefinite" restart="never" nodeType="tmRoot"/>
+        <p:cTn xmlns:p14="http://schemas.microsoft.com/office/powerpoint/2010/main" id="1" dur="indefinite" restart="never" nodeType="tmRoot"/>
       </p:par>
     </p:tnLst>
   </p:timing>
@@ -9651,13 +9655,13 @@
   <p:clrMapOvr>
     <a:masterClrMapping/>
   </p:clrMapOvr>
-  <p:transition spd="slow">
+  <p:transition xmlns:p14="http://schemas.microsoft.com/office/powerpoint/2010/main" spd="slow">
     <p:push dir="u"/>
   </p:transition>
   <p:timing>
     <p:tnLst>
       <p:par>
-        <p:cTn id="1" dur="indefinite" restart="never" nodeType="tmRoot"/>
+        <p:cTn xmlns:p14="http://schemas.microsoft.com/office/powerpoint/2010/main" id="1" dur="indefinite" restart="never" nodeType="tmRoot"/>
       </p:par>
     </p:tnLst>
   </p:timing>
@@ -9879,13 +9883,13 @@
   <p:clrMapOvr>
     <a:masterClrMapping/>
   </p:clrMapOvr>
-  <p:transition spd="slow">
+  <p:transition xmlns:p14="http://schemas.microsoft.com/office/powerpoint/2010/main" spd="slow">
     <p:push dir="u"/>
   </p:transition>
   <p:timing>
     <p:tnLst>
       <p:par>
-        <p:cTn id="1" dur="indefinite" restart="never" nodeType="tmRoot"/>
+        <p:cTn xmlns:p14="http://schemas.microsoft.com/office/powerpoint/2010/main" id="1" dur="indefinite" restart="never" nodeType="tmRoot"/>
       </p:par>
     </p:tnLst>
   </p:timing>
@@ -10107,13 +10111,13 @@
   <p:clrMapOvr>
     <a:masterClrMapping/>
   </p:clrMapOvr>
-  <p:transition spd="slow">
+  <p:transition xmlns:p14="http://schemas.microsoft.com/office/powerpoint/2010/main" spd="slow">
     <p:push dir="u"/>
   </p:transition>
   <p:timing>
     <p:tnLst>
       <p:par>
-        <p:cTn id="1" dur="indefinite" restart="never" nodeType="tmRoot"/>
+        <p:cTn xmlns:p14="http://schemas.microsoft.com/office/powerpoint/2010/main" id="1" dur="indefinite" restart="never" nodeType="tmRoot"/>
       </p:par>
     </p:tnLst>
   </p:timing>
@@ -10374,13 +10378,13 @@
   <p:clrMapOvr>
     <a:masterClrMapping/>
   </p:clrMapOvr>
-  <p:transition spd="slow">
+  <p:transition xmlns:p14="http://schemas.microsoft.com/office/powerpoint/2010/main" spd="slow">
     <p:push dir="u"/>
   </p:transition>
   <p:timing>
     <p:tnLst>
       <p:par>
-        <p:cTn id="1" dur="indefinite" restart="never" nodeType="tmRoot"/>
+        <p:cTn xmlns:p14="http://schemas.microsoft.com/office/powerpoint/2010/main" id="1" dur="indefinite" restart="never" nodeType="tmRoot"/>
       </p:par>
     </p:tnLst>
   </p:timing>
@@ -10641,13 +10645,13 @@
   <p:clrMapOvr>
     <a:masterClrMapping/>
   </p:clrMapOvr>
-  <p:transition spd="slow">
+  <p:transition xmlns:p14="http://schemas.microsoft.com/office/powerpoint/2010/main" spd="slow">
     <p:push dir="u"/>
   </p:transition>
   <p:timing>
     <p:tnLst>
       <p:par>
-        <p:cTn id="1" dur="indefinite" restart="never" nodeType="tmRoot"/>
+        <p:cTn xmlns:p14="http://schemas.microsoft.com/office/powerpoint/2010/main" id="1" dur="indefinite" restart="never" nodeType="tmRoot"/>
       </p:par>
     </p:tnLst>
   </p:timing>
@@ -10908,13 +10912,13 @@
   <p:clrMapOvr>
     <a:masterClrMapping/>
   </p:clrMapOvr>
-  <p:transition spd="slow">
+  <p:transition xmlns:p14="http://schemas.microsoft.com/office/powerpoint/2010/main" spd="slow">
     <p:push dir="u"/>
   </p:transition>
   <p:timing>
     <p:tnLst>
       <p:par>
-        <p:cTn id="1" dur="indefinite" restart="never" nodeType="tmRoot"/>
+        <p:cTn xmlns:p14="http://schemas.microsoft.com/office/powerpoint/2010/main" id="1" dur="indefinite" restart="never" nodeType="tmRoot"/>
       </p:par>
     </p:tnLst>
   </p:timing>
@@ -11292,13 +11296,13 @@
   <p:clrMapOvr>
     <a:masterClrMapping/>
   </p:clrMapOvr>
-  <p:transition spd="slow">
+  <p:transition xmlns:p14="http://schemas.microsoft.com/office/powerpoint/2010/main" spd="slow">
     <p:push dir="u"/>
   </p:transition>
   <p:timing>
     <p:tnLst>
       <p:par>
-        <p:cTn id="1" dur="indefinite" restart="never" nodeType="tmRoot"/>
+        <p:cTn xmlns:p14="http://schemas.microsoft.com/office/powerpoint/2010/main" id="1" dur="indefinite" restart="never" nodeType="tmRoot"/>
       </p:par>
     </p:tnLst>
   </p:timing>
@@ -11559,13 +11563,13 @@
   <p:clrMapOvr>
     <a:masterClrMapping/>
   </p:clrMapOvr>
-  <p:transition spd="slow">
+  <p:transition xmlns:p14="http://schemas.microsoft.com/office/powerpoint/2010/main" spd="slow">
     <p:push dir="u"/>
   </p:transition>
   <p:timing>
     <p:tnLst>
       <p:par>
-        <p:cTn id="1" dur="indefinite" restart="never" nodeType="tmRoot"/>
+        <p:cTn xmlns:p14="http://schemas.microsoft.com/office/powerpoint/2010/main" id="1" dur="indefinite" restart="never" nodeType="tmRoot"/>
       </p:par>
     </p:tnLst>
   </p:timing>
@@ -11826,13 +11830,13 @@
   <p:clrMapOvr>
     <a:masterClrMapping/>
   </p:clrMapOvr>
-  <p:transition spd="slow">
+  <p:transition xmlns:p14="http://schemas.microsoft.com/office/powerpoint/2010/main" spd="slow">
     <p:push dir="u"/>
   </p:transition>
   <p:timing>
     <p:tnLst>
       <p:par>
-        <p:cTn id="1" dur="indefinite" restart="never" nodeType="tmRoot"/>
+        <p:cTn xmlns:p14="http://schemas.microsoft.com/office/powerpoint/2010/main" id="1" dur="indefinite" restart="never" nodeType="tmRoot"/>
       </p:par>
     </p:tnLst>
   </p:timing>
@@ -12093,13 +12097,13 @@
   <p:clrMapOvr>
     <a:masterClrMapping/>
   </p:clrMapOvr>
-  <p:transition spd="slow">
+  <p:transition xmlns:p14="http://schemas.microsoft.com/office/powerpoint/2010/main" spd="slow">
     <p:push dir="u"/>
   </p:transition>
   <p:timing>
     <p:tnLst>
       <p:par>
-        <p:cTn id="1" dur="indefinite" restart="never" nodeType="tmRoot"/>
+        <p:cTn xmlns:p14="http://schemas.microsoft.com/office/powerpoint/2010/main" id="1" dur="indefinite" restart="never" nodeType="tmRoot"/>
       </p:par>
     </p:tnLst>
   </p:timing>
@@ -12257,6 +12261,19 @@
               </a:rPr>
               <a:t>architecture</a:t>
             </a:r>
+            <a:r>
+              <a:rPr lang="it-IT" sz="4400" b="1" spc="-100" dirty="0" smtClean="0">
+                <a:ln w="3175">
+                  <a:noFill/>
+                </a:ln>
+                <a:solidFill>
+                  <a:srgbClr val="0072C6"/>
+                </a:solidFill>
+                <a:latin typeface="+mj-lt"/>
+                <a:cs typeface="Arial" charset="0"/>
+              </a:rPr>
+              <a:t> - 1</a:t>
+            </a:r>
             <a:endParaRPr lang="it-IT" sz="4400" b="1" spc="-100" dirty="0">
               <a:ln w="3175">
                 <a:noFill/>
@@ -12334,13 +12351,13 @@
   <p:clrMapOvr>
     <a:masterClrMapping/>
   </p:clrMapOvr>
-  <p:transition spd="slow">
+  <p:transition xmlns:p14="http://schemas.microsoft.com/office/powerpoint/2010/main" spd="slow">
     <p:push dir="u"/>
   </p:transition>
   <p:timing>
     <p:tnLst>
       <p:par>
-        <p:cTn id="1" dur="indefinite" restart="never" nodeType="tmRoot"/>
+        <p:cTn xmlns:p14="http://schemas.microsoft.com/office/powerpoint/2010/main" id="1" dur="indefinite" restart="never" nodeType="tmRoot"/>
       </p:par>
     </p:tnLst>
   </p:timing>
@@ -12497,6 +12514,19 @@
                 <a:cs typeface="Arial" charset="0"/>
               </a:rPr>
               <a:t>architecture</a:t>
+            </a:r>
+            <a:r>
+              <a:rPr lang="it-IT" sz="4400" b="1" spc="-100" dirty="0" smtClean="0">
+                <a:ln w="3175">
+                  <a:noFill/>
+                </a:ln>
+                <a:solidFill>
+                  <a:srgbClr val="0072C6"/>
+                </a:solidFill>
+                <a:latin typeface="+mj-lt"/>
+                <a:cs typeface="Arial" charset="0"/>
+              </a:rPr>
+              <a:t> -1</a:t>
             </a:r>
             <a:endParaRPr lang="it-IT" sz="4400" b="1" spc="-100" dirty="0">
               <a:ln w="3175">
@@ -13578,13 +13608,13 @@
   <p:clrMapOvr>
     <a:masterClrMapping/>
   </p:clrMapOvr>
-  <p:transition spd="slow">
+  <p:transition xmlns:p14="http://schemas.microsoft.com/office/powerpoint/2010/main" spd="slow">
     <p:push dir="u"/>
   </p:transition>
   <p:timing>
     <p:tnLst>
       <p:par>
-        <p:cTn id="1" dur="indefinite" restart="never" nodeType="tmRoot"/>
+        <p:cTn xmlns:p14="http://schemas.microsoft.com/office/powerpoint/2010/main" id="1" dur="indefinite" restart="never" nodeType="tmRoot"/>
       </p:par>
     </p:tnLst>
   </p:timing>
@@ -13592,6 +13622,3028 @@
 </file>
 
 <file path=ppt/slides/slide35.xml><?xml version="1.0" encoding="utf-8"?>
+<p:sld xmlns:a="http://schemas.openxmlformats.org/drawingml/2006/main" xmlns:r="http://schemas.openxmlformats.org/officeDocument/2006/relationships" xmlns:p="http://schemas.openxmlformats.org/presentationml/2006/main">
+  <p:cSld>
+    <p:spTree>
+      <p:nvGrpSpPr>
+        <p:cNvPr id="1" name=""/>
+        <p:cNvGrpSpPr/>
+        <p:nvPr/>
+      </p:nvGrpSpPr>
+      <p:grpSpPr>
+        <a:xfrm>
+          <a:off x="0" y="0"/>
+          <a:ext cx="0" cy="0"/>
+          <a:chOff x="0" y="0"/>
+          <a:chExt cx="0" cy="0"/>
+        </a:xfrm>
+      </p:grpSpPr>
+      <p:sp>
+        <p:nvSpPr>
+          <p:cNvPr id="5" name="Rettangolo 4"/>
+          <p:cNvSpPr/>
+          <p:nvPr/>
+        </p:nvSpPr>
+        <p:spPr>
+          <a:xfrm>
+            <a:off x="0" y="-28574"/>
+            <a:ext cx="12192000" cy="342900"/>
+          </a:xfrm>
+          <a:prstGeom prst="rect">
+            <a:avLst/>
+          </a:prstGeom>
+          <a:solidFill>
+            <a:srgbClr val="0072C6"/>
+          </a:solidFill>
+        </p:spPr>
+        <p:style>
+          <a:lnRef idx="2">
+            <a:schemeClr val="accent1">
+              <a:shade val="50000"/>
+            </a:schemeClr>
+          </a:lnRef>
+          <a:fillRef idx="1">
+            <a:schemeClr val="accent1"/>
+          </a:fillRef>
+          <a:effectRef idx="0">
+            <a:schemeClr val="accent1"/>
+          </a:effectRef>
+          <a:fontRef idx="minor">
+            <a:schemeClr val="lt1"/>
+          </a:fontRef>
+        </p:style>
+        <p:txBody>
+          <a:bodyPr rtlCol="0" anchor="ctr"/>
+          <a:lstStyle/>
+          <a:p>
+            <a:pPr algn="ctr"/>
+            <a:endParaRPr lang="it-IT"/>
+          </a:p>
+        </p:txBody>
+      </p:sp>
+      <p:sp>
+        <p:nvSpPr>
+          <p:cNvPr id="4" name="Rettangolo 3"/>
+          <p:cNvSpPr/>
+          <p:nvPr/>
+        </p:nvSpPr>
+        <p:spPr>
+          <a:xfrm>
+            <a:off x="0" y="6515100"/>
+            <a:ext cx="12192000" cy="342900"/>
+          </a:xfrm>
+          <a:prstGeom prst="rect">
+            <a:avLst/>
+          </a:prstGeom>
+          <a:solidFill>
+            <a:srgbClr val="0072C6"/>
+          </a:solidFill>
+        </p:spPr>
+        <p:style>
+          <a:lnRef idx="2">
+            <a:schemeClr val="accent1">
+              <a:shade val="50000"/>
+            </a:schemeClr>
+          </a:lnRef>
+          <a:fillRef idx="1">
+            <a:schemeClr val="accent1"/>
+          </a:fillRef>
+          <a:effectRef idx="0">
+            <a:schemeClr val="accent1"/>
+          </a:effectRef>
+          <a:fontRef idx="minor">
+            <a:schemeClr val="lt1"/>
+          </a:fontRef>
+        </p:style>
+        <p:txBody>
+          <a:bodyPr rtlCol="0" anchor="ctr"/>
+          <a:lstStyle/>
+          <a:p>
+            <a:pPr algn="ctr"/>
+            <a:endParaRPr lang="it-IT"/>
+          </a:p>
+        </p:txBody>
+      </p:sp>
+      <p:sp>
+        <p:nvSpPr>
+          <p:cNvPr id="9" name="CasellaDiTesto 8"/>
+          <p:cNvSpPr txBox="1"/>
+          <p:nvPr/>
+        </p:nvSpPr>
+        <p:spPr>
+          <a:xfrm>
+            <a:off x="415529" y="314326"/>
+            <a:ext cx="11613357" cy="1692771"/>
+          </a:xfrm>
+          <a:prstGeom prst="rect">
+            <a:avLst/>
+          </a:prstGeom>
+          <a:noFill/>
+        </p:spPr>
+        <p:txBody>
+          <a:bodyPr wrap="square" rtlCol="0">
+            <a:spAutoFit/>
+          </a:bodyPr>
+          <a:lstStyle/>
+          <a:p>
+            <a:r>
+              <a:rPr lang="it-IT" sz="4400" b="1" spc="-100" dirty="0" smtClean="0">
+                <a:ln w="3175">
+                  <a:noFill/>
+                </a:ln>
+                <a:solidFill>
+                  <a:srgbClr val="0072C6"/>
+                </a:solidFill>
+                <a:latin typeface="+mj-lt"/>
+                <a:cs typeface="Arial" charset="0"/>
+              </a:rPr>
+              <a:t>Deployment </a:t>
+            </a:r>
+            <a:r>
+              <a:rPr lang="it-IT" sz="4400" b="1" spc="-100" dirty="0" err="1" smtClean="0">
+                <a:ln w="3175">
+                  <a:noFill/>
+                </a:ln>
+                <a:solidFill>
+                  <a:srgbClr val="0072C6"/>
+                </a:solidFill>
+                <a:latin typeface="+mj-lt"/>
+                <a:cs typeface="Arial" charset="0"/>
+              </a:rPr>
+              <a:t>architecture</a:t>
+            </a:r>
+            <a:r>
+              <a:rPr lang="it-IT" sz="4400" b="1" spc="-100" dirty="0" smtClean="0">
+                <a:ln w="3175">
+                  <a:noFill/>
+                </a:ln>
+                <a:solidFill>
+                  <a:srgbClr val="0072C6"/>
+                </a:solidFill>
+                <a:latin typeface="+mj-lt"/>
+                <a:cs typeface="Arial" charset="0"/>
+              </a:rPr>
+              <a:t> - 2</a:t>
+            </a:r>
+            <a:endParaRPr lang="it-IT" sz="4400" b="1" spc="-100" dirty="0">
+              <a:ln w="3175">
+                <a:noFill/>
+              </a:ln>
+              <a:solidFill>
+                <a:srgbClr val="0072C6"/>
+              </a:solidFill>
+              <a:latin typeface="+mj-lt"/>
+              <a:cs typeface="Arial" charset="0"/>
+            </a:endParaRPr>
+          </a:p>
+          <a:p>
+            <a:endParaRPr lang="it-IT" sz="3000" b="1" spc="-100" dirty="0">
+              <a:ln w="3175">
+                <a:noFill/>
+              </a:ln>
+              <a:solidFill>
+                <a:srgbClr val="0072C6"/>
+              </a:solidFill>
+              <a:latin typeface="+mj-lt"/>
+              <a:cs typeface="Arial" charset="0"/>
+            </a:endParaRPr>
+          </a:p>
+          <a:p>
+            <a:endParaRPr lang="it-IT" sz="3000" b="1" spc="-100" dirty="0">
+              <a:ln w="3175">
+                <a:noFill/>
+              </a:ln>
+              <a:solidFill>
+                <a:srgbClr val="0072C6"/>
+              </a:solidFill>
+              <a:latin typeface="+mj-lt"/>
+              <a:cs typeface="Arial" charset="0"/>
+            </a:endParaRPr>
+          </a:p>
+        </p:txBody>
+      </p:sp>
+      <p:pic>
+        <p:nvPicPr>
+          <p:cNvPr id="3" name="Immagine 2" descr="Schermata 2015-02-20 alle 09.59.13.png"/>
+          <p:cNvPicPr>
+            <a:picLocks noChangeAspect="1"/>
+          </p:cNvPicPr>
+          <p:nvPr/>
+        </p:nvPicPr>
+        <p:blipFill>
+          <a:blip r:embed="rId2">
+            <a:extLst>
+              <a:ext uri="{28A0092B-C50C-407E-A947-70E740481C1C}">
+                <a14:useLocalDpi xmlns:a14="http://schemas.microsoft.com/office/drawing/2010/main" val="0"/>
+              </a:ext>
+            </a:extLst>
+          </a:blip>
+          <a:stretch>
+            <a:fillRect/>
+          </a:stretch>
+        </p:blipFill>
+        <p:spPr>
+          <a:xfrm>
+            <a:off x="1178441" y="926794"/>
+            <a:ext cx="10365703" cy="5572761"/>
+          </a:xfrm>
+          <a:prstGeom prst="rect">
+            <a:avLst/>
+          </a:prstGeom>
+        </p:spPr>
+      </p:pic>
+    </p:spTree>
+    <p:extLst>
+      <p:ext uri="{BB962C8B-B14F-4D97-AF65-F5344CB8AC3E}">
+        <p14:creationId xmlns:p14="http://schemas.microsoft.com/office/powerpoint/2010/main" val="1127813121"/>
+      </p:ext>
+    </p:extLst>
+  </p:cSld>
+  <p:clrMapOvr>
+    <a:masterClrMapping/>
+  </p:clrMapOvr>
+  <p:transition xmlns:p14="http://schemas.microsoft.com/office/powerpoint/2010/main" spd="slow">
+    <p:push dir="u"/>
+  </p:transition>
+  <p:timing>
+    <p:tnLst>
+      <p:par>
+        <p:cTn xmlns:p14="http://schemas.microsoft.com/office/powerpoint/2010/main" id="1" dur="indefinite" restart="never" nodeType="tmRoot"/>
+      </p:par>
+    </p:tnLst>
+  </p:timing>
+</p:sld>
+</file>
+
+<file path=ppt/slides/slide36.xml><?xml version="1.0" encoding="utf-8"?>
+<p:sld xmlns:a="http://schemas.openxmlformats.org/drawingml/2006/main" xmlns:r="http://schemas.openxmlformats.org/officeDocument/2006/relationships" xmlns:p="http://schemas.openxmlformats.org/presentationml/2006/main">
+  <p:cSld>
+    <p:spTree>
+      <p:nvGrpSpPr>
+        <p:cNvPr id="1" name=""/>
+        <p:cNvGrpSpPr/>
+        <p:nvPr/>
+      </p:nvGrpSpPr>
+      <p:grpSpPr>
+        <a:xfrm>
+          <a:off x="0" y="0"/>
+          <a:ext cx="0" cy="0"/>
+          <a:chOff x="0" y="0"/>
+          <a:chExt cx="0" cy="0"/>
+        </a:xfrm>
+      </p:grpSpPr>
+      <p:sp>
+        <p:nvSpPr>
+          <p:cNvPr id="5" name="Rettangolo 4"/>
+          <p:cNvSpPr/>
+          <p:nvPr/>
+        </p:nvSpPr>
+        <p:spPr>
+          <a:xfrm>
+            <a:off x="0" y="-28574"/>
+            <a:ext cx="12192000" cy="342900"/>
+          </a:xfrm>
+          <a:prstGeom prst="rect">
+            <a:avLst/>
+          </a:prstGeom>
+          <a:solidFill>
+            <a:srgbClr val="0072C6"/>
+          </a:solidFill>
+        </p:spPr>
+        <p:style>
+          <a:lnRef idx="2">
+            <a:schemeClr val="accent1">
+              <a:shade val="50000"/>
+            </a:schemeClr>
+          </a:lnRef>
+          <a:fillRef idx="1">
+            <a:schemeClr val="accent1"/>
+          </a:fillRef>
+          <a:effectRef idx="0">
+            <a:schemeClr val="accent1"/>
+          </a:effectRef>
+          <a:fontRef idx="minor">
+            <a:schemeClr val="lt1"/>
+          </a:fontRef>
+        </p:style>
+        <p:txBody>
+          <a:bodyPr rtlCol="0" anchor="ctr"/>
+          <a:lstStyle/>
+          <a:p>
+            <a:pPr algn="ctr"/>
+            <a:endParaRPr lang="it-IT"/>
+          </a:p>
+        </p:txBody>
+      </p:sp>
+      <p:sp>
+        <p:nvSpPr>
+          <p:cNvPr id="4" name="Rettangolo 3"/>
+          <p:cNvSpPr/>
+          <p:nvPr/>
+        </p:nvSpPr>
+        <p:spPr>
+          <a:xfrm>
+            <a:off x="0" y="6515100"/>
+            <a:ext cx="12192000" cy="342900"/>
+          </a:xfrm>
+          <a:prstGeom prst="rect">
+            <a:avLst/>
+          </a:prstGeom>
+          <a:solidFill>
+            <a:srgbClr val="0072C6"/>
+          </a:solidFill>
+        </p:spPr>
+        <p:style>
+          <a:lnRef idx="2">
+            <a:schemeClr val="accent1">
+              <a:shade val="50000"/>
+            </a:schemeClr>
+          </a:lnRef>
+          <a:fillRef idx="1">
+            <a:schemeClr val="accent1"/>
+          </a:fillRef>
+          <a:effectRef idx="0">
+            <a:schemeClr val="accent1"/>
+          </a:effectRef>
+          <a:fontRef idx="minor">
+            <a:schemeClr val="lt1"/>
+          </a:fontRef>
+        </p:style>
+        <p:txBody>
+          <a:bodyPr rtlCol="0" anchor="ctr"/>
+          <a:lstStyle/>
+          <a:p>
+            <a:pPr algn="ctr"/>
+            <a:endParaRPr lang="it-IT"/>
+          </a:p>
+        </p:txBody>
+      </p:sp>
+      <p:sp>
+        <p:nvSpPr>
+          <p:cNvPr id="9" name="CasellaDiTesto 8"/>
+          <p:cNvSpPr txBox="1"/>
+          <p:nvPr/>
+        </p:nvSpPr>
+        <p:spPr>
+          <a:xfrm>
+            <a:off x="415529" y="314326"/>
+            <a:ext cx="11613357" cy="1692771"/>
+          </a:xfrm>
+          <a:prstGeom prst="rect">
+            <a:avLst/>
+          </a:prstGeom>
+          <a:noFill/>
+        </p:spPr>
+        <p:txBody>
+          <a:bodyPr wrap="square" rtlCol="0">
+            <a:spAutoFit/>
+          </a:bodyPr>
+          <a:lstStyle/>
+          <a:p>
+            <a:r>
+              <a:rPr lang="it-IT" sz="4400" b="1" spc="-100" dirty="0" smtClean="0">
+                <a:ln w="3175">
+                  <a:noFill/>
+                </a:ln>
+                <a:solidFill>
+                  <a:srgbClr val="0072C6"/>
+                </a:solidFill>
+                <a:latin typeface="+mj-lt"/>
+                <a:cs typeface="Arial" charset="0"/>
+              </a:rPr>
+              <a:t>Deployment </a:t>
+            </a:r>
+            <a:r>
+              <a:rPr lang="it-IT" sz="4400" b="1" spc="-100" dirty="0" err="1" smtClean="0">
+                <a:ln w="3175">
+                  <a:noFill/>
+                </a:ln>
+                <a:solidFill>
+                  <a:srgbClr val="0072C6"/>
+                </a:solidFill>
+                <a:latin typeface="+mj-lt"/>
+                <a:cs typeface="Arial" charset="0"/>
+              </a:rPr>
+              <a:t>architecture</a:t>
+            </a:r>
+            <a:r>
+              <a:rPr lang="it-IT" sz="4400" b="1" spc="-100" dirty="0" smtClean="0">
+                <a:ln w="3175">
+                  <a:noFill/>
+                </a:ln>
+                <a:solidFill>
+                  <a:srgbClr val="0072C6"/>
+                </a:solidFill>
+                <a:latin typeface="+mj-lt"/>
+                <a:cs typeface="Arial" charset="0"/>
+              </a:rPr>
+              <a:t> - 2</a:t>
+            </a:r>
+            <a:endParaRPr lang="it-IT" sz="4400" b="1" spc="-100" dirty="0">
+              <a:ln w="3175">
+                <a:noFill/>
+              </a:ln>
+              <a:solidFill>
+                <a:srgbClr val="0072C6"/>
+              </a:solidFill>
+              <a:latin typeface="+mj-lt"/>
+              <a:cs typeface="Arial" charset="0"/>
+            </a:endParaRPr>
+          </a:p>
+          <a:p>
+            <a:endParaRPr lang="it-IT" sz="3000" b="1" spc="-100" dirty="0">
+              <a:ln w="3175">
+                <a:noFill/>
+              </a:ln>
+              <a:solidFill>
+                <a:srgbClr val="0072C6"/>
+              </a:solidFill>
+              <a:latin typeface="+mj-lt"/>
+              <a:cs typeface="Arial" charset="0"/>
+            </a:endParaRPr>
+          </a:p>
+          <a:p>
+            <a:endParaRPr lang="it-IT" sz="3000" b="1" spc="-100" dirty="0">
+              <a:ln w="3175">
+                <a:noFill/>
+              </a:ln>
+              <a:solidFill>
+                <a:srgbClr val="0072C6"/>
+              </a:solidFill>
+              <a:latin typeface="+mj-lt"/>
+              <a:cs typeface="Arial" charset="0"/>
+            </a:endParaRPr>
+          </a:p>
+        </p:txBody>
+      </p:sp>
+      <p:pic>
+        <p:nvPicPr>
+          <p:cNvPr id="6" name="Immagine 5" descr="FP.pdf"/>
+          <p:cNvPicPr>
+            <a:picLocks noChangeAspect="1"/>
+          </p:cNvPicPr>
+          <p:nvPr/>
+        </p:nvPicPr>
+        <p:blipFill>
+          <a:blip r:embed="rId2">
+            <a:extLst>
+              <a:ext uri="{28A0092B-C50C-407E-A947-70E740481C1C}">
+                <a14:useLocalDpi xmlns:a14="http://schemas.microsoft.com/office/drawing/2010/main" val="0"/>
+              </a:ext>
+            </a:extLst>
+          </a:blip>
+          <a:stretch>
+            <a:fillRect/>
+          </a:stretch>
+        </p:blipFill>
+        <p:spPr>
+          <a:xfrm>
+            <a:off x="5261179" y="1768736"/>
+            <a:ext cx="6660345" cy="4492524"/>
+          </a:xfrm>
+          <a:prstGeom prst="rect">
+            <a:avLst/>
+          </a:prstGeom>
+        </p:spPr>
+      </p:pic>
+      <p:graphicFrame>
+        <p:nvGraphicFramePr>
+          <p:cNvPr id="10" name="Tabella 9"/>
+          <p:cNvGraphicFramePr>
+            <a:graphicFrameLocks noGrp="1"/>
+          </p:cNvGraphicFramePr>
+          <p:nvPr>
+            <p:extLst>
+              <p:ext uri="{D42A27DB-BD31-4B8C-83A1-F6EECF244321}">
+                <p14:modId xmlns:p14="http://schemas.microsoft.com/office/powerpoint/2010/main" val="1946910658"/>
+              </p:ext>
+            </p:extLst>
+          </p:nvPr>
+        </p:nvGraphicFramePr>
+        <p:xfrm>
+          <a:off x="452619" y="2423738"/>
+          <a:ext cx="4673026" cy="3102707"/>
+        </p:xfrm>
+        <a:graphic>
+          <a:graphicData uri="http://schemas.openxmlformats.org/drawingml/2006/table">
+            <a:tbl>
+              <a:tblPr/>
+              <a:tblGrid>
+                <a:gridCol w="2429973"/>
+                <a:gridCol w="2243053"/>
+              </a:tblGrid>
+              <a:tr h="381208">
+                <a:tc>
+                  <a:txBody>
+                    <a:bodyPr/>
+                    <a:lstStyle/>
+                    <a:p>
+                      <a:pPr algn="ctr" fontAlgn="t"/>
+                      <a:r>
+                        <a:rPr lang="it-IT" sz="1800" b="1" i="0" u="none" strike="noStrike" dirty="0" smtClean="0">
+                          <a:solidFill>
+                            <a:srgbClr val="000000"/>
+                          </a:solidFill>
+                          <a:effectLst/>
+                          <a:latin typeface="Helvetica"/>
+                        </a:rPr>
+                        <a:t>Astrazione</a:t>
+                      </a:r>
+                      <a:endParaRPr lang="it-IT" sz="1800" b="1" i="0" u="none" strike="noStrike" dirty="0">
+                        <a:solidFill>
+                          <a:srgbClr val="000000"/>
+                        </a:solidFill>
+                        <a:effectLst/>
+                        <a:latin typeface="Helvetica"/>
+                      </a:endParaRPr>
+                    </a:p>
+                  </a:txBody>
+                  <a:tcPr marL="12700" marR="12700" marT="12700" marB="0">
+                    <a:lnL w="6350" cap="flat" cmpd="sng" algn="ctr">
+                      <a:solidFill>
+                        <a:srgbClr val="000000"/>
+                      </a:solidFill>
+                      <a:prstDash val="solid"/>
+                      <a:round/>
+                      <a:headEnd type="none" w="med" len="med"/>
+                      <a:tailEnd type="none" w="med" len="med"/>
+                    </a:lnL>
+                    <a:lnR w="6350" cap="flat" cmpd="sng" algn="ctr">
+                      <a:solidFill>
+                        <a:srgbClr val="000000"/>
+                      </a:solidFill>
+                      <a:prstDash val="solid"/>
+                      <a:round/>
+                      <a:headEnd type="none" w="med" len="med"/>
+                      <a:tailEnd type="none" w="med" len="med"/>
+                    </a:lnR>
+                    <a:lnT w="6350" cap="flat" cmpd="sng" algn="ctr">
+                      <a:solidFill>
+                        <a:srgbClr val="000000"/>
+                      </a:solidFill>
+                      <a:prstDash val="solid"/>
+                      <a:round/>
+                      <a:headEnd type="none" w="med" len="med"/>
+                      <a:tailEnd type="none" w="med" len="med"/>
+                    </a:lnT>
+                    <a:lnB w="6350" cap="flat" cmpd="sng" algn="ctr">
+                      <a:solidFill>
+                        <a:srgbClr val="000000"/>
+                      </a:solidFill>
+                      <a:prstDash val="solid"/>
+                      <a:round/>
+                      <a:headEnd type="none" w="med" len="med"/>
+                      <a:tailEnd type="none" w="med" len="med"/>
+                    </a:lnB>
+                    <a:solidFill>
+                      <a:srgbClr val="DBDBDB"/>
+                    </a:solidFill>
+                  </a:tcPr>
+                </a:tc>
+                <a:tc>
+                  <a:txBody>
+                    <a:bodyPr/>
+                    <a:lstStyle/>
+                    <a:p>
+                      <a:pPr algn="ctr" fontAlgn="t"/>
+                      <a:r>
+                        <a:rPr lang="it-IT" sz="1800" b="0" i="0" u="none" strike="noStrike" dirty="0">
+                          <a:solidFill>
+                            <a:srgbClr val="000000"/>
+                          </a:solidFill>
+                          <a:effectLst/>
+                          <a:latin typeface="Helvetica"/>
+                        </a:rPr>
+                        <a:t>10</a:t>
+                      </a:r>
+                    </a:p>
+                  </a:txBody>
+                  <a:tcPr marL="12700" marR="12700" marT="12700" marB="0">
+                    <a:lnL w="6350" cap="flat" cmpd="sng" algn="ctr">
+                      <a:solidFill>
+                        <a:srgbClr val="000000"/>
+                      </a:solidFill>
+                      <a:prstDash val="solid"/>
+                      <a:round/>
+                      <a:headEnd type="none" w="med" len="med"/>
+                      <a:tailEnd type="none" w="med" len="med"/>
+                    </a:lnL>
+                    <a:lnR w="6350" cap="flat" cmpd="sng" algn="ctr">
+                      <a:solidFill>
+                        <a:srgbClr val="000000"/>
+                      </a:solidFill>
+                      <a:prstDash val="solid"/>
+                      <a:round/>
+                      <a:headEnd type="none" w="med" len="med"/>
+                      <a:tailEnd type="none" w="med" len="med"/>
+                    </a:lnR>
+                    <a:lnT w="6350" cap="flat" cmpd="sng" algn="ctr">
+                      <a:solidFill>
+                        <a:srgbClr val="000000"/>
+                      </a:solidFill>
+                      <a:prstDash val="solid"/>
+                      <a:round/>
+                      <a:headEnd type="none" w="med" len="med"/>
+                      <a:tailEnd type="none" w="med" len="med"/>
+                    </a:lnT>
+                    <a:lnB w="6350" cap="flat" cmpd="sng" algn="ctr">
+                      <a:solidFill>
+                        <a:srgbClr val="000000"/>
+                      </a:solidFill>
+                      <a:prstDash val="solid"/>
+                      <a:round/>
+                      <a:headEnd type="none" w="med" len="med"/>
+                      <a:tailEnd type="none" w="med" len="med"/>
+                    </a:lnB>
+                  </a:tcPr>
+                </a:tc>
+              </a:tr>
+              <a:tr h="381208">
+                <a:tc>
+                  <a:txBody>
+                    <a:bodyPr/>
+                    <a:lstStyle/>
+                    <a:p>
+                      <a:pPr algn="ctr" fontAlgn="t"/>
+                      <a:r>
+                        <a:rPr lang="it-IT" sz="1800" b="1" i="0" u="none" strike="noStrike" dirty="0">
+                          <a:solidFill>
+                            <a:srgbClr val="000000"/>
+                          </a:solidFill>
+                          <a:effectLst/>
+                          <a:latin typeface="Helvetica"/>
+                        </a:rPr>
+                        <a:t>Complessità</a:t>
+                      </a:r>
+                    </a:p>
+                  </a:txBody>
+                  <a:tcPr marL="12700" marR="12700" marT="12700" marB="0">
+                    <a:lnL w="6350" cap="flat" cmpd="sng" algn="ctr">
+                      <a:solidFill>
+                        <a:srgbClr val="000000"/>
+                      </a:solidFill>
+                      <a:prstDash val="solid"/>
+                      <a:round/>
+                      <a:headEnd type="none" w="med" len="med"/>
+                      <a:tailEnd type="none" w="med" len="med"/>
+                    </a:lnL>
+                    <a:lnR w="6350" cap="flat" cmpd="sng" algn="ctr">
+                      <a:solidFill>
+                        <a:srgbClr val="000000"/>
+                      </a:solidFill>
+                      <a:prstDash val="solid"/>
+                      <a:round/>
+                      <a:headEnd type="none" w="med" len="med"/>
+                      <a:tailEnd type="none" w="med" len="med"/>
+                    </a:lnR>
+                    <a:lnT w="6350" cap="flat" cmpd="sng" algn="ctr">
+                      <a:solidFill>
+                        <a:srgbClr val="000000"/>
+                      </a:solidFill>
+                      <a:prstDash val="solid"/>
+                      <a:round/>
+                      <a:headEnd type="none" w="med" len="med"/>
+                      <a:tailEnd type="none" w="med" len="med"/>
+                    </a:lnT>
+                    <a:lnB w="6350" cap="flat" cmpd="sng" algn="ctr">
+                      <a:solidFill>
+                        <a:srgbClr val="000000"/>
+                      </a:solidFill>
+                      <a:prstDash val="solid"/>
+                      <a:round/>
+                      <a:headEnd type="none" w="med" len="med"/>
+                      <a:tailEnd type="none" w="med" len="med"/>
+                    </a:lnB>
+                    <a:solidFill>
+                      <a:srgbClr val="DBDBDB"/>
+                    </a:solidFill>
+                  </a:tcPr>
+                </a:tc>
+                <a:tc>
+                  <a:txBody>
+                    <a:bodyPr/>
+                    <a:lstStyle/>
+                    <a:p>
+                      <a:pPr algn="ctr" fontAlgn="t"/>
+                      <a:r>
+                        <a:rPr lang="it-IT" sz="1800" b="0" i="0" u="none" strike="noStrike" dirty="0">
+                          <a:solidFill>
+                            <a:srgbClr val="000000"/>
+                          </a:solidFill>
+                          <a:effectLst/>
+                          <a:latin typeface="Helvetica"/>
+                        </a:rPr>
+                        <a:t>30</a:t>
+                      </a:r>
+                    </a:p>
+                  </a:txBody>
+                  <a:tcPr marL="12700" marR="12700" marT="12700" marB="0">
+                    <a:lnL w="6350" cap="flat" cmpd="sng" algn="ctr">
+                      <a:solidFill>
+                        <a:srgbClr val="000000"/>
+                      </a:solidFill>
+                      <a:prstDash val="solid"/>
+                      <a:round/>
+                      <a:headEnd type="none" w="med" len="med"/>
+                      <a:tailEnd type="none" w="med" len="med"/>
+                    </a:lnL>
+                    <a:lnR w="6350" cap="flat" cmpd="sng" algn="ctr">
+                      <a:solidFill>
+                        <a:srgbClr val="000000"/>
+                      </a:solidFill>
+                      <a:prstDash val="solid"/>
+                      <a:round/>
+                      <a:headEnd type="none" w="med" len="med"/>
+                      <a:tailEnd type="none" w="med" len="med"/>
+                    </a:lnR>
+                    <a:lnT w="6350" cap="flat" cmpd="sng" algn="ctr">
+                      <a:solidFill>
+                        <a:srgbClr val="000000"/>
+                      </a:solidFill>
+                      <a:prstDash val="solid"/>
+                      <a:round/>
+                      <a:headEnd type="none" w="med" len="med"/>
+                      <a:tailEnd type="none" w="med" len="med"/>
+                    </a:lnT>
+                    <a:lnB w="6350" cap="flat" cmpd="sng" algn="ctr">
+                      <a:solidFill>
+                        <a:srgbClr val="000000"/>
+                      </a:solidFill>
+                      <a:prstDash val="solid"/>
+                      <a:round/>
+                      <a:headEnd type="none" w="med" len="med"/>
+                      <a:tailEnd type="none" w="med" len="med"/>
+                    </a:lnB>
+                  </a:tcPr>
+                </a:tc>
+              </a:tr>
+              <a:tr h="381208">
+                <a:tc>
+                  <a:txBody>
+                    <a:bodyPr/>
+                    <a:lstStyle/>
+                    <a:p>
+                      <a:pPr algn="ctr" fontAlgn="t"/>
+                      <a:r>
+                        <a:rPr lang="it-IT" sz="1800" b="1" i="0" u="none" strike="noStrike" dirty="0">
+                          <a:solidFill>
+                            <a:srgbClr val="000000"/>
+                          </a:solidFill>
+                          <a:effectLst/>
+                          <a:latin typeface="Helvetica"/>
+                        </a:rPr>
+                        <a:t>Frequenza</a:t>
+                      </a:r>
+                    </a:p>
+                  </a:txBody>
+                  <a:tcPr marL="12700" marR="12700" marT="12700" marB="0">
+                    <a:lnL w="6350" cap="flat" cmpd="sng" algn="ctr">
+                      <a:solidFill>
+                        <a:srgbClr val="000000"/>
+                      </a:solidFill>
+                      <a:prstDash val="solid"/>
+                      <a:round/>
+                      <a:headEnd type="none" w="med" len="med"/>
+                      <a:tailEnd type="none" w="med" len="med"/>
+                    </a:lnL>
+                    <a:lnR w="6350" cap="flat" cmpd="sng" algn="ctr">
+                      <a:solidFill>
+                        <a:srgbClr val="000000"/>
+                      </a:solidFill>
+                      <a:prstDash val="solid"/>
+                      <a:round/>
+                      <a:headEnd type="none" w="med" len="med"/>
+                      <a:tailEnd type="none" w="med" len="med"/>
+                    </a:lnR>
+                    <a:lnT w="6350" cap="flat" cmpd="sng" algn="ctr">
+                      <a:solidFill>
+                        <a:srgbClr val="000000"/>
+                      </a:solidFill>
+                      <a:prstDash val="solid"/>
+                      <a:round/>
+                      <a:headEnd type="none" w="med" len="med"/>
+                      <a:tailEnd type="none" w="med" len="med"/>
+                    </a:lnT>
+                    <a:lnB w="6350" cap="flat" cmpd="sng" algn="ctr">
+                      <a:solidFill>
+                        <a:srgbClr val="000000"/>
+                      </a:solidFill>
+                      <a:prstDash val="solid"/>
+                      <a:round/>
+                      <a:headEnd type="none" w="med" len="med"/>
+                      <a:tailEnd type="none" w="med" len="med"/>
+                    </a:lnB>
+                    <a:solidFill>
+                      <a:srgbClr val="DBDBDB"/>
+                    </a:solidFill>
+                  </a:tcPr>
+                </a:tc>
+                <a:tc>
+                  <a:txBody>
+                    <a:bodyPr/>
+                    <a:lstStyle/>
+                    <a:p>
+                      <a:pPr algn="ctr" fontAlgn="t"/>
+                      <a:r>
+                        <a:rPr lang="it-IT" sz="1800" b="0" i="0" u="none" strike="noStrike" dirty="0">
+                          <a:solidFill>
+                            <a:srgbClr val="000000"/>
+                          </a:solidFill>
+                          <a:effectLst/>
+                          <a:latin typeface="Helvetica"/>
+                        </a:rPr>
+                        <a:t>20</a:t>
+                      </a:r>
+                    </a:p>
+                  </a:txBody>
+                  <a:tcPr marL="12700" marR="12700" marT="12700" marB="0">
+                    <a:lnL w="6350" cap="flat" cmpd="sng" algn="ctr">
+                      <a:solidFill>
+                        <a:srgbClr val="000000"/>
+                      </a:solidFill>
+                      <a:prstDash val="solid"/>
+                      <a:round/>
+                      <a:headEnd type="none" w="med" len="med"/>
+                      <a:tailEnd type="none" w="med" len="med"/>
+                    </a:lnL>
+                    <a:lnR w="6350" cap="flat" cmpd="sng" algn="ctr">
+                      <a:solidFill>
+                        <a:srgbClr val="000000"/>
+                      </a:solidFill>
+                      <a:prstDash val="solid"/>
+                      <a:round/>
+                      <a:headEnd type="none" w="med" len="med"/>
+                      <a:tailEnd type="none" w="med" len="med"/>
+                    </a:lnR>
+                    <a:lnT w="6350" cap="flat" cmpd="sng" algn="ctr">
+                      <a:solidFill>
+                        <a:srgbClr val="000000"/>
+                      </a:solidFill>
+                      <a:prstDash val="solid"/>
+                      <a:round/>
+                      <a:headEnd type="none" w="med" len="med"/>
+                      <a:tailEnd type="none" w="med" len="med"/>
+                    </a:lnT>
+                    <a:lnB w="6350" cap="flat" cmpd="sng" algn="ctr">
+                      <a:solidFill>
+                        <a:srgbClr val="000000"/>
+                      </a:solidFill>
+                      <a:prstDash val="solid"/>
+                      <a:round/>
+                      <a:headEnd type="none" w="med" len="med"/>
+                      <a:tailEnd type="none" w="med" len="med"/>
+                    </a:lnB>
+                  </a:tcPr>
+                </a:tc>
+              </a:tr>
+              <a:tr h="381208">
+                <a:tc>
+                  <a:txBody>
+                    <a:bodyPr/>
+                    <a:lstStyle/>
+                    <a:p>
+                      <a:pPr algn="ctr" fontAlgn="t"/>
+                      <a:r>
+                        <a:rPr lang="it-IT" sz="1800" b="1" i="0" u="none" strike="noStrike" dirty="0">
+                          <a:solidFill>
+                            <a:srgbClr val="000000"/>
+                          </a:solidFill>
+                          <a:effectLst/>
+                          <a:latin typeface="Helvetica"/>
+                        </a:rPr>
+                        <a:t>Ritardo</a:t>
+                      </a:r>
+                    </a:p>
+                  </a:txBody>
+                  <a:tcPr marL="12700" marR="12700" marT="12700" marB="0">
+                    <a:lnL w="6350" cap="flat" cmpd="sng" algn="ctr">
+                      <a:solidFill>
+                        <a:srgbClr val="000000"/>
+                      </a:solidFill>
+                      <a:prstDash val="solid"/>
+                      <a:round/>
+                      <a:headEnd type="none" w="med" len="med"/>
+                      <a:tailEnd type="none" w="med" len="med"/>
+                    </a:lnL>
+                    <a:lnR w="6350" cap="flat" cmpd="sng" algn="ctr">
+                      <a:solidFill>
+                        <a:srgbClr val="000000"/>
+                      </a:solidFill>
+                      <a:prstDash val="solid"/>
+                      <a:round/>
+                      <a:headEnd type="none" w="med" len="med"/>
+                      <a:tailEnd type="none" w="med" len="med"/>
+                    </a:lnR>
+                    <a:lnT w="6350" cap="flat" cmpd="sng" algn="ctr">
+                      <a:solidFill>
+                        <a:srgbClr val="000000"/>
+                      </a:solidFill>
+                      <a:prstDash val="solid"/>
+                      <a:round/>
+                      <a:headEnd type="none" w="med" len="med"/>
+                      <a:tailEnd type="none" w="med" len="med"/>
+                    </a:lnT>
+                    <a:lnB w="6350" cap="flat" cmpd="sng" algn="ctr">
+                      <a:solidFill>
+                        <a:srgbClr val="000000"/>
+                      </a:solidFill>
+                      <a:prstDash val="solid"/>
+                      <a:round/>
+                      <a:headEnd type="none" w="med" len="med"/>
+                      <a:tailEnd type="none" w="med" len="med"/>
+                    </a:lnB>
+                    <a:solidFill>
+                      <a:srgbClr val="DBDBDB"/>
+                    </a:solidFill>
+                  </a:tcPr>
+                </a:tc>
+                <a:tc>
+                  <a:txBody>
+                    <a:bodyPr/>
+                    <a:lstStyle/>
+                    <a:p>
+                      <a:pPr algn="ctr" fontAlgn="t"/>
+                      <a:r>
+                        <a:rPr lang="it-IT" sz="1800" b="0" i="0" u="none" strike="noStrike" dirty="0">
+                          <a:solidFill>
+                            <a:srgbClr val="000000"/>
+                          </a:solidFill>
+                          <a:effectLst/>
+                          <a:latin typeface="Helvetica"/>
+                        </a:rPr>
+                        <a:t>10</a:t>
+                      </a:r>
+                    </a:p>
+                  </a:txBody>
+                  <a:tcPr marL="12700" marR="12700" marT="12700" marB="0">
+                    <a:lnL w="6350" cap="flat" cmpd="sng" algn="ctr">
+                      <a:solidFill>
+                        <a:srgbClr val="000000"/>
+                      </a:solidFill>
+                      <a:prstDash val="solid"/>
+                      <a:round/>
+                      <a:headEnd type="none" w="med" len="med"/>
+                      <a:tailEnd type="none" w="med" len="med"/>
+                    </a:lnL>
+                    <a:lnR w="6350" cap="flat" cmpd="sng" algn="ctr">
+                      <a:solidFill>
+                        <a:srgbClr val="000000"/>
+                      </a:solidFill>
+                      <a:prstDash val="solid"/>
+                      <a:round/>
+                      <a:headEnd type="none" w="med" len="med"/>
+                      <a:tailEnd type="none" w="med" len="med"/>
+                    </a:lnR>
+                    <a:lnT w="6350" cap="flat" cmpd="sng" algn="ctr">
+                      <a:solidFill>
+                        <a:srgbClr val="000000"/>
+                      </a:solidFill>
+                      <a:prstDash val="solid"/>
+                      <a:round/>
+                      <a:headEnd type="none" w="med" len="med"/>
+                      <a:tailEnd type="none" w="med" len="med"/>
+                    </a:lnT>
+                    <a:lnB w="6350" cap="flat" cmpd="sng" algn="ctr">
+                      <a:solidFill>
+                        <a:srgbClr val="000000"/>
+                      </a:solidFill>
+                      <a:prstDash val="solid"/>
+                      <a:round/>
+                      <a:headEnd type="none" w="med" len="med"/>
+                      <a:tailEnd type="none" w="med" len="med"/>
+                    </a:lnB>
+                  </a:tcPr>
+                </a:tc>
+              </a:tr>
+              <a:tr h="405148">
+                <a:tc>
+                  <a:txBody>
+                    <a:bodyPr/>
+                    <a:lstStyle/>
+                    <a:p>
+                      <a:pPr algn="ctr" fontAlgn="t"/>
+                      <a:r>
+                        <a:rPr lang="it-IT" sz="1800" b="1" i="0" u="none" strike="noStrike">
+                          <a:solidFill>
+                            <a:srgbClr val="000000"/>
+                          </a:solidFill>
+                          <a:effectLst/>
+                          <a:latin typeface="Helvetica"/>
+                        </a:rPr>
+                        <a:t>Localizzazione</a:t>
+                      </a:r>
+                    </a:p>
+                  </a:txBody>
+                  <a:tcPr marL="12700" marR="12700" marT="12700" marB="0">
+                    <a:lnL w="6350" cap="flat" cmpd="sng" algn="ctr">
+                      <a:solidFill>
+                        <a:srgbClr val="000000"/>
+                      </a:solidFill>
+                      <a:prstDash val="solid"/>
+                      <a:round/>
+                      <a:headEnd type="none" w="med" len="med"/>
+                      <a:tailEnd type="none" w="med" len="med"/>
+                    </a:lnL>
+                    <a:lnR w="6350" cap="flat" cmpd="sng" algn="ctr">
+                      <a:solidFill>
+                        <a:srgbClr val="000000"/>
+                      </a:solidFill>
+                      <a:prstDash val="solid"/>
+                      <a:round/>
+                      <a:headEnd type="none" w="med" len="med"/>
+                      <a:tailEnd type="none" w="med" len="med"/>
+                    </a:lnR>
+                    <a:lnT w="6350" cap="flat" cmpd="sng" algn="ctr">
+                      <a:solidFill>
+                        <a:srgbClr val="000000"/>
+                      </a:solidFill>
+                      <a:prstDash val="solid"/>
+                      <a:round/>
+                      <a:headEnd type="none" w="med" len="med"/>
+                      <a:tailEnd type="none" w="med" len="med"/>
+                    </a:lnT>
+                    <a:lnB w="6350" cap="flat" cmpd="sng" algn="ctr">
+                      <a:solidFill>
+                        <a:srgbClr val="000000"/>
+                      </a:solidFill>
+                      <a:prstDash val="solid"/>
+                      <a:round/>
+                      <a:headEnd type="none" w="med" len="med"/>
+                      <a:tailEnd type="none" w="med" len="med"/>
+                    </a:lnB>
+                    <a:solidFill>
+                      <a:srgbClr val="DBDBDB"/>
+                    </a:solidFill>
+                  </a:tcPr>
+                </a:tc>
+                <a:tc>
+                  <a:txBody>
+                    <a:bodyPr/>
+                    <a:lstStyle/>
+                    <a:p>
+                      <a:pPr algn="ctr" fontAlgn="t"/>
+                      <a:r>
+                        <a:rPr lang="it-IT" sz="1800" b="0" i="0" u="none" strike="noStrike" dirty="0">
+                          <a:solidFill>
+                            <a:srgbClr val="000000"/>
+                          </a:solidFill>
+                          <a:effectLst/>
+                          <a:latin typeface="Helvetica"/>
+                        </a:rPr>
+                        <a:t>30</a:t>
+                      </a:r>
+                    </a:p>
+                  </a:txBody>
+                  <a:tcPr marL="12700" marR="12700" marT="12700" marB="0">
+                    <a:lnL w="6350" cap="flat" cmpd="sng" algn="ctr">
+                      <a:solidFill>
+                        <a:srgbClr val="000000"/>
+                      </a:solidFill>
+                      <a:prstDash val="solid"/>
+                      <a:round/>
+                      <a:headEnd type="none" w="med" len="med"/>
+                      <a:tailEnd type="none" w="med" len="med"/>
+                    </a:lnL>
+                    <a:lnR w="6350" cap="flat" cmpd="sng" algn="ctr">
+                      <a:solidFill>
+                        <a:srgbClr val="000000"/>
+                      </a:solidFill>
+                      <a:prstDash val="solid"/>
+                      <a:round/>
+                      <a:headEnd type="none" w="med" len="med"/>
+                      <a:tailEnd type="none" w="med" len="med"/>
+                    </a:lnR>
+                    <a:lnT w="6350" cap="flat" cmpd="sng" algn="ctr">
+                      <a:solidFill>
+                        <a:srgbClr val="000000"/>
+                      </a:solidFill>
+                      <a:prstDash val="solid"/>
+                      <a:round/>
+                      <a:headEnd type="none" w="med" len="med"/>
+                      <a:tailEnd type="none" w="med" len="med"/>
+                    </a:lnT>
+                    <a:lnB w="6350" cap="flat" cmpd="sng" algn="ctr">
+                      <a:solidFill>
+                        <a:srgbClr val="000000"/>
+                      </a:solidFill>
+                      <a:prstDash val="solid"/>
+                      <a:round/>
+                      <a:headEnd type="none" w="med" len="med"/>
+                      <a:tailEnd type="none" w="med" len="med"/>
+                    </a:lnB>
+                  </a:tcPr>
+                </a:tc>
+              </a:tr>
+              <a:tr h="410311">
+                <a:tc>
+                  <a:txBody>
+                    <a:bodyPr/>
+                    <a:lstStyle/>
+                    <a:p>
+                      <a:pPr algn="ctr" fontAlgn="t"/>
+                      <a:r>
+                        <a:rPr lang="it-IT" sz="1800" b="1" i="0" u="none" strike="noStrike" dirty="0" err="1">
+                          <a:solidFill>
+                            <a:srgbClr val="000000"/>
+                          </a:solidFill>
+                          <a:effectLst/>
+                          <a:latin typeface="Helvetica"/>
+                        </a:rPr>
+                        <a:t>ExtraFlow</a:t>
+                      </a:r>
+                      <a:endParaRPr lang="it-IT" sz="1800" b="1" i="0" u="none" strike="noStrike" dirty="0">
+                        <a:solidFill>
+                          <a:srgbClr val="000000"/>
+                        </a:solidFill>
+                        <a:effectLst/>
+                        <a:latin typeface="Helvetica"/>
+                      </a:endParaRPr>
+                    </a:p>
+                  </a:txBody>
+                  <a:tcPr marL="12700" marR="12700" marT="12700" marB="0">
+                    <a:lnL w="6350" cap="flat" cmpd="sng" algn="ctr">
+                      <a:solidFill>
+                        <a:srgbClr val="000000"/>
+                      </a:solidFill>
+                      <a:prstDash val="solid"/>
+                      <a:round/>
+                      <a:headEnd type="none" w="med" len="med"/>
+                      <a:tailEnd type="none" w="med" len="med"/>
+                    </a:lnL>
+                    <a:lnR w="6350" cap="flat" cmpd="sng" algn="ctr">
+                      <a:solidFill>
+                        <a:srgbClr val="000000"/>
+                      </a:solidFill>
+                      <a:prstDash val="solid"/>
+                      <a:round/>
+                      <a:headEnd type="none" w="med" len="med"/>
+                      <a:tailEnd type="none" w="med" len="med"/>
+                    </a:lnR>
+                    <a:lnT w="6350" cap="flat" cmpd="sng" algn="ctr">
+                      <a:solidFill>
+                        <a:srgbClr val="000000"/>
+                      </a:solidFill>
+                      <a:prstDash val="solid"/>
+                      <a:round/>
+                      <a:headEnd type="none" w="med" len="med"/>
+                      <a:tailEnd type="none" w="med" len="med"/>
+                    </a:lnT>
+                    <a:lnB w="6350" cap="flat" cmpd="sng" algn="ctr">
+                      <a:solidFill>
+                        <a:srgbClr val="000000"/>
+                      </a:solidFill>
+                      <a:prstDash val="solid"/>
+                      <a:round/>
+                      <a:headEnd type="none" w="med" len="med"/>
+                      <a:tailEnd type="none" w="med" len="med"/>
+                    </a:lnB>
+                    <a:solidFill>
+                      <a:srgbClr val="DBDBDB"/>
+                    </a:solidFill>
+                  </a:tcPr>
+                </a:tc>
+                <a:tc>
+                  <a:txBody>
+                    <a:bodyPr/>
+                    <a:lstStyle/>
+                    <a:p>
+                      <a:pPr algn="ctr" fontAlgn="t"/>
+                      <a:r>
+                        <a:rPr lang="it-IT" sz="1800" b="0" i="0" u="none" strike="noStrike" dirty="0">
+                          <a:solidFill>
+                            <a:srgbClr val="000000"/>
+                          </a:solidFill>
+                          <a:effectLst/>
+                          <a:latin typeface="Helvetica"/>
+                        </a:rPr>
+                        <a:t>30</a:t>
+                      </a:r>
+                    </a:p>
+                  </a:txBody>
+                  <a:tcPr marL="12700" marR="12700" marT="12700" marB="0">
+                    <a:lnL w="6350" cap="flat" cmpd="sng" algn="ctr">
+                      <a:solidFill>
+                        <a:srgbClr val="000000"/>
+                      </a:solidFill>
+                      <a:prstDash val="solid"/>
+                      <a:round/>
+                      <a:headEnd type="none" w="med" len="med"/>
+                      <a:tailEnd type="none" w="med" len="med"/>
+                    </a:lnL>
+                    <a:lnR w="6350" cap="flat" cmpd="sng" algn="ctr">
+                      <a:solidFill>
+                        <a:srgbClr val="000000"/>
+                      </a:solidFill>
+                      <a:prstDash val="solid"/>
+                      <a:round/>
+                      <a:headEnd type="none" w="med" len="med"/>
+                      <a:tailEnd type="none" w="med" len="med"/>
+                    </a:lnR>
+                    <a:lnT w="6350" cap="flat" cmpd="sng" algn="ctr">
+                      <a:solidFill>
+                        <a:srgbClr val="000000"/>
+                      </a:solidFill>
+                      <a:prstDash val="solid"/>
+                      <a:round/>
+                      <a:headEnd type="none" w="med" len="med"/>
+                      <a:tailEnd type="none" w="med" len="med"/>
+                    </a:lnT>
+                    <a:lnB w="6350" cap="flat" cmpd="sng" algn="ctr">
+                      <a:solidFill>
+                        <a:srgbClr val="000000"/>
+                      </a:solidFill>
+                      <a:prstDash val="solid"/>
+                      <a:round/>
+                      <a:headEnd type="none" w="med" len="med"/>
+                      <a:tailEnd type="none" w="med" len="med"/>
+                    </a:lnB>
+                  </a:tcPr>
+                </a:tc>
+              </a:tr>
+              <a:tr h="381208">
+                <a:tc>
+                  <a:txBody>
+                    <a:bodyPr/>
+                    <a:lstStyle/>
+                    <a:p>
+                      <a:pPr algn="ctr" fontAlgn="t"/>
+                      <a:r>
+                        <a:rPr lang="it-IT" sz="1800" b="1" i="0" u="none" strike="noStrike" dirty="0" err="1">
+                          <a:solidFill>
+                            <a:srgbClr val="000000"/>
+                          </a:solidFill>
+                          <a:effectLst/>
+                          <a:latin typeface="Helvetica"/>
+                        </a:rPr>
+                        <a:t>IntraFlow</a:t>
+                      </a:r>
+                      <a:endParaRPr lang="it-IT" sz="1800" b="1" i="0" u="none" strike="noStrike" dirty="0">
+                        <a:solidFill>
+                          <a:srgbClr val="000000"/>
+                        </a:solidFill>
+                        <a:effectLst/>
+                        <a:latin typeface="Helvetica"/>
+                      </a:endParaRPr>
+                    </a:p>
+                  </a:txBody>
+                  <a:tcPr marL="12700" marR="12700" marT="12700" marB="0">
+                    <a:lnL w="6350" cap="flat" cmpd="sng" algn="ctr">
+                      <a:solidFill>
+                        <a:srgbClr val="000000"/>
+                      </a:solidFill>
+                      <a:prstDash val="solid"/>
+                      <a:round/>
+                      <a:headEnd type="none" w="med" len="med"/>
+                      <a:tailEnd type="none" w="med" len="med"/>
+                    </a:lnL>
+                    <a:lnR w="6350" cap="flat" cmpd="sng" algn="ctr">
+                      <a:solidFill>
+                        <a:srgbClr val="000000"/>
+                      </a:solidFill>
+                      <a:prstDash val="solid"/>
+                      <a:round/>
+                      <a:headEnd type="none" w="med" len="med"/>
+                      <a:tailEnd type="none" w="med" len="med"/>
+                    </a:lnR>
+                    <a:lnT w="6350" cap="flat" cmpd="sng" algn="ctr">
+                      <a:solidFill>
+                        <a:srgbClr val="000000"/>
+                      </a:solidFill>
+                      <a:prstDash val="solid"/>
+                      <a:round/>
+                      <a:headEnd type="none" w="med" len="med"/>
+                      <a:tailEnd type="none" w="med" len="med"/>
+                    </a:lnT>
+                    <a:lnB w="6350" cap="flat" cmpd="sng" algn="ctr">
+                      <a:solidFill>
+                        <a:srgbClr val="000000"/>
+                      </a:solidFill>
+                      <a:prstDash val="solid"/>
+                      <a:round/>
+                      <a:headEnd type="none" w="med" len="med"/>
+                      <a:tailEnd type="none" w="med" len="med"/>
+                    </a:lnB>
+                    <a:solidFill>
+                      <a:srgbClr val="DBDBDB"/>
+                    </a:solidFill>
+                  </a:tcPr>
+                </a:tc>
+                <a:tc>
+                  <a:txBody>
+                    <a:bodyPr/>
+                    <a:lstStyle/>
+                    <a:p>
+                      <a:pPr algn="ctr" fontAlgn="t"/>
+                      <a:r>
+                        <a:rPr lang="it-IT" sz="1800" b="0" i="0" u="none" strike="noStrike" dirty="0">
+                          <a:solidFill>
+                            <a:srgbClr val="000000"/>
+                          </a:solidFill>
+                          <a:effectLst/>
+                          <a:latin typeface="Helvetica"/>
+                        </a:rPr>
+                        <a:t>60</a:t>
+                      </a:r>
+                    </a:p>
+                  </a:txBody>
+                  <a:tcPr marL="12700" marR="12700" marT="12700" marB="0">
+                    <a:lnL w="6350" cap="flat" cmpd="sng" algn="ctr">
+                      <a:solidFill>
+                        <a:srgbClr val="000000"/>
+                      </a:solidFill>
+                      <a:prstDash val="solid"/>
+                      <a:round/>
+                      <a:headEnd type="none" w="med" len="med"/>
+                      <a:tailEnd type="none" w="med" len="med"/>
+                    </a:lnL>
+                    <a:lnR w="6350" cap="flat" cmpd="sng" algn="ctr">
+                      <a:solidFill>
+                        <a:srgbClr val="000000"/>
+                      </a:solidFill>
+                      <a:prstDash val="solid"/>
+                      <a:round/>
+                      <a:headEnd type="none" w="med" len="med"/>
+                      <a:tailEnd type="none" w="med" len="med"/>
+                    </a:lnR>
+                    <a:lnT w="6350" cap="flat" cmpd="sng" algn="ctr">
+                      <a:solidFill>
+                        <a:srgbClr val="000000"/>
+                      </a:solidFill>
+                      <a:prstDash val="solid"/>
+                      <a:round/>
+                      <a:headEnd type="none" w="med" len="med"/>
+                      <a:tailEnd type="none" w="med" len="med"/>
+                    </a:lnT>
+                    <a:lnB w="6350" cap="flat" cmpd="sng" algn="ctr">
+                      <a:solidFill>
+                        <a:srgbClr val="000000"/>
+                      </a:solidFill>
+                      <a:prstDash val="solid"/>
+                      <a:round/>
+                      <a:headEnd type="none" w="med" len="med"/>
+                      <a:tailEnd type="none" w="med" len="med"/>
+                    </a:lnB>
+                  </a:tcPr>
+                </a:tc>
+              </a:tr>
+              <a:tr h="381208">
+                <a:tc>
+                  <a:txBody>
+                    <a:bodyPr/>
+                    <a:lstStyle/>
+                    <a:p>
+                      <a:pPr algn="ctr" fontAlgn="t"/>
+                      <a:r>
+                        <a:rPr lang="it-IT" sz="1800" b="1" i="0" u="none" strike="noStrike" dirty="0">
+                          <a:solidFill>
+                            <a:srgbClr val="000000"/>
+                          </a:solidFill>
+                          <a:effectLst/>
+                          <a:latin typeface="Helvetica"/>
+                        </a:rPr>
+                        <a:t>Condivisione</a:t>
+                      </a:r>
+                    </a:p>
+                  </a:txBody>
+                  <a:tcPr marL="12700" marR="12700" marT="12700" marB="0">
+                    <a:lnL w="6350" cap="flat" cmpd="sng" algn="ctr">
+                      <a:solidFill>
+                        <a:srgbClr val="000000"/>
+                      </a:solidFill>
+                      <a:prstDash val="solid"/>
+                      <a:round/>
+                      <a:headEnd type="none" w="med" len="med"/>
+                      <a:tailEnd type="none" w="med" len="med"/>
+                    </a:lnL>
+                    <a:lnR w="6350" cap="flat" cmpd="sng" algn="ctr">
+                      <a:solidFill>
+                        <a:srgbClr val="000000"/>
+                      </a:solidFill>
+                      <a:prstDash val="solid"/>
+                      <a:round/>
+                      <a:headEnd type="none" w="med" len="med"/>
+                      <a:tailEnd type="none" w="med" len="med"/>
+                    </a:lnR>
+                    <a:lnT w="6350" cap="flat" cmpd="sng" algn="ctr">
+                      <a:solidFill>
+                        <a:srgbClr val="000000"/>
+                      </a:solidFill>
+                      <a:prstDash val="solid"/>
+                      <a:round/>
+                      <a:headEnd type="none" w="med" len="med"/>
+                      <a:tailEnd type="none" w="med" len="med"/>
+                    </a:lnT>
+                    <a:lnB w="6350" cap="flat" cmpd="sng" algn="ctr">
+                      <a:solidFill>
+                        <a:srgbClr val="000000"/>
+                      </a:solidFill>
+                      <a:prstDash val="solid"/>
+                      <a:round/>
+                      <a:headEnd type="none" w="med" len="med"/>
+                      <a:tailEnd type="none" w="med" len="med"/>
+                    </a:lnB>
+                    <a:solidFill>
+                      <a:srgbClr val="DBDBDB"/>
+                    </a:solidFill>
+                  </a:tcPr>
+                </a:tc>
+                <a:tc>
+                  <a:txBody>
+                    <a:bodyPr/>
+                    <a:lstStyle/>
+                    <a:p>
+                      <a:pPr algn="ctr" fontAlgn="t"/>
+                      <a:r>
+                        <a:rPr lang="it-IT" sz="1800" b="0" i="0" u="none" strike="noStrike" dirty="0">
+                          <a:solidFill>
+                            <a:srgbClr val="000000"/>
+                          </a:solidFill>
+                          <a:effectLst/>
+                          <a:latin typeface="Helvetica"/>
+                        </a:rPr>
+                        <a:t>20</a:t>
+                      </a:r>
+                    </a:p>
+                  </a:txBody>
+                  <a:tcPr marL="12700" marR="12700" marT="12700" marB="0">
+                    <a:lnL w="6350" cap="flat" cmpd="sng" algn="ctr">
+                      <a:solidFill>
+                        <a:srgbClr val="000000"/>
+                      </a:solidFill>
+                      <a:prstDash val="solid"/>
+                      <a:round/>
+                      <a:headEnd type="none" w="med" len="med"/>
+                      <a:tailEnd type="none" w="med" len="med"/>
+                    </a:lnL>
+                    <a:lnR w="6350" cap="flat" cmpd="sng" algn="ctr">
+                      <a:solidFill>
+                        <a:srgbClr val="000000"/>
+                      </a:solidFill>
+                      <a:prstDash val="solid"/>
+                      <a:round/>
+                      <a:headEnd type="none" w="med" len="med"/>
+                      <a:tailEnd type="none" w="med" len="med"/>
+                    </a:lnR>
+                    <a:lnT w="6350" cap="flat" cmpd="sng" algn="ctr">
+                      <a:solidFill>
+                        <a:srgbClr val="000000"/>
+                      </a:solidFill>
+                      <a:prstDash val="solid"/>
+                      <a:round/>
+                      <a:headEnd type="none" w="med" len="med"/>
+                      <a:tailEnd type="none" w="med" len="med"/>
+                    </a:lnT>
+                    <a:lnB w="6350" cap="flat" cmpd="sng" algn="ctr">
+                      <a:solidFill>
+                        <a:srgbClr val="000000"/>
+                      </a:solidFill>
+                      <a:prstDash val="solid"/>
+                      <a:round/>
+                      <a:headEnd type="none" w="med" len="med"/>
+                      <a:tailEnd type="none" w="med" len="med"/>
+                    </a:lnB>
+                  </a:tcPr>
+                </a:tc>
+              </a:tr>
+            </a:tbl>
+          </a:graphicData>
+        </a:graphic>
+      </p:graphicFrame>
+    </p:spTree>
+    <p:extLst>
+      <p:ext uri="{BB962C8B-B14F-4D97-AF65-F5344CB8AC3E}">
+        <p14:creationId xmlns:p14="http://schemas.microsoft.com/office/powerpoint/2010/main" val="2779379708"/>
+      </p:ext>
+    </p:extLst>
+  </p:cSld>
+  <p:clrMapOvr>
+    <a:masterClrMapping/>
+  </p:clrMapOvr>
+  <p:transition xmlns:p14="http://schemas.microsoft.com/office/powerpoint/2010/main" spd="slow">
+    <p:push dir="u"/>
+  </p:transition>
+  <p:timing>
+    <p:tnLst>
+      <p:par>
+        <p:cTn xmlns:p14="http://schemas.microsoft.com/office/powerpoint/2010/main" id="1" dur="indefinite" restart="never" nodeType="tmRoot"/>
+      </p:par>
+    </p:tnLst>
+  </p:timing>
+</p:sld>
+</file>
+
+<file path=ppt/slides/slide37.xml><?xml version="1.0" encoding="utf-8"?>
+<p:sld xmlns:a="http://schemas.openxmlformats.org/drawingml/2006/main" xmlns:r="http://schemas.openxmlformats.org/officeDocument/2006/relationships" xmlns:p="http://schemas.openxmlformats.org/presentationml/2006/main">
+  <p:cSld>
+    <p:spTree>
+      <p:nvGrpSpPr>
+        <p:cNvPr id="1" name=""/>
+        <p:cNvGrpSpPr/>
+        <p:nvPr/>
+      </p:nvGrpSpPr>
+      <p:grpSpPr>
+        <a:xfrm>
+          <a:off x="0" y="0"/>
+          <a:ext cx="0" cy="0"/>
+          <a:chOff x="0" y="0"/>
+          <a:chExt cx="0" cy="0"/>
+        </a:xfrm>
+      </p:grpSpPr>
+      <p:sp>
+        <p:nvSpPr>
+          <p:cNvPr id="5" name="Rettangolo 4"/>
+          <p:cNvSpPr/>
+          <p:nvPr/>
+        </p:nvSpPr>
+        <p:spPr>
+          <a:xfrm>
+            <a:off x="0" y="-28574"/>
+            <a:ext cx="12192000" cy="342900"/>
+          </a:xfrm>
+          <a:prstGeom prst="rect">
+            <a:avLst/>
+          </a:prstGeom>
+          <a:solidFill>
+            <a:srgbClr val="0072C6"/>
+          </a:solidFill>
+        </p:spPr>
+        <p:style>
+          <a:lnRef idx="2">
+            <a:schemeClr val="accent1">
+              <a:shade val="50000"/>
+            </a:schemeClr>
+          </a:lnRef>
+          <a:fillRef idx="1">
+            <a:schemeClr val="accent1"/>
+          </a:fillRef>
+          <a:effectRef idx="0">
+            <a:schemeClr val="accent1"/>
+          </a:effectRef>
+          <a:fontRef idx="minor">
+            <a:schemeClr val="lt1"/>
+          </a:fontRef>
+        </p:style>
+        <p:txBody>
+          <a:bodyPr rtlCol="0" anchor="ctr"/>
+          <a:lstStyle/>
+          <a:p>
+            <a:pPr algn="ctr"/>
+            <a:endParaRPr lang="it-IT"/>
+          </a:p>
+        </p:txBody>
+      </p:sp>
+      <p:sp>
+        <p:nvSpPr>
+          <p:cNvPr id="4" name="Rettangolo 3"/>
+          <p:cNvSpPr/>
+          <p:nvPr/>
+        </p:nvSpPr>
+        <p:spPr>
+          <a:xfrm>
+            <a:off x="0" y="6515100"/>
+            <a:ext cx="12192000" cy="342900"/>
+          </a:xfrm>
+          <a:prstGeom prst="rect">
+            <a:avLst/>
+          </a:prstGeom>
+          <a:solidFill>
+            <a:srgbClr val="0072C6"/>
+          </a:solidFill>
+        </p:spPr>
+        <p:style>
+          <a:lnRef idx="2">
+            <a:schemeClr val="accent1">
+              <a:shade val="50000"/>
+            </a:schemeClr>
+          </a:lnRef>
+          <a:fillRef idx="1">
+            <a:schemeClr val="accent1"/>
+          </a:fillRef>
+          <a:effectRef idx="0">
+            <a:schemeClr val="accent1"/>
+          </a:effectRef>
+          <a:fontRef idx="minor">
+            <a:schemeClr val="lt1"/>
+          </a:fontRef>
+        </p:style>
+        <p:txBody>
+          <a:bodyPr rtlCol="0" anchor="ctr"/>
+          <a:lstStyle/>
+          <a:p>
+            <a:pPr algn="ctr"/>
+            <a:endParaRPr lang="it-IT"/>
+          </a:p>
+        </p:txBody>
+      </p:sp>
+      <p:sp>
+        <p:nvSpPr>
+          <p:cNvPr id="9" name="CasellaDiTesto 8"/>
+          <p:cNvSpPr txBox="1"/>
+          <p:nvPr/>
+        </p:nvSpPr>
+        <p:spPr>
+          <a:xfrm>
+            <a:off x="415529" y="314326"/>
+            <a:ext cx="11613357" cy="1692771"/>
+          </a:xfrm>
+          <a:prstGeom prst="rect">
+            <a:avLst/>
+          </a:prstGeom>
+          <a:noFill/>
+        </p:spPr>
+        <p:txBody>
+          <a:bodyPr wrap="square" rtlCol="0">
+            <a:spAutoFit/>
+          </a:bodyPr>
+          <a:lstStyle/>
+          <a:p>
+            <a:r>
+              <a:rPr lang="it-IT" sz="4400" b="1" spc="-100" dirty="0" smtClean="0">
+                <a:ln w="3175">
+                  <a:noFill/>
+                </a:ln>
+                <a:solidFill>
+                  <a:srgbClr val="0072C6"/>
+                </a:solidFill>
+                <a:latin typeface="+mj-lt"/>
+                <a:cs typeface="Arial" charset="0"/>
+              </a:rPr>
+              <a:t>Deployment </a:t>
+            </a:r>
+            <a:r>
+              <a:rPr lang="it-IT" sz="4400" b="1" spc="-100" dirty="0" err="1" smtClean="0">
+                <a:ln w="3175">
+                  <a:noFill/>
+                </a:ln>
+                <a:solidFill>
+                  <a:srgbClr val="0072C6"/>
+                </a:solidFill>
+                <a:latin typeface="+mj-lt"/>
+                <a:cs typeface="Arial" charset="0"/>
+              </a:rPr>
+              <a:t>architecture</a:t>
+            </a:r>
+            <a:r>
+              <a:rPr lang="it-IT" sz="4400" b="1" spc="-100" dirty="0" smtClean="0">
+                <a:ln w="3175">
+                  <a:noFill/>
+                </a:ln>
+                <a:solidFill>
+                  <a:srgbClr val="0072C6"/>
+                </a:solidFill>
+                <a:latin typeface="+mj-lt"/>
+                <a:cs typeface="Arial" charset="0"/>
+              </a:rPr>
+              <a:t> - 3</a:t>
+            </a:r>
+            <a:endParaRPr lang="it-IT" sz="4400" b="1" spc="-100" dirty="0">
+              <a:ln w="3175">
+                <a:noFill/>
+              </a:ln>
+              <a:solidFill>
+                <a:srgbClr val="0072C6"/>
+              </a:solidFill>
+              <a:latin typeface="+mj-lt"/>
+              <a:cs typeface="Arial" charset="0"/>
+            </a:endParaRPr>
+          </a:p>
+          <a:p>
+            <a:endParaRPr lang="it-IT" sz="3000" b="1" spc="-100" dirty="0">
+              <a:ln w="3175">
+                <a:noFill/>
+              </a:ln>
+              <a:solidFill>
+                <a:srgbClr val="0072C6"/>
+              </a:solidFill>
+              <a:latin typeface="+mj-lt"/>
+              <a:cs typeface="Arial" charset="0"/>
+            </a:endParaRPr>
+          </a:p>
+          <a:p>
+            <a:endParaRPr lang="it-IT" sz="3000" b="1" spc="-100" dirty="0">
+              <a:ln w="3175">
+                <a:noFill/>
+              </a:ln>
+              <a:solidFill>
+                <a:srgbClr val="0072C6"/>
+              </a:solidFill>
+              <a:latin typeface="+mj-lt"/>
+              <a:cs typeface="Arial" charset="0"/>
+            </a:endParaRPr>
+          </a:p>
+        </p:txBody>
+      </p:sp>
+      <p:pic>
+        <p:nvPicPr>
+          <p:cNvPr id="2" name="Immagine 1" descr="Schermata 2015-02-20 alle 09.59.24.png"/>
+          <p:cNvPicPr>
+            <a:picLocks noChangeAspect="1"/>
+          </p:cNvPicPr>
+          <p:nvPr/>
+        </p:nvPicPr>
+        <p:blipFill>
+          <a:blip r:embed="rId2">
+            <a:extLst>
+              <a:ext uri="{28A0092B-C50C-407E-A947-70E740481C1C}">
+                <a14:useLocalDpi xmlns:a14="http://schemas.microsoft.com/office/drawing/2010/main" val="0"/>
+              </a:ext>
+            </a:extLst>
+          </a:blip>
+          <a:stretch>
+            <a:fillRect/>
+          </a:stretch>
+        </p:blipFill>
+        <p:spPr>
+          <a:xfrm>
+            <a:off x="686468" y="951792"/>
+            <a:ext cx="11189469" cy="5535776"/>
+          </a:xfrm>
+          <a:prstGeom prst="rect">
+            <a:avLst/>
+          </a:prstGeom>
+        </p:spPr>
+      </p:pic>
+    </p:spTree>
+    <p:extLst>
+      <p:ext uri="{BB962C8B-B14F-4D97-AF65-F5344CB8AC3E}">
+        <p14:creationId xmlns:p14="http://schemas.microsoft.com/office/powerpoint/2010/main" val="3637185699"/>
+      </p:ext>
+    </p:extLst>
+  </p:cSld>
+  <p:clrMapOvr>
+    <a:masterClrMapping/>
+  </p:clrMapOvr>
+  <p:transition xmlns:p14="http://schemas.microsoft.com/office/powerpoint/2010/main" spd="slow">
+    <p:push dir="u"/>
+  </p:transition>
+  <p:timing>
+    <p:tnLst>
+      <p:par>
+        <p:cTn xmlns:p14="http://schemas.microsoft.com/office/powerpoint/2010/main" id="1" dur="indefinite" restart="never" nodeType="tmRoot"/>
+      </p:par>
+    </p:tnLst>
+  </p:timing>
+</p:sld>
+</file>
+
+<file path=ppt/slides/slide38.xml><?xml version="1.0" encoding="utf-8"?>
+<p:sld xmlns:a="http://schemas.openxmlformats.org/drawingml/2006/main" xmlns:r="http://schemas.openxmlformats.org/officeDocument/2006/relationships" xmlns:p="http://schemas.openxmlformats.org/presentationml/2006/main">
+  <p:cSld>
+    <p:spTree>
+      <p:nvGrpSpPr>
+        <p:cNvPr id="1" name=""/>
+        <p:cNvGrpSpPr/>
+        <p:nvPr/>
+      </p:nvGrpSpPr>
+      <p:grpSpPr>
+        <a:xfrm>
+          <a:off x="0" y="0"/>
+          <a:ext cx="0" cy="0"/>
+          <a:chOff x="0" y="0"/>
+          <a:chExt cx="0" cy="0"/>
+        </a:xfrm>
+      </p:grpSpPr>
+      <p:sp>
+        <p:nvSpPr>
+          <p:cNvPr id="5" name="Rettangolo 4"/>
+          <p:cNvSpPr/>
+          <p:nvPr/>
+        </p:nvSpPr>
+        <p:spPr>
+          <a:xfrm>
+            <a:off x="0" y="-28574"/>
+            <a:ext cx="12192000" cy="342900"/>
+          </a:xfrm>
+          <a:prstGeom prst="rect">
+            <a:avLst/>
+          </a:prstGeom>
+          <a:solidFill>
+            <a:srgbClr val="0072C6"/>
+          </a:solidFill>
+        </p:spPr>
+        <p:style>
+          <a:lnRef idx="2">
+            <a:schemeClr val="accent1">
+              <a:shade val="50000"/>
+            </a:schemeClr>
+          </a:lnRef>
+          <a:fillRef idx="1">
+            <a:schemeClr val="accent1"/>
+          </a:fillRef>
+          <a:effectRef idx="0">
+            <a:schemeClr val="accent1"/>
+          </a:effectRef>
+          <a:fontRef idx="minor">
+            <a:schemeClr val="lt1"/>
+          </a:fontRef>
+        </p:style>
+        <p:txBody>
+          <a:bodyPr rtlCol="0" anchor="ctr"/>
+          <a:lstStyle/>
+          <a:p>
+            <a:pPr algn="ctr"/>
+            <a:endParaRPr lang="it-IT"/>
+          </a:p>
+        </p:txBody>
+      </p:sp>
+      <p:sp>
+        <p:nvSpPr>
+          <p:cNvPr id="4" name="Rettangolo 3"/>
+          <p:cNvSpPr/>
+          <p:nvPr/>
+        </p:nvSpPr>
+        <p:spPr>
+          <a:xfrm>
+            <a:off x="0" y="6515100"/>
+            <a:ext cx="12192000" cy="342900"/>
+          </a:xfrm>
+          <a:prstGeom prst="rect">
+            <a:avLst/>
+          </a:prstGeom>
+          <a:solidFill>
+            <a:srgbClr val="0072C6"/>
+          </a:solidFill>
+        </p:spPr>
+        <p:style>
+          <a:lnRef idx="2">
+            <a:schemeClr val="accent1">
+              <a:shade val="50000"/>
+            </a:schemeClr>
+          </a:lnRef>
+          <a:fillRef idx="1">
+            <a:schemeClr val="accent1"/>
+          </a:fillRef>
+          <a:effectRef idx="0">
+            <a:schemeClr val="accent1"/>
+          </a:effectRef>
+          <a:fontRef idx="minor">
+            <a:schemeClr val="lt1"/>
+          </a:fontRef>
+        </p:style>
+        <p:txBody>
+          <a:bodyPr rtlCol="0" anchor="ctr"/>
+          <a:lstStyle/>
+          <a:p>
+            <a:pPr algn="ctr"/>
+            <a:endParaRPr lang="it-IT"/>
+          </a:p>
+        </p:txBody>
+      </p:sp>
+      <p:sp>
+        <p:nvSpPr>
+          <p:cNvPr id="9" name="CasellaDiTesto 8"/>
+          <p:cNvSpPr txBox="1"/>
+          <p:nvPr/>
+        </p:nvSpPr>
+        <p:spPr>
+          <a:xfrm>
+            <a:off x="415529" y="314326"/>
+            <a:ext cx="11613357" cy="1692771"/>
+          </a:xfrm>
+          <a:prstGeom prst="rect">
+            <a:avLst/>
+          </a:prstGeom>
+          <a:noFill/>
+        </p:spPr>
+        <p:txBody>
+          <a:bodyPr wrap="square" rtlCol="0">
+            <a:spAutoFit/>
+          </a:bodyPr>
+          <a:lstStyle/>
+          <a:p>
+            <a:r>
+              <a:rPr lang="it-IT" sz="4400" b="1" spc="-100" dirty="0" smtClean="0">
+                <a:ln w="3175">
+                  <a:noFill/>
+                </a:ln>
+                <a:solidFill>
+                  <a:srgbClr val="0072C6"/>
+                </a:solidFill>
+                <a:latin typeface="+mj-lt"/>
+                <a:cs typeface="Arial" charset="0"/>
+              </a:rPr>
+              <a:t>Deployment </a:t>
+            </a:r>
+            <a:r>
+              <a:rPr lang="it-IT" sz="4400" b="1" spc="-100" dirty="0" err="1" smtClean="0">
+                <a:ln w="3175">
+                  <a:noFill/>
+                </a:ln>
+                <a:solidFill>
+                  <a:srgbClr val="0072C6"/>
+                </a:solidFill>
+                <a:latin typeface="+mj-lt"/>
+                <a:cs typeface="Arial" charset="0"/>
+              </a:rPr>
+              <a:t>architecture</a:t>
+            </a:r>
+            <a:r>
+              <a:rPr lang="it-IT" sz="4400" b="1" spc="-100" dirty="0" smtClean="0">
+                <a:ln w="3175">
+                  <a:noFill/>
+                </a:ln>
+                <a:solidFill>
+                  <a:srgbClr val="0072C6"/>
+                </a:solidFill>
+                <a:latin typeface="+mj-lt"/>
+                <a:cs typeface="Arial" charset="0"/>
+              </a:rPr>
+              <a:t> - 3</a:t>
+            </a:r>
+            <a:endParaRPr lang="it-IT" sz="4400" b="1" spc="-100" dirty="0">
+              <a:ln w="3175">
+                <a:noFill/>
+              </a:ln>
+              <a:solidFill>
+                <a:srgbClr val="0072C6"/>
+              </a:solidFill>
+              <a:latin typeface="+mj-lt"/>
+              <a:cs typeface="Arial" charset="0"/>
+            </a:endParaRPr>
+          </a:p>
+          <a:p>
+            <a:endParaRPr lang="it-IT" sz="3000" b="1" spc="-100" dirty="0">
+              <a:ln w="3175">
+                <a:noFill/>
+              </a:ln>
+              <a:solidFill>
+                <a:srgbClr val="0072C6"/>
+              </a:solidFill>
+              <a:latin typeface="+mj-lt"/>
+              <a:cs typeface="Arial" charset="0"/>
+            </a:endParaRPr>
+          </a:p>
+          <a:p>
+            <a:endParaRPr lang="it-IT" sz="3000" b="1" spc="-100" dirty="0">
+              <a:ln w="3175">
+                <a:noFill/>
+              </a:ln>
+              <a:solidFill>
+                <a:srgbClr val="0072C6"/>
+              </a:solidFill>
+              <a:latin typeface="+mj-lt"/>
+              <a:cs typeface="Arial" charset="0"/>
+            </a:endParaRPr>
+          </a:p>
+        </p:txBody>
+      </p:sp>
+      <p:pic>
+        <p:nvPicPr>
+          <p:cNvPr id="6" name="Immagine 5" descr="FP.pdf"/>
+          <p:cNvPicPr>
+            <a:picLocks noChangeAspect="1"/>
+          </p:cNvPicPr>
+          <p:nvPr/>
+        </p:nvPicPr>
+        <p:blipFill>
+          <a:blip r:embed="rId2">
+            <a:extLst>
+              <a:ext uri="{28A0092B-C50C-407E-A947-70E740481C1C}">
+                <a14:useLocalDpi xmlns:a14="http://schemas.microsoft.com/office/drawing/2010/main" val="0"/>
+              </a:ext>
+            </a:extLst>
+          </a:blip>
+          <a:stretch>
+            <a:fillRect/>
+          </a:stretch>
+        </p:blipFill>
+        <p:spPr>
+          <a:xfrm>
+            <a:off x="5261179" y="1768736"/>
+            <a:ext cx="6660345" cy="4492524"/>
+          </a:xfrm>
+          <a:prstGeom prst="rect">
+            <a:avLst/>
+          </a:prstGeom>
+        </p:spPr>
+      </p:pic>
+      <p:graphicFrame>
+        <p:nvGraphicFramePr>
+          <p:cNvPr id="10" name="Tabella 9"/>
+          <p:cNvGraphicFramePr>
+            <a:graphicFrameLocks noGrp="1"/>
+          </p:cNvGraphicFramePr>
+          <p:nvPr>
+            <p:extLst>
+              <p:ext uri="{D42A27DB-BD31-4B8C-83A1-F6EECF244321}">
+                <p14:modId xmlns:p14="http://schemas.microsoft.com/office/powerpoint/2010/main" val="4270621046"/>
+              </p:ext>
+            </p:extLst>
+          </p:nvPr>
+        </p:nvGraphicFramePr>
+        <p:xfrm>
+          <a:off x="452619" y="2423738"/>
+          <a:ext cx="4673026" cy="3102707"/>
+        </p:xfrm>
+        <a:graphic>
+          <a:graphicData uri="http://schemas.openxmlformats.org/drawingml/2006/table">
+            <a:tbl>
+              <a:tblPr/>
+              <a:tblGrid>
+                <a:gridCol w="2429973"/>
+                <a:gridCol w="2243053"/>
+              </a:tblGrid>
+              <a:tr h="381208">
+                <a:tc>
+                  <a:txBody>
+                    <a:bodyPr/>
+                    <a:lstStyle/>
+                    <a:p>
+                      <a:pPr algn="ctr" fontAlgn="t"/>
+                      <a:r>
+                        <a:rPr lang="it-IT" sz="1800" b="1" i="0" u="none" strike="noStrike" dirty="0" smtClean="0">
+                          <a:solidFill>
+                            <a:srgbClr val="000000"/>
+                          </a:solidFill>
+                          <a:effectLst/>
+                          <a:latin typeface="Helvetica"/>
+                        </a:rPr>
+                        <a:t>Astrazione</a:t>
+                      </a:r>
+                      <a:endParaRPr lang="it-IT" sz="1800" b="1" i="0" u="none" strike="noStrike" dirty="0">
+                        <a:solidFill>
+                          <a:srgbClr val="000000"/>
+                        </a:solidFill>
+                        <a:effectLst/>
+                        <a:latin typeface="Helvetica"/>
+                      </a:endParaRPr>
+                    </a:p>
+                  </a:txBody>
+                  <a:tcPr marL="12700" marR="12700" marT="12700" marB="0">
+                    <a:lnL w="6350" cap="flat" cmpd="sng" algn="ctr">
+                      <a:solidFill>
+                        <a:srgbClr val="000000"/>
+                      </a:solidFill>
+                      <a:prstDash val="solid"/>
+                      <a:round/>
+                      <a:headEnd type="none" w="med" len="med"/>
+                      <a:tailEnd type="none" w="med" len="med"/>
+                    </a:lnL>
+                    <a:lnR w="6350" cap="flat" cmpd="sng" algn="ctr">
+                      <a:solidFill>
+                        <a:srgbClr val="000000"/>
+                      </a:solidFill>
+                      <a:prstDash val="solid"/>
+                      <a:round/>
+                      <a:headEnd type="none" w="med" len="med"/>
+                      <a:tailEnd type="none" w="med" len="med"/>
+                    </a:lnR>
+                    <a:lnT w="6350" cap="flat" cmpd="sng" algn="ctr">
+                      <a:solidFill>
+                        <a:srgbClr val="000000"/>
+                      </a:solidFill>
+                      <a:prstDash val="solid"/>
+                      <a:round/>
+                      <a:headEnd type="none" w="med" len="med"/>
+                      <a:tailEnd type="none" w="med" len="med"/>
+                    </a:lnT>
+                    <a:lnB w="6350" cap="flat" cmpd="sng" algn="ctr">
+                      <a:solidFill>
+                        <a:srgbClr val="000000"/>
+                      </a:solidFill>
+                      <a:prstDash val="solid"/>
+                      <a:round/>
+                      <a:headEnd type="none" w="med" len="med"/>
+                      <a:tailEnd type="none" w="med" len="med"/>
+                    </a:lnB>
+                    <a:solidFill>
+                      <a:srgbClr val="DBDBDB"/>
+                    </a:solidFill>
+                  </a:tcPr>
+                </a:tc>
+                <a:tc>
+                  <a:txBody>
+                    <a:bodyPr/>
+                    <a:lstStyle/>
+                    <a:p>
+                      <a:pPr algn="ctr" fontAlgn="t"/>
+                      <a:r>
+                        <a:rPr lang="it-IT" sz="1800" b="0" i="0" u="none" strike="noStrike" dirty="0">
+                          <a:solidFill>
+                            <a:srgbClr val="000000"/>
+                          </a:solidFill>
+                          <a:effectLst/>
+                          <a:latin typeface="Helvetica"/>
+                        </a:rPr>
+                        <a:t>10</a:t>
+                      </a:r>
+                    </a:p>
+                  </a:txBody>
+                  <a:tcPr marL="12700" marR="12700" marT="12700" marB="0">
+                    <a:lnL w="6350" cap="flat" cmpd="sng" algn="ctr">
+                      <a:solidFill>
+                        <a:srgbClr val="000000"/>
+                      </a:solidFill>
+                      <a:prstDash val="solid"/>
+                      <a:round/>
+                      <a:headEnd type="none" w="med" len="med"/>
+                      <a:tailEnd type="none" w="med" len="med"/>
+                    </a:lnL>
+                    <a:lnR w="6350" cap="flat" cmpd="sng" algn="ctr">
+                      <a:solidFill>
+                        <a:srgbClr val="000000"/>
+                      </a:solidFill>
+                      <a:prstDash val="solid"/>
+                      <a:round/>
+                      <a:headEnd type="none" w="med" len="med"/>
+                      <a:tailEnd type="none" w="med" len="med"/>
+                    </a:lnR>
+                    <a:lnT w="6350" cap="flat" cmpd="sng" algn="ctr">
+                      <a:solidFill>
+                        <a:srgbClr val="000000"/>
+                      </a:solidFill>
+                      <a:prstDash val="solid"/>
+                      <a:round/>
+                      <a:headEnd type="none" w="med" len="med"/>
+                      <a:tailEnd type="none" w="med" len="med"/>
+                    </a:lnT>
+                    <a:lnB w="6350" cap="flat" cmpd="sng" algn="ctr">
+                      <a:solidFill>
+                        <a:srgbClr val="000000"/>
+                      </a:solidFill>
+                      <a:prstDash val="solid"/>
+                      <a:round/>
+                      <a:headEnd type="none" w="med" len="med"/>
+                      <a:tailEnd type="none" w="med" len="med"/>
+                    </a:lnB>
+                  </a:tcPr>
+                </a:tc>
+              </a:tr>
+              <a:tr h="381208">
+                <a:tc>
+                  <a:txBody>
+                    <a:bodyPr/>
+                    <a:lstStyle/>
+                    <a:p>
+                      <a:pPr algn="ctr" fontAlgn="t"/>
+                      <a:r>
+                        <a:rPr lang="it-IT" sz="1800" b="1" i="0" u="none" strike="noStrike" dirty="0">
+                          <a:solidFill>
+                            <a:srgbClr val="000000"/>
+                          </a:solidFill>
+                          <a:effectLst/>
+                          <a:latin typeface="Helvetica"/>
+                        </a:rPr>
+                        <a:t>Complessità</a:t>
+                      </a:r>
+                    </a:p>
+                  </a:txBody>
+                  <a:tcPr marL="12700" marR="12700" marT="12700" marB="0">
+                    <a:lnL w="6350" cap="flat" cmpd="sng" algn="ctr">
+                      <a:solidFill>
+                        <a:srgbClr val="000000"/>
+                      </a:solidFill>
+                      <a:prstDash val="solid"/>
+                      <a:round/>
+                      <a:headEnd type="none" w="med" len="med"/>
+                      <a:tailEnd type="none" w="med" len="med"/>
+                    </a:lnL>
+                    <a:lnR w="6350" cap="flat" cmpd="sng" algn="ctr">
+                      <a:solidFill>
+                        <a:srgbClr val="000000"/>
+                      </a:solidFill>
+                      <a:prstDash val="solid"/>
+                      <a:round/>
+                      <a:headEnd type="none" w="med" len="med"/>
+                      <a:tailEnd type="none" w="med" len="med"/>
+                    </a:lnR>
+                    <a:lnT w="6350" cap="flat" cmpd="sng" algn="ctr">
+                      <a:solidFill>
+                        <a:srgbClr val="000000"/>
+                      </a:solidFill>
+                      <a:prstDash val="solid"/>
+                      <a:round/>
+                      <a:headEnd type="none" w="med" len="med"/>
+                      <a:tailEnd type="none" w="med" len="med"/>
+                    </a:lnT>
+                    <a:lnB w="6350" cap="flat" cmpd="sng" algn="ctr">
+                      <a:solidFill>
+                        <a:srgbClr val="000000"/>
+                      </a:solidFill>
+                      <a:prstDash val="solid"/>
+                      <a:round/>
+                      <a:headEnd type="none" w="med" len="med"/>
+                      <a:tailEnd type="none" w="med" len="med"/>
+                    </a:lnB>
+                    <a:solidFill>
+                      <a:srgbClr val="DBDBDB"/>
+                    </a:solidFill>
+                  </a:tcPr>
+                </a:tc>
+                <a:tc>
+                  <a:txBody>
+                    <a:bodyPr/>
+                    <a:lstStyle/>
+                    <a:p>
+                      <a:pPr algn="ctr" fontAlgn="t"/>
+                      <a:r>
+                        <a:rPr lang="it-IT" sz="1800" b="0" i="0" u="none" strike="noStrike" dirty="0">
+                          <a:solidFill>
+                            <a:srgbClr val="000000"/>
+                          </a:solidFill>
+                          <a:effectLst/>
+                          <a:latin typeface="Helvetica"/>
+                        </a:rPr>
+                        <a:t>30</a:t>
+                      </a:r>
+                    </a:p>
+                  </a:txBody>
+                  <a:tcPr marL="12700" marR="12700" marT="12700" marB="0">
+                    <a:lnL w="6350" cap="flat" cmpd="sng" algn="ctr">
+                      <a:solidFill>
+                        <a:srgbClr val="000000"/>
+                      </a:solidFill>
+                      <a:prstDash val="solid"/>
+                      <a:round/>
+                      <a:headEnd type="none" w="med" len="med"/>
+                      <a:tailEnd type="none" w="med" len="med"/>
+                    </a:lnL>
+                    <a:lnR w="6350" cap="flat" cmpd="sng" algn="ctr">
+                      <a:solidFill>
+                        <a:srgbClr val="000000"/>
+                      </a:solidFill>
+                      <a:prstDash val="solid"/>
+                      <a:round/>
+                      <a:headEnd type="none" w="med" len="med"/>
+                      <a:tailEnd type="none" w="med" len="med"/>
+                    </a:lnR>
+                    <a:lnT w="6350" cap="flat" cmpd="sng" algn="ctr">
+                      <a:solidFill>
+                        <a:srgbClr val="000000"/>
+                      </a:solidFill>
+                      <a:prstDash val="solid"/>
+                      <a:round/>
+                      <a:headEnd type="none" w="med" len="med"/>
+                      <a:tailEnd type="none" w="med" len="med"/>
+                    </a:lnT>
+                    <a:lnB w="6350" cap="flat" cmpd="sng" algn="ctr">
+                      <a:solidFill>
+                        <a:srgbClr val="000000"/>
+                      </a:solidFill>
+                      <a:prstDash val="solid"/>
+                      <a:round/>
+                      <a:headEnd type="none" w="med" len="med"/>
+                      <a:tailEnd type="none" w="med" len="med"/>
+                    </a:lnB>
+                  </a:tcPr>
+                </a:tc>
+              </a:tr>
+              <a:tr h="381208">
+                <a:tc>
+                  <a:txBody>
+                    <a:bodyPr/>
+                    <a:lstStyle/>
+                    <a:p>
+                      <a:pPr algn="ctr" fontAlgn="t"/>
+                      <a:r>
+                        <a:rPr lang="it-IT" sz="1800" b="1" i="0" u="none" strike="noStrike" dirty="0">
+                          <a:solidFill>
+                            <a:srgbClr val="000000"/>
+                          </a:solidFill>
+                          <a:effectLst/>
+                          <a:latin typeface="Helvetica"/>
+                        </a:rPr>
+                        <a:t>Frequenza</a:t>
+                      </a:r>
+                    </a:p>
+                  </a:txBody>
+                  <a:tcPr marL="12700" marR="12700" marT="12700" marB="0">
+                    <a:lnL w="6350" cap="flat" cmpd="sng" algn="ctr">
+                      <a:solidFill>
+                        <a:srgbClr val="000000"/>
+                      </a:solidFill>
+                      <a:prstDash val="solid"/>
+                      <a:round/>
+                      <a:headEnd type="none" w="med" len="med"/>
+                      <a:tailEnd type="none" w="med" len="med"/>
+                    </a:lnL>
+                    <a:lnR w="6350" cap="flat" cmpd="sng" algn="ctr">
+                      <a:solidFill>
+                        <a:srgbClr val="000000"/>
+                      </a:solidFill>
+                      <a:prstDash val="solid"/>
+                      <a:round/>
+                      <a:headEnd type="none" w="med" len="med"/>
+                      <a:tailEnd type="none" w="med" len="med"/>
+                    </a:lnR>
+                    <a:lnT w="6350" cap="flat" cmpd="sng" algn="ctr">
+                      <a:solidFill>
+                        <a:srgbClr val="000000"/>
+                      </a:solidFill>
+                      <a:prstDash val="solid"/>
+                      <a:round/>
+                      <a:headEnd type="none" w="med" len="med"/>
+                      <a:tailEnd type="none" w="med" len="med"/>
+                    </a:lnT>
+                    <a:lnB w="6350" cap="flat" cmpd="sng" algn="ctr">
+                      <a:solidFill>
+                        <a:srgbClr val="000000"/>
+                      </a:solidFill>
+                      <a:prstDash val="solid"/>
+                      <a:round/>
+                      <a:headEnd type="none" w="med" len="med"/>
+                      <a:tailEnd type="none" w="med" len="med"/>
+                    </a:lnB>
+                    <a:solidFill>
+                      <a:srgbClr val="DBDBDB"/>
+                    </a:solidFill>
+                  </a:tcPr>
+                </a:tc>
+                <a:tc>
+                  <a:txBody>
+                    <a:bodyPr/>
+                    <a:lstStyle/>
+                    <a:p>
+                      <a:pPr algn="ctr" fontAlgn="t"/>
+                      <a:r>
+                        <a:rPr lang="it-IT" sz="1800" b="0" i="0" u="none" strike="noStrike" dirty="0">
+                          <a:solidFill>
+                            <a:srgbClr val="000000"/>
+                          </a:solidFill>
+                          <a:effectLst/>
+                          <a:latin typeface="Helvetica"/>
+                        </a:rPr>
+                        <a:t>20</a:t>
+                      </a:r>
+                    </a:p>
+                  </a:txBody>
+                  <a:tcPr marL="12700" marR="12700" marT="12700" marB="0">
+                    <a:lnL w="6350" cap="flat" cmpd="sng" algn="ctr">
+                      <a:solidFill>
+                        <a:srgbClr val="000000"/>
+                      </a:solidFill>
+                      <a:prstDash val="solid"/>
+                      <a:round/>
+                      <a:headEnd type="none" w="med" len="med"/>
+                      <a:tailEnd type="none" w="med" len="med"/>
+                    </a:lnL>
+                    <a:lnR w="6350" cap="flat" cmpd="sng" algn="ctr">
+                      <a:solidFill>
+                        <a:srgbClr val="000000"/>
+                      </a:solidFill>
+                      <a:prstDash val="solid"/>
+                      <a:round/>
+                      <a:headEnd type="none" w="med" len="med"/>
+                      <a:tailEnd type="none" w="med" len="med"/>
+                    </a:lnR>
+                    <a:lnT w="6350" cap="flat" cmpd="sng" algn="ctr">
+                      <a:solidFill>
+                        <a:srgbClr val="000000"/>
+                      </a:solidFill>
+                      <a:prstDash val="solid"/>
+                      <a:round/>
+                      <a:headEnd type="none" w="med" len="med"/>
+                      <a:tailEnd type="none" w="med" len="med"/>
+                    </a:lnT>
+                    <a:lnB w="6350" cap="flat" cmpd="sng" algn="ctr">
+                      <a:solidFill>
+                        <a:srgbClr val="000000"/>
+                      </a:solidFill>
+                      <a:prstDash val="solid"/>
+                      <a:round/>
+                      <a:headEnd type="none" w="med" len="med"/>
+                      <a:tailEnd type="none" w="med" len="med"/>
+                    </a:lnB>
+                  </a:tcPr>
+                </a:tc>
+              </a:tr>
+              <a:tr h="381208">
+                <a:tc>
+                  <a:txBody>
+                    <a:bodyPr/>
+                    <a:lstStyle/>
+                    <a:p>
+                      <a:pPr algn="ctr" fontAlgn="t"/>
+                      <a:r>
+                        <a:rPr lang="it-IT" sz="1800" b="1" i="0" u="none" strike="noStrike" dirty="0">
+                          <a:solidFill>
+                            <a:srgbClr val="000000"/>
+                          </a:solidFill>
+                          <a:effectLst/>
+                          <a:latin typeface="Helvetica"/>
+                        </a:rPr>
+                        <a:t>Ritardo</a:t>
+                      </a:r>
+                    </a:p>
+                  </a:txBody>
+                  <a:tcPr marL="12700" marR="12700" marT="12700" marB="0">
+                    <a:lnL w="6350" cap="flat" cmpd="sng" algn="ctr">
+                      <a:solidFill>
+                        <a:srgbClr val="000000"/>
+                      </a:solidFill>
+                      <a:prstDash val="solid"/>
+                      <a:round/>
+                      <a:headEnd type="none" w="med" len="med"/>
+                      <a:tailEnd type="none" w="med" len="med"/>
+                    </a:lnL>
+                    <a:lnR w="6350" cap="flat" cmpd="sng" algn="ctr">
+                      <a:solidFill>
+                        <a:srgbClr val="000000"/>
+                      </a:solidFill>
+                      <a:prstDash val="solid"/>
+                      <a:round/>
+                      <a:headEnd type="none" w="med" len="med"/>
+                      <a:tailEnd type="none" w="med" len="med"/>
+                    </a:lnR>
+                    <a:lnT w="6350" cap="flat" cmpd="sng" algn="ctr">
+                      <a:solidFill>
+                        <a:srgbClr val="000000"/>
+                      </a:solidFill>
+                      <a:prstDash val="solid"/>
+                      <a:round/>
+                      <a:headEnd type="none" w="med" len="med"/>
+                      <a:tailEnd type="none" w="med" len="med"/>
+                    </a:lnT>
+                    <a:lnB w="6350" cap="flat" cmpd="sng" algn="ctr">
+                      <a:solidFill>
+                        <a:srgbClr val="000000"/>
+                      </a:solidFill>
+                      <a:prstDash val="solid"/>
+                      <a:round/>
+                      <a:headEnd type="none" w="med" len="med"/>
+                      <a:tailEnd type="none" w="med" len="med"/>
+                    </a:lnB>
+                    <a:solidFill>
+                      <a:srgbClr val="DBDBDB"/>
+                    </a:solidFill>
+                  </a:tcPr>
+                </a:tc>
+                <a:tc>
+                  <a:txBody>
+                    <a:bodyPr/>
+                    <a:lstStyle/>
+                    <a:p>
+                      <a:pPr algn="ctr" fontAlgn="t"/>
+                      <a:r>
+                        <a:rPr lang="it-IT" sz="1800" b="0" i="0" u="none" strike="noStrike" dirty="0">
+                          <a:solidFill>
+                            <a:srgbClr val="000000"/>
+                          </a:solidFill>
+                          <a:effectLst/>
+                          <a:latin typeface="Helvetica"/>
+                        </a:rPr>
+                        <a:t>10</a:t>
+                      </a:r>
+                    </a:p>
+                  </a:txBody>
+                  <a:tcPr marL="12700" marR="12700" marT="12700" marB="0">
+                    <a:lnL w="6350" cap="flat" cmpd="sng" algn="ctr">
+                      <a:solidFill>
+                        <a:srgbClr val="000000"/>
+                      </a:solidFill>
+                      <a:prstDash val="solid"/>
+                      <a:round/>
+                      <a:headEnd type="none" w="med" len="med"/>
+                      <a:tailEnd type="none" w="med" len="med"/>
+                    </a:lnL>
+                    <a:lnR w="6350" cap="flat" cmpd="sng" algn="ctr">
+                      <a:solidFill>
+                        <a:srgbClr val="000000"/>
+                      </a:solidFill>
+                      <a:prstDash val="solid"/>
+                      <a:round/>
+                      <a:headEnd type="none" w="med" len="med"/>
+                      <a:tailEnd type="none" w="med" len="med"/>
+                    </a:lnR>
+                    <a:lnT w="6350" cap="flat" cmpd="sng" algn="ctr">
+                      <a:solidFill>
+                        <a:srgbClr val="000000"/>
+                      </a:solidFill>
+                      <a:prstDash val="solid"/>
+                      <a:round/>
+                      <a:headEnd type="none" w="med" len="med"/>
+                      <a:tailEnd type="none" w="med" len="med"/>
+                    </a:lnT>
+                    <a:lnB w="6350" cap="flat" cmpd="sng" algn="ctr">
+                      <a:solidFill>
+                        <a:srgbClr val="000000"/>
+                      </a:solidFill>
+                      <a:prstDash val="solid"/>
+                      <a:round/>
+                      <a:headEnd type="none" w="med" len="med"/>
+                      <a:tailEnd type="none" w="med" len="med"/>
+                    </a:lnB>
+                  </a:tcPr>
+                </a:tc>
+              </a:tr>
+              <a:tr h="405148">
+                <a:tc>
+                  <a:txBody>
+                    <a:bodyPr/>
+                    <a:lstStyle/>
+                    <a:p>
+                      <a:pPr algn="ctr" fontAlgn="t"/>
+                      <a:r>
+                        <a:rPr lang="it-IT" sz="1800" b="1" i="0" u="none" strike="noStrike">
+                          <a:solidFill>
+                            <a:srgbClr val="000000"/>
+                          </a:solidFill>
+                          <a:effectLst/>
+                          <a:latin typeface="Helvetica"/>
+                        </a:rPr>
+                        <a:t>Localizzazione</a:t>
+                      </a:r>
+                    </a:p>
+                  </a:txBody>
+                  <a:tcPr marL="12700" marR="12700" marT="12700" marB="0">
+                    <a:lnL w="6350" cap="flat" cmpd="sng" algn="ctr">
+                      <a:solidFill>
+                        <a:srgbClr val="000000"/>
+                      </a:solidFill>
+                      <a:prstDash val="solid"/>
+                      <a:round/>
+                      <a:headEnd type="none" w="med" len="med"/>
+                      <a:tailEnd type="none" w="med" len="med"/>
+                    </a:lnL>
+                    <a:lnR w="6350" cap="flat" cmpd="sng" algn="ctr">
+                      <a:solidFill>
+                        <a:srgbClr val="000000"/>
+                      </a:solidFill>
+                      <a:prstDash val="solid"/>
+                      <a:round/>
+                      <a:headEnd type="none" w="med" len="med"/>
+                      <a:tailEnd type="none" w="med" len="med"/>
+                    </a:lnR>
+                    <a:lnT w="6350" cap="flat" cmpd="sng" algn="ctr">
+                      <a:solidFill>
+                        <a:srgbClr val="000000"/>
+                      </a:solidFill>
+                      <a:prstDash val="solid"/>
+                      <a:round/>
+                      <a:headEnd type="none" w="med" len="med"/>
+                      <a:tailEnd type="none" w="med" len="med"/>
+                    </a:lnT>
+                    <a:lnB w="6350" cap="flat" cmpd="sng" algn="ctr">
+                      <a:solidFill>
+                        <a:srgbClr val="000000"/>
+                      </a:solidFill>
+                      <a:prstDash val="solid"/>
+                      <a:round/>
+                      <a:headEnd type="none" w="med" len="med"/>
+                      <a:tailEnd type="none" w="med" len="med"/>
+                    </a:lnB>
+                    <a:solidFill>
+                      <a:srgbClr val="DBDBDB"/>
+                    </a:solidFill>
+                  </a:tcPr>
+                </a:tc>
+                <a:tc>
+                  <a:txBody>
+                    <a:bodyPr/>
+                    <a:lstStyle/>
+                    <a:p>
+                      <a:pPr algn="ctr" fontAlgn="t"/>
+                      <a:r>
+                        <a:rPr lang="it-IT" sz="1800" b="0" i="0" u="none" strike="noStrike" dirty="0">
+                          <a:solidFill>
+                            <a:srgbClr val="000000"/>
+                          </a:solidFill>
+                          <a:effectLst/>
+                          <a:latin typeface="Helvetica"/>
+                        </a:rPr>
+                        <a:t>30</a:t>
+                      </a:r>
+                    </a:p>
+                  </a:txBody>
+                  <a:tcPr marL="12700" marR="12700" marT="12700" marB="0">
+                    <a:lnL w="6350" cap="flat" cmpd="sng" algn="ctr">
+                      <a:solidFill>
+                        <a:srgbClr val="000000"/>
+                      </a:solidFill>
+                      <a:prstDash val="solid"/>
+                      <a:round/>
+                      <a:headEnd type="none" w="med" len="med"/>
+                      <a:tailEnd type="none" w="med" len="med"/>
+                    </a:lnL>
+                    <a:lnR w="6350" cap="flat" cmpd="sng" algn="ctr">
+                      <a:solidFill>
+                        <a:srgbClr val="000000"/>
+                      </a:solidFill>
+                      <a:prstDash val="solid"/>
+                      <a:round/>
+                      <a:headEnd type="none" w="med" len="med"/>
+                      <a:tailEnd type="none" w="med" len="med"/>
+                    </a:lnR>
+                    <a:lnT w="6350" cap="flat" cmpd="sng" algn="ctr">
+                      <a:solidFill>
+                        <a:srgbClr val="000000"/>
+                      </a:solidFill>
+                      <a:prstDash val="solid"/>
+                      <a:round/>
+                      <a:headEnd type="none" w="med" len="med"/>
+                      <a:tailEnd type="none" w="med" len="med"/>
+                    </a:lnT>
+                    <a:lnB w="6350" cap="flat" cmpd="sng" algn="ctr">
+                      <a:solidFill>
+                        <a:srgbClr val="000000"/>
+                      </a:solidFill>
+                      <a:prstDash val="solid"/>
+                      <a:round/>
+                      <a:headEnd type="none" w="med" len="med"/>
+                      <a:tailEnd type="none" w="med" len="med"/>
+                    </a:lnB>
+                  </a:tcPr>
+                </a:tc>
+              </a:tr>
+              <a:tr h="410311">
+                <a:tc>
+                  <a:txBody>
+                    <a:bodyPr/>
+                    <a:lstStyle/>
+                    <a:p>
+                      <a:pPr algn="ctr" fontAlgn="t"/>
+                      <a:r>
+                        <a:rPr lang="it-IT" sz="1800" b="1" i="0" u="none" strike="noStrike" dirty="0" err="1">
+                          <a:solidFill>
+                            <a:srgbClr val="000000"/>
+                          </a:solidFill>
+                          <a:effectLst/>
+                          <a:latin typeface="Helvetica"/>
+                        </a:rPr>
+                        <a:t>ExtraFlow</a:t>
+                      </a:r>
+                      <a:endParaRPr lang="it-IT" sz="1800" b="1" i="0" u="none" strike="noStrike" dirty="0">
+                        <a:solidFill>
+                          <a:srgbClr val="000000"/>
+                        </a:solidFill>
+                        <a:effectLst/>
+                        <a:latin typeface="Helvetica"/>
+                      </a:endParaRPr>
+                    </a:p>
+                  </a:txBody>
+                  <a:tcPr marL="12700" marR="12700" marT="12700" marB="0">
+                    <a:lnL w="6350" cap="flat" cmpd="sng" algn="ctr">
+                      <a:solidFill>
+                        <a:srgbClr val="000000"/>
+                      </a:solidFill>
+                      <a:prstDash val="solid"/>
+                      <a:round/>
+                      <a:headEnd type="none" w="med" len="med"/>
+                      <a:tailEnd type="none" w="med" len="med"/>
+                    </a:lnL>
+                    <a:lnR w="6350" cap="flat" cmpd="sng" algn="ctr">
+                      <a:solidFill>
+                        <a:srgbClr val="000000"/>
+                      </a:solidFill>
+                      <a:prstDash val="solid"/>
+                      <a:round/>
+                      <a:headEnd type="none" w="med" len="med"/>
+                      <a:tailEnd type="none" w="med" len="med"/>
+                    </a:lnR>
+                    <a:lnT w="6350" cap="flat" cmpd="sng" algn="ctr">
+                      <a:solidFill>
+                        <a:srgbClr val="000000"/>
+                      </a:solidFill>
+                      <a:prstDash val="solid"/>
+                      <a:round/>
+                      <a:headEnd type="none" w="med" len="med"/>
+                      <a:tailEnd type="none" w="med" len="med"/>
+                    </a:lnT>
+                    <a:lnB w="6350" cap="flat" cmpd="sng" algn="ctr">
+                      <a:solidFill>
+                        <a:srgbClr val="000000"/>
+                      </a:solidFill>
+                      <a:prstDash val="solid"/>
+                      <a:round/>
+                      <a:headEnd type="none" w="med" len="med"/>
+                      <a:tailEnd type="none" w="med" len="med"/>
+                    </a:lnB>
+                    <a:solidFill>
+                      <a:srgbClr val="DBDBDB"/>
+                    </a:solidFill>
+                  </a:tcPr>
+                </a:tc>
+                <a:tc>
+                  <a:txBody>
+                    <a:bodyPr/>
+                    <a:lstStyle/>
+                    <a:p>
+                      <a:pPr algn="ctr" fontAlgn="t"/>
+                      <a:r>
+                        <a:rPr lang="it-IT" sz="1800" b="0" i="0" u="none" strike="noStrike" dirty="0">
+                          <a:solidFill>
+                            <a:srgbClr val="000000"/>
+                          </a:solidFill>
+                          <a:effectLst/>
+                          <a:latin typeface="Helvetica"/>
+                        </a:rPr>
+                        <a:t>30</a:t>
+                      </a:r>
+                    </a:p>
+                  </a:txBody>
+                  <a:tcPr marL="12700" marR="12700" marT="12700" marB="0">
+                    <a:lnL w="6350" cap="flat" cmpd="sng" algn="ctr">
+                      <a:solidFill>
+                        <a:srgbClr val="000000"/>
+                      </a:solidFill>
+                      <a:prstDash val="solid"/>
+                      <a:round/>
+                      <a:headEnd type="none" w="med" len="med"/>
+                      <a:tailEnd type="none" w="med" len="med"/>
+                    </a:lnL>
+                    <a:lnR w="6350" cap="flat" cmpd="sng" algn="ctr">
+                      <a:solidFill>
+                        <a:srgbClr val="000000"/>
+                      </a:solidFill>
+                      <a:prstDash val="solid"/>
+                      <a:round/>
+                      <a:headEnd type="none" w="med" len="med"/>
+                      <a:tailEnd type="none" w="med" len="med"/>
+                    </a:lnR>
+                    <a:lnT w="6350" cap="flat" cmpd="sng" algn="ctr">
+                      <a:solidFill>
+                        <a:srgbClr val="000000"/>
+                      </a:solidFill>
+                      <a:prstDash val="solid"/>
+                      <a:round/>
+                      <a:headEnd type="none" w="med" len="med"/>
+                      <a:tailEnd type="none" w="med" len="med"/>
+                    </a:lnT>
+                    <a:lnB w="6350" cap="flat" cmpd="sng" algn="ctr">
+                      <a:solidFill>
+                        <a:srgbClr val="000000"/>
+                      </a:solidFill>
+                      <a:prstDash val="solid"/>
+                      <a:round/>
+                      <a:headEnd type="none" w="med" len="med"/>
+                      <a:tailEnd type="none" w="med" len="med"/>
+                    </a:lnB>
+                  </a:tcPr>
+                </a:tc>
+              </a:tr>
+              <a:tr h="381208">
+                <a:tc>
+                  <a:txBody>
+                    <a:bodyPr/>
+                    <a:lstStyle/>
+                    <a:p>
+                      <a:pPr algn="ctr" fontAlgn="t"/>
+                      <a:r>
+                        <a:rPr lang="it-IT" sz="1800" b="1" i="0" u="none" strike="noStrike" dirty="0" err="1">
+                          <a:solidFill>
+                            <a:srgbClr val="000000"/>
+                          </a:solidFill>
+                          <a:effectLst/>
+                          <a:latin typeface="Helvetica"/>
+                        </a:rPr>
+                        <a:t>IntraFlow</a:t>
+                      </a:r>
+                      <a:endParaRPr lang="it-IT" sz="1800" b="1" i="0" u="none" strike="noStrike" dirty="0">
+                        <a:solidFill>
+                          <a:srgbClr val="000000"/>
+                        </a:solidFill>
+                        <a:effectLst/>
+                        <a:latin typeface="Helvetica"/>
+                      </a:endParaRPr>
+                    </a:p>
+                  </a:txBody>
+                  <a:tcPr marL="12700" marR="12700" marT="12700" marB="0">
+                    <a:lnL w="6350" cap="flat" cmpd="sng" algn="ctr">
+                      <a:solidFill>
+                        <a:srgbClr val="000000"/>
+                      </a:solidFill>
+                      <a:prstDash val="solid"/>
+                      <a:round/>
+                      <a:headEnd type="none" w="med" len="med"/>
+                      <a:tailEnd type="none" w="med" len="med"/>
+                    </a:lnL>
+                    <a:lnR w="6350" cap="flat" cmpd="sng" algn="ctr">
+                      <a:solidFill>
+                        <a:srgbClr val="000000"/>
+                      </a:solidFill>
+                      <a:prstDash val="solid"/>
+                      <a:round/>
+                      <a:headEnd type="none" w="med" len="med"/>
+                      <a:tailEnd type="none" w="med" len="med"/>
+                    </a:lnR>
+                    <a:lnT w="6350" cap="flat" cmpd="sng" algn="ctr">
+                      <a:solidFill>
+                        <a:srgbClr val="000000"/>
+                      </a:solidFill>
+                      <a:prstDash val="solid"/>
+                      <a:round/>
+                      <a:headEnd type="none" w="med" len="med"/>
+                      <a:tailEnd type="none" w="med" len="med"/>
+                    </a:lnT>
+                    <a:lnB w="6350" cap="flat" cmpd="sng" algn="ctr">
+                      <a:solidFill>
+                        <a:srgbClr val="000000"/>
+                      </a:solidFill>
+                      <a:prstDash val="solid"/>
+                      <a:round/>
+                      <a:headEnd type="none" w="med" len="med"/>
+                      <a:tailEnd type="none" w="med" len="med"/>
+                    </a:lnB>
+                    <a:solidFill>
+                      <a:srgbClr val="DBDBDB"/>
+                    </a:solidFill>
+                  </a:tcPr>
+                </a:tc>
+                <a:tc>
+                  <a:txBody>
+                    <a:bodyPr/>
+                    <a:lstStyle/>
+                    <a:p>
+                      <a:pPr algn="ctr" fontAlgn="t"/>
+                      <a:r>
+                        <a:rPr lang="it-IT" sz="1800" b="0" i="0" u="none" strike="noStrike" dirty="0">
+                          <a:solidFill>
+                            <a:srgbClr val="000000"/>
+                          </a:solidFill>
+                          <a:effectLst/>
+                          <a:latin typeface="Helvetica"/>
+                        </a:rPr>
+                        <a:t>60</a:t>
+                      </a:r>
+                    </a:p>
+                  </a:txBody>
+                  <a:tcPr marL="12700" marR="12700" marT="12700" marB="0">
+                    <a:lnL w="6350" cap="flat" cmpd="sng" algn="ctr">
+                      <a:solidFill>
+                        <a:srgbClr val="000000"/>
+                      </a:solidFill>
+                      <a:prstDash val="solid"/>
+                      <a:round/>
+                      <a:headEnd type="none" w="med" len="med"/>
+                      <a:tailEnd type="none" w="med" len="med"/>
+                    </a:lnL>
+                    <a:lnR w="6350" cap="flat" cmpd="sng" algn="ctr">
+                      <a:solidFill>
+                        <a:srgbClr val="000000"/>
+                      </a:solidFill>
+                      <a:prstDash val="solid"/>
+                      <a:round/>
+                      <a:headEnd type="none" w="med" len="med"/>
+                      <a:tailEnd type="none" w="med" len="med"/>
+                    </a:lnR>
+                    <a:lnT w="6350" cap="flat" cmpd="sng" algn="ctr">
+                      <a:solidFill>
+                        <a:srgbClr val="000000"/>
+                      </a:solidFill>
+                      <a:prstDash val="solid"/>
+                      <a:round/>
+                      <a:headEnd type="none" w="med" len="med"/>
+                      <a:tailEnd type="none" w="med" len="med"/>
+                    </a:lnT>
+                    <a:lnB w="6350" cap="flat" cmpd="sng" algn="ctr">
+                      <a:solidFill>
+                        <a:srgbClr val="000000"/>
+                      </a:solidFill>
+                      <a:prstDash val="solid"/>
+                      <a:round/>
+                      <a:headEnd type="none" w="med" len="med"/>
+                      <a:tailEnd type="none" w="med" len="med"/>
+                    </a:lnB>
+                  </a:tcPr>
+                </a:tc>
+              </a:tr>
+              <a:tr h="381208">
+                <a:tc>
+                  <a:txBody>
+                    <a:bodyPr/>
+                    <a:lstStyle/>
+                    <a:p>
+                      <a:pPr algn="ctr" fontAlgn="t"/>
+                      <a:r>
+                        <a:rPr lang="it-IT" sz="1800" b="1" i="0" u="none" strike="noStrike" dirty="0">
+                          <a:solidFill>
+                            <a:srgbClr val="000000"/>
+                          </a:solidFill>
+                          <a:effectLst/>
+                          <a:latin typeface="Helvetica"/>
+                        </a:rPr>
+                        <a:t>Condivisione</a:t>
+                      </a:r>
+                    </a:p>
+                  </a:txBody>
+                  <a:tcPr marL="12700" marR="12700" marT="12700" marB="0">
+                    <a:lnL w="6350" cap="flat" cmpd="sng" algn="ctr">
+                      <a:solidFill>
+                        <a:srgbClr val="000000"/>
+                      </a:solidFill>
+                      <a:prstDash val="solid"/>
+                      <a:round/>
+                      <a:headEnd type="none" w="med" len="med"/>
+                      <a:tailEnd type="none" w="med" len="med"/>
+                    </a:lnL>
+                    <a:lnR w="6350" cap="flat" cmpd="sng" algn="ctr">
+                      <a:solidFill>
+                        <a:srgbClr val="000000"/>
+                      </a:solidFill>
+                      <a:prstDash val="solid"/>
+                      <a:round/>
+                      <a:headEnd type="none" w="med" len="med"/>
+                      <a:tailEnd type="none" w="med" len="med"/>
+                    </a:lnR>
+                    <a:lnT w="6350" cap="flat" cmpd="sng" algn="ctr">
+                      <a:solidFill>
+                        <a:srgbClr val="000000"/>
+                      </a:solidFill>
+                      <a:prstDash val="solid"/>
+                      <a:round/>
+                      <a:headEnd type="none" w="med" len="med"/>
+                      <a:tailEnd type="none" w="med" len="med"/>
+                    </a:lnT>
+                    <a:lnB w="6350" cap="flat" cmpd="sng" algn="ctr">
+                      <a:solidFill>
+                        <a:srgbClr val="000000"/>
+                      </a:solidFill>
+                      <a:prstDash val="solid"/>
+                      <a:round/>
+                      <a:headEnd type="none" w="med" len="med"/>
+                      <a:tailEnd type="none" w="med" len="med"/>
+                    </a:lnB>
+                    <a:solidFill>
+                      <a:srgbClr val="DBDBDB"/>
+                    </a:solidFill>
+                  </a:tcPr>
+                </a:tc>
+                <a:tc>
+                  <a:txBody>
+                    <a:bodyPr/>
+                    <a:lstStyle/>
+                    <a:p>
+                      <a:pPr algn="ctr" fontAlgn="t"/>
+                      <a:r>
+                        <a:rPr lang="it-IT" sz="1800" b="0" i="0" u="none" strike="noStrike" dirty="0">
+                          <a:solidFill>
+                            <a:srgbClr val="000000"/>
+                          </a:solidFill>
+                          <a:effectLst/>
+                          <a:latin typeface="Helvetica"/>
+                        </a:rPr>
+                        <a:t>20</a:t>
+                      </a:r>
+                    </a:p>
+                  </a:txBody>
+                  <a:tcPr marL="12700" marR="12700" marT="12700" marB="0">
+                    <a:lnL w="6350" cap="flat" cmpd="sng" algn="ctr">
+                      <a:solidFill>
+                        <a:srgbClr val="000000"/>
+                      </a:solidFill>
+                      <a:prstDash val="solid"/>
+                      <a:round/>
+                      <a:headEnd type="none" w="med" len="med"/>
+                      <a:tailEnd type="none" w="med" len="med"/>
+                    </a:lnL>
+                    <a:lnR w="6350" cap="flat" cmpd="sng" algn="ctr">
+                      <a:solidFill>
+                        <a:srgbClr val="000000"/>
+                      </a:solidFill>
+                      <a:prstDash val="solid"/>
+                      <a:round/>
+                      <a:headEnd type="none" w="med" len="med"/>
+                      <a:tailEnd type="none" w="med" len="med"/>
+                    </a:lnR>
+                    <a:lnT w="6350" cap="flat" cmpd="sng" algn="ctr">
+                      <a:solidFill>
+                        <a:srgbClr val="000000"/>
+                      </a:solidFill>
+                      <a:prstDash val="solid"/>
+                      <a:round/>
+                      <a:headEnd type="none" w="med" len="med"/>
+                      <a:tailEnd type="none" w="med" len="med"/>
+                    </a:lnT>
+                    <a:lnB w="6350" cap="flat" cmpd="sng" algn="ctr">
+                      <a:solidFill>
+                        <a:srgbClr val="000000"/>
+                      </a:solidFill>
+                      <a:prstDash val="solid"/>
+                      <a:round/>
+                      <a:headEnd type="none" w="med" len="med"/>
+                      <a:tailEnd type="none" w="med" len="med"/>
+                    </a:lnB>
+                  </a:tcPr>
+                </a:tc>
+              </a:tr>
+            </a:tbl>
+          </a:graphicData>
+        </a:graphic>
+      </p:graphicFrame>
+    </p:spTree>
+    <p:extLst>
+      <p:ext uri="{BB962C8B-B14F-4D97-AF65-F5344CB8AC3E}">
+        <p14:creationId xmlns:p14="http://schemas.microsoft.com/office/powerpoint/2010/main" val="326428895"/>
+      </p:ext>
+    </p:extLst>
+  </p:cSld>
+  <p:clrMapOvr>
+    <a:masterClrMapping/>
+  </p:clrMapOvr>
+  <p:transition xmlns:p14="http://schemas.microsoft.com/office/powerpoint/2010/main" spd="slow">
+    <p:push dir="u"/>
+  </p:transition>
+  <p:timing>
+    <p:tnLst>
+      <p:par>
+        <p:cTn xmlns:p14="http://schemas.microsoft.com/office/powerpoint/2010/main" id="1" dur="indefinite" restart="never" nodeType="tmRoot"/>
+      </p:par>
+    </p:tnLst>
+  </p:timing>
+</p:sld>
+</file>
+
+<file path=ppt/slides/slide39.xml><?xml version="1.0" encoding="utf-8"?>
 <p:sld xmlns:a="http://schemas.openxmlformats.org/drawingml/2006/main" xmlns:r="http://schemas.openxmlformats.org/officeDocument/2006/relationships" xmlns:p="http://schemas.openxmlformats.org/presentationml/2006/main">
   <p:cSld>
     <p:spTree>
@@ -14379,28 +17431,7 @@
                 <a:latin typeface="+mj-lt"/>
                 <a:cs typeface="Arial" charset="0"/>
               </a:rPr>
-              <a:t>1400</a:t>
-            </a:r>
-            <a:r>
-              <a:rPr lang="it-IT" sz="2800" spc="-100" dirty="0" smtClean="0">
-                <a:ln w="3175">
-                  <a:noFill/>
-                </a:ln>
-                <a:gradFill>
-                  <a:gsLst>
-                    <a:gs pos="1250">
-                      <a:schemeClr val="tx2"/>
-                    </a:gs>
-                    <a:gs pos="100000">
-                      <a:schemeClr val="tx2"/>
-                    </a:gs>
-                  </a:gsLst>
-                  <a:lin ang="5400000" scaled="0"/>
-                </a:gradFill>
-                <a:latin typeface="+mj-lt"/>
-                <a:cs typeface="Arial" charset="0"/>
-              </a:rPr>
-              <a:t>€/unità </a:t>
+              <a:t>1400€/unità </a:t>
             </a:r>
             <a:r>
               <a:rPr lang="it-IT" sz="1400" spc="-100" dirty="0" smtClean="0">
@@ -14662,20 +17693,412 @@
   <p:clrMapOvr>
     <a:masterClrMapping/>
   </p:clrMapOvr>
-  <p:transition spd="slow">
+  <p:transition xmlns:p14="http://schemas.microsoft.com/office/powerpoint/2010/main" spd="slow">
     <p:push dir="u"/>
   </p:transition>
   <p:timing>
     <p:tnLst>
       <p:par>
-        <p:cTn id="1" dur="indefinite" restart="never" nodeType="tmRoot"/>
+        <p:cTn xmlns:p14="http://schemas.microsoft.com/office/powerpoint/2010/main" id="1" dur="indefinite" restart="never" nodeType="tmRoot"/>
       </p:par>
     </p:tnLst>
   </p:timing>
 </p:sld>
 </file>
 
-<file path=ppt/slides/slide36.xml><?xml version="1.0" encoding="utf-8"?>
+<file path=ppt/slides/slide4.xml><?xml version="1.0" encoding="utf-8"?>
+<p:sld xmlns:a="http://schemas.openxmlformats.org/drawingml/2006/main" xmlns:r="http://schemas.openxmlformats.org/officeDocument/2006/relationships" xmlns:p="http://schemas.openxmlformats.org/presentationml/2006/main">
+  <p:cSld>
+    <p:spTree>
+      <p:nvGrpSpPr>
+        <p:cNvPr id="1" name=""/>
+        <p:cNvGrpSpPr/>
+        <p:nvPr/>
+      </p:nvGrpSpPr>
+      <p:grpSpPr>
+        <a:xfrm>
+          <a:off x="0" y="0"/>
+          <a:ext cx="0" cy="0"/>
+          <a:chOff x="0" y="0"/>
+          <a:chExt cx="0" cy="0"/>
+        </a:xfrm>
+      </p:grpSpPr>
+      <p:sp>
+        <p:nvSpPr>
+          <p:cNvPr id="6" name="Rettangolo 5"/>
+          <p:cNvSpPr/>
+          <p:nvPr/>
+        </p:nvSpPr>
+        <p:spPr>
+          <a:xfrm>
+            <a:off x="0" y="6515100"/>
+            <a:ext cx="12192000" cy="342900"/>
+          </a:xfrm>
+          <a:prstGeom prst="rect">
+            <a:avLst/>
+          </a:prstGeom>
+          <a:solidFill>
+            <a:srgbClr val="0072C6"/>
+          </a:solidFill>
+        </p:spPr>
+        <p:style>
+          <a:lnRef idx="2">
+            <a:schemeClr val="accent1">
+              <a:shade val="50000"/>
+            </a:schemeClr>
+          </a:lnRef>
+          <a:fillRef idx="1">
+            <a:schemeClr val="accent1"/>
+          </a:fillRef>
+          <a:effectRef idx="0">
+            <a:schemeClr val="accent1"/>
+          </a:effectRef>
+          <a:fontRef idx="minor">
+            <a:schemeClr val="lt1"/>
+          </a:fontRef>
+        </p:style>
+        <p:txBody>
+          <a:bodyPr rtlCol="0" anchor="ctr"/>
+          <a:lstStyle/>
+          <a:p>
+            <a:pPr algn="ctr"/>
+            <a:endParaRPr lang="it-IT"/>
+          </a:p>
+        </p:txBody>
+      </p:sp>
+      <p:sp>
+        <p:nvSpPr>
+          <p:cNvPr id="7" name="Rettangolo 6"/>
+          <p:cNvSpPr/>
+          <p:nvPr/>
+        </p:nvSpPr>
+        <p:spPr>
+          <a:xfrm>
+            <a:off x="0" y="-28574"/>
+            <a:ext cx="12192000" cy="342900"/>
+          </a:xfrm>
+          <a:prstGeom prst="rect">
+            <a:avLst/>
+          </a:prstGeom>
+          <a:solidFill>
+            <a:srgbClr val="0072C6"/>
+          </a:solidFill>
+        </p:spPr>
+        <p:style>
+          <a:lnRef idx="2">
+            <a:schemeClr val="accent1">
+              <a:shade val="50000"/>
+            </a:schemeClr>
+          </a:lnRef>
+          <a:fillRef idx="1">
+            <a:schemeClr val="accent1"/>
+          </a:fillRef>
+          <a:effectRef idx="0">
+            <a:schemeClr val="accent1"/>
+          </a:effectRef>
+          <a:fontRef idx="minor">
+            <a:schemeClr val="lt1"/>
+          </a:fontRef>
+        </p:style>
+        <p:txBody>
+          <a:bodyPr rtlCol="0" anchor="ctr"/>
+          <a:lstStyle/>
+          <a:p>
+            <a:pPr algn="ctr"/>
+            <a:endParaRPr lang="it-IT"/>
+          </a:p>
+        </p:txBody>
+      </p:sp>
+      <p:sp>
+        <p:nvSpPr>
+          <p:cNvPr id="2" name="CasellaDiTesto 1"/>
+          <p:cNvSpPr txBox="1"/>
+          <p:nvPr/>
+        </p:nvSpPr>
+        <p:spPr>
+          <a:xfrm>
+            <a:off x="521493" y="1828800"/>
+            <a:ext cx="11044237" cy="4231928"/>
+          </a:xfrm>
+          <a:prstGeom prst="rect">
+            <a:avLst/>
+          </a:prstGeom>
+          <a:noFill/>
+        </p:spPr>
+        <p:txBody>
+          <a:bodyPr wrap="square" rtlCol="0">
+            <a:spAutoFit/>
+          </a:bodyPr>
+          <a:lstStyle/>
+          <a:p>
+            <a:pPr marL="457200" lvl="0" indent="-457200">
+              <a:buFont typeface="Arial" panose="020B0604020202020204" pitchFamily="34" charset="0"/>
+              <a:buChar char="•"/>
+            </a:pPr>
+            <a:r>
+              <a:rPr lang="it-IT" sz="3200" spc="-100" dirty="0">
+                <a:ln w="3175">
+                  <a:noFill/>
+                </a:ln>
+                <a:gradFill>
+                  <a:gsLst>
+                    <a:gs pos="1250">
+                      <a:schemeClr val="tx2"/>
+                    </a:gs>
+                    <a:gs pos="100000">
+                      <a:schemeClr val="tx2"/>
+                    </a:gs>
+                  </a:gsLst>
+                  <a:lin ang="5400000" scaled="0"/>
+                </a:gradFill>
+                <a:latin typeface="+mj-lt"/>
+                <a:cs typeface="Arial" charset="0"/>
+              </a:rPr>
+              <a:t>pianificare degli spostamenti delle squadre di emergenza in base alle informazioni relative alle emergenze potenziali</a:t>
+            </a:r>
+          </a:p>
+          <a:p>
+            <a:pPr marL="457200" lvl="0" indent="-457200">
+              <a:buFont typeface="Arial" panose="020B0604020202020204" pitchFamily="34" charset="0"/>
+              <a:buChar char="•"/>
+            </a:pPr>
+            <a:endParaRPr lang="it-IT" sz="1500" spc="-100" dirty="0">
+              <a:ln w="3175">
+                <a:noFill/>
+              </a:ln>
+              <a:gradFill>
+                <a:gsLst>
+                  <a:gs pos="1250">
+                    <a:schemeClr val="tx2"/>
+                  </a:gs>
+                  <a:gs pos="100000">
+                    <a:schemeClr val="tx2"/>
+                  </a:gs>
+                </a:gsLst>
+                <a:lin ang="5400000" scaled="0"/>
+              </a:gradFill>
+              <a:latin typeface="+mj-lt"/>
+              <a:cs typeface="Arial" charset="0"/>
+            </a:endParaRPr>
+          </a:p>
+          <a:p>
+            <a:pPr marL="457200" lvl="0" indent="-457200">
+              <a:buFont typeface="Arial" panose="020B0604020202020204" pitchFamily="34" charset="0"/>
+              <a:buChar char="•"/>
+            </a:pPr>
+            <a:r>
+              <a:rPr lang="it-IT" sz="3200" spc="-100" dirty="0">
+                <a:ln w="3175">
+                  <a:noFill/>
+                </a:ln>
+                <a:gradFill>
+                  <a:gsLst>
+                    <a:gs pos="1250">
+                      <a:schemeClr val="tx2"/>
+                    </a:gs>
+                    <a:gs pos="100000">
+                      <a:schemeClr val="tx2"/>
+                    </a:gs>
+                  </a:gsLst>
+                  <a:lin ang="5400000" scaled="0"/>
+                </a:gradFill>
+                <a:latin typeface="+mj-lt"/>
+                <a:cs typeface="Arial" charset="0"/>
+              </a:rPr>
+              <a:t>notificare la pianificazione ai responsabili territoriali della protezione civile e alle squadre di emergenza coinvolte</a:t>
+            </a:r>
+          </a:p>
+          <a:p>
+            <a:pPr marL="457200" lvl="0" indent="-457200">
+              <a:buFont typeface="Arial" panose="020B0604020202020204" pitchFamily="34" charset="0"/>
+              <a:buChar char="•"/>
+            </a:pPr>
+            <a:endParaRPr lang="it-IT" sz="1500" spc="-100" dirty="0">
+              <a:ln w="3175">
+                <a:noFill/>
+              </a:ln>
+              <a:gradFill>
+                <a:gsLst>
+                  <a:gs pos="1250">
+                    <a:schemeClr val="tx2"/>
+                  </a:gs>
+                  <a:gs pos="100000">
+                    <a:schemeClr val="tx2"/>
+                  </a:gs>
+                </a:gsLst>
+                <a:lin ang="5400000" scaled="0"/>
+              </a:gradFill>
+              <a:latin typeface="+mj-lt"/>
+              <a:cs typeface="Arial" charset="0"/>
+            </a:endParaRPr>
+          </a:p>
+          <a:p>
+            <a:pPr marL="457200" lvl="0" indent="-457200">
+              <a:buFont typeface="Arial" panose="020B0604020202020204" pitchFamily="34" charset="0"/>
+              <a:buChar char="•"/>
+            </a:pPr>
+            <a:r>
+              <a:rPr lang="it-IT" sz="3200" spc="-100" dirty="0">
+                <a:ln w="3175">
+                  <a:noFill/>
+                </a:ln>
+                <a:gradFill>
+                  <a:gsLst>
+                    <a:gs pos="1250">
+                      <a:schemeClr val="tx2"/>
+                    </a:gs>
+                    <a:gs pos="100000">
+                      <a:schemeClr val="tx2"/>
+                    </a:gs>
+                  </a:gsLst>
+                  <a:lin ang="5400000" scaled="0"/>
+                </a:gradFill>
+                <a:latin typeface="+mj-lt"/>
+                <a:cs typeface="Arial" charset="0"/>
+              </a:rPr>
+              <a:t>memorizzare l’allocazione squadre di emergenza</a:t>
+            </a:r>
+          </a:p>
+          <a:p>
+            <a:pPr marL="457200" lvl="0" indent="-457200">
+              <a:buFont typeface="Arial" panose="020B0604020202020204" pitchFamily="34" charset="0"/>
+              <a:buChar char="•"/>
+            </a:pPr>
+            <a:endParaRPr lang="it-IT" sz="1500" spc="-100" dirty="0">
+              <a:ln w="3175">
+                <a:noFill/>
+              </a:ln>
+              <a:gradFill>
+                <a:gsLst>
+                  <a:gs pos="1250">
+                    <a:schemeClr val="tx2"/>
+                  </a:gs>
+                  <a:gs pos="100000">
+                    <a:schemeClr val="tx2"/>
+                  </a:gs>
+                </a:gsLst>
+                <a:lin ang="5400000" scaled="0"/>
+              </a:gradFill>
+              <a:latin typeface="+mj-lt"/>
+              <a:cs typeface="Arial" charset="0"/>
+            </a:endParaRPr>
+          </a:p>
+          <a:p>
+            <a:pPr marL="457200" lvl="0" indent="-457200">
+              <a:buFont typeface="Arial" panose="020B0604020202020204" pitchFamily="34" charset="0"/>
+              <a:buChar char="•"/>
+            </a:pPr>
+            <a:r>
+              <a:rPr lang="it-IT" sz="3200" spc="-100" dirty="0">
+                <a:ln w="3175">
+                  <a:noFill/>
+                </a:ln>
+                <a:gradFill>
+                  <a:gsLst>
+                    <a:gs pos="1250">
+                      <a:schemeClr val="tx2"/>
+                    </a:gs>
+                    <a:gs pos="100000">
+                      <a:schemeClr val="tx2"/>
+                    </a:gs>
+                  </a:gsLst>
+                  <a:lin ang="5400000" scaled="0"/>
+                </a:gradFill>
+                <a:latin typeface="+mj-lt"/>
+                <a:cs typeface="Arial" charset="0"/>
+              </a:rPr>
+              <a:t>notificare di emergenze gravi alle squadre di emergenza più prossime</a:t>
+            </a:r>
+          </a:p>
+        </p:txBody>
+      </p:sp>
+      <p:sp>
+        <p:nvSpPr>
+          <p:cNvPr id="9" name="CasellaDiTesto 8"/>
+          <p:cNvSpPr txBox="1"/>
+          <p:nvPr/>
+        </p:nvSpPr>
+        <p:spPr>
+          <a:xfrm>
+            <a:off x="415529" y="314326"/>
+            <a:ext cx="11613357" cy="1384995"/>
+          </a:xfrm>
+          <a:prstGeom prst="rect">
+            <a:avLst/>
+          </a:prstGeom>
+          <a:noFill/>
+        </p:spPr>
+        <p:txBody>
+          <a:bodyPr wrap="square" rtlCol="0">
+            <a:spAutoFit/>
+          </a:bodyPr>
+          <a:lstStyle/>
+          <a:p>
+            <a:r>
+              <a:rPr lang="it-IT" sz="5400" b="1" spc="-100" dirty="0">
+                <a:ln w="3175">
+                  <a:noFill/>
+                </a:ln>
+                <a:solidFill>
+                  <a:srgbClr val="0072C6"/>
+                </a:solidFill>
+                <a:latin typeface="+mj-lt"/>
+                <a:cs typeface="Arial" charset="0"/>
+              </a:rPr>
+              <a:t>Analisi del problema</a:t>
+            </a:r>
+          </a:p>
+          <a:p>
+            <a:r>
+              <a:rPr lang="it-IT" sz="3000" b="1" spc="-100" dirty="0" smtClean="0">
+                <a:ln w="3175">
+                  <a:noFill/>
+                </a:ln>
+                <a:solidFill>
+                  <a:srgbClr val="0072C6"/>
+                </a:solidFill>
+                <a:latin typeface="+mj-lt"/>
+                <a:cs typeface="Arial" charset="0"/>
+              </a:rPr>
+              <a:t>Studio del problema - 2</a:t>
+            </a:r>
+            <a:endParaRPr lang="it-IT" sz="3000" b="1" spc="-100" dirty="0">
+              <a:ln w="3175">
+                <a:noFill/>
+              </a:ln>
+              <a:solidFill>
+                <a:srgbClr val="0072C6"/>
+              </a:solidFill>
+              <a:latin typeface="+mj-lt"/>
+              <a:cs typeface="Arial" charset="0"/>
+            </a:endParaRPr>
+          </a:p>
+        </p:txBody>
+      </p:sp>
+    </p:spTree>
+    <p:extLst>
+      <p:ext uri="{BB962C8B-B14F-4D97-AF65-F5344CB8AC3E}">
+        <p14:creationId xmlns:p14="http://schemas.microsoft.com/office/powerpoint/2010/main" val="3451820100"/>
+      </p:ext>
+    </p:extLst>
+  </p:cSld>
+  <p:clrMapOvr>
+    <a:masterClrMapping/>
+  </p:clrMapOvr>
+  <p:transition xmlns:p14="http://schemas.microsoft.com/office/powerpoint/2010/main" spd="slow">
+    <p:push dir="u"/>
+  </p:transition>
+  <p:timing>
+    <p:tnLst>
+      <p:par>
+        <p:cTn xmlns:p14="http://schemas.microsoft.com/office/powerpoint/2010/main" id="1" dur="indefinite" restart="never" nodeType="tmRoot"/>
+      </p:par>
+    </p:tnLst>
+  </p:timing>
+</p:sld>
+</file>
+
+<file path=ppt/slides/slide40.xml><?xml version="1.0" encoding="utf-8"?>
 <p:sld xmlns:a="http://schemas.openxmlformats.org/drawingml/2006/main" xmlns:r="http://schemas.openxmlformats.org/officeDocument/2006/relationships" xmlns:p="http://schemas.openxmlformats.org/presentationml/2006/main">
   <p:cSld>
     <p:spTree>
@@ -15043,20 +18466,20 @@
   <p:clrMapOvr>
     <a:masterClrMapping/>
   </p:clrMapOvr>
-  <p:transition spd="slow">
+  <p:transition xmlns:p14="http://schemas.microsoft.com/office/powerpoint/2010/main" spd="slow">
     <p:push dir="u"/>
   </p:transition>
   <p:timing>
     <p:tnLst>
       <p:par>
-        <p:cTn id="1" dur="indefinite" restart="never" nodeType="tmRoot"/>
+        <p:cTn xmlns:p14="http://schemas.microsoft.com/office/powerpoint/2010/main" id="1" dur="indefinite" restart="never" nodeType="tmRoot"/>
       </p:par>
     </p:tnLst>
   </p:timing>
 </p:sld>
 </file>
 
-<file path=ppt/slides/slide37.xml><?xml version="1.0" encoding="utf-8"?>
+<file path=ppt/slides/slide41.xml><?xml version="1.0" encoding="utf-8"?>
 <p:sld xmlns:a="http://schemas.openxmlformats.org/drawingml/2006/main" xmlns:r="http://schemas.openxmlformats.org/officeDocument/2006/relationships" xmlns:p="http://schemas.openxmlformats.org/presentationml/2006/main">
   <p:cSld>
     <p:spTree>
@@ -15394,20 +18817,20 @@
   <p:clrMapOvr>
     <a:masterClrMapping/>
   </p:clrMapOvr>
-  <p:transition spd="slow">
+  <p:transition xmlns:p14="http://schemas.microsoft.com/office/powerpoint/2010/main" spd="slow">
     <p:push dir="u"/>
   </p:transition>
   <p:timing>
     <p:tnLst>
       <p:par>
-        <p:cTn id="1" dur="indefinite" restart="never" nodeType="tmRoot"/>
+        <p:cTn xmlns:p14="http://schemas.microsoft.com/office/powerpoint/2010/main" id="1" dur="indefinite" restart="never" nodeType="tmRoot"/>
       </p:par>
     </p:tnLst>
   </p:timing>
 </p:sld>
 </file>
 
-<file path=ppt/slides/slide38.xml><?xml version="1.0" encoding="utf-8"?>
+<file path=ppt/slides/slide42.xml><?xml version="1.0" encoding="utf-8"?>
 <p:sld xmlns:a="http://schemas.openxmlformats.org/drawingml/2006/main" xmlns:r="http://schemas.openxmlformats.org/officeDocument/2006/relationships" xmlns:p="http://schemas.openxmlformats.org/presentationml/2006/main">
   <p:cSld>
     <p:spTree>
@@ -15590,15 +19013,7 @@
                   <a:srgbClr val="0072C6"/>
                 </a:solidFill>
               </a:rPr>
-              <a:t>Strumenti - </a:t>
-            </a:r>
-            <a:r>
-              <a:rPr lang="it-IT" sz="3000" b="1" i="1" dirty="0" smtClean="0">
-                <a:solidFill>
-                  <a:srgbClr val="0072C6"/>
-                </a:solidFill>
-              </a:rPr>
-              <a:t>3</a:t>
+              <a:t>Strumenti - 3</a:t>
             </a:r>
             <a:endParaRPr lang="it-IT" sz="3000" b="1" i="1" dirty="0">
               <a:solidFill>
@@ -15824,20 +19239,20 @@
   <p:clrMapOvr>
     <a:masterClrMapping/>
   </p:clrMapOvr>
-  <p:transition spd="slow">
+  <p:transition xmlns:p14="http://schemas.microsoft.com/office/powerpoint/2010/main" spd="slow">
     <p:push dir="u"/>
   </p:transition>
   <p:timing>
     <p:tnLst>
       <p:par>
-        <p:cTn id="1" dur="indefinite" restart="never" nodeType="tmRoot"/>
+        <p:cTn xmlns:p14="http://schemas.microsoft.com/office/powerpoint/2010/main" id="1" dur="indefinite" restart="never" nodeType="tmRoot"/>
       </p:par>
     </p:tnLst>
   </p:timing>
 </p:sld>
 </file>
 
-<file path=ppt/slides/slide39.xml><?xml version="1.0" encoding="utf-8"?>
+<file path=ppt/slides/slide43.xml><?xml version="1.0" encoding="utf-8"?>
 <p:sld xmlns:a="http://schemas.openxmlformats.org/drawingml/2006/main" xmlns:r="http://schemas.openxmlformats.org/officeDocument/2006/relationships" xmlns:p="http://schemas.openxmlformats.org/presentationml/2006/main">
   <p:cSld>
     <p:spTree>
@@ -16030,11 +19445,6 @@
               </a:rPr>
               <a:t>4</a:t>
             </a:r>
-            <a:endParaRPr lang="it-IT" sz="3000" b="1" i="1" dirty="0">
-              <a:solidFill>
-                <a:srgbClr val="0072C6"/>
-              </a:solidFill>
-            </a:endParaRPr>
           </a:p>
           <a:p>
             <a:endParaRPr lang="it-IT" sz="1500" b="1" i="1" dirty="0" smtClean="0">
@@ -16214,412 +19624,20 @@
   <p:clrMapOvr>
     <a:masterClrMapping/>
   </p:clrMapOvr>
-  <p:transition spd="slow">
+  <p:transition xmlns:p14="http://schemas.microsoft.com/office/powerpoint/2010/main" spd="slow">
     <p:push dir="u"/>
   </p:transition>
   <p:timing>
     <p:tnLst>
       <p:par>
-        <p:cTn id="1" dur="indefinite" restart="never" nodeType="tmRoot"/>
+        <p:cTn xmlns:p14="http://schemas.microsoft.com/office/powerpoint/2010/main" id="1" dur="indefinite" restart="never" nodeType="tmRoot"/>
       </p:par>
     </p:tnLst>
   </p:timing>
 </p:sld>
 </file>
 
-<file path=ppt/slides/slide4.xml><?xml version="1.0" encoding="utf-8"?>
-<p:sld xmlns:a="http://schemas.openxmlformats.org/drawingml/2006/main" xmlns:r="http://schemas.openxmlformats.org/officeDocument/2006/relationships" xmlns:p="http://schemas.openxmlformats.org/presentationml/2006/main">
-  <p:cSld>
-    <p:spTree>
-      <p:nvGrpSpPr>
-        <p:cNvPr id="1" name=""/>
-        <p:cNvGrpSpPr/>
-        <p:nvPr/>
-      </p:nvGrpSpPr>
-      <p:grpSpPr>
-        <a:xfrm>
-          <a:off x="0" y="0"/>
-          <a:ext cx="0" cy="0"/>
-          <a:chOff x="0" y="0"/>
-          <a:chExt cx="0" cy="0"/>
-        </a:xfrm>
-      </p:grpSpPr>
-      <p:sp>
-        <p:nvSpPr>
-          <p:cNvPr id="6" name="Rettangolo 5"/>
-          <p:cNvSpPr/>
-          <p:nvPr/>
-        </p:nvSpPr>
-        <p:spPr>
-          <a:xfrm>
-            <a:off x="0" y="6515100"/>
-            <a:ext cx="12192000" cy="342900"/>
-          </a:xfrm>
-          <a:prstGeom prst="rect">
-            <a:avLst/>
-          </a:prstGeom>
-          <a:solidFill>
-            <a:srgbClr val="0072C6"/>
-          </a:solidFill>
-        </p:spPr>
-        <p:style>
-          <a:lnRef idx="2">
-            <a:schemeClr val="accent1">
-              <a:shade val="50000"/>
-            </a:schemeClr>
-          </a:lnRef>
-          <a:fillRef idx="1">
-            <a:schemeClr val="accent1"/>
-          </a:fillRef>
-          <a:effectRef idx="0">
-            <a:schemeClr val="accent1"/>
-          </a:effectRef>
-          <a:fontRef idx="minor">
-            <a:schemeClr val="lt1"/>
-          </a:fontRef>
-        </p:style>
-        <p:txBody>
-          <a:bodyPr rtlCol="0" anchor="ctr"/>
-          <a:lstStyle/>
-          <a:p>
-            <a:pPr algn="ctr"/>
-            <a:endParaRPr lang="it-IT"/>
-          </a:p>
-        </p:txBody>
-      </p:sp>
-      <p:sp>
-        <p:nvSpPr>
-          <p:cNvPr id="7" name="Rettangolo 6"/>
-          <p:cNvSpPr/>
-          <p:nvPr/>
-        </p:nvSpPr>
-        <p:spPr>
-          <a:xfrm>
-            <a:off x="0" y="-28574"/>
-            <a:ext cx="12192000" cy="342900"/>
-          </a:xfrm>
-          <a:prstGeom prst="rect">
-            <a:avLst/>
-          </a:prstGeom>
-          <a:solidFill>
-            <a:srgbClr val="0072C6"/>
-          </a:solidFill>
-        </p:spPr>
-        <p:style>
-          <a:lnRef idx="2">
-            <a:schemeClr val="accent1">
-              <a:shade val="50000"/>
-            </a:schemeClr>
-          </a:lnRef>
-          <a:fillRef idx="1">
-            <a:schemeClr val="accent1"/>
-          </a:fillRef>
-          <a:effectRef idx="0">
-            <a:schemeClr val="accent1"/>
-          </a:effectRef>
-          <a:fontRef idx="minor">
-            <a:schemeClr val="lt1"/>
-          </a:fontRef>
-        </p:style>
-        <p:txBody>
-          <a:bodyPr rtlCol="0" anchor="ctr"/>
-          <a:lstStyle/>
-          <a:p>
-            <a:pPr algn="ctr"/>
-            <a:endParaRPr lang="it-IT"/>
-          </a:p>
-        </p:txBody>
-      </p:sp>
-      <p:sp>
-        <p:nvSpPr>
-          <p:cNvPr id="2" name="CasellaDiTesto 1"/>
-          <p:cNvSpPr txBox="1"/>
-          <p:nvPr/>
-        </p:nvSpPr>
-        <p:spPr>
-          <a:xfrm>
-            <a:off x="521493" y="1828800"/>
-            <a:ext cx="11044237" cy="4231928"/>
-          </a:xfrm>
-          <a:prstGeom prst="rect">
-            <a:avLst/>
-          </a:prstGeom>
-          <a:noFill/>
-        </p:spPr>
-        <p:txBody>
-          <a:bodyPr wrap="square" rtlCol="0">
-            <a:spAutoFit/>
-          </a:bodyPr>
-          <a:lstStyle/>
-          <a:p>
-            <a:pPr marL="457200" lvl="0" indent="-457200">
-              <a:buFont typeface="Arial" panose="020B0604020202020204" pitchFamily="34" charset="0"/>
-              <a:buChar char="•"/>
-            </a:pPr>
-            <a:r>
-              <a:rPr lang="it-IT" sz="3200" spc="-100" dirty="0">
-                <a:ln w="3175">
-                  <a:noFill/>
-                </a:ln>
-                <a:gradFill>
-                  <a:gsLst>
-                    <a:gs pos="1250">
-                      <a:schemeClr val="tx2"/>
-                    </a:gs>
-                    <a:gs pos="100000">
-                      <a:schemeClr val="tx2"/>
-                    </a:gs>
-                  </a:gsLst>
-                  <a:lin ang="5400000" scaled="0"/>
-                </a:gradFill>
-                <a:latin typeface="+mj-lt"/>
-                <a:cs typeface="Arial" charset="0"/>
-              </a:rPr>
-              <a:t>pianificare degli spostamenti delle squadre di emergenza in base alle informazioni relative alle emergenze potenziali</a:t>
-            </a:r>
-          </a:p>
-          <a:p>
-            <a:pPr marL="457200" lvl="0" indent="-457200">
-              <a:buFont typeface="Arial" panose="020B0604020202020204" pitchFamily="34" charset="0"/>
-              <a:buChar char="•"/>
-            </a:pPr>
-            <a:endParaRPr lang="it-IT" sz="1500" spc="-100" dirty="0">
-              <a:ln w="3175">
-                <a:noFill/>
-              </a:ln>
-              <a:gradFill>
-                <a:gsLst>
-                  <a:gs pos="1250">
-                    <a:schemeClr val="tx2"/>
-                  </a:gs>
-                  <a:gs pos="100000">
-                    <a:schemeClr val="tx2"/>
-                  </a:gs>
-                </a:gsLst>
-                <a:lin ang="5400000" scaled="0"/>
-              </a:gradFill>
-              <a:latin typeface="+mj-lt"/>
-              <a:cs typeface="Arial" charset="0"/>
-            </a:endParaRPr>
-          </a:p>
-          <a:p>
-            <a:pPr marL="457200" lvl="0" indent="-457200">
-              <a:buFont typeface="Arial" panose="020B0604020202020204" pitchFamily="34" charset="0"/>
-              <a:buChar char="•"/>
-            </a:pPr>
-            <a:r>
-              <a:rPr lang="it-IT" sz="3200" spc="-100" dirty="0">
-                <a:ln w="3175">
-                  <a:noFill/>
-                </a:ln>
-                <a:gradFill>
-                  <a:gsLst>
-                    <a:gs pos="1250">
-                      <a:schemeClr val="tx2"/>
-                    </a:gs>
-                    <a:gs pos="100000">
-                      <a:schemeClr val="tx2"/>
-                    </a:gs>
-                  </a:gsLst>
-                  <a:lin ang="5400000" scaled="0"/>
-                </a:gradFill>
-                <a:latin typeface="+mj-lt"/>
-                <a:cs typeface="Arial" charset="0"/>
-              </a:rPr>
-              <a:t>notificare la pianificazione ai responsabili territoriali della protezione civile e alle squadre di emergenza coinvolte</a:t>
-            </a:r>
-          </a:p>
-          <a:p>
-            <a:pPr marL="457200" lvl="0" indent="-457200">
-              <a:buFont typeface="Arial" panose="020B0604020202020204" pitchFamily="34" charset="0"/>
-              <a:buChar char="•"/>
-            </a:pPr>
-            <a:endParaRPr lang="it-IT" sz="1500" spc="-100" dirty="0">
-              <a:ln w="3175">
-                <a:noFill/>
-              </a:ln>
-              <a:gradFill>
-                <a:gsLst>
-                  <a:gs pos="1250">
-                    <a:schemeClr val="tx2"/>
-                  </a:gs>
-                  <a:gs pos="100000">
-                    <a:schemeClr val="tx2"/>
-                  </a:gs>
-                </a:gsLst>
-                <a:lin ang="5400000" scaled="0"/>
-              </a:gradFill>
-              <a:latin typeface="+mj-lt"/>
-              <a:cs typeface="Arial" charset="0"/>
-            </a:endParaRPr>
-          </a:p>
-          <a:p>
-            <a:pPr marL="457200" lvl="0" indent="-457200">
-              <a:buFont typeface="Arial" panose="020B0604020202020204" pitchFamily="34" charset="0"/>
-              <a:buChar char="•"/>
-            </a:pPr>
-            <a:r>
-              <a:rPr lang="it-IT" sz="3200" spc="-100" dirty="0">
-                <a:ln w="3175">
-                  <a:noFill/>
-                </a:ln>
-                <a:gradFill>
-                  <a:gsLst>
-                    <a:gs pos="1250">
-                      <a:schemeClr val="tx2"/>
-                    </a:gs>
-                    <a:gs pos="100000">
-                      <a:schemeClr val="tx2"/>
-                    </a:gs>
-                  </a:gsLst>
-                  <a:lin ang="5400000" scaled="0"/>
-                </a:gradFill>
-                <a:latin typeface="+mj-lt"/>
-                <a:cs typeface="Arial" charset="0"/>
-              </a:rPr>
-              <a:t>memorizzare l’allocazione squadre di emergenza</a:t>
-            </a:r>
-          </a:p>
-          <a:p>
-            <a:pPr marL="457200" lvl="0" indent="-457200">
-              <a:buFont typeface="Arial" panose="020B0604020202020204" pitchFamily="34" charset="0"/>
-              <a:buChar char="•"/>
-            </a:pPr>
-            <a:endParaRPr lang="it-IT" sz="1500" spc="-100" dirty="0">
-              <a:ln w="3175">
-                <a:noFill/>
-              </a:ln>
-              <a:gradFill>
-                <a:gsLst>
-                  <a:gs pos="1250">
-                    <a:schemeClr val="tx2"/>
-                  </a:gs>
-                  <a:gs pos="100000">
-                    <a:schemeClr val="tx2"/>
-                  </a:gs>
-                </a:gsLst>
-                <a:lin ang="5400000" scaled="0"/>
-              </a:gradFill>
-              <a:latin typeface="+mj-lt"/>
-              <a:cs typeface="Arial" charset="0"/>
-            </a:endParaRPr>
-          </a:p>
-          <a:p>
-            <a:pPr marL="457200" lvl="0" indent="-457200">
-              <a:buFont typeface="Arial" panose="020B0604020202020204" pitchFamily="34" charset="0"/>
-              <a:buChar char="•"/>
-            </a:pPr>
-            <a:r>
-              <a:rPr lang="it-IT" sz="3200" spc="-100" dirty="0">
-                <a:ln w="3175">
-                  <a:noFill/>
-                </a:ln>
-                <a:gradFill>
-                  <a:gsLst>
-                    <a:gs pos="1250">
-                      <a:schemeClr val="tx2"/>
-                    </a:gs>
-                    <a:gs pos="100000">
-                      <a:schemeClr val="tx2"/>
-                    </a:gs>
-                  </a:gsLst>
-                  <a:lin ang="5400000" scaled="0"/>
-                </a:gradFill>
-                <a:latin typeface="+mj-lt"/>
-                <a:cs typeface="Arial" charset="0"/>
-              </a:rPr>
-              <a:t>notificare di emergenze gravi alle squadre di emergenza più prossime</a:t>
-            </a:r>
-          </a:p>
-        </p:txBody>
-      </p:sp>
-      <p:sp>
-        <p:nvSpPr>
-          <p:cNvPr id="9" name="CasellaDiTesto 8"/>
-          <p:cNvSpPr txBox="1"/>
-          <p:nvPr/>
-        </p:nvSpPr>
-        <p:spPr>
-          <a:xfrm>
-            <a:off x="415529" y="314326"/>
-            <a:ext cx="11613357" cy="1384995"/>
-          </a:xfrm>
-          <a:prstGeom prst="rect">
-            <a:avLst/>
-          </a:prstGeom>
-          <a:noFill/>
-        </p:spPr>
-        <p:txBody>
-          <a:bodyPr wrap="square" rtlCol="0">
-            <a:spAutoFit/>
-          </a:bodyPr>
-          <a:lstStyle/>
-          <a:p>
-            <a:r>
-              <a:rPr lang="it-IT" sz="5400" b="1" spc="-100" dirty="0">
-                <a:ln w="3175">
-                  <a:noFill/>
-                </a:ln>
-                <a:solidFill>
-                  <a:srgbClr val="0072C6"/>
-                </a:solidFill>
-                <a:latin typeface="+mj-lt"/>
-                <a:cs typeface="Arial" charset="0"/>
-              </a:rPr>
-              <a:t>Analisi del problema</a:t>
-            </a:r>
-          </a:p>
-          <a:p>
-            <a:r>
-              <a:rPr lang="it-IT" sz="3000" b="1" spc="-100" dirty="0" smtClean="0">
-                <a:ln w="3175">
-                  <a:noFill/>
-                </a:ln>
-                <a:solidFill>
-                  <a:srgbClr val="0072C6"/>
-                </a:solidFill>
-                <a:latin typeface="+mj-lt"/>
-                <a:cs typeface="Arial" charset="0"/>
-              </a:rPr>
-              <a:t>Studio del problema - 2</a:t>
-            </a:r>
-            <a:endParaRPr lang="it-IT" sz="3000" b="1" spc="-100" dirty="0">
-              <a:ln w="3175">
-                <a:noFill/>
-              </a:ln>
-              <a:solidFill>
-                <a:srgbClr val="0072C6"/>
-              </a:solidFill>
-              <a:latin typeface="+mj-lt"/>
-              <a:cs typeface="Arial" charset="0"/>
-            </a:endParaRPr>
-          </a:p>
-        </p:txBody>
-      </p:sp>
-    </p:spTree>
-    <p:extLst>
-      <p:ext uri="{BB962C8B-B14F-4D97-AF65-F5344CB8AC3E}">
-        <p14:creationId xmlns:p14="http://schemas.microsoft.com/office/powerpoint/2010/main" val="3451820100"/>
-      </p:ext>
-    </p:extLst>
-  </p:cSld>
-  <p:clrMapOvr>
-    <a:masterClrMapping/>
-  </p:clrMapOvr>
-  <p:transition spd="slow">
-    <p:push dir="u"/>
-  </p:transition>
-  <p:timing>
-    <p:tnLst>
-      <p:par>
-        <p:cTn id="1" dur="indefinite" restart="never" nodeType="tmRoot"/>
-      </p:par>
-    </p:tnLst>
-  </p:timing>
-</p:sld>
-</file>
-
-<file path=ppt/slides/slide40.xml><?xml version="1.0" encoding="utf-8"?>
+<file path=ppt/slides/slide44.xml><?xml version="1.0" encoding="utf-8"?>
 <p:sld xmlns:a="http://schemas.openxmlformats.org/drawingml/2006/main" xmlns:r="http://schemas.openxmlformats.org/officeDocument/2006/relationships" xmlns:p="http://schemas.openxmlformats.org/presentationml/2006/main">
   <p:cSld>
     <p:spTree>
@@ -16802,15 +19820,7 @@
                   <a:srgbClr val="0072C6"/>
                 </a:solidFill>
               </a:rPr>
-              <a:t>Strumenti - </a:t>
-            </a:r>
-            <a:r>
-              <a:rPr lang="it-IT" sz="3000" b="1" i="1" dirty="0" smtClean="0">
-                <a:solidFill>
-                  <a:srgbClr val="0072C6"/>
-                </a:solidFill>
-              </a:rPr>
-              <a:t>5</a:t>
+              <a:t>Strumenti - 5</a:t>
             </a:r>
             <a:endParaRPr lang="it-IT" sz="3000" b="1" i="1" dirty="0">
               <a:solidFill>
@@ -16921,11 +19931,7 @@
             </a:r>
             <a:r>
               <a:rPr lang="it-IT" sz="2400" dirty="0" smtClean="0"/>
-              <a:t>     1170.24 €</a:t>
-            </a:r>
-            <a:r>
-              <a:rPr lang="it-IT" sz="2400" dirty="0" smtClean="0"/>
-              <a:t>  / anno</a:t>
+              <a:t>     1170.24 €  / anno</a:t>
             </a:r>
           </a:p>
           <a:p>
@@ -17084,20 +20090,20 @@
   <p:clrMapOvr>
     <a:masterClrMapping/>
   </p:clrMapOvr>
-  <p:transition spd="slow">
+  <p:transition xmlns:p14="http://schemas.microsoft.com/office/powerpoint/2010/main" spd="slow">
     <p:push dir="u"/>
   </p:transition>
   <p:timing>
     <p:tnLst>
       <p:par>
-        <p:cTn id="1" dur="indefinite" restart="never" nodeType="tmRoot"/>
+        <p:cTn xmlns:p14="http://schemas.microsoft.com/office/powerpoint/2010/main" id="1" dur="indefinite" restart="never" nodeType="tmRoot"/>
       </p:par>
     </p:tnLst>
   </p:timing>
 </p:sld>
 </file>
 
-<file path=ppt/slides/slide41.xml><?xml version="1.0" encoding="utf-8"?>
+<file path=ppt/slides/slide45.xml><?xml version="1.0" encoding="utf-8"?>
 <p:sld xmlns:a="http://schemas.openxmlformats.org/drawingml/2006/main" xmlns:r="http://schemas.openxmlformats.org/officeDocument/2006/relationships" xmlns:p="http://schemas.openxmlformats.org/presentationml/2006/main">
   <p:cSld>
     <p:spTree>
@@ -17416,20 +20422,20 @@
   <p:clrMapOvr>
     <a:masterClrMapping/>
   </p:clrMapOvr>
-  <p:transition spd="slow">
+  <p:transition xmlns:p14="http://schemas.microsoft.com/office/powerpoint/2010/main" spd="slow">
     <p:push dir="u"/>
   </p:transition>
   <p:timing>
     <p:tnLst>
       <p:par>
-        <p:cTn id="1" dur="indefinite" restart="never" nodeType="tmRoot"/>
+        <p:cTn xmlns:p14="http://schemas.microsoft.com/office/powerpoint/2010/main" id="1" dur="indefinite" restart="never" nodeType="tmRoot"/>
       </p:par>
     </p:tnLst>
   </p:timing>
 </p:sld>
 </file>
 
-<file path=ppt/slides/slide42.xml><?xml version="1.0" encoding="utf-8"?>
+<file path=ppt/slides/slide46.xml><?xml version="1.0" encoding="utf-8"?>
 <p:sld xmlns:a="http://schemas.openxmlformats.org/drawingml/2006/main" xmlns:r="http://schemas.openxmlformats.org/officeDocument/2006/relationships" xmlns:p="http://schemas.openxmlformats.org/presentationml/2006/main">
   <p:cSld>
     <p:spTree>
@@ -17764,20 +20770,20 @@
   <p:clrMapOvr>
     <a:masterClrMapping/>
   </p:clrMapOvr>
-  <p:transition spd="slow">
+  <p:transition xmlns:p14="http://schemas.microsoft.com/office/powerpoint/2010/main" spd="slow">
     <p:push dir="u"/>
   </p:transition>
   <p:timing>
     <p:tnLst>
       <p:par>
-        <p:cTn id="1" dur="indefinite" restart="never" nodeType="tmRoot"/>
+        <p:cTn xmlns:p14="http://schemas.microsoft.com/office/powerpoint/2010/main" id="1" dur="indefinite" restart="never" nodeType="tmRoot"/>
       </p:par>
     </p:tnLst>
   </p:timing>
 </p:sld>
 </file>
 
-<file path=ppt/slides/slide43.xml><?xml version="1.0" encoding="utf-8"?>
+<file path=ppt/slides/slide47.xml><?xml version="1.0" encoding="utf-8"?>
 <p:sld xmlns:a="http://schemas.openxmlformats.org/drawingml/2006/main" xmlns:r="http://schemas.openxmlformats.org/officeDocument/2006/relationships" xmlns:p="http://schemas.openxmlformats.org/presentationml/2006/main">
   <p:cSld>
     <p:spTree>
@@ -18094,13 +21100,13 @@
   <p:clrMapOvr>
     <a:masterClrMapping/>
   </p:clrMapOvr>
-  <p:transition spd="slow">
+  <p:transition xmlns:p14="http://schemas.microsoft.com/office/powerpoint/2010/main" spd="slow">
     <p:push dir="u"/>
   </p:transition>
   <p:timing>
     <p:tnLst>
       <p:par>
-        <p:cTn id="1" dur="indefinite" restart="never" nodeType="tmRoot"/>
+        <p:cTn xmlns:p14="http://schemas.microsoft.com/office/powerpoint/2010/main" id="1" dur="indefinite" restart="never" nodeType="tmRoot"/>
       </p:par>
     </p:tnLst>
   </p:timing>
@@ -18468,13 +21474,13 @@
   <p:clrMapOvr>
     <a:masterClrMapping/>
   </p:clrMapOvr>
-  <p:transition spd="slow">
+  <p:transition xmlns:p14="http://schemas.microsoft.com/office/powerpoint/2010/main" spd="slow">
     <p:push dir="u"/>
   </p:transition>
   <p:timing>
     <p:tnLst>
       <p:par>
-        <p:cTn id="1" dur="indefinite" restart="never" nodeType="tmRoot"/>
+        <p:cTn xmlns:p14="http://schemas.microsoft.com/office/powerpoint/2010/main" id="1" dur="indefinite" restart="never" nodeType="tmRoot"/>
       </p:par>
     </p:tnLst>
   </p:timing>
@@ -18881,13 +21887,13 @@
   <p:clrMapOvr>
     <a:masterClrMapping/>
   </p:clrMapOvr>
-  <p:transition spd="slow">
+  <p:transition xmlns:p14="http://schemas.microsoft.com/office/powerpoint/2010/main" spd="slow">
     <p:push dir="u"/>
   </p:transition>
   <p:timing>
     <p:tnLst>
       <p:par>
-        <p:cTn id="1" dur="indefinite" restart="never" nodeType="tmRoot"/>
+        <p:cTn xmlns:p14="http://schemas.microsoft.com/office/powerpoint/2010/main" id="1" dur="indefinite" restart="never" nodeType="tmRoot"/>
       </p:par>
     </p:tnLst>
   </p:timing>
@@ -19381,13 +22387,13 @@
   <p:clrMapOvr>
     <a:masterClrMapping/>
   </p:clrMapOvr>
-  <p:transition spd="slow">
+  <p:transition xmlns:p14="http://schemas.microsoft.com/office/powerpoint/2010/main" spd="slow">
     <p:push dir="u"/>
   </p:transition>
   <p:timing>
     <p:tnLst>
       <p:par>
-        <p:cTn id="1" dur="indefinite" restart="never" nodeType="tmRoot"/>
+        <p:cTn xmlns:p14="http://schemas.microsoft.com/office/powerpoint/2010/main" id="1" dur="indefinite" restart="never" nodeType="tmRoot"/>
       </p:par>
     </p:tnLst>
   </p:timing>
@@ -19974,13 +22980,13 @@
   <p:clrMapOvr>
     <a:masterClrMapping/>
   </p:clrMapOvr>
-  <p:transition spd="slow">
+  <p:transition xmlns:p14="http://schemas.microsoft.com/office/powerpoint/2010/main" spd="slow">
     <p:push dir="u"/>
   </p:transition>
   <p:timing>
     <p:tnLst>
       <p:par>
-        <p:cTn id="1" dur="indefinite" restart="never" nodeType="tmRoot"/>
+        <p:cTn xmlns:p14="http://schemas.microsoft.com/office/powerpoint/2010/main" id="1" dur="indefinite" restart="never" nodeType="tmRoot"/>
       </p:par>
     </p:tnLst>
   </p:timing>
@@ -20470,24 +23476,6 @@
               </a:rPr>
               <a:t>Il territorio di una regione è suddiviso in celle.</a:t>
             </a:r>
-            <a:endParaRPr lang="it-IT" sz="3200" spc="-100" dirty="0" smtClean="0">
-              <a:ln w="3175">
-                <a:noFill/>
-              </a:ln>
-              <a:gradFill>
-                <a:gsLst>
-                  <a:gs pos="1250">
-                    <a:schemeClr val="tx2"/>
-                  </a:gs>
-                  <a:gs pos="100000">
-                    <a:schemeClr val="tx2"/>
-                  </a:gs>
-                </a:gsLst>
-                <a:lin ang="5400000" scaled="0"/>
-              </a:gradFill>
-              <a:latin typeface="+mj-lt"/>
-              <a:cs typeface="Arial" charset="0"/>
-            </a:endParaRPr>
           </a:p>
           <a:p>
             <a:pPr marL="457200" indent="-457200">
@@ -20537,28 +23525,7 @@
                 <a:latin typeface="+mj-lt"/>
                 <a:cs typeface="Arial" charset="0"/>
               </a:rPr>
-              <a:t>Una squadra di emergenza </a:t>
-            </a:r>
-            <a:r>
-              <a:rPr lang="it-IT" sz="3200" spc="-100" dirty="0" smtClean="0">
-                <a:ln w="3175">
-                  <a:noFill/>
-                </a:ln>
-                <a:gradFill>
-                  <a:gsLst>
-                    <a:gs pos="1250">
-                      <a:schemeClr val="tx2"/>
-                    </a:gs>
-                    <a:gs pos="100000">
-                      <a:schemeClr val="tx2"/>
-                    </a:gs>
-                  </a:gsLst>
-                  <a:lin ang="5400000" scaled="0"/>
-                </a:gradFill>
-                <a:latin typeface="+mj-lt"/>
-                <a:cs typeface="Arial" charset="0"/>
-              </a:rPr>
-              <a:t> può essere sul campo o nella sede operativa</a:t>
+              <a:t>Una squadra di emergenza  può essere sul campo o nella sede operativa</a:t>
             </a:r>
             <a:endParaRPr lang="it-IT" sz="3200" spc="-100" dirty="0">
               <a:ln w="3175">
@@ -20795,13 +23762,13 @@
   <p:clrMapOvr>
     <a:masterClrMapping/>
   </p:clrMapOvr>
-  <p:transition spd="slow">
+  <p:transition xmlns:p14="http://schemas.microsoft.com/office/powerpoint/2010/main" spd="slow">
     <p:push dir="u"/>
   </p:transition>
   <p:timing>
     <p:tnLst>
       <p:par>
-        <p:cTn id="1" dur="indefinite" restart="never" nodeType="tmRoot"/>
+        <p:cTn xmlns:p14="http://schemas.microsoft.com/office/powerpoint/2010/main" id="1" dur="indefinite" restart="never" nodeType="tmRoot"/>
       </p:par>
     </p:tnLst>
   </p:timing>
@@ -21063,7 +24030,7 @@
   <a:extraClrSchemeLst/>
   <a:extLst>
     <a:ext uri="{05A4C25C-085E-4340-85A3-A5531E510DB2}">
-      <thm15:themeFamily xmlns:thm15="http://schemas.microsoft.com/office/thememl/2012/main" name="Office Theme" id="{62F939B6-93AF-4DB8-9C6B-D6C7DFDC589F}" vid="{4A3C46E8-61CC-4603-A589-7422A47A8E4A}"/>
+      <thm15:themeFamily xmlns:thm15="http://schemas.microsoft.com/office/thememl/2012/main" xmlns="" name="Office Theme" id="{62F939B6-93AF-4DB8-9C6B-D6C7DFDC589F}" vid="{4A3C46E8-61CC-4603-A589-7422A47A8E4A}"/>
     </a:ext>
   </a:extLst>
 </a:theme>
@@ -21324,7 +24291,7 @@
   <a:extraClrSchemeLst/>
   <a:extLst>
     <a:ext uri="{05A4C25C-085E-4340-85A3-A5531E510DB2}">
-      <thm15:themeFamily xmlns:thm15="http://schemas.microsoft.com/office/thememl/2012/main" name="Office Theme" id="{62F939B6-93AF-4DB8-9C6B-D6C7DFDC589F}" vid="{4A3C46E8-61CC-4603-A589-7422A47A8E4A}"/>
+      <thm15:themeFamily xmlns:thm15="http://schemas.microsoft.com/office/thememl/2012/main" xmlns="" name="Office Theme" id="{62F939B6-93AF-4DB8-9C6B-D6C7DFDC589F}" vid="{4A3C46E8-61CC-4603-A589-7422A47A8E4A}"/>
     </a:ext>
   </a:extLst>
 </a:theme>

--- a/Febbraio 2015.pptx
+++ b/Febbraio 2015.pptx
@@ -297,11 +297,11 @@
           <c:showPercent val="0"/>
           <c:showBubbleSize val="0"/>
         </c:dLbls>
-        <c:axId val="144776096"/>
-        <c:axId val="144778896"/>
+        <c:axId val="144848560"/>
+        <c:axId val="144849680"/>
       </c:radarChart>
       <c:catAx>
-        <c:axId val="144776096"/>
+        <c:axId val="144848560"/>
         <c:scaling>
           <c:orientation val="minMax"/>
         </c:scaling>
@@ -344,7 +344,7 @@
             <a:endParaRPr lang="it-IT"/>
           </a:p>
         </c:txPr>
-        <c:crossAx val="144778896"/>
+        <c:crossAx val="144849680"/>
         <c:crosses val="autoZero"/>
         <c:auto val="1"/>
         <c:lblAlgn val="ctr"/>
@@ -352,7 +352,7 @@
         <c:noMultiLvlLbl val="0"/>
       </c:catAx>
       <c:valAx>
-        <c:axId val="144778896"/>
+        <c:axId val="144849680"/>
         <c:scaling>
           <c:orientation val="minMax"/>
           <c:max val="100"/>
@@ -404,7 +404,7 @@
             <a:endParaRPr lang="it-IT"/>
           </a:p>
         </c:txPr>
-        <c:crossAx val="144776096"/>
+        <c:crossAx val="144848560"/>
         <c:crosses val="autoZero"/>
         <c:crossBetween val="between"/>
         <c:majorUnit val="10"/>
@@ -550,11 +550,11 @@
           <c:showPercent val="0"/>
           <c:showBubbleSize val="0"/>
         </c:dLbls>
-        <c:axId val="192750880"/>
-        <c:axId val="144773856"/>
+        <c:axId val="144851920"/>
+        <c:axId val="144852480"/>
       </c:radarChart>
       <c:catAx>
-        <c:axId val="192750880"/>
+        <c:axId val="144851920"/>
         <c:scaling>
           <c:orientation val="minMax"/>
         </c:scaling>
@@ -597,7 +597,7 @@
             <a:endParaRPr lang="it-IT"/>
           </a:p>
         </c:txPr>
-        <c:crossAx val="144773856"/>
+        <c:crossAx val="144852480"/>
         <c:crosses val="autoZero"/>
         <c:auto val="1"/>
         <c:lblAlgn val="ctr"/>
@@ -605,7 +605,7 @@
         <c:noMultiLvlLbl val="0"/>
       </c:catAx>
       <c:valAx>
-        <c:axId val="144773856"/>
+        <c:axId val="144852480"/>
         <c:scaling>
           <c:orientation val="minMax"/>
         </c:scaling>
@@ -656,7 +656,7 @@
             <a:endParaRPr lang="it-IT"/>
           </a:p>
         </c:txPr>
-        <c:crossAx val="192750880"/>
+        <c:crossAx val="144851920"/>
         <c:crosses val="autoZero"/>
         <c:crossBetween val="between"/>
         <c:majorUnit val="10"/>
@@ -802,11 +802,11 @@
           <c:showPercent val="0"/>
           <c:showBubbleSize val="0"/>
         </c:dLbls>
-        <c:axId val="152362720"/>
-        <c:axId val="152363280"/>
+        <c:axId val="144854720"/>
+        <c:axId val="144855280"/>
       </c:radarChart>
       <c:catAx>
-        <c:axId val="152362720"/>
+        <c:axId val="144854720"/>
         <c:scaling>
           <c:orientation val="minMax"/>
         </c:scaling>
@@ -849,7 +849,7 @@
             <a:endParaRPr lang="it-IT"/>
           </a:p>
         </c:txPr>
-        <c:crossAx val="152363280"/>
+        <c:crossAx val="144855280"/>
         <c:crosses val="autoZero"/>
         <c:auto val="1"/>
         <c:lblAlgn val="ctr"/>
@@ -857,7 +857,7 @@
         <c:noMultiLvlLbl val="0"/>
       </c:catAx>
       <c:valAx>
-        <c:axId val="152363280"/>
+        <c:axId val="144855280"/>
         <c:scaling>
           <c:orientation val="minMax"/>
         </c:scaling>
@@ -908,7 +908,7 @@
             <a:endParaRPr lang="it-IT"/>
           </a:p>
         </c:txPr>
-        <c:crossAx val="152362720"/>
+        <c:crossAx val="144854720"/>
         <c:crosses val="autoZero"/>
         <c:crossBetween val="between"/>
         <c:majorUnit val="10"/>
@@ -7534,7 +7534,7 @@
                 <a:latin typeface="+mj-lt"/>
                 <a:cs typeface="Arial" charset="0"/>
               </a:rPr>
-              <a:t>SEG.</a:t>
+              <a:t>SEG</a:t>
             </a:r>
             <a:endParaRPr lang="it-IT" sz="2800" spc="-100" dirty="0">
               <a:ln w="3175">
@@ -7600,7 +7600,7 @@
                 <a:latin typeface="+mj-lt"/>
                 <a:cs typeface="Arial" charset="0"/>
               </a:rPr>
-              <a:t>SEP.</a:t>
+              <a:t>SEP</a:t>
             </a:r>
             <a:endParaRPr lang="it-IT" sz="2800" spc="-100" dirty="0">
               <a:ln w="3175">
@@ -7666,7 +7666,7 @@
                 <a:latin typeface="+mj-lt"/>
                 <a:cs typeface="Arial" charset="0"/>
               </a:rPr>
-              <a:t>SEP.</a:t>
+              <a:t>SEP</a:t>
             </a:r>
             <a:endParaRPr lang="it-IT" sz="2800" spc="-100" dirty="0">
               <a:ln w="3175">
@@ -7732,7 +7732,7 @@
                 <a:latin typeface="+mj-lt"/>
                 <a:cs typeface="Arial" charset="0"/>
               </a:rPr>
-              <a:t>coinvolte.</a:t>
+              <a:t>coinvolte</a:t>
             </a:r>
             <a:endParaRPr lang="it-IT" sz="2800" spc="-100" dirty="0">
               <a:ln w="3175">
@@ -7798,7 +7798,7 @@
                 <a:latin typeface="+mj-lt"/>
                 <a:cs typeface="Arial" charset="0"/>
               </a:rPr>
-              <a:t>BSE.</a:t>
+              <a:t>BSE</a:t>
             </a:r>
             <a:endParaRPr lang="it-IT" sz="2800" spc="-100" dirty="0">
               <a:ln w="3175">
@@ -8076,7 +8076,7 @@
                 <a:latin typeface="+mj-lt"/>
                 <a:cs typeface="Arial" charset="0"/>
               </a:rPr>
-              <a:t>civile. </a:t>
+              <a:t>civile</a:t>
             </a:r>
             <a:endParaRPr lang="it-IT" sz="2800" spc="-100" dirty="0">
               <a:ln w="3175">
@@ -8142,7 +8142,7 @@
                 <a:latin typeface="+mj-lt"/>
                 <a:cs typeface="Arial" charset="0"/>
               </a:rPr>
-              <a:t>interessata.</a:t>
+              <a:t>interessata</a:t>
             </a:r>
             <a:endParaRPr lang="it-IT" sz="2800" spc="-100" dirty="0">
               <a:ln w="3175">
@@ -8208,7 +8208,17 @@
                 <a:latin typeface="+mj-lt"/>
                 <a:cs typeface="Arial" charset="0"/>
               </a:rPr>
-              <a:t>emergenza più prossime.</a:t>
+              <a:t>emergenza più </a:t>
+            </a:r>
+            <a:r>
+              <a:rPr lang="it-IT" sz="2800" spc="-100" dirty="0" smtClean="0">
+                <a:ln w="3175">
+                  <a:noFill/>
+                </a:ln>
+                <a:latin typeface="+mj-lt"/>
+                <a:cs typeface="Arial" charset="0"/>
+              </a:rPr>
+              <a:t>prossime</a:t>
             </a:r>
             <a:endParaRPr lang="it-IT" sz="2800" spc="-100" dirty="0">
               <a:ln w="3175">
@@ -8476,8 +8486,25 @@
                 <a:latin typeface="+mj-lt"/>
                 <a:cs typeface="Arial" charset="0"/>
               </a:rPr>
-              <a:t>time (1 rilevazione all’ora per ogni sensore).</a:t>
-            </a:r>
+              <a:t>time (1 rilevazione all’ora per ogni sensore</a:t>
+            </a:r>
+            <a:r>
+              <a:rPr lang="it-IT" sz="2800" spc="-100" dirty="0" smtClean="0">
+                <a:ln w="3175">
+                  <a:noFill/>
+                </a:ln>
+                <a:latin typeface="+mj-lt"/>
+                <a:cs typeface="Arial" charset="0"/>
+              </a:rPr>
+              <a:t>)</a:t>
+            </a:r>
+            <a:endParaRPr lang="it-IT" sz="2800" spc="-100" dirty="0" smtClean="0">
+              <a:ln w="3175">
+                <a:noFill/>
+              </a:ln>
+              <a:latin typeface="+mj-lt"/>
+              <a:cs typeface="Arial" charset="0"/>
+            </a:endParaRPr>
           </a:p>
           <a:p>
             <a:pPr marL="457200" indent="-457200">
@@ -8505,7 +8532,17 @@
                 <a:latin typeface="+mj-lt"/>
                 <a:cs typeface="Arial" charset="0"/>
               </a:rPr>
-              <a:t>Il sistema deve essere disponibile h24.</a:t>
+              <a:t>Il sistema deve essere disponibile </a:t>
+            </a:r>
+            <a:r>
+              <a:rPr lang="it-IT" sz="2800" spc="-100" dirty="0" smtClean="0">
+                <a:ln w="3175">
+                  <a:noFill/>
+                </a:ln>
+                <a:latin typeface="+mj-lt"/>
+                <a:cs typeface="Arial" charset="0"/>
+              </a:rPr>
+              <a:t>h24</a:t>
             </a:r>
             <a:endParaRPr lang="it-IT" sz="2800" spc="-100" dirty="0">
               <a:ln w="3175">
@@ -12347,8 +12384,25 @@
                 <a:latin typeface="+mj-lt"/>
                 <a:cs typeface="Arial" charset="0"/>
               </a:rPr>
-              <a:t>Il sistema deve:</a:t>
-            </a:r>
+              <a:t>Il sistema </a:t>
+            </a:r>
+            <a:r>
+              <a:rPr lang="it-IT" sz="3200" spc="-100" dirty="0" smtClean="0">
+                <a:ln w="3175">
+                  <a:noFill/>
+                </a:ln>
+                <a:latin typeface="+mj-lt"/>
+                <a:cs typeface="Arial" charset="0"/>
+              </a:rPr>
+              <a:t>deve supportare:</a:t>
+            </a:r>
+            <a:endParaRPr lang="it-IT" sz="3200" spc="-100" dirty="0">
+              <a:ln w="3175">
+                <a:noFill/>
+              </a:ln>
+              <a:latin typeface="+mj-lt"/>
+              <a:cs typeface="Arial" charset="0"/>
+            </a:endParaRPr>
           </a:p>
           <a:p>
             <a:endParaRPr lang="it-IT" sz="1500" spc="-100" dirty="0">
@@ -12365,6 +12419,16 @@
               <a:buChar char="•"/>
             </a:pPr>
             <a:r>
+              <a:rPr lang="it-IT" sz="3200" spc="-100" dirty="0" smtClean="0">
+                <a:ln w="3175">
+                  <a:noFill/>
+                </a:ln>
+                <a:latin typeface="+mj-lt"/>
+                <a:cs typeface="Arial" charset="0"/>
+              </a:rPr>
+              <a:t>L’acquisizione </a:t>
+            </a:r>
+            <a:r>
               <a:rPr lang="it-IT" sz="3200" spc="-100" dirty="0">
                 <a:ln w="3175">
                   <a:noFill/>
@@ -12372,7 +12436,7 @@
                 <a:latin typeface="+mj-lt"/>
                 <a:cs typeface="Arial" charset="0"/>
               </a:rPr>
-              <a:t>acquisire in tempo reale di dati idrometrici  (livello dei corsi d’acqua) attraverso opportuni sensori</a:t>
+              <a:t>in tempo reale di dati idrometrici  (livello dei corsi d’acqua) attraverso opportuni sensori</a:t>
             </a:r>
           </a:p>
           <a:p>
@@ -12391,6 +12455,16 @@
               <a:buChar char="•"/>
             </a:pPr>
             <a:r>
+              <a:rPr lang="it-IT" sz="3200" spc="-100" dirty="0" smtClean="0">
+                <a:ln w="3175">
+                  <a:noFill/>
+                </a:ln>
+                <a:latin typeface="+mj-lt"/>
+                <a:cs typeface="Arial" charset="0"/>
+              </a:rPr>
+              <a:t>L’acquisizione </a:t>
+            </a:r>
+            <a:r>
               <a:rPr lang="it-IT" sz="3200" spc="-100" dirty="0">
                 <a:ln w="3175">
                   <a:noFill/>
@@ -12398,7 +12472,7 @@
                 <a:latin typeface="+mj-lt"/>
                 <a:cs typeface="Arial" charset="0"/>
               </a:rPr>
-              <a:t>acquisire segnalazioni di emergenze gravi</a:t>
+              <a:t>segnalazioni di emergenze gravi</a:t>
             </a:r>
           </a:p>
           <a:p>
@@ -12420,6 +12494,16 @@
               <a:buChar char="•"/>
             </a:pPr>
             <a:r>
+              <a:rPr lang="it-IT" sz="3200" spc="-100" dirty="0" smtClean="0">
+                <a:ln w="3175">
+                  <a:noFill/>
+                </a:ln>
+                <a:latin typeface="+mj-lt"/>
+                <a:cs typeface="Arial" charset="0"/>
+              </a:rPr>
+              <a:t>L’identificazione </a:t>
+            </a:r>
+            <a:r>
               <a:rPr lang="it-IT" sz="3200" spc="-100" dirty="0">
                 <a:ln w="3175">
                   <a:noFill/>
@@ -12427,7 +12511,7 @@
                 <a:latin typeface="+mj-lt"/>
                 <a:cs typeface="Arial" charset="0"/>
               </a:rPr>
-              <a:t>identificare situazioni di emergenza potenziali a medio termine (alcune ore), attraverso l’incrocio delle informazioni meteo e i dati idrometrici</a:t>
+              <a:t>situazioni di emergenza potenziali a medio termine (alcune ore), attraverso l’incrocio delle informazioni meteo e i dati idrometrici</a:t>
             </a:r>
           </a:p>
           <a:p>
@@ -16870,20 +16954,7 @@
                 <a:latin typeface="+mj-lt"/>
                 <a:cs typeface="Arial" charset="0"/>
               </a:rPr>
-              <a:t> - </a:t>
-            </a:r>
-            <a:r>
-              <a:rPr lang="it-IT" sz="4400" b="1" spc="-100" dirty="0" smtClean="0">
-                <a:ln w="3175">
-                  <a:noFill/>
-                </a:ln>
-                <a:solidFill>
-                  <a:srgbClr val="0072C6"/>
-                </a:solidFill>
-                <a:latin typeface="+mj-lt"/>
-                <a:cs typeface="Arial" charset="0"/>
-              </a:rPr>
-              <a:t>4</a:t>
+              <a:t> - 4</a:t>
             </a:r>
             <a:endParaRPr lang="it-IT" sz="4400" b="1" spc="-100" dirty="0">
               <a:ln w="3175">
@@ -17194,6 +17265,16 @@
               <a:buChar char="•"/>
             </a:pPr>
             <a:r>
+              <a:rPr lang="it-IT" sz="3200" spc="-100" dirty="0" smtClean="0">
+                <a:ln w="3175">
+                  <a:noFill/>
+                </a:ln>
+                <a:latin typeface="+mj-lt"/>
+                <a:cs typeface="Arial" charset="0"/>
+              </a:rPr>
+              <a:t>La pianificazione </a:t>
+            </a:r>
+            <a:r>
               <a:rPr lang="it-IT" sz="3200" spc="-100" dirty="0">
                 <a:ln w="3175">
                   <a:noFill/>
@@ -17201,7 +17282,7 @@
                 <a:latin typeface="+mj-lt"/>
                 <a:cs typeface="Arial" charset="0"/>
               </a:rPr>
-              <a:t>pianificare degli spostamenti delle squadre di emergenza in base alle informazioni relative alle emergenze potenziali</a:t>
+              <a:t>degli spostamenti delle squadre di emergenza in base alle informazioni relative alle emergenze potenziali</a:t>
             </a:r>
           </a:p>
           <a:p>
@@ -17223,6 +17304,16 @@
               <a:buChar char="•"/>
             </a:pPr>
             <a:r>
+              <a:rPr lang="it-IT" sz="3200" spc="-100" dirty="0" smtClean="0">
+                <a:ln w="3175">
+                  <a:noFill/>
+                </a:ln>
+                <a:latin typeface="+mj-lt"/>
+                <a:cs typeface="Arial" charset="0"/>
+              </a:rPr>
+              <a:t>La notifica della </a:t>
+            </a:r>
+            <a:r>
               <a:rPr lang="it-IT" sz="3200" spc="-100" dirty="0">
                 <a:ln w="3175">
                   <a:noFill/>
@@ -17230,7 +17321,7 @@
                 <a:latin typeface="+mj-lt"/>
                 <a:cs typeface="Arial" charset="0"/>
               </a:rPr>
-              <a:t>notificare la pianificazione ai responsabili territoriali della protezione civile e alle squadre di emergenza coinvolte</a:t>
+              <a:t>pianificazione ai responsabili territoriali della protezione civile e alle squadre di emergenza coinvolte</a:t>
             </a:r>
           </a:p>
           <a:p>
@@ -17252,6 +17343,16 @@
               <a:buChar char="•"/>
             </a:pPr>
             <a:r>
+              <a:rPr lang="it-IT" sz="3200" spc="-100" dirty="0" smtClean="0">
+                <a:ln w="3175">
+                  <a:noFill/>
+                </a:ln>
+                <a:latin typeface="+mj-lt"/>
+                <a:cs typeface="Arial" charset="0"/>
+              </a:rPr>
+              <a:t>La memorizzazione dell’allocazione </a:t>
+            </a:r>
+            <a:r>
               <a:rPr lang="it-IT" sz="3200" spc="-100" dirty="0">
                 <a:ln w="3175">
                   <a:noFill/>
@@ -17259,7 +17360,7 @@
                 <a:latin typeface="+mj-lt"/>
                 <a:cs typeface="Arial" charset="0"/>
               </a:rPr>
-              <a:t>memorizzare l’allocazione squadre di emergenza</a:t>
+              <a:t>squadre di emergenza</a:t>
             </a:r>
           </a:p>
           <a:p>
@@ -17281,6 +17382,16 @@
               <a:buChar char="•"/>
             </a:pPr>
             <a:r>
+              <a:rPr lang="it-IT" sz="3200" spc="-100" dirty="0" smtClean="0">
+                <a:ln w="3175">
+                  <a:noFill/>
+                </a:ln>
+                <a:latin typeface="+mj-lt"/>
+                <a:cs typeface="Arial" charset="0"/>
+              </a:rPr>
+              <a:t>La notifica </a:t>
+            </a:r>
+            <a:r>
               <a:rPr lang="it-IT" sz="3200" spc="-100" dirty="0">
                 <a:ln w="3175">
                   <a:noFill/>
@@ -17288,7 +17399,7 @@
                 <a:latin typeface="+mj-lt"/>
                 <a:cs typeface="Arial" charset="0"/>
               </a:rPr>
-              <a:t>notificare di emergenze gravi alle squadre di emergenza più prossime</a:t>
+              <a:t>di emergenze gravi alle squadre di emergenza più prossime</a:t>
             </a:r>
           </a:p>
         </p:txBody>
@@ -17566,7 +17677,37 @@
                 <a:latin typeface="+mj-lt"/>
                 <a:cs typeface="Arial" charset="0"/>
               </a:rPr>
-              <a:t>rilevazione di DI utilizzato.</a:t>
+              <a:t>rilevazione di </a:t>
+            </a:r>
+            <a:r>
+              <a:rPr lang="it-IT" sz="2800" spc="-100" dirty="0" err="1" smtClean="0">
+                <a:ln w="3175">
+                  <a:noFill/>
+                </a:ln>
+                <a:latin typeface="+mj-lt"/>
+                <a:cs typeface="Arial" charset="0"/>
+              </a:rPr>
+              <a:t>DI</a:t>
+            </a:r>
+            <a:r>
+              <a:rPr lang="it-IT" sz="2800" spc="-100" dirty="0" smtClean="0">
+                <a:ln w="3175">
+                  <a:noFill/>
+                </a:ln>
+                <a:latin typeface="+mj-lt"/>
+                <a:cs typeface="Arial" charset="0"/>
+              </a:rPr>
+              <a:t> </a:t>
+            </a:r>
+            <a:r>
+              <a:rPr lang="it-IT" sz="2800" spc="-100" dirty="0" smtClean="0">
+                <a:ln w="3175">
+                  <a:noFill/>
+                </a:ln>
+                <a:latin typeface="+mj-lt"/>
+                <a:cs typeface="Arial" charset="0"/>
+              </a:rPr>
+              <a:t>utilizzato:</a:t>
             </a:r>
             <a:endParaRPr lang="it-IT" sz="2800" spc="-100" dirty="0">
               <a:ln w="3175">
@@ -18054,6 +18195,44 @@
       </p:grpSpPr>
       <p:sp>
         <p:nvSpPr>
+          <p:cNvPr id="2" name="Nuvola 1"/>
+          <p:cNvSpPr/>
+          <p:nvPr/>
+        </p:nvSpPr>
+        <p:spPr>
+          <a:xfrm>
+            <a:off x="8606134" y="3143250"/>
+            <a:ext cx="3528714" cy="2786063"/>
+          </a:xfrm>
+          <a:prstGeom prst="cloud">
+            <a:avLst/>
+          </a:prstGeom>
+        </p:spPr>
+        <p:style>
+          <a:lnRef idx="2">
+            <a:schemeClr val="accent5"/>
+          </a:lnRef>
+          <a:fillRef idx="1">
+            <a:schemeClr val="lt1"/>
+          </a:fillRef>
+          <a:effectRef idx="0">
+            <a:schemeClr val="accent5"/>
+          </a:effectRef>
+          <a:fontRef idx="minor">
+            <a:schemeClr val="dk1"/>
+          </a:fontRef>
+        </p:style>
+        <p:txBody>
+          <a:bodyPr rtlCol="0" anchor="ctr"/>
+          <a:lstStyle/>
+          <a:p>
+            <a:pPr algn="ctr"/>
+            <a:endParaRPr lang="it-IT" dirty="0"/>
+          </a:p>
+        </p:txBody>
+      </p:sp>
+      <p:sp>
+        <p:nvSpPr>
           <p:cNvPr id="4" name="Rettangolo 3"/>
           <p:cNvSpPr/>
           <p:nvPr/>
@@ -18103,8 +18282,8 @@
         </p:nvSpPr>
         <p:spPr>
           <a:xfrm>
-            <a:off x="648891" y="3349678"/>
-            <a:ext cx="8401050" cy="2510636"/>
+            <a:off x="342893" y="3449694"/>
+            <a:ext cx="7811094" cy="2205717"/>
           </a:xfrm>
           <a:prstGeom prst="rect">
             <a:avLst/>
@@ -18209,7 +18388,7 @@
               <a:t>Il sensore </a:t>
             </a:r>
             <a:r>
-              <a:rPr lang="it-IT" sz="2800" spc="-100" dirty="0" err="1">
+              <a:rPr lang="it-IT" sz="2800" i="1" spc="-100" dirty="0" err="1">
                 <a:ln w="3175">
                   <a:noFill/>
                 </a:ln>
@@ -18246,8 +18425,35 @@
                 <a:latin typeface="+mj-lt"/>
                 <a:cs typeface="Arial" charset="0"/>
               </a:rPr>
-              <a:t>i dati al server tramite GPRS</a:t>
-            </a:r>
+              <a:t>i dati al server tramite </a:t>
+            </a:r>
+            <a:r>
+              <a:rPr lang="it-IT" sz="2800" i="1" spc="-100" dirty="0" smtClean="0">
+                <a:ln w="3175">
+                  <a:noFill/>
+                </a:ln>
+                <a:latin typeface="+mj-lt"/>
+                <a:cs typeface="Arial" charset="0"/>
+              </a:rPr>
+              <a:t>GPRS</a:t>
+            </a:r>
+            <a:r>
+              <a:rPr lang="it-IT" sz="2800" spc="-100" dirty="0" smtClean="0">
+                <a:ln w="3175">
+                  <a:noFill/>
+                </a:ln>
+                <a:latin typeface="+mj-lt"/>
+                <a:cs typeface="Arial" charset="0"/>
+              </a:rPr>
+              <a:t>.</a:t>
+            </a:r>
+            <a:endParaRPr lang="it-IT" sz="2800" spc="-100" dirty="0">
+              <a:ln w="3175">
+                <a:noFill/>
+              </a:ln>
+              <a:latin typeface="+mj-lt"/>
+              <a:cs typeface="Arial" charset="0"/>
+            </a:endParaRPr>
           </a:p>
           <a:p>
             <a:endParaRPr lang="it-IT" dirty="0"/>
@@ -18336,20 +18542,7 @@
                 <a:latin typeface="+mj-lt"/>
                 <a:cs typeface="Arial" charset="0"/>
               </a:rPr>
-              <a:t>Strumenti </a:t>
-            </a:r>
-            <a:r>
-              <a:rPr lang="it-IT" sz="3000" b="1" i="1" spc="-100" dirty="0" smtClean="0">
-                <a:ln w="3175">
-                  <a:noFill/>
-                </a:ln>
-                <a:solidFill>
-                  <a:srgbClr val="0072C6"/>
-                </a:solidFill>
-                <a:latin typeface="+mj-lt"/>
-                <a:cs typeface="Arial" charset="0"/>
-              </a:rPr>
-              <a:t>– 1 funzionamento sensore</a:t>
+              <a:t>Strumenti – 1 funzionamento sensore</a:t>
             </a:r>
             <a:endParaRPr lang="it-IT" sz="3000" b="1" i="1" spc="-100" dirty="0">
               <a:ln w="3175">
@@ -18372,8 +18565,8 @@
         </p:nvSpPr>
         <p:spPr>
           <a:xfrm>
-            <a:off x="6000749" y="4314823"/>
-            <a:ext cx="1457325" cy="1100138"/>
+            <a:off x="5347984" y="4255627"/>
+            <a:ext cx="1319806" cy="980942"/>
           </a:xfrm>
           <a:prstGeom prst="ellipse">
             <a:avLst/>
@@ -18401,14 +18594,14 @@
           <a:p>
             <a:pPr algn="ctr"/>
             <a:r>
-              <a:rPr lang="it-IT" dirty="0" err="1" smtClean="0"/>
+              <a:rPr lang="it-IT" sz="1500" dirty="0" err="1" smtClean="0"/>
               <a:t>Modeulo</a:t>
             </a:r>
             <a:r>
-              <a:rPr lang="it-IT" dirty="0" smtClean="0"/>
+              <a:rPr lang="it-IT" sz="1500" dirty="0" smtClean="0"/>
               <a:t> GPRS</a:t>
             </a:r>
-            <a:endParaRPr lang="it-IT" dirty="0"/>
+            <a:endParaRPr lang="it-IT" sz="1500" dirty="0"/>
           </a:p>
         </p:txBody>
       </p:sp>
@@ -18420,8 +18613,8 @@
         </p:nvSpPr>
         <p:spPr>
           <a:xfrm>
-            <a:off x="10109595" y="4309067"/>
-            <a:ext cx="1371600" cy="1248330"/>
+            <a:off x="9768188" y="4558148"/>
+            <a:ext cx="1008457" cy="785372"/>
           </a:xfrm>
           <a:prstGeom prst="rect">
             <a:avLst/>
@@ -18472,7 +18665,7 @@
         </p:blipFill>
         <p:spPr>
           <a:xfrm>
-            <a:off x="7310437" y="3459238"/>
+            <a:off x="6534737" y="3460738"/>
             <a:ext cx="1619250" cy="923925"/>
           </a:xfrm>
           <a:prstGeom prst="rect">
@@ -18496,7 +18689,7 @@
         </p:blipFill>
         <p:spPr>
           <a:xfrm>
-            <a:off x="10280301" y="3731000"/>
+            <a:off x="9757322" y="3993813"/>
             <a:ext cx="1030188" cy="561236"/>
           </a:xfrm>
           <a:prstGeom prst="rect">
@@ -18520,7 +18713,7 @@
         </p:blipFill>
         <p:spPr>
           <a:xfrm>
-            <a:off x="1093477" y="4366702"/>
+            <a:off x="436245" y="4466718"/>
             <a:ext cx="1783840" cy="996379"/>
           </a:xfrm>
           <a:prstGeom prst="rect">
@@ -18544,7 +18737,7 @@
         </p:blipFill>
         <p:spPr>
           <a:xfrm>
-            <a:off x="3825479" y="4280075"/>
+            <a:off x="3005130" y="4373687"/>
             <a:ext cx="2047875" cy="1019175"/>
           </a:xfrm>
           <a:prstGeom prst="rect">
@@ -18560,7 +18753,7 @@
         </p:nvSpPr>
         <p:spPr>
           <a:xfrm>
-            <a:off x="3204570" y="4604996"/>
+            <a:off x="2418751" y="4683589"/>
             <a:ext cx="557212" cy="369332"/>
           </a:xfrm>
           <a:prstGeom prst="rect">
@@ -18590,7 +18783,7 @@
         </p:nvSpPr>
         <p:spPr>
           <a:xfrm>
-            <a:off x="714375" y="3459238"/>
+            <a:off x="342893" y="3517546"/>
             <a:ext cx="2051450" cy="523220"/>
           </a:xfrm>
           <a:prstGeom prst="rect">
@@ -18621,6 +18814,36 @@
               <a:latin typeface="+mj-lt"/>
               <a:cs typeface="Arial" charset="0"/>
             </a:endParaRPr>
+          </a:p>
+        </p:txBody>
+      </p:sp>
+      <p:sp>
+        <p:nvSpPr>
+          <p:cNvPr id="16" name="CasellaDiTesto 15"/>
+          <p:cNvSpPr txBox="1"/>
+          <p:nvPr/>
+        </p:nvSpPr>
+        <p:spPr>
+          <a:xfrm>
+            <a:off x="9797344" y="3524298"/>
+            <a:ext cx="1146294" cy="369332"/>
+          </a:xfrm>
+          <a:prstGeom prst="rect">
+            <a:avLst/>
+          </a:prstGeom>
+          <a:noFill/>
+        </p:spPr>
+        <p:txBody>
+          <a:bodyPr wrap="square" rtlCol="0">
+            <a:spAutoFit/>
+          </a:bodyPr>
+          <a:lstStyle/>
+          <a:p>
+            <a:r>
+              <a:rPr lang="it-IT" dirty="0" smtClean="0"/>
+              <a:t>Internet</a:t>
+            </a:r>
+            <a:endParaRPr lang="it-IT" dirty="0"/>
           </a:p>
         </p:txBody>
       </p:sp>
@@ -18890,15 +19113,7 @@
                   <a:schemeClr val="tx1"/>
                 </a:solidFill>
               </a:rPr>
-              <a:t>	Prezzo = 97,52</a:t>
-            </a:r>
-            <a:r>
-              <a:rPr lang="it-IT" sz="2400" dirty="0" smtClean="0">
-                <a:solidFill>
-                  <a:schemeClr val="tx1"/>
-                </a:solidFill>
-              </a:rPr>
-              <a:t>€ / mese</a:t>
+              <a:t>	Prezzo = 97,52€ / mese</a:t>
             </a:r>
             <a:endParaRPr lang="it-IT" sz="2400" dirty="0">
               <a:solidFill>
@@ -19299,15 +19514,7 @@
                   <a:schemeClr val="tx1"/>
                 </a:solidFill>
               </a:rPr>
-              <a:t>	Prezzo = 101 </a:t>
-            </a:r>
-            <a:r>
-              <a:rPr lang="it-IT" sz="2400" dirty="0" smtClean="0">
-                <a:solidFill>
-                  <a:schemeClr val="tx1"/>
-                </a:solidFill>
-              </a:rPr>
-              <a:t>€ / mese</a:t>
+              <a:t>	Prezzo = 101 € / mese</a:t>
             </a:r>
             <a:endParaRPr lang="it-IT" sz="2400" dirty="0">
               <a:solidFill>
@@ -19702,21 +19909,8 @@
                   <a:schemeClr val="tx1"/>
                 </a:solidFill>
               </a:rPr>
-              <a:t>3         per 7-10 gg a 150</a:t>
-            </a:r>
-            <a:r>
-              <a:rPr lang="it-IT" sz="2400" dirty="0" smtClean="0">
-                <a:solidFill>
-                  <a:schemeClr val="tx1"/>
-                </a:solidFill>
-              </a:rPr>
-              <a:t>€ / h</a:t>
-            </a:r>
-            <a:endParaRPr lang="it-IT" sz="2400" dirty="0" smtClean="0">
-              <a:solidFill>
-                <a:schemeClr val="tx1"/>
-              </a:solidFill>
-            </a:endParaRPr>
+              <a:t>3         per 7-10 gg a 150€ / h</a:t>
+            </a:r>
           </a:p>
           <a:p>
             <a:pPr lvl="0"/>
@@ -19761,21 +19955,8 @@
                   <a:schemeClr val="tx1"/>
                 </a:solidFill>
               </a:rPr>
-              <a:t>5          per 90 gg a 80</a:t>
-            </a:r>
-            <a:r>
-              <a:rPr lang="it-IT" sz="2400" dirty="0" smtClean="0">
-                <a:solidFill>
-                  <a:schemeClr val="tx1"/>
-                </a:solidFill>
-              </a:rPr>
-              <a:t>€ / h</a:t>
-            </a:r>
-            <a:endParaRPr lang="it-IT" sz="2400" dirty="0" smtClean="0">
-              <a:solidFill>
-                <a:schemeClr val="tx1"/>
-              </a:solidFill>
-            </a:endParaRPr>
+              <a:t>5          per 90 gg a 80€ / h</a:t>
+            </a:r>
           </a:p>
           <a:p>
             <a:pPr lvl="0"/>
@@ -20641,7 +20822,15 @@
                   <a:schemeClr val="tx1"/>
                 </a:solidFill>
               </a:rPr>
-              <a:t>Installazione sensori  30 € </a:t>
+              <a:t>Installazione sensori  30 € x 4h </a:t>
+            </a:r>
+            <a:r>
+              <a:rPr lang="it-IT" sz="2400" dirty="0">
+                <a:solidFill>
+                  <a:schemeClr val="tx1"/>
+                </a:solidFill>
+              </a:rPr>
+              <a:t>x</a:t>
             </a:r>
             <a:r>
               <a:rPr lang="it-IT" sz="2400" dirty="0" smtClean="0">
@@ -20649,55 +20838,7 @@
                   <a:schemeClr val="tx1"/>
                 </a:solidFill>
               </a:rPr>
-              <a:t>x </a:t>
-            </a:r>
-            <a:r>
-              <a:rPr lang="it-IT" sz="2400" dirty="0" smtClean="0">
-                <a:solidFill>
-                  <a:schemeClr val="tx1"/>
-                </a:solidFill>
-              </a:rPr>
-              <a:t>4h </a:t>
-            </a:r>
-            <a:r>
-              <a:rPr lang="it-IT" sz="2400" dirty="0">
-                <a:solidFill>
-                  <a:schemeClr val="tx1"/>
-                </a:solidFill>
-              </a:rPr>
-              <a:t>x</a:t>
-            </a:r>
-            <a:r>
-              <a:rPr lang="it-IT" sz="2400" dirty="0" smtClean="0">
-                <a:solidFill>
-                  <a:schemeClr val="tx1"/>
-                </a:solidFill>
-              </a:rPr>
-              <a:t> </a:t>
-            </a:r>
-            <a:r>
-              <a:rPr lang="it-IT" sz="2400" dirty="0" smtClean="0">
-                <a:solidFill>
-                  <a:schemeClr val="tx1"/>
-                </a:solidFill>
-              </a:rPr>
-              <a:t>2p </a:t>
-            </a:r>
-            <a:r>
-              <a:rPr lang="it-IT" sz="2400" dirty="0" smtClean="0">
-                <a:solidFill>
-                  <a:schemeClr val="tx1"/>
-                </a:solidFill>
-              </a:rPr>
-              <a:t>x </a:t>
-            </a:r>
-            <a:r>
-              <a:rPr lang="it-IT" sz="2400" dirty="0" smtClean="0">
-                <a:solidFill>
-                  <a:schemeClr val="tx1"/>
-                </a:solidFill>
-              </a:rPr>
-              <a:t>2000 = 		    480.000  €</a:t>
+              <a:t> 2p x 2000 = 		    480.000  €</a:t>
             </a:r>
           </a:p>
           <a:p>
@@ -20716,55 +20857,7 @@
                   <a:schemeClr val="tx1"/>
                 </a:solidFill>
               </a:rPr>
-              <a:t>Analisi e architettura 150 € </a:t>
-            </a:r>
-            <a:r>
-              <a:rPr lang="it-IT" sz="2400" dirty="0" smtClean="0">
-                <a:solidFill>
-                  <a:schemeClr val="tx1"/>
-                </a:solidFill>
-              </a:rPr>
-              <a:t>x </a:t>
-            </a:r>
-            <a:r>
-              <a:rPr lang="it-IT" sz="2400" dirty="0" smtClean="0">
-                <a:solidFill>
-                  <a:schemeClr val="tx1"/>
-                </a:solidFill>
-              </a:rPr>
-              <a:t>8h </a:t>
-            </a:r>
-            <a:r>
-              <a:rPr lang="it-IT" sz="2400" dirty="0" smtClean="0">
-                <a:solidFill>
-                  <a:schemeClr val="tx1"/>
-                </a:solidFill>
-              </a:rPr>
-              <a:t>x </a:t>
-            </a:r>
-            <a:r>
-              <a:rPr lang="it-IT" sz="2400" dirty="0" smtClean="0">
-                <a:solidFill>
-                  <a:schemeClr val="tx1"/>
-                </a:solidFill>
-              </a:rPr>
-              <a:t>3p </a:t>
-            </a:r>
-            <a:r>
-              <a:rPr lang="it-IT" sz="2400" dirty="0" smtClean="0">
-                <a:solidFill>
-                  <a:schemeClr val="tx1"/>
-                </a:solidFill>
-              </a:rPr>
-              <a:t>x </a:t>
-            </a:r>
-            <a:r>
-              <a:rPr lang="it-IT" sz="2400" dirty="0" smtClean="0">
-                <a:solidFill>
-                  <a:schemeClr val="tx1"/>
-                </a:solidFill>
-              </a:rPr>
-              <a:t>10 =		      36.000  €</a:t>
+              <a:t>Analisi e architettura 150 € x 8h x 3p x 10 =		      36.000  €</a:t>
             </a:r>
           </a:p>
           <a:p>
@@ -20783,55 +20876,7 @@
                   <a:schemeClr val="tx1"/>
                 </a:solidFill>
               </a:rPr>
-              <a:t>Sviluppo e test 80 € </a:t>
-            </a:r>
-            <a:r>
-              <a:rPr lang="it-IT" sz="2400" dirty="0" smtClean="0">
-                <a:solidFill>
-                  <a:schemeClr val="tx1"/>
-                </a:solidFill>
-              </a:rPr>
-              <a:t>x </a:t>
-            </a:r>
-            <a:r>
-              <a:rPr lang="it-IT" sz="2400" dirty="0" smtClean="0">
-                <a:solidFill>
-                  <a:schemeClr val="tx1"/>
-                </a:solidFill>
-              </a:rPr>
-              <a:t>8h </a:t>
-            </a:r>
-            <a:r>
-              <a:rPr lang="it-IT" sz="2400" dirty="0" smtClean="0">
-                <a:solidFill>
-                  <a:schemeClr val="tx1"/>
-                </a:solidFill>
-              </a:rPr>
-              <a:t>x </a:t>
-            </a:r>
-            <a:r>
-              <a:rPr lang="it-IT" sz="2400" dirty="0" smtClean="0">
-                <a:solidFill>
-                  <a:schemeClr val="tx1"/>
-                </a:solidFill>
-              </a:rPr>
-              <a:t>5p </a:t>
-            </a:r>
-            <a:r>
-              <a:rPr lang="it-IT" sz="2400" dirty="0" smtClean="0">
-                <a:solidFill>
-                  <a:schemeClr val="tx1"/>
-                </a:solidFill>
-              </a:rPr>
-              <a:t>x </a:t>
-            </a:r>
-            <a:r>
-              <a:rPr lang="it-IT" sz="2400" dirty="0" smtClean="0">
-                <a:solidFill>
-                  <a:schemeClr val="tx1"/>
-                </a:solidFill>
-              </a:rPr>
-              <a:t>90 gg=			     288.000 €</a:t>
+              <a:t>Sviluppo e test 80 € x 8h x 5p x 90 gg=			     288.000 €</a:t>
             </a:r>
           </a:p>
           <a:p>
@@ -20979,31 +21024,7 @@
                   <a:schemeClr val="tx1"/>
                 </a:solidFill>
               </a:rPr>
-              <a:t>** </a:t>
-            </a:r>
-            <a:r>
-              <a:rPr lang="it-IT" sz="2000" dirty="0" smtClean="0">
-                <a:solidFill>
-                  <a:schemeClr val="tx1"/>
-                </a:solidFill>
-              </a:rPr>
-              <a:t>sconto </a:t>
-            </a:r>
-            <a:r>
-              <a:rPr lang="it-IT" sz="2000" dirty="0" smtClean="0">
-                <a:solidFill>
-                  <a:schemeClr val="tx1"/>
-                </a:solidFill>
-              </a:rPr>
-              <a:t>del 30</a:t>
-            </a:r>
-            <a:r>
-              <a:rPr lang="it-IT" sz="2000" dirty="0" smtClean="0">
-                <a:solidFill>
-                  <a:schemeClr val="tx1"/>
-                </a:solidFill>
-              </a:rPr>
-              <a:t>%  	                                 </a:t>
+              <a:t>** sconto del 30%  	                                 </a:t>
             </a:r>
             <a:r>
               <a:rPr lang="it-IT" sz="2400" dirty="0" smtClean="0">
@@ -21300,11 +21321,6 @@
               </a:rPr>
               <a:t>Schema logico</a:t>
             </a:r>
-            <a:endParaRPr lang="it-IT" b="1" dirty="0" smtClean="0">
-              <a:solidFill>
-                <a:srgbClr val="0072C6"/>
-              </a:solidFill>
-            </a:endParaRPr>
           </a:p>
           <a:p>
             <a:r>
@@ -21590,11 +21606,6 @@
               </a:rPr>
               <a:t>Schema concettuale</a:t>
             </a:r>
-            <a:endParaRPr lang="it-IT" b="1" dirty="0" smtClean="0">
-              <a:solidFill>
-                <a:srgbClr val="0072C6"/>
-              </a:solidFill>
-            </a:endParaRPr>
           </a:p>
           <a:p>
             <a:r>
@@ -21856,11 +21867,6 @@
               </a:rPr>
               <a:t>Schema logico</a:t>
             </a:r>
-            <a:endParaRPr lang="it-IT" b="1" dirty="0" smtClean="0">
-              <a:solidFill>
-                <a:srgbClr val="0072C6"/>
-              </a:solidFill>
-            </a:endParaRPr>
           </a:p>
           <a:p>
             <a:r>
@@ -22095,8 +22101,8 @@
         </p:nvSpPr>
         <p:spPr>
           <a:xfrm>
-            <a:off x="521493" y="2208215"/>
-            <a:ext cx="10587037" cy="3046988"/>
+            <a:off x="678655" y="1879602"/>
+            <a:ext cx="10587037" cy="4201150"/>
           </a:xfrm>
           <a:prstGeom prst="rect">
             <a:avLst/>
@@ -22121,8 +22127,31 @@
                 <a:latin typeface="+mj-lt"/>
                 <a:cs typeface="Arial" charset="0"/>
               </a:rPr>
-              <a:t>DI - dato idrometrico</a:t>
-            </a:r>
+              <a:t>DI - dato </a:t>
+            </a:r>
+            <a:r>
+              <a:rPr lang="it-IT" sz="3200" spc="-100" dirty="0" smtClean="0">
+                <a:ln w="3175">
+                  <a:noFill/>
+                </a:ln>
+                <a:latin typeface="+mj-lt"/>
+                <a:cs typeface="Arial" charset="0"/>
+              </a:rPr>
+              <a:t>idrometrico</a:t>
+            </a:r>
+          </a:p>
+          <a:p>
+            <a:pPr marL="457200" lvl="0" indent="-457200">
+              <a:buFont typeface="Arial" panose="020B0604020202020204" pitchFamily="34" charset="0"/>
+              <a:buChar char="•"/>
+            </a:pPr>
+            <a:endParaRPr lang="it-IT" sz="1500" spc="-100" dirty="0">
+              <a:ln w="3175">
+                <a:noFill/>
+              </a:ln>
+              <a:latin typeface="+mj-lt"/>
+              <a:cs typeface="Arial" charset="0"/>
+            </a:endParaRPr>
           </a:p>
           <a:p>
             <a:pPr marL="457200" lvl="0" indent="-457200">
@@ -22137,8 +22166,31 @@
                 <a:latin typeface="+mj-lt"/>
                 <a:cs typeface="Arial" charset="0"/>
               </a:rPr>
-              <a:t>SEP - segnalazione emergenza potenziale</a:t>
-            </a:r>
+              <a:t>SEP - segnalazione emergenza </a:t>
+            </a:r>
+            <a:r>
+              <a:rPr lang="it-IT" sz="3200" spc="-100" dirty="0" smtClean="0">
+                <a:ln w="3175">
+                  <a:noFill/>
+                </a:ln>
+                <a:latin typeface="+mj-lt"/>
+                <a:cs typeface="Arial" charset="0"/>
+              </a:rPr>
+              <a:t>potenziale</a:t>
+            </a:r>
+          </a:p>
+          <a:p>
+            <a:pPr marL="457200" lvl="0" indent="-457200">
+              <a:buFont typeface="Arial" panose="020B0604020202020204" pitchFamily="34" charset="0"/>
+              <a:buChar char="•"/>
+            </a:pPr>
+            <a:endParaRPr lang="it-IT" sz="1500" spc="-100" dirty="0">
+              <a:ln w="3175">
+                <a:noFill/>
+              </a:ln>
+              <a:latin typeface="+mj-lt"/>
+              <a:cs typeface="Arial" charset="0"/>
+            </a:endParaRPr>
           </a:p>
           <a:p>
             <a:pPr marL="457200" lvl="0" indent="-457200">
@@ -22153,8 +22205,31 @@
                 <a:latin typeface="+mj-lt"/>
                 <a:cs typeface="Arial" charset="0"/>
               </a:rPr>
-              <a:t>SEG - segnalazione emergenza grave</a:t>
-            </a:r>
+              <a:t>SEG - segnalazione emergenza </a:t>
+            </a:r>
+            <a:r>
+              <a:rPr lang="it-IT" sz="3200" spc="-100" dirty="0" smtClean="0">
+                <a:ln w="3175">
+                  <a:noFill/>
+                </a:ln>
+                <a:latin typeface="+mj-lt"/>
+                <a:cs typeface="Arial" charset="0"/>
+              </a:rPr>
+              <a:t>grave</a:t>
+            </a:r>
+          </a:p>
+          <a:p>
+            <a:pPr marL="457200" lvl="0" indent="-457200">
+              <a:buFont typeface="Arial" panose="020B0604020202020204" pitchFamily="34" charset="0"/>
+              <a:buChar char="•"/>
+            </a:pPr>
+            <a:endParaRPr lang="it-IT" sz="1500" spc="-100" dirty="0">
+              <a:ln w="3175">
+                <a:noFill/>
+              </a:ln>
+              <a:latin typeface="+mj-lt"/>
+              <a:cs typeface="Arial" charset="0"/>
+            </a:endParaRPr>
           </a:p>
           <a:p>
             <a:pPr marL="457200" lvl="0" indent="-457200">
@@ -22169,8 +22244,31 @@
                 <a:latin typeface="+mj-lt"/>
                 <a:cs typeface="Arial" charset="0"/>
               </a:rPr>
-              <a:t>BDM - base dati meteo</a:t>
-            </a:r>
+              <a:t>BDM - base dati </a:t>
+            </a:r>
+            <a:r>
+              <a:rPr lang="it-IT" sz="3200" spc="-100" dirty="0" smtClean="0">
+                <a:ln w="3175">
+                  <a:noFill/>
+                </a:ln>
+                <a:latin typeface="+mj-lt"/>
+                <a:cs typeface="Arial" charset="0"/>
+              </a:rPr>
+              <a:t>meteo</a:t>
+            </a:r>
+          </a:p>
+          <a:p>
+            <a:pPr marL="457200" lvl="0" indent="-457200">
+              <a:buFont typeface="Arial" panose="020B0604020202020204" pitchFamily="34" charset="0"/>
+              <a:buChar char="•"/>
+            </a:pPr>
+            <a:endParaRPr lang="it-IT" sz="1500" spc="-100" dirty="0">
+              <a:ln w="3175">
+                <a:noFill/>
+              </a:ln>
+              <a:latin typeface="+mj-lt"/>
+              <a:cs typeface="Arial" charset="0"/>
+            </a:endParaRPr>
           </a:p>
           <a:p>
             <a:pPr marL="457200" lvl="0" indent="-457200">
@@ -22185,8 +22283,31 @@
                 <a:latin typeface="+mj-lt"/>
                 <a:cs typeface="Arial" charset="0"/>
               </a:rPr>
-              <a:t>BSE - base dati segnalazioni emergenza</a:t>
-            </a:r>
+              <a:t>BSE - base dati segnalazioni </a:t>
+            </a:r>
+            <a:r>
+              <a:rPr lang="it-IT" sz="3200" spc="-100" dirty="0" smtClean="0">
+                <a:ln w="3175">
+                  <a:noFill/>
+                </a:ln>
+                <a:latin typeface="+mj-lt"/>
+                <a:cs typeface="Arial" charset="0"/>
+              </a:rPr>
+              <a:t>emergenza</a:t>
+            </a:r>
+          </a:p>
+          <a:p>
+            <a:pPr marL="457200" lvl="0" indent="-457200">
+              <a:buFont typeface="Arial" panose="020B0604020202020204" pitchFamily="34" charset="0"/>
+              <a:buChar char="•"/>
+            </a:pPr>
+            <a:endParaRPr lang="it-IT" sz="1500" spc="-100" dirty="0">
+              <a:ln w="3175">
+                <a:noFill/>
+              </a:ln>
+              <a:latin typeface="+mj-lt"/>
+              <a:cs typeface="Arial" charset="0"/>
+            </a:endParaRPr>
           </a:p>
           <a:p>
             <a:pPr marL="457200" lvl="0" indent="-457200">
@@ -22454,11 +22575,6 @@
               </a:rPr>
               <a:t>Schema concettuale</a:t>
             </a:r>
-            <a:endParaRPr lang="it-IT" b="1" dirty="0" smtClean="0">
-              <a:solidFill>
-                <a:srgbClr val="0072C6"/>
-              </a:solidFill>
-            </a:endParaRPr>
           </a:p>
           <a:p>
             <a:r>
@@ -22677,11 +22793,6 @@
               </a:rPr>
               <a:t>Schema logico</a:t>
             </a:r>
-            <a:endParaRPr lang="it-IT" b="1" dirty="0" smtClean="0">
-              <a:solidFill>
-                <a:srgbClr val="0072C6"/>
-              </a:solidFill>
-            </a:endParaRPr>
           </a:p>
           <a:p>
             <a:r>
@@ -23010,11 +23121,6 @@
               </a:rPr>
               <a:t>Schema concettuale</a:t>
             </a:r>
-            <a:endParaRPr lang="it-IT" b="1" dirty="0" smtClean="0">
-              <a:solidFill>
-                <a:srgbClr val="0072C6"/>
-              </a:solidFill>
-            </a:endParaRPr>
           </a:p>
           <a:p>
             <a:r>
@@ -23276,11 +23382,6 @@
               </a:rPr>
               <a:t>Schema logico</a:t>
             </a:r>
-            <a:endParaRPr lang="it-IT" b="1" dirty="0" smtClean="0">
-              <a:solidFill>
-                <a:srgbClr val="0072C6"/>
-              </a:solidFill>
-            </a:endParaRPr>
           </a:p>
           <a:p>
             <a:r>
@@ -23550,11 +23651,6 @@
               </a:rPr>
               <a:t>Schema logico</a:t>
             </a:r>
-            <a:endParaRPr lang="it-IT" b="1" dirty="0" smtClean="0">
-              <a:solidFill>
-                <a:srgbClr val="0072C6"/>
-              </a:solidFill>
-            </a:endParaRPr>
           </a:p>
           <a:p>
             <a:r>
@@ -23840,11 +23936,6 @@
               </a:rPr>
               <a:t>Schema logico</a:t>
             </a:r>
-            <a:endParaRPr lang="it-IT" b="1" dirty="0" smtClean="0">
-              <a:solidFill>
-                <a:srgbClr val="0072C6"/>
-              </a:solidFill>
-            </a:endParaRPr>
           </a:p>
           <a:p>
             <a:r>
@@ -24130,11 +24221,6 @@
               </a:rPr>
               <a:t>Schema concettuale</a:t>
             </a:r>
-            <a:endParaRPr lang="it-IT" b="1" dirty="0" smtClean="0">
-              <a:solidFill>
-                <a:srgbClr val="0072C6"/>
-              </a:solidFill>
-            </a:endParaRPr>
           </a:p>
           <a:p>
             <a:r>
@@ -25314,7 +25400,7 @@
         </p:nvSpPr>
         <p:spPr>
           <a:xfrm>
-            <a:off x="521493" y="1700214"/>
+            <a:off x="521493" y="2042221"/>
             <a:ext cx="10158413" cy="5016757"/>
           </a:xfrm>
           <a:prstGeom prst="rect">
@@ -26312,11 +26398,6 @@
               </a:rPr>
               <a:t>Query schema globale</a:t>
             </a:r>
-            <a:endParaRPr lang="it-IT" b="1" dirty="0" smtClean="0">
-              <a:solidFill>
-                <a:srgbClr val="0072C6"/>
-              </a:solidFill>
-            </a:endParaRPr>
           </a:p>
           <a:p>
             <a:endParaRPr lang="it-IT" sz="1500" b="1" i="1" dirty="0" smtClean="0">
@@ -26750,11 +26831,6 @@
               </a:rPr>
               <a:t>Query schema globale</a:t>
             </a:r>
-            <a:endParaRPr lang="it-IT" b="1" dirty="0" smtClean="0">
-              <a:solidFill>
-                <a:srgbClr val="0072C6"/>
-              </a:solidFill>
-            </a:endParaRPr>
           </a:p>
           <a:p>
             <a:endParaRPr lang="it-IT" sz="1500" b="1" i="1" dirty="0" smtClean="0">
@@ -27827,23 +27903,7 @@
                   <a:schemeClr val="tx1"/>
                 </a:solidFill>
               </a:rPr>
-              <a:t> </a:t>
-            </a:r>
-            <a:r>
-              <a:rPr lang="it-IT" sz="2500" dirty="0" smtClean="0">
-                <a:solidFill>
-                  <a:schemeClr val="tx1"/>
-                </a:solidFill>
-              </a:rPr>
-              <a:t>Licenza: </a:t>
-            </a:r>
-            <a:r>
-              <a:rPr lang="it-IT" sz="2500" dirty="0" smtClean="0">
-                <a:solidFill>
-                  <a:schemeClr val="tx1"/>
-                </a:solidFill>
-              </a:rPr>
-              <a:t>http</a:t>
+              <a:t> Licenza: http</a:t>
             </a:r>
             <a:r>
               <a:rPr lang="it-IT" sz="2500" dirty="0">
@@ -27873,23 +27933,7 @@
                   <a:schemeClr val="tx1"/>
                 </a:solidFill>
               </a:rPr>
-              <a:t>I dati pubblicati possono essere utilizzati ad esempio dal corso di laurea di statistica o di geologia (analisi ed </a:t>
-            </a:r>
-            <a:r>
-              <a:rPr lang="it-IT" sz="3000" dirty="0" smtClean="0">
-                <a:solidFill>
-                  <a:schemeClr val="tx1"/>
-                </a:solidFill>
-              </a:rPr>
-              <a:t>inferenza statistica </a:t>
-            </a:r>
-            <a:r>
-              <a:rPr lang="it-IT" sz="3000" dirty="0" smtClean="0">
-                <a:solidFill>
-                  <a:schemeClr val="tx1"/>
-                </a:solidFill>
-              </a:rPr>
-              <a:t>sui dati) oppure da agenzie che si occupano di gestione territoriale. </a:t>
+              <a:t>I dati pubblicati possono essere utilizzati ad esempio dal corso di laurea di statistica o di geologia (analisi ed inferenza statistica sui dati) oppure da agenzie che si occupano di gestione territoriale. </a:t>
             </a:r>
             <a:endParaRPr lang="it-IT" sz="3000" dirty="0">
               <a:solidFill>
@@ -28146,8 +28190,25 @@
                 <a:latin typeface="+mj-lt"/>
                 <a:cs typeface="Arial" charset="0"/>
               </a:rPr>
-              <a:t>Il recupero dei dati meteo viene effettuato ogni 3 ore (assunzione fatta sulla base del funzionamento di servizi web reali ) . </a:t>
-            </a:r>
+              <a:t>Il recupero dei dati meteo viene effettuato ogni 3 ore (assunzione fatta sulla base del funzionamento di servizi web reali ) </a:t>
+            </a:r>
+            <a:r>
+              <a:rPr lang="it-IT" sz="3200" spc="-100" dirty="0" smtClean="0">
+                <a:ln w="3175">
+                  <a:noFill/>
+                </a:ln>
+                <a:latin typeface="+mj-lt"/>
+                <a:cs typeface="Arial" charset="0"/>
+              </a:rPr>
+              <a:t> </a:t>
+            </a:r>
+            <a:endParaRPr lang="it-IT" sz="3200" spc="-100" dirty="0">
+              <a:ln w="3175">
+                <a:noFill/>
+              </a:ln>
+              <a:latin typeface="+mj-lt"/>
+              <a:cs typeface="Arial" charset="0"/>
+            </a:endParaRPr>
           </a:p>
           <a:p>
             <a:pPr marL="457200" lvl="0" indent="-457200">
@@ -28175,8 +28236,25 @@
                 <a:latin typeface="+mj-lt"/>
                 <a:cs typeface="Arial" charset="0"/>
               </a:rPr>
-              <a:t>La pianificazione degli spostamenti delle squadre di emergenza non viene svolta in automatico dal sistema.</a:t>
-            </a:r>
+              <a:t>La pianificazione degli spostamenti delle squadre di emergenza non viene svolta in automatico dal </a:t>
+            </a:r>
+            <a:r>
+              <a:rPr lang="it-IT" sz="3200" spc="-100" dirty="0" smtClean="0">
+                <a:ln w="3175">
+                  <a:noFill/>
+                </a:ln>
+                <a:latin typeface="+mj-lt"/>
+                <a:cs typeface="Arial" charset="0"/>
+              </a:rPr>
+              <a:t>sistema</a:t>
+            </a:r>
+            <a:endParaRPr lang="it-IT" sz="3200" spc="-100" dirty="0" smtClean="0">
+              <a:ln w="3175">
+                <a:noFill/>
+              </a:ln>
+              <a:latin typeface="+mj-lt"/>
+              <a:cs typeface="Arial" charset="0"/>
+            </a:endParaRPr>
           </a:p>
           <a:p>
             <a:pPr marL="457200" lvl="0" indent="-457200">
@@ -28204,7 +28282,17 @@
                 <a:latin typeface="+mj-lt"/>
                 <a:cs typeface="Arial" charset="0"/>
               </a:rPr>
-              <a:t>Il campo regione della tabella nodo d’acqua in BRI e il campo denominazione della tabella regione in BDM hanno lo stesso dominio.</a:t>
+              <a:t>Il campo regione della tabella nodo d’acqua in BRI e il campo denominazione della tabella regione in BDM hanno lo stesso </a:t>
+            </a:r>
+            <a:r>
+              <a:rPr lang="it-IT" sz="3200" spc="-100" dirty="0" smtClean="0">
+                <a:ln w="3175">
+                  <a:noFill/>
+                </a:ln>
+                <a:latin typeface="+mj-lt"/>
+                <a:cs typeface="Arial" charset="0"/>
+              </a:rPr>
+              <a:t>dominio</a:t>
             </a:r>
             <a:endParaRPr lang="it-IT" sz="3200" spc="-100" dirty="0">
               <a:ln w="3175">
@@ -28527,7 +28615,17 @@
                 <a:latin typeface="+mj-lt"/>
                 <a:cs typeface="Arial" charset="0"/>
               </a:rPr>
-              <a:t>Conosciamo lo schema logico di BDM. </a:t>
+              <a:t>Conosciamo lo schema logico di </a:t>
+            </a:r>
+            <a:r>
+              <a:rPr lang="it-IT" sz="3200" spc="-100" dirty="0" smtClean="0">
+                <a:ln w="3175">
+                  <a:noFill/>
+                </a:ln>
+                <a:latin typeface="+mj-lt"/>
+                <a:cs typeface="Arial" charset="0"/>
+              </a:rPr>
+              <a:t>BDM</a:t>
             </a:r>
             <a:endParaRPr lang="it-IT" sz="3200" spc="-100" dirty="0">
               <a:ln w="3175">
@@ -28563,8 +28661,25 @@
                 <a:latin typeface="+mj-lt"/>
                 <a:cs typeface="Arial" charset="0"/>
               </a:rPr>
-              <a:t>I nodi idrici si trovano in corrispondenza del punto di confluenza di due corsi d’acqua.</a:t>
-            </a:r>
+              <a:t>I nodi idrici si trovano in corrispondenza del punto di confluenza di due corsi </a:t>
+            </a:r>
+            <a:r>
+              <a:rPr lang="it-IT" sz="3200" spc="-100" dirty="0" smtClean="0">
+                <a:ln w="3175">
+                  <a:noFill/>
+                </a:ln>
+                <a:latin typeface="+mj-lt"/>
+                <a:cs typeface="Arial" charset="0"/>
+              </a:rPr>
+              <a:t>d’acqua</a:t>
+            </a:r>
+            <a:endParaRPr lang="it-IT" sz="3200" spc="-100" dirty="0" smtClean="0">
+              <a:ln w="3175">
+                <a:noFill/>
+              </a:ln>
+              <a:latin typeface="+mj-lt"/>
+              <a:cs typeface="Arial" charset="0"/>
+            </a:endParaRPr>
           </a:p>
           <a:p>
             <a:pPr marL="457200" lvl="0" indent="-457200">
@@ -28592,8 +28707,25 @@
                 <a:latin typeface="+mj-lt"/>
                 <a:cs typeface="Arial" charset="0"/>
               </a:rPr>
-              <a:t>Il tratto di fiume va da un nodo al successivo.</a:t>
-            </a:r>
+              <a:t>Il tratto di fiume va da un nodo al </a:t>
+            </a:r>
+            <a:r>
+              <a:rPr lang="it-IT" sz="3200" spc="-100" dirty="0" smtClean="0">
+                <a:ln w="3175">
+                  <a:noFill/>
+                </a:ln>
+                <a:latin typeface="+mj-lt"/>
+                <a:cs typeface="Arial" charset="0"/>
+              </a:rPr>
+              <a:t>successivo</a:t>
+            </a:r>
+            <a:endParaRPr lang="it-IT" sz="3200" spc="-100" dirty="0" smtClean="0">
+              <a:ln w="3175">
+                <a:noFill/>
+              </a:ln>
+              <a:latin typeface="+mj-lt"/>
+              <a:cs typeface="Arial" charset="0"/>
+            </a:endParaRPr>
           </a:p>
           <a:p>
             <a:pPr marL="457200" indent="-457200">
@@ -28621,7 +28753,17 @@
                 <a:latin typeface="+mj-lt"/>
                 <a:cs typeface="Arial" charset="0"/>
               </a:rPr>
-              <a:t>Vengono monitorati solo i tratti d’acqua considerati a rischio. </a:t>
+              <a:t>Vengono monitorati solo i tratti d’acqua considerati a </a:t>
+            </a:r>
+            <a:r>
+              <a:rPr lang="it-IT" sz="3200" spc="-100" dirty="0" smtClean="0">
+                <a:ln w="3175">
+                  <a:noFill/>
+                </a:ln>
+                <a:latin typeface="+mj-lt"/>
+                <a:cs typeface="Arial" charset="0"/>
+              </a:rPr>
+              <a:t>rischio </a:t>
             </a:r>
             <a:endParaRPr lang="it-IT" sz="3200" spc="-100" dirty="0">
               <a:ln w="3175">
@@ -28964,7 +29106,17 @@
                 <a:latin typeface="+mj-lt"/>
                 <a:cs typeface="Arial" charset="0"/>
               </a:rPr>
-              <a:t> dotati di modulo GPRS (Output digitale). </a:t>
+              <a:t> dotati di modulo GPRS (Output digitale</a:t>
+            </a:r>
+            <a:r>
+              <a:rPr lang="it-IT" sz="3200" spc="-100" dirty="0" smtClean="0">
+                <a:ln w="3175">
+                  <a:noFill/>
+                </a:ln>
+                <a:latin typeface="+mj-lt"/>
+                <a:cs typeface="Arial" charset="0"/>
+              </a:rPr>
+              <a:t>) </a:t>
             </a:r>
             <a:endParaRPr lang="it-IT" sz="3200" spc="-100" dirty="0">
               <a:ln w="3175">
@@ -29062,16 +29214,13 @@
               </a:rPr>
               <a:t>tupla</a:t>
             </a:r>
-            <a:r>
-              <a:rPr lang="it-IT" sz="3200" spc="-100" dirty="0" smtClean="0">
-                <a:ln w="3175">
-                  <a:noFill/>
-                </a:ln>
-                <a:latin typeface="+mj-lt"/>
-                <a:cs typeface="Arial" charset="0"/>
-              </a:rPr>
-              <a:t>.</a:t>
-            </a:r>
+            <a:endParaRPr lang="it-IT" sz="3200" spc="-100" dirty="0" smtClean="0">
+              <a:ln w="3175">
+                <a:noFill/>
+              </a:ln>
+              <a:latin typeface="+mj-lt"/>
+              <a:cs typeface="Arial" charset="0"/>
+            </a:endParaRPr>
           </a:p>
           <a:p>
             <a:pPr marL="457200" lvl="0" indent="-457200">
@@ -29099,8 +29248,25 @@
                 <a:latin typeface="+mj-lt"/>
                 <a:cs typeface="Arial" charset="0"/>
               </a:rPr>
-              <a:t>Il territorio di una regione è suddiviso in celle.</a:t>
-            </a:r>
+              <a:t>Il territorio di una regione è suddiviso in </a:t>
+            </a:r>
+            <a:r>
+              <a:rPr lang="it-IT" sz="3200" spc="-100" dirty="0" smtClean="0">
+                <a:ln w="3175">
+                  <a:noFill/>
+                </a:ln>
+                <a:latin typeface="+mj-lt"/>
+                <a:cs typeface="Arial" charset="0"/>
+              </a:rPr>
+              <a:t>celle</a:t>
+            </a:r>
+            <a:endParaRPr lang="it-IT" sz="3200" spc="-100" dirty="0" smtClean="0">
+              <a:ln w="3175">
+                <a:noFill/>
+              </a:ln>
+              <a:latin typeface="+mj-lt"/>
+              <a:cs typeface="Arial" charset="0"/>
+            </a:endParaRPr>
           </a:p>
           <a:p>
             <a:pPr marL="457200" indent="-457200">

--- a/Febbraio 2015.pptx
+++ b/Febbraio 2015.pptx
@@ -5,7 +5,7 @@
     <p:sldMasterId id="2147483648" r:id="rId1"/>
   </p:sldMasterIdLst>
   <p:notesMasterIdLst>
-    <p:notesMasterId r:id="rId68"/>
+    <p:notesMasterId r:id="rId79"/>
   </p:notesMasterIdLst>
   <p:sldIdLst>
     <p:sldId id="256" r:id="rId2"/>
@@ -64,16 +64,27 @@
     <p:sldId id="315" r:id="rId55"/>
     <p:sldId id="317" r:id="rId56"/>
     <p:sldId id="314" r:id="rId57"/>
-    <p:sldId id="318" r:id="rId58"/>
-    <p:sldId id="319" r:id="rId59"/>
-    <p:sldId id="320" r:id="rId60"/>
-    <p:sldId id="321" r:id="rId61"/>
-    <p:sldId id="322" r:id="rId62"/>
-    <p:sldId id="323" r:id="rId63"/>
-    <p:sldId id="324" r:id="rId64"/>
-    <p:sldId id="295" r:id="rId65"/>
-    <p:sldId id="296" r:id="rId66"/>
-    <p:sldId id="297" r:id="rId67"/>
+    <p:sldId id="335" r:id="rId58"/>
+    <p:sldId id="318" r:id="rId59"/>
+    <p:sldId id="319" r:id="rId60"/>
+    <p:sldId id="320" r:id="rId61"/>
+    <p:sldId id="321" r:id="rId62"/>
+    <p:sldId id="322" r:id="rId63"/>
+    <p:sldId id="323" r:id="rId64"/>
+    <p:sldId id="324" r:id="rId65"/>
+    <p:sldId id="295" r:id="rId66"/>
+    <p:sldId id="296" r:id="rId67"/>
+    <p:sldId id="297" r:id="rId68"/>
+    <p:sldId id="325" r:id="rId69"/>
+    <p:sldId id="326" r:id="rId70"/>
+    <p:sldId id="327" r:id="rId71"/>
+    <p:sldId id="328" r:id="rId72"/>
+    <p:sldId id="329" r:id="rId73"/>
+    <p:sldId id="332" r:id="rId74"/>
+    <p:sldId id="333" r:id="rId75"/>
+    <p:sldId id="334" r:id="rId76"/>
+    <p:sldId id="330" r:id="rId77"/>
+    <p:sldId id="331" r:id="rId78"/>
   </p:sldIdLst>
   <p:sldSz cx="12192000" cy="6858000"/>
   <p:notesSz cx="6858000" cy="9144000"/>
@@ -297,11 +308,11 @@
           <c:showPercent val="0"/>
           <c:showBubbleSize val="0"/>
         </c:dLbls>
-        <c:axId val="144848560"/>
-        <c:axId val="144849680"/>
+        <c:axId val="119690752"/>
+        <c:axId val="119691312"/>
       </c:radarChart>
       <c:catAx>
-        <c:axId val="144848560"/>
+        <c:axId val="119690752"/>
         <c:scaling>
           <c:orientation val="minMax"/>
         </c:scaling>
@@ -344,7 +355,7 @@
             <a:endParaRPr lang="it-IT"/>
           </a:p>
         </c:txPr>
-        <c:crossAx val="144849680"/>
+        <c:crossAx val="119691312"/>
         <c:crosses val="autoZero"/>
         <c:auto val="1"/>
         <c:lblAlgn val="ctr"/>
@@ -352,7 +363,7 @@
         <c:noMultiLvlLbl val="0"/>
       </c:catAx>
       <c:valAx>
-        <c:axId val="144849680"/>
+        <c:axId val="119691312"/>
         <c:scaling>
           <c:orientation val="minMax"/>
           <c:max val="100"/>
@@ -404,7 +415,7 @@
             <a:endParaRPr lang="it-IT"/>
           </a:p>
         </c:txPr>
-        <c:crossAx val="144848560"/>
+        <c:crossAx val="119690752"/>
         <c:crosses val="autoZero"/>
         <c:crossBetween val="between"/>
         <c:majorUnit val="10"/>
@@ -550,11 +561,11 @@
           <c:showPercent val="0"/>
           <c:showBubbleSize val="0"/>
         </c:dLbls>
-        <c:axId val="144851920"/>
-        <c:axId val="144852480"/>
+        <c:axId val="119693552"/>
+        <c:axId val="119694112"/>
       </c:radarChart>
       <c:catAx>
-        <c:axId val="144851920"/>
+        <c:axId val="119693552"/>
         <c:scaling>
           <c:orientation val="minMax"/>
         </c:scaling>
@@ -597,7 +608,7 @@
             <a:endParaRPr lang="it-IT"/>
           </a:p>
         </c:txPr>
-        <c:crossAx val="144852480"/>
+        <c:crossAx val="119694112"/>
         <c:crosses val="autoZero"/>
         <c:auto val="1"/>
         <c:lblAlgn val="ctr"/>
@@ -605,7 +616,7 @@
         <c:noMultiLvlLbl val="0"/>
       </c:catAx>
       <c:valAx>
-        <c:axId val="144852480"/>
+        <c:axId val="119694112"/>
         <c:scaling>
           <c:orientation val="minMax"/>
         </c:scaling>
@@ -656,7 +667,7 @@
             <a:endParaRPr lang="it-IT"/>
           </a:p>
         </c:txPr>
-        <c:crossAx val="144851920"/>
+        <c:crossAx val="119693552"/>
         <c:crosses val="autoZero"/>
         <c:crossBetween val="between"/>
         <c:majorUnit val="10"/>
@@ -802,11 +813,11 @@
           <c:showPercent val="0"/>
           <c:showBubbleSize val="0"/>
         </c:dLbls>
-        <c:axId val="144854720"/>
-        <c:axId val="144855280"/>
+        <c:axId val="119696352"/>
+        <c:axId val="119696912"/>
       </c:radarChart>
       <c:catAx>
-        <c:axId val="144854720"/>
+        <c:axId val="119696352"/>
         <c:scaling>
           <c:orientation val="minMax"/>
         </c:scaling>
@@ -849,7 +860,7 @@
             <a:endParaRPr lang="it-IT"/>
           </a:p>
         </c:txPr>
-        <c:crossAx val="144855280"/>
+        <c:crossAx val="119696912"/>
         <c:crosses val="autoZero"/>
         <c:auto val="1"/>
         <c:lblAlgn val="ctr"/>
@@ -857,7 +868,7 @@
         <c:noMultiLvlLbl val="0"/>
       </c:catAx>
       <c:valAx>
-        <c:axId val="144855280"/>
+        <c:axId val="119696912"/>
         <c:scaling>
           <c:orientation val="minMax"/>
         </c:scaling>
@@ -908,7 +919,7 @@
             <a:endParaRPr lang="it-IT"/>
           </a:p>
         </c:txPr>
-        <c:crossAx val="144854720"/>
+        <c:crossAx val="119696352"/>
         <c:crosses val="autoZero"/>
         <c:crossBetween val="between"/>
         <c:majorUnit val="10"/>
@@ -8208,17 +8219,7 @@
                 <a:latin typeface="+mj-lt"/>
                 <a:cs typeface="Arial" charset="0"/>
               </a:rPr>
-              <a:t>emergenza più </a:t>
-            </a:r>
-            <a:r>
-              <a:rPr lang="it-IT" sz="2800" spc="-100" dirty="0" smtClean="0">
-                <a:ln w="3175">
-                  <a:noFill/>
-                </a:ln>
-                <a:latin typeface="+mj-lt"/>
-                <a:cs typeface="Arial" charset="0"/>
-              </a:rPr>
-              <a:t>prossime</a:t>
+              <a:t>emergenza più prossime</a:t>
             </a:r>
             <a:endParaRPr lang="it-IT" sz="2800" spc="-100" dirty="0">
               <a:ln w="3175">
@@ -8486,25 +8487,8 @@
                 <a:latin typeface="+mj-lt"/>
                 <a:cs typeface="Arial" charset="0"/>
               </a:rPr>
-              <a:t>time (1 rilevazione all’ora per ogni sensore</a:t>
-            </a:r>
-            <a:r>
-              <a:rPr lang="it-IT" sz="2800" spc="-100" dirty="0" smtClean="0">
-                <a:ln w="3175">
-                  <a:noFill/>
-                </a:ln>
-                <a:latin typeface="+mj-lt"/>
-                <a:cs typeface="Arial" charset="0"/>
-              </a:rPr>
-              <a:t>)</a:t>
-            </a:r>
-            <a:endParaRPr lang="it-IT" sz="2800" spc="-100" dirty="0" smtClean="0">
-              <a:ln w="3175">
-                <a:noFill/>
-              </a:ln>
-              <a:latin typeface="+mj-lt"/>
-              <a:cs typeface="Arial" charset="0"/>
-            </a:endParaRPr>
+              <a:t>time (1 rilevazione all’ora per ogni sensore)</a:t>
+            </a:r>
           </a:p>
           <a:p>
             <a:pPr marL="457200" indent="-457200">
@@ -8532,17 +8516,7 @@
                 <a:latin typeface="+mj-lt"/>
                 <a:cs typeface="Arial" charset="0"/>
               </a:rPr>
-              <a:t>Il sistema deve essere disponibile </a:t>
-            </a:r>
-            <a:r>
-              <a:rPr lang="it-IT" sz="2800" spc="-100" dirty="0" smtClean="0">
-                <a:ln w="3175">
-                  <a:noFill/>
-                </a:ln>
-                <a:latin typeface="+mj-lt"/>
-                <a:cs typeface="Arial" charset="0"/>
-              </a:rPr>
-              <a:t>h24</a:t>
+              <a:t>Il sistema deve essere disponibile h24</a:t>
             </a:r>
             <a:endParaRPr lang="it-IT" sz="2800" spc="-100" dirty="0">
               <a:ln w="3175">
@@ -17697,17 +17671,7 @@
                 <a:latin typeface="+mj-lt"/>
                 <a:cs typeface="Arial" charset="0"/>
               </a:rPr>
-              <a:t> </a:t>
-            </a:r>
-            <a:r>
-              <a:rPr lang="it-IT" sz="2800" spc="-100" dirty="0" smtClean="0">
-                <a:ln w="3175">
-                  <a:noFill/>
-                </a:ln>
-                <a:latin typeface="+mj-lt"/>
-                <a:cs typeface="Arial" charset="0"/>
-              </a:rPr>
-              <a:t>utilizzato:</a:t>
+              <a:t> utilizzato:</a:t>
             </a:r>
             <a:endParaRPr lang="it-IT" sz="2800" spc="-100" dirty="0">
               <a:ln w="3175">
@@ -19196,7 +19160,7 @@
           </p:cNvPicPr>
           <p:nvPr/>
         </p:nvPicPr>
-        <p:blipFill>
+        <p:blipFill rotWithShape="1">
           <a:blip r:embed="rId2">
             <a:extLst>
               <a:ext uri="{28A0092B-C50C-407E-A947-70E740481C1C}">
@@ -19204,14 +19168,13 @@
               </a:ext>
             </a:extLst>
           </a:blip>
-          <a:stretch>
-            <a:fillRect/>
-          </a:stretch>
+          <a:srcRect r="9664"/>
+          <a:stretch/>
         </p:blipFill>
         <p:spPr>
           <a:xfrm>
-            <a:off x="4519265" y="2868083"/>
-            <a:ext cx="7138459" cy="2265341"/>
+            <a:off x="4455950" y="3077907"/>
+            <a:ext cx="6802600" cy="2389717"/>
           </a:xfrm>
           <a:prstGeom prst="rect">
             <a:avLst/>
@@ -19240,8 +19203,8 @@
         </p:blipFill>
         <p:spPr>
           <a:xfrm>
-            <a:off x="1068916" y="3830658"/>
-            <a:ext cx="2863595" cy="736175"/>
+            <a:off x="797453" y="3830658"/>
+            <a:ext cx="3439453" cy="884217"/>
           </a:xfrm>
           <a:prstGeom prst="rect">
             <a:avLst/>
@@ -19611,7 +19574,7 @@
         </p:blipFill>
         <p:spPr>
           <a:xfrm>
-            <a:off x="5800724" y="2846249"/>
+            <a:off x="5700711" y="2960549"/>
             <a:ext cx="5108339" cy="2043336"/>
           </a:xfrm>
           <a:prstGeom prst="rect">
@@ -21682,6 +21645,30 @@
           </a:p>
         </p:txBody>
       </p:sp>
+      <p:pic>
+        <p:nvPicPr>
+          <p:cNvPr id="2" name="Immagine 1"/>
+          <p:cNvPicPr>
+            <a:picLocks noChangeAspect="1"/>
+          </p:cNvPicPr>
+          <p:nvPr/>
+        </p:nvPicPr>
+        <p:blipFill>
+          <a:blip r:embed="rId2"/>
+          <a:stretch>
+            <a:fillRect/>
+          </a:stretch>
+        </p:blipFill>
+        <p:spPr>
+          <a:xfrm>
+            <a:off x="238122" y="1638299"/>
+            <a:ext cx="11868150" cy="4848225"/>
+          </a:xfrm>
+          <a:prstGeom prst="rect">
+            <a:avLst/>
+          </a:prstGeom>
+        </p:spPr>
+      </p:pic>
     </p:spTree>
     <p:extLst>
       <p:ext uri="{BB962C8B-B14F-4D97-AF65-F5344CB8AC3E}">
@@ -23197,6 +23184,30 @@
           </a:p>
         </p:txBody>
       </p:sp>
+      <p:pic>
+        <p:nvPicPr>
+          <p:cNvPr id="3" name="Immagine 2"/>
+          <p:cNvPicPr>
+            <a:picLocks noChangeAspect="1"/>
+          </p:cNvPicPr>
+          <p:nvPr/>
+        </p:nvPicPr>
+        <p:blipFill>
+          <a:blip r:embed="rId2"/>
+          <a:stretch>
+            <a:fillRect/>
+          </a:stretch>
+        </p:blipFill>
+        <p:spPr>
+          <a:xfrm>
+            <a:off x="1657350" y="1341151"/>
+            <a:ext cx="9658350" cy="5173949"/>
+          </a:xfrm>
+          <a:prstGeom prst="rect">
+            <a:avLst/>
+          </a:prstGeom>
+        </p:spPr>
+      </p:pic>
     </p:spTree>
     <p:extLst>
       <p:ext uri="{BB962C8B-B14F-4D97-AF65-F5344CB8AC3E}">
@@ -24475,12 +24486,28 @@
           </a:lstStyle>
           <a:p>
             <a:r>
+              <a:rPr lang="it-IT" b="1" dirty="0" smtClean="0">
+                <a:solidFill>
+                  <a:srgbClr val="0072C6"/>
+                </a:solidFill>
+              </a:rPr>
+              <a:t>Virtual Data </a:t>
+            </a:r>
+            <a:r>
               <a:rPr lang="it-IT" b="1" dirty="0" err="1" smtClean="0">
                 <a:solidFill>
                   <a:srgbClr val="0072C6"/>
                 </a:solidFill>
               </a:rPr>
-              <a:t>Mapping</a:t>
+              <a:t>Integrazion</a:t>
+            </a:r>
+            <a:r>
+              <a:rPr lang="it-IT" b="1" dirty="0" smtClean="0">
+                <a:solidFill>
+                  <a:srgbClr val="0072C6"/>
+                </a:solidFill>
+              </a:rPr>
+              <a:t> vs ETL</a:t>
             </a:r>
             <a:endParaRPr lang="it-IT" b="1" dirty="0" smtClean="0">
               <a:solidFill>
@@ -24548,82 +24575,10 @@
           </a:p>
         </p:txBody>
       </p:sp>
-      <p:pic>
-        <p:nvPicPr>
-          <p:cNvPr id="2" name="Immagine 1"/>
-          <p:cNvPicPr>
-            <a:picLocks noChangeAspect="1"/>
-          </p:cNvPicPr>
-          <p:nvPr/>
-        </p:nvPicPr>
-        <p:blipFill>
-          <a:blip r:embed="rId2"/>
-          <a:stretch>
-            <a:fillRect/>
-          </a:stretch>
-        </p:blipFill>
-        <p:spPr>
-          <a:xfrm>
-            <a:off x="1546648" y="1485423"/>
-            <a:ext cx="3776662" cy="2236946"/>
-          </a:xfrm>
-          <a:prstGeom prst="rect">
-            <a:avLst/>
-          </a:prstGeom>
-        </p:spPr>
-      </p:pic>
-      <p:pic>
-        <p:nvPicPr>
-          <p:cNvPr id="3" name="Immagine 2"/>
-          <p:cNvPicPr>
-            <a:picLocks noChangeAspect="1"/>
-          </p:cNvPicPr>
-          <p:nvPr/>
-        </p:nvPicPr>
-        <p:blipFill>
-          <a:blip r:embed="rId3"/>
-          <a:stretch>
-            <a:fillRect/>
-          </a:stretch>
-        </p:blipFill>
-        <p:spPr>
-          <a:xfrm>
-            <a:off x="6348465" y="1431414"/>
-            <a:ext cx="3886467" cy="2195513"/>
-          </a:xfrm>
-          <a:prstGeom prst="rect">
-            <a:avLst/>
-          </a:prstGeom>
-        </p:spPr>
-      </p:pic>
-      <p:pic>
-        <p:nvPicPr>
-          <p:cNvPr id="7" name="Immagine 6"/>
-          <p:cNvPicPr>
-            <a:picLocks noChangeAspect="1"/>
-          </p:cNvPicPr>
-          <p:nvPr/>
-        </p:nvPicPr>
-        <p:blipFill>
-          <a:blip r:embed="rId4"/>
-          <a:stretch>
-            <a:fillRect/>
-          </a:stretch>
-        </p:blipFill>
-        <p:spPr>
-          <a:xfrm>
-            <a:off x="1546648" y="3925536"/>
-            <a:ext cx="10008392" cy="2469262"/>
-          </a:xfrm>
-          <a:prstGeom prst="rect">
-            <a:avLst/>
-          </a:prstGeom>
-        </p:spPr>
-      </p:pic>
     </p:spTree>
     <p:extLst>
       <p:ext uri="{BB962C8B-B14F-4D97-AF65-F5344CB8AC3E}">
-        <p14:creationId xmlns:p14="http://schemas.microsoft.com/office/powerpoint/2010/main" val="3137232099"/>
+        <p14:creationId xmlns:p14="http://schemas.microsoft.com/office/powerpoint/2010/main" val="386155740"/>
       </p:ext>
     </p:extLst>
   </p:cSld>
@@ -24873,7 +24828,7 @@
       </p:sp>
       <p:pic>
         <p:nvPicPr>
-          <p:cNvPr id="8" name="Immagine 7"/>
+          <p:cNvPr id="2" name="Immagine 1"/>
           <p:cNvPicPr>
             <a:picLocks noChangeAspect="1"/>
           </p:cNvPicPr>
@@ -24887,8 +24842,8 @@
         </p:blipFill>
         <p:spPr>
           <a:xfrm>
-            <a:off x="521493" y="1700214"/>
-            <a:ext cx="2707105" cy="1543050"/>
+            <a:off x="1546648" y="1485423"/>
+            <a:ext cx="3776662" cy="2236946"/>
           </a:xfrm>
           <a:prstGeom prst="rect">
             <a:avLst/>
@@ -24897,7 +24852,7 @@
       </p:pic>
       <p:pic>
         <p:nvPicPr>
-          <p:cNvPr id="9" name="Immagine 8"/>
+          <p:cNvPr id="3" name="Immagine 2"/>
           <p:cNvPicPr>
             <a:picLocks noChangeAspect="1"/>
           </p:cNvPicPr>
@@ -24911,8 +24866,8 @@
         </p:blipFill>
         <p:spPr>
           <a:xfrm>
-            <a:off x="3999190" y="1700214"/>
-            <a:ext cx="3318240" cy="1543050"/>
+            <a:off x="6348465" y="1431414"/>
+            <a:ext cx="3886467" cy="2195513"/>
           </a:xfrm>
           <a:prstGeom prst="rect">
             <a:avLst/>
@@ -24921,7 +24876,7 @@
       </p:pic>
       <p:pic>
         <p:nvPicPr>
-          <p:cNvPr id="10" name="Immagine 9"/>
+          <p:cNvPr id="7" name="Immagine 6"/>
           <p:cNvPicPr>
             <a:picLocks noChangeAspect="1"/>
           </p:cNvPicPr>
@@ -24935,56 +24890,8 @@
         </p:blipFill>
         <p:spPr>
           <a:xfrm>
-            <a:off x="8088023" y="1700214"/>
-            <a:ext cx="3204947" cy="1566863"/>
-          </a:xfrm>
-          <a:prstGeom prst="rect">
-            <a:avLst/>
-          </a:prstGeom>
-        </p:spPr>
-      </p:pic>
-      <p:pic>
-        <p:nvPicPr>
-          <p:cNvPr id="11" name="Immagine 10"/>
-          <p:cNvPicPr>
-            <a:picLocks noChangeAspect="1"/>
-          </p:cNvPicPr>
-          <p:nvPr/>
-        </p:nvPicPr>
-        <p:blipFill>
-          <a:blip r:embed="rId5"/>
-          <a:stretch>
-            <a:fillRect/>
-          </a:stretch>
-        </p:blipFill>
-        <p:spPr>
-          <a:xfrm>
-            <a:off x="1262025" y="3824287"/>
-            <a:ext cx="3933145" cy="1562100"/>
-          </a:xfrm>
-          <a:prstGeom prst="rect">
-            <a:avLst/>
-          </a:prstGeom>
-        </p:spPr>
-      </p:pic>
-      <p:pic>
-        <p:nvPicPr>
-          <p:cNvPr id="12" name="Immagine 11"/>
-          <p:cNvPicPr>
-            <a:picLocks noChangeAspect="1"/>
-          </p:cNvPicPr>
-          <p:nvPr/>
-        </p:nvPicPr>
-        <p:blipFill>
-          <a:blip r:embed="rId6"/>
-          <a:stretch>
-            <a:fillRect/>
-          </a:stretch>
-        </p:blipFill>
-        <p:spPr>
-          <a:xfrm>
-            <a:off x="6292560" y="3808856"/>
-            <a:ext cx="3590925" cy="2010918"/>
+            <a:off x="1546648" y="3925536"/>
+            <a:ext cx="10008392" cy="2469262"/>
           </a:xfrm>
           <a:prstGeom prst="rect">
             <a:avLst/>
@@ -24994,7 +24901,7 @@
     </p:spTree>
     <p:extLst>
       <p:ext uri="{BB962C8B-B14F-4D97-AF65-F5344CB8AC3E}">
-        <p14:creationId xmlns:p14="http://schemas.microsoft.com/office/powerpoint/2010/main" val="970665704"/>
+        <p14:creationId xmlns:p14="http://schemas.microsoft.com/office/powerpoint/2010/main" val="3137232099"/>
       </p:ext>
     </p:extLst>
   </p:cSld>
@@ -25244,7 +25151,7 @@
       </p:sp>
       <p:pic>
         <p:nvPicPr>
-          <p:cNvPr id="2" name="Immagine 1"/>
+          <p:cNvPr id="8" name="Immagine 7"/>
           <p:cNvPicPr>
             <a:picLocks noChangeAspect="1"/>
           </p:cNvPicPr>
@@ -25258,8 +25165,104 @@
         </p:blipFill>
         <p:spPr>
           <a:xfrm>
-            <a:off x="1195386" y="1576244"/>
-            <a:ext cx="9801225" cy="4214960"/>
+            <a:off x="521493" y="1700214"/>
+            <a:ext cx="2707105" cy="1543050"/>
+          </a:xfrm>
+          <a:prstGeom prst="rect">
+            <a:avLst/>
+          </a:prstGeom>
+        </p:spPr>
+      </p:pic>
+      <p:pic>
+        <p:nvPicPr>
+          <p:cNvPr id="9" name="Immagine 8"/>
+          <p:cNvPicPr>
+            <a:picLocks noChangeAspect="1"/>
+          </p:cNvPicPr>
+          <p:nvPr/>
+        </p:nvPicPr>
+        <p:blipFill>
+          <a:blip r:embed="rId3"/>
+          <a:stretch>
+            <a:fillRect/>
+          </a:stretch>
+        </p:blipFill>
+        <p:spPr>
+          <a:xfrm>
+            <a:off x="3999190" y="1700214"/>
+            <a:ext cx="3318240" cy="1543050"/>
+          </a:xfrm>
+          <a:prstGeom prst="rect">
+            <a:avLst/>
+          </a:prstGeom>
+        </p:spPr>
+      </p:pic>
+      <p:pic>
+        <p:nvPicPr>
+          <p:cNvPr id="10" name="Immagine 9"/>
+          <p:cNvPicPr>
+            <a:picLocks noChangeAspect="1"/>
+          </p:cNvPicPr>
+          <p:nvPr/>
+        </p:nvPicPr>
+        <p:blipFill>
+          <a:blip r:embed="rId4"/>
+          <a:stretch>
+            <a:fillRect/>
+          </a:stretch>
+        </p:blipFill>
+        <p:spPr>
+          <a:xfrm>
+            <a:off x="8088023" y="1700214"/>
+            <a:ext cx="3204947" cy="1566863"/>
+          </a:xfrm>
+          <a:prstGeom prst="rect">
+            <a:avLst/>
+          </a:prstGeom>
+        </p:spPr>
+      </p:pic>
+      <p:pic>
+        <p:nvPicPr>
+          <p:cNvPr id="11" name="Immagine 10"/>
+          <p:cNvPicPr>
+            <a:picLocks noChangeAspect="1"/>
+          </p:cNvPicPr>
+          <p:nvPr/>
+        </p:nvPicPr>
+        <p:blipFill>
+          <a:blip r:embed="rId5"/>
+          <a:stretch>
+            <a:fillRect/>
+          </a:stretch>
+        </p:blipFill>
+        <p:spPr>
+          <a:xfrm>
+            <a:off x="1262025" y="3824287"/>
+            <a:ext cx="3933145" cy="1562100"/>
+          </a:xfrm>
+          <a:prstGeom prst="rect">
+            <a:avLst/>
+          </a:prstGeom>
+        </p:spPr>
+      </p:pic>
+      <p:pic>
+        <p:nvPicPr>
+          <p:cNvPr id="12" name="Immagine 11"/>
+          <p:cNvPicPr>
+            <a:picLocks noChangeAspect="1"/>
+          </p:cNvPicPr>
+          <p:nvPr/>
+        </p:nvPicPr>
+        <p:blipFill>
+          <a:blip r:embed="rId6"/>
+          <a:stretch>
+            <a:fillRect/>
+          </a:stretch>
+        </p:blipFill>
+        <p:spPr>
+          <a:xfrm>
+            <a:off x="6292560" y="3808856"/>
+            <a:ext cx="3590925" cy="2010918"/>
           </a:xfrm>
           <a:prstGeom prst="rect">
             <a:avLst/>
@@ -25269,7 +25272,7 @@
     </p:spTree>
     <p:extLst>
       <p:ext uri="{BB962C8B-B14F-4D97-AF65-F5344CB8AC3E}">
-        <p14:creationId xmlns:p14="http://schemas.microsoft.com/office/powerpoint/2010/main" val="316625236"/>
+        <p14:creationId xmlns:p14="http://schemas.microsoft.com/office/powerpoint/2010/main" val="970665704"/>
       </p:ext>
     </p:extLst>
   </p:cSld>
@@ -25844,7 +25847,7 @@
       </p:sp>
       <p:pic>
         <p:nvPicPr>
-          <p:cNvPr id="3" name="Immagine 2"/>
+          <p:cNvPr id="2" name="Immagine 1"/>
           <p:cNvPicPr>
             <a:picLocks noChangeAspect="1"/>
           </p:cNvPicPr>
@@ -25858,80 +25861,8 @@
         </p:blipFill>
         <p:spPr>
           <a:xfrm>
-            <a:off x="1178718" y="1808220"/>
-            <a:ext cx="2605087" cy="1827097"/>
-          </a:xfrm>
-          <a:prstGeom prst="rect">
-            <a:avLst/>
-          </a:prstGeom>
-        </p:spPr>
-      </p:pic>
-      <p:pic>
-        <p:nvPicPr>
-          <p:cNvPr id="7" name="Immagine 6"/>
-          <p:cNvPicPr>
-            <a:picLocks noChangeAspect="1"/>
-          </p:cNvPicPr>
-          <p:nvPr/>
-        </p:nvPicPr>
-        <p:blipFill>
-          <a:blip r:embed="rId3"/>
-          <a:stretch>
-            <a:fillRect/>
-          </a:stretch>
-        </p:blipFill>
-        <p:spPr>
-          <a:xfrm>
-            <a:off x="5959699" y="1700214"/>
-            <a:ext cx="5022536" cy="1819274"/>
-          </a:xfrm>
-          <a:prstGeom prst="rect">
-            <a:avLst/>
-          </a:prstGeom>
-        </p:spPr>
-      </p:pic>
-      <p:pic>
-        <p:nvPicPr>
-          <p:cNvPr id="8" name="Immagine 7"/>
-          <p:cNvPicPr>
-            <a:picLocks noChangeAspect="1"/>
-          </p:cNvPicPr>
-          <p:nvPr/>
-        </p:nvPicPr>
-        <p:blipFill>
-          <a:blip r:embed="rId4"/>
-          <a:stretch>
-            <a:fillRect/>
-          </a:stretch>
-        </p:blipFill>
-        <p:spPr>
-          <a:xfrm>
-            <a:off x="1178718" y="4076011"/>
-            <a:ext cx="4348164" cy="1861815"/>
-          </a:xfrm>
-          <a:prstGeom prst="rect">
-            <a:avLst/>
-          </a:prstGeom>
-        </p:spPr>
-      </p:pic>
-      <p:pic>
-        <p:nvPicPr>
-          <p:cNvPr id="9" name="Immagine 8"/>
-          <p:cNvPicPr>
-            <a:picLocks noChangeAspect="1"/>
-          </p:cNvPicPr>
-          <p:nvPr/>
-        </p:nvPicPr>
-        <p:blipFill>
-          <a:blip r:embed="rId5"/>
-          <a:stretch>
-            <a:fillRect/>
-          </a:stretch>
-        </p:blipFill>
-        <p:spPr>
-          <a:xfrm>
-            <a:off x="5959699" y="4076011"/>
-            <a:ext cx="5358952" cy="1966912"/>
+            <a:off x="1195386" y="1576244"/>
+            <a:ext cx="9801225" cy="4214960"/>
           </a:xfrm>
           <a:prstGeom prst="rect">
             <a:avLst/>
@@ -25941,7 +25872,7 @@
     </p:spTree>
     <p:extLst>
       <p:ext uri="{BB962C8B-B14F-4D97-AF65-F5344CB8AC3E}">
-        <p14:creationId xmlns:p14="http://schemas.microsoft.com/office/powerpoint/2010/main" val="4170906521"/>
+        <p14:creationId xmlns:p14="http://schemas.microsoft.com/office/powerpoint/2010/main" val="316625236"/>
       </p:ext>
     </p:extLst>
   </p:cSld>
@@ -26191,7 +26122,7 @@
       </p:sp>
       <p:pic>
         <p:nvPicPr>
-          <p:cNvPr id="2" name="Immagine 1"/>
+          <p:cNvPr id="3" name="Immagine 2"/>
           <p:cNvPicPr>
             <a:picLocks noChangeAspect="1"/>
           </p:cNvPicPr>
@@ -26205,8 +26136,80 @@
         </p:blipFill>
         <p:spPr>
           <a:xfrm>
-            <a:off x="2384223" y="1978819"/>
-            <a:ext cx="7652152" cy="2871787"/>
+            <a:off x="1178718" y="1808220"/>
+            <a:ext cx="2605087" cy="1827097"/>
+          </a:xfrm>
+          <a:prstGeom prst="rect">
+            <a:avLst/>
+          </a:prstGeom>
+        </p:spPr>
+      </p:pic>
+      <p:pic>
+        <p:nvPicPr>
+          <p:cNvPr id="7" name="Immagine 6"/>
+          <p:cNvPicPr>
+            <a:picLocks noChangeAspect="1"/>
+          </p:cNvPicPr>
+          <p:nvPr/>
+        </p:nvPicPr>
+        <p:blipFill>
+          <a:blip r:embed="rId3"/>
+          <a:stretch>
+            <a:fillRect/>
+          </a:stretch>
+        </p:blipFill>
+        <p:spPr>
+          <a:xfrm>
+            <a:off x="5959699" y="1700214"/>
+            <a:ext cx="5022536" cy="1819274"/>
+          </a:xfrm>
+          <a:prstGeom prst="rect">
+            <a:avLst/>
+          </a:prstGeom>
+        </p:spPr>
+      </p:pic>
+      <p:pic>
+        <p:nvPicPr>
+          <p:cNvPr id="8" name="Immagine 7"/>
+          <p:cNvPicPr>
+            <a:picLocks noChangeAspect="1"/>
+          </p:cNvPicPr>
+          <p:nvPr/>
+        </p:nvPicPr>
+        <p:blipFill>
+          <a:blip r:embed="rId4"/>
+          <a:stretch>
+            <a:fillRect/>
+          </a:stretch>
+        </p:blipFill>
+        <p:spPr>
+          <a:xfrm>
+            <a:off x="1178718" y="4076011"/>
+            <a:ext cx="4348164" cy="1861815"/>
+          </a:xfrm>
+          <a:prstGeom prst="rect">
+            <a:avLst/>
+          </a:prstGeom>
+        </p:spPr>
+      </p:pic>
+      <p:pic>
+        <p:nvPicPr>
+          <p:cNvPr id="9" name="Immagine 8"/>
+          <p:cNvPicPr>
+            <a:picLocks noChangeAspect="1"/>
+          </p:cNvPicPr>
+          <p:nvPr/>
+        </p:nvPicPr>
+        <p:blipFill>
+          <a:blip r:embed="rId5"/>
+          <a:stretch>
+            <a:fillRect/>
+          </a:stretch>
+        </p:blipFill>
+        <p:spPr>
+          <a:xfrm>
+            <a:off x="5959699" y="4076011"/>
+            <a:ext cx="5358952" cy="1966912"/>
           </a:xfrm>
           <a:prstGeom prst="rect">
             <a:avLst/>
@@ -26216,7 +26219,7 @@
     </p:spTree>
     <p:extLst>
       <p:ext uri="{BB962C8B-B14F-4D97-AF65-F5344CB8AC3E}">
-        <p14:creationId xmlns:p14="http://schemas.microsoft.com/office/powerpoint/2010/main" val="950587007"/>
+        <p14:creationId xmlns:p14="http://schemas.microsoft.com/office/powerpoint/2010/main" val="4170906521"/>
       </p:ext>
     </p:extLst>
   </p:cSld>
@@ -26391,13 +26394,18 @@
           </a:lstStyle>
           <a:p>
             <a:r>
-              <a:rPr lang="it-IT" b="1" dirty="0" smtClean="0">
+              <a:rPr lang="it-IT" b="1" dirty="0" err="1" smtClean="0">
                 <a:solidFill>
                   <a:srgbClr val="0072C6"/>
                 </a:solidFill>
               </a:rPr>
-              <a:t>Query schema globale</a:t>
-            </a:r>
+              <a:t>Mapping</a:t>
+            </a:r>
+            <a:endParaRPr lang="it-IT" b="1" dirty="0" smtClean="0">
+              <a:solidFill>
+                <a:srgbClr val="0072C6"/>
+              </a:solidFill>
+            </a:endParaRPr>
           </a:p>
           <a:p>
             <a:endParaRPr lang="it-IT" sz="1500" b="1" i="1" dirty="0" smtClean="0">
@@ -26459,197 +26467,34 @@
           </a:p>
         </p:txBody>
       </p:sp>
-      <p:sp>
-        <p:nvSpPr>
-          <p:cNvPr id="7" name="CasellaDiTesto 6"/>
-          <p:cNvSpPr txBox="1"/>
+      <p:pic>
+        <p:nvPicPr>
+          <p:cNvPr id="2" name="Immagine 1"/>
+          <p:cNvPicPr>
+            <a:picLocks noChangeAspect="1"/>
+          </p:cNvPicPr>
           <p:nvPr/>
-        </p:nvSpPr>
-        <p:spPr>
-          <a:xfrm>
-            <a:off x="521493" y="1543051"/>
-            <a:ext cx="10718006" cy="4832092"/>
+        </p:nvPicPr>
+        <p:blipFill>
+          <a:blip r:embed="rId2"/>
+          <a:stretch>
+            <a:fillRect/>
+          </a:stretch>
+        </p:blipFill>
+        <p:spPr>
+          <a:xfrm>
+            <a:off x="2384223" y="1978819"/>
+            <a:ext cx="7652152" cy="2871787"/>
           </a:xfrm>
           <a:prstGeom prst="rect">
             <a:avLst/>
           </a:prstGeom>
-          <a:noFill/>
-        </p:spPr>
-        <p:txBody>
-          <a:bodyPr wrap="square" rtlCol="0">
-            <a:spAutoFit/>
-          </a:bodyPr>
-          <a:lstStyle/>
-          <a:p>
-            <a:r>
-              <a:rPr lang="it-IT" sz="2800" spc="-100" dirty="0" smtClean="0">
-                <a:ln w="3175">
-                  <a:noFill/>
-                </a:ln>
-                <a:latin typeface="+mj-lt"/>
-                <a:cs typeface="Arial" charset="0"/>
-              </a:rPr>
-              <a:t>Data la denominazione di un fiume ed un intervallo di date (data inizio e data fine), estrarre le previsioni dettagliate per ogni SEP verificatasi per il fiume richiesto nell’intervallo dato.</a:t>
-            </a:r>
-          </a:p>
-          <a:p>
-            <a:endParaRPr lang="it-IT" sz="2800" spc="-100" dirty="0">
-              <a:ln w="3175">
-                <a:noFill/>
-              </a:ln>
-              <a:latin typeface="+mj-lt"/>
-              <a:cs typeface="Arial" charset="0"/>
-            </a:endParaRPr>
-          </a:p>
-          <a:p>
-            <a:r>
-              <a:rPr lang="it-IT" sz="2800" spc="-100" dirty="0" smtClean="0">
-                <a:ln w="3175">
-                  <a:noFill/>
-                </a:ln>
-                <a:latin typeface="+mj-lt"/>
-                <a:cs typeface="Arial" charset="0"/>
-              </a:rPr>
-              <a:t>Parametri input : </a:t>
-            </a:r>
-          </a:p>
-          <a:p>
-            <a:endParaRPr lang="it-IT" sz="2800" spc="-100" dirty="0">
-              <a:ln w="3175">
-                <a:noFill/>
-              </a:ln>
-              <a:latin typeface="+mj-lt"/>
-              <a:cs typeface="Arial" charset="0"/>
-            </a:endParaRPr>
-          </a:p>
-          <a:p>
-            <a:pPr marL="457200" indent="-457200">
-              <a:buFont typeface="Arial" panose="020B0604020202020204" pitchFamily="34" charset="0"/>
-              <a:buChar char="•"/>
-            </a:pPr>
-            <a:r>
-              <a:rPr lang="it-IT" sz="2800" spc="-100" dirty="0" smtClean="0">
-                <a:ln w="3175">
-                  <a:noFill/>
-                </a:ln>
-                <a:latin typeface="+mj-lt"/>
-                <a:cs typeface="Arial" charset="0"/>
-              </a:rPr>
-              <a:t>Denominazione corso d’acqua:@</a:t>
-            </a:r>
-            <a:r>
-              <a:rPr lang="it-IT" sz="2800" spc="-100" dirty="0" err="1" smtClean="0">
-                <a:ln w="3175">
-                  <a:noFill/>
-                </a:ln>
-                <a:latin typeface="+mj-lt"/>
-                <a:cs typeface="Arial" charset="0"/>
-              </a:rPr>
-              <a:t>nomefiume</a:t>
-            </a:r>
-            <a:endParaRPr lang="it-IT" sz="2800" spc="-100" dirty="0" smtClean="0">
-              <a:ln w="3175">
-                <a:noFill/>
-              </a:ln>
-              <a:latin typeface="+mj-lt"/>
-              <a:cs typeface="Arial" charset="0"/>
-            </a:endParaRPr>
-          </a:p>
-          <a:p>
-            <a:pPr marL="457200" indent="-457200">
-              <a:buFont typeface="Arial" panose="020B0604020202020204" pitchFamily="34" charset="0"/>
-              <a:buChar char="•"/>
-            </a:pPr>
-            <a:r>
-              <a:rPr lang="it-IT" sz="2800" spc="-100" dirty="0" smtClean="0">
-                <a:ln w="3175">
-                  <a:noFill/>
-                </a:ln>
-                <a:latin typeface="+mj-lt"/>
-                <a:cs typeface="Arial" charset="0"/>
-              </a:rPr>
-              <a:t>Data inizio:  @</a:t>
-            </a:r>
-            <a:r>
-              <a:rPr lang="it-IT" sz="2800" spc="-100" dirty="0" err="1" smtClean="0">
-                <a:ln w="3175">
-                  <a:noFill/>
-                </a:ln>
-                <a:latin typeface="+mj-lt"/>
-                <a:cs typeface="Arial" charset="0"/>
-              </a:rPr>
-              <a:t>datainizio</a:t>
-            </a:r>
-            <a:endParaRPr lang="it-IT" sz="2800" spc="-100" dirty="0" smtClean="0">
-              <a:ln w="3175">
-                <a:noFill/>
-              </a:ln>
-              <a:latin typeface="+mj-lt"/>
-              <a:cs typeface="Arial" charset="0"/>
-            </a:endParaRPr>
-          </a:p>
-          <a:p>
-            <a:pPr marL="457200" indent="-457200">
-              <a:buFont typeface="Arial" panose="020B0604020202020204" pitchFamily="34" charset="0"/>
-              <a:buChar char="•"/>
-            </a:pPr>
-            <a:r>
-              <a:rPr lang="it-IT" sz="2800" spc="-100" dirty="0" smtClean="0">
-                <a:ln w="3175">
-                  <a:noFill/>
-                </a:ln>
-                <a:latin typeface="+mj-lt"/>
-                <a:cs typeface="Arial" charset="0"/>
-              </a:rPr>
-              <a:t>Data fine: @</a:t>
-            </a:r>
-            <a:r>
-              <a:rPr lang="it-IT" sz="2800" spc="-100" dirty="0" err="1" smtClean="0">
-                <a:ln w="3175">
-                  <a:noFill/>
-                </a:ln>
-                <a:latin typeface="+mj-lt"/>
-                <a:cs typeface="Arial" charset="0"/>
-              </a:rPr>
-              <a:t>datafine</a:t>
-            </a:r>
-            <a:endParaRPr lang="it-IT" sz="2000" spc="-100" dirty="0" smtClean="0">
-              <a:ln w="3175">
-                <a:noFill/>
-              </a:ln>
-              <a:latin typeface="+mj-lt"/>
-              <a:cs typeface="Arial" charset="0"/>
-            </a:endParaRPr>
-          </a:p>
-          <a:p>
-            <a:pPr lvl="0"/>
-            <a:endParaRPr lang="it-IT" sz="2800" spc="-100" dirty="0" smtClean="0">
-              <a:ln w="3175">
-                <a:noFill/>
-              </a:ln>
-              <a:latin typeface="+mj-lt"/>
-              <a:cs typeface="Arial" charset="0"/>
-            </a:endParaRPr>
-          </a:p>
-          <a:p>
-            <a:pPr lvl="0"/>
-            <a:endParaRPr lang="it-IT" sz="1000" spc="-100" dirty="0">
-              <a:ln w="3175">
-                <a:noFill/>
-              </a:ln>
-              <a:latin typeface="+mj-lt"/>
-              <a:cs typeface="Arial" charset="0"/>
-            </a:endParaRPr>
-          </a:p>
-          <a:p>
-            <a:endParaRPr lang="it-IT" dirty="0"/>
-          </a:p>
-        </p:txBody>
-      </p:sp>
+        </p:spPr>
+      </p:pic>
     </p:spTree>
     <p:extLst>
       <p:ext uri="{BB962C8B-B14F-4D97-AF65-F5344CB8AC3E}">
-        <p14:creationId xmlns:p14="http://schemas.microsoft.com/office/powerpoint/2010/main" val="104639505"/>
+        <p14:creationId xmlns:p14="http://schemas.microsoft.com/office/powerpoint/2010/main" val="950587007"/>
       </p:ext>
     </p:extLst>
   </p:cSld>
@@ -26892,34 +26737,197 @@
           </a:p>
         </p:txBody>
       </p:sp>
-      <p:pic>
-        <p:nvPicPr>
-          <p:cNvPr id="3" name="Immagine 2"/>
-          <p:cNvPicPr>
-            <a:picLocks noChangeAspect="1"/>
-          </p:cNvPicPr>
+      <p:sp>
+        <p:nvSpPr>
+          <p:cNvPr id="7" name="CasellaDiTesto 6"/>
+          <p:cNvSpPr txBox="1"/>
           <p:nvPr/>
-        </p:nvPicPr>
-        <p:blipFill>
-          <a:blip r:embed="rId2"/>
-          <a:stretch>
-            <a:fillRect/>
-          </a:stretch>
-        </p:blipFill>
-        <p:spPr>
-          <a:xfrm>
-            <a:off x="1849445" y="1357313"/>
-            <a:ext cx="9128120" cy="5026894"/>
+        </p:nvSpPr>
+        <p:spPr>
+          <a:xfrm>
+            <a:off x="521493" y="1543051"/>
+            <a:ext cx="10718006" cy="4832092"/>
           </a:xfrm>
           <a:prstGeom prst="rect">
             <a:avLst/>
           </a:prstGeom>
-        </p:spPr>
-      </p:pic>
+          <a:noFill/>
+        </p:spPr>
+        <p:txBody>
+          <a:bodyPr wrap="square" rtlCol="0">
+            <a:spAutoFit/>
+          </a:bodyPr>
+          <a:lstStyle/>
+          <a:p>
+            <a:r>
+              <a:rPr lang="it-IT" sz="2800" spc="-100" dirty="0" smtClean="0">
+                <a:ln w="3175">
+                  <a:noFill/>
+                </a:ln>
+                <a:latin typeface="+mj-lt"/>
+                <a:cs typeface="Arial" charset="0"/>
+              </a:rPr>
+              <a:t>Data la denominazione di un fiume ed un intervallo di date (data inizio e data fine), estrarre le previsioni dettagliate per ogni SEP verificatasi per il fiume richiesto nell’intervallo dato.</a:t>
+            </a:r>
+          </a:p>
+          <a:p>
+            <a:endParaRPr lang="it-IT" sz="2800" spc="-100" dirty="0">
+              <a:ln w="3175">
+                <a:noFill/>
+              </a:ln>
+              <a:latin typeface="+mj-lt"/>
+              <a:cs typeface="Arial" charset="0"/>
+            </a:endParaRPr>
+          </a:p>
+          <a:p>
+            <a:r>
+              <a:rPr lang="it-IT" sz="2800" spc="-100" dirty="0" smtClean="0">
+                <a:ln w="3175">
+                  <a:noFill/>
+                </a:ln>
+                <a:latin typeface="+mj-lt"/>
+                <a:cs typeface="Arial" charset="0"/>
+              </a:rPr>
+              <a:t>Parametri input : </a:t>
+            </a:r>
+          </a:p>
+          <a:p>
+            <a:endParaRPr lang="it-IT" sz="2800" spc="-100" dirty="0">
+              <a:ln w="3175">
+                <a:noFill/>
+              </a:ln>
+              <a:latin typeface="+mj-lt"/>
+              <a:cs typeface="Arial" charset="0"/>
+            </a:endParaRPr>
+          </a:p>
+          <a:p>
+            <a:pPr marL="457200" indent="-457200">
+              <a:buFont typeface="Arial" panose="020B0604020202020204" pitchFamily="34" charset="0"/>
+              <a:buChar char="•"/>
+            </a:pPr>
+            <a:r>
+              <a:rPr lang="it-IT" sz="2800" spc="-100" dirty="0" smtClean="0">
+                <a:ln w="3175">
+                  <a:noFill/>
+                </a:ln>
+                <a:latin typeface="+mj-lt"/>
+                <a:cs typeface="Arial" charset="0"/>
+              </a:rPr>
+              <a:t>Denominazione corso d’acqua:@</a:t>
+            </a:r>
+            <a:r>
+              <a:rPr lang="it-IT" sz="2800" spc="-100" dirty="0" err="1" smtClean="0">
+                <a:ln w="3175">
+                  <a:noFill/>
+                </a:ln>
+                <a:latin typeface="+mj-lt"/>
+                <a:cs typeface="Arial" charset="0"/>
+              </a:rPr>
+              <a:t>nomefiume</a:t>
+            </a:r>
+            <a:endParaRPr lang="it-IT" sz="2800" spc="-100" dirty="0" smtClean="0">
+              <a:ln w="3175">
+                <a:noFill/>
+              </a:ln>
+              <a:latin typeface="+mj-lt"/>
+              <a:cs typeface="Arial" charset="0"/>
+            </a:endParaRPr>
+          </a:p>
+          <a:p>
+            <a:pPr marL="457200" indent="-457200">
+              <a:buFont typeface="Arial" panose="020B0604020202020204" pitchFamily="34" charset="0"/>
+              <a:buChar char="•"/>
+            </a:pPr>
+            <a:r>
+              <a:rPr lang="it-IT" sz="2800" spc="-100" dirty="0" smtClean="0">
+                <a:ln w="3175">
+                  <a:noFill/>
+                </a:ln>
+                <a:latin typeface="+mj-lt"/>
+                <a:cs typeface="Arial" charset="0"/>
+              </a:rPr>
+              <a:t>Data inizio:  @</a:t>
+            </a:r>
+            <a:r>
+              <a:rPr lang="it-IT" sz="2800" spc="-100" dirty="0" err="1" smtClean="0">
+                <a:ln w="3175">
+                  <a:noFill/>
+                </a:ln>
+                <a:latin typeface="+mj-lt"/>
+                <a:cs typeface="Arial" charset="0"/>
+              </a:rPr>
+              <a:t>datainizio</a:t>
+            </a:r>
+            <a:endParaRPr lang="it-IT" sz="2800" spc="-100" dirty="0" smtClean="0">
+              <a:ln w="3175">
+                <a:noFill/>
+              </a:ln>
+              <a:latin typeface="+mj-lt"/>
+              <a:cs typeface="Arial" charset="0"/>
+            </a:endParaRPr>
+          </a:p>
+          <a:p>
+            <a:pPr marL="457200" indent="-457200">
+              <a:buFont typeface="Arial" panose="020B0604020202020204" pitchFamily="34" charset="0"/>
+              <a:buChar char="•"/>
+            </a:pPr>
+            <a:r>
+              <a:rPr lang="it-IT" sz="2800" spc="-100" dirty="0" smtClean="0">
+                <a:ln w="3175">
+                  <a:noFill/>
+                </a:ln>
+                <a:latin typeface="+mj-lt"/>
+                <a:cs typeface="Arial" charset="0"/>
+              </a:rPr>
+              <a:t>Data fine: @</a:t>
+            </a:r>
+            <a:r>
+              <a:rPr lang="it-IT" sz="2800" spc="-100" dirty="0" err="1" smtClean="0">
+                <a:ln w="3175">
+                  <a:noFill/>
+                </a:ln>
+                <a:latin typeface="+mj-lt"/>
+                <a:cs typeface="Arial" charset="0"/>
+              </a:rPr>
+              <a:t>datafine</a:t>
+            </a:r>
+            <a:endParaRPr lang="it-IT" sz="2000" spc="-100" dirty="0" smtClean="0">
+              <a:ln w="3175">
+                <a:noFill/>
+              </a:ln>
+              <a:latin typeface="+mj-lt"/>
+              <a:cs typeface="Arial" charset="0"/>
+            </a:endParaRPr>
+          </a:p>
+          <a:p>
+            <a:pPr lvl="0"/>
+            <a:endParaRPr lang="it-IT" sz="2800" spc="-100" dirty="0" smtClean="0">
+              <a:ln w="3175">
+                <a:noFill/>
+              </a:ln>
+              <a:latin typeface="+mj-lt"/>
+              <a:cs typeface="Arial" charset="0"/>
+            </a:endParaRPr>
+          </a:p>
+          <a:p>
+            <a:pPr lvl="0"/>
+            <a:endParaRPr lang="it-IT" sz="1000" spc="-100" dirty="0">
+              <a:ln w="3175">
+                <a:noFill/>
+              </a:ln>
+              <a:latin typeface="+mj-lt"/>
+              <a:cs typeface="Arial" charset="0"/>
+            </a:endParaRPr>
+          </a:p>
+          <a:p>
+            <a:endParaRPr lang="it-IT" dirty="0"/>
+          </a:p>
+        </p:txBody>
+      </p:sp>
     </p:spTree>
     <p:extLst>
       <p:ext uri="{BB962C8B-B14F-4D97-AF65-F5344CB8AC3E}">
-        <p14:creationId xmlns:p14="http://schemas.microsoft.com/office/powerpoint/2010/main" val="4003550781"/>
+        <p14:creationId xmlns:p14="http://schemas.microsoft.com/office/powerpoint/2010/main" val="104639505"/>
       </p:ext>
     </p:extLst>
   </p:cSld>
@@ -26958,13 +26966,13 @@
       </p:grpSpPr>
       <p:sp>
         <p:nvSpPr>
-          <p:cNvPr id="5" name="Rettangolo 4"/>
+          <p:cNvPr id="4" name="Rettangolo 3"/>
           <p:cNvSpPr/>
           <p:nvPr/>
         </p:nvSpPr>
         <p:spPr>
           <a:xfrm>
-            <a:off x="0" y="-28574"/>
+            <a:off x="0" y="6515100"/>
             <a:ext cx="12192000" cy="342900"/>
           </a:xfrm>
           <a:prstGeom prst="rect">
@@ -26999,249 +27007,15 @@
           </a:p>
         </p:txBody>
       </p:sp>
-      <p:pic>
-        <p:nvPicPr>
-          <p:cNvPr id="8" name="Immagine 7" descr="Schermata 2015-02-19 alle 17.20.17.png"/>
-          <p:cNvPicPr>
-            <a:picLocks noChangeAspect="1"/>
-          </p:cNvPicPr>
-          <p:nvPr/>
-        </p:nvPicPr>
-        <p:blipFill>
-          <a:blip r:embed="rId2">
-            <a:extLst>
-              <a:ext uri="{28A0092B-C50C-407E-A947-70E740481C1C}">
-                <a14:useLocalDpi xmlns:a14="http://schemas.microsoft.com/office/drawing/2010/main" val="0"/>
-              </a:ext>
-            </a:extLst>
-          </a:blip>
-          <a:stretch>
-            <a:fillRect/>
-          </a:stretch>
-        </p:blipFill>
-        <p:spPr>
-          <a:xfrm>
-            <a:off x="3961245" y="4212927"/>
-            <a:ext cx="4292600" cy="2311400"/>
-          </a:xfrm>
-          <a:prstGeom prst="rect">
-            <a:avLst/>
-          </a:prstGeom>
-        </p:spPr>
-      </p:pic>
       <p:sp>
         <p:nvSpPr>
-          <p:cNvPr id="6" name="Title 2"/>
-          <p:cNvSpPr txBox="1">
-            <a:spLocks/>
-          </p:cNvSpPr>
-          <p:nvPr/>
-        </p:nvSpPr>
-        <p:spPr>
-          <a:xfrm>
-            <a:off x="521493" y="485778"/>
-            <a:ext cx="11149013" cy="868889"/>
-          </a:xfrm>
-          <a:prstGeom prst="rect">
-            <a:avLst/>
-          </a:prstGeom>
-        </p:spPr>
-        <p:txBody>
-          <a:bodyPr/>
-          <a:lstStyle>
-            <a:lvl1pPr algn="l" defTabSz="914363" rtl="0" eaLnBrk="1" latinLnBrk="0" hangingPunct="1">
-              <a:lnSpc>
-                <a:spcPct val="90000"/>
-              </a:lnSpc>
-              <a:spcBef>
-                <a:spcPct val="0"/>
-              </a:spcBef>
-              <a:buNone/>
-              <a:defRPr lang="en-US" sz="5400" b="0" kern="1200" cap="none" spc="-100" baseline="0" dirty="0" smtClean="0">
-                <a:ln w="3175">
-                  <a:noFill/>
-                </a:ln>
-                <a:gradFill>
-                  <a:gsLst>
-                    <a:gs pos="1250">
-                      <a:schemeClr val="tx2"/>
-                    </a:gs>
-                    <a:gs pos="100000">
-                      <a:schemeClr val="tx2"/>
-                    </a:gs>
-                  </a:gsLst>
-                  <a:lin ang="5400000" scaled="0"/>
-                </a:gradFill>
-                <a:effectLst/>
-                <a:latin typeface="+mj-lt"/>
-                <a:ea typeface="+mn-ea"/>
-                <a:cs typeface="Arial" charset="0"/>
-              </a:defRPr>
-            </a:lvl1pPr>
-          </a:lstStyle>
-          <a:p>
-            <a:r>
-              <a:rPr lang="it-IT" b="1" dirty="0" smtClean="0">
-                <a:solidFill>
-                  <a:srgbClr val="0072C6"/>
-                </a:solidFill>
-              </a:rPr>
-              <a:t>Open Data</a:t>
-            </a:r>
-          </a:p>
-          <a:p>
-            <a:endParaRPr lang="it-IT" sz="1500" b="1" i="1" dirty="0">
-              <a:solidFill>
-                <a:srgbClr val="0072C6"/>
-              </a:solidFill>
-            </a:endParaRPr>
-          </a:p>
-          <a:p>
-            <a:endParaRPr lang="it-IT" sz="1500" b="1" i="1" dirty="0" smtClean="0">
-              <a:solidFill>
-                <a:srgbClr val="0072C6"/>
-              </a:solidFill>
-            </a:endParaRPr>
-          </a:p>
-          <a:p>
-            <a:pPr lvl="0"/>
-            <a:r>
-              <a:rPr lang="it-IT" sz="3200" dirty="0" smtClean="0">
-                <a:solidFill>
-                  <a:schemeClr val="tx1"/>
-                </a:solidFill>
-              </a:rPr>
-              <a:t>I valori dei dati nello storico e i relativi corsi d’acqua presenti nella base </a:t>
-            </a:r>
-          </a:p>
-          <a:p>
-            <a:pPr lvl="0"/>
-            <a:r>
-              <a:rPr lang="it-IT" sz="3200" dirty="0" smtClean="0">
-                <a:solidFill>
-                  <a:schemeClr val="tx1"/>
-                </a:solidFill>
-              </a:rPr>
-              <a:t>dati BRI saranno resi pubblici e fruibili via web browser.</a:t>
-            </a:r>
-          </a:p>
-          <a:p>
-            <a:pPr lvl="0"/>
-            <a:endParaRPr lang="it-IT" sz="3200" dirty="0">
-              <a:solidFill>
-                <a:schemeClr val="tx1"/>
-              </a:solidFill>
-            </a:endParaRPr>
-          </a:p>
-          <a:p>
-            <a:pPr lvl="0"/>
-            <a:r>
-              <a:rPr lang="it-IT" sz="3200" dirty="0" smtClean="0">
-                <a:solidFill>
-                  <a:schemeClr val="tx1"/>
-                </a:solidFill>
-              </a:rPr>
-              <a:t>I dati pubblicati rispettano i vincoli di privacy e fruibilità degli open data </a:t>
-            </a:r>
-            <a:endParaRPr lang="it-IT" sz="3200" dirty="0">
-              <a:solidFill>
-                <a:schemeClr val="tx1"/>
-              </a:solidFill>
-            </a:endParaRPr>
-          </a:p>
-          <a:p>
-            <a:pPr lvl="0"/>
-            <a:r>
-              <a:rPr lang="it-IT" sz="3200" dirty="0">
-                <a:solidFill>
-                  <a:schemeClr val="tx1"/>
-                </a:solidFill>
-              </a:rPr>
-              <a:t>e</a:t>
-            </a:r>
-            <a:r>
-              <a:rPr lang="it-IT" sz="3200" dirty="0" smtClean="0">
-                <a:solidFill>
-                  <a:schemeClr val="tx1"/>
-                </a:solidFill>
-              </a:rPr>
-              <a:t> sono esposti in formato JSON via REST API.</a:t>
-            </a:r>
-          </a:p>
-          <a:p>
-            <a:pPr lvl="0"/>
-            <a:endParaRPr lang="it-IT" sz="3200" dirty="0"/>
-          </a:p>
-          <a:p>
-            <a:pPr lvl="0"/>
-            <a:r>
-              <a:rPr lang="it-IT" sz="3200" dirty="0" smtClean="0"/>
-              <a:t> </a:t>
-            </a:r>
-            <a:endParaRPr lang="it-IT" sz="3200" dirty="0"/>
-          </a:p>
-          <a:p>
-            <a:pPr marL="457200" lvl="0" indent="-457200">
-              <a:buFont typeface="Arial" panose="020B0604020202020204" pitchFamily="34" charset="0"/>
-              <a:buChar char="•"/>
-            </a:pPr>
-            <a:endParaRPr lang="it-IT" sz="3000" dirty="0"/>
-          </a:p>
-          <a:p>
-            <a:pPr marL="457200" lvl="0" indent="-457200">
-              <a:buFont typeface="Arial" panose="020B0604020202020204" pitchFamily="34" charset="0"/>
-              <a:buChar char="•"/>
-            </a:pPr>
-            <a:endParaRPr lang="it-IT" sz="3000" b="1" i="1" dirty="0" smtClean="0">
-              <a:solidFill>
-                <a:srgbClr val="0072C6"/>
-              </a:solidFill>
-            </a:endParaRPr>
-          </a:p>
-          <a:p>
-            <a:pPr lvl="0"/>
-            <a:endParaRPr lang="it-IT" sz="3000" b="1" i="1" dirty="0" smtClean="0">
-              <a:solidFill>
-                <a:srgbClr val="0072C6"/>
-              </a:solidFill>
-            </a:endParaRPr>
-          </a:p>
-          <a:p>
-            <a:pPr marL="457200" lvl="0" indent="-457200">
-              <a:buFont typeface="Arial" panose="020B0604020202020204" pitchFamily="34" charset="0"/>
-              <a:buChar char="•"/>
-            </a:pPr>
-            <a:endParaRPr lang="it-IT" sz="5000" b="1" i="1" dirty="0">
-              <a:solidFill>
-                <a:srgbClr val="0072C6"/>
-              </a:solidFill>
-            </a:endParaRPr>
-          </a:p>
-          <a:p>
-            <a:endParaRPr lang="it-IT" sz="5000" b="1" i="1" dirty="0" smtClean="0">
-              <a:solidFill>
-                <a:srgbClr val="0072C6"/>
-              </a:solidFill>
-            </a:endParaRPr>
-          </a:p>
-          <a:p>
-            <a:endParaRPr lang="it-IT" sz="3000" b="1" i="1" dirty="0">
-              <a:solidFill>
-                <a:srgbClr val="0072C6"/>
-              </a:solidFill>
-            </a:endParaRPr>
-          </a:p>
-        </p:txBody>
-      </p:sp>
-      <p:sp>
-        <p:nvSpPr>
-          <p:cNvPr id="4" name="Rettangolo 3"/>
+          <p:cNvPr id="5" name="Rettangolo 4"/>
           <p:cNvSpPr/>
           <p:nvPr/>
         </p:nvSpPr>
         <p:spPr>
           <a:xfrm>
-            <a:off x="0" y="6515100"/>
+            <a:off x="0" y="-28574"/>
             <a:ext cx="12192000" cy="342900"/>
           </a:xfrm>
           <a:prstGeom prst="rect">
@@ -27276,10 +27050,154 @@
           </a:p>
         </p:txBody>
       </p:sp>
+      <p:sp>
+        <p:nvSpPr>
+          <p:cNvPr id="6" name="Title 2"/>
+          <p:cNvSpPr txBox="1">
+            <a:spLocks/>
+          </p:cNvSpPr>
+          <p:nvPr/>
+        </p:nvSpPr>
+        <p:spPr>
+          <a:xfrm>
+            <a:off x="521493" y="485778"/>
+            <a:ext cx="11149013" cy="1214436"/>
+          </a:xfrm>
+          <a:prstGeom prst="rect">
+            <a:avLst/>
+          </a:prstGeom>
+        </p:spPr>
+        <p:txBody>
+          <a:bodyPr/>
+          <a:lstStyle>
+            <a:lvl1pPr algn="l" defTabSz="914363" rtl="0" eaLnBrk="1" latinLnBrk="0" hangingPunct="1">
+              <a:lnSpc>
+                <a:spcPct val="90000"/>
+              </a:lnSpc>
+              <a:spcBef>
+                <a:spcPct val="0"/>
+              </a:spcBef>
+              <a:buNone/>
+              <a:defRPr lang="en-US" sz="5400" b="0" kern="1200" cap="none" spc="-100" baseline="0" dirty="0" smtClean="0">
+                <a:ln w="3175">
+                  <a:noFill/>
+                </a:ln>
+                <a:gradFill>
+                  <a:gsLst>
+                    <a:gs pos="1250">
+                      <a:schemeClr val="tx2"/>
+                    </a:gs>
+                    <a:gs pos="100000">
+                      <a:schemeClr val="tx2"/>
+                    </a:gs>
+                  </a:gsLst>
+                  <a:lin ang="5400000" scaled="0"/>
+                </a:gradFill>
+                <a:effectLst/>
+                <a:latin typeface="+mj-lt"/>
+                <a:ea typeface="+mn-ea"/>
+                <a:cs typeface="Arial" charset="0"/>
+              </a:defRPr>
+            </a:lvl1pPr>
+          </a:lstStyle>
+          <a:p>
+            <a:r>
+              <a:rPr lang="it-IT" b="1" dirty="0" smtClean="0">
+                <a:solidFill>
+                  <a:srgbClr val="0072C6"/>
+                </a:solidFill>
+              </a:rPr>
+              <a:t>Query schema globale</a:t>
+            </a:r>
+          </a:p>
+          <a:p>
+            <a:endParaRPr lang="it-IT" sz="1500" b="1" i="1" dirty="0" smtClean="0">
+              <a:solidFill>
+                <a:srgbClr val="0072C6"/>
+              </a:solidFill>
+            </a:endParaRPr>
+          </a:p>
+          <a:p>
+            <a:pPr marL="457200" lvl="0" indent="-457200">
+              <a:buFont typeface="Arial" panose="020B0604020202020204" pitchFamily="34" charset="0"/>
+              <a:buChar char="•"/>
+            </a:pPr>
+            <a:endParaRPr lang="it-IT" sz="3000" dirty="0"/>
+          </a:p>
+          <a:p>
+            <a:pPr marL="457200" lvl="0" indent="-457200">
+              <a:buFont typeface="Arial" panose="020B0604020202020204" pitchFamily="34" charset="0"/>
+              <a:buChar char="•"/>
+            </a:pPr>
+            <a:endParaRPr lang="it-IT" sz="3000" b="1" i="1" dirty="0" smtClean="0">
+              <a:solidFill>
+                <a:srgbClr val="0072C6"/>
+              </a:solidFill>
+            </a:endParaRPr>
+          </a:p>
+          <a:p>
+            <a:pPr lvl="0"/>
+            <a:endParaRPr lang="it-IT" sz="3000" b="1" i="1" dirty="0" smtClean="0">
+              <a:solidFill>
+                <a:srgbClr val="0072C6"/>
+              </a:solidFill>
+            </a:endParaRPr>
+          </a:p>
+          <a:p>
+            <a:pPr marL="457200" lvl="0" indent="-457200">
+              <a:buFont typeface="Arial" panose="020B0604020202020204" pitchFamily="34" charset="0"/>
+              <a:buChar char="•"/>
+            </a:pPr>
+            <a:endParaRPr lang="it-IT" sz="5000" b="1" i="1" dirty="0">
+              <a:solidFill>
+                <a:srgbClr val="0072C6"/>
+              </a:solidFill>
+            </a:endParaRPr>
+          </a:p>
+          <a:p>
+            <a:endParaRPr lang="it-IT" sz="5000" b="1" i="1" dirty="0" smtClean="0">
+              <a:solidFill>
+                <a:srgbClr val="0072C6"/>
+              </a:solidFill>
+            </a:endParaRPr>
+          </a:p>
+          <a:p>
+            <a:endParaRPr lang="it-IT" sz="3000" b="1" i="1" dirty="0">
+              <a:solidFill>
+                <a:srgbClr val="0072C6"/>
+              </a:solidFill>
+            </a:endParaRPr>
+          </a:p>
+        </p:txBody>
+      </p:sp>
+      <p:pic>
+        <p:nvPicPr>
+          <p:cNvPr id="3" name="Immagine 2"/>
+          <p:cNvPicPr>
+            <a:picLocks noChangeAspect="1"/>
+          </p:cNvPicPr>
+          <p:nvPr/>
+        </p:nvPicPr>
+        <p:blipFill>
+          <a:blip r:embed="rId2"/>
+          <a:stretch>
+            <a:fillRect/>
+          </a:stretch>
+        </p:blipFill>
+        <p:spPr>
+          <a:xfrm>
+            <a:off x="1849445" y="1357313"/>
+            <a:ext cx="9128120" cy="5026894"/>
+          </a:xfrm>
+          <a:prstGeom prst="rect">
+            <a:avLst/>
+          </a:prstGeom>
+        </p:spPr>
+      </p:pic>
     </p:spTree>
     <p:extLst>
       <p:ext uri="{BB962C8B-B14F-4D97-AF65-F5344CB8AC3E}">
-        <p14:creationId xmlns:p14="http://schemas.microsoft.com/office/powerpoint/2010/main" val="2451209973"/>
+        <p14:creationId xmlns:p14="http://schemas.microsoft.com/office/powerpoint/2010/main" val="4003550781"/>
       </p:ext>
     </p:extLst>
   </p:cSld>
@@ -27359,6 +27277,36 @@
           </a:p>
         </p:txBody>
       </p:sp>
+      <p:pic>
+        <p:nvPicPr>
+          <p:cNvPr id="8" name="Immagine 7" descr="Schermata 2015-02-19 alle 17.20.17.png"/>
+          <p:cNvPicPr>
+            <a:picLocks noChangeAspect="1"/>
+          </p:cNvPicPr>
+          <p:nvPr/>
+        </p:nvPicPr>
+        <p:blipFill>
+          <a:blip r:embed="rId2">
+            <a:extLst>
+              <a:ext uri="{28A0092B-C50C-407E-A947-70E740481C1C}">
+                <a14:useLocalDpi xmlns:a14="http://schemas.microsoft.com/office/drawing/2010/main" val="0"/>
+              </a:ext>
+            </a:extLst>
+          </a:blip>
+          <a:stretch>
+            <a:fillRect/>
+          </a:stretch>
+        </p:blipFill>
+        <p:spPr>
+          <a:xfrm>
+            <a:off x="3961245" y="4212927"/>
+            <a:ext cx="4292600" cy="2311400"/>
+          </a:xfrm>
+          <a:prstGeom prst="rect">
+            <a:avLst/>
+          </a:prstGeom>
+        </p:spPr>
+      </p:pic>
       <p:sp>
         <p:nvSpPr>
           <p:cNvPr id="6" name="Title 2"/>
@@ -27420,14 +27368,14 @@
             </a:r>
           </a:p>
           <a:p>
+            <a:endParaRPr lang="it-IT" sz="1500" b="1" i="1" dirty="0">
+              <a:solidFill>
+                <a:srgbClr val="0072C6"/>
+              </a:solidFill>
+            </a:endParaRPr>
+          </a:p>
+          <a:p>
             <a:endParaRPr lang="it-IT" sz="1500" b="1" i="1" dirty="0" smtClean="0">
-              <a:solidFill>
-                <a:srgbClr val="0072C6"/>
-              </a:solidFill>
-            </a:endParaRPr>
-          </a:p>
-          <a:p>
-            <a:endParaRPr lang="it-IT" sz="1000" b="1" i="1" dirty="0" smtClean="0">
               <a:solidFill>
                 <a:srgbClr val="0072C6"/>
               </a:solidFill>
@@ -27441,120 +27389,62 @@
                   <a:schemeClr val="tx1"/>
                 </a:solidFill>
               </a:rPr>
-              <a:t>I dati sui sensori esposti rispettano i principi degli Open Data:</a:t>
+              <a:t>I valori dei dati nello storico e i relativi corsi d’acqua presenti nella base </a:t>
             </a:r>
           </a:p>
           <a:p>
             <a:pPr lvl="0"/>
-            <a:endParaRPr lang="it-IT" sz="1500" dirty="0" smtClean="0">
-              <a:solidFill>
-                <a:schemeClr val="tx1"/>
-              </a:solidFill>
-            </a:endParaRPr>
-          </a:p>
-          <a:p>
-            <a:pPr marL="457200" lvl="0" indent="-457200">
-              <a:buFont typeface="Arial"/>
-              <a:buChar char="•"/>
-            </a:pPr>
             <a:r>
               <a:rPr lang="it-IT" sz="3200" dirty="0" smtClean="0">
                 <a:solidFill>
                   <a:schemeClr val="tx1"/>
                 </a:solidFill>
               </a:rPr>
-              <a:t>Completi: sono completi di tutte le informazione per l’utilizzo anche offline</a:t>
-            </a:r>
-          </a:p>
-          <a:p>
-            <a:pPr marL="457200" lvl="0" indent="-457200">
-              <a:buFont typeface="Arial"/>
-              <a:buChar char="•"/>
-            </a:pPr>
+              <a:t>dati BRI saranno resi pubblici e fruibili via web browser.</a:t>
+            </a:r>
+          </a:p>
+          <a:p>
+            <a:pPr lvl="0"/>
+            <a:endParaRPr lang="it-IT" sz="3200" dirty="0">
+              <a:solidFill>
+                <a:schemeClr val="tx1"/>
+              </a:solidFill>
+            </a:endParaRPr>
+          </a:p>
+          <a:p>
+            <a:pPr lvl="0"/>
             <a:r>
               <a:rPr lang="it-IT" sz="3200" dirty="0" smtClean="0">
                 <a:solidFill>
                   <a:schemeClr val="tx1"/>
                 </a:solidFill>
               </a:rPr>
-              <a:t>Primari: hanno granularità tale che ne permette l’integrazione con altre applicazioni</a:t>
-            </a:r>
-          </a:p>
-          <a:p>
-            <a:pPr marL="457200" lvl="0" indent="-457200">
-              <a:buFont typeface="Arial"/>
-              <a:buChar char="•"/>
-            </a:pPr>
+              <a:t>I dati pubblicati rispettano i vincoli di privacy e fruibilità degli open data </a:t>
+            </a:r>
+            <a:endParaRPr lang="it-IT" sz="3200" dirty="0">
+              <a:solidFill>
+                <a:schemeClr val="tx1"/>
+              </a:solidFill>
+            </a:endParaRPr>
+          </a:p>
+          <a:p>
+            <a:pPr lvl="0"/>
+            <a:r>
+              <a:rPr lang="it-IT" sz="3200" dirty="0">
+                <a:solidFill>
+                  <a:schemeClr val="tx1"/>
+                </a:solidFill>
+              </a:rPr>
+              <a:t>e</a:t>
+            </a:r>
             <a:r>
               <a:rPr lang="it-IT" sz="3200" dirty="0" smtClean="0">
                 <a:solidFill>
                   <a:schemeClr val="tx1"/>
                 </a:solidFill>
               </a:rPr>
-              <a:t>Tempestivi: rappresentazione </a:t>
-            </a:r>
-            <a:r>
-              <a:rPr lang="it-IT" sz="3200" dirty="0" err="1" smtClean="0">
-                <a:solidFill>
-                  <a:schemeClr val="tx1"/>
-                </a:solidFill>
-              </a:rPr>
-              <a:t>real</a:t>
-            </a:r>
-            <a:r>
-              <a:rPr lang="it-IT" sz="3200" dirty="0" smtClean="0">
-                <a:solidFill>
-                  <a:schemeClr val="tx1"/>
-                </a:solidFill>
-              </a:rPr>
-              <a:t> time dello storico</a:t>
-            </a:r>
-          </a:p>
-          <a:p>
-            <a:pPr marL="457200" lvl="0" indent="-457200">
-              <a:buFont typeface="Arial"/>
-              <a:buChar char="•"/>
-            </a:pPr>
-            <a:r>
-              <a:rPr lang="it-IT" sz="3200" dirty="0" smtClean="0">
-                <a:solidFill>
-                  <a:schemeClr val="tx1"/>
-                </a:solidFill>
-              </a:rPr>
-              <a:t>Accessibili: disponibili via REST API </a:t>
-            </a:r>
-          </a:p>
-          <a:p>
-            <a:pPr marL="457200" lvl="0" indent="-457200">
-              <a:buFont typeface="Arial"/>
-              <a:buChar char="•"/>
-            </a:pPr>
-            <a:r>
-              <a:rPr lang="it-IT" sz="3200" dirty="0" smtClean="0">
-                <a:solidFill>
-                  <a:schemeClr val="tx1"/>
-                </a:solidFill>
-              </a:rPr>
-              <a:t>Non proprietari: i dati sono processabili da applicativi open source</a:t>
-            </a:r>
-          </a:p>
-          <a:p>
-            <a:pPr marL="457200" lvl="0" indent="-457200">
-              <a:buFont typeface="Arial"/>
-              <a:buChar char="•"/>
-            </a:pPr>
-            <a:r>
-              <a:rPr lang="it-IT" sz="3200" dirty="0" smtClean="0">
-                <a:solidFill>
-                  <a:schemeClr val="tx1"/>
-                </a:solidFill>
-              </a:rPr>
-              <a:t>Non discriminatori: non sono previsti meccanismi di registrazione per l’utilizzo dei dati (es: API KEY)</a:t>
-            </a:r>
-          </a:p>
-          <a:p>
-            <a:pPr lvl="0"/>
-            <a:endParaRPr lang="it-IT" sz="3200" dirty="0" smtClean="0"/>
+              <a:t> sono esposti in formato JSON via REST API.</a:t>
+            </a:r>
           </a:p>
           <a:p>
             <a:pPr lvl="0"/>
@@ -27667,7 +27557,7 @@
     </p:spTree>
     <p:extLst>
       <p:ext uri="{BB962C8B-B14F-4D97-AF65-F5344CB8AC3E}">
-        <p14:creationId xmlns:p14="http://schemas.microsoft.com/office/powerpoint/2010/main" val="1257446633"/>
+        <p14:creationId xmlns:p14="http://schemas.microsoft.com/office/powerpoint/2010/main" val="2451209973"/>
       </p:ext>
     </p:extLst>
   </p:cSld>
@@ -27823,123 +27713,145 @@
           </a:p>
           <a:p>
             <a:pPr lvl="0"/>
-            <a:endParaRPr lang="it-IT" sz="3200" dirty="0"/>
-          </a:p>
-          <a:p>
-            <a:pPr lvl="0"/>
             <a:r>
               <a:rPr lang="it-IT" sz="3200" dirty="0" smtClean="0">
                 <a:solidFill>
                   <a:schemeClr val="tx1"/>
                 </a:solidFill>
               </a:rPr>
-              <a:t>I dati sono pubblicati sotto licenza </a:t>
-            </a:r>
-            <a:r>
-              <a:rPr lang="it-IT" sz="3200" i="1" dirty="0" err="1" smtClean="0">
-                <a:solidFill>
-                  <a:schemeClr val="tx1"/>
-                </a:solidFill>
-              </a:rPr>
-              <a:t>Italian</a:t>
-            </a:r>
-            <a:r>
-              <a:rPr lang="it-IT" sz="3200" i="1" dirty="0" smtClean="0">
-                <a:solidFill>
-                  <a:schemeClr val="tx1"/>
-                </a:solidFill>
-              </a:rPr>
-              <a:t> Open Data </a:t>
-            </a:r>
-            <a:r>
-              <a:rPr lang="it-IT" sz="3200" i="1" dirty="0" err="1" smtClean="0">
-                <a:solidFill>
-                  <a:schemeClr val="tx1"/>
-                </a:solidFill>
-              </a:rPr>
-              <a:t>Licenses</a:t>
-            </a:r>
-            <a:r>
-              <a:rPr lang="it-IT" sz="3200" i="1" dirty="0" smtClean="0">
-                <a:solidFill>
-                  <a:schemeClr val="tx1"/>
-                </a:solidFill>
-              </a:rPr>
-              <a:t> 2.0</a:t>
+              <a:t>I dati sui sensori esposti rispettano i principi degli Open Data:</a:t>
             </a:r>
           </a:p>
           <a:p>
             <a:pPr lvl="0"/>
+            <a:endParaRPr lang="it-IT" sz="1500" dirty="0" smtClean="0">
+              <a:solidFill>
+                <a:schemeClr val="tx1"/>
+              </a:solidFill>
+            </a:endParaRPr>
+          </a:p>
+          <a:p>
+            <a:pPr marL="457200" lvl="0" indent="-457200">
+              <a:buFont typeface="Arial"/>
+              <a:buChar char="•"/>
+            </a:pPr>
             <a:r>
               <a:rPr lang="it-IT" sz="3200" dirty="0" smtClean="0">
                 <a:solidFill>
                   <a:schemeClr val="tx1"/>
                 </a:solidFill>
               </a:rPr>
-              <a:t>che ne permette l’utilizzo ma obbliga l’utilizzatore a citare il Licenziante.</a:t>
-            </a:r>
-          </a:p>
-          <a:p>
-            <a:pPr lvl="0"/>
-            <a:endParaRPr lang="it-IT" sz="3200" dirty="0">
-              <a:solidFill>
-                <a:schemeClr val="tx1"/>
-              </a:solidFill>
-            </a:endParaRPr>
-          </a:p>
-          <a:p>
-            <a:pPr lvl="0" algn="r"/>
+              <a:t>Completi: sono completi di tutte le informazione per l’utilizzo anche offline</a:t>
+            </a:r>
+          </a:p>
+          <a:p>
+            <a:pPr marL="457200" lvl="0" indent="-457200">
+              <a:buFont typeface="Arial"/>
+              <a:buChar char="•"/>
+            </a:pPr>
             <a:r>
               <a:rPr lang="it-IT" sz="3200" dirty="0" smtClean="0">
                 <a:solidFill>
                   <a:schemeClr val="tx1"/>
                 </a:solidFill>
               </a:rPr>
-              <a:t>												            </a:t>
-            </a:r>
-            <a:r>
-              <a:rPr lang="it-IT" sz="2500" dirty="0" smtClean="0">
+              <a:t>Primari: hanno granularità tale che ne permette l’integrazione con altre applicazioni</a:t>
+            </a:r>
+          </a:p>
+          <a:p>
+            <a:pPr marL="457200" lvl="0" indent="-457200">
+              <a:buFont typeface="Arial"/>
+              <a:buChar char="•"/>
+            </a:pPr>
+            <a:r>
+              <a:rPr lang="it-IT" sz="3200" dirty="0" smtClean="0">
                 <a:solidFill>
                   <a:schemeClr val="tx1"/>
                 </a:solidFill>
               </a:rPr>
-              <a:t> Licenza: http</a:t>
-            </a:r>
-            <a:r>
-              <a:rPr lang="it-IT" sz="2500" dirty="0">
+              <a:t>Tempestivi: rappresentazione </a:t>
+            </a:r>
+            <a:r>
+              <a:rPr lang="it-IT" sz="3200" dirty="0" err="1" smtClean="0">
                 <a:solidFill>
                   <a:schemeClr val="tx1"/>
                 </a:solidFill>
               </a:rPr>
-              <a:t>://www.dati.gov.it/iodl/2.0/</a:t>
-            </a:r>
+              <a:t>real</a:t>
+            </a:r>
+            <a:r>
+              <a:rPr lang="it-IT" sz="3200" dirty="0" smtClean="0">
+                <a:solidFill>
+                  <a:schemeClr val="tx1"/>
+                </a:solidFill>
+              </a:rPr>
+              <a:t> time dello storico</a:t>
+            </a:r>
+          </a:p>
+          <a:p>
+            <a:pPr marL="457200" lvl="0" indent="-457200">
+              <a:buFont typeface="Arial"/>
+              <a:buChar char="•"/>
+            </a:pPr>
+            <a:r>
+              <a:rPr lang="it-IT" sz="3200" dirty="0" smtClean="0">
+                <a:solidFill>
+                  <a:schemeClr val="tx1"/>
+                </a:solidFill>
+              </a:rPr>
+              <a:t>Accessibili: disponibili via REST API </a:t>
+            </a:r>
+          </a:p>
+          <a:p>
+            <a:pPr marL="457200" lvl="0" indent="-457200">
+              <a:buFont typeface="Arial"/>
+              <a:buChar char="•"/>
+            </a:pPr>
+            <a:r>
+              <a:rPr lang="it-IT" sz="3200" dirty="0" smtClean="0">
+                <a:solidFill>
+                  <a:schemeClr val="tx1"/>
+                </a:solidFill>
+              </a:rPr>
+              <a:t>Non proprietari: i dati sono processabili da applicativi open source</a:t>
+            </a:r>
+          </a:p>
+          <a:p>
+            <a:pPr marL="457200" lvl="0" indent="-457200">
+              <a:buFont typeface="Arial"/>
+              <a:buChar char="•"/>
+            </a:pPr>
+            <a:r>
+              <a:rPr lang="it-IT" sz="3200" dirty="0" smtClean="0">
+                <a:solidFill>
+                  <a:schemeClr val="tx1"/>
+                </a:solidFill>
+              </a:rPr>
+              <a:t>Non discriminatori: non sono previsti meccanismi di registrazione per l’utilizzo dei dati (es: API KEY)</a:t>
+            </a:r>
+          </a:p>
+          <a:p>
+            <a:pPr lvl="0"/>
+            <a:endParaRPr lang="it-IT" sz="3200" dirty="0" smtClean="0"/>
+          </a:p>
+          <a:p>
+            <a:pPr lvl="0"/>
+            <a:endParaRPr lang="it-IT" sz="3200" dirty="0"/>
+          </a:p>
+          <a:p>
+            <a:pPr lvl="0"/>
+            <a:r>
+              <a:rPr lang="it-IT" sz="3200" dirty="0" smtClean="0"/>
+              <a:t> </a:t>
+            </a:r>
+            <a:endParaRPr lang="it-IT" sz="3200" dirty="0"/>
           </a:p>
           <a:p>
             <a:pPr marL="457200" lvl="0" indent="-457200">
               <a:buFont typeface="Arial" panose="020B0604020202020204" pitchFamily="34" charset="0"/>
               <a:buChar char="•"/>
             </a:pPr>
-            <a:endParaRPr lang="it-IT" sz="3000" dirty="0" smtClean="0">
-              <a:solidFill>
-                <a:schemeClr val="tx1"/>
-              </a:solidFill>
-            </a:endParaRPr>
-          </a:p>
-          <a:p>
-            <a:pPr lvl="0"/>
-            <a:r>
-              <a:rPr lang="it-IT" sz="3000" dirty="0" smtClean="0">
-                <a:solidFill>
-                  <a:schemeClr val="tx1"/>
-                </a:solidFill>
-              </a:rPr>
-              <a:t>I dati pubblicati possono essere utilizzati ad esempio dal corso di laurea di statistica o di geologia (analisi ed inferenza statistica sui dati) oppure da agenzie che si occupano di gestione territoriale. </a:t>
-            </a:r>
-            <a:endParaRPr lang="it-IT" sz="3000" dirty="0">
-              <a:solidFill>
-                <a:schemeClr val="tx1"/>
-              </a:solidFill>
-            </a:endParaRPr>
+            <a:endParaRPr lang="it-IT" sz="3000" dirty="0"/>
           </a:p>
           <a:p>
             <a:pPr marL="457200" lvl="0" indent="-457200">
@@ -28033,7 +27945,1383 @@
     </p:spTree>
     <p:extLst>
       <p:ext uri="{BB962C8B-B14F-4D97-AF65-F5344CB8AC3E}">
+        <p14:creationId xmlns:p14="http://schemas.microsoft.com/office/powerpoint/2010/main" val="1257446633"/>
+      </p:ext>
+    </p:extLst>
+  </p:cSld>
+  <p:clrMapOvr>
+    <a:masterClrMapping/>
+  </p:clrMapOvr>
+  <p:transition spd="slow">
+    <p:push dir="u"/>
+  </p:transition>
+  <p:timing>
+    <p:tnLst>
+      <p:par>
+        <p:cTn id="1" dur="indefinite" restart="never" nodeType="tmRoot"/>
+      </p:par>
+    </p:tnLst>
+  </p:timing>
+</p:sld>
+</file>
+
+<file path=ppt/slides/slide67.xml><?xml version="1.0" encoding="utf-8"?>
+<p:sld xmlns:a="http://schemas.openxmlformats.org/drawingml/2006/main" xmlns:r="http://schemas.openxmlformats.org/officeDocument/2006/relationships" xmlns:p="http://schemas.openxmlformats.org/presentationml/2006/main">
+  <p:cSld>
+    <p:spTree>
+      <p:nvGrpSpPr>
+        <p:cNvPr id="1" name=""/>
+        <p:cNvGrpSpPr/>
+        <p:nvPr/>
+      </p:nvGrpSpPr>
+      <p:grpSpPr>
+        <a:xfrm>
+          <a:off x="0" y="0"/>
+          <a:ext cx="0" cy="0"/>
+          <a:chOff x="0" y="0"/>
+          <a:chExt cx="0" cy="0"/>
+        </a:xfrm>
+      </p:grpSpPr>
+      <p:sp>
+        <p:nvSpPr>
+          <p:cNvPr id="5" name="Rettangolo 4"/>
+          <p:cNvSpPr/>
+          <p:nvPr/>
+        </p:nvSpPr>
+        <p:spPr>
+          <a:xfrm>
+            <a:off x="0" y="-28574"/>
+            <a:ext cx="12192000" cy="342900"/>
+          </a:xfrm>
+          <a:prstGeom prst="rect">
+            <a:avLst/>
+          </a:prstGeom>
+          <a:solidFill>
+            <a:srgbClr val="0072C6"/>
+          </a:solidFill>
+        </p:spPr>
+        <p:style>
+          <a:lnRef idx="2">
+            <a:schemeClr val="accent1">
+              <a:shade val="50000"/>
+            </a:schemeClr>
+          </a:lnRef>
+          <a:fillRef idx="1">
+            <a:schemeClr val="accent1"/>
+          </a:fillRef>
+          <a:effectRef idx="0">
+            <a:schemeClr val="accent1"/>
+          </a:effectRef>
+          <a:fontRef idx="minor">
+            <a:schemeClr val="lt1"/>
+          </a:fontRef>
+        </p:style>
+        <p:txBody>
+          <a:bodyPr rtlCol="0" anchor="ctr"/>
+          <a:lstStyle/>
+          <a:p>
+            <a:pPr algn="ctr"/>
+            <a:endParaRPr lang="it-IT"/>
+          </a:p>
+        </p:txBody>
+      </p:sp>
+      <p:sp>
+        <p:nvSpPr>
+          <p:cNvPr id="6" name="Title 2"/>
+          <p:cNvSpPr txBox="1">
+            <a:spLocks/>
+          </p:cNvSpPr>
+          <p:nvPr/>
+        </p:nvSpPr>
+        <p:spPr>
+          <a:xfrm>
+            <a:off x="521493" y="485778"/>
+            <a:ext cx="11149013" cy="868889"/>
+          </a:xfrm>
+          <a:prstGeom prst="rect">
+            <a:avLst/>
+          </a:prstGeom>
+        </p:spPr>
+        <p:txBody>
+          <a:bodyPr/>
+          <a:lstStyle>
+            <a:lvl1pPr algn="l" defTabSz="914363" rtl="0" eaLnBrk="1" latinLnBrk="0" hangingPunct="1">
+              <a:lnSpc>
+                <a:spcPct val="90000"/>
+              </a:lnSpc>
+              <a:spcBef>
+                <a:spcPct val="0"/>
+              </a:spcBef>
+              <a:buNone/>
+              <a:defRPr lang="en-US" sz="5400" b="0" kern="1200" cap="none" spc="-100" baseline="0" dirty="0" smtClean="0">
+                <a:ln w="3175">
+                  <a:noFill/>
+                </a:ln>
+                <a:gradFill>
+                  <a:gsLst>
+                    <a:gs pos="1250">
+                      <a:schemeClr val="tx2"/>
+                    </a:gs>
+                    <a:gs pos="100000">
+                      <a:schemeClr val="tx2"/>
+                    </a:gs>
+                  </a:gsLst>
+                  <a:lin ang="5400000" scaled="0"/>
+                </a:gradFill>
+                <a:effectLst/>
+                <a:latin typeface="+mj-lt"/>
+                <a:ea typeface="+mn-ea"/>
+                <a:cs typeface="Arial" charset="0"/>
+              </a:defRPr>
+            </a:lvl1pPr>
+          </a:lstStyle>
+          <a:p>
+            <a:r>
+              <a:rPr lang="it-IT" b="1" dirty="0" smtClean="0">
+                <a:solidFill>
+                  <a:srgbClr val="0072C6"/>
+                </a:solidFill>
+              </a:rPr>
+              <a:t>Open Data</a:t>
+            </a:r>
+          </a:p>
+          <a:p>
+            <a:endParaRPr lang="it-IT" sz="1500" b="1" i="1" dirty="0" smtClean="0">
+              <a:solidFill>
+                <a:srgbClr val="0072C6"/>
+              </a:solidFill>
+            </a:endParaRPr>
+          </a:p>
+          <a:p>
+            <a:endParaRPr lang="it-IT" sz="1000" b="1" i="1" dirty="0" smtClean="0">
+              <a:solidFill>
+                <a:srgbClr val="0072C6"/>
+              </a:solidFill>
+            </a:endParaRPr>
+          </a:p>
+          <a:p>
+            <a:pPr lvl="0"/>
+            <a:endParaRPr lang="it-IT" sz="3200" dirty="0"/>
+          </a:p>
+          <a:p>
+            <a:pPr lvl="0"/>
+            <a:r>
+              <a:rPr lang="it-IT" sz="3200" dirty="0" smtClean="0">
+                <a:solidFill>
+                  <a:schemeClr val="tx1"/>
+                </a:solidFill>
+              </a:rPr>
+              <a:t>I dati sono pubblicati sotto licenza </a:t>
+            </a:r>
+            <a:r>
+              <a:rPr lang="it-IT" sz="3200" i="1" dirty="0" err="1" smtClean="0">
+                <a:solidFill>
+                  <a:schemeClr val="tx1"/>
+                </a:solidFill>
+              </a:rPr>
+              <a:t>Italian</a:t>
+            </a:r>
+            <a:r>
+              <a:rPr lang="it-IT" sz="3200" i="1" dirty="0" smtClean="0">
+                <a:solidFill>
+                  <a:schemeClr val="tx1"/>
+                </a:solidFill>
+              </a:rPr>
+              <a:t> Open Data </a:t>
+            </a:r>
+            <a:r>
+              <a:rPr lang="it-IT" sz="3200" i="1" dirty="0" err="1" smtClean="0">
+                <a:solidFill>
+                  <a:schemeClr val="tx1"/>
+                </a:solidFill>
+              </a:rPr>
+              <a:t>Licenses</a:t>
+            </a:r>
+            <a:r>
+              <a:rPr lang="it-IT" sz="3200" i="1" dirty="0" smtClean="0">
+                <a:solidFill>
+                  <a:schemeClr val="tx1"/>
+                </a:solidFill>
+              </a:rPr>
+              <a:t> 2.0</a:t>
+            </a:r>
+          </a:p>
+          <a:p>
+            <a:pPr lvl="0"/>
+            <a:r>
+              <a:rPr lang="it-IT" sz="3200" dirty="0" smtClean="0">
+                <a:solidFill>
+                  <a:schemeClr val="tx1"/>
+                </a:solidFill>
+              </a:rPr>
+              <a:t>che ne permette l’utilizzo ma obbliga l’utilizzatore a citare il Licenziante.</a:t>
+            </a:r>
+          </a:p>
+          <a:p>
+            <a:pPr lvl="0"/>
+            <a:endParaRPr lang="it-IT" sz="3200" dirty="0">
+              <a:solidFill>
+                <a:schemeClr val="tx1"/>
+              </a:solidFill>
+            </a:endParaRPr>
+          </a:p>
+          <a:p>
+            <a:pPr lvl="0" algn="r"/>
+            <a:r>
+              <a:rPr lang="it-IT" sz="3200" dirty="0" smtClean="0">
+                <a:solidFill>
+                  <a:schemeClr val="tx1"/>
+                </a:solidFill>
+              </a:rPr>
+              <a:t>												            </a:t>
+            </a:r>
+            <a:r>
+              <a:rPr lang="it-IT" sz="2500" dirty="0" smtClean="0">
+                <a:solidFill>
+                  <a:schemeClr val="tx1"/>
+                </a:solidFill>
+              </a:rPr>
+              <a:t> Licenza: http</a:t>
+            </a:r>
+            <a:r>
+              <a:rPr lang="it-IT" sz="2500" dirty="0">
+                <a:solidFill>
+                  <a:schemeClr val="tx1"/>
+                </a:solidFill>
+              </a:rPr>
+              <a:t>://www.dati.gov.it/iodl/2.0/</a:t>
+            </a:r>
+          </a:p>
+          <a:p>
+            <a:pPr marL="457200" lvl="0" indent="-457200">
+              <a:buFont typeface="Arial" panose="020B0604020202020204" pitchFamily="34" charset="0"/>
+              <a:buChar char="•"/>
+            </a:pPr>
+            <a:endParaRPr lang="it-IT" sz="3000" dirty="0" smtClean="0">
+              <a:solidFill>
+                <a:schemeClr val="tx1"/>
+              </a:solidFill>
+            </a:endParaRPr>
+          </a:p>
+          <a:p>
+            <a:pPr lvl="0"/>
+            <a:r>
+              <a:rPr lang="it-IT" sz="3000" dirty="0" smtClean="0">
+                <a:solidFill>
+                  <a:schemeClr val="tx1"/>
+                </a:solidFill>
+              </a:rPr>
+              <a:t>I dati pubblicati possono essere utilizzati ad esempio dal corso di laurea di statistica o di geologia (analisi ed inferenza statistica sui dati) oppure da agenzie che si occupano di gestione territoriale. </a:t>
+            </a:r>
+            <a:endParaRPr lang="it-IT" sz="3000" dirty="0">
+              <a:solidFill>
+                <a:schemeClr val="tx1"/>
+              </a:solidFill>
+            </a:endParaRPr>
+          </a:p>
+          <a:p>
+            <a:pPr marL="457200" lvl="0" indent="-457200">
+              <a:buFont typeface="Arial" panose="020B0604020202020204" pitchFamily="34" charset="0"/>
+              <a:buChar char="•"/>
+            </a:pPr>
+            <a:endParaRPr lang="it-IT" sz="3000" b="1" i="1" dirty="0" smtClean="0">
+              <a:solidFill>
+                <a:srgbClr val="0072C6"/>
+              </a:solidFill>
+            </a:endParaRPr>
+          </a:p>
+          <a:p>
+            <a:pPr lvl="0"/>
+            <a:endParaRPr lang="it-IT" sz="3000" b="1" i="1" dirty="0" smtClean="0">
+              <a:solidFill>
+                <a:srgbClr val="0072C6"/>
+              </a:solidFill>
+            </a:endParaRPr>
+          </a:p>
+          <a:p>
+            <a:pPr marL="457200" lvl="0" indent="-457200">
+              <a:buFont typeface="Arial" panose="020B0604020202020204" pitchFamily="34" charset="0"/>
+              <a:buChar char="•"/>
+            </a:pPr>
+            <a:endParaRPr lang="it-IT" sz="5000" b="1" i="1" dirty="0">
+              <a:solidFill>
+                <a:srgbClr val="0072C6"/>
+              </a:solidFill>
+            </a:endParaRPr>
+          </a:p>
+          <a:p>
+            <a:endParaRPr lang="it-IT" sz="5000" b="1" i="1" dirty="0" smtClean="0">
+              <a:solidFill>
+                <a:srgbClr val="0072C6"/>
+              </a:solidFill>
+            </a:endParaRPr>
+          </a:p>
+          <a:p>
+            <a:endParaRPr lang="it-IT" sz="3000" b="1" i="1" dirty="0">
+              <a:solidFill>
+                <a:srgbClr val="0072C6"/>
+              </a:solidFill>
+            </a:endParaRPr>
+          </a:p>
+        </p:txBody>
+      </p:sp>
+      <p:sp>
+        <p:nvSpPr>
+          <p:cNvPr id="4" name="Rettangolo 3"/>
+          <p:cNvSpPr/>
+          <p:nvPr/>
+        </p:nvSpPr>
+        <p:spPr>
+          <a:xfrm>
+            <a:off x="0" y="6515100"/>
+            <a:ext cx="12192000" cy="342900"/>
+          </a:xfrm>
+          <a:prstGeom prst="rect">
+            <a:avLst/>
+          </a:prstGeom>
+          <a:solidFill>
+            <a:srgbClr val="0072C6"/>
+          </a:solidFill>
+        </p:spPr>
+        <p:style>
+          <a:lnRef idx="2">
+            <a:schemeClr val="accent1">
+              <a:shade val="50000"/>
+            </a:schemeClr>
+          </a:lnRef>
+          <a:fillRef idx="1">
+            <a:schemeClr val="accent1"/>
+          </a:fillRef>
+          <a:effectRef idx="0">
+            <a:schemeClr val="accent1"/>
+          </a:effectRef>
+          <a:fontRef idx="minor">
+            <a:schemeClr val="lt1"/>
+          </a:fontRef>
+        </p:style>
+        <p:txBody>
+          <a:bodyPr rtlCol="0" anchor="ctr"/>
+          <a:lstStyle/>
+          <a:p>
+            <a:pPr algn="ctr"/>
+            <a:endParaRPr lang="it-IT"/>
+          </a:p>
+        </p:txBody>
+      </p:sp>
+    </p:spTree>
+    <p:extLst>
+      <p:ext uri="{BB962C8B-B14F-4D97-AF65-F5344CB8AC3E}">
         <p14:creationId xmlns:p14="http://schemas.microsoft.com/office/powerpoint/2010/main" val="1930695738"/>
+      </p:ext>
+    </p:extLst>
+  </p:cSld>
+  <p:clrMapOvr>
+    <a:masterClrMapping/>
+  </p:clrMapOvr>
+  <p:transition spd="slow">
+    <p:push dir="u"/>
+  </p:transition>
+  <p:timing>
+    <p:tnLst>
+      <p:par>
+        <p:cTn id="1" dur="indefinite" restart="never" nodeType="tmRoot"/>
+      </p:par>
+    </p:tnLst>
+  </p:timing>
+</p:sld>
+</file>
+
+<file path=ppt/slides/slide68.xml><?xml version="1.0" encoding="utf-8"?>
+<p:sld xmlns:a="http://schemas.openxmlformats.org/drawingml/2006/main" xmlns:r="http://schemas.openxmlformats.org/officeDocument/2006/relationships" xmlns:p="http://schemas.openxmlformats.org/presentationml/2006/main">
+  <p:cSld>
+    <p:spTree>
+      <p:nvGrpSpPr>
+        <p:cNvPr id="1" name=""/>
+        <p:cNvGrpSpPr/>
+        <p:nvPr/>
+      </p:nvGrpSpPr>
+      <p:grpSpPr>
+        <a:xfrm>
+          <a:off x="0" y="0"/>
+          <a:ext cx="0" cy="0"/>
+          <a:chOff x="0" y="0"/>
+          <a:chExt cx="0" cy="0"/>
+        </a:xfrm>
+      </p:grpSpPr>
+      <p:sp>
+        <p:nvSpPr>
+          <p:cNvPr id="5" name="Rettangolo 4"/>
+          <p:cNvSpPr/>
+          <p:nvPr/>
+        </p:nvSpPr>
+        <p:spPr>
+          <a:xfrm>
+            <a:off x="0" y="-28574"/>
+            <a:ext cx="12192000" cy="342900"/>
+          </a:xfrm>
+          <a:prstGeom prst="rect">
+            <a:avLst/>
+          </a:prstGeom>
+          <a:solidFill>
+            <a:srgbClr val="0072C6"/>
+          </a:solidFill>
+        </p:spPr>
+        <p:style>
+          <a:lnRef idx="2">
+            <a:schemeClr val="accent1">
+              <a:shade val="50000"/>
+            </a:schemeClr>
+          </a:lnRef>
+          <a:fillRef idx="1">
+            <a:schemeClr val="accent1"/>
+          </a:fillRef>
+          <a:effectRef idx="0">
+            <a:schemeClr val="accent1"/>
+          </a:effectRef>
+          <a:fontRef idx="minor">
+            <a:schemeClr val="lt1"/>
+          </a:fontRef>
+        </p:style>
+        <p:txBody>
+          <a:bodyPr rtlCol="0" anchor="ctr"/>
+          <a:lstStyle/>
+          <a:p>
+            <a:pPr algn="ctr"/>
+            <a:endParaRPr lang="it-IT"/>
+          </a:p>
+        </p:txBody>
+      </p:sp>
+      <p:sp>
+        <p:nvSpPr>
+          <p:cNvPr id="6" name="Title 2"/>
+          <p:cNvSpPr txBox="1">
+            <a:spLocks/>
+          </p:cNvSpPr>
+          <p:nvPr/>
+        </p:nvSpPr>
+        <p:spPr>
+          <a:xfrm>
+            <a:off x="521493" y="485778"/>
+            <a:ext cx="11149013" cy="868889"/>
+          </a:xfrm>
+          <a:prstGeom prst="rect">
+            <a:avLst/>
+          </a:prstGeom>
+        </p:spPr>
+        <p:txBody>
+          <a:bodyPr/>
+          <a:lstStyle>
+            <a:lvl1pPr algn="l" defTabSz="914363" rtl="0" eaLnBrk="1" latinLnBrk="0" hangingPunct="1">
+              <a:lnSpc>
+                <a:spcPct val="90000"/>
+              </a:lnSpc>
+              <a:spcBef>
+                <a:spcPct val="0"/>
+              </a:spcBef>
+              <a:buNone/>
+              <a:defRPr lang="en-US" sz="5400" b="0" kern="1200" cap="none" spc="-100" baseline="0" dirty="0" smtClean="0">
+                <a:ln w="3175">
+                  <a:noFill/>
+                </a:ln>
+                <a:gradFill>
+                  <a:gsLst>
+                    <a:gs pos="1250">
+                      <a:schemeClr val="tx2"/>
+                    </a:gs>
+                    <a:gs pos="100000">
+                      <a:schemeClr val="tx2"/>
+                    </a:gs>
+                  </a:gsLst>
+                  <a:lin ang="5400000" scaled="0"/>
+                </a:gradFill>
+                <a:effectLst/>
+                <a:latin typeface="+mj-lt"/>
+                <a:ea typeface="+mn-ea"/>
+                <a:cs typeface="Arial" charset="0"/>
+              </a:defRPr>
+            </a:lvl1pPr>
+          </a:lstStyle>
+          <a:p>
+            <a:r>
+              <a:rPr lang="it-IT" b="1" dirty="0" smtClean="0">
+                <a:solidFill>
+                  <a:srgbClr val="0072C6"/>
+                </a:solidFill>
+              </a:rPr>
+              <a:t>Considerazioni – Architettura dati</a:t>
+            </a:r>
+            <a:endParaRPr lang="it-IT" b="1" dirty="0" smtClean="0">
+              <a:solidFill>
+                <a:srgbClr val="0072C6"/>
+              </a:solidFill>
+            </a:endParaRPr>
+          </a:p>
+          <a:p>
+            <a:endParaRPr lang="it-IT" sz="1500" b="1" i="1" dirty="0" smtClean="0">
+              <a:solidFill>
+                <a:srgbClr val="0072C6"/>
+              </a:solidFill>
+            </a:endParaRPr>
+          </a:p>
+          <a:p>
+            <a:endParaRPr lang="it-IT" sz="1000" b="1" i="1" dirty="0" smtClean="0">
+              <a:solidFill>
+                <a:srgbClr val="0072C6"/>
+              </a:solidFill>
+            </a:endParaRPr>
+          </a:p>
+          <a:p>
+            <a:pPr lvl="0"/>
+            <a:endParaRPr lang="it-IT" sz="3200" dirty="0">
+              <a:solidFill>
+                <a:schemeClr val="tx1"/>
+              </a:solidFill>
+            </a:endParaRPr>
+          </a:p>
+          <a:p>
+            <a:pPr marL="457200" lvl="0" indent="-457200">
+              <a:buFont typeface="Arial" panose="020B0604020202020204" pitchFamily="34" charset="0"/>
+              <a:buChar char="•"/>
+            </a:pPr>
+            <a:endParaRPr lang="it-IT" sz="3000" b="1" i="1" dirty="0" smtClean="0">
+              <a:solidFill>
+                <a:srgbClr val="0072C6"/>
+              </a:solidFill>
+            </a:endParaRPr>
+          </a:p>
+          <a:p>
+            <a:pPr lvl="0"/>
+            <a:endParaRPr lang="it-IT" sz="3000" b="1" i="1" dirty="0" smtClean="0">
+              <a:solidFill>
+                <a:srgbClr val="0072C6"/>
+              </a:solidFill>
+            </a:endParaRPr>
+          </a:p>
+          <a:p>
+            <a:pPr marL="457200" lvl="0" indent="-457200">
+              <a:buFont typeface="Arial" panose="020B0604020202020204" pitchFamily="34" charset="0"/>
+              <a:buChar char="•"/>
+            </a:pPr>
+            <a:endParaRPr lang="it-IT" sz="5000" b="1" i="1" dirty="0">
+              <a:solidFill>
+                <a:srgbClr val="0072C6"/>
+              </a:solidFill>
+            </a:endParaRPr>
+          </a:p>
+          <a:p>
+            <a:endParaRPr lang="it-IT" sz="5000" b="1" i="1" dirty="0" smtClean="0">
+              <a:solidFill>
+                <a:srgbClr val="0072C6"/>
+              </a:solidFill>
+            </a:endParaRPr>
+          </a:p>
+          <a:p>
+            <a:endParaRPr lang="it-IT" sz="3000" b="1" i="1" dirty="0">
+              <a:solidFill>
+                <a:srgbClr val="0072C6"/>
+              </a:solidFill>
+            </a:endParaRPr>
+          </a:p>
+        </p:txBody>
+      </p:sp>
+      <p:sp>
+        <p:nvSpPr>
+          <p:cNvPr id="4" name="Rettangolo 3"/>
+          <p:cNvSpPr/>
+          <p:nvPr/>
+        </p:nvSpPr>
+        <p:spPr>
+          <a:xfrm>
+            <a:off x="0" y="6515100"/>
+            <a:ext cx="12192000" cy="342900"/>
+          </a:xfrm>
+          <a:prstGeom prst="rect">
+            <a:avLst/>
+          </a:prstGeom>
+          <a:solidFill>
+            <a:srgbClr val="0072C6"/>
+          </a:solidFill>
+        </p:spPr>
+        <p:style>
+          <a:lnRef idx="2">
+            <a:schemeClr val="accent1">
+              <a:shade val="50000"/>
+            </a:schemeClr>
+          </a:lnRef>
+          <a:fillRef idx="1">
+            <a:schemeClr val="accent1"/>
+          </a:fillRef>
+          <a:effectRef idx="0">
+            <a:schemeClr val="accent1"/>
+          </a:effectRef>
+          <a:fontRef idx="minor">
+            <a:schemeClr val="lt1"/>
+          </a:fontRef>
+        </p:style>
+        <p:txBody>
+          <a:bodyPr rtlCol="0" anchor="ctr"/>
+          <a:lstStyle/>
+          <a:p>
+            <a:pPr algn="ctr"/>
+            <a:endParaRPr lang="it-IT"/>
+          </a:p>
+        </p:txBody>
+      </p:sp>
+      <p:sp>
+        <p:nvSpPr>
+          <p:cNvPr id="7" name="CasellaDiTesto 6"/>
+          <p:cNvSpPr txBox="1"/>
+          <p:nvPr/>
+        </p:nvSpPr>
+        <p:spPr>
+          <a:xfrm>
+            <a:off x="521493" y="1497543"/>
+            <a:ext cx="10579895" cy="5278368"/>
+          </a:xfrm>
+          <a:prstGeom prst="rect">
+            <a:avLst/>
+          </a:prstGeom>
+          <a:noFill/>
+        </p:spPr>
+        <p:txBody>
+          <a:bodyPr wrap="square" rtlCol="0">
+            <a:spAutoFit/>
+          </a:bodyPr>
+          <a:lstStyle/>
+          <a:p>
+            <a:r>
+              <a:rPr lang="it-IT" sz="2800" spc="-100" dirty="0" smtClean="0">
+                <a:ln w="3175">
+                  <a:noFill/>
+                </a:ln>
+                <a:latin typeface="+mj-lt"/>
+                <a:cs typeface="Arial" charset="0"/>
+              </a:rPr>
+              <a:t>L’architettura dati implementata è centralizzata, una possibile alternativa è quella di distribuire le basi dati BRI e BSE.</a:t>
+            </a:r>
+          </a:p>
+          <a:p>
+            <a:endParaRPr lang="it-IT" sz="1500" spc="-100" dirty="0">
+              <a:ln w="3175">
+                <a:noFill/>
+              </a:ln>
+              <a:latin typeface="+mj-lt"/>
+              <a:cs typeface="Arial" charset="0"/>
+            </a:endParaRPr>
+          </a:p>
+          <a:p>
+            <a:r>
+              <a:rPr lang="it-IT" sz="2800" spc="-100" dirty="0" smtClean="0">
+                <a:ln w="3175">
+                  <a:noFill/>
+                </a:ln>
+                <a:latin typeface="+mj-lt"/>
+                <a:cs typeface="Arial" charset="0"/>
+              </a:rPr>
+              <a:t>La scelta di una base dati distribuita introduce problem</a:t>
+            </a:r>
+            <a:r>
+              <a:rPr lang="it-IT" sz="2800" spc="-100" dirty="0" smtClean="0">
+                <a:ln w="3175">
+                  <a:noFill/>
+                </a:ln>
+                <a:latin typeface="+mj-lt"/>
+                <a:cs typeface="Arial" charset="0"/>
+              </a:rPr>
+              <a:t>i di replicazione dati e distribuzione dei frammenti.</a:t>
+            </a:r>
+          </a:p>
+          <a:p>
+            <a:endParaRPr lang="it-IT" sz="1500" spc="-100" dirty="0">
+              <a:ln w="3175">
+                <a:noFill/>
+              </a:ln>
+              <a:latin typeface="+mj-lt"/>
+              <a:cs typeface="Arial" charset="0"/>
+            </a:endParaRPr>
+          </a:p>
+          <a:p>
+            <a:r>
+              <a:rPr lang="it-IT" sz="2800" spc="-100" dirty="0" smtClean="0">
+                <a:ln w="3175">
+                  <a:noFill/>
+                </a:ln>
+                <a:latin typeface="+mj-lt"/>
+                <a:cs typeface="Arial" charset="0"/>
+              </a:rPr>
+              <a:t>Uno studio dettagliato delle operazioni eseguite sulla base dati permette di scegliere l’architettura appropriata.</a:t>
+            </a:r>
+          </a:p>
+          <a:p>
+            <a:endParaRPr lang="it-IT" sz="1500" spc="-100" dirty="0">
+              <a:ln w="3175">
+                <a:noFill/>
+              </a:ln>
+              <a:latin typeface="+mj-lt"/>
+              <a:cs typeface="Arial" charset="0"/>
+            </a:endParaRPr>
+          </a:p>
+          <a:p>
+            <a:r>
+              <a:rPr lang="it-IT" sz="2800" spc="-100" dirty="0" smtClean="0">
+                <a:ln w="3175">
+                  <a:noFill/>
+                </a:ln>
+                <a:latin typeface="+mj-lt"/>
+                <a:cs typeface="Arial" charset="0"/>
+              </a:rPr>
+              <a:t>La scelta di un architettura centralizzata riduce i costi della gestione dei dati (replicazione/frammentazione, mutua esclusione).</a:t>
+            </a:r>
+            <a:endParaRPr lang="it-IT" sz="1000" spc="-100" dirty="0">
+              <a:ln w="3175">
+                <a:noFill/>
+              </a:ln>
+              <a:latin typeface="+mj-lt"/>
+              <a:cs typeface="Arial" charset="0"/>
+            </a:endParaRPr>
+          </a:p>
+          <a:p>
+            <a:pPr lvl="0"/>
+            <a:endParaRPr lang="it-IT" sz="2800" spc="-100" dirty="0" smtClean="0">
+              <a:ln w="3175">
+                <a:noFill/>
+              </a:ln>
+              <a:latin typeface="+mj-lt"/>
+              <a:cs typeface="Arial" charset="0"/>
+            </a:endParaRPr>
+          </a:p>
+          <a:p>
+            <a:pPr lvl="0"/>
+            <a:r>
+              <a:rPr lang="it-IT" sz="2200" spc="-100" dirty="0">
+                <a:ln w="3175">
+                  <a:noFill/>
+                </a:ln>
+                <a:latin typeface="+mj-lt"/>
+                <a:cs typeface="Arial" charset="0"/>
+              </a:rPr>
+              <a:t>NB: per </a:t>
+            </a:r>
+            <a:r>
+              <a:rPr lang="it-IT" sz="2200" spc="-100" dirty="0" smtClean="0">
+                <a:ln w="3175">
+                  <a:noFill/>
+                </a:ln>
+                <a:latin typeface="+mj-lt"/>
+                <a:cs typeface="Arial" charset="0"/>
+              </a:rPr>
+              <a:t>costi </a:t>
+            </a:r>
+            <a:r>
+              <a:rPr lang="it-IT" sz="2200" spc="-100" dirty="0">
+                <a:ln w="3175">
+                  <a:noFill/>
+                </a:ln>
+                <a:latin typeface="+mj-lt"/>
+                <a:cs typeface="Arial" charset="0"/>
+              </a:rPr>
+              <a:t>si </a:t>
+            </a:r>
+            <a:r>
+              <a:rPr lang="it-IT" sz="2200" spc="-100" dirty="0" smtClean="0">
+                <a:ln w="3175">
+                  <a:noFill/>
+                </a:ln>
+                <a:latin typeface="+mj-lt"/>
+                <a:cs typeface="Arial" charset="0"/>
+              </a:rPr>
+              <a:t>intendono le </a:t>
+            </a:r>
+            <a:r>
+              <a:rPr lang="it-IT" sz="2200" spc="-100" dirty="0">
+                <a:ln w="3175">
+                  <a:noFill/>
+                </a:ln>
+                <a:latin typeface="+mj-lt"/>
+                <a:cs typeface="Arial" charset="0"/>
+              </a:rPr>
+              <a:t>risorse utilizzare per svolgere un operazione</a:t>
+            </a:r>
+            <a:endParaRPr lang="it-IT" sz="2200" spc="-100" dirty="0">
+              <a:ln w="3175">
+                <a:noFill/>
+              </a:ln>
+              <a:latin typeface="+mj-lt"/>
+              <a:cs typeface="Arial" charset="0"/>
+            </a:endParaRPr>
+          </a:p>
+          <a:p>
+            <a:endParaRPr lang="it-IT" dirty="0"/>
+          </a:p>
+        </p:txBody>
+      </p:sp>
+    </p:spTree>
+    <p:extLst>
+      <p:ext uri="{BB962C8B-B14F-4D97-AF65-F5344CB8AC3E}">
+        <p14:creationId xmlns:p14="http://schemas.microsoft.com/office/powerpoint/2010/main" val="1606998542"/>
+      </p:ext>
+    </p:extLst>
+  </p:cSld>
+  <p:clrMapOvr>
+    <a:masterClrMapping/>
+  </p:clrMapOvr>
+  <p:transition spd="slow">
+    <p:push dir="u"/>
+  </p:transition>
+  <p:timing>
+    <p:tnLst>
+      <p:par>
+        <p:cTn id="1" dur="indefinite" restart="never" nodeType="tmRoot"/>
+      </p:par>
+    </p:tnLst>
+  </p:timing>
+</p:sld>
+</file>
+
+<file path=ppt/slides/slide69.xml><?xml version="1.0" encoding="utf-8"?>
+<p:sld xmlns:a="http://schemas.openxmlformats.org/drawingml/2006/main" xmlns:r="http://schemas.openxmlformats.org/officeDocument/2006/relationships" xmlns:p="http://schemas.openxmlformats.org/presentationml/2006/main">
+  <p:cSld>
+    <p:spTree>
+      <p:nvGrpSpPr>
+        <p:cNvPr id="1" name=""/>
+        <p:cNvGrpSpPr/>
+        <p:nvPr/>
+      </p:nvGrpSpPr>
+      <p:grpSpPr>
+        <a:xfrm>
+          <a:off x="0" y="0"/>
+          <a:ext cx="0" cy="0"/>
+          <a:chOff x="0" y="0"/>
+          <a:chExt cx="0" cy="0"/>
+        </a:xfrm>
+      </p:grpSpPr>
+      <p:sp>
+        <p:nvSpPr>
+          <p:cNvPr id="5" name="Rettangolo 4"/>
+          <p:cNvSpPr/>
+          <p:nvPr/>
+        </p:nvSpPr>
+        <p:spPr>
+          <a:xfrm>
+            <a:off x="0" y="-28574"/>
+            <a:ext cx="12192000" cy="342900"/>
+          </a:xfrm>
+          <a:prstGeom prst="rect">
+            <a:avLst/>
+          </a:prstGeom>
+          <a:solidFill>
+            <a:srgbClr val="0072C6"/>
+          </a:solidFill>
+        </p:spPr>
+        <p:style>
+          <a:lnRef idx="2">
+            <a:schemeClr val="accent1">
+              <a:shade val="50000"/>
+            </a:schemeClr>
+          </a:lnRef>
+          <a:fillRef idx="1">
+            <a:schemeClr val="accent1"/>
+          </a:fillRef>
+          <a:effectRef idx="0">
+            <a:schemeClr val="accent1"/>
+          </a:effectRef>
+          <a:fontRef idx="minor">
+            <a:schemeClr val="lt1"/>
+          </a:fontRef>
+        </p:style>
+        <p:txBody>
+          <a:bodyPr rtlCol="0" anchor="ctr"/>
+          <a:lstStyle/>
+          <a:p>
+            <a:pPr algn="ctr"/>
+            <a:endParaRPr lang="it-IT"/>
+          </a:p>
+        </p:txBody>
+      </p:sp>
+      <p:sp>
+        <p:nvSpPr>
+          <p:cNvPr id="6" name="Title 2"/>
+          <p:cNvSpPr txBox="1">
+            <a:spLocks/>
+          </p:cNvSpPr>
+          <p:nvPr/>
+        </p:nvSpPr>
+        <p:spPr>
+          <a:xfrm>
+            <a:off x="521493" y="485778"/>
+            <a:ext cx="11149013" cy="868889"/>
+          </a:xfrm>
+          <a:prstGeom prst="rect">
+            <a:avLst/>
+          </a:prstGeom>
+        </p:spPr>
+        <p:txBody>
+          <a:bodyPr/>
+          <a:lstStyle>
+            <a:lvl1pPr algn="l" defTabSz="914363" rtl="0" eaLnBrk="1" latinLnBrk="0" hangingPunct="1">
+              <a:lnSpc>
+                <a:spcPct val="90000"/>
+              </a:lnSpc>
+              <a:spcBef>
+                <a:spcPct val="0"/>
+              </a:spcBef>
+              <a:buNone/>
+              <a:defRPr lang="en-US" sz="5400" b="0" kern="1200" cap="none" spc="-100" baseline="0" dirty="0" smtClean="0">
+                <a:ln w="3175">
+                  <a:noFill/>
+                </a:ln>
+                <a:gradFill>
+                  <a:gsLst>
+                    <a:gs pos="1250">
+                      <a:schemeClr val="tx2"/>
+                    </a:gs>
+                    <a:gs pos="100000">
+                      <a:schemeClr val="tx2"/>
+                    </a:gs>
+                  </a:gsLst>
+                  <a:lin ang="5400000" scaled="0"/>
+                </a:gradFill>
+                <a:effectLst/>
+                <a:latin typeface="+mj-lt"/>
+                <a:ea typeface="+mn-ea"/>
+                <a:cs typeface="Arial" charset="0"/>
+              </a:defRPr>
+            </a:lvl1pPr>
+          </a:lstStyle>
+          <a:p>
+            <a:r>
+              <a:rPr lang="it-IT" b="1" dirty="0" smtClean="0">
+                <a:solidFill>
+                  <a:srgbClr val="0072C6"/>
+                </a:solidFill>
+              </a:rPr>
+              <a:t>Frammentazione BSE</a:t>
+            </a:r>
+            <a:endParaRPr lang="it-IT" b="1" dirty="0" smtClean="0">
+              <a:solidFill>
+                <a:srgbClr val="0072C6"/>
+              </a:solidFill>
+            </a:endParaRPr>
+          </a:p>
+          <a:p>
+            <a:endParaRPr lang="it-IT" sz="1500" b="1" i="1" dirty="0" smtClean="0">
+              <a:solidFill>
+                <a:srgbClr val="0072C6"/>
+              </a:solidFill>
+            </a:endParaRPr>
+          </a:p>
+          <a:p>
+            <a:endParaRPr lang="it-IT" sz="1000" b="1" i="1" dirty="0" smtClean="0">
+              <a:solidFill>
+                <a:srgbClr val="0072C6"/>
+              </a:solidFill>
+            </a:endParaRPr>
+          </a:p>
+          <a:p>
+            <a:pPr lvl="0"/>
+            <a:endParaRPr lang="it-IT" sz="3200" dirty="0">
+              <a:solidFill>
+                <a:schemeClr val="tx1"/>
+              </a:solidFill>
+            </a:endParaRPr>
+          </a:p>
+          <a:p>
+            <a:pPr marL="457200" lvl="0" indent="-457200">
+              <a:buFont typeface="Arial" panose="020B0604020202020204" pitchFamily="34" charset="0"/>
+              <a:buChar char="•"/>
+            </a:pPr>
+            <a:endParaRPr lang="it-IT" sz="3000" b="1" i="1" dirty="0" smtClean="0">
+              <a:solidFill>
+                <a:srgbClr val="0072C6"/>
+              </a:solidFill>
+            </a:endParaRPr>
+          </a:p>
+          <a:p>
+            <a:pPr lvl="0"/>
+            <a:endParaRPr lang="it-IT" sz="3000" b="1" i="1" dirty="0" smtClean="0">
+              <a:solidFill>
+                <a:srgbClr val="0072C6"/>
+              </a:solidFill>
+            </a:endParaRPr>
+          </a:p>
+          <a:p>
+            <a:pPr marL="457200" lvl="0" indent="-457200">
+              <a:buFont typeface="Arial" panose="020B0604020202020204" pitchFamily="34" charset="0"/>
+              <a:buChar char="•"/>
+            </a:pPr>
+            <a:endParaRPr lang="it-IT" sz="5000" b="1" i="1" dirty="0">
+              <a:solidFill>
+                <a:srgbClr val="0072C6"/>
+              </a:solidFill>
+            </a:endParaRPr>
+          </a:p>
+          <a:p>
+            <a:endParaRPr lang="it-IT" sz="5000" b="1" i="1" dirty="0" smtClean="0">
+              <a:solidFill>
+                <a:srgbClr val="0072C6"/>
+              </a:solidFill>
+            </a:endParaRPr>
+          </a:p>
+          <a:p>
+            <a:endParaRPr lang="it-IT" sz="3000" b="1" i="1" dirty="0">
+              <a:solidFill>
+                <a:srgbClr val="0072C6"/>
+              </a:solidFill>
+            </a:endParaRPr>
+          </a:p>
+        </p:txBody>
+      </p:sp>
+      <p:sp>
+        <p:nvSpPr>
+          <p:cNvPr id="4" name="Rettangolo 3"/>
+          <p:cNvSpPr/>
+          <p:nvPr/>
+        </p:nvSpPr>
+        <p:spPr>
+          <a:xfrm>
+            <a:off x="0" y="6515100"/>
+            <a:ext cx="12192000" cy="342900"/>
+          </a:xfrm>
+          <a:prstGeom prst="rect">
+            <a:avLst/>
+          </a:prstGeom>
+          <a:solidFill>
+            <a:srgbClr val="0072C6"/>
+          </a:solidFill>
+        </p:spPr>
+        <p:style>
+          <a:lnRef idx="2">
+            <a:schemeClr val="accent1">
+              <a:shade val="50000"/>
+            </a:schemeClr>
+          </a:lnRef>
+          <a:fillRef idx="1">
+            <a:schemeClr val="accent1"/>
+          </a:fillRef>
+          <a:effectRef idx="0">
+            <a:schemeClr val="accent1"/>
+          </a:effectRef>
+          <a:fontRef idx="minor">
+            <a:schemeClr val="lt1"/>
+          </a:fontRef>
+        </p:style>
+        <p:txBody>
+          <a:bodyPr rtlCol="0" anchor="ctr"/>
+          <a:lstStyle/>
+          <a:p>
+            <a:pPr algn="ctr"/>
+            <a:endParaRPr lang="it-IT"/>
+          </a:p>
+        </p:txBody>
+      </p:sp>
+      <p:sp>
+        <p:nvSpPr>
+          <p:cNvPr id="7" name="CasellaDiTesto 6"/>
+          <p:cNvSpPr txBox="1"/>
+          <p:nvPr/>
+        </p:nvSpPr>
+        <p:spPr>
+          <a:xfrm>
+            <a:off x="521493" y="1497543"/>
+            <a:ext cx="10579895" cy="954107"/>
+          </a:xfrm>
+          <a:prstGeom prst="rect">
+            <a:avLst/>
+          </a:prstGeom>
+          <a:noFill/>
+        </p:spPr>
+        <p:txBody>
+          <a:bodyPr wrap="square" rtlCol="0">
+            <a:spAutoFit/>
+          </a:bodyPr>
+          <a:lstStyle/>
+          <a:p>
+            <a:pPr lvl="0"/>
+            <a:endParaRPr lang="it-IT" sz="2800" spc="-100" dirty="0" smtClean="0">
+              <a:ln w="3175">
+                <a:noFill/>
+              </a:ln>
+              <a:latin typeface="+mj-lt"/>
+              <a:cs typeface="Arial" charset="0"/>
+            </a:endParaRPr>
+          </a:p>
+          <a:p>
+            <a:pPr lvl="0"/>
+            <a:endParaRPr lang="it-IT" sz="1000" spc="-100" dirty="0">
+              <a:ln w="3175">
+                <a:noFill/>
+              </a:ln>
+              <a:latin typeface="+mj-lt"/>
+              <a:cs typeface="Arial" charset="0"/>
+            </a:endParaRPr>
+          </a:p>
+          <a:p>
+            <a:endParaRPr lang="it-IT" dirty="0"/>
+          </a:p>
+        </p:txBody>
+      </p:sp>
+      <p:sp>
+        <p:nvSpPr>
+          <p:cNvPr id="8" name="CasellaDiTesto 7"/>
+          <p:cNvSpPr txBox="1"/>
+          <p:nvPr/>
+        </p:nvSpPr>
+        <p:spPr>
+          <a:xfrm>
+            <a:off x="521493" y="1254651"/>
+            <a:ext cx="11279982" cy="6109365"/>
+          </a:xfrm>
+          <a:prstGeom prst="rect">
+            <a:avLst/>
+          </a:prstGeom>
+          <a:noFill/>
+        </p:spPr>
+        <p:txBody>
+          <a:bodyPr wrap="square" rtlCol="0">
+            <a:spAutoFit/>
+          </a:bodyPr>
+          <a:lstStyle/>
+          <a:p>
+            <a:r>
+              <a:rPr lang="it-IT" sz="2800" spc="-100" dirty="0" smtClean="0">
+                <a:ln w="3175">
+                  <a:noFill/>
+                </a:ln>
+                <a:latin typeface="+mj-lt"/>
+                <a:cs typeface="Arial" charset="0"/>
+              </a:rPr>
+              <a:t>Le informazioni  che è possibile </a:t>
+            </a:r>
+            <a:r>
+              <a:rPr lang="it-IT" sz="2800" i="1" spc="-100" dirty="0" smtClean="0">
+                <a:ln w="3175">
+                  <a:noFill/>
+                </a:ln>
+                <a:latin typeface="+mj-lt"/>
+                <a:cs typeface="Arial" charset="0"/>
+              </a:rPr>
+              <a:t>frammentare orizzontalmente</a:t>
+            </a:r>
+            <a:r>
+              <a:rPr lang="it-IT" sz="2800" spc="-100" dirty="0" smtClean="0">
+                <a:ln w="3175">
+                  <a:noFill/>
+                </a:ln>
+                <a:latin typeface="+mj-lt"/>
+                <a:cs typeface="Arial" charset="0"/>
+              </a:rPr>
+              <a:t>, sono le seguenti :</a:t>
+            </a:r>
+          </a:p>
+          <a:p>
+            <a:endParaRPr lang="it-IT" sz="1500" spc="-100" dirty="0">
+              <a:ln w="3175">
+                <a:noFill/>
+              </a:ln>
+              <a:latin typeface="+mj-lt"/>
+              <a:cs typeface="Arial" charset="0"/>
+            </a:endParaRPr>
+          </a:p>
+          <a:p>
+            <a:pPr marL="457200" indent="-457200">
+              <a:buFont typeface="Arial" panose="020B0604020202020204" pitchFamily="34" charset="0"/>
+              <a:buChar char="•"/>
+            </a:pPr>
+            <a:r>
+              <a:rPr lang="it-IT" sz="2800" spc="-100" dirty="0" smtClean="0">
+                <a:ln w="3175">
+                  <a:noFill/>
+                </a:ln>
+                <a:latin typeface="+mj-lt"/>
+                <a:cs typeface="Arial" charset="0"/>
+              </a:rPr>
+              <a:t>Squadre di emergenza </a:t>
+            </a:r>
+          </a:p>
+          <a:p>
+            <a:pPr marL="457200" indent="-457200">
+              <a:buFont typeface="Arial" panose="020B0604020202020204" pitchFamily="34" charset="0"/>
+              <a:buChar char="•"/>
+            </a:pPr>
+            <a:r>
+              <a:rPr lang="it-IT" sz="2800" spc="-100" dirty="0" smtClean="0">
+                <a:ln w="3175">
+                  <a:noFill/>
+                </a:ln>
+                <a:latin typeface="+mj-lt"/>
+                <a:cs typeface="Arial" charset="0"/>
+              </a:rPr>
+              <a:t>Pianificazione spostamento</a:t>
+            </a:r>
+          </a:p>
+          <a:p>
+            <a:pPr marL="457200" indent="-457200">
+              <a:buFont typeface="Arial" panose="020B0604020202020204" pitchFamily="34" charset="0"/>
+              <a:buChar char="•"/>
+            </a:pPr>
+            <a:r>
+              <a:rPr lang="it-IT" sz="2800" spc="-100" dirty="0" smtClean="0">
+                <a:ln w="3175">
+                  <a:noFill/>
+                </a:ln>
+                <a:latin typeface="+mj-lt"/>
+                <a:cs typeface="Arial" charset="0"/>
+              </a:rPr>
+              <a:t>Sede operativa</a:t>
+            </a:r>
+          </a:p>
+          <a:p>
+            <a:pPr marL="457200" indent="-457200">
+              <a:buFont typeface="Arial" panose="020B0604020202020204" pitchFamily="34" charset="0"/>
+              <a:buChar char="•"/>
+            </a:pPr>
+            <a:r>
+              <a:rPr lang="it-IT" sz="2800" spc="-100" dirty="0" smtClean="0">
+                <a:ln w="3175">
+                  <a:noFill/>
+                </a:ln>
+                <a:latin typeface="+mj-lt"/>
+                <a:cs typeface="Arial" charset="0"/>
+              </a:rPr>
+              <a:t>Operatore centro di supervisione</a:t>
+            </a:r>
+          </a:p>
+          <a:p>
+            <a:pPr marL="457200" indent="-457200">
+              <a:buFont typeface="Arial" panose="020B0604020202020204" pitchFamily="34" charset="0"/>
+              <a:buChar char="•"/>
+            </a:pPr>
+            <a:r>
+              <a:rPr lang="it-IT" sz="2800" spc="-100" dirty="0" smtClean="0">
+                <a:ln w="3175">
+                  <a:noFill/>
+                </a:ln>
+                <a:latin typeface="+mj-lt"/>
+                <a:cs typeface="Arial" charset="0"/>
+              </a:rPr>
+              <a:t>Sensore idrico</a:t>
+            </a:r>
+          </a:p>
+          <a:p>
+            <a:pPr marL="457200" indent="-457200">
+              <a:buFont typeface="Arial" panose="020B0604020202020204" pitchFamily="34" charset="0"/>
+              <a:buChar char="•"/>
+            </a:pPr>
+            <a:r>
+              <a:rPr lang="it-IT" sz="2800" spc="-100" dirty="0" smtClean="0">
+                <a:ln w="3175">
+                  <a:noFill/>
+                </a:ln>
+                <a:latin typeface="+mj-lt"/>
+                <a:cs typeface="Arial" charset="0"/>
+              </a:rPr>
+              <a:t>SEP</a:t>
+            </a:r>
+            <a:endParaRPr lang="it-IT" sz="2800" spc="-100" dirty="0">
+              <a:ln w="3175">
+                <a:noFill/>
+              </a:ln>
+              <a:latin typeface="+mj-lt"/>
+              <a:cs typeface="Arial" charset="0"/>
+            </a:endParaRPr>
+          </a:p>
+          <a:p>
+            <a:endParaRPr lang="it-IT" sz="1500" spc="-100" dirty="0" smtClean="0">
+              <a:ln w="3175">
+                <a:noFill/>
+              </a:ln>
+              <a:latin typeface="+mj-lt"/>
+              <a:cs typeface="Arial" charset="0"/>
+            </a:endParaRPr>
+          </a:p>
+          <a:p>
+            <a:r>
+              <a:rPr lang="it-IT" sz="2800" spc="-100" dirty="0" smtClean="0">
+                <a:ln w="3175">
+                  <a:noFill/>
+                </a:ln>
+                <a:latin typeface="+mj-lt"/>
+                <a:cs typeface="Arial" charset="0"/>
+              </a:rPr>
+              <a:t>Supponiamo una </a:t>
+            </a:r>
+            <a:r>
+              <a:rPr lang="it-IT" sz="2800" i="1" spc="-100" dirty="0" smtClean="0">
+                <a:ln w="3175">
+                  <a:noFill/>
+                </a:ln>
+                <a:latin typeface="+mj-lt"/>
+                <a:cs typeface="Arial" charset="0"/>
+              </a:rPr>
+              <a:t>frammentazione orizzontale </a:t>
+            </a:r>
+            <a:r>
+              <a:rPr lang="it-IT" sz="2800" spc="-100" dirty="0" smtClean="0">
+                <a:ln w="3175">
+                  <a:noFill/>
+                </a:ln>
+                <a:latin typeface="+mj-lt"/>
+                <a:cs typeface="Arial" charset="0"/>
+              </a:rPr>
+              <a:t>su 20 regioni. (quindi 20 nodi distribuiti)</a:t>
+            </a:r>
+          </a:p>
+          <a:p>
+            <a:endParaRPr lang="it-IT" sz="1500" spc="-100" dirty="0">
+              <a:ln w="3175">
+                <a:noFill/>
+              </a:ln>
+              <a:latin typeface="+mj-lt"/>
+              <a:cs typeface="Arial" charset="0"/>
+            </a:endParaRPr>
+          </a:p>
+          <a:p>
+            <a:endParaRPr lang="it-IT" sz="2800" spc="-100" dirty="0" smtClean="0">
+              <a:ln w="3175">
+                <a:noFill/>
+              </a:ln>
+              <a:latin typeface="+mj-lt"/>
+              <a:cs typeface="Arial" charset="0"/>
+            </a:endParaRPr>
+          </a:p>
+          <a:p>
+            <a:endParaRPr lang="it-IT" sz="1000" spc="-100" dirty="0">
+              <a:ln w="3175">
+                <a:noFill/>
+              </a:ln>
+              <a:latin typeface="+mj-lt"/>
+              <a:cs typeface="Arial" charset="0"/>
+            </a:endParaRPr>
+          </a:p>
+          <a:p>
+            <a:pPr lvl="0"/>
+            <a:endParaRPr lang="it-IT" sz="2800" spc="-100" dirty="0" smtClean="0">
+              <a:ln w="3175">
+                <a:noFill/>
+              </a:ln>
+              <a:latin typeface="+mj-lt"/>
+              <a:cs typeface="Arial" charset="0"/>
+            </a:endParaRPr>
+          </a:p>
+          <a:p>
+            <a:pPr lvl="0"/>
+            <a:endParaRPr lang="it-IT" sz="1000" spc="-100" dirty="0">
+              <a:ln w="3175">
+                <a:noFill/>
+              </a:ln>
+              <a:latin typeface="+mj-lt"/>
+              <a:cs typeface="Arial" charset="0"/>
+            </a:endParaRPr>
+          </a:p>
+          <a:p>
+            <a:endParaRPr lang="it-IT" dirty="0"/>
+          </a:p>
+        </p:txBody>
+      </p:sp>
+    </p:spTree>
+    <p:extLst>
+      <p:ext uri="{BB962C8B-B14F-4D97-AF65-F5344CB8AC3E}">
+        <p14:creationId xmlns:p14="http://schemas.microsoft.com/office/powerpoint/2010/main" val="2508628043"/>
       </p:ext>
     </p:extLst>
   </p:cSld>
@@ -28236,25 +29524,8 @@
                 <a:latin typeface="+mj-lt"/>
                 <a:cs typeface="Arial" charset="0"/>
               </a:rPr>
-              <a:t>La pianificazione degli spostamenti delle squadre di emergenza non viene svolta in automatico dal </a:t>
-            </a:r>
-            <a:r>
-              <a:rPr lang="it-IT" sz="3200" spc="-100" dirty="0" smtClean="0">
-                <a:ln w="3175">
-                  <a:noFill/>
-                </a:ln>
-                <a:latin typeface="+mj-lt"/>
-                <a:cs typeface="Arial" charset="0"/>
-              </a:rPr>
-              <a:t>sistema</a:t>
-            </a:r>
-            <a:endParaRPr lang="it-IT" sz="3200" spc="-100" dirty="0" smtClean="0">
-              <a:ln w="3175">
-                <a:noFill/>
-              </a:ln>
-              <a:latin typeface="+mj-lt"/>
-              <a:cs typeface="Arial" charset="0"/>
-            </a:endParaRPr>
+              <a:t>La pianificazione degli spostamenti delle squadre di emergenza non viene svolta in automatico dal sistema</a:t>
+            </a:r>
           </a:p>
           <a:p>
             <a:pPr marL="457200" lvl="0" indent="-457200">
@@ -28282,17 +29553,7 @@
                 <a:latin typeface="+mj-lt"/>
                 <a:cs typeface="Arial" charset="0"/>
               </a:rPr>
-              <a:t>Il campo regione della tabella nodo d’acqua in BRI e il campo denominazione della tabella regione in BDM hanno lo stesso </a:t>
-            </a:r>
-            <a:r>
-              <a:rPr lang="it-IT" sz="3200" spc="-100" dirty="0" smtClean="0">
-                <a:ln w="3175">
-                  <a:noFill/>
-                </a:ln>
-                <a:latin typeface="+mj-lt"/>
-                <a:cs typeface="Arial" charset="0"/>
-              </a:rPr>
-              <a:t>dominio</a:t>
+              <a:t>Il campo regione della tabella nodo d’acqua in BRI e il campo denominazione della tabella regione in BDM hanno lo stesso dominio</a:t>
             </a:r>
             <a:endParaRPr lang="it-IT" sz="3200" spc="-100" dirty="0">
               <a:ln w="3175">
@@ -28446,6 +29707,4089 @@
     <p:extLst>
       <p:ext uri="{BB962C8B-B14F-4D97-AF65-F5344CB8AC3E}">
         <p14:creationId xmlns:p14="http://schemas.microsoft.com/office/powerpoint/2010/main" val="1192680237"/>
+      </p:ext>
+    </p:extLst>
+  </p:cSld>
+  <p:clrMapOvr>
+    <a:masterClrMapping/>
+  </p:clrMapOvr>
+  <p:transition spd="slow">
+    <p:push dir="u"/>
+  </p:transition>
+  <p:timing>
+    <p:tnLst>
+      <p:par>
+        <p:cTn id="1" dur="indefinite" restart="never" nodeType="tmRoot"/>
+      </p:par>
+    </p:tnLst>
+  </p:timing>
+</p:sld>
+</file>
+
+<file path=ppt/slides/slide70.xml><?xml version="1.0" encoding="utf-8"?>
+<p:sld xmlns:a="http://schemas.openxmlformats.org/drawingml/2006/main" xmlns:r="http://schemas.openxmlformats.org/officeDocument/2006/relationships" xmlns:p="http://schemas.openxmlformats.org/presentationml/2006/main">
+  <p:cSld>
+    <p:spTree>
+      <p:nvGrpSpPr>
+        <p:cNvPr id="1" name=""/>
+        <p:cNvGrpSpPr/>
+        <p:nvPr/>
+      </p:nvGrpSpPr>
+      <p:grpSpPr>
+        <a:xfrm>
+          <a:off x="0" y="0"/>
+          <a:ext cx="0" cy="0"/>
+          <a:chOff x="0" y="0"/>
+          <a:chExt cx="0" cy="0"/>
+        </a:xfrm>
+      </p:grpSpPr>
+      <p:sp>
+        <p:nvSpPr>
+          <p:cNvPr id="5" name="Rettangolo 4"/>
+          <p:cNvSpPr/>
+          <p:nvPr/>
+        </p:nvSpPr>
+        <p:spPr>
+          <a:xfrm>
+            <a:off x="0" y="-28574"/>
+            <a:ext cx="12192000" cy="342900"/>
+          </a:xfrm>
+          <a:prstGeom prst="rect">
+            <a:avLst/>
+          </a:prstGeom>
+          <a:solidFill>
+            <a:srgbClr val="0072C6"/>
+          </a:solidFill>
+        </p:spPr>
+        <p:style>
+          <a:lnRef idx="2">
+            <a:schemeClr val="accent1">
+              <a:shade val="50000"/>
+            </a:schemeClr>
+          </a:lnRef>
+          <a:fillRef idx="1">
+            <a:schemeClr val="accent1"/>
+          </a:fillRef>
+          <a:effectRef idx="0">
+            <a:schemeClr val="accent1"/>
+          </a:effectRef>
+          <a:fontRef idx="minor">
+            <a:schemeClr val="lt1"/>
+          </a:fontRef>
+        </p:style>
+        <p:txBody>
+          <a:bodyPr rtlCol="0" anchor="ctr"/>
+          <a:lstStyle/>
+          <a:p>
+            <a:pPr algn="ctr"/>
+            <a:endParaRPr lang="it-IT"/>
+          </a:p>
+        </p:txBody>
+      </p:sp>
+      <p:sp>
+        <p:nvSpPr>
+          <p:cNvPr id="6" name="Title 2"/>
+          <p:cNvSpPr txBox="1">
+            <a:spLocks/>
+          </p:cNvSpPr>
+          <p:nvPr/>
+        </p:nvSpPr>
+        <p:spPr>
+          <a:xfrm>
+            <a:off x="521493" y="485778"/>
+            <a:ext cx="11149013" cy="868889"/>
+          </a:xfrm>
+          <a:prstGeom prst="rect">
+            <a:avLst/>
+          </a:prstGeom>
+        </p:spPr>
+        <p:txBody>
+          <a:bodyPr/>
+          <a:lstStyle>
+            <a:lvl1pPr algn="l" defTabSz="914363" rtl="0" eaLnBrk="1" latinLnBrk="0" hangingPunct="1">
+              <a:lnSpc>
+                <a:spcPct val="90000"/>
+              </a:lnSpc>
+              <a:spcBef>
+                <a:spcPct val="0"/>
+              </a:spcBef>
+              <a:buNone/>
+              <a:defRPr lang="en-US" sz="5400" b="0" kern="1200" cap="none" spc="-100" baseline="0" dirty="0" smtClean="0">
+                <a:ln w="3175">
+                  <a:noFill/>
+                </a:ln>
+                <a:gradFill>
+                  <a:gsLst>
+                    <a:gs pos="1250">
+                      <a:schemeClr val="tx2"/>
+                    </a:gs>
+                    <a:gs pos="100000">
+                      <a:schemeClr val="tx2"/>
+                    </a:gs>
+                  </a:gsLst>
+                  <a:lin ang="5400000" scaled="0"/>
+                </a:gradFill>
+                <a:effectLst/>
+                <a:latin typeface="+mj-lt"/>
+                <a:ea typeface="+mn-ea"/>
+                <a:cs typeface="Arial" charset="0"/>
+              </a:defRPr>
+            </a:lvl1pPr>
+          </a:lstStyle>
+          <a:p>
+            <a:r>
+              <a:rPr lang="it-IT" b="1" dirty="0" smtClean="0">
+                <a:solidFill>
+                  <a:srgbClr val="0072C6"/>
+                </a:solidFill>
+              </a:rPr>
+              <a:t>Replicazione BSE</a:t>
+            </a:r>
+            <a:endParaRPr lang="it-IT" b="1" dirty="0" smtClean="0">
+              <a:solidFill>
+                <a:srgbClr val="0072C6"/>
+              </a:solidFill>
+            </a:endParaRPr>
+          </a:p>
+          <a:p>
+            <a:endParaRPr lang="it-IT" sz="1500" b="1" i="1" dirty="0" smtClean="0">
+              <a:solidFill>
+                <a:srgbClr val="0072C6"/>
+              </a:solidFill>
+            </a:endParaRPr>
+          </a:p>
+          <a:p>
+            <a:endParaRPr lang="it-IT" sz="1000" b="1" i="1" dirty="0" smtClean="0">
+              <a:solidFill>
+                <a:srgbClr val="0072C6"/>
+              </a:solidFill>
+            </a:endParaRPr>
+          </a:p>
+          <a:p>
+            <a:pPr lvl="0"/>
+            <a:endParaRPr lang="it-IT" sz="3200" dirty="0">
+              <a:solidFill>
+                <a:schemeClr val="tx1"/>
+              </a:solidFill>
+            </a:endParaRPr>
+          </a:p>
+          <a:p>
+            <a:pPr marL="457200" lvl="0" indent="-457200">
+              <a:buFont typeface="Arial" panose="020B0604020202020204" pitchFamily="34" charset="0"/>
+              <a:buChar char="•"/>
+            </a:pPr>
+            <a:endParaRPr lang="it-IT" sz="3000" b="1" i="1" dirty="0" smtClean="0">
+              <a:solidFill>
+                <a:srgbClr val="0072C6"/>
+              </a:solidFill>
+            </a:endParaRPr>
+          </a:p>
+          <a:p>
+            <a:pPr lvl="0"/>
+            <a:endParaRPr lang="it-IT" sz="3000" b="1" i="1" dirty="0" smtClean="0">
+              <a:solidFill>
+                <a:srgbClr val="0072C6"/>
+              </a:solidFill>
+            </a:endParaRPr>
+          </a:p>
+          <a:p>
+            <a:pPr marL="457200" lvl="0" indent="-457200">
+              <a:buFont typeface="Arial" panose="020B0604020202020204" pitchFamily="34" charset="0"/>
+              <a:buChar char="•"/>
+            </a:pPr>
+            <a:endParaRPr lang="it-IT" sz="5000" b="1" i="1" dirty="0">
+              <a:solidFill>
+                <a:srgbClr val="0072C6"/>
+              </a:solidFill>
+            </a:endParaRPr>
+          </a:p>
+          <a:p>
+            <a:endParaRPr lang="it-IT" sz="5000" b="1" i="1" dirty="0" smtClean="0">
+              <a:solidFill>
+                <a:srgbClr val="0072C6"/>
+              </a:solidFill>
+            </a:endParaRPr>
+          </a:p>
+          <a:p>
+            <a:endParaRPr lang="it-IT" sz="3000" b="1" i="1" dirty="0">
+              <a:solidFill>
+                <a:srgbClr val="0072C6"/>
+              </a:solidFill>
+            </a:endParaRPr>
+          </a:p>
+        </p:txBody>
+      </p:sp>
+      <p:sp>
+        <p:nvSpPr>
+          <p:cNvPr id="4" name="Rettangolo 3"/>
+          <p:cNvSpPr/>
+          <p:nvPr/>
+        </p:nvSpPr>
+        <p:spPr>
+          <a:xfrm>
+            <a:off x="0" y="6515100"/>
+            <a:ext cx="12192000" cy="342900"/>
+          </a:xfrm>
+          <a:prstGeom prst="rect">
+            <a:avLst/>
+          </a:prstGeom>
+          <a:solidFill>
+            <a:srgbClr val="0072C6"/>
+          </a:solidFill>
+        </p:spPr>
+        <p:style>
+          <a:lnRef idx="2">
+            <a:schemeClr val="accent1">
+              <a:shade val="50000"/>
+            </a:schemeClr>
+          </a:lnRef>
+          <a:fillRef idx="1">
+            <a:schemeClr val="accent1"/>
+          </a:fillRef>
+          <a:effectRef idx="0">
+            <a:schemeClr val="accent1"/>
+          </a:effectRef>
+          <a:fontRef idx="minor">
+            <a:schemeClr val="lt1"/>
+          </a:fontRef>
+        </p:style>
+        <p:txBody>
+          <a:bodyPr rtlCol="0" anchor="ctr"/>
+          <a:lstStyle/>
+          <a:p>
+            <a:pPr algn="ctr"/>
+            <a:endParaRPr lang="it-IT"/>
+          </a:p>
+        </p:txBody>
+      </p:sp>
+      <p:sp>
+        <p:nvSpPr>
+          <p:cNvPr id="7" name="CasellaDiTesto 6"/>
+          <p:cNvSpPr txBox="1"/>
+          <p:nvPr/>
+        </p:nvSpPr>
+        <p:spPr>
+          <a:xfrm>
+            <a:off x="521493" y="1497543"/>
+            <a:ext cx="10579895" cy="954107"/>
+          </a:xfrm>
+          <a:prstGeom prst="rect">
+            <a:avLst/>
+          </a:prstGeom>
+          <a:noFill/>
+        </p:spPr>
+        <p:txBody>
+          <a:bodyPr wrap="square" rtlCol="0">
+            <a:spAutoFit/>
+          </a:bodyPr>
+          <a:lstStyle/>
+          <a:p>
+            <a:pPr lvl="0"/>
+            <a:endParaRPr lang="it-IT" sz="2800" spc="-100" dirty="0" smtClean="0">
+              <a:ln w="3175">
+                <a:noFill/>
+              </a:ln>
+              <a:latin typeface="+mj-lt"/>
+              <a:cs typeface="Arial" charset="0"/>
+            </a:endParaRPr>
+          </a:p>
+          <a:p>
+            <a:pPr lvl="0"/>
+            <a:endParaRPr lang="it-IT" sz="1000" spc="-100" dirty="0">
+              <a:ln w="3175">
+                <a:noFill/>
+              </a:ln>
+              <a:latin typeface="+mj-lt"/>
+              <a:cs typeface="Arial" charset="0"/>
+            </a:endParaRPr>
+          </a:p>
+          <a:p>
+            <a:endParaRPr lang="it-IT" dirty="0"/>
+          </a:p>
+        </p:txBody>
+      </p:sp>
+      <p:sp>
+        <p:nvSpPr>
+          <p:cNvPr id="8" name="CasellaDiTesto 7"/>
+          <p:cNvSpPr txBox="1"/>
+          <p:nvPr/>
+        </p:nvSpPr>
+        <p:spPr>
+          <a:xfrm>
+            <a:off x="521493" y="1311803"/>
+            <a:ext cx="11279982" cy="5693866"/>
+          </a:xfrm>
+          <a:prstGeom prst="rect">
+            <a:avLst/>
+          </a:prstGeom>
+          <a:noFill/>
+        </p:spPr>
+        <p:txBody>
+          <a:bodyPr wrap="square" rtlCol="0">
+            <a:spAutoFit/>
+          </a:bodyPr>
+          <a:lstStyle/>
+          <a:p>
+            <a:r>
+              <a:rPr lang="it-IT" sz="2800" spc="-100" dirty="0" smtClean="0">
+                <a:ln w="3175">
+                  <a:noFill/>
+                </a:ln>
+                <a:latin typeface="+mj-lt"/>
+                <a:cs typeface="Arial" charset="0"/>
+              </a:rPr>
+              <a:t>Le informazioni per cui  è necessaria la </a:t>
+            </a:r>
+            <a:r>
+              <a:rPr lang="it-IT" sz="2800" i="1" spc="-100" dirty="0" smtClean="0">
+                <a:ln w="3175">
+                  <a:noFill/>
+                </a:ln>
+                <a:latin typeface="+mj-lt"/>
+                <a:cs typeface="Arial" charset="0"/>
+              </a:rPr>
+              <a:t>replicazione, </a:t>
+            </a:r>
+            <a:r>
+              <a:rPr lang="it-IT" sz="2800" spc="-100" dirty="0" smtClean="0">
+                <a:ln w="3175">
+                  <a:noFill/>
+                </a:ln>
+                <a:latin typeface="+mj-lt"/>
+                <a:cs typeface="Arial" charset="0"/>
+              </a:rPr>
+              <a:t>sono le seguenti :</a:t>
+            </a:r>
+          </a:p>
+          <a:p>
+            <a:endParaRPr lang="it-IT" sz="2800" spc="-100" dirty="0">
+              <a:ln w="3175">
+                <a:noFill/>
+              </a:ln>
+              <a:latin typeface="+mj-lt"/>
+              <a:cs typeface="Arial" charset="0"/>
+            </a:endParaRPr>
+          </a:p>
+          <a:p>
+            <a:pPr marL="457200" indent="-457200">
+              <a:buFont typeface="Arial" panose="020B0604020202020204" pitchFamily="34" charset="0"/>
+              <a:buChar char="•"/>
+            </a:pPr>
+            <a:r>
+              <a:rPr lang="it-IT" sz="2800" spc="-100" dirty="0" smtClean="0">
+                <a:ln w="3175">
+                  <a:noFill/>
+                </a:ln>
+                <a:latin typeface="+mj-lt"/>
+                <a:cs typeface="Arial" charset="0"/>
+              </a:rPr>
+              <a:t>SEP</a:t>
+            </a:r>
+          </a:p>
+          <a:p>
+            <a:endParaRPr lang="it-IT" sz="1500" spc="-100" dirty="0" smtClean="0">
+              <a:ln w="3175">
+                <a:noFill/>
+              </a:ln>
+              <a:latin typeface="+mj-lt"/>
+              <a:cs typeface="Arial" charset="0"/>
+            </a:endParaRPr>
+          </a:p>
+          <a:p>
+            <a:r>
+              <a:rPr lang="it-IT" sz="2800" spc="-100" dirty="0" smtClean="0">
+                <a:ln w="3175">
+                  <a:noFill/>
+                </a:ln>
+                <a:latin typeface="+mj-lt"/>
+                <a:cs typeface="Arial" charset="0"/>
+              </a:rPr>
+              <a:t>Le situazioni di emergenza potenziale comuni a più regioni, sono informazioni da replicare su ogni nodo dell’istanza distribuita.</a:t>
+            </a:r>
+          </a:p>
+          <a:p>
+            <a:endParaRPr lang="it-IT" sz="1500" spc="-100" dirty="0">
+              <a:ln w="3175">
+                <a:noFill/>
+              </a:ln>
+              <a:latin typeface="+mj-lt"/>
+              <a:cs typeface="Arial" charset="0"/>
+            </a:endParaRPr>
+          </a:p>
+          <a:p>
+            <a:r>
+              <a:rPr lang="it-IT" sz="2800" spc="-100" dirty="0" smtClean="0">
+                <a:ln w="3175">
+                  <a:noFill/>
+                </a:ln>
+                <a:latin typeface="+mj-lt"/>
+                <a:cs typeface="Arial" charset="0"/>
+              </a:rPr>
+              <a:t>La gestione della replicazione delle informazioni, implica l’utilizzo di una strategia di </a:t>
+            </a:r>
+            <a:r>
+              <a:rPr lang="it-IT" sz="2800" b="1" spc="-100" dirty="0" smtClean="0">
+                <a:ln w="3175">
+                  <a:noFill/>
+                </a:ln>
+                <a:latin typeface="+mj-lt"/>
+                <a:cs typeface="Arial" charset="0"/>
+              </a:rPr>
+              <a:t>mutua esclusione </a:t>
+            </a:r>
+            <a:r>
+              <a:rPr lang="it-IT" sz="2800" spc="-100" dirty="0" smtClean="0">
+                <a:ln w="3175">
+                  <a:noFill/>
+                </a:ln>
+                <a:latin typeface="+mj-lt"/>
+                <a:cs typeface="Arial" charset="0"/>
+              </a:rPr>
+              <a:t>per garantire la </a:t>
+            </a:r>
+            <a:r>
+              <a:rPr lang="it-IT" sz="2800" b="1" spc="-100" dirty="0" smtClean="0">
+                <a:ln w="3175">
+                  <a:noFill/>
+                </a:ln>
+                <a:latin typeface="+mj-lt"/>
+                <a:cs typeface="Arial" charset="0"/>
+              </a:rPr>
+              <a:t>consistenza</a:t>
+            </a:r>
+            <a:r>
+              <a:rPr lang="it-IT" sz="2800" spc="-100" dirty="0" smtClean="0">
+                <a:ln w="3175">
+                  <a:noFill/>
+                </a:ln>
+                <a:latin typeface="+mj-lt"/>
+                <a:cs typeface="Arial" charset="0"/>
+              </a:rPr>
+              <a:t> dei dati. </a:t>
+            </a:r>
+          </a:p>
+          <a:p>
+            <a:endParaRPr lang="it-IT" sz="2800" spc="-100" dirty="0" smtClean="0">
+              <a:ln w="3175">
+                <a:noFill/>
+              </a:ln>
+              <a:latin typeface="+mj-lt"/>
+              <a:cs typeface="Arial" charset="0"/>
+            </a:endParaRPr>
+          </a:p>
+          <a:p>
+            <a:endParaRPr lang="it-IT" sz="1000" spc="-100" dirty="0">
+              <a:ln w="3175">
+                <a:noFill/>
+              </a:ln>
+              <a:latin typeface="+mj-lt"/>
+              <a:cs typeface="Arial" charset="0"/>
+            </a:endParaRPr>
+          </a:p>
+          <a:p>
+            <a:r>
+              <a:rPr lang="it-IT" sz="2200" spc="-100" dirty="0">
+                <a:ln w="3175">
+                  <a:noFill/>
+                </a:ln>
+                <a:latin typeface="+mj-lt"/>
+                <a:cs typeface="Arial" charset="0"/>
+              </a:rPr>
+              <a:t>NB: la pianificazione di spostamenti per gestire una SEP che comprende più regione, è da considerarsi una situazione straordinaria</a:t>
+            </a:r>
+          </a:p>
+          <a:p>
+            <a:pPr lvl="0"/>
+            <a:endParaRPr lang="it-IT" sz="2800" spc="-100" dirty="0" smtClean="0">
+              <a:ln w="3175">
+                <a:noFill/>
+              </a:ln>
+              <a:latin typeface="+mj-lt"/>
+              <a:cs typeface="Arial" charset="0"/>
+            </a:endParaRPr>
+          </a:p>
+          <a:p>
+            <a:pPr lvl="0"/>
+            <a:endParaRPr lang="it-IT" sz="1000" spc="-100" dirty="0">
+              <a:ln w="3175">
+                <a:noFill/>
+              </a:ln>
+              <a:latin typeface="+mj-lt"/>
+              <a:cs typeface="Arial" charset="0"/>
+            </a:endParaRPr>
+          </a:p>
+          <a:p>
+            <a:endParaRPr lang="it-IT" dirty="0"/>
+          </a:p>
+        </p:txBody>
+      </p:sp>
+    </p:spTree>
+    <p:extLst>
+      <p:ext uri="{BB962C8B-B14F-4D97-AF65-F5344CB8AC3E}">
+        <p14:creationId xmlns:p14="http://schemas.microsoft.com/office/powerpoint/2010/main" val="2436807002"/>
+      </p:ext>
+    </p:extLst>
+  </p:cSld>
+  <p:clrMapOvr>
+    <a:masterClrMapping/>
+  </p:clrMapOvr>
+  <p:transition spd="slow">
+    <p:push dir="u"/>
+  </p:transition>
+  <p:timing>
+    <p:tnLst>
+      <p:par>
+        <p:cTn id="1" dur="indefinite" restart="never" nodeType="tmRoot"/>
+      </p:par>
+    </p:tnLst>
+  </p:timing>
+</p:sld>
+</file>
+
+<file path=ppt/slides/slide71.xml><?xml version="1.0" encoding="utf-8"?>
+<p:sld xmlns:a="http://schemas.openxmlformats.org/drawingml/2006/main" xmlns:r="http://schemas.openxmlformats.org/officeDocument/2006/relationships" xmlns:p="http://schemas.openxmlformats.org/presentationml/2006/main">
+  <p:cSld>
+    <p:spTree>
+      <p:nvGrpSpPr>
+        <p:cNvPr id="1" name=""/>
+        <p:cNvGrpSpPr/>
+        <p:nvPr/>
+      </p:nvGrpSpPr>
+      <p:grpSpPr>
+        <a:xfrm>
+          <a:off x="0" y="0"/>
+          <a:ext cx="0" cy="0"/>
+          <a:chOff x="0" y="0"/>
+          <a:chExt cx="0" cy="0"/>
+        </a:xfrm>
+      </p:grpSpPr>
+      <p:sp>
+        <p:nvSpPr>
+          <p:cNvPr id="5" name="Rettangolo 4"/>
+          <p:cNvSpPr/>
+          <p:nvPr/>
+        </p:nvSpPr>
+        <p:spPr>
+          <a:xfrm>
+            <a:off x="0" y="-28574"/>
+            <a:ext cx="12192000" cy="342900"/>
+          </a:xfrm>
+          <a:prstGeom prst="rect">
+            <a:avLst/>
+          </a:prstGeom>
+          <a:solidFill>
+            <a:srgbClr val="0072C6"/>
+          </a:solidFill>
+        </p:spPr>
+        <p:style>
+          <a:lnRef idx="2">
+            <a:schemeClr val="accent1">
+              <a:shade val="50000"/>
+            </a:schemeClr>
+          </a:lnRef>
+          <a:fillRef idx="1">
+            <a:schemeClr val="accent1"/>
+          </a:fillRef>
+          <a:effectRef idx="0">
+            <a:schemeClr val="accent1"/>
+          </a:effectRef>
+          <a:fontRef idx="minor">
+            <a:schemeClr val="lt1"/>
+          </a:fontRef>
+        </p:style>
+        <p:txBody>
+          <a:bodyPr rtlCol="0" anchor="ctr"/>
+          <a:lstStyle/>
+          <a:p>
+            <a:pPr algn="ctr"/>
+            <a:endParaRPr lang="it-IT"/>
+          </a:p>
+        </p:txBody>
+      </p:sp>
+      <p:sp>
+        <p:nvSpPr>
+          <p:cNvPr id="6" name="Title 2"/>
+          <p:cNvSpPr txBox="1">
+            <a:spLocks/>
+          </p:cNvSpPr>
+          <p:nvPr/>
+        </p:nvSpPr>
+        <p:spPr>
+          <a:xfrm>
+            <a:off x="521493" y="485778"/>
+            <a:ext cx="11149013" cy="868889"/>
+          </a:xfrm>
+          <a:prstGeom prst="rect">
+            <a:avLst/>
+          </a:prstGeom>
+        </p:spPr>
+        <p:txBody>
+          <a:bodyPr/>
+          <a:lstStyle>
+            <a:lvl1pPr algn="l" defTabSz="914363" rtl="0" eaLnBrk="1" latinLnBrk="0" hangingPunct="1">
+              <a:lnSpc>
+                <a:spcPct val="90000"/>
+              </a:lnSpc>
+              <a:spcBef>
+                <a:spcPct val="0"/>
+              </a:spcBef>
+              <a:buNone/>
+              <a:defRPr lang="en-US" sz="5400" b="0" kern="1200" cap="none" spc="-100" baseline="0" dirty="0" smtClean="0">
+                <a:ln w="3175">
+                  <a:noFill/>
+                </a:ln>
+                <a:gradFill>
+                  <a:gsLst>
+                    <a:gs pos="1250">
+                      <a:schemeClr val="tx2"/>
+                    </a:gs>
+                    <a:gs pos="100000">
+                      <a:schemeClr val="tx2"/>
+                    </a:gs>
+                  </a:gsLst>
+                  <a:lin ang="5400000" scaled="0"/>
+                </a:gradFill>
+                <a:effectLst/>
+                <a:latin typeface="+mj-lt"/>
+                <a:ea typeface="+mn-ea"/>
+                <a:cs typeface="Arial" charset="0"/>
+              </a:defRPr>
+            </a:lvl1pPr>
+          </a:lstStyle>
+          <a:p>
+            <a:r>
+              <a:rPr lang="it-IT" b="1" dirty="0" smtClean="0">
+                <a:solidFill>
+                  <a:srgbClr val="0072C6"/>
+                </a:solidFill>
+              </a:rPr>
+              <a:t>Frammentazione BRI</a:t>
+            </a:r>
+            <a:endParaRPr lang="it-IT" b="1" dirty="0" smtClean="0">
+              <a:solidFill>
+                <a:srgbClr val="0072C6"/>
+              </a:solidFill>
+            </a:endParaRPr>
+          </a:p>
+          <a:p>
+            <a:endParaRPr lang="it-IT" sz="1500" b="1" i="1" dirty="0" smtClean="0">
+              <a:solidFill>
+                <a:srgbClr val="0072C6"/>
+              </a:solidFill>
+            </a:endParaRPr>
+          </a:p>
+          <a:p>
+            <a:endParaRPr lang="it-IT" sz="1000" b="1" i="1" dirty="0" smtClean="0">
+              <a:solidFill>
+                <a:srgbClr val="0072C6"/>
+              </a:solidFill>
+            </a:endParaRPr>
+          </a:p>
+          <a:p>
+            <a:pPr lvl="0"/>
+            <a:endParaRPr lang="it-IT" sz="3200" dirty="0">
+              <a:solidFill>
+                <a:schemeClr val="tx1"/>
+              </a:solidFill>
+            </a:endParaRPr>
+          </a:p>
+          <a:p>
+            <a:pPr marL="457200" lvl="0" indent="-457200">
+              <a:buFont typeface="Arial" panose="020B0604020202020204" pitchFamily="34" charset="0"/>
+              <a:buChar char="•"/>
+            </a:pPr>
+            <a:endParaRPr lang="it-IT" sz="3000" b="1" i="1" dirty="0" smtClean="0">
+              <a:solidFill>
+                <a:srgbClr val="0072C6"/>
+              </a:solidFill>
+            </a:endParaRPr>
+          </a:p>
+          <a:p>
+            <a:pPr lvl="0"/>
+            <a:endParaRPr lang="it-IT" sz="3000" b="1" i="1" dirty="0" smtClean="0">
+              <a:solidFill>
+                <a:srgbClr val="0072C6"/>
+              </a:solidFill>
+            </a:endParaRPr>
+          </a:p>
+          <a:p>
+            <a:pPr marL="457200" lvl="0" indent="-457200">
+              <a:buFont typeface="Arial" panose="020B0604020202020204" pitchFamily="34" charset="0"/>
+              <a:buChar char="•"/>
+            </a:pPr>
+            <a:endParaRPr lang="it-IT" sz="5000" b="1" i="1" dirty="0">
+              <a:solidFill>
+                <a:srgbClr val="0072C6"/>
+              </a:solidFill>
+            </a:endParaRPr>
+          </a:p>
+          <a:p>
+            <a:endParaRPr lang="it-IT" sz="5000" b="1" i="1" dirty="0" smtClean="0">
+              <a:solidFill>
+                <a:srgbClr val="0072C6"/>
+              </a:solidFill>
+            </a:endParaRPr>
+          </a:p>
+          <a:p>
+            <a:endParaRPr lang="it-IT" sz="3000" b="1" i="1" dirty="0">
+              <a:solidFill>
+                <a:srgbClr val="0072C6"/>
+              </a:solidFill>
+            </a:endParaRPr>
+          </a:p>
+        </p:txBody>
+      </p:sp>
+      <p:sp>
+        <p:nvSpPr>
+          <p:cNvPr id="4" name="Rettangolo 3"/>
+          <p:cNvSpPr/>
+          <p:nvPr/>
+        </p:nvSpPr>
+        <p:spPr>
+          <a:xfrm>
+            <a:off x="0" y="6515100"/>
+            <a:ext cx="12192000" cy="342900"/>
+          </a:xfrm>
+          <a:prstGeom prst="rect">
+            <a:avLst/>
+          </a:prstGeom>
+          <a:solidFill>
+            <a:srgbClr val="0072C6"/>
+          </a:solidFill>
+        </p:spPr>
+        <p:style>
+          <a:lnRef idx="2">
+            <a:schemeClr val="accent1">
+              <a:shade val="50000"/>
+            </a:schemeClr>
+          </a:lnRef>
+          <a:fillRef idx="1">
+            <a:schemeClr val="accent1"/>
+          </a:fillRef>
+          <a:effectRef idx="0">
+            <a:schemeClr val="accent1"/>
+          </a:effectRef>
+          <a:fontRef idx="minor">
+            <a:schemeClr val="lt1"/>
+          </a:fontRef>
+        </p:style>
+        <p:txBody>
+          <a:bodyPr rtlCol="0" anchor="ctr"/>
+          <a:lstStyle/>
+          <a:p>
+            <a:pPr algn="ctr"/>
+            <a:endParaRPr lang="it-IT"/>
+          </a:p>
+        </p:txBody>
+      </p:sp>
+      <p:sp>
+        <p:nvSpPr>
+          <p:cNvPr id="7" name="CasellaDiTesto 6"/>
+          <p:cNvSpPr txBox="1"/>
+          <p:nvPr/>
+        </p:nvSpPr>
+        <p:spPr>
+          <a:xfrm>
+            <a:off x="521493" y="1497543"/>
+            <a:ext cx="10579895" cy="954107"/>
+          </a:xfrm>
+          <a:prstGeom prst="rect">
+            <a:avLst/>
+          </a:prstGeom>
+          <a:noFill/>
+        </p:spPr>
+        <p:txBody>
+          <a:bodyPr wrap="square" rtlCol="0">
+            <a:spAutoFit/>
+          </a:bodyPr>
+          <a:lstStyle/>
+          <a:p>
+            <a:pPr lvl="0"/>
+            <a:endParaRPr lang="it-IT" sz="2800" spc="-100" dirty="0" smtClean="0">
+              <a:ln w="3175">
+                <a:noFill/>
+              </a:ln>
+              <a:latin typeface="+mj-lt"/>
+              <a:cs typeface="Arial" charset="0"/>
+            </a:endParaRPr>
+          </a:p>
+          <a:p>
+            <a:pPr lvl="0"/>
+            <a:endParaRPr lang="it-IT" sz="1000" spc="-100" dirty="0">
+              <a:ln w="3175">
+                <a:noFill/>
+              </a:ln>
+              <a:latin typeface="+mj-lt"/>
+              <a:cs typeface="Arial" charset="0"/>
+            </a:endParaRPr>
+          </a:p>
+          <a:p>
+            <a:endParaRPr lang="it-IT" dirty="0"/>
+          </a:p>
+        </p:txBody>
+      </p:sp>
+      <p:sp>
+        <p:nvSpPr>
+          <p:cNvPr id="8" name="CasellaDiTesto 7"/>
+          <p:cNvSpPr txBox="1"/>
+          <p:nvPr/>
+        </p:nvSpPr>
+        <p:spPr>
+          <a:xfrm>
+            <a:off x="521493" y="1297515"/>
+            <a:ext cx="11279982" cy="5032147"/>
+          </a:xfrm>
+          <a:prstGeom prst="rect">
+            <a:avLst/>
+          </a:prstGeom>
+          <a:noFill/>
+        </p:spPr>
+        <p:txBody>
+          <a:bodyPr wrap="square" rtlCol="0">
+            <a:spAutoFit/>
+          </a:bodyPr>
+          <a:lstStyle/>
+          <a:p>
+            <a:r>
+              <a:rPr lang="it-IT" sz="2800" spc="-100" dirty="0" smtClean="0">
+                <a:ln w="3175">
+                  <a:noFill/>
+                </a:ln>
+                <a:latin typeface="+mj-lt"/>
+                <a:cs typeface="Arial" charset="0"/>
+              </a:rPr>
+              <a:t>Le informazioni che è possibile </a:t>
+            </a:r>
+            <a:r>
+              <a:rPr lang="it-IT" sz="2800" i="1" spc="-100" dirty="0">
+                <a:ln w="3175">
+                  <a:noFill/>
+                </a:ln>
+                <a:latin typeface="+mj-lt"/>
+                <a:cs typeface="Arial" charset="0"/>
+              </a:rPr>
+              <a:t>frammentare orizzontalmente</a:t>
+            </a:r>
+            <a:r>
+              <a:rPr lang="it-IT" sz="2800" spc="-100" dirty="0" smtClean="0">
+                <a:ln w="3175">
+                  <a:noFill/>
+                </a:ln>
+                <a:latin typeface="+mj-lt"/>
+                <a:cs typeface="Arial" charset="0"/>
+              </a:rPr>
+              <a:t>, sono le seguenti :</a:t>
+            </a:r>
+          </a:p>
+          <a:p>
+            <a:endParaRPr lang="it-IT" sz="1500" spc="-100" dirty="0">
+              <a:ln w="3175">
+                <a:noFill/>
+              </a:ln>
+              <a:latin typeface="+mj-lt"/>
+              <a:cs typeface="Arial" charset="0"/>
+            </a:endParaRPr>
+          </a:p>
+          <a:p>
+            <a:pPr marL="457200" indent="-457200">
+              <a:buFont typeface="Arial" panose="020B0604020202020204" pitchFamily="34" charset="0"/>
+              <a:buChar char="•"/>
+            </a:pPr>
+            <a:r>
+              <a:rPr lang="it-IT" sz="2800" spc="-100" dirty="0" smtClean="0">
+                <a:ln w="3175">
+                  <a:noFill/>
+                </a:ln>
+                <a:latin typeface="+mj-lt"/>
+                <a:cs typeface="Arial" charset="0"/>
+              </a:rPr>
+              <a:t>Sensore idrico</a:t>
+            </a:r>
+          </a:p>
+          <a:p>
+            <a:pPr marL="457200" indent="-457200">
+              <a:buFont typeface="Arial" panose="020B0604020202020204" pitchFamily="34" charset="0"/>
+              <a:buChar char="•"/>
+            </a:pPr>
+            <a:r>
+              <a:rPr lang="it-IT" sz="2800" spc="-100" dirty="0" smtClean="0">
+                <a:ln w="3175">
+                  <a:noFill/>
+                </a:ln>
+                <a:latin typeface="+mj-lt"/>
+                <a:cs typeface="Arial" charset="0"/>
+              </a:rPr>
+              <a:t>Dato idrometrico</a:t>
+            </a:r>
+          </a:p>
+          <a:p>
+            <a:pPr marL="457200" indent="-457200">
+              <a:buFont typeface="Arial" panose="020B0604020202020204" pitchFamily="34" charset="0"/>
+              <a:buChar char="•"/>
+            </a:pPr>
+            <a:r>
+              <a:rPr lang="it-IT" sz="2800" spc="-100" dirty="0" smtClean="0">
+                <a:ln w="3175">
+                  <a:noFill/>
+                </a:ln>
+                <a:latin typeface="+mj-lt"/>
+                <a:cs typeface="Arial" charset="0"/>
+              </a:rPr>
+              <a:t>Nodo acqua</a:t>
+            </a:r>
+          </a:p>
+          <a:p>
+            <a:pPr marL="457200" indent="-457200">
+              <a:buFont typeface="Arial" panose="020B0604020202020204" pitchFamily="34" charset="0"/>
+              <a:buChar char="•"/>
+            </a:pPr>
+            <a:r>
+              <a:rPr lang="it-IT" sz="2800" spc="-100" dirty="0" smtClean="0">
+                <a:ln w="3175">
+                  <a:noFill/>
+                </a:ln>
+                <a:latin typeface="+mj-lt"/>
+                <a:cs typeface="Arial" charset="0"/>
+              </a:rPr>
+              <a:t>Tratto acqua</a:t>
+            </a:r>
+          </a:p>
+          <a:p>
+            <a:pPr marL="457200" indent="-457200">
+              <a:buFont typeface="Arial" panose="020B0604020202020204" pitchFamily="34" charset="0"/>
+              <a:buChar char="•"/>
+            </a:pPr>
+            <a:r>
+              <a:rPr lang="it-IT" sz="2800" spc="-100" dirty="0" smtClean="0">
+                <a:ln w="3175">
+                  <a:noFill/>
+                </a:ln>
+                <a:latin typeface="+mj-lt"/>
+                <a:cs typeface="Arial" charset="0"/>
+              </a:rPr>
+              <a:t>Corso acqua</a:t>
+            </a:r>
+          </a:p>
+          <a:p>
+            <a:pPr marL="457200" indent="-457200">
+              <a:buFont typeface="Arial" panose="020B0604020202020204" pitchFamily="34" charset="0"/>
+              <a:buChar char="•"/>
+            </a:pPr>
+            <a:endParaRPr lang="it-IT" sz="1500" spc="-100" dirty="0" smtClean="0">
+              <a:ln w="3175">
+                <a:noFill/>
+              </a:ln>
+              <a:latin typeface="+mj-lt"/>
+              <a:cs typeface="Arial" charset="0"/>
+            </a:endParaRPr>
+          </a:p>
+          <a:p>
+            <a:r>
+              <a:rPr lang="it-IT" sz="2800" spc="-100" dirty="0" smtClean="0">
+                <a:ln w="3175">
+                  <a:noFill/>
+                </a:ln>
+                <a:latin typeface="+mj-lt"/>
+                <a:cs typeface="Arial" charset="0"/>
+              </a:rPr>
+              <a:t>Supponiamo una </a:t>
+            </a:r>
+            <a:r>
+              <a:rPr lang="it-IT" sz="2800" i="1" spc="-100" dirty="0" smtClean="0">
+                <a:ln w="3175">
+                  <a:noFill/>
+                </a:ln>
+                <a:latin typeface="+mj-lt"/>
+                <a:cs typeface="Arial" charset="0"/>
+              </a:rPr>
+              <a:t>frammentazione orizzontale </a:t>
+            </a:r>
+            <a:r>
+              <a:rPr lang="it-IT" sz="2800" spc="-100" dirty="0" smtClean="0">
+                <a:ln w="3175">
+                  <a:noFill/>
+                </a:ln>
+                <a:latin typeface="+mj-lt"/>
+                <a:cs typeface="Arial" charset="0"/>
+              </a:rPr>
+              <a:t>su 20 </a:t>
+            </a:r>
+            <a:r>
+              <a:rPr lang="it-IT" sz="2800" spc="-100" dirty="0">
+                <a:ln w="3175">
+                  <a:noFill/>
+                </a:ln>
+                <a:latin typeface="+mj-lt"/>
+                <a:cs typeface="Arial" charset="0"/>
+              </a:rPr>
+              <a:t>regioni. (quindi 20 nodi distribuiti)</a:t>
+            </a:r>
+            <a:endParaRPr lang="it-IT" sz="2800" spc="-100" dirty="0" smtClean="0">
+              <a:ln w="3175">
+                <a:noFill/>
+              </a:ln>
+              <a:latin typeface="+mj-lt"/>
+              <a:cs typeface="Arial" charset="0"/>
+            </a:endParaRPr>
+          </a:p>
+          <a:p>
+            <a:endParaRPr lang="it-IT" sz="1500" spc="-100" dirty="0">
+              <a:ln w="3175">
+                <a:noFill/>
+              </a:ln>
+              <a:latin typeface="+mj-lt"/>
+              <a:cs typeface="Arial" charset="0"/>
+            </a:endParaRPr>
+          </a:p>
+          <a:p>
+            <a:endParaRPr lang="it-IT" sz="1000" spc="-100" dirty="0" smtClean="0">
+              <a:ln w="3175">
+                <a:noFill/>
+              </a:ln>
+              <a:latin typeface="+mj-lt"/>
+              <a:cs typeface="Arial" charset="0"/>
+            </a:endParaRPr>
+          </a:p>
+          <a:p>
+            <a:endParaRPr lang="it-IT" sz="1000" spc="-100" dirty="0">
+              <a:ln w="3175">
+                <a:noFill/>
+              </a:ln>
+              <a:latin typeface="+mj-lt"/>
+              <a:cs typeface="Arial" charset="0"/>
+            </a:endParaRPr>
+          </a:p>
+          <a:p>
+            <a:pPr lvl="0"/>
+            <a:endParaRPr lang="it-IT" sz="1000" spc="-100" dirty="0">
+              <a:ln w="3175">
+                <a:noFill/>
+              </a:ln>
+              <a:latin typeface="+mj-lt"/>
+              <a:cs typeface="Arial" charset="0"/>
+            </a:endParaRPr>
+          </a:p>
+          <a:p>
+            <a:r>
+              <a:rPr lang="it-IT" sz="2200" spc="-100" dirty="0">
+                <a:ln w="3175">
+                  <a:noFill/>
+                </a:ln>
+                <a:latin typeface="+mj-lt"/>
+                <a:cs typeface="Arial" charset="0"/>
+              </a:rPr>
+              <a:t>NB: assumiamo non ci siano sensori </a:t>
+            </a:r>
+            <a:r>
+              <a:rPr lang="it-IT" sz="2200" spc="-100" dirty="0" smtClean="0">
+                <a:ln w="3175">
+                  <a:noFill/>
+                </a:ln>
+                <a:latin typeface="+mj-lt"/>
+                <a:cs typeface="Arial" charset="0"/>
+              </a:rPr>
+              <a:t>e nodi sul </a:t>
+            </a:r>
+            <a:r>
+              <a:rPr lang="it-IT" sz="2200" spc="-100" dirty="0">
+                <a:ln w="3175">
+                  <a:noFill/>
+                </a:ln>
+                <a:latin typeface="+mj-lt"/>
+                <a:cs typeface="Arial" charset="0"/>
+              </a:rPr>
+              <a:t>confine regionale</a:t>
+            </a:r>
+            <a:endParaRPr lang="it-IT" sz="2200" spc="-100" dirty="0">
+              <a:ln w="3175">
+                <a:noFill/>
+              </a:ln>
+              <a:latin typeface="+mj-lt"/>
+              <a:cs typeface="Arial" charset="0"/>
+            </a:endParaRPr>
+          </a:p>
+        </p:txBody>
+      </p:sp>
+    </p:spTree>
+    <p:extLst>
+      <p:ext uri="{BB962C8B-B14F-4D97-AF65-F5344CB8AC3E}">
+        <p14:creationId xmlns:p14="http://schemas.microsoft.com/office/powerpoint/2010/main" val="1002953397"/>
+      </p:ext>
+    </p:extLst>
+  </p:cSld>
+  <p:clrMapOvr>
+    <a:masterClrMapping/>
+  </p:clrMapOvr>
+  <p:transition spd="slow">
+    <p:push dir="u"/>
+  </p:transition>
+  <p:timing>
+    <p:tnLst>
+      <p:par>
+        <p:cTn id="1" dur="indefinite" restart="never" nodeType="tmRoot"/>
+      </p:par>
+    </p:tnLst>
+  </p:timing>
+</p:sld>
+</file>
+
+<file path=ppt/slides/slide72.xml><?xml version="1.0" encoding="utf-8"?>
+<p:sld xmlns:a="http://schemas.openxmlformats.org/drawingml/2006/main" xmlns:r="http://schemas.openxmlformats.org/officeDocument/2006/relationships" xmlns:p="http://schemas.openxmlformats.org/presentationml/2006/main">
+  <p:cSld>
+    <p:spTree>
+      <p:nvGrpSpPr>
+        <p:cNvPr id="1" name=""/>
+        <p:cNvGrpSpPr/>
+        <p:nvPr/>
+      </p:nvGrpSpPr>
+      <p:grpSpPr>
+        <a:xfrm>
+          <a:off x="0" y="0"/>
+          <a:ext cx="0" cy="0"/>
+          <a:chOff x="0" y="0"/>
+          <a:chExt cx="0" cy="0"/>
+        </a:xfrm>
+      </p:grpSpPr>
+      <p:sp>
+        <p:nvSpPr>
+          <p:cNvPr id="5" name="Rettangolo 4"/>
+          <p:cNvSpPr/>
+          <p:nvPr/>
+        </p:nvSpPr>
+        <p:spPr>
+          <a:xfrm>
+            <a:off x="0" y="-28574"/>
+            <a:ext cx="12192000" cy="342900"/>
+          </a:xfrm>
+          <a:prstGeom prst="rect">
+            <a:avLst/>
+          </a:prstGeom>
+          <a:solidFill>
+            <a:srgbClr val="0072C6"/>
+          </a:solidFill>
+        </p:spPr>
+        <p:style>
+          <a:lnRef idx="2">
+            <a:schemeClr val="accent1">
+              <a:shade val="50000"/>
+            </a:schemeClr>
+          </a:lnRef>
+          <a:fillRef idx="1">
+            <a:schemeClr val="accent1"/>
+          </a:fillRef>
+          <a:effectRef idx="0">
+            <a:schemeClr val="accent1"/>
+          </a:effectRef>
+          <a:fontRef idx="minor">
+            <a:schemeClr val="lt1"/>
+          </a:fontRef>
+        </p:style>
+        <p:txBody>
+          <a:bodyPr rtlCol="0" anchor="ctr"/>
+          <a:lstStyle/>
+          <a:p>
+            <a:pPr algn="ctr"/>
+            <a:endParaRPr lang="it-IT"/>
+          </a:p>
+        </p:txBody>
+      </p:sp>
+      <p:sp>
+        <p:nvSpPr>
+          <p:cNvPr id="6" name="Title 2"/>
+          <p:cNvSpPr txBox="1">
+            <a:spLocks/>
+          </p:cNvSpPr>
+          <p:nvPr/>
+        </p:nvSpPr>
+        <p:spPr>
+          <a:xfrm>
+            <a:off x="521493" y="485778"/>
+            <a:ext cx="11149013" cy="868889"/>
+          </a:xfrm>
+          <a:prstGeom prst="rect">
+            <a:avLst/>
+          </a:prstGeom>
+        </p:spPr>
+        <p:txBody>
+          <a:bodyPr/>
+          <a:lstStyle>
+            <a:lvl1pPr algn="l" defTabSz="914363" rtl="0" eaLnBrk="1" latinLnBrk="0" hangingPunct="1">
+              <a:lnSpc>
+                <a:spcPct val="90000"/>
+              </a:lnSpc>
+              <a:spcBef>
+                <a:spcPct val="0"/>
+              </a:spcBef>
+              <a:buNone/>
+              <a:defRPr lang="en-US" sz="5400" b="0" kern="1200" cap="none" spc="-100" baseline="0" dirty="0" smtClean="0">
+                <a:ln w="3175">
+                  <a:noFill/>
+                </a:ln>
+                <a:gradFill>
+                  <a:gsLst>
+                    <a:gs pos="1250">
+                      <a:schemeClr val="tx2"/>
+                    </a:gs>
+                    <a:gs pos="100000">
+                      <a:schemeClr val="tx2"/>
+                    </a:gs>
+                  </a:gsLst>
+                  <a:lin ang="5400000" scaled="0"/>
+                </a:gradFill>
+                <a:effectLst/>
+                <a:latin typeface="+mj-lt"/>
+                <a:ea typeface="+mn-ea"/>
+                <a:cs typeface="Arial" charset="0"/>
+              </a:defRPr>
+            </a:lvl1pPr>
+          </a:lstStyle>
+          <a:p>
+            <a:r>
+              <a:rPr lang="it-IT" b="1" dirty="0" smtClean="0">
+                <a:solidFill>
+                  <a:srgbClr val="0072C6"/>
+                </a:solidFill>
+              </a:rPr>
+              <a:t>Replicazione BRI</a:t>
+            </a:r>
+            <a:endParaRPr lang="it-IT" b="1" dirty="0" smtClean="0">
+              <a:solidFill>
+                <a:srgbClr val="0072C6"/>
+              </a:solidFill>
+            </a:endParaRPr>
+          </a:p>
+          <a:p>
+            <a:endParaRPr lang="it-IT" sz="1500" b="1" i="1" dirty="0" smtClean="0">
+              <a:solidFill>
+                <a:srgbClr val="0072C6"/>
+              </a:solidFill>
+            </a:endParaRPr>
+          </a:p>
+          <a:p>
+            <a:endParaRPr lang="it-IT" sz="1000" b="1" i="1" dirty="0" smtClean="0">
+              <a:solidFill>
+                <a:srgbClr val="0072C6"/>
+              </a:solidFill>
+            </a:endParaRPr>
+          </a:p>
+          <a:p>
+            <a:pPr lvl="0"/>
+            <a:endParaRPr lang="it-IT" sz="3200" dirty="0">
+              <a:solidFill>
+                <a:schemeClr val="tx1"/>
+              </a:solidFill>
+            </a:endParaRPr>
+          </a:p>
+          <a:p>
+            <a:pPr marL="457200" lvl="0" indent="-457200">
+              <a:buFont typeface="Arial" panose="020B0604020202020204" pitchFamily="34" charset="0"/>
+              <a:buChar char="•"/>
+            </a:pPr>
+            <a:endParaRPr lang="it-IT" sz="3000" b="1" i="1" dirty="0" smtClean="0">
+              <a:solidFill>
+                <a:srgbClr val="0072C6"/>
+              </a:solidFill>
+            </a:endParaRPr>
+          </a:p>
+          <a:p>
+            <a:pPr lvl="0"/>
+            <a:endParaRPr lang="it-IT" sz="3000" b="1" i="1" dirty="0" smtClean="0">
+              <a:solidFill>
+                <a:srgbClr val="0072C6"/>
+              </a:solidFill>
+            </a:endParaRPr>
+          </a:p>
+          <a:p>
+            <a:pPr marL="457200" lvl="0" indent="-457200">
+              <a:buFont typeface="Arial" panose="020B0604020202020204" pitchFamily="34" charset="0"/>
+              <a:buChar char="•"/>
+            </a:pPr>
+            <a:endParaRPr lang="it-IT" sz="5000" b="1" i="1" dirty="0">
+              <a:solidFill>
+                <a:srgbClr val="0072C6"/>
+              </a:solidFill>
+            </a:endParaRPr>
+          </a:p>
+          <a:p>
+            <a:endParaRPr lang="it-IT" sz="5000" b="1" i="1" dirty="0" smtClean="0">
+              <a:solidFill>
+                <a:srgbClr val="0072C6"/>
+              </a:solidFill>
+            </a:endParaRPr>
+          </a:p>
+          <a:p>
+            <a:endParaRPr lang="it-IT" sz="3000" b="1" i="1" dirty="0">
+              <a:solidFill>
+                <a:srgbClr val="0072C6"/>
+              </a:solidFill>
+            </a:endParaRPr>
+          </a:p>
+        </p:txBody>
+      </p:sp>
+      <p:sp>
+        <p:nvSpPr>
+          <p:cNvPr id="4" name="Rettangolo 3"/>
+          <p:cNvSpPr/>
+          <p:nvPr/>
+        </p:nvSpPr>
+        <p:spPr>
+          <a:xfrm>
+            <a:off x="0" y="6515100"/>
+            <a:ext cx="12192000" cy="342900"/>
+          </a:xfrm>
+          <a:prstGeom prst="rect">
+            <a:avLst/>
+          </a:prstGeom>
+          <a:solidFill>
+            <a:srgbClr val="0072C6"/>
+          </a:solidFill>
+        </p:spPr>
+        <p:style>
+          <a:lnRef idx="2">
+            <a:schemeClr val="accent1">
+              <a:shade val="50000"/>
+            </a:schemeClr>
+          </a:lnRef>
+          <a:fillRef idx="1">
+            <a:schemeClr val="accent1"/>
+          </a:fillRef>
+          <a:effectRef idx="0">
+            <a:schemeClr val="accent1"/>
+          </a:effectRef>
+          <a:fontRef idx="minor">
+            <a:schemeClr val="lt1"/>
+          </a:fontRef>
+        </p:style>
+        <p:txBody>
+          <a:bodyPr rtlCol="0" anchor="ctr"/>
+          <a:lstStyle/>
+          <a:p>
+            <a:pPr algn="ctr"/>
+            <a:endParaRPr lang="it-IT"/>
+          </a:p>
+        </p:txBody>
+      </p:sp>
+      <p:sp>
+        <p:nvSpPr>
+          <p:cNvPr id="7" name="CasellaDiTesto 6"/>
+          <p:cNvSpPr txBox="1"/>
+          <p:nvPr/>
+        </p:nvSpPr>
+        <p:spPr>
+          <a:xfrm>
+            <a:off x="521493" y="1497543"/>
+            <a:ext cx="10579895" cy="954107"/>
+          </a:xfrm>
+          <a:prstGeom prst="rect">
+            <a:avLst/>
+          </a:prstGeom>
+          <a:noFill/>
+        </p:spPr>
+        <p:txBody>
+          <a:bodyPr wrap="square" rtlCol="0">
+            <a:spAutoFit/>
+          </a:bodyPr>
+          <a:lstStyle/>
+          <a:p>
+            <a:pPr lvl="0"/>
+            <a:endParaRPr lang="it-IT" sz="2800" spc="-100" dirty="0" smtClean="0">
+              <a:ln w="3175">
+                <a:noFill/>
+              </a:ln>
+              <a:latin typeface="+mj-lt"/>
+              <a:cs typeface="Arial" charset="0"/>
+            </a:endParaRPr>
+          </a:p>
+          <a:p>
+            <a:pPr lvl="0"/>
+            <a:endParaRPr lang="it-IT" sz="1000" spc="-100" dirty="0">
+              <a:ln w="3175">
+                <a:noFill/>
+              </a:ln>
+              <a:latin typeface="+mj-lt"/>
+              <a:cs typeface="Arial" charset="0"/>
+            </a:endParaRPr>
+          </a:p>
+          <a:p>
+            <a:endParaRPr lang="it-IT" dirty="0"/>
+          </a:p>
+        </p:txBody>
+      </p:sp>
+      <p:sp>
+        <p:nvSpPr>
+          <p:cNvPr id="8" name="CasellaDiTesto 7"/>
+          <p:cNvSpPr txBox="1"/>
+          <p:nvPr/>
+        </p:nvSpPr>
+        <p:spPr>
+          <a:xfrm>
+            <a:off x="521493" y="1354667"/>
+            <a:ext cx="11279982" cy="5078313"/>
+          </a:xfrm>
+          <a:prstGeom prst="rect">
+            <a:avLst/>
+          </a:prstGeom>
+          <a:noFill/>
+        </p:spPr>
+        <p:txBody>
+          <a:bodyPr wrap="square" rtlCol="0">
+            <a:spAutoFit/>
+          </a:bodyPr>
+          <a:lstStyle/>
+          <a:p>
+            <a:r>
+              <a:rPr lang="it-IT" sz="2800" spc="-100" dirty="0" smtClean="0">
+                <a:ln w="3175">
+                  <a:noFill/>
+                </a:ln>
+                <a:latin typeface="+mj-lt"/>
+                <a:cs typeface="Arial" charset="0"/>
+              </a:rPr>
+              <a:t>Le informazioni per cui  è necessaria la </a:t>
+            </a:r>
+            <a:r>
+              <a:rPr lang="it-IT" sz="2800" i="1" spc="-100" dirty="0" smtClean="0">
+                <a:ln w="3175">
+                  <a:noFill/>
+                </a:ln>
+                <a:latin typeface="+mj-lt"/>
+                <a:cs typeface="Arial" charset="0"/>
+              </a:rPr>
+              <a:t>replicazione, </a:t>
+            </a:r>
+            <a:r>
+              <a:rPr lang="it-IT" sz="2800" spc="-100" dirty="0" smtClean="0">
+                <a:ln w="3175">
+                  <a:noFill/>
+                </a:ln>
+                <a:latin typeface="+mj-lt"/>
+                <a:cs typeface="Arial" charset="0"/>
+              </a:rPr>
+              <a:t>sono le seguenti :</a:t>
+            </a:r>
+          </a:p>
+          <a:p>
+            <a:endParaRPr lang="it-IT" sz="2800" spc="-100" dirty="0">
+              <a:ln w="3175">
+                <a:noFill/>
+              </a:ln>
+              <a:latin typeface="+mj-lt"/>
+              <a:cs typeface="Arial" charset="0"/>
+            </a:endParaRPr>
+          </a:p>
+          <a:p>
+            <a:pPr marL="457200" indent="-457200">
+              <a:buFont typeface="Arial" panose="020B0604020202020204" pitchFamily="34" charset="0"/>
+              <a:buChar char="•"/>
+            </a:pPr>
+            <a:r>
+              <a:rPr lang="it-IT" sz="2800" spc="-100" dirty="0" smtClean="0">
+                <a:ln w="3175">
+                  <a:noFill/>
+                </a:ln>
+                <a:latin typeface="+mj-lt"/>
+                <a:cs typeface="Arial" charset="0"/>
+              </a:rPr>
+              <a:t>Tratto acqua</a:t>
+            </a:r>
+          </a:p>
+          <a:p>
+            <a:pPr marL="457200" indent="-457200">
+              <a:buFont typeface="Arial" panose="020B0604020202020204" pitchFamily="34" charset="0"/>
+              <a:buChar char="•"/>
+            </a:pPr>
+            <a:r>
+              <a:rPr lang="it-IT" sz="2800" spc="-100" dirty="0" smtClean="0">
+                <a:ln w="3175">
+                  <a:noFill/>
+                </a:ln>
+                <a:latin typeface="+mj-lt"/>
+                <a:cs typeface="Arial" charset="0"/>
+              </a:rPr>
+              <a:t>Corso acqua</a:t>
+            </a:r>
+          </a:p>
+          <a:p>
+            <a:endParaRPr lang="it-IT" sz="2800" spc="-100" dirty="0" smtClean="0">
+              <a:ln w="3175">
+                <a:noFill/>
+              </a:ln>
+              <a:latin typeface="+mj-lt"/>
+              <a:cs typeface="Arial" charset="0"/>
+            </a:endParaRPr>
+          </a:p>
+          <a:p>
+            <a:r>
+              <a:rPr lang="it-IT" sz="2800" spc="-100" dirty="0" smtClean="0">
+                <a:ln w="3175">
+                  <a:noFill/>
+                </a:ln>
+                <a:latin typeface="+mj-lt"/>
+                <a:cs typeface="Arial" charset="0"/>
+              </a:rPr>
+              <a:t>I corsi d’acqua con i relativi tratti, comuni a più regioni, devono essere replicati fra i </a:t>
+            </a:r>
+            <a:r>
+              <a:rPr lang="it-IT" sz="2800" i="1" spc="-100" dirty="0" smtClean="0">
+                <a:ln w="3175">
+                  <a:noFill/>
+                </a:ln>
+                <a:latin typeface="+mj-lt"/>
+                <a:cs typeface="Arial" charset="0"/>
+              </a:rPr>
+              <a:t>nodi DB </a:t>
+            </a:r>
+            <a:r>
+              <a:rPr lang="it-IT" sz="2800" spc="-100" dirty="0" smtClean="0">
+                <a:ln w="3175">
+                  <a:noFill/>
+                </a:ln>
+                <a:latin typeface="+mj-lt"/>
+                <a:cs typeface="Arial" charset="0"/>
+              </a:rPr>
+              <a:t>delle regioni coinvolte.</a:t>
+            </a:r>
+          </a:p>
+          <a:p>
+            <a:endParaRPr lang="it-IT" sz="2800" spc="-100" dirty="0">
+              <a:ln w="3175">
+                <a:noFill/>
+              </a:ln>
+              <a:latin typeface="+mj-lt"/>
+              <a:cs typeface="Arial" charset="0"/>
+            </a:endParaRPr>
+          </a:p>
+          <a:p>
+            <a:r>
+              <a:rPr lang="it-IT" sz="2200" spc="-100" dirty="0">
+                <a:ln w="3175">
+                  <a:noFill/>
+                </a:ln>
+                <a:latin typeface="+mj-lt"/>
+                <a:cs typeface="Arial" charset="0"/>
+              </a:rPr>
+              <a:t>Esempio: </a:t>
+            </a:r>
+            <a:r>
+              <a:rPr lang="it-IT" sz="2200" spc="-100" dirty="0" smtClean="0">
+                <a:ln w="3175">
+                  <a:noFill/>
+                </a:ln>
+                <a:latin typeface="+mj-lt"/>
+                <a:cs typeface="Arial" charset="0"/>
+              </a:rPr>
+              <a:t>il </a:t>
+            </a:r>
+            <a:r>
+              <a:rPr lang="it-IT" sz="2200" spc="-100" dirty="0">
+                <a:ln w="3175">
+                  <a:noFill/>
+                </a:ln>
+                <a:latin typeface="+mj-lt"/>
+                <a:cs typeface="Arial" charset="0"/>
+              </a:rPr>
+              <a:t>corso d’acqua </a:t>
+            </a:r>
+            <a:r>
+              <a:rPr lang="it-IT" sz="2200" i="1" spc="-100" dirty="0">
+                <a:ln w="3175">
+                  <a:noFill/>
+                </a:ln>
+                <a:latin typeface="+mj-lt"/>
+                <a:cs typeface="Arial" charset="0"/>
+              </a:rPr>
+              <a:t>Po</a:t>
+            </a:r>
+            <a:r>
+              <a:rPr lang="it-IT" sz="2200" spc="-100" dirty="0">
+                <a:ln w="3175">
+                  <a:noFill/>
+                </a:ln>
+                <a:latin typeface="+mj-lt"/>
+                <a:cs typeface="Arial" charset="0"/>
+              </a:rPr>
+              <a:t> è replicato nelle basi dati </a:t>
+            </a:r>
+            <a:r>
+              <a:rPr lang="it-IT" sz="2200" spc="-100" dirty="0" smtClean="0">
+                <a:ln w="3175">
+                  <a:noFill/>
+                </a:ln>
+                <a:latin typeface="+mj-lt"/>
+                <a:cs typeface="Arial" charset="0"/>
+              </a:rPr>
+              <a:t>delle regioni Piemonte, Lombardia, Emilia Romagna e Veneto.  (il tratto fra Piacenza e Cremona è condiviso fra Lombardia ed Emilia Romagna)</a:t>
+            </a:r>
+            <a:endParaRPr lang="it-IT" sz="2200" spc="-100" dirty="0">
+              <a:ln w="3175">
+                <a:noFill/>
+              </a:ln>
+              <a:latin typeface="+mj-lt"/>
+              <a:cs typeface="Arial" charset="0"/>
+            </a:endParaRPr>
+          </a:p>
+          <a:p>
+            <a:pPr lvl="0"/>
+            <a:endParaRPr lang="it-IT" sz="2800" spc="-100" dirty="0" smtClean="0">
+              <a:ln w="3175">
+                <a:noFill/>
+              </a:ln>
+              <a:latin typeface="+mj-lt"/>
+              <a:cs typeface="Arial" charset="0"/>
+            </a:endParaRPr>
+          </a:p>
+          <a:p>
+            <a:pPr lvl="0"/>
+            <a:endParaRPr lang="it-IT" sz="1000" spc="-100" dirty="0">
+              <a:ln w="3175">
+                <a:noFill/>
+              </a:ln>
+              <a:latin typeface="+mj-lt"/>
+              <a:cs typeface="Arial" charset="0"/>
+            </a:endParaRPr>
+          </a:p>
+          <a:p>
+            <a:endParaRPr lang="it-IT" dirty="0"/>
+          </a:p>
+        </p:txBody>
+      </p:sp>
+    </p:spTree>
+    <p:extLst>
+      <p:ext uri="{BB962C8B-B14F-4D97-AF65-F5344CB8AC3E}">
+        <p14:creationId xmlns:p14="http://schemas.microsoft.com/office/powerpoint/2010/main" val="597685556"/>
+      </p:ext>
+    </p:extLst>
+  </p:cSld>
+  <p:clrMapOvr>
+    <a:masterClrMapping/>
+  </p:clrMapOvr>
+  <p:transition spd="slow">
+    <p:push dir="u"/>
+  </p:transition>
+  <p:timing>
+    <p:tnLst>
+      <p:par>
+        <p:cTn id="1" dur="indefinite" restart="never" nodeType="tmRoot"/>
+      </p:par>
+    </p:tnLst>
+  </p:timing>
+</p:sld>
+</file>
+
+<file path=ppt/slides/slide73.xml><?xml version="1.0" encoding="utf-8"?>
+<p:sld xmlns:a="http://schemas.openxmlformats.org/drawingml/2006/main" xmlns:r="http://schemas.openxmlformats.org/officeDocument/2006/relationships" xmlns:p="http://schemas.openxmlformats.org/presentationml/2006/main">
+  <p:cSld>
+    <p:spTree>
+      <p:nvGrpSpPr>
+        <p:cNvPr id="1" name=""/>
+        <p:cNvGrpSpPr/>
+        <p:nvPr/>
+      </p:nvGrpSpPr>
+      <p:grpSpPr>
+        <a:xfrm>
+          <a:off x="0" y="0"/>
+          <a:ext cx="0" cy="0"/>
+          <a:chOff x="0" y="0"/>
+          <a:chExt cx="0" cy="0"/>
+        </a:xfrm>
+      </p:grpSpPr>
+      <p:sp>
+        <p:nvSpPr>
+          <p:cNvPr id="5" name="Rettangolo 4"/>
+          <p:cNvSpPr/>
+          <p:nvPr/>
+        </p:nvSpPr>
+        <p:spPr>
+          <a:xfrm>
+            <a:off x="0" y="-28574"/>
+            <a:ext cx="12192000" cy="342900"/>
+          </a:xfrm>
+          <a:prstGeom prst="rect">
+            <a:avLst/>
+          </a:prstGeom>
+          <a:solidFill>
+            <a:srgbClr val="0072C6"/>
+          </a:solidFill>
+        </p:spPr>
+        <p:style>
+          <a:lnRef idx="2">
+            <a:schemeClr val="accent1">
+              <a:shade val="50000"/>
+            </a:schemeClr>
+          </a:lnRef>
+          <a:fillRef idx="1">
+            <a:schemeClr val="accent1"/>
+          </a:fillRef>
+          <a:effectRef idx="0">
+            <a:schemeClr val="accent1"/>
+          </a:effectRef>
+          <a:fontRef idx="minor">
+            <a:schemeClr val="lt1"/>
+          </a:fontRef>
+        </p:style>
+        <p:txBody>
+          <a:bodyPr rtlCol="0" anchor="ctr"/>
+          <a:lstStyle/>
+          <a:p>
+            <a:pPr algn="ctr"/>
+            <a:endParaRPr lang="it-IT"/>
+          </a:p>
+        </p:txBody>
+      </p:sp>
+      <p:sp>
+        <p:nvSpPr>
+          <p:cNvPr id="6" name="Title 2"/>
+          <p:cNvSpPr txBox="1">
+            <a:spLocks/>
+          </p:cNvSpPr>
+          <p:nvPr/>
+        </p:nvSpPr>
+        <p:spPr>
+          <a:xfrm>
+            <a:off x="521493" y="485778"/>
+            <a:ext cx="11149013" cy="868889"/>
+          </a:xfrm>
+          <a:prstGeom prst="rect">
+            <a:avLst/>
+          </a:prstGeom>
+        </p:spPr>
+        <p:txBody>
+          <a:bodyPr/>
+          <a:lstStyle>
+            <a:lvl1pPr algn="l" defTabSz="914363" rtl="0" eaLnBrk="1" latinLnBrk="0" hangingPunct="1">
+              <a:lnSpc>
+                <a:spcPct val="90000"/>
+              </a:lnSpc>
+              <a:spcBef>
+                <a:spcPct val="0"/>
+              </a:spcBef>
+              <a:buNone/>
+              <a:defRPr lang="en-US" sz="5400" b="0" kern="1200" cap="none" spc="-100" baseline="0" dirty="0" smtClean="0">
+                <a:ln w="3175">
+                  <a:noFill/>
+                </a:ln>
+                <a:gradFill>
+                  <a:gsLst>
+                    <a:gs pos="1250">
+                      <a:schemeClr val="tx2"/>
+                    </a:gs>
+                    <a:gs pos="100000">
+                      <a:schemeClr val="tx2"/>
+                    </a:gs>
+                  </a:gsLst>
+                  <a:lin ang="5400000" scaled="0"/>
+                </a:gradFill>
+                <a:effectLst/>
+                <a:latin typeface="+mj-lt"/>
+                <a:ea typeface="+mn-ea"/>
+                <a:cs typeface="Arial" charset="0"/>
+              </a:defRPr>
+            </a:lvl1pPr>
+          </a:lstStyle>
+          <a:p>
+            <a:r>
+              <a:rPr lang="it-IT" b="1" dirty="0">
+                <a:solidFill>
+                  <a:srgbClr val="0072C6"/>
+                </a:solidFill>
+              </a:rPr>
+              <a:t>Considerazioni – Architettura dati</a:t>
+            </a:r>
+          </a:p>
+          <a:p>
+            <a:endParaRPr lang="it-IT" sz="1500" b="1" i="1" dirty="0" smtClean="0">
+              <a:solidFill>
+                <a:srgbClr val="0072C6"/>
+              </a:solidFill>
+            </a:endParaRPr>
+          </a:p>
+          <a:p>
+            <a:endParaRPr lang="it-IT" sz="1000" b="1" i="1" dirty="0" smtClean="0">
+              <a:solidFill>
+                <a:srgbClr val="0072C6"/>
+              </a:solidFill>
+            </a:endParaRPr>
+          </a:p>
+          <a:p>
+            <a:pPr lvl="0"/>
+            <a:endParaRPr lang="it-IT" sz="3200" dirty="0">
+              <a:solidFill>
+                <a:schemeClr val="tx1"/>
+              </a:solidFill>
+            </a:endParaRPr>
+          </a:p>
+          <a:p>
+            <a:pPr marL="457200" lvl="0" indent="-457200">
+              <a:buFont typeface="Arial" panose="020B0604020202020204" pitchFamily="34" charset="0"/>
+              <a:buChar char="•"/>
+            </a:pPr>
+            <a:endParaRPr lang="it-IT" sz="3000" b="1" i="1" dirty="0" smtClean="0">
+              <a:solidFill>
+                <a:srgbClr val="0072C6"/>
+              </a:solidFill>
+            </a:endParaRPr>
+          </a:p>
+          <a:p>
+            <a:pPr lvl="0"/>
+            <a:endParaRPr lang="it-IT" sz="3000" b="1" i="1" dirty="0" smtClean="0">
+              <a:solidFill>
+                <a:srgbClr val="0072C6"/>
+              </a:solidFill>
+            </a:endParaRPr>
+          </a:p>
+          <a:p>
+            <a:pPr marL="457200" lvl="0" indent="-457200">
+              <a:buFont typeface="Arial" panose="020B0604020202020204" pitchFamily="34" charset="0"/>
+              <a:buChar char="•"/>
+            </a:pPr>
+            <a:endParaRPr lang="it-IT" sz="5000" b="1" i="1" dirty="0">
+              <a:solidFill>
+                <a:srgbClr val="0072C6"/>
+              </a:solidFill>
+            </a:endParaRPr>
+          </a:p>
+          <a:p>
+            <a:endParaRPr lang="it-IT" sz="5000" b="1" i="1" dirty="0" smtClean="0">
+              <a:solidFill>
+                <a:srgbClr val="0072C6"/>
+              </a:solidFill>
+            </a:endParaRPr>
+          </a:p>
+          <a:p>
+            <a:endParaRPr lang="it-IT" sz="3000" b="1" i="1" dirty="0">
+              <a:solidFill>
+                <a:srgbClr val="0072C6"/>
+              </a:solidFill>
+            </a:endParaRPr>
+          </a:p>
+        </p:txBody>
+      </p:sp>
+      <p:sp>
+        <p:nvSpPr>
+          <p:cNvPr id="4" name="Rettangolo 3"/>
+          <p:cNvSpPr/>
+          <p:nvPr/>
+        </p:nvSpPr>
+        <p:spPr>
+          <a:xfrm>
+            <a:off x="0" y="6515100"/>
+            <a:ext cx="12192000" cy="342900"/>
+          </a:xfrm>
+          <a:prstGeom prst="rect">
+            <a:avLst/>
+          </a:prstGeom>
+          <a:solidFill>
+            <a:srgbClr val="0072C6"/>
+          </a:solidFill>
+        </p:spPr>
+        <p:style>
+          <a:lnRef idx="2">
+            <a:schemeClr val="accent1">
+              <a:shade val="50000"/>
+            </a:schemeClr>
+          </a:lnRef>
+          <a:fillRef idx="1">
+            <a:schemeClr val="accent1"/>
+          </a:fillRef>
+          <a:effectRef idx="0">
+            <a:schemeClr val="accent1"/>
+          </a:effectRef>
+          <a:fontRef idx="minor">
+            <a:schemeClr val="lt1"/>
+          </a:fontRef>
+        </p:style>
+        <p:txBody>
+          <a:bodyPr rtlCol="0" anchor="ctr"/>
+          <a:lstStyle/>
+          <a:p>
+            <a:pPr algn="ctr"/>
+            <a:endParaRPr lang="it-IT"/>
+          </a:p>
+        </p:txBody>
+      </p:sp>
+      <p:sp>
+        <p:nvSpPr>
+          <p:cNvPr id="7" name="CasellaDiTesto 6"/>
+          <p:cNvSpPr txBox="1"/>
+          <p:nvPr/>
+        </p:nvSpPr>
+        <p:spPr>
+          <a:xfrm>
+            <a:off x="521493" y="1497543"/>
+            <a:ext cx="10579895" cy="954107"/>
+          </a:xfrm>
+          <a:prstGeom prst="rect">
+            <a:avLst/>
+          </a:prstGeom>
+          <a:noFill/>
+        </p:spPr>
+        <p:txBody>
+          <a:bodyPr wrap="square" rtlCol="0">
+            <a:spAutoFit/>
+          </a:bodyPr>
+          <a:lstStyle/>
+          <a:p>
+            <a:pPr lvl="0"/>
+            <a:endParaRPr lang="it-IT" sz="2800" spc="-100" dirty="0" smtClean="0">
+              <a:ln w="3175">
+                <a:noFill/>
+              </a:ln>
+              <a:latin typeface="+mj-lt"/>
+              <a:cs typeface="Arial" charset="0"/>
+            </a:endParaRPr>
+          </a:p>
+          <a:p>
+            <a:pPr lvl="0"/>
+            <a:endParaRPr lang="it-IT" sz="1000" spc="-100" dirty="0">
+              <a:ln w="3175">
+                <a:noFill/>
+              </a:ln>
+              <a:latin typeface="+mj-lt"/>
+              <a:cs typeface="Arial" charset="0"/>
+            </a:endParaRPr>
+          </a:p>
+          <a:p>
+            <a:endParaRPr lang="it-IT" dirty="0"/>
+          </a:p>
+        </p:txBody>
+      </p:sp>
+      <p:sp>
+        <p:nvSpPr>
+          <p:cNvPr id="8" name="CasellaDiTesto 7"/>
+          <p:cNvSpPr txBox="1"/>
+          <p:nvPr/>
+        </p:nvSpPr>
+        <p:spPr>
+          <a:xfrm>
+            <a:off x="521493" y="1354667"/>
+            <a:ext cx="11279982" cy="5262979"/>
+          </a:xfrm>
+          <a:prstGeom prst="rect">
+            <a:avLst/>
+          </a:prstGeom>
+          <a:noFill/>
+        </p:spPr>
+        <p:txBody>
+          <a:bodyPr wrap="square" rtlCol="0">
+            <a:spAutoFit/>
+          </a:bodyPr>
+          <a:lstStyle/>
+          <a:p>
+            <a:r>
+              <a:rPr lang="it-IT" sz="2800" spc="-100" dirty="0" smtClean="0">
+                <a:ln w="3175">
+                  <a:noFill/>
+                </a:ln>
+                <a:latin typeface="+mj-lt"/>
+                <a:cs typeface="Arial" charset="0"/>
+              </a:rPr>
+              <a:t>La scelta di una base dati centralizzata è dovuta al fatto che essendoci numerose letture verso lo storico delle rilevazioni idrometriche</a:t>
+            </a:r>
+          </a:p>
+          <a:p>
+            <a:endParaRPr lang="it-IT" sz="2800" spc="-100" dirty="0">
+              <a:ln w="3175">
+                <a:noFill/>
+              </a:ln>
+              <a:latin typeface="+mj-lt"/>
+              <a:cs typeface="Arial" charset="0"/>
+            </a:endParaRPr>
+          </a:p>
+          <a:p>
+            <a:r>
+              <a:rPr lang="it-IT" sz="2800" spc="-100" dirty="0" smtClean="0">
+                <a:ln w="3175">
+                  <a:noFill/>
+                </a:ln>
+                <a:latin typeface="+mj-lt"/>
+                <a:cs typeface="Arial" charset="0"/>
+              </a:rPr>
+              <a:t>L’architettura software prevede un solo gestore centrale che si occupa della computazione dell’algoritmo di identificazione SEP (che utilizza le rilevazioni e il posizionamento dei sensori) .</a:t>
+            </a:r>
+          </a:p>
+          <a:p>
+            <a:endParaRPr lang="it-IT" sz="2800" spc="-100" dirty="0">
+              <a:ln w="3175">
+                <a:noFill/>
+              </a:ln>
+              <a:latin typeface="+mj-lt"/>
+              <a:cs typeface="Arial" charset="0"/>
+            </a:endParaRPr>
+          </a:p>
+          <a:p>
+            <a:r>
+              <a:rPr lang="it-IT" sz="2800" spc="-100" dirty="0" smtClean="0">
+                <a:ln w="3175">
+                  <a:noFill/>
+                </a:ln>
+                <a:latin typeface="+mj-lt"/>
+                <a:cs typeface="Arial" charset="0"/>
+              </a:rPr>
+              <a:t>L’algoritmo viene eseguito una volta all’ora; la presenza nel sistema di una base dati distribuita comporterebbe una lettura massiva da ogni nodo dell’istanza. </a:t>
+            </a:r>
+          </a:p>
+          <a:p>
+            <a:r>
+              <a:rPr lang="it-IT" sz="2800" spc="-100" dirty="0" smtClean="0">
+                <a:ln w="3175">
+                  <a:noFill/>
+                </a:ln>
+                <a:latin typeface="+mj-lt"/>
+                <a:cs typeface="Arial" charset="0"/>
+              </a:rPr>
+              <a:t>(devo recuperare lo storico per 2000 sensori distribuiti in 20 nodi!!!)</a:t>
+            </a:r>
+            <a:endParaRPr lang="it-IT" sz="2200" spc="-100" dirty="0">
+              <a:ln w="3175">
+                <a:noFill/>
+              </a:ln>
+              <a:latin typeface="+mj-lt"/>
+              <a:cs typeface="Arial" charset="0"/>
+            </a:endParaRPr>
+          </a:p>
+          <a:p>
+            <a:pPr lvl="0"/>
+            <a:endParaRPr lang="it-IT" sz="2800" spc="-100" dirty="0" smtClean="0">
+              <a:ln w="3175">
+                <a:noFill/>
+              </a:ln>
+              <a:latin typeface="+mj-lt"/>
+              <a:cs typeface="Arial" charset="0"/>
+            </a:endParaRPr>
+          </a:p>
+          <a:p>
+            <a:pPr lvl="0"/>
+            <a:endParaRPr lang="it-IT" sz="1000" spc="-100" dirty="0">
+              <a:ln w="3175">
+                <a:noFill/>
+              </a:ln>
+              <a:latin typeface="+mj-lt"/>
+              <a:cs typeface="Arial" charset="0"/>
+            </a:endParaRPr>
+          </a:p>
+          <a:p>
+            <a:endParaRPr lang="it-IT" dirty="0"/>
+          </a:p>
+        </p:txBody>
+      </p:sp>
+    </p:spTree>
+    <p:extLst>
+      <p:ext uri="{BB962C8B-B14F-4D97-AF65-F5344CB8AC3E}">
+        <p14:creationId xmlns:p14="http://schemas.microsoft.com/office/powerpoint/2010/main" val="2642878026"/>
+      </p:ext>
+    </p:extLst>
+  </p:cSld>
+  <p:clrMapOvr>
+    <a:masterClrMapping/>
+  </p:clrMapOvr>
+  <p:transition spd="slow">
+    <p:push dir="u"/>
+  </p:transition>
+  <p:timing>
+    <p:tnLst>
+      <p:par>
+        <p:cTn id="1" dur="indefinite" restart="never" nodeType="tmRoot"/>
+      </p:par>
+    </p:tnLst>
+  </p:timing>
+</p:sld>
+</file>
+
+<file path=ppt/slides/slide74.xml><?xml version="1.0" encoding="utf-8"?>
+<p:sld xmlns:a="http://schemas.openxmlformats.org/drawingml/2006/main" xmlns:r="http://schemas.openxmlformats.org/officeDocument/2006/relationships" xmlns:p="http://schemas.openxmlformats.org/presentationml/2006/main">
+  <p:cSld>
+    <p:spTree>
+      <p:nvGrpSpPr>
+        <p:cNvPr id="1" name=""/>
+        <p:cNvGrpSpPr/>
+        <p:nvPr/>
+      </p:nvGrpSpPr>
+      <p:grpSpPr>
+        <a:xfrm>
+          <a:off x="0" y="0"/>
+          <a:ext cx="0" cy="0"/>
+          <a:chOff x="0" y="0"/>
+          <a:chExt cx="0" cy="0"/>
+        </a:xfrm>
+      </p:grpSpPr>
+      <p:sp>
+        <p:nvSpPr>
+          <p:cNvPr id="5" name="Rettangolo 4"/>
+          <p:cNvSpPr/>
+          <p:nvPr/>
+        </p:nvSpPr>
+        <p:spPr>
+          <a:xfrm>
+            <a:off x="0" y="-28574"/>
+            <a:ext cx="12192000" cy="342900"/>
+          </a:xfrm>
+          <a:prstGeom prst="rect">
+            <a:avLst/>
+          </a:prstGeom>
+          <a:solidFill>
+            <a:srgbClr val="0072C6"/>
+          </a:solidFill>
+        </p:spPr>
+        <p:style>
+          <a:lnRef idx="2">
+            <a:schemeClr val="accent1">
+              <a:shade val="50000"/>
+            </a:schemeClr>
+          </a:lnRef>
+          <a:fillRef idx="1">
+            <a:schemeClr val="accent1"/>
+          </a:fillRef>
+          <a:effectRef idx="0">
+            <a:schemeClr val="accent1"/>
+          </a:effectRef>
+          <a:fontRef idx="minor">
+            <a:schemeClr val="lt1"/>
+          </a:fontRef>
+        </p:style>
+        <p:txBody>
+          <a:bodyPr rtlCol="0" anchor="ctr"/>
+          <a:lstStyle/>
+          <a:p>
+            <a:pPr algn="ctr"/>
+            <a:endParaRPr lang="it-IT"/>
+          </a:p>
+        </p:txBody>
+      </p:sp>
+      <p:sp>
+        <p:nvSpPr>
+          <p:cNvPr id="6" name="Title 2"/>
+          <p:cNvSpPr txBox="1">
+            <a:spLocks/>
+          </p:cNvSpPr>
+          <p:nvPr/>
+        </p:nvSpPr>
+        <p:spPr>
+          <a:xfrm>
+            <a:off x="521493" y="485778"/>
+            <a:ext cx="11149013" cy="868889"/>
+          </a:xfrm>
+          <a:prstGeom prst="rect">
+            <a:avLst/>
+          </a:prstGeom>
+        </p:spPr>
+        <p:txBody>
+          <a:bodyPr/>
+          <a:lstStyle>
+            <a:lvl1pPr algn="l" defTabSz="914363" rtl="0" eaLnBrk="1" latinLnBrk="0" hangingPunct="1">
+              <a:lnSpc>
+                <a:spcPct val="90000"/>
+              </a:lnSpc>
+              <a:spcBef>
+                <a:spcPct val="0"/>
+              </a:spcBef>
+              <a:buNone/>
+              <a:defRPr lang="en-US" sz="5400" b="0" kern="1200" cap="none" spc="-100" baseline="0" dirty="0" smtClean="0">
+                <a:ln w="3175">
+                  <a:noFill/>
+                </a:ln>
+                <a:gradFill>
+                  <a:gsLst>
+                    <a:gs pos="1250">
+                      <a:schemeClr val="tx2"/>
+                    </a:gs>
+                    <a:gs pos="100000">
+                      <a:schemeClr val="tx2"/>
+                    </a:gs>
+                  </a:gsLst>
+                  <a:lin ang="5400000" scaled="0"/>
+                </a:gradFill>
+                <a:effectLst/>
+                <a:latin typeface="+mj-lt"/>
+                <a:ea typeface="+mn-ea"/>
+                <a:cs typeface="Arial" charset="0"/>
+              </a:defRPr>
+            </a:lvl1pPr>
+          </a:lstStyle>
+          <a:p>
+            <a:r>
+              <a:rPr lang="it-IT" b="1" dirty="0" smtClean="0">
+                <a:solidFill>
+                  <a:srgbClr val="0072C6"/>
+                </a:solidFill>
+              </a:rPr>
+              <a:t>Considerazioni – Architettura software</a:t>
+            </a:r>
+            <a:endParaRPr lang="it-IT" b="1" dirty="0" smtClean="0">
+              <a:solidFill>
+                <a:srgbClr val="0072C6"/>
+              </a:solidFill>
+            </a:endParaRPr>
+          </a:p>
+          <a:p>
+            <a:endParaRPr lang="it-IT" sz="1500" b="1" i="1" dirty="0" smtClean="0">
+              <a:solidFill>
+                <a:srgbClr val="0072C6"/>
+              </a:solidFill>
+            </a:endParaRPr>
+          </a:p>
+          <a:p>
+            <a:endParaRPr lang="it-IT" sz="1000" b="1" i="1" dirty="0" smtClean="0">
+              <a:solidFill>
+                <a:srgbClr val="0072C6"/>
+              </a:solidFill>
+            </a:endParaRPr>
+          </a:p>
+          <a:p>
+            <a:pPr lvl="0"/>
+            <a:endParaRPr lang="it-IT" sz="3200" dirty="0">
+              <a:solidFill>
+                <a:schemeClr val="tx1"/>
+              </a:solidFill>
+            </a:endParaRPr>
+          </a:p>
+          <a:p>
+            <a:pPr marL="457200" lvl="0" indent="-457200">
+              <a:buFont typeface="Arial" panose="020B0604020202020204" pitchFamily="34" charset="0"/>
+              <a:buChar char="•"/>
+            </a:pPr>
+            <a:endParaRPr lang="it-IT" sz="3000" b="1" i="1" dirty="0" smtClean="0">
+              <a:solidFill>
+                <a:srgbClr val="0072C6"/>
+              </a:solidFill>
+            </a:endParaRPr>
+          </a:p>
+          <a:p>
+            <a:pPr lvl="0"/>
+            <a:endParaRPr lang="it-IT" sz="3000" b="1" i="1" dirty="0" smtClean="0">
+              <a:solidFill>
+                <a:srgbClr val="0072C6"/>
+              </a:solidFill>
+            </a:endParaRPr>
+          </a:p>
+          <a:p>
+            <a:pPr marL="457200" lvl="0" indent="-457200">
+              <a:buFont typeface="Arial" panose="020B0604020202020204" pitchFamily="34" charset="0"/>
+              <a:buChar char="•"/>
+            </a:pPr>
+            <a:endParaRPr lang="it-IT" sz="5000" b="1" i="1" dirty="0">
+              <a:solidFill>
+                <a:srgbClr val="0072C6"/>
+              </a:solidFill>
+            </a:endParaRPr>
+          </a:p>
+          <a:p>
+            <a:endParaRPr lang="it-IT" sz="5000" b="1" i="1" dirty="0" smtClean="0">
+              <a:solidFill>
+                <a:srgbClr val="0072C6"/>
+              </a:solidFill>
+            </a:endParaRPr>
+          </a:p>
+          <a:p>
+            <a:endParaRPr lang="it-IT" sz="3000" b="1" i="1" dirty="0">
+              <a:solidFill>
+                <a:srgbClr val="0072C6"/>
+              </a:solidFill>
+            </a:endParaRPr>
+          </a:p>
+        </p:txBody>
+      </p:sp>
+      <p:sp>
+        <p:nvSpPr>
+          <p:cNvPr id="4" name="Rettangolo 3"/>
+          <p:cNvSpPr/>
+          <p:nvPr/>
+        </p:nvSpPr>
+        <p:spPr>
+          <a:xfrm>
+            <a:off x="0" y="6515100"/>
+            <a:ext cx="12192000" cy="342900"/>
+          </a:xfrm>
+          <a:prstGeom prst="rect">
+            <a:avLst/>
+          </a:prstGeom>
+          <a:solidFill>
+            <a:srgbClr val="0072C6"/>
+          </a:solidFill>
+        </p:spPr>
+        <p:style>
+          <a:lnRef idx="2">
+            <a:schemeClr val="accent1">
+              <a:shade val="50000"/>
+            </a:schemeClr>
+          </a:lnRef>
+          <a:fillRef idx="1">
+            <a:schemeClr val="accent1"/>
+          </a:fillRef>
+          <a:effectRef idx="0">
+            <a:schemeClr val="accent1"/>
+          </a:effectRef>
+          <a:fontRef idx="minor">
+            <a:schemeClr val="lt1"/>
+          </a:fontRef>
+        </p:style>
+        <p:txBody>
+          <a:bodyPr rtlCol="0" anchor="ctr"/>
+          <a:lstStyle/>
+          <a:p>
+            <a:pPr algn="ctr"/>
+            <a:endParaRPr lang="it-IT"/>
+          </a:p>
+        </p:txBody>
+      </p:sp>
+      <p:sp>
+        <p:nvSpPr>
+          <p:cNvPr id="7" name="CasellaDiTesto 6"/>
+          <p:cNvSpPr txBox="1"/>
+          <p:nvPr/>
+        </p:nvSpPr>
+        <p:spPr>
+          <a:xfrm>
+            <a:off x="521493" y="1411815"/>
+            <a:ext cx="10579895" cy="5878532"/>
+          </a:xfrm>
+          <a:prstGeom prst="rect">
+            <a:avLst/>
+          </a:prstGeom>
+          <a:noFill/>
+        </p:spPr>
+        <p:txBody>
+          <a:bodyPr wrap="square" rtlCol="0">
+            <a:spAutoFit/>
+          </a:bodyPr>
+          <a:lstStyle/>
+          <a:p>
+            <a:r>
+              <a:rPr lang="it-IT" sz="2800" spc="-100" dirty="0" smtClean="0">
+                <a:ln w="3175">
+                  <a:noFill/>
+                </a:ln>
+                <a:latin typeface="+mj-lt"/>
+                <a:cs typeface="Arial" charset="0"/>
+              </a:rPr>
+              <a:t>Le possibili architetture software analizzate sono le seguenti:</a:t>
+            </a:r>
+          </a:p>
+          <a:p>
+            <a:endParaRPr lang="it-IT" sz="2800" spc="-100" dirty="0">
+              <a:ln w="3175">
+                <a:noFill/>
+              </a:ln>
+              <a:latin typeface="+mj-lt"/>
+              <a:cs typeface="Arial" charset="0"/>
+            </a:endParaRPr>
+          </a:p>
+          <a:p>
+            <a:pPr marL="457200" indent="-457200">
+              <a:buFont typeface="Arial" panose="020B0604020202020204" pitchFamily="34" charset="0"/>
+              <a:buChar char="•"/>
+            </a:pPr>
+            <a:r>
+              <a:rPr lang="it-IT" sz="2800" b="1" spc="-100" dirty="0" smtClean="0">
+                <a:ln w="3175">
+                  <a:noFill/>
+                </a:ln>
+                <a:latin typeface="+mj-lt"/>
+                <a:cs typeface="Arial" charset="0"/>
+              </a:rPr>
+              <a:t>Unico nodo di </a:t>
+            </a:r>
+            <a:r>
+              <a:rPr lang="it-IT" sz="2800" b="1" i="1" spc="-100" dirty="0" smtClean="0">
+                <a:ln w="3175">
+                  <a:noFill/>
+                </a:ln>
+                <a:latin typeface="+mj-lt"/>
+                <a:cs typeface="Arial" charset="0"/>
+              </a:rPr>
+              <a:t>Gestione Centrale </a:t>
+            </a:r>
+            <a:r>
+              <a:rPr lang="it-IT" sz="2800" b="1" spc="-100" dirty="0" smtClean="0">
+                <a:ln w="3175">
+                  <a:noFill/>
+                </a:ln>
+                <a:latin typeface="+mj-lt"/>
+                <a:cs typeface="Arial" charset="0"/>
+              </a:rPr>
+              <a:t>per l’intero sistema</a:t>
+            </a:r>
+          </a:p>
+          <a:p>
+            <a:pPr marL="457200" indent="-457200">
+              <a:buFont typeface="Arial" panose="020B0604020202020204" pitchFamily="34" charset="0"/>
+              <a:buChar char="•"/>
+            </a:pPr>
+            <a:endParaRPr lang="it-IT" sz="1500" spc="-100" dirty="0">
+              <a:ln w="3175">
+                <a:noFill/>
+              </a:ln>
+              <a:latin typeface="+mj-lt"/>
+              <a:cs typeface="Arial" charset="0"/>
+            </a:endParaRPr>
+          </a:p>
+          <a:p>
+            <a:pPr marL="457200" indent="-457200">
+              <a:buFont typeface="Arial" panose="020B0604020202020204" pitchFamily="34" charset="0"/>
+              <a:buChar char="•"/>
+            </a:pPr>
+            <a:r>
+              <a:rPr lang="it-IT" sz="2800" spc="-100" dirty="0" smtClean="0">
+                <a:ln w="3175">
+                  <a:noFill/>
+                </a:ln>
+                <a:latin typeface="+mj-lt"/>
+                <a:cs typeface="Arial" charset="0"/>
+              </a:rPr>
+              <a:t>Un nodo di </a:t>
+            </a:r>
+            <a:r>
+              <a:rPr lang="it-IT" sz="2800" i="1" spc="-100" dirty="0" smtClean="0">
+                <a:ln w="3175">
+                  <a:noFill/>
+                </a:ln>
+                <a:latin typeface="+mj-lt"/>
+                <a:cs typeface="Arial" charset="0"/>
+              </a:rPr>
+              <a:t>Gestione Centrale </a:t>
+            </a:r>
+            <a:r>
+              <a:rPr lang="it-IT" sz="2800" spc="-100" dirty="0" smtClean="0">
+                <a:ln w="3175">
+                  <a:noFill/>
+                </a:ln>
+                <a:latin typeface="+mj-lt"/>
+                <a:cs typeface="Arial" charset="0"/>
+              </a:rPr>
+              <a:t>per ogni regione</a:t>
+            </a:r>
+            <a:endParaRPr lang="it-IT" sz="2800" spc="-100" dirty="0" smtClean="0">
+              <a:ln w="3175">
+                <a:noFill/>
+              </a:ln>
+              <a:latin typeface="+mj-lt"/>
+              <a:cs typeface="Arial" charset="0"/>
+            </a:endParaRPr>
+          </a:p>
+          <a:p>
+            <a:endParaRPr lang="it-IT" sz="1000" spc="-100" dirty="0">
+              <a:ln w="3175">
+                <a:noFill/>
+              </a:ln>
+              <a:latin typeface="+mj-lt"/>
+              <a:cs typeface="Arial" charset="0"/>
+            </a:endParaRPr>
+          </a:p>
+          <a:p>
+            <a:pPr lvl="0"/>
+            <a:endParaRPr lang="it-IT" sz="1500" spc="-100" dirty="0" smtClean="0">
+              <a:ln w="3175">
+                <a:noFill/>
+              </a:ln>
+              <a:latin typeface="+mj-lt"/>
+              <a:cs typeface="Arial" charset="0"/>
+            </a:endParaRPr>
+          </a:p>
+          <a:p>
+            <a:pPr lvl="0"/>
+            <a:r>
+              <a:rPr lang="it-IT" sz="2800" b="1" spc="-100" dirty="0" smtClean="0">
+                <a:ln w="3175">
+                  <a:noFill/>
+                </a:ln>
+                <a:latin typeface="+mj-lt"/>
+                <a:cs typeface="Arial" charset="0"/>
+              </a:rPr>
+              <a:t>Pro:</a:t>
+            </a:r>
+          </a:p>
+          <a:p>
+            <a:pPr lvl="0"/>
+            <a:r>
+              <a:rPr lang="it-IT" sz="2800" spc="-100" dirty="0" smtClean="0">
+                <a:ln w="3175">
+                  <a:noFill/>
+                </a:ln>
+                <a:latin typeface="+mj-lt"/>
+                <a:cs typeface="Arial" charset="0"/>
+              </a:rPr>
+              <a:t>La soluzione ottimale per il nostro sistema è l’utilizzo di un unico nodo di Gestione Centrale in quanto il numero di dati da monitorare (sensori) è relativamente piccolo (nella nostra stima 2000 sensori) quindi la duplicazione di </a:t>
+            </a:r>
+            <a:r>
+              <a:rPr lang="it-IT" sz="2800" spc="-100" dirty="0" err="1" smtClean="0">
+                <a:ln w="3175">
+                  <a:noFill/>
+                </a:ln>
+                <a:latin typeface="+mj-lt"/>
+                <a:cs typeface="Arial" charset="0"/>
+              </a:rPr>
+              <a:t>hw</a:t>
+            </a:r>
+            <a:r>
+              <a:rPr lang="it-IT" sz="2800" spc="-100" dirty="0" smtClean="0">
+                <a:ln w="3175">
+                  <a:noFill/>
+                </a:ln>
+                <a:latin typeface="+mj-lt"/>
+                <a:cs typeface="Arial" charset="0"/>
+              </a:rPr>
+              <a:t> e </a:t>
+            </a:r>
+            <a:r>
+              <a:rPr lang="it-IT" sz="2800" spc="-100" dirty="0" err="1" smtClean="0">
+                <a:ln w="3175">
+                  <a:noFill/>
+                </a:ln>
+                <a:latin typeface="+mj-lt"/>
+                <a:cs typeface="Arial" charset="0"/>
+              </a:rPr>
+              <a:t>sw</a:t>
+            </a:r>
+            <a:r>
+              <a:rPr lang="it-IT" sz="2800" spc="-100" dirty="0" smtClean="0">
+                <a:ln w="3175">
+                  <a:noFill/>
+                </a:ln>
+                <a:latin typeface="+mj-lt"/>
+                <a:cs typeface="Arial" charset="0"/>
+              </a:rPr>
+              <a:t> comporterebbe costi (in termini di denaro, sviluppo e manutenzione) maggiori. (non giustificabili da un incremento delle prestazioni del sistema)</a:t>
+            </a:r>
+            <a:endParaRPr lang="it-IT" sz="2800" spc="-100" dirty="0">
+              <a:ln w="3175">
+                <a:noFill/>
+              </a:ln>
+              <a:latin typeface="+mj-lt"/>
+              <a:cs typeface="Arial" charset="0"/>
+            </a:endParaRPr>
+          </a:p>
+          <a:p>
+            <a:pPr lvl="0"/>
+            <a:endParaRPr lang="it-IT" sz="2800" spc="-100" dirty="0" smtClean="0">
+              <a:ln w="3175">
+                <a:noFill/>
+              </a:ln>
+              <a:latin typeface="+mj-lt"/>
+              <a:cs typeface="Arial" charset="0"/>
+            </a:endParaRPr>
+          </a:p>
+          <a:p>
+            <a:pPr lvl="0"/>
+            <a:endParaRPr lang="it-IT" sz="1000" spc="-100" dirty="0">
+              <a:ln w="3175">
+                <a:noFill/>
+              </a:ln>
+              <a:latin typeface="+mj-lt"/>
+              <a:cs typeface="Arial" charset="0"/>
+            </a:endParaRPr>
+          </a:p>
+          <a:p>
+            <a:endParaRPr lang="it-IT" dirty="0"/>
+          </a:p>
+        </p:txBody>
+      </p:sp>
+    </p:spTree>
+    <p:extLst>
+      <p:ext uri="{BB962C8B-B14F-4D97-AF65-F5344CB8AC3E}">
+        <p14:creationId xmlns:p14="http://schemas.microsoft.com/office/powerpoint/2010/main" val="2497381552"/>
+      </p:ext>
+    </p:extLst>
+  </p:cSld>
+  <p:clrMapOvr>
+    <a:masterClrMapping/>
+  </p:clrMapOvr>
+  <p:transition spd="slow">
+    <p:push dir="u"/>
+  </p:transition>
+  <p:timing>
+    <p:tnLst>
+      <p:par>
+        <p:cTn id="1" dur="indefinite" restart="never" nodeType="tmRoot"/>
+      </p:par>
+    </p:tnLst>
+  </p:timing>
+</p:sld>
+</file>
+
+<file path=ppt/slides/slide75.xml><?xml version="1.0" encoding="utf-8"?>
+<p:sld xmlns:a="http://schemas.openxmlformats.org/drawingml/2006/main" xmlns:r="http://schemas.openxmlformats.org/officeDocument/2006/relationships" xmlns:p="http://schemas.openxmlformats.org/presentationml/2006/main">
+  <p:cSld>
+    <p:spTree>
+      <p:nvGrpSpPr>
+        <p:cNvPr id="1" name=""/>
+        <p:cNvGrpSpPr/>
+        <p:nvPr/>
+      </p:nvGrpSpPr>
+      <p:grpSpPr>
+        <a:xfrm>
+          <a:off x="0" y="0"/>
+          <a:ext cx="0" cy="0"/>
+          <a:chOff x="0" y="0"/>
+          <a:chExt cx="0" cy="0"/>
+        </a:xfrm>
+      </p:grpSpPr>
+      <p:sp>
+        <p:nvSpPr>
+          <p:cNvPr id="5" name="Rettangolo 4"/>
+          <p:cNvSpPr/>
+          <p:nvPr/>
+        </p:nvSpPr>
+        <p:spPr>
+          <a:xfrm>
+            <a:off x="0" y="-28574"/>
+            <a:ext cx="12192000" cy="342900"/>
+          </a:xfrm>
+          <a:prstGeom prst="rect">
+            <a:avLst/>
+          </a:prstGeom>
+          <a:solidFill>
+            <a:srgbClr val="0072C6"/>
+          </a:solidFill>
+        </p:spPr>
+        <p:style>
+          <a:lnRef idx="2">
+            <a:schemeClr val="accent1">
+              <a:shade val="50000"/>
+            </a:schemeClr>
+          </a:lnRef>
+          <a:fillRef idx="1">
+            <a:schemeClr val="accent1"/>
+          </a:fillRef>
+          <a:effectRef idx="0">
+            <a:schemeClr val="accent1"/>
+          </a:effectRef>
+          <a:fontRef idx="minor">
+            <a:schemeClr val="lt1"/>
+          </a:fontRef>
+        </p:style>
+        <p:txBody>
+          <a:bodyPr rtlCol="0" anchor="ctr"/>
+          <a:lstStyle/>
+          <a:p>
+            <a:pPr algn="ctr"/>
+            <a:endParaRPr lang="it-IT"/>
+          </a:p>
+        </p:txBody>
+      </p:sp>
+      <p:sp>
+        <p:nvSpPr>
+          <p:cNvPr id="6" name="Title 2"/>
+          <p:cNvSpPr txBox="1">
+            <a:spLocks/>
+          </p:cNvSpPr>
+          <p:nvPr/>
+        </p:nvSpPr>
+        <p:spPr>
+          <a:xfrm>
+            <a:off x="521493" y="485778"/>
+            <a:ext cx="11149013" cy="868889"/>
+          </a:xfrm>
+          <a:prstGeom prst="rect">
+            <a:avLst/>
+          </a:prstGeom>
+        </p:spPr>
+        <p:txBody>
+          <a:bodyPr/>
+          <a:lstStyle>
+            <a:lvl1pPr algn="l" defTabSz="914363" rtl="0" eaLnBrk="1" latinLnBrk="0" hangingPunct="1">
+              <a:lnSpc>
+                <a:spcPct val="90000"/>
+              </a:lnSpc>
+              <a:spcBef>
+                <a:spcPct val="0"/>
+              </a:spcBef>
+              <a:buNone/>
+              <a:defRPr lang="en-US" sz="5400" b="0" kern="1200" cap="none" spc="-100" baseline="0" dirty="0" smtClean="0">
+                <a:ln w="3175">
+                  <a:noFill/>
+                </a:ln>
+                <a:gradFill>
+                  <a:gsLst>
+                    <a:gs pos="1250">
+                      <a:schemeClr val="tx2"/>
+                    </a:gs>
+                    <a:gs pos="100000">
+                      <a:schemeClr val="tx2"/>
+                    </a:gs>
+                  </a:gsLst>
+                  <a:lin ang="5400000" scaled="0"/>
+                </a:gradFill>
+                <a:effectLst/>
+                <a:latin typeface="+mj-lt"/>
+                <a:ea typeface="+mn-ea"/>
+                <a:cs typeface="Arial" charset="0"/>
+              </a:defRPr>
+            </a:lvl1pPr>
+          </a:lstStyle>
+          <a:p>
+            <a:r>
+              <a:rPr lang="it-IT" b="1" dirty="0" smtClean="0">
+                <a:solidFill>
+                  <a:srgbClr val="0072C6"/>
+                </a:solidFill>
+              </a:rPr>
+              <a:t>Considerazioni – Architettura software</a:t>
+            </a:r>
+            <a:endParaRPr lang="it-IT" b="1" dirty="0" smtClean="0">
+              <a:solidFill>
+                <a:srgbClr val="0072C6"/>
+              </a:solidFill>
+            </a:endParaRPr>
+          </a:p>
+          <a:p>
+            <a:endParaRPr lang="it-IT" sz="1500" b="1" i="1" dirty="0" smtClean="0">
+              <a:solidFill>
+                <a:srgbClr val="0072C6"/>
+              </a:solidFill>
+            </a:endParaRPr>
+          </a:p>
+          <a:p>
+            <a:endParaRPr lang="it-IT" sz="1000" b="1" i="1" dirty="0" smtClean="0">
+              <a:solidFill>
+                <a:srgbClr val="0072C6"/>
+              </a:solidFill>
+            </a:endParaRPr>
+          </a:p>
+          <a:p>
+            <a:pPr lvl="0"/>
+            <a:endParaRPr lang="it-IT" sz="3200" dirty="0">
+              <a:solidFill>
+                <a:schemeClr val="tx1"/>
+              </a:solidFill>
+            </a:endParaRPr>
+          </a:p>
+          <a:p>
+            <a:pPr marL="457200" lvl="0" indent="-457200">
+              <a:buFont typeface="Arial" panose="020B0604020202020204" pitchFamily="34" charset="0"/>
+              <a:buChar char="•"/>
+            </a:pPr>
+            <a:endParaRPr lang="it-IT" sz="3000" b="1" i="1" dirty="0" smtClean="0">
+              <a:solidFill>
+                <a:srgbClr val="0072C6"/>
+              </a:solidFill>
+            </a:endParaRPr>
+          </a:p>
+          <a:p>
+            <a:pPr lvl="0"/>
+            <a:endParaRPr lang="it-IT" sz="3000" b="1" i="1" dirty="0" smtClean="0">
+              <a:solidFill>
+                <a:srgbClr val="0072C6"/>
+              </a:solidFill>
+            </a:endParaRPr>
+          </a:p>
+          <a:p>
+            <a:pPr marL="457200" lvl="0" indent="-457200">
+              <a:buFont typeface="Arial" panose="020B0604020202020204" pitchFamily="34" charset="0"/>
+              <a:buChar char="•"/>
+            </a:pPr>
+            <a:endParaRPr lang="it-IT" sz="5000" b="1" i="1" dirty="0">
+              <a:solidFill>
+                <a:srgbClr val="0072C6"/>
+              </a:solidFill>
+            </a:endParaRPr>
+          </a:p>
+          <a:p>
+            <a:endParaRPr lang="it-IT" sz="5000" b="1" i="1" dirty="0" smtClean="0">
+              <a:solidFill>
+                <a:srgbClr val="0072C6"/>
+              </a:solidFill>
+            </a:endParaRPr>
+          </a:p>
+          <a:p>
+            <a:endParaRPr lang="it-IT" sz="3000" b="1" i="1" dirty="0">
+              <a:solidFill>
+                <a:srgbClr val="0072C6"/>
+              </a:solidFill>
+            </a:endParaRPr>
+          </a:p>
+        </p:txBody>
+      </p:sp>
+      <p:sp>
+        <p:nvSpPr>
+          <p:cNvPr id="4" name="Rettangolo 3"/>
+          <p:cNvSpPr/>
+          <p:nvPr/>
+        </p:nvSpPr>
+        <p:spPr>
+          <a:xfrm>
+            <a:off x="0" y="6515100"/>
+            <a:ext cx="12192000" cy="342900"/>
+          </a:xfrm>
+          <a:prstGeom prst="rect">
+            <a:avLst/>
+          </a:prstGeom>
+          <a:solidFill>
+            <a:srgbClr val="0072C6"/>
+          </a:solidFill>
+        </p:spPr>
+        <p:style>
+          <a:lnRef idx="2">
+            <a:schemeClr val="accent1">
+              <a:shade val="50000"/>
+            </a:schemeClr>
+          </a:lnRef>
+          <a:fillRef idx="1">
+            <a:schemeClr val="accent1"/>
+          </a:fillRef>
+          <a:effectRef idx="0">
+            <a:schemeClr val="accent1"/>
+          </a:effectRef>
+          <a:fontRef idx="minor">
+            <a:schemeClr val="lt1"/>
+          </a:fontRef>
+        </p:style>
+        <p:txBody>
+          <a:bodyPr rtlCol="0" anchor="ctr"/>
+          <a:lstStyle/>
+          <a:p>
+            <a:pPr algn="ctr"/>
+            <a:endParaRPr lang="it-IT"/>
+          </a:p>
+        </p:txBody>
+      </p:sp>
+      <p:sp>
+        <p:nvSpPr>
+          <p:cNvPr id="7" name="CasellaDiTesto 6"/>
+          <p:cNvSpPr txBox="1"/>
+          <p:nvPr/>
+        </p:nvSpPr>
+        <p:spPr>
+          <a:xfrm>
+            <a:off x="521493" y="1411815"/>
+            <a:ext cx="10579895" cy="4401205"/>
+          </a:xfrm>
+          <a:prstGeom prst="rect">
+            <a:avLst/>
+          </a:prstGeom>
+          <a:noFill/>
+        </p:spPr>
+        <p:txBody>
+          <a:bodyPr wrap="square" rtlCol="0">
+            <a:spAutoFit/>
+          </a:bodyPr>
+          <a:lstStyle/>
+          <a:p>
+            <a:pPr lvl="0"/>
+            <a:r>
+              <a:rPr lang="it-IT" sz="2800" b="1" spc="-100" dirty="0" smtClean="0">
+                <a:ln w="3175">
+                  <a:noFill/>
+                </a:ln>
+                <a:latin typeface="+mj-lt"/>
+                <a:cs typeface="Arial" charset="0"/>
+              </a:rPr>
+              <a:t>Contro:</a:t>
+            </a:r>
+          </a:p>
+          <a:p>
+            <a:pPr lvl="0"/>
+            <a:r>
+              <a:rPr lang="it-IT" sz="2800" spc="-100" dirty="0" smtClean="0">
+                <a:ln w="3175">
+                  <a:noFill/>
+                </a:ln>
+                <a:latin typeface="+mj-lt"/>
+                <a:cs typeface="Arial" charset="0"/>
+              </a:rPr>
+              <a:t>L’utilizzo di un solo nodo centrale comporta un maggiore controllo dello stato del sistema, in quanto il malfunzionamento di un componente, se non gestito nel modo corretto (con procedure di </a:t>
+            </a:r>
+            <a:r>
+              <a:rPr lang="it-IT" sz="2800" spc="-100" dirty="0" err="1" smtClean="0">
+                <a:ln w="3175">
+                  <a:noFill/>
+                </a:ln>
+                <a:latin typeface="+mj-lt"/>
+                <a:cs typeface="Arial" charset="0"/>
+              </a:rPr>
+              <a:t>recovery</a:t>
+            </a:r>
+            <a:r>
+              <a:rPr lang="it-IT" sz="2800" spc="-100" dirty="0" smtClean="0">
+                <a:ln w="3175">
+                  <a:noFill/>
+                </a:ln>
+                <a:latin typeface="+mj-lt"/>
+                <a:cs typeface="Arial" charset="0"/>
+              </a:rPr>
+              <a:t> e fault </a:t>
+            </a:r>
+            <a:r>
+              <a:rPr lang="it-IT" sz="2800" spc="-100" dirty="0" err="1" smtClean="0">
+                <a:ln w="3175">
+                  <a:noFill/>
+                </a:ln>
+                <a:latin typeface="+mj-lt"/>
+                <a:cs typeface="Arial" charset="0"/>
+              </a:rPr>
+              <a:t>tollerance</a:t>
+            </a:r>
+            <a:r>
+              <a:rPr lang="it-IT" sz="2800" spc="-100" dirty="0" smtClean="0">
+                <a:ln w="3175">
+                  <a:noFill/>
+                </a:ln>
+                <a:latin typeface="+mj-lt"/>
+                <a:cs typeface="Arial" charset="0"/>
+              </a:rPr>
+              <a:t>), comprometterebbe la stabilità dell’intero sistema.</a:t>
+            </a:r>
+          </a:p>
+          <a:p>
+            <a:pPr lvl="0"/>
+            <a:endParaRPr lang="it-IT" sz="2800" spc="-100" dirty="0">
+              <a:ln w="3175">
+                <a:noFill/>
+              </a:ln>
+              <a:latin typeface="+mj-lt"/>
+              <a:cs typeface="Arial" charset="0"/>
+            </a:endParaRPr>
+          </a:p>
+          <a:p>
+            <a:pPr lvl="0"/>
+            <a:r>
+              <a:rPr lang="it-IT" sz="2800" spc="-100" dirty="0" smtClean="0">
+                <a:ln w="3175">
+                  <a:noFill/>
+                </a:ln>
+                <a:latin typeface="+mj-lt"/>
+                <a:cs typeface="Arial" charset="0"/>
+              </a:rPr>
+              <a:t>L’utilizzo di nodi computazionali distribuiti non preclude il funzionamento dell’intero sistema in seguito ad un </a:t>
+            </a:r>
+            <a:r>
+              <a:rPr lang="it-IT" sz="2800" spc="-100" dirty="0" err="1" smtClean="0">
+                <a:ln w="3175">
+                  <a:noFill/>
+                </a:ln>
+                <a:latin typeface="+mj-lt"/>
+                <a:cs typeface="Arial" charset="0"/>
+              </a:rPr>
+              <a:t>malfuznionamento</a:t>
+            </a:r>
+            <a:r>
+              <a:rPr lang="it-IT" sz="2800" spc="-100" dirty="0" smtClean="0">
+                <a:ln w="3175">
+                  <a:noFill/>
+                </a:ln>
+                <a:latin typeface="+mj-lt"/>
+                <a:cs typeface="Arial" charset="0"/>
+              </a:rPr>
+              <a:t> localizzato.</a:t>
+            </a:r>
+            <a:endParaRPr lang="it-IT" sz="2800" spc="-100" dirty="0">
+              <a:ln w="3175">
+                <a:noFill/>
+              </a:ln>
+              <a:latin typeface="+mj-lt"/>
+              <a:cs typeface="Arial" charset="0"/>
+            </a:endParaRPr>
+          </a:p>
+          <a:p>
+            <a:pPr lvl="0"/>
+            <a:endParaRPr lang="it-IT" sz="2800" spc="-100" dirty="0" smtClean="0">
+              <a:ln w="3175">
+                <a:noFill/>
+              </a:ln>
+              <a:latin typeface="+mj-lt"/>
+              <a:cs typeface="Arial" charset="0"/>
+            </a:endParaRPr>
+          </a:p>
+          <a:p>
+            <a:pPr lvl="0"/>
+            <a:endParaRPr lang="it-IT" sz="1000" spc="-100" dirty="0">
+              <a:ln w="3175">
+                <a:noFill/>
+              </a:ln>
+              <a:latin typeface="+mj-lt"/>
+              <a:cs typeface="Arial" charset="0"/>
+            </a:endParaRPr>
+          </a:p>
+          <a:p>
+            <a:endParaRPr lang="it-IT" dirty="0"/>
+          </a:p>
+        </p:txBody>
+      </p:sp>
+    </p:spTree>
+    <p:extLst>
+      <p:ext uri="{BB962C8B-B14F-4D97-AF65-F5344CB8AC3E}">
+        <p14:creationId xmlns:p14="http://schemas.microsoft.com/office/powerpoint/2010/main" val="632058919"/>
+      </p:ext>
+    </p:extLst>
+  </p:cSld>
+  <p:clrMapOvr>
+    <a:masterClrMapping/>
+  </p:clrMapOvr>
+  <p:transition spd="slow">
+    <p:push dir="u"/>
+  </p:transition>
+  <p:timing>
+    <p:tnLst>
+      <p:par>
+        <p:cTn id="1" dur="indefinite" restart="never" nodeType="tmRoot"/>
+      </p:par>
+    </p:tnLst>
+  </p:timing>
+</p:sld>
+</file>
+
+<file path=ppt/slides/slide76.xml><?xml version="1.0" encoding="utf-8"?>
+<p:sld xmlns:a="http://schemas.openxmlformats.org/drawingml/2006/main" xmlns:r="http://schemas.openxmlformats.org/officeDocument/2006/relationships" xmlns:p="http://schemas.openxmlformats.org/presentationml/2006/main">
+  <p:cSld>
+    <p:spTree>
+      <p:nvGrpSpPr>
+        <p:cNvPr id="1" name=""/>
+        <p:cNvGrpSpPr/>
+        <p:nvPr/>
+      </p:nvGrpSpPr>
+      <p:grpSpPr>
+        <a:xfrm>
+          <a:off x="0" y="0"/>
+          <a:ext cx="0" cy="0"/>
+          <a:chOff x="0" y="0"/>
+          <a:chExt cx="0" cy="0"/>
+        </a:xfrm>
+      </p:grpSpPr>
+      <p:sp>
+        <p:nvSpPr>
+          <p:cNvPr id="5" name="Rettangolo 4"/>
+          <p:cNvSpPr/>
+          <p:nvPr/>
+        </p:nvSpPr>
+        <p:spPr>
+          <a:xfrm>
+            <a:off x="0" y="-28574"/>
+            <a:ext cx="12192000" cy="342900"/>
+          </a:xfrm>
+          <a:prstGeom prst="rect">
+            <a:avLst/>
+          </a:prstGeom>
+          <a:solidFill>
+            <a:srgbClr val="0072C6"/>
+          </a:solidFill>
+        </p:spPr>
+        <p:style>
+          <a:lnRef idx="2">
+            <a:schemeClr val="accent1">
+              <a:shade val="50000"/>
+            </a:schemeClr>
+          </a:lnRef>
+          <a:fillRef idx="1">
+            <a:schemeClr val="accent1"/>
+          </a:fillRef>
+          <a:effectRef idx="0">
+            <a:schemeClr val="accent1"/>
+          </a:effectRef>
+          <a:fontRef idx="minor">
+            <a:schemeClr val="lt1"/>
+          </a:fontRef>
+        </p:style>
+        <p:txBody>
+          <a:bodyPr rtlCol="0" anchor="ctr"/>
+          <a:lstStyle/>
+          <a:p>
+            <a:pPr algn="ctr"/>
+            <a:endParaRPr lang="it-IT"/>
+          </a:p>
+        </p:txBody>
+      </p:sp>
+      <p:sp>
+        <p:nvSpPr>
+          <p:cNvPr id="6" name="Title 2"/>
+          <p:cNvSpPr txBox="1">
+            <a:spLocks/>
+          </p:cNvSpPr>
+          <p:nvPr/>
+        </p:nvSpPr>
+        <p:spPr>
+          <a:xfrm>
+            <a:off x="521493" y="485778"/>
+            <a:ext cx="11149013" cy="868889"/>
+          </a:xfrm>
+          <a:prstGeom prst="rect">
+            <a:avLst/>
+          </a:prstGeom>
+        </p:spPr>
+        <p:txBody>
+          <a:bodyPr/>
+          <a:lstStyle>
+            <a:lvl1pPr algn="l" defTabSz="914363" rtl="0" eaLnBrk="1" latinLnBrk="0" hangingPunct="1">
+              <a:lnSpc>
+                <a:spcPct val="90000"/>
+              </a:lnSpc>
+              <a:spcBef>
+                <a:spcPct val="0"/>
+              </a:spcBef>
+              <a:buNone/>
+              <a:defRPr lang="en-US" sz="5400" b="0" kern="1200" cap="none" spc="-100" baseline="0" dirty="0" smtClean="0">
+                <a:ln w="3175">
+                  <a:noFill/>
+                </a:ln>
+                <a:gradFill>
+                  <a:gsLst>
+                    <a:gs pos="1250">
+                      <a:schemeClr val="tx2"/>
+                    </a:gs>
+                    <a:gs pos="100000">
+                      <a:schemeClr val="tx2"/>
+                    </a:gs>
+                  </a:gsLst>
+                  <a:lin ang="5400000" scaled="0"/>
+                </a:gradFill>
+                <a:effectLst/>
+                <a:latin typeface="+mj-lt"/>
+                <a:ea typeface="+mn-ea"/>
+                <a:cs typeface="Arial" charset="0"/>
+              </a:defRPr>
+            </a:lvl1pPr>
+          </a:lstStyle>
+          <a:p>
+            <a:r>
+              <a:rPr lang="it-IT" b="1" dirty="0" smtClean="0">
+                <a:solidFill>
+                  <a:srgbClr val="0072C6"/>
+                </a:solidFill>
+              </a:rPr>
+              <a:t>Considerazioni – Architettura software</a:t>
+            </a:r>
+            <a:endParaRPr lang="it-IT" b="1" dirty="0" smtClean="0">
+              <a:solidFill>
+                <a:srgbClr val="0072C6"/>
+              </a:solidFill>
+            </a:endParaRPr>
+          </a:p>
+          <a:p>
+            <a:endParaRPr lang="it-IT" sz="1500" b="1" i="1" dirty="0" smtClean="0">
+              <a:solidFill>
+                <a:srgbClr val="0072C6"/>
+              </a:solidFill>
+            </a:endParaRPr>
+          </a:p>
+          <a:p>
+            <a:endParaRPr lang="it-IT" sz="1000" b="1" i="1" dirty="0" smtClean="0">
+              <a:solidFill>
+                <a:srgbClr val="0072C6"/>
+              </a:solidFill>
+            </a:endParaRPr>
+          </a:p>
+          <a:p>
+            <a:pPr lvl="0"/>
+            <a:endParaRPr lang="it-IT" sz="3200" dirty="0">
+              <a:solidFill>
+                <a:schemeClr val="tx1"/>
+              </a:solidFill>
+            </a:endParaRPr>
+          </a:p>
+          <a:p>
+            <a:pPr marL="457200" lvl="0" indent="-457200">
+              <a:buFont typeface="Arial" panose="020B0604020202020204" pitchFamily="34" charset="0"/>
+              <a:buChar char="•"/>
+            </a:pPr>
+            <a:endParaRPr lang="it-IT" sz="3000" b="1" i="1" dirty="0" smtClean="0">
+              <a:solidFill>
+                <a:srgbClr val="0072C6"/>
+              </a:solidFill>
+            </a:endParaRPr>
+          </a:p>
+          <a:p>
+            <a:pPr lvl="0"/>
+            <a:endParaRPr lang="it-IT" sz="3000" b="1" i="1" dirty="0" smtClean="0">
+              <a:solidFill>
+                <a:srgbClr val="0072C6"/>
+              </a:solidFill>
+            </a:endParaRPr>
+          </a:p>
+          <a:p>
+            <a:pPr marL="457200" lvl="0" indent="-457200">
+              <a:buFont typeface="Arial" panose="020B0604020202020204" pitchFamily="34" charset="0"/>
+              <a:buChar char="•"/>
+            </a:pPr>
+            <a:endParaRPr lang="it-IT" sz="5000" b="1" i="1" dirty="0">
+              <a:solidFill>
+                <a:srgbClr val="0072C6"/>
+              </a:solidFill>
+            </a:endParaRPr>
+          </a:p>
+          <a:p>
+            <a:endParaRPr lang="it-IT" sz="5000" b="1" i="1" dirty="0" smtClean="0">
+              <a:solidFill>
+                <a:srgbClr val="0072C6"/>
+              </a:solidFill>
+            </a:endParaRPr>
+          </a:p>
+          <a:p>
+            <a:endParaRPr lang="it-IT" sz="3000" b="1" i="1" dirty="0">
+              <a:solidFill>
+                <a:srgbClr val="0072C6"/>
+              </a:solidFill>
+            </a:endParaRPr>
+          </a:p>
+        </p:txBody>
+      </p:sp>
+      <p:sp>
+        <p:nvSpPr>
+          <p:cNvPr id="4" name="Rettangolo 3"/>
+          <p:cNvSpPr/>
+          <p:nvPr/>
+        </p:nvSpPr>
+        <p:spPr>
+          <a:xfrm>
+            <a:off x="0" y="6515100"/>
+            <a:ext cx="12192000" cy="342900"/>
+          </a:xfrm>
+          <a:prstGeom prst="rect">
+            <a:avLst/>
+          </a:prstGeom>
+          <a:solidFill>
+            <a:srgbClr val="0072C6"/>
+          </a:solidFill>
+        </p:spPr>
+        <p:style>
+          <a:lnRef idx="2">
+            <a:schemeClr val="accent1">
+              <a:shade val="50000"/>
+            </a:schemeClr>
+          </a:lnRef>
+          <a:fillRef idx="1">
+            <a:schemeClr val="accent1"/>
+          </a:fillRef>
+          <a:effectRef idx="0">
+            <a:schemeClr val="accent1"/>
+          </a:effectRef>
+          <a:fontRef idx="minor">
+            <a:schemeClr val="lt1"/>
+          </a:fontRef>
+        </p:style>
+        <p:txBody>
+          <a:bodyPr rtlCol="0" anchor="ctr"/>
+          <a:lstStyle/>
+          <a:p>
+            <a:pPr algn="ctr"/>
+            <a:endParaRPr lang="it-IT"/>
+          </a:p>
+        </p:txBody>
+      </p:sp>
+      <p:sp>
+        <p:nvSpPr>
+          <p:cNvPr id="7" name="CasellaDiTesto 6"/>
+          <p:cNvSpPr txBox="1"/>
+          <p:nvPr/>
+        </p:nvSpPr>
+        <p:spPr>
+          <a:xfrm>
+            <a:off x="521493" y="1497543"/>
+            <a:ext cx="10579895" cy="5678478"/>
+          </a:xfrm>
+          <a:prstGeom prst="rect">
+            <a:avLst/>
+          </a:prstGeom>
+          <a:noFill/>
+        </p:spPr>
+        <p:txBody>
+          <a:bodyPr wrap="square" rtlCol="0">
+            <a:spAutoFit/>
+          </a:bodyPr>
+          <a:lstStyle/>
+          <a:p>
+            <a:r>
+              <a:rPr lang="it-IT" sz="2800" spc="-100" dirty="0" smtClean="0">
+                <a:ln w="3175">
+                  <a:noFill/>
+                </a:ln>
+                <a:latin typeface="+mj-lt"/>
+                <a:cs typeface="Arial" charset="0"/>
+              </a:rPr>
+              <a:t>Le possibili configurazioni del gestore centrale sono le seguenti:</a:t>
+            </a:r>
+          </a:p>
+          <a:p>
+            <a:endParaRPr lang="it-IT" sz="1500" spc="-100" dirty="0">
+              <a:ln w="3175">
+                <a:noFill/>
+              </a:ln>
+              <a:latin typeface="+mj-lt"/>
+              <a:cs typeface="Arial" charset="0"/>
+            </a:endParaRPr>
+          </a:p>
+          <a:p>
+            <a:pPr marL="457200" indent="-457200">
+              <a:buFont typeface="Arial" panose="020B0604020202020204" pitchFamily="34" charset="0"/>
+              <a:buChar char="•"/>
+            </a:pPr>
+            <a:r>
+              <a:rPr lang="it-IT" sz="2800" b="1" spc="-100" dirty="0" smtClean="0">
+                <a:ln w="3175">
+                  <a:noFill/>
+                </a:ln>
+                <a:latin typeface="+mj-lt"/>
+                <a:cs typeface="Arial" charset="0"/>
+              </a:rPr>
+              <a:t>Gestore centrale suddiviso nelle componenti </a:t>
+            </a:r>
+            <a:r>
+              <a:rPr lang="it-IT" sz="2800" b="1" i="1" spc="-100" dirty="0" smtClean="0">
+                <a:ln w="3175">
+                  <a:noFill/>
+                </a:ln>
+                <a:latin typeface="+mj-lt"/>
+                <a:cs typeface="Arial" charset="0"/>
+              </a:rPr>
+              <a:t>Gestore Storico e Gestore Emergenze</a:t>
+            </a:r>
+          </a:p>
+          <a:p>
+            <a:pPr marL="457200" indent="-457200">
+              <a:buFont typeface="Arial" panose="020B0604020202020204" pitchFamily="34" charset="0"/>
+              <a:buChar char="•"/>
+            </a:pPr>
+            <a:endParaRPr lang="it-IT" sz="1500" spc="-100" dirty="0">
+              <a:ln w="3175">
+                <a:noFill/>
+              </a:ln>
+              <a:latin typeface="+mj-lt"/>
+              <a:cs typeface="Arial" charset="0"/>
+            </a:endParaRPr>
+          </a:p>
+          <a:p>
+            <a:pPr marL="457200" indent="-457200">
+              <a:buFont typeface="Arial" panose="020B0604020202020204" pitchFamily="34" charset="0"/>
+              <a:buChar char="•"/>
+            </a:pPr>
+            <a:r>
+              <a:rPr lang="it-IT" sz="2800" spc="-100" dirty="0" smtClean="0">
+                <a:ln w="3175">
+                  <a:noFill/>
+                </a:ln>
+                <a:latin typeface="+mj-lt"/>
+                <a:cs typeface="Arial" charset="0"/>
+              </a:rPr>
+              <a:t>Gestore centrale formato da </a:t>
+            </a:r>
+            <a:r>
+              <a:rPr lang="it-IT" sz="2800" i="1" spc="-100" dirty="0" smtClean="0">
+                <a:ln w="3175">
+                  <a:noFill/>
+                </a:ln>
+                <a:latin typeface="+mj-lt"/>
+                <a:cs typeface="Arial" charset="0"/>
+              </a:rPr>
+              <a:t>un</a:t>
+            </a:r>
+            <a:r>
+              <a:rPr lang="it-IT" sz="2800" spc="-100" dirty="0" smtClean="0">
+                <a:ln w="3175">
+                  <a:noFill/>
+                </a:ln>
+                <a:latin typeface="+mj-lt"/>
+                <a:cs typeface="Arial" charset="0"/>
+              </a:rPr>
+              <a:t> </a:t>
+            </a:r>
+            <a:r>
+              <a:rPr lang="it-IT" sz="2800" i="1" spc="-100" dirty="0" smtClean="0">
+                <a:ln w="3175">
+                  <a:noFill/>
+                </a:ln>
+                <a:latin typeface="+mj-lt"/>
+                <a:cs typeface="Arial" charset="0"/>
+              </a:rPr>
+              <a:t>solo</a:t>
+            </a:r>
+            <a:r>
+              <a:rPr lang="it-IT" sz="2800" spc="-100" dirty="0" smtClean="0">
+                <a:ln w="3175">
+                  <a:noFill/>
+                </a:ln>
+                <a:latin typeface="+mj-lt"/>
+                <a:cs typeface="Arial" charset="0"/>
+              </a:rPr>
+              <a:t> componente</a:t>
+            </a:r>
+          </a:p>
+          <a:p>
+            <a:pPr marL="457200" indent="-457200">
+              <a:buFont typeface="Arial" panose="020B0604020202020204" pitchFamily="34" charset="0"/>
+              <a:buChar char="•"/>
+            </a:pPr>
+            <a:endParaRPr lang="it-IT" sz="1500" spc="-100" dirty="0">
+              <a:ln w="3175">
+                <a:noFill/>
+              </a:ln>
+              <a:latin typeface="+mj-lt"/>
+              <a:cs typeface="Arial" charset="0"/>
+            </a:endParaRPr>
+          </a:p>
+          <a:p>
+            <a:pPr marL="457200" indent="-457200">
+              <a:buFont typeface="Arial" panose="020B0604020202020204" pitchFamily="34" charset="0"/>
+              <a:buChar char="•"/>
+            </a:pPr>
+            <a:r>
+              <a:rPr lang="it-IT" sz="2800" spc="-100" dirty="0" smtClean="0">
+                <a:ln w="3175">
+                  <a:noFill/>
+                </a:ln>
+                <a:latin typeface="+mj-lt"/>
+                <a:cs typeface="Arial" charset="0"/>
+              </a:rPr>
+              <a:t>Gestore centrale suddiviso nelle componenti </a:t>
+            </a:r>
+            <a:r>
+              <a:rPr lang="it-IT" sz="2800" i="1" spc="-100" dirty="0" smtClean="0">
+                <a:ln w="3175">
+                  <a:noFill/>
+                </a:ln>
+                <a:latin typeface="+mj-lt"/>
+                <a:cs typeface="Arial" charset="0"/>
+              </a:rPr>
+              <a:t>Gestore SEP, Gestore SEG e Gestore Storico</a:t>
+            </a:r>
+            <a:endParaRPr lang="it-IT" sz="2800" i="1" spc="-100" dirty="0" smtClean="0">
+              <a:ln w="3175">
+                <a:noFill/>
+              </a:ln>
+              <a:latin typeface="+mj-lt"/>
+              <a:cs typeface="Arial" charset="0"/>
+            </a:endParaRPr>
+          </a:p>
+          <a:p>
+            <a:endParaRPr lang="it-IT" sz="2800" spc="-100" dirty="0" smtClean="0">
+              <a:ln w="3175">
+                <a:noFill/>
+              </a:ln>
+              <a:latin typeface="+mj-lt"/>
+              <a:cs typeface="Arial" charset="0"/>
+            </a:endParaRPr>
+          </a:p>
+          <a:p>
+            <a:r>
+              <a:rPr lang="it-IT" sz="2800" spc="-100" dirty="0" smtClean="0">
+                <a:ln w="3175">
+                  <a:noFill/>
+                </a:ln>
+                <a:latin typeface="+mj-lt"/>
+                <a:cs typeface="Arial" charset="0"/>
+              </a:rPr>
+              <a:t>Analizzando i </a:t>
+            </a:r>
+            <a:r>
+              <a:rPr lang="it-IT" sz="2800" i="1" spc="-100" dirty="0" err="1" smtClean="0">
+                <a:ln w="3175">
+                  <a:noFill/>
+                </a:ln>
+                <a:latin typeface="+mj-lt"/>
+                <a:cs typeface="Arial" charset="0"/>
+              </a:rPr>
+              <a:t>footprint</a:t>
+            </a:r>
+            <a:r>
+              <a:rPr lang="it-IT" sz="2800" spc="-100" dirty="0" smtClean="0">
+                <a:ln w="3175">
+                  <a:noFill/>
+                </a:ln>
+                <a:latin typeface="+mj-lt"/>
+                <a:cs typeface="Arial" charset="0"/>
+              </a:rPr>
+              <a:t> delle tre diverse configurazioni, la prima soluzione è da considerarsi migliore. (vedi slide sui </a:t>
+            </a:r>
+            <a:r>
+              <a:rPr lang="it-IT" sz="2800" i="1" spc="-100" dirty="0" err="1" smtClean="0">
+                <a:ln w="3175">
+                  <a:noFill/>
+                </a:ln>
+                <a:latin typeface="+mj-lt"/>
+                <a:cs typeface="Arial" charset="0"/>
+              </a:rPr>
+              <a:t>footprint</a:t>
+            </a:r>
+            <a:r>
+              <a:rPr lang="it-IT" sz="2800" spc="-100" dirty="0" smtClean="0">
+                <a:ln w="3175">
+                  <a:noFill/>
+                </a:ln>
+                <a:latin typeface="+mj-lt"/>
+                <a:cs typeface="Arial" charset="0"/>
+              </a:rPr>
+              <a:t>)</a:t>
+            </a:r>
+            <a:endParaRPr lang="it-IT" sz="2800" spc="-100" dirty="0">
+              <a:ln w="3175">
+                <a:noFill/>
+              </a:ln>
+              <a:latin typeface="+mj-lt"/>
+              <a:cs typeface="Arial" charset="0"/>
+            </a:endParaRPr>
+          </a:p>
+          <a:p>
+            <a:endParaRPr lang="it-IT" sz="1000" spc="-100" dirty="0">
+              <a:ln w="3175">
+                <a:noFill/>
+              </a:ln>
+              <a:latin typeface="+mj-lt"/>
+              <a:cs typeface="Arial" charset="0"/>
+            </a:endParaRPr>
+          </a:p>
+          <a:p>
+            <a:pPr lvl="0"/>
+            <a:endParaRPr lang="it-IT" sz="2800" spc="-100" dirty="0" smtClean="0">
+              <a:ln w="3175">
+                <a:noFill/>
+              </a:ln>
+              <a:latin typeface="+mj-lt"/>
+              <a:cs typeface="Arial" charset="0"/>
+            </a:endParaRPr>
+          </a:p>
+          <a:p>
+            <a:pPr lvl="0"/>
+            <a:endParaRPr lang="it-IT" sz="1000" spc="-100" dirty="0">
+              <a:ln w="3175">
+                <a:noFill/>
+              </a:ln>
+              <a:latin typeface="+mj-lt"/>
+              <a:cs typeface="Arial" charset="0"/>
+            </a:endParaRPr>
+          </a:p>
+          <a:p>
+            <a:endParaRPr lang="it-IT" dirty="0"/>
+          </a:p>
+        </p:txBody>
+      </p:sp>
+    </p:spTree>
+    <p:extLst>
+      <p:ext uri="{BB962C8B-B14F-4D97-AF65-F5344CB8AC3E}">
+        <p14:creationId xmlns:p14="http://schemas.microsoft.com/office/powerpoint/2010/main" val="3201788093"/>
+      </p:ext>
+    </p:extLst>
+  </p:cSld>
+  <p:clrMapOvr>
+    <a:masterClrMapping/>
+  </p:clrMapOvr>
+  <p:transition spd="slow">
+    <p:push dir="u"/>
+  </p:transition>
+  <p:timing>
+    <p:tnLst>
+      <p:par>
+        <p:cTn id="1" dur="indefinite" restart="never" nodeType="tmRoot"/>
+      </p:par>
+    </p:tnLst>
+  </p:timing>
+</p:sld>
+</file>
+
+<file path=ppt/slides/slide77.xml><?xml version="1.0" encoding="utf-8"?>
+<p:sld xmlns:a="http://schemas.openxmlformats.org/drawingml/2006/main" xmlns:r="http://schemas.openxmlformats.org/officeDocument/2006/relationships" xmlns:p="http://schemas.openxmlformats.org/presentationml/2006/main">
+  <p:cSld>
+    <p:spTree>
+      <p:nvGrpSpPr>
+        <p:cNvPr id="1" name=""/>
+        <p:cNvGrpSpPr/>
+        <p:nvPr/>
+      </p:nvGrpSpPr>
+      <p:grpSpPr>
+        <a:xfrm>
+          <a:off x="0" y="0"/>
+          <a:ext cx="0" cy="0"/>
+          <a:chOff x="0" y="0"/>
+          <a:chExt cx="0" cy="0"/>
+        </a:xfrm>
+      </p:grpSpPr>
+      <p:sp>
+        <p:nvSpPr>
+          <p:cNvPr id="5" name="Rettangolo 4"/>
+          <p:cNvSpPr/>
+          <p:nvPr/>
+        </p:nvSpPr>
+        <p:spPr>
+          <a:xfrm>
+            <a:off x="0" y="-28574"/>
+            <a:ext cx="12192000" cy="342900"/>
+          </a:xfrm>
+          <a:prstGeom prst="rect">
+            <a:avLst/>
+          </a:prstGeom>
+          <a:solidFill>
+            <a:srgbClr val="0072C6"/>
+          </a:solidFill>
+        </p:spPr>
+        <p:style>
+          <a:lnRef idx="2">
+            <a:schemeClr val="accent1">
+              <a:shade val="50000"/>
+            </a:schemeClr>
+          </a:lnRef>
+          <a:fillRef idx="1">
+            <a:schemeClr val="accent1"/>
+          </a:fillRef>
+          <a:effectRef idx="0">
+            <a:schemeClr val="accent1"/>
+          </a:effectRef>
+          <a:fontRef idx="minor">
+            <a:schemeClr val="lt1"/>
+          </a:fontRef>
+        </p:style>
+        <p:txBody>
+          <a:bodyPr rtlCol="0" anchor="ctr"/>
+          <a:lstStyle/>
+          <a:p>
+            <a:pPr algn="ctr"/>
+            <a:endParaRPr lang="it-IT"/>
+          </a:p>
+        </p:txBody>
+      </p:sp>
+      <p:sp>
+        <p:nvSpPr>
+          <p:cNvPr id="6" name="Title 2"/>
+          <p:cNvSpPr txBox="1">
+            <a:spLocks/>
+          </p:cNvSpPr>
+          <p:nvPr/>
+        </p:nvSpPr>
+        <p:spPr>
+          <a:xfrm>
+            <a:off x="521493" y="485778"/>
+            <a:ext cx="11149013" cy="868889"/>
+          </a:xfrm>
+          <a:prstGeom prst="rect">
+            <a:avLst/>
+          </a:prstGeom>
+        </p:spPr>
+        <p:txBody>
+          <a:bodyPr/>
+          <a:lstStyle>
+            <a:lvl1pPr algn="l" defTabSz="914363" rtl="0" eaLnBrk="1" latinLnBrk="0" hangingPunct="1">
+              <a:lnSpc>
+                <a:spcPct val="90000"/>
+              </a:lnSpc>
+              <a:spcBef>
+                <a:spcPct val="0"/>
+              </a:spcBef>
+              <a:buNone/>
+              <a:defRPr lang="en-US" sz="5400" b="0" kern="1200" cap="none" spc="-100" baseline="0" dirty="0" smtClean="0">
+                <a:ln w="3175">
+                  <a:noFill/>
+                </a:ln>
+                <a:gradFill>
+                  <a:gsLst>
+                    <a:gs pos="1250">
+                      <a:schemeClr val="tx2"/>
+                    </a:gs>
+                    <a:gs pos="100000">
+                      <a:schemeClr val="tx2"/>
+                    </a:gs>
+                  </a:gsLst>
+                  <a:lin ang="5400000" scaled="0"/>
+                </a:gradFill>
+                <a:effectLst/>
+                <a:latin typeface="+mj-lt"/>
+                <a:ea typeface="+mn-ea"/>
+                <a:cs typeface="Arial" charset="0"/>
+              </a:defRPr>
+            </a:lvl1pPr>
+          </a:lstStyle>
+          <a:p>
+            <a:r>
+              <a:rPr lang="it-IT" b="1" dirty="0" smtClean="0">
+                <a:solidFill>
+                  <a:srgbClr val="0072C6"/>
+                </a:solidFill>
+              </a:rPr>
+              <a:t>Considerazioni – Varie</a:t>
+            </a:r>
+            <a:endParaRPr lang="it-IT" b="1" dirty="0" smtClean="0">
+              <a:solidFill>
+                <a:srgbClr val="0072C6"/>
+              </a:solidFill>
+            </a:endParaRPr>
+          </a:p>
+          <a:p>
+            <a:endParaRPr lang="it-IT" sz="1500" b="1" i="1" dirty="0" smtClean="0">
+              <a:solidFill>
+                <a:srgbClr val="0072C6"/>
+              </a:solidFill>
+            </a:endParaRPr>
+          </a:p>
+          <a:p>
+            <a:endParaRPr lang="it-IT" sz="1000" b="1" i="1" dirty="0" smtClean="0">
+              <a:solidFill>
+                <a:srgbClr val="0072C6"/>
+              </a:solidFill>
+            </a:endParaRPr>
+          </a:p>
+          <a:p>
+            <a:pPr lvl="0"/>
+            <a:endParaRPr lang="it-IT" sz="3200" dirty="0">
+              <a:solidFill>
+                <a:schemeClr val="tx1"/>
+              </a:solidFill>
+            </a:endParaRPr>
+          </a:p>
+          <a:p>
+            <a:pPr marL="457200" lvl="0" indent="-457200">
+              <a:buFont typeface="Arial" panose="020B0604020202020204" pitchFamily="34" charset="0"/>
+              <a:buChar char="•"/>
+            </a:pPr>
+            <a:endParaRPr lang="it-IT" sz="3000" b="1" i="1" dirty="0" smtClean="0">
+              <a:solidFill>
+                <a:srgbClr val="0072C6"/>
+              </a:solidFill>
+            </a:endParaRPr>
+          </a:p>
+          <a:p>
+            <a:pPr lvl="0"/>
+            <a:endParaRPr lang="it-IT" sz="3000" b="1" i="1" dirty="0" smtClean="0">
+              <a:solidFill>
+                <a:srgbClr val="0072C6"/>
+              </a:solidFill>
+            </a:endParaRPr>
+          </a:p>
+          <a:p>
+            <a:pPr marL="457200" lvl="0" indent="-457200">
+              <a:buFont typeface="Arial" panose="020B0604020202020204" pitchFamily="34" charset="0"/>
+              <a:buChar char="•"/>
+            </a:pPr>
+            <a:endParaRPr lang="it-IT" sz="5000" b="1" i="1" dirty="0">
+              <a:solidFill>
+                <a:srgbClr val="0072C6"/>
+              </a:solidFill>
+            </a:endParaRPr>
+          </a:p>
+          <a:p>
+            <a:endParaRPr lang="it-IT" sz="5000" b="1" i="1" dirty="0" smtClean="0">
+              <a:solidFill>
+                <a:srgbClr val="0072C6"/>
+              </a:solidFill>
+            </a:endParaRPr>
+          </a:p>
+          <a:p>
+            <a:endParaRPr lang="it-IT" sz="3000" b="1" i="1" dirty="0">
+              <a:solidFill>
+                <a:srgbClr val="0072C6"/>
+              </a:solidFill>
+            </a:endParaRPr>
+          </a:p>
+        </p:txBody>
+      </p:sp>
+      <p:sp>
+        <p:nvSpPr>
+          <p:cNvPr id="4" name="Rettangolo 3"/>
+          <p:cNvSpPr/>
+          <p:nvPr/>
+        </p:nvSpPr>
+        <p:spPr>
+          <a:xfrm>
+            <a:off x="0" y="6515100"/>
+            <a:ext cx="12192000" cy="342900"/>
+          </a:xfrm>
+          <a:prstGeom prst="rect">
+            <a:avLst/>
+          </a:prstGeom>
+          <a:solidFill>
+            <a:srgbClr val="0072C6"/>
+          </a:solidFill>
+        </p:spPr>
+        <p:style>
+          <a:lnRef idx="2">
+            <a:schemeClr val="accent1">
+              <a:shade val="50000"/>
+            </a:schemeClr>
+          </a:lnRef>
+          <a:fillRef idx="1">
+            <a:schemeClr val="accent1"/>
+          </a:fillRef>
+          <a:effectRef idx="0">
+            <a:schemeClr val="accent1"/>
+          </a:effectRef>
+          <a:fontRef idx="minor">
+            <a:schemeClr val="lt1"/>
+          </a:fontRef>
+        </p:style>
+        <p:txBody>
+          <a:bodyPr rtlCol="0" anchor="ctr"/>
+          <a:lstStyle/>
+          <a:p>
+            <a:pPr algn="ctr"/>
+            <a:endParaRPr lang="it-IT"/>
+          </a:p>
+        </p:txBody>
+      </p:sp>
+      <p:sp>
+        <p:nvSpPr>
+          <p:cNvPr id="7" name="CasellaDiTesto 6"/>
+          <p:cNvSpPr txBox="1"/>
+          <p:nvPr/>
+        </p:nvSpPr>
+        <p:spPr>
+          <a:xfrm>
+            <a:off x="454818" y="1526119"/>
+            <a:ext cx="11215688" cy="4493538"/>
+          </a:xfrm>
+          <a:prstGeom prst="rect">
+            <a:avLst/>
+          </a:prstGeom>
+          <a:noFill/>
+        </p:spPr>
+        <p:txBody>
+          <a:bodyPr wrap="square" rtlCol="0">
+            <a:spAutoFit/>
+          </a:bodyPr>
+          <a:lstStyle/>
+          <a:p>
+            <a:r>
+              <a:rPr lang="it-IT" sz="2800" spc="-100" dirty="0" smtClean="0">
+                <a:ln w="3175">
+                  <a:noFill/>
+                </a:ln>
+                <a:latin typeface="+mj-lt"/>
+                <a:cs typeface="Arial" charset="0"/>
+              </a:rPr>
+              <a:t>La trasmissione dei dati tra </a:t>
+            </a:r>
+            <a:r>
+              <a:rPr lang="it-IT" sz="2800" i="1" spc="-100" dirty="0" smtClean="0">
+                <a:ln w="3175">
+                  <a:noFill/>
+                </a:ln>
+                <a:latin typeface="+mj-lt"/>
+                <a:cs typeface="Arial" charset="0"/>
+              </a:rPr>
+              <a:t>sensori</a:t>
+            </a:r>
+            <a:r>
+              <a:rPr lang="it-IT" sz="2800" spc="-100" dirty="0" smtClean="0">
+                <a:ln w="3175">
+                  <a:noFill/>
+                </a:ln>
+                <a:latin typeface="+mj-lt"/>
+                <a:cs typeface="Arial" charset="0"/>
+              </a:rPr>
+              <a:t> e </a:t>
+            </a:r>
+            <a:r>
+              <a:rPr lang="it-IT" sz="2800" i="1" spc="-100" dirty="0" smtClean="0">
+                <a:ln w="3175">
+                  <a:noFill/>
+                </a:ln>
+                <a:latin typeface="+mj-lt"/>
+                <a:cs typeface="Arial" charset="0"/>
+              </a:rPr>
+              <a:t>gestore centrale </a:t>
+            </a:r>
+            <a:r>
+              <a:rPr lang="it-IT" sz="2800" spc="-100" dirty="0" smtClean="0">
+                <a:ln w="3175">
+                  <a:noFill/>
+                </a:ln>
+                <a:latin typeface="+mj-lt"/>
+                <a:cs typeface="Arial" charset="0"/>
+              </a:rPr>
+              <a:t>avviene tramite</a:t>
+            </a:r>
+          </a:p>
+          <a:p>
+            <a:r>
+              <a:rPr lang="it-IT" sz="2800" spc="-100" dirty="0" smtClean="0">
+                <a:ln w="3175">
+                  <a:noFill/>
+                </a:ln>
+                <a:latin typeface="+mj-lt"/>
+                <a:cs typeface="Arial" charset="0"/>
+              </a:rPr>
+              <a:t>segnale GPRS. (</a:t>
+            </a:r>
+            <a:r>
+              <a:rPr lang="it-IT" sz="2800" i="1" spc="-100" dirty="0" smtClean="0">
+                <a:ln w="3175">
+                  <a:noFill/>
+                </a:ln>
+                <a:latin typeface="+mj-lt"/>
+                <a:cs typeface="Arial" charset="0"/>
+              </a:rPr>
+              <a:t>wireless</a:t>
+            </a:r>
+            <a:r>
+              <a:rPr lang="it-IT" sz="2800" spc="-100" dirty="0" smtClean="0">
+                <a:ln w="3175">
+                  <a:noFill/>
+                </a:ln>
+                <a:latin typeface="+mj-lt"/>
+                <a:cs typeface="Arial" charset="0"/>
+              </a:rPr>
+              <a:t>)</a:t>
+            </a:r>
+          </a:p>
+          <a:p>
+            <a:endParaRPr lang="it-IT" sz="1500" spc="-100" dirty="0">
+              <a:ln w="3175">
+                <a:noFill/>
+              </a:ln>
+              <a:latin typeface="+mj-lt"/>
+              <a:cs typeface="Arial" charset="0"/>
+            </a:endParaRPr>
+          </a:p>
+          <a:p>
+            <a:endParaRPr lang="it-IT" sz="1000" spc="-100" dirty="0">
+              <a:ln w="3175">
+                <a:noFill/>
+              </a:ln>
+              <a:latin typeface="+mj-lt"/>
+              <a:cs typeface="Arial" charset="0"/>
+            </a:endParaRPr>
+          </a:p>
+          <a:p>
+            <a:pPr lvl="0"/>
+            <a:r>
+              <a:rPr lang="it-IT" sz="2800" spc="-100" dirty="0" smtClean="0">
+                <a:ln w="3175">
+                  <a:noFill/>
+                </a:ln>
+                <a:latin typeface="+mj-lt"/>
+                <a:cs typeface="Arial" charset="0"/>
+              </a:rPr>
+              <a:t>La scelta di questo tipo di trasmissione permette il posizionamento dei sensori anche in zone difficilmente raggiungibili da rete internet cablata.</a:t>
+            </a:r>
+          </a:p>
+          <a:p>
+            <a:pPr lvl="0"/>
+            <a:endParaRPr lang="it-IT" sz="1500" spc="-100" dirty="0">
+              <a:ln w="3175">
+                <a:noFill/>
+              </a:ln>
+              <a:latin typeface="+mj-lt"/>
+              <a:cs typeface="Arial" charset="0"/>
+            </a:endParaRPr>
+          </a:p>
+          <a:p>
+            <a:pPr lvl="0"/>
+            <a:r>
+              <a:rPr lang="it-IT" sz="2800" spc="-100" dirty="0" smtClean="0">
+                <a:ln w="3175">
+                  <a:noFill/>
+                </a:ln>
+                <a:latin typeface="+mj-lt"/>
+                <a:cs typeface="Arial" charset="0"/>
+              </a:rPr>
+              <a:t>Un altro tipo di approccio </a:t>
+            </a:r>
+            <a:r>
+              <a:rPr lang="it-IT" sz="2800" spc="-100" dirty="0" smtClean="0">
+                <a:ln w="3175">
+                  <a:noFill/>
+                </a:ln>
+                <a:latin typeface="+mj-lt"/>
+                <a:cs typeface="Arial" charset="0"/>
+              </a:rPr>
+              <a:t>è quello di utilizzare la </a:t>
+            </a:r>
+            <a:r>
+              <a:rPr lang="it-IT" sz="2800" spc="-100" dirty="0" smtClean="0">
+                <a:ln w="3175">
+                  <a:noFill/>
+                </a:ln>
+                <a:latin typeface="+mj-lt"/>
+                <a:cs typeface="Arial" charset="0"/>
+              </a:rPr>
+              <a:t>trasmissione via cavo con la conseguenza della riduzione dei costi (un modulo </a:t>
+            </a:r>
+            <a:r>
+              <a:rPr lang="it-IT" sz="2800" i="1" spc="-100" dirty="0" err="1" smtClean="0">
+                <a:ln w="3175">
+                  <a:noFill/>
+                </a:ln>
+                <a:latin typeface="+mj-lt"/>
+                <a:cs typeface="Arial" charset="0"/>
+              </a:rPr>
+              <a:t>cable</a:t>
+            </a:r>
+            <a:r>
+              <a:rPr lang="it-IT" sz="2800" i="1" spc="-100" dirty="0" smtClean="0">
+                <a:ln w="3175">
+                  <a:noFill/>
+                </a:ln>
+                <a:latin typeface="+mj-lt"/>
+                <a:cs typeface="Arial" charset="0"/>
+              </a:rPr>
+              <a:t> internet </a:t>
+            </a:r>
+            <a:r>
+              <a:rPr lang="it-IT" sz="2800" spc="-100" dirty="0" smtClean="0">
+                <a:ln w="3175">
+                  <a:noFill/>
+                </a:ln>
+                <a:latin typeface="+mj-lt"/>
+                <a:cs typeface="Arial" charset="0"/>
+              </a:rPr>
+              <a:t>è meno costoso di un </a:t>
+            </a:r>
+            <a:r>
+              <a:rPr lang="it-IT" sz="2800" i="1" spc="-100" dirty="0" smtClean="0">
+                <a:ln w="3175">
+                  <a:noFill/>
+                </a:ln>
+                <a:latin typeface="+mj-lt"/>
+                <a:cs typeface="Arial" charset="0"/>
+              </a:rPr>
+              <a:t>modulo GPRS</a:t>
+            </a:r>
+            <a:r>
+              <a:rPr lang="it-IT" sz="2800" spc="-100" dirty="0" smtClean="0">
+                <a:ln w="3175">
+                  <a:noFill/>
+                </a:ln>
+                <a:latin typeface="+mj-lt"/>
+                <a:cs typeface="Arial" charset="0"/>
+              </a:rPr>
+              <a:t>) </a:t>
+            </a:r>
+            <a:r>
+              <a:rPr lang="it-IT" sz="2800" spc="-100" dirty="0" smtClean="0">
+                <a:ln w="3175">
+                  <a:noFill/>
+                </a:ln>
+                <a:latin typeface="+mj-lt"/>
+                <a:cs typeface="Arial" charset="0"/>
+              </a:rPr>
+              <a:t>ma si ottengono limitazioni sul posizionamento dei sensori.</a:t>
+            </a:r>
+          </a:p>
+          <a:p>
+            <a:pPr lvl="0"/>
+            <a:endParaRPr lang="it-IT" sz="2800" spc="-100" dirty="0" smtClean="0">
+              <a:ln w="3175">
+                <a:noFill/>
+              </a:ln>
+              <a:latin typeface="+mj-lt"/>
+              <a:cs typeface="Arial" charset="0"/>
+            </a:endParaRPr>
+          </a:p>
+          <a:p>
+            <a:r>
+              <a:rPr lang="it-IT" sz="2200" spc="-100" dirty="0" smtClean="0">
+                <a:ln w="3175">
+                  <a:noFill/>
+                </a:ln>
+                <a:latin typeface="+mj-lt"/>
+                <a:cs typeface="Arial" charset="0"/>
+              </a:rPr>
+              <a:t>NB</a:t>
+            </a:r>
+            <a:r>
+              <a:rPr lang="it-IT" sz="2200" spc="-100" dirty="0">
+                <a:ln w="3175">
+                  <a:noFill/>
+                </a:ln>
+                <a:latin typeface="+mj-lt"/>
+                <a:cs typeface="Arial" charset="0"/>
+              </a:rPr>
+              <a:t>: assumiamo una copertura completa del segnale GPRS </a:t>
+            </a:r>
+            <a:endParaRPr lang="it-IT" sz="2200" spc="-100" dirty="0">
+              <a:ln w="3175">
+                <a:noFill/>
+              </a:ln>
+              <a:latin typeface="+mj-lt"/>
+              <a:cs typeface="Arial" charset="0"/>
+            </a:endParaRPr>
+          </a:p>
+        </p:txBody>
+      </p:sp>
+    </p:spTree>
+    <p:extLst>
+      <p:ext uri="{BB962C8B-B14F-4D97-AF65-F5344CB8AC3E}">
+        <p14:creationId xmlns:p14="http://schemas.microsoft.com/office/powerpoint/2010/main" val="3795148635"/>
       </p:ext>
     </p:extLst>
   </p:cSld>
@@ -28615,17 +33959,7 @@
                 <a:latin typeface="+mj-lt"/>
                 <a:cs typeface="Arial" charset="0"/>
               </a:rPr>
-              <a:t>Conosciamo lo schema logico di </a:t>
-            </a:r>
-            <a:r>
-              <a:rPr lang="it-IT" sz="3200" spc="-100" dirty="0" smtClean="0">
-                <a:ln w="3175">
-                  <a:noFill/>
-                </a:ln>
-                <a:latin typeface="+mj-lt"/>
-                <a:cs typeface="Arial" charset="0"/>
-              </a:rPr>
-              <a:t>BDM</a:t>
+              <a:t>Conosciamo lo schema logico di BDM</a:t>
             </a:r>
             <a:endParaRPr lang="it-IT" sz="3200" spc="-100" dirty="0">
               <a:ln w="3175">
@@ -28661,25 +33995,8 @@
                 <a:latin typeface="+mj-lt"/>
                 <a:cs typeface="Arial" charset="0"/>
               </a:rPr>
-              <a:t>I nodi idrici si trovano in corrispondenza del punto di confluenza di due corsi </a:t>
-            </a:r>
-            <a:r>
-              <a:rPr lang="it-IT" sz="3200" spc="-100" dirty="0" smtClean="0">
-                <a:ln w="3175">
-                  <a:noFill/>
-                </a:ln>
-                <a:latin typeface="+mj-lt"/>
-                <a:cs typeface="Arial" charset="0"/>
-              </a:rPr>
-              <a:t>d’acqua</a:t>
-            </a:r>
-            <a:endParaRPr lang="it-IT" sz="3200" spc="-100" dirty="0" smtClean="0">
-              <a:ln w="3175">
-                <a:noFill/>
-              </a:ln>
-              <a:latin typeface="+mj-lt"/>
-              <a:cs typeface="Arial" charset="0"/>
-            </a:endParaRPr>
+              <a:t>I nodi idrici si trovano in corrispondenza del punto di confluenza di due corsi d’acqua</a:t>
+            </a:r>
           </a:p>
           <a:p>
             <a:pPr marL="457200" lvl="0" indent="-457200">
@@ -28707,25 +34024,8 @@
                 <a:latin typeface="+mj-lt"/>
                 <a:cs typeface="Arial" charset="0"/>
               </a:rPr>
-              <a:t>Il tratto di fiume va da un nodo al </a:t>
-            </a:r>
-            <a:r>
-              <a:rPr lang="it-IT" sz="3200" spc="-100" dirty="0" smtClean="0">
-                <a:ln w="3175">
-                  <a:noFill/>
-                </a:ln>
-                <a:latin typeface="+mj-lt"/>
-                <a:cs typeface="Arial" charset="0"/>
-              </a:rPr>
-              <a:t>successivo</a:t>
-            </a:r>
-            <a:endParaRPr lang="it-IT" sz="3200" spc="-100" dirty="0" smtClean="0">
-              <a:ln w="3175">
-                <a:noFill/>
-              </a:ln>
-              <a:latin typeface="+mj-lt"/>
-              <a:cs typeface="Arial" charset="0"/>
-            </a:endParaRPr>
+              <a:t>Il tratto di fiume va da un nodo al successivo</a:t>
+            </a:r>
           </a:p>
           <a:p>
             <a:pPr marL="457200" indent="-457200">
@@ -28753,17 +34053,7 @@
                 <a:latin typeface="+mj-lt"/>
                 <a:cs typeface="Arial" charset="0"/>
               </a:rPr>
-              <a:t>Vengono monitorati solo i tratti d’acqua considerati a </a:t>
-            </a:r>
-            <a:r>
-              <a:rPr lang="it-IT" sz="3200" spc="-100" dirty="0" smtClean="0">
-                <a:ln w="3175">
-                  <a:noFill/>
-                </a:ln>
-                <a:latin typeface="+mj-lt"/>
-                <a:cs typeface="Arial" charset="0"/>
-              </a:rPr>
-              <a:t>rischio </a:t>
+              <a:t>Vengono monitorati solo i tratti d’acqua considerati a rischio </a:t>
             </a:r>
             <a:endParaRPr lang="it-IT" sz="3200" spc="-100" dirty="0">
               <a:ln w="3175">
@@ -29106,17 +34396,7 @@
                 <a:latin typeface="+mj-lt"/>
                 <a:cs typeface="Arial" charset="0"/>
               </a:rPr>
-              <a:t> dotati di modulo GPRS (Output digitale</a:t>
-            </a:r>
-            <a:r>
-              <a:rPr lang="it-IT" sz="3200" spc="-100" dirty="0" smtClean="0">
-                <a:ln w="3175">
-                  <a:noFill/>
-                </a:ln>
-                <a:latin typeface="+mj-lt"/>
-                <a:cs typeface="Arial" charset="0"/>
-              </a:rPr>
-              <a:t>) </a:t>
+              <a:t> dotati di modulo GPRS (Output digitale) </a:t>
             </a:r>
             <a:endParaRPr lang="it-IT" sz="3200" spc="-100" dirty="0">
               <a:ln w="3175">
@@ -29248,25 +34528,8 @@
                 <a:latin typeface="+mj-lt"/>
                 <a:cs typeface="Arial" charset="0"/>
               </a:rPr>
-              <a:t>Il territorio di una regione è suddiviso in </a:t>
-            </a:r>
-            <a:r>
-              <a:rPr lang="it-IT" sz="3200" spc="-100" dirty="0" smtClean="0">
-                <a:ln w="3175">
-                  <a:noFill/>
-                </a:ln>
-                <a:latin typeface="+mj-lt"/>
-                <a:cs typeface="Arial" charset="0"/>
-              </a:rPr>
-              <a:t>celle</a:t>
-            </a:r>
-            <a:endParaRPr lang="it-IT" sz="3200" spc="-100" dirty="0" smtClean="0">
-              <a:ln w="3175">
-                <a:noFill/>
-              </a:ln>
-              <a:latin typeface="+mj-lt"/>
-              <a:cs typeface="Arial" charset="0"/>
-            </a:endParaRPr>
+              <a:t>Il territorio di una regione è suddiviso in celle</a:t>
+            </a:r>
           </a:p>
           <a:p>
             <a:pPr marL="457200" indent="-457200">

--- a/Febbraio 2015.pptx
+++ b/Febbraio 2015.pptx
@@ -13,12 +13,12 @@
     <p:sldId id="258" r:id="rId4"/>
     <p:sldId id="259" r:id="rId5"/>
     <p:sldId id="262" r:id="rId6"/>
-    <p:sldId id="261" r:id="rId7"/>
-    <p:sldId id="272" r:id="rId8"/>
-    <p:sldId id="274" r:id="rId9"/>
-    <p:sldId id="275" r:id="rId10"/>
-    <p:sldId id="263" r:id="rId11"/>
-    <p:sldId id="273" r:id="rId12"/>
+    <p:sldId id="263" r:id="rId7"/>
+    <p:sldId id="273" r:id="rId8"/>
+    <p:sldId id="261" r:id="rId9"/>
+    <p:sldId id="272" r:id="rId10"/>
+    <p:sldId id="274" r:id="rId11"/>
+    <p:sldId id="275" r:id="rId12"/>
     <p:sldId id="264" r:id="rId13"/>
     <p:sldId id="265" r:id="rId14"/>
     <p:sldId id="266" r:id="rId15"/>
@@ -318,11 +318,11 @@
           <c:showPercent val="0"/>
           <c:showBubbleSize val="0"/>
         </c:dLbls>
-        <c:axId val="139553360"/>
-        <c:axId val="139553920"/>
+        <c:axId val="223093312"/>
+        <c:axId val="223091632"/>
       </c:radarChart>
       <c:catAx>
-        <c:axId val="139553360"/>
+        <c:axId val="223093312"/>
         <c:scaling>
           <c:orientation val="minMax"/>
         </c:scaling>
@@ -365,7 +365,7 @@
             <a:endParaRPr lang="it-IT"/>
           </a:p>
         </c:txPr>
-        <c:crossAx val="139553920"/>
+        <c:crossAx val="223091632"/>
         <c:crosses val="autoZero"/>
         <c:auto val="1"/>
         <c:lblAlgn val="ctr"/>
@@ -373,7 +373,7 @@
         <c:noMultiLvlLbl val="0"/>
       </c:catAx>
       <c:valAx>
-        <c:axId val="139553920"/>
+        <c:axId val="223091632"/>
         <c:scaling>
           <c:orientation val="minMax"/>
           <c:max val="100"/>
@@ -385,8 +385,7 @@
             <a:ln w="9525" cap="flat" cmpd="sng" algn="ctr">
               <a:solidFill>
                 <a:schemeClr val="tx1">
-                  <a:lumMod val="15000"/>
-                  <a:lumOff val="85000"/>
+                  <a:alpha val="70000"/>
                 </a:schemeClr>
               </a:solidFill>
               <a:round/>
@@ -425,7 +424,7 @@
             <a:endParaRPr lang="it-IT"/>
           </a:p>
         </c:txPr>
-        <c:crossAx val="139553360"/>
+        <c:crossAx val="223093312"/>
         <c:crosses val="autoZero"/>
         <c:crossBetween val="between"/>
         <c:majorUnit val="10"/>
@@ -481,7 +480,17 @@
   <c:chart>
     <c:autoTitleDeleted val="1"/>
     <c:plotArea>
-      <c:layout/>
+      <c:layout>
+        <c:manualLayout>
+          <c:layoutTarget val="inner"/>
+          <c:xMode val="edge"/>
+          <c:yMode val="edge"/>
+          <c:x val="0.25868438858935733"/>
+          <c:y val="7.3886341319010479E-2"/>
+          <c:w val="0.46511599843123058"/>
+          <c:h val="0.8442789827884134"/>
+        </c:manualLayout>
+      </c:layout>
       <c:radarChart>
         <c:radarStyle val="filled"/>
         <c:varyColors val="0"/>
@@ -571,11 +580,11 @@
           <c:showPercent val="0"/>
           <c:showBubbleSize val="0"/>
         </c:dLbls>
-        <c:axId val="139556160"/>
-        <c:axId val="139556720"/>
+        <c:axId val="200721584"/>
+        <c:axId val="148011808"/>
       </c:radarChart>
       <c:catAx>
-        <c:axId val="139556160"/>
+        <c:axId val="200721584"/>
         <c:scaling>
           <c:orientation val="minMax"/>
         </c:scaling>
@@ -618,7 +627,7 @@
             <a:endParaRPr lang="it-IT"/>
           </a:p>
         </c:txPr>
-        <c:crossAx val="139556720"/>
+        <c:crossAx val="148011808"/>
         <c:crosses val="autoZero"/>
         <c:auto val="1"/>
         <c:lblAlgn val="ctr"/>
@@ -626,7 +635,7 @@
         <c:noMultiLvlLbl val="0"/>
       </c:catAx>
       <c:valAx>
-        <c:axId val="139556720"/>
+        <c:axId val="148011808"/>
         <c:scaling>
           <c:orientation val="minMax"/>
         </c:scaling>
@@ -637,8 +646,7 @@
             <a:ln w="9525" cap="flat" cmpd="sng" algn="ctr">
               <a:solidFill>
                 <a:schemeClr val="tx1">
-                  <a:lumMod val="15000"/>
-                  <a:lumOff val="85000"/>
+                  <a:alpha val="70000"/>
                 </a:schemeClr>
               </a:solidFill>
               <a:round/>
@@ -677,7 +685,7 @@
             <a:endParaRPr lang="it-IT"/>
           </a:p>
         </c:txPr>
-        <c:crossAx val="139556160"/>
+        <c:crossAx val="200721584"/>
         <c:crosses val="autoZero"/>
         <c:crossBetween val="between"/>
         <c:majorUnit val="10"/>
@@ -823,11 +831,11 @@
           <c:showPercent val="0"/>
           <c:showBubbleSize val="0"/>
         </c:dLbls>
-        <c:axId val="139558960"/>
-        <c:axId val="139559520"/>
+        <c:axId val="197041200"/>
+        <c:axId val="197042880"/>
       </c:radarChart>
       <c:catAx>
-        <c:axId val="139558960"/>
+        <c:axId val="197041200"/>
         <c:scaling>
           <c:orientation val="minMax"/>
         </c:scaling>
@@ -870,7 +878,7 @@
             <a:endParaRPr lang="it-IT"/>
           </a:p>
         </c:txPr>
-        <c:crossAx val="139559520"/>
+        <c:crossAx val="197042880"/>
         <c:crosses val="autoZero"/>
         <c:auto val="1"/>
         <c:lblAlgn val="ctr"/>
@@ -878,7 +886,7 @@
         <c:noMultiLvlLbl val="0"/>
       </c:catAx>
       <c:valAx>
-        <c:axId val="139559520"/>
+        <c:axId val="197042880"/>
         <c:scaling>
           <c:orientation val="minMax"/>
         </c:scaling>
@@ -889,8 +897,7 @@
             <a:ln w="9525" cap="flat" cmpd="sng" algn="ctr">
               <a:solidFill>
                 <a:schemeClr val="tx1">
-                  <a:lumMod val="15000"/>
-                  <a:lumOff val="85000"/>
+                  <a:alpha val="70000"/>
                 </a:schemeClr>
               </a:solidFill>
               <a:round/>
@@ -929,7 +936,7 @@
             <a:endParaRPr lang="it-IT"/>
           </a:p>
         </c:txPr>
-        <c:crossAx val="139558960"/>
+        <c:crossAx val="197041200"/>
         <c:crosses val="autoZero"/>
         <c:crossBetween val="between"/>
         <c:majorUnit val="10"/>
@@ -5961,6 +5968,35 @@
           <a:lstStyle/>
           <a:p>
             <a:r>
+              <a:rPr lang="en-US" sz="3400" dirty="0">
+                <a:solidFill>
+                  <a:schemeClr val="bg1"/>
+                </a:solidFill>
+                <a:latin typeface="Segoe UI Light" panose="020B0502040204020203" pitchFamily="34" charset="0"/>
+              </a:rPr>
+              <a:t>Francesco </a:t>
+            </a:r>
+            <a:r>
+              <a:rPr lang="en-US" sz="3400" dirty="0" err="1">
+                <a:solidFill>
+                  <a:schemeClr val="bg1"/>
+                </a:solidFill>
+                <a:latin typeface="Segoe UI Light" panose="020B0502040204020203" pitchFamily="34" charset="0"/>
+              </a:rPr>
+              <a:t>Mazzei</a:t>
+            </a:r>
+            <a:r>
+              <a:rPr lang="en-US" sz="3400" dirty="0">
+                <a:solidFill>
+                  <a:schemeClr val="bg1"/>
+                </a:solidFill>
+                <a:latin typeface="Segoe UI Light" panose="020B0502040204020203" pitchFamily="34" charset="0"/>
+              </a:rPr>
+              <a:t> 	748118</a:t>
+            </a:r>
+          </a:p>
+          <a:p>
+            <a:r>
               <a:rPr lang="en-US" sz="3400" dirty="0" smtClean="0">
                 <a:solidFill>
                   <a:schemeClr val="bg1"/>
@@ -5985,8 +6021,10 @@
                 </a:solidFill>
                 <a:latin typeface="Segoe UI Light" panose="020B0502040204020203" pitchFamily="34" charset="0"/>
               </a:rPr>
-              <a:t> </a:t>
-            </a:r>
+              <a:t> 	748101</a:t>
+            </a:r>
+          </a:p>
+          <a:p>
             <a:r>
               <a:rPr lang="en-US" sz="3400" dirty="0" smtClean="0">
                 <a:solidFill>
@@ -5994,16 +6032,8 @@
                 </a:solidFill>
                 <a:latin typeface="Segoe UI Light" panose="020B0502040204020203" pitchFamily="34" charset="0"/>
               </a:rPr>
-              <a:t>	748101</a:t>
-            </a:r>
-            <a:endParaRPr lang="en-US" sz="3400" dirty="0" smtClean="0">
-              <a:solidFill>
-                <a:schemeClr val="bg1"/>
-              </a:solidFill>
-              <a:latin typeface="Segoe UI Light" panose="020B0502040204020203" pitchFamily="34" charset="0"/>
-            </a:endParaRPr>
-          </a:p>
-          <a:p>
+              <a:t>Matteo </a:t>
+            </a:r>
             <a:r>
               <a:rPr lang="en-US" sz="3400" dirty="0" smtClean="0">
                 <a:solidFill>
@@ -6011,51 +6041,7 @@
                 </a:solidFill>
                 <a:latin typeface="Segoe UI Light" panose="020B0502040204020203" pitchFamily="34" charset="0"/>
               </a:rPr>
-              <a:t>Francesco </a:t>
-            </a:r>
-            <a:r>
-              <a:rPr lang="en-US" sz="3400" dirty="0" err="1" smtClean="0">
-                <a:solidFill>
-                  <a:schemeClr val="bg1"/>
-                </a:solidFill>
-                <a:latin typeface="Segoe UI Light" panose="020B0502040204020203" pitchFamily="34" charset="0"/>
-              </a:rPr>
-              <a:t>Mazzei</a:t>
-            </a:r>
-            <a:r>
-              <a:rPr lang="en-US" sz="3400" dirty="0" smtClean="0">
-                <a:solidFill>
-                  <a:schemeClr val="bg1"/>
-                </a:solidFill>
-                <a:latin typeface="Segoe UI Light" panose="020B0502040204020203" pitchFamily="34" charset="0"/>
-              </a:rPr>
-              <a:t> </a:t>
-            </a:r>
-            <a:r>
-              <a:rPr lang="en-US" sz="3400" dirty="0" smtClean="0">
-                <a:solidFill>
-                  <a:schemeClr val="bg1"/>
-                </a:solidFill>
-                <a:latin typeface="Segoe UI Light" panose="020B0502040204020203" pitchFamily="34" charset="0"/>
-              </a:rPr>
-              <a:t>	748118</a:t>
-            </a:r>
-            <a:endParaRPr lang="en-US" sz="3400" dirty="0" smtClean="0">
-              <a:solidFill>
-                <a:schemeClr val="bg1"/>
-              </a:solidFill>
-              <a:latin typeface="Segoe UI Light" panose="020B0502040204020203" pitchFamily="34" charset="0"/>
-            </a:endParaRPr>
-          </a:p>
-          <a:p>
-            <a:r>
-              <a:rPr lang="en-US" sz="3400" dirty="0" smtClean="0">
-                <a:solidFill>
-                  <a:schemeClr val="bg1"/>
-                </a:solidFill>
-                <a:latin typeface="Segoe UI Light" panose="020B0502040204020203" pitchFamily="34" charset="0"/>
-              </a:rPr>
-              <a:t>Matteo Zuccon	756417</a:t>
+              <a:t>Zuccon	756417</a:t>
             </a:r>
           </a:p>
         </p:txBody>
@@ -6290,7 +6276,7 @@
       </p:grpSpPr>
       <p:sp>
         <p:nvSpPr>
-          <p:cNvPr id="3" name="Rettangolo 2"/>
+          <p:cNvPr id="6" name="Rettangolo 5"/>
           <p:cNvSpPr/>
           <p:nvPr/>
         </p:nvSpPr>
@@ -6333,7 +6319,7 @@
       </p:sp>
       <p:sp>
         <p:nvSpPr>
-          <p:cNvPr id="4" name="Rettangolo 3"/>
+          <p:cNvPr id="7" name="Rettangolo 6"/>
           <p:cNvSpPr/>
           <p:nvPr/>
         </p:nvSpPr>
@@ -6383,7 +6369,7 @@
         <p:spPr>
           <a:xfrm>
             <a:off x="521493" y="1700214"/>
-            <a:ext cx="11141340" cy="4308872"/>
+            <a:ext cx="10158413" cy="6986527"/>
           </a:xfrm>
           <a:prstGeom prst="rect">
             <a:avLst/>
@@ -6396,8 +6382,8 @@
           </a:bodyPr>
           <a:lstStyle/>
           <a:p>
-            <a:pPr marL="457200" indent="-457200">
-              <a:buFont typeface="Arial" panose="020B0604020202020204" pitchFamily="34" charset="0"/>
+            <a:pPr marL="457200" lvl="0" indent="-457200">
+              <a:buFont typeface="Arial"/>
               <a:buChar char="•"/>
             </a:pPr>
             <a:endParaRPr lang="it-IT" sz="3200" spc="-100" dirty="0" smtClean="0">
@@ -6409,8 +6395,8 @@
             </a:endParaRPr>
           </a:p>
           <a:p>
-            <a:pPr marL="457200" indent="-457200">
-              <a:buFont typeface="Arial" panose="020B0604020202020204" pitchFamily="34" charset="0"/>
+            <a:pPr marL="457200" lvl="0" indent="-457200">
+              <a:buFont typeface="Arial"/>
               <a:buChar char="•"/>
             </a:pPr>
             <a:r>
@@ -6421,22 +6407,77 @@
                 <a:latin typeface="+mj-lt"/>
                 <a:cs typeface="Arial" charset="0"/>
               </a:rPr>
-              <a:t>Chi </a:t>
-            </a:r>
-            <a:r>
-              <a:rPr lang="it-IT" sz="3200" spc="-100" dirty="0">
-                <a:ln w="3175">
-                  <a:noFill/>
-                </a:ln>
-                <a:latin typeface="+mj-lt"/>
-                <a:cs typeface="Arial" charset="0"/>
-              </a:rPr>
-              <a:t>sono gli operatori a campo che segnalano SEG?</a:t>
-            </a:r>
+              <a:t>Conosciamo lo schema logico di BDM</a:t>
+            </a:r>
+            <a:endParaRPr lang="it-IT" sz="3200" spc="-100" dirty="0">
+              <a:ln w="3175">
+                <a:noFill/>
+              </a:ln>
+              <a:latin typeface="+mj-lt"/>
+              <a:cs typeface="Arial" charset="0"/>
+            </a:endParaRPr>
+          </a:p>
+          <a:p>
+            <a:pPr marL="457200" lvl="0" indent="-457200">
+              <a:buFont typeface="Arial"/>
+              <a:buChar char="•"/>
+            </a:pPr>
+            <a:endParaRPr lang="it-IT" sz="1600" spc="-100" dirty="0" smtClean="0">
+              <a:ln w="3175">
+                <a:noFill/>
+              </a:ln>
+              <a:latin typeface="+mj-lt"/>
+              <a:cs typeface="Arial" charset="0"/>
+            </a:endParaRPr>
+          </a:p>
+          <a:p>
+            <a:pPr marL="457200" lvl="0" indent="-457200">
+              <a:buFont typeface="Arial"/>
+              <a:buChar char="•"/>
+            </a:pPr>
+            <a:r>
+              <a:rPr lang="it-IT" sz="3200" spc="-100" dirty="0" smtClean="0">
+                <a:ln w="3175">
+                  <a:noFill/>
+                </a:ln>
+                <a:latin typeface="+mj-lt"/>
+                <a:cs typeface="Arial" charset="0"/>
+              </a:rPr>
+              <a:t>I nodi idrici si trovano in corrispondenza del punto di confluenza di due corsi d’acqua</a:t>
+            </a:r>
+          </a:p>
+          <a:p>
+            <a:pPr marL="457200" lvl="0" indent="-457200">
+              <a:buFont typeface="Arial"/>
+              <a:buChar char="•"/>
+            </a:pPr>
+            <a:endParaRPr lang="it-IT" sz="1600" spc="-100" dirty="0" smtClean="0">
+              <a:ln w="3175">
+                <a:noFill/>
+              </a:ln>
+              <a:latin typeface="+mj-lt"/>
+              <a:cs typeface="Arial" charset="0"/>
+            </a:endParaRPr>
           </a:p>
           <a:p>
             <a:pPr marL="457200" indent="-457200">
-              <a:buFont typeface="Arial" panose="020B0604020202020204" pitchFamily="34" charset="0"/>
+              <a:buFont typeface="Arial"/>
+              <a:buChar char="•"/>
+            </a:pPr>
+            <a:r>
+              <a:rPr lang="it-IT" sz="3200" spc="-100" dirty="0" smtClean="0">
+                <a:ln w="3175">
+                  <a:noFill/>
+                </a:ln>
+                <a:latin typeface="+mj-lt"/>
+                <a:cs typeface="Arial" charset="0"/>
+              </a:rPr>
+              <a:t>Il tratto di fiume va da un nodo al successivo</a:t>
+            </a:r>
+          </a:p>
+          <a:p>
+            <a:pPr marL="457200" indent="-457200">
+              <a:buFont typeface="Arial"/>
               <a:buChar char="•"/>
             </a:pPr>
             <a:endParaRPr lang="it-IT" sz="3200" spc="-100" dirty="0">
@@ -6449,20 +6490,10 @@
           </a:p>
           <a:p>
             <a:pPr marL="457200" indent="-457200">
-              <a:buFont typeface="Arial" panose="020B0604020202020204" pitchFamily="34" charset="0"/>
+              <a:buFont typeface="Arial"/>
               <a:buChar char="•"/>
             </a:pPr>
             <a:r>
-              <a:rPr lang="it-IT" sz="3200" spc="-100" dirty="0">
-                <a:ln w="3175">
-                  <a:noFill/>
-                </a:ln>
-                <a:latin typeface="+mj-lt"/>
-                <a:cs typeface="Arial" charset="0"/>
-              </a:rPr>
-              <a:t>C</a:t>
-            </a:r>
-            <a:r>
               <a:rPr lang="it-IT" sz="3200" spc="-100" dirty="0" smtClean="0">
                 <a:ln w="3175">
                   <a:noFill/>
@@ -6470,42 +6501,19 @@
                 <a:latin typeface="+mj-lt"/>
                 <a:cs typeface="Arial" charset="0"/>
               </a:rPr>
-              <a:t>ome </a:t>
-            </a:r>
-            <a:r>
-              <a:rPr lang="it-IT" sz="3200" spc="-100" dirty="0">
-                <a:ln w="3175">
-                  <a:noFill/>
-                </a:ln>
-                <a:latin typeface="+mj-lt"/>
-                <a:cs typeface="Arial" charset="0"/>
-              </a:rPr>
-              <a:t>vengono notificate le pianificazioni </a:t>
-            </a:r>
-            <a:r>
-              <a:rPr lang="it-IT" sz="3200" spc="-100" dirty="0" smtClean="0">
-                <a:ln w="3175">
-                  <a:noFill/>
-                </a:ln>
-                <a:latin typeface="+mj-lt"/>
-                <a:cs typeface="Arial" charset="0"/>
-              </a:rPr>
-              <a:t>degli </a:t>
-            </a:r>
-            <a:r>
-              <a:rPr lang="it-IT" sz="3200" spc="-100" dirty="0">
-                <a:ln w="3175">
-                  <a:noFill/>
-                </a:ln>
-                <a:latin typeface="+mj-lt"/>
-                <a:cs typeface="Arial" charset="0"/>
-              </a:rPr>
-              <a:t>spostamenti?</a:t>
-            </a:r>
-          </a:p>
-          <a:p>
-            <a:pPr marL="457200" indent="-457200">
-              <a:buFont typeface="Arial" panose="020B0604020202020204" pitchFamily="34" charset="0"/>
+              <a:t>Vengono monitorati solo i tratti d’acqua considerati a rischio </a:t>
+            </a:r>
+            <a:endParaRPr lang="it-IT" sz="3200" spc="-100" dirty="0">
+              <a:ln w="3175">
+                <a:noFill/>
+              </a:ln>
+              <a:latin typeface="+mj-lt"/>
+              <a:cs typeface="Arial" charset="0"/>
+            </a:endParaRPr>
+          </a:p>
+          <a:p>
+            <a:pPr marL="457200" lvl="0" indent="-457200">
+              <a:buFont typeface="Arial"/>
               <a:buChar char="•"/>
             </a:pPr>
             <a:endParaRPr lang="it-IT" sz="3200" spc="-100" dirty="0">
@@ -6517,44 +6525,57 @@
             </a:endParaRPr>
           </a:p>
           <a:p>
-            <a:pPr marL="457200" indent="-457200">
-              <a:buFont typeface="Arial" panose="020B0604020202020204" pitchFamily="34" charset="0"/>
+            <a:pPr lvl="0"/>
+            <a:endParaRPr lang="it-IT" sz="3200" spc="-100" dirty="0" smtClean="0">
+              <a:ln w="3175">
+                <a:noFill/>
+              </a:ln>
+              <a:latin typeface="+mj-lt"/>
+              <a:cs typeface="Arial" charset="0"/>
+            </a:endParaRPr>
+          </a:p>
+          <a:p>
+            <a:pPr marL="457200" lvl="0" indent="-457200">
+              <a:buFont typeface="Arial"/>
               <a:buChar char="•"/>
             </a:pPr>
-            <a:r>
-              <a:rPr lang="it-IT" sz="3200" spc="-100" dirty="0">
-                <a:ln w="3175">
-                  <a:noFill/>
-                </a:ln>
-                <a:latin typeface="+mj-lt"/>
-                <a:cs typeface="Arial" charset="0"/>
-              </a:rPr>
-              <a:t>C</a:t>
-            </a:r>
-            <a:r>
-              <a:rPr lang="it-IT" sz="3200" spc="-100" dirty="0" smtClean="0">
-                <a:ln w="3175">
-                  <a:noFill/>
-                </a:ln>
-                <a:latin typeface="+mj-lt"/>
-                <a:cs typeface="Arial" charset="0"/>
-              </a:rPr>
-              <a:t>ome </a:t>
-            </a:r>
-            <a:r>
-              <a:rPr lang="it-IT" sz="3200" spc="-100" dirty="0">
-                <a:ln w="3175">
-                  <a:noFill/>
-                </a:ln>
-                <a:latin typeface="+mj-lt"/>
-                <a:cs typeface="Arial" charset="0"/>
-              </a:rPr>
-              <a:t>vengono resi visibili le informazioni SEP?</a:t>
-            </a:r>
-          </a:p>
-          <a:p>
-            <a:pPr marL="457200" indent="-457200">
-              <a:buFont typeface="Arial" panose="020B0604020202020204" pitchFamily="34" charset="0"/>
+            <a:endParaRPr lang="it-IT" sz="3200" spc="-100" dirty="0" smtClean="0">
+              <a:ln w="3175">
+                <a:noFill/>
+              </a:ln>
+              <a:latin typeface="+mj-lt"/>
+              <a:cs typeface="Arial" charset="0"/>
+            </a:endParaRPr>
+          </a:p>
+          <a:p>
+            <a:pPr marL="457200" lvl="0" indent="-457200">
+              <a:buFont typeface="Arial"/>
+              <a:buChar char="•"/>
+            </a:pPr>
+            <a:endParaRPr lang="it-IT" sz="3200" spc="-100" dirty="0" smtClean="0">
+              <a:ln w="3175">
+                <a:noFill/>
+              </a:ln>
+              <a:latin typeface="+mj-lt"/>
+              <a:cs typeface="Arial" charset="0"/>
+            </a:endParaRPr>
+          </a:p>
+          <a:p>
+            <a:pPr marL="457200" lvl="0" indent="-457200">
+              <a:buFont typeface="Arial"/>
+              <a:buChar char="•"/>
+            </a:pPr>
+            <a:endParaRPr lang="it-IT" sz="3200" spc="-100" dirty="0" smtClean="0">
+              <a:ln w="3175">
+                <a:noFill/>
+              </a:ln>
+              <a:latin typeface="+mj-lt"/>
+              <a:cs typeface="Arial" charset="0"/>
+            </a:endParaRPr>
+          </a:p>
+          <a:p>
+            <a:pPr marL="457200" lvl="0" indent="-457200">
+              <a:buFont typeface="Arial"/>
               <a:buChar char="•"/>
             </a:pPr>
             <a:endParaRPr lang="it-IT" sz="3200" spc="-100" dirty="0">
@@ -6565,87 +6586,11 @@
               <a:cs typeface="Arial" charset="0"/>
             </a:endParaRPr>
           </a:p>
-          <a:p>
-            <a:pPr marL="457200" indent="-457200">
-              <a:buFont typeface="Arial" panose="020B0604020202020204" pitchFamily="34" charset="0"/>
-              <a:buChar char="•"/>
-            </a:pPr>
-            <a:r>
-              <a:rPr lang="it-IT" sz="3200" spc="-100" dirty="0">
-                <a:ln w="3175">
-                  <a:noFill/>
-                </a:ln>
-                <a:latin typeface="+mj-lt"/>
-                <a:cs typeface="Arial" charset="0"/>
-              </a:rPr>
-              <a:t>D</a:t>
-            </a:r>
-            <a:r>
-              <a:rPr lang="it-IT" sz="3200" spc="-100" dirty="0" smtClean="0">
-                <a:ln w="3175">
-                  <a:noFill/>
-                </a:ln>
-                <a:latin typeface="+mj-lt"/>
-                <a:cs typeface="Arial" charset="0"/>
-              </a:rPr>
-              <a:t>ifferenza </a:t>
-            </a:r>
-            <a:r>
-              <a:rPr lang="it-IT" sz="3200" spc="-100" dirty="0">
-                <a:ln w="3175">
-                  <a:noFill/>
-                </a:ln>
-                <a:latin typeface="+mj-lt"/>
-                <a:cs typeface="Arial" charset="0"/>
-              </a:rPr>
-              <a:t>fra </a:t>
-            </a:r>
-            <a:r>
-              <a:rPr lang="it-IT" sz="3200" spc="-100" dirty="0" smtClean="0">
-                <a:ln w="3175">
-                  <a:noFill/>
-                </a:ln>
-                <a:latin typeface="+mj-lt"/>
-                <a:cs typeface="Arial" charset="0"/>
-              </a:rPr>
-              <a:t>informazioni SEP </a:t>
-            </a:r>
-            <a:r>
-              <a:rPr lang="it-IT" sz="3200" spc="-100" dirty="0">
-                <a:ln w="3175">
-                  <a:noFill/>
-                </a:ln>
-                <a:latin typeface="+mj-lt"/>
-                <a:cs typeface="Arial" charset="0"/>
-              </a:rPr>
-              <a:t>e </a:t>
-            </a:r>
-            <a:r>
-              <a:rPr lang="it-IT" sz="3200" spc="-100" dirty="0" smtClean="0">
-                <a:ln w="3175">
-                  <a:noFill/>
-                </a:ln>
-                <a:latin typeface="+mj-lt"/>
-                <a:cs typeface="Arial" charset="0"/>
-              </a:rPr>
-              <a:t>informazioni SEP sintetiche?</a:t>
-            </a:r>
-            <a:endParaRPr lang="it-IT" sz="3200" spc="-100" dirty="0">
-              <a:ln w="3175">
-                <a:noFill/>
-              </a:ln>
-              <a:latin typeface="+mj-lt"/>
-              <a:cs typeface="Arial" charset="0"/>
-            </a:endParaRPr>
-          </a:p>
-          <a:p>
-            <a:endParaRPr lang="it-IT" dirty="0"/>
-          </a:p>
         </p:txBody>
       </p:sp>
       <p:sp>
         <p:nvSpPr>
-          <p:cNvPr id="8" name="CasellaDiTesto 7"/>
+          <p:cNvPr id="9" name="CasellaDiTesto 8"/>
           <p:cNvSpPr txBox="1"/>
           <p:nvPr/>
         </p:nvSpPr>
@@ -6691,7 +6636,7 @@
                 <a:latin typeface="+mj-lt"/>
                 <a:cs typeface="Arial" charset="0"/>
               </a:rPr>
-              <a:t>Ambiguità</a:t>
+              <a:t>Assunzioni -3</a:t>
             </a:r>
             <a:endParaRPr lang="it-IT" sz="3000" b="1" spc="-100" dirty="0">
               <a:ln w="3175">
@@ -6709,7 +6654,7 @@
     </p:spTree>
     <p:extLst>
       <p:ext uri="{BB962C8B-B14F-4D97-AF65-F5344CB8AC3E}">
-        <p14:creationId xmlns:p14="http://schemas.microsoft.com/office/powerpoint/2010/main" val="4277310196"/>
+        <p14:creationId xmlns:p14="http://schemas.microsoft.com/office/powerpoint/2010/main" val="4141078905"/>
       </p:ext>
     </p:extLst>
   </p:cSld>
@@ -6748,7 +6693,7 @@
       </p:grpSpPr>
       <p:sp>
         <p:nvSpPr>
-          <p:cNvPr id="3" name="Rettangolo 2"/>
+          <p:cNvPr id="6" name="Rettangolo 5"/>
           <p:cNvSpPr/>
           <p:nvPr/>
         </p:nvSpPr>
@@ -6791,7 +6736,7 @@
       </p:sp>
       <p:sp>
         <p:nvSpPr>
-          <p:cNvPr id="4" name="Rettangolo 3"/>
+          <p:cNvPr id="7" name="Rettangolo 6"/>
           <p:cNvSpPr/>
           <p:nvPr/>
         </p:nvSpPr>
@@ -6841,7 +6786,7 @@
         <p:spPr>
           <a:xfrm>
             <a:off x="521493" y="1700214"/>
-            <a:ext cx="11141340" cy="4308872"/>
+            <a:ext cx="10158413" cy="7971413"/>
           </a:xfrm>
           <a:prstGeom prst="rect">
             <a:avLst/>
@@ -6854,8 +6799,248 @@
           </a:bodyPr>
           <a:lstStyle/>
           <a:p>
+            <a:pPr marL="457200" lvl="0" indent="-457200">
+              <a:buFont typeface="Arial"/>
+              <a:buChar char="•"/>
+            </a:pPr>
+            <a:endParaRPr lang="it-IT" sz="1500" spc="-100" dirty="0" smtClean="0">
+              <a:ln w="3175">
+                <a:noFill/>
+              </a:ln>
+              <a:latin typeface="+mj-lt"/>
+              <a:cs typeface="Arial" charset="0"/>
+            </a:endParaRPr>
+          </a:p>
+          <a:p>
+            <a:pPr marL="457200" lvl="0" indent="-457200">
+              <a:buFont typeface="Arial"/>
+              <a:buChar char="•"/>
+            </a:pPr>
+            <a:r>
+              <a:rPr lang="it-IT" sz="3200" spc="-100" dirty="0" smtClean="0">
+                <a:ln w="3175">
+                  <a:noFill/>
+                </a:ln>
+                <a:latin typeface="+mj-lt"/>
+                <a:cs typeface="Arial" charset="0"/>
+              </a:rPr>
+              <a:t>La trasmissione di DI avviene tramite sensori </a:t>
+            </a:r>
+            <a:r>
+              <a:rPr lang="it-IT" sz="3200" spc="-100" dirty="0" err="1" smtClean="0">
+                <a:ln w="3175">
+                  <a:noFill/>
+                </a:ln>
+                <a:latin typeface="+mj-lt"/>
+                <a:cs typeface="Arial" charset="0"/>
+              </a:rPr>
+              <a:t>idromometrici</a:t>
+            </a:r>
+            <a:r>
+              <a:rPr lang="it-IT" sz="3200" spc="-100" dirty="0" smtClean="0">
+                <a:ln w="3175">
+                  <a:noFill/>
+                </a:ln>
+                <a:latin typeface="+mj-lt"/>
+                <a:cs typeface="Arial" charset="0"/>
+              </a:rPr>
+              <a:t> dotati di modulo GPRS (Output digitale) </a:t>
+            </a:r>
+            <a:endParaRPr lang="it-IT" sz="3200" spc="-100" dirty="0">
+              <a:ln w="3175">
+                <a:noFill/>
+              </a:ln>
+              <a:latin typeface="+mj-lt"/>
+              <a:cs typeface="Arial" charset="0"/>
+            </a:endParaRPr>
+          </a:p>
+          <a:p>
+            <a:pPr marL="457200" lvl="0" indent="-457200">
+              <a:buFont typeface="Arial"/>
+              <a:buChar char="•"/>
+            </a:pPr>
+            <a:endParaRPr lang="it-IT" sz="1600" spc="-100" dirty="0" smtClean="0">
+              <a:ln w="3175">
+                <a:noFill/>
+              </a:ln>
+              <a:latin typeface="+mj-lt"/>
+              <a:cs typeface="Arial" charset="0"/>
+            </a:endParaRPr>
+          </a:p>
+          <a:p>
+            <a:pPr marL="457200" lvl="0" indent="-457200">
+              <a:buFont typeface="Arial"/>
+              <a:buChar char="•"/>
+            </a:pPr>
+            <a:r>
+              <a:rPr lang="it-IT" sz="3200" spc="-100" dirty="0" smtClean="0">
+                <a:ln w="3175">
+                  <a:noFill/>
+                </a:ln>
+                <a:latin typeface="+mj-lt"/>
+                <a:cs typeface="Arial" charset="0"/>
+              </a:rPr>
+              <a:t>L’id della tabella </a:t>
+            </a:r>
+            <a:r>
+              <a:rPr lang="it-IT" sz="3200" spc="-100" dirty="0" err="1" smtClean="0">
+                <a:ln w="3175">
+                  <a:noFill/>
+                </a:ln>
+                <a:latin typeface="+mj-lt"/>
+                <a:cs typeface="Arial" charset="0"/>
+              </a:rPr>
+              <a:t>BDM.previsioniMeteo</a:t>
+            </a:r>
+            <a:r>
+              <a:rPr lang="it-IT" sz="3200" spc="-100" dirty="0" smtClean="0">
+                <a:ln w="3175">
+                  <a:noFill/>
+                </a:ln>
+                <a:latin typeface="+mj-lt"/>
+                <a:cs typeface="Arial" charset="0"/>
+              </a:rPr>
+              <a:t> e l’id della tabella </a:t>
+            </a:r>
+            <a:r>
+              <a:rPr lang="it-IT" sz="3200" spc="-100" dirty="0" err="1" smtClean="0">
+                <a:ln w="3175">
+                  <a:noFill/>
+                </a:ln>
+                <a:latin typeface="+mj-lt"/>
+                <a:cs typeface="Arial" charset="0"/>
+              </a:rPr>
+              <a:t>BSE.previsioni</a:t>
+            </a:r>
+            <a:r>
+              <a:rPr lang="it-IT" sz="3200" spc="-100" dirty="0">
+                <a:ln w="3175">
+                  <a:noFill/>
+                </a:ln>
+                <a:latin typeface="+mj-lt"/>
+                <a:cs typeface="Arial" charset="0"/>
+              </a:rPr>
+              <a:t> </a:t>
+            </a:r>
+            <a:r>
+              <a:rPr lang="it-IT" sz="3200" spc="-100" dirty="0" smtClean="0">
+                <a:ln w="3175">
+                  <a:noFill/>
+                </a:ln>
+                <a:latin typeface="+mj-lt"/>
+                <a:cs typeface="Arial" charset="0"/>
+              </a:rPr>
+              <a:t>identificano la stessa </a:t>
+            </a:r>
+            <a:r>
+              <a:rPr lang="it-IT" sz="3200" spc="-100" dirty="0" err="1" smtClean="0">
+                <a:ln w="3175">
+                  <a:noFill/>
+                </a:ln>
+                <a:latin typeface="+mj-lt"/>
+                <a:cs typeface="Arial" charset="0"/>
+              </a:rPr>
+              <a:t>tupla</a:t>
+            </a:r>
+            <a:endParaRPr lang="it-IT" sz="3200" spc="-100" dirty="0" smtClean="0">
+              <a:ln w="3175">
+                <a:noFill/>
+              </a:ln>
+              <a:latin typeface="+mj-lt"/>
+              <a:cs typeface="Arial" charset="0"/>
+            </a:endParaRPr>
+          </a:p>
+          <a:p>
+            <a:pPr marL="457200" lvl="0" indent="-457200">
+              <a:buFont typeface="Arial"/>
+              <a:buChar char="•"/>
+            </a:pPr>
+            <a:endParaRPr lang="it-IT" sz="1600" spc="-100" dirty="0" smtClean="0">
+              <a:ln w="3175">
+                <a:noFill/>
+              </a:ln>
+              <a:latin typeface="+mj-lt"/>
+              <a:cs typeface="Arial" charset="0"/>
+            </a:endParaRPr>
+          </a:p>
+          <a:p>
             <a:pPr marL="457200" indent="-457200">
-              <a:buFont typeface="Arial" panose="020B0604020202020204" pitchFamily="34" charset="0"/>
+              <a:buFont typeface="Arial"/>
+              <a:buChar char="•"/>
+            </a:pPr>
+            <a:r>
+              <a:rPr lang="it-IT" sz="3200" spc="-100" dirty="0" smtClean="0">
+                <a:ln w="3175">
+                  <a:noFill/>
+                </a:ln>
+                <a:latin typeface="+mj-lt"/>
+                <a:cs typeface="Arial" charset="0"/>
+              </a:rPr>
+              <a:t>Il territorio di una regione è suddiviso in celle</a:t>
+            </a:r>
+          </a:p>
+          <a:p>
+            <a:pPr marL="457200" indent="-457200">
+              <a:buFont typeface="Arial"/>
+              <a:buChar char="•"/>
+            </a:pPr>
+            <a:endParaRPr lang="it-IT" sz="3200" spc="-100" dirty="0">
+              <a:ln w="3175">
+                <a:noFill/>
+              </a:ln>
+              <a:latin typeface="+mj-lt"/>
+              <a:cs typeface="Arial" charset="0"/>
+            </a:endParaRPr>
+          </a:p>
+          <a:p>
+            <a:pPr marL="457200" indent="-457200">
+              <a:buFont typeface="Arial"/>
+              <a:buChar char="•"/>
+            </a:pPr>
+            <a:r>
+              <a:rPr lang="it-IT" sz="3200" spc="-100" dirty="0" smtClean="0">
+                <a:ln w="3175">
+                  <a:noFill/>
+                </a:ln>
+                <a:latin typeface="+mj-lt"/>
+                <a:cs typeface="Arial" charset="0"/>
+              </a:rPr>
+              <a:t>Una squadra di emergenza  può essere sul campo o nella sede operativa</a:t>
+            </a:r>
+            <a:endParaRPr lang="it-IT" sz="3200" spc="-100" dirty="0">
+              <a:ln w="3175">
+                <a:noFill/>
+              </a:ln>
+              <a:latin typeface="+mj-lt"/>
+              <a:cs typeface="Arial" charset="0"/>
+            </a:endParaRPr>
+          </a:p>
+          <a:p>
+            <a:pPr marL="457200" lvl="0" indent="-457200">
+              <a:buFont typeface="Arial"/>
+              <a:buChar char="•"/>
+            </a:pPr>
+            <a:endParaRPr lang="it-IT" sz="3200" spc="-100" dirty="0">
+              <a:ln w="3175">
+                <a:noFill/>
+              </a:ln>
+              <a:latin typeface="+mj-lt"/>
+              <a:cs typeface="Arial" charset="0"/>
+            </a:endParaRPr>
+          </a:p>
+          <a:p>
+            <a:pPr lvl="0"/>
+            <a:endParaRPr lang="it-IT" sz="3200" spc="-100" dirty="0" smtClean="0">
+              <a:ln w="3175">
+                <a:noFill/>
+              </a:ln>
+              <a:latin typeface="+mj-lt"/>
+              <a:cs typeface="Arial" charset="0"/>
+            </a:endParaRPr>
+          </a:p>
+          <a:p>
+            <a:pPr marL="457200" lvl="0" indent="-457200">
+              <a:buFont typeface="Arial"/>
               <a:buChar char="•"/>
             </a:pPr>
             <a:endParaRPr lang="it-IT" sz="3200" spc="-100" dirty="0" smtClean="0">
@@ -6867,21 +7052,11 @@
             </a:endParaRPr>
           </a:p>
           <a:p>
-            <a:pPr marL="457200" indent="-457200">
-              <a:buFont typeface="Arial" panose="020B0604020202020204" pitchFamily="34" charset="0"/>
+            <a:pPr marL="457200" lvl="0" indent="-457200">
+              <a:buFont typeface="Arial"/>
               <a:buChar char="•"/>
             </a:pPr>
-            <a:r>
-              <a:rPr lang="it-IT" sz="3200" spc="-100" dirty="0" smtClean="0">
-                <a:ln w="3175">
-                  <a:noFill/>
-                </a:ln>
-                <a:latin typeface="+mj-lt"/>
-                <a:cs typeface="Arial" charset="0"/>
-              </a:rPr>
-              <a:t>L’algoritmo che identifica una SEP sulla base di quanti dati lavora?</a:t>
-            </a:r>
-            <a:endParaRPr lang="it-IT" sz="3200" spc="-100" dirty="0">
+            <a:endParaRPr lang="it-IT" sz="3200" spc="-100" dirty="0" smtClean="0">
               <a:ln w="3175">
                 <a:noFill/>
               </a:ln>
@@ -6890,8 +7065,21 @@
             </a:endParaRPr>
           </a:p>
           <a:p>
-            <a:pPr marL="457200" indent="-457200">
-              <a:buFont typeface="Arial" panose="020B0604020202020204" pitchFamily="34" charset="0"/>
+            <a:pPr marL="457200" lvl="0" indent="-457200">
+              <a:buFont typeface="Arial"/>
+              <a:buChar char="•"/>
+            </a:pPr>
+            <a:endParaRPr lang="it-IT" sz="3200" spc="-100" dirty="0" smtClean="0">
+              <a:ln w="3175">
+                <a:noFill/>
+              </a:ln>
+              <a:latin typeface="+mj-lt"/>
+              <a:cs typeface="Arial" charset="0"/>
+            </a:endParaRPr>
+          </a:p>
+          <a:p>
+            <a:pPr marL="457200" lvl="0" indent="-457200">
+              <a:buFont typeface="Arial"/>
               <a:buChar char="•"/>
             </a:pPr>
             <a:endParaRPr lang="it-IT" sz="3200" spc="-100" dirty="0">
@@ -6902,102 +7090,11 @@
               <a:cs typeface="Arial" charset="0"/>
             </a:endParaRPr>
           </a:p>
-          <a:p>
-            <a:pPr marL="457200" indent="-457200">
-              <a:buFont typeface="Arial" panose="020B0604020202020204" pitchFamily="34" charset="0"/>
-              <a:buChar char="•"/>
-            </a:pPr>
-            <a:r>
-              <a:rPr lang="it-IT" sz="3200" spc="-100" dirty="0" smtClean="0">
-                <a:ln w="3175">
-                  <a:noFill/>
-                </a:ln>
-                <a:latin typeface="+mj-lt"/>
-                <a:cs typeface="Arial" charset="0"/>
-              </a:rPr>
-              <a:t>Come interagiamo con BDM?</a:t>
-            </a:r>
-          </a:p>
-          <a:p>
-            <a:pPr marL="457200" indent="-457200">
-              <a:buFont typeface="Arial" panose="020B0604020202020204" pitchFamily="34" charset="0"/>
-              <a:buChar char="•"/>
-            </a:pPr>
-            <a:endParaRPr lang="it-IT" sz="3200" spc="-100" dirty="0">
-              <a:ln w="3175">
-                <a:noFill/>
-              </a:ln>
-              <a:latin typeface="+mj-lt"/>
-              <a:cs typeface="Arial" charset="0"/>
-            </a:endParaRPr>
-          </a:p>
-          <a:p>
-            <a:pPr marL="457200" indent="-457200">
-              <a:buFont typeface="Arial" panose="020B0604020202020204" pitchFamily="34" charset="0"/>
-              <a:buChar char="•"/>
-            </a:pPr>
-            <a:r>
-              <a:rPr lang="it-IT" sz="3200" spc="-100" dirty="0" smtClean="0">
-                <a:ln w="3175">
-                  <a:noFill/>
-                </a:ln>
-                <a:latin typeface="+mj-lt"/>
-                <a:cs typeface="Arial" charset="0"/>
-              </a:rPr>
-              <a:t>!!!!!!!</a:t>
-            </a:r>
-            <a:endParaRPr lang="it-IT" sz="3200" spc="-100" dirty="0">
-              <a:ln w="3175">
-                <a:noFill/>
-              </a:ln>
-              <a:latin typeface="+mj-lt"/>
-              <a:cs typeface="Arial" charset="0"/>
-            </a:endParaRPr>
-          </a:p>
-          <a:p>
-            <a:pPr marL="457200" indent="-457200">
-              <a:buFont typeface="Arial" panose="020B0604020202020204" pitchFamily="34" charset="0"/>
-              <a:buChar char="•"/>
-            </a:pPr>
-            <a:endParaRPr lang="it-IT" sz="3200" spc="-100" dirty="0">
-              <a:ln w="3175">
-                <a:noFill/>
-              </a:ln>
-              <a:latin typeface="+mj-lt"/>
-              <a:cs typeface="Arial" charset="0"/>
-            </a:endParaRPr>
-          </a:p>
-          <a:p>
-            <a:pPr marL="457200" indent="-457200">
-              <a:buFont typeface="Arial" panose="020B0604020202020204" pitchFamily="34" charset="0"/>
-              <a:buChar char="•"/>
-            </a:pPr>
-            <a:r>
-              <a:rPr lang="it-IT" sz="3200" spc="-100" dirty="0" smtClean="0">
-                <a:ln w="3175">
-                  <a:noFill/>
-                </a:ln>
-                <a:latin typeface="+mj-lt"/>
-                <a:cs typeface="Arial" charset="0"/>
-              </a:rPr>
-              <a:t>!!!!!!!!</a:t>
-            </a:r>
-            <a:endParaRPr lang="it-IT" sz="3200" spc="-100" dirty="0">
-              <a:ln w="3175">
-                <a:noFill/>
-              </a:ln>
-              <a:latin typeface="+mj-lt"/>
-              <a:cs typeface="Arial" charset="0"/>
-            </a:endParaRPr>
-          </a:p>
-          <a:p>
-            <a:endParaRPr lang="it-IT" dirty="0"/>
-          </a:p>
         </p:txBody>
       </p:sp>
       <p:sp>
         <p:nvSpPr>
-          <p:cNvPr id="8" name="CasellaDiTesto 7"/>
+          <p:cNvPr id="9" name="CasellaDiTesto 8"/>
           <p:cNvSpPr txBox="1"/>
           <p:nvPr/>
         </p:nvSpPr>
@@ -7043,7 +7140,7 @@
                 <a:latin typeface="+mj-lt"/>
                 <a:cs typeface="Arial" charset="0"/>
               </a:rPr>
-              <a:t>Ambiguità</a:t>
+              <a:t>Assunzioni -4</a:t>
             </a:r>
             <a:endParaRPr lang="it-IT" sz="3000" b="1" spc="-100" dirty="0">
               <a:ln w="3175">
@@ -7061,7 +7158,7 @@
     </p:spTree>
     <p:extLst>
       <p:ext uri="{BB962C8B-B14F-4D97-AF65-F5344CB8AC3E}">
-        <p14:creationId xmlns:p14="http://schemas.microsoft.com/office/powerpoint/2010/main" val="3282923242"/>
+        <p14:creationId xmlns:p14="http://schemas.microsoft.com/office/powerpoint/2010/main" val="1639075713"/>
       </p:ext>
     </p:extLst>
   </p:cSld>
@@ -13582,7 +13679,20 @@
                 <a:latin typeface="+mj-lt"/>
                 <a:cs typeface="Arial" charset="0"/>
               </a:rPr>
-              <a:t> - 1</a:t>
+              <a:t> </a:t>
+            </a:r>
+            <a:r>
+              <a:rPr lang="it-IT" sz="4400" b="1" spc="-100" dirty="0" smtClean="0">
+                <a:ln w="3175">
+                  <a:noFill/>
+                </a:ln>
+                <a:solidFill>
+                  <a:srgbClr val="0072C6"/>
+                </a:solidFill>
+                <a:latin typeface="+mj-lt"/>
+                <a:cs typeface="Arial" charset="0"/>
+              </a:rPr>
+              <a:t>– soluzione 1 - utilizzata</a:t>
             </a:r>
             <a:endParaRPr lang="it-IT" sz="4400" b="1" spc="-100" dirty="0">
               <a:ln w="3175">
@@ -13836,7 +13946,20 @@
                 <a:latin typeface="+mj-lt"/>
                 <a:cs typeface="Arial" charset="0"/>
               </a:rPr>
-              <a:t> -1</a:t>
+              <a:t> </a:t>
+            </a:r>
+            <a:r>
+              <a:rPr lang="it-IT" sz="4400" b="1" spc="-100" dirty="0" smtClean="0">
+                <a:ln w="3175">
+                  <a:noFill/>
+                </a:ln>
+                <a:solidFill>
+                  <a:srgbClr val="0072C6"/>
+                </a:solidFill>
+                <a:latin typeface="+mj-lt"/>
+                <a:cs typeface="Arial" charset="0"/>
+              </a:rPr>
+              <a:t>– soluzione 1</a:t>
             </a:r>
             <a:endParaRPr lang="it-IT" sz="4400" b="1" spc="-100" dirty="0">
               <a:ln w="3175">
@@ -14293,30 +14416,6 @@
       </p:graphicFrame>
       <p:graphicFrame>
         <p:nvGraphicFramePr>
-          <p:cNvPr id="11" name="Grafico 10"/>
-          <p:cNvGraphicFramePr>
-            <a:graphicFrameLocks/>
-          </p:cNvGraphicFramePr>
-          <p:nvPr>
-            <p:extLst>
-              <p:ext uri="{D42A27DB-BD31-4B8C-83A1-F6EECF244321}">
-                <p14:modId xmlns:p14="http://schemas.microsoft.com/office/powerpoint/2010/main" val="3738240119"/>
-              </p:ext>
-            </p:extLst>
-          </p:nvPr>
-        </p:nvGraphicFramePr>
-        <p:xfrm>
-          <a:off x="4543426" y="603498"/>
-          <a:ext cx="8899924" cy="5497265"/>
-        </p:xfrm>
-        <a:graphic>
-          <a:graphicData uri="http://schemas.openxmlformats.org/drawingml/2006/chart">
-            <c:chart xmlns:c="http://schemas.openxmlformats.org/drawingml/2006/chart" xmlns:r="http://schemas.openxmlformats.org/officeDocument/2006/relationships" r:id="rId2"/>
-          </a:graphicData>
-        </a:graphic>
-      </p:graphicFrame>
-      <p:graphicFrame>
-        <p:nvGraphicFramePr>
           <p:cNvPr id="12" name="Tabella 11"/>
           <p:cNvGraphicFramePr>
             <a:graphicFrameLocks noGrp="1"/>
@@ -14553,6 +14652,30 @@
           </a:graphicData>
         </a:graphic>
       </p:graphicFrame>
+      <p:graphicFrame>
+        <p:nvGraphicFramePr>
+          <p:cNvPr id="10" name="Grafico 9"/>
+          <p:cNvGraphicFramePr>
+            <a:graphicFrameLocks/>
+          </p:cNvGraphicFramePr>
+          <p:nvPr>
+            <p:extLst>
+              <p:ext uri="{D42A27DB-BD31-4B8C-83A1-F6EECF244321}">
+                <p14:modId xmlns:p14="http://schemas.microsoft.com/office/powerpoint/2010/main" val="832661642"/>
+              </p:ext>
+            </p:extLst>
+          </p:nvPr>
+        </p:nvGraphicFramePr>
+        <p:xfrm>
+          <a:off x="4252911" y="785814"/>
+          <a:ext cx="9248775" cy="5112544"/>
+        </p:xfrm>
+        <a:graphic>
+          <a:graphicData uri="http://schemas.openxmlformats.org/drawingml/2006/chart">
+            <c:chart xmlns:c="http://schemas.openxmlformats.org/drawingml/2006/chart" xmlns:r="http://schemas.openxmlformats.org/officeDocument/2006/relationships" r:id="rId2"/>
+          </a:graphicData>
+        </a:graphic>
+      </p:graphicFrame>
     </p:spTree>
     <p:extLst>
       <p:ext uri="{BB962C8B-B14F-4D97-AF65-F5344CB8AC3E}">
@@ -14738,7 +14861,20 @@
                 <a:latin typeface="+mj-lt"/>
                 <a:cs typeface="Arial" charset="0"/>
               </a:rPr>
-              <a:t> - 2</a:t>
+              <a:t> </a:t>
+            </a:r>
+            <a:r>
+              <a:rPr lang="it-IT" sz="4400" b="1" spc="-100" dirty="0" smtClean="0">
+                <a:ln w="3175">
+                  <a:noFill/>
+                </a:ln>
+                <a:solidFill>
+                  <a:srgbClr val="0072C6"/>
+                </a:solidFill>
+                <a:latin typeface="+mj-lt"/>
+                <a:cs typeface="Arial" charset="0"/>
+              </a:rPr>
+              <a:t>– soluzione 2 – non utilizzata</a:t>
             </a:r>
             <a:endParaRPr lang="it-IT" sz="4400" b="1" spc="-100" dirty="0">
               <a:ln w="3175">
@@ -14992,7 +15128,20 @@
                 <a:latin typeface="+mj-lt"/>
                 <a:cs typeface="Arial" charset="0"/>
               </a:rPr>
-              <a:t> - 2</a:t>
+              <a:t> </a:t>
+            </a:r>
+            <a:r>
+              <a:rPr lang="it-IT" sz="4400" b="1" spc="-100" dirty="0" smtClean="0">
+                <a:ln w="3175">
+                  <a:noFill/>
+                </a:ln>
+                <a:solidFill>
+                  <a:srgbClr val="0072C6"/>
+                </a:solidFill>
+                <a:latin typeface="+mj-lt"/>
+                <a:cs typeface="Arial" charset="0"/>
+              </a:rPr>
+              <a:t>– soluzione 2</a:t>
             </a:r>
             <a:endParaRPr lang="it-IT" sz="4400" b="1" spc="-100" dirty="0">
               <a:ln w="3175">
@@ -15449,30 +15598,6 @@
       </p:graphicFrame>
       <p:graphicFrame>
         <p:nvGraphicFramePr>
-          <p:cNvPr id="8" name="Grafico 7"/>
-          <p:cNvGraphicFramePr>
-            <a:graphicFrameLocks/>
-          </p:cNvGraphicFramePr>
-          <p:nvPr>
-            <p:extLst>
-              <p:ext uri="{D42A27DB-BD31-4B8C-83A1-F6EECF244321}">
-                <p14:modId xmlns:p14="http://schemas.microsoft.com/office/powerpoint/2010/main" val="2648613473"/>
-              </p:ext>
-            </p:extLst>
-          </p:nvPr>
-        </p:nvGraphicFramePr>
-        <p:xfrm>
-          <a:off x="4471988" y="600074"/>
-          <a:ext cx="8858249" cy="5472113"/>
-        </p:xfrm>
-        <a:graphic>
-          <a:graphicData uri="http://schemas.openxmlformats.org/drawingml/2006/chart">
-            <c:chart xmlns:c="http://schemas.openxmlformats.org/drawingml/2006/chart" xmlns:r="http://schemas.openxmlformats.org/officeDocument/2006/relationships" r:id="rId2"/>
-          </a:graphicData>
-        </a:graphic>
-      </p:graphicFrame>
-      <p:graphicFrame>
-        <p:nvGraphicFramePr>
           <p:cNvPr id="11" name="Tabella 10"/>
           <p:cNvGraphicFramePr>
             <a:graphicFrameLocks noGrp="1"/>
@@ -15641,6 +15766,30 @@
           </a:graphicData>
         </a:graphic>
       </p:graphicFrame>
+      <p:graphicFrame>
+        <p:nvGraphicFramePr>
+          <p:cNvPr id="10" name="Grafico 9"/>
+          <p:cNvGraphicFramePr>
+            <a:graphicFrameLocks/>
+          </p:cNvGraphicFramePr>
+          <p:nvPr>
+            <p:extLst>
+              <p:ext uri="{D42A27DB-BD31-4B8C-83A1-F6EECF244321}">
+                <p14:modId xmlns:p14="http://schemas.microsoft.com/office/powerpoint/2010/main" val="413867841"/>
+              </p:ext>
+            </p:extLst>
+          </p:nvPr>
+        </p:nvGraphicFramePr>
+        <p:xfrm>
+          <a:off x="3838574" y="785814"/>
+          <a:ext cx="10234614" cy="5498306"/>
+        </p:xfrm>
+        <a:graphic>
+          <a:graphicData uri="http://schemas.openxmlformats.org/drawingml/2006/chart">
+            <c:chart xmlns:c="http://schemas.openxmlformats.org/drawingml/2006/chart" xmlns:r="http://schemas.openxmlformats.org/officeDocument/2006/relationships" r:id="rId2"/>
+          </a:graphicData>
+        </a:graphic>
+      </p:graphicFrame>
     </p:spTree>
     <p:extLst>
       <p:ext uri="{BB962C8B-B14F-4D97-AF65-F5344CB8AC3E}">
@@ -15826,7 +15975,20 @@
                 <a:latin typeface="+mj-lt"/>
                 <a:cs typeface="Arial" charset="0"/>
               </a:rPr>
-              <a:t> - 3</a:t>
+              <a:t> </a:t>
+            </a:r>
+            <a:r>
+              <a:rPr lang="it-IT" sz="4400" b="1" spc="-100" dirty="0" smtClean="0">
+                <a:ln w="3175">
+                  <a:noFill/>
+                </a:ln>
+                <a:solidFill>
+                  <a:srgbClr val="0072C6"/>
+                </a:solidFill>
+                <a:latin typeface="+mj-lt"/>
+                <a:cs typeface="Arial" charset="0"/>
+              </a:rPr>
+              <a:t>– soluzione 3 – non utilizzata</a:t>
             </a:r>
             <a:endParaRPr lang="it-IT" sz="4400" b="1" spc="-100" dirty="0">
               <a:ln w="3175">
@@ -16080,7 +16242,20 @@
                 <a:latin typeface="+mj-lt"/>
                 <a:cs typeface="Arial" charset="0"/>
               </a:rPr>
-              <a:t> - 3</a:t>
+              <a:t> </a:t>
+            </a:r>
+            <a:r>
+              <a:rPr lang="it-IT" sz="4400" b="1" spc="-100" dirty="0" smtClean="0">
+                <a:ln w="3175">
+                  <a:noFill/>
+                </a:ln>
+                <a:solidFill>
+                  <a:srgbClr val="0072C6"/>
+                </a:solidFill>
+                <a:latin typeface="+mj-lt"/>
+                <a:cs typeface="Arial" charset="0"/>
+              </a:rPr>
+              <a:t>– soluzione 3</a:t>
             </a:r>
             <a:endParaRPr lang="it-IT" sz="4400" b="1" spc="-100" dirty="0">
               <a:ln w="3175">
@@ -16537,30 +16712,6 @@
       </p:graphicFrame>
       <p:graphicFrame>
         <p:nvGraphicFramePr>
-          <p:cNvPr id="8" name="Grafico 7"/>
-          <p:cNvGraphicFramePr>
-            <a:graphicFrameLocks/>
-          </p:cNvGraphicFramePr>
-          <p:nvPr>
-            <p:extLst>
-              <p:ext uri="{D42A27DB-BD31-4B8C-83A1-F6EECF244321}">
-                <p14:modId xmlns:p14="http://schemas.microsoft.com/office/powerpoint/2010/main" val="4221715174"/>
-              </p:ext>
-            </p:extLst>
-          </p:nvPr>
-        </p:nvGraphicFramePr>
-        <p:xfrm>
-          <a:off x="4957762" y="928689"/>
-          <a:ext cx="8229601" cy="5014912"/>
-        </p:xfrm>
-        <a:graphic>
-          <a:graphicData uri="http://schemas.openxmlformats.org/drawingml/2006/chart">
-            <c:chart xmlns:c="http://schemas.openxmlformats.org/drawingml/2006/chart" xmlns:r="http://schemas.openxmlformats.org/officeDocument/2006/relationships" r:id="rId2"/>
-          </a:graphicData>
-        </a:graphic>
-      </p:graphicFrame>
-      <p:graphicFrame>
-        <p:nvGraphicFramePr>
           <p:cNvPr id="11" name="Tabella 10"/>
           <p:cNvGraphicFramePr>
             <a:graphicFrameLocks noGrp="1"/>
@@ -16783,6 +16934,30 @@
           </a:graphicData>
         </a:graphic>
       </p:graphicFrame>
+      <p:graphicFrame>
+        <p:nvGraphicFramePr>
+          <p:cNvPr id="10" name="Grafico 9"/>
+          <p:cNvGraphicFramePr>
+            <a:graphicFrameLocks/>
+          </p:cNvGraphicFramePr>
+          <p:nvPr>
+            <p:extLst>
+              <p:ext uri="{D42A27DB-BD31-4B8C-83A1-F6EECF244321}">
+                <p14:modId xmlns:p14="http://schemas.microsoft.com/office/powerpoint/2010/main" val="3223589112"/>
+              </p:ext>
+            </p:extLst>
+          </p:nvPr>
+        </p:nvGraphicFramePr>
+        <p:xfrm>
+          <a:off x="4162424" y="800100"/>
+          <a:ext cx="9625014" cy="5241131"/>
+        </p:xfrm>
+        <a:graphic>
+          <a:graphicData uri="http://schemas.openxmlformats.org/drawingml/2006/chart">
+            <c:chart xmlns:c="http://schemas.openxmlformats.org/drawingml/2006/chart" xmlns:r="http://schemas.openxmlformats.org/officeDocument/2006/relationships" r:id="rId2"/>
+          </a:graphicData>
+        </a:graphic>
+      </p:graphicFrame>
     </p:spTree>
     <p:extLst>
       <p:ext uri="{BB962C8B-B14F-4D97-AF65-F5344CB8AC3E}">
@@ -24324,21 +24499,8 @@
                   <a:srgbClr val="0072C6"/>
                 </a:solidFill>
               </a:rPr>
-              <a:t>Schema </a:t>
-            </a:r>
-            <a:r>
-              <a:rPr lang="it-IT" b="1" dirty="0" smtClean="0">
-                <a:solidFill>
-                  <a:srgbClr val="0072C6"/>
-                </a:solidFill>
-              </a:rPr>
-              <a:t>concettuale</a:t>
-            </a:r>
-            <a:endParaRPr lang="it-IT" b="1" dirty="0" smtClean="0">
-              <a:solidFill>
-                <a:srgbClr val="0072C6"/>
-              </a:solidFill>
-            </a:endParaRPr>
+              <a:t>Schema concettuale</a:t>
+            </a:r>
           </a:p>
           <a:p>
             <a:r>
@@ -26257,7 +26419,7 @@
       </p:grpSpPr>
       <p:sp>
         <p:nvSpPr>
-          <p:cNvPr id="6" name="Rettangolo 5"/>
+          <p:cNvPr id="3" name="Rettangolo 2"/>
           <p:cNvSpPr/>
           <p:nvPr/>
         </p:nvSpPr>
@@ -26300,7 +26462,7 @@
       </p:sp>
       <p:sp>
         <p:nvSpPr>
-          <p:cNvPr id="7" name="Rettangolo 6"/>
+          <p:cNvPr id="4" name="Rettangolo 3"/>
           <p:cNvSpPr/>
           <p:nvPr/>
         </p:nvSpPr>
@@ -26349,8 +26511,8 @@
         </p:nvSpPr>
         <p:spPr>
           <a:xfrm>
-            <a:off x="521493" y="2042221"/>
-            <a:ext cx="10158413" cy="5016757"/>
+            <a:off x="521493" y="1700214"/>
+            <a:ext cx="11141340" cy="4308872"/>
           </a:xfrm>
           <a:prstGeom prst="rect">
             <a:avLst/>
@@ -26363,24 +26525,8 @@
           </a:bodyPr>
           <a:lstStyle/>
           <a:p>
-            <a:pPr marL="457200" lvl="0" indent="-457200">
-              <a:buFont typeface="Arial"/>
-              <a:buChar char="•"/>
-            </a:pPr>
-            <a:r>
-              <a:rPr lang="it-IT" sz="3200" spc="-100" dirty="0" smtClean="0">
-                <a:ln w="3175">
-                  <a:noFill/>
-                </a:ln>
-                <a:latin typeface="+mj-lt"/>
-                <a:cs typeface="Arial" charset="0"/>
-              </a:rPr>
-              <a:t>Il target del sistema è il territorio nazionale italiano.</a:t>
-            </a:r>
-          </a:p>
-          <a:p>
-            <a:pPr marL="457200" lvl="0" indent="-457200">
-              <a:buFont typeface="Arial"/>
+            <a:pPr marL="457200" indent="-457200">
+              <a:buFont typeface="Arial" panose="020B0604020202020204" pitchFamily="34" charset="0"/>
               <a:buChar char="•"/>
             </a:pPr>
             <a:endParaRPr lang="it-IT" sz="3200" spc="-100" dirty="0" smtClean="0">
@@ -26392,8 +26538,8 @@
             </a:endParaRPr>
           </a:p>
           <a:p>
-            <a:pPr marL="457200" lvl="0" indent="-457200">
-              <a:buFont typeface="Arial"/>
+            <a:pPr marL="457200" indent="-457200">
+              <a:buFont typeface="Arial" panose="020B0604020202020204" pitchFamily="34" charset="0"/>
               <a:buChar char="•"/>
             </a:pPr>
             <a:r>
@@ -26404,67 +26550,22 @@
                 <a:latin typeface="+mj-lt"/>
                 <a:cs typeface="Arial" charset="0"/>
               </a:rPr>
-              <a:t>Presenza di 2000 sensori idrici dislocati sul territorio nazionale (a febbraio 2015 in Lombardia sono presenti circa 100 sensori).</a:t>
-            </a:r>
-          </a:p>
-          <a:p>
-            <a:pPr marL="457200" lvl="0" indent="-457200">
-              <a:buFont typeface="Arial"/>
-              <a:buChar char="•"/>
-            </a:pPr>
-            <a:endParaRPr lang="it-IT" sz="3200" spc="-100" dirty="0" smtClean="0">
-              <a:ln w="3175">
-                <a:noFill/>
-              </a:ln>
-              <a:latin typeface="+mj-lt"/>
-              <a:cs typeface="Arial" charset="0"/>
-            </a:endParaRPr>
-          </a:p>
-          <a:p>
-            <a:pPr marL="457200" lvl="0" indent="-457200">
-              <a:buFont typeface="Arial"/>
-              <a:buChar char="•"/>
-            </a:pPr>
-            <a:r>
-              <a:rPr lang="it-IT" sz="3200" spc="-100" dirty="0" smtClean="0">
-                <a:ln w="3175">
-                  <a:noFill/>
-                </a:ln>
-                <a:latin typeface="+mj-lt"/>
-                <a:cs typeface="Arial" charset="0"/>
-              </a:rPr>
-              <a:t>I sensori idrici inviano i dati rilevati ogni ora (i sensori sono sincronizzati).</a:t>
-            </a:r>
-          </a:p>
-          <a:p>
-            <a:pPr marL="457200" lvl="0" indent="-457200">
-              <a:buFont typeface="Arial"/>
-              <a:buChar char="•"/>
-            </a:pPr>
-            <a:endParaRPr lang="it-IT" sz="3200" spc="-100" dirty="0" smtClean="0">
-              <a:ln w="3175">
-                <a:noFill/>
-              </a:ln>
-              <a:latin typeface="+mj-lt"/>
-              <a:cs typeface="Arial" charset="0"/>
-            </a:endParaRPr>
-          </a:p>
-          <a:p>
-            <a:pPr marL="457200" lvl="0" indent="-457200">
-              <a:buFont typeface="Arial"/>
-              <a:buChar char="•"/>
-            </a:pPr>
-            <a:endParaRPr lang="it-IT" sz="3200" spc="-100" dirty="0" smtClean="0">
-              <a:ln w="3175">
-                <a:noFill/>
-              </a:ln>
-              <a:latin typeface="+mj-lt"/>
-              <a:cs typeface="Arial" charset="0"/>
-            </a:endParaRPr>
-          </a:p>
-          <a:p>
-            <a:pPr marL="457200" lvl="0" indent="-457200">
-              <a:buFont typeface="Arial"/>
+              <a:t>Chi </a:t>
+            </a:r>
+            <a:r>
+              <a:rPr lang="it-IT" sz="3200" spc="-100" dirty="0">
+                <a:ln w="3175">
+                  <a:noFill/>
+                </a:ln>
+                <a:latin typeface="+mj-lt"/>
+                <a:cs typeface="Arial" charset="0"/>
+              </a:rPr>
+              <a:t>sono gli operatori a campo che segnalano SEG?</a:t>
+            </a:r>
+          </a:p>
+          <a:p>
+            <a:pPr marL="457200" indent="-457200">
+              <a:buFont typeface="Arial" panose="020B0604020202020204" pitchFamily="34" charset="0"/>
               <a:buChar char="•"/>
             </a:pPr>
             <a:endParaRPr lang="it-IT" sz="3200" spc="-100" dirty="0">
@@ -26475,11 +26576,205 @@
               <a:cs typeface="Arial" charset="0"/>
             </a:endParaRPr>
           </a:p>
+          <a:p>
+            <a:pPr marL="457200" indent="-457200">
+              <a:buFont typeface="Arial" panose="020B0604020202020204" pitchFamily="34" charset="0"/>
+              <a:buChar char="•"/>
+            </a:pPr>
+            <a:r>
+              <a:rPr lang="it-IT" sz="3200" spc="-100" dirty="0">
+                <a:ln w="3175">
+                  <a:noFill/>
+                </a:ln>
+                <a:latin typeface="+mj-lt"/>
+                <a:cs typeface="Arial" charset="0"/>
+              </a:rPr>
+              <a:t>C</a:t>
+            </a:r>
+            <a:r>
+              <a:rPr lang="it-IT" sz="3200" spc="-100" dirty="0" smtClean="0">
+                <a:ln w="3175">
+                  <a:noFill/>
+                </a:ln>
+                <a:latin typeface="+mj-lt"/>
+                <a:cs typeface="Arial" charset="0"/>
+              </a:rPr>
+              <a:t>ome </a:t>
+            </a:r>
+            <a:r>
+              <a:rPr lang="it-IT" sz="3200" spc="-100" dirty="0">
+                <a:ln w="3175">
+                  <a:noFill/>
+                </a:ln>
+                <a:latin typeface="+mj-lt"/>
+                <a:cs typeface="Arial" charset="0"/>
+              </a:rPr>
+              <a:t>vengono notificate le pianificazioni </a:t>
+            </a:r>
+            <a:r>
+              <a:rPr lang="it-IT" sz="3200" spc="-100" dirty="0" smtClean="0">
+                <a:ln w="3175">
+                  <a:noFill/>
+                </a:ln>
+                <a:latin typeface="+mj-lt"/>
+                <a:cs typeface="Arial" charset="0"/>
+              </a:rPr>
+              <a:t>degli </a:t>
+            </a:r>
+            <a:r>
+              <a:rPr lang="it-IT" sz="3200" spc="-100" dirty="0">
+                <a:ln w="3175">
+                  <a:noFill/>
+                </a:ln>
+                <a:latin typeface="+mj-lt"/>
+                <a:cs typeface="Arial" charset="0"/>
+              </a:rPr>
+              <a:t>spostamenti?</a:t>
+            </a:r>
+          </a:p>
+          <a:p>
+            <a:pPr marL="457200" indent="-457200">
+              <a:buFont typeface="Arial" panose="020B0604020202020204" pitchFamily="34" charset="0"/>
+              <a:buChar char="•"/>
+            </a:pPr>
+            <a:endParaRPr lang="it-IT" sz="3200" spc="-100" dirty="0">
+              <a:ln w="3175">
+                <a:noFill/>
+              </a:ln>
+              <a:latin typeface="+mj-lt"/>
+              <a:cs typeface="Arial" charset="0"/>
+            </a:endParaRPr>
+          </a:p>
+          <a:p>
+            <a:pPr marL="457200" indent="-457200">
+              <a:buFont typeface="Arial" panose="020B0604020202020204" pitchFamily="34" charset="0"/>
+              <a:buChar char="•"/>
+            </a:pPr>
+            <a:r>
+              <a:rPr lang="it-IT" sz="3200" spc="-100" dirty="0">
+                <a:ln w="3175">
+                  <a:noFill/>
+                </a:ln>
+                <a:latin typeface="+mj-lt"/>
+                <a:cs typeface="Arial" charset="0"/>
+              </a:rPr>
+              <a:t>C</a:t>
+            </a:r>
+            <a:r>
+              <a:rPr lang="it-IT" sz="3200" spc="-100" dirty="0" smtClean="0">
+                <a:ln w="3175">
+                  <a:noFill/>
+                </a:ln>
+                <a:latin typeface="+mj-lt"/>
+                <a:cs typeface="Arial" charset="0"/>
+              </a:rPr>
+              <a:t>ome </a:t>
+            </a:r>
+            <a:r>
+              <a:rPr lang="it-IT" sz="3200" spc="-100" dirty="0">
+                <a:ln w="3175">
+                  <a:noFill/>
+                </a:ln>
+                <a:latin typeface="+mj-lt"/>
+                <a:cs typeface="Arial" charset="0"/>
+              </a:rPr>
+              <a:t>vengono resi visibili le informazioni SEP?</a:t>
+            </a:r>
+          </a:p>
+          <a:p>
+            <a:pPr marL="457200" indent="-457200">
+              <a:buFont typeface="Arial" panose="020B0604020202020204" pitchFamily="34" charset="0"/>
+              <a:buChar char="•"/>
+            </a:pPr>
+            <a:endParaRPr lang="it-IT" sz="3200" spc="-100" dirty="0">
+              <a:ln w="3175">
+                <a:noFill/>
+              </a:ln>
+              <a:latin typeface="+mj-lt"/>
+              <a:cs typeface="Arial" charset="0"/>
+            </a:endParaRPr>
+          </a:p>
+          <a:p>
+            <a:pPr marL="457200" indent="-457200">
+              <a:buFont typeface="Arial" panose="020B0604020202020204" pitchFamily="34" charset="0"/>
+              <a:buChar char="•"/>
+            </a:pPr>
+            <a:r>
+              <a:rPr lang="it-IT" sz="3200" spc="-100" dirty="0">
+                <a:ln w="3175">
+                  <a:noFill/>
+                </a:ln>
+                <a:latin typeface="+mj-lt"/>
+                <a:cs typeface="Arial" charset="0"/>
+              </a:rPr>
+              <a:t>D</a:t>
+            </a:r>
+            <a:r>
+              <a:rPr lang="it-IT" sz="3200" spc="-100" dirty="0" smtClean="0">
+                <a:ln w="3175">
+                  <a:noFill/>
+                </a:ln>
+                <a:latin typeface="+mj-lt"/>
+                <a:cs typeface="Arial" charset="0"/>
+              </a:rPr>
+              <a:t>ifferenza </a:t>
+            </a:r>
+            <a:r>
+              <a:rPr lang="it-IT" sz="3200" spc="-100" dirty="0">
+                <a:ln w="3175">
+                  <a:noFill/>
+                </a:ln>
+                <a:latin typeface="+mj-lt"/>
+                <a:cs typeface="Arial" charset="0"/>
+              </a:rPr>
+              <a:t>fra </a:t>
+            </a:r>
+            <a:r>
+              <a:rPr lang="it-IT" sz="3200" spc="-100" dirty="0" smtClean="0">
+                <a:ln w="3175">
+                  <a:noFill/>
+                </a:ln>
+                <a:latin typeface="+mj-lt"/>
+                <a:cs typeface="Arial" charset="0"/>
+              </a:rPr>
+              <a:t>informazioni SEP </a:t>
+            </a:r>
+            <a:r>
+              <a:rPr lang="it-IT" sz="3200" spc="-100" dirty="0">
+                <a:ln w="3175">
+                  <a:noFill/>
+                </a:ln>
+                <a:latin typeface="+mj-lt"/>
+                <a:cs typeface="Arial" charset="0"/>
+              </a:rPr>
+              <a:t>e </a:t>
+            </a:r>
+            <a:r>
+              <a:rPr lang="it-IT" sz="3200" spc="-100" dirty="0" smtClean="0">
+                <a:ln w="3175">
+                  <a:noFill/>
+                </a:ln>
+                <a:latin typeface="+mj-lt"/>
+                <a:cs typeface="Arial" charset="0"/>
+              </a:rPr>
+              <a:t>informazioni SEP sintetiche?</a:t>
+            </a:r>
+            <a:endParaRPr lang="it-IT" sz="3200" spc="-100" dirty="0">
+              <a:ln w="3175">
+                <a:noFill/>
+              </a:ln>
+              <a:latin typeface="+mj-lt"/>
+              <a:cs typeface="Arial" charset="0"/>
+            </a:endParaRPr>
+          </a:p>
+          <a:p>
+            <a:endParaRPr lang="it-IT" dirty="0"/>
+          </a:p>
         </p:txBody>
       </p:sp>
       <p:sp>
         <p:nvSpPr>
-          <p:cNvPr id="9" name="CasellaDiTesto 8"/>
+          <p:cNvPr id="8" name="CasellaDiTesto 7"/>
           <p:cNvSpPr txBox="1"/>
           <p:nvPr/>
         </p:nvSpPr>
@@ -26525,7 +26820,7 @@
                 <a:latin typeface="+mj-lt"/>
                 <a:cs typeface="Arial" charset="0"/>
               </a:rPr>
-              <a:t>Assunzioni</a:t>
+              <a:t>Ambiguità - 1</a:t>
             </a:r>
             <a:endParaRPr lang="it-IT" sz="3000" b="1" spc="-100" dirty="0">
               <a:ln w="3175">
@@ -26543,7 +26838,7 @@
     </p:spTree>
     <p:extLst>
       <p:ext uri="{BB962C8B-B14F-4D97-AF65-F5344CB8AC3E}">
-        <p14:creationId xmlns:p14="http://schemas.microsoft.com/office/powerpoint/2010/main" val="3137891086"/>
+        <p14:creationId xmlns:p14="http://schemas.microsoft.com/office/powerpoint/2010/main" val="4277310196"/>
       </p:ext>
     </p:extLst>
   </p:cSld>
@@ -27008,23 +27303,7 @@
                   <a:srgbClr val="0072C6"/>
                 </a:solidFill>
               </a:rPr>
-              <a:t>Virtual Data </a:t>
-            </a:r>
-            <a:r>
-              <a:rPr lang="it-IT" b="1" dirty="0" smtClean="0">
-                <a:solidFill>
-                  <a:srgbClr val="0072C6"/>
-                </a:solidFill>
-              </a:rPr>
-              <a:t>Integration vs </a:t>
-            </a:r>
-            <a:r>
-              <a:rPr lang="it-IT" b="1" dirty="0" smtClean="0">
-                <a:solidFill>
-                  <a:srgbClr val="0072C6"/>
-                </a:solidFill>
-              </a:rPr>
-              <a:t>ETL</a:t>
+              <a:t>Virtual Data Integration vs ETL</a:t>
             </a:r>
           </a:p>
           <a:p>
@@ -27763,27 +28042,7 @@
                 <a:latin typeface="+mj-lt"/>
                 <a:cs typeface="Arial" charset="0"/>
               </a:rPr>
-              <a:t>1</a:t>
-            </a:r>
-            <a:r>
-              <a:rPr lang="it-IT" sz="2200" spc="-100" dirty="0">
-                <a:ln w="3175">
-                  <a:noFill/>
-                </a:ln>
-                <a:latin typeface="+mj-lt"/>
-                <a:cs typeface="Arial" charset="0"/>
-              </a:rPr>
-              <a:t>. </a:t>
-            </a:r>
-            <a:r>
-              <a:rPr lang="it-IT" sz="2200" spc="-100" dirty="0">
-                <a:ln w="3175">
-                  <a:noFill/>
-                </a:ln>
-                <a:latin typeface="+mj-lt"/>
-                <a:cs typeface="Arial" charset="0"/>
-              </a:rPr>
-              <a:t>Maurizio </a:t>
+              <a:t>1. Maurizio </a:t>
             </a:r>
             <a:r>
               <a:rPr lang="it-IT" sz="2200" spc="-100" dirty="0" err="1">
@@ -28061,23 +28320,7 @@
                   <a:srgbClr val="0072C6"/>
                 </a:solidFill>
               </a:rPr>
-              <a:t>Virtual Data </a:t>
-            </a:r>
-            <a:r>
-              <a:rPr lang="it-IT" b="1" dirty="0" smtClean="0">
-                <a:solidFill>
-                  <a:srgbClr val="0072C6"/>
-                </a:solidFill>
-              </a:rPr>
-              <a:t>Integration vs </a:t>
-            </a:r>
-            <a:r>
-              <a:rPr lang="it-IT" b="1" dirty="0" smtClean="0">
-                <a:solidFill>
-                  <a:srgbClr val="0072C6"/>
-                </a:solidFill>
-              </a:rPr>
-              <a:t>ETL</a:t>
+              <a:t>Virtual Data Integration vs ETL</a:t>
             </a:r>
           </a:p>
           <a:p>
@@ -28425,23 +28668,7 @@
                   <a:srgbClr val="0072C6"/>
                 </a:solidFill>
               </a:rPr>
-              <a:t>Virtual Data </a:t>
-            </a:r>
-            <a:r>
-              <a:rPr lang="it-IT" b="1" dirty="0" smtClean="0">
-                <a:solidFill>
-                  <a:srgbClr val="0072C6"/>
-                </a:solidFill>
-              </a:rPr>
-              <a:t>Integration vs </a:t>
-            </a:r>
-            <a:r>
-              <a:rPr lang="it-IT" b="1" dirty="0" smtClean="0">
-                <a:solidFill>
-                  <a:srgbClr val="0072C6"/>
-                </a:solidFill>
-              </a:rPr>
-              <a:t>ETL</a:t>
+              <a:t>Virtual Data Integration vs ETL</a:t>
             </a:r>
           </a:p>
           <a:p>
@@ -28957,23 +29184,7 @@
                   <a:srgbClr val="0072C6"/>
                 </a:solidFill>
               </a:rPr>
-              <a:t>Virtual Data </a:t>
-            </a:r>
-            <a:r>
-              <a:rPr lang="it-IT" b="1" dirty="0" smtClean="0">
-                <a:solidFill>
-                  <a:srgbClr val="0072C6"/>
-                </a:solidFill>
-              </a:rPr>
-              <a:t>Integration vs </a:t>
-            </a:r>
-            <a:r>
-              <a:rPr lang="it-IT" b="1" dirty="0" smtClean="0">
-                <a:solidFill>
-                  <a:srgbClr val="0072C6"/>
-                </a:solidFill>
-              </a:rPr>
-              <a:t>ETL</a:t>
+              <a:t>Virtual Data Integration vs ETL</a:t>
             </a:r>
           </a:p>
           <a:p>
@@ -29361,23 +29572,7 @@
                   <a:srgbClr val="0072C6"/>
                 </a:solidFill>
               </a:rPr>
-              <a:t>Virtual Data </a:t>
-            </a:r>
-            <a:r>
-              <a:rPr lang="it-IT" b="1" dirty="0" smtClean="0">
-                <a:solidFill>
-                  <a:srgbClr val="0072C6"/>
-                </a:solidFill>
-              </a:rPr>
-              <a:t>Integration vs </a:t>
-            </a:r>
-            <a:r>
-              <a:rPr lang="it-IT" b="1" dirty="0" smtClean="0">
-                <a:solidFill>
-                  <a:srgbClr val="0072C6"/>
-                </a:solidFill>
-              </a:rPr>
-              <a:t>ETL</a:t>
+              <a:t>Virtual Data Integration vs ETL</a:t>
             </a:r>
           </a:p>
           <a:p>
@@ -29907,23 +30102,7 @@
                   <a:srgbClr val="0072C6"/>
                 </a:solidFill>
               </a:rPr>
-              <a:t>Virtual Data </a:t>
-            </a:r>
-            <a:r>
-              <a:rPr lang="it-IT" b="1" dirty="0" smtClean="0">
-                <a:solidFill>
-                  <a:srgbClr val="0072C6"/>
-                </a:solidFill>
-              </a:rPr>
-              <a:t>Integration vs </a:t>
-            </a:r>
-            <a:r>
-              <a:rPr lang="it-IT" b="1" dirty="0" smtClean="0">
-                <a:solidFill>
-                  <a:srgbClr val="0072C6"/>
-                </a:solidFill>
-              </a:rPr>
-              <a:t>ETL</a:t>
+              <a:t>Virtual Data Integration vs ETL</a:t>
             </a:r>
           </a:p>
           <a:p>
@@ -31301,7 +31480,7 @@
       </p:grpSpPr>
       <p:sp>
         <p:nvSpPr>
-          <p:cNvPr id="6" name="Rettangolo 5"/>
+          <p:cNvPr id="3" name="Rettangolo 2"/>
           <p:cNvSpPr/>
           <p:nvPr/>
         </p:nvSpPr>
@@ -31344,7 +31523,7 @@
       </p:sp>
       <p:sp>
         <p:nvSpPr>
-          <p:cNvPr id="7" name="Rettangolo 6"/>
+          <p:cNvPr id="4" name="Rettangolo 3"/>
           <p:cNvSpPr/>
           <p:nvPr/>
         </p:nvSpPr>
@@ -31394,7 +31573,7 @@
         <p:spPr>
           <a:xfrm>
             <a:off x="521493" y="1700214"/>
-            <a:ext cx="10158413" cy="7478970"/>
+            <a:ext cx="11141340" cy="4308872"/>
           </a:xfrm>
           <a:prstGeom prst="rect">
             <a:avLst/>
@@ -31407,20 +31586,23 @@
           </a:bodyPr>
           <a:lstStyle/>
           <a:p>
-            <a:pPr marL="457200" lvl="0" indent="-457200">
-              <a:buFont typeface="Arial"/>
+            <a:pPr marL="457200" indent="-457200">
+              <a:buFont typeface="Arial" panose="020B0604020202020204" pitchFamily="34" charset="0"/>
               <a:buChar char="•"/>
             </a:pPr>
-            <a:r>
-              <a:rPr lang="it-IT" sz="3200" spc="-100" dirty="0">
-                <a:ln w="3175">
-                  <a:noFill/>
-                </a:ln>
-                <a:latin typeface="+mj-lt"/>
-                <a:cs typeface="Arial" charset="0"/>
-              </a:rPr>
-              <a:t>Il recupero dei dati meteo viene effettuato ogni 3 ore (assunzione fatta sulla base del funzionamento di servizi web reali ) </a:t>
-            </a:r>
+            <a:endParaRPr lang="it-IT" sz="3200" spc="-100" dirty="0" smtClean="0">
+              <a:ln w="3175">
+                <a:noFill/>
+              </a:ln>
+              <a:latin typeface="+mj-lt"/>
+              <a:cs typeface="Arial" charset="0"/>
+            </a:endParaRPr>
+          </a:p>
+          <a:p>
+            <a:pPr marL="457200" indent="-457200">
+              <a:buFont typeface="Arial" panose="020B0604020202020204" pitchFamily="34" charset="0"/>
+              <a:buChar char="•"/>
+            </a:pPr>
             <a:r>
               <a:rPr lang="it-IT" sz="3200" spc="-100" dirty="0" smtClean="0">
                 <a:ln w="3175">
@@ -31429,7 +31611,7 @@
                 <a:latin typeface="+mj-lt"/>
                 <a:cs typeface="Arial" charset="0"/>
               </a:rPr>
-              <a:t> </a:t>
+              <a:t>L’algoritmo che identifica una SEP sulla base di quanti dati lavora?</a:t>
             </a:r>
             <a:endParaRPr lang="it-IT" sz="3200" spc="-100" dirty="0">
               <a:ln w="3175">
@@ -31440,73 +31622,8 @@
             </a:endParaRPr>
           </a:p>
           <a:p>
-            <a:pPr marL="457200" lvl="0" indent="-457200">
-              <a:buFont typeface="Arial"/>
-              <a:buChar char="•"/>
-            </a:pPr>
-            <a:endParaRPr lang="it-IT" sz="1600" spc="-100" dirty="0" smtClean="0">
-              <a:ln w="3175">
-                <a:noFill/>
-              </a:ln>
-              <a:latin typeface="+mj-lt"/>
-              <a:cs typeface="Arial" charset="0"/>
-            </a:endParaRPr>
-          </a:p>
-          <a:p>
-            <a:pPr marL="457200" lvl="0" indent="-457200">
-              <a:buFont typeface="Arial"/>
-              <a:buChar char="•"/>
-            </a:pPr>
-            <a:r>
-              <a:rPr lang="it-IT" sz="3200" spc="-100" dirty="0" smtClean="0">
-                <a:ln w="3175">
-                  <a:noFill/>
-                </a:ln>
-                <a:latin typeface="+mj-lt"/>
-                <a:cs typeface="Arial" charset="0"/>
-              </a:rPr>
-              <a:t>La pianificazione degli spostamenti delle squadre di emergenza non viene svolta in automatico dal sistema</a:t>
-            </a:r>
-          </a:p>
-          <a:p>
-            <a:pPr marL="457200" lvl="0" indent="-457200">
-              <a:buFont typeface="Arial"/>
-              <a:buChar char="•"/>
-            </a:pPr>
-            <a:endParaRPr lang="it-IT" sz="1600" spc="-100" dirty="0" smtClean="0">
-              <a:ln w="3175">
-                <a:noFill/>
-              </a:ln>
-              <a:latin typeface="+mj-lt"/>
-              <a:cs typeface="Arial" charset="0"/>
-            </a:endParaRPr>
-          </a:p>
-          <a:p>
             <a:pPr marL="457200" indent="-457200">
-              <a:buFont typeface="Arial"/>
-              <a:buChar char="•"/>
-            </a:pPr>
-            <a:r>
-              <a:rPr lang="it-IT" sz="3200" spc="-100" dirty="0" smtClean="0">
-                <a:ln w="3175">
-                  <a:noFill/>
-                </a:ln>
-                <a:latin typeface="+mj-lt"/>
-                <a:cs typeface="Arial" charset="0"/>
-              </a:rPr>
-              <a:t>Il campo regione della tabella nodo d’acqua in BRI e il campo denominazione della tabella regione in BDM hanno lo stesso dominio</a:t>
-            </a:r>
-            <a:endParaRPr lang="it-IT" sz="3200" spc="-100" dirty="0">
-              <a:ln w="3175">
-                <a:noFill/>
-              </a:ln>
-              <a:latin typeface="+mj-lt"/>
-              <a:cs typeface="Arial" charset="0"/>
-            </a:endParaRPr>
-          </a:p>
-          <a:p>
-            <a:pPr marL="457200" lvl="0" indent="-457200">
-              <a:buFont typeface="Arial"/>
+              <a:buFont typeface="Arial" panose="020B0604020202020204" pitchFamily="34" charset="0"/>
               <a:buChar char="•"/>
             </a:pPr>
             <a:endParaRPr lang="it-IT" sz="3200" spc="-100" dirty="0">
@@ -31518,57 +31635,24 @@
             </a:endParaRPr>
           </a:p>
           <a:p>
-            <a:pPr lvl="0"/>
-            <a:endParaRPr lang="it-IT" sz="3200" spc="-100" dirty="0" smtClean="0">
-              <a:ln w="3175">
-                <a:noFill/>
-              </a:ln>
-              <a:latin typeface="+mj-lt"/>
-              <a:cs typeface="Arial" charset="0"/>
-            </a:endParaRPr>
-          </a:p>
-          <a:p>
-            <a:pPr marL="457200" lvl="0" indent="-457200">
-              <a:buFont typeface="Arial"/>
+            <a:pPr marL="457200" indent="-457200">
+              <a:buFont typeface="Arial" panose="020B0604020202020204" pitchFamily="34" charset="0"/>
               <a:buChar char="•"/>
             </a:pPr>
-            <a:endParaRPr lang="it-IT" sz="3200" spc="-100" dirty="0" smtClean="0">
-              <a:ln w="3175">
-                <a:noFill/>
-              </a:ln>
-              <a:latin typeface="+mj-lt"/>
-              <a:cs typeface="Arial" charset="0"/>
-            </a:endParaRPr>
-          </a:p>
-          <a:p>
-            <a:pPr marL="457200" lvl="0" indent="-457200">
-              <a:buFont typeface="Arial"/>
-              <a:buChar char="•"/>
-            </a:pPr>
-            <a:endParaRPr lang="it-IT" sz="3200" spc="-100" dirty="0" smtClean="0">
-              <a:ln w="3175">
-                <a:noFill/>
-              </a:ln>
-              <a:latin typeface="+mj-lt"/>
-              <a:cs typeface="Arial" charset="0"/>
-            </a:endParaRPr>
-          </a:p>
-          <a:p>
-            <a:pPr marL="457200" lvl="0" indent="-457200">
-              <a:buFont typeface="Arial"/>
-              <a:buChar char="•"/>
-            </a:pPr>
-            <a:endParaRPr lang="it-IT" sz="3200" spc="-100" dirty="0" smtClean="0">
-              <a:ln w="3175">
-                <a:noFill/>
-              </a:ln>
-              <a:latin typeface="+mj-lt"/>
-              <a:cs typeface="Arial" charset="0"/>
-            </a:endParaRPr>
-          </a:p>
-          <a:p>
-            <a:pPr marL="457200" lvl="0" indent="-457200">
-              <a:buFont typeface="Arial"/>
+            <a:r>
+              <a:rPr lang="it-IT" sz="3200" spc="-100" dirty="0" smtClean="0">
+                <a:ln w="3175">
+                  <a:noFill/>
+                </a:ln>
+                <a:latin typeface="+mj-lt"/>
+                <a:cs typeface="Arial" charset="0"/>
+              </a:rPr>
+              <a:t>Come interagiamo con BDM?</a:t>
+            </a:r>
+          </a:p>
+          <a:p>
+            <a:pPr marL="457200" indent="-457200">
+              <a:buFont typeface="Arial" panose="020B0604020202020204" pitchFamily="34" charset="0"/>
               <a:buChar char="•"/>
             </a:pPr>
             <a:endParaRPr lang="it-IT" sz="3200" spc="-100" dirty="0">
@@ -31579,11 +31663,73 @@
               <a:cs typeface="Arial" charset="0"/>
             </a:endParaRPr>
           </a:p>
+          <a:p>
+            <a:pPr marL="457200" indent="-457200">
+              <a:buFont typeface="Arial" panose="020B0604020202020204" pitchFamily="34" charset="0"/>
+              <a:buChar char="•"/>
+            </a:pPr>
+            <a:r>
+              <a:rPr lang="it-IT" sz="3200" spc="-100" dirty="0" smtClean="0">
+                <a:ln w="3175">
+                  <a:noFill/>
+                </a:ln>
+                <a:latin typeface="+mj-lt"/>
+                <a:cs typeface="Arial" charset="0"/>
+              </a:rPr>
+              <a:t>!!!!!!!</a:t>
+            </a:r>
+            <a:endParaRPr lang="it-IT" sz="3200" spc="-100" dirty="0">
+              <a:ln w="3175">
+                <a:noFill/>
+              </a:ln>
+              <a:latin typeface="+mj-lt"/>
+              <a:cs typeface="Arial" charset="0"/>
+            </a:endParaRPr>
+          </a:p>
+          <a:p>
+            <a:pPr marL="457200" indent="-457200">
+              <a:buFont typeface="Arial" panose="020B0604020202020204" pitchFamily="34" charset="0"/>
+              <a:buChar char="•"/>
+            </a:pPr>
+            <a:endParaRPr lang="it-IT" sz="3200" spc="-100" dirty="0">
+              <a:ln w="3175">
+                <a:noFill/>
+              </a:ln>
+              <a:latin typeface="+mj-lt"/>
+              <a:cs typeface="Arial" charset="0"/>
+            </a:endParaRPr>
+          </a:p>
+          <a:p>
+            <a:pPr marL="457200" indent="-457200">
+              <a:buFont typeface="Arial" panose="020B0604020202020204" pitchFamily="34" charset="0"/>
+              <a:buChar char="•"/>
+            </a:pPr>
+            <a:r>
+              <a:rPr lang="it-IT" sz="3200" spc="-100" dirty="0" smtClean="0">
+                <a:ln w="3175">
+                  <a:noFill/>
+                </a:ln>
+                <a:latin typeface="+mj-lt"/>
+                <a:cs typeface="Arial" charset="0"/>
+              </a:rPr>
+              <a:t>!!!!!!!!</a:t>
+            </a:r>
+            <a:endParaRPr lang="it-IT" sz="3200" spc="-100" dirty="0">
+              <a:ln w="3175">
+                <a:noFill/>
+              </a:ln>
+              <a:latin typeface="+mj-lt"/>
+              <a:cs typeface="Arial" charset="0"/>
+            </a:endParaRPr>
+          </a:p>
+          <a:p>
+            <a:endParaRPr lang="it-IT" dirty="0"/>
+          </a:p>
         </p:txBody>
       </p:sp>
       <p:sp>
         <p:nvSpPr>
-          <p:cNvPr id="9" name="CasellaDiTesto 8"/>
+          <p:cNvPr id="8" name="CasellaDiTesto 7"/>
           <p:cNvSpPr txBox="1"/>
           <p:nvPr/>
         </p:nvSpPr>
@@ -31629,7 +31775,7 @@
                 <a:latin typeface="+mj-lt"/>
                 <a:cs typeface="Arial" charset="0"/>
               </a:rPr>
-              <a:t>Assunzioni</a:t>
+              <a:t>Ambiguità -2</a:t>
             </a:r>
             <a:endParaRPr lang="it-IT" sz="3000" b="1" spc="-100" dirty="0">
               <a:ln w="3175">
@@ -31647,7 +31793,7 @@
     </p:spTree>
     <p:extLst>
       <p:ext uri="{BB962C8B-B14F-4D97-AF65-F5344CB8AC3E}">
-        <p14:creationId xmlns:p14="http://schemas.microsoft.com/office/powerpoint/2010/main" val="1192680237"/>
+        <p14:creationId xmlns:p14="http://schemas.microsoft.com/office/powerpoint/2010/main" val="3282923242"/>
       </p:ext>
     </p:extLst>
   </p:cSld>
@@ -33152,15 +33298,7 @@
                   <a:srgbClr val="0072C6"/>
                 </a:solidFill>
               </a:rPr>
-              <a:t>Query schema </a:t>
-            </a:r>
-            <a:r>
-              <a:rPr lang="it-IT" b="1" dirty="0" smtClean="0">
-                <a:solidFill>
-                  <a:srgbClr val="0072C6"/>
-                </a:solidFill>
-              </a:rPr>
-              <a:t>globale - </a:t>
+              <a:t>Query schema globale - </a:t>
             </a:r>
             <a:r>
               <a:rPr lang="it-IT" b="1" dirty="0" err="1" smtClean="0">
@@ -35491,8 +35629,8 @@
         </p:nvSpPr>
         <p:spPr>
           <a:xfrm>
-            <a:off x="521493" y="1700214"/>
-            <a:ext cx="10158413" cy="6986527"/>
+            <a:off x="521493" y="2042221"/>
+            <a:ext cx="10158413" cy="5016757"/>
           </a:xfrm>
           <a:prstGeom prst="rect">
             <a:avLst/>
@@ -35504,6 +35642,22 @@
             <a:spAutoFit/>
           </a:bodyPr>
           <a:lstStyle/>
+          <a:p>
+            <a:pPr marL="457200" lvl="0" indent="-457200">
+              <a:buFont typeface="Arial"/>
+              <a:buChar char="•"/>
+            </a:pPr>
+            <a:r>
+              <a:rPr lang="it-IT" sz="3200" spc="-100" dirty="0" smtClean="0">
+                <a:ln w="3175">
+                  <a:noFill/>
+                </a:ln>
+                <a:latin typeface="+mj-lt"/>
+                <a:cs typeface="Arial" charset="0"/>
+              </a:rPr>
+              <a:t>Il target del sistema è il territorio nazionale italiano.</a:t>
+            </a:r>
+          </a:p>
           <a:p>
             <a:pPr marL="457200" lvl="0" indent="-457200">
               <a:buFont typeface="Arial"/>
@@ -35530,9 +35684,15 @@
                 <a:latin typeface="+mj-lt"/>
                 <a:cs typeface="Arial" charset="0"/>
               </a:rPr>
-              <a:t>Conosciamo lo schema logico di BDM</a:t>
-            </a:r>
-            <a:endParaRPr lang="it-IT" sz="3200" spc="-100" dirty="0">
+              <a:t>Presenza di 2000 sensori idrici dislocati sul territorio nazionale (a febbraio 2015 in Lombardia sono presenti circa 100 sensori).</a:t>
+            </a:r>
+          </a:p>
+          <a:p>
+            <a:pPr marL="457200" lvl="0" indent="-457200">
+              <a:buFont typeface="Arial"/>
+              <a:buChar char="•"/>
+            </a:pPr>
+            <a:endParaRPr lang="it-IT" sz="3200" spc="-100" dirty="0" smtClean="0">
               <a:ln w="3175">
                 <a:noFill/>
               </a:ln>
@@ -35545,7 +35705,23 @@
               <a:buFont typeface="Arial"/>
               <a:buChar char="•"/>
             </a:pPr>
-            <a:endParaRPr lang="it-IT" sz="1600" spc="-100" dirty="0" smtClean="0">
+            <a:r>
+              <a:rPr lang="it-IT" sz="3200" spc="-100" dirty="0" smtClean="0">
+                <a:ln w="3175">
+                  <a:noFill/>
+                </a:ln>
+                <a:latin typeface="+mj-lt"/>
+                <a:cs typeface="Arial" charset="0"/>
+              </a:rPr>
+              <a:t>I sensori idrici inviano i dati rilevati ogni ora (i sensori sono sincronizzati).</a:t>
+            </a:r>
+          </a:p>
+          <a:p>
+            <a:pPr marL="457200" lvl="0" indent="-457200">
+              <a:buFont typeface="Arial"/>
+              <a:buChar char="•"/>
+            </a:pPr>
+            <a:endParaRPr lang="it-IT" sz="3200" spc="-100" dirty="0" smtClean="0">
               <a:ln w="3175">
                 <a:noFill/>
               </a:ln>
@@ -35558,75 +35734,7 @@
               <a:buFont typeface="Arial"/>
               <a:buChar char="•"/>
             </a:pPr>
-            <a:r>
-              <a:rPr lang="it-IT" sz="3200" spc="-100" dirty="0" smtClean="0">
-                <a:ln w="3175">
-                  <a:noFill/>
-                </a:ln>
-                <a:latin typeface="+mj-lt"/>
-                <a:cs typeface="Arial" charset="0"/>
-              </a:rPr>
-              <a:t>I nodi idrici si trovano in corrispondenza del punto di confluenza di due corsi d’acqua</a:t>
-            </a:r>
-          </a:p>
-          <a:p>
-            <a:pPr marL="457200" lvl="0" indent="-457200">
-              <a:buFont typeface="Arial"/>
-              <a:buChar char="•"/>
-            </a:pPr>
-            <a:endParaRPr lang="it-IT" sz="1600" spc="-100" dirty="0" smtClean="0">
-              <a:ln w="3175">
-                <a:noFill/>
-              </a:ln>
-              <a:latin typeface="+mj-lt"/>
-              <a:cs typeface="Arial" charset="0"/>
-            </a:endParaRPr>
-          </a:p>
-          <a:p>
-            <a:pPr marL="457200" indent="-457200">
-              <a:buFont typeface="Arial"/>
-              <a:buChar char="•"/>
-            </a:pPr>
-            <a:r>
-              <a:rPr lang="it-IT" sz="3200" spc="-100" dirty="0" smtClean="0">
-                <a:ln w="3175">
-                  <a:noFill/>
-                </a:ln>
-                <a:latin typeface="+mj-lt"/>
-                <a:cs typeface="Arial" charset="0"/>
-              </a:rPr>
-              <a:t>Il tratto di fiume va da un nodo al successivo</a:t>
-            </a:r>
-          </a:p>
-          <a:p>
-            <a:pPr marL="457200" indent="-457200">
-              <a:buFont typeface="Arial"/>
-              <a:buChar char="•"/>
-            </a:pPr>
-            <a:endParaRPr lang="it-IT" sz="3200" spc="-100" dirty="0">
-              <a:ln w="3175">
-                <a:noFill/>
-              </a:ln>
-              <a:latin typeface="+mj-lt"/>
-              <a:cs typeface="Arial" charset="0"/>
-            </a:endParaRPr>
-          </a:p>
-          <a:p>
-            <a:pPr marL="457200" indent="-457200">
-              <a:buFont typeface="Arial"/>
-              <a:buChar char="•"/>
-            </a:pPr>
-            <a:r>
-              <a:rPr lang="it-IT" sz="3200" spc="-100" dirty="0" smtClean="0">
-                <a:ln w="3175">
-                  <a:noFill/>
-                </a:ln>
-                <a:latin typeface="+mj-lt"/>
-                <a:cs typeface="Arial" charset="0"/>
-              </a:rPr>
-              <a:t>Vengono monitorati solo i tratti d’acqua considerati a rischio </a:t>
-            </a:r>
-            <a:endParaRPr lang="it-IT" sz="3200" spc="-100" dirty="0">
+            <a:endParaRPr lang="it-IT" sz="3200" spc="-100" dirty="0" smtClean="0">
               <a:ln w="3175">
                 <a:noFill/>
               </a:ln>
@@ -35647,68 +35755,6 @@
               <a:cs typeface="Arial" charset="0"/>
             </a:endParaRPr>
           </a:p>
-          <a:p>
-            <a:pPr lvl="0"/>
-            <a:endParaRPr lang="it-IT" sz="3200" spc="-100" dirty="0" smtClean="0">
-              <a:ln w="3175">
-                <a:noFill/>
-              </a:ln>
-              <a:latin typeface="+mj-lt"/>
-              <a:cs typeface="Arial" charset="0"/>
-            </a:endParaRPr>
-          </a:p>
-          <a:p>
-            <a:pPr marL="457200" lvl="0" indent="-457200">
-              <a:buFont typeface="Arial"/>
-              <a:buChar char="•"/>
-            </a:pPr>
-            <a:endParaRPr lang="it-IT" sz="3200" spc="-100" dirty="0" smtClean="0">
-              <a:ln w="3175">
-                <a:noFill/>
-              </a:ln>
-              <a:latin typeface="+mj-lt"/>
-              <a:cs typeface="Arial" charset="0"/>
-            </a:endParaRPr>
-          </a:p>
-          <a:p>
-            <a:pPr marL="457200" lvl="0" indent="-457200">
-              <a:buFont typeface="Arial"/>
-              <a:buChar char="•"/>
-            </a:pPr>
-            <a:endParaRPr lang="it-IT" sz="3200" spc="-100" dirty="0" smtClean="0">
-              <a:ln w="3175">
-                <a:noFill/>
-              </a:ln>
-              <a:latin typeface="+mj-lt"/>
-              <a:cs typeface="Arial" charset="0"/>
-            </a:endParaRPr>
-          </a:p>
-          <a:p>
-            <a:pPr marL="457200" lvl="0" indent="-457200">
-              <a:buFont typeface="Arial"/>
-              <a:buChar char="•"/>
-            </a:pPr>
-            <a:endParaRPr lang="it-IT" sz="3200" spc="-100" dirty="0" smtClean="0">
-              <a:ln w="3175">
-                <a:noFill/>
-              </a:ln>
-              <a:latin typeface="+mj-lt"/>
-              <a:cs typeface="Arial" charset="0"/>
-            </a:endParaRPr>
-          </a:p>
-          <a:p>
-            <a:pPr marL="457200" lvl="0" indent="-457200">
-              <a:buFont typeface="Arial"/>
-              <a:buChar char="•"/>
-            </a:pPr>
-            <a:endParaRPr lang="it-IT" sz="3200" spc="-100" dirty="0">
-              <a:ln w="3175">
-                <a:noFill/>
-              </a:ln>
-              <a:latin typeface="+mj-lt"/>
-              <a:cs typeface="Arial" charset="0"/>
-            </a:endParaRPr>
-          </a:p>
         </p:txBody>
       </p:sp>
       <p:sp>
@@ -35759,7 +35805,7 @@
                 <a:latin typeface="+mj-lt"/>
                 <a:cs typeface="Arial" charset="0"/>
               </a:rPr>
-              <a:t>Assunzioni</a:t>
+              <a:t>Assunzioni -1 </a:t>
             </a:r>
             <a:endParaRPr lang="it-IT" sz="3000" b="1" spc="-100" dirty="0">
               <a:ln w="3175">
@@ -35777,7 +35823,7 @@
     </p:spTree>
     <p:extLst>
       <p:ext uri="{BB962C8B-B14F-4D97-AF65-F5344CB8AC3E}">
-        <p14:creationId xmlns:p14="http://schemas.microsoft.com/office/powerpoint/2010/main" val="4141078905"/>
+        <p14:creationId xmlns:p14="http://schemas.microsoft.com/office/powerpoint/2010/main" val="3137891086"/>
       </p:ext>
     </p:extLst>
   </p:cSld>
@@ -39899,7 +39945,7 @@
         <p:spPr>
           <a:xfrm>
             <a:off x="521493" y="1700214"/>
-            <a:ext cx="10158413" cy="7971413"/>
+            <a:ext cx="10158413" cy="7478970"/>
           </a:xfrm>
           <a:prstGeom prst="rect">
             <a:avLst/>
@@ -39916,19 +39962,16 @@
               <a:buFont typeface="Arial"/>
               <a:buChar char="•"/>
             </a:pPr>
-            <a:endParaRPr lang="it-IT" sz="1500" spc="-100" dirty="0" smtClean="0">
-              <a:ln w="3175">
-                <a:noFill/>
-              </a:ln>
-              <a:latin typeface="+mj-lt"/>
-              <a:cs typeface="Arial" charset="0"/>
-            </a:endParaRPr>
-          </a:p>
-          <a:p>
-            <a:pPr marL="457200" lvl="0" indent="-457200">
-              <a:buFont typeface="Arial"/>
-              <a:buChar char="•"/>
-            </a:pPr>
+            <a:r>
+              <a:rPr lang="it-IT" sz="3200" spc="-100" dirty="0">
+                <a:ln w="3175">
+                  <a:noFill/>
+                </a:ln>
+                <a:latin typeface="+mj-lt"/>
+                <a:cs typeface="Arial" charset="0"/>
+              </a:rPr>
+              <a:t>Il recupero dei dati meteo viene effettuato ogni 3 ore (assunzione fatta sulla base del funzionamento di servizi web reali ) </a:t>
+            </a:r>
             <a:r>
               <a:rPr lang="it-IT" sz="3200" spc="-100" dirty="0" smtClean="0">
                 <a:ln w="3175">
@@ -39937,27 +39980,7 @@
                 <a:latin typeface="+mj-lt"/>
                 <a:cs typeface="Arial" charset="0"/>
               </a:rPr>
-              <a:t>La trasmissione di DI avviene tramite sensori </a:t>
-            </a:r>
-            <a:r>
-              <a:rPr lang="it-IT" sz="3200" spc="-100" dirty="0" err="1" smtClean="0">
-                <a:ln w="3175">
-                  <a:noFill/>
-                </a:ln>
-                <a:latin typeface="+mj-lt"/>
-                <a:cs typeface="Arial" charset="0"/>
-              </a:rPr>
-              <a:t>idromometrici</a:t>
-            </a:r>
-            <a:r>
-              <a:rPr lang="it-IT" sz="3200" spc="-100" dirty="0" smtClean="0">
-                <a:ln w="3175">
-                  <a:noFill/>
-                </a:ln>
-                <a:latin typeface="+mj-lt"/>
-                <a:cs typeface="Arial" charset="0"/>
-              </a:rPr>
-              <a:t> dotati di modulo GPRS (Output digitale) </a:t>
+              <a:t> </a:t>
             </a:r>
             <a:endParaRPr lang="it-IT" sz="3200" spc="-100" dirty="0">
               <a:ln w="3175">
@@ -39993,75 +40016,8 @@
                 <a:latin typeface="+mj-lt"/>
                 <a:cs typeface="Arial" charset="0"/>
               </a:rPr>
-              <a:t>L’id della tabella </a:t>
-            </a:r>
-            <a:r>
-              <a:rPr lang="it-IT" sz="3200" spc="-100" dirty="0" err="1" smtClean="0">
-                <a:ln w="3175">
-                  <a:noFill/>
-                </a:ln>
-                <a:latin typeface="+mj-lt"/>
-                <a:cs typeface="Arial" charset="0"/>
-              </a:rPr>
-              <a:t>BDM.previsioniMeteo</a:t>
-            </a:r>
-            <a:r>
-              <a:rPr lang="it-IT" sz="3200" spc="-100" dirty="0" smtClean="0">
-                <a:ln w="3175">
-                  <a:noFill/>
-                </a:ln>
-                <a:latin typeface="+mj-lt"/>
-                <a:cs typeface="Arial" charset="0"/>
-              </a:rPr>
-              <a:t> e l’id della tabella </a:t>
-            </a:r>
-            <a:r>
-              <a:rPr lang="it-IT" sz="3200" spc="-100" dirty="0" err="1" smtClean="0">
-                <a:ln w="3175">
-                  <a:noFill/>
-                </a:ln>
-                <a:latin typeface="+mj-lt"/>
-                <a:cs typeface="Arial" charset="0"/>
-              </a:rPr>
-              <a:t>BSE.previsioni</a:t>
-            </a:r>
-            <a:r>
-              <a:rPr lang="it-IT" sz="3200" spc="-100" dirty="0">
-                <a:ln w="3175">
-                  <a:noFill/>
-                </a:ln>
-                <a:latin typeface="+mj-lt"/>
-                <a:cs typeface="Arial" charset="0"/>
-              </a:rPr>
-              <a:t> </a:t>
-            </a:r>
-            <a:r>
-              <a:rPr lang="it-IT" sz="3200" spc="-100" dirty="0" smtClean="0">
-                <a:ln w="3175">
-                  <a:noFill/>
-                </a:ln>
-                <a:latin typeface="+mj-lt"/>
-                <a:cs typeface="Arial" charset="0"/>
-              </a:rPr>
-              <a:t>identificano la stessa </a:t>
-            </a:r>
-            <a:r>
-              <a:rPr lang="it-IT" sz="3200" spc="-100" dirty="0" err="1" smtClean="0">
-                <a:ln w="3175">
-                  <a:noFill/>
-                </a:ln>
-                <a:latin typeface="+mj-lt"/>
-                <a:cs typeface="Arial" charset="0"/>
-              </a:rPr>
-              <a:t>tupla</a:t>
-            </a:r>
-            <a:endParaRPr lang="it-IT" sz="3200" spc="-100" dirty="0" smtClean="0">
-              <a:ln w="3175">
-                <a:noFill/>
-              </a:ln>
-              <a:latin typeface="+mj-lt"/>
-              <a:cs typeface="Arial" charset="0"/>
-            </a:endParaRPr>
+              <a:t>La pianificazione degli spostamenti delle squadre di emergenza non viene svolta in automatico dal sistema</a:t>
+            </a:r>
           </a:p>
           <a:p>
             <a:pPr marL="457200" lvl="0" indent="-457200">
@@ -40089,36 +40045,7 @@
                 <a:latin typeface="+mj-lt"/>
                 <a:cs typeface="Arial" charset="0"/>
               </a:rPr>
-              <a:t>Il territorio di una regione è suddiviso in celle</a:t>
-            </a:r>
-          </a:p>
-          <a:p>
-            <a:pPr marL="457200" indent="-457200">
-              <a:buFont typeface="Arial"/>
-              <a:buChar char="•"/>
-            </a:pPr>
-            <a:endParaRPr lang="it-IT" sz="3200" spc="-100" dirty="0">
-              <a:ln w="3175">
-                <a:noFill/>
-              </a:ln>
-              <a:latin typeface="+mj-lt"/>
-              <a:cs typeface="Arial" charset="0"/>
-            </a:endParaRPr>
-          </a:p>
-          <a:p>
-            <a:pPr marL="457200" indent="-457200">
-              <a:buFont typeface="Arial"/>
-              <a:buChar char="•"/>
-            </a:pPr>
-            <a:r>
-              <a:rPr lang="it-IT" sz="3200" spc="-100" dirty="0" smtClean="0">
-                <a:ln w="3175">
-                  <a:noFill/>
-                </a:ln>
-                <a:latin typeface="+mj-lt"/>
-                <a:cs typeface="Arial" charset="0"/>
-              </a:rPr>
-              <a:t>Una squadra di emergenza  può essere sul campo o nella sede operativa</a:t>
+              <a:t>Il campo regione della tabella nodo d’acqua in BRI e il campo denominazione della tabella regione in BDM hanno lo stesso dominio</a:t>
             </a:r>
             <a:endParaRPr lang="it-IT" sz="3200" spc="-100" dirty="0">
               <a:ln w="3175">
@@ -40253,7 +40180,7 @@
                 <a:latin typeface="+mj-lt"/>
                 <a:cs typeface="Arial" charset="0"/>
               </a:rPr>
-              <a:t>Assunzioni</a:t>
+              <a:t>Assunzioni -2</a:t>
             </a:r>
             <a:endParaRPr lang="it-IT" sz="3000" b="1" spc="-100" dirty="0">
               <a:ln w="3175">
@@ -40271,7 +40198,7 @@
     </p:spTree>
     <p:extLst>
       <p:ext uri="{BB962C8B-B14F-4D97-AF65-F5344CB8AC3E}">
-        <p14:creationId xmlns:p14="http://schemas.microsoft.com/office/powerpoint/2010/main" val="1639075713"/>
+        <p14:creationId xmlns:p14="http://schemas.microsoft.com/office/powerpoint/2010/main" val="1192680237"/>
       </p:ext>
     </p:extLst>
   </p:cSld>

--- a/Febbraio 2015.pptx
+++ b/Febbraio 2015.pptx
@@ -318,11 +318,11 @@
           <c:showPercent val="0"/>
           <c:showBubbleSize val="0"/>
         </c:dLbls>
-        <c:axId val="223093312"/>
-        <c:axId val="223091632"/>
+        <c:axId val="117852512"/>
+        <c:axId val="117853072"/>
       </c:radarChart>
       <c:catAx>
-        <c:axId val="223093312"/>
+        <c:axId val="117852512"/>
         <c:scaling>
           <c:orientation val="minMax"/>
         </c:scaling>
@@ -365,7 +365,7 @@
             <a:endParaRPr lang="it-IT"/>
           </a:p>
         </c:txPr>
-        <c:crossAx val="223091632"/>
+        <c:crossAx val="117853072"/>
         <c:crosses val="autoZero"/>
         <c:auto val="1"/>
         <c:lblAlgn val="ctr"/>
@@ -373,7 +373,7 @@
         <c:noMultiLvlLbl val="0"/>
       </c:catAx>
       <c:valAx>
-        <c:axId val="223091632"/>
+        <c:axId val="117853072"/>
         <c:scaling>
           <c:orientation val="minMax"/>
           <c:max val="100"/>
@@ -424,7 +424,7 @@
             <a:endParaRPr lang="it-IT"/>
           </a:p>
         </c:txPr>
-        <c:crossAx val="223093312"/>
+        <c:crossAx val="117852512"/>
         <c:crosses val="autoZero"/>
         <c:crossBetween val="between"/>
         <c:majorUnit val="10"/>
@@ -580,11 +580,11 @@
           <c:showPercent val="0"/>
           <c:showBubbleSize val="0"/>
         </c:dLbls>
-        <c:axId val="200721584"/>
-        <c:axId val="148011808"/>
+        <c:axId val="117855312"/>
+        <c:axId val="117855872"/>
       </c:radarChart>
       <c:catAx>
-        <c:axId val="200721584"/>
+        <c:axId val="117855312"/>
         <c:scaling>
           <c:orientation val="minMax"/>
         </c:scaling>
@@ -627,7 +627,7 @@
             <a:endParaRPr lang="it-IT"/>
           </a:p>
         </c:txPr>
-        <c:crossAx val="148011808"/>
+        <c:crossAx val="117855872"/>
         <c:crosses val="autoZero"/>
         <c:auto val="1"/>
         <c:lblAlgn val="ctr"/>
@@ -635,7 +635,7 @@
         <c:noMultiLvlLbl val="0"/>
       </c:catAx>
       <c:valAx>
-        <c:axId val="148011808"/>
+        <c:axId val="117855872"/>
         <c:scaling>
           <c:orientation val="minMax"/>
         </c:scaling>
@@ -685,7 +685,7 @@
             <a:endParaRPr lang="it-IT"/>
           </a:p>
         </c:txPr>
-        <c:crossAx val="200721584"/>
+        <c:crossAx val="117855312"/>
         <c:crosses val="autoZero"/>
         <c:crossBetween val="between"/>
         <c:majorUnit val="10"/>
@@ -831,11 +831,11 @@
           <c:showPercent val="0"/>
           <c:showBubbleSize val="0"/>
         </c:dLbls>
-        <c:axId val="197041200"/>
-        <c:axId val="197042880"/>
+        <c:axId val="146127072"/>
+        <c:axId val="146127632"/>
       </c:radarChart>
       <c:catAx>
-        <c:axId val="197041200"/>
+        <c:axId val="146127072"/>
         <c:scaling>
           <c:orientation val="minMax"/>
         </c:scaling>
@@ -878,7 +878,7 @@
             <a:endParaRPr lang="it-IT"/>
           </a:p>
         </c:txPr>
-        <c:crossAx val="197042880"/>
+        <c:crossAx val="146127632"/>
         <c:crosses val="autoZero"/>
         <c:auto val="1"/>
         <c:lblAlgn val="ctr"/>
@@ -886,7 +886,7 @@
         <c:noMultiLvlLbl val="0"/>
       </c:catAx>
       <c:valAx>
-        <c:axId val="197042880"/>
+        <c:axId val="146127632"/>
         <c:scaling>
           <c:orientation val="minMax"/>
         </c:scaling>
@@ -936,7 +936,7 @@
             <a:endParaRPr lang="it-IT"/>
           </a:p>
         </c:txPr>
-        <c:crossAx val="197041200"/>
+        <c:crossAx val="146127072"/>
         <c:crosses val="autoZero"/>
         <c:crossBetween val="between"/>
         <c:majorUnit val="10"/>
@@ -6032,16 +6032,7 @@
                 </a:solidFill>
                 <a:latin typeface="Segoe UI Light" panose="020B0502040204020203" pitchFamily="34" charset="0"/>
               </a:rPr>
-              <a:t>Matteo </a:t>
-            </a:r>
-            <a:r>
-              <a:rPr lang="en-US" sz="3400" dirty="0" smtClean="0">
-                <a:solidFill>
-                  <a:schemeClr val="bg1"/>
-                </a:solidFill>
-                <a:latin typeface="Segoe UI Light" panose="020B0502040204020203" pitchFamily="34" charset="0"/>
-              </a:rPr>
-              <a:t>Zuccon	756417</a:t>
+              <a:t>Matteo Zuccon	756417</a:t>
             </a:r>
           </a:p>
         </p:txBody>
@@ -9003,6 +8994,96 @@
           </a:prstGeom>
         </p:spPr>
       </p:pic>
+      <p:sp>
+        <p:nvSpPr>
+          <p:cNvPr id="2" name="Rettangolo 1"/>
+          <p:cNvSpPr/>
+          <p:nvPr/>
+        </p:nvSpPr>
+        <p:spPr>
+          <a:xfrm>
+            <a:off x="1285875" y="1314450"/>
+            <a:ext cx="442913" cy="142875"/>
+          </a:xfrm>
+          <a:prstGeom prst="rect">
+            <a:avLst/>
+          </a:prstGeom>
+          <a:noFill/>
+          <a:ln>
+            <a:noFill/>
+          </a:ln>
+        </p:spPr>
+        <p:style>
+          <a:lnRef idx="2">
+            <a:schemeClr val="accent1">
+              <a:shade val="50000"/>
+            </a:schemeClr>
+          </a:lnRef>
+          <a:fillRef idx="1">
+            <a:schemeClr val="accent1"/>
+          </a:fillRef>
+          <a:effectRef idx="0">
+            <a:schemeClr val="accent1"/>
+          </a:effectRef>
+          <a:fontRef idx="minor">
+            <a:schemeClr val="lt1"/>
+          </a:fontRef>
+        </p:style>
+        <p:txBody>
+          <a:bodyPr rtlCol="0" anchor="ctr"/>
+          <a:lstStyle/>
+          <a:p>
+            <a:pPr algn="ctr"/>
+            <a:endParaRPr lang="it-IT"/>
+          </a:p>
+        </p:txBody>
+      </p:sp>
+      <p:sp>
+        <p:nvSpPr>
+          <p:cNvPr id="10" name="Rettangolo 9"/>
+          <p:cNvSpPr/>
+          <p:nvPr/>
+        </p:nvSpPr>
+        <p:spPr>
+          <a:xfrm>
+            <a:off x="992981" y="2462075"/>
+            <a:ext cx="442913" cy="142875"/>
+          </a:xfrm>
+          <a:prstGeom prst="rect">
+            <a:avLst/>
+          </a:prstGeom>
+          <a:solidFill>
+            <a:schemeClr val="bg1"/>
+          </a:solidFill>
+          <a:ln>
+            <a:noFill/>
+          </a:ln>
+        </p:spPr>
+        <p:style>
+          <a:lnRef idx="2">
+            <a:schemeClr val="accent1">
+              <a:shade val="50000"/>
+            </a:schemeClr>
+          </a:lnRef>
+          <a:fillRef idx="1">
+            <a:schemeClr val="accent1"/>
+          </a:fillRef>
+          <a:effectRef idx="0">
+            <a:schemeClr val="accent1"/>
+          </a:effectRef>
+          <a:fontRef idx="minor">
+            <a:schemeClr val="lt1"/>
+          </a:fontRef>
+        </p:style>
+        <p:txBody>
+          <a:bodyPr rtlCol="0" anchor="ctr"/>
+          <a:lstStyle/>
+          <a:p>
+            <a:pPr algn="ctr"/>
+            <a:endParaRPr lang="it-IT"/>
+          </a:p>
+        </p:txBody>
+      </p:sp>
     </p:spTree>
     <p:extLst>
       <p:ext uri="{BB962C8B-B14F-4D97-AF65-F5344CB8AC3E}">
@@ -13679,20 +13760,7 @@
                 <a:latin typeface="+mj-lt"/>
                 <a:cs typeface="Arial" charset="0"/>
               </a:rPr>
-              <a:t> </a:t>
-            </a:r>
-            <a:r>
-              <a:rPr lang="it-IT" sz="4400" b="1" spc="-100" dirty="0" smtClean="0">
-                <a:ln w="3175">
-                  <a:noFill/>
-                </a:ln>
-                <a:solidFill>
-                  <a:srgbClr val="0072C6"/>
-                </a:solidFill>
-                <a:latin typeface="+mj-lt"/>
-                <a:cs typeface="Arial" charset="0"/>
-              </a:rPr>
-              <a:t>– soluzione 1 - utilizzata</a:t>
+              <a:t> – soluzione 1 - utilizzata</a:t>
             </a:r>
             <a:endParaRPr lang="it-IT" sz="4400" b="1" spc="-100" dirty="0">
               <a:ln w="3175">
@@ -13946,20 +14014,7 @@
                 <a:latin typeface="+mj-lt"/>
                 <a:cs typeface="Arial" charset="0"/>
               </a:rPr>
-              <a:t> </a:t>
-            </a:r>
-            <a:r>
-              <a:rPr lang="it-IT" sz="4400" b="1" spc="-100" dirty="0" smtClean="0">
-                <a:ln w="3175">
-                  <a:noFill/>
-                </a:ln>
-                <a:solidFill>
-                  <a:srgbClr val="0072C6"/>
-                </a:solidFill>
-                <a:latin typeface="+mj-lt"/>
-                <a:cs typeface="Arial" charset="0"/>
-              </a:rPr>
-              <a:t>– soluzione 1</a:t>
+              <a:t> – soluzione 1</a:t>
             </a:r>
             <a:endParaRPr lang="it-IT" sz="4400" b="1" spc="-100" dirty="0">
               <a:ln w="3175">
@@ -14861,20 +14916,7 @@
                 <a:latin typeface="+mj-lt"/>
                 <a:cs typeface="Arial" charset="0"/>
               </a:rPr>
-              <a:t> </a:t>
-            </a:r>
-            <a:r>
-              <a:rPr lang="it-IT" sz="4400" b="1" spc="-100" dirty="0" smtClean="0">
-                <a:ln w="3175">
-                  <a:noFill/>
-                </a:ln>
-                <a:solidFill>
-                  <a:srgbClr val="0072C6"/>
-                </a:solidFill>
-                <a:latin typeface="+mj-lt"/>
-                <a:cs typeface="Arial" charset="0"/>
-              </a:rPr>
-              <a:t>– soluzione 2 – non utilizzata</a:t>
+              <a:t> – soluzione 2 – non utilizzata</a:t>
             </a:r>
             <a:endParaRPr lang="it-IT" sz="4400" b="1" spc="-100" dirty="0">
               <a:ln w="3175">
@@ -15128,20 +15170,7 @@
                 <a:latin typeface="+mj-lt"/>
                 <a:cs typeface="Arial" charset="0"/>
               </a:rPr>
-              <a:t> </a:t>
-            </a:r>
-            <a:r>
-              <a:rPr lang="it-IT" sz="4400" b="1" spc="-100" dirty="0" smtClean="0">
-                <a:ln w="3175">
-                  <a:noFill/>
-                </a:ln>
-                <a:solidFill>
-                  <a:srgbClr val="0072C6"/>
-                </a:solidFill>
-                <a:latin typeface="+mj-lt"/>
-                <a:cs typeface="Arial" charset="0"/>
-              </a:rPr>
-              <a:t>– soluzione 2</a:t>
+              <a:t> – soluzione 2</a:t>
             </a:r>
             <a:endParaRPr lang="it-IT" sz="4400" b="1" spc="-100" dirty="0">
               <a:ln w="3175">
@@ -15975,20 +16004,7 @@
                 <a:latin typeface="+mj-lt"/>
                 <a:cs typeface="Arial" charset="0"/>
               </a:rPr>
-              <a:t> </a:t>
-            </a:r>
-            <a:r>
-              <a:rPr lang="it-IT" sz="4400" b="1" spc="-100" dirty="0" smtClean="0">
-                <a:ln w="3175">
-                  <a:noFill/>
-                </a:ln>
-                <a:solidFill>
-                  <a:srgbClr val="0072C6"/>
-                </a:solidFill>
-                <a:latin typeface="+mj-lt"/>
-                <a:cs typeface="Arial" charset="0"/>
-              </a:rPr>
-              <a:t>– soluzione 3 – non utilizzata</a:t>
+              <a:t> – soluzione 3 – non utilizzata</a:t>
             </a:r>
             <a:endParaRPr lang="it-IT" sz="4400" b="1" spc="-100" dirty="0">
               <a:ln w="3175">
@@ -16242,20 +16258,7 @@
                 <a:latin typeface="+mj-lt"/>
                 <a:cs typeface="Arial" charset="0"/>
               </a:rPr>
-              <a:t> </a:t>
-            </a:r>
-            <a:r>
-              <a:rPr lang="it-IT" sz="4400" b="1" spc="-100" dirty="0" smtClean="0">
-                <a:ln w="3175">
-                  <a:noFill/>
-                </a:ln>
-                <a:solidFill>
-                  <a:srgbClr val="0072C6"/>
-                </a:solidFill>
-                <a:latin typeface="+mj-lt"/>
-                <a:cs typeface="Arial" charset="0"/>
-              </a:rPr>
-              <a:t>– soluzione 3</a:t>
+              <a:t> – soluzione 3</a:t>
             </a:r>
             <a:endParaRPr lang="it-IT" sz="4400" b="1" spc="-100" dirty="0">
               <a:ln w="3175">
@@ -21577,7 +21580,7 @@
       </p:sp>
       <p:pic>
         <p:nvPicPr>
-          <p:cNvPr id="12" name="Immagine 11"/>
+          <p:cNvPr id="2" name="Immagine 1"/>
           <p:cNvPicPr>
             <a:picLocks noChangeAspect="1"/>
           </p:cNvPicPr>
@@ -21591,8 +21594,8 @@
         </p:blipFill>
         <p:spPr>
           <a:xfrm>
-            <a:off x="1039756" y="2157414"/>
-            <a:ext cx="10630750" cy="3457574"/>
+            <a:off x="521493" y="2143124"/>
+            <a:ext cx="11518495" cy="3714749"/>
           </a:xfrm>
           <a:prstGeom prst="rect">
             <a:avLst/>
@@ -22147,7 +22150,7 @@
       </p:sp>
       <p:pic>
         <p:nvPicPr>
-          <p:cNvPr id="3" name="Immagine 2"/>
+          <p:cNvPr id="2" name="Immagine 1"/>
           <p:cNvPicPr>
             <a:picLocks noChangeAspect="1"/>
           </p:cNvPicPr>
@@ -22161,8 +22164,8 @@
         </p:blipFill>
         <p:spPr>
           <a:xfrm>
-            <a:off x="433931" y="2641805"/>
-            <a:ext cx="11396119" cy="2430257"/>
+            <a:off x="154740" y="2714621"/>
+            <a:ext cx="11908668" cy="2314575"/>
           </a:xfrm>
           <a:prstGeom prst="rect">
             <a:avLst/>
@@ -22960,6 +22963,30 @@
           </a:p>
         </p:txBody>
       </p:sp>
+      <p:pic>
+        <p:nvPicPr>
+          <p:cNvPr id="3" name="Immagine 2"/>
+          <p:cNvPicPr>
+            <a:picLocks noChangeAspect="1"/>
+          </p:cNvPicPr>
+          <p:nvPr/>
+        </p:nvPicPr>
+        <p:blipFill>
+          <a:blip r:embed="rId2"/>
+          <a:stretch>
+            <a:fillRect/>
+          </a:stretch>
+        </p:blipFill>
+        <p:spPr>
+          <a:xfrm>
+            <a:off x="1871665" y="1150134"/>
+            <a:ext cx="9341643" cy="5407825"/>
+          </a:xfrm>
+          <a:prstGeom prst="rect">
+            <a:avLst/>
+          </a:prstGeom>
+        </p:spPr>
+      </p:pic>
       <p:sp>
         <p:nvSpPr>
           <p:cNvPr id="6" name="Title 2"/>
@@ -23095,30 +23122,6 @@
           </a:p>
         </p:txBody>
       </p:sp>
-      <p:pic>
-        <p:nvPicPr>
-          <p:cNvPr id="2" name="Immagine 1"/>
-          <p:cNvPicPr>
-            <a:picLocks noChangeAspect="1"/>
-          </p:cNvPicPr>
-          <p:nvPr/>
-        </p:nvPicPr>
-        <p:blipFill>
-          <a:blip r:embed="rId2"/>
-          <a:stretch>
-            <a:fillRect/>
-          </a:stretch>
-        </p:blipFill>
-        <p:spPr>
-          <a:xfrm>
-            <a:off x="2057399" y="1252060"/>
-            <a:ext cx="9229725" cy="5348762"/>
-          </a:xfrm>
-          <a:prstGeom prst="rect">
-            <a:avLst/>
-          </a:prstGeom>
-        </p:spPr>
-      </p:pic>
       <p:sp>
         <p:nvSpPr>
           <p:cNvPr id="4" name="Rettangolo 3"/>

--- a/Febbraio 2015.pptx
+++ b/Febbraio 2015.pptx
@@ -318,11 +318,11 @@
           <c:showPercent val="0"/>
           <c:showBubbleSize val="0"/>
         </c:dLbls>
-        <c:axId val="117852512"/>
-        <c:axId val="117853072"/>
+        <c:axId val="150324880"/>
+        <c:axId val="150325440"/>
       </c:radarChart>
       <c:catAx>
-        <c:axId val="117852512"/>
+        <c:axId val="150324880"/>
         <c:scaling>
           <c:orientation val="minMax"/>
         </c:scaling>
@@ -365,7 +365,7 @@
             <a:endParaRPr lang="it-IT"/>
           </a:p>
         </c:txPr>
-        <c:crossAx val="117853072"/>
+        <c:crossAx val="150325440"/>
         <c:crosses val="autoZero"/>
         <c:auto val="1"/>
         <c:lblAlgn val="ctr"/>
@@ -373,7 +373,7 @@
         <c:noMultiLvlLbl val="0"/>
       </c:catAx>
       <c:valAx>
-        <c:axId val="117853072"/>
+        <c:axId val="150325440"/>
         <c:scaling>
           <c:orientation val="minMax"/>
           <c:max val="100"/>
@@ -424,7 +424,7 @@
             <a:endParaRPr lang="it-IT"/>
           </a:p>
         </c:txPr>
-        <c:crossAx val="117852512"/>
+        <c:crossAx val="150324880"/>
         <c:crosses val="autoZero"/>
         <c:crossBetween val="between"/>
         <c:majorUnit val="10"/>
@@ -580,11 +580,11 @@
           <c:showPercent val="0"/>
           <c:showBubbleSize val="0"/>
         </c:dLbls>
-        <c:axId val="117855312"/>
-        <c:axId val="117855872"/>
+        <c:axId val="150327680"/>
+        <c:axId val="150328240"/>
       </c:radarChart>
       <c:catAx>
-        <c:axId val="117855312"/>
+        <c:axId val="150327680"/>
         <c:scaling>
           <c:orientation val="minMax"/>
         </c:scaling>
@@ -627,7 +627,7 @@
             <a:endParaRPr lang="it-IT"/>
           </a:p>
         </c:txPr>
-        <c:crossAx val="117855872"/>
+        <c:crossAx val="150328240"/>
         <c:crosses val="autoZero"/>
         <c:auto val="1"/>
         <c:lblAlgn val="ctr"/>
@@ -635,7 +635,7 @@
         <c:noMultiLvlLbl val="0"/>
       </c:catAx>
       <c:valAx>
-        <c:axId val="117855872"/>
+        <c:axId val="150328240"/>
         <c:scaling>
           <c:orientation val="minMax"/>
         </c:scaling>
@@ -685,7 +685,7 @@
             <a:endParaRPr lang="it-IT"/>
           </a:p>
         </c:txPr>
-        <c:crossAx val="117855312"/>
+        <c:crossAx val="150327680"/>
         <c:crosses val="autoZero"/>
         <c:crossBetween val="between"/>
         <c:majorUnit val="10"/>
@@ -831,11 +831,11 @@
           <c:showPercent val="0"/>
           <c:showBubbleSize val="0"/>
         </c:dLbls>
-        <c:axId val="146127072"/>
-        <c:axId val="146127632"/>
+        <c:axId val="150330480"/>
+        <c:axId val="151253552"/>
       </c:radarChart>
       <c:catAx>
-        <c:axId val="146127072"/>
+        <c:axId val="150330480"/>
         <c:scaling>
           <c:orientation val="minMax"/>
         </c:scaling>
@@ -878,7 +878,7 @@
             <a:endParaRPr lang="it-IT"/>
           </a:p>
         </c:txPr>
-        <c:crossAx val="146127632"/>
+        <c:crossAx val="151253552"/>
         <c:crosses val="autoZero"/>
         <c:auto val="1"/>
         <c:lblAlgn val="ctr"/>
@@ -886,7 +886,7 @@
         <c:noMultiLvlLbl val="0"/>
       </c:catAx>
       <c:valAx>
-        <c:axId val="146127632"/>
+        <c:axId val="151253552"/>
         <c:scaling>
           <c:orientation val="minMax"/>
         </c:scaling>
@@ -936,7 +936,7 @@
             <a:endParaRPr lang="it-IT"/>
           </a:p>
         </c:txPr>
-        <c:crossAx val="146127072"/>
+        <c:crossAx val="150330480"/>
         <c:crosses val="autoZero"/>
         <c:crossBetween val="between"/>
         <c:majorUnit val="10"/>
@@ -24012,7 +24012,7 @@
       </p:sp>
       <p:pic>
         <p:nvPicPr>
-          <p:cNvPr id="2" name="Immagine 1"/>
+          <p:cNvPr id="3" name="Immagine 2"/>
           <p:cNvPicPr>
             <a:picLocks noChangeAspect="1"/>
           </p:cNvPicPr>
@@ -24026,8 +24026,8 @@
         </p:blipFill>
         <p:spPr>
           <a:xfrm>
-            <a:off x="1333499" y="1700214"/>
-            <a:ext cx="9525000" cy="4811725"/>
+            <a:off x="1407397" y="1700214"/>
+            <a:ext cx="9377203" cy="4752976"/>
           </a:xfrm>
           <a:prstGeom prst="rect">
             <a:avLst/>
@@ -24297,7 +24297,7 @@
       </p:sp>
       <p:pic>
         <p:nvPicPr>
-          <p:cNvPr id="3" name="Immagine 2"/>
+          <p:cNvPr id="2" name="Immagine 1"/>
           <p:cNvPicPr>
             <a:picLocks noChangeAspect="1"/>
           </p:cNvPicPr>
@@ -24311,8 +24311,8 @@
         </p:blipFill>
         <p:spPr>
           <a:xfrm>
-            <a:off x="827805" y="1757366"/>
-            <a:ext cx="10536388" cy="4552950"/>
+            <a:off x="1080901" y="1700214"/>
+            <a:ext cx="10030196" cy="4333875"/>
           </a:xfrm>
           <a:prstGeom prst="rect">
             <a:avLst/>
@@ -28065,7 +28065,7 @@
                 <a:latin typeface="+mj-lt"/>
                 <a:cs typeface="Arial" charset="0"/>
               </a:rPr>
-              <a:t> (2002). </a:t>
+              <a:t> (2002).</a:t>
             </a:r>
             <a:r>
               <a:rPr lang="it-IT" sz="2200" spc="-100" dirty="0">
@@ -28074,9 +28074,8 @@
                 </a:ln>
                 <a:latin typeface="+mj-lt"/>
                 <a:cs typeface="Arial" charset="0"/>
-                <a:hlinkClick r:id="rId2"/>
-              </a:rPr>
-              <a:t>"Data Integration: A </a:t>
+              </a:rPr>
+              <a:t> "Data Integration: A </a:t>
             </a:r>
             <a:r>
               <a:rPr lang="it-IT" sz="2200" spc="-100" dirty="0" err="1">
@@ -28085,7 +28084,6 @@
                 </a:ln>
                 <a:latin typeface="+mj-lt"/>
                 <a:cs typeface="Arial" charset="0"/>
-                <a:hlinkClick r:id="rId2"/>
               </a:rPr>
               <a:t>Theoretical</a:t>
             </a:r>
@@ -28096,7 +28094,6 @@
                 </a:ln>
                 <a:latin typeface="+mj-lt"/>
                 <a:cs typeface="Arial" charset="0"/>
-                <a:hlinkClick r:id="rId2"/>
               </a:rPr>
               <a:t> </a:t>
             </a:r>
@@ -28107,7 +28104,6 @@
                 </a:ln>
                 <a:latin typeface="+mj-lt"/>
                 <a:cs typeface="Arial" charset="0"/>
-                <a:hlinkClick r:id="rId2"/>
               </a:rPr>
               <a:t>Perspective</a:t>
             </a:r>
@@ -28118,9 +28114,8 @@
                 </a:ln>
                 <a:latin typeface="+mj-lt"/>
                 <a:cs typeface="Arial" charset="0"/>
-                <a:hlinkClick r:id="rId2"/>
-              </a:rPr>
-              <a:t>"</a:t>
+              </a:rPr>
+              <a:t>". </a:t>
             </a:r>
             <a:r>
               <a:rPr lang="it-IT" sz="2200" spc="-100" dirty="0">
@@ -28130,7 +28125,7 @@
                 <a:latin typeface="+mj-lt"/>
                 <a:cs typeface="Arial" charset="0"/>
               </a:rPr>
-              <a:t>. PODS 2002. pp. 233–246</a:t>
+              <a:t>PODS 2002. pp. 233–246</a:t>
             </a:r>
             <a:r>
               <a:rPr lang="it-IT" dirty="0"/>
@@ -30725,7 +30720,7 @@
       </p:sp>
       <p:pic>
         <p:nvPicPr>
-          <p:cNvPr id="2" name="Immagine 1"/>
+          <p:cNvPr id="8" name="Immagine 7"/>
           <p:cNvPicPr>
             <a:picLocks noChangeAspect="1"/>
           </p:cNvPicPr>
@@ -30739,8 +30734,8 @@
         </p:blipFill>
         <p:spPr>
           <a:xfrm>
-            <a:off x="1546648" y="1485423"/>
-            <a:ext cx="3776662" cy="2236946"/>
+            <a:off x="1147762" y="1419224"/>
+            <a:ext cx="3668901" cy="2209799"/>
           </a:xfrm>
           <a:prstGeom prst="rect">
             <a:avLst/>
@@ -30749,7 +30744,7 @@
       </p:pic>
       <p:pic>
         <p:nvPicPr>
-          <p:cNvPr id="3" name="Immagine 2"/>
+          <p:cNvPr id="9" name="Immagine 8"/>
           <p:cNvPicPr>
             <a:picLocks noChangeAspect="1"/>
           </p:cNvPicPr>
@@ -30763,8 +30758,8 @@
         </p:blipFill>
         <p:spPr>
           <a:xfrm>
-            <a:off x="6348465" y="1431414"/>
-            <a:ext cx="3886467" cy="2195513"/>
+            <a:off x="6210300" y="1385887"/>
+            <a:ext cx="4235557" cy="2276475"/>
           </a:xfrm>
           <a:prstGeom prst="rect">
             <a:avLst/>
@@ -30773,7 +30768,7 @@
       </p:pic>
       <p:pic>
         <p:nvPicPr>
-          <p:cNvPr id="7" name="Immagine 6"/>
+          <p:cNvPr id="10" name="Immagine 9"/>
           <p:cNvPicPr>
             <a:picLocks noChangeAspect="1"/>
           </p:cNvPicPr>
@@ -30787,8 +30782,8 @@
         </p:blipFill>
         <p:spPr>
           <a:xfrm>
-            <a:off x="1546648" y="3925536"/>
-            <a:ext cx="10008392" cy="2469262"/>
+            <a:off x="1147762" y="3955253"/>
+            <a:ext cx="9658730" cy="2347917"/>
           </a:xfrm>
           <a:prstGeom prst="rect">
             <a:avLst/>
@@ -31144,7 +31139,7 @@
       </p:pic>
       <p:pic>
         <p:nvPicPr>
-          <p:cNvPr id="12" name="Immagine 11"/>
+          <p:cNvPr id="2" name="Immagine 1"/>
           <p:cNvPicPr>
             <a:picLocks noChangeAspect="1"/>
           </p:cNvPicPr>
@@ -31158,8 +31153,8 @@
         </p:blipFill>
         <p:spPr>
           <a:xfrm>
-            <a:off x="6292560" y="3808856"/>
-            <a:ext cx="3590925" cy="2010918"/>
+            <a:off x="6634162" y="3824287"/>
+            <a:ext cx="3995738" cy="1905325"/>
           </a:xfrm>
           <a:prstGeom prst="rect">
             <a:avLst/>
@@ -31419,7 +31414,7 @@
       </p:sp>
       <p:pic>
         <p:nvPicPr>
-          <p:cNvPr id="2" name="Immagine 1"/>
+          <p:cNvPr id="3" name="Immagine 2"/>
           <p:cNvPicPr>
             <a:picLocks noChangeAspect="1"/>
           </p:cNvPicPr>
@@ -31433,8 +31428,8 @@
         </p:blipFill>
         <p:spPr>
           <a:xfrm>
-            <a:off x="1195386" y="1576244"/>
-            <a:ext cx="9801225" cy="4214960"/>
+            <a:off x="521493" y="1314450"/>
+            <a:ext cx="11370350" cy="4955172"/>
           </a:xfrm>
           <a:prstGeom prst="rect">
             <a:avLst/>
@@ -32407,8 +32402,32 @@
         </p:blipFill>
         <p:spPr>
           <a:xfrm>
-            <a:off x="2384223" y="1978819"/>
-            <a:ext cx="7652152" cy="2871787"/>
+            <a:off x="5334594" y="1193010"/>
+            <a:ext cx="6335912" cy="2377813"/>
+          </a:xfrm>
+          <a:prstGeom prst="rect">
+            <a:avLst/>
+          </a:prstGeom>
+        </p:spPr>
+      </p:pic>
+      <p:pic>
+        <p:nvPicPr>
+          <p:cNvPr id="3" name="Immagine 2"/>
+          <p:cNvPicPr>
+            <a:picLocks noChangeAspect="1"/>
+          </p:cNvPicPr>
+          <p:nvPr/>
+        </p:nvPicPr>
+        <p:blipFill>
+          <a:blip r:embed="rId3"/>
+          <a:stretch>
+            <a:fillRect/>
+          </a:stretch>
+        </p:blipFill>
+        <p:spPr>
+          <a:xfrm>
+            <a:off x="1062635" y="3570823"/>
+            <a:ext cx="9267227" cy="2729962"/>
           </a:xfrm>
           <a:prstGeom prst="rect">
             <a:avLst/>
@@ -32691,7 +32710,27 @@
                 <a:latin typeface="+mj-lt"/>
                 <a:cs typeface="Arial" charset="0"/>
               </a:rPr>
-              <a:t>Data la denominazione di un fiume ed un intervallo di date (data inizio e data fine), estrarre le previsioni dettagliate per ogni SEP verificatasi per il fiume richiesto nell’intervallo dato.</a:t>
+              <a:t>Data la denominazione di un fiume ed un intervallo di date (data inizio e data fine), estrarre le previsioni dettagliate per ogni SEP verificatasi per il fiume richiesto nell’intervallo </a:t>
+            </a:r>
+            <a:r>
+              <a:rPr lang="it-IT" sz="2800" spc="-100" dirty="0" smtClean="0">
+                <a:ln w="3175">
+                  <a:noFill/>
+                </a:ln>
+                <a:latin typeface="+mj-lt"/>
+                <a:cs typeface="Arial" charset="0"/>
+              </a:rPr>
+              <a:t>temporale dato</a:t>
+            </a:r>
+            <a:r>
+              <a:rPr lang="it-IT" sz="2800" spc="-100" dirty="0" smtClean="0">
+                <a:ln w="3175">
+                  <a:noFill/>
+                </a:ln>
+                <a:latin typeface="+mj-lt"/>
+                <a:cs typeface="Arial" charset="0"/>
+              </a:rPr>
+              <a:t>.</a:t>
             </a:r>
           </a:p>
           <a:p>
@@ -33160,13 +33199,13 @@
       </p:grpSpPr>
       <p:sp>
         <p:nvSpPr>
-          <p:cNvPr id="4" name="Rettangolo 3"/>
+          <p:cNvPr id="5" name="Rettangolo 4"/>
           <p:cNvSpPr/>
           <p:nvPr/>
         </p:nvSpPr>
         <p:spPr>
           <a:xfrm>
-            <a:off x="0" y="6515100"/>
+            <a:off x="0" y="-28574"/>
             <a:ext cx="12192000" cy="342900"/>
           </a:xfrm>
           <a:prstGeom prst="rect">
@@ -33201,15 +33240,172 @@
           </a:p>
         </p:txBody>
       </p:sp>
+      <p:pic>
+        <p:nvPicPr>
+          <p:cNvPr id="2" name="Immagine 1"/>
+          <p:cNvPicPr>
+            <a:picLocks noChangeAspect="1"/>
+          </p:cNvPicPr>
+          <p:nvPr/>
+        </p:nvPicPr>
+        <p:blipFill>
+          <a:blip r:embed="rId2"/>
+          <a:stretch>
+            <a:fillRect/>
+          </a:stretch>
+        </p:blipFill>
+        <p:spPr>
+          <a:xfrm>
+            <a:off x="1991279" y="1157290"/>
+            <a:ext cx="8209439" cy="5386386"/>
+          </a:xfrm>
+          <a:prstGeom prst="rect">
+            <a:avLst/>
+          </a:prstGeom>
+        </p:spPr>
+      </p:pic>
       <p:sp>
         <p:nvSpPr>
-          <p:cNvPr id="5" name="Rettangolo 4"/>
+          <p:cNvPr id="6" name="Title 2"/>
+          <p:cNvSpPr txBox="1">
+            <a:spLocks/>
+          </p:cNvSpPr>
+          <p:nvPr/>
+        </p:nvSpPr>
+        <p:spPr>
+          <a:xfrm>
+            <a:off x="521493" y="485778"/>
+            <a:ext cx="11149013" cy="1214436"/>
+          </a:xfrm>
+          <a:prstGeom prst="rect">
+            <a:avLst/>
+          </a:prstGeom>
+        </p:spPr>
+        <p:txBody>
+          <a:bodyPr/>
+          <a:lstStyle>
+            <a:lvl1pPr algn="l" defTabSz="914363" rtl="0" eaLnBrk="1" latinLnBrk="0" hangingPunct="1">
+              <a:lnSpc>
+                <a:spcPct val="90000"/>
+              </a:lnSpc>
+              <a:spcBef>
+                <a:spcPct val="0"/>
+              </a:spcBef>
+              <a:buNone/>
+              <a:defRPr lang="en-US" sz="5400" b="0" kern="1200" cap="none" spc="-100" baseline="0" dirty="0" smtClean="0">
+                <a:ln w="3175">
+                  <a:noFill/>
+                </a:ln>
+                <a:gradFill>
+                  <a:gsLst>
+                    <a:gs pos="1250">
+                      <a:schemeClr val="tx2"/>
+                    </a:gs>
+                    <a:gs pos="100000">
+                      <a:schemeClr val="tx2"/>
+                    </a:gs>
+                  </a:gsLst>
+                  <a:lin ang="5400000" scaled="0"/>
+                </a:gradFill>
+                <a:effectLst/>
+                <a:latin typeface="+mj-lt"/>
+                <a:ea typeface="+mn-ea"/>
+                <a:cs typeface="Arial" charset="0"/>
+              </a:defRPr>
+            </a:lvl1pPr>
+          </a:lstStyle>
+          <a:p>
+            <a:r>
+              <a:rPr lang="it-IT" b="1" dirty="0" smtClean="0">
+                <a:solidFill>
+                  <a:srgbClr val="0072C6"/>
+                </a:solidFill>
+              </a:rPr>
+              <a:t>Query schema globale - </a:t>
+            </a:r>
+            <a:r>
+              <a:rPr lang="it-IT" b="1" dirty="0" err="1" smtClean="0">
+                <a:solidFill>
+                  <a:srgbClr val="0072C6"/>
+                </a:solidFill>
+              </a:rPr>
+              <a:t>unfolding</a:t>
+            </a:r>
+            <a:endParaRPr lang="it-IT" b="1" dirty="0" smtClean="0">
+              <a:solidFill>
+                <a:srgbClr val="0072C6"/>
+              </a:solidFill>
+            </a:endParaRPr>
+          </a:p>
+          <a:p>
+            <a:endParaRPr lang="it-IT" sz="1500" b="1" i="1" dirty="0" smtClean="0">
+              <a:solidFill>
+                <a:srgbClr val="0072C6"/>
+              </a:solidFill>
+            </a:endParaRPr>
+          </a:p>
+          <a:p>
+            <a:pPr marL="457200" lvl="0" indent="-457200">
+              <a:buFont typeface="Arial" panose="020B0604020202020204" pitchFamily="34" charset="0"/>
+              <a:buChar char="•"/>
+            </a:pPr>
+            <a:endParaRPr lang="it-IT" sz="3000" dirty="0"/>
+          </a:p>
+          <a:p>
+            <a:pPr marL="457200" lvl="0" indent="-457200">
+              <a:buFont typeface="Arial" panose="020B0604020202020204" pitchFamily="34" charset="0"/>
+              <a:buChar char="•"/>
+            </a:pPr>
+            <a:endParaRPr lang="it-IT" sz="3000" b="1" i="1" dirty="0" smtClean="0">
+              <a:solidFill>
+                <a:srgbClr val="0072C6"/>
+              </a:solidFill>
+            </a:endParaRPr>
+          </a:p>
+          <a:p>
+            <a:pPr lvl="0"/>
+            <a:endParaRPr lang="it-IT" sz="3000" b="1" i="1" dirty="0" smtClean="0">
+              <a:solidFill>
+                <a:srgbClr val="0072C6"/>
+              </a:solidFill>
+            </a:endParaRPr>
+          </a:p>
+          <a:p>
+            <a:pPr marL="457200" lvl="0" indent="-457200">
+              <a:buFont typeface="Arial" panose="020B0604020202020204" pitchFamily="34" charset="0"/>
+              <a:buChar char="•"/>
+            </a:pPr>
+            <a:endParaRPr lang="it-IT" sz="5000" b="1" i="1" dirty="0">
+              <a:solidFill>
+                <a:srgbClr val="0072C6"/>
+              </a:solidFill>
+            </a:endParaRPr>
+          </a:p>
+          <a:p>
+            <a:endParaRPr lang="it-IT" sz="5000" b="1" i="1" dirty="0" smtClean="0">
+              <a:solidFill>
+                <a:srgbClr val="0072C6"/>
+              </a:solidFill>
+            </a:endParaRPr>
+          </a:p>
+          <a:p>
+            <a:endParaRPr lang="it-IT" sz="3000" b="1" i="1" dirty="0">
+              <a:solidFill>
+                <a:srgbClr val="0072C6"/>
+              </a:solidFill>
+            </a:endParaRPr>
+          </a:p>
+        </p:txBody>
+      </p:sp>
+      <p:sp>
+        <p:nvSpPr>
+          <p:cNvPr id="4" name="Rettangolo 3"/>
           <p:cNvSpPr/>
           <p:nvPr/>
         </p:nvSpPr>
         <p:spPr>
           <a:xfrm>
-            <a:off x="0" y="-28574"/>
+            <a:off x="0" y="6515100"/>
             <a:ext cx="12192000" cy="342900"/>
           </a:xfrm>
           <a:prstGeom prst="rect">
@@ -33244,163 +33440,6 @@
           </a:p>
         </p:txBody>
       </p:sp>
-      <p:sp>
-        <p:nvSpPr>
-          <p:cNvPr id="6" name="Title 2"/>
-          <p:cNvSpPr txBox="1">
-            <a:spLocks/>
-          </p:cNvSpPr>
-          <p:nvPr/>
-        </p:nvSpPr>
-        <p:spPr>
-          <a:xfrm>
-            <a:off x="521493" y="485778"/>
-            <a:ext cx="11149013" cy="1214436"/>
-          </a:xfrm>
-          <a:prstGeom prst="rect">
-            <a:avLst/>
-          </a:prstGeom>
-        </p:spPr>
-        <p:txBody>
-          <a:bodyPr/>
-          <a:lstStyle>
-            <a:lvl1pPr algn="l" defTabSz="914363" rtl="0" eaLnBrk="1" latinLnBrk="0" hangingPunct="1">
-              <a:lnSpc>
-                <a:spcPct val="90000"/>
-              </a:lnSpc>
-              <a:spcBef>
-                <a:spcPct val="0"/>
-              </a:spcBef>
-              <a:buNone/>
-              <a:defRPr lang="en-US" sz="5400" b="0" kern="1200" cap="none" spc="-100" baseline="0" dirty="0" smtClean="0">
-                <a:ln w="3175">
-                  <a:noFill/>
-                </a:ln>
-                <a:gradFill>
-                  <a:gsLst>
-                    <a:gs pos="1250">
-                      <a:schemeClr val="tx2"/>
-                    </a:gs>
-                    <a:gs pos="100000">
-                      <a:schemeClr val="tx2"/>
-                    </a:gs>
-                  </a:gsLst>
-                  <a:lin ang="5400000" scaled="0"/>
-                </a:gradFill>
-                <a:effectLst/>
-                <a:latin typeface="+mj-lt"/>
-                <a:ea typeface="+mn-ea"/>
-                <a:cs typeface="Arial" charset="0"/>
-              </a:defRPr>
-            </a:lvl1pPr>
-          </a:lstStyle>
-          <a:p>
-            <a:r>
-              <a:rPr lang="it-IT" b="1" dirty="0" smtClean="0">
-                <a:solidFill>
-                  <a:srgbClr val="0072C6"/>
-                </a:solidFill>
-              </a:rPr>
-              <a:t>Query schema globale - </a:t>
-            </a:r>
-            <a:r>
-              <a:rPr lang="it-IT" b="1" dirty="0" err="1" smtClean="0">
-                <a:solidFill>
-                  <a:srgbClr val="0072C6"/>
-                </a:solidFill>
-              </a:rPr>
-              <a:t>unfolding</a:t>
-            </a:r>
-            <a:endParaRPr lang="it-IT" b="1" dirty="0" smtClean="0">
-              <a:solidFill>
-                <a:srgbClr val="0072C6"/>
-              </a:solidFill>
-            </a:endParaRPr>
-          </a:p>
-          <a:p>
-            <a:endParaRPr lang="it-IT" sz="1500" b="1" i="1" dirty="0" smtClean="0">
-              <a:solidFill>
-                <a:srgbClr val="0072C6"/>
-              </a:solidFill>
-            </a:endParaRPr>
-          </a:p>
-          <a:p>
-            <a:pPr marL="457200" lvl="0" indent="-457200">
-              <a:buFont typeface="Arial" panose="020B0604020202020204" pitchFamily="34" charset="0"/>
-              <a:buChar char="•"/>
-            </a:pPr>
-            <a:endParaRPr lang="it-IT" sz="3000" dirty="0"/>
-          </a:p>
-          <a:p>
-            <a:pPr marL="457200" lvl="0" indent="-457200">
-              <a:buFont typeface="Arial" panose="020B0604020202020204" pitchFamily="34" charset="0"/>
-              <a:buChar char="•"/>
-            </a:pPr>
-            <a:endParaRPr lang="it-IT" sz="3000" b="1" i="1" dirty="0" smtClean="0">
-              <a:solidFill>
-                <a:srgbClr val="0072C6"/>
-              </a:solidFill>
-            </a:endParaRPr>
-          </a:p>
-          <a:p>
-            <a:pPr lvl="0"/>
-            <a:endParaRPr lang="it-IT" sz="3000" b="1" i="1" dirty="0" smtClean="0">
-              <a:solidFill>
-                <a:srgbClr val="0072C6"/>
-              </a:solidFill>
-            </a:endParaRPr>
-          </a:p>
-          <a:p>
-            <a:pPr marL="457200" lvl="0" indent="-457200">
-              <a:buFont typeface="Arial" panose="020B0604020202020204" pitchFamily="34" charset="0"/>
-              <a:buChar char="•"/>
-            </a:pPr>
-            <a:endParaRPr lang="it-IT" sz="5000" b="1" i="1" dirty="0">
-              <a:solidFill>
-                <a:srgbClr val="0072C6"/>
-              </a:solidFill>
-            </a:endParaRPr>
-          </a:p>
-          <a:p>
-            <a:endParaRPr lang="it-IT" sz="5000" b="1" i="1" dirty="0" smtClean="0">
-              <a:solidFill>
-                <a:srgbClr val="0072C6"/>
-              </a:solidFill>
-            </a:endParaRPr>
-          </a:p>
-          <a:p>
-            <a:endParaRPr lang="it-IT" sz="3000" b="1" i="1" dirty="0">
-              <a:solidFill>
-                <a:srgbClr val="0072C6"/>
-              </a:solidFill>
-            </a:endParaRPr>
-          </a:p>
-        </p:txBody>
-      </p:sp>
-      <p:pic>
-        <p:nvPicPr>
-          <p:cNvPr id="2" name="Immagine 1"/>
-          <p:cNvPicPr>
-            <a:picLocks noChangeAspect="1"/>
-          </p:cNvPicPr>
-          <p:nvPr/>
-        </p:nvPicPr>
-        <p:blipFill>
-          <a:blip r:embed="rId2"/>
-          <a:stretch>
-            <a:fillRect/>
-          </a:stretch>
-        </p:blipFill>
-        <p:spPr>
-          <a:xfrm>
-            <a:off x="1991279" y="1128714"/>
-            <a:ext cx="8209439" cy="5386386"/>
-          </a:xfrm>
-          <a:prstGeom prst="rect">
-            <a:avLst/>
-          </a:prstGeom>
-        </p:spPr>
-      </p:pic>
     </p:spTree>
     <p:extLst>
       <p:ext uri="{BB962C8B-B14F-4D97-AF65-F5344CB8AC3E}">
@@ -38732,16 +38771,6 @@
               <a:t>L’utilizzo di nodi computazionali distribuiti non preclude il funzionamento dell’intero sistema in seguito ad un </a:t>
             </a:r>
             <a:r>
-              <a:rPr lang="it-IT" sz="2800" spc="-100" dirty="0" err="1" smtClean="0">
-                <a:ln w="3175">
-                  <a:noFill/>
-                </a:ln>
-                <a:latin typeface="+mj-lt"/>
-                <a:cs typeface="Arial" charset="0"/>
-              </a:rPr>
-              <a:t>malfuznionamento</a:t>
-            </a:r>
-            <a:r>
               <a:rPr lang="it-IT" sz="2800" spc="-100" dirty="0" smtClean="0">
                 <a:ln w="3175">
                   <a:noFill/>
@@ -38749,7 +38778,17 @@
                 <a:latin typeface="+mj-lt"/>
                 <a:cs typeface="Arial" charset="0"/>
               </a:rPr>
-              <a:t> localizzato.</a:t>
+              <a:t>malfunzionamento localizzato</a:t>
+            </a:r>
+            <a:r>
+              <a:rPr lang="it-IT" sz="2800" spc="-100" dirty="0" smtClean="0">
+                <a:ln w="3175">
+                  <a:noFill/>
+                </a:ln>
+                <a:latin typeface="+mj-lt"/>
+                <a:cs typeface="Arial" charset="0"/>
+              </a:rPr>
+              <a:t>.</a:t>
             </a:r>
             <a:endParaRPr lang="it-IT" sz="2800" spc="-100" dirty="0">
               <a:ln w="3175">

--- a/Febbraio 2015.pptx
+++ b/Febbraio 2015.pptx
@@ -318,11 +318,11 @@
           <c:showPercent val="0"/>
           <c:showBubbleSize val="0"/>
         </c:dLbls>
-        <c:axId val="150324880"/>
-        <c:axId val="150325440"/>
+        <c:axId val="150368304"/>
+        <c:axId val="150368864"/>
       </c:radarChart>
       <c:catAx>
-        <c:axId val="150324880"/>
+        <c:axId val="150368304"/>
         <c:scaling>
           <c:orientation val="minMax"/>
         </c:scaling>
@@ -365,7 +365,7 @@
             <a:endParaRPr lang="it-IT"/>
           </a:p>
         </c:txPr>
-        <c:crossAx val="150325440"/>
+        <c:crossAx val="150368864"/>
         <c:crosses val="autoZero"/>
         <c:auto val="1"/>
         <c:lblAlgn val="ctr"/>
@@ -373,7 +373,7 @@
         <c:noMultiLvlLbl val="0"/>
       </c:catAx>
       <c:valAx>
-        <c:axId val="150325440"/>
+        <c:axId val="150368864"/>
         <c:scaling>
           <c:orientation val="minMax"/>
           <c:max val="100"/>
@@ -424,7 +424,7 @@
             <a:endParaRPr lang="it-IT"/>
           </a:p>
         </c:txPr>
-        <c:crossAx val="150324880"/>
+        <c:crossAx val="150368304"/>
         <c:crosses val="autoZero"/>
         <c:crossBetween val="between"/>
         <c:majorUnit val="10"/>
@@ -580,11 +580,11 @@
           <c:showPercent val="0"/>
           <c:showBubbleSize val="0"/>
         </c:dLbls>
-        <c:axId val="150327680"/>
-        <c:axId val="150328240"/>
+        <c:axId val="150371104"/>
+        <c:axId val="150371664"/>
       </c:radarChart>
       <c:catAx>
-        <c:axId val="150327680"/>
+        <c:axId val="150371104"/>
         <c:scaling>
           <c:orientation val="minMax"/>
         </c:scaling>
@@ -627,7 +627,7 @@
             <a:endParaRPr lang="it-IT"/>
           </a:p>
         </c:txPr>
-        <c:crossAx val="150328240"/>
+        <c:crossAx val="150371664"/>
         <c:crosses val="autoZero"/>
         <c:auto val="1"/>
         <c:lblAlgn val="ctr"/>
@@ -635,7 +635,7 @@
         <c:noMultiLvlLbl val="0"/>
       </c:catAx>
       <c:valAx>
-        <c:axId val="150328240"/>
+        <c:axId val="150371664"/>
         <c:scaling>
           <c:orientation val="minMax"/>
         </c:scaling>
@@ -685,7 +685,7 @@
             <a:endParaRPr lang="it-IT"/>
           </a:p>
         </c:txPr>
-        <c:crossAx val="150327680"/>
+        <c:crossAx val="150371104"/>
         <c:crosses val="autoZero"/>
         <c:crossBetween val="between"/>
         <c:majorUnit val="10"/>
@@ -831,11 +831,11 @@
           <c:showPercent val="0"/>
           <c:showBubbleSize val="0"/>
         </c:dLbls>
-        <c:axId val="150330480"/>
-        <c:axId val="151253552"/>
+        <c:axId val="150373904"/>
+        <c:axId val="150374464"/>
       </c:radarChart>
       <c:catAx>
-        <c:axId val="150330480"/>
+        <c:axId val="150373904"/>
         <c:scaling>
           <c:orientation val="minMax"/>
         </c:scaling>
@@ -878,7 +878,7 @@
             <a:endParaRPr lang="it-IT"/>
           </a:p>
         </c:txPr>
-        <c:crossAx val="151253552"/>
+        <c:crossAx val="150374464"/>
         <c:crosses val="autoZero"/>
         <c:auto val="1"/>
         <c:lblAlgn val="ctr"/>
@@ -886,7 +886,7 @@
         <c:noMultiLvlLbl val="0"/>
       </c:catAx>
       <c:valAx>
-        <c:axId val="151253552"/>
+        <c:axId val="150374464"/>
         <c:scaling>
           <c:orientation val="minMax"/>
         </c:scaling>
@@ -936,7 +936,7 @@
             <a:endParaRPr lang="it-IT"/>
           </a:p>
         </c:txPr>
-        <c:crossAx val="150330480"/>
+        <c:crossAx val="150373904"/>
         <c:crosses val="autoZero"/>
         <c:crossBetween val="between"/>
         <c:majorUnit val="10"/>
@@ -17818,7 +17818,7 @@
         <p:spPr>
           <a:xfrm>
             <a:off x="2669382" y="1515904"/>
-            <a:ext cx="9129713" cy="5047536"/>
+            <a:ext cx="9359504" cy="4924425"/>
           </a:xfrm>
           <a:prstGeom prst="rect">
             <a:avLst/>
@@ -18180,11 +18180,48 @@
                 <a:latin typeface="+mj-lt"/>
                 <a:cs typeface="Arial" charset="0"/>
               </a:rPr>
-              <a:t>(Prezzo aggiornato a febbraio 2015)</a:t>
-            </a:r>
-          </a:p>
-          <a:p>
-            <a:pPr lvl="0"/>
+              <a:t>(by </a:t>
+            </a:r>
+            <a:r>
+              <a:rPr lang="it-IT" sz="2000" spc="-100" dirty="0" err="1" smtClean="0">
+                <a:ln w="3175">
+                  <a:noFill/>
+                </a:ln>
+                <a:latin typeface="+mj-lt"/>
+                <a:cs typeface="Arial" charset="0"/>
+              </a:rPr>
+              <a:t>Ital</a:t>
+            </a:r>
+            <a:r>
+              <a:rPr lang="it-IT" sz="2000" spc="-100" dirty="0" smtClean="0">
+                <a:ln w="3175">
+                  <a:noFill/>
+                </a:ln>
+                <a:latin typeface="+mj-lt"/>
+                <a:cs typeface="Arial" charset="0"/>
+              </a:rPr>
+              <a:t> Control </a:t>
+            </a:r>
+            <a:r>
+              <a:rPr lang="it-IT" sz="2000" spc="-100" dirty="0" err="1" smtClean="0">
+                <a:ln w="3175">
+                  <a:noFill/>
+                </a:ln>
+                <a:latin typeface="+mj-lt"/>
+                <a:cs typeface="Arial" charset="0"/>
+              </a:rPr>
+              <a:t>Meters</a:t>
+            </a:r>
+            <a:r>
+              <a:rPr lang="it-IT" sz="2000" spc="-100" dirty="0" smtClean="0">
+                <a:ln w="3175">
+                  <a:noFill/>
+                </a:ln>
+                <a:latin typeface="+mj-lt"/>
+                <a:cs typeface="Arial" charset="0"/>
+              </a:rPr>
+              <a:t> SRL febbraio 2015)								</a:t>
+            </a:r>
             <a:endParaRPr lang="it-IT" sz="2800" spc="-100" dirty="0" smtClean="0">
               <a:ln w="3175">
                 <a:noFill/>
@@ -19792,8 +19829,8 @@
         </p:blipFill>
         <p:spPr>
           <a:xfrm>
-            <a:off x="5700711" y="2960549"/>
-            <a:ext cx="5108339" cy="2043336"/>
+            <a:off x="5851736" y="2960549"/>
+            <a:ext cx="4957314" cy="1982926"/>
           </a:xfrm>
           <a:prstGeom prst="rect">
             <a:avLst/>
@@ -28065,7 +28102,17 @@
                 <a:latin typeface="+mj-lt"/>
                 <a:cs typeface="Arial" charset="0"/>
               </a:rPr>
-              <a:t> (2002).</a:t>
+              <a:t> (2002). "Data Integration: A </a:t>
+            </a:r>
+            <a:r>
+              <a:rPr lang="it-IT" sz="2200" spc="-100" dirty="0" err="1">
+                <a:ln w="3175">
+                  <a:noFill/>
+                </a:ln>
+                <a:latin typeface="+mj-lt"/>
+                <a:cs typeface="Arial" charset="0"/>
+              </a:rPr>
+              <a:t>Theoretical</a:t>
             </a:r>
             <a:r>
               <a:rPr lang="it-IT" sz="2200" spc="-100" dirty="0">
@@ -28075,7 +28122,7 @@
                 <a:latin typeface="+mj-lt"/>
                 <a:cs typeface="Arial" charset="0"/>
               </a:rPr>
-              <a:t> "Data Integration: A </a:t>
+              <a:t> </a:t>
             </a:r>
             <a:r>
               <a:rPr lang="it-IT" sz="2200" spc="-100" dirty="0" err="1">
@@ -28085,7 +28132,7 @@
                 <a:latin typeface="+mj-lt"/>
                 <a:cs typeface="Arial" charset="0"/>
               </a:rPr>
-              <a:t>Theoretical</a:t>
+              <a:t>Perspective</a:t>
             </a:r>
             <a:r>
               <a:rPr lang="it-IT" sz="2200" spc="-100" dirty="0">
@@ -28095,37 +28142,7 @@
                 <a:latin typeface="+mj-lt"/>
                 <a:cs typeface="Arial" charset="0"/>
               </a:rPr>
-              <a:t> </a:t>
-            </a:r>
-            <a:r>
-              <a:rPr lang="it-IT" sz="2200" spc="-100" dirty="0" err="1">
-                <a:ln w="3175">
-                  <a:noFill/>
-                </a:ln>
-                <a:latin typeface="+mj-lt"/>
-                <a:cs typeface="Arial" charset="0"/>
-              </a:rPr>
-              <a:t>Perspective</a:t>
-            </a:r>
-            <a:r>
-              <a:rPr lang="it-IT" sz="2200" spc="-100" dirty="0">
-                <a:ln w="3175">
-                  <a:noFill/>
-                </a:ln>
-                <a:latin typeface="+mj-lt"/>
-                <a:cs typeface="Arial" charset="0"/>
-              </a:rPr>
-              <a:t>". </a:t>
-            </a:r>
-            <a:r>
-              <a:rPr lang="it-IT" sz="2200" spc="-100" dirty="0">
-                <a:ln w="3175">
-                  <a:noFill/>
-                </a:ln>
-                <a:latin typeface="+mj-lt"/>
-                <a:cs typeface="Arial" charset="0"/>
-              </a:rPr>
-              <a:t>PODS 2002. pp. 233–246</a:t>
+              <a:t>". PODS 2002. pp. 233–246</a:t>
             </a:r>
             <a:r>
               <a:rPr lang="it-IT" dirty="0"/>
@@ -32710,27 +32727,7 @@
                 <a:latin typeface="+mj-lt"/>
                 <a:cs typeface="Arial" charset="0"/>
               </a:rPr>
-              <a:t>Data la denominazione di un fiume ed un intervallo di date (data inizio e data fine), estrarre le previsioni dettagliate per ogni SEP verificatasi per il fiume richiesto nell’intervallo </a:t>
-            </a:r>
-            <a:r>
-              <a:rPr lang="it-IT" sz="2800" spc="-100" dirty="0" smtClean="0">
-                <a:ln w="3175">
-                  <a:noFill/>
-                </a:ln>
-                <a:latin typeface="+mj-lt"/>
-                <a:cs typeface="Arial" charset="0"/>
-              </a:rPr>
-              <a:t>temporale dato</a:t>
-            </a:r>
-            <a:r>
-              <a:rPr lang="it-IT" sz="2800" spc="-100" dirty="0" smtClean="0">
-                <a:ln w="3175">
-                  <a:noFill/>
-                </a:ln>
-                <a:latin typeface="+mj-lt"/>
-                <a:cs typeface="Arial" charset="0"/>
-              </a:rPr>
-              <a:t>.</a:t>
+              <a:t>Data la denominazione di un fiume ed un intervallo di date (data inizio e data fine), estrarre le previsioni dettagliate per ogni SEP verificatasi per il fiume richiesto nell’intervallo temporale dato.</a:t>
             </a:r>
           </a:p>
           <a:p>
@@ -38768,27 +38765,7 @@
                 <a:latin typeface="+mj-lt"/>
                 <a:cs typeface="Arial" charset="0"/>
               </a:rPr>
-              <a:t>L’utilizzo di nodi computazionali distribuiti non preclude il funzionamento dell’intero sistema in seguito ad un </a:t>
-            </a:r>
-            <a:r>
-              <a:rPr lang="it-IT" sz="2800" spc="-100" dirty="0" smtClean="0">
-                <a:ln w="3175">
-                  <a:noFill/>
-                </a:ln>
-                <a:latin typeface="+mj-lt"/>
-                <a:cs typeface="Arial" charset="0"/>
-              </a:rPr>
-              <a:t>malfunzionamento localizzato</a:t>
-            </a:r>
-            <a:r>
-              <a:rPr lang="it-IT" sz="2800" spc="-100" dirty="0" smtClean="0">
-                <a:ln w="3175">
-                  <a:noFill/>
-                </a:ln>
-                <a:latin typeface="+mj-lt"/>
-                <a:cs typeface="Arial" charset="0"/>
-              </a:rPr>
-              <a:t>.</a:t>
+              <a:t>L’utilizzo di nodi computazionali distribuiti non preclude il funzionamento dell’intero sistema in seguito ad un malfunzionamento localizzato.</a:t>
             </a:r>
             <a:endParaRPr lang="it-IT" sz="2800" spc="-100" dirty="0">
               <a:ln w="3175">

--- a/Febbraio 2015.pptx
+++ b/Febbraio 2015.pptx
@@ -318,11 +318,11 @@
           <c:showPercent val="0"/>
           <c:showBubbleSize val="0"/>
         </c:dLbls>
-        <c:axId val="150368304"/>
-        <c:axId val="150368864"/>
+        <c:axId val="141591648"/>
+        <c:axId val="141592208"/>
       </c:radarChart>
       <c:catAx>
-        <c:axId val="150368304"/>
+        <c:axId val="141591648"/>
         <c:scaling>
           <c:orientation val="minMax"/>
         </c:scaling>
@@ -365,7 +365,7 @@
             <a:endParaRPr lang="it-IT"/>
           </a:p>
         </c:txPr>
-        <c:crossAx val="150368864"/>
+        <c:crossAx val="141592208"/>
         <c:crosses val="autoZero"/>
         <c:auto val="1"/>
         <c:lblAlgn val="ctr"/>
@@ -373,7 +373,7 @@
         <c:noMultiLvlLbl val="0"/>
       </c:catAx>
       <c:valAx>
-        <c:axId val="150368864"/>
+        <c:axId val="141592208"/>
         <c:scaling>
           <c:orientation val="minMax"/>
           <c:max val="100"/>
@@ -424,7 +424,7 @@
             <a:endParaRPr lang="it-IT"/>
           </a:p>
         </c:txPr>
-        <c:crossAx val="150368304"/>
+        <c:crossAx val="141591648"/>
         <c:crosses val="autoZero"/>
         <c:crossBetween val="between"/>
         <c:majorUnit val="10"/>
@@ -580,11 +580,11 @@
           <c:showPercent val="0"/>
           <c:showBubbleSize val="0"/>
         </c:dLbls>
-        <c:axId val="150371104"/>
-        <c:axId val="150371664"/>
+        <c:axId val="141594448"/>
+        <c:axId val="141595008"/>
       </c:radarChart>
       <c:catAx>
-        <c:axId val="150371104"/>
+        <c:axId val="141594448"/>
         <c:scaling>
           <c:orientation val="minMax"/>
         </c:scaling>
@@ -627,7 +627,7 @@
             <a:endParaRPr lang="it-IT"/>
           </a:p>
         </c:txPr>
-        <c:crossAx val="150371664"/>
+        <c:crossAx val="141595008"/>
         <c:crosses val="autoZero"/>
         <c:auto val="1"/>
         <c:lblAlgn val="ctr"/>
@@ -635,7 +635,7 @@
         <c:noMultiLvlLbl val="0"/>
       </c:catAx>
       <c:valAx>
-        <c:axId val="150371664"/>
+        <c:axId val="141595008"/>
         <c:scaling>
           <c:orientation val="minMax"/>
         </c:scaling>
@@ -685,7 +685,7 @@
             <a:endParaRPr lang="it-IT"/>
           </a:p>
         </c:txPr>
-        <c:crossAx val="150371104"/>
+        <c:crossAx val="141594448"/>
         <c:crosses val="autoZero"/>
         <c:crossBetween val="between"/>
         <c:majorUnit val="10"/>
@@ -831,11 +831,11 @@
           <c:showPercent val="0"/>
           <c:showBubbleSize val="0"/>
         </c:dLbls>
-        <c:axId val="150373904"/>
-        <c:axId val="150374464"/>
+        <c:axId val="141597248"/>
+        <c:axId val="141597808"/>
       </c:radarChart>
       <c:catAx>
-        <c:axId val="150373904"/>
+        <c:axId val="141597248"/>
         <c:scaling>
           <c:orientation val="minMax"/>
         </c:scaling>
@@ -878,7 +878,7 @@
             <a:endParaRPr lang="it-IT"/>
           </a:p>
         </c:txPr>
-        <c:crossAx val="150374464"/>
+        <c:crossAx val="141597808"/>
         <c:crosses val="autoZero"/>
         <c:auto val="1"/>
         <c:lblAlgn val="ctr"/>
@@ -886,7 +886,7 @@
         <c:noMultiLvlLbl val="0"/>
       </c:catAx>
       <c:valAx>
-        <c:axId val="150374464"/>
+        <c:axId val="141597808"/>
         <c:scaling>
           <c:orientation val="minMax"/>
         </c:scaling>
@@ -936,7 +936,7 @@
             <a:endParaRPr lang="it-IT"/>
           </a:p>
         </c:txPr>
-        <c:crossAx val="150373904"/>
+        <c:crossAx val="141597248"/>
         <c:crosses val="autoZero"/>
         <c:crossBetween val="between"/>
         <c:majorUnit val="10"/>
@@ -2693,7 +2693,7 @@
           <a:p>
             <a:fld id="{4DC00536-3C86-400C-9F50-1275C6A29586}" type="datetimeFigureOut">
               <a:rPr lang="it-IT" smtClean="0"/>
-              <a:t>20/02/2015</a:t>
+              <a:t>21/02/2015</a:t>
             </a:fld>
             <a:endParaRPr lang="it-IT"/>
           </a:p>
@@ -3176,7 +3176,7 @@
           <a:p>
             <a:fld id="{0809BC95-6AD5-4D34-9000-81E21223B4F6}" type="datetimeFigureOut">
               <a:rPr lang="it-IT" smtClean="0"/>
-              <a:t>20/02/2015</a:t>
+              <a:t>21/02/2015</a:t>
             </a:fld>
             <a:endParaRPr lang="it-IT"/>
           </a:p>
@@ -3349,7 +3349,7 @@
           <a:p>
             <a:fld id="{0809BC95-6AD5-4D34-9000-81E21223B4F6}" type="datetimeFigureOut">
               <a:rPr lang="it-IT" smtClean="0"/>
-              <a:t>20/02/2015</a:t>
+              <a:t>21/02/2015</a:t>
             </a:fld>
             <a:endParaRPr lang="it-IT"/>
           </a:p>
@@ -3532,7 +3532,7 @@
           <a:p>
             <a:fld id="{0809BC95-6AD5-4D34-9000-81E21223B4F6}" type="datetimeFigureOut">
               <a:rPr lang="it-IT" smtClean="0"/>
-              <a:t>20/02/2015</a:t>
+              <a:t>21/02/2015</a:t>
             </a:fld>
             <a:endParaRPr lang="it-IT"/>
           </a:p>
@@ -3705,7 +3705,7 @@
           <a:p>
             <a:fld id="{0809BC95-6AD5-4D34-9000-81E21223B4F6}" type="datetimeFigureOut">
               <a:rPr lang="it-IT" smtClean="0"/>
-              <a:t>20/02/2015</a:t>
+              <a:t>21/02/2015</a:t>
             </a:fld>
             <a:endParaRPr lang="it-IT"/>
           </a:p>
@@ -3954,7 +3954,7 @@
           <a:p>
             <a:fld id="{0809BC95-6AD5-4D34-9000-81E21223B4F6}" type="datetimeFigureOut">
               <a:rPr lang="it-IT" smtClean="0"/>
-              <a:t>20/02/2015</a:t>
+              <a:t>21/02/2015</a:t>
             </a:fld>
             <a:endParaRPr lang="it-IT"/>
           </a:p>
@@ -4189,7 +4189,7 @@
           <a:p>
             <a:fld id="{0809BC95-6AD5-4D34-9000-81E21223B4F6}" type="datetimeFigureOut">
               <a:rPr lang="it-IT" smtClean="0"/>
-              <a:t>20/02/2015</a:t>
+              <a:t>21/02/2015</a:t>
             </a:fld>
             <a:endParaRPr lang="it-IT"/>
           </a:p>
@@ -4559,7 +4559,7 @@
           <a:p>
             <a:fld id="{0809BC95-6AD5-4D34-9000-81E21223B4F6}" type="datetimeFigureOut">
               <a:rPr lang="it-IT" smtClean="0"/>
-              <a:t>20/02/2015</a:t>
+              <a:t>21/02/2015</a:t>
             </a:fld>
             <a:endParaRPr lang="it-IT"/>
           </a:p>
@@ -4680,7 +4680,7 @@
           <a:p>
             <a:fld id="{0809BC95-6AD5-4D34-9000-81E21223B4F6}" type="datetimeFigureOut">
               <a:rPr lang="it-IT" smtClean="0"/>
-              <a:t>20/02/2015</a:t>
+              <a:t>21/02/2015</a:t>
             </a:fld>
             <a:endParaRPr lang="it-IT"/>
           </a:p>
@@ -4778,7 +4778,7 @@
           <a:p>
             <a:fld id="{0809BC95-6AD5-4D34-9000-81E21223B4F6}" type="datetimeFigureOut">
               <a:rPr lang="it-IT" smtClean="0"/>
-              <a:t>20/02/2015</a:t>
+              <a:t>21/02/2015</a:t>
             </a:fld>
             <a:endParaRPr lang="it-IT"/>
           </a:p>
@@ -5058,7 +5058,7 @@
           <a:p>
             <a:fld id="{0809BC95-6AD5-4D34-9000-81E21223B4F6}" type="datetimeFigureOut">
               <a:rPr lang="it-IT" smtClean="0"/>
-              <a:t>20/02/2015</a:t>
+              <a:t>21/02/2015</a:t>
             </a:fld>
             <a:endParaRPr lang="it-IT"/>
           </a:p>
@@ -5314,7 +5314,7 @@
           <a:p>
             <a:fld id="{0809BC95-6AD5-4D34-9000-81E21223B4F6}" type="datetimeFigureOut">
               <a:rPr lang="it-IT" smtClean="0"/>
-              <a:t>20/02/2015</a:t>
+              <a:t>21/02/2015</a:t>
             </a:fld>
             <a:endParaRPr lang="it-IT"/>
           </a:p>
@@ -5530,7 +5530,7 @@
           <a:p>
             <a:fld id="{0809BC95-6AD5-4D34-9000-81E21223B4F6}" type="datetimeFigureOut">
               <a:rPr lang="it-IT" smtClean="0"/>
-              <a:t>20/02/2015</a:t>
+              <a:t>21/02/2015</a:t>
             </a:fld>
             <a:endParaRPr lang="it-IT"/>
           </a:p>
@@ -9070,6 +9070,406 @@
           </a:fillRef>
           <a:effectRef idx="0">
             <a:schemeClr val="accent1"/>
+          </a:effectRef>
+          <a:fontRef idx="minor">
+            <a:schemeClr val="lt1"/>
+          </a:fontRef>
+        </p:style>
+        <p:txBody>
+          <a:bodyPr rtlCol="0" anchor="ctr"/>
+          <a:lstStyle/>
+          <a:p>
+            <a:pPr algn="ctr"/>
+            <a:endParaRPr lang="it-IT"/>
+          </a:p>
+        </p:txBody>
+      </p:sp>
+      <p:sp>
+        <p:nvSpPr>
+          <p:cNvPr id="8" name="Triangolo isoscele 7"/>
+          <p:cNvSpPr/>
+          <p:nvPr/>
+        </p:nvSpPr>
+        <p:spPr>
+          <a:xfrm rot="5228276">
+            <a:off x="2907339" y="1344153"/>
+            <a:ext cx="189303" cy="136476"/>
+          </a:xfrm>
+          <a:prstGeom prst="triangle">
+            <a:avLst/>
+          </a:prstGeom>
+        </p:spPr>
+        <p:style>
+          <a:lnRef idx="2">
+            <a:schemeClr val="dk1">
+              <a:shade val="50000"/>
+            </a:schemeClr>
+          </a:lnRef>
+          <a:fillRef idx="1">
+            <a:schemeClr val="dk1"/>
+          </a:fillRef>
+          <a:effectRef idx="0">
+            <a:schemeClr val="dk1"/>
+          </a:effectRef>
+          <a:fontRef idx="minor">
+            <a:schemeClr val="lt1"/>
+          </a:fontRef>
+        </p:style>
+        <p:txBody>
+          <a:bodyPr rtlCol="0" anchor="ctr"/>
+          <a:lstStyle/>
+          <a:p>
+            <a:pPr algn="ctr"/>
+            <a:endParaRPr lang="it-IT"/>
+          </a:p>
+        </p:txBody>
+      </p:sp>
+      <p:sp>
+        <p:nvSpPr>
+          <p:cNvPr id="12" name="Triangolo isoscele 11"/>
+          <p:cNvSpPr/>
+          <p:nvPr/>
+        </p:nvSpPr>
+        <p:spPr>
+          <a:xfrm rot="5228276">
+            <a:off x="3090737" y="1827478"/>
+            <a:ext cx="189303" cy="136476"/>
+          </a:xfrm>
+          <a:prstGeom prst="triangle">
+            <a:avLst/>
+          </a:prstGeom>
+        </p:spPr>
+        <p:style>
+          <a:lnRef idx="2">
+            <a:schemeClr val="dk1">
+              <a:shade val="50000"/>
+            </a:schemeClr>
+          </a:lnRef>
+          <a:fillRef idx="1">
+            <a:schemeClr val="dk1"/>
+          </a:fillRef>
+          <a:effectRef idx="0">
+            <a:schemeClr val="dk1"/>
+          </a:effectRef>
+          <a:fontRef idx="minor">
+            <a:schemeClr val="lt1"/>
+          </a:fontRef>
+        </p:style>
+        <p:txBody>
+          <a:bodyPr rtlCol="0" anchor="ctr"/>
+          <a:lstStyle/>
+          <a:p>
+            <a:pPr algn="ctr"/>
+            <a:endParaRPr lang="it-IT"/>
+          </a:p>
+        </p:txBody>
+      </p:sp>
+      <p:sp>
+        <p:nvSpPr>
+          <p:cNvPr id="13" name="Triangolo isoscele 12"/>
+          <p:cNvSpPr/>
+          <p:nvPr/>
+        </p:nvSpPr>
+        <p:spPr>
+          <a:xfrm rot="4085872">
+            <a:off x="8058463" y="1461214"/>
+            <a:ext cx="169678" cy="155348"/>
+          </a:xfrm>
+          <a:prstGeom prst="triangle">
+            <a:avLst/>
+          </a:prstGeom>
+        </p:spPr>
+        <p:style>
+          <a:lnRef idx="2">
+            <a:schemeClr val="dk1">
+              <a:shade val="50000"/>
+            </a:schemeClr>
+          </a:lnRef>
+          <a:fillRef idx="1">
+            <a:schemeClr val="dk1"/>
+          </a:fillRef>
+          <a:effectRef idx="0">
+            <a:schemeClr val="dk1"/>
+          </a:effectRef>
+          <a:fontRef idx="minor">
+            <a:schemeClr val="lt1"/>
+          </a:fontRef>
+        </p:style>
+        <p:txBody>
+          <a:bodyPr rtlCol="0" anchor="ctr"/>
+          <a:lstStyle/>
+          <a:p>
+            <a:pPr algn="ctr"/>
+            <a:endParaRPr lang="it-IT"/>
+          </a:p>
+        </p:txBody>
+      </p:sp>
+      <p:sp>
+        <p:nvSpPr>
+          <p:cNvPr id="14" name="Triangolo isoscele 13"/>
+          <p:cNvSpPr/>
+          <p:nvPr/>
+        </p:nvSpPr>
+        <p:spPr>
+          <a:xfrm rot="4085872">
+            <a:off x="7792851" y="2215388"/>
+            <a:ext cx="169678" cy="155348"/>
+          </a:xfrm>
+          <a:prstGeom prst="triangle">
+            <a:avLst/>
+          </a:prstGeom>
+        </p:spPr>
+        <p:style>
+          <a:lnRef idx="2">
+            <a:schemeClr val="dk1">
+              <a:shade val="50000"/>
+            </a:schemeClr>
+          </a:lnRef>
+          <a:fillRef idx="1">
+            <a:schemeClr val="dk1"/>
+          </a:fillRef>
+          <a:effectRef idx="0">
+            <a:schemeClr val="dk1"/>
+          </a:effectRef>
+          <a:fontRef idx="minor">
+            <a:schemeClr val="lt1"/>
+          </a:fontRef>
+        </p:style>
+        <p:txBody>
+          <a:bodyPr rtlCol="0" anchor="ctr"/>
+          <a:lstStyle/>
+          <a:p>
+            <a:pPr algn="ctr"/>
+            <a:endParaRPr lang="it-IT"/>
+          </a:p>
+        </p:txBody>
+      </p:sp>
+      <p:sp>
+        <p:nvSpPr>
+          <p:cNvPr id="15" name="Triangolo isoscele 14"/>
+          <p:cNvSpPr/>
+          <p:nvPr/>
+        </p:nvSpPr>
+        <p:spPr>
+          <a:xfrm rot="5400000">
+            <a:off x="4739146" y="2775644"/>
+            <a:ext cx="233596" cy="146217"/>
+          </a:xfrm>
+          <a:prstGeom prst="triangle">
+            <a:avLst/>
+          </a:prstGeom>
+        </p:spPr>
+        <p:style>
+          <a:lnRef idx="2">
+            <a:schemeClr val="dk1">
+              <a:shade val="50000"/>
+            </a:schemeClr>
+          </a:lnRef>
+          <a:fillRef idx="1">
+            <a:schemeClr val="dk1"/>
+          </a:fillRef>
+          <a:effectRef idx="0">
+            <a:schemeClr val="dk1"/>
+          </a:effectRef>
+          <a:fontRef idx="minor">
+            <a:schemeClr val="lt1"/>
+          </a:fontRef>
+        </p:style>
+        <p:txBody>
+          <a:bodyPr rtlCol="0" anchor="ctr"/>
+          <a:lstStyle/>
+          <a:p>
+            <a:pPr algn="ctr"/>
+            <a:endParaRPr lang="it-IT"/>
+          </a:p>
+        </p:txBody>
+      </p:sp>
+      <p:sp>
+        <p:nvSpPr>
+          <p:cNvPr id="16" name="Triangolo isoscele 15"/>
+          <p:cNvSpPr/>
+          <p:nvPr/>
+        </p:nvSpPr>
+        <p:spPr>
+          <a:xfrm rot="5905167">
+            <a:off x="3698470" y="3086518"/>
+            <a:ext cx="233596" cy="146217"/>
+          </a:xfrm>
+          <a:prstGeom prst="triangle">
+            <a:avLst/>
+          </a:prstGeom>
+        </p:spPr>
+        <p:style>
+          <a:lnRef idx="2">
+            <a:schemeClr val="dk1">
+              <a:shade val="50000"/>
+            </a:schemeClr>
+          </a:lnRef>
+          <a:fillRef idx="1">
+            <a:schemeClr val="dk1"/>
+          </a:fillRef>
+          <a:effectRef idx="0">
+            <a:schemeClr val="dk1"/>
+          </a:effectRef>
+          <a:fontRef idx="minor">
+            <a:schemeClr val="lt1"/>
+          </a:fontRef>
+        </p:style>
+        <p:txBody>
+          <a:bodyPr rtlCol="0" anchor="ctr"/>
+          <a:lstStyle/>
+          <a:p>
+            <a:pPr algn="ctr"/>
+            <a:endParaRPr lang="it-IT"/>
+          </a:p>
+        </p:txBody>
+      </p:sp>
+      <p:sp>
+        <p:nvSpPr>
+          <p:cNvPr id="17" name="Triangolo isoscele 16"/>
+          <p:cNvSpPr/>
+          <p:nvPr/>
+        </p:nvSpPr>
+        <p:spPr>
+          <a:xfrm rot="11200206">
+            <a:off x="602572" y="3901370"/>
+            <a:ext cx="233596" cy="146217"/>
+          </a:xfrm>
+          <a:prstGeom prst="triangle">
+            <a:avLst/>
+          </a:prstGeom>
+        </p:spPr>
+        <p:style>
+          <a:lnRef idx="2">
+            <a:schemeClr val="dk1">
+              <a:shade val="50000"/>
+            </a:schemeClr>
+          </a:lnRef>
+          <a:fillRef idx="1">
+            <a:schemeClr val="dk1"/>
+          </a:fillRef>
+          <a:effectRef idx="0">
+            <a:schemeClr val="dk1"/>
+          </a:effectRef>
+          <a:fontRef idx="minor">
+            <a:schemeClr val="lt1"/>
+          </a:fontRef>
+        </p:style>
+        <p:txBody>
+          <a:bodyPr rtlCol="0" anchor="ctr"/>
+          <a:lstStyle/>
+          <a:p>
+            <a:pPr algn="ctr"/>
+            <a:endParaRPr lang="it-IT"/>
+          </a:p>
+        </p:txBody>
+      </p:sp>
+      <p:sp>
+        <p:nvSpPr>
+          <p:cNvPr id="18" name="Triangolo isoscele 17"/>
+          <p:cNvSpPr/>
+          <p:nvPr/>
+        </p:nvSpPr>
+        <p:spPr>
+          <a:xfrm>
+            <a:off x="1036526" y="5151051"/>
+            <a:ext cx="233596" cy="146217"/>
+          </a:xfrm>
+          <a:prstGeom prst="triangle">
+            <a:avLst/>
+          </a:prstGeom>
+        </p:spPr>
+        <p:style>
+          <a:lnRef idx="2">
+            <a:schemeClr val="dk1">
+              <a:shade val="50000"/>
+            </a:schemeClr>
+          </a:lnRef>
+          <a:fillRef idx="1">
+            <a:schemeClr val="dk1"/>
+          </a:fillRef>
+          <a:effectRef idx="0">
+            <a:schemeClr val="dk1"/>
+          </a:effectRef>
+          <a:fontRef idx="minor">
+            <a:schemeClr val="lt1"/>
+          </a:fontRef>
+        </p:style>
+        <p:txBody>
+          <a:bodyPr rtlCol="0" anchor="ctr"/>
+          <a:lstStyle/>
+          <a:p>
+            <a:pPr algn="ctr"/>
+            <a:endParaRPr lang="it-IT"/>
+          </a:p>
+        </p:txBody>
+      </p:sp>
+      <p:sp>
+        <p:nvSpPr>
+          <p:cNvPr id="19" name="Triangolo isoscele 18"/>
+          <p:cNvSpPr/>
+          <p:nvPr/>
+        </p:nvSpPr>
+        <p:spPr>
+          <a:xfrm rot="17144326">
+            <a:off x="3904854" y="5460206"/>
+            <a:ext cx="233596" cy="146217"/>
+          </a:xfrm>
+          <a:prstGeom prst="triangle">
+            <a:avLst/>
+          </a:prstGeom>
+        </p:spPr>
+        <p:style>
+          <a:lnRef idx="2">
+            <a:schemeClr val="dk1">
+              <a:shade val="50000"/>
+            </a:schemeClr>
+          </a:lnRef>
+          <a:fillRef idx="1">
+            <a:schemeClr val="dk1"/>
+          </a:fillRef>
+          <a:effectRef idx="0">
+            <a:schemeClr val="dk1"/>
+          </a:effectRef>
+          <a:fontRef idx="minor">
+            <a:schemeClr val="lt1"/>
+          </a:fontRef>
+        </p:style>
+        <p:txBody>
+          <a:bodyPr rtlCol="0" anchor="ctr"/>
+          <a:lstStyle/>
+          <a:p>
+            <a:pPr algn="ctr"/>
+            <a:endParaRPr lang="it-IT"/>
+          </a:p>
+        </p:txBody>
+      </p:sp>
+      <p:sp>
+        <p:nvSpPr>
+          <p:cNvPr id="20" name="Triangolo isoscele 19"/>
+          <p:cNvSpPr/>
+          <p:nvPr/>
+        </p:nvSpPr>
+        <p:spPr>
+          <a:xfrm rot="7625111">
+            <a:off x="3005420" y="4132821"/>
+            <a:ext cx="279928" cy="147908"/>
+          </a:xfrm>
+          <a:prstGeom prst="triangle">
+            <a:avLst/>
+          </a:prstGeom>
+        </p:spPr>
+        <p:style>
+          <a:lnRef idx="2">
+            <a:schemeClr val="dk1">
+              <a:shade val="50000"/>
+            </a:schemeClr>
+          </a:lnRef>
+          <a:fillRef idx="1">
+            <a:schemeClr val="dk1"/>
+          </a:fillRef>
+          <a:effectRef idx="0">
+            <a:schemeClr val="dk1"/>
           </a:effectRef>
           <a:fontRef idx="minor">
             <a:schemeClr val="lt1"/>
@@ -17921,6 +18321,16 @@
               <a:t>GaugerGSM</a:t>
             </a:r>
             <a:r>
+              <a:rPr lang="it-IT" sz="3000" b="1" spc="-100" dirty="0" smtClean="0">
+                <a:ln w="3175">
+                  <a:noFill/>
+                </a:ln>
+                <a:latin typeface="+mj-lt"/>
+                <a:cs typeface="Arial" charset="0"/>
+              </a:rPr>
+              <a:t>/GPRS</a:t>
+            </a:r>
+            <a:r>
               <a:rPr lang="it-IT" sz="2800" spc="-100" dirty="0" smtClean="0">
                 <a:ln w="3175">
                   <a:noFill/>
@@ -17930,6 +18340,13 @@
               </a:rPr>
               <a:t> </a:t>
             </a:r>
+            <a:endParaRPr lang="it-IT" sz="2800" spc="-100" dirty="0" smtClean="0">
+              <a:ln w="3175">
+                <a:noFill/>
+              </a:ln>
+              <a:latin typeface="+mj-lt"/>
+              <a:cs typeface="Arial" charset="0"/>
+            </a:endParaRPr>
           </a:p>
           <a:p>
             <a:pPr lvl="0"/>
@@ -18607,7 +19024,7 @@
               <a:t>Il sensore </a:t>
             </a:r>
             <a:r>
-              <a:rPr lang="it-IT" sz="2800" i="1" spc="-100" dirty="0" err="1">
+              <a:rPr lang="it-IT" sz="2800" i="1" spc="-100" dirty="0" err="1" smtClean="0">
                 <a:ln w="3175">
                   <a:noFill/>
                 </a:ln>
@@ -18617,6 +19034,26 @@
               <a:t>GaugerGSM</a:t>
             </a:r>
             <a:r>
+              <a:rPr lang="it-IT" sz="2800" i="1" spc="-100" dirty="0" smtClean="0">
+                <a:ln w="3175">
+                  <a:noFill/>
+                </a:ln>
+                <a:latin typeface="+mj-lt"/>
+                <a:cs typeface="Arial" charset="0"/>
+              </a:rPr>
+              <a:t>/GPRS</a:t>
+            </a:r>
+            <a:r>
+              <a:rPr lang="it-IT" sz="2800" spc="-100" dirty="0" smtClean="0">
+                <a:ln w="3175">
+                  <a:noFill/>
+                </a:ln>
+                <a:latin typeface="+mj-lt"/>
+                <a:cs typeface="Arial" charset="0"/>
+              </a:rPr>
+              <a:t> </a:t>
+            </a:r>
+            <a:r>
               <a:rPr lang="it-IT" sz="2800" spc="-100" dirty="0">
                 <a:ln w="3175">
                   <a:noFill/>
@@ -18624,7 +19061,7 @@
                 <a:latin typeface="+mj-lt"/>
                 <a:cs typeface="Arial" charset="0"/>
               </a:rPr>
-              <a:t> rileva i dati in modo analogico e dove aver eseguito il campionamento digitale, </a:t>
+              <a:t>rileva i dati in modo analogico e dove aver eseguito il campionamento digitale, </a:t>
             </a:r>
             <a:r>
               <a:rPr lang="it-IT" sz="2800" spc="-100" dirty="0" smtClean="0">
@@ -19002,8 +19439,8 @@
         </p:nvSpPr>
         <p:spPr>
           <a:xfrm>
-            <a:off x="342893" y="3517546"/>
-            <a:ext cx="2051450" cy="523220"/>
+            <a:off x="342892" y="3517546"/>
+            <a:ext cx="2749223" cy="523220"/>
           </a:xfrm>
           <a:prstGeom prst="rect">
             <a:avLst/>
@@ -19017,7 +19454,7 @@
           <a:lstStyle/>
           <a:p>
             <a:r>
-              <a:rPr lang="it-IT" sz="2800" spc="-100" dirty="0" err="1">
+              <a:rPr lang="it-IT" sz="2800" spc="-100" dirty="0" err="1" smtClean="0">
                 <a:ln w="3175">
                   <a:noFill/>
                 </a:ln>
@@ -19025,6 +19462,16 @@
                 <a:cs typeface="Arial" charset="0"/>
               </a:rPr>
               <a:t>GaugerGSM</a:t>
+            </a:r>
+            <a:r>
+              <a:rPr lang="it-IT" sz="2800" spc="-100" dirty="0" smtClean="0">
+                <a:ln w="3175">
+                  <a:noFill/>
+                </a:ln>
+                <a:latin typeface="+mj-lt"/>
+                <a:cs typeface="Arial" charset="0"/>
+              </a:rPr>
+              <a:t>/GPRS</a:t>
             </a:r>
             <a:endParaRPr lang="it-IT" sz="2800" spc="-100" dirty="0">
               <a:ln w="3175">
@@ -27509,6 +27956,56 @@
           </a:p>
           <a:p>
             <a:r>
+              <a:rPr lang="en-US" sz="2800" spc="-100" dirty="0" smtClean="0">
+                <a:ln w="3175">
+                  <a:noFill/>
+                </a:ln>
+                <a:latin typeface="+mj-lt"/>
+                <a:cs typeface="Arial" charset="0"/>
+              </a:rPr>
+              <a:t>La </a:t>
+            </a:r>
+            <a:r>
+              <a:rPr lang="en-US" sz="2800" spc="-100" dirty="0" err="1" smtClean="0">
+                <a:ln w="3175">
+                  <a:noFill/>
+                </a:ln>
+                <a:latin typeface="+mj-lt"/>
+                <a:cs typeface="Arial" charset="0"/>
+              </a:rPr>
+              <a:t>modalità</a:t>
+            </a:r>
+            <a:r>
+              <a:rPr lang="en-US" sz="2800" spc="-100" dirty="0" smtClean="0">
+                <a:ln w="3175">
+                  <a:noFill/>
+                </a:ln>
+                <a:latin typeface="+mj-lt"/>
+                <a:cs typeface="Arial" charset="0"/>
+              </a:rPr>
+              <a:t> </a:t>
+            </a:r>
+            <a:r>
+              <a:rPr lang="en-US" sz="2800" i="1" spc="-100" dirty="0" smtClean="0">
+                <a:ln w="3175">
+                  <a:noFill/>
+                </a:ln>
+                <a:latin typeface="+mj-lt"/>
+                <a:cs typeface="Arial" charset="0"/>
+              </a:rPr>
+              <a:t>Virtual </a:t>
+            </a:r>
+            <a:r>
+              <a:rPr lang="en-US" sz="2800" i="1" spc="-100" dirty="0">
+                <a:ln w="3175">
+                  <a:noFill/>
+                </a:ln>
+                <a:latin typeface="+mj-lt"/>
+                <a:cs typeface="Arial" charset="0"/>
+              </a:rPr>
+              <a:t>data integration</a:t>
+            </a:r>
+            <a:r>
               <a:rPr lang="en-US" sz="2800" spc="-100" dirty="0">
                 <a:ln w="3175">
                   <a:noFill/>
@@ -27516,7 +28013,7 @@
                 <a:latin typeface="+mj-lt"/>
                 <a:cs typeface="Arial" charset="0"/>
               </a:rPr>
-              <a:t>Virtual data integration </a:t>
+              <a:t> </a:t>
             </a:r>
             <a:r>
               <a:rPr lang="it-IT" sz="2800" spc="-100" dirty="0" smtClean="0">
@@ -28755,7 +29252,7 @@
         <p:spPr>
           <a:xfrm>
             <a:off x="521493" y="1096080"/>
-            <a:ext cx="11149013" cy="5150128"/>
+            <a:ext cx="11149013" cy="5581015"/>
           </a:xfrm>
           <a:prstGeom prst="rect">
             <a:avLst/>
@@ -28785,7 +29282,17 @@
                 <a:latin typeface="+mj-lt"/>
                 <a:cs typeface="Arial" charset="0"/>
               </a:rPr>
-              <a:t>ETL – </a:t>
+              <a:t>La modalità ETL </a:t>
+            </a:r>
+            <a:r>
+              <a:rPr lang="it-IT" sz="2800" spc="-100" dirty="0" smtClean="0">
+                <a:ln w="3175">
+                  <a:noFill/>
+                </a:ln>
+                <a:latin typeface="+mj-lt"/>
+                <a:cs typeface="Arial" charset="0"/>
+              </a:rPr>
+              <a:t>– </a:t>
             </a:r>
             <a:r>
               <a:rPr lang="it-IT" sz="2800" i="1" spc="-100" dirty="0" err="1" smtClean="0">
@@ -28848,6 +29355,16 @@
               <a:t> </a:t>
             </a:r>
             <a:r>
+              <a:rPr lang="it-IT" sz="2800" i="1" spc="-100" dirty="0" smtClean="0">
+                <a:ln w="3175">
+                  <a:noFill/>
+                </a:ln>
+                <a:latin typeface="+mj-lt"/>
+                <a:cs typeface="Arial" charset="0"/>
+              </a:rPr>
+              <a:t>comprende </a:t>
+            </a:r>
+            <a:r>
               <a:rPr lang="it-IT" sz="2800" spc="-100" dirty="0" smtClean="0">
                 <a:ln w="3175">
                   <a:noFill/>
@@ -28855,7 +29372,39 @@
                 <a:latin typeface="+mj-lt"/>
                 <a:cs typeface="Arial" charset="0"/>
               </a:rPr>
-              <a:t>è il processo di estrazione, trasformazione e caricamento di dati su di un sistema di sintesi (es un data </a:t>
+              <a:t>il </a:t>
+            </a:r>
+            <a:r>
+              <a:rPr lang="it-IT" sz="2800" spc="-100" dirty="0" smtClean="0">
+                <a:ln w="3175">
+                  <a:noFill/>
+                </a:ln>
+                <a:latin typeface="+mj-lt"/>
+                <a:cs typeface="Arial" charset="0"/>
+              </a:rPr>
+              <a:t>processo di estrazione, trasformazione e caricamento di dati su di un sistema di sintesi (</a:t>
+            </a:r>
+            <a:r>
+              <a:rPr lang="it-IT" sz="2800" spc="-100" dirty="0" smtClean="0">
+                <a:ln w="3175">
+                  <a:noFill/>
+                </a:ln>
+                <a:latin typeface="+mj-lt"/>
+                <a:cs typeface="Arial" charset="0"/>
+              </a:rPr>
+              <a:t>esempio </a:t>
+            </a:r>
+          </a:p>
+          <a:p>
+            <a:r>
+              <a:rPr lang="it-IT" sz="2800" spc="-100" dirty="0" smtClean="0">
+                <a:ln w="3175">
+                  <a:noFill/>
+                </a:ln>
+                <a:latin typeface="+mj-lt"/>
+                <a:cs typeface="Arial" charset="0"/>
+              </a:rPr>
+              <a:t>data </a:t>
             </a:r>
             <a:r>
               <a:rPr lang="it-IT" sz="2800" spc="-100" dirty="0" err="1" smtClean="0">
@@ -28896,11 +29445,31 @@
                 <a:latin typeface="+mj-lt"/>
                 <a:cs typeface="Arial" charset="0"/>
               </a:rPr>
-              <a:t>Dopo il processo di estrazione (cioè il recupero di dati da un Sistema esterno), i dati vengono trasformati, ed esempio:</a:t>
-            </a:r>
-          </a:p>
-          <a:p>
-            <a:endParaRPr lang="it-IT" sz="2800" spc="-100" dirty="0" smtClean="0">
+              <a:t>Dopo il processo di estrazione (cioè il recupero di dati da un </a:t>
+            </a:r>
+            <a:r>
+              <a:rPr lang="it-IT" sz="2800" spc="-100" dirty="0" smtClean="0">
+                <a:ln w="3175">
+                  <a:noFill/>
+                </a:ln>
+                <a:latin typeface="+mj-lt"/>
+                <a:cs typeface="Arial" charset="0"/>
+              </a:rPr>
+              <a:t>sistema </a:t>
+            </a:r>
+            <a:r>
+              <a:rPr lang="it-IT" sz="2800" spc="-100" dirty="0" smtClean="0">
+                <a:ln w="3175">
+                  <a:noFill/>
+                </a:ln>
+                <a:latin typeface="+mj-lt"/>
+                <a:cs typeface="Arial" charset="0"/>
+              </a:rPr>
+              <a:t>esterno), i dati vengono trasformati, ed esempio:</a:t>
+            </a:r>
+          </a:p>
+          <a:p>
+            <a:endParaRPr lang="it-IT" sz="1500" spc="-100" dirty="0" smtClean="0">
               <a:ln w="3175">
                 <a:noFill/>
               </a:ln>
@@ -29689,7 +30258,27 @@
                 <a:latin typeface="+mj-lt"/>
                 <a:cs typeface="Arial" charset="0"/>
               </a:rPr>
-              <a:t>L’integrazione fra le basi dai BRI, BSE e BDM può essere implementata via VDL o ETL</a:t>
+              <a:t>L’integrazione fra le basi dai BRI, BSE e BDM può essere implementata via </a:t>
+            </a:r>
+            <a:r>
+              <a:rPr lang="it-IT" sz="2800" spc="-100" dirty="0" smtClean="0">
+                <a:ln w="3175">
+                  <a:noFill/>
+                </a:ln>
+                <a:latin typeface="+mj-lt"/>
+                <a:cs typeface="Arial" charset="0"/>
+              </a:rPr>
+              <a:t>VDI </a:t>
+            </a:r>
+            <a:r>
+              <a:rPr lang="it-IT" sz="2800" spc="-100" dirty="0" smtClean="0">
+                <a:ln w="3175">
+                  <a:noFill/>
+                </a:ln>
+                <a:latin typeface="+mj-lt"/>
+                <a:cs typeface="Arial" charset="0"/>
+              </a:rPr>
+              <a:t>o ETL</a:t>
             </a:r>
           </a:p>
           <a:p>
@@ -29720,7 +30309,7 @@
                 <a:latin typeface="+mj-lt"/>
                 <a:cs typeface="Arial" charset="0"/>
               </a:rPr>
-              <a:t>VDL</a:t>
+              <a:t>VDI</a:t>
             </a:r>
             <a:r>
               <a:rPr lang="it-IT" sz="2800" spc="-100" dirty="0" smtClean="0">
@@ -29732,6 +30321,13 @@
               </a:rPr>
               <a:t>:</a:t>
             </a:r>
+            <a:endParaRPr lang="it-IT" sz="2800" spc="-100" dirty="0" smtClean="0">
+              <a:ln w="3175">
+                <a:noFill/>
+              </a:ln>
+              <a:latin typeface="+mj-lt"/>
+              <a:cs typeface="Arial" charset="0"/>
+            </a:endParaRPr>
           </a:p>
           <a:p>
             <a:r>
@@ -30376,7 +30972,47 @@
                 <a:latin typeface="+mj-lt"/>
                 <a:cs typeface="Arial" charset="0"/>
               </a:rPr>
-              <a:t>È necessario creare una nuova base di dati e gestire le operazioni di </a:t>
+              <a:t>È necessario creare una nuova base di dati e gestire </a:t>
+            </a:r>
+            <a:r>
+              <a:rPr lang="it-IT" sz="2800" spc="-100" dirty="0" smtClean="0">
+                <a:ln w="3175">
+                  <a:noFill/>
+                </a:ln>
+                <a:latin typeface="+mj-lt"/>
+                <a:cs typeface="Arial" charset="0"/>
+              </a:rPr>
+              <a:t>lo </a:t>
+            </a:r>
+            <a:r>
+              <a:rPr lang="it-IT" sz="2800" spc="-100" dirty="0" err="1" smtClean="0">
+                <a:ln w="3175">
+                  <a:noFill/>
+                </a:ln>
+                <a:latin typeface="+mj-lt"/>
+                <a:cs typeface="Arial" charset="0"/>
+              </a:rPr>
+              <a:t>scheduling</a:t>
+            </a:r>
+            <a:r>
+              <a:rPr lang="it-IT" sz="2800" spc="-100" dirty="0" smtClean="0">
+                <a:ln w="3175">
+                  <a:noFill/>
+                </a:ln>
+                <a:latin typeface="+mj-lt"/>
+                <a:cs typeface="Arial" charset="0"/>
+              </a:rPr>
+              <a:t> delle </a:t>
+            </a:r>
+            <a:r>
+              <a:rPr lang="it-IT" sz="2800" spc="-100" dirty="0" smtClean="0">
+                <a:ln w="3175">
+                  <a:noFill/>
+                </a:ln>
+                <a:latin typeface="+mj-lt"/>
+                <a:cs typeface="Arial" charset="0"/>
+              </a:rPr>
+              <a:t>operazioni di </a:t>
             </a:r>
             <a:r>
               <a:rPr lang="it-IT" sz="2800" spc="-100" dirty="0" err="1" smtClean="0">
@@ -31146,7 +31782,7 @@
         </p:blipFill>
         <p:spPr>
           <a:xfrm>
-            <a:off x="1262025" y="3824287"/>
+            <a:off x="1093583" y="3824287"/>
             <a:ext cx="3933145" cy="1562100"/>
           </a:xfrm>
           <a:prstGeom prst="rect">
@@ -31170,7 +31806,7 @@
         </p:blipFill>
         <p:spPr>
           <a:xfrm>
-            <a:off x="6634162" y="3824287"/>
+            <a:off x="6405562" y="3824287"/>
             <a:ext cx="3995738" cy="1905325"/>
           </a:xfrm>
           <a:prstGeom prst="rect">
@@ -34856,7 +35492,47 @@
                 <a:latin typeface="+mj-lt"/>
                 <a:cs typeface="Arial" charset="0"/>
               </a:rPr>
-              <a:t>La scelta di una base dati distribuita introduce problemi di replicazione dati e distribuzione dei frammenti.</a:t>
+              <a:t>La scelta di una base dati distribuita introduce problemi di </a:t>
+            </a:r>
+            <a:r>
+              <a:rPr lang="it-IT" sz="2800" i="1" spc="-100" dirty="0" smtClean="0">
+                <a:ln w="3175">
+                  <a:noFill/>
+                </a:ln>
+                <a:latin typeface="+mj-lt"/>
+                <a:cs typeface="Arial" charset="0"/>
+              </a:rPr>
+              <a:t>replicazione dati </a:t>
+            </a:r>
+            <a:r>
+              <a:rPr lang="it-IT" sz="2800" spc="-100" dirty="0" smtClean="0">
+                <a:ln w="3175">
+                  <a:noFill/>
+                </a:ln>
+                <a:latin typeface="+mj-lt"/>
+                <a:cs typeface="Arial" charset="0"/>
+              </a:rPr>
+              <a:t>e </a:t>
+            </a:r>
+            <a:r>
+              <a:rPr lang="it-IT" sz="2800" i="1" spc="-100" dirty="0" smtClean="0">
+                <a:ln w="3175">
+                  <a:noFill/>
+                </a:ln>
+                <a:latin typeface="+mj-lt"/>
+                <a:cs typeface="Arial" charset="0"/>
+              </a:rPr>
+              <a:t>distribuzione dei frammenti</a:t>
+            </a:r>
+            <a:r>
+              <a:rPr lang="it-IT" sz="2800" spc="-100" dirty="0" smtClean="0">
+                <a:ln w="3175">
+                  <a:noFill/>
+                </a:ln>
+                <a:latin typeface="+mj-lt"/>
+                <a:cs typeface="Arial" charset="0"/>
+              </a:rPr>
+              <a:t>.</a:t>
             </a:r>
           </a:p>
           <a:p>
@@ -35479,8 +36155,25 @@
                 <a:latin typeface="+mj-lt"/>
                 <a:cs typeface="Arial" charset="0"/>
               </a:rPr>
-              <a:t>su 20 regioni. (quindi 20 nodi distribuiti)</a:t>
-            </a:r>
+              <a:t>su 20 regioni. (quindi </a:t>
+            </a:r>
+            <a:r>
+              <a:rPr lang="it-IT" sz="2800" spc="-100" dirty="0" smtClean="0">
+                <a:ln w="3175">
+                  <a:noFill/>
+                </a:ln>
+                <a:latin typeface="+mj-lt"/>
+                <a:cs typeface="Arial" charset="0"/>
+              </a:rPr>
+              <a:t>la base dati sarà distribuita su 20 nodi)</a:t>
+            </a:r>
+            <a:endParaRPr lang="it-IT" sz="2800" spc="-100" dirty="0" smtClean="0">
+              <a:ln w="3175">
+                <a:noFill/>
+              </a:ln>
+              <a:latin typeface="+mj-lt"/>
+              <a:cs typeface="Arial" charset="0"/>
+            </a:endParaRPr>
           </a:p>
           <a:p>
             <a:endParaRPr lang="it-IT" sz="1500" spc="-100" dirty="0">
@@ -36255,7 +36948,27 @@
                 <a:latin typeface="+mj-lt"/>
                 <a:cs typeface="Arial" charset="0"/>
               </a:rPr>
-              <a:t>Le situazioni di emergenza potenziale comuni a più regioni, sono informazioni da replicare su ogni nodo dell’istanza distribuita.</a:t>
+              <a:t>Le </a:t>
+            </a:r>
+            <a:r>
+              <a:rPr lang="it-IT" sz="2800" i="1" spc="-100" dirty="0" smtClean="0">
+                <a:ln w="3175">
+                  <a:noFill/>
+                </a:ln>
+                <a:latin typeface="+mj-lt"/>
+                <a:cs typeface="Arial" charset="0"/>
+              </a:rPr>
+              <a:t>situazioni di emergenza potenziale </a:t>
+            </a:r>
+            <a:r>
+              <a:rPr lang="it-IT" sz="2800" spc="-100" dirty="0" smtClean="0">
+                <a:ln w="3175">
+                  <a:noFill/>
+                </a:ln>
+                <a:latin typeface="+mj-lt"/>
+                <a:cs typeface="Arial" charset="0"/>
+              </a:rPr>
+              <a:t>comuni a più regioni, sono informazioni da replicare su ogni nodo dell’istanza distribuita.</a:t>
             </a:r>
           </a:p>
           <a:p>
@@ -36868,7 +37581,17 @@
                 <a:latin typeface="+mj-lt"/>
                 <a:cs typeface="Arial" charset="0"/>
               </a:rPr>
-              <a:t>regioni. (quindi 20 nodi distribuiti)</a:t>
+              <a:t>regioni. </a:t>
+            </a:r>
+            <a:r>
+              <a:rPr lang="it-IT" sz="2800" spc="-100" dirty="0">
+                <a:ln w="3175">
+                  <a:noFill/>
+                </a:ln>
+                <a:latin typeface="+mj-lt"/>
+                <a:cs typeface="Arial" charset="0"/>
+              </a:rPr>
+              <a:t>(quindi la base dati sarà distribuita su 20 nodi)</a:t>
             </a:r>
             <a:endParaRPr lang="it-IT" sz="2800" spc="-100" dirty="0" smtClean="0">
               <a:ln w="3175">
@@ -37796,7 +38519,7 @@
         <p:spPr>
           <a:xfrm>
             <a:off x="521493" y="1354667"/>
-            <a:ext cx="11279982" cy="5262979"/>
+            <a:ext cx="11279982" cy="5693866"/>
           </a:xfrm>
           <a:prstGeom prst="rect">
             <a:avLst/>
@@ -37817,11 +38540,11 @@
                 <a:latin typeface="+mj-lt"/>
                 <a:cs typeface="Arial" charset="0"/>
               </a:rPr>
-              <a:t>La scelta di una base dati centralizzata è dovuta al fatto che essendoci numerose letture verso lo storico delle rilevazioni idrometriche</a:t>
-            </a:r>
-          </a:p>
-          <a:p>
-            <a:endParaRPr lang="it-IT" sz="2800" spc="-100" dirty="0">
+              <a:t>La scelta di una base dati centralizzata è dovuta alla presenza di numerose letture verso lo storico delle rilevazioni idrometriche.</a:t>
+            </a:r>
+          </a:p>
+          <a:p>
+            <a:endParaRPr lang="it-IT" sz="2800" spc="-100" dirty="0" smtClean="0">
               <a:ln w="3175">
                 <a:noFill/>
               </a:ln>
@@ -37831,18 +38554,28 @@
           </a:p>
           <a:p>
             <a:r>
-              <a:rPr lang="it-IT" sz="2800" spc="-100" dirty="0" smtClean="0">
-                <a:ln w="3175">
-                  <a:noFill/>
-                </a:ln>
-                <a:latin typeface="+mj-lt"/>
-                <a:cs typeface="Arial" charset="0"/>
-              </a:rPr>
-              <a:t>L’architettura software prevede un solo gestore centrale che si occupa della computazione dell’algoritmo di identificazione SEP (che utilizza le rilevazioni e il posizionamento dei sensori) .</a:t>
-            </a:r>
-          </a:p>
-          <a:p>
-            <a:endParaRPr lang="it-IT" sz="2800" spc="-100" dirty="0">
+              <a:rPr lang="it-IT" sz="2800" spc="-100" dirty="0">
+                <a:ln w="3175">
+                  <a:noFill/>
+                </a:ln>
+                <a:latin typeface="+mj-lt"/>
+                <a:cs typeface="Arial" charset="0"/>
+              </a:rPr>
+              <a:t>L’algoritmo viene eseguito una volta all’ora; la presenza nel sistema di una base dati distribuita comporterebbe una lettura massiva da ogni nodo dell’istanza. </a:t>
+            </a:r>
+          </a:p>
+          <a:p>
+            <a:r>
+              <a:rPr lang="it-IT" sz="2800" spc="-100" dirty="0">
+                <a:ln w="3175">
+                  <a:noFill/>
+                </a:ln>
+                <a:latin typeface="+mj-lt"/>
+                <a:cs typeface="Arial" charset="0"/>
+              </a:rPr>
+              <a:t>(devo recuperare lo storico per 2000 sensori distribuiti in 20 nodi!!!)</a:t>
+            </a:r>
+            <a:endParaRPr lang="it-IT" sz="2200" spc="-100" dirty="0">
               <a:ln w="3175">
                 <a:noFill/>
               </a:ln>
@@ -37851,6 +38584,15 @@
             </a:endParaRPr>
           </a:p>
           <a:p>
+            <a:endParaRPr lang="it-IT" sz="2800" spc="-100" dirty="0" smtClean="0">
+              <a:ln w="3175">
+                <a:noFill/>
+              </a:ln>
+              <a:latin typeface="+mj-lt"/>
+              <a:cs typeface="Arial" charset="0"/>
+            </a:endParaRPr>
+          </a:p>
+          <a:p>
             <a:r>
               <a:rPr lang="it-IT" sz="2800" spc="-100" dirty="0" smtClean="0">
                 <a:ln w="3175">
@@ -37859,10 +38601,8 @@
                 <a:latin typeface="+mj-lt"/>
                 <a:cs typeface="Arial" charset="0"/>
               </a:rPr>
-              <a:t>L’algoritmo viene eseguito una volta all’ora; la presenza nel sistema di una base dati distribuita comporterebbe una lettura massiva da ogni nodo dell’istanza. </a:t>
-            </a:r>
-          </a:p>
-          <a:p>
+              <a:t>L’architettura </a:t>
+            </a:r>
             <a:r>
               <a:rPr lang="it-IT" sz="2800" spc="-100" dirty="0" smtClean="0">
                 <a:ln w="3175">
@@ -37871,9 +38611,11 @@
                 <a:latin typeface="+mj-lt"/>
                 <a:cs typeface="Arial" charset="0"/>
               </a:rPr>
-              <a:t>(devo recuperare lo storico per 2000 sensori distribuiti in 20 nodi!!!)</a:t>
-            </a:r>
-            <a:endParaRPr lang="it-IT" sz="2200" spc="-100" dirty="0">
+              <a:t>software prevede un solo gestore centrale che si occupa della computazione dell’algoritmo di identificazione SEP (che utilizza le rilevazioni e il posizionamento dei sensori) .</a:t>
+            </a:r>
+          </a:p>
+          <a:p>
+            <a:endParaRPr lang="it-IT" sz="2800" spc="-100" dirty="0">
               <a:ln w="3175">
                 <a:noFill/>
               </a:ln>

--- a/Febbraio 2015.pptx
+++ b/Febbraio 2015.pptx
@@ -5,7 +5,7 @@
     <p:sldMasterId id="2147483648" r:id="rId1"/>
   </p:sldMasterIdLst>
   <p:notesMasterIdLst>
-    <p:notesMasterId r:id="rId89"/>
+    <p:notesMasterId r:id="rId91"/>
   </p:notesMasterIdLst>
   <p:sldIdLst>
     <p:sldId id="256" r:id="rId2"/>
@@ -95,6 +95,8 @@
     <p:sldId id="334" r:id="rId86"/>
     <p:sldId id="330" r:id="rId87"/>
     <p:sldId id="331" r:id="rId88"/>
+    <p:sldId id="347" r:id="rId89"/>
+    <p:sldId id="346" r:id="rId90"/>
   </p:sldIdLst>
   <p:sldSz cx="12192000" cy="6858000"/>
   <p:notesSz cx="6858000" cy="9144000"/>
@@ -318,11 +320,11 @@
           <c:showPercent val="0"/>
           <c:showBubbleSize val="0"/>
         </c:dLbls>
-        <c:axId val="141591648"/>
-        <c:axId val="141592208"/>
+        <c:axId val="150950496"/>
+        <c:axId val="150951056"/>
       </c:radarChart>
       <c:catAx>
-        <c:axId val="141591648"/>
+        <c:axId val="150950496"/>
         <c:scaling>
           <c:orientation val="minMax"/>
         </c:scaling>
@@ -365,7 +367,7 @@
             <a:endParaRPr lang="it-IT"/>
           </a:p>
         </c:txPr>
-        <c:crossAx val="141592208"/>
+        <c:crossAx val="150951056"/>
         <c:crosses val="autoZero"/>
         <c:auto val="1"/>
         <c:lblAlgn val="ctr"/>
@@ -373,7 +375,7 @@
         <c:noMultiLvlLbl val="0"/>
       </c:catAx>
       <c:valAx>
-        <c:axId val="141592208"/>
+        <c:axId val="150951056"/>
         <c:scaling>
           <c:orientation val="minMax"/>
           <c:max val="100"/>
@@ -424,7 +426,7 @@
             <a:endParaRPr lang="it-IT"/>
           </a:p>
         </c:txPr>
-        <c:crossAx val="141591648"/>
+        <c:crossAx val="150950496"/>
         <c:crosses val="autoZero"/>
         <c:crossBetween val="between"/>
         <c:majorUnit val="10"/>
@@ -580,11 +582,11 @@
           <c:showPercent val="0"/>
           <c:showBubbleSize val="0"/>
         </c:dLbls>
-        <c:axId val="141594448"/>
-        <c:axId val="141595008"/>
+        <c:axId val="150953296"/>
+        <c:axId val="150953856"/>
       </c:radarChart>
       <c:catAx>
-        <c:axId val="141594448"/>
+        <c:axId val="150953296"/>
         <c:scaling>
           <c:orientation val="minMax"/>
         </c:scaling>
@@ -627,7 +629,7 @@
             <a:endParaRPr lang="it-IT"/>
           </a:p>
         </c:txPr>
-        <c:crossAx val="141595008"/>
+        <c:crossAx val="150953856"/>
         <c:crosses val="autoZero"/>
         <c:auto val="1"/>
         <c:lblAlgn val="ctr"/>
@@ -635,7 +637,7 @@
         <c:noMultiLvlLbl val="0"/>
       </c:catAx>
       <c:valAx>
-        <c:axId val="141595008"/>
+        <c:axId val="150953856"/>
         <c:scaling>
           <c:orientation val="minMax"/>
         </c:scaling>
@@ -685,7 +687,7 @@
             <a:endParaRPr lang="it-IT"/>
           </a:p>
         </c:txPr>
-        <c:crossAx val="141594448"/>
+        <c:crossAx val="150953296"/>
         <c:crosses val="autoZero"/>
         <c:crossBetween val="between"/>
         <c:majorUnit val="10"/>
@@ -831,11 +833,11 @@
           <c:showPercent val="0"/>
           <c:showBubbleSize val="0"/>
         </c:dLbls>
-        <c:axId val="141597248"/>
-        <c:axId val="141597808"/>
+        <c:axId val="150956096"/>
+        <c:axId val="151527184"/>
       </c:radarChart>
       <c:catAx>
-        <c:axId val="141597248"/>
+        <c:axId val="150956096"/>
         <c:scaling>
           <c:orientation val="minMax"/>
         </c:scaling>
@@ -878,7 +880,7 @@
             <a:endParaRPr lang="it-IT"/>
           </a:p>
         </c:txPr>
-        <c:crossAx val="141597808"/>
+        <c:crossAx val="151527184"/>
         <c:crosses val="autoZero"/>
         <c:auto val="1"/>
         <c:lblAlgn val="ctr"/>
@@ -886,7 +888,7 @@
         <c:noMultiLvlLbl val="0"/>
       </c:catAx>
       <c:valAx>
-        <c:axId val="141597808"/>
+        <c:axId val="151527184"/>
         <c:scaling>
           <c:orientation val="minMax"/>
         </c:scaling>
@@ -936,7 +938,7 @@
             <a:endParaRPr lang="it-IT"/>
           </a:p>
         </c:txPr>
-        <c:crossAx val="141597248"/>
+        <c:crossAx val="150956096"/>
         <c:crosses val="autoZero"/>
         <c:crossBetween val="between"/>
         <c:majorUnit val="10"/>
@@ -9932,7 +9934,7 @@
         </p:blipFill>
         <p:spPr>
           <a:xfrm>
-            <a:off x="0" y="1493310"/>
+            <a:off x="219456" y="1493310"/>
             <a:ext cx="11770623" cy="4204766"/>
           </a:xfrm>
           <a:prstGeom prst="rect">
@@ -10146,7 +10148,7 @@
           </p:cNvPicPr>
           <p:nvPr/>
         </p:nvPicPr>
-        <p:blipFill>
+        <p:blipFill rotWithShape="1">
           <a:blip r:embed="rId2">
             <a:extLst>
               <a:ext uri="{28A0092B-C50C-407E-A947-70E740481C1C}">
@@ -10154,14 +10156,13 @@
               </a:ext>
             </a:extLst>
           </a:blip>
-          <a:stretch>
-            <a:fillRect/>
-          </a:stretch>
+          <a:srcRect l="4149"/>
+          <a:stretch/>
         </p:blipFill>
         <p:spPr>
           <a:xfrm>
-            <a:off x="0" y="1548068"/>
-            <a:ext cx="12047555" cy="3656456"/>
+            <a:off x="329184" y="1682180"/>
+            <a:ext cx="11547683" cy="3656456"/>
           </a:xfrm>
           <a:prstGeom prst="rect">
             <a:avLst/>
@@ -10629,7 +10630,7 @@
           </p:cNvPicPr>
           <p:nvPr/>
         </p:nvPicPr>
-        <p:blipFill>
+        <p:blipFill rotWithShape="1">
           <a:blip r:embed="rId2">
             <a:extLst>
               <a:ext uri="{28A0092B-C50C-407E-A947-70E740481C1C}">
@@ -10637,14 +10638,13 @@
               </a:ext>
             </a:extLst>
           </a:blip>
-          <a:stretch>
-            <a:fillRect/>
-          </a:stretch>
+          <a:srcRect l="2894"/>
+          <a:stretch/>
         </p:blipFill>
         <p:spPr>
           <a:xfrm>
-            <a:off x="-1" y="1201401"/>
-            <a:ext cx="12217169" cy="5316731"/>
+            <a:off x="182880" y="1201401"/>
+            <a:ext cx="11863600" cy="5316731"/>
           </a:xfrm>
           <a:prstGeom prst="rect">
             <a:avLst/>
@@ -10871,7 +10871,7 @@
         </p:blipFill>
         <p:spPr>
           <a:xfrm>
-            <a:off x="995382" y="939196"/>
+            <a:off x="605238" y="987964"/>
             <a:ext cx="10194085" cy="5413713"/>
           </a:xfrm>
           <a:prstGeom prst="rect">
@@ -10964,49 +10964,6 @@
       </p:sp>
       <p:sp>
         <p:nvSpPr>
-          <p:cNvPr id="4" name="Rettangolo 3"/>
-          <p:cNvSpPr/>
-          <p:nvPr/>
-        </p:nvSpPr>
-        <p:spPr>
-          <a:xfrm>
-            <a:off x="0" y="6515100"/>
-            <a:ext cx="12192000" cy="342900"/>
-          </a:xfrm>
-          <a:prstGeom prst="rect">
-            <a:avLst/>
-          </a:prstGeom>
-          <a:solidFill>
-            <a:srgbClr val="0072C6"/>
-          </a:solidFill>
-        </p:spPr>
-        <p:style>
-          <a:lnRef idx="2">
-            <a:schemeClr val="accent1">
-              <a:shade val="50000"/>
-            </a:schemeClr>
-          </a:lnRef>
-          <a:fillRef idx="1">
-            <a:schemeClr val="accent1"/>
-          </a:fillRef>
-          <a:effectRef idx="0">
-            <a:schemeClr val="accent1"/>
-          </a:effectRef>
-          <a:fontRef idx="minor">
-            <a:schemeClr val="lt1"/>
-          </a:fontRef>
-        </p:style>
-        <p:txBody>
-          <a:bodyPr rtlCol="0" anchor="ctr"/>
-          <a:lstStyle/>
-          <a:p>
-            <a:pPr algn="ctr"/>
-            <a:endParaRPr lang="it-IT"/>
-          </a:p>
-        </p:txBody>
-      </p:sp>
-      <p:sp>
-        <p:nvSpPr>
           <p:cNvPr id="9" name="CasellaDiTesto 8"/>
           <p:cNvSpPr txBox="1"/>
           <p:nvPr/>
@@ -11099,7 +11056,7 @@
         </p:blipFill>
         <p:spPr>
           <a:xfrm>
-            <a:off x="4032797" y="1059735"/>
+            <a:off x="1716317" y="1124135"/>
             <a:ext cx="7454140" cy="5432123"/>
           </a:xfrm>
           <a:prstGeom prst="rect">
@@ -11107,6 +11064,49 @@
           </a:prstGeom>
         </p:spPr>
       </p:pic>
+      <p:sp>
+        <p:nvSpPr>
+          <p:cNvPr id="4" name="Rettangolo 3"/>
+          <p:cNvSpPr/>
+          <p:nvPr/>
+        </p:nvSpPr>
+        <p:spPr>
+          <a:xfrm>
+            <a:off x="0" y="6515100"/>
+            <a:ext cx="12192000" cy="342900"/>
+          </a:xfrm>
+          <a:prstGeom prst="rect">
+            <a:avLst/>
+          </a:prstGeom>
+          <a:solidFill>
+            <a:srgbClr val="0072C6"/>
+          </a:solidFill>
+        </p:spPr>
+        <p:style>
+          <a:lnRef idx="2">
+            <a:schemeClr val="accent1">
+              <a:shade val="50000"/>
+            </a:schemeClr>
+          </a:lnRef>
+          <a:fillRef idx="1">
+            <a:schemeClr val="accent1"/>
+          </a:fillRef>
+          <a:effectRef idx="0">
+            <a:schemeClr val="accent1"/>
+          </a:effectRef>
+          <a:fontRef idx="minor">
+            <a:schemeClr val="lt1"/>
+          </a:fontRef>
+        </p:style>
+        <p:txBody>
+          <a:bodyPr rtlCol="0" anchor="ctr"/>
+          <a:lstStyle/>
+          <a:p>
+            <a:pPr algn="ctr"/>
+            <a:endParaRPr lang="it-IT"/>
+          </a:p>
+        </p:txBody>
+      </p:sp>
     </p:spTree>
     <p:extLst>
       <p:ext uri="{BB962C8B-B14F-4D97-AF65-F5344CB8AC3E}">
@@ -12278,7 +12278,7 @@
         </p:blipFill>
         <p:spPr>
           <a:xfrm>
-            <a:off x="1361498" y="996394"/>
+            <a:off x="1312730" y="996394"/>
             <a:ext cx="9484067" cy="5525500"/>
           </a:xfrm>
           <a:prstGeom prst="rect">
@@ -12545,7 +12545,7 @@
         </p:blipFill>
         <p:spPr>
           <a:xfrm>
-            <a:off x="1761941" y="1239484"/>
+            <a:off x="1652213" y="1160711"/>
             <a:ext cx="8329174" cy="5146100"/>
           </a:xfrm>
           <a:prstGeom prst="rect">
@@ -13686,7 +13686,7 @@
           </p:cNvPicPr>
           <p:nvPr/>
         </p:nvPicPr>
-        <p:blipFill>
+        <p:blipFill rotWithShape="1">
           <a:blip r:embed="rId2">
             <a:extLst>
               <a:ext uri="{28A0092B-C50C-407E-A947-70E740481C1C}">
@@ -13694,14 +13694,13 @@
               </a:ext>
             </a:extLst>
           </a:blip>
-          <a:stretch>
-            <a:fillRect/>
-          </a:stretch>
+          <a:srcRect l="1695" r="662"/>
+          <a:stretch/>
         </p:blipFill>
         <p:spPr>
           <a:xfrm>
-            <a:off x="0" y="1349536"/>
-            <a:ext cx="12224078" cy="4337097"/>
+            <a:off x="109728" y="1483648"/>
+            <a:ext cx="11935968" cy="4337097"/>
           </a:xfrm>
           <a:prstGeom prst="rect">
             <a:avLst/>
@@ -15116,13 +15115,13 @@
           <p:nvPr>
             <p:extLst>
               <p:ext uri="{D42A27DB-BD31-4B8C-83A1-F6EECF244321}">
-                <p14:modId xmlns:p14="http://schemas.microsoft.com/office/powerpoint/2010/main" val="832661642"/>
+                <p14:modId xmlns:p14="http://schemas.microsoft.com/office/powerpoint/2010/main" val="1060083463"/>
               </p:ext>
             </p:extLst>
           </p:nvPr>
         </p:nvGraphicFramePr>
         <p:xfrm>
-          <a:off x="4252911" y="785814"/>
+          <a:off x="4362639" y="1005270"/>
           <a:ext cx="9248775" cy="5112544"/>
         </p:xfrm>
         <a:graphic>
@@ -16204,13 +16203,13 @@
           <p:nvPr>
             <p:extLst>
               <p:ext uri="{D42A27DB-BD31-4B8C-83A1-F6EECF244321}">
-                <p14:modId xmlns:p14="http://schemas.microsoft.com/office/powerpoint/2010/main" val="413867841"/>
+                <p14:modId xmlns:p14="http://schemas.microsoft.com/office/powerpoint/2010/main" val="4211222486"/>
               </p:ext>
             </p:extLst>
           </p:nvPr>
         </p:nvGraphicFramePr>
         <p:xfrm>
-          <a:off x="3838574" y="785814"/>
+          <a:off x="3887342" y="810198"/>
           <a:ext cx="10234614" cy="5498306"/>
         </p:xfrm>
         <a:graphic>
@@ -17346,13 +17345,13 @@
           <p:nvPr>
             <p:extLst>
               <p:ext uri="{D42A27DB-BD31-4B8C-83A1-F6EECF244321}">
-                <p14:modId xmlns:p14="http://schemas.microsoft.com/office/powerpoint/2010/main" val="3223589112"/>
+                <p14:modId xmlns:p14="http://schemas.microsoft.com/office/powerpoint/2010/main" val="2101145093"/>
               </p:ext>
             </p:extLst>
           </p:nvPr>
         </p:nvGraphicFramePr>
         <p:xfrm>
-          <a:off x="4162424" y="800100"/>
+          <a:off x="4259960" y="1019556"/>
           <a:ext cx="9625014" cy="5241131"/>
         </p:xfrm>
         <a:graphic>
@@ -17838,7 +17837,7 @@
         </p:nvSpPr>
         <p:spPr>
           <a:xfrm>
-            <a:off x="521493" y="1828800"/>
+            <a:off x="521493" y="1840992"/>
             <a:ext cx="11044237" cy="4231928"/>
           </a:xfrm>
           <a:prstGeom prst="rect">
@@ -17942,7 +17941,17 @@
                 <a:latin typeface="+mj-lt"/>
                 <a:cs typeface="Arial" charset="0"/>
               </a:rPr>
-              <a:t>La memorizzazione dell’allocazione </a:t>
+              <a:t>La memorizzazione </a:t>
+            </a:r>
+            <a:r>
+              <a:rPr lang="it-IT" sz="3200" spc="-100" dirty="0" smtClean="0">
+                <a:ln w="3175">
+                  <a:noFill/>
+                </a:ln>
+                <a:latin typeface="+mj-lt"/>
+                <a:cs typeface="Arial" charset="0"/>
+              </a:rPr>
+              <a:t>della pianificazione di squadre </a:t>
             </a:r>
             <a:r>
               <a:rPr lang="it-IT" sz="3200" spc="-100" dirty="0">
@@ -17952,7 +17961,7 @@
                 <a:latin typeface="+mj-lt"/>
                 <a:cs typeface="Arial" charset="0"/>
               </a:rPr>
-              <a:t>squadre di emergenza</a:t>
+              <a:t>di emergenza</a:t>
             </a:r>
           </a:p>
           <a:p>
@@ -18340,13 +18349,6 @@
               </a:rPr>
               <a:t> </a:t>
             </a:r>
-            <a:endParaRPr lang="it-IT" sz="2800" spc="-100" dirty="0" smtClean="0">
-              <a:ln w="3175">
-                <a:noFill/>
-              </a:ln>
-              <a:latin typeface="+mj-lt"/>
-              <a:cs typeface="Arial" charset="0"/>
-            </a:endParaRPr>
           </a:p>
           <a:p>
             <a:pPr lvl="0"/>
@@ -18597,10 +18599,10 @@
                 <a:latin typeface="+mj-lt"/>
                 <a:cs typeface="Arial" charset="0"/>
               </a:rPr>
-              <a:t>(by </a:t>
-            </a:r>
-            <a:r>
-              <a:rPr lang="it-IT" sz="2000" spc="-100" dirty="0" err="1" smtClean="0">
+              <a:t>(</a:t>
+            </a:r>
+            <a:r>
+              <a:rPr lang="it-IT" sz="2000" i="1" spc="-100" dirty="0" err="1" smtClean="0">
                 <a:ln w="3175">
                   <a:noFill/>
                 </a:ln>
@@ -18610,6 +18612,46 @@
               <a:t>Ital</a:t>
             </a:r>
             <a:r>
+              <a:rPr lang="it-IT" sz="2000" i="1" spc="-100" dirty="0" smtClean="0">
+                <a:ln w="3175">
+                  <a:noFill/>
+                </a:ln>
+                <a:latin typeface="+mj-lt"/>
+                <a:cs typeface="Arial" charset="0"/>
+              </a:rPr>
+              <a:t> </a:t>
+            </a:r>
+            <a:r>
+              <a:rPr lang="it-IT" sz="2000" i="1" spc="-100" dirty="0" smtClean="0">
+                <a:ln w="3175">
+                  <a:noFill/>
+                </a:ln>
+                <a:latin typeface="+mj-lt"/>
+                <a:cs typeface="Arial" charset="0"/>
+              </a:rPr>
+              <a:t>Control </a:t>
+            </a:r>
+            <a:r>
+              <a:rPr lang="it-IT" sz="2000" i="1" spc="-100" dirty="0" err="1" smtClean="0">
+                <a:ln w="3175">
+                  <a:noFill/>
+                </a:ln>
+                <a:latin typeface="+mj-lt"/>
+                <a:cs typeface="Arial" charset="0"/>
+              </a:rPr>
+              <a:t>Meters</a:t>
+            </a:r>
+            <a:r>
+              <a:rPr lang="it-IT" sz="2000" i="1" spc="-100" dirty="0" smtClean="0">
+                <a:ln w="3175">
+                  <a:noFill/>
+                </a:ln>
+                <a:latin typeface="+mj-lt"/>
+                <a:cs typeface="Arial" charset="0"/>
+              </a:rPr>
+              <a:t> SRL</a:t>
+            </a:r>
+            <a:r>
               <a:rPr lang="it-IT" sz="2000" spc="-100" dirty="0" smtClean="0">
                 <a:ln w="3175">
                   <a:noFill/>
@@ -18617,27 +18659,7 @@
                 <a:latin typeface="+mj-lt"/>
                 <a:cs typeface="Arial" charset="0"/>
               </a:rPr>
-              <a:t> Control </a:t>
-            </a:r>
-            <a:r>
-              <a:rPr lang="it-IT" sz="2000" spc="-100" dirty="0" err="1" smtClean="0">
-                <a:ln w="3175">
-                  <a:noFill/>
-                </a:ln>
-                <a:latin typeface="+mj-lt"/>
-                <a:cs typeface="Arial" charset="0"/>
-              </a:rPr>
-              <a:t>Meters</a:t>
-            </a:r>
-            <a:r>
-              <a:rPr lang="it-IT" sz="2000" spc="-100" dirty="0" smtClean="0">
-                <a:ln w="3175">
-                  <a:noFill/>
-                </a:ln>
-                <a:latin typeface="+mj-lt"/>
-                <a:cs typeface="Arial" charset="0"/>
-              </a:rPr>
-              <a:t> SRL febbraio 2015)								</a:t>
+              <a:t> febbraio 2015)								</a:t>
             </a:r>
             <a:endParaRPr lang="it-IT" sz="2800" spc="-100" dirty="0" smtClean="0">
               <a:ln w="3175">
@@ -18837,7 +18859,7 @@
         </p:nvSpPr>
         <p:spPr>
           <a:xfrm>
-            <a:off x="8606134" y="3143250"/>
+            <a:off x="8569558" y="3143250"/>
             <a:ext cx="3528714" cy="2786063"/>
           </a:xfrm>
           <a:prstGeom prst="cloud">
@@ -19198,7 +19220,33 @@
                 <a:latin typeface="+mj-lt"/>
                 <a:cs typeface="Arial" charset="0"/>
               </a:rPr>
-              <a:t>Strumenti – 1 funzionamento sensore</a:t>
+              <a:t>Strumenti – </a:t>
+            </a:r>
+            <a:r>
+              <a:rPr lang="it-IT" sz="3000" b="1" i="1" spc="-100" dirty="0" smtClean="0">
+                <a:ln w="3175">
+                  <a:noFill/>
+                </a:ln>
+                <a:solidFill>
+                  <a:srgbClr val="0072C6"/>
+                </a:solidFill>
+                <a:latin typeface="+mj-lt"/>
+                <a:cs typeface="Arial" charset="0"/>
+              </a:rPr>
+              <a:t>2 </a:t>
+            </a:r>
+            <a:r>
+              <a:rPr lang="it-IT" sz="3000" b="1" i="1" spc="-100" dirty="0" smtClean="0">
+                <a:ln w="3175">
+                  <a:noFill/>
+                </a:ln>
+                <a:solidFill>
+                  <a:srgbClr val="0072C6"/>
+                </a:solidFill>
+                <a:latin typeface="+mj-lt"/>
+                <a:cs typeface="Arial" charset="0"/>
+              </a:rPr>
+              <a:t>funzionamento sensore</a:t>
             </a:r>
             <a:endParaRPr lang="it-IT" sz="3000" b="1" i="1" spc="-100" dirty="0">
               <a:ln w="3175">
@@ -19719,7 +19767,15 @@
                   <a:srgbClr val="0072C6"/>
                 </a:solidFill>
               </a:rPr>
-              <a:t>Strumenti - 2</a:t>
+              <a:t>Strumenti - </a:t>
+            </a:r>
+            <a:r>
+              <a:rPr lang="it-IT" sz="3000" b="1" i="1" dirty="0" smtClean="0">
+                <a:solidFill>
+                  <a:srgbClr val="0072C6"/>
+                </a:solidFill>
+              </a:rPr>
+              <a:t>3</a:t>
             </a:r>
             <a:endParaRPr lang="it-IT" sz="3000" b="1" i="1" dirty="0">
               <a:solidFill>
@@ -20119,7 +20175,15 @@
                   <a:srgbClr val="0072C6"/>
                 </a:solidFill>
               </a:rPr>
-              <a:t>Strumenti - 2</a:t>
+              <a:t>Strumenti - </a:t>
+            </a:r>
+            <a:r>
+              <a:rPr lang="it-IT" sz="3000" b="1" i="1" dirty="0" smtClean="0">
+                <a:solidFill>
+                  <a:srgbClr val="0072C6"/>
+                </a:solidFill>
+              </a:rPr>
+              <a:t>4</a:t>
             </a:r>
             <a:endParaRPr lang="it-IT" sz="3000" b="1" i="1" dirty="0">
               <a:solidFill>
@@ -20490,7 +20554,7 @@
                   <a:srgbClr val="0072C6"/>
                 </a:solidFill>
               </a:rPr>
-              <a:t>Strumenti - 3</a:t>
+              <a:t>Stima costi- 1</a:t>
             </a:r>
             <a:endParaRPr lang="it-IT" sz="3000" b="1" i="1" dirty="0">
               <a:solidFill>
@@ -20955,23 +21019,13 @@
           </a:p>
           <a:p>
             <a:r>
-              <a:rPr lang="it-IT" sz="3000" b="1" i="1" dirty="0" smtClean="0">
-                <a:solidFill>
-                  <a:srgbClr val="0072C6"/>
-                </a:solidFill>
-              </a:rPr>
-              <a:t>Strumenti - </a:t>
-            </a:r>
-            <a:r>
               <a:rPr lang="it-IT" sz="3000" b="1" i="1" dirty="0">
                 <a:solidFill>
                   <a:srgbClr val="0072C6"/>
                 </a:solidFill>
               </a:rPr>
-              <a:t>4</a:t>
-            </a:r>
-          </a:p>
-          <a:p>
+              <a:t>Stima costi- 2</a:t>
+            </a:r>
             <a:endParaRPr lang="it-IT" sz="1500" b="1" i="1" dirty="0" smtClean="0">
               <a:solidFill>
                 <a:srgbClr val="0072C6"/>
@@ -21400,12 +21454,20 @@
           </a:p>
           <a:p>
             <a:r>
+              <a:rPr lang="it-IT" sz="3000" b="1" i="1" dirty="0">
+                <a:solidFill>
+                  <a:srgbClr val="0072C6"/>
+                </a:solidFill>
+              </a:rPr>
+              <a:t>Stima costi- </a:t>
+            </a:r>
+            <a:r>
               <a:rPr lang="it-IT" sz="3000" b="1" i="1" dirty="0" smtClean="0">
                 <a:solidFill>
                   <a:srgbClr val="0072C6"/>
                 </a:solidFill>
               </a:rPr>
-              <a:t>Strumenti - 5</a:t>
+              <a:t>3</a:t>
             </a:r>
             <a:endParaRPr lang="it-IT" sz="3000" b="1" i="1" dirty="0">
               <a:solidFill>
@@ -21665,7 +21727,7 @@
               <a:t>						</a:t>
             </a:r>
             <a:r>
-              <a:rPr lang="it-IT" sz="2400" dirty="0" smtClean="0">
+              <a:rPr lang="it-IT" sz="2400" b="1" i="1" dirty="0" smtClean="0">
                 <a:solidFill>
                   <a:schemeClr val="tx1"/>
                 </a:solidFill>
@@ -23004,6 +23066,16 @@
               <a:buChar char="•"/>
             </a:pPr>
             <a:r>
+              <a:rPr lang="it-IT" sz="3200" spc="-100" dirty="0" smtClean="0">
+                <a:ln w="3175">
+                  <a:noFill/>
+                </a:ln>
+                <a:latin typeface="+mj-lt"/>
+                <a:cs typeface="Arial" charset="0"/>
+              </a:rPr>
+              <a:t>BRI </a:t>
+            </a:r>
+            <a:r>
               <a:rPr lang="it-IT" sz="3200" spc="-100" dirty="0">
                 <a:ln w="3175">
                   <a:noFill/>
@@ -23011,7 +23083,7 @@
                 <a:latin typeface="+mj-lt"/>
                 <a:cs typeface="Arial" charset="0"/>
               </a:rPr>
-              <a:t>BSE - base dati rete idrica</a:t>
+              <a:t>- base dati rete idrica</a:t>
             </a:r>
           </a:p>
         </p:txBody>
@@ -23205,141 +23277,6 @@
           </a:p>
         </p:txBody>
       </p:sp>
-      <p:sp>
-        <p:nvSpPr>
-          <p:cNvPr id="6" name="Title 2"/>
-          <p:cNvSpPr txBox="1">
-            <a:spLocks/>
-          </p:cNvSpPr>
-          <p:nvPr/>
-        </p:nvSpPr>
-        <p:spPr>
-          <a:xfrm>
-            <a:off x="521493" y="485778"/>
-            <a:ext cx="11149013" cy="1214436"/>
-          </a:xfrm>
-          <a:prstGeom prst="rect">
-            <a:avLst/>
-          </a:prstGeom>
-        </p:spPr>
-        <p:txBody>
-          <a:bodyPr/>
-          <a:lstStyle>
-            <a:lvl1pPr algn="l" defTabSz="914363" rtl="0" eaLnBrk="1" latinLnBrk="0" hangingPunct="1">
-              <a:lnSpc>
-                <a:spcPct val="90000"/>
-              </a:lnSpc>
-              <a:spcBef>
-                <a:spcPct val="0"/>
-              </a:spcBef>
-              <a:buNone/>
-              <a:defRPr lang="en-US" sz="5400" b="0" kern="1200" cap="none" spc="-100" baseline="0" dirty="0" smtClean="0">
-                <a:ln w="3175">
-                  <a:noFill/>
-                </a:ln>
-                <a:gradFill>
-                  <a:gsLst>
-                    <a:gs pos="1250">
-                      <a:schemeClr val="tx2"/>
-                    </a:gs>
-                    <a:gs pos="100000">
-                      <a:schemeClr val="tx2"/>
-                    </a:gs>
-                  </a:gsLst>
-                  <a:lin ang="5400000" scaled="0"/>
-                </a:gradFill>
-                <a:effectLst/>
-                <a:latin typeface="+mj-lt"/>
-                <a:ea typeface="+mn-ea"/>
-                <a:cs typeface="Arial" charset="0"/>
-              </a:defRPr>
-            </a:lvl1pPr>
-          </a:lstStyle>
-          <a:p>
-            <a:r>
-              <a:rPr lang="it-IT" b="1" dirty="0" smtClean="0">
-                <a:solidFill>
-                  <a:srgbClr val="0072C6"/>
-                </a:solidFill>
-              </a:rPr>
-              <a:t>Schema concettuale</a:t>
-            </a:r>
-          </a:p>
-          <a:p>
-            <a:r>
-              <a:rPr lang="it-IT" sz="3000" b="1" i="1" dirty="0" smtClean="0">
-                <a:solidFill>
-                  <a:srgbClr val="0072C6"/>
-                </a:solidFill>
-              </a:rPr>
-              <a:t>BDM</a:t>
-            </a:r>
-            <a:endParaRPr lang="it-IT" sz="3000" b="1" i="1" dirty="0">
-              <a:solidFill>
-                <a:srgbClr val="0072C6"/>
-              </a:solidFill>
-            </a:endParaRPr>
-          </a:p>
-          <a:p>
-            <a:endParaRPr lang="it-IT" sz="1500" b="1" i="1" dirty="0" smtClean="0">
-              <a:solidFill>
-                <a:srgbClr val="0072C6"/>
-              </a:solidFill>
-            </a:endParaRPr>
-          </a:p>
-          <a:p>
-            <a:pPr marL="457200" lvl="0" indent="-457200">
-              <a:buFont typeface="Arial" panose="020B0604020202020204" pitchFamily="34" charset="0"/>
-              <a:buChar char="•"/>
-            </a:pPr>
-            <a:endParaRPr lang="it-IT" sz="3000" dirty="0"/>
-          </a:p>
-          <a:p>
-            <a:pPr marL="457200" lvl="0" indent="-457200">
-              <a:buFont typeface="Arial" panose="020B0604020202020204" pitchFamily="34" charset="0"/>
-              <a:buChar char="•"/>
-            </a:pPr>
-            <a:endParaRPr lang="it-IT" sz="3000" b="1" i="1" dirty="0" smtClean="0">
-              <a:solidFill>
-                <a:srgbClr val="0072C6"/>
-              </a:solidFill>
-            </a:endParaRPr>
-          </a:p>
-          <a:p>
-            <a:pPr lvl="0"/>
-            <a:endParaRPr lang="it-IT" sz="3000" b="1" i="1" dirty="0" smtClean="0">
-              <a:solidFill>
-                <a:srgbClr val="0072C6"/>
-              </a:solidFill>
-            </a:endParaRPr>
-          </a:p>
-          <a:p>
-            <a:pPr marL="457200" lvl="0" indent="-457200">
-              <a:buFont typeface="Arial" panose="020B0604020202020204" pitchFamily="34" charset="0"/>
-              <a:buChar char="•"/>
-            </a:pPr>
-            <a:endParaRPr lang="it-IT" sz="5000" b="1" i="1" dirty="0">
-              <a:solidFill>
-                <a:srgbClr val="0072C6"/>
-              </a:solidFill>
-            </a:endParaRPr>
-          </a:p>
-          <a:p>
-            <a:endParaRPr lang="it-IT" sz="5000" b="1" i="1" dirty="0" smtClean="0">
-              <a:solidFill>
-                <a:srgbClr val="0072C6"/>
-              </a:solidFill>
-            </a:endParaRPr>
-          </a:p>
-          <a:p>
-            <a:endParaRPr lang="it-IT" sz="3000" b="1" i="1" dirty="0">
-              <a:solidFill>
-                <a:srgbClr val="0072C6"/>
-              </a:solidFill>
-            </a:endParaRPr>
-          </a:p>
-        </p:txBody>
-      </p:sp>
       <p:pic>
         <p:nvPicPr>
           <p:cNvPr id="2" name="Immagine 1"/>
@@ -23356,7 +23293,7 @@
         </p:blipFill>
         <p:spPr>
           <a:xfrm>
-            <a:off x="1400178" y="1214445"/>
+            <a:off x="945259" y="1275405"/>
             <a:ext cx="9886951" cy="5119679"/>
           </a:xfrm>
           <a:prstGeom prst="rect">
@@ -23364,6 +23301,141 @@
           </a:prstGeom>
         </p:spPr>
       </p:pic>
+      <p:sp>
+        <p:nvSpPr>
+          <p:cNvPr id="6" name="Title 2"/>
+          <p:cNvSpPr txBox="1">
+            <a:spLocks/>
+          </p:cNvSpPr>
+          <p:nvPr/>
+        </p:nvSpPr>
+        <p:spPr>
+          <a:xfrm>
+            <a:off x="521493" y="485778"/>
+            <a:ext cx="11149013" cy="1214436"/>
+          </a:xfrm>
+          <a:prstGeom prst="rect">
+            <a:avLst/>
+          </a:prstGeom>
+        </p:spPr>
+        <p:txBody>
+          <a:bodyPr/>
+          <a:lstStyle>
+            <a:lvl1pPr algn="l" defTabSz="914363" rtl="0" eaLnBrk="1" latinLnBrk="0" hangingPunct="1">
+              <a:lnSpc>
+                <a:spcPct val="90000"/>
+              </a:lnSpc>
+              <a:spcBef>
+                <a:spcPct val="0"/>
+              </a:spcBef>
+              <a:buNone/>
+              <a:defRPr lang="en-US" sz="5400" b="0" kern="1200" cap="none" spc="-100" baseline="0" dirty="0" smtClean="0">
+                <a:ln w="3175">
+                  <a:noFill/>
+                </a:ln>
+                <a:gradFill>
+                  <a:gsLst>
+                    <a:gs pos="1250">
+                      <a:schemeClr val="tx2"/>
+                    </a:gs>
+                    <a:gs pos="100000">
+                      <a:schemeClr val="tx2"/>
+                    </a:gs>
+                  </a:gsLst>
+                  <a:lin ang="5400000" scaled="0"/>
+                </a:gradFill>
+                <a:effectLst/>
+                <a:latin typeface="+mj-lt"/>
+                <a:ea typeface="+mn-ea"/>
+                <a:cs typeface="Arial" charset="0"/>
+              </a:defRPr>
+            </a:lvl1pPr>
+          </a:lstStyle>
+          <a:p>
+            <a:r>
+              <a:rPr lang="it-IT" b="1" dirty="0" smtClean="0">
+                <a:solidFill>
+                  <a:srgbClr val="0072C6"/>
+                </a:solidFill>
+              </a:rPr>
+              <a:t>Schema concettuale</a:t>
+            </a:r>
+          </a:p>
+          <a:p>
+            <a:r>
+              <a:rPr lang="it-IT" sz="3000" b="1" i="1" dirty="0" smtClean="0">
+                <a:solidFill>
+                  <a:srgbClr val="0072C6"/>
+                </a:solidFill>
+              </a:rPr>
+              <a:t>BDM</a:t>
+            </a:r>
+            <a:endParaRPr lang="it-IT" sz="3000" b="1" i="1" dirty="0">
+              <a:solidFill>
+                <a:srgbClr val="0072C6"/>
+              </a:solidFill>
+            </a:endParaRPr>
+          </a:p>
+          <a:p>
+            <a:endParaRPr lang="it-IT" sz="1500" b="1" i="1" dirty="0" smtClean="0">
+              <a:solidFill>
+                <a:srgbClr val="0072C6"/>
+              </a:solidFill>
+            </a:endParaRPr>
+          </a:p>
+          <a:p>
+            <a:pPr marL="457200" lvl="0" indent="-457200">
+              <a:buFont typeface="Arial" panose="020B0604020202020204" pitchFamily="34" charset="0"/>
+              <a:buChar char="•"/>
+            </a:pPr>
+            <a:endParaRPr lang="it-IT" sz="3000" dirty="0"/>
+          </a:p>
+          <a:p>
+            <a:pPr marL="457200" lvl="0" indent="-457200">
+              <a:buFont typeface="Arial" panose="020B0604020202020204" pitchFamily="34" charset="0"/>
+              <a:buChar char="•"/>
+            </a:pPr>
+            <a:endParaRPr lang="it-IT" sz="3000" b="1" i="1" dirty="0" smtClean="0">
+              <a:solidFill>
+                <a:srgbClr val="0072C6"/>
+              </a:solidFill>
+            </a:endParaRPr>
+          </a:p>
+          <a:p>
+            <a:pPr lvl="0"/>
+            <a:endParaRPr lang="it-IT" sz="3000" b="1" i="1" dirty="0" smtClean="0">
+              <a:solidFill>
+                <a:srgbClr val="0072C6"/>
+              </a:solidFill>
+            </a:endParaRPr>
+          </a:p>
+          <a:p>
+            <a:pPr marL="457200" lvl="0" indent="-457200">
+              <a:buFont typeface="Arial" panose="020B0604020202020204" pitchFamily="34" charset="0"/>
+              <a:buChar char="•"/>
+            </a:pPr>
+            <a:endParaRPr lang="it-IT" sz="5000" b="1" i="1" dirty="0">
+              <a:solidFill>
+                <a:srgbClr val="0072C6"/>
+              </a:solidFill>
+            </a:endParaRPr>
+          </a:p>
+          <a:p>
+            <a:endParaRPr lang="it-IT" sz="5000" b="1" i="1" dirty="0" smtClean="0">
+              <a:solidFill>
+                <a:srgbClr val="0072C6"/>
+              </a:solidFill>
+            </a:endParaRPr>
+          </a:p>
+          <a:p>
+            <a:endParaRPr lang="it-IT" sz="3000" b="1" i="1" dirty="0">
+              <a:solidFill>
+                <a:srgbClr val="0072C6"/>
+              </a:solidFill>
+            </a:endParaRPr>
+          </a:p>
+        </p:txBody>
+      </p:sp>
     </p:spTree>
     <p:extLst>
       <p:ext uri="{BB962C8B-B14F-4D97-AF65-F5344CB8AC3E}">
@@ -26487,7 +26559,7 @@
                   <a:srgbClr val="0072C6"/>
                 </a:solidFill>
               </a:rPr>
-              <a:t>Globale</a:t>
+              <a:t>Globale -1</a:t>
             </a:r>
             <a:endParaRPr lang="it-IT" sz="3000" b="1" i="1" dirty="0">
               <a:solidFill>
@@ -26705,141 +26777,6 @@
           </a:p>
         </p:txBody>
       </p:sp>
-      <p:sp>
-        <p:nvSpPr>
-          <p:cNvPr id="6" name="Title 2"/>
-          <p:cNvSpPr txBox="1">
-            <a:spLocks/>
-          </p:cNvSpPr>
-          <p:nvPr/>
-        </p:nvSpPr>
-        <p:spPr>
-          <a:xfrm>
-            <a:off x="521493" y="485778"/>
-            <a:ext cx="11149013" cy="1214436"/>
-          </a:xfrm>
-          <a:prstGeom prst="rect">
-            <a:avLst/>
-          </a:prstGeom>
-        </p:spPr>
-        <p:txBody>
-          <a:bodyPr/>
-          <a:lstStyle>
-            <a:lvl1pPr algn="l" defTabSz="914363" rtl="0" eaLnBrk="1" latinLnBrk="0" hangingPunct="1">
-              <a:lnSpc>
-                <a:spcPct val="90000"/>
-              </a:lnSpc>
-              <a:spcBef>
-                <a:spcPct val="0"/>
-              </a:spcBef>
-              <a:buNone/>
-              <a:defRPr lang="en-US" sz="5400" b="0" kern="1200" cap="none" spc="-100" baseline="0" dirty="0" smtClean="0">
-                <a:ln w="3175">
-                  <a:noFill/>
-                </a:ln>
-                <a:gradFill>
-                  <a:gsLst>
-                    <a:gs pos="1250">
-                      <a:schemeClr val="tx2"/>
-                    </a:gs>
-                    <a:gs pos="100000">
-                      <a:schemeClr val="tx2"/>
-                    </a:gs>
-                  </a:gsLst>
-                  <a:lin ang="5400000" scaled="0"/>
-                </a:gradFill>
-                <a:effectLst/>
-                <a:latin typeface="+mj-lt"/>
-                <a:ea typeface="+mn-ea"/>
-                <a:cs typeface="Arial" charset="0"/>
-              </a:defRPr>
-            </a:lvl1pPr>
-          </a:lstStyle>
-          <a:p>
-            <a:r>
-              <a:rPr lang="it-IT" b="1" dirty="0" smtClean="0">
-                <a:solidFill>
-                  <a:srgbClr val="0072C6"/>
-                </a:solidFill>
-              </a:rPr>
-              <a:t>Schema concettuale</a:t>
-            </a:r>
-          </a:p>
-          <a:p>
-            <a:r>
-              <a:rPr lang="it-IT" sz="3000" b="1" i="1" dirty="0" smtClean="0">
-                <a:solidFill>
-                  <a:srgbClr val="0072C6"/>
-                </a:solidFill>
-              </a:rPr>
-              <a:t>Globale</a:t>
-            </a:r>
-            <a:endParaRPr lang="it-IT" sz="3000" b="1" i="1" dirty="0">
-              <a:solidFill>
-                <a:srgbClr val="0072C6"/>
-              </a:solidFill>
-            </a:endParaRPr>
-          </a:p>
-          <a:p>
-            <a:endParaRPr lang="it-IT" sz="1500" b="1" i="1" dirty="0" smtClean="0">
-              <a:solidFill>
-                <a:srgbClr val="0072C6"/>
-              </a:solidFill>
-            </a:endParaRPr>
-          </a:p>
-          <a:p>
-            <a:pPr marL="457200" lvl="0" indent="-457200">
-              <a:buFont typeface="Arial" panose="020B0604020202020204" pitchFamily="34" charset="0"/>
-              <a:buChar char="•"/>
-            </a:pPr>
-            <a:endParaRPr lang="it-IT" sz="3000" dirty="0"/>
-          </a:p>
-          <a:p>
-            <a:pPr marL="457200" lvl="0" indent="-457200">
-              <a:buFont typeface="Arial" panose="020B0604020202020204" pitchFamily="34" charset="0"/>
-              <a:buChar char="•"/>
-            </a:pPr>
-            <a:endParaRPr lang="it-IT" sz="3000" b="1" i="1" dirty="0" smtClean="0">
-              <a:solidFill>
-                <a:srgbClr val="0072C6"/>
-              </a:solidFill>
-            </a:endParaRPr>
-          </a:p>
-          <a:p>
-            <a:pPr lvl="0"/>
-            <a:endParaRPr lang="it-IT" sz="3000" b="1" i="1" dirty="0" smtClean="0">
-              <a:solidFill>
-                <a:srgbClr val="0072C6"/>
-              </a:solidFill>
-            </a:endParaRPr>
-          </a:p>
-          <a:p>
-            <a:pPr marL="457200" lvl="0" indent="-457200">
-              <a:buFont typeface="Arial" panose="020B0604020202020204" pitchFamily="34" charset="0"/>
-              <a:buChar char="•"/>
-            </a:pPr>
-            <a:endParaRPr lang="it-IT" sz="5000" b="1" i="1" dirty="0">
-              <a:solidFill>
-                <a:srgbClr val="0072C6"/>
-              </a:solidFill>
-            </a:endParaRPr>
-          </a:p>
-          <a:p>
-            <a:endParaRPr lang="it-IT" sz="5000" b="1" i="1" dirty="0" smtClean="0">
-              <a:solidFill>
-                <a:srgbClr val="0072C6"/>
-              </a:solidFill>
-            </a:endParaRPr>
-          </a:p>
-          <a:p>
-            <a:endParaRPr lang="it-IT" sz="3000" b="1" i="1" dirty="0">
-              <a:solidFill>
-                <a:srgbClr val="0072C6"/>
-              </a:solidFill>
-            </a:endParaRPr>
-          </a:p>
-        </p:txBody>
-      </p:sp>
       <p:pic>
         <p:nvPicPr>
           <p:cNvPr id="2" name="Immagine 1"/>
@@ -26856,7 +26793,7 @@
         </p:blipFill>
         <p:spPr>
           <a:xfrm>
-            <a:off x="1707358" y="1270879"/>
+            <a:off x="1939006" y="1270879"/>
             <a:ext cx="8891586" cy="5244221"/>
           </a:xfrm>
           <a:prstGeom prst="rect">
@@ -26864,6 +26801,141 @@
           </a:prstGeom>
         </p:spPr>
       </p:pic>
+      <p:sp>
+        <p:nvSpPr>
+          <p:cNvPr id="6" name="Title 2"/>
+          <p:cNvSpPr txBox="1">
+            <a:spLocks/>
+          </p:cNvSpPr>
+          <p:nvPr/>
+        </p:nvSpPr>
+        <p:spPr>
+          <a:xfrm>
+            <a:off x="521493" y="485778"/>
+            <a:ext cx="11149013" cy="1214436"/>
+          </a:xfrm>
+          <a:prstGeom prst="rect">
+            <a:avLst/>
+          </a:prstGeom>
+        </p:spPr>
+        <p:txBody>
+          <a:bodyPr/>
+          <a:lstStyle>
+            <a:lvl1pPr algn="l" defTabSz="914363" rtl="0" eaLnBrk="1" latinLnBrk="0" hangingPunct="1">
+              <a:lnSpc>
+                <a:spcPct val="90000"/>
+              </a:lnSpc>
+              <a:spcBef>
+                <a:spcPct val="0"/>
+              </a:spcBef>
+              <a:buNone/>
+              <a:defRPr lang="en-US" sz="5400" b="0" kern="1200" cap="none" spc="-100" baseline="0" dirty="0" smtClean="0">
+                <a:ln w="3175">
+                  <a:noFill/>
+                </a:ln>
+                <a:gradFill>
+                  <a:gsLst>
+                    <a:gs pos="1250">
+                      <a:schemeClr val="tx2"/>
+                    </a:gs>
+                    <a:gs pos="100000">
+                      <a:schemeClr val="tx2"/>
+                    </a:gs>
+                  </a:gsLst>
+                  <a:lin ang="5400000" scaled="0"/>
+                </a:gradFill>
+                <a:effectLst/>
+                <a:latin typeface="+mj-lt"/>
+                <a:ea typeface="+mn-ea"/>
+                <a:cs typeface="Arial" charset="0"/>
+              </a:defRPr>
+            </a:lvl1pPr>
+          </a:lstStyle>
+          <a:p>
+            <a:r>
+              <a:rPr lang="it-IT" b="1" dirty="0" smtClean="0">
+                <a:solidFill>
+                  <a:srgbClr val="0072C6"/>
+                </a:solidFill>
+              </a:rPr>
+              <a:t>Schema concettuale</a:t>
+            </a:r>
+          </a:p>
+          <a:p>
+            <a:r>
+              <a:rPr lang="it-IT" sz="3000" b="1" i="1" dirty="0" smtClean="0">
+                <a:solidFill>
+                  <a:srgbClr val="0072C6"/>
+                </a:solidFill>
+              </a:rPr>
+              <a:t>Globale -2</a:t>
+            </a:r>
+            <a:endParaRPr lang="it-IT" sz="3000" b="1" i="1" dirty="0">
+              <a:solidFill>
+                <a:srgbClr val="0072C6"/>
+              </a:solidFill>
+            </a:endParaRPr>
+          </a:p>
+          <a:p>
+            <a:endParaRPr lang="it-IT" sz="1500" b="1" i="1" dirty="0" smtClean="0">
+              <a:solidFill>
+                <a:srgbClr val="0072C6"/>
+              </a:solidFill>
+            </a:endParaRPr>
+          </a:p>
+          <a:p>
+            <a:pPr marL="457200" lvl="0" indent="-457200">
+              <a:buFont typeface="Arial" panose="020B0604020202020204" pitchFamily="34" charset="0"/>
+              <a:buChar char="•"/>
+            </a:pPr>
+            <a:endParaRPr lang="it-IT" sz="3000" dirty="0"/>
+          </a:p>
+          <a:p>
+            <a:pPr marL="457200" lvl="0" indent="-457200">
+              <a:buFont typeface="Arial" panose="020B0604020202020204" pitchFamily="34" charset="0"/>
+              <a:buChar char="•"/>
+            </a:pPr>
+            <a:endParaRPr lang="it-IT" sz="3000" b="1" i="1" dirty="0" smtClean="0">
+              <a:solidFill>
+                <a:srgbClr val="0072C6"/>
+              </a:solidFill>
+            </a:endParaRPr>
+          </a:p>
+          <a:p>
+            <a:pPr lvl="0"/>
+            <a:endParaRPr lang="it-IT" sz="3000" b="1" i="1" dirty="0" smtClean="0">
+              <a:solidFill>
+                <a:srgbClr val="0072C6"/>
+              </a:solidFill>
+            </a:endParaRPr>
+          </a:p>
+          <a:p>
+            <a:pPr marL="457200" lvl="0" indent="-457200">
+              <a:buFont typeface="Arial" panose="020B0604020202020204" pitchFamily="34" charset="0"/>
+              <a:buChar char="•"/>
+            </a:pPr>
+            <a:endParaRPr lang="it-IT" sz="5000" b="1" i="1" dirty="0">
+              <a:solidFill>
+                <a:srgbClr val="0072C6"/>
+              </a:solidFill>
+            </a:endParaRPr>
+          </a:p>
+          <a:p>
+            <a:endParaRPr lang="it-IT" sz="5000" b="1" i="1" dirty="0" smtClean="0">
+              <a:solidFill>
+                <a:srgbClr val="0072C6"/>
+              </a:solidFill>
+            </a:endParaRPr>
+          </a:p>
+          <a:p>
+            <a:endParaRPr lang="it-IT" sz="3000" b="1" i="1" dirty="0">
+              <a:solidFill>
+                <a:srgbClr val="0072C6"/>
+              </a:solidFill>
+            </a:endParaRPr>
+          </a:p>
+        </p:txBody>
+      </p:sp>
     </p:spTree>
     <p:extLst>
       <p:ext uri="{BB962C8B-B14F-4D97-AF65-F5344CB8AC3E}">
@@ -27515,7 +27587,7 @@
                   <a:srgbClr val="0072C6"/>
                 </a:solidFill>
               </a:rPr>
-              <a:t>Globale</a:t>
+              <a:t>Globale -3</a:t>
             </a:r>
             <a:endParaRPr lang="it-IT" sz="3000" b="1" i="1" dirty="0">
               <a:solidFill>
@@ -27599,7 +27671,7 @@
         </p:blipFill>
         <p:spPr>
           <a:xfrm>
-            <a:off x="2814637" y="1099798"/>
+            <a:off x="2692717" y="1099798"/>
             <a:ext cx="6286502" cy="5415302"/>
           </a:xfrm>
           <a:prstGeom prst="rect">
@@ -28989,8 +29061,8 @@
         </p:blipFill>
         <p:spPr>
           <a:xfrm>
-            <a:off x="3338511" y="2172367"/>
-            <a:ext cx="5719764" cy="3898471"/>
+            <a:off x="3228782" y="2014351"/>
+            <a:ext cx="6183441" cy="4214504"/>
           </a:xfrm>
           <a:prstGeom prst="rect">
             <a:avLst/>
@@ -29282,7 +29354,67 @@
                 <a:latin typeface="+mj-lt"/>
                 <a:cs typeface="Arial" charset="0"/>
               </a:rPr>
-              <a:t>La modalità ETL </a:t>
+              <a:t>La modalità ETL – </a:t>
+            </a:r>
+            <a:r>
+              <a:rPr lang="it-IT" sz="2800" i="1" spc="-100" dirty="0" err="1" smtClean="0">
+                <a:ln w="3175">
+                  <a:noFill/>
+                </a:ln>
+                <a:latin typeface="+mj-lt"/>
+                <a:cs typeface="Arial" charset="0"/>
+              </a:rPr>
+              <a:t>Extract</a:t>
+            </a:r>
+            <a:r>
+              <a:rPr lang="it-IT" sz="2800" i="1" spc="-100" dirty="0" smtClean="0">
+                <a:ln w="3175">
+                  <a:noFill/>
+                </a:ln>
+                <a:latin typeface="+mj-lt"/>
+                <a:cs typeface="Arial" charset="0"/>
+              </a:rPr>
+              <a:t>, </a:t>
+            </a:r>
+            <a:r>
+              <a:rPr lang="it-IT" sz="2800" i="1" spc="-100" dirty="0" err="1" smtClean="0">
+                <a:ln w="3175">
+                  <a:noFill/>
+                </a:ln>
+                <a:latin typeface="+mj-lt"/>
+                <a:cs typeface="Arial" charset="0"/>
+              </a:rPr>
+              <a:t>Trasform</a:t>
+            </a:r>
+            <a:r>
+              <a:rPr lang="it-IT" sz="2800" i="1" spc="-100" dirty="0" smtClean="0">
+                <a:ln w="3175">
+                  <a:noFill/>
+                </a:ln>
+                <a:latin typeface="+mj-lt"/>
+                <a:cs typeface="Arial" charset="0"/>
+              </a:rPr>
+              <a:t>, </a:t>
+            </a:r>
+            <a:r>
+              <a:rPr lang="it-IT" sz="2800" i="1" spc="-100" dirty="0" err="1" smtClean="0">
+                <a:ln w="3175">
+                  <a:noFill/>
+                </a:ln>
+                <a:latin typeface="+mj-lt"/>
+                <a:cs typeface="Arial" charset="0"/>
+              </a:rPr>
+              <a:t>Load</a:t>
+            </a:r>
+            <a:r>
+              <a:rPr lang="it-IT" sz="2800" i="1" spc="-100" dirty="0" smtClean="0">
+                <a:ln w="3175">
+                  <a:noFill/>
+                </a:ln>
+                <a:latin typeface="+mj-lt"/>
+                <a:cs typeface="Arial" charset="0"/>
+              </a:rPr>
+              <a:t> comprende </a:t>
             </a:r>
             <a:r>
               <a:rPr lang="it-IT" sz="2800" spc="-100" dirty="0" smtClean="0">
@@ -29292,107 +29424,7 @@
                 <a:latin typeface="+mj-lt"/>
                 <a:cs typeface="Arial" charset="0"/>
               </a:rPr>
-              <a:t>– </a:t>
-            </a:r>
-            <a:r>
-              <a:rPr lang="it-IT" sz="2800" i="1" spc="-100" dirty="0" err="1" smtClean="0">
-                <a:ln w="3175">
-                  <a:noFill/>
-                </a:ln>
-                <a:latin typeface="+mj-lt"/>
-                <a:cs typeface="Arial" charset="0"/>
-              </a:rPr>
-              <a:t>Extract</a:t>
-            </a:r>
-            <a:r>
-              <a:rPr lang="it-IT" sz="2800" i="1" spc="-100" dirty="0" smtClean="0">
-                <a:ln w="3175">
-                  <a:noFill/>
-                </a:ln>
-                <a:latin typeface="+mj-lt"/>
-                <a:cs typeface="Arial" charset="0"/>
-              </a:rPr>
-              <a:t>, </a:t>
-            </a:r>
-            <a:r>
-              <a:rPr lang="it-IT" sz="2800" i="1" spc="-100" dirty="0" err="1" smtClean="0">
-                <a:ln w="3175">
-                  <a:noFill/>
-                </a:ln>
-                <a:latin typeface="+mj-lt"/>
-                <a:cs typeface="Arial" charset="0"/>
-              </a:rPr>
-              <a:t>Trasform</a:t>
-            </a:r>
-            <a:r>
-              <a:rPr lang="it-IT" sz="2800" i="1" spc="-100" dirty="0" smtClean="0">
-                <a:ln w="3175">
-                  <a:noFill/>
-                </a:ln>
-                <a:latin typeface="+mj-lt"/>
-                <a:cs typeface="Arial" charset="0"/>
-              </a:rPr>
-              <a:t>, </a:t>
-            </a:r>
-            <a:r>
-              <a:rPr lang="it-IT" sz="2800" i="1" spc="-100" dirty="0" err="1" smtClean="0">
-                <a:ln w="3175">
-                  <a:noFill/>
-                </a:ln>
-                <a:latin typeface="+mj-lt"/>
-                <a:cs typeface="Arial" charset="0"/>
-              </a:rPr>
-              <a:t>Load</a:t>
-            </a:r>
-            <a:r>
-              <a:rPr lang="it-IT" sz="2800" i="1" spc="-100" dirty="0" smtClean="0">
-                <a:ln w="3175">
-                  <a:noFill/>
-                </a:ln>
-                <a:latin typeface="+mj-lt"/>
-                <a:cs typeface="Arial" charset="0"/>
-              </a:rPr>
-              <a:t> </a:t>
-            </a:r>
-            <a:r>
-              <a:rPr lang="it-IT" sz="2800" i="1" spc="-100" dirty="0" smtClean="0">
-                <a:ln w="3175">
-                  <a:noFill/>
-                </a:ln>
-                <a:latin typeface="+mj-lt"/>
-                <a:cs typeface="Arial" charset="0"/>
-              </a:rPr>
-              <a:t>comprende </a:t>
-            </a:r>
-            <a:r>
-              <a:rPr lang="it-IT" sz="2800" spc="-100" dirty="0" smtClean="0">
-                <a:ln w="3175">
-                  <a:noFill/>
-                </a:ln>
-                <a:latin typeface="+mj-lt"/>
-                <a:cs typeface="Arial" charset="0"/>
-              </a:rPr>
-              <a:t>il </a:t>
-            </a:r>
-            <a:r>
-              <a:rPr lang="it-IT" sz="2800" spc="-100" dirty="0" smtClean="0">
-                <a:ln w="3175">
-                  <a:noFill/>
-                </a:ln>
-                <a:latin typeface="+mj-lt"/>
-                <a:cs typeface="Arial" charset="0"/>
-              </a:rPr>
-              <a:t>processo di estrazione, trasformazione e caricamento di dati su di un sistema di sintesi (</a:t>
-            </a:r>
-            <a:r>
-              <a:rPr lang="it-IT" sz="2800" spc="-100" dirty="0" smtClean="0">
-                <a:ln w="3175">
-                  <a:noFill/>
-                </a:ln>
-                <a:latin typeface="+mj-lt"/>
-                <a:cs typeface="Arial" charset="0"/>
-              </a:rPr>
-              <a:t>esempio </a:t>
+              <a:t>il processo di estrazione, trasformazione e caricamento di dati su di un sistema di sintesi (esempio </a:t>
             </a:r>
           </a:p>
           <a:p>
@@ -29445,27 +29477,7 @@
                 <a:latin typeface="+mj-lt"/>
                 <a:cs typeface="Arial" charset="0"/>
               </a:rPr>
-              <a:t>Dopo il processo di estrazione (cioè il recupero di dati da un </a:t>
-            </a:r>
-            <a:r>
-              <a:rPr lang="it-IT" sz="2800" spc="-100" dirty="0" smtClean="0">
-                <a:ln w="3175">
-                  <a:noFill/>
-                </a:ln>
-                <a:latin typeface="+mj-lt"/>
-                <a:cs typeface="Arial" charset="0"/>
-              </a:rPr>
-              <a:t>sistema </a:t>
-            </a:r>
-            <a:r>
-              <a:rPr lang="it-IT" sz="2800" spc="-100" dirty="0" smtClean="0">
-                <a:ln w="3175">
-                  <a:noFill/>
-                </a:ln>
-                <a:latin typeface="+mj-lt"/>
-                <a:cs typeface="Arial" charset="0"/>
-              </a:rPr>
-              <a:t>esterno), i dati vengono trasformati, ed esempio:</a:t>
+              <a:t>Dopo il processo di estrazione (cioè il recupero di dati da un sistema esterno), i dati vengono trasformati, ed esempio:</a:t>
             </a:r>
           </a:p>
           <a:p>
@@ -29965,7 +29977,7 @@
         </p:blipFill>
         <p:spPr>
           <a:xfrm>
-            <a:off x="2952749" y="2310516"/>
+            <a:off x="3062477" y="2310516"/>
             <a:ext cx="6286499" cy="4123999"/>
           </a:xfrm>
           <a:prstGeom prst="rect">
@@ -30258,27 +30270,7 @@
                 <a:latin typeface="+mj-lt"/>
                 <a:cs typeface="Arial" charset="0"/>
               </a:rPr>
-              <a:t>L’integrazione fra le basi dai BRI, BSE e BDM può essere implementata via </a:t>
-            </a:r>
-            <a:r>
-              <a:rPr lang="it-IT" sz="2800" spc="-100" dirty="0" smtClean="0">
-                <a:ln w="3175">
-                  <a:noFill/>
-                </a:ln>
-                <a:latin typeface="+mj-lt"/>
-                <a:cs typeface="Arial" charset="0"/>
-              </a:rPr>
-              <a:t>VDI </a:t>
-            </a:r>
-            <a:r>
-              <a:rPr lang="it-IT" sz="2800" spc="-100" dirty="0" smtClean="0">
-                <a:ln w="3175">
-                  <a:noFill/>
-                </a:ln>
-                <a:latin typeface="+mj-lt"/>
-                <a:cs typeface="Arial" charset="0"/>
-              </a:rPr>
-              <a:t>o ETL</a:t>
+              <a:t>L’integrazione fra le basi dai BRI, BSE e BDM può essere implementata via VDI o ETL</a:t>
             </a:r>
           </a:p>
           <a:p>
@@ -30321,13 +30313,6 @@
               </a:rPr>
               <a:t>:</a:t>
             </a:r>
-            <a:endParaRPr lang="it-IT" sz="2800" spc="-100" dirty="0" smtClean="0">
-              <a:ln w="3175">
-                <a:noFill/>
-              </a:ln>
-              <a:latin typeface="+mj-lt"/>
-              <a:cs typeface="Arial" charset="0"/>
-            </a:endParaRPr>
           </a:p>
           <a:p>
             <a:r>
@@ -30972,7 +30957,17 @@
                 <a:latin typeface="+mj-lt"/>
                 <a:cs typeface="Arial" charset="0"/>
               </a:rPr>
-              <a:t>È necessario creare una nuova base di dati e gestire </a:t>
+              <a:t>È necessario creare una nuova base di dati e gestire lo </a:t>
+            </a:r>
+            <a:r>
+              <a:rPr lang="it-IT" sz="2800" spc="-100" dirty="0" err="1" smtClean="0">
+                <a:ln w="3175">
+                  <a:noFill/>
+                </a:ln>
+                <a:latin typeface="+mj-lt"/>
+                <a:cs typeface="Arial" charset="0"/>
+              </a:rPr>
+              <a:t>scheduling</a:t>
             </a:r>
             <a:r>
               <a:rPr lang="it-IT" sz="2800" spc="-100" dirty="0" smtClean="0">
@@ -30982,37 +30977,7 @@
                 <a:latin typeface="+mj-lt"/>
                 <a:cs typeface="Arial" charset="0"/>
               </a:rPr>
-              <a:t>lo </a:t>
-            </a:r>
-            <a:r>
-              <a:rPr lang="it-IT" sz="2800" spc="-100" dirty="0" err="1" smtClean="0">
-                <a:ln w="3175">
-                  <a:noFill/>
-                </a:ln>
-                <a:latin typeface="+mj-lt"/>
-                <a:cs typeface="Arial" charset="0"/>
-              </a:rPr>
-              <a:t>scheduling</a:t>
-            </a:r>
-            <a:r>
-              <a:rPr lang="it-IT" sz="2800" spc="-100" dirty="0" smtClean="0">
-                <a:ln w="3175">
-                  <a:noFill/>
-                </a:ln>
-                <a:latin typeface="+mj-lt"/>
-                <a:cs typeface="Arial" charset="0"/>
-              </a:rPr>
-              <a:t> delle </a:t>
-            </a:r>
-            <a:r>
-              <a:rPr lang="it-IT" sz="2800" spc="-100" dirty="0" smtClean="0">
-                <a:ln w="3175">
-                  <a:noFill/>
-                </a:ln>
-                <a:latin typeface="+mj-lt"/>
-                <a:cs typeface="Arial" charset="0"/>
-              </a:rPr>
-              <a:t>operazioni di </a:t>
+              <a:t> delle operazioni di </a:t>
             </a:r>
             <a:r>
               <a:rPr lang="it-IT" sz="2800" spc="-100" dirty="0" err="1" smtClean="0">
@@ -31782,7 +31747,7 @@
         </p:blipFill>
         <p:spPr>
           <a:xfrm>
-            <a:off x="1093583" y="3824287"/>
+            <a:off x="1387125" y="3779206"/>
             <a:ext cx="3933145" cy="1562100"/>
           </a:xfrm>
           <a:prstGeom prst="rect">
@@ -31806,7 +31771,7 @@
         </p:blipFill>
         <p:spPr>
           <a:xfrm>
-            <a:off x="6405562" y="3824287"/>
+            <a:off x="6466522" y="3824287"/>
             <a:ext cx="3995738" cy="1905325"/>
           </a:xfrm>
           <a:prstGeom prst="rect">
@@ -32830,13 +32795,13 @@
       </p:grpSpPr>
       <p:sp>
         <p:nvSpPr>
-          <p:cNvPr id="4" name="Rettangolo 3"/>
+          <p:cNvPr id="5" name="Rettangolo 4"/>
           <p:cNvSpPr/>
           <p:nvPr/>
         </p:nvSpPr>
         <p:spPr>
           <a:xfrm>
-            <a:off x="0" y="6515100"/>
+            <a:off x="0" y="-28574"/>
             <a:ext cx="12192000" cy="342900"/>
           </a:xfrm>
           <a:prstGeom prst="rect">
@@ -32873,13 +32838,186 @@
       </p:sp>
       <p:sp>
         <p:nvSpPr>
-          <p:cNvPr id="5" name="Rettangolo 4"/>
+          <p:cNvPr id="6" name="Title 2"/>
+          <p:cNvSpPr txBox="1">
+            <a:spLocks/>
+          </p:cNvSpPr>
+          <p:nvPr/>
+        </p:nvSpPr>
+        <p:spPr>
+          <a:xfrm>
+            <a:off x="521493" y="485778"/>
+            <a:ext cx="11149013" cy="1214436"/>
+          </a:xfrm>
+          <a:prstGeom prst="rect">
+            <a:avLst/>
+          </a:prstGeom>
+        </p:spPr>
+        <p:txBody>
+          <a:bodyPr/>
+          <a:lstStyle>
+            <a:lvl1pPr algn="l" defTabSz="914363" rtl="0" eaLnBrk="1" latinLnBrk="0" hangingPunct="1">
+              <a:lnSpc>
+                <a:spcPct val="90000"/>
+              </a:lnSpc>
+              <a:spcBef>
+                <a:spcPct val="0"/>
+              </a:spcBef>
+              <a:buNone/>
+              <a:defRPr lang="en-US" sz="5400" b="0" kern="1200" cap="none" spc="-100" baseline="0" dirty="0" smtClean="0">
+                <a:ln w="3175">
+                  <a:noFill/>
+                </a:ln>
+                <a:gradFill>
+                  <a:gsLst>
+                    <a:gs pos="1250">
+                      <a:schemeClr val="tx2"/>
+                    </a:gs>
+                    <a:gs pos="100000">
+                      <a:schemeClr val="tx2"/>
+                    </a:gs>
+                  </a:gsLst>
+                  <a:lin ang="5400000" scaled="0"/>
+                </a:gradFill>
+                <a:effectLst/>
+                <a:latin typeface="+mj-lt"/>
+                <a:ea typeface="+mn-ea"/>
+                <a:cs typeface="Arial" charset="0"/>
+              </a:defRPr>
+            </a:lvl1pPr>
+          </a:lstStyle>
+          <a:p>
+            <a:r>
+              <a:rPr lang="it-IT" b="1" dirty="0" err="1" smtClean="0">
+                <a:solidFill>
+                  <a:srgbClr val="0072C6"/>
+                </a:solidFill>
+              </a:rPr>
+              <a:t>Mapping</a:t>
+            </a:r>
+            <a:endParaRPr lang="it-IT" b="1" dirty="0" smtClean="0">
+              <a:solidFill>
+                <a:srgbClr val="0072C6"/>
+              </a:solidFill>
+            </a:endParaRPr>
+          </a:p>
+          <a:p>
+            <a:endParaRPr lang="it-IT" sz="1500" b="1" i="1" dirty="0" smtClean="0">
+              <a:solidFill>
+                <a:srgbClr val="0072C6"/>
+              </a:solidFill>
+            </a:endParaRPr>
+          </a:p>
+          <a:p>
+            <a:pPr marL="457200" lvl="0" indent="-457200">
+              <a:buFont typeface="Arial" panose="020B0604020202020204" pitchFamily="34" charset="0"/>
+              <a:buChar char="•"/>
+            </a:pPr>
+            <a:endParaRPr lang="it-IT" sz="3000" dirty="0"/>
+          </a:p>
+          <a:p>
+            <a:pPr marL="457200" lvl="0" indent="-457200">
+              <a:buFont typeface="Arial" panose="020B0604020202020204" pitchFamily="34" charset="0"/>
+              <a:buChar char="•"/>
+            </a:pPr>
+            <a:endParaRPr lang="it-IT" sz="3000" b="1" i="1" dirty="0" smtClean="0">
+              <a:solidFill>
+                <a:srgbClr val="0072C6"/>
+              </a:solidFill>
+            </a:endParaRPr>
+          </a:p>
+          <a:p>
+            <a:pPr lvl="0"/>
+            <a:endParaRPr lang="it-IT" sz="3000" b="1" i="1" dirty="0" smtClean="0">
+              <a:solidFill>
+                <a:srgbClr val="0072C6"/>
+              </a:solidFill>
+            </a:endParaRPr>
+          </a:p>
+          <a:p>
+            <a:pPr marL="457200" lvl="0" indent="-457200">
+              <a:buFont typeface="Arial" panose="020B0604020202020204" pitchFamily="34" charset="0"/>
+              <a:buChar char="•"/>
+            </a:pPr>
+            <a:endParaRPr lang="it-IT" sz="5000" b="1" i="1" dirty="0">
+              <a:solidFill>
+                <a:srgbClr val="0072C6"/>
+              </a:solidFill>
+            </a:endParaRPr>
+          </a:p>
+          <a:p>
+            <a:endParaRPr lang="it-IT" sz="5000" b="1" i="1" dirty="0" smtClean="0">
+              <a:solidFill>
+                <a:srgbClr val="0072C6"/>
+              </a:solidFill>
+            </a:endParaRPr>
+          </a:p>
+          <a:p>
+            <a:endParaRPr lang="it-IT" sz="3000" b="1" i="1" dirty="0">
+              <a:solidFill>
+                <a:srgbClr val="0072C6"/>
+              </a:solidFill>
+            </a:endParaRPr>
+          </a:p>
+        </p:txBody>
+      </p:sp>
+      <p:pic>
+        <p:nvPicPr>
+          <p:cNvPr id="2" name="Immagine 1"/>
+          <p:cNvPicPr>
+            <a:picLocks noChangeAspect="1"/>
+          </p:cNvPicPr>
+          <p:nvPr/>
+        </p:nvPicPr>
+        <p:blipFill>
+          <a:blip r:embed="rId2"/>
+          <a:stretch>
+            <a:fillRect/>
+          </a:stretch>
+        </p:blipFill>
+        <p:spPr>
+          <a:xfrm>
+            <a:off x="2426208" y="1319289"/>
+            <a:ext cx="5915882" cy="2220179"/>
+          </a:xfrm>
+          <a:prstGeom prst="rect">
+            <a:avLst/>
+          </a:prstGeom>
+        </p:spPr>
+      </p:pic>
+      <p:pic>
+        <p:nvPicPr>
+          <p:cNvPr id="3" name="Immagine 2"/>
+          <p:cNvPicPr>
+            <a:picLocks noChangeAspect="1"/>
+          </p:cNvPicPr>
+          <p:nvPr/>
+        </p:nvPicPr>
+        <p:blipFill>
+          <a:blip r:embed="rId3"/>
+          <a:stretch>
+            <a:fillRect/>
+          </a:stretch>
+        </p:blipFill>
+        <p:spPr>
+          <a:xfrm>
+            <a:off x="2426208" y="3900611"/>
+            <a:ext cx="9086278" cy="2676658"/>
+          </a:xfrm>
+          <a:prstGeom prst="rect">
+            <a:avLst/>
+          </a:prstGeom>
+        </p:spPr>
+      </p:pic>
+      <p:sp>
+        <p:nvSpPr>
+          <p:cNvPr id="4" name="Rettangolo 3"/>
           <p:cNvSpPr/>
           <p:nvPr/>
         </p:nvSpPr>
         <p:spPr>
           <a:xfrm>
-            <a:off x="0" y="-28574"/>
+            <a:off x="0" y="6515100"/>
             <a:ext cx="12192000" cy="342900"/>
           </a:xfrm>
           <a:prstGeom prst="rect">
@@ -32914,179 +33052,6 @@
           </a:p>
         </p:txBody>
       </p:sp>
-      <p:sp>
-        <p:nvSpPr>
-          <p:cNvPr id="6" name="Title 2"/>
-          <p:cNvSpPr txBox="1">
-            <a:spLocks/>
-          </p:cNvSpPr>
-          <p:nvPr/>
-        </p:nvSpPr>
-        <p:spPr>
-          <a:xfrm>
-            <a:off x="521493" y="485778"/>
-            <a:ext cx="11149013" cy="1214436"/>
-          </a:xfrm>
-          <a:prstGeom prst="rect">
-            <a:avLst/>
-          </a:prstGeom>
-        </p:spPr>
-        <p:txBody>
-          <a:bodyPr/>
-          <a:lstStyle>
-            <a:lvl1pPr algn="l" defTabSz="914363" rtl="0" eaLnBrk="1" latinLnBrk="0" hangingPunct="1">
-              <a:lnSpc>
-                <a:spcPct val="90000"/>
-              </a:lnSpc>
-              <a:spcBef>
-                <a:spcPct val="0"/>
-              </a:spcBef>
-              <a:buNone/>
-              <a:defRPr lang="en-US" sz="5400" b="0" kern="1200" cap="none" spc="-100" baseline="0" dirty="0" smtClean="0">
-                <a:ln w="3175">
-                  <a:noFill/>
-                </a:ln>
-                <a:gradFill>
-                  <a:gsLst>
-                    <a:gs pos="1250">
-                      <a:schemeClr val="tx2"/>
-                    </a:gs>
-                    <a:gs pos="100000">
-                      <a:schemeClr val="tx2"/>
-                    </a:gs>
-                  </a:gsLst>
-                  <a:lin ang="5400000" scaled="0"/>
-                </a:gradFill>
-                <a:effectLst/>
-                <a:latin typeface="+mj-lt"/>
-                <a:ea typeface="+mn-ea"/>
-                <a:cs typeface="Arial" charset="0"/>
-              </a:defRPr>
-            </a:lvl1pPr>
-          </a:lstStyle>
-          <a:p>
-            <a:r>
-              <a:rPr lang="it-IT" b="1" dirty="0" err="1" smtClean="0">
-                <a:solidFill>
-                  <a:srgbClr val="0072C6"/>
-                </a:solidFill>
-              </a:rPr>
-              <a:t>Mapping</a:t>
-            </a:r>
-            <a:endParaRPr lang="it-IT" b="1" dirty="0" smtClean="0">
-              <a:solidFill>
-                <a:srgbClr val="0072C6"/>
-              </a:solidFill>
-            </a:endParaRPr>
-          </a:p>
-          <a:p>
-            <a:endParaRPr lang="it-IT" sz="1500" b="1" i="1" dirty="0" smtClean="0">
-              <a:solidFill>
-                <a:srgbClr val="0072C6"/>
-              </a:solidFill>
-            </a:endParaRPr>
-          </a:p>
-          <a:p>
-            <a:pPr marL="457200" lvl="0" indent="-457200">
-              <a:buFont typeface="Arial" panose="020B0604020202020204" pitchFamily="34" charset="0"/>
-              <a:buChar char="•"/>
-            </a:pPr>
-            <a:endParaRPr lang="it-IT" sz="3000" dirty="0"/>
-          </a:p>
-          <a:p>
-            <a:pPr marL="457200" lvl="0" indent="-457200">
-              <a:buFont typeface="Arial" panose="020B0604020202020204" pitchFamily="34" charset="0"/>
-              <a:buChar char="•"/>
-            </a:pPr>
-            <a:endParaRPr lang="it-IT" sz="3000" b="1" i="1" dirty="0" smtClean="0">
-              <a:solidFill>
-                <a:srgbClr val="0072C6"/>
-              </a:solidFill>
-            </a:endParaRPr>
-          </a:p>
-          <a:p>
-            <a:pPr lvl="0"/>
-            <a:endParaRPr lang="it-IT" sz="3000" b="1" i="1" dirty="0" smtClean="0">
-              <a:solidFill>
-                <a:srgbClr val="0072C6"/>
-              </a:solidFill>
-            </a:endParaRPr>
-          </a:p>
-          <a:p>
-            <a:pPr marL="457200" lvl="0" indent="-457200">
-              <a:buFont typeface="Arial" panose="020B0604020202020204" pitchFamily="34" charset="0"/>
-              <a:buChar char="•"/>
-            </a:pPr>
-            <a:endParaRPr lang="it-IT" sz="5000" b="1" i="1" dirty="0">
-              <a:solidFill>
-                <a:srgbClr val="0072C6"/>
-              </a:solidFill>
-            </a:endParaRPr>
-          </a:p>
-          <a:p>
-            <a:endParaRPr lang="it-IT" sz="5000" b="1" i="1" dirty="0" smtClean="0">
-              <a:solidFill>
-                <a:srgbClr val="0072C6"/>
-              </a:solidFill>
-            </a:endParaRPr>
-          </a:p>
-          <a:p>
-            <a:endParaRPr lang="it-IT" sz="3000" b="1" i="1" dirty="0">
-              <a:solidFill>
-                <a:srgbClr val="0072C6"/>
-              </a:solidFill>
-            </a:endParaRPr>
-          </a:p>
-        </p:txBody>
-      </p:sp>
-      <p:pic>
-        <p:nvPicPr>
-          <p:cNvPr id="2" name="Immagine 1"/>
-          <p:cNvPicPr>
-            <a:picLocks noChangeAspect="1"/>
-          </p:cNvPicPr>
-          <p:nvPr/>
-        </p:nvPicPr>
-        <p:blipFill>
-          <a:blip r:embed="rId2"/>
-          <a:stretch>
-            <a:fillRect/>
-          </a:stretch>
-        </p:blipFill>
-        <p:spPr>
-          <a:xfrm>
-            <a:off x="5334594" y="1193010"/>
-            <a:ext cx="6335912" cy="2377813"/>
-          </a:xfrm>
-          <a:prstGeom prst="rect">
-            <a:avLst/>
-          </a:prstGeom>
-        </p:spPr>
-      </p:pic>
-      <p:pic>
-        <p:nvPicPr>
-          <p:cNvPr id="3" name="Immagine 2"/>
-          <p:cNvPicPr>
-            <a:picLocks noChangeAspect="1"/>
-          </p:cNvPicPr>
-          <p:nvPr/>
-        </p:nvPicPr>
-        <p:blipFill>
-          <a:blip r:embed="rId3"/>
-          <a:stretch>
-            <a:fillRect/>
-          </a:stretch>
-        </p:blipFill>
-        <p:spPr>
-          <a:xfrm>
-            <a:off x="1062635" y="3570823"/>
-            <a:ext cx="9267227" cy="2729962"/>
-          </a:xfrm>
-          <a:prstGeom prst="rect">
-            <a:avLst/>
-          </a:prstGeom>
-        </p:spPr>
-      </p:pic>
     </p:spTree>
     <p:extLst>
       <p:ext uri="{BB962C8B-B14F-4D97-AF65-F5344CB8AC3E}">
@@ -33342,7 +33307,7 @@
         <p:spPr>
           <a:xfrm>
             <a:off x="521493" y="1543051"/>
-            <a:ext cx="10718006" cy="4832092"/>
+            <a:ext cx="10718006" cy="4632037"/>
           </a:xfrm>
           <a:prstGeom prst="rect">
             <a:avLst/>
@@ -33388,7 +33353,7 @@
             </a:r>
           </a:p>
           <a:p>
-            <a:endParaRPr lang="it-IT" sz="2800" spc="-100" dirty="0">
+            <a:endParaRPr lang="it-IT" sz="1500" spc="-100" dirty="0">
               <a:ln w="3175">
                 <a:noFill/>
               </a:ln>
@@ -33782,7 +33747,7 @@
         </p:blipFill>
         <p:spPr>
           <a:xfrm>
-            <a:off x="1849445" y="1357313"/>
+            <a:off x="1946981" y="1357313"/>
             <a:ext cx="9128120" cy="5026894"/>
           </a:xfrm>
           <a:prstGeom prst="rect">
@@ -33907,7 +33872,7 @@
         </p:nvSpPr>
         <p:spPr>
           <a:xfrm>
-            <a:off x="521493" y="485778"/>
+            <a:off x="521493" y="424818"/>
             <a:ext cx="11149013" cy="1214436"/>
           </a:xfrm>
           <a:prstGeom prst="rect">
@@ -36155,25 +36120,8 @@
                 <a:latin typeface="+mj-lt"/>
                 <a:cs typeface="Arial" charset="0"/>
               </a:rPr>
-              <a:t>su 20 regioni. (quindi </a:t>
-            </a:r>
-            <a:r>
-              <a:rPr lang="it-IT" sz="2800" spc="-100" dirty="0" smtClean="0">
-                <a:ln w="3175">
-                  <a:noFill/>
-                </a:ln>
-                <a:latin typeface="+mj-lt"/>
-                <a:cs typeface="Arial" charset="0"/>
-              </a:rPr>
-              <a:t>la base dati sarà distribuita su 20 nodi)</a:t>
-            </a:r>
-            <a:endParaRPr lang="it-IT" sz="2800" spc="-100" dirty="0" smtClean="0">
-              <a:ln w="3175">
-                <a:noFill/>
-              </a:ln>
-              <a:latin typeface="+mj-lt"/>
-              <a:cs typeface="Arial" charset="0"/>
-            </a:endParaRPr>
+              <a:t>su 20 regioni. (quindi la base dati sarà distribuita su 20 nodi)</a:t>
+            </a:r>
           </a:p>
           <a:p>
             <a:endParaRPr lang="it-IT" sz="1500" spc="-100" dirty="0">
@@ -36445,7 +36393,27 @@
                 <a:latin typeface="+mj-lt"/>
                 <a:cs typeface="Arial" charset="0"/>
               </a:rPr>
-              <a:t>I sensori idrici inviano i dati rilevati ogni ora (i sensori sono sincronizzati).</a:t>
+              <a:t>I sensori idrici inviano i dati rilevati ogni ora </a:t>
+            </a:r>
+            <a:r>
+              <a:rPr lang="it-IT" sz="3200" spc="-100" dirty="0" smtClean="0">
+                <a:ln w="3175">
+                  <a:noFill/>
+                </a:ln>
+                <a:latin typeface="+mj-lt"/>
+                <a:cs typeface="Arial" charset="0"/>
+              </a:rPr>
+              <a:t>(tutti i </a:t>
+            </a:r>
+            <a:r>
+              <a:rPr lang="it-IT" sz="3200" spc="-100" dirty="0" smtClean="0">
+                <a:ln w="3175">
+                  <a:noFill/>
+                </a:ln>
+                <a:latin typeface="+mj-lt"/>
+                <a:cs typeface="Arial" charset="0"/>
+              </a:rPr>
+              <a:t>sensori sono sincronizzati).</a:t>
             </a:r>
           </a:p>
           <a:p>
@@ -37581,17 +37549,7 @@
                 <a:latin typeface="+mj-lt"/>
                 <a:cs typeface="Arial" charset="0"/>
               </a:rPr>
-              <a:t>regioni. </a:t>
-            </a:r>
-            <a:r>
-              <a:rPr lang="it-IT" sz="2800" spc="-100" dirty="0">
-                <a:ln w="3175">
-                  <a:noFill/>
-                </a:ln>
-                <a:latin typeface="+mj-lt"/>
-                <a:cs typeface="Arial" charset="0"/>
-              </a:rPr>
-              <a:t>(quindi la base dati sarà distribuita su 20 nodi)</a:t>
+              <a:t>regioni. (quindi la base dati sarà distribuita su 20 nodi)</a:t>
             </a:r>
             <a:endParaRPr lang="it-IT" sz="2800" spc="-100" dirty="0" smtClean="0">
               <a:ln w="3175">
@@ -38601,17 +38559,7 @@
                 <a:latin typeface="+mj-lt"/>
                 <a:cs typeface="Arial" charset="0"/>
               </a:rPr>
-              <a:t>L’architettura </a:t>
-            </a:r>
-            <a:r>
-              <a:rPr lang="it-IT" sz="2800" spc="-100" dirty="0" smtClean="0">
-                <a:ln w="3175">
-                  <a:noFill/>
-                </a:ln>
-                <a:latin typeface="+mj-lt"/>
-                <a:cs typeface="Arial" charset="0"/>
-              </a:rPr>
-              <a:t>software prevede un solo gestore centrale che si occupa della computazione dell’algoritmo di identificazione SEP (che utilizza le rilevazioni e il posizionamento dei sensori) .</a:t>
+              <a:t>L’architettura software prevede un solo gestore centrale che si occupa della computazione dell’algoritmo di identificazione SEP (che utilizza le rilevazioni e il posizionamento dei sensori) .</a:t>
             </a:r>
           </a:p>
           <a:p>
@@ -40575,6 +40523,539 @@
     <p:extLst>
       <p:ext uri="{BB962C8B-B14F-4D97-AF65-F5344CB8AC3E}">
         <p14:creationId xmlns:p14="http://schemas.microsoft.com/office/powerpoint/2010/main" val="3795148635"/>
+      </p:ext>
+    </p:extLst>
+  </p:cSld>
+  <p:clrMapOvr>
+    <a:masterClrMapping/>
+  </p:clrMapOvr>
+  <p:transition spd="slow">
+    <p:push dir="u"/>
+  </p:transition>
+  <p:timing>
+    <p:tnLst>
+      <p:par>
+        <p:cTn id="1" dur="indefinite" restart="never" nodeType="tmRoot"/>
+      </p:par>
+    </p:tnLst>
+  </p:timing>
+</p:sld>
+</file>
+
+<file path=ppt/slides/slide88.xml><?xml version="1.0" encoding="utf-8"?>
+<p:sld xmlns:a="http://schemas.openxmlformats.org/drawingml/2006/main" xmlns:r="http://schemas.openxmlformats.org/officeDocument/2006/relationships" xmlns:p="http://schemas.openxmlformats.org/presentationml/2006/main">
+  <p:cSld>
+    <p:spTree>
+      <p:nvGrpSpPr>
+        <p:cNvPr id="1" name=""/>
+        <p:cNvGrpSpPr/>
+        <p:nvPr/>
+      </p:nvGrpSpPr>
+      <p:grpSpPr>
+        <a:xfrm>
+          <a:off x="0" y="0"/>
+          <a:ext cx="0" cy="0"/>
+          <a:chOff x="0" y="0"/>
+          <a:chExt cx="0" cy="0"/>
+        </a:xfrm>
+      </p:grpSpPr>
+      <p:sp>
+        <p:nvSpPr>
+          <p:cNvPr id="5" name="Rettangolo 4"/>
+          <p:cNvSpPr/>
+          <p:nvPr/>
+        </p:nvSpPr>
+        <p:spPr>
+          <a:xfrm>
+            <a:off x="0" y="-28574"/>
+            <a:ext cx="12192000" cy="342900"/>
+          </a:xfrm>
+          <a:prstGeom prst="rect">
+            <a:avLst/>
+          </a:prstGeom>
+          <a:solidFill>
+            <a:srgbClr val="0072C6"/>
+          </a:solidFill>
+        </p:spPr>
+        <p:style>
+          <a:lnRef idx="2">
+            <a:schemeClr val="accent1">
+              <a:shade val="50000"/>
+            </a:schemeClr>
+          </a:lnRef>
+          <a:fillRef idx="1">
+            <a:schemeClr val="accent1"/>
+          </a:fillRef>
+          <a:effectRef idx="0">
+            <a:schemeClr val="accent1"/>
+          </a:effectRef>
+          <a:fontRef idx="minor">
+            <a:schemeClr val="lt1"/>
+          </a:fontRef>
+        </p:style>
+        <p:txBody>
+          <a:bodyPr rtlCol="0" anchor="ctr"/>
+          <a:lstStyle/>
+          <a:p>
+            <a:pPr algn="ctr"/>
+            <a:endParaRPr lang="it-IT"/>
+          </a:p>
+        </p:txBody>
+      </p:sp>
+      <p:sp>
+        <p:nvSpPr>
+          <p:cNvPr id="6" name="Title 2"/>
+          <p:cNvSpPr txBox="1">
+            <a:spLocks/>
+          </p:cNvSpPr>
+          <p:nvPr/>
+        </p:nvSpPr>
+        <p:spPr>
+          <a:xfrm>
+            <a:off x="521493" y="485778"/>
+            <a:ext cx="11149013" cy="868889"/>
+          </a:xfrm>
+          <a:prstGeom prst="rect">
+            <a:avLst/>
+          </a:prstGeom>
+        </p:spPr>
+        <p:txBody>
+          <a:bodyPr/>
+          <a:lstStyle>
+            <a:lvl1pPr algn="l" defTabSz="914363" rtl="0" eaLnBrk="1" latinLnBrk="0" hangingPunct="1">
+              <a:lnSpc>
+                <a:spcPct val="90000"/>
+              </a:lnSpc>
+              <a:spcBef>
+                <a:spcPct val="0"/>
+              </a:spcBef>
+              <a:buNone/>
+              <a:defRPr lang="en-US" sz="5400" b="0" kern="1200" cap="none" spc="-100" baseline="0" dirty="0" smtClean="0">
+                <a:ln w="3175">
+                  <a:noFill/>
+                </a:ln>
+                <a:gradFill>
+                  <a:gsLst>
+                    <a:gs pos="1250">
+                      <a:schemeClr val="tx2"/>
+                    </a:gs>
+                    <a:gs pos="100000">
+                      <a:schemeClr val="tx2"/>
+                    </a:gs>
+                  </a:gsLst>
+                  <a:lin ang="5400000" scaled="0"/>
+                </a:gradFill>
+                <a:effectLst/>
+                <a:latin typeface="+mj-lt"/>
+                <a:ea typeface="+mn-ea"/>
+                <a:cs typeface="Arial" charset="0"/>
+              </a:defRPr>
+            </a:lvl1pPr>
+          </a:lstStyle>
+          <a:p>
+            <a:r>
+              <a:rPr lang="it-IT" b="1" dirty="0" smtClean="0">
+                <a:solidFill>
+                  <a:srgbClr val="0072C6"/>
+                </a:solidFill>
+              </a:rPr>
+              <a:t>Evoluzioni future</a:t>
+            </a:r>
+            <a:endParaRPr lang="it-IT" b="1" dirty="0" smtClean="0">
+              <a:solidFill>
+                <a:srgbClr val="0072C6"/>
+              </a:solidFill>
+            </a:endParaRPr>
+          </a:p>
+          <a:p>
+            <a:endParaRPr lang="it-IT" sz="1500" b="1" i="1" dirty="0" smtClean="0">
+              <a:solidFill>
+                <a:srgbClr val="0072C6"/>
+              </a:solidFill>
+            </a:endParaRPr>
+          </a:p>
+          <a:p>
+            <a:endParaRPr lang="it-IT" sz="1000" b="1" i="1" dirty="0" smtClean="0">
+              <a:solidFill>
+                <a:srgbClr val="0072C6"/>
+              </a:solidFill>
+            </a:endParaRPr>
+          </a:p>
+          <a:p>
+            <a:pPr lvl="0"/>
+            <a:endParaRPr lang="it-IT" sz="3200" dirty="0">
+              <a:solidFill>
+                <a:schemeClr val="tx1"/>
+              </a:solidFill>
+            </a:endParaRPr>
+          </a:p>
+          <a:p>
+            <a:pPr marL="457200" lvl="0" indent="-457200">
+              <a:buFont typeface="Arial" panose="020B0604020202020204" pitchFamily="34" charset="0"/>
+              <a:buChar char="•"/>
+            </a:pPr>
+            <a:endParaRPr lang="it-IT" sz="3000" b="1" i="1" dirty="0" smtClean="0">
+              <a:solidFill>
+                <a:srgbClr val="0072C6"/>
+              </a:solidFill>
+            </a:endParaRPr>
+          </a:p>
+          <a:p>
+            <a:pPr lvl="0"/>
+            <a:endParaRPr lang="it-IT" sz="3000" b="1" i="1" dirty="0" smtClean="0">
+              <a:solidFill>
+                <a:srgbClr val="0072C6"/>
+              </a:solidFill>
+            </a:endParaRPr>
+          </a:p>
+          <a:p>
+            <a:pPr marL="457200" lvl="0" indent="-457200">
+              <a:buFont typeface="Arial" panose="020B0604020202020204" pitchFamily="34" charset="0"/>
+              <a:buChar char="•"/>
+            </a:pPr>
+            <a:endParaRPr lang="it-IT" sz="5000" b="1" i="1" dirty="0">
+              <a:solidFill>
+                <a:srgbClr val="0072C6"/>
+              </a:solidFill>
+            </a:endParaRPr>
+          </a:p>
+          <a:p>
+            <a:endParaRPr lang="it-IT" sz="5000" b="1" i="1" dirty="0" smtClean="0">
+              <a:solidFill>
+                <a:srgbClr val="0072C6"/>
+              </a:solidFill>
+            </a:endParaRPr>
+          </a:p>
+          <a:p>
+            <a:endParaRPr lang="it-IT" sz="3000" b="1" i="1" dirty="0">
+              <a:solidFill>
+                <a:srgbClr val="0072C6"/>
+              </a:solidFill>
+            </a:endParaRPr>
+          </a:p>
+        </p:txBody>
+      </p:sp>
+      <p:sp>
+        <p:nvSpPr>
+          <p:cNvPr id="4" name="Rettangolo 3"/>
+          <p:cNvSpPr/>
+          <p:nvPr/>
+        </p:nvSpPr>
+        <p:spPr>
+          <a:xfrm>
+            <a:off x="0" y="6515100"/>
+            <a:ext cx="12192000" cy="342900"/>
+          </a:xfrm>
+          <a:prstGeom prst="rect">
+            <a:avLst/>
+          </a:prstGeom>
+          <a:solidFill>
+            <a:srgbClr val="0072C6"/>
+          </a:solidFill>
+        </p:spPr>
+        <p:style>
+          <a:lnRef idx="2">
+            <a:schemeClr val="accent1">
+              <a:shade val="50000"/>
+            </a:schemeClr>
+          </a:lnRef>
+          <a:fillRef idx="1">
+            <a:schemeClr val="accent1"/>
+          </a:fillRef>
+          <a:effectRef idx="0">
+            <a:schemeClr val="accent1"/>
+          </a:effectRef>
+          <a:fontRef idx="minor">
+            <a:schemeClr val="lt1"/>
+          </a:fontRef>
+        </p:style>
+        <p:txBody>
+          <a:bodyPr rtlCol="0" anchor="ctr"/>
+          <a:lstStyle/>
+          <a:p>
+            <a:pPr algn="ctr"/>
+            <a:endParaRPr lang="it-IT"/>
+          </a:p>
+        </p:txBody>
+      </p:sp>
+      <p:sp>
+        <p:nvSpPr>
+          <p:cNvPr id="7" name="CasellaDiTesto 6"/>
+          <p:cNvSpPr txBox="1"/>
+          <p:nvPr/>
+        </p:nvSpPr>
+        <p:spPr>
+          <a:xfrm>
+            <a:off x="454818" y="1526119"/>
+            <a:ext cx="11215688" cy="4401205"/>
+          </a:xfrm>
+          <a:prstGeom prst="rect">
+            <a:avLst/>
+          </a:prstGeom>
+          <a:noFill/>
+        </p:spPr>
+        <p:txBody>
+          <a:bodyPr wrap="square" rtlCol="0">
+            <a:spAutoFit/>
+          </a:bodyPr>
+          <a:lstStyle/>
+          <a:p>
+            <a:r>
+              <a:rPr lang="it-IT" sz="2800" spc="-100" dirty="0" smtClean="0">
+                <a:ln w="3175">
+                  <a:noFill/>
+                </a:ln>
+                <a:latin typeface="+mj-lt"/>
+                <a:cs typeface="Arial" charset="0"/>
+              </a:rPr>
+              <a:t>Il sistema può essere migliorato sviluppando una o più delle seguenti </a:t>
+            </a:r>
+            <a:r>
+              <a:rPr lang="it-IT" sz="2800" spc="-100" dirty="0" err="1" smtClean="0">
+                <a:ln w="3175">
+                  <a:noFill/>
+                </a:ln>
+                <a:latin typeface="+mj-lt"/>
+                <a:cs typeface="Arial" charset="0"/>
+              </a:rPr>
+              <a:t>features</a:t>
+            </a:r>
+            <a:r>
+              <a:rPr lang="it-IT" sz="2800" spc="-100" dirty="0" smtClean="0">
+                <a:ln w="3175">
+                  <a:noFill/>
+                </a:ln>
+                <a:latin typeface="+mj-lt"/>
+                <a:cs typeface="Arial" charset="0"/>
+              </a:rPr>
+              <a:t>:</a:t>
+            </a:r>
+          </a:p>
+          <a:p>
+            <a:pPr marL="457200" indent="-457200">
+              <a:buFont typeface="Arial" panose="020B0604020202020204" pitchFamily="34" charset="0"/>
+              <a:buChar char="•"/>
+            </a:pPr>
+            <a:endParaRPr lang="it-IT" sz="2800" spc="-100" dirty="0">
+              <a:ln w="3175">
+                <a:noFill/>
+              </a:ln>
+              <a:latin typeface="+mj-lt"/>
+              <a:cs typeface="Arial" charset="0"/>
+            </a:endParaRPr>
+          </a:p>
+          <a:p>
+            <a:pPr marL="457200" indent="-457200">
+              <a:buFont typeface="Arial" panose="020B0604020202020204" pitchFamily="34" charset="0"/>
+              <a:buChar char="•"/>
+            </a:pPr>
+            <a:r>
+              <a:rPr lang="it-IT" sz="2800" spc="-100" dirty="0" smtClean="0">
+                <a:ln w="3175">
+                  <a:noFill/>
+                </a:ln>
+                <a:latin typeface="+mj-lt"/>
+                <a:cs typeface="Arial" charset="0"/>
+              </a:rPr>
+              <a:t>Gestione automatica della pianificazione degli spostamenti in caso di SEP</a:t>
+            </a:r>
+          </a:p>
+          <a:p>
+            <a:pPr marL="457200" indent="-457200">
+              <a:buFont typeface="Arial" panose="020B0604020202020204" pitchFamily="34" charset="0"/>
+              <a:buChar char="•"/>
+            </a:pPr>
+            <a:r>
+              <a:rPr lang="it-IT" sz="2800" spc="-100" dirty="0" smtClean="0">
+                <a:ln w="3175">
+                  <a:noFill/>
+                </a:ln>
+                <a:latin typeface="+mj-lt"/>
+                <a:cs typeface="Arial" charset="0"/>
+              </a:rPr>
+              <a:t>Introduzione di nuove tipologie di sensori per una maggiore probabilità di identificazione SEP (esempio sensore sismico, geotermico </a:t>
+            </a:r>
+            <a:r>
+              <a:rPr lang="it-IT" sz="2800" spc="-100" dirty="0" err="1" smtClean="0">
+                <a:ln w="3175">
+                  <a:noFill/>
+                </a:ln>
+                <a:latin typeface="+mj-lt"/>
+                <a:cs typeface="Arial" charset="0"/>
+              </a:rPr>
+              <a:t>ecc</a:t>
+            </a:r>
+            <a:r>
+              <a:rPr lang="it-IT" sz="2800" spc="-100" dirty="0" smtClean="0">
+                <a:ln w="3175">
+                  <a:noFill/>
+                </a:ln>
+                <a:latin typeface="+mj-lt"/>
+                <a:cs typeface="Arial" charset="0"/>
+              </a:rPr>
+              <a:t>)</a:t>
+            </a:r>
+          </a:p>
+          <a:p>
+            <a:pPr marL="457200" indent="-457200">
+              <a:buFont typeface="Arial" panose="020B0604020202020204" pitchFamily="34" charset="0"/>
+              <a:buChar char="•"/>
+            </a:pPr>
+            <a:r>
+              <a:rPr lang="it-IT" sz="2800" spc="-100" dirty="0" smtClean="0">
+                <a:ln w="3175">
+                  <a:noFill/>
+                </a:ln>
+                <a:latin typeface="+mj-lt"/>
+                <a:cs typeface="Arial" charset="0"/>
+              </a:rPr>
+              <a:t>Introduzioni di nuovi metodi di segnalazione SEG (non solo da operatori a campo)</a:t>
+            </a:r>
+          </a:p>
+          <a:p>
+            <a:pPr marL="457200" indent="-457200">
+              <a:buFont typeface="Arial" panose="020B0604020202020204" pitchFamily="34" charset="0"/>
+              <a:buChar char="•"/>
+            </a:pPr>
+            <a:endParaRPr lang="it-IT" sz="2800" spc="-100" dirty="0" smtClean="0">
+              <a:ln w="3175">
+                <a:noFill/>
+              </a:ln>
+              <a:latin typeface="+mj-lt"/>
+              <a:cs typeface="Arial" charset="0"/>
+            </a:endParaRPr>
+          </a:p>
+          <a:p>
+            <a:endParaRPr lang="it-IT" sz="2800" spc="-100" dirty="0" smtClean="0">
+              <a:ln w="3175">
+                <a:noFill/>
+              </a:ln>
+              <a:latin typeface="+mj-lt"/>
+              <a:cs typeface="Arial" charset="0"/>
+            </a:endParaRPr>
+          </a:p>
+          <a:p>
+            <a:endParaRPr lang="it-IT" sz="2800" spc="-100" dirty="0">
+              <a:ln w="3175">
+                <a:noFill/>
+              </a:ln>
+              <a:latin typeface="+mj-lt"/>
+              <a:cs typeface="Arial" charset="0"/>
+            </a:endParaRPr>
+          </a:p>
+          <a:p>
+            <a:r>
+              <a:rPr lang="it-IT" sz="2800" spc="-100" dirty="0" smtClean="0">
+                <a:ln w="3175">
+                  <a:noFill/>
+                </a:ln>
+                <a:latin typeface="+mj-lt"/>
+                <a:cs typeface="Arial" charset="0"/>
+              </a:rPr>
+              <a:t>  </a:t>
+            </a:r>
+            <a:endParaRPr lang="it-IT" sz="2800" spc="-100" dirty="0" smtClean="0">
+              <a:ln w="3175">
+                <a:noFill/>
+              </a:ln>
+              <a:latin typeface="+mj-lt"/>
+              <a:cs typeface="Arial" charset="0"/>
+            </a:endParaRPr>
+          </a:p>
+        </p:txBody>
+      </p:sp>
+    </p:spTree>
+    <p:extLst>
+      <p:ext uri="{BB962C8B-B14F-4D97-AF65-F5344CB8AC3E}">
+        <p14:creationId xmlns:p14="http://schemas.microsoft.com/office/powerpoint/2010/main" val="785546957"/>
+      </p:ext>
+    </p:extLst>
+  </p:cSld>
+  <p:clrMapOvr>
+    <a:masterClrMapping/>
+  </p:clrMapOvr>
+  <p:transition spd="slow">
+    <p:push dir="u"/>
+  </p:transition>
+  <p:timing>
+    <p:tnLst>
+      <p:par>
+        <p:cTn id="1" dur="indefinite" restart="never" nodeType="tmRoot"/>
+      </p:par>
+    </p:tnLst>
+  </p:timing>
+</p:sld>
+</file>
+
+<file path=ppt/slides/slide89.xml><?xml version="1.0" encoding="utf-8"?>
+<p:sld xmlns:a="http://schemas.openxmlformats.org/drawingml/2006/main" xmlns:r="http://schemas.openxmlformats.org/officeDocument/2006/relationships" xmlns:p="http://schemas.openxmlformats.org/presentationml/2006/main">
+  <p:cSld>
+    <p:bg>
+      <p:bgPr>
+        <a:solidFill>
+          <a:srgbClr val="0072C6"/>
+        </a:solidFill>
+        <a:effectLst/>
+      </p:bgPr>
+    </p:bg>
+    <p:spTree>
+      <p:nvGrpSpPr>
+        <p:cNvPr id="1" name=""/>
+        <p:cNvGrpSpPr/>
+        <p:nvPr/>
+      </p:nvGrpSpPr>
+      <p:grpSpPr>
+        <a:xfrm>
+          <a:off x="0" y="0"/>
+          <a:ext cx="0" cy="0"/>
+          <a:chOff x="0" y="0"/>
+          <a:chExt cx="0" cy="0"/>
+        </a:xfrm>
+      </p:grpSpPr>
+      <p:sp>
+        <p:nvSpPr>
+          <p:cNvPr id="5" name="Sottotitolo 2"/>
+          <p:cNvSpPr>
+            <a:spLocks noGrp="1"/>
+          </p:cNvSpPr>
+          <p:nvPr>
+            <p:ph type="subTitle" idx="1"/>
+          </p:nvPr>
+        </p:nvSpPr>
+        <p:spPr>
+          <a:xfrm>
+            <a:off x="4376928" y="2769989"/>
+            <a:ext cx="2937511" cy="911995"/>
+          </a:xfrm>
+        </p:spPr>
+        <p:txBody>
+          <a:bodyPr>
+            <a:noAutofit/>
+          </a:bodyPr>
+          <a:lstStyle/>
+          <a:p>
+            <a:r>
+              <a:rPr lang="it-IT" sz="6000" b="1" dirty="0" smtClean="0">
+                <a:solidFill>
+                  <a:schemeClr val="bg1"/>
+                </a:solidFill>
+                <a:latin typeface="Segoe UI Light" panose="020B0502040204020203" pitchFamily="34" charset="0"/>
+              </a:rPr>
+              <a:t>The End</a:t>
+            </a:r>
+            <a:endParaRPr lang="it-IT" sz="6000" b="1" dirty="0" smtClean="0">
+              <a:solidFill>
+                <a:schemeClr val="bg1"/>
+              </a:solidFill>
+              <a:latin typeface="Segoe UI Light" panose="020B0502040204020203" pitchFamily="34" charset="0"/>
+            </a:endParaRPr>
+          </a:p>
+        </p:txBody>
+      </p:sp>
+    </p:spTree>
+    <p:extLst>
+      <p:ext uri="{BB962C8B-B14F-4D97-AF65-F5344CB8AC3E}">
+        <p14:creationId xmlns:p14="http://schemas.microsoft.com/office/powerpoint/2010/main" val="1491090847"/>
       </p:ext>
     </p:extLst>
   </p:cSld>

--- a/Febbraio 2015.pptx
+++ b/Febbraio 2015.pptx
@@ -320,11 +320,11 @@
           <c:showPercent val="0"/>
           <c:showBubbleSize val="0"/>
         </c:dLbls>
-        <c:axId val="150950496"/>
-        <c:axId val="150951056"/>
+        <c:axId val="117200848"/>
+        <c:axId val="117201408"/>
       </c:radarChart>
       <c:catAx>
-        <c:axId val="150950496"/>
+        <c:axId val="117200848"/>
         <c:scaling>
           <c:orientation val="minMax"/>
         </c:scaling>
@@ -367,7 +367,7 @@
             <a:endParaRPr lang="it-IT"/>
           </a:p>
         </c:txPr>
-        <c:crossAx val="150951056"/>
+        <c:crossAx val="117201408"/>
         <c:crosses val="autoZero"/>
         <c:auto val="1"/>
         <c:lblAlgn val="ctr"/>
@@ -375,7 +375,7 @@
         <c:noMultiLvlLbl val="0"/>
       </c:catAx>
       <c:valAx>
-        <c:axId val="150951056"/>
+        <c:axId val="117201408"/>
         <c:scaling>
           <c:orientation val="minMax"/>
           <c:max val="100"/>
@@ -426,7 +426,7 @@
             <a:endParaRPr lang="it-IT"/>
           </a:p>
         </c:txPr>
-        <c:crossAx val="150950496"/>
+        <c:crossAx val="117200848"/>
         <c:crosses val="autoZero"/>
         <c:crossBetween val="between"/>
         <c:majorUnit val="10"/>
@@ -582,11 +582,11 @@
           <c:showPercent val="0"/>
           <c:showBubbleSize val="0"/>
         </c:dLbls>
-        <c:axId val="150953296"/>
-        <c:axId val="150953856"/>
+        <c:axId val="117203648"/>
+        <c:axId val="117204208"/>
       </c:radarChart>
       <c:catAx>
-        <c:axId val="150953296"/>
+        <c:axId val="117203648"/>
         <c:scaling>
           <c:orientation val="minMax"/>
         </c:scaling>
@@ -629,7 +629,7 @@
             <a:endParaRPr lang="it-IT"/>
           </a:p>
         </c:txPr>
-        <c:crossAx val="150953856"/>
+        <c:crossAx val="117204208"/>
         <c:crosses val="autoZero"/>
         <c:auto val="1"/>
         <c:lblAlgn val="ctr"/>
@@ -637,7 +637,7 @@
         <c:noMultiLvlLbl val="0"/>
       </c:catAx>
       <c:valAx>
-        <c:axId val="150953856"/>
+        <c:axId val="117204208"/>
         <c:scaling>
           <c:orientation val="minMax"/>
         </c:scaling>
@@ -687,7 +687,7 @@
             <a:endParaRPr lang="it-IT"/>
           </a:p>
         </c:txPr>
-        <c:crossAx val="150953296"/>
+        <c:crossAx val="117203648"/>
         <c:crosses val="autoZero"/>
         <c:crossBetween val="between"/>
         <c:majorUnit val="10"/>
@@ -833,11 +833,11 @@
           <c:showPercent val="0"/>
           <c:showBubbleSize val="0"/>
         </c:dLbls>
-        <c:axId val="150956096"/>
-        <c:axId val="151527184"/>
+        <c:axId val="117206448"/>
+        <c:axId val="115460816"/>
       </c:radarChart>
       <c:catAx>
-        <c:axId val="150956096"/>
+        <c:axId val="117206448"/>
         <c:scaling>
           <c:orientation val="minMax"/>
         </c:scaling>
@@ -880,7 +880,7 @@
             <a:endParaRPr lang="it-IT"/>
           </a:p>
         </c:txPr>
-        <c:crossAx val="151527184"/>
+        <c:crossAx val="115460816"/>
         <c:crosses val="autoZero"/>
         <c:auto val="1"/>
         <c:lblAlgn val="ctr"/>
@@ -888,7 +888,7 @@
         <c:noMultiLvlLbl val="0"/>
       </c:catAx>
       <c:valAx>
-        <c:axId val="151527184"/>
+        <c:axId val="115460816"/>
         <c:scaling>
           <c:orientation val="minMax"/>
         </c:scaling>
@@ -938,7 +938,7 @@
             <a:endParaRPr lang="it-IT"/>
           </a:p>
         </c:txPr>
-        <c:crossAx val="150956096"/>
+        <c:crossAx val="117206448"/>
         <c:crosses val="autoZero"/>
         <c:crossBetween val="between"/>
         <c:majorUnit val="10"/>
@@ -2695,7 +2695,7 @@
           <a:p>
             <a:fld id="{4DC00536-3C86-400C-9F50-1275C6A29586}" type="datetimeFigureOut">
               <a:rPr lang="it-IT" smtClean="0"/>
-              <a:t>21/02/2015</a:t>
+              <a:t>22/02/2015</a:t>
             </a:fld>
             <a:endParaRPr lang="it-IT"/>
           </a:p>
@@ -3178,7 +3178,7 @@
           <a:p>
             <a:fld id="{0809BC95-6AD5-4D34-9000-81E21223B4F6}" type="datetimeFigureOut">
               <a:rPr lang="it-IT" smtClean="0"/>
-              <a:t>21/02/2015</a:t>
+              <a:t>22/02/2015</a:t>
             </a:fld>
             <a:endParaRPr lang="it-IT"/>
           </a:p>
@@ -3236,9 +3236,14 @@
   <p:clrMapOvr>
     <a:masterClrMapping/>
   </p:clrMapOvr>
-  <p:transition spd="slow">
-    <p:push dir="u"/>
-  </p:transition>
+  <mc:AlternateContent xmlns:mc="http://schemas.openxmlformats.org/markup-compatibility/2006">
+    <mc:Choice xmlns:p14="http://schemas.microsoft.com/office/powerpoint/2010/main" Requires="p14">
+      <p:transition p14:dur="10"/>
+    </mc:Choice>
+    <mc:Fallback>
+      <p:transition/>
+    </mc:Fallback>
+  </mc:AlternateContent>
 </p:sldLayout>
 </file>
 
@@ -3351,7 +3356,7 @@
           <a:p>
             <a:fld id="{0809BC95-6AD5-4D34-9000-81E21223B4F6}" type="datetimeFigureOut">
               <a:rPr lang="it-IT" smtClean="0"/>
-              <a:t>21/02/2015</a:t>
+              <a:t>22/02/2015</a:t>
             </a:fld>
             <a:endParaRPr lang="it-IT"/>
           </a:p>
@@ -3409,9 +3414,14 @@
   <p:clrMapOvr>
     <a:masterClrMapping/>
   </p:clrMapOvr>
-  <p:transition spd="slow">
-    <p:push dir="u"/>
-  </p:transition>
+  <mc:AlternateContent xmlns:mc="http://schemas.openxmlformats.org/markup-compatibility/2006">
+    <mc:Choice xmlns:p14="http://schemas.microsoft.com/office/powerpoint/2010/main" Requires="p14">
+      <p:transition p14:dur="10"/>
+    </mc:Choice>
+    <mc:Fallback>
+      <p:transition/>
+    </mc:Fallback>
+  </mc:AlternateContent>
 </p:sldLayout>
 </file>
 
@@ -3534,7 +3544,7 @@
           <a:p>
             <a:fld id="{0809BC95-6AD5-4D34-9000-81E21223B4F6}" type="datetimeFigureOut">
               <a:rPr lang="it-IT" smtClean="0"/>
-              <a:t>21/02/2015</a:t>
+              <a:t>22/02/2015</a:t>
             </a:fld>
             <a:endParaRPr lang="it-IT"/>
           </a:p>
@@ -3592,9 +3602,14 @@
   <p:clrMapOvr>
     <a:masterClrMapping/>
   </p:clrMapOvr>
-  <p:transition spd="slow">
-    <p:push dir="u"/>
-  </p:transition>
+  <mc:AlternateContent xmlns:mc="http://schemas.openxmlformats.org/markup-compatibility/2006">
+    <mc:Choice xmlns:p14="http://schemas.microsoft.com/office/powerpoint/2010/main" Requires="p14">
+      <p:transition p14:dur="10"/>
+    </mc:Choice>
+    <mc:Fallback>
+      <p:transition/>
+    </mc:Fallback>
+  </mc:AlternateContent>
 </p:sldLayout>
 </file>
 
@@ -3707,7 +3722,7 @@
           <a:p>
             <a:fld id="{0809BC95-6AD5-4D34-9000-81E21223B4F6}" type="datetimeFigureOut">
               <a:rPr lang="it-IT" smtClean="0"/>
-              <a:t>21/02/2015</a:t>
+              <a:t>22/02/2015</a:t>
             </a:fld>
             <a:endParaRPr lang="it-IT"/>
           </a:p>
@@ -3765,9 +3780,14 @@
   <p:clrMapOvr>
     <a:masterClrMapping/>
   </p:clrMapOvr>
-  <p:transition spd="slow">
-    <p:push dir="u"/>
-  </p:transition>
+  <mc:AlternateContent xmlns:mc="http://schemas.openxmlformats.org/markup-compatibility/2006">
+    <mc:Choice xmlns:p14="http://schemas.microsoft.com/office/powerpoint/2010/main" Requires="p14">
+      <p:transition p14:dur="10"/>
+    </mc:Choice>
+    <mc:Fallback>
+      <p:transition/>
+    </mc:Fallback>
+  </mc:AlternateContent>
 </p:sldLayout>
 </file>
 
@@ -3956,7 +3976,7 @@
           <a:p>
             <a:fld id="{0809BC95-6AD5-4D34-9000-81E21223B4F6}" type="datetimeFigureOut">
               <a:rPr lang="it-IT" smtClean="0"/>
-              <a:t>21/02/2015</a:t>
+              <a:t>22/02/2015</a:t>
             </a:fld>
             <a:endParaRPr lang="it-IT"/>
           </a:p>
@@ -4014,9 +4034,14 @@
   <p:clrMapOvr>
     <a:masterClrMapping/>
   </p:clrMapOvr>
-  <p:transition spd="slow">
-    <p:push dir="u"/>
-  </p:transition>
+  <mc:AlternateContent xmlns:mc="http://schemas.openxmlformats.org/markup-compatibility/2006">
+    <mc:Choice xmlns:p14="http://schemas.microsoft.com/office/powerpoint/2010/main" Requires="p14">
+      <p:transition p14:dur="10"/>
+    </mc:Choice>
+    <mc:Fallback>
+      <p:transition/>
+    </mc:Fallback>
+  </mc:AlternateContent>
 </p:sldLayout>
 </file>
 
@@ -4191,7 +4216,7 @@
           <a:p>
             <a:fld id="{0809BC95-6AD5-4D34-9000-81E21223B4F6}" type="datetimeFigureOut">
               <a:rPr lang="it-IT" smtClean="0"/>
-              <a:t>21/02/2015</a:t>
+              <a:t>22/02/2015</a:t>
             </a:fld>
             <a:endParaRPr lang="it-IT"/>
           </a:p>
@@ -4249,9 +4274,14 @@
   <p:clrMapOvr>
     <a:masterClrMapping/>
   </p:clrMapOvr>
-  <p:transition spd="slow">
-    <p:push dir="u"/>
-  </p:transition>
+  <mc:AlternateContent xmlns:mc="http://schemas.openxmlformats.org/markup-compatibility/2006">
+    <mc:Choice xmlns:p14="http://schemas.microsoft.com/office/powerpoint/2010/main" Requires="p14">
+      <p:transition p14:dur="10"/>
+    </mc:Choice>
+    <mc:Fallback>
+      <p:transition/>
+    </mc:Fallback>
+  </mc:AlternateContent>
 </p:sldLayout>
 </file>
 
@@ -4561,7 +4591,7 @@
           <a:p>
             <a:fld id="{0809BC95-6AD5-4D34-9000-81E21223B4F6}" type="datetimeFigureOut">
               <a:rPr lang="it-IT" smtClean="0"/>
-              <a:t>21/02/2015</a:t>
+              <a:t>22/02/2015</a:t>
             </a:fld>
             <a:endParaRPr lang="it-IT"/>
           </a:p>
@@ -4619,9 +4649,14 @@
   <p:clrMapOvr>
     <a:masterClrMapping/>
   </p:clrMapOvr>
-  <p:transition spd="slow">
-    <p:push dir="u"/>
-  </p:transition>
+  <mc:AlternateContent xmlns:mc="http://schemas.openxmlformats.org/markup-compatibility/2006">
+    <mc:Choice xmlns:p14="http://schemas.microsoft.com/office/powerpoint/2010/main" Requires="p14">
+      <p:transition p14:dur="10"/>
+    </mc:Choice>
+    <mc:Fallback>
+      <p:transition/>
+    </mc:Fallback>
+  </mc:AlternateContent>
 </p:sldLayout>
 </file>
 
@@ -4682,7 +4717,7 @@
           <a:p>
             <a:fld id="{0809BC95-6AD5-4D34-9000-81E21223B4F6}" type="datetimeFigureOut">
               <a:rPr lang="it-IT" smtClean="0"/>
-              <a:t>21/02/2015</a:t>
+              <a:t>22/02/2015</a:t>
             </a:fld>
             <a:endParaRPr lang="it-IT"/>
           </a:p>
@@ -4740,9 +4775,14 @@
   <p:clrMapOvr>
     <a:masterClrMapping/>
   </p:clrMapOvr>
-  <p:transition spd="slow">
-    <p:push dir="u"/>
-  </p:transition>
+  <mc:AlternateContent xmlns:mc="http://schemas.openxmlformats.org/markup-compatibility/2006">
+    <mc:Choice xmlns:p14="http://schemas.microsoft.com/office/powerpoint/2010/main" Requires="p14">
+      <p:transition p14:dur="10"/>
+    </mc:Choice>
+    <mc:Fallback>
+      <p:transition/>
+    </mc:Fallback>
+  </mc:AlternateContent>
 </p:sldLayout>
 </file>
 
@@ -4780,7 +4820,7 @@
           <a:p>
             <a:fld id="{0809BC95-6AD5-4D34-9000-81E21223B4F6}" type="datetimeFigureOut">
               <a:rPr lang="it-IT" smtClean="0"/>
-              <a:t>21/02/2015</a:t>
+              <a:t>22/02/2015</a:t>
             </a:fld>
             <a:endParaRPr lang="it-IT"/>
           </a:p>
@@ -4838,9 +4878,14 @@
   <p:clrMapOvr>
     <a:masterClrMapping/>
   </p:clrMapOvr>
-  <p:transition spd="slow">
-    <p:push dir="u"/>
-  </p:transition>
+  <mc:AlternateContent xmlns:mc="http://schemas.openxmlformats.org/markup-compatibility/2006">
+    <mc:Choice xmlns:p14="http://schemas.microsoft.com/office/powerpoint/2010/main" Requires="p14">
+      <p:transition p14:dur="10"/>
+    </mc:Choice>
+    <mc:Fallback>
+      <p:transition/>
+    </mc:Fallback>
+  </mc:AlternateContent>
 </p:sldLayout>
 </file>
 
@@ -5060,7 +5105,7 @@
           <a:p>
             <a:fld id="{0809BC95-6AD5-4D34-9000-81E21223B4F6}" type="datetimeFigureOut">
               <a:rPr lang="it-IT" smtClean="0"/>
-              <a:t>21/02/2015</a:t>
+              <a:t>22/02/2015</a:t>
             </a:fld>
             <a:endParaRPr lang="it-IT"/>
           </a:p>
@@ -5118,9 +5163,14 @@
   <p:clrMapOvr>
     <a:masterClrMapping/>
   </p:clrMapOvr>
-  <p:transition spd="slow">
-    <p:push dir="u"/>
-  </p:transition>
+  <mc:AlternateContent xmlns:mc="http://schemas.openxmlformats.org/markup-compatibility/2006">
+    <mc:Choice xmlns:p14="http://schemas.microsoft.com/office/powerpoint/2010/main" Requires="p14">
+      <p:transition p14:dur="10"/>
+    </mc:Choice>
+    <mc:Fallback>
+      <p:transition/>
+    </mc:Fallback>
+  </mc:AlternateContent>
 </p:sldLayout>
 </file>
 
@@ -5316,7 +5366,7 @@
           <a:p>
             <a:fld id="{0809BC95-6AD5-4D34-9000-81E21223B4F6}" type="datetimeFigureOut">
               <a:rPr lang="it-IT" smtClean="0"/>
-              <a:t>21/02/2015</a:t>
+              <a:t>22/02/2015</a:t>
             </a:fld>
             <a:endParaRPr lang="it-IT"/>
           </a:p>
@@ -5374,9 +5424,14 @@
   <p:clrMapOvr>
     <a:masterClrMapping/>
   </p:clrMapOvr>
-  <p:transition spd="slow">
-    <p:push dir="u"/>
-  </p:transition>
+  <mc:AlternateContent xmlns:mc="http://schemas.openxmlformats.org/markup-compatibility/2006">
+    <mc:Choice xmlns:p14="http://schemas.microsoft.com/office/powerpoint/2010/main" Requires="p14">
+      <p:transition p14:dur="10"/>
+    </mc:Choice>
+    <mc:Fallback>
+      <p:transition/>
+    </mc:Fallback>
+  </mc:AlternateContent>
 </p:sldLayout>
 </file>
 
@@ -5532,7 +5587,7 @@
           <a:p>
             <a:fld id="{0809BC95-6AD5-4D34-9000-81E21223B4F6}" type="datetimeFigureOut">
               <a:rPr lang="it-IT" smtClean="0"/>
-              <a:t>21/02/2015</a:t>
+              <a:t>22/02/2015</a:t>
             </a:fld>
             <a:endParaRPr lang="it-IT"/>
           </a:p>
@@ -5637,9 +5692,14 @@
     <p:sldLayoutId id="2147483658" r:id="rId10"/>
     <p:sldLayoutId id="2147483659" r:id="rId11"/>
   </p:sldLayoutIdLst>
-  <p:transition spd="slow">
-    <p:push dir="u"/>
-  </p:transition>
+  <mc:AlternateContent xmlns:mc="http://schemas.openxmlformats.org/markup-compatibility/2006">
+    <mc:Choice xmlns:p14="http://schemas.microsoft.com/office/powerpoint/2010/main" Requires="p14">
+      <p:transition p14:dur="10"/>
+    </mc:Choice>
+    <mc:Fallback>
+      <p:transition/>
+    </mc:Fallback>
+  </mc:AlternateContent>
   <p:txStyles>
     <p:titleStyle>
       <a:lvl1pPr algn="l" defTabSz="914400" rtl="0" eaLnBrk="1" latinLnBrk="0" hangingPunct="1">
@@ -6237,9 +6297,14 @@
   <p:clrMapOvr>
     <a:masterClrMapping/>
   </p:clrMapOvr>
-  <p:transition spd="slow">
-    <p:push dir="u"/>
-  </p:transition>
+  <mc:AlternateContent xmlns:mc="http://schemas.openxmlformats.org/markup-compatibility/2006">
+    <mc:Choice xmlns:p14="http://schemas.microsoft.com/office/powerpoint/2010/main" Requires="p14">
+      <p:transition p14:dur="10"/>
+    </mc:Choice>
+    <mc:Fallback>
+      <p:transition/>
+    </mc:Fallback>
+  </mc:AlternateContent>
   <p:timing>
     <p:tnLst>
       <p:par>
@@ -6654,9 +6719,14 @@
   <p:clrMapOvr>
     <a:masterClrMapping/>
   </p:clrMapOvr>
-  <p:transition spd="slow">
-    <p:push dir="u"/>
-  </p:transition>
+  <mc:AlternateContent xmlns:mc="http://schemas.openxmlformats.org/markup-compatibility/2006">
+    <mc:Choice xmlns:p14="http://schemas.microsoft.com/office/powerpoint/2010/main" Requires="p14">
+      <p:transition p14:dur="10"/>
+    </mc:Choice>
+    <mc:Fallback>
+      <p:transition/>
+    </mc:Fallback>
+  </mc:AlternateContent>
   <p:timing>
     <p:tnLst>
       <p:par>
@@ -7158,9 +7228,14 @@
   <p:clrMapOvr>
     <a:masterClrMapping/>
   </p:clrMapOvr>
-  <p:transition spd="slow">
-    <p:push dir="u"/>
-  </p:transition>
+  <mc:AlternateContent xmlns:mc="http://schemas.openxmlformats.org/markup-compatibility/2006">
+    <mc:Choice xmlns:p14="http://schemas.microsoft.com/office/powerpoint/2010/main" Requires="p14">
+      <p:transition p14:dur="10"/>
+    </mc:Choice>
+    <mc:Fallback>
+      <p:transition/>
+    </mc:Fallback>
+  </mc:AlternateContent>
   <p:timing>
     <p:tnLst>
       <p:par>
@@ -7495,9 +7570,14 @@
   <p:clrMapOvr>
     <a:masterClrMapping/>
   </p:clrMapOvr>
-  <p:transition spd="slow">
-    <p:push dir="u"/>
-  </p:transition>
+  <mc:AlternateContent xmlns:mc="http://schemas.openxmlformats.org/markup-compatibility/2006">
+    <mc:Choice xmlns:p14="http://schemas.microsoft.com/office/powerpoint/2010/main" Requires="p14">
+      <p:transition p14:dur="10"/>
+    </mc:Choice>
+    <mc:Fallback>
+      <p:transition/>
+    </mc:Fallback>
+  </mc:AlternateContent>
   <p:timing>
     <p:tnLst>
       <p:par>
@@ -8024,9 +8104,14 @@
   <p:clrMapOvr>
     <a:masterClrMapping/>
   </p:clrMapOvr>
-  <p:transition spd="slow">
-    <p:push dir="u"/>
-  </p:transition>
+  <mc:AlternateContent xmlns:mc="http://schemas.openxmlformats.org/markup-compatibility/2006">
+    <mc:Choice xmlns:p14="http://schemas.microsoft.com/office/powerpoint/2010/main" Requires="p14">
+      <p:transition p14:dur="10"/>
+    </mc:Choice>
+    <mc:Fallback>
+      <p:transition/>
+    </mc:Fallback>
+  </mc:AlternateContent>
   <p:timing>
     <p:tnLst>
       <p:par>
@@ -8437,9 +8522,14 @@
   <p:clrMapOvr>
     <a:masterClrMapping/>
   </p:clrMapOvr>
-  <p:transition spd="slow">
-    <p:push dir="u"/>
-  </p:transition>
+  <mc:AlternateContent xmlns:mc="http://schemas.openxmlformats.org/markup-compatibility/2006">
+    <mc:Choice xmlns:p14="http://schemas.microsoft.com/office/powerpoint/2010/main" Requires="p14">
+      <p:transition p14:dur="10"/>
+    </mc:Choice>
+    <mc:Fallback>
+      <p:transition/>
+    </mc:Fallback>
+  </mc:AlternateContent>
   <p:timing>
     <p:tnLst>
       <p:par>
@@ -8753,9 +8843,14 @@
   <p:clrMapOvr>
     <a:masterClrMapping/>
   </p:clrMapOvr>
-  <p:transition spd="slow">
-    <p:push dir="u"/>
-  </p:transition>
+  <mc:AlternateContent xmlns:mc="http://schemas.openxmlformats.org/markup-compatibility/2006">
+    <mc:Choice xmlns:p14="http://schemas.microsoft.com/office/powerpoint/2010/main" Requires="p14">
+      <p:transition p14:dur="10"/>
+    </mc:Choice>
+    <mc:Fallback>
+      <p:transition/>
+    </mc:Fallback>
+  </mc:AlternateContent>
   <p:timing>
     <p:tnLst>
       <p:par>
@@ -8828,103 +8923,6 @@
       </p:sp>
       <p:sp>
         <p:nvSpPr>
-          <p:cNvPr id="9" name="CasellaDiTesto 8"/>
-          <p:cNvSpPr txBox="1"/>
-          <p:nvPr/>
-        </p:nvSpPr>
-        <p:spPr>
-          <a:xfrm>
-            <a:off x="415529" y="314326"/>
-            <a:ext cx="11613357" cy="2308324"/>
-          </a:xfrm>
-          <a:prstGeom prst="rect">
-            <a:avLst/>
-          </a:prstGeom>
-          <a:noFill/>
-        </p:spPr>
-        <p:txBody>
-          <a:bodyPr wrap="square" rtlCol="0">
-            <a:spAutoFit/>
-          </a:bodyPr>
-          <a:lstStyle/>
-          <a:p>
-            <a:r>
-              <a:rPr lang="it-IT" sz="5400" b="1" spc="-100" dirty="0" smtClean="0">
-                <a:ln w="3175">
-                  <a:noFill/>
-                </a:ln>
-                <a:solidFill>
-                  <a:srgbClr val="0072C6"/>
-                </a:solidFill>
-                <a:latin typeface="+mj-lt"/>
-                <a:cs typeface="Arial" charset="0"/>
-              </a:rPr>
-              <a:t>Use </a:t>
-            </a:r>
-            <a:r>
-              <a:rPr lang="it-IT" sz="5400" b="1" spc="-100" dirty="0" err="1" smtClean="0">
-                <a:ln w="3175">
-                  <a:noFill/>
-                </a:ln>
-                <a:solidFill>
-                  <a:srgbClr val="0072C6"/>
-                </a:solidFill>
-                <a:latin typeface="+mj-lt"/>
-                <a:cs typeface="Arial" charset="0"/>
-              </a:rPr>
-              <a:t>cases</a:t>
-            </a:r>
-            <a:endParaRPr lang="it-IT" sz="5400" b="1" spc="-100" dirty="0">
-              <a:ln w="3175">
-                <a:noFill/>
-              </a:ln>
-              <a:solidFill>
-                <a:srgbClr val="0072C6"/>
-              </a:solidFill>
-              <a:latin typeface="+mj-lt"/>
-              <a:cs typeface="Arial" charset="0"/>
-            </a:endParaRPr>
-          </a:p>
-          <a:p>
-            <a:endParaRPr lang="it-IT" sz="3000" b="1" spc="-100" dirty="0" smtClean="0">
-              <a:ln w="3175">
-                <a:noFill/>
-              </a:ln>
-              <a:solidFill>
-                <a:srgbClr val="0072C6"/>
-              </a:solidFill>
-              <a:latin typeface="+mj-lt"/>
-              <a:cs typeface="Arial" charset="0"/>
-            </a:endParaRPr>
-          </a:p>
-          <a:p>
-            <a:endParaRPr lang="it-IT" sz="3000" b="1" spc="-100" dirty="0">
-              <a:ln w="3175">
-                <a:noFill/>
-              </a:ln>
-              <a:solidFill>
-                <a:srgbClr val="0072C6"/>
-              </a:solidFill>
-              <a:latin typeface="+mj-lt"/>
-              <a:cs typeface="Arial" charset="0"/>
-            </a:endParaRPr>
-          </a:p>
-          <a:p>
-            <a:endParaRPr lang="it-IT" sz="3000" b="1" spc="-100" dirty="0">
-              <a:ln w="3175">
-                <a:noFill/>
-              </a:ln>
-              <a:solidFill>
-                <a:srgbClr val="0072C6"/>
-              </a:solidFill>
-              <a:latin typeface="+mj-lt"/>
-              <a:cs typeface="Arial" charset="0"/>
-            </a:endParaRPr>
-          </a:p>
-        </p:txBody>
-      </p:sp>
-      <p:sp>
-        <p:nvSpPr>
           <p:cNvPr id="4" name="Rettangolo 3"/>
           <p:cNvSpPr/>
           <p:nvPr/>
@@ -8966,36 +8964,6 @@
           </a:p>
         </p:txBody>
       </p:sp>
-      <p:pic>
-        <p:nvPicPr>
-          <p:cNvPr id="3" name="Immagine 2" descr="Schermata 2015-02-19 alle 14.35.01.png"/>
-          <p:cNvPicPr>
-            <a:picLocks noChangeAspect="1"/>
-          </p:cNvPicPr>
-          <p:nvPr/>
-        </p:nvPicPr>
-        <p:blipFill>
-          <a:blip r:embed="rId2">
-            <a:extLst>
-              <a:ext uri="{28A0092B-C50C-407E-A947-70E740481C1C}">
-                <a14:useLocalDpi xmlns:a14="http://schemas.microsoft.com/office/drawing/2010/main" val="0"/>
-              </a:ext>
-            </a:extLst>
-          </a:blip>
-          <a:stretch>
-            <a:fillRect/>
-          </a:stretch>
-        </p:blipFill>
-        <p:spPr>
-          <a:xfrm>
-            <a:off x="308912" y="1064099"/>
-            <a:ext cx="11361084" cy="5446353"/>
-          </a:xfrm>
-          <a:prstGeom prst="rect">
-            <a:avLst/>
-          </a:prstGeom>
-        </p:spPr>
-      </p:pic>
       <p:sp>
         <p:nvSpPr>
           <p:cNvPr id="2" name="Rettangolo 1"/>
@@ -9086,16 +9054,143 @@
           </a:p>
         </p:txBody>
       </p:sp>
+      <p:pic>
+        <p:nvPicPr>
+          <p:cNvPr id="7" name="Immagine 6"/>
+          <p:cNvPicPr>
+            <a:picLocks noChangeAspect="1"/>
+          </p:cNvPicPr>
+          <p:nvPr/>
+        </p:nvPicPr>
+        <p:blipFill>
+          <a:blip r:embed="rId2">
+            <a:extLst>
+              <a:ext uri="{28A0092B-C50C-407E-A947-70E740481C1C}">
+                <a14:useLocalDpi xmlns:a14="http://schemas.microsoft.com/office/drawing/2010/main" val="0"/>
+              </a:ext>
+            </a:extLst>
+          </a:blip>
+          <a:stretch>
+            <a:fillRect/>
+          </a:stretch>
+        </p:blipFill>
+        <p:spPr>
+          <a:xfrm>
+            <a:off x="1593817" y="657226"/>
+            <a:ext cx="10232137" cy="5864464"/>
+          </a:xfrm>
+          <a:prstGeom prst="rect">
+            <a:avLst/>
+          </a:prstGeom>
+        </p:spPr>
+      </p:pic>
       <p:sp>
         <p:nvSpPr>
-          <p:cNvPr id="8" name="Triangolo isoscele 7"/>
+          <p:cNvPr id="9" name="CasellaDiTesto 8"/>
+          <p:cNvSpPr txBox="1"/>
+          <p:nvPr/>
+        </p:nvSpPr>
+        <p:spPr>
+          <a:xfrm>
+            <a:off x="415529" y="314326"/>
+            <a:ext cx="10813303" cy="2308324"/>
+          </a:xfrm>
+          <a:prstGeom prst="rect">
+            <a:avLst/>
+          </a:prstGeom>
+          <a:noFill/>
+        </p:spPr>
+        <p:txBody>
+          <a:bodyPr wrap="square" rtlCol="0">
+            <a:spAutoFit/>
+          </a:bodyPr>
+          <a:lstStyle/>
+          <a:p>
+            <a:r>
+              <a:rPr lang="it-IT" sz="5400" b="1" spc="-100" dirty="0" smtClean="0">
+                <a:ln w="3175">
+                  <a:noFill/>
+                </a:ln>
+                <a:solidFill>
+                  <a:srgbClr val="0072C6"/>
+                </a:solidFill>
+                <a:latin typeface="+mj-lt"/>
+                <a:cs typeface="Arial" charset="0"/>
+              </a:rPr>
+              <a:t>Use </a:t>
+            </a:r>
+            <a:r>
+              <a:rPr lang="it-IT" sz="5400" b="1" spc="-100" dirty="0" err="1" smtClean="0">
+                <a:ln w="3175">
+                  <a:noFill/>
+                </a:ln>
+                <a:solidFill>
+                  <a:srgbClr val="0072C6"/>
+                </a:solidFill>
+                <a:latin typeface="+mj-lt"/>
+                <a:cs typeface="Arial" charset="0"/>
+              </a:rPr>
+              <a:t>cases</a:t>
+            </a:r>
+            <a:endParaRPr lang="it-IT" sz="5400" b="1" spc="-100" dirty="0">
+              <a:ln w="3175">
+                <a:noFill/>
+              </a:ln>
+              <a:solidFill>
+                <a:srgbClr val="0072C6"/>
+              </a:solidFill>
+              <a:latin typeface="+mj-lt"/>
+              <a:cs typeface="Arial" charset="0"/>
+            </a:endParaRPr>
+          </a:p>
+          <a:p>
+            <a:endParaRPr lang="it-IT" sz="3000" b="1" spc="-100" dirty="0" smtClean="0">
+              <a:ln w="3175">
+                <a:noFill/>
+              </a:ln>
+              <a:solidFill>
+                <a:srgbClr val="0072C6"/>
+              </a:solidFill>
+              <a:latin typeface="+mj-lt"/>
+              <a:cs typeface="Arial" charset="0"/>
+            </a:endParaRPr>
+          </a:p>
+          <a:p>
+            <a:endParaRPr lang="it-IT" sz="3000" b="1" spc="-100" dirty="0">
+              <a:ln w="3175">
+                <a:noFill/>
+              </a:ln>
+              <a:solidFill>
+                <a:srgbClr val="0072C6"/>
+              </a:solidFill>
+              <a:latin typeface="+mj-lt"/>
+              <a:cs typeface="Arial" charset="0"/>
+            </a:endParaRPr>
+          </a:p>
+          <a:p>
+            <a:endParaRPr lang="it-IT" sz="3000" b="1" spc="-100" dirty="0">
+              <a:ln w="3175">
+                <a:noFill/>
+              </a:ln>
+              <a:solidFill>
+                <a:srgbClr val="0072C6"/>
+              </a:solidFill>
+              <a:latin typeface="+mj-lt"/>
+              <a:cs typeface="Arial" charset="0"/>
+            </a:endParaRPr>
+          </a:p>
+        </p:txBody>
+      </p:sp>
+      <p:sp>
+        <p:nvSpPr>
+          <p:cNvPr id="19" name="Triangolo isoscele 18"/>
           <p:cNvSpPr/>
           <p:nvPr/>
         </p:nvSpPr>
         <p:spPr>
-          <a:xfrm rot="5228276">
-            <a:off x="2907339" y="1344153"/>
-            <a:ext cx="189303" cy="136476"/>
+          <a:xfrm rot="4892389">
+            <a:off x="4001834" y="954389"/>
+            <a:ext cx="156796" cy="123234"/>
           </a:xfrm>
           <a:prstGeom prst="triangle">
             <a:avLst/>
@@ -9128,14 +9223,14 @@
       </p:sp>
       <p:sp>
         <p:nvSpPr>
-          <p:cNvPr id="12" name="Triangolo isoscele 11"/>
+          <p:cNvPr id="21" name="Triangolo isoscele 20"/>
           <p:cNvSpPr/>
           <p:nvPr/>
         </p:nvSpPr>
         <p:spPr>
-          <a:xfrm rot="5228276">
-            <a:off x="3090737" y="1827478"/>
-            <a:ext cx="189303" cy="136476"/>
+          <a:xfrm rot="5764653">
+            <a:off x="4179716" y="1494391"/>
+            <a:ext cx="143455" cy="145051"/>
           </a:xfrm>
           <a:prstGeom prst="triangle">
             <a:avLst/>
@@ -9168,14 +9263,14 @@
       </p:sp>
       <p:sp>
         <p:nvSpPr>
-          <p:cNvPr id="13" name="Triangolo isoscele 12"/>
+          <p:cNvPr id="22" name="Triangolo isoscele 21"/>
           <p:cNvSpPr/>
           <p:nvPr/>
         </p:nvSpPr>
         <p:spPr>
-          <a:xfrm rot="4085872">
-            <a:off x="8058463" y="1461214"/>
-            <a:ext cx="169678" cy="155348"/>
+          <a:xfrm rot="16384888">
+            <a:off x="5221564" y="4505181"/>
+            <a:ext cx="152137" cy="190916"/>
           </a:xfrm>
           <a:prstGeom prst="triangle">
             <a:avLst/>
@@ -9208,14 +9303,14 @@
       </p:sp>
       <p:sp>
         <p:nvSpPr>
-          <p:cNvPr id="14" name="Triangolo isoscele 13"/>
+          <p:cNvPr id="23" name="Triangolo isoscele 22"/>
           <p:cNvSpPr/>
           <p:nvPr/>
         </p:nvSpPr>
         <p:spPr>
-          <a:xfrm rot="4085872">
-            <a:off x="7792851" y="2215388"/>
-            <a:ext cx="169678" cy="155348"/>
+          <a:xfrm rot="17068366">
+            <a:off x="4859539" y="5501750"/>
+            <a:ext cx="149738" cy="171489"/>
           </a:xfrm>
           <a:prstGeom prst="triangle">
             <a:avLst/>
@@ -9248,14 +9343,14 @@
       </p:sp>
       <p:sp>
         <p:nvSpPr>
-          <p:cNvPr id="15" name="Triangolo isoscele 14"/>
+          <p:cNvPr id="24" name="Triangolo isoscele 23"/>
           <p:cNvSpPr/>
           <p:nvPr/>
         </p:nvSpPr>
         <p:spPr>
-          <a:xfrm rot="5400000">
-            <a:off x="4739146" y="2775644"/>
-            <a:ext cx="233596" cy="146217"/>
+          <a:xfrm rot="11209492">
+            <a:off x="1869521" y="3816753"/>
+            <a:ext cx="147730" cy="120242"/>
           </a:xfrm>
           <a:prstGeom prst="triangle">
             <a:avLst/>
@@ -9288,14 +9383,14 @@
       </p:sp>
       <p:sp>
         <p:nvSpPr>
-          <p:cNvPr id="16" name="Triangolo isoscele 15"/>
+          <p:cNvPr id="25" name="Triangolo isoscele 24"/>
           <p:cNvSpPr/>
           <p:nvPr/>
         </p:nvSpPr>
         <p:spPr>
-          <a:xfrm rot="5905167">
-            <a:off x="3698470" y="3086518"/>
-            <a:ext cx="233596" cy="146217"/>
+          <a:xfrm>
+            <a:off x="2267712" y="5261913"/>
+            <a:ext cx="170255" cy="102567"/>
           </a:xfrm>
           <a:prstGeom prst="triangle">
             <a:avLst/>
@@ -9328,14 +9423,14 @@
       </p:sp>
       <p:sp>
         <p:nvSpPr>
-          <p:cNvPr id="17" name="Triangolo isoscele 16"/>
+          <p:cNvPr id="26" name="Triangolo isoscele 25"/>
           <p:cNvSpPr/>
           <p:nvPr/>
         </p:nvSpPr>
         <p:spPr>
-          <a:xfrm rot="11200206">
-            <a:off x="602572" y="3901370"/>
-            <a:ext cx="233596" cy="146217"/>
+          <a:xfrm rot="5962915">
+            <a:off x="4720873" y="2906421"/>
+            <a:ext cx="141168" cy="149328"/>
           </a:xfrm>
           <a:prstGeom prst="triangle">
             <a:avLst/>
@@ -9368,14 +9463,14 @@
       </p:sp>
       <p:sp>
         <p:nvSpPr>
-          <p:cNvPr id="18" name="Triangolo isoscele 17"/>
+          <p:cNvPr id="27" name="Triangolo isoscele 26"/>
           <p:cNvSpPr/>
           <p:nvPr/>
         </p:nvSpPr>
         <p:spPr>
-          <a:xfrm>
-            <a:off x="1036526" y="5151051"/>
-            <a:ext cx="233596" cy="146217"/>
+          <a:xfrm rot="5080462">
+            <a:off x="5665185" y="2557938"/>
+            <a:ext cx="160632" cy="143586"/>
           </a:xfrm>
           <a:prstGeom prst="triangle">
             <a:avLst/>
@@ -9408,14 +9503,14 @@
       </p:sp>
       <p:sp>
         <p:nvSpPr>
-          <p:cNvPr id="19" name="Triangolo isoscele 18"/>
+          <p:cNvPr id="28" name="Triangolo isoscele 27"/>
           <p:cNvSpPr/>
           <p:nvPr/>
         </p:nvSpPr>
         <p:spPr>
-          <a:xfrm rot="17144326">
-            <a:off x="3904854" y="5460206"/>
-            <a:ext cx="233596" cy="146217"/>
+          <a:xfrm rot="5080462">
+            <a:off x="8329994" y="1968861"/>
+            <a:ext cx="150490" cy="97444"/>
           </a:xfrm>
           <a:prstGeom prst="triangle">
             <a:avLst/>
@@ -9448,14 +9543,14 @@
       </p:sp>
       <p:sp>
         <p:nvSpPr>
-          <p:cNvPr id="20" name="Triangolo isoscele 19"/>
+          <p:cNvPr id="29" name="Triangolo isoscele 28"/>
           <p:cNvSpPr/>
           <p:nvPr/>
         </p:nvSpPr>
         <p:spPr>
-          <a:xfrm rot="7625111">
-            <a:off x="3005420" y="4132821"/>
-            <a:ext cx="279928" cy="147908"/>
+          <a:xfrm rot="4011855">
+            <a:off x="8677860" y="1084429"/>
+            <a:ext cx="149930" cy="114851"/>
           </a:xfrm>
           <a:prstGeom prst="triangle">
             <a:avLst/>
@@ -9496,9 +9591,14 @@
   <p:clrMapOvr>
     <a:masterClrMapping/>
   </p:clrMapOvr>
-  <p:transition spd="slow">
-    <p:push dir="u"/>
-  </p:transition>
+  <mc:AlternateContent xmlns:mc="http://schemas.openxmlformats.org/markup-compatibility/2006">
+    <mc:Choice xmlns:p14="http://schemas.microsoft.com/office/powerpoint/2010/main" Requires="p14">
+      <p:transition p14:dur="10"/>
+    </mc:Choice>
+    <mc:Fallback>
+      <p:transition/>
+    </mc:Fallback>
+  </mc:AlternateContent>
   <p:timing>
     <p:tnLst>
       <p:par>
@@ -9724,9 +9824,14 @@
   <p:clrMapOvr>
     <a:masterClrMapping/>
   </p:clrMapOvr>
-  <p:transition spd="slow">
-    <p:push dir="u"/>
-  </p:transition>
+  <mc:AlternateContent xmlns:mc="http://schemas.openxmlformats.org/markup-compatibility/2006">
+    <mc:Choice xmlns:p14="http://schemas.microsoft.com/office/powerpoint/2010/main" Requires="p14">
+      <p:transition p14:dur="10"/>
+    </mc:Choice>
+    <mc:Fallback>
+      <p:transition/>
+    </mc:Fallback>
+  </mc:AlternateContent>
   <p:timing>
     <p:tnLst>
       <p:par>
@@ -9952,9 +10057,14 @@
   <p:clrMapOvr>
     <a:masterClrMapping/>
   </p:clrMapOvr>
-  <p:transition spd="slow">
-    <p:push dir="u"/>
-  </p:transition>
+  <mc:AlternateContent xmlns:mc="http://schemas.openxmlformats.org/markup-compatibility/2006">
+    <mc:Choice xmlns:p14="http://schemas.microsoft.com/office/powerpoint/2010/main" Requires="p14">
+      <p:transition p14:dur="10"/>
+    </mc:Choice>
+    <mc:Fallback>
+      <p:transition/>
+    </mc:Fallback>
+  </mc:AlternateContent>
   <p:timing>
     <p:tnLst>
       <p:par>
@@ -10179,9 +10289,14 @@
   <p:clrMapOvr>
     <a:masterClrMapping/>
   </p:clrMapOvr>
-  <p:transition spd="slow">
-    <p:push dir="u"/>
-  </p:transition>
+  <mc:AlternateContent xmlns:mc="http://schemas.openxmlformats.org/markup-compatibility/2006">
+    <mc:Choice xmlns:p14="http://schemas.microsoft.com/office/powerpoint/2010/main" Requires="p14">
+      <p:transition p14:dur="10"/>
+    </mc:Choice>
+    <mc:Fallback>
+      <p:transition/>
+    </mc:Fallback>
+  </mc:AlternateContent>
   <p:timing>
     <p:tnLst>
       <p:par>
@@ -10434,9 +10549,14 @@
   <p:clrMapOvr>
     <a:masterClrMapping/>
   </p:clrMapOvr>
-  <p:transition spd="slow">
-    <p:push dir="u"/>
-  </p:transition>
+  <mc:AlternateContent xmlns:mc="http://schemas.openxmlformats.org/markup-compatibility/2006">
+    <mc:Choice xmlns:p14="http://schemas.microsoft.com/office/powerpoint/2010/main" Requires="p14">
+      <p:transition p14:dur="10"/>
+    </mc:Choice>
+    <mc:Fallback>
+      <p:transition/>
+    </mc:Fallback>
+  </mc:AlternateContent>
   <p:timing>
     <p:tnLst>
       <p:par>
@@ -10661,9 +10781,14 @@
   <p:clrMapOvr>
     <a:masterClrMapping/>
   </p:clrMapOvr>
-  <p:transition spd="slow">
-    <p:push dir="u"/>
-  </p:transition>
+  <mc:AlternateContent xmlns:mc="http://schemas.openxmlformats.org/markup-compatibility/2006">
+    <mc:Choice xmlns:p14="http://schemas.microsoft.com/office/powerpoint/2010/main" Requires="p14">
+      <p:transition p14:dur="10"/>
+    </mc:Choice>
+    <mc:Fallback>
+      <p:transition/>
+    </mc:Fallback>
+  </mc:AlternateContent>
   <p:timing>
     <p:tnLst>
       <p:par>
@@ -10889,9 +11014,14 @@
   <p:clrMapOvr>
     <a:masterClrMapping/>
   </p:clrMapOvr>
-  <p:transition spd="slow">
-    <p:push dir="u"/>
-  </p:transition>
+  <mc:AlternateContent xmlns:mc="http://schemas.openxmlformats.org/markup-compatibility/2006">
+    <mc:Choice xmlns:p14="http://schemas.microsoft.com/office/powerpoint/2010/main" Requires="p14">
+      <p:transition p14:dur="10"/>
+    </mc:Choice>
+    <mc:Fallback>
+      <p:transition/>
+    </mc:Fallback>
+  </mc:AlternateContent>
   <p:timing>
     <p:tnLst>
       <p:par>
@@ -11117,9 +11247,14 @@
   <p:clrMapOvr>
     <a:masterClrMapping/>
   </p:clrMapOvr>
-  <p:transition spd="slow">
-    <p:push dir="u"/>
-  </p:transition>
+  <mc:AlternateContent xmlns:mc="http://schemas.openxmlformats.org/markup-compatibility/2006">
+    <mc:Choice xmlns:p14="http://schemas.microsoft.com/office/powerpoint/2010/main" Requires="p14">
+      <p:transition p14:dur="10"/>
+    </mc:Choice>
+    <mc:Fallback>
+      <p:transition/>
+    </mc:Fallback>
+  </mc:AlternateContent>
   <p:timing>
     <p:tnLst>
       <p:par>
@@ -11345,9 +11480,14 @@
   <p:clrMapOvr>
     <a:masterClrMapping/>
   </p:clrMapOvr>
-  <p:transition spd="slow">
-    <p:push dir="u"/>
-  </p:transition>
+  <mc:AlternateContent xmlns:mc="http://schemas.openxmlformats.org/markup-compatibility/2006">
+    <mc:Choice xmlns:p14="http://schemas.microsoft.com/office/powerpoint/2010/main" Requires="p14">
+      <p:transition p14:dur="10"/>
+    </mc:Choice>
+    <mc:Fallback>
+      <p:transition/>
+    </mc:Fallback>
+  </mc:AlternateContent>
   <p:timing>
     <p:tnLst>
       <p:par>
@@ -11573,9 +11713,14 @@
   <p:clrMapOvr>
     <a:masterClrMapping/>
   </p:clrMapOvr>
-  <p:transition spd="slow">
-    <p:push dir="u"/>
-  </p:transition>
+  <mc:AlternateContent xmlns:mc="http://schemas.openxmlformats.org/markup-compatibility/2006">
+    <mc:Choice xmlns:p14="http://schemas.microsoft.com/office/powerpoint/2010/main" Requires="p14">
+      <p:transition p14:dur="10"/>
+    </mc:Choice>
+    <mc:Fallback>
+      <p:transition/>
+    </mc:Fallback>
+  </mc:AlternateContent>
   <p:timing>
     <p:tnLst>
       <p:par>
@@ -11801,9 +11946,14 @@
   <p:clrMapOvr>
     <a:masterClrMapping/>
   </p:clrMapOvr>
-  <p:transition spd="slow">
-    <p:push dir="u"/>
-  </p:transition>
+  <mc:AlternateContent xmlns:mc="http://schemas.openxmlformats.org/markup-compatibility/2006">
+    <mc:Choice xmlns:p14="http://schemas.microsoft.com/office/powerpoint/2010/main" Requires="p14">
+      <p:transition p14:dur="10"/>
+    </mc:Choice>
+    <mc:Fallback>
+      <p:transition/>
+    </mc:Fallback>
+  </mc:AlternateContent>
   <p:timing>
     <p:tnLst>
       <p:par>
@@ -12029,9 +12179,14 @@
   <p:clrMapOvr>
     <a:masterClrMapping/>
   </p:clrMapOvr>
-  <p:transition spd="slow">
-    <p:push dir="u"/>
-  </p:transition>
+  <mc:AlternateContent xmlns:mc="http://schemas.openxmlformats.org/markup-compatibility/2006">
+    <mc:Choice xmlns:p14="http://schemas.microsoft.com/office/powerpoint/2010/main" Requires="p14">
+      <p:transition p14:dur="10"/>
+    </mc:Choice>
+    <mc:Fallback>
+      <p:transition/>
+    </mc:Fallback>
+  </mc:AlternateContent>
   <p:timing>
     <p:tnLst>
       <p:par>
@@ -12296,9 +12451,14 @@
   <p:clrMapOvr>
     <a:masterClrMapping/>
   </p:clrMapOvr>
-  <p:transition spd="slow">
-    <p:push dir="u"/>
-  </p:transition>
+  <mc:AlternateContent xmlns:mc="http://schemas.openxmlformats.org/markup-compatibility/2006">
+    <mc:Choice xmlns:p14="http://schemas.microsoft.com/office/powerpoint/2010/main" Requires="p14">
+      <p:transition p14:dur="10"/>
+    </mc:Choice>
+    <mc:Fallback>
+      <p:transition/>
+    </mc:Fallback>
+  </mc:AlternateContent>
   <p:timing>
     <p:tnLst>
       <p:par>
@@ -12563,9 +12723,14 @@
   <p:clrMapOvr>
     <a:masterClrMapping/>
   </p:clrMapOvr>
-  <p:transition spd="slow">
-    <p:push dir="u"/>
-  </p:transition>
+  <mc:AlternateContent xmlns:mc="http://schemas.openxmlformats.org/markup-compatibility/2006">
+    <mc:Choice xmlns:p14="http://schemas.microsoft.com/office/powerpoint/2010/main" Requires="p14">
+      <p:transition p14:dur="10"/>
+    </mc:Choice>
+    <mc:Fallback>
+      <p:transition/>
+    </mc:Fallback>
+  </mc:AlternateContent>
   <p:timing>
     <p:tnLst>
       <p:par>
@@ -12830,9 +12995,14 @@
   <p:clrMapOvr>
     <a:masterClrMapping/>
   </p:clrMapOvr>
-  <p:transition spd="slow">
-    <p:push dir="u"/>
-  </p:transition>
+  <mc:AlternateContent xmlns:mc="http://schemas.openxmlformats.org/markup-compatibility/2006">
+    <mc:Choice xmlns:p14="http://schemas.microsoft.com/office/powerpoint/2010/main" Requires="p14">
+      <p:transition p14:dur="10"/>
+    </mc:Choice>
+    <mc:Fallback>
+      <p:transition/>
+    </mc:Fallback>
+  </mc:AlternateContent>
   <p:timing>
     <p:tnLst>
       <p:par>
@@ -13184,9 +13354,14 @@
   <p:clrMapOvr>
     <a:masterClrMapping/>
   </p:clrMapOvr>
-  <p:transition spd="slow">
-    <p:push dir="u"/>
-  </p:transition>
+  <mc:AlternateContent xmlns:mc="http://schemas.openxmlformats.org/markup-compatibility/2006">
+    <mc:Choice xmlns:p14="http://schemas.microsoft.com/office/powerpoint/2010/main" Requires="p14">
+      <p:transition p14:dur="10"/>
+    </mc:Choice>
+    <mc:Fallback>
+      <p:transition/>
+    </mc:Fallback>
+  </mc:AlternateContent>
   <p:timing>
     <p:tnLst>
       <p:par>
@@ -13451,9 +13626,14 @@
   <p:clrMapOvr>
     <a:masterClrMapping/>
   </p:clrMapOvr>
-  <p:transition spd="slow">
-    <p:push dir="u"/>
-  </p:transition>
+  <mc:AlternateContent xmlns:mc="http://schemas.openxmlformats.org/markup-compatibility/2006">
+    <mc:Choice xmlns:p14="http://schemas.microsoft.com/office/powerpoint/2010/main" Requires="p14">
+      <p:transition p14:dur="10"/>
+    </mc:Choice>
+    <mc:Fallback>
+      <p:transition/>
+    </mc:Fallback>
+  </mc:AlternateContent>
   <p:timing>
     <p:tnLst>
       <p:par>
@@ -13717,9 +13897,14 @@
   <p:clrMapOvr>
     <a:masterClrMapping/>
   </p:clrMapOvr>
-  <p:transition spd="slow">
-    <p:push dir="u"/>
-  </p:transition>
+  <mc:AlternateContent xmlns:mc="http://schemas.openxmlformats.org/markup-compatibility/2006">
+    <mc:Choice xmlns:p14="http://schemas.microsoft.com/office/powerpoint/2010/main" Requires="p14">
+      <p:transition p14:dur="10"/>
+    </mc:Choice>
+    <mc:Fallback>
+      <p:transition/>
+    </mc:Fallback>
+  </mc:AlternateContent>
   <p:timing>
     <p:tnLst>
       <p:par>
@@ -13984,9 +14169,14 @@
   <p:clrMapOvr>
     <a:masterClrMapping/>
   </p:clrMapOvr>
-  <p:transition spd="slow">
-    <p:push dir="u"/>
-  </p:transition>
+  <mc:AlternateContent xmlns:mc="http://schemas.openxmlformats.org/markup-compatibility/2006">
+    <mc:Choice xmlns:p14="http://schemas.microsoft.com/office/powerpoint/2010/main" Requires="p14">
+      <p:transition p14:dur="10"/>
+    </mc:Choice>
+    <mc:Fallback>
+      <p:transition/>
+    </mc:Fallback>
+  </mc:AlternateContent>
   <p:timing>
     <p:tnLst>
       <p:par>
@@ -14238,9 +14428,14 @@
   <p:clrMapOvr>
     <a:masterClrMapping/>
   </p:clrMapOvr>
-  <p:transition spd="slow">
-    <p:push dir="u"/>
-  </p:transition>
+  <mc:AlternateContent xmlns:mc="http://schemas.openxmlformats.org/markup-compatibility/2006">
+    <mc:Choice xmlns:p14="http://schemas.microsoft.com/office/powerpoint/2010/main" Requires="p14">
+      <p:transition p14:dur="10"/>
+    </mc:Choice>
+    <mc:Fallback>
+      <p:transition/>
+    </mc:Fallback>
+  </mc:AlternateContent>
   <p:timing>
     <p:tnLst>
       <p:par>
@@ -15140,9 +15335,14 @@
   <p:clrMapOvr>
     <a:masterClrMapping/>
   </p:clrMapOvr>
-  <p:transition spd="slow">
-    <p:push dir="u"/>
-  </p:transition>
+  <mc:AlternateContent xmlns:mc="http://schemas.openxmlformats.org/markup-compatibility/2006">
+    <mc:Choice xmlns:p14="http://schemas.microsoft.com/office/powerpoint/2010/main" Requires="p14">
+      <p:transition p14:dur="10"/>
+    </mc:Choice>
+    <mc:Fallback>
+      <p:transition/>
+    </mc:Fallback>
+  </mc:AlternateContent>
   <p:timing>
     <p:tnLst>
       <p:par>
@@ -15394,9 +15594,14 @@
   <p:clrMapOvr>
     <a:masterClrMapping/>
   </p:clrMapOvr>
-  <p:transition spd="slow">
-    <p:push dir="u"/>
-  </p:transition>
+  <mc:AlternateContent xmlns:mc="http://schemas.openxmlformats.org/markup-compatibility/2006">
+    <mc:Choice xmlns:p14="http://schemas.microsoft.com/office/powerpoint/2010/main" Requires="p14">
+      <p:transition p14:dur="10"/>
+    </mc:Choice>
+    <mc:Fallback>
+      <p:transition/>
+    </mc:Fallback>
+  </mc:AlternateContent>
   <p:timing>
     <p:tnLst>
       <p:par>
@@ -16228,9 +16433,14 @@
   <p:clrMapOvr>
     <a:masterClrMapping/>
   </p:clrMapOvr>
-  <p:transition spd="slow">
-    <p:push dir="u"/>
-  </p:transition>
+  <mc:AlternateContent xmlns:mc="http://schemas.openxmlformats.org/markup-compatibility/2006">
+    <mc:Choice xmlns:p14="http://schemas.microsoft.com/office/powerpoint/2010/main" Requires="p14">
+      <p:transition p14:dur="10"/>
+    </mc:Choice>
+    <mc:Fallback>
+      <p:transition/>
+    </mc:Fallback>
+  </mc:AlternateContent>
   <p:timing>
     <p:tnLst>
       <p:par>
@@ -16482,9 +16692,14 @@
   <p:clrMapOvr>
     <a:masterClrMapping/>
   </p:clrMapOvr>
-  <p:transition spd="slow">
-    <p:push dir="u"/>
-  </p:transition>
+  <mc:AlternateContent xmlns:mc="http://schemas.openxmlformats.org/markup-compatibility/2006">
+    <mc:Choice xmlns:p14="http://schemas.microsoft.com/office/powerpoint/2010/main" Requires="p14">
+      <p:transition p14:dur="10"/>
+    </mc:Choice>
+    <mc:Fallback>
+      <p:transition/>
+    </mc:Fallback>
+  </mc:AlternateContent>
   <p:timing>
     <p:tnLst>
       <p:par>
@@ -17370,9 +17585,14 @@
   <p:clrMapOvr>
     <a:masterClrMapping/>
   </p:clrMapOvr>
-  <p:transition spd="slow">
-    <p:push dir="u"/>
-  </p:transition>
+  <mc:AlternateContent xmlns:mc="http://schemas.openxmlformats.org/markup-compatibility/2006">
+    <mc:Choice xmlns:p14="http://schemas.microsoft.com/office/powerpoint/2010/main" Requires="p14">
+      <p:transition p14:dur="10"/>
+    </mc:Choice>
+    <mc:Fallback>
+      <p:transition/>
+    </mc:Fallback>
+  </mc:AlternateContent>
   <p:timing>
     <p:tnLst>
       <p:par>
@@ -17713,9 +17933,14 @@
   <p:clrMapOvr>
     <a:masterClrMapping/>
   </p:clrMapOvr>
-  <p:transition spd="slow">
-    <p:push dir="u"/>
-  </p:transition>
+  <mc:AlternateContent xmlns:mc="http://schemas.openxmlformats.org/markup-compatibility/2006">
+    <mc:Choice xmlns:p14="http://schemas.microsoft.com/office/powerpoint/2010/main" Requires="p14">
+      <p:transition p14:dur="10"/>
+    </mc:Choice>
+    <mc:Fallback>
+      <p:transition/>
+    </mc:Fallback>
+  </mc:AlternateContent>
   <p:timing>
     <p:tnLst>
       <p:par>
@@ -17941,17 +18166,7 @@
                 <a:latin typeface="+mj-lt"/>
                 <a:cs typeface="Arial" charset="0"/>
               </a:rPr>
-              <a:t>La memorizzazione </a:t>
-            </a:r>
-            <a:r>
-              <a:rPr lang="it-IT" sz="3200" spc="-100" dirty="0" smtClean="0">
-                <a:ln w="3175">
-                  <a:noFill/>
-                </a:ln>
-                <a:latin typeface="+mj-lt"/>
-                <a:cs typeface="Arial" charset="0"/>
-              </a:rPr>
-              <a:t>della pianificazione di squadre </a:t>
+              <a:t>La memorizzazione della pianificazione di squadre </a:t>
             </a:r>
             <a:r>
               <a:rPr lang="it-IT" sz="3200" spc="-100" dirty="0">
@@ -18078,9 +18293,14 @@
   <p:clrMapOvr>
     <a:masterClrMapping/>
   </p:clrMapOvr>
-  <p:transition spd="slow">
-    <p:push dir="u"/>
-  </p:transition>
+  <mc:AlternateContent xmlns:mc="http://schemas.openxmlformats.org/markup-compatibility/2006">
+    <mc:Choice xmlns:p14="http://schemas.microsoft.com/office/powerpoint/2010/main" Requires="p14">
+      <p:transition p14:dur="10"/>
+    </mc:Choice>
+    <mc:Fallback>
+      <p:transition/>
+    </mc:Fallback>
+  </mc:AlternateContent>
   <p:timing>
     <p:tnLst>
       <p:par>
@@ -18619,17 +18839,7 @@
                 <a:latin typeface="+mj-lt"/>
                 <a:cs typeface="Arial" charset="0"/>
               </a:rPr>
-              <a:t> </a:t>
-            </a:r>
-            <a:r>
-              <a:rPr lang="it-IT" sz="2000" i="1" spc="-100" dirty="0" smtClean="0">
-                <a:ln w="3175">
-                  <a:noFill/>
-                </a:ln>
-                <a:latin typeface="+mj-lt"/>
-                <a:cs typeface="Arial" charset="0"/>
-              </a:rPr>
-              <a:t>Control </a:t>
+              <a:t> Control </a:t>
             </a:r>
             <a:r>
               <a:rPr lang="it-IT" sz="2000" i="1" spc="-100" dirty="0" err="1" smtClean="0">
@@ -18821,9 +19031,14 @@
   <p:clrMapOvr>
     <a:masterClrMapping/>
   </p:clrMapOvr>
-  <p:transition spd="slow">
-    <p:push dir="u"/>
-  </p:transition>
+  <mc:AlternateContent xmlns:mc="http://schemas.openxmlformats.org/markup-compatibility/2006">
+    <mc:Choice xmlns:p14="http://schemas.microsoft.com/office/powerpoint/2010/main" Requires="p14">
+      <p:transition p14:dur="10"/>
+    </mc:Choice>
+    <mc:Fallback>
+      <p:transition/>
+    </mc:Fallback>
+  </mc:AlternateContent>
   <p:timing>
     <p:tnLst>
       <p:par>
@@ -19220,33 +19435,7 @@
                 <a:latin typeface="+mj-lt"/>
                 <a:cs typeface="Arial" charset="0"/>
               </a:rPr>
-              <a:t>Strumenti – </a:t>
-            </a:r>
-            <a:r>
-              <a:rPr lang="it-IT" sz="3000" b="1" i="1" spc="-100" dirty="0" smtClean="0">
-                <a:ln w="3175">
-                  <a:noFill/>
-                </a:ln>
-                <a:solidFill>
-                  <a:srgbClr val="0072C6"/>
-                </a:solidFill>
-                <a:latin typeface="+mj-lt"/>
-                <a:cs typeface="Arial" charset="0"/>
-              </a:rPr>
-              <a:t>2 </a:t>
-            </a:r>
-            <a:r>
-              <a:rPr lang="it-IT" sz="3000" b="1" i="1" spc="-100" dirty="0" smtClean="0">
-                <a:ln w="3175">
-                  <a:noFill/>
-                </a:ln>
-                <a:solidFill>
-                  <a:srgbClr val="0072C6"/>
-                </a:solidFill>
-                <a:latin typeface="+mj-lt"/>
-                <a:cs typeface="Arial" charset="0"/>
-              </a:rPr>
-              <a:t>funzionamento sensore</a:t>
+              <a:t>Strumenti – 2 funzionamento sensore</a:t>
             </a:r>
             <a:endParaRPr lang="it-IT" sz="3000" b="1" i="1" spc="-100" dirty="0">
               <a:ln w="3175">
@@ -19571,9 +19760,14 @@
   <p:clrMapOvr>
     <a:masterClrMapping/>
   </p:clrMapOvr>
-  <p:transition spd="slow">
-    <p:push dir="u"/>
-  </p:transition>
+  <mc:AlternateContent xmlns:mc="http://schemas.openxmlformats.org/markup-compatibility/2006">
+    <mc:Choice xmlns:p14="http://schemas.microsoft.com/office/powerpoint/2010/main" Requires="p14">
+      <p:transition p14:dur="10"/>
+    </mc:Choice>
+    <mc:Fallback>
+      <p:transition/>
+    </mc:Fallback>
+  </mc:AlternateContent>
   <p:timing>
     <p:tnLst>
       <p:par>
@@ -19767,15 +19961,7 @@
                   <a:srgbClr val="0072C6"/>
                 </a:solidFill>
               </a:rPr>
-              <a:t>Strumenti - </a:t>
-            </a:r>
-            <a:r>
-              <a:rPr lang="it-IT" sz="3000" b="1" i="1" dirty="0" smtClean="0">
-                <a:solidFill>
-                  <a:srgbClr val="0072C6"/>
-                </a:solidFill>
-              </a:rPr>
-              <a:t>3</a:t>
+              <a:t>Strumenti - 3</a:t>
             </a:r>
             <a:endParaRPr lang="it-IT" sz="3000" b="1" i="1" dirty="0">
               <a:solidFill>
@@ -19979,9 +20165,14 @@
   <p:clrMapOvr>
     <a:masterClrMapping/>
   </p:clrMapOvr>
-  <p:transition spd="slow">
-    <p:push dir="u"/>
-  </p:transition>
+  <mc:AlternateContent xmlns:mc="http://schemas.openxmlformats.org/markup-compatibility/2006">
+    <mc:Choice xmlns:p14="http://schemas.microsoft.com/office/powerpoint/2010/main" Requires="p14">
+      <p:transition p14:dur="10"/>
+    </mc:Choice>
+    <mc:Fallback>
+      <p:transition/>
+    </mc:Fallback>
+  </mc:AlternateContent>
   <p:timing>
     <p:tnLst>
       <p:par>
@@ -20175,15 +20366,7 @@
                   <a:srgbClr val="0072C6"/>
                 </a:solidFill>
               </a:rPr>
-              <a:t>Strumenti - </a:t>
-            </a:r>
-            <a:r>
-              <a:rPr lang="it-IT" sz="3000" b="1" i="1" dirty="0" smtClean="0">
-                <a:solidFill>
-                  <a:srgbClr val="0072C6"/>
-                </a:solidFill>
-              </a:rPr>
-              <a:t>4</a:t>
+              <a:t>Strumenti - 4</a:t>
             </a:r>
             <a:endParaRPr lang="it-IT" sz="3000" b="1" i="1" dirty="0">
               <a:solidFill>
@@ -20358,9 +20541,14 @@
   <p:clrMapOvr>
     <a:masterClrMapping/>
   </p:clrMapOvr>
-  <p:transition spd="slow">
-    <p:push dir="u"/>
-  </p:transition>
+  <mc:AlternateContent xmlns:mc="http://schemas.openxmlformats.org/markup-compatibility/2006">
+    <mc:Choice xmlns:p14="http://schemas.microsoft.com/office/powerpoint/2010/main" Requires="p14">
+      <p:transition p14:dur="10"/>
+    </mc:Choice>
+    <mc:Fallback>
+      <p:transition/>
+    </mc:Fallback>
+  </mc:AlternateContent>
   <p:timing>
     <p:tnLst>
       <p:par>
@@ -20828,9 +21016,14 @@
   <p:clrMapOvr>
     <a:masterClrMapping/>
   </p:clrMapOvr>
-  <p:transition spd="slow">
-    <p:push dir="u"/>
-  </p:transition>
+  <mc:AlternateContent xmlns:mc="http://schemas.openxmlformats.org/markup-compatibility/2006">
+    <mc:Choice xmlns:p14="http://schemas.microsoft.com/office/powerpoint/2010/main" Requires="p14">
+      <p:transition p14:dur="10"/>
+    </mc:Choice>
+    <mc:Fallback>
+      <p:transition/>
+    </mc:Fallback>
+  </mc:AlternateContent>
   <p:timing>
     <p:tnLst>
       <p:par>
@@ -21263,9 +21456,14 @@
   <p:clrMapOvr>
     <a:masterClrMapping/>
   </p:clrMapOvr>
-  <p:transition spd="slow">
-    <p:push dir="u"/>
-  </p:transition>
+  <mc:AlternateContent xmlns:mc="http://schemas.openxmlformats.org/markup-compatibility/2006">
+    <mc:Choice xmlns:p14="http://schemas.microsoft.com/office/powerpoint/2010/main" Requires="p14">
+      <p:transition p14:dur="10"/>
+    </mc:Choice>
+    <mc:Fallback>
+      <p:transition/>
+    </mc:Fallback>
+  </mc:AlternateContent>
   <p:timing>
     <p:tnLst>
       <p:par>
@@ -21873,9 +22071,14 @@
   <p:clrMapOvr>
     <a:masterClrMapping/>
   </p:clrMapOvr>
-  <p:transition spd="slow">
-    <p:push dir="u"/>
-  </p:transition>
+  <mc:AlternateContent xmlns:mc="http://schemas.openxmlformats.org/markup-compatibility/2006">
+    <mc:Choice xmlns:p14="http://schemas.microsoft.com/office/powerpoint/2010/main" Requires="p14">
+      <p:transition p14:dur="10"/>
+    </mc:Choice>
+    <mc:Fallback>
+      <p:transition/>
+    </mc:Fallback>
+  </mc:AlternateContent>
   <p:timing>
     <p:tnLst>
       <p:par>
@@ -22158,9 +22361,14 @@
   <p:clrMapOvr>
     <a:masterClrMapping/>
   </p:clrMapOvr>
-  <p:transition spd="slow">
-    <p:push dir="u"/>
-  </p:transition>
+  <mc:AlternateContent xmlns:mc="http://schemas.openxmlformats.org/markup-compatibility/2006">
+    <mc:Choice xmlns:p14="http://schemas.microsoft.com/office/powerpoint/2010/main" Requires="p14">
+      <p:transition p14:dur="10"/>
+    </mc:Choice>
+    <mc:Fallback>
+      <p:transition/>
+    </mc:Fallback>
+  </mc:AlternateContent>
   <p:timing>
     <p:tnLst>
       <p:par>
@@ -22443,9 +22651,14 @@
   <p:clrMapOvr>
     <a:masterClrMapping/>
   </p:clrMapOvr>
-  <p:transition spd="slow">
-    <p:push dir="u"/>
-  </p:transition>
+  <mc:AlternateContent xmlns:mc="http://schemas.openxmlformats.org/markup-compatibility/2006">
+    <mc:Choice xmlns:p14="http://schemas.microsoft.com/office/powerpoint/2010/main" Requires="p14">
+      <p:transition p14:dur="10"/>
+    </mc:Choice>
+    <mc:Fallback>
+      <p:transition/>
+    </mc:Fallback>
+  </mc:AlternateContent>
   <p:timing>
     <p:tnLst>
       <p:par>
@@ -22728,9 +22941,14 @@
   <p:clrMapOvr>
     <a:masterClrMapping/>
   </p:clrMapOvr>
-  <p:transition spd="slow">
-    <p:push dir="u"/>
-  </p:transition>
+  <mc:AlternateContent xmlns:mc="http://schemas.openxmlformats.org/markup-compatibility/2006">
+    <mc:Choice xmlns:p14="http://schemas.microsoft.com/office/powerpoint/2010/main" Requires="p14">
+      <p:transition p14:dur="10"/>
+    </mc:Choice>
+    <mc:Fallback>
+      <p:transition/>
+    </mc:Fallback>
+  </mc:AlternateContent>
   <p:timing>
     <p:tnLst>
       <p:par>
@@ -23161,9 +23379,14 @@
   <p:clrMapOvr>
     <a:masterClrMapping/>
   </p:clrMapOvr>
-  <p:transition spd="slow">
-    <p:push dir="u"/>
-  </p:transition>
+  <mc:AlternateContent xmlns:mc="http://schemas.openxmlformats.org/markup-compatibility/2006">
+    <mc:Choice xmlns:p14="http://schemas.microsoft.com/office/powerpoint/2010/main" Requires="p14">
+      <p:transition p14:dur="10"/>
+    </mc:Choice>
+    <mc:Fallback>
+      <p:transition/>
+    </mc:Fallback>
+  </mc:AlternateContent>
   <p:timing>
     <p:tnLst>
       <p:par>
@@ -23446,9 +23669,14 @@
   <p:clrMapOvr>
     <a:masterClrMapping/>
   </p:clrMapOvr>
-  <p:transition spd="slow">
-    <p:push dir="u"/>
-  </p:transition>
+  <mc:AlternateContent xmlns:mc="http://schemas.openxmlformats.org/markup-compatibility/2006">
+    <mc:Choice xmlns:p14="http://schemas.microsoft.com/office/powerpoint/2010/main" Requires="p14">
+      <p:transition p14:dur="10"/>
+    </mc:Choice>
+    <mc:Fallback>
+      <p:transition/>
+    </mc:Fallback>
+  </mc:AlternateContent>
   <p:timing>
     <p:tnLst>
       <p:par>
@@ -23731,9 +23959,14 @@
   <p:clrMapOvr>
     <a:masterClrMapping/>
   </p:clrMapOvr>
-  <p:transition spd="slow">
-    <p:push dir="u"/>
-  </p:transition>
+  <mc:AlternateContent xmlns:mc="http://schemas.openxmlformats.org/markup-compatibility/2006">
+    <mc:Choice xmlns:p14="http://schemas.microsoft.com/office/powerpoint/2010/main" Requires="p14">
+      <p:transition p14:dur="10"/>
+    </mc:Choice>
+    <mc:Fallback>
+      <p:transition/>
+    </mc:Fallback>
+  </mc:AlternateContent>
   <p:timing>
     <p:tnLst>
       <p:par>
@@ -24016,9 +24249,14 @@
   <p:clrMapOvr>
     <a:masterClrMapping/>
   </p:clrMapOvr>
-  <p:transition spd="slow">
-    <p:push dir="u"/>
-  </p:transition>
+  <mc:AlternateContent xmlns:mc="http://schemas.openxmlformats.org/markup-compatibility/2006">
+    <mc:Choice xmlns:p14="http://schemas.microsoft.com/office/powerpoint/2010/main" Requires="p14">
+      <p:transition p14:dur="10"/>
+    </mc:Choice>
+    <mc:Fallback>
+      <p:transition/>
+    </mc:Fallback>
+  </mc:AlternateContent>
   <p:timing>
     <p:tnLst>
       <p:par>
@@ -24315,9 +24553,14 @@
   <p:clrMapOvr>
     <a:masterClrMapping/>
   </p:clrMapOvr>
-  <p:transition spd="slow">
-    <p:push dir="u"/>
-  </p:transition>
+  <mc:AlternateContent xmlns:mc="http://schemas.openxmlformats.org/markup-compatibility/2006">
+    <mc:Choice xmlns:p14="http://schemas.microsoft.com/office/powerpoint/2010/main" Requires="p14">
+      <p:transition p14:dur="10"/>
+    </mc:Choice>
+    <mc:Fallback>
+      <p:transition/>
+    </mc:Fallback>
+  </mc:AlternateContent>
   <p:timing>
     <p:tnLst>
       <p:par>
@@ -24600,9 +24843,14 @@
   <p:clrMapOvr>
     <a:masterClrMapping/>
   </p:clrMapOvr>
-  <p:transition spd="slow">
-    <p:push dir="u"/>
-  </p:transition>
+  <mc:AlternateContent xmlns:mc="http://schemas.openxmlformats.org/markup-compatibility/2006">
+    <mc:Choice xmlns:p14="http://schemas.microsoft.com/office/powerpoint/2010/main" Requires="p14">
+      <p:transition p14:dur="10"/>
+    </mc:Choice>
+    <mc:Fallback>
+      <p:transition/>
+    </mc:Fallback>
+  </mc:AlternateContent>
   <p:timing>
     <p:tnLst>
       <p:par>
@@ -24885,9 +25133,14 @@
   <p:clrMapOvr>
     <a:masterClrMapping/>
   </p:clrMapOvr>
-  <p:transition spd="slow">
-    <p:push dir="u"/>
-  </p:transition>
+  <mc:AlternateContent xmlns:mc="http://schemas.openxmlformats.org/markup-compatibility/2006">
+    <mc:Choice xmlns:p14="http://schemas.microsoft.com/office/powerpoint/2010/main" Requires="p14">
+      <p:transition p14:dur="10"/>
+    </mc:Choice>
+    <mc:Fallback>
+      <p:transition/>
+    </mc:Fallback>
+  </mc:AlternateContent>
   <p:timing>
     <p:tnLst>
       <p:par>
@@ -25141,9 +25394,14 @@
   <p:clrMapOvr>
     <a:masterClrMapping/>
   </p:clrMapOvr>
-  <p:transition spd="slow">
-    <p:push dir="u"/>
-  </p:transition>
+  <mc:AlternateContent xmlns:mc="http://schemas.openxmlformats.org/markup-compatibility/2006">
+    <mc:Choice xmlns:p14="http://schemas.microsoft.com/office/powerpoint/2010/main" Requires="p14">
+      <p:transition p14:dur="10"/>
+    </mc:Choice>
+    <mc:Fallback>
+      <p:transition/>
+    </mc:Fallback>
+  </mc:AlternateContent>
   <p:timing>
     <p:tnLst>
       <p:par>
@@ -26376,9 +26634,14 @@
   <p:clrMapOvr>
     <a:masterClrMapping/>
   </p:clrMapOvr>
-  <p:transition spd="slow">
-    <p:push dir="u"/>
-  </p:transition>
+  <mc:AlternateContent xmlns:mc="http://schemas.openxmlformats.org/markup-compatibility/2006">
+    <mc:Choice xmlns:p14="http://schemas.microsoft.com/office/powerpoint/2010/main" Requires="p14">
+      <p:transition p14:dur="10"/>
+    </mc:Choice>
+    <mc:Fallback>
+      <p:transition/>
+    </mc:Fallback>
+  </mc:AlternateContent>
   <p:timing>
     <p:tnLst>
       <p:par>
@@ -26661,9 +26924,14 @@
   <p:clrMapOvr>
     <a:masterClrMapping/>
   </p:clrMapOvr>
-  <p:transition spd="slow">
-    <p:push dir="u"/>
-  </p:transition>
+  <mc:AlternateContent xmlns:mc="http://schemas.openxmlformats.org/markup-compatibility/2006">
+    <mc:Choice xmlns:p14="http://schemas.microsoft.com/office/powerpoint/2010/main" Requires="p14">
+      <p:transition p14:dur="10"/>
+    </mc:Choice>
+    <mc:Fallback>
+      <p:transition/>
+    </mc:Fallback>
+  </mc:AlternateContent>
   <p:timing>
     <p:tnLst>
       <p:par>
@@ -26946,9 +27214,14 @@
   <p:clrMapOvr>
     <a:masterClrMapping/>
   </p:clrMapOvr>
-  <p:transition spd="slow">
-    <p:push dir="u"/>
-  </p:transition>
+  <mc:AlternateContent xmlns:mc="http://schemas.openxmlformats.org/markup-compatibility/2006">
+    <mc:Choice xmlns:p14="http://schemas.microsoft.com/office/powerpoint/2010/main" Requires="p14">
+      <p:transition p14:dur="10"/>
+    </mc:Choice>
+    <mc:Fallback>
+      <p:transition/>
+    </mc:Fallback>
+  </mc:AlternateContent>
   <p:timing>
     <p:tnLst>
       <p:par>
@@ -27404,9 +27677,14 @@
   <p:clrMapOvr>
     <a:masterClrMapping/>
   </p:clrMapOvr>
-  <p:transition spd="slow">
-    <p:push dir="u"/>
-  </p:transition>
+  <mc:AlternateContent xmlns:mc="http://schemas.openxmlformats.org/markup-compatibility/2006">
+    <mc:Choice xmlns:p14="http://schemas.microsoft.com/office/powerpoint/2010/main" Requires="p14">
+      <p:transition p14:dur="10"/>
+    </mc:Choice>
+    <mc:Fallback>
+      <p:transition/>
+    </mc:Fallback>
+  </mc:AlternateContent>
   <p:timing>
     <p:tnLst>
       <p:par>
@@ -27689,9 +27967,14 @@
   <p:clrMapOvr>
     <a:masterClrMapping/>
   </p:clrMapOvr>
-  <p:transition spd="slow">
-    <p:push dir="u"/>
-  </p:transition>
+  <mc:AlternateContent xmlns:mc="http://schemas.openxmlformats.org/markup-compatibility/2006">
+    <mc:Choice xmlns:p14="http://schemas.microsoft.com/office/powerpoint/2010/main" Requires="p14">
+      <p:transition p14:dur="10"/>
+    </mc:Choice>
+    <mc:Fallback>
+      <p:transition/>
+    </mc:Fallback>
+  </mc:AlternateContent>
   <p:timing>
     <p:tnLst>
       <p:par>
@@ -28731,9 +29014,14 @@
   <p:clrMapOvr>
     <a:masterClrMapping/>
   </p:clrMapOvr>
-  <p:transition spd="slow">
-    <p:push dir="u"/>
-  </p:transition>
+  <mc:AlternateContent xmlns:mc="http://schemas.openxmlformats.org/markup-compatibility/2006">
+    <mc:Choice xmlns:p14="http://schemas.microsoft.com/office/powerpoint/2010/main" Requires="p14">
+      <p:transition p14:dur="10"/>
+    </mc:Choice>
+    <mc:Fallback>
+      <p:transition/>
+    </mc:Fallback>
+  </mc:AlternateContent>
   <p:timing>
     <p:tnLst>
       <p:par>
@@ -29079,9 +29367,14 @@
   <p:clrMapOvr>
     <a:masterClrMapping/>
   </p:clrMapOvr>
-  <p:transition spd="slow">
-    <p:push dir="u"/>
-  </p:transition>
+  <mc:AlternateContent xmlns:mc="http://schemas.openxmlformats.org/markup-compatibility/2006">
+    <mc:Choice xmlns:p14="http://schemas.microsoft.com/office/powerpoint/2010/main" Requires="p14">
+      <p:transition p14:dur="10"/>
+    </mc:Choice>
+    <mc:Fallback>
+      <p:transition/>
+    </mc:Fallback>
+  </mc:AlternateContent>
   <p:timing>
     <p:tnLst>
       <p:par>
@@ -29607,9 +29900,14 @@
   <p:clrMapOvr>
     <a:masterClrMapping/>
   </p:clrMapOvr>
-  <p:transition spd="slow">
-    <p:push dir="u"/>
-  </p:transition>
+  <mc:AlternateContent xmlns:mc="http://schemas.openxmlformats.org/markup-compatibility/2006">
+    <mc:Choice xmlns:p14="http://schemas.microsoft.com/office/powerpoint/2010/main" Requires="p14">
+      <p:transition p14:dur="10"/>
+    </mc:Choice>
+    <mc:Fallback>
+      <p:transition/>
+    </mc:Fallback>
+  </mc:AlternateContent>
   <p:timing>
     <p:tnLst>
       <p:par>
@@ -29995,9 +30293,14 @@
   <p:clrMapOvr>
     <a:masterClrMapping/>
   </p:clrMapOvr>
-  <p:transition spd="slow">
-    <p:push dir="u"/>
-  </p:transition>
+  <mc:AlternateContent xmlns:mc="http://schemas.openxmlformats.org/markup-compatibility/2006">
+    <mc:Choice xmlns:p14="http://schemas.microsoft.com/office/powerpoint/2010/main" Requires="p14">
+      <p:transition p14:dur="10"/>
+    </mc:Choice>
+    <mc:Fallback>
+      <p:transition/>
+    </mc:Fallback>
+  </mc:AlternateContent>
   <p:timing>
     <p:tnLst>
       <p:par>
@@ -30525,9 +30828,14 @@
   <p:clrMapOvr>
     <a:masterClrMapping/>
   </p:clrMapOvr>
-  <p:transition spd="slow">
-    <p:push dir="u"/>
-  </p:transition>
+  <mc:AlternateContent xmlns:mc="http://schemas.openxmlformats.org/markup-compatibility/2006">
+    <mc:Choice xmlns:p14="http://schemas.microsoft.com/office/powerpoint/2010/main" Requires="p14">
+      <p:transition p14:dur="10"/>
+    </mc:Choice>
+    <mc:Fallback>
+      <p:transition/>
+    </mc:Fallback>
+  </mc:AlternateContent>
   <p:timing>
     <p:tnLst>
       <p:par>
@@ -31095,9 +31403,14 @@
   <p:clrMapOvr>
     <a:masterClrMapping/>
   </p:clrMapOvr>
-  <p:transition spd="slow">
-    <p:push dir="u"/>
-  </p:transition>
+  <mc:AlternateContent xmlns:mc="http://schemas.openxmlformats.org/markup-compatibility/2006">
+    <mc:Choice xmlns:p14="http://schemas.microsoft.com/office/powerpoint/2010/main" Requires="p14">
+      <p:transition p14:dur="10"/>
+    </mc:Choice>
+    <mc:Fallback>
+      <p:transition/>
+    </mc:Fallback>
+  </mc:AlternateContent>
   <p:timing>
     <p:tnLst>
       <p:par>
@@ -31418,9 +31731,14 @@
   <p:clrMapOvr>
     <a:masterClrMapping/>
   </p:clrMapOvr>
-  <p:transition spd="slow">
-    <p:push dir="u"/>
-  </p:transition>
+  <mc:AlternateContent xmlns:mc="http://schemas.openxmlformats.org/markup-compatibility/2006">
+    <mc:Choice xmlns:p14="http://schemas.microsoft.com/office/powerpoint/2010/main" Requires="p14">
+      <p:transition p14:dur="10"/>
+    </mc:Choice>
+    <mc:Fallback>
+      <p:transition/>
+    </mc:Fallback>
+  </mc:AlternateContent>
   <p:timing>
     <p:tnLst>
       <p:par>
@@ -31789,9 +32107,14 @@
   <p:clrMapOvr>
     <a:masterClrMapping/>
   </p:clrMapOvr>
-  <p:transition spd="slow">
-    <p:push dir="u"/>
-  </p:transition>
+  <mc:AlternateContent xmlns:mc="http://schemas.openxmlformats.org/markup-compatibility/2006">
+    <mc:Choice xmlns:p14="http://schemas.microsoft.com/office/powerpoint/2010/main" Requires="p14">
+      <p:transition p14:dur="10"/>
+    </mc:Choice>
+    <mc:Fallback>
+      <p:transition/>
+    </mc:Fallback>
+  </mc:AlternateContent>
   <p:timing>
     <p:tnLst>
       <p:par>
@@ -32064,9 +32387,14 @@
   <p:clrMapOvr>
     <a:masterClrMapping/>
   </p:clrMapOvr>
-  <p:transition spd="slow">
-    <p:push dir="u"/>
-  </p:transition>
+  <mc:AlternateContent xmlns:mc="http://schemas.openxmlformats.org/markup-compatibility/2006">
+    <mc:Choice xmlns:p14="http://schemas.microsoft.com/office/powerpoint/2010/main" Requires="p14">
+      <p:transition p14:dur="10"/>
+    </mc:Choice>
+    <mc:Fallback>
+      <p:transition/>
+    </mc:Fallback>
+  </mc:AlternateContent>
   <p:timing>
     <p:tnLst>
       <p:par>
@@ -32416,9 +32744,14 @@
   <p:clrMapOvr>
     <a:masterClrMapping/>
   </p:clrMapOvr>
-  <p:transition spd="slow">
-    <p:push dir="u"/>
-  </p:transition>
+  <mc:AlternateContent xmlns:mc="http://schemas.openxmlformats.org/markup-compatibility/2006">
+    <mc:Choice xmlns:p14="http://schemas.microsoft.com/office/powerpoint/2010/main" Requires="p14">
+      <p:transition p14:dur="10"/>
+    </mc:Choice>
+    <mc:Fallback>
+      <p:transition/>
+    </mc:Fallback>
+  </mc:AlternateContent>
   <p:timing>
     <p:tnLst>
       <p:par>
@@ -32763,9 +33096,14 @@
   <p:clrMapOvr>
     <a:masterClrMapping/>
   </p:clrMapOvr>
-  <p:transition spd="slow">
-    <p:push dir="u"/>
-  </p:transition>
+  <mc:AlternateContent xmlns:mc="http://schemas.openxmlformats.org/markup-compatibility/2006">
+    <mc:Choice xmlns:p14="http://schemas.microsoft.com/office/powerpoint/2010/main" Requires="p14">
+      <p:transition p14:dur="10"/>
+    </mc:Choice>
+    <mc:Fallback>
+      <p:transition/>
+    </mc:Fallback>
+  </mc:AlternateContent>
   <p:timing>
     <p:tnLst>
       <p:par>
@@ -33062,9 +33400,14 @@
   <p:clrMapOvr>
     <a:masterClrMapping/>
   </p:clrMapOvr>
-  <p:transition spd="slow">
-    <p:push dir="u"/>
-  </p:transition>
+  <mc:AlternateContent xmlns:mc="http://schemas.openxmlformats.org/markup-compatibility/2006">
+    <mc:Choice xmlns:p14="http://schemas.microsoft.com/office/powerpoint/2010/main" Requires="p14">
+      <p:transition p14:dur="10"/>
+    </mc:Choice>
+    <mc:Fallback>
+      <p:transition/>
+    </mc:Fallback>
+  </mc:AlternateContent>
   <p:timing>
     <p:tnLst>
       <p:par>
@@ -33495,9 +33838,14 @@
   <p:clrMapOvr>
     <a:masterClrMapping/>
   </p:clrMapOvr>
-  <p:transition spd="slow">
-    <p:push dir="u"/>
-  </p:transition>
+  <mc:AlternateContent xmlns:mc="http://schemas.openxmlformats.org/markup-compatibility/2006">
+    <mc:Choice xmlns:p14="http://schemas.microsoft.com/office/powerpoint/2010/main" Requires="p14">
+      <p:transition p14:dur="10"/>
+    </mc:Choice>
+    <mc:Fallback>
+      <p:transition/>
+    </mc:Fallback>
+  </mc:AlternateContent>
   <p:timing>
     <p:tnLst>
       <p:par>
@@ -33765,9 +34113,14 @@
   <p:clrMapOvr>
     <a:masterClrMapping/>
   </p:clrMapOvr>
-  <p:transition spd="slow">
-    <p:push dir="u"/>
-  </p:transition>
+  <mc:AlternateContent xmlns:mc="http://schemas.openxmlformats.org/markup-compatibility/2006">
+    <mc:Choice xmlns:p14="http://schemas.microsoft.com/office/powerpoint/2010/main" Requires="p14">
+      <p:transition p14:dur="10"/>
+    </mc:Choice>
+    <mc:Fallback>
+      <p:transition/>
+    </mc:Fallback>
+  </mc:AlternateContent>
   <p:timing>
     <p:tnLst>
       <p:par>
@@ -34048,9 +34401,14 @@
   <p:clrMapOvr>
     <a:masterClrMapping/>
   </p:clrMapOvr>
-  <p:transition spd="slow">
-    <p:push dir="u"/>
-  </p:transition>
+  <mc:AlternateContent xmlns:mc="http://schemas.openxmlformats.org/markup-compatibility/2006">
+    <mc:Choice xmlns:p14="http://schemas.microsoft.com/office/powerpoint/2010/main" Requires="p14">
+      <p:transition p14:dur="10"/>
+    </mc:Choice>
+    <mc:Fallback>
+      <p:transition/>
+    </mc:Fallback>
+  </mc:AlternateContent>
   <p:timing>
     <p:tnLst>
       <p:par>
@@ -34408,9 +34766,14 @@
   <p:clrMapOvr>
     <a:masterClrMapping/>
   </p:clrMapOvr>
-  <p:transition spd="slow">
-    <p:push dir="u"/>
-  </p:transition>
+  <mc:AlternateContent xmlns:mc="http://schemas.openxmlformats.org/markup-compatibility/2006">
+    <mc:Choice xmlns:p14="http://schemas.microsoft.com/office/powerpoint/2010/main" Requires="p14">
+      <p:transition p14:dur="10"/>
+    </mc:Choice>
+    <mc:Fallback>
+      <p:transition/>
+    </mc:Fallback>
+  </mc:AlternateContent>
   <p:timing>
     <p:tnLst>
       <p:par>
@@ -34796,9 +35159,14 @@
   <p:clrMapOvr>
     <a:masterClrMapping/>
   </p:clrMapOvr>
-  <p:transition spd="slow">
-    <p:push dir="u"/>
-  </p:transition>
+  <mc:AlternateContent xmlns:mc="http://schemas.openxmlformats.org/markup-compatibility/2006">
+    <mc:Choice xmlns:p14="http://schemas.microsoft.com/office/powerpoint/2010/main" Requires="p14">
+      <p:transition p14:dur="10"/>
+    </mc:Choice>
+    <mc:Fallback>
+      <p:transition/>
+    </mc:Fallback>
+  </mc:AlternateContent>
   <p:timing>
     <p:tnLst>
       <p:par>
@@ -35162,9 +35530,14 @@
   <p:clrMapOvr>
     <a:masterClrMapping/>
   </p:clrMapOvr>
-  <p:transition spd="slow">
-    <p:push dir="u"/>
-  </p:transition>
+  <mc:AlternateContent xmlns:mc="http://schemas.openxmlformats.org/markup-compatibility/2006">
+    <mc:Choice xmlns:p14="http://schemas.microsoft.com/office/powerpoint/2010/main" Requires="p14">
+      <p:transition p14:dur="10"/>
+    </mc:Choice>
+    <mc:Fallback>
+      <p:transition/>
+    </mc:Fallback>
+  </mc:AlternateContent>
   <p:timing>
     <p:tnLst>
       <p:par>
@@ -35627,9 +36000,14 @@
   <p:clrMapOvr>
     <a:masterClrMapping/>
   </p:clrMapOvr>
-  <p:transition spd="slow">
-    <p:push dir="u"/>
-  </p:transition>
+  <mc:AlternateContent xmlns:mc="http://schemas.openxmlformats.org/markup-compatibility/2006">
+    <mc:Choice xmlns:p14="http://schemas.microsoft.com/office/powerpoint/2010/main" Requires="p14">
+      <p:transition p14:dur="10"/>
+    </mc:Choice>
+    <mc:Fallback>
+      <p:transition/>
+    </mc:Fallback>
+  </mc:AlternateContent>
   <p:timing>
     <p:tnLst>
       <p:par>
@@ -36185,9 +36563,14 @@
   <p:clrMapOvr>
     <a:masterClrMapping/>
   </p:clrMapOvr>
-  <p:transition spd="slow">
-    <p:push dir="u"/>
-  </p:transition>
+  <mc:AlternateContent xmlns:mc="http://schemas.openxmlformats.org/markup-compatibility/2006">
+    <mc:Choice xmlns:p14="http://schemas.microsoft.com/office/powerpoint/2010/main" Requires="p14">
+      <p:transition p14:dur="10"/>
+    </mc:Choice>
+    <mc:Fallback>
+      <p:transition/>
+    </mc:Fallback>
+  </mc:AlternateContent>
   <p:timing>
     <p:tnLst>
       <p:par>
@@ -36393,27 +36776,7 @@
                 <a:latin typeface="+mj-lt"/>
                 <a:cs typeface="Arial" charset="0"/>
               </a:rPr>
-              <a:t>I sensori idrici inviano i dati rilevati ogni ora </a:t>
-            </a:r>
-            <a:r>
-              <a:rPr lang="it-IT" sz="3200" spc="-100" dirty="0" smtClean="0">
-                <a:ln w="3175">
-                  <a:noFill/>
-                </a:ln>
-                <a:latin typeface="+mj-lt"/>
-                <a:cs typeface="Arial" charset="0"/>
-              </a:rPr>
-              <a:t>(tutti i </a:t>
-            </a:r>
-            <a:r>
-              <a:rPr lang="it-IT" sz="3200" spc="-100" dirty="0" smtClean="0">
-                <a:ln w="3175">
-                  <a:noFill/>
-                </a:ln>
-                <a:latin typeface="+mj-lt"/>
-                <a:cs typeface="Arial" charset="0"/>
-              </a:rPr>
-              <a:t>sensori sono sincronizzati).</a:t>
+              <a:t>I sensori idrici inviano i dati rilevati ogni ora (tutti i sensori sono sincronizzati).</a:t>
             </a:r>
           </a:p>
           <a:p>
@@ -36530,9 +36893,14 @@
   <p:clrMapOvr>
     <a:masterClrMapping/>
   </p:clrMapOvr>
-  <p:transition spd="slow">
-    <p:push dir="u"/>
-  </p:transition>
+  <mc:AlternateContent xmlns:mc="http://schemas.openxmlformats.org/markup-compatibility/2006">
+    <mc:Choice xmlns:p14="http://schemas.microsoft.com/office/powerpoint/2010/main" Requires="p14">
+      <p:transition p14:dur="10"/>
+    </mc:Choice>
+    <mc:Fallback>
+      <p:transition/>
+    </mc:Fallback>
+  </mc:AlternateContent>
   <p:timing>
     <p:tnLst>
       <p:par>
@@ -37065,9 +37433,14 @@
   <p:clrMapOvr>
     <a:masterClrMapping/>
   </p:clrMapOvr>
-  <p:transition spd="slow">
-    <p:push dir="u"/>
-  </p:transition>
+  <mc:AlternateContent xmlns:mc="http://schemas.openxmlformats.org/markup-compatibility/2006">
+    <mc:Choice xmlns:p14="http://schemas.microsoft.com/office/powerpoint/2010/main" Requires="p14">
+      <p:transition p14:dur="10"/>
+    </mc:Choice>
+    <mc:Fallback>
+      <p:transition/>
+    </mc:Fallback>
+  </mc:AlternateContent>
   <p:timing>
     <p:tnLst>
       <p:par>
@@ -37640,9 +38013,14 @@
   <p:clrMapOvr>
     <a:masterClrMapping/>
   </p:clrMapOvr>
-  <p:transition spd="slow">
-    <p:push dir="u"/>
-  </p:transition>
+  <mc:AlternateContent xmlns:mc="http://schemas.openxmlformats.org/markup-compatibility/2006">
+    <mc:Choice xmlns:p14="http://schemas.microsoft.com/office/powerpoint/2010/main" Requires="p14">
+      <p:transition p14:dur="10"/>
+    </mc:Choice>
+    <mc:Fallback>
+      <p:transition/>
+    </mc:Fallback>
+  </mc:AlternateContent>
   <p:timing>
     <p:tnLst>
       <p:par>
@@ -38178,9 +38556,14 @@
   <p:clrMapOvr>
     <a:masterClrMapping/>
   </p:clrMapOvr>
-  <p:transition spd="slow">
-    <p:push dir="u"/>
-  </p:transition>
+  <mc:AlternateContent xmlns:mc="http://schemas.openxmlformats.org/markup-compatibility/2006">
+    <mc:Choice xmlns:p14="http://schemas.microsoft.com/office/powerpoint/2010/main" Requires="p14">
+      <p:transition p14:dur="10"/>
+    </mc:Choice>
+    <mc:Fallback>
+      <p:transition/>
+    </mc:Fallback>
+  </mc:AlternateContent>
   <p:timing>
     <p:tnLst>
       <p:par>
@@ -38606,9 +38989,14 @@
   <p:clrMapOvr>
     <a:masterClrMapping/>
   </p:clrMapOvr>
-  <p:transition spd="slow">
-    <p:push dir="u"/>
-  </p:transition>
+  <mc:AlternateContent xmlns:mc="http://schemas.openxmlformats.org/markup-compatibility/2006">
+    <mc:Choice xmlns:p14="http://schemas.microsoft.com/office/powerpoint/2010/main" Requires="p14">
+      <p:transition p14:dur="10"/>
+    </mc:Choice>
+    <mc:Fallback>
+      <p:transition/>
+    </mc:Fallback>
+  </mc:AlternateContent>
   <p:timing>
     <p:tnLst>
       <p:par>
@@ -39104,9 +39492,14 @@
   <p:clrMapOvr>
     <a:masterClrMapping/>
   </p:clrMapOvr>
-  <p:transition spd="slow">
-    <p:push dir="u"/>
-  </p:transition>
+  <mc:AlternateContent xmlns:mc="http://schemas.openxmlformats.org/markup-compatibility/2006">
+    <mc:Choice xmlns:p14="http://schemas.microsoft.com/office/powerpoint/2010/main" Requires="p14">
+      <p:transition p14:dur="10"/>
+    </mc:Choice>
+    <mc:Fallback>
+      <p:transition/>
+    </mc:Fallback>
+  </mc:AlternateContent>
   <p:timing>
     <p:tnLst>
       <p:par>
@@ -39500,9 +39893,14 @@
   <p:clrMapOvr>
     <a:masterClrMapping/>
   </p:clrMapOvr>
-  <p:transition spd="slow">
-    <p:push dir="u"/>
-  </p:transition>
+  <mc:AlternateContent xmlns:mc="http://schemas.openxmlformats.org/markup-compatibility/2006">
+    <mc:Choice xmlns:p14="http://schemas.microsoft.com/office/powerpoint/2010/main" Requires="p14">
+      <p:transition p14:dur="10"/>
+    </mc:Choice>
+    <mc:Fallback>
+      <p:transition/>
+    </mc:Fallback>
+  </mc:AlternateContent>
   <p:timing>
     <p:tnLst>
       <p:par>
@@ -40032,9 +40430,14 @@
   <p:clrMapOvr>
     <a:masterClrMapping/>
   </p:clrMapOvr>
-  <p:transition spd="slow">
-    <p:push dir="u"/>
-  </p:transition>
+  <mc:AlternateContent xmlns:mc="http://schemas.openxmlformats.org/markup-compatibility/2006">
+    <mc:Choice xmlns:p14="http://schemas.microsoft.com/office/powerpoint/2010/main" Requires="p14">
+      <p:transition p14:dur="10"/>
+    </mc:Choice>
+    <mc:Fallback>
+      <p:transition/>
+    </mc:Fallback>
+  </mc:AlternateContent>
   <p:timing>
     <p:tnLst>
       <p:par>
@@ -40529,9 +40932,14 @@
   <p:clrMapOvr>
     <a:masterClrMapping/>
   </p:clrMapOvr>
-  <p:transition spd="slow">
-    <p:push dir="u"/>
-  </p:transition>
+  <mc:AlternateContent xmlns:mc="http://schemas.openxmlformats.org/markup-compatibility/2006">
+    <mc:Choice xmlns:p14="http://schemas.microsoft.com/office/powerpoint/2010/main" Requires="p14">
+      <p:transition p14:dur="10"/>
+    </mc:Choice>
+    <mc:Fallback>
+      <p:transition/>
+    </mc:Fallback>
+  </mc:AlternateContent>
   <p:timing>
     <p:tnLst>
       <p:par>
@@ -40661,11 +41069,6 @@
               </a:rPr>
               <a:t>Evoluzioni future</a:t>
             </a:r>
-            <a:endParaRPr lang="it-IT" b="1" dirty="0" smtClean="0">
-              <a:solidFill>
-                <a:srgbClr val="0072C6"/>
-              </a:solidFill>
-            </a:endParaRPr>
           </a:p>
           <a:p>
             <a:endParaRPr lang="it-IT" sz="1500" b="1" i="1" dirty="0" smtClean="0">
@@ -40954,13 +41357,6 @@
               </a:rPr>
               <a:t>  </a:t>
             </a:r>
-            <a:endParaRPr lang="it-IT" sz="2800" spc="-100" dirty="0" smtClean="0">
-              <a:ln w="3175">
-                <a:noFill/>
-              </a:ln>
-              <a:latin typeface="+mj-lt"/>
-              <a:cs typeface="Arial" charset="0"/>
-            </a:endParaRPr>
           </a:p>
         </p:txBody>
       </p:sp>
@@ -40974,9 +41370,14 @@
   <p:clrMapOvr>
     <a:masterClrMapping/>
   </p:clrMapOvr>
-  <p:transition spd="slow">
-    <p:push dir="u"/>
-  </p:transition>
+  <mc:AlternateContent xmlns:mc="http://schemas.openxmlformats.org/markup-compatibility/2006">
+    <mc:Choice xmlns:p14="http://schemas.microsoft.com/office/powerpoint/2010/main" Requires="p14">
+      <p:transition p14:dur="10"/>
+    </mc:Choice>
+    <mc:Fallback>
+      <p:transition/>
+    </mc:Fallback>
+  </mc:AlternateContent>
   <p:timing>
     <p:tnLst>
       <p:par>
@@ -41043,12 +41444,6 @@
               </a:rPr>
               <a:t>The End</a:t>
             </a:r>
-            <a:endParaRPr lang="it-IT" sz="6000" b="1" dirty="0" smtClean="0">
-              <a:solidFill>
-                <a:schemeClr val="bg1"/>
-              </a:solidFill>
-              <a:latin typeface="Segoe UI Light" panose="020B0502040204020203" pitchFamily="34" charset="0"/>
-            </a:endParaRPr>
           </a:p>
         </p:txBody>
       </p:sp>
@@ -41062,9 +41457,14 @@
   <p:clrMapOvr>
     <a:masterClrMapping/>
   </p:clrMapOvr>
-  <p:transition spd="slow">
-    <p:push dir="u"/>
-  </p:transition>
+  <mc:AlternateContent xmlns:mc="http://schemas.openxmlformats.org/markup-compatibility/2006">
+    <mc:Choice xmlns:p14="http://schemas.microsoft.com/office/powerpoint/2010/main" Requires="p14">
+      <p:transition p14:dur="10"/>
+    </mc:Choice>
+    <mc:Fallback>
+      <p:transition/>
+    </mc:Fallback>
+  </mc:AlternateContent>
   <p:timing>
     <p:tnLst>
       <p:par>
@@ -41447,9 +41847,14 @@
   <p:clrMapOvr>
     <a:masterClrMapping/>
   </p:clrMapOvr>
-  <p:transition spd="slow">
-    <p:push dir="u"/>
-  </p:transition>
+  <mc:AlternateContent xmlns:mc="http://schemas.openxmlformats.org/markup-compatibility/2006">
+    <mc:Choice xmlns:p14="http://schemas.microsoft.com/office/powerpoint/2010/main" Requires="p14">
+      <p:transition p14:dur="10"/>
+    </mc:Choice>
+    <mc:Fallback>
+      <p:transition/>
+    </mc:Fallback>
+  </mc:AlternateContent>
   <p:timing>
     <p:tnLst>
       <p:par>

--- a/Febbraio 2015.pptx
+++ b/Febbraio 2015.pptx
@@ -320,11 +320,11 @@
           <c:showPercent val="0"/>
           <c:showBubbleSize val="0"/>
         </c:dLbls>
-        <c:axId val="117200848"/>
-        <c:axId val="117201408"/>
+        <c:axId val="116698768"/>
+        <c:axId val="116699328"/>
       </c:radarChart>
       <c:catAx>
-        <c:axId val="117200848"/>
+        <c:axId val="116698768"/>
         <c:scaling>
           <c:orientation val="minMax"/>
         </c:scaling>
@@ -367,7 +367,7 @@
             <a:endParaRPr lang="it-IT"/>
           </a:p>
         </c:txPr>
-        <c:crossAx val="117201408"/>
+        <c:crossAx val="116699328"/>
         <c:crosses val="autoZero"/>
         <c:auto val="1"/>
         <c:lblAlgn val="ctr"/>
@@ -375,7 +375,7 @@
         <c:noMultiLvlLbl val="0"/>
       </c:catAx>
       <c:valAx>
-        <c:axId val="117201408"/>
+        <c:axId val="116699328"/>
         <c:scaling>
           <c:orientation val="minMax"/>
           <c:max val="100"/>
@@ -426,7 +426,7 @@
             <a:endParaRPr lang="it-IT"/>
           </a:p>
         </c:txPr>
-        <c:crossAx val="117200848"/>
+        <c:crossAx val="116698768"/>
         <c:crosses val="autoZero"/>
         <c:crossBetween val="between"/>
         <c:majorUnit val="10"/>
@@ -582,11 +582,11 @@
           <c:showPercent val="0"/>
           <c:showBubbleSize val="0"/>
         </c:dLbls>
-        <c:axId val="117203648"/>
-        <c:axId val="117204208"/>
+        <c:axId val="150288384"/>
+        <c:axId val="150288944"/>
       </c:radarChart>
       <c:catAx>
-        <c:axId val="117203648"/>
+        <c:axId val="150288384"/>
         <c:scaling>
           <c:orientation val="minMax"/>
         </c:scaling>
@@ -629,7 +629,7 @@
             <a:endParaRPr lang="it-IT"/>
           </a:p>
         </c:txPr>
-        <c:crossAx val="117204208"/>
+        <c:crossAx val="150288944"/>
         <c:crosses val="autoZero"/>
         <c:auto val="1"/>
         <c:lblAlgn val="ctr"/>
@@ -637,7 +637,7 @@
         <c:noMultiLvlLbl val="0"/>
       </c:catAx>
       <c:valAx>
-        <c:axId val="117204208"/>
+        <c:axId val="150288944"/>
         <c:scaling>
           <c:orientation val="minMax"/>
         </c:scaling>
@@ -687,7 +687,7 @@
             <a:endParaRPr lang="it-IT"/>
           </a:p>
         </c:txPr>
-        <c:crossAx val="117203648"/>
+        <c:crossAx val="150288384"/>
         <c:crosses val="autoZero"/>
         <c:crossBetween val="between"/>
         <c:majorUnit val="10"/>
@@ -833,11 +833,11 @@
           <c:showPercent val="0"/>
           <c:showBubbleSize val="0"/>
         </c:dLbls>
-        <c:axId val="117206448"/>
-        <c:axId val="115460816"/>
+        <c:axId val="150291184"/>
+        <c:axId val="150291744"/>
       </c:radarChart>
       <c:catAx>
-        <c:axId val="117206448"/>
+        <c:axId val="150291184"/>
         <c:scaling>
           <c:orientation val="minMax"/>
         </c:scaling>
@@ -880,7 +880,7 @@
             <a:endParaRPr lang="it-IT"/>
           </a:p>
         </c:txPr>
-        <c:crossAx val="115460816"/>
+        <c:crossAx val="150291744"/>
         <c:crosses val="autoZero"/>
         <c:auto val="1"/>
         <c:lblAlgn val="ctr"/>
@@ -888,7 +888,7 @@
         <c:noMultiLvlLbl val="0"/>
       </c:catAx>
       <c:valAx>
-        <c:axId val="115460816"/>
+        <c:axId val="150291744"/>
         <c:scaling>
           <c:orientation val="minMax"/>
         </c:scaling>
@@ -938,7 +938,7 @@
             <a:endParaRPr lang="it-IT"/>
           </a:p>
         </c:txPr>
-        <c:crossAx val="117206448"/>
+        <c:crossAx val="150291184"/>
         <c:crosses val="autoZero"/>
         <c:crossBetween val="between"/>
         <c:majorUnit val="10"/>
@@ -3236,11 +3236,11 @@
   <p:clrMapOvr>
     <a:masterClrMapping/>
   </p:clrMapOvr>
-  <mc:AlternateContent xmlns:mc="http://schemas.openxmlformats.org/markup-compatibility/2006">
-    <mc:Choice xmlns:p14="http://schemas.microsoft.com/office/powerpoint/2010/main" Requires="p14">
+  <mc:AlternateContent xmlns:mc="http://schemas.openxmlformats.org/markup-compatibility/2006" xmlns:p14="http://schemas.microsoft.com/office/powerpoint/2010/main">
+    <mc:Choice Requires="p14">
       <p:transition p14:dur="10"/>
     </mc:Choice>
-    <mc:Fallback>
+    <mc:Fallback xmlns="">
       <p:transition/>
     </mc:Fallback>
   </mc:AlternateContent>
@@ -3414,11 +3414,11 @@
   <p:clrMapOvr>
     <a:masterClrMapping/>
   </p:clrMapOvr>
-  <mc:AlternateContent xmlns:mc="http://schemas.openxmlformats.org/markup-compatibility/2006">
-    <mc:Choice xmlns:p14="http://schemas.microsoft.com/office/powerpoint/2010/main" Requires="p14">
+  <mc:AlternateContent xmlns:mc="http://schemas.openxmlformats.org/markup-compatibility/2006" xmlns:p14="http://schemas.microsoft.com/office/powerpoint/2010/main">
+    <mc:Choice Requires="p14">
       <p:transition p14:dur="10"/>
     </mc:Choice>
-    <mc:Fallback>
+    <mc:Fallback xmlns="">
       <p:transition/>
     </mc:Fallback>
   </mc:AlternateContent>
@@ -3602,11 +3602,11 @@
   <p:clrMapOvr>
     <a:masterClrMapping/>
   </p:clrMapOvr>
-  <mc:AlternateContent xmlns:mc="http://schemas.openxmlformats.org/markup-compatibility/2006">
-    <mc:Choice xmlns:p14="http://schemas.microsoft.com/office/powerpoint/2010/main" Requires="p14">
+  <mc:AlternateContent xmlns:mc="http://schemas.openxmlformats.org/markup-compatibility/2006" xmlns:p14="http://schemas.microsoft.com/office/powerpoint/2010/main">
+    <mc:Choice Requires="p14">
       <p:transition p14:dur="10"/>
     </mc:Choice>
-    <mc:Fallback>
+    <mc:Fallback xmlns="">
       <p:transition/>
     </mc:Fallback>
   </mc:AlternateContent>
@@ -3780,11 +3780,11 @@
   <p:clrMapOvr>
     <a:masterClrMapping/>
   </p:clrMapOvr>
-  <mc:AlternateContent xmlns:mc="http://schemas.openxmlformats.org/markup-compatibility/2006">
-    <mc:Choice xmlns:p14="http://schemas.microsoft.com/office/powerpoint/2010/main" Requires="p14">
+  <mc:AlternateContent xmlns:mc="http://schemas.openxmlformats.org/markup-compatibility/2006" xmlns:p14="http://schemas.microsoft.com/office/powerpoint/2010/main">
+    <mc:Choice Requires="p14">
       <p:transition p14:dur="10"/>
     </mc:Choice>
-    <mc:Fallback>
+    <mc:Fallback xmlns="">
       <p:transition/>
     </mc:Fallback>
   </mc:AlternateContent>
@@ -4034,11 +4034,11 @@
   <p:clrMapOvr>
     <a:masterClrMapping/>
   </p:clrMapOvr>
-  <mc:AlternateContent xmlns:mc="http://schemas.openxmlformats.org/markup-compatibility/2006">
-    <mc:Choice xmlns:p14="http://schemas.microsoft.com/office/powerpoint/2010/main" Requires="p14">
+  <mc:AlternateContent xmlns:mc="http://schemas.openxmlformats.org/markup-compatibility/2006" xmlns:p14="http://schemas.microsoft.com/office/powerpoint/2010/main">
+    <mc:Choice Requires="p14">
       <p:transition p14:dur="10"/>
     </mc:Choice>
-    <mc:Fallback>
+    <mc:Fallback xmlns="">
       <p:transition/>
     </mc:Fallback>
   </mc:AlternateContent>
@@ -4274,11 +4274,11 @@
   <p:clrMapOvr>
     <a:masterClrMapping/>
   </p:clrMapOvr>
-  <mc:AlternateContent xmlns:mc="http://schemas.openxmlformats.org/markup-compatibility/2006">
-    <mc:Choice xmlns:p14="http://schemas.microsoft.com/office/powerpoint/2010/main" Requires="p14">
+  <mc:AlternateContent xmlns:mc="http://schemas.openxmlformats.org/markup-compatibility/2006" xmlns:p14="http://schemas.microsoft.com/office/powerpoint/2010/main">
+    <mc:Choice Requires="p14">
       <p:transition p14:dur="10"/>
     </mc:Choice>
-    <mc:Fallback>
+    <mc:Fallback xmlns="">
       <p:transition/>
     </mc:Fallback>
   </mc:AlternateContent>
@@ -4649,11 +4649,11 @@
   <p:clrMapOvr>
     <a:masterClrMapping/>
   </p:clrMapOvr>
-  <mc:AlternateContent xmlns:mc="http://schemas.openxmlformats.org/markup-compatibility/2006">
-    <mc:Choice xmlns:p14="http://schemas.microsoft.com/office/powerpoint/2010/main" Requires="p14">
+  <mc:AlternateContent xmlns:mc="http://schemas.openxmlformats.org/markup-compatibility/2006" xmlns:p14="http://schemas.microsoft.com/office/powerpoint/2010/main">
+    <mc:Choice Requires="p14">
       <p:transition p14:dur="10"/>
     </mc:Choice>
-    <mc:Fallback>
+    <mc:Fallback xmlns="">
       <p:transition/>
     </mc:Fallback>
   </mc:AlternateContent>
@@ -4775,11 +4775,11 @@
   <p:clrMapOvr>
     <a:masterClrMapping/>
   </p:clrMapOvr>
-  <mc:AlternateContent xmlns:mc="http://schemas.openxmlformats.org/markup-compatibility/2006">
-    <mc:Choice xmlns:p14="http://schemas.microsoft.com/office/powerpoint/2010/main" Requires="p14">
+  <mc:AlternateContent xmlns:mc="http://schemas.openxmlformats.org/markup-compatibility/2006" xmlns:p14="http://schemas.microsoft.com/office/powerpoint/2010/main">
+    <mc:Choice Requires="p14">
       <p:transition p14:dur="10"/>
     </mc:Choice>
-    <mc:Fallback>
+    <mc:Fallback xmlns="">
       <p:transition/>
     </mc:Fallback>
   </mc:AlternateContent>
@@ -4878,11 +4878,11 @@
   <p:clrMapOvr>
     <a:masterClrMapping/>
   </p:clrMapOvr>
-  <mc:AlternateContent xmlns:mc="http://schemas.openxmlformats.org/markup-compatibility/2006">
-    <mc:Choice xmlns:p14="http://schemas.microsoft.com/office/powerpoint/2010/main" Requires="p14">
+  <mc:AlternateContent xmlns:mc="http://schemas.openxmlformats.org/markup-compatibility/2006" xmlns:p14="http://schemas.microsoft.com/office/powerpoint/2010/main">
+    <mc:Choice Requires="p14">
       <p:transition p14:dur="10"/>
     </mc:Choice>
-    <mc:Fallback>
+    <mc:Fallback xmlns="">
       <p:transition/>
     </mc:Fallback>
   </mc:AlternateContent>
@@ -5163,11 +5163,11 @@
   <p:clrMapOvr>
     <a:masterClrMapping/>
   </p:clrMapOvr>
-  <mc:AlternateContent xmlns:mc="http://schemas.openxmlformats.org/markup-compatibility/2006">
-    <mc:Choice xmlns:p14="http://schemas.microsoft.com/office/powerpoint/2010/main" Requires="p14">
+  <mc:AlternateContent xmlns:mc="http://schemas.openxmlformats.org/markup-compatibility/2006" xmlns:p14="http://schemas.microsoft.com/office/powerpoint/2010/main">
+    <mc:Choice Requires="p14">
       <p:transition p14:dur="10"/>
     </mc:Choice>
-    <mc:Fallback>
+    <mc:Fallback xmlns="">
       <p:transition/>
     </mc:Fallback>
   </mc:AlternateContent>
@@ -5424,11 +5424,11 @@
   <p:clrMapOvr>
     <a:masterClrMapping/>
   </p:clrMapOvr>
-  <mc:AlternateContent xmlns:mc="http://schemas.openxmlformats.org/markup-compatibility/2006">
-    <mc:Choice xmlns:p14="http://schemas.microsoft.com/office/powerpoint/2010/main" Requires="p14">
+  <mc:AlternateContent xmlns:mc="http://schemas.openxmlformats.org/markup-compatibility/2006" xmlns:p14="http://schemas.microsoft.com/office/powerpoint/2010/main">
+    <mc:Choice Requires="p14">
       <p:transition p14:dur="10"/>
     </mc:Choice>
-    <mc:Fallback>
+    <mc:Fallback xmlns="">
       <p:transition/>
     </mc:Fallback>
   </mc:AlternateContent>
@@ -5692,11 +5692,11 @@
     <p:sldLayoutId id="2147483658" r:id="rId10"/>
     <p:sldLayoutId id="2147483659" r:id="rId11"/>
   </p:sldLayoutIdLst>
-  <mc:AlternateContent xmlns:mc="http://schemas.openxmlformats.org/markup-compatibility/2006">
-    <mc:Choice xmlns:p14="http://schemas.microsoft.com/office/powerpoint/2010/main" Requires="p14">
+  <mc:AlternateContent xmlns:mc="http://schemas.openxmlformats.org/markup-compatibility/2006" xmlns:p14="http://schemas.microsoft.com/office/powerpoint/2010/main">
+    <mc:Choice Requires="p14">
       <p:transition p14:dur="10"/>
     </mc:Choice>
-    <mc:Fallback>
+    <mc:Fallback xmlns="">
       <p:transition/>
     </mc:Fallback>
   </mc:AlternateContent>
@@ -6297,11 +6297,11 @@
   <p:clrMapOvr>
     <a:masterClrMapping/>
   </p:clrMapOvr>
-  <mc:AlternateContent xmlns:mc="http://schemas.openxmlformats.org/markup-compatibility/2006">
-    <mc:Choice xmlns:p14="http://schemas.microsoft.com/office/powerpoint/2010/main" Requires="p14">
+  <mc:AlternateContent xmlns:mc="http://schemas.openxmlformats.org/markup-compatibility/2006" xmlns:p14="http://schemas.microsoft.com/office/powerpoint/2010/main">
+    <mc:Choice Requires="p14">
       <p:transition p14:dur="10"/>
     </mc:Choice>
-    <mc:Fallback>
+    <mc:Fallback xmlns="">
       <p:transition/>
     </mc:Fallback>
   </mc:AlternateContent>
@@ -6719,11 +6719,11 @@
   <p:clrMapOvr>
     <a:masterClrMapping/>
   </p:clrMapOvr>
-  <mc:AlternateContent xmlns:mc="http://schemas.openxmlformats.org/markup-compatibility/2006">
-    <mc:Choice xmlns:p14="http://schemas.microsoft.com/office/powerpoint/2010/main" Requires="p14">
+  <mc:AlternateContent xmlns:mc="http://schemas.openxmlformats.org/markup-compatibility/2006" xmlns:p14="http://schemas.microsoft.com/office/powerpoint/2010/main">
+    <mc:Choice Requires="p14">
       <p:transition p14:dur="10"/>
     </mc:Choice>
-    <mc:Fallback>
+    <mc:Fallback xmlns="">
       <p:transition/>
     </mc:Fallback>
   </mc:AlternateContent>
@@ -7228,11 +7228,11 @@
   <p:clrMapOvr>
     <a:masterClrMapping/>
   </p:clrMapOvr>
-  <mc:AlternateContent xmlns:mc="http://schemas.openxmlformats.org/markup-compatibility/2006">
-    <mc:Choice xmlns:p14="http://schemas.microsoft.com/office/powerpoint/2010/main" Requires="p14">
+  <mc:AlternateContent xmlns:mc="http://schemas.openxmlformats.org/markup-compatibility/2006" xmlns:p14="http://schemas.microsoft.com/office/powerpoint/2010/main">
+    <mc:Choice Requires="p14">
       <p:transition p14:dur="10"/>
     </mc:Choice>
-    <mc:Fallback>
+    <mc:Fallback xmlns="">
       <p:transition/>
     </mc:Fallback>
   </mc:AlternateContent>
@@ -7570,11 +7570,11 @@
   <p:clrMapOvr>
     <a:masterClrMapping/>
   </p:clrMapOvr>
-  <mc:AlternateContent xmlns:mc="http://schemas.openxmlformats.org/markup-compatibility/2006">
-    <mc:Choice xmlns:p14="http://schemas.microsoft.com/office/powerpoint/2010/main" Requires="p14">
+  <mc:AlternateContent xmlns:mc="http://schemas.openxmlformats.org/markup-compatibility/2006" xmlns:p14="http://schemas.microsoft.com/office/powerpoint/2010/main">
+    <mc:Choice Requires="p14">
       <p:transition p14:dur="10"/>
     </mc:Choice>
-    <mc:Fallback>
+    <mc:Fallback xmlns="">
       <p:transition/>
     </mc:Fallback>
   </mc:AlternateContent>
@@ -8104,11 +8104,11 @@
   <p:clrMapOvr>
     <a:masterClrMapping/>
   </p:clrMapOvr>
-  <mc:AlternateContent xmlns:mc="http://schemas.openxmlformats.org/markup-compatibility/2006">
-    <mc:Choice xmlns:p14="http://schemas.microsoft.com/office/powerpoint/2010/main" Requires="p14">
+  <mc:AlternateContent xmlns:mc="http://schemas.openxmlformats.org/markup-compatibility/2006" xmlns:p14="http://schemas.microsoft.com/office/powerpoint/2010/main">
+    <mc:Choice Requires="p14">
       <p:transition p14:dur="10"/>
     </mc:Choice>
-    <mc:Fallback>
+    <mc:Fallback xmlns="">
       <p:transition/>
     </mc:Fallback>
   </mc:AlternateContent>
@@ -8522,11 +8522,11 @@
   <p:clrMapOvr>
     <a:masterClrMapping/>
   </p:clrMapOvr>
-  <mc:AlternateContent xmlns:mc="http://schemas.openxmlformats.org/markup-compatibility/2006">
-    <mc:Choice xmlns:p14="http://schemas.microsoft.com/office/powerpoint/2010/main" Requires="p14">
+  <mc:AlternateContent xmlns:mc="http://schemas.openxmlformats.org/markup-compatibility/2006" xmlns:p14="http://schemas.microsoft.com/office/powerpoint/2010/main">
+    <mc:Choice Requires="p14">
       <p:transition p14:dur="10"/>
     </mc:Choice>
-    <mc:Fallback>
+    <mc:Fallback xmlns="">
       <p:transition/>
     </mc:Fallback>
   </mc:AlternateContent>
@@ -8843,11 +8843,11 @@
   <p:clrMapOvr>
     <a:masterClrMapping/>
   </p:clrMapOvr>
-  <mc:AlternateContent xmlns:mc="http://schemas.openxmlformats.org/markup-compatibility/2006">
-    <mc:Choice xmlns:p14="http://schemas.microsoft.com/office/powerpoint/2010/main" Requires="p14">
+  <mc:AlternateContent xmlns:mc="http://schemas.openxmlformats.org/markup-compatibility/2006" xmlns:p14="http://schemas.microsoft.com/office/powerpoint/2010/main">
+    <mc:Choice Requires="p14">
       <p:transition p14:dur="10"/>
     </mc:Choice>
-    <mc:Fallback>
+    <mc:Fallback xmlns="">
       <p:transition/>
     </mc:Fallback>
   </mc:AlternateContent>
@@ -9591,11 +9591,11 @@
   <p:clrMapOvr>
     <a:masterClrMapping/>
   </p:clrMapOvr>
-  <mc:AlternateContent xmlns:mc="http://schemas.openxmlformats.org/markup-compatibility/2006">
-    <mc:Choice xmlns:p14="http://schemas.microsoft.com/office/powerpoint/2010/main" Requires="p14">
+  <mc:AlternateContent xmlns:mc="http://schemas.openxmlformats.org/markup-compatibility/2006" xmlns:p14="http://schemas.microsoft.com/office/powerpoint/2010/main">
+    <mc:Choice Requires="p14">
       <p:transition p14:dur="10"/>
     </mc:Choice>
-    <mc:Fallback>
+    <mc:Fallback xmlns="">
       <p:transition/>
     </mc:Fallback>
   </mc:AlternateContent>
@@ -9824,11 +9824,11 @@
   <p:clrMapOvr>
     <a:masterClrMapping/>
   </p:clrMapOvr>
-  <mc:AlternateContent xmlns:mc="http://schemas.openxmlformats.org/markup-compatibility/2006">
-    <mc:Choice xmlns:p14="http://schemas.microsoft.com/office/powerpoint/2010/main" Requires="p14">
+  <mc:AlternateContent xmlns:mc="http://schemas.openxmlformats.org/markup-compatibility/2006" xmlns:p14="http://schemas.microsoft.com/office/powerpoint/2010/main">
+    <mc:Choice Requires="p14">
       <p:transition p14:dur="10"/>
     </mc:Choice>
-    <mc:Fallback>
+    <mc:Fallback xmlns="">
       <p:transition/>
     </mc:Fallback>
   </mc:AlternateContent>
@@ -10057,11 +10057,11 @@
   <p:clrMapOvr>
     <a:masterClrMapping/>
   </p:clrMapOvr>
-  <mc:AlternateContent xmlns:mc="http://schemas.openxmlformats.org/markup-compatibility/2006">
-    <mc:Choice xmlns:p14="http://schemas.microsoft.com/office/powerpoint/2010/main" Requires="p14">
+  <mc:AlternateContent xmlns:mc="http://schemas.openxmlformats.org/markup-compatibility/2006" xmlns:p14="http://schemas.microsoft.com/office/powerpoint/2010/main">
+    <mc:Choice Requires="p14">
       <p:transition p14:dur="10"/>
     </mc:Choice>
-    <mc:Fallback>
+    <mc:Fallback xmlns="">
       <p:transition/>
     </mc:Fallback>
   </mc:AlternateContent>
@@ -10289,11 +10289,11 @@
   <p:clrMapOvr>
     <a:masterClrMapping/>
   </p:clrMapOvr>
-  <mc:AlternateContent xmlns:mc="http://schemas.openxmlformats.org/markup-compatibility/2006">
-    <mc:Choice xmlns:p14="http://schemas.microsoft.com/office/powerpoint/2010/main" Requires="p14">
+  <mc:AlternateContent xmlns:mc="http://schemas.openxmlformats.org/markup-compatibility/2006" xmlns:p14="http://schemas.microsoft.com/office/powerpoint/2010/main">
+    <mc:Choice Requires="p14">
       <p:transition p14:dur="10"/>
     </mc:Choice>
-    <mc:Fallback>
+    <mc:Fallback xmlns="">
       <p:transition/>
     </mc:Fallback>
   </mc:AlternateContent>
@@ -10549,11 +10549,11 @@
   <p:clrMapOvr>
     <a:masterClrMapping/>
   </p:clrMapOvr>
-  <mc:AlternateContent xmlns:mc="http://schemas.openxmlformats.org/markup-compatibility/2006">
-    <mc:Choice xmlns:p14="http://schemas.microsoft.com/office/powerpoint/2010/main" Requires="p14">
+  <mc:AlternateContent xmlns:mc="http://schemas.openxmlformats.org/markup-compatibility/2006" xmlns:p14="http://schemas.microsoft.com/office/powerpoint/2010/main">
+    <mc:Choice Requires="p14">
       <p:transition p14:dur="10"/>
     </mc:Choice>
-    <mc:Fallback>
+    <mc:Fallback xmlns="">
       <p:transition/>
     </mc:Fallback>
   </mc:AlternateContent>
@@ -10781,11 +10781,11 @@
   <p:clrMapOvr>
     <a:masterClrMapping/>
   </p:clrMapOvr>
-  <mc:AlternateContent xmlns:mc="http://schemas.openxmlformats.org/markup-compatibility/2006">
-    <mc:Choice xmlns:p14="http://schemas.microsoft.com/office/powerpoint/2010/main" Requires="p14">
+  <mc:AlternateContent xmlns:mc="http://schemas.openxmlformats.org/markup-compatibility/2006" xmlns:p14="http://schemas.microsoft.com/office/powerpoint/2010/main">
+    <mc:Choice Requires="p14">
       <p:transition p14:dur="10"/>
     </mc:Choice>
-    <mc:Fallback>
+    <mc:Fallback xmlns="">
       <p:transition/>
     </mc:Fallback>
   </mc:AlternateContent>
@@ -11014,11 +11014,11 @@
   <p:clrMapOvr>
     <a:masterClrMapping/>
   </p:clrMapOvr>
-  <mc:AlternateContent xmlns:mc="http://schemas.openxmlformats.org/markup-compatibility/2006">
-    <mc:Choice xmlns:p14="http://schemas.microsoft.com/office/powerpoint/2010/main" Requires="p14">
+  <mc:AlternateContent xmlns:mc="http://schemas.openxmlformats.org/markup-compatibility/2006" xmlns:p14="http://schemas.microsoft.com/office/powerpoint/2010/main">
+    <mc:Choice Requires="p14">
       <p:transition p14:dur="10"/>
     </mc:Choice>
-    <mc:Fallback>
+    <mc:Fallback xmlns="">
       <p:transition/>
     </mc:Fallback>
   </mc:AlternateContent>
@@ -11247,11 +11247,11 @@
   <p:clrMapOvr>
     <a:masterClrMapping/>
   </p:clrMapOvr>
-  <mc:AlternateContent xmlns:mc="http://schemas.openxmlformats.org/markup-compatibility/2006">
-    <mc:Choice xmlns:p14="http://schemas.microsoft.com/office/powerpoint/2010/main" Requires="p14">
+  <mc:AlternateContent xmlns:mc="http://schemas.openxmlformats.org/markup-compatibility/2006" xmlns:p14="http://schemas.microsoft.com/office/powerpoint/2010/main">
+    <mc:Choice Requires="p14">
       <p:transition p14:dur="10"/>
     </mc:Choice>
-    <mc:Fallback>
+    <mc:Fallback xmlns="">
       <p:transition/>
     </mc:Fallback>
   </mc:AlternateContent>
@@ -11480,11 +11480,11 @@
   <p:clrMapOvr>
     <a:masterClrMapping/>
   </p:clrMapOvr>
-  <mc:AlternateContent xmlns:mc="http://schemas.openxmlformats.org/markup-compatibility/2006">
-    <mc:Choice xmlns:p14="http://schemas.microsoft.com/office/powerpoint/2010/main" Requires="p14">
+  <mc:AlternateContent xmlns:mc="http://schemas.openxmlformats.org/markup-compatibility/2006" xmlns:p14="http://schemas.microsoft.com/office/powerpoint/2010/main">
+    <mc:Choice Requires="p14">
       <p:transition p14:dur="10"/>
     </mc:Choice>
-    <mc:Fallback>
+    <mc:Fallback xmlns="">
       <p:transition/>
     </mc:Fallback>
   </mc:AlternateContent>
@@ -11713,11 +11713,11 @@
   <p:clrMapOvr>
     <a:masterClrMapping/>
   </p:clrMapOvr>
-  <mc:AlternateContent xmlns:mc="http://schemas.openxmlformats.org/markup-compatibility/2006">
-    <mc:Choice xmlns:p14="http://schemas.microsoft.com/office/powerpoint/2010/main" Requires="p14">
+  <mc:AlternateContent xmlns:mc="http://schemas.openxmlformats.org/markup-compatibility/2006" xmlns:p14="http://schemas.microsoft.com/office/powerpoint/2010/main">
+    <mc:Choice Requires="p14">
       <p:transition p14:dur="10"/>
     </mc:Choice>
-    <mc:Fallback>
+    <mc:Fallback xmlns="">
       <p:transition/>
     </mc:Fallback>
   </mc:AlternateContent>
@@ -11946,11 +11946,11 @@
   <p:clrMapOvr>
     <a:masterClrMapping/>
   </p:clrMapOvr>
-  <mc:AlternateContent xmlns:mc="http://schemas.openxmlformats.org/markup-compatibility/2006">
-    <mc:Choice xmlns:p14="http://schemas.microsoft.com/office/powerpoint/2010/main" Requires="p14">
+  <mc:AlternateContent xmlns:mc="http://schemas.openxmlformats.org/markup-compatibility/2006" xmlns:p14="http://schemas.microsoft.com/office/powerpoint/2010/main">
+    <mc:Choice Requires="p14">
       <p:transition p14:dur="10"/>
     </mc:Choice>
-    <mc:Fallback>
+    <mc:Fallback xmlns="">
       <p:transition/>
     </mc:Fallback>
   </mc:AlternateContent>
@@ -12179,11 +12179,11 @@
   <p:clrMapOvr>
     <a:masterClrMapping/>
   </p:clrMapOvr>
-  <mc:AlternateContent xmlns:mc="http://schemas.openxmlformats.org/markup-compatibility/2006">
-    <mc:Choice xmlns:p14="http://schemas.microsoft.com/office/powerpoint/2010/main" Requires="p14">
+  <mc:AlternateContent xmlns:mc="http://schemas.openxmlformats.org/markup-compatibility/2006" xmlns:p14="http://schemas.microsoft.com/office/powerpoint/2010/main">
+    <mc:Choice Requires="p14">
       <p:transition p14:dur="10"/>
     </mc:Choice>
-    <mc:Fallback>
+    <mc:Fallback xmlns="">
       <p:transition/>
     </mc:Fallback>
   </mc:AlternateContent>
@@ -12451,11 +12451,11 @@
   <p:clrMapOvr>
     <a:masterClrMapping/>
   </p:clrMapOvr>
-  <mc:AlternateContent xmlns:mc="http://schemas.openxmlformats.org/markup-compatibility/2006">
-    <mc:Choice xmlns:p14="http://schemas.microsoft.com/office/powerpoint/2010/main" Requires="p14">
+  <mc:AlternateContent xmlns:mc="http://schemas.openxmlformats.org/markup-compatibility/2006" xmlns:p14="http://schemas.microsoft.com/office/powerpoint/2010/main">
+    <mc:Choice Requires="p14">
       <p:transition p14:dur="10"/>
     </mc:Choice>
-    <mc:Fallback>
+    <mc:Fallback xmlns="">
       <p:transition/>
     </mc:Fallback>
   </mc:AlternateContent>
@@ -12723,11 +12723,11 @@
   <p:clrMapOvr>
     <a:masterClrMapping/>
   </p:clrMapOvr>
-  <mc:AlternateContent xmlns:mc="http://schemas.openxmlformats.org/markup-compatibility/2006">
-    <mc:Choice xmlns:p14="http://schemas.microsoft.com/office/powerpoint/2010/main" Requires="p14">
+  <mc:AlternateContent xmlns:mc="http://schemas.openxmlformats.org/markup-compatibility/2006" xmlns:p14="http://schemas.microsoft.com/office/powerpoint/2010/main">
+    <mc:Choice Requires="p14">
       <p:transition p14:dur="10"/>
     </mc:Choice>
-    <mc:Fallback>
+    <mc:Fallback xmlns="">
       <p:transition/>
     </mc:Fallback>
   </mc:AlternateContent>
@@ -12995,11 +12995,11 @@
   <p:clrMapOvr>
     <a:masterClrMapping/>
   </p:clrMapOvr>
-  <mc:AlternateContent xmlns:mc="http://schemas.openxmlformats.org/markup-compatibility/2006">
-    <mc:Choice xmlns:p14="http://schemas.microsoft.com/office/powerpoint/2010/main" Requires="p14">
+  <mc:AlternateContent xmlns:mc="http://schemas.openxmlformats.org/markup-compatibility/2006" xmlns:p14="http://schemas.microsoft.com/office/powerpoint/2010/main">
+    <mc:Choice Requires="p14">
       <p:transition p14:dur="10"/>
     </mc:Choice>
-    <mc:Fallback>
+    <mc:Fallback xmlns="">
       <p:transition/>
     </mc:Fallback>
   </mc:AlternateContent>
@@ -13354,11 +13354,11 @@
   <p:clrMapOvr>
     <a:masterClrMapping/>
   </p:clrMapOvr>
-  <mc:AlternateContent xmlns:mc="http://schemas.openxmlformats.org/markup-compatibility/2006">
-    <mc:Choice xmlns:p14="http://schemas.microsoft.com/office/powerpoint/2010/main" Requires="p14">
+  <mc:AlternateContent xmlns:mc="http://schemas.openxmlformats.org/markup-compatibility/2006" xmlns:p14="http://schemas.microsoft.com/office/powerpoint/2010/main">
+    <mc:Choice Requires="p14">
       <p:transition p14:dur="10"/>
     </mc:Choice>
-    <mc:Fallback>
+    <mc:Fallback xmlns="">
       <p:transition/>
     </mc:Fallback>
   </mc:AlternateContent>
@@ -13626,11 +13626,11 @@
   <p:clrMapOvr>
     <a:masterClrMapping/>
   </p:clrMapOvr>
-  <mc:AlternateContent xmlns:mc="http://schemas.openxmlformats.org/markup-compatibility/2006">
-    <mc:Choice xmlns:p14="http://schemas.microsoft.com/office/powerpoint/2010/main" Requires="p14">
+  <mc:AlternateContent xmlns:mc="http://schemas.openxmlformats.org/markup-compatibility/2006" xmlns:p14="http://schemas.microsoft.com/office/powerpoint/2010/main">
+    <mc:Choice Requires="p14">
       <p:transition p14:dur="10"/>
     </mc:Choice>
-    <mc:Fallback>
+    <mc:Fallback xmlns="">
       <p:transition/>
     </mc:Fallback>
   </mc:AlternateContent>
@@ -13897,11 +13897,11 @@
   <p:clrMapOvr>
     <a:masterClrMapping/>
   </p:clrMapOvr>
-  <mc:AlternateContent xmlns:mc="http://schemas.openxmlformats.org/markup-compatibility/2006">
-    <mc:Choice xmlns:p14="http://schemas.microsoft.com/office/powerpoint/2010/main" Requires="p14">
+  <mc:AlternateContent xmlns:mc="http://schemas.openxmlformats.org/markup-compatibility/2006" xmlns:p14="http://schemas.microsoft.com/office/powerpoint/2010/main">
+    <mc:Choice Requires="p14">
       <p:transition p14:dur="10"/>
     </mc:Choice>
-    <mc:Fallback>
+    <mc:Fallback xmlns="">
       <p:transition/>
     </mc:Fallback>
   </mc:AlternateContent>
@@ -14169,11 +14169,11 @@
   <p:clrMapOvr>
     <a:masterClrMapping/>
   </p:clrMapOvr>
-  <mc:AlternateContent xmlns:mc="http://schemas.openxmlformats.org/markup-compatibility/2006">
-    <mc:Choice xmlns:p14="http://schemas.microsoft.com/office/powerpoint/2010/main" Requires="p14">
+  <mc:AlternateContent xmlns:mc="http://schemas.openxmlformats.org/markup-compatibility/2006" xmlns:p14="http://schemas.microsoft.com/office/powerpoint/2010/main">
+    <mc:Choice Requires="p14">
       <p:transition p14:dur="10"/>
     </mc:Choice>
-    <mc:Fallback>
+    <mc:Fallback xmlns="">
       <p:transition/>
     </mc:Fallback>
   </mc:AlternateContent>
@@ -14428,11 +14428,11 @@
   <p:clrMapOvr>
     <a:masterClrMapping/>
   </p:clrMapOvr>
-  <mc:AlternateContent xmlns:mc="http://schemas.openxmlformats.org/markup-compatibility/2006">
-    <mc:Choice xmlns:p14="http://schemas.microsoft.com/office/powerpoint/2010/main" Requires="p14">
+  <mc:AlternateContent xmlns:mc="http://schemas.openxmlformats.org/markup-compatibility/2006" xmlns:p14="http://schemas.microsoft.com/office/powerpoint/2010/main">
+    <mc:Choice Requires="p14">
       <p:transition p14:dur="10"/>
     </mc:Choice>
-    <mc:Fallback>
+    <mc:Fallback xmlns="">
       <p:transition/>
     </mc:Fallback>
   </mc:AlternateContent>
@@ -15335,11 +15335,11 @@
   <p:clrMapOvr>
     <a:masterClrMapping/>
   </p:clrMapOvr>
-  <mc:AlternateContent xmlns:mc="http://schemas.openxmlformats.org/markup-compatibility/2006">
-    <mc:Choice xmlns:p14="http://schemas.microsoft.com/office/powerpoint/2010/main" Requires="p14">
+  <mc:AlternateContent xmlns:mc="http://schemas.openxmlformats.org/markup-compatibility/2006" xmlns:p14="http://schemas.microsoft.com/office/powerpoint/2010/main">
+    <mc:Choice Requires="p14">
       <p:transition p14:dur="10"/>
     </mc:Choice>
-    <mc:Fallback>
+    <mc:Fallback xmlns="">
       <p:transition/>
     </mc:Fallback>
   </mc:AlternateContent>
@@ -15594,11 +15594,11 @@
   <p:clrMapOvr>
     <a:masterClrMapping/>
   </p:clrMapOvr>
-  <mc:AlternateContent xmlns:mc="http://schemas.openxmlformats.org/markup-compatibility/2006">
-    <mc:Choice xmlns:p14="http://schemas.microsoft.com/office/powerpoint/2010/main" Requires="p14">
+  <mc:AlternateContent xmlns:mc="http://schemas.openxmlformats.org/markup-compatibility/2006" xmlns:p14="http://schemas.microsoft.com/office/powerpoint/2010/main">
+    <mc:Choice Requires="p14">
       <p:transition p14:dur="10"/>
     </mc:Choice>
-    <mc:Fallback>
+    <mc:Fallback xmlns="">
       <p:transition/>
     </mc:Fallback>
   </mc:AlternateContent>
@@ -16433,11 +16433,11 @@
   <p:clrMapOvr>
     <a:masterClrMapping/>
   </p:clrMapOvr>
-  <mc:AlternateContent xmlns:mc="http://schemas.openxmlformats.org/markup-compatibility/2006">
-    <mc:Choice xmlns:p14="http://schemas.microsoft.com/office/powerpoint/2010/main" Requires="p14">
+  <mc:AlternateContent xmlns:mc="http://schemas.openxmlformats.org/markup-compatibility/2006" xmlns:p14="http://schemas.microsoft.com/office/powerpoint/2010/main">
+    <mc:Choice Requires="p14">
       <p:transition p14:dur="10"/>
     </mc:Choice>
-    <mc:Fallback>
+    <mc:Fallback xmlns="">
       <p:transition/>
     </mc:Fallback>
   </mc:AlternateContent>
@@ -16692,11 +16692,11 @@
   <p:clrMapOvr>
     <a:masterClrMapping/>
   </p:clrMapOvr>
-  <mc:AlternateContent xmlns:mc="http://schemas.openxmlformats.org/markup-compatibility/2006">
-    <mc:Choice xmlns:p14="http://schemas.microsoft.com/office/powerpoint/2010/main" Requires="p14">
+  <mc:AlternateContent xmlns:mc="http://schemas.openxmlformats.org/markup-compatibility/2006" xmlns:p14="http://schemas.microsoft.com/office/powerpoint/2010/main">
+    <mc:Choice Requires="p14">
       <p:transition p14:dur="10"/>
     </mc:Choice>
-    <mc:Fallback>
+    <mc:Fallback xmlns="">
       <p:transition/>
     </mc:Fallback>
   </mc:AlternateContent>
@@ -17585,11 +17585,11 @@
   <p:clrMapOvr>
     <a:masterClrMapping/>
   </p:clrMapOvr>
-  <mc:AlternateContent xmlns:mc="http://schemas.openxmlformats.org/markup-compatibility/2006">
-    <mc:Choice xmlns:p14="http://schemas.microsoft.com/office/powerpoint/2010/main" Requires="p14">
+  <mc:AlternateContent xmlns:mc="http://schemas.openxmlformats.org/markup-compatibility/2006" xmlns:p14="http://schemas.microsoft.com/office/powerpoint/2010/main">
+    <mc:Choice Requires="p14">
       <p:transition p14:dur="10"/>
     </mc:Choice>
-    <mc:Fallback>
+    <mc:Fallback xmlns="">
       <p:transition/>
     </mc:Fallback>
   </mc:AlternateContent>
@@ -17933,11 +17933,11 @@
   <p:clrMapOvr>
     <a:masterClrMapping/>
   </p:clrMapOvr>
-  <mc:AlternateContent xmlns:mc="http://schemas.openxmlformats.org/markup-compatibility/2006">
-    <mc:Choice xmlns:p14="http://schemas.microsoft.com/office/powerpoint/2010/main" Requires="p14">
+  <mc:AlternateContent xmlns:mc="http://schemas.openxmlformats.org/markup-compatibility/2006" xmlns:p14="http://schemas.microsoft.com/office/powerpoint/2010/main">
+    <mc:Choice Requires="p14">
       <p:transition p14:dur="10"/>
     </mc:Choice>
-    <mc:Fallback>
+    <mc:Fallback xmlns="">
       <p:transition/>
     </mc:Fallback>
   </mc:AlternateContent>
@@ -18293,11 +18293,11 @@
   <p:clrMapOvr>
     <a:masterClrMapping/>
   </p:clrMapOvr>
-  <mc:AlternateContent xmlns:mc="http://schemas.openxmlformats.org/markup-compatibility/2006">
-    <mc:Choice xmlns:p14="http://schemas.microsoft.com/office/powerpoint/2010/main" Requires="p14">
+  <mc:AlternateContent xmlns:mc="http://schemas.openxmlformats.org/markup-compatibility/2006" xmlns:p14="http://schemas.microsoft.com/office/powerpoint/2010/main">
+    <mc:Choice Requires="p14">
       <p:transition p14:dur="10"/>
     </mc:Choice>
-    <mc:Fallback>
+    <mc:Fallback xmlns="">
       <p:transition/>
     </mc:Fallback>
   </mc:AlternateContent>
@@ -19031,11 +19031,11 @@
   <p:clrMapOvr>
     <a:masterClrMapping/>
   </p:clrMapOvr>
-  <mc:AlternateContent xmlns:mc="http://schemas.openxmlformats.org/markup-compatibility/2006">
-    <mc:Choice xmlns:p14="http://schemas.microsoft.com/office/powerpoint/2010/main" Requires="p14">
+  <mc:AlternateContent xmlns:mc="http://schemas.openxmlformats.org/markup-compatibility/2006" xmlns:p14="http://schemas.microsoft.com/office/powerpoint/2010/main">
+    <mc:Choice Requires="p14">
       <p:transition p14:dur="10"/>
     </mc:Choice>
-    <mc:Fallback>
+    <mc:Fallback xmlns="">
       <p:transition/>
     </mc:Fallback>
   </mc:AlternateContent>
@@ -19760,11 +19760,11 @@
   <p:clrMapOvr>
     <a:masterClrMapping/>
   </p:clrMapOvr>
-  <mc:AlternateContent xmlns:mc="http://schemas.openxmlformats.org/markup-compatibility/2006">
-    <mc:Choice xmlns:p14="http://schemas.microsoft.com/office/powerpoint/2010/main" Requires="p14">
+  <mc:AlternateContent xmlns:mc="http://schemas.openxmlformats.org/markup-compatibility/2006" xmlns:p14="http://schemas.microsoft.com/office/powerpoint/2010/main">
+    <mc:Choice Requires="p14">
       <p:transition p14:dur="10"/>
     </mc:Choice>
-    <mc:Fallback>
+    <mc:Fallback xmlns="">
       <p:transition/>
     </mc:Fallback>
   </mc:AlternateContent>
@@ -20165,11 +20165,11 @@
   <p:clrMapOvr>
     <a:masterClrMapping/>
   </p:clrMapOvr>
-  <mc:AlternateContent xmlns:mc="http://schemas.openxmlformats.org/markup-compatibility/2006">
-    <mc:Choice xmlns:p14="http://schemas.microsoft.com/office/powerpoint/2010/main" Requires="p14">
+  <mc:AlternateContent xmlns:mc="http://schemas.openxmlformats.org/markup-compatibility/2006" xmlns:p14="http://schemas.microsoft.com/office/powerpoint/2010/main">
+    <mc:Choice Requires="p14">
       <p:transition p14:dur="10"/>
     </mc:Choice>
-    <mc:Fallback>
+    <mc:Fallback xmlns="">
       <p:transition/>
     </mc:Fallback>
   </mc:AlternateContent>
@@ -20541,11 +20541,11 @@
   <p:clrMapOvr>
     <a:masterClrMapping/>
   </p:clrMapOvr>
-  <mc:AlternateContent xmlns:mc="http://schemas.openxmlformats.org/markup-compatibility/2006">
-    <mc:Choice xmlns:p14="http://schemas.microsoft.com/office/powerpoint/2010/main" Requires="p14">
+  <mc:AlternateContent xmlns:mc="http://schemas.openxmlformats.org/markup-compatibility/2006" xmlns:p14="http://schemas.microsoft.com/office/powerpoint/2010/main">
+    <mc:Choice Requires="p14">
       <p:transition p14:dur="10"/>
     </mc:Choice>
-    <mc:Fallback>
+    <mc:Fallback xmlns="">
       <p:transition/>
     </mc:Fallback>
   </mc:AlternateContent>
@@ -21016,11 +21016,11 @@
   <p:clrMapOvr>
     <a:masterClrMapping/>
   </p:clrMapOvr>
-  <mc:AlternateContent xmlns:mc="http://schemas.openxmlformats.org/markup-compatibility/2006">
-    <mc:Choice xmlns:p14="http://schemas.microsoft.com/office/powerpoint/2010/main" Requires="p14">
+  <mc:AlternateContent xmlns:mc="http://schemas.openxmlformats.org/markup-compatibility/2006" xmlns:p14="http://schemas.microsoft.com/office/powerpoint/2010/main">
+    <mc:Choice Requires="p14">
       <p:transition p14:dur="10"/>
     </mc:Choice>
-    <mc:Fallback>
+    <mc:Fallback xmlns="">
       <p:transition/>
     </mc:Fallback>
   </mc:AlternateContent>
@@ -21456,11 +21456,11 @@
   <p:clrMapOvr>
     <a:masterClrMapping/>
   </p:clrMapOvr>
-  <mc:AlternateContent xmlns:mc="http://schemas.openxmlformats.org/markup-compatibility/2006">
-    <mc:Choice xmlns:p14="http://schemas.microsoft.com/office/powerpoint/2010/main" Requires="p14">
+  <mc:AlternateContent xmlns:mc="http://schemas.openxmlformats.org/markup-compatibility/2006" xmlns:p14="http://schemas.microsoft.com/office/powerpoint/2010/main">
+    <mc:Choice Requires="p14">
       <p:transition p14:dur="10"/>
     </mc:Choice>
-    <mc:Fallback>
+    <mc:Fallback xmlns="">
       <p:transition/>
     </mc:Fallback>
   </mc:AlternateContent>
@@ -22071,11 +22071,11 @@
   <p:clrMapOvr>
     <a:masterClrMapping/>
   </p:clrMapOvr>
-  <mc:AlternateContent xmlns:mc="http://schemas.openxmlformats.org/markup-compatibility/2006">
-    <mc:Choice xmlns:p14="http://schemas.microsoft.com/office/powerpoint/2010/main" Requires="p14">
+  <mc:AlternateContent xmlns:mc="http://schemas.openxmlformats.org/markup-compatibility/2006" xmlns:p14="http://schemas.microsoft.com/office/powerpoint/2010/main">
+    <mc:Choice Requires="p14">
       <p:transition p14:dur="10"/>
     </mc:Choice>
-    <mc:Fallback>
+    <mc:Fallback xmlns="">
       <p:transition/>
     </mc:Fallback>
   </mc:AlternateContent>
@@ -22361,11 +22361,11 @@
   <p:clrMapOvr>
     <a:masterClrMapping/>
   </p:clrMapOvr>
-  <mc:AlternateContent xmlns:mc="http://schemas.openxmlformats.org/markup-compatibility/2006">
-    <mc:Choice xmlns:p14="http://schemas.microsoft.com/office/powerpoint/2010/main" Requires="p14">
+  <mc:AlternateContent xmlns:mc="http://schemas.openxmlformats.org/markup-compatibility/2006" xmlns:p14="http://schemas.microsoft.com/office/powerpoint/2010/main">
+    <mc:Choice Requires="p14">
       <p:transition p14:dur="10"/>
     </mc:Choice>
-    <mc:Fallback>
+    <mc:Fallback xmlns="">
       <p:transition/>
     </mc:Fallback>
   </mc:AlternateContent>
@@ -22651,11 +22651,11 @@
   <p:clrMapOvr>
     <a:masterClrMapping/>
   </p:clrMapOvr>
-  <mc:AlternateContent xmlns:mc="http://schemas.openxmlformats.org/markup-compatibility/2006">
-    <mc:Choice xmlns:p14="http://schemas.microsoft.com/office/powerpoint/2010/main" Requires="p14">
+  <mc:AlternateContent xmlns:mc="http://schemas.openxmlformats.org/markup-compatibility/2006" xmlns:p14="http://schemas.microsoft.com/office/powerpoint/2010/main">
+    <mc:Choice Requires="p14">
       <p:transition p14:dur="10"/>
     </mc:Choice>
-    <mc:Fallback>
+    <mc:Fallback xmlns="">
       <p:transition/>
     </mc:Fallback>
   </mc:AlternateContent>
@@ -22941,11 +22941,11 @@
   <p:clrMapOvr>
     <a:masterClrMapping/>
   </p:clrMapOvr>
-  <mc:AlternateContent xmlns:mc="http://schemas.openxmlformats.org/markup-compatibility/2006">
-    <mc:Choice xmlns:p14="http://schemas.microsoft.com/office/powerpoint/2010/main" Requires="p14">
+  <mc:AlternateContent xmlns:mc="http://schemas.openxmlformats.org/markup-compatibility/2006" xmlns:p14="http://schemas.microsoft.com/office/powerpoint/2010/main">
+    <mc:Choice Requires="p14">
       <p:transition p14:dur="10"/>
     </mc:Choice>
-    <mc:Fallback>
+    <mc:Fallback xmlns="">
       <p:transition/>
     </mc:Fallback>
   </mc:AlternateContent>
@@ -23379,11 +23379,11 @@
   <p:clrMapOvr>
     <a:masterClrMapping/>
   </p:clrMapOvr>
-  <mc:AlternateContent xmlns:mc="http://schemas.openxmlformats.org/markup-compatibility/2006">
-    <mc:Choice xmlns:p14="http://schemas.microsoft.com/office/powerpoint/2010/main" Requires="p14">
+  <mc:AlternateContent xmlns:mc="http://schemas.openxmlformats.org/markup-compatibility/2006" xmlns:p14="http://schemas.microsoft.com/office/powerpoint/2010/main">
+    <mc:Choice Requires="p14">
       <p:transition p14:dur="10"/>
     </mc:Choice>
-    <mc:Fallback>
+    <mc:Fallback xmlns="">
       <p:transition/>
     </mc:Fallback>
   </mc:AlternateContent>
@@ -23669,11 +23669,11 @@
   <p:clrMapOvr>
     <a:masterClrMapping/>
   </p:clrMapOvr>
-  <mc:AlternateContent xmlns:mc="http://schemas.openxmlformats.org/markup-compatibility/2006">
-    <mc:Choice xmlns:p14="http://schemas.microsoft.com/office/powerpoint/2010/main" Requires="p14">
+  <mc:AlternateContent xmlns:mc="http://schemas.openxmlformats.org/markup-compatibility/2006" xmlns:p14="http://schemas.microsoft.com/office/powerpoint/2010/main">
+    <mc:Choice Requires="p14">
       <p:transition p14:dur="10"/>
     </mc:Choice>
-    <mc:Fallback>
+    <mc:Fallback xmlns="">
       <p:transition/>
     </mc:Fallback>
   </mc:AlternateContent>
@@ -23959,11 +23959,11 @@
   <p:clrMapOvr>
     <a:masterClrMapping/>
   </p:clrMapOvr>
-  <mc:AlternateContent xmlns:mc="http://schemas.openxmlformats.org/markup-compatibility/2006">
-    <mc:Choice xmlns:p14="http://schemas.microsoft.com/office/powerpoint/2010/main" Requires="p14">
+  <mc:AlternateContent xmlns:mc="http://schemas.openxmlformats.org/markup-compatibility/2006" xmlns:p14="http://schemas.microsoft.com/office/powerpoint/2010/main">
+    <mc:Choice Requires="p14">
       <p:transition p14:dur="10"/>
     </mc:Choice>
-    <mc:Fallback>
+    <mc:Fallback xmlns="">
       <p:transition/>
     </mc:Fallback>
   </mc:AlternateContent>
@@ -24249,11 +24249,11 @@
   <p:clrMapOvr>
     <a:masterClrMapping/>
   </p:clrMapOvr>
-  <mc:AlternateContent xmlns:mc="http://schemas.openxmlformats.org/markup-compatibility/2006">
-    <mc:Choice xmlns:p14="http://schemas.microsoft.com/office/powerpoint/2010/main" Requires="p14">
+  <mc:AlternateContent xmlns:mc="http://schemas.openxmlformats.org/markup-compatibility/2006" xmlns:p14="http://schemas.microsoft.com/office/powerpoint/2010/main">
+    <mc:Choice Requires="p14">
       <p:transition p14:dur="10"/>
     </mc:Choice>
-    <mc:Fallback>
+    <mc:Fallback xmlns="">
       <p:transition/>
     </mc:Fallback>
   </mc:AlternateContent>
@@ -24553,11 +24553,11 @@
   <p:clrMapOvr>
     <a:masterClrMapping/>
   </p:clrMapOvr>
-  <mc:AlternateContent xmlns:mc="http://schemas.openxmlformats.org/markup-compatibility/2006">
-    <mc:Choice xmlns:p14="http://schemas.microsoft.com/office/powerpoint/2010/main" Requires="p14">
+  <mc:AlternateContent xmlns:mc="http://schemas.openxmlformats.org/markup-compatibility/2006" xmlns:p14="http://schemas.microsoft.com/office/powerpoint/2010/main">
+    <mc:Choice Requires="p14">
       <p:transition p14:dur="10"/>
     </mc:Choice>
-    <mc:Fallback>
+    <mc:Fallback xmlns="">
       <p:transition/>
     </mc:Fallback>
   </mc:AlternateContent>
@@ -24843,11 +24843,11 @@
   <p:clrMapOvr>
     <a:masterClrMapping/>
   </p:clrMapOvr>
-  <mc:AlternateContent xmlns:mc="http://schemas.openxmlformats.org/markup-compatibility/2006">
-    <mc:Choice xmlns:p14="http://schemas.microsoft.com/office/powerpoint/2010/main" Requires="p14">
+  <mc:AlternateContent xmlns:mc="http://schemas.openxmlformats.org/markup-compatibility/2006" xmlns:p14="http://schemas.microsoft.com/office/powerpoint/2010/main">
+    <mc:Choice Requires="p14">
       <p:transition p14:dur="10"/>
     </mc:Choice>
-    <mc:Fallback>
+    <mc:Fallback xmlns="">
       <p:transition/>
     </mc:Fallback>
   </mc:AlternateContent>
@@ -25133,11 +25133,11 @@
   <p:clrMapOvr>
     <a:masterClrMapping/>
   </p:clrMapOvr>
-  <mc:AlternateContent xmlns:mc="http://schemas.openxmlformats.org/markup-compatibility/2006">
-    <mc:Choice xmlns:p14="http://schemas.microsoft.com/office/powerpoint/2010/main" Requires="p14">
+  <mc:AlternateContent xmlns:mc="http://schemas.openxmlformats.org/markup-compatibility/2006" xmlns:p14="http://schemas.microsoft.com/office/powerpoint/2010/main">
+    <mc:Choice Requires="p14">
       <p:transition p14:dur="10"/>
     </mc:Choice>
-    <mc:Fallback>
+    <mc:Fallback xmlns="">
       <p:transition/>
     </mc:Fallback>
   </mc:AlternateContent>
@@ -25394,11 +25394,11 @@
   <p:clrMapOvr>
     <a:masterClrMapping/>
   </p:clrMapOvr>
-  <mc:AlternateContent xmlns:mc="http://schemas.openxmlformats.org/markup-compatibility/2006">
-    <mc:Choice xmlns:p14="http://schemas.microsoft.com/office/powerpoint/2010/main" Requires="p14">
+  <mc:AlternateContent xmlns:mc="http://schemas.openxmlformats.org/markup-compatibility/2006" xmlns:p14="http://schemas.microsoft.com/office/powerpoint/2010/main">
+    <mc:Choice Requires="p14">
       <p:transition p14:dur="10"/>
     </mc:Choice>
-    <mc:Fallback>
+    <mc:Fallback xmlns="">
       <p:transition/>
     </mc:Fallback>
   </mc:AlternateContent>
@@ -26634,11 +26634,11 @@
   <p:clrMapOvr>
     <a:masterClrMapping/>
   </p:clrMapOvr>
-  <mc:AlternateContent xmlns:mc="http://schemas.openxmlformats.org/markup-compatibility/2006">
-    <mc:Choice xmlns:p14="http://schemas.microsoft.com/office/powerpoint/2010/main" Requires="p14">
+  <mc:AlternateContent xmlns:mc="http://schemas.openxmlformats.org/markup-compatibility/2006" xmlns:p14="http://schemas.microsoft.com/office/powerpoint/2010/main">
+    <mc:Choice Requires="p14">
       <p:transition p14:dur="10"/>
     </mc:Choice>
-    <mc:Fallback>
+    <mc:Fallback xmlns="">
       <p:transition/>
     </mc:Fallback>
   </mc:AlternateContent>
@@ -26924,11 +26924,11 @@
   <p:clrMapOvr>
     <a:masterClrMapping/>
   </p:clrMapOvr>
-  <mc:AlternateContent xmlns:mc="http://schemas.openxmlformats.org/markup-compatibility/2006">
-    <mc:Choice xmlns:p14="http://schemas.microsoft.com/office/powerpoint/2010/main" Requires="p14">
+  <mc:AlternateContent xmlns:mc="http://schemas.openxmlformats.org/markup-compatibility/2006" xmlns:p14="http://schemas.microsoft.com/office/powerpoint/2010/main">
+    <mc:Choice Requires="p14">
       <p:transition p14:dur="10"/>
     </mc:Choice>
-    <mc:Fallback>
+    <mc:Fallback xmlns="">
       <p:transition/>
     </mc:Fallback>
   </mc:AlternateContent>
@@ -27214,11 +27214,11 @@
   <p:clrMapOvr>
     <a:masterClrMapping/>
   </p:clrMapOvr>
-  <mc:AlternateContent xmlns:mc="http://schemas.openxmlformats.org/markup-compatibility/2006">
-    <mc:Choice xmlns:p14="http://schemas.microsoft.com/office/powerpoint/2010/main" Requires="p14">
+  <mc:AlternateContent xmlns:mc="http://schemas.openxmlformats.org/markup-compatibility/2006" xmlns:p14="http://schemas.microsoft.com/office/powerpoint/2010/main">
+    <mc:Choice Requires="p14">
       <p:transition p14:dur="10"/>
     </mc:Choice>
-    <mc:Fallback>
+    <mc:Fallback xmlns="">
       <p:transition/>
     </mc:Fallback>
   </mc:AlternateContent>
@@ -27677,11 +27677,11 @@
   <p:clrMapOvr>
     <a:masterClrMapping/>
   </p:clrMapOvr>
-  <mc:AlternateContent xmlns:mc="http://schemas.openxmlformats.org/markup-compatibility/2006">
-    <mc:Choice xmlns:p14="http://schemas.microsoft.com/office/powerpoint/2010/main" Requires="p14">
+  <mc:AlternateContent xmlns:mc="http://schemas.openxmlformats.org/markup-compatibility/2006" xmlns:p14="http://schemas.microsoft.com/office/powerpoint/2010/main">
+    <mc:Choice Requires="p14">
       <p:transition p14:dur="10"/>
     </mc:Choice>
-    <mc:Fallback>
+    <mc:Fallback xmlns="">
       <p:transition/>
     </mc:Fallback>
   </mc:AlternateContent>
@@ -27967,11 +27967,11 @@
   <p:clrMapOvr>
     <a:masterClrMapping/>
   </p:clrMapOvr>
-  <mc:AlternateContent xmlns:mc="http://schemas.openxmlformats.org/markup-compatibility/2006">
-    <mc:Choice xmlns:p14="http://schemas.microsoft.com/office/powerpoint/2010/main" Requires="p14">
+  <mc:AlternateContent xmlns:mc="http://schemas.openxmlformats.org/markup-compatibility/2006" xmlns:p14="http://schemas.microsoft.com/office/powerpoint/2010/main">
+    <mc:Choice Requires="p14">
       <p:transition p14:dur="10"/>
     </mc:Choice>
-    <mc:Fallback>
+    <mc:Fallback xmlns="">
       <p:transition/>
     </mc:Fallback>
   </mc:AlternateContent>
@@ -29014,11 +29014,11 @@
   <p:clrMapOvr>
     <a:masterClrMapping/>
   </p:clrMapOvr>
-  <mc:AlternateContent xmlns:mc="http://schemas.openxmlformats.org/markup-compatibility/2006">
-    <mc:Choice xmlns:p14="http://schemas.microsoft.com/office/powerpoint/2010/main" Requires="p14">
+  <mc:AlternateContent xmlns:mc="http://schemas.openxmlformats.org/markup-compatibility/2006" xmlns:p14="http://schemas.microsoft.com/office/powerpoint/2010/main">
+    <mc:Choice Requires="p14">
       <p:transition p14:dur="10"/>
     </mc:Choice>
-    <mc:Fallback>
+    <mc:Fallback xmlns="">
       <p:transition/>
     </mc:Fallback>
   </mc:AlternateContent>
@@ -29367,11 +29367,11 @@
   <p:clrMapOvr>
     <a:masterClrMapping/>
   </p:clrMapOvr>
-  <mc:AlternateContent xmlns:mc="http://schemas.openxmlformats.org/markup-compatibility/2006">
-    <mc:Choice xmlns:p14="http://schemas.microsoft.com/office/powerpoint/2010/main" Requires="p14">
+  <mc:AlternateContent xmlns:mc="http://schemas.openxmlformats.org/markup-compatibility/2006" xmlns:p14="http://schemas.microsoft.com/office/powerpoint/2010/main">
+    <mc:Choice Requires="p14">
       <p:transition p14:dur="10"/>
     </mc:Choice>
-    <mc:Fallback>
+    <mc:Fallback xmlns="">
       <p:transition/>
     </mc:Fallback>
   </mc:AlternateContent>
@@ -29900,11 +29900,11 @@
   <p:clrMapOvr>
     <a:masterClrMapping/>
   </p:clrMapOvr>
-  <mc:AlternateContent xmlns:mc="http://schemas.openxmlformats.org/markup-compatibility/2006">
-    <mc:Choice xmlns:p14="http://schemas.microsoft.com/office/powerpoint/2010/main" Requires="p14">
+  <mc:AlternateContent xmlns:mc="http://schemas.openxmlformats.org/markup-compatibility/2006" xmlns:p14="http://schemas.microsoft.com/office/powerpoint/2010/main">
+    <mc:Choice Requires="p14">
       <p:transition p14:dur="10"/>
     </mc:Choice>
-    <mc:Fallback>
+    <mc:Fallback xmlns="">
       <p:transition/>
     </mc:Fallback>
   </mc:AlternateContent>
@@ -30293,11 +30293,11 @@
   <p:clrMapOvr>
     <a:masterClrMapping/>
   </p:clrMapOvr>
-  <mc:AlternateContent xmlns:mc="http://schemas.openxmlformats.org/markup-compatibility/2006">
-    <mc:Choice xmlns:p14="http://schemas.microsoft.com/office/powerpoint/2010/main" Requires="p14">
+  <mc:AlternateContent xmlns:mc="http://schemas.openxmlformats.org/markup-compatibility/2006" xmlns:p14="http://schemas.microsoft.com/office/powerpoint/2010/main">
+    <mc:Choice Requires="p14">
       <p:transition p14:dur="10"/>
     </mc:Choice>
-    <mc:Fallback>
+    <mc:Fallback xmlns="">
       <p:transition/>
     </mc:Fallback>
   </mc:AlternateContent>
@@ -30828,11 +30828,11 @@
   <p:clrMapOvr>
     <a:masterClrMapping/>
   </p:clrMapOvr>
-  <mc:AlternateContent xmlns:mc="http://schemas.openxmlformats.org/markup-compatibility/2006">
-    <mc:Choice xmlns:p14="http://schemas.microsoft.com/office/powerpoint/2010/main" Requires="p14">
+  <mc:AlternateContent xmlns:mc="http://schemas.openxmlformats.org/markup-compatibility/2006" xmlns:p14="http://schemas.microsoft.com/office/powerpoint/2010/main">
+    <mc:Choice Requires="p14">
       <p:transition p14:dur="10"/>
     </mc:Choice>
-    <mc:Fallback>
+    <mc:Fallback xmlns="">
       <p:transition/>
     </mc:Fallback>
   </mc:AlternateContent>
@@ -31403,11 +31403,11 @@
   <p:clrMapOvr>
     <a:masterClrMapping/>
   </p:clrMapOvr>
-  <mc:AlternateContent xmlns:mc="http://schemas.openxmlformats.org/markup-compatibility/2006">
-    <mc:Choice xmlns:p14="http://schemas.microsoft.com/office/powerpoint/2010/main" Requires="p14">
+  <mc:AlternateContent xmlns:mc="http://schemas.openxmlformats.org/markup-compatibility/2006" xmlns:p14="http://schemas.microsoft.com/office/powerpoint/2010/main">
+    <mc:Choice Requires="p14">
       <p:transition p14:dur="10"/>
     </mc:Choice>
-    <mc:Fallback>
+    <mc:Fallback xmlns="">
       <p:transition/>
     </mc:Fallback>
   </mc:AlternateContent>
@@ -31731,11 +31731,11 @@
   <p:clrMapOvr>
     <a:masterClrMapping/>
   </p:clrMapOvr>
-  <mc:AlternateContent xmlns:mc="http://schemas.openxmlformats.org/markup-compatibility/2006">
-    <mc:Choice xmlns:p14="http://schemas.microsoft.com/office/powerpoint/2010/main" Requires="p14">
+  <mc:AlternateContent xmlns:mc="http://schemas.openxmlformats.org/markup-compatibility/2006" xmlns:p14="http://schemas.microsoft.com/office/powerpoint/2010/main">
+    <mc:Choice Requires="p14">
       <p:transition p14:dur="10"/>
     </mc:Choice>
-    <mc:Fallback>
+    <mc:Fallback xmlns="">
       <p:transition/>
     </mc:Fallback>
   </mc:AlternateContent>
@@ -32107,11 +32107,11 @@
   <p:clrMapOvr>
     <a:masterClrMapping/>
   </p:clrMapOvr>
-  <mc:AlternateContent xmlns:mc="http://schemas.openxmlformats.org/markup-compatibility/2006">
-    <mc:Choice xmlns:p14="http://schemas.microsoft.com/office/powerpoint/2010/main" Requires="p14">
+  <mc:AlternateContent xmlns:mc="http://schemas.openxmlformats.org/markup-compatibility/2006" xmlns:p14="http://schemas.microsoft.com/office/powerpoint/2010/main">
+    <mc:Choice Requires="p14">
       <p:transition p14:dur="10"/>
     </mc:Choice>
-    <mc:Fallback>
+    <mc:Fallback xmlns="">
       <p:transition/>
     </mc:Fallback>
   </mc:AlternateContent>
@@ -32387,11 +32387,11 @@
   <p:clrMapOvr>
     <a:masterClrMapping/>
   </p:clrMapOvr>
-  <mc:AlternateContent xmlns:mc="http://schemas.openxmlformats.org/markup-compatibility/2006">
-    <mc:Choice xmlns:p14="http://schemas.microsoft.com/office/powerpoint/2010/main" Requires="p14">
+  <mc:AlternateContent xmlns:mc="http://schemas.openxmlformats.org/markup-compatibility/2006" xmlns:p14="http://schemas.microsoft.com/office/powerpoint/2010/main">
+    <mc:Choice Requires="p14">
       <p:transition p14:dur="10"/>
     </mc:Choice>
-    <mc:Fallback>
+    <mc:Fallback xmlns="">
       <p:transition/>
     </mc:Fallback>
   </mc:AlternateContent>
@@ -32744,11 +32744,11 @@
   <p:clrMapOvr>
     <a:masterClrMapping/>
   </p:clrMapOvr>
-  <mc:AlternateContent xmlns:mc="http://schemas.openxmlformats.org/markup-compatibility/2006">
-    <mc:Choice xmlns:p14="http://schemas.microsoft.com/office/powerpoint/2010/main" Requires="p14">
+  <mc:AlternateContent xmlns:mc="http://schemas.openxmlformats.org/markup-compatibility/2006" xmlns:p14="http://schemas.microsoft.com/office/powerpoint/2010/main">
+    <mc:Choice Requires="p14">
       <p:transition p14:dur="10"/>
     </mc:Choice>
-    <mc:Fallback>
+    <mc:Fallback xmlns="">
       <p:transition/>
     </mc:Fallback>
   </mc:AlternateContent>
@@ -33096,11 +33096,11 @@
   <p:clrMapOvr>
     <a:masterClrMapping/>
   </p:clrMapOvr>
-  <mc:AlternateContent xmlns:mc="http://schemas.openxmlformats.org/markup-compatibility/2006">
-    <mc:Choice xmlns:p14="http://schemas.microsoft.com/office/powerpoint/2010/main" Requires="p14">
+  <mc:AlternateContent xmlns:mc="http://schemas.openxmlformats.org/markup-compatibility/2006" xmlns:p14="http://schemas.microsoft.com/office/powerpoint/2010/main">
+    <mc:Choice Requires="p14">
       <p:transition p14:dur="10"/>
     </mc:Choice>
-    <mc:Fallback>
+    <mc:Fallback xmlns="">
       <p:transition/>
     </mc:Fallback>
   </mc:AlternateContent>
@@ -33400,11 +33400,11 @@
   <p:clrMapOvr>
     <a:masterClrMapping/>
   </p:clrMapOvr>
-  <mc:AlternateContent xmlns:mc="http://schemas.openxmlformats.org/markup-compatibility/2006">
-    <mc:Choice xmlns:p14="http://schemas.microsoft.com/office/powerpoint/2010/main" Requires="p14">
+  <mc:AlternateContent xmlns:mc="http://schemas.openxmlformats.org/markup-compatibility/2006" xmlns:p14="http://schemas.microsoft.com/office/powerpoint/2010/main">
+    <mc:Choice Requires="p14">
       <p:transition p14:dur="10"/>
     </mc:Choice>
-    <mc:Fallback>
+    <mc:Fallback xmlns="">
       <p:transition/>
     </mc:Fallback>
   </mc:AlternateContent>
@@ -33838,11 +33838,11 @@
   <p:clrMapOvr>
     <a:masterClrMapping/>
   </p:clrMapOvr>
-  <mc:AlternateContent xmlns:mc="http://schemas.openxmlformats.org/markup-compatibility/2006">
-    <mc:Choice xmlns:p14="http://schemas.microsoft.com/office/powerpoint/2010/main" Requires="p14">
+  <mc:AlternateContent xmlns:mc="http://schemas.openxmlformats.org/markup-compatibility/2006" xmlns:p14="http://schemas.microsoft.com/office/powerpoint/2010/main">
+    <mc:Choice Requires="p14">
       <p:transition p14:dur="10"/>
     </mc:Choice>
-    <mc:Fallback>
+    <mc:Fallback xmlns="">
       <p:transition/>
     </mc:Fallback>
   </mc:AlternateContent>
@@ -34113,11 +34113,11 @@
   <p:clrMapOvr>
     <a:masterClrMapping/>
   </p:clrMapOvr>
-  <mc:AlternateContent xmlns:mc="http://schemas.openxmlformats.org/markup-compatibility/2006">
-    <mc:Choice xmlns:p14="http://schemas.microsoft.com/office/powerpoint/2010/main" Requires="p14">
+  <mc:AlternateContent xmlns:mc="http://schemas.openxmlformats.org/markup-compatibility/2006" xmlns:p14="http://schemas.microsoft.com/office/powerpoint/2010/main">
+    <mc:Choice Requires="p14">
       <p:transition p14:dur="10"/>
     </mc:Choice>
-    <mc:Fallback>
+    <mc:Fallback xmlns="">
       <p:transition/>
     </mc:Fallback>
   </mc:AlternateContent>
@@ -34401,11 +34401,11 @@
   <p:clrMapOvr>
     <a:masterClrMapping/>
   </p:clrMapOvr>
-  <mc:AlternateContent xmlns:mc="http://schemas.openxmlformats.org/markup-compatibility/2006">
-    <mc:Choice xmlns:p14="http://schemas.microsoft.com/office/powerpoint/2010/main" Requires="p14">
+  <mc:AlternateContent xmlns:mc="http://schemas.openxmlformats.org/markup-compatibility/2006" xmlns:p14="http://schemas.microsoft.com/office/powerpoint/2010/main">
+    <mc:Choice Requires="p14">
       <p:transition p14:dur="10"/>
     </mc:Choice>
-    <mc:Fallback>
+    <mc:Fallback xmlns="">
       <p:transition/>
     </mc:Fallback>
   </mc:AlternateContent>
@@ -34766,11 +34766,11 @@
   <p:clrMapOvr>
     <a:masterClrMapping/>
   </p:clrMapOvr>
-  <mc:AlternateContent xmlns:mc="http://schemas.openxmlformats.org/markup-compatibility/2006">
-    <mc:Choice xmlns:p14="http://schemas.microsoft.com/office/powerpoint/2010/main" Requires="p14">
+  <mc:AlternateContent xmlns:mc="http://schemas.openxmlformats.org/markup-compatibility/2006" xmlns:p14="http://schemas.microsoft.com/office/powerpoint/2010/main">
+    <mc:Choice Requires="p14">
       <p:transition p14:dur="10"/>
     </mc:Choice>
-    <mc:Fallback>
+    <mc:Fallback xmlns="">
       <p:transition/>
     </mc:Fallback>
   </mc:AlternateContent>
@@ -35159,11 +35159,11 @@
   <p:clrMapOvr>
     <a:masterClrMapping/>
   </p:clrMapOvr>
-  <mc:AlternateContent xmlns:mc="http://schemas.openxmlformats.org/markup-compatibility/2006">
-    <mc:Choice xmlns:p14="http://schemas.microsoft.com/office/powerpoint/2010/main" Requires="p14">
+  <mc:AlternateContent xmlns:mc="http://schemas.openxmlformats.org/markup-compatibility/2006" xmlns:p14="http://schemas.microsoft.com/office/powerpoint/2010/main">
+    <mc:Choice Requires="p14">
       <p:transition p14:dur="10"/>
     </mc:Choice>
-    <mc:Fallback>
+    <mc:Fallback xmlns="">
       <p:transition/>
     </mc:Fallback>
   </mc:AlternateContent>
@@ -35530,11 +35530,11 @@
   <p:clrMapOvr>
     <a:masterClrMapping/>
   </p:clrMapOvr>
-  <mc:AlternateContent xmlns:mc="http://schemas.openxmlformats.org/markup-compatibility/2006">
-    <mc:Choice xmlns:p14="http://schemas.microsoft.com/office/powerpoint/2010/main" Requires="p14">
+  <mc:AlternateContent xmlns:mc="http://schemas.openxmlformats.org/markup-compatibility/2006" xmlns:p14="http://schemas.microsoft.com/office/powerpoint/2010/main">
+    <mc:Choice Requires="p14">
       <p:transition p14:dur="10"/>
     </mc:Choice>
-    <mc:Fallback>
+    <mc:Fallback xmlns="">
       <p:transition/>
     </mc:Fallback>
   </mc:AlternateContent>
@@ -36000,11 +36000,11 @@
   <p:clrMapOvr>
     <a:masterClrMapping/>
   </p:clrMapOvr>
-  <mc:AlternateContent xmlns:mc="http://schemas.openxmlformats.org/markup-compatibility/2006">
-    <mc:Choice xmlns:p14="http://schemas.microsoft.com/office/powerpoint/2010/main" Requires="p14">
+  <mc:AlternateContent xmlns:mc="http://schemas.openxmlformats.org/markup-compatibility/2006" xmlns:p14="http://schemas.microsoft.com/office/powerpoint/2010/main">
+    <mc:Choice Requires="p14">
       <p:transition p14:dur="10"/>
     </mc:Choice>
-    <mc:Fallback>
+    <mc:Fallback xmlns="">
       <p:transition/>
     </mc:Fallback>
   </mc:AlternateContent>
@@ -36563,11 +36563,11 @@
   <p:clrMapOvr>
     <a:masterClrMapping/>
   </p:clrMapOvr>
-  <mc:AlternateContent xmlns:mc="http://schemas.openxmlformats.org/markup-compatibility/2006">
-    <mc:Choice xmlns:p14="http://schemas.microsoft.com/office/powerpoint/2010/main" Requires="p14">
+  <mc:AlternateContent xmlns:mc="http://schemas.openxmlformats.org/markup-compatibility/2006" xmlns:p14="http://schemas.microsoft.com/office/powerpoint/2010/main">
+    <mc:Choice Requires="p14">
       <p:transition p14:dur="10"/>
     </mc:Choice>
-    <mc:Fallback>
+    <mc:Fallback xmlns="">
       <p:transition/>
     </mc:Fallback>
   </mc:AlternateContent>
@@ -36893,11 +36893,11 @@
   <p:clrMapOvr>
     <a:masterClrMapping/>
   </p:clrMapOvr>
-  <mc:AlternateContent xmlns:mc="http://schemas.openxmlformats.org/markup-compatibility/2006">
-    <mc:Choice xmlns:p14="http://schemas.microsoft.com/office/powerpoint/2010/main" Requires="p14">
+  <mc:AlternateContent xmlns:mc="http://schemas.openxmlformats.org/markup-compatibility/2006" xmlns:p14="http://schemas.microsoft.com/office/powerpoint/2010/main">
+    <mc:Choice Requires="p14">
       <p:transition p14:dur="10"/>
     </mc:Choice>
-    <mc:Fallback>
+    <mc:Fallback xmlns="">
       <p:transition/>
     </mc:Fallback>
   </mc:AlternateContent>
@@ -37433,11 +37433,11 @@
   <p:clrMapOvr>
     <a:masterClrMapping/>
   </p:clrMapOvr>
-  <mc:AlternateContent xmlns:mc="http://schemas.openxmlformats.org/markup-compatibility/2006">
-    <mc:Choice xmlns:p14="http://schemas.microsoft.com/office/powerpoint/2010/main" Requires="p14">
+  <mc:AlternateContent xmlns:mc="http://schemas.openxmlformats.org/markup-compatibility/2006" xmlns:p14="http://schemas.microsoft.com/office/powerpoint/2010/main">
+    <mc:Choice Requires="p14">
       <p:transition p14:dur="10"/>
     </mc:Choice>
-    <mc:Fallback>
+    <mc:Fallback xmlns="">
       <p:transition/>
     </mc:Fallback>
   </mc:AlternateContent>
@@ -38013,11 +38013,11 @@
   <p:clrMapOvr>
     <a:masterClrMapping/>
   </p:clrMapOvr>
-  <mc:AlternateContent xmlns:mc="http://schemas.openxmlformats.org/markup-compatibility/2006">
-    <mc:Choice xmlns:p14="http://schemas.microsoft.com/office/powerpoint/2010/main" Requires="p14">
+  <mc:AlternateContent xmlns:mc="http://schemas.openxmlformats.org/markup-compatibility/2006" xmlns:p14="http://schemas.microsoft.com/office/powerpoint/2010/main">
+    <mc:Choice Requires="p14">
       <p:transition p14:dur="10"/>
     </mc:Choice>
-    <mc:Fallback>
+    <mc:Fallback xmlns="">
       <p:transition/>
     </mc:Fallback>
   </mc:AlternateContent>
@@ -38556,11 +38556,11 @@
   <p:clrMapOvr>
     <a:masterClrMapping/>
   </p:clrMapOvr>
-  <mc:AlternateContent xmlns:mc="http://schemas.openxmlformats.org/markup-compatibility/2006">
-    <mc:Choice xmlns:p14="http://schemas.microsoft.com/office/powerpoint/2010/main" Requires="p14">
+  <mc:AlternateContent xmlns:mc="http://schemas.openxmlformats.org/markup-compatibility/2006" xmlns:p14="http://schemas.microsoft.com/office/powerpoint/2010/main">
+    <mc:Choice Requires="p14">
       <p:transition p14:dur="10"/>
     </mc:Choice>
-    <mc:Fallback>
+    <mc:Fallback xmlns="">
       <p:transition/>
     </mc:Fallback>
   </mc:AlternateContent>
@@ -38989,11 +38989,11 @@
   <p:clrMapOvr>
     <a:masterClrMapping/>
   </p:clrMapOvr>
-  <mc:AlternateContent xmlns:mc="http://schemas.openxmlformats.org/markup-compatibility/2006">
-    <mc:Choice xmlns:p14="http://schemas.microsoft.com/office/powerpoint/2010/main" Requires="p14">
+  <mc:AlternateContent xmlns:mc="http://schemas.openxmlformats.org/markup-compatibility/2006" xmlns:p14="http://schemas.microsoft.com/office/powerpoint/2010/main">
+    <mc:Choice Requires="p14">
       <p:transition p14:dur="10"/>
     </mc:Choice>
-    <mc:Fallback>
+    <mc:Fallback xmlns="">
       <p:transition/>
     </mc:Fallback>
   </mc:AlternateContent>
@@ -39492,11 +39492,11 @@
   <p:clrMapOvr>
     <a:masterClrMapping/>
   </p:clrMapOvr>
-  <mc:AlternateContent xmlns:mc="http://schemas.openxmlformats.org/markup-compatibility/2006">
-    <mc:Choice xmlns:p14="http://schemas.microsoft.com/office/powerpoint/2010/main" Requires="p14">
+  <mc:AlternateContent xmlns:mc="http://schemas.openxmlformats.org/markup-compatibility/2006" xmlns:p14="http://schemas.microsoft.com/office/powerpoint/2010/main">
+    <mc:Choice Requires="p14">
       <p:transition p14:dur="10"/>
     </mc:Choice>
-    <mc:Fallback>
+    <mc:Fallback xmlns="">
       <p:transition/>
     </mc:Fallback>
   </mc:AlternateContent>
@@ -39893,11 +39893,11 @@
   <p:clrMapOvr>
     <a:masterClrMapping/>
   </p:clrMapOvr>
-  <mc:AlternateContent xmlns:mc="http://schemas.openxmlformats.org/markup-compatibility/2006">
-    <mc:Choice xmlns:p14="http://schemas.microsoft.com/office/powerpoint/2010/main" Requires="p14">
+  <mc:AlternateContent xmlns:mc="http://schemas.openxmlformats.org/markup-compatibility/2006" xmlns:p14="http://schemas.microsoft.com/office/powerpoint/2010/main">
+    <mc:Choice Requires="p14">
       <p:transition p14:dur="10"/>
     </mc:Choice>
-    <mc:Fallback>
+    <mc:Fallback xmlns="">
       <p:transition/>
     </mc:Fallback>
   </mc:AlternateContent>
@@ -40430,11 +40430,11 @@
   <p:clrMapOvr>
     <a:masterClrMapping/>
   </p:clrMapOvr>
-  <mc:AlternateContent xmlns:mc="http://schemas.openxmlformats.org/markup-compatibility/2006">
-    <mc:Choice xmlns:p14="http://schemas.microsoft.com/office/powerpoint/2010/main" Requires="p14">
+  <mc:AlternateContent xmlns:mc="http://schemas.openxmlformats.org/markup-compatibility/2006" xmlns:p14="http://schemas.microsoft.com/office/powerpoint/2010/main">
+    <mc:Choice Requires="p14">
       <p:transition p14:dur="10"/>
     </mc:Choice>
-    <mc:Fallback>
+    <mc:Fallback xmlns="">
       <p:transition/>
     </mc:Fallback>
   </mc:AlternateContent>
@@ -40932,11 +40932,11 @@
   <p:clrMapOvr>
     <a:masterClrMapping/>
   </p:clrMapOvr>
-  <mc:AlternateContent xmlns:mc="http://schemas.openxmlformats.org/markup-compatibility/2006">
-    <mc:Choice xmlns:p14="http://schemas.microsoft.com/office/powerpoint/2010/main" Requires="p14">
+  <mc:AlternateContent xmlns:mc="http://schemas.openxmlformats.org/markup-compatibility/2006" xmlns:p14="http://schemas.microsoft.com/office/powerpoint/2010/main">
+    <mc:Choice Requires="p14">
       <p:transition p14:dur="10"/>
     </mc:Choice>
-    <mc:Fallback>
+    <mc:Fallback xmlns="">
       <p:transition/>
     </mc:Fallback>
   </mc:AlternateContent>
@@ -41370,11 +41370,11 @@
   <p:clrMapOvr>
     <a:masterClrMapping/>
   </p:clrMapOvr>
-  <mc:AlternateContent xmlns:mc="http://schemas.openxmlformats.org/markup-compatibility/2006">
-    <mc:Choice xmlns:p14="http://schemas.microsoft.com/office/powerpoint/2010/main" Requires="p14">
+  <mc:AlternateContent xmlns:mc="http://schemas.openxmlformats.org/markup-compatibility/2006" xmlns:p14="http://schemas.microsoft.com/office/powerpoint/2010/main">
+    <mc:Choice Requires="p14">
       <p:transition p14:dur="10"/>
     </mc:Choice>
-    <mc:Fallback>
+    <mc:Fallback xmlns="">
       <p:transition/>
     </mc:Fallback>
   </mc:AlternateContent>
@@ -41457,11 +41457,11 @@
   <p:clrMapOvr>
     <a:masterClrMapping/>
   </p:clrMapOvr>
-  <mc:AlternateContent xmlns:mc="http://schemas.openxmlformats.org/markup-compatibility/2006">
-    <mc:Choice xmlns:p14="http://schemas.microsoft.com/office/powerpoint/2010/main" Requires="p14">
+  <mc:AlternateContent xmlns:mc="http://schemas.openxmlformats.org/markup-compatibility/2006" xmlns:p14="http://schemas.microsoft.com/office/powerpoint/2010/main">
+    <mc:Choice Requires="p14">
       <p:transition p14:dur="10"/>
     </mc:Choice>
-    <mc:Fallback>
+    <mc:Fallback xmlns="">
       <p:transition/>
     </mc:Fallback>
   </mc:AlternateContent>
@@ -41847,11 +41847,11 @@
   <p:clrMapOvr>
     <a:masterClrMapping/>
   </p:clrMapOvr>
-  <mc:AlternateContent xmlns:mc="http://schemas.openxmlformats.org/markup-compatibility/2006">
-    <mc:Choice xmlns:p14="http://schemas.microsoft.com/office/powerpoint/2010/main" Requires="p14">
+  <mc:AlternateContent xmlns:mc="http://schemas.openxmlformats.org/markup-compatibility/2006" xmlns:p14="http://schemas.microsoft.com/office/powerpoint/2010/main">
+    <mc:Choice Requires="p14">
       <p:transition p14:dur="10"/>
     </mc:Choice>
-    <mc:Fallback>
+    <mc:Fallback xmlns="">
       <p:transition/>
     </mc:Fallback>
   </mc:AlternateContent>

--- a/Febbraio 2015.pptx
+++ b/Febbraio 2015.pptx
@@ -41,12 +41,12 @@
     <p:sldId id="290" r:id="rId32"/>
     <p:sldId id="291" r:id="rId33"/>
     <p:sldId id="292" r:id="rId34"/>
-    <p:sldId id="293" r:id="rId35"/>
-    <p:sldId id="294" r:id="rId36"/>
+    <p:sldId id="304" r:id="rId35"/>
+    <p:sldId id="305" r:id="rId36"/>
     <p:sldId id="302" r:id="rId37"/>
     <p:sldId id="303" r:id="rId38"/>
-    <p:sldId id="304" r:id="rId39"/>
-    <p:sldId id="305" r:id="rId40"/>
+    <p:sldId id="293" r:id="rId39"/>
+    <p:sldId id="294" r:id="rId40"/>
     <p:sldId id="306" r:id="rId41"/>
     <p:sldId id="270" r:id="rId42"/>
     <p:sldId id="307" r:id="rId43"/>
@@ -198,7 +198,7 @@
   </p:defaultTextStyle>
   <p:extLst>
     <p:ext uri="{EFAFB233-063F-42B5-8137-9DF3F51BA10A}">
-      <p15:sldGuideLst xmlns:p15="http://schemas.microsoft.com/office/powerpoint/2012/main">
+      <p15:sldGuideLst xmlns:p15="http://schemas.microsoft.com/office/powerpoint/2012/main" xmlns="">
         <p15:guide id="1" orient="horz" pos="2160">
           <p15:clr>
             <a:srgbClr val="A4A3A4"/>
@@ -218,16 +218,524 @@
 <file path=ppt/commentAuthors.xml><?xml version="1.0" encoding="utf-8"?>
 <p:cmAuthorLst xmlns:a="http://schemas.openxmlformats.org/drawingml/2006/main" xmlns:r="http://schemas.openxmlformats.org/officeDocument/2006/relationships" xmlns:p="http://schemas.openxmlformats.org/presentationml/2006/main">
   <p:cmAuthor id="1" name="Matteo Zuccon" initials="MZ" lastIdx="1" clrIdx="0">
-    <p:extLst>
-      <p:ext uri="{19B8F6BF-5375-455C-9EA6-DF929625EA0E}">
-        <p15:presenceInfo xmlns:p15="http://schemas.microsoft.com/office/powerpoint/2012/main" userId="Matteo Zuccon" providerId="None"/>
-      </p:ext>
-    </p:extLst>
+    <p:extLst/>
   </p:cmAuthor>
 </p:cmAuthorLst>
 </file>
 
 <file path=ppt/charts/chart1.xml><?xml version="1.0" encoding="utf-8"?>
+<c:chartSpace xmlns:c="http://schemas.openxmlformats.org/drawingml/2006/chart" xmlns:a="http://schemas.openxmlformats.org/drawingml/2006/main" xmlns:r="http://schemas.openxmlformats.org/officeDocument/2006/relationships">
+  <c:date1904 val="0"/>
+  <c:lang val="it-IT"/>
+  <c:roundedCorners val="0"/>
+  <mc:AlternateContent xmlns:mc="http://schemas.openxmlformats.org/markup-compatibility/2006">
+    <mc:Choice xmlns:c14="http://schemas.microsoft.com/office/drawing/2007/8/2/chart" Requires="c14">
+      <c14:style val="102"/>
+    </mc:Choice>
+    <mc:Fallback>
+      <c:style val="2"/>
+    </mc:Fallback>
+  </mc:AlternateContent>
+  <c:chart>
+    <c:autoTitleDeleted val="1"/>
+    <c:plotArea>
+      <c:layout/>
+      <c:radarChart>
+        <c:radarStyle val="filled"/>
+        <c:varyColors val="0"/>
+        <c:ser>
+          <c:idx val="0"/>
+          <c:order val="0"/>
+          <c:spPr>
+            <a:solidFill>
+              <a:schemeClr val="accent1"/>
+            </a:solidFill>
+            <a:ln>
+              <a:noFill/>
+            </a:ln>
+            <a:effectLst/>
+          </c:spPr>
+          <c:cat>
+            <c:strRef>
+              <c:f>Foglio3!$A$7:$A$14</c:f>
+              <c:strCache>
+                <c:ptCount val="8"/>
+                <c:pt idx="0">
+                  <c:v>Astrazione</c:v>
+                </c:pt>
+                <c:pt idx="1">
+                  <c:v>Complessità</c:v>
+                </c:pt>
+                <c:pt idx="2">
+                  <c:v>Frequenza</c:v>
+                </c:pt>
+                <c:pt idx="3">
+                  <c:v>Ritardo</c:v>
+                </c:pt>
+                <c:pt idx="4">
+                  <c:v>Localizzazione</c:v>
+                </c:pt>
+                <c:pt idx="5">
+                  <c:v>ExtraFlow</c:v>
+                </c:pt>
+                <c:pt idx="6">
+                  <c:v>IntrFlow</c:v>
+                </c:pt>
+                <c:pt idx="7">
+                  <c:v>Condivisione</c:v>
+                </c:pt>
+              </c:strCache>
+            </c:strRef>
+          </c:cat>
+          <c:val>
+            <c:numRef>
+              <c:f>Foglio3!$B$7:$B$14</c:f>
+              <c:numCache>
+                <c:formatCode>General</c:formatCode>
+                <c:ptCount val="8"/>
+                <c:pt idx="0">
+                  <c:v>10.0</c:v>
+                </c:pt>
+                <c:pt idx="1">
+                  <c:v>80.0</c:v>
+                </c:pt>
+                <c:pt idx="2">
+                  <c:v>20.0</c:v>
+                </c:pt>
+                <c:pt idx="3">
+                  <c:v>10.0</c:v>
+                </c:pt>
+                <c:pt idx="4">
+                  <c:v>30.0</c:v>
+                </c:pt>
+                <c:pt idx="5">
+                  <c:v>100.0</c:v>
+                </c:pt>
+                <c:pt idx="6">
+                  <c:v>100.0</c:v>
+                </c:pt>
+                <c:pt idx="7">
+                  <c:v>0.0</c:v>
+                </c:pt>
+              </c:numCache>
+            </c:numRef>
+          </c:val>
+        </c:ser>
+        <c:dLbls>
+          <c:showLegendKey val="0"/>
+          <c:showVal val="0"/>
+          <c:showCatName val="0"/>
+          <c:showSerName val="0"/>
+          <c:showPercent val="0"/>
+          <c:showBubbleSize val="0"/>
+        </c:dLbls>
+        <c:axId val="-2135969960"/>
+        <c:axId val="-2135966216"/>
+      </c:radarChart>
+      <c:catAx>
+        <c:axId val="-2135969960"/>
+        <c:scaling>
+          <c:orientation val="minMax"/>
+        </c:scaling>
+        <c:delete val="0"/>
+        <c:axPos val="b"/>
+        <c:numFmt formatCode="General" sourceLinked="1"/>
+        <c:majorTickMark val="none"/>
+        <c:minorTickMark val="none"/>
+        <c:tickLblPos val="nextTo"/>
+        <c:spPr>
+          <a:noFill/>
+          <a:ln w="9525" cap="flat" cmpd="sng" algn="ctr">
+            <a:solidFill>
+              <a:schemeClr val="tx1">
+                <a:lumMod val="15000"/>
+                <a:lumOff val="85000"/>
+              </a:schemeClr>
+            </a:solidFill>
+            <a:round/>
+          </a:ln>
+          <a:effectLst/>
+        </c:spPr>
+        <c:txPr>
+          <a:bodyPr rot="-60000000" spcFirstLastPara="1" vertOverflow="ellipsis" vert="horz" wrap="square" anchor="ctr" anchorCtr="1"/>
+          <a:lstStyle/>
+          <a:p>
+            <a:pPr>
+              <a:defRPr sz="900" b="0" i="0" u="none" strike="noStrike" kern="1200" baseline="0">
+                <a:solidFill>
+                  <a:schemeClr val="tx1">
+                    <a:lumMod val="65000"/>
+                    <a:lumOff val="35000"/>
+                  </a:schemeClr>
+                </a:solidFill>
+                <a:latin typeface="+mn-lt"/>
+                <a:ea typeface="+mn-ea"/>
+                <a:cs typeface="+mn-cs"/>
+              </a:defRPr>
+            </a:pPr>
+            <a:endParaRPr lang="it-IT"/>
+          </a:p>
+        </c:txPr>
+        <c:crossAx val="-2135966216"/>
+        <c:crosses val="autoZero"/>
+        <c:auto val="1"/>
+        <c:lblAlgn val="ctr"/>
+        <c:lblOffset val="100"/>
+        <c:noMultiLvlLbl val="0"/>
+      </c:catAx>
+      <c:valAx>
+        <c:axId val="-2135966216"/>
+        <c:scaling>
+          <c:orientation val="minMax"/>
+        </c:scaling>
+        <c:delete val="0"/>
+        <c:axPos val="l"/>
+        <c:majorGridlines>
+          <c:spPr>
+            <a:ln w="9525" cap="flat" cmpd="sng" algn="ctr">
+              <a:solidFill>
+                <a:schemeClr val="tx1">
+                  <a:alpha val="70000"/>
+                </a:schemeClr>
+              </a:solidFill>
+              <a:round/>
+            </a:ln>
+            <a:effectLst/>
+          </c:spPr>
+        </c:majorGridlines>
+        <c:numFmt formatCode="General" sourceLinked="1"/>
+        <c:majorTickMark val="none"/>
+        <c:minorTickMark val="none"/>
+        <c:tickLblPos val="nextTo"/>
+        <c:spPr>
+          <a:noFill/>
+          <a:ln>
+            <a:noFill/>
+          </a:ln>
+          <a:effectLst/>
+        </c:spPr>
+        <c:txPr>
+          <a:bodyPr rot="-60000000" spcFirstLastPara="1" vertOverflow="ellipsis" vert="horz" wrap="square" anchor="ctr" anchorCtr="1"/>
+          <a:lstStyle/>
+          <a:p>
+            <a:pPr>
+              <a:defRPr sz="900" b="0" i="0" u="none" strike="noStrike" kern="1200" baseline="0">
+                <a:solidFill>
+                  <a:schemeClr val="tx1">
+                    <a:lumMod val="65000"/>
+                    <a:lumOff val="35000"/>
+                  </a:schemeClr>
+                </a:solidFill>
+                <a:latin typeface="+mn-lt"/>
+                <a:ea typeface="+mn-ea"/>
+                <a:cs typeface="+mn-cs"/>
+              </a:defRPr>
+            </a:pPr>
+            <a:endParaRPr lang="it-IT"/>
+          </a:p>
+        </c:txPr>
+        <c:crossAx val="-2135969960"/>
+        <c:crosses val="autoZero"/>
+        <c:crossBetween val="between"/>
+        <c:majorUnit val="10.0"/>
+      </c:valAx>
+      <c:spPr>
+        <a:noFill/>
+        <a:ln>
+          <a:noFill/>
+        </a:ln>
+        <a:effectLst/>
+      </c:spPr>
+    </c:plotArea>
+    <c:plotVisOnly val="1"/>
+    <c:dispBlanksAs val="gap"/>
+    <c:showDLblsOverMax val="0"/>
+  </c:chart>
+  <c:spPr>
+    <a:noFill/>
+    <a:ln>
+      <a:noFill/>
+    </a:ln>
+    <a:effectLst/>
+  </c:spPr>
+  <c:txPr>
+    <a:bodyPr/>
+    <a:lstStyle/>
+    <a:p>
+      <a:pPr>
+        <a:defRPr/>
+      </a:pPr>
+      <a:endParaRPr lang="it-IT"/>
+    </a:p>
+  </c:txPr>
+  <c:externalData r:id="rId1">
+    <c:autoUpdate val="0"/>
+  </c:externalData>
+</c:chartSpace>
+</file>
+
+<file path=ppt/charts/chart2.xml><?xml version="1.0" encoding="utf-8"?>
+<c:chartSpace xmlns:c="http://schemas.openxmlformats.org/drawingml/2006/chart" xmlns:a="http://schemas.openxmlformats.org/drawingml/2006/main" xmlns:r="http://schemas.openxmlformats.org/officeDocument/2006/relationships">
+  <c:date1904 val="0"/>
+  <c:lang val="it-IT"/>
+  <c:roundedCorners val="0"/>
+  <mc:AlternateContent xmlns:mc="http://schemas.openxmlformats.org/markup-compatibility/2006">
+    <mc:Choice xmlns:c14="http://schemas.microsoft.com/office/drawing/2007/8/2/chart" Requires="c14">
+      <c14:style val="102"/>
+    </mc:Choice>
+    <mc:Fallback>
+      <c:style val="2"/>
+    </mc:Fallback>
+  </mc:AlternateContent>
+  <c:chart>
+    <c:autoTitleDeleted val="1"/>
+    <c:plotArea>
+      <c:layout>
+        <c:manualLayout>
+          <c:layoutTarget val="inner"/>
+          <c:xMode val="edge"/>
+          <c:yMode val="edge"/>
+          <c:x val="0.258684388589357"/>
+          <c:y val="0.0738863413190105"/>
+          <c:w val="0.46511599843123"/>
+          <c:h val="0.844278982788413"/>
+        </c:manualLayout>
+      </c:layout>
+      <c:radarChart>
+        <c:radarStyle val="filled"/>
+        <c:varyColors val="0"/>
+        <c:ser>
+          <c:idx val="0"/>
+          <c:order val="0"/>
+          <c:spPr>
+            <a:solidFill>
+              <a:schemeClr val="accent1"/>
+            </a:solidFill>
+            <a:ln>
+              <a:noFill/>
+            </a:ln>
+            <a:effectLst/>
+          </c:spPr>
+          <c:cat>
+            <c:strRef>
+              <c:f>Foglio2!$A$1:$A$8</c:f>
+              <c:strCache>
+                <c:ptCount val="8"/>
+                <c:pt idx="0">
+                  <c:v>Astrazione</c:v>
+                </c:pt>
+                <c:pt idx="1">
+                  <c:v>Complessità</c:v>
+                </c:pt>
+                <c:pt idx="2">
+                  <c:v>Frequenza</c:v>
+                </c:pt>
+                <c:pt idx="3">
+                  <c:v>Ritardo</c:v>
+                </c:pt>
+                <c:pt idx="4">
+                  <c:v>Localizzazione</c:v>
+                </c:pt>
+                <c:pt idx="5">
+                  <c:v>ExtraFlow</c:v>
+                </c:pt>
+                <c:pt idx="6">
+                  <c:v>IntrFlow</c:v>
+                </c:pt>
+                <c:pt idx="7">
+                  <c:v>Condivisione</c:v>
+                </c:pt>
+              </c:strCache>
+            </c:strRef>
+          </c:cat>
+          <c:val>
+            <c:numRef>
+              <c:f>Foglio2!$B$1:$B$8</c:f>
+              <c:numCache>
+                <c:formatCode>General</c:formatCode>
+                <c:ptCount val="8"/>
+                <c:pt idx="0">
+                  <c:v>10.0</c:v>
+                </c:pt>
+                <c:pt idx="1">
+                  <c:v>10.0</c:v>
+                </c:pt>
+                <c:pt idx="2">
+                  <c:v>20.0</c:v>
+                </c:pt>
+                <c:pt idx="3">
+                  <c:v>10.0</c:v>
+                </c:pt>
+                <c:pt idx="4">
+                  <c:v>30.0</c:v>
+                </c:pt>
+                <c:pt idx="5">
+                  <c:v>100.0</c:v>
+                </c:pt>
+                <c:pt idx="6">
+                  <c:v>60.0</c:v>
+                </c:pt>
+                <c:pt idx="7">
+                  <c:v>50.0</c:v>
+                </c:pt>
+              </c:numCache>
+            </c:numRef>
+          </c:val>
+        </c:ser>
+        <c:dLbls>
+          <c:showLegendKey val="0"/>
+          <c:showVal val="0"/>
+          <c:showCatName val="0"/>
+          <c:showSerName val="0"/>
+          <c:showPercent val="0"/>
+          <c:showBubbleSize val="0"/>
+        </c:dLbls>
+        <c:axId val="-2136067400"/>
+        <c:axId val="-2136063656"/>
+      </c:radarChart>
+      <c:catAx>
+        <c:axId val="-2136067400"/>
+        <c:scaling>
+          <c:orientation val="minMax"/>
+        </c:scaling>
+        <c:delete val="0"/>
+        <c:axPos val="b"/>
+        <c:numFmt formatCode="General" sourceLinked="1"/>
+        <c:majorTickMark val="none"/>
+        <c:minorTickMark val="none"/>
+        <c:tickLblPos val="nextTo"/>
+        <c:spPr>
+          <a:noFill/>
+          <a:ln w="9525" cap="flat" cmpd="sng" algn="ctr">
+            <a:solidFill>
+              <a:schemeClr val="tx1">
+                <a:lumMod val="15000"/>
+                <a:lumOff val="85000"/>
+              </a:schemeClr>
+            </a:solidFill>
+            <a:round/>
+          </a:ln>
+          <a:effectLst/>
+        </c:spPr>
+        <c:txPr>
+          <a:bodyPr rot="-60000000" spcFirstLastPara="1" vertOverflow="ellipsis" vert="horz" wrap="square" anchor="ctr" anchorCtr="1"/>
+          <a:lstStyle/>
+          <a:p>
+            <a:pPr>
+              <a:defRPr sz="900" b="0" i="0" u="none" strike="noStrike" kern="1200" baseline="0">
+                <a:solidFill>
+                  <a:schemeClr val="tx1">
+                    <a:lumMod val="65000"/>
+                    <a:lumOff val="35000"/>
+                  </a:schemeClr>
+                </a:solidFill>
+                <a:latin typeface="+mn-lt"/>
+                <a:ea typeface="+mn-ea"/>
+                <a:cs typeface="+mn-cs"/>
+              </a:defRPr>
+            </a:pPr>
+            <a:endParaRPr lang="it-IT"/>
+          </a:p>
+        </c:txPr>
+        <c:crossAx val="-2136063656"/>
+        <c:crosses val="autoZero"/>
+        <c:auto val="1"/>
+        <c:lblAlgn val="ctr"/>
+        <c:lblOffset val="100"/>
+        <c:noMultiLvlLbl val="0"/>
+      </c:catAx>
+      <c:valAx>
+        <c:axId val="-2136063656"/>
+        <c:scaling>
+          <c:orientation val="minMax"/>
+        </c:scaling>
+        <c:delete val="0"/>
+        <c:axPos val="l"/>
+        <c:majorGridlines>
+          <c:spPr>
+            <a:ln w="9525" cap="flat" cmpd="sng" algn="ctr">
+              <a:solidFill>
+                <a:schemeClr val="tx1">
+                  <a:alpha val="70000"/>
+                </a:schemeClr>
+              </a:solidFill>
+              <a:round/>
+            </a:ln>
+            <a:effectLst/>
+          </c:spPr>
+        </c:majorGridlines>
+        <c:numFmt formatCode="General" sourceLinked="1"/>
+        <c:majorTickMark val="none"/>
+        <c:minorTickMark val="none"/>
+        <c:tickLblPos val="nextTo"/>
+        <c:spPr>
+          <a:noFill/>
+          <a:ln>
+            <a:noFill/>
+          </a:ln>
+          <a:effectLst/>
+        </c:spPr>
+        <c:txPr>
+          <a:bodyPr rot="-60000000" spcFirstLastPara="1" vertOverflow="ellipsis" vert="horz" wrap="square" anchor="ctr" anchorCtr="1"/>
+          <a:lstStyle/>
+          <a:p>
+            <a:pPr>
+              <a:defRPr sz="900" b="0" i="0" u="none" strike="noStrike" kern="1200" baseline="0">
+                <a:solidFill>
+                  <a:schemeClr val="tx1">
+                    <a:lumMod val="65000"/>
+                    <a:lumOff val="35000"/>
+                  </a:schemeClr>
+                </a:solidFill>
+                <a:latin typeface="+mn-lt"/>
+                <a:ea typeface="+mn-ea"/>
+                <a:cs typeface="+mn-cs"/>
+              </a:defRPr>
+            </a:pPr>
+            <a:endParaRPr lang="it-IT"/>
+          </a:p>
+        </c:txPr>
+        <c:crossAx val="-2136067400"/>
+        <c:crosses val="autoZero"/>
+        <c:crossBetween val="between"/>
+        <c:majorUnit val="10.0"/>
+      </c:valAx>
+      <c:spPr>
+        <a:noFill/>
+        <a:ln>
+          <a:noFill/>
+        </a:ln>
+        <a:effectLst/>
+      </c:spPr>
+    </c:plotArea>
+    <c:plotVisOnly val="1"/>
+    <c:dispBlanksAs val="gap"/>
+    <c:showDLblsOverMax val="0"/>
+  </c:chart>
+  <c:spPr>
+    <a:noFill/>
+    <a:ln>
+      <a:noFill/>
+    </a:ln>
+    <a:effectLst/>
+  </c:spPr>
+  <c:txPr>
+    <a:bodyPr/>
+    <a:lstStyle/>
+    <a:p>
+      <a:pPr>
+        <a:defRPr/>
+      </a:pPr>
+      <a:endParaRPr lang="it-IT"/>
+    </a:p>
+  </c:txPr>
+  <c:externalData r:id="rId1">
+    <c:autoUpdate val="0"/>
+  </c:externalData>
+</c:chartSpace>
+</file>
+
+<file path=ppt/charts/chart3.xml><?xml version="1.0" encoding="utf-8"?>
 <c:chartSpace xmlns:c="http://schemas.openxmlformats.org/drawingml/2006/chart" xmlns:a="http://schemas.openxmlformats.org/drawingml/2006/main" xmlns:r="http://schemas.openxmlformats.org/officeDocument/2006/relationships">
   <c:date1904 val="0"/>
   <c:lang val="it-IT"/>
@@ -298,28 +806,28 @@
                 <c:formatCode>General</c:formatCode>
                 <c:ptCount val="8"/>
                 <c:pt idx="0">
-                  <c:v>10</c:v>
+                  <c:v>10.0</c:v>
                 </c:pt>
                 <c:pt idx="1">
-                  <c:v>30</c:v>
+                  <c:v>30.0</c:v>
                 </c:pt>
                 <c:pt idx="2">
-                  <c:v>20</c:v>
+                  <c:v>20.0</c:v>
                 </c:pt>
                 <c:pt idx="3">
-                  <c:v>10</c:v>
+                  <c:v>10.0</c:v>
                 </c:pt>
                 <c:pt idx="4">
-                  <c:v>30</c:v>
+                  <c:v>30.0</c:v>
                 </c:pt>
                 <c:pt idx="5">
-                  <c:v>30</c:v>
+                  <c:v>30.0</c:v>
                 </c:pt>
                 <c:pt idx="6">
-                  <c:v>60</c:v>
+                  <c:v>60.0</c:v>
                 </c:pt>
                 <c:pt idx="7">
-                  <c:v>20</c:v>
+                  <c:v>20.0</c:v>
                 </c:pt>
               </c:numCache>
             </c:numRef>
@@ -333,11 +841,11 @@
           <c:showPercent val="0"/>
           <c:showBubbleSize val="0"/>
         </c:dLbls>
-        <c:axId val="108856768"/>
-        <c:axId val="108857328"/>
+        <c:axId val="2077671656"/>
+        <c:axId val="2077674232"/>
       </c:radarChart>
       <c:catAx>
-        <c:axId val="108856768"/>
+        <c:axId val="2077671656"/>
         <c:scaling>
           <c:orientation val="minMax"/>
         </c:scaling>
@@ -380,7 +888,7 @@
             <a:endParaRPr lang="it-IT"/>
           </a:p>
         </c:txPr>
-        <c:crossAx val="108857328"/>
+        <c:crossAx val="2077674232"/>
         <c:crosses val="autoZero"/>
         <c:auto val="1"/>
         <c:lblAlgn val="ctr"/>
@@ -388,10 +896,10 @@
         <c:noMultiLvlLbl val="0"/>
       </c:catAx>
       <c:valAx>
-        <c:axId val="108857328"/>
+        <c:axId val="2077674232"/>
         <c:scaling>
           <c:orientation val="minMax"/>
-          <c:max val="100"/>
+          <c:max val="100.0"/>
         </c:scaling>
         <c:delete val="0"/>
         <c:axPos val="l"/>
@@ -439,10 +947,10 @@
             <a:endParaRPr lang="it-IT"/>
           </a:p>
         </c:txPr>
-        <c:crossAx val="108856768"/>
+        <c:crossAx val="2077671656"/>
         <c:crosses val="autoZero"/>
         <c:crossBetween val="between"/>
-        <c:majorUnit val="10"/>
+        <c:majorUnit val="10.0"/>
       </c:valAx>
       <c:spPr>
         <a:noFill/>
@@ -473,519 +981,7 @@
       <a:endParaRPr lang="it-IT"/>
     </a:p>
   </c:txPr>
-  <c:externalData r:id="rId3">
-    <c:autoUpdate val="0"/>
-  </c:externalData>
-</c:chartSpace>
-</file>
-
-<file path=ppt/charts/chart2.xml><?xml version="1.0" encoding="utf-8"?>
-<c:chartSpace xmlns:c="http://schemas.openxmlformats.org/drawingml/2006/chart" xmlns:a="http://schemas.openxmlformats.org/drawingml/2006/main" xmlns:r="http://schemas.openxmlformats.org/officeDocument/2006/relationships">
-  <c:date1904 val="0"/>
-  <c:lang val="it-IT"/>
-  <c:roundedCorners val="0"/>
-  <mc:AlternateContent xmlns:mc="http://schemas.openxmlformats.org/markup-compatibility/2006">
-    <mc:Choice xmlns:c14="http://schemas.microsoft.com/office/drawing/2007/8/2/chart" Requires="c14">
-      <c14:style val="102"/>
-    </mc:Choice>
-    <mc:Fallback>
-      <c:style val="2"/>
-    </mc:Fallback>
-  </mc:AlternateContent>
-  <c:chart>
-    <c:autoTitleDeleted val="1"/>
-    <c:plotArea>
-      <c:layout>
-        <c:manualLayout>
-          <c:layoutTarget val="inner"/>
-          <c:xMode val="edge"/>
-          <c:yMode val="edge"/>
-          <c:x val="0.25868438858935733"/>
-          <c:y val="7.3886341319010479E-2"/>
-          <c:w val="0.46511599843123058"/>
-          <c:h val="0.8442789827884134"/>
-        </c:manualLayout>
-      </c:layout>
-      <c:radarChart>
-        <c:radarStyle val="filled"/>
-        <c:varyColors val="0"/>
-        <c:ser>
-          <c:idx val="0"/>
-          <c:order val="0"/>
-          <c:spPr>
-            <a:solidFill>
-              <a:schemeClr val="accent1"/>
-            </a:solidFill>
-            <a:ln>
-              <a:noFill/>
-            </a:ln>
-            <a:effectLst/>
-          </c:spPr>
-          <c:cat>
-            <c:strRef>
-              <c:f>Foglio2!$A$1:$A$8</c:f>
-              <c:strCache>
-                <c:ptCount val="8"/>
-                <c:pt idx="0">
-                  <c:v>Astrazione</c:v>
-                </c:pt>
-                <c:pt idx="1">
-                  <c:v>Complessità</c:v>
-                </c:pt>
-                <c:pt idx="2">
-                  <c:v>Frequenza</c:v>
-                </c:pt>
-                <c:pt idx="3">
-                  <c:v>Ritardo</c:v>
-                </c:pt>
-                <c:pt idx="4">
-                  <c:v>Localizzazione</c:v>
-                </c:pt>
-                <c:pt idx="5">
-                  <c:v>ExtraFlow</c:v>
-                </c:pt>
-                <c:pt idx="6">
-                  <c:v>IntrFlow</c:v>
-                </c:pt>
-                <c:pt idx="7">
-                  <c:v>Condivisione</c:v>
-                </c:pt>
-              </c:strCache>
-            </c:strRef>
-          </c:cat>
-          <c:val>
-            <c:numRef>
-              <c:f>Foglio2!$B$1:$B$8</c:f>
-              <c:numCache>
-                <c:formatCode>General</c:formatCode>
-                <c:ptCount val="8"/>
-                <c:pt idx="0">
-                  <c:v>10</c:v>
-                </c:pt>
-                <c:pt idx="1">
-                  <c:v>10</c:v>
-                </c:pt>
-                <c:pt idx="2">
-                  <c:v>20</c:v>
-                </c:pt>
-                <c:pt idx="3">
-                  <c:v>10</c:v>
-                </c:pt>
-                <c:pt idx="4">
-                  <c:v>30</c:v>
-                </c:pt>
-                <c:pt idx="5">
-                  <c:v>100</c:v>
-                </c:pt>
-                <c:pt idx="6">
-                  <c:v>60</c:v>
-                </c:pt>
-                <c:pt idx="7">
-                  <c:v>50</c:v>
-                </c:pt>
-              </c:numCache>
-            </c:numRef>
-          </c:val>
-        </c:ser>
-        <c:dLbls>
-          <c:showLegendKey val="0"/>
-          <c:showVal val="0"/>
-          <c:showCatName val="0"/>
-          <c:showSerName val="0"/>
-          <c:showPercent val="0"/>
-          <c:showBubbleSize val="0"/>
-        </c:dLbls>
-        <c:axId val="108859568"/>
-        <c:axId val="108860128"/>
-      </c:radarChart>
-      <c:catAx>
-        <c:axId val="108859568"/>
-        <c:scaling>
-          <c:orientation val="minMax"/>
-        </c:scaling>
-        <c:delete val="0"/>
-        <c:axPos val="b"/>
-        <c:numFmt formatCode="General" sourceLinked="1"/>
-        <c:majorTickMark val="none"/>
-        <c:minorTickMark val="none"/>
-        <c:tickLblPos val="nextTo"/>
-        <c:spPr>
-          <a:noFill/>
-          <a:ln w="9525" cap="flat" cmpd="sng" algn="ctr">
-            <a:solidFill>
-              <a:schemeClr val="tx1">
-                <a:lumMod val="15000"/>
-                <a:lumOff val="85000"/>
-              </a:schemeClr>
-            </a:solidFill>
-            <a:round/>
-          </a:ln>
-          <a:effectLst/>
-        </c:spPr>
-        <c:txPr>
-          <a:bodyPr rot="-60000000" spcFirstLastPara="1" vertOverflow="ellipsis" vert="horz" wrap="square" anchor="ctr" anchorCtr="1"/>
-          <a:lstStyle/>
-          <a:p>
-            <a:pPr>
-              <a:defRPr sz="900" b="0" i="0" u="none" strike="noStrike" kern="1200" baseline="0">
-                <a:solidFill>
-                  <a:schemeClr val="tx1">
-                    <a:lumMod val="65000"/>
-                    <a:lumOff val="35000"/>
-                  </a:schemeClr>
-                </a:solidFill>
-                <a:latin typeface="+mn-lt"/>
-                <a:ea typeface="+mn-ea"/>
-                <a:cs typeface="+mn-cs"/>
-              </a:defRPr>
-            </a:pPr>
-            <a:endParaRPr lang="it-IT"/>
-          </a:p>
-        </c:txPr>
-        <c:crossAx val="108860128"/>
-        <c:crosses val="autoZero"/>
-        <c:auto val="1"/>
-        <c:lblAlgn val="ctr"/>
-        <c:lblOffset val="100"/>
-        <c:noMultiLvlLbl val="0"/>
-      </c:catAx>
-      <c:valAx>
-        <c:axId val="108860128"/>
-        <c:scaling>
-          <c:orientation val="minMax"/>
-        </c:scaling>
-        <c:delete val="0"/>
-        <c:axPos val="l"/>
-        <c:majorGridlines>
-          <c:spPr>
-            <a:ln w="9525" cap="flat" cmpd="sng" algn="ctr">
-              <a:solidFill>
-                <a:schemeClr val="tx1">
-                  <a:alpha val="70000"/>
-                </a:schemeClr>
-              </a:solidFill>
-              <a:round/>
-            </a:ln>
-            <a:effectLst/>
-          </c:spPr>
-        </c:majorGridlines>
-        <c:numFmt formatCode="General" sourceLinked="1"/>
-        <c:majorTickMark val="none"/>
-        <c:minorTickMark val="none"/>
-        <c:tickLblPos val="nextTo"/>
-        <c:spPr>
-          <a:noFill/>
-          <a:ln>
-            <a:noFill/>
-          </a:ln>
-          <a:effectLst/>
-        </c:spPr>
-        <c:txPr>
-          <a:bodyPr rot="-60000000" spcFirstLastPara="1" vertOverflow="ellipsis" vert="horz" wrap="square" anchor="ctr" anchorCtr="1"/>
-          <a:lstStyle/>
-          <a:p>
-            <a:pPr>
-              <a:defRPr sz="900" b="0" i="0" u="none" strike="noStrike" kern="1200" baseline="0">
-                <a:solidFill>
-                  <a:schemeClr val="tx1">
-                    <a:lumMod val="65000"/>
-                    <a:lumOff val="35000"/>
-                  </a:schemeClr>
-                </a:solidFill>
-                <a:latin typeface="+mn-lt"/>
-                <a:ea typeface="+mn-ea"/>
-                <a:cs typeface="+mn-cs"/>
-              </a:defRPr>
-            </a:pPr>
-            <a:endParaRPr lang="it-IT"/>
-          </a:p>
-        </c:txPr>
-        <c:crossAx val="108859568"/>
-        <c:crosses val="autoZero"/>
-        <c:crossBetween val="between"/>
-        <c:majorUnit val="10"/>
-      </c:valAx>
-      <c:spPr>
-        <a:noFill/>
-        <a:ln>
-          <a:noFill/>
-        </a:ln>
-        <a:effectLst/>
-      </c:spPr>
-    </c:plotArea>
-    <c:plotVisOnly val="1"/>
-    <c:dispBlanksAs val="gap"/>
-    <c:showDLblsOverMax val="0"/>
-  </c:chart>
-  <c:spPr>
-    <a:noFill/>
-    <a:ln>
-      <a:noFill/>
-    </a:ln>
-    <a:effectLst/>
-  </c:spPr>
-  <c:txPr>
-    <a:bodyPr/>
-    <a:lstStyle/>
-    <a:p>
-      <a:pPr>
-        <a:defRPr/>
-      </a:pPr>
-      <a:endParaRPr lang="it-IT"/>
-    </a:p>
-  </c:txPr>
-  <c:externalData r:id="rId3">
-    <c:autoUpdate val="0"/>
-  </c:externalData>
-</c:chartSpace>
-</file>
-
-<file path=ppt/charts/chart3.xml><?xml version="1.0" encoding="utf-8"?>
-<c:chartSpace xmlns:c="http://schemas.openxmlformats.org/drawingml/2006/chart" xmlns:a="http://schemas.openxmlformats.org/drawingml/2006/main" xmlns:r="http://schemas.openxmlformats.org/officeDocument/2006/relationships">
-  <c:date1904 val="0"/>
-  <c:lang val="it-IT"/>
-  <c:roundedCorners val="0"/>
-  <mc:AlternateContent xmlns:mc="http://schemas.openxmlformats.org/markup-compatibility/2006">
-    <mc:Choice xmlns:c14="http://schemas.microsoft.com/office/drawing/2007/8/2/chart" Requires="c14">
-      <c14:style val="102"/>
-    </mc:Choice>
-    <mc:Fallback>
-      <c:style val="2"/>
-    </mc:Fallback>
-  </mc:AlternateContent>
-  <c:chart>
-    <c:autoTitleDeleted val="1"/>
-    <c:plotArea>
-      <c:layout/>
-      <c:radarChart>
-        <c:radarStyle val="filled"/>
-        <c:varyColors val="0"/>
-        <c:ser>
-          <c:idx val="0"/>
-          <c:order val="0"/>
-          <c:spPr>
-            <a:solidFill>
-              <a:schemeClr val="accent1"/>
-            </a:solidFill>
-            <a:ln>
-              <a:noFill/>
-            </a:ln>
-            <a:effectLst/>
-          </c:spPr>
-          <c:cat>
-            <c:strRef>
-              <c:f>Foglio3!$A$7:$A$14</c:f>
-              <c:strCache>
-                <c:ptCount val="8"/>
-                <c:pt idx="0">
-                  <c:v>Astrazione</c:v>
-                </c:pt>
-                <c:pt idx="1">
-                  <c:v>Complessità</c:v>
-                </c:pt>
-                <c:pt idx="2">
-                  <c:v>Frequenza</c:v>
-                </c:pt>
-                <c:pt idx="3">
-                  <c:v>Ritardo</c:v>
-                </c:pt>
-                <c:pt idx="4">
-                  <c:v>Localizzazione</c:v>
-                </c:pt>
-                <c:pt idx="5">
-                  <c:v>ExtraFlow</c:v>
-                </c:pt>
-                <c:pt idx="6">
-                  <c:v>IntrFlow</c:v>
-                </c:pt>
-                <c:pt idx="7">
-                  <c:v>Condivisione</c:v>
-                </c:pt>
-              </c:strCache>
-            </c:strRef>
-          </c:cat>
-          <c:val>
-            <c:numRef>
-              <c:f>Foglio3!$B$7:$B$14</c:f>
-              <c:numCache>
-                <c:formatCode>General</c:formatCode>
-                <c:ptCount val="8"/>
-                <c:pt idx="0">
-                  <c:v>10</c:v>
-                </c:pt>
-                <c:pt idx="1">
-                  <c:v>80</c:v>
-                </c:pt>
-                <c:pt idx="2">
-                  <c:v>20</c:v>
-                </c:pt>
-                <c:pt idx="3">
-                  <c:v>10</c:v>
-                </c:pt>
-                <c:pt idx="4">
-                  <c:v>30</c:v>
-                </c:pt>
-                <c:pt idx="5">
-                  <c:v>100</c:v>
-                </c:pt>
-                <c:pt idx="6">
-                  <c:v>100</c:v>
-                </c:pt>
-                <c:pt idx="7">
-                  <c:v>0</c:v>
-                </c:pt>
-              </c:numCache>
-            </c:numRef>
-          </c:val>
-        </c:ser>
-        <c:dLbls>
-          <c:showLegendKey val="0"/>
-          <c:showVal val="0"/>
-          <c:showCatName val="0"/>
-          <c:showSerName val="0"/>
-          <c:showPercent val="0"/>
-          <c:showBubbleSize val="0"/>
-        </c:dLbls>
-        <c:axId val="108862368"/>
-        <c:axId val="108862928"/>
-      </c:radarChart>
-      <c:catAx>
-        <c:axId val="108862368"/>
-        <c:scaling>
-          <c:orientation val="minMax"/>
-        </c:scaling>
-        <c:delete val="0"/>
-        <c:axPos val="b"/>
-        <c:numFmt formatCode="General" sourceLinked="1"/>
-        <c:majorTickMark val="none"/>
-        <c:minorTickMark val="none"/>
-        <c:tickLblPos val="nextTo"/>
-        <c:spPr>
-          <a:noFill/>
-          <a:ln w="9525" cap="flat" cmpd="sng" algn="ctr">
-            <a:solidFill>
-              <a:schemeClr val="tx1">
-                <a:lumMod val="15000"/>
-                <a:lumOff val="85000"/>
-              </a:schemeClr>
-            </a:solidFill>
-            <a:round/>
-          </a:ln>
-          <a:effectLst/>
-        </c:spPr>
-        <c:txPr>
-          <a:bodyPr rot="-60000000" spcFirstLastPara="1" vertOverflow="ellipsis" vert="horz" wrap="square" anchor="ctr" anchorCtr="1"/>
-          <a:lstStyle/>
-          <a:p>
-            <a:pPr>
-              <a:defRPr sz="900" b="0" i="0" u="none" strike="noStrike" kern="1200" baseline="0">
-                <a:solidFill>
-                  <a:schemeClr val="tx1">
-                    <a:lumMod val="65000"/>
-                    <a:lumOff val="35000"/>
-                  </a:schemeClr>
-                </a:solidFill>
-                <a:latin typeface="+mn-lt"/>
-                <a:ea typeface="+mn-ea"/>
-                <a:cs typeface="+mn-cs"/>
-              </a:defRPr>
-            </a:pPr>
-            <a:endParaRPr lang="it-IT"/>
-          </a:p>
-        </c:txPr>
-        <c:crossAx val="108862928"/>
-        <c:crosses val="autoZero"/>
-        <c:auto val="1"/>
-        <c:lblAlgn val="ctr"/>
-        <c:lblOffset val="100"/>
-        <c:noMultiLvlLbl val="0"/>
-      </c:catAx>
-      <c:valAx>
-        <c:axId val="108862928"/>
-        <c:scaling>
-          <c:orientation val="minMax"/>
-        </c:scaling>
-        <c:delete val="0"/>
-        <c:axPos val="l"/>
-        <c:majorGridlines>
-          <c:spPr>
-            <a:ln w="9525" cap="flat" cmpd="sng" algn="ctr">
-              <a:solidFill>
-                <a:schemeClr val="tx1">
-                  <a:alpha val="70000"/>
-                </a:schemeClr>
-              </a:solidFill>
-              <a:round/>
-            </a:ln>
-            <a:effectLst/>
-          </c:spPr>
-        </c:majorGridlines>
-        <c:numFmt formatCode="General" sourceLinked="1"/>
-        <c:majorTickMark val="none"/>
-        <c:minorTickMark val="none"/>
-        <c:tickLblPos val="nextTo"/>
-        <c:spPr>
-          <a:noFill/>
-          <a:ln>
-            <a:noFill/>
-          </a:ln>
-          <a:effectLst/>
-        </c:spPr>
-        <c:txPr>
-          <a:bodyPr rot="-60000000" spcFirstLastPara="1" vertOverflow="ellipsis" vert="horz" wrap="square" anchor="ctr" anchorCtr="1"/>
-          <a:lstStyle/>
-          <a:p>
-            <a:pPr>
-              <a:defRPr sz="900" b="0" i="0" u="none" strike="noStrike" kern="1200" baseline="0">
-                <a:solidFill>
-                  <a:schemeClr val="tx1">
-                    <a:lumMod val="65000"/>
-                    <a:lumOff val="35000"/>
-                  </a:schemeClr>
-                </a:solidFill>
-                <a:latin typeface="+mn-lt"/>
-                <a:ea typeface="+mn-ea"/>
-                <a:cs typeface="+mn-cs"/>
-              </a:defRPr>
-            </a:pPr>
-            <a:endParaRPr lang="it-IT"/>
-          </a:p>
-        </c:txPr>
-        <c:crossAx val="108862368"/>
-        <c:crosses val="autoZero"/>
-        <c:crossBetween val="between"/>
-        <c:majorUnit val="10"/>
-      </c:valAx>
-      <c:spPr>
-        <a:noFill/>
-        <a:ln>
-          <a:noFill/>
-        </a:ln>
-        <a:effectLst/>
-      </c:spPr>
-    </c:plotArea>
-    <c:plotVisOnly val="1"/>
-    <c:dispBlanksAs val="gap"/>
-    <c:showDLblsOverMax val="0"/>
-  </c:chart>
-  <c:spPr>
-    <a:noFill/>
-    <a:ln>
-      <a:noFill/>
-    </a:ln>
-    <a:effectLst/>
-  </c:spPr>
-  <c:txPr>
-    <a:bodyPr/>
-    <a:lstStyle/>
-    <a:p>
-      <a:pPr>
-        <a:defRPr/>
-      </a:pPr>
-      <a:endParaRPr lang="it-IT"/>
-    </a:p>
-  </c:txPr>
-  <c:externalData r:id="rId3">
+  <c:externalData r:id="rId1">
     <c:autoUpdate val="0"/>
   </c:externalData>
 </c:chartSpace>
@@ -2708,7 +2704,7 @@
           <a:p>
             <a:fld id="{4DC00536-3C86-400C-9F50-1275C6A29586}" type="datetimeFigureOut">
               <a:rPr lang="it-IT" smtClean="0"/>
-              <a:t>23/02/2015</a:t>
+              <a:t>23/02/15</a:t>
             </a:fld>
             <a:endParaRPr lang="it-IT"/>
           </a:p>
@@ -2867,7 +2863,7 @@
           <a:p>
             <a:fld id="{5D3BD91E-6CA1-409C-9187-4AB7B2A7EE76}" type="slidenum">
               <a:rPr lang="it-IT" smtClean="0"/>
-              <a:t>‹N›</a:t>
+              <a:t>‹n.›</a:t>
             </a:fld>
             <a:endParaRPr lang="it-IT"/>
           </a:p>
@@ -3191,7 +3187,7 @@
           <a:p>
             <a:fld id="{0809BC95-6AD5-4D34-9000-81E21223B4F6}" type="datetimeFigureOut">
               <a:rPr lang="it-IT" smtClean="0"/>
-              <a:t>23/02/2015</a:t>
+              <a:t>23/02/15</a:t>
             </a:fld>
             <a:endParaRPr lang="it-IT"/>
           </a:p>
@@ -3233,7 +3229,7 @@
           <a:p>
             <a:fld id="{7506457C-8D0E-4021-BB99-E24A507D8F57}" type="slidenum">
               <a:rPr lang="it-IT" smtClean="0"/>
-              <a:t>‹N›</a:t>
+              <a:t>‹n.›</a:t>
             </a:fld>
             <a:endParaRPr lang="it-IT"/>
           </a:p>
@@ -3369,7 +3365,7 @@
           <a:p>
             <a:fld id="{0809BC95-6AD5-4D34-9000-81E21223B4F6}" type="datetimeFigureOut">
               <a:rPr lang="it-IT" smtClean="0"/>
-              <a:t>23/02/2015</a:t>
+              <a:t>23/02/15</a:t>
             </a:fld>
             <a:endParaRPr lang="it-IT"/>
           </a:p>
@@ -3411,7 +3407,7 @@
           <a:p>
             <a:fld id="{7506457C-8D0E-4021-BB99-E24A507D8F57}" type="slidenum">
               <a:rPr lang="it-IT" smtClean="0"/>
-              <a:t>‹N›</a:t>
+              <a:t>‹n.›</a:t>
             </a:fld>
             <a:endParaRPr lang="it-IT"/>
           </a:p>
@@ -3557,7 +3553,7 @@
           <a:p>
             <a:fld id="{0809BC95-6AD5-4D34-9000-81E21223B4F6}" type="datetimeFigureOut">
               <a:rPr lang="it-IT" smtClean="0"/>
-              <a:t>23/02/2015</a:t>
+              <a:t>23/02/15</a:t>
             </a:fld>
             <a:endParaRPr lang="it-IT"/>
           </a:p>
@@ -3599,7 +3595,7 @@
           <a:p>
             <a:fld id="{7506457C-8D0E-4021-BB99-E24A507D8F57}" type="slidenum">
               <a:rPr lang="it-IT" smtClean="0"/>
-              <a:t>‹N›</a:t>
+              <a:t>‹n.›</a:t>
             </a:fld>
             <a:endParaRPr lang="it-IT"/>
           </a:p>
@@ -3735,7 +3731,7 @@
           <a:p>
             <a:fld id="{0809BC95-6AD5-4D34-9000-81E21223B4F6}" type="datetimeFigureOut">
               <a:rPr lang="it-IT" smtClean="0"/>
-              <a:t>23/02/2015</a:t>
+              <a:t>23/02/15</a:t>
             </a:fld>
             <a:endParaRPr lang="it-IT"/>
           </a:p>
@@ -3777,7 +3773,7 @@
           <a:p>
             <a:fld id="{7506457C-8D0E-4021-BB99-E24A507D8F57}" type="slidenum">
               <a:rPr lang="it-IT" smtClean="0"/>
-              <a:t>‹N›</a:t>
+              <a:t>‹n.›</a:t>
             </a:fld>
             <a:endParaRPr lang="it-IT"/>
           </a:p>
@@ -3989,7 +3985,7 @@
           <a:p>
             <a:fld id="{0809BC95-6AD5-4D34-9000-81E21223B4F6}" type="datetimeFigureOut">
               <a:rPr lang="it-IT" smtClean="0"/>
-              <a:t>23/02/2015</a:t>
+              <a:t>23/02/15</a:t>
             </a:fld>
             <a:endParaRPr lang="it-IT"/>
           </a:p>
@@ -4031,7 +4027,7 @@
           <a:p>
             <a:fld id="{7506457C-8D0E-4021-BB99-E24A507D8F57}" type="slidenum">
               <a:rPr lang="it-IT" smtClean="0"/>
-              <a:t>‹N›</a:t>
+              <a:t>‹n.›</a:t>
             </a:fld>
             <a:endParaRPr lang="it-IT"/>
           </a:p>
@@ -4229,7 +4225,7 @@
           <a:p>
             <a:fld id="{0809BC95-6AD5-4D34-9000-81E21223B4F6}" type="datetimeFigureOut">
               <a:rPr lang="it-IT" smtClean="0"/>
-              <a:t>23/02/2015</a:t>
+              <a:t>23/02/15</a:t>
             </a:fld>
             <a:endParaRPr lang="it-IT"/>
           </a:p>
@@ -4271,7 +4267,7 @@
           <a:p>
             <a:fld id="{7506457C-8D0E-4021-BB99-E24A507D8F57}" type="slidenum">
               <a:rPr lang="it-IT" smtClean="0"/>
-              <a:t>‹N›</a:t>
+              <a:t>‹n.›</a:t>
             </a:fld>
             <a:endParaRPr lang="it-IT"/>
           </a:p>
@@ -4604,7 +4600,7 @@
           <a:p>
             <a:fld id="{0809BC95-6AD5-4D34-9000-81E21223B4F6}" type="datetimeFigureOut">
               <a:rPr lang="it-IT" smtClean="0"/>
-              <a:t>23/02/2015</a:t>
+              <a:t>23/02/15</a:t>
             </a:fld>
             <a:endParaRPr lang="it-IT"/>
           </a:p>
@@ -4646,7 +4642,7 @@
           <a:p>
             <a:fld id="{7506457C-8D0E-4021-BB99-E24A507D8F57}" type="slidenum">
               <a:rPr lang="it-IT" smtClean="0"/>
-              <a:t>‹N›</a:t>
+              <a:t>‹n.›</a:t>
             </a:fld>
             <a:endParaRPr lang="it-IT"/>
           </a:p>
@@ -4730,7 +4726,7 @@
           <a:p>
             <a:fld id="{0809BC95-6AD5-4D34-9000-81E21223B4F6}" type="datetimeFigureOut">
               <a:rPr lang="it-IT" smtClean="0"/>
-              <a:t>23/02/2015</a:t>
+              <a:t>23/02/15</a:t>
             </a:fld>
             <a:endParaRPr lang="it-IT"/>
           </a:p>
@@ -4772,7 +4768,7 @@
           <a:p>
             <a:fld id="{7506457C-8D0E-4021-BB99-E24A507D8F57}" type="slidenum">
               <a:rPr lang="it-IT" smtClean="0"/>
-              <a:t>‹N›</a:t>
+              <a:t>‹n.›</a:t>
             </a:fld>
             <a:endParaRPr lang="it-IT"/>
           </a:p>
@@ -4833,7 +4829,7 @@
           <a:p>
             <a:fld id="{0809BC95-6AD5-4D34-9000-81E21223B4F6}" type="datetimeFigureOut">
               <a:rPr lang="it-IT" smtClean="0"/>
-              <a:t>23/02/2015</a:t>
+              <a:t>23/02/15</a:t>
             </a:fld>
             <a:endParaRPr lang="it-IT"/>
           </a:p>
@@ -4875,7 +4871,7 @@
           <a:p>
             <a:fld id="{7506457C-8D0E-4021-BB99-E24A507D8F57}" type="slidenum">
               <a:rPr lang="it-IT" smtClean="0"/>
-              <a:t>‹N›</a:t>
+              <a:t>‹n.›</a:t>
             </a:fld>
             <a:endParaRPr lang="it-IT"/>
           </a:p>
@@ -5118,7 +5114,7 @@
           <a:p>
             <a:fld id="{0809BC95-6AD5-4D34-9000-81E21223B4F6}" type="datetimeFigureOut">
               <a:rPr lang="it-IT" smtClean="0"/>
-              <a:t>23/02/2015</a:t>
+              <a:t>23/02/15</a:t>
             </a:fld>
             <a:endParaRPr lang="it-IT"/>
           </a:p>
@@ -5160,7 +5156,7 @@
           <a:p>
             <a:fld id="{7506457C-8D0E-4021-BB99-E24A507D8F57}" type="slidenum">
               <a:rPr lang="it-IT" smtClean="0"/>
-              <a:t>‹N›</a:t>
+              <a:t>‹n.›</a:t>
             </a:fld>
             <a:endParaRPr lang="it-IT"/>
           </a:p>
@@ -5379,7 +5375,7 @@
           <a:p>
             <a:fld id="{0809BC95-6AD5-4D34-9000-81E21223B4F6}" type="datetimeFigureOut">
               <a:rPr lang="it-IT" smtClean="0"/>
-              <a:t>23/02/2015</a:t>
+              <a:t>23/02/15</a:t>
             </a:fld>
             <a:endParaRPr lang="it-IT"/>
           </a:p>
@@ -5421,7 +5417,7 @@
           <a:p>
             <a:fld id="{7506457C-8D0E-4021-BB99-E24A507D8F57}" type="slidenum">
               <a:rPr lang="it-IT" smtClean="0"/>
-              <a:t>‹N›</a:t>
+              <a:t>‹n.›</a:t>
             </a:fld>
             <a:endParaRPr lang="it-IT"/>
           </a:p>
@@ -5600,7 +5596,7 @@
           <a:p>
             <a:fld id="{0809BC95-6AD5-4D34-9000-81E21223B4F6}" type="datetimeFigureOut">
               <a:rPr lang="it-IT" smtClean="0"/>
-              <a:t>23/02/2015</a:t>
+              <a:t>23/02/15</a:t>
             </a:fld>
             <a:endParaRPr lang="it-IT"/>
           </a:p>
@@ -5678,7 +5674,7 @@
           <a:p>
             <a:fld id="{7506457C-8D0E-4021-BB99-E24A507D8F57}" type="slidenum">
               <a:rPr lang="it-IT" smtClean="0"/>
-              <a:t>‹N›</a:t>
+              <a:t>‹n.›</a:t>
             </a:fld>
             <a:endParaRPr lang="it-IT"/>
           </a:p>
@@ -6321,7 +6317,7 @@
   <p:timing>
     <p:tnLst>
       <p:par>
-        <p:cTn id="1" dur="indefinite" restart="never" nodeType="tmRoot"/>
+        <p:cTn xmlns:p14="http://schemas.microsoft.com/office/powerpoint/2010/main" id="1" dur="indefinite" restart="never" nodeType="tmRoot"/>
       </p:par>
     </p:tnLst>
   </p:timing>
@@ -6720,7 +6716,7 @@
   <p:timing>
     <p:tnLst>
       <p:par>
-        <p:cTn id="1" dur="indefinite" restart="never" nodeType="tmRoot"/>
+        <p:cTn xmlns:p14="http://schemas.microsoft.com/office/powerpoint/2010/main" id="1" dur="indefinite" restart="never" nodeType="tmRoot"/>
       </p:par>
     </p:tnLst>
   </p:timing>
@@ -6877,47 +6873,7 @@
                 <a:latin typeface="+mj-lt"/>
                 <a:cs typeface="Arial" charset="0"/>
               </a:rPr>
-              <a:t>La trasmissione di DI avviene tramite sensori </a:t>
-            </a:r>
-            <a:r>
-              <a:rPr lang="it-IT" sz="3200" spc="-100" dirty="0" smtClean="0">
-                <a:ln w="3175">
-                  <a:noFill/>
-                </a:ln>
-                <a:latin typeface="+mj-lt"/>
-                <a:cs typeface="Arial" charset="0"/>
-              </a:rPr>
-              <a:t>idrometrici </a:t>
-            </a:r>
-            <a:r>
-              <a:rPr lang="it-IT" sz="3200" spc="-100" dirty="0" smtClean="0">
-                <a:ln w="3175">
-                  <a:noFill/>
-                </a:ln>
-                <a:latin typeface="+mj-lt"/>
-                <a:cs typeface="Arial" charset="0"/>
-              </a:rPr>
-              <a:t>dotati di modulo GPRS </a:t>
-            </a:r>
-            <a:r>
-              <a:rPr lang="it-IT" sz="3200" spc="-100" dirty="0" smtClean="0">
-                <a:ln w="3175">
-                  <a:noFill/>
-                </a:ln>
-                <a:latin typeface="+mj-lt"/>
-                <a:cs typeface="Arial" charset="0"/>
-              </a:rPr>
-              <a:t>(con output </a:t>
-            </a:r>
-            <a:r>
-              <a:rPr lang="it-IT" sz="3200" spc="-100" dirty="0" smtClean="0">
-                <a:ln w="3175">
-                  <a:noFill/>
-                </a:ln>
-                <a:latin typeface="+mj-lt"/>
-                <a:cs typeface="Arial" charset="0"/>
-              </a:rPr>
-              <a:t>digitale) </a:t>
+              <a:t>La trasmissione di DI avviene tramite sensori idrometrici dotati di modulo GPRS (con output digitale) </a:t>
             </a:r>
             <a:endParaRPr lang="it-IT" sz="3200" spc="-100" dirty="0">
               <a:ln w="3175">
@@ -7166,7 +7122,7 @@
   <p:timing>
     <p:tnLst>
       <p:par>
-        <p:cTn id="1" dur="indefinite" restart="never" nodeType="tmRoot"/>
+        <p:cTn xmlns:p14="http://schemas.microsoft.com/office/powerpoint/2010/main" id="1" dur="indefinite" restart="never" nodeType="tmRoot"/>
       </p:par>
     </p:tnLst>
   </p:timing>
@@ -7637,20 +7593,7 @@
                 <a:latin typeface="+mj-lt"/>
                 <a:cs typeface="Arial" charset="0"/>
               </a:rPr>
-              <a:t>Assunzioni </a:t>
-            </a:r>
-            <a:r>
-              <a:rPr lang="it-IT" sz="3000" b="1" spc="-100" dirty="0" smtClean="0">
-                <a:ln w="3175">
-                  <a:noFill/>
-                </a:ln>
-                <a:solidFill>
-                  <a:srgbClr val="0072C6"/>
-                </a:solidFill>
-                <a:latin typeface="+mj-lt"/>
-                <a:cs typeface="Arial" charset="0"/>
-              </a:rPr>
-              <a:t>-5</a:t>
+              <a:t>Assunzioni -5</a:t>
             </a:r>
             <a:endParaRPr lang="it-IT" sz="3000" b="1" spc="-100" dirty="0">
               <a:ln w="3175">
@@ -7675,18 +7618,18 @@
   <p:clrMapOvr>
     <a:masterClrMapping/>
   </p:clrMapOvr>
-  <mc:AlternateContent xmlns:mc="http://schemas.openxmlformats.org/markup-compatibility/2006">
-    <mc:Choice xmlns:p14="http://schemas.microsoft.com/office/powerpoint/2010/main" Requires="p14">
+  <mc:AlternateContent xmlns:mc="http://schemas.openxmlformats.org/markup-compatibility/2006" xmlns:p14="http://schemas.microsoft.com/office/powerpoint/2010/main">
+    <mc:Choice Requires="p14">
       <p:transition p14:dur="10"/>
     </mc:Choice>
-    <mc:Fallback>
+    <mc:Fallback xmlns="">
       <p:transition/>
     </mc:Fallback>
   </mc:AlternateContent>
   <p:timing>
     <p:tnLst>
       <p:par>
-        <p:cTn id="1" dur="indefinite" restart="never" nodeType="tmRoot"/>
+        <p:cTn xmlns:p14="http://schemas.microsoft.com/office/powerpoint/2010/main" id="1" dur="indefinite" restart="never" nodeType="tmRoot"/>
       </p:par>
     </p:tnLst>
   </p:timing>
@@ -8028,7 +7971,7 @@
   <p:timing>
     <p:tnLst>
       <p:par>
-        <p:cTn id="1" dur="indefinite" restart="never" nodeType="tmRoot"/>
+        <p:cTn xmlns:p14="http://schemas.microsoft.com/office/powerpoint/2010/main" id="1" dur="indefinite" restart="never" nodeType="tmRoot"/>
       </p:par>
     </p:tnLst>
   </p:timing>
@@ -8304,17 +8247,7 @@
                 <a:latin typeface="+mj-lt"/>
                 <a:cs typeface="Arial" charset="0"/>
               </a:rPr>
-              <a:t>Il sistema permette all</a:t>
-            </a:r>
-            <a:r>
-              <a:rPr lang="it-IT" sz="2800" spc="-100" dirty="0" smtClean="0">
-                <a:ln w="3175">
-                  <a:noFill/>
-                </a:ln>
-                <a:latin typeface="+mj-lt"/>
-                <a:cs typeface="Arial" charset="0"/>
-              </a:rPr>
-              <a:t>’operatore del centro di supervisione di pianificare gli </a:t>
+              <a:t>Il sistema permette all’operatore del centro di supervisione di pianificare gli </a:t>
             </a:r>
             <a:r>
               <a:rPr lang="it-IT" sz="2800" spc="-100" dirty="0">
@@ -8562,7 +8495,7 @@
   <p:timing>
     <p:tnLst>
       <p:par>
-        <p:cTn id="1" dur="indefinite" restart="never" nodeType="tmRoot"/>
+        <p:cTn xmlns:p14="http://schemas.microsoft.com/office/powerpoint/2010/main" id="1" dur="indefinite" restart="never" nodeType="tmRoot"/>
       </p:par>
     </p:tnLst>
   </p:timing>
@@ -8957,7 +8890,7 @@
   <p:timing>
     <p:tnLst>
       <p:par>
-        <p:cTn id="1" dur="indefinite" restart="never" nodeType="tmRoot"/>
+        <p:cTn xmlns:p14="http://schemas.microsoft.com/office/powerpoint/2010/main" id="1" dur="indefinite" restart="never" nodeType="tmRoot"/>
       </p:par>
     </p:tnLst>
   </p:timing>
@@ -9180,17 +9113,7 @@
                 <a:latin typeface="+mj-lt"/>
                 <a:cs typeface="Arial" charset="0"/>
               </a:rPr>
-              <a:t>Il sistema deve essere disponibile </a:t>
-            </a:r>
-            <a:r>
-              <a:rPr lang="it-IT" sz="2800" spc="-100" dirty="0" smtClean="0">
-                <a:ln w="3175">
-                  <a:noFill/>
-                </a:ln>
-                <a:latin typeface="+mj-lt"/>
-                <a:cs typeface="Arial" charset="0"/>
-              </a:rPr>
-              <a:t>h24</a:t>
+              <a:t>Il sistema deve essere disponibile h24</a:t>
             </a:r>
           </a:p>
           <a:p>
@@ -9356,7 +9279,7 @@
   <p:timing>
     <p:tnLst>
       <p:par>
-        <p:cTn id="1" dur="indefinite" restart="never" nodeType="tmRoot"/>
+        <p:cTn xmlns:p14="http://schemas.microsoft.com/office/powerpoint/2010/main" id="1" dur="indefinite" restart="never" nodeType="tmRoot"/>
       </p:par>
     </p:tnLst>
   </p:timing>
@@ -10104,7 +10027,7 @@
   <p:timing>
     <p:tnLst>
       <p:par>
-        <p:cTn id="1" dur="indefinite" restart="never" nodeType="tmRoot"/>
+        <p:cTn xmlns:p14="http://schemas.microsoft.com/office/powerpoint/2010/main" id="1" dur="indefinite" restart="never" nodeType="tmRoot"/>
       </p:par>
     </p:tnLst>
   </p:timing>
@@ -10337,7 +10260,7 @@
   <p:timing>
     <p:tnLst>
       <p:par>
-        <p:cTn id="1" dur="indefinite" restart="never" nodeType="tmRoot"/>
+        <p:cTn xmlns:p14="http://schemas.microsoft.com/office/powerpoint/2010/main" id="1" dur="indefinite" restart="never" nodeType="tmRoot"/>
       </p:par>
     </p:tnLst>
   </p:timing>
@@ -10570,7 +10493,7 @@
   <p:timing>
     <p:tnLst>
       <p:par>
-        <p:cTn id="1" dur="indefinite" restart="never" nodeType="tmRoot"/>
+        <p:cTn xmlns:p14="http://schemas.microsoft.com/office/powerpoint/2010/main" id="1" dur="indefinite" restart="never" nodeType="tmRoot"/>
       </p:par>
     </p:tnLst>
   </p:timing>
@@ -10830,7 +10753,7 @@
   <p:timing>
     <p:tnLst>
       <p:par>
-        <p:cTn id="1" dur="indefinite" restart="never" nodeType="tmRoot"/>
+        <p:cTn xmlns:p14="http://schemas.microsoft.com/office/powerpoint/2010/main" id="1" dur="indefinite" restart="never" nodeType="tmRoot"/>
       </p:par>
     </p:tnLst>
   </p:timing>
@@ -11062,7 +10985,7 @@
   <p:timing>
     <p:tnLst>
       <p:par>
-        <p:cTn id="1" dur="indefinite" restart="never" nodeType="tmRoot"/>
+        <p:cTn xmlns:p14="http://schemas.microsoft.com/office/powerpoint/2010/main" id="1" dur="indefinite" restart="never" nodeType="tmRoot"/>
       </p:par>
     </p:tnLst>
   </p:timing>
@@ -11294,7 +11217,7 @@
   <p:timing>
     <p:tnLst>
       <p:par>
-        <p:cTn id="1" dur="indefinite" restart="never" nodeType="tmRoot"/>
+        <p:cTn xmlns:p14="http://schemas.microsoft.com/office/powerpoint/2010/main" id="1" dur="indefinite" restart="never" nodeType="tmRoot"/>
       </p:par>
     </p:tnLst>
   </p:timing>
@@ -11497,7 +11420,7 @@
   <p:timing>
     <p:tnLst>
       <p:par>
-        <p:cTn id="1" dur="indefinite" restart="never" nodeType="tmRoot"/>
+        <p:cTn xmlns:p14="http://schemas.microsoft.com/office/powerpoint/2010/main" id="1" dur="indefinite" restart="never" nodeType="tmRoot"/>
       </p:par>
     </p:tnLst>
   </p:timing>
@@ -11700,7 +11623,7 @@
   <p:timing>
     <p:tnLst>
       <p:par>
-        <p:cTn id="1" dur="indefinite" restart="never" nodeType="tmRoot"/>
+        <p:cTn xmlns:p14="http://schemas.microsoft.com/office/powerpoint/2010/main" id="1" dur="indefinite" restart="never" nodeType="tmRoot"/>
       </p:par>
     </p:tnLst>
   </p:timing>
@@ -11903,7 +11826,7 @@
   <p:timing>
     <p:tnLst>
       <p:par>
-        <p:cTn id="1" dur="indefinite" restart="never" nodeType="tmRoot"/>
+        <p:cTn xmlns:p14="http://schemas.microsoft.com/office/powerpoint/2010/main" id="1" dur="indefinite" restart="never" nodeType="tmRoot"/>
       </p:par>
     </p:tnLst>
   </p:timing>
@@ -12106,7 +12029,7 @@
   <p:timing>
     <p:tnLst>
       <p:par>
-        <p:cTn id="1" dur="indefinite" restart="never" nodeType="tmRoot"/>
+        <p:cTn xmlns:p14="http://schemas.microsoft.com/office/powerpoint/2010/main" id="1" dur="indefinite" restart="never" nodeType="tmRoot"/>
       </p:par>
     </p:tnLst>
   </p:timing>
@@ -12309,7 +12232,7 @@
   <p:timing>
     <p:tnLst>
       <p:par>
-        <p:cTn id="1" dur="indefinite" restart="never" nodeType="tmRoot"/>
+        <p:cTn xmlns:p14="http://schemas.microsoft.com/office/powerpoint/2010/main" id="1" dur="indefinite" restart="never" nodeType="tmRoot"/>
       </p:par>
     </p:tnLst>
   </p:timing>
@@ -12512,7 +12435,7 @@
   <p:timing>
     <p:tnLst>
       <p:par>
-        <p:cTn id="1" dur="indefinite" restart="never" nodeType="tmRoot"/>
+        <p:cTn xmlns:p14="http://schemas.microsoft.com/office/powerpoint/2010/main" id="1" dur="indefinite" restart="never" nodeType="tmRoot"/>
       </p:par>
     </p:tnLst>
   </p:timing>
@@ -12681,7 +12604,7 @@
                 <a:latin typeface="+mj-lt"/>
                 <a:cs typeface="Arial" charset="0"/>
               </a:rPr>
-              <a:t>diagram</a:t>
+              <a:t>diagrams</a:t>
             </a:r>
             <a:r>
               <a:rPr lang="it-IT" sz="4400" b="1" spc="-100" dirty="0" smtClean="0">
@@ -12694,7 +12617,20 @@
                 <a:latin typeface="+mj-lt"/>
                 <a:cs typeface="Arial" charset="0"/>
               </a:rPr>
-              <a:t>– Aggiorna storico</a:t>
+              <a:t> – </a:t>
+            </a:r>
+            <a:r>
+              <a:rPr lang="it-IT" sz="4400" b="1" spc="-100" dirty="0" smtClean="0">
+                <a:ln w="3175">
+                  <a:noFill/>
+                </a:ln>
+                <a:solidFill>
+                  <a:srgbClr val="0072C6"/>
+                </a:solidFill>
+                <a:latin typeface="+mj-lt"/>
+                <a:cs typeface="Arial" charset="0"/>
+              </a:rPr>
+              <a:t>Aggiorna storico</a:t>
             </a:r>
             <a:endParaRPr lang="it-IT" sz="4400" b="1" spc="-100" dirty="0">
               <a:ln w="3175">
@@ -12733,36 +12669,6 @@
           </a:p>
         </p:txBody>
       </p:sp>
-      <p:pic>
-        <p:nvPicPr>
-          <p:cNvPr id="2" name="Immagine 1" descr="Schermata 2015-02-19 alle 15.29.04.png"/>
-          <p:cNvPicPr>
-            <a:picLocks noChangeAspect="1"/>
-          </p:cNvPicPr>
-          <p:nvPr/>
-        </p:nvPicPr>
-        <p:blipFill>
-          <a:blip r:embed="rId2">
-            <a:extLst>
-              <a:ext uri="{28A0092B-C50C-407E-A947-70E740481C1C}">
-                <a14:useLocalDpi xmlns:a14="http://schemas.microsoft.com/office/drawing/2010/main" val="0"/>
-              </a:ext>
-            </a:extLst>
-          </a:blip>
-          <a:stretch>
-            <a:fillRect/>
-          </a:stretch>
-        </p:blipFill>
-        <p:spPr>
-          <a:xfrm>
-            <a:off x="1312730" y="996394"/>
-            <a:ext cx="9484067" cy="5525500"/>
-          </a:xfrm>
-          <a:prstGeom prst="rect">
-            <a:avLst/>
-          </a:prstGeom>
-        </p:spPr>
-      </p:pic>
     </p:spTree>
     <p:extLst>
       <p:ext uri="{BB962C8B-B14F-4D97-AF65-F5344CB8AC3E}">
@@ -12784,7 +12690,7 @@
   <p:timing>
     <p:tnLst>
       <p:par>
-        <p:cTn id="1" dur="indefinite" restart="never" nodeType="tmRoot"/>
+        <p:cTn xmlns:p14="http://schemas.microsoft.com/office/powerpoint/2010/main" id="1" dur="indefinite" restart="never" nodeType="tmRoot"/>
       </p:par>
     </p:tnLst>
   </p:timing>
@@ -12953,7 +12859,7 @@
                 <a:latin typeface="+mj-lt"/>
                 <a:cs typeface="Arial" charset="0"/>
               </a:rPr>
-              <a:t>diagram</a:t>
+              <a:t>diagrams</a:t>
             </a:r>
             <a:r>
               <a:rPr lang="it-IT" sz="4400" b="1" spc="-100" dirty="0" smtClean="0">
@@ -12966,7 +12872,20 @@
                 <a:latin typeface="+mj-lt"/>
                 <a:cs typeface="Arial" charset="0"/>
               </a:rPr>
-              <a:t>– Identifica SEP</a:t>
+              <a:t> – </a:t>
+            </a:r>
+            <a:r>
+              <a:rPr lang="it-IT" sz="4400" b="1" spc="-100" dirty="0" smtClean="0">
+                <a:ln w="3175">
+                  <a:noFill/>
+                </a:ln>
+                <a:solidFill>
+                  <a:srgbClr val="0072C6"/>
+                </a:solidFill>
+                <a:latin typeface="+mj-lt"/>
+                <a:cs typeface="Arial" charset="0"/>
+              </a:rPr>
+              <a:t>Identifica SEP</a:t>
             </a:r>
             <a:endParaRPr lang="it-IT" sz="4400" b="1" spc="-100" dirty="0">
               <a:ln w="3175">
@@ -13056,7 +12975,7 @@
   <p:timing>
     <p:tnLst>
       <p:par>
-        <p:cTn id="1" dur="indefinite" restart="never" nodeType="tmRoot"/>
+        <p:cTn xmlns:p14="http://schemas.microsoft.com/office/powerpoint/2010/main" id="1" dur="indefinite" restart="never" nodeType="tmRoot"/>
       </p:par>
     </p:tnLst>
   </p:timing>
@@ -13274,17 +13193,7 @@
                 <a:latin typeface="+mj-lt"/>
                 <a:cs typeface="Arial" charset="0"/>
               </a:rPr>
-              <a:t>L’acquisizione </a:t>
-            </a:r>
-            <a:r>
-              <a:rPr lang="it-IT" sz="3200" spc="-100" dirty="0" smtClean="0">
-                <a:ln w="3175">
-                  <a:noFill/>
-                </a:ln>
-                <a:latin typeface="+mj-lt"/>
-                <a:cs typeface="Arial" charset="0"/>
-              </a:rPr>
-              <a:t>di segnalazioni </a:t>
+              <a:t>L’acquisizione di segnalazioni </a:t>
             </a:r>
             <a:r>
               <a:rPr lang="it-IT" sz="3200" spc="-100" dirty="0">
@@ -13323,17 +13232,7 @@
                 <a:latin typeface="+mj-lt"/>
                 <a:cs typeface="Arial" charset="0"/>
               </a:rPr>
-              <a:t>L’identificazione </a:t>
-            </a:r>
-            <a:r>
-              <a:rPr lang="it-IT" sz="3200" spc="-100" dirty="0" smtClean="0">
-                <a:ln w="3175">
-                  <a:noFill/>
-                </a:ln>
-                <a:latin typeface="+mj-lt"/>
-                <a:cs typeface="Arial" charset="0"/>
-              </a:rPr>
-              <a:t>di situazioni </a:t>
+              <a:t>L’identificazione di situazioni </a:t>
             </a:r>
             <a:r>
               <a:rPr lang="it-IT" sz="3200" spc="-100" dirty="0">
@@ -13435,7 +13334,7 @@
   <p:timing>
     <p:tnLst>
       <p:par>
-        <p:cTn id="1" dur="indefinite" restart="never" nodeType="tmRoot"/>
+        <p:cTn xmlns:p14="http://schemas.microsoft.com/office/powerpoint/2010/main" id="1" dur="indefinite" restart="never" nodeType="tmRoot"/>
       </p:par>
     </p:tnLst>
   </p:timing>
@@ -13554,7 +13453,7 @@
         <p:spPr>
           <a:xfrm>
             <a:off x="415529" y="314326"/>
-            <a:ext cx="11613357" cy="1692771"/>
+            <a:ext cx="11613357" cy="2369880"/>
           </a:xfrm>
           <a:prstGeom prst="rect">
             <a:avLst/>
@@ -13604,7 +13503,7 @@
                 <a:latin typeface="+mj-lt"/>
                 <a:cs typeface="Arial" charset="0"/>
               </a:rPr>
-              <a:t>diagram</a:t>
+              <a:t>diagrams</a:t>
             </a:r>
             <a:r>
               <a:rPr lang="it-IT" sz="4400" b="1" spc="-100" dirty="0" smtClean="0">
@@ -13617,7 +13516,20 @@
                 <a:latin typeface="+mj-lt"/>
                 <a:cs typeface="Arial" charset="0"/>
               </a:rPr>
-              <a:t>– Pianifica spostamento squadre e.</a:t>
+              <a:t> – </a:t>
+            </a:r>
+            <a:r>
+              <a:rPr lang="it-IT" sz="4400" b="1" spc="-100" dirty="0" smtClean="0">
+                <a:ln w="3175">
+                  <a:noFill/>
+                </a:ln>
+                <a:solidFill>
+                  <a:srgbClr val="0072C6"/>
+                </a:solidFill>
+                <a:latin typeface="+mj-lt"/>
+                <a:cs typeface="Arial" charset="0"/>
+              </a:rPr>
+              <a:t>Pianifica spostamento squadre e.</a:t>
             </a:r>
             <a:endParaRPr lang="it-IT" sz="4400" b="1" spc="-100" dirty="0">
               <a:ln w="3175">
@@ -13656,36 +13568,6 @@
           </a:p>
         </p:txBody>
       </p:sp>
-      <p:pic>
-        <p:nvPicPr>
-          <p:cNvPr id="6" name="Immagine 5" descr="Schermata 2015-02-19 alle 16.09.36.png"/>
-          <p:cNvPicPr>
-            <a:picLocks noChangeAspect="1"/>
-          </p:cNvPicPr>
-          <p:nvPr/>
-        </p:nvPicPr>
-        <p:blipFill>
-          <a:blip r:embed="rId2">
-            <a:extLst>
-              <a:ext uri="{28A0092B-C50C-407E-A947-70E740481C1C}">
-                <a14:useLocalDpi xmlns:a14="http://schemas.microsoft.com/office/drawing/2010/main" val="0"/>
-              </a:ext>
-            </a:extLst>
-          </a:blip>
-          <a:stretch>
-            <a:fillRect/>
-          </a:stretch>
-        </p:blipFill>
-        <p:spPr>
-          <a:xfrm>
-            <a:off x="0" y="1075541"/>
-            <a:ext cx="12192000" cy="5387163"/>
-          </a:xfrm>
-          <a:prstGeom prst="rect">
-            <a:avLst/>
-          </a:prstGeom>
-        </p:spPr>
-      </p:pic>
     </p:spTree>
     <p:extLst>
       <p:ext uri="{BB962C8B-B14F-4D97-AF65-F5344CB8AC3E}">
@@ -13707,7 +13589,7 @@
   <p:timing>
     <p:tnLst>
       <p:par>
-        <p:cTn id="1" dur="indefinite" restart="never" nodeType="tmRoot"/>
+        <p:cTn xmlns:p14="http://schemas.microsoft.com/office/powerpoint/2010/main" id="1" dur="indefinite" restart="never" nodeType="tmRoot"/>
       </p:par>
     </p:tnLst>
   </p:timing>
@@ -13876,7 +13758,7 @@
                 <a:latin typeface="+mj-lt"/>
                 <a:cs typeface="Arial" charset="0"/>
               </a:rPr>
-              <a:t>diagram</a:t>
+              <a:t>diagrams</a:t>
             </a:r>
             <a:r>
               <a:rPr lang="it-IT" sz="4400" b="1" spc="-100" dirty="0" smtClean="0">
@@ -13889,7 +13771,20 @@
                 <a:latin typeface="+mj-lt"/>
                 <a:cs typeface="Arial" charset="0"/>
               </a:rPr>
-              <a:t>– Gestisci SEG</a:t>
+              <a:t> – </a:t>
+            </a:r>
+            <a:r>
+              <a:rPr lang="it-IT" sz="4400" b="1" spc="-100" dirty="0" smtClean="0">
+                <a:ln w="3175">
+                  <a:noFill/>
+                </a:ln>
+                <a:solidFill>
+                  <a:srgbClr val="0072C6"/>
+                </a:solidFill>
+                <a:latin typeface="+mj-lt"/>
+                <a:cs typeface="Arial" charset="0"/>
+              </a:rPr>
+              <a:t>Gestisci SEG</a:t>
             </a:r>
             <a:endParaRPr lang="it-IT" sz="4400" b="1" spc="-100" dirty="0">
               <a:ln w="3175">
@@ -13928,36 +13823,6 @@
           </a:p>
         </p:txBody>
       </p:sp>
-      <p:pic>
-        <p:nvPicPr>
-          <p:cNvPr id="3" name="Immagine 2" descr="Schermata 2015-02-19 alle 15.33.34.png"/>
-          <p:cNvPicPr>
-            <a:picLocks noChangeAspect="1"/>
-          </p:cNvPicPr>
-          <p:nvPr/>
-        </p:nvPicPr>
-        <p:blipFill>
-          <a:blip r:embed="rId2">
-            <a:extLst>
-              <a:ext uri="{28A0092B-C50C-407E-A947-70E740481C1C}">
-                <a14:useLocalDpi xmlns:a14="http://schemas.microsoft.com/office/drawing/2010/main" val="0"/>
-              </a:ext>
-            </a:extLst>
-          </a:blip>
-          <a:stretch>
-            <a:fillRect/>
-          </a:stretch>
-        </p:blipFill>
-        <p:spPr>
-          <a:xfrm>
-            <a:off x="0" y="1018856"/>
-            <a:ext cx="12192000" cy="5507327"/>
-          </a:xfrm>
-          <a:prstGeom prst="rect">
-            <a:avLst/>
-          </a:prstGeom>
-        </p:spPr>
-      </p:pic>
     </p:spTree>
     <p:extLst>
       <p:ext uri="{BB962C8B-B14F-4D97-AF65-F5344CB8AC3E}">
@@ -13979,7 +13844,7 @@
   <p:timing>
     <p:tnLst>
       <p:par>
-        <p:cTn id="1" dur="indefinite" restart="never" nodeType="tmRoot"/>
+        <p:cTn xmlns:p14="http://schemas.microsoft.com/office/powerpoint/2010/main" id="1" dur="indefinite" restart="never" nodeType="tmRoot"/>
       </p:par>
     </p:tnLst>
   </p:timing>
@@ -14148,7 +14013,7 @@
                 <a:latin typeface="+mj-lt"/>
                 <a:cs typeface="Arial" charset="0"/>
               </a:rPr>
-              <a:t>diagram</a:t>
+              <a:t>diagrams</a:t>
             </a:r>
             <a:r>
               <a:rPr lang="it-IT" sz="4400" b="1" spc="-100" dirty="0" smtClean="0">
@@ -14161,7 +14026,20 @@
                 <a:latin typeface="+mj-lt"/>
                 <a:cs typeface="Arial" charset="0"/>
               </a:rPr>
-              <a:t>– visualizza dati sintetici </a:t>
+              <a:t> – </a:t>
+            </a:r>
+            <a:r>
+              <a:rPr lang="it-IT" sz="4400" b="1" spc="-100" dirty="0" smtClean="0">
+                <a:ln w="3175">
+                  <a:noFill/>
+                </a:ln>
+                <a:solidFill>
+                  <a:srgbClr val="0072C6"/>
+                </a:solidFill>
+                <a:latin typeface="+mj-lt"/>
+                <a:cs typeface="Arial" charset="0"/>
+              </a:rPr>
+              <a:t>visualizza dati sintetici </a:t>
             </a:r>
             <a:endParaRPr lang="it-IT" sz="4400" b="1" spc="-100" dirty="0">
               <a:ln w="3175">
@@ -14200,35 +14078,6 @@
           </a:p>
         </p:txBody>
       </p:sp>
-      <p:pic>
-        <p:nvPicPr>
-          <p:cNvPr id="2" name="Immagine 1" descr="Schermata 2015-02-19 alle 15.34.37.png"/>
-          <p:cNvPicPr>
-            <a:picLocks noChangeAspect="1"/>
-          </p:cNvPicPr>
-          <p:nvPr/>
-        </p:nvPicPr>
-        <p:blipFill rotWithShape="1">
-          <a:blip r:embed="rId2">
-            <a:extLst>
-              <a:ext uri="{28A0092B-C50C-407E-A947-70E740481C1C}">
-                <a14:useLocalDpi xmlns:a14="http://schemas.microsoft.com/office/drawing/2010/main" val="0"/>
-              </a:ext>
-            </a:extLst>
-          </a:blip>
-          <a:srcRect l="1695" r="662"/>
-          <a:stretch/>
-        </p:blipFill>
-        <p:spPr>
-          <a:xfrm>
-            <a:off x="109728" y="1483648"/>
-            <a:ext cx="11935968" cy="4337097"/>
-          </a:xfrm>
-          <a:prstGeom prst="rect">
-            <a:avLst/>
-          </a:prstGeom>
-        </p:spPr>
-      </p:pic>
     </p:spTree>
     <p:extLst>
       <p:ext uri="{BB962C8B-B14F-4D97-AF65-F5344CB8AC3E}">
@@ -14250,7 +14099,7 @@
   <p:timing>
     <p:tnLst>
       <p:par>
-        <p:cTn id="1" dur="indefinite" restart="never" nodeType="tmRoot"/>
+        <p:cTn xmlns:p14="http://schemas.microsoft.com/office/powerpoint/2010/main" id="1" dur="indefinite" restart="never" nodeType="tmRoot"/>
       </p:par>
     </p:tnLst>
   </p:timing>
@@ -14419,7 +14268,7 @@
                 <a:latin typeface="+mj-lt"/>
                 <a:cs typeface="Arial" charset="0"/>
               </a:rPr>
-              <a:t>diagram</a:t>
+              <a:t>diagrams</a:t>
             </a:r>
             <a:r>
               <a:rPr lang="it-IT" sz="4400" b="1" spc="-100" dirty="0" smtClean="0">
@@ -14432,7 +14281,20 @@
                 <a:latin typeface="+mj-lt"/>
                 <a:cs typeface="Arial" charset="0"/>
               </a:rPr>
-              <a:t>– visualizza dati dettagliati </a:t>
+              <a:t> – </a:t>
+            </a:r>
+            <a:r>
+              <a:rPr lang="it-IT" sz="4400" b="1" spc="-100" dirty="0" smtClean="0">
+                <a:ln w="3175">
+                  <a:noFill/>
+                </a:ln>
+                <a:solidFill>
+                  <a:srgbClr val="0072C6"/>
+                </a:solidFill>
+                <a:latin typeface="+mj-lt"/>
+                <a:cs typeface="Arial" charset="0"/>
+              </a:rPr>
+              <a:t>visualizza dati dettagliati </a:t>
             </a:r>
             <a:endParaRPr lang="it-IT" sz="4400" b="1" spc="-100" dirty="0">
               <a:ln w="3175">
@@ -14471,36 +14333,6 @@
           </a:p>
         </p:txBody>
       </p:sp>
-      <p:pic>
-        <p:nvPicPr>
-          <p:cNvPr id="3" name="Immagine 2" descr="Schermata 2015-02-19 alle 15.34.47.png"/>
-          <p:cNvPicPr>
-            <a:picLocks noChangeAspect="1"/>
-          </p:cNvPicPr>
-          <p:nvPr/>
-        </p:nvPicPr>
-        <p:blipFill>
-          <a:blip r:embed="rId2">
-            <a:extLst>
-              <a:ext uri="{28A0092B-C50C-407E-A947-70E740481C1C}">
-                <a14:useLocalDpi xmlns:a14="http://schemas.microsoft.com/office/drawing/2010/main" val="0"/>
-              </a:ext>
-            </a:extLst>
-          </a:blip>
-          <a:stretch>
-            <a:fillRect/>
-          </a:stretch>
-        </p:blipFill>
-        <p:spPr>
-          <a:xfrm>
-            <a:off x="0" y="1327264"/>
-            <a:ext cx="12192000" cy="4336486"/>
-          </a:xfrm>
-          <a:prstGeom prst="rect">
-            <a:avLst/>
-          </a:prstGeom>
-        </p:spPr>
-      </p:pic>
     </p:spTree>
     <p:extLst>
       <p:ext uri="{BB962C8B-B14F-4D97-AF65-F5344CB8AC3E}">
@@ -14522,7 +14354,7 @@
   <p:timing>
     <p:tnLst>
       <p:par>
-        <p:cTn id="1" dur="indefinite" restart="never" nodeType="tmRoot"/>
+        <p:cTn xmlns:p14="http://schemas.microsoft.com/office/powerpoint/2010/main" id="1" dur="indefinite" restart="never" nodeType="tmRoot"/>
       </p:par>
     </p:tnLst>
   </p:timing>
@@ -14641,6 +14473,2282 @@
         <p:spPr>
           <a:xfrm>
             <a:off x="415529" y="314326"/>
+            <a:ext cx="11613357" cy="1631216"/>
+          </a:xfrm>
+          <a:prstGeom prst="rect">
+            <a:avLst/>
+          </a:prstGeom>
+          <a:noFill/>
+        </p:spPr>
+        <p:txBody>
+          <a:bodyPr wrap="square" rtlCol="0">
+            <a:spAutoFit/>
+          </a:bodyPr>
+          <a:lstStyle/>
+          <a:p>
+            <a:r>
+              <a:rPr lang="it-IT" sz="4000" b="1" spc="-100" dirty="0" smtClean="0">
+                <a:ln w="3175">
+                  <a:noFill/>
+                </a:ln>
+                <a:solidFill>
+                  <a:srgbClr val="0072C6"/>
+                </a:solidFill>
+                <a:latin typeface="+mj-lt"/>
+                <a:cs typeface="Arial" charset="0"/>
+              </a:rPr>
+              <a:t>Deployment </a:t>
+            </a:r>
+            <a:r>
+              <a:rPr lang="it-IT" sz="4000" b="1" spc="-100" dirty="0" err="1" smtClean="0">
+                <a:ln w="3175">
+                  <a:noFill/>
+                </a:ln>
+                <a:solidFill>
+                  <a:srgbClr val="0072C6"/>
+                </a:solidFill>
+                <a:latin typeface="+mj-lt"/>
+                <a:cs typeface="Arial" charset="0"/>
+              </a:rPr>
+              <a:t>architecture</a:t>
+            </a:r>
+            <a:r>
+              <a:rPr lang="it-IT" sz="4000" b="1" spc="-100" dirty="0" smtClean="0">
+                <a:ln w="3175">
+                  <a:noFill/>
+                </a:ln>
+                <a:solidFill>
+                  <a:srgbClr val="0072C6"/>
+                </a:solidFill>
+                <a:latin typeface="+mj-lt"/>
+                <a:cs typeface="Arial" charset="0"/>
+              </a:rPr>
+              <a:t> – </a:t>
+            </a:r>
+            <a:r>
+              <a:rPr lang="it-IT" sz="4000" b="1" spc="-100" dirty="0" smtClean="0">
+                <a:ln w="3175">
+                  <a:noFill/>
+                </a:ln>
+                <a:solidFill>
+                  <a:srgbClr val="0072C6"/>
+                </a:solidFill>
+                <a:latin typeface="+mj-lt"/>
+                <a:cs typeface="Arial" charset="0"/>
+              </a:rPr>
+              <a:t>soluzione 1 – </a:t>
+            </a:r>
+            <a:r>
+              <a:rPr lang="it-IT" sz="4000" b="1" spc="-100" dirty="0" smtClean="0">
+                <a:ln w="3175">
+                  <a:noFill/>
+                </a:ln>
+                <a:solidFill>
+                  <a:srgbClr val="0072C6"/>
+                </a:solidFill>
+                <a:latin typeface="+mj-lt"/>
+                <a:cs typeface="Arial" charset="0"/>
+              </a:rPr>
+              <a:t>non utilizzata</a:t>
+            </a:r>
+            <a:endParaRPr lang="it-IT" sz="4000" b="1" spc="-100" dirty="0">
+              <a:ln w="3175">
+                <a:noFill/>
+              </a:ln>
+              <a:solidFill>
+                <a:srgbClr val="0072C6"/>
+              </a:solidFill>
+              <a:latin typeface="+mj-lt"/>
+              <a:cs typeface="Arial" charset="0"/>
+            </a:endParaRPr>
+          </a:p>
+          <a:p>
+            <a:endParaRPr lang="it-IT" sz="3000" b="1" spc="-100" dirty="0">
+              <a:ln w="3175">
+                <a:noFill/>
+              </a:ln>
+              <a:solidFill>
+                <a:srgbClr val="0072C6"/>
+              </a:solidFill>
+              <a:latin typeface="+mj-lt"/>
+              <a:cs typeface="Arial" charset="0"/>
+            </a:endParaRPr>
+          </a:p>
+          <a:p>
+            <a:endParaRPr lang="it-IT" sz="3000" b="1" spc="-100" dirty="0">
+              <a:ln w="3175">
+                <a:noFill/>
+              </a:ln>
+              <a:solidFill>
+                <a:srgbClr val="0072C6"/>
+              </a:solidFill>
+              <a:latin typeface="+mj-lt"/>
+              <a:cs typeface="Arial" charset="0"/>
+            </a:endParaRPr>
+          </a:p>
+        </p:txBody>
+      </p:sp>
+      <p:pic>
+        <p:nvPicPr>
+          <p:cNvPr id="2" name="Immagine 1" descr="Schermata 2015-02-20 alle 09.59.24.png"/>
+          <p:cNvPicPr>
+            <a:picLocks noChangeAspect="1"/>
+          </p:cNvPicPr>
+          <p:nvPr/>
+        </p:nvPicPr>
+        <p:blipFill>
+          <a:blip r:embed="rId2">
+            <a:extLst>
+              <a:ext uri="{28A0092B-C50C-407E-A947-70E740481C1C}">
+                <a14:useLocalDpi xmlns:a14="http://schemas.microsoft.com/office/drawing/2010/main" val="0"/>
+              </a:ext>
+            </a:extLst>
+          </a:blip>
+          <a:stretch>
+            <a:fillRect/>
+          </a:stretch>
+        </p:blipFill>
+        <p:spPr>
+          <a:xfrm>
+            <a:off x="686468" y="951792"/>
+            <a:ext cx="11189469" cy="5535776"/>
+          </a:xfrm>
+          <a:prstGeom prst="rect">
+            <a:avLst/>
+          </a:prstGeom>
+        </p:spPr>
+      </p:pic>
+    </p:spTree>
+    <p:extLst>
+      <p:ext uri="{BB962C8B-B14F-4D97-AF65-F5344CB8AC3E}">
+        <p14:creationId xmlns:p14="http://schemas.microsoft.com/office/powerpoint/2010/main" val="3637185699"/>
+      </p:ext>
+    </p:extLst>
+  </p:cSld>
+  <p:clrMapOvr>
+    <a:masterClrMapping/>
+  </p:clrMapOvr>
+  <mc:AlternateContent xmlns:mc="http://schemas.openxmlformats.org/markup-compatibility/2006" xmlns:p14="http://schemas.microsoft.com/office/powerpoint/2010/main">
+    <mc:Choice Requires="p14">
+      <p:transition p14:dur="10"/>
+    </mc:Choice>
+    <mc:Fallback xmlns="">
+      <p:transition/>
+    </mc:Fallback>
+  </mc:AlternateContent>
+  <p:timing>
+    <p:tnLst>
+      <p:par>
+        <p:cTn xmlns:p14="http://schemas.microsoft.com/office/powerpoint/2010/main" id="1" dur="indefinite" restart="never" nodeType="tmRoot"/>
+      </p:par>
+    </p:tnLst>
+  </p:timing>
+</p:sld>
+</file>
+
+<file path=ppt/slides/slide35.xml><?xml version="1.0" encoding="utf-8"?>
+<p:sld xmlns:a="http://schemas.openxmlformats.org/drawingml/2006/main" xmlns:r="http://schemas.openxmlformats.org/officeDocument/2006/relationships" xmlns:p="http://schemas.openxmlformats.org/presentationml/2006/main">
+  <p:cSld>
+    <p:spTree>
+      <p:nvGrpSpPr>
+        <p:cNvPr id="1" name=""/>
+        <p:cNvGrpSpPr/>
+        <p:nvPr/>
+      </p:nvGrpSpPr>
+      <p:grpSpPr>
+        <a:xfrm>
+          <a:off x="0" y="0"/>
+          <a:ext cx="0" cy="0"/>
+          <a:chOff x="0" y="0"/>
+          <a:chExt cx="0" cy="0"/>
+        </a:xfrm>
+      </p:grpSpPr>
+      <p:sp>
+        <p:nvSpPr>
+          <p:cNvPr id="5" name="Rettangolo 4"/>
+          <p:cNvSpPr/>
+          <p:nvPr/>
+        </p:nvSpPr>
+        <p:spPr>
+          <a:xfrm>
+            <a:off x="0" y="-28574"/>
+            <a:ext cx="12192000" cy="342900"/>
+          </a:xfrm>
+          <a:prstGeom prst="rect">
+            <a:avLst/>
+          </a:prstGeom>
+          <a:solidFill>
+            <a:srgbClr val="0072C6"/>
+          </a:solidFill>
+        </p:spPr>
+        <p:style>
+          <a:lnRef idx="2">
+            <a:schemeClr val="accent1">
+              <a:shade val="50000"/>
+            </a:schemeClr>
+          </a:lnRef>
+          <a:fillRef idx="1">
+            <a:schemeClr val="accent1"/>
+          </a:fillRef>
+          <a:effectRef idx="0">
+            <a:schemeClr val="accent1"/>
+          </a:effectRef>
+          <a:fontRef idx="minor">
+            <a:schemeClr val="lt1"/>
+          </a:fontRef>
+        </p:style>
+        <p:txBody>
+          <a:bodyPr rtlCol="0" anchor="ctr"/>
+          <a:lstStyle/>
+          <a:p>
+            <a:pPr algn="ctr"/>
+            <a:endParaRPr lang="it-IT"/>
+          </a:p>
+        </p:txBody>
+      </p:sp>
+      <p:sp>
+        <p:nvSpPr>
+          <p:cNvPr id="4" name="Rettangolo 3"/>
+          <p:cNvSpPr/>
+          <p:nvPr/>
+        </p:nvSpPr>
+        <p:spPr>
+          <a:xfrm>
+            <a:off x="0" y="6515100"/>
+            <a:ext cx="12192000" cy="342900"/>
+          </a:xfrm>
+          <a:prstGeom prst="rect">
+            <a:avLst/>
+          </a:prstGeom>
+          <a:solidFill>
+            <a:srgbClr val="0072C6"/>
+          </a:solidFill>
+        </p:spPr>
+        <p:style>
+          <a:lnRef idx="2">
+            <a:schemeClr val="accent1">
+              <a:shade val="50000"/>
+            </a:schemeClr>
+          </a:lnRef>
+          <a:fillRef idx="1">
+            <a:schemeClr val="accent1"/>
+          </a:fillRef>
+          <a:effectRef idx="0">
+            <a:schemeClr val="accent1"/>
+          </a:effectRef>
+          <a:fontRef idx="minor">
+            <a:schemeClr val="lt1"/>
+          </a:fontRef>
+        </p:style>
+        <p:txBody>
+          <a:bodyPr rtlCol="0" anchor="ctr"/>
+          <a:lstStyle/>
+          <a:p>
+            <a:pPr algn="ctr"/>
+            <a:endParaRPr lang="it-IT"/>
+          </a:p>
+        </p:txBody>
+      </p:sp>
+      <p:sp>
+        <p:nvSpPr>
+          <p:cNvPr id="9" name="CasellaDiTesto 8"/>
+          <p:cNvSpPr txBox="1"/>
+          <p:nvPr/>
+        </p:nvSpPr>
+        <p:spPr>
+          <a:xfrm>
+            <a:off x="415529" y="314326"/>
+            <a:ext cx="11613357" cy="1692771"/>
+          </a:xfrm>
+          <a:prstGeom prst="rect">
+            <a:avLst/>
+          </a:prstGeom>
+          <a:noFill/>
+        </p:spPr>
+        <p:txBody>
+          <a:bodyPr wrap="square" rtlCol="0">
+            <a:spAutoFit/>
+          </a:bodyPr>
+          <a:lstStyle/>
+          <a:p>
+            <a:r>
+              <a:rPr lang="it-IT" sz="4400" b="1" spc="-100" dirty="0" smtClean="0">
+                <a:ln w="3175">
+                  <a:noFill/>
+                </a:ln>
+                <a:solidFill>
+                  <a:srgbClr val="0072C6"/>
+                </a:solidFill>
+                <a:latin typeface="+mj-lt"/>
+                <a:cs typeface="Arial" charset="0"/>
+              </a:rPr>
+              <a:t>Deployment </a:t>
+            </a:r>
+            <a:r>
+              <a:rPr lang="it-IT" sz="4400" b="1" spc="-100" dirty="0" err="1" smtClean="0">
+                <a:ln w="3175">
+                  <a:noFill/>
+                </a:ln>
+                <a:solidFill>
+                  <a:srgbClr val="0072C6"/>
+                </a:solidFill>
+                <a:latin typeface="+mj-lt"/>
+                <a:cs typeface="Arial" charset="0"/>
+              </a:rPr>
+              <a:t>architecture</a:t>
+            </a:r>
+            <a:r>
+              <a:rPr lang="it-IT" sz="4400" b="1" spc="-100" dirty="0" smtClean="0">
+                <a:ln w="3175">
+                  <a:noFill/>
+                </a:ln>
+                <a:solidFill>
+                  <a:srgbClr val="0072C6"/>
+                </a:solidFill>
+                <a:latin typeface="+mj-lt"/>
+                <a:cs typeface="Arial" charset="0"/>
+              </a:rPr>
+              <a:t> – soluzione 3</a:t>
+            </a:r>
+            <a:endParaRPr lang="it-IT" sz="4400" b="1" spc="-100" dirty="0">
+              <a:ln w="3175">
+                <a:noFill/>
+              </a:ln>
+              <a:solidFill>
+                <a:srgbClr val="0072C6"/>
+              </a:solidFill>
+              <a:latin typeface="+mj-lt"/>
+              <a:cs typeface="Arial" charset="0"/>
+            </a:endParaRPr>
+          </a:p>
+          <a:p>
+            <a:endParaRPr lang="it-IT" sz="3000" b="1" spc="-100" dirty="0">
+              <a:ln w="3175">
+                <a:noFill/>
+              </a:ln>
+              <a:solidFill>
+                <a:srgbClr val="0072C6"/>
+              </a:solidFill>
+              <a:latin typeface="+mj-lt"/>
+              <a:cs typeface="Arial" charset="0"/>
+            </a:endParaRPr>
+          </a:p>
+          <a:p>
+            <a:endParaRPr lang="it-IT" sz="3000" b="1" spc="-100" dirty="0">
+              <a:ln w="3175">
+                <a:noFill/>
+              </a:ln>
+              <a:solidFill>
+                <a:srgbClr val="0072C6"/>
+              </a:solidFill>
+              <a:latin typeface="+mj-lt"/>
+              <a:cs typeface="Arial" charset="0"/>
+            </a:endParaRPr>
+          </a:p>
+        </p:txBody>
+      </p:sp>
+      <p:graphicFrame>
+        <p:nvGraphicFramePr>
+          <p:cNvPr id="2" name="Tabella 1"/>
+          <p:cNvGraphicFramePr>
+            <a:graphicFrameLocks noGrp="1"/>
+          </p:cNvGraphicFramePr>
+          <p:nvPr>
+            <p:extLst>
+              <p:ext uri="{D42A27DB-BD31-4B8C-83A1-F6EECF244321}">
+                <p14:modId xmlns:p14="http://schemas.microsoft.com/office/powerpoint/2010/main" val="2854709170"/>
+              </p:ext>
+            </p:extLst>
+          </p:nvPr>
+        </p:nvGraphicFramePr>
+        <p:xfrm>
+          <a:off x="828675" y="1200148"/>
+          <a:ext cx="4343400" cy="2647952"/>
+        </p:xfrm>
+        <a:graphic>
+          <a:graphicData uri="http://schemas.openxmlformats.org/drawingml/2006/table">
+            <a:tbl>
+              <a:tblPr>
+                <a:tableStyleId>{35758FB7-9AC5-4552-8A53-C91805E547FA}</a:tableStyleId>
+              </a:tblPr>
+              <a:tblGrid>
+                <a:gridCol w="2674093"/>
+                <a:gridCol w="1669307"/>
+              </a:tblGrid>
+              <a:tr h="330994">
+                <a:tc>
+                  <a:txBody>
+                    <a:bodyPr/>
+                    <a:lstStyle/>
+                    <a:p>
+                      <a:pPr algn="ctr" fontAlgn="ctr"/>
+                      <a:r>
+                        <a:rPr lang="it-IT" sz="2000" u="none" strike="noStrike" dirty="0">
+                          <a:effectLst/>
+                        </a:rPr>
+                        <a:t>Astrazione</a:t>
+                      </a:r>
+                      <a:endParaRPr lang="it-IT" sz="2000" b="0" i="0" u="none" strike="noStrike" dirty="0">
+                        <a:solidFill>
+                          <a:srgbClr val="000000"/>
+                        </a:solidFill>
+                        <a:effectLst/>
+                        <a:latin typeface="Calibri" panose="020F0502020204030204" pitchFamily="34" charset="0"/>
+                      </a:endParaRPr>
+                    </a:p>
+                  </a:txBody>
+                  <a:tcPr marL="9525" marR="9525" marT="9525" marB="0" anchor="ctr"/>
+                </a:tc>
+                <a:tc>
+                  <a:txBody>
+                    <a:bodyPr/>
+                    <a:lstStyle/>
+                    <a:p>
+                      <a:pPr algn="ctr" fontAlgn="ctr"/>
+                      <a:r>
+                        <a:rPr lang="it-IT" sz="2000" u="none" strike="noStrike">
+                          <a:effectLst/>
+                        </a:rPr>
+                        <a:t>10</a:t>
+                      </a:r>
+                      <a:endParaRPr lang="it-IT" sz="2000" b="0" i="0" u="none" strike="noStrike">
+                        <a:solidFill>
+                          <a:srgbClr val="000000"/>
+                        </a:solidFill>
+                        <a:effectLst/>
+                        <a:latin typeface="Calibri" panose="020F0502020204030204" pitchFamily="34" charset="0"/>
+                      </a:endParaRPr>
+                    </a:p>
+                  </a:txBody>
+                  <a:tcPr marL="9525" marR="9525" marT="9525" marB="0" anchor="ctr"/>
+                </a:tc>
+              </a:tr>
+              <a:tr h="330994">
+                <a:tc>
+                  <a:txBody>
+                    <a:bodyPr/>
+                    <a:lstStyle/>
+                    <a:p>
+                      <a:pPr algn="ctr" fontAlgn="ctr"/>
+                      <a:r>
+                        <a:rPr lang="it-IT" sz="2000" u="none" strike="noStrike" dirty="0">
+                          <a:effectLst/>
+                        </a:rPr>
+                        <a:t>Complessità</a:t>
+                      </a:r>
+                      <a:endParaRPr lang="it-IT" sz="2000" b="0" i="0" u="none" strike="noStrike" dirty="0">
+                        <a:solidFill>
+                          <a:srgbClr val="000000"/>
+                        </a:solidFill>
+                        <a:effectLst/>
+                        <a:latin typeface="Calibri" panose="020F0502020204030204" pitchFamily="34" charset="0"/>
+                      </a:endParaRPr>
+                    </a:p>
+                  </a:txBody>
+                  <a:tcPr marL="9525" marR="9525" marT="9525" marB="0" anchor="ctr"/>
+                </a:tc>
+                <a:tc>
+                  <a:txBody>
+                    <a:bodyPr/>
+                    <a:lstStyle/>
+                    <a:p>
+                      <a:pPr algn="ctr" fontAlgn="ctr"/>
+                      <a:r>
+                        <a:rPr lang="it-IT" sz="2000" u="none" strike="noStrike">
+                          <a:effectLst/>
+                        </a:rPr>
+                        <a:t>80</a:t>
+                      </a:r>
+                      <a:endParaRPr lang="it-IT" sz="2000" b="0" i="0" u="none" strike="noStrike">
+                        <a:solidFill>
+                          <a:srgbClr val="000000"/>
+                        </a:solidFill>
+                        <a:effectLst/>
+                        <a:latin typeface="Calibri" panose="020F0502020204030204" pitchFamily="34" charset="0"/>
+                      </a:endParaRPr>
+                    </a:p>
+                  </a:txBody>
+                  <a:tcPr marL="9525" marR="9525" marT="9525" marB="0" anchor="ctr"/>
+                </a:tc>
+              </a:tr>
+              <a:tr h="330994">
+                <a:tc>
+                  <a:txBody>
+                    <a:bodyPr/>
+                    <a:lstStyle/>
+                    <a:p>
+                      <a:pPr algn="ctr" fontAlgn="ctr"/>
+                      <a:r>
+                        <a:rPr lang="it-IT" sz="2000" u="none" strike="noStrike" dirty="0">
+                          <a:effectLst/>
+                        </a:rPr>
+                        <a:t>Frequenza</a:t>
+                      </a:r>
+                      <a:endParaRPr lang="it-IT" sz="2000" b="0" i="0" u="none" strike="noStrike" dirty="0">
+                        <a:solidFill>
+                          <a:srgbClr val="000000"/>
+                        </a:solidFill>
+                        <a:effectLst/>
+                        <a:latin typeface="Calibri" panose="020F0502020204030204" pitchFamily="34" charset="0"/>
+                      </a:endParaRPr>
+                    </a:p>
+                  </a:txBody>
+                  <a:tcPr marL="9525" marR="9525" marT="9525" marB="0" anchor="ctr"/>
+                </a:tc>
+                <a:tc>
+                  <a:txBody>
+                    <a:bodyPr/>
+                    <a:lstStyle/>
+                    <a:p>
+                      <a:pPr algn="ctr" fontAlgn="ctr"/>
+                      <a:r>
+                        <a:rPr lang="it-IT" sz="2000" u="none" strike="noStrike">
+                          <a:effectLst/>
+                        </a:rPr>
+                        <a:t>20</a:t>
+                      </a:r>
+                      <a:endParaRPr lang="it-IT" sz="2000" b="0" i="0" u="none" strike="noStrike">
+                        <a:solidFill>
+                          <a:srgbClr val="000000"/>
+                        </a:solidFill>
+                        <a:effectLst/>
+                        <a:latin typeface="Calibri" panose="020F0502020204030204" pitchFamily="34" charset="0"/>
+                      </a:endParaRPr>
+                    </a:p>
+                  </a:txBody>
+                  <a:tcPr marL="9525" marR="9525" marT="9525" marB="0" anchor="ctr"/>
+                </a:tc>
+              </a:tr>
+              <a:tr h="330994">
+                <a:tc>
+                  <a:txBody>
+                    <a:bodyPr/>
+                    <a:lstStyle/>
+                    <a:p>
+                      <a:pPr algn="ctr" fontAlgn="ctr"/>
+                      <a:r>
+                        <a:rPr lang="it-IT" sz="2000" u="none" strike="noStrike" dirty="0">
+                          <a:effectLst/>
+                        </a:rPr>
+                        <a:t>Ritardo</a:t>
+                      </a:r>
+                      <a:endParaRPr lang="it-IT" sz="2000" b="0" i="0" u="none" strike="noStrike" dirty="0">
+                        <a:solidFill>
+                          <a:srgbClr val="000000"/>
+                        </a:solidFill>
+                        <a:effectLst/>
+                        <a:latin typeface="Calibri" panose="020F0502020204030204" pitchFamily="34" charset="0"/>
+                      </a:endParaRPr>
+                    </a:p>
+                  </a:txBody>
+                  <a:tcPr marL="9525" marR="9525" marT="9525" marB="0" anchor="ctr"/>
+                </a:tc>
+                <a:tc>
+                  <a:txBody>
+                    <a:bodyPr/>
+                    <a:lstStyle/>
+                    <a:p>
+                      <a:pPr algn="ctr" fontAlgn="ctr"/>
+                      <a:r>
+                        <a:rPr lang="it-IT" sz="2000" u="none" strike="noStrike">
+                          <a:effectLst/>
+                        </a:rPr>
+                        <a:t>10</a:t>
+                      </a:r>
+                      <a:endParaRPr lang="it-IT" sz="2000" b="0" i="0" u="none" strike="noStrike">
+                        <a:solidFill>
+                          <a:srgbClr val="000000"/>
+                        </a:solidFill>
+                        <a:effectLst/>
+                        <a:latin typeface="Calibri" panose="020F0502020204030204" pitchFamily="34" charset="0"/>
+                      </a:endParaRPr>
+                    </a:p>
+                  </a:txBody>
+                  <a:tcPr marL="9525" marR="9525" marT="9525" marB="0" anchor="ctr"/>
+                </a:tc>
+              </a:tr>
+              <a:tr h="330994">
+                <a:tc>
+                  <a:txBody>
+                    <a:bodyPr/>
+                    <a:lstStyle/>
+                    <a:p>
+                      <a:pPr algn="ctr" fontAlgn="ctr"/>
+                      <a:r>
+                        <a:rPr lang="it-IT" sz="2000" u="none" strike="noStrike" dirty="0">
+                          <a:effectLst/>
+                        </a:rPr>
+                        <a:t>Localizzazione</a:t>
+                      </a:r>
+                      <a:endParaRPr lang="it-IT" sz="2000" b="0" i="0" u="none" strike="noStrike" dirty="0">
+                        <a:solidFill>
+                          <a:srgbClr val="000000"/>
+                        </a:solidFill>
+                        <a:effectLst/>
+                        <a:latin typeface="Calibri" panose="020F0502020204030204" pitchFamily="34" charset="0"/>
+                      </a:endParaRPr>
+                    </a:p>
+                  </a:txBody>
+                  <a:tcPr marL="9525" marR="9525" marT="9525" marB="0" anchor="ctr"/>
+                </a:tc>
+                <a:tc>
+                  <a:txBody>
+                    <a:bodyPr/>
+                    <a:lstStyle/>
+                    <a:p>
+                      <a:pPr algn="ctr" fontAlgn="ctr"/>
+                      <a:r>
+                        <a:rPr lang="it-IT" sz="2000" u="none" strike="noStrike" dirty="0">
+                          <a:effectLst/>
+                        </a:rPr>
+                        <a:t>30</a:t>
+                      </a:r>
+                      <a:endParaRPr lang="it-IT" sz="2000" b="0" i="0" u="none" strike="noStrike" dirty="0">
+                        <a:solidFill>
+                          <a:srgbClr val="000000"/>
+                        </a:solidFill>
+                        <a:effectLst/>
+                        <a:latin typeface="Calibri" panose="020F0502020204030204" pitchFamily="34" charset="0"/>
+                      </a:endParaRPr>
+                    </a:p>
+                  </a:txBody>
+                  <a:tcPr marL="9525" marR="9525" marT="9525" marB="0" anchor="ctr"/>
+                </a:tc>
+              </a:tr>
+              <a:tr h="330994">
+                <a:tc>
+                  <a:txBody>
+                    <a:bodyPr/>
+                    <a:lstStyle/>
+                    <a:p>
+                      <a:pPr algn="ctr" fontAlgn="ctr"/>
+                      <a:r>
+                        <a:rPr lang="it-IT" sz="2000" u="none" strike="noStrike" dirty="0" err="1">
+                          <a:effectLst/>
+                        </a:rPr>
+                        <a:t>ExtraFlow</a:t>
+                      </a:r>
+                      <a:endParaRPr lang="it-IT" sz="2000" b="0" i="0" u="none" strike="noStrike" dirty="0">
+                        <a:solidFill>
+                          <a:srgbClr val="000000"/>
+                        </a:solidFill>
+                        <a:effectLst/>
+                        <a:latin typeface="Calibri" panose="020F0502020204030204" pitchFamily="34" charset="0"/>
+                      </a:endParaRPr>
+                    </a:p>
+                  </a:txBody>
+                  <a:tcPr marL="9525" marR="9525" marT="9525" marB="0" anchor="ctr"/>
+                </a:tc>
+                <a:tc>
+                  <a:txBody>
+                    <a:bodyPr/>
+                    <a:lstStyle/>
+                    <a:p>
+                      <a:pPr algn="ctr" fontAlgn="ctr"/>
+                      <a:r>
+                        <a:rPr lang="it-IT" sz="2000" u="none" strike="noStrike" dirty="0">
+                          <a:effectLst/>
+                        </a:rPr>
+                        <a:t>100</a:t>
+                      </a:r>
+                      <a:endParaRPr lang="it-IT" sz="2000" b="0" i="0" u="none" strike="noStrike" dirty="0">
+                        <a:solidFill>
+                          <a:srgbClr val="000000"/>
+                        </a:solidFill>
+                        <a:effectLst/>
+                        <a:latin typeface="Calibri" panose="020F0502020204030204" pitchFamily="34" charset="0"/>
+                      </a:endParaRPr>
+                    </a:p>
+                  </a:txBody>
+                  <a:tcPr marL="9525" marR="9525" marT="9525" marB="0" anchor="ctr"/>
+                </a:tc>
+              </a:tr>
+              <a:tr h="330994">
+                <a:tc>
+                  <a:txBody>
+                    <a:bodyPr/>
+                    <a:lstStyle/>
+                    <a:p>
+                      <a:pPr algn="ctr" fontAlgn="ctr"/>
+                      <a:r>
+                        <a:rPr lang="it-IT" sz="2000" u="none" strike="noStrike">
+                          <a:effectLst/>
+                        </a:rPr>
+                        <a:t>IntrFlow</a:t>
+                      </a:r>
+                      <a:endParaRPr lang="it-IT" sz="2000" b="0" i="0" u="none" strike="noStrike">
+                        <a:solidFill>
+                          <a:srgbClr val="000000"/>
+                        </a:solidFill>
+                        <a:effectLst/>
+                        <a:latin typeface="Calibri" panose="020F0502020204030204" pitchFamily="34" charset="0"/>
+                      </a:endParaRPr>
+                    </a:p>
+                  </a:txBody>
+                  <a:tcPr marL="9525" marR="9525" marT="9525" marB="0" anchor="ctr"/>
+                </a:tc>
+                <a:tc>
+                  <a:txBody>
+                    <a:bodyPr/>
+                    <a:lstStyle/>
+                    <a:p>
+                      <a:pPr algn="ctr" fontAlgn="ctr"/>
+                      <a:r>
+                        <a:rPr lang="it-IT" sz="2000" u="none" strike="noStrike" dirty="0">
+                          <a:effectLst/>
+                        </a:rPr>
+                        <a:t>100</a:t>
+                      </a:r>
+                      <a:endParaRPr lang="it-IT" sz="2000" b="0" i="0" u="none" strike="noStrike" dirty="0">
+                        <a:solidFill>
+                          <a:srgbClr val="000000"/>
+                        </a:solidFill>
+                        <a:effectLst/>
+                        <a:latin typeface="Calibri" panose="020F0502020204030204" pitchFamily="34" charset="0"/>
+                      </a:endParaRPr>
+                    </a:p>
+                  </a:txBody>
+                  <a:tcPr marL="9525" marR="9525" marT="9525" marB="0" anchor="ctr"/>
+                </a:tc>
+              </a:tr>
+              <a:tr h="330994">
+                <a:tc>
+                  <a:txBody>
+                    <a:bodyPr/>
+                    <a:lstStyle/>
+                    <a:p>
+                      <a:pPr algn="ctr" fontAlgn="ctr"/>
+                      <a:r>
+                        <a:rPr lang="it-IT" sz="2000" u="none" strike="noStrike">
+                          <a:effectLst/>
+                        </a:rPr>
+                        <a:t>Condivisione</a:t>
+                      </a:r>
+                      <a:endParaRPr lang="it-IT" sz="2000" b="0" i="0" u="none" strike="noStrike">
+                        <a:solidFill>
+                          <a:srgbClr val="000000"/>
+                        </a:solidFill>
+                        <a:effectLst/>
+                        <a:latin typeface="Calibri" panose="020F0502020204030204" pitchFamily="34" charset="0"/>
+                      </a:endParaRPr>
+                    </a:p>
+                  </a:txBody>
+                  <a:tcPr marL="9525" marR="9525" marT="9525" marB="0" anchor="ctr"/>
+                </a:tc>
+                <a:tc>
+                  <a:txBody>
+                    <a:bodyPr/>
+                    <a:lstStyle/>
+                    <a:p>
+                      <a:pPr algn="ctr" fontAlgn="ctr"/>
+                      <a:r>
+                        <a:rPr lang="it-IT" sz="2000" u="none" strike="noStrike" dirty="0">
+                          <a:effectLst/>
+                        </a:rPr>
+                        <a:t>0</a:t>
+                      </a:r>
+                      <a:endParaRPr lang="it-IT" sz="2000" b="0" i="0" u="none" strike="noStrike" dirty="0">
+                        <a:solidFill>
+                          <a:srgbClr val="000000"/>
+                        </a:solidFill>
+                        <a:effectLst/>
+                        <a:latin typeface="Calibri" panose="020F0502020204030204" pitchFamily="34" charset="0"/>
+                      </a:endParaRPr>
+                    </a:p>
+                  </a:txBody>
+                  <a:tcPr marL="9525" marR="9525" marT="9525" marB="0" anchor="ctr"/>
+                </a:tc>
+              </a:tr>
+            </a:tbl>
+          </a:graphicData>
+        </a:graphic>
+      </p:graphicFrame>
+      <p:graphicFrame>
+        <p:nvGraphicFramePr>
+          <p:cNvPr id="11" name="Tabella 10"/>
+          <p:cNvGraphicFramePr>
+            <a:graphicFrameLocks noGrp="1"/>
+          </p:cNvGraphicFramePr>
+          <p:nvPr>
+            <p:extLst>
+              <p:ext uri="{D42A27DB-BD31-4B8C-83A1-F6EECF244321}">
+                <p14:modId xmlns:p14="http://schemas.microsoft.com/office/powerpoint/2010/main" val="2616524280"/>
+              </p:ext>
+            </p:extLst>
+          </p:nvPr>
+        </p:nvGraphicFramePr>
+        <p:xfrm>
+          <a:off x="415529" y="4186239"/>
+          <a:ext cx="5885259" cy="2000249"/>
+        </p:xfrm>
+        <a:graphic>
+          <a:graphicData uri="http://schemas.openxmlformats.org/drawingml/2006/table">
+            <a:tbl>
+              <a:tblPr firstRow="1">
+                <a:tableStyleId>{35758FB7-9AC5-4552-8A53-C91805E547FA}</a:tableStyleId>
+              </a:tblPr>
+              <a:tblGrid>
+                <a:gridCol w="2513409"/>
+                <a:gridCol w="3371850"/>
+              </a:tblGrid>
+              <a:tr h="473342">
+                <a:tc>
+                  <a:txBody>
+                    <a:bodyPr/>
+                    <a:lstStyle/>
+                    <a:p>
+                      <a:pPr algn="ctr" fontAlgn="ctr"/>
+                      <a:r>
+                        <a:rPr lang="it-IT" sz="2000" u="none" strike="noStrike" dirty="0">
+                          <a:effectLst/>
+                        </a:rPr>
+                        <a:t>Pro</a:t>
+                      </a:r>
+                      <a:endParaRPr lang="it-IT" sz="2000" b="0" i="0" u="none" strike="noStrike" dirty="0">
+                        <a:solidFill>
+                          <a:srgbClr val="000000"/>
+                        </a:solidFill>
+                        <a:effectLst/>
+                        <a:latin typeface="Calibri" panose="020F0502020204030204" pitchFamily="34" charset="0"/>
+                      </a:endParaRPr>
+                    </a:p>
+                  </a:txBody>
+                  <a:tcPr marL="9525" marR="9525" marT="9525" marB="0" anchor="ctr"/>
+                </a:tc>
+                <a:tc>
+                  <a:txBody>
+                    <a:bodyPr/>
+                    <a:lstStyle/>
+                    <a:p>
+                      <a:pPr algn="ctr" fontAlgn="ctr"/>
+                      <a:r>
+                        <a:rPr lang="it-IT" sz="2000" u="none" strike="noStrike">
+                          <a:effectLst/>
+                        </a:rPr>
+                        <a:t>Contro</a:t>
+                      </a:r>
+                      <a:endParaRPr lang="it-IT" sz="2000" b="0" i="0" u="none" strike="noStrike">
+                        <a:solidFill>
+                          <a:srgbClr val="000000"/>
+                        </a:solidFill>
+                        <a:effectLst/>
+                        <a:latin typeface="Calibri" panose="020F0502020204030204" pitchFamily="34" charset="0"/>
+                      </a:endParaRPr>
+                    </a:p>
+                  </a:txBody>
+                  <a:tcPr marL="9525" marR="9525" marT="9525" marB="0" anchor="ctr"/>
+                </a:tc>
+              </a:tr>
+              <a:tr h="508969">
+                <a:tc>
+                  <a:txBody>
+                    <a:bodyPr/>
+                    <a:lstStyle/>
+                    <a:p>
+                      <a:pPr algn="ctr" fontAlgn="ctr"/>
+                      <a:r>
+                        <a:rPr lang="it-IT" sz="2000" u="none" strike="noStrike" dirty="0">
+                          <a:effectLst/>
+                        </a:rPr>
+                        <a:t>Condivisione bassa</a:t>
+                      </a:r>
+                      <a:endParaRPr lang="it-IT" sz="2000" b="0" i="0" u="none" strike="noStrike" dirty="0">
+                        <a:solidFill>
+                          <a:srgbClr val="000000"/>
+                        </a:solidFill>
+                        <a:effectLst/>
+                        <a:latin typeface="Calibri" panose="020F0502020204030204" pitchFamily="34" charset="0"/>
+                      </a:endParaRPr>
+                    </a:p>
+                  </a:txBody>
+                  <a:tcPr marL="9525" marR="9525" marT="9525" marB="0" anchor="ctr"/>
+                </a:tc>
+                <a:tc>
+                  <a:txBody>
+                    <a:bodyPr/>
+                    <a:lstStyle/>
+                    <a:p>
+                      <a:pPr algn="ctr" fontAlgn="ctr"/>
+                      <a:r>
+                        <a:rPr lang="it-IT" sz="2000" u="none" strike="noStrike" dirty="0" err="1">
+                          <a:effectLst/>
+                        </a:rPr>
+                        <a:t>ExtraFlow</a:t>
+                      </a:r>
+                      <a:r>
+                        <a:rPr lang="it-IT" sz="2000" u="none" strike="noStrike" dirty="0">
+                          <a:effectLst/>
+                        </a:rPr>
+                        <a:t> elevato</a:t>
+                      </a:r>
+                      <a:endParaRPr lang="it-IT" sz="2000" b="0" i="0" u="none" strike="noStrike" dirty="0">
+                        <a:solidFill>
+                          <a:srgbClr val="000000"/>
+                        </a:solidFill>
+                        <a:effectLst/>
+                        <a:latin typeface="Calibri" panose="020F0502020204030204" pitchFamily="34" charset="0"/>
+                      </a:endParaRPr>
+                    </a:p>
+                  </a:txBody>
+                  <a:tcPr marL="9525" marR="9525" marT="9525" marB="0" anchor="ctr"/>
+                </a:tc>
+              </a:tr>
+              <a:tr h="508969">
+                <a:tc>
+                  <a:txBody>
+                    <a:bodyPr/>
+                    <a:lstStyle/>
+                    <a:p>
+                      <a:pPr algn="ctr" fontAlgn="ctr"/>
+                      <a:endParaRPr lang="it-IT" sz="2000" b="0" i="0" u="none" strike="noStrike" dirty="0">
+                        <a:solidFill>
+                          <a:srgbClr val="000000"/>
+                        </a:solidFill>
+                        <a:effectLst/>
+                        <a:latin typeface="Calibri" panose="020F0502020204030204" pitchFamily="34" charset="0"/>
+                      </a:endParaRPr>
+                    </a:p>
+                  </a:txBody>
+                  <a:tcPr marL="9525" marR="9525" marT="9525" marB="0" anchor="ctr"/>
+                </a:tc>
+                <a:tc>
+                  <a:txBody>
+                    <a:bodyPr/>
+                    <a:lstStyle/>
+                    <a:p>
+                      <a:pPr algn="ctr" fontAlgn="ctr"/>
+                      <a:r>
+                        <a:rPr lang="it-IT" sz="2000" u="none" strike="noStrike" dirty="0" err="1">
+                          <a:effectLst/>
+                        </a:rPr>
+                        <a:t>IntraFlow</a:t>
+                      </a:r>
+                      <a:r>
+                        <a:rPr lang="it-IT" sz="2000" u="none" strike="noStrike" dirty="0">
+                          <a:effectLst/>
+                        </a:rPr>
+                        <a:t> elevato</a:t>
+                      </a:r>
+                      <a:endParaRPr lang="it-IT" sz="2000" b="0" i="0" u="none" strike="noStrike" dirty="0">
+                        <a:solidFill>
+                          <a:srgbClr val="000000"/>
+                        </a:solidFill>
+                        <a:effectLst/>
+                        <a:latin typeface="Calibri" panose="020F0502020204030204" pitchFamily="34" charset="0"/>
+                      </a:endParaRPr>
+                    </a:p>
+                  </a:txBody>
+                  <a:tcPr marL="9525" marR="9525" marT="9525" marB="0" anchor="ctr"/>
+                </a:tc>
+              </a:tr>
+              <a:tr h="508969">
+                <a:tc>
+                  <a:txBody>
+                    <a:bodyPr/>
+                    <a:lstStyle/>
+                    <a:p>
+                      <a:pPr algn="l" fontAlgn="b"/>
+                      <a:endParaRPr lang="it-IT" sz="2000" b="0" i="0" u="none" strike="noStrike" dirty="0">
+                        <a:solidFill>
+                          <a:srgbClr val="000000"/>
+                        </a:solidFill>
+                        <a:effectLst/>
+                        <a:latin typeface="Calibri" panose="020F0502020204030204" pitchFamily="34" charset="0"/>
+                      </a:endParaRPr>
+                    </a:p>
+                  </a:txBody>
+                  <a:tcPr marL="9525" marR="9525" marT="9525" marB="0" anchor="b"/>
+                </a:tc>
+                <a:tc>
+                  <a:txBody>
+                    <a:bodyPr/>
+                    <a:lstStyle/>
+                    <a:p>
+                      <a:pPr algn="ctr" fontAlgn="ctr"/>
+                      <a:r>
+                        <a:rPr lang="it-IT" sz="2000" u="none" strike="noStrike" dirty="0">
+                          <a:effectLst/>
+                        </a:rPr>
+                        <a:t>Complessità elevata</a:t>
+                      </a:r>
+                      <a:endParaRPr lang="it-IT" sz="2000" b="0" i="0" u="none" strike="noStrike" dirty="0">
+                        <a:solidFill>
+                          <a:srgbClr val="000000"/>
+                        </a:solidFill>
+                        <a:effectLst/>
+                        <a:latin typeface="Calibri" panose="020F0502020204030204" pitchFamily="34" charset="0"/>
+                      </a:endParaRPr>
+                    </a:p>
+                  </a:txBody>
+                  <a:tcPr marL="9525" marR="9525" marT="9525" marB="0" anchor="ctr"/>
+                </a:tc>
+              </a:tr>
+            </a:tbl>
+          </a:graphicData>
+        </a:graphic>
+      </p:graphicFrame>
+      <p:graphicFrame>
+        <p:nvGraphicFramePr>
+          <p:cNvPr id="10" name="Grafico 9"/>
+          <p:cNvGraphicFramePr>
+            <a:graphicFrameLocks/>
+          </p:cNvGraphicFramePr>
+          <p:nvPr>
+            <p:extLst>
+              <p:ext uri="{D42A27DB-BD31-4B8C-83A1-F6EECF244321}">
+                <p14:modId xmlns:p14="http://schemas.microsoft.com/office/powerpoint/2010/main" val="2101145093"/>
+              </p:ext>
+            </p:extLst>
+          </p:nvPr>
+        </p:nvGraphicFramePr>
+        <p:xfrm>
+          <a:off x="4259960" y="1019556"/>
+          <a:ext cx="9625014" cy="5241131"/>
+        </p:xfrm>
+        <a:graphic>
+          <a:graphicData uri="http://schemas.openxmlformats.org/drawingml/2006/chart">
+            <c:chart xmlns:c="http://schemas.openxmlformats.org/drawingml/2006/chart" xmlns:r="http://schemas.openxmlformats.org/officeDocument/2006/relationships" r:id="rId2"/>
+          </a:graphicData>
+        </a:graphic>
+      </p:graphicFrame>
+    </p:spTree>
+    <p:extLst>
+      <p:ext uri="{BB962C8B-B14F-4D97-AF65-F5344CB8AC3E}">
+        <p14:creationId xmlns:p14="http://schemas.microsoft.com/office/powerpoint/2010/main" val="326428895"/>
+      </p:ext>
+    </p:extLst>
+  </p:cSld>
+  <p:clrMapOvr>
+    <a:masterClrMapping/>
+  </p:clrMapOvr>
+  <mc:AlternateContent xmlns:mc="http://schemas.openxmlformats.org/markup-compatibility/2006" xmlns:p14="http://schemas.microsoft.com/office/powerpoint/2010/main">
+    <mc:Choice Requires="p14">
+      <p:transition p14:dur="10"/>
+    </mc:Choice>
+    <mc:Fallback xmlns="">
+      <p:transition/>
+    </mc:Fallback>
+  </mc:AlternateContent>
+  <p:timing>
+    <p:tnLst>
+      <p:par>
+        <p:cTn xmlns:p14="http://schemas.microsoft.com/office/powerpoint/2010/main" id="1" dur="indefinite" restart="never" nodeType="tmRoot"/>
+      </p:par>
+    </p:tnLst>
+  </p:timing>
+</p:sld>
+</file>
+
+<file path=ppt/slides/slide36.xml><?xml version="1.0" encoding="utf-8"?>
+<p:sld xmlns:a="http://schemas.openxmlformats.org/drawingml/2006/main" xmlns:r="http://schemas.openxmlformats.org/officeDocument/2006/relationships" xmlns:p="http://schemas.openxmlformats.org/presentationml/2006/main">
+  <p:cSld>
+    <p:spTree>
+      <p:nvGrpSpPr>
+        <p:cNvPr id="1" name=""/>
+        <p:cNvGrpSpPr/>
+        <p:nvPr/>
+      </p:nvGrpSpPr>
+      <p:grpSpPr>
+        <a:xfrm>
+          <a:off x="0" y="0"/>
+          <a:ext cx="0" cy="0"/>
+          <a:chOff x="0" y="0"/>
+          <a:chExt cx="0" cy="0"/>
+        </a:xfrm>
+      </p:grpSpPr>
+      <p:sp>
+        <p:nvSpPr>
+          <p:cNvPr id="5" name="Rettangolo 4"/>
+          <p:cNvSpPr/>
+          <p:nvPr/>
+        </p:nvSpPr>
+        <p:spPr>
+          <a:xfrm>
+            <a:off x="0" y="-28574"/>
+            <a:ext cx="12192000" cy="342900"/>
+          </a:xfrm>
+          <a:prstGeom prst="rect">
+            <a:avLst/>
+          </a:prstGeom>
+          <a:solidFill>
+            <a:srgbClr val="0072C6"/>
+          </a:solidFill>
+        </p:spPr>
+        <p:style>
+          <a:lnRef idx="2">
+            <a:schemeClr val="accent1">
+              <a:shade val="50000"/>
+            </a:schemeClr>
+          </a:lnRef>
+          <a:fillRef idx="1">
+            <a:schemeClr val="accent1"/>
+          </a:fillRef>
+          <a:effectRef idx="0">
+            <a:schemeClr val="accent1"/>
+          </a:effectRef>
+          <a:fontRef idx="minor">
+            <a:schemeClr val="lt1"/>
+          </a:fontRef>
+        </p:style>
+        <p:txBody>
+          <a:bodyPr rtlCol="0" anchor="ctr"/>
+          <a:lstStyle/>
+          <a:p>
+            <a:pPr algn="ctr"/>
+            <a:endParaRPr lang="it-IT"/>
+          </a:p>
+        </p:txBody>
+      </p:sp>
+      <p:sp>
+        <p:nvSpPr>
+          <p:cNvPr id="4" name="Rettangolo 3"/>
+          <p:cNvSpPr/>
+          <p:nvPr/>
+        </p:nvSpPr>
+        <p:spPr>
+          <a:xfrm>
+            <a:off x="0" y="6515100"/>
+            <a:ext cx="12192000" cy="342900"/>
+          </a:xfrm>
+          <a:prstGeom prst="rect">
+            <a:avLst/>
+          </a:prstGeom>
+          <a:solidFill>
+            <a:srgbClr val="0072C6"/>
+          </a:solidFill>
+        </p:spPr>
+        <p:style>
+          <a:lnRef idx="2">
+            <a:schemeClr val="accent1">
+              <a:shade val="50000"/>
+            </a:schemeClr>
+          </a:lnRef>
+          <a:fillRef idx="1">
+            <a:schemeClr val="accent1"/>
+          </a:fillRef>
+          <a:effectRef idx="0">
+            <a:schemeClr val="accent1"/>
+          </a:effectRef>
+          <a:fontRef idx="minor">
+            <a:schemeClr val="lt1"/>
+          </a:fontRef>
+        </p:style>
+        <p:txBody>
+          <a:bodyPr rtlCol="0" anchor="ctr"/>
+          <a:lstStyle/>
+          <a:p>
+            <a:pPr algn="ctr"/>
+            <a:endParaRPr lang="it-IT"/>
+          </a:p>
+        </p:txBody>
+      </p:sp>
+      <p:sp>
+        <p:nvSpPr>
+          <p:cNvPr id="9" name="CasellaDiTesto 8"/>
+          <p:cNvSpPr txBox="1"/>
+          <p:nvPr/>
+        </p:nvSpPr>
+        <p:spPr>
+          <a:xfrm>
+            <a:off x="415529" y="314326"/>
+            <a:ext cx="11613357" cy="1692771"/>
+          </a:xfrm>
+          <a:prstGeom prst="rect">
+            <a:avLst/>
+          </a:prstGeom>
+          <a:noFill/>
+        </p:spPr>
+        <p:txBody>
+          <a:bodyPr wrap="square" rtlCol="0">
+            <a:spAutoFit/>
+          </a:bodyPr>
+          <a:lstStyle/>
+          <a:p>
+            <a:r>
+              <a:rPr lang="it-IT" sz="4000" b="1" spc="-100" dirty="0" smtClean="0">
+                <a:ln w="3175">
+                  <a:noFill/>
+                </a:ln>
+                <a:solidFill>
+                  <a:srgbClr val="0072C6"/>
+                </a:solidFill>
+                <a:latin typeface="+mj-lt"/>
+                <a:cs typeface="Arial" charset="0"/>
+              </a:rPr>
+              <a:t>Deployment </a:t>
+            </a:r>
+            <a:r>
+              <a:rPr lang="it-IT" sz="4000" b="1" spc="-100" dirty="0" err="1" smtClean="0">
+                <a:ln w="3175">
+                  <a:noFill/>
+                </a:ln>
+                <a:solidFill>
+                  <a:srgbClr val="0072C6"/>
+                </a:solidFill>
+                <a:latin typeface="+mj-lt"/>
+                <a:cs typeface="Arial" charset="0"/>
+              </a:rPr>
+              <a:t>architecture</a:t>
+            </a:r>
+            <a:r>
+              <a:rPr lang="it-IT" sz="4000" b="1" spc="-100" dirty="0" smtClean="0">
+                <a:ln w="3175">
+                  <a:noFill/>
+                </a:ln>
+                <a:solidFill>
+                  <a:srgbClr val="0072C6"/>
+                </a:solidFill>
+                <a:latin typeface="+mj-lt"/>
+                <a:cs typeface="Arial" charset="0"/>
+              </a:rPr>
+              <a:t> – soluzione 2 – non utilizzata</a:t>
+            </a:r>
+            <a:endParaRPr lang="it-IT" sz="4000" b="1" spc="-100" dirty="0">
+              <a:ln w="3175">
+                <a:noFill/>
+              </a:ln>
+              <a:solidFill>
+                <a:srgbClr val="0072C6"/>
+              </a:solidFill>
+              <a:latin typeface="+mj-lt"/>
+              <a:cs typeface="Arial" charset="0"/>
+            </a:endParaRPr>
+          </a:p>
+          <a:p>
+            <a:endParaRPr lang="it-IT" sz="3000" b="1" spc="-100" dirty="0">
+              <a:ln w="3175">
+                <a:noFill/>
+              </a:ln>
+              <a:solidFill>
+                <a:srgbClr val="0072C6"/>
+              </a:solidFill>
+              <a:latin typeface="+mj-lt"/>
+              <a:cs typeface="Arial" charset="0"/>
+            </a:endParaRPr>
+          </a:p>
+          <a:p>
+            <a:endParaRPr lang="it-IT" sz="3000" b="1" spc="-100" dirty="0">
+              <a:ln w="3175">
+                <a:noFill/>
+              </a:ln>
+              <a:solidFill>
+                <a:srgbClr val="0072C6"/>
+              </a:solidFill>
+              <a:latin typeface="+mj-lt"/>
+              <a:cs typeface="Arial" charset="0"/>
+            </a:endParaRPr>
+          </a:p>
+        </p:txBody>
+      </p:sp>
+      <p:pic>
+        <p:nvPicPr>
+          <p:cNvPr id="3" name="Immagine 2" descr="Schermata 2015-02-20 alle 09.59.13.png"/>
+          <p:cNvPicPr>
+            <a:picLocks noChangeAspect="1"/>
+          </p:cNvPicPr>
+          <p:nvPr/>
+        </p:nvPicPr>
+        <p:blipFill>
+          <a:blip r:embed="rId2">
+            <a:extLst>
+              <a:ext uri="{28A0092B-C50C-407E-A947-70E740481C1C}">
+                <a14:useLocalDpi xmlns:a14="http://schemas.microsoft.com/office/drawing/2010/main" val="0"/>
+              </a:ext>
+            </a:extLst>
+          </a:blip>
+          <a:stretch>
+            <a:fillRect/>
+          </a:stretch>
+        </p:blipFill>
+        <p:spPr>
+          <a:xfrm>
+            <a:off x="1178441" y="926794"/>
+            <a:ext cx="10365703" cy="5572761"/>
+          </a:xfrm>
+          <a:prstGeom prst="rect">
+            <a:avLst/>
+          </a:prstGeom>
+        </p:spPr>
+      </p:pic>
+    </p:spTree>
+    <p:extLst>
+      <p:ext uri="{BB962C8B-B14F-4D97-AF65-F5344CB8AC3E}">
+        <p14:creationId xmlns:p14="http://schemas.microsoft.com/office/powerpoint/2010/main" val="1127813121"/>
+      </p:ext>
+    </p:extLst>
+  </p:cSld>
+  <p:clrMapOvr>
+    <a:masterClrMapping/>
+  </p:clrMapOvr>
+  <mc:AlternateContent xmlns:mc="http://schemas.openxmlformats.org/markup-compatibility/2006" xmlns:p14="http://schemas.microsoft.com/office/powerpoint/2010/main">
+    <mc:Choice Requires="p14">
+      <p:transition p14:dur="10"/>
+    </mc:Choice>
+    <mc:Fallback xmlns="">
+      <p:transition/>
+    </mc:Fallback>
+  </mc:AlternateContent>
+  <p:timing>
+    <p:tnLst>
+      <p:par>
+        <p:cTn xmlns:p14="http://schemas.microsoft.com/office/powerpoint/2010/main" id="1" dur="indefinite" restart="never" nodeType="tmRoot"/>
+      </p:par>
+    </p:tnLst>
+  </p:timing>
+</p:sld>
+</file>
+
+<file path=ppt/slides/slide37.xml><?xml version="1.0" encoding="utf-8"?>
+<p:sld xmlns:a="http://schemas.openxmlformats.org/drawingml/2006/main" xmlns:r="http://schemas.openxmlformats.org/officeDocument/2006/relationships" xmlns:p="http://schemas.openxmlformats.org/presentationml/2006/main">
+  <p:cSld>
+    <p:spTree>
+      <p:nvGrpSpPr>
+        <p:cNvPr id="1" name=""/>
+        <p:cNvGrpSpPr/>
+        <p:nvPr/>
+      </p:nvGrpSpPr>
+      <p:grpSpPr>
+        <a:xfrm>
+          <a:off x="0" y="0"/>
+          <a:ext cx="0" cy="0"/>
+          <a:chOff x="0" y="0"/>
+          <a:chExt cx="0" cy="0"/>
+        </a:xfrm>
+      </p:grpSpPr>
+      <p:sp>
+        <p:nvSpPr>
+          <p:cNvPr id="5" name="Rettangolo 4"/>
+          <p:cNvSpPr/>
+          <p:nvPr/>
+        </p:nvSpPr>
+        <p:spPr>
+          <a:xfrm>
+            <a:off x="0" y="-28574"/>
+            <a:ext cx="12192000" cy="342900"/>
+          </a:xfrm>
+          <a:prstGeom prst="rect">
+            <a:avLst/>
+          </a:prstGeom>
+          <a:solidFill>
+            <a:srgbClr val="0072C6"/>
+          </a:solidFill>
+        </p:spPr>
+        <p:style>
+          <a:lnRef idx="2">
+            <a:schemeClr val="accent1">
+              <a:shade val="50000"/>
+            </a:schemeClr>
+          </a:lnRef>
+          <a:fillRef idx="1">
+            <a:schemeClr val="accent1"/>
+          </a:fillRef>
+          <a:effectRef idx="0">
+            <a:schemeClr val="accent1"/>
+          </a:effectRef>
+          <a:fontRef idx="minor">
+            <a:schemeClr val="lt1"/>
+          </a:fontRef>
+        </p:style>
+        <p:txBody>
+          <a:bodyPr rtlCol="0" anchor="ctr"/>
+          <a:lstStyle/>
+          <a:p>
+            <a:pPr algn="ctr"/>
+            <a:endParaRPr lang="it-IT"/>
+          </a:p>
+        </p:txBody>
+      </p:sp>
+      <p:sp>
+        <p:nvSpPr>
+          <p:cNvPr id="4" name="Rettangolo 3"/>
+          <p:cNvSpPr/>
+          <p:nvPr/>
+        </p:nvSpPr>
+        <p:spPr>
+          <a:xfrm>
+            <a:off x="0" y="6515100"/>
+            <a:ext cx="12192000" cy="342900"/>
+          </a:xfrm>
+          <a:prstGeom prst="rect">
+            <a:avLst/>
+          </a:prstGeom>
+          <a:solidFill>
+            <a:srgbClr val="0072C6"/>
+          </a:solidFill>
+        </p:spPr>
+        <p:style>
+          <a:lnRef idx="2">
+            <a:schemeClr val="accent1">
+              <a:shade val="50000"/>
+            </a:schemeClr>
+          </a:lnRef>
+          <a:fillRef idx="1">
+            <a:schemeClr val="accent1"/>
+          </a:fillRef>
+          <a:effectRef idx="0">
+            <a:schemeClr val="accent1"/>
+          </a:effectRef>
+          <a:fontRef idx="minor">
+            <a:schemeClr val="lt1"/>
+          </a:fontRef>
+        </p:style>
+        <p:txBody>
+          <a:bodyPr rtlCol="0" anchor="ctr"/>
+          <a:lstStyle/>
+          <a:p>
+            <a:pPr algn="ctr"/>
+            <a:endParaRPr lang="it-IT"/>
+          </a:p>
+        </p:txBody>
+      </p:sp>
+      <p:sp>
+        <p:nvSpPr>
+          <p:cNvPr id="9" name="CasellaDiTesto 8"/>
+          <p:cNvSpPr txBox="1"/>
+          <p:nvPr/>
+        </p:nvSpPr>
+        <p:spPr>
+          <a:xfrm>
+            <a:off x="415529" y="314326"/>
+            <a:ext cx="11613357" cy="1692771"/>
+          </a:xfrm>
+          <a:prstGeom prst="rect">
+            <a:avLst/>
+          </a:prstGeom>
+          <a:noFill/>
+        </p:spPr>
+        <p:txBody>
+          <a:bodyPr wrap="square" rtlCol="0">
+            <a:spAutoFit/>
+          </a:bodyPr>
+          <a:lstStyle/>
+          <a:p>
+            <a:r>
+              <a:rPr lang="it-IT" sz="4400" b="1" spc="-100" dirty="0" smtClean="0">
+                <a:ln w="3175">
+                  <a:noFill/>
+                </a:ln>
+                <a:solidFill>
+                  <a:srgbClr val="0072C6"/>
+                </a:solidFill>
+                <a:latin typeface="+mj-lt"/>
+                <a:cs typeface="Arial" charset="0"/>
+              </a:rPr>
+              <a:t>Deployment </a:t>
+            </a:r>
+            <a:r>
+              <a:rPr lang="it-IT" sz="4400" b="1" spc="-100" dirty="0" err="1" smtClean="0">
+                <a:ln w="3175">
+                  <a:noFill/>
+                </a:ln>
+                <a:solidFill>
+                  <a:srgbClr val="0072C6"/>
+                </a:solidFill>
+                <a:latin typeface="+mj-lt"/>
+                <a:cs typeface="Arial" charset="0"/>
+              </a:rPr>
+              <a:t>architecture</a:t>
+            </a:r>
+            <a:r>
+              <a:rPr lang="it-IT" sz="4400" b="1" spc="-100" dirty="0" smtClean="0">
+                <a:ln w="3175">
+                  <a:noFill/>
+                </a:ln>
+                <a:solidFill>
+                  <a:srgbClr val="0072C6"/>
+                </a:solidFill>
+                <a:latin typeface="+mj-lt"/>
+                <a:cs typeface="Arial" charset="0"/>
+              </a:rPr>
+              <a:t> – soluzione 2</a:t>
+            </a:r>
+            <a:endParaRPr lang="it-IT" sz="4400" b="1" spc="-100" dirty="0">
+              <a:ln w="3175">
+                <a:noFill/>
+              </a:ln>
+              <a:solidFill>
+                <a:srgbClr val="0072C6"/>
+              </a:solidFill>
+              <a:latin typeface="+mj-lt"/>
+              <a:cs typeface="Arial" charset="0"/>
+            </a:endParaRPr>
+          </a:p>
+          <a:p>
+            <a:endParaRPr lang="it-IT" sz="3000" b="1" spc="-100" dirty="0">
+              <a:ln w="3175">
+                <a:noFill/>
+              </a:ln>
+              <a:solidFill>
+                <a:srgbClr val="0072C6"/>
+              </a:solidFill>
+              <a:latin typeface="+mj-lt"/>
+              <a:cs typeface="Arial" charset="0"/>
+            </a:endParaRPr>
+          </a:p>
+          <a:p>
+            <a:endParaRPr lang="it-IT" sz="3000" b="1" spc="-100" dirty="0">
+              <a:ln w="3175">
+                <a:noFill/>
+              </a:ln>
+              <a:solidFill>
+                <a:srgbClr val="0072C6"/>
+              </a:solidFill>
+              <a:latin typeface="+mj-lt"/>
+              <a:cs typeface="Arial" charset="0"/>
+            </a:endParaRPr>
+          </a:p>
+        </p:txBody>
+      </p:sp>
+      <p:graphicFrame>
+        <p:nvGraphicFramePr>
+          <p:cNvPr id="2" name="Tabella 1"/>
+          <p:cNvGraphicFramePr>
+            <a:graphicFrameLocks noGrp="1"/>
+          </p:cNvGraphicFramePr>
+          <p:nvPr>
+            <p:extLst>
+              <p:ext uri="{D42A27DB-BD31-4B8C-83A1-F6EECF244321}">
+                <p14:modId xmlns:p14="http://schemas.microsoft.com/office/powerpoint/2010/main" val="3865904070"/>
+              </p:ext>
+            </p:extLst>
+          </p:nvPr>
+        </p:nvGraphicFramePr>
+        <p:xfrm>
+          <a:off x="757239" y="1128708"/>
+          <a:ext cx="4529137" cy="2933704"/>
+        </p:xfrm>
+        <a:graphic>
+          <a:graphicData uri="http://schemas.openxmlformats.org/drawingml/2006/table">
+            <a:tbl>
+              <a:tblPr>
+                <a:tableStyleId>{35758FB7-9AC5-4552-8A53-C91805E547FA}</a:tableStyleId>
+              </a:tblPr>
+              <a:tblGrid>
+                <a:gridCol w="2587459"/>
+                <a:gridCol w="1941678"/>
+              </a:tblGrid>
+              <a:tr h="366713">
+                <a:tc>
+                  <a:txBody>
+                    <a:bodyPr/>
+                    <a:lstStyle/>
+                    <a:p>
+                      <a:pPr algn="ctr" fontAlgn="ctr"/>
+                      <a:r>
+                        <a:rPr lang="it-IT" sz="2000" u="none" strike="noStrike" dirty="0">
+                          <a:effectLst/>
+                        </a:rPr>
+                        <a:t>Astrazione</a:t>
+                      </a:r>
+                      <a:endParaRPr lang="it-IT" sz="2000" b="0" i="0" u="none" strike="noStrike" dirty="0">
+                        <a:solidFill>
+                          <a:srgbClr val="000000"/>
+                        </a:solidFill>
+                        <a:effectLst/>
+                        <a:latin typeface="Calibri" panose="020F0502020204030204" pitchFamily="34" charset="0"/>
+                      </a:endParaRPr>
+                    </a:p>
+                  </a:txBody>
+                  <a:tcPr marL="9525" marR="9525" marT="9525" marB="0" anchor="ctr"/>
+                </a:tc>
+                <a:tc>
+                  <a:txBody>
+                    <a:bodyPr/>
+                    <a:lstStyle/>
+                    <a:p>
+                      <a:pPr algn="ctr" fontAlgn="ctr"/>
+                      <a:r>
+                        <a:rPr lang="it-IT" sz="2000" u="none" strike="noStrike">
+                          <a:effectLst/>
+                        </a:rPr>
+                        <a:t>10</a:t>
+                      </a:r>
+                      <a:endParaRPr lang="it-IT" sz="2000" b="0" i="0" u="none" strike="noStrike">
+                        <a:solidFill>
+                          <a:srgbClr val="000000"/>
+                        </a:solidFill>
+                        <a:effectLst/>
+                        <a:latin typeface="Calibri" panose="020F0502020204030204" pitchFamily="34" charset="0"/>
+                      </a:endParaRPr>
+                    </a:p>
+                  </a:txBody>
+                  <a:tcPr marL="9525" marR="9525" marT="9525" marB="0" anchor="ctr"/>
+                </a:tc>
+              </a:tr>
+              <a:tr h="366713">
+                <a:tc>
+                  <a:txBody>
+                    <a:bodyPr/>
+                    <a:lstStyle/>
+                    <a:p>
+                      <a:pPr algn="ctr" fontAlgn="ctr"/>
+                      <a:r>
+                        <a:rPr lang="it-IT" sz="2000" u="none" strike="noStrike" dirty="0">
+                          <a:effectLst/>
+                        </a:rPr>
+                        <a:t>Complessità</a:t>
+                      </a:r>
+                      <a:endParaRPr lang="it-IT" sz="2000" b="0" i="0" u="none" strike="noStrike" dirty="0">
+                        <a:solidFill>
+                          <a:srgbClr val="000000"/>
+                        </a:solidFill>
+                        <a:effectLst/>
+                        <a:latin typeface="Calibri" panose="020F0502020204030204" pitchFamily="34" charset="0"/>
+                      </a:endParaRPr>
+                    </a:p>
+                  </a:txBody>
+                  <a:tcPr marL="9525" marR="9525" marT="9525" marB="0" anchor="ctr"/>
+                </a:tc>
+                <a:tc>
+                  <a:txBody>
+                    <a:bodyPr/>
+                    <a:lstStyle/>
+                    <a:p>
+                      <a:pPr algn="ctr" fontAlgn="ctr"/>
+                      <a:r>
+                        <a:rPr lang="it-IT" sz="2000" u="none" strike="noStrike">
+                          <a:effectLst/>
+                        </a:rPr>
+                        <a:t>10</a:t>
+                      </a:r>
+                      <a:endParaRPr lang="it-IT" sz="2000" b="0" i="0" u="none" strike="noStrike">
+                        <a:solidFill>
+                          <a:srgbClr val="000000"/>
+                        </a:solidFill>
+                        <a:effectLst/>
+                        <a:latin typeface="Calibri" panose="020F0502020204030204" pitchFamily="34" charset="0"/>
+                      </a:endParaRPr>
+                    </a:p>
+                  </a:txBody>
+                  <a:tcPr marL="9525" marR="9525" marT="9525" marB="0" anchor="ctr"/>
+                </a:tc>
+              </a:tr>
+              <a:tr h="366713">
+                <a:tc>
+                  <a:txBody>
+                    <a:bodyPr/>
+                    <a:lstStyle/>
+                    <a:p>
+                      <a:pPr algn="ctr" fontAlgn="ctr"/>
+                      <a:r>
+                        <a:rPr lang="it-IT" sz="2000" u="none" strike="noStrike" dirty="0">
+                          <a:effectLst/>
+                        </a:rPr>
+                        <a:t>Frequenza</a:t>
+                      </a:r>
+                      <a:endParaRPr lang="it-IT" sz="2000" b="0" i="0" u="none" strike="noStrike" dirty="0">
+                        <a:solidFill>
+                          <a:srgbClr val="000000"/>
+                        </a:solidFill>
+                        <a:effectLst/>
+                        <a:latin typeface="Calibri" panose="020F0502020204030204" pitchFamily="34" charset="0"/>
+                      </a:endParaRPr>
+                    </a:p>
+                  </a:txBody>
+                  <a:tcPr marL="9525" marR="9525" marT="9525" marB="0" anchor="ctr"/>
+                </a:tc>
+                <a:tc>
+                  <a:txBody>
+                    <a:bodyPr/>
+                    <a:lstStyle/>
+                    <a:p>
+                      <a:pPr algn="ctr" fontAlgn="ctr"/>
+                      <a:r>
+                        <a:rPr lang="it-IT" sz="2000" u="none" strike="noStrike">
+                          <a:effectLst/>
+                        </a:rPr>
+                        <a:t>20</a:t>
+                      </a:r>
+                      <a:endParaRPr lang="it-IT" sz="2000" b="0" i="0" u="none" strike="noStrike">
+                        <a:solidFill>
+                          <a:srgbClr val="000000"/>
+                        </a:solidFill>
+                        <a:effectLst/>
+                        <a:latin typeface="Calibri" panose="020F0502020204030204" pitchFamily="34" charset="0"/>
+                      </a:endParaRPr>
+                    </a:p>
+                  </a:txBody>
+                  <a:tcPr marL="9525" marR="9525" marT="9525" marB="0" anchor="ctr"/>
+                </a:tc>
+              </a:tr>
+              <a:tr h="366713">
+                <a:tc>
+                  <a:txBody>
+                    <a:bodyPr/>
+                    <a:lstStyle/>
+                    <a:p>
+                      <a:pPr algn="ctr" fontAlgn="ctr"/>
+                      <a:r>
+                        <a:rPr lang="it-IT" sz="2000" u="none" strike="noStrike" dirty="0">
+                          <a:effectLst/>
+                        </a:rPr>
+                        <a:t>Ritardo</a:t>
+                      </a:r>
+                      <a:endParaRPr lang="it-IT" sz="2000" b="0" i="0" u="none" strike="noStrike" dirty="0">
+                        <a:solidFill>
+                          <a:srgbClr val="000000"/>
+                        </a:solidFill>
+                        <a:effectLst/>
+                        <a:latin typeface="Calibri" panose="020F0502020204030204" pitchFamily="34" charset="0"/>
+                      </a:endParaRPr>
+                    </a:p>
+                  </a:txBody>
+                  <a:tcPr marL="9525" marR="9525" marT="9525" marB="0" anchor="ctr"/>
+                </a:tc>
+                <a:tc>
+                  <a:txBody>
+                    <a:bodyPr/>
+                    <a:lstStyle/>
+                    <a:p>
+                      <a:pPr algn="ctr" fontAlgn="ctr"/>
+                      <a:r>
+                        <a:rPr lang="it-IT" sz="2000" u="none" strike="noStrike">
+                          <a:effectLst/>
+                        </a:rPr>
+                        <a:t>10</a:t>
+                      </a:r>
+                      <a:endParaRPr lang="it-IT" sz="2000" b="0" i="0" u="none" strike="noStrike">
+                        <a:solidFill>
+                          <a:srgbClr val="000000"/>
+                        </a:solidFill>
+                        <a:effectLst/>
+                        <a:latin typeface="Calibri" panose="020F0502020204030204" pitchFamily="34" charset="0"/>
+                      </a:endParaRPr>
+                    </a:p>
+                  </a:txBody>
+                  <a:tcPr marL="9525" marR="9525" marT="9525" marB="0" anchor="ctr"/>
+                </a:tc>
+              </a:tr>
+              <a:tr h="366713">
+                <a:tc>
+                  <a:txBody>
+                    <a:bodyPr/>
+                    <a:lstStyle/>
+                    <a:p>
+                      <a:pPr algn="ctr" fontAlgn="ctr"/>
+                      <a:r>
+                        <a:rPr lang="it-IT" sz="2000" u="none" strike="noStrike" dirty="0">
+                          <a:effectLst/>
+                        </a:rPr>
+                        <a:t>Localizzazione</a:t>
+                      </a:r>
+                      <a:endParaRPr lang="it-IT" sz="2000" b="0" i="0" u="none" strike="noStrike" dirty="0">
+                        <a:solidFill>
+                          <a:srgbClr val="000000"/>
+                        </a:solidFill>
+                        <a:effectLst/>
+                        <a:latin typeface="Calibri" panose="020F0502020204030204" pitchFamily="34" charset="0"/>
+                      </a:endParaRPr>
+                    </a:p>
+                  </a:txBody>
+                  <a:tcPr marL="9525" marR="9525" marT="9525" marB="0" anchor="ctr"/>
+                </a:tc>
+                <a:tc>
+                  <a:txBody>
+                    <a:bodyPr/>
+                    <a:lstStyle/>
+                    <a:p>
+                      <a:pPr algn="ctr" fontAlgn="ctr"/>
+                      <a:r>
+                        <a:rPr lang="it-IT" sz="2000" u="none" strike="noStrike" dirty="0">
+                          <a:effectLst/>
+                        </a:rPr>
+                        <a:t>30</a:t>
+                      </a:r>
+                      <a:endParaRPr lang="it-IT" sz="2000" b="0" i="0" u="none" strike="noStrike" dirty="0">
+                        <a:solidFill>
+                          <a:srgbClr val="000000"/>
+                        </a:solidFill>
+                        <a:effectLst/>
+                        <a:latin typeface="Calibri" panose="020F0502020204030204" pitchFamily="34" charset="0"/>
+                      </a:endParaRPr>
+                    </a:p>
+                  </a:txBody>
+                  <a:tcPr marL="9525" marR="9525" marT="9525" marB="0" anchor="ctr"/>
+                </a:tc>
+              </a:tr>
+              <a:tr h="366713">
+                <a:tc>
+                  <a:txBody>
+                    <a:bodyPr/>
+                    <a:lstStyle/>
+                    <a:p>
+                      <a:pPr algn="ctr" fontAlgn="ctr"/>
+                      <a:r>
+                        <a:rPr lang="it-IT" sz="2000" u="none" strike="noStrike">
+                          <a:effectLst/>
+                        </a:rPr>
+                        <a:t>ExtraFlow</a:t>
+                      </a:r>
+                      <a:endParaRPr lang="it-IT" sz="2000" b="0" i="0" u="none" strike="noStrike">
+                        <a:solidFill>
+                          <a:srgbClr val="000000"/>
+                        </a:solidFill>
+                        <a:effectLst/>
+                        <a:latin typeface="Calibri" panose="020F0502020204030204" pitchFamily="34" charset="0"/>
+                      </a:endParaRPr>
+                    </a:p>
+                  </a:txBody>
+                  <a:tcPr marL="9525" marR="9525" marT="9525" marB="0" anchor="ctr"/>
+                </a:tc>
+                <a:tc>
+                  <a:txBody>
+                    <a:bodyPr/>
+                    <a:lstStyle/>
+                    <a:p>
+                      <a:pPr algn="ctr" fontAlgn="ctr"/>
+                      <a:r>
+                        <a:rPr lang="it-IT" sz="2000" u="none" strike="noStrike" dirty="0">
+                          <a:effectLst/>
+                        </a:rPr>
+                        <a:t>100</a:t>
+                      </a:r>
+                      <a:endParaRPr lang="it-IT" sz="2000" b="0" i="0" u="none" strike="noStrike" dirty="0">
+                        <a:solidFill>
+                          <a:srgbClr val="000000"/>
+                        </a:solidFill>
+                        <a:effectLst/>
+                        <a:latin typeface="Calibri" panose="020F0502020204030204" pitchFamily="34" charset="0"/>
+                      </a:endParaRPr>
+                    </a:p>
+                  </a:txBody>
+                  <a:tcPr marL="9525" marR="9525" marT="9525" marB="0" anchor="ctr"/>
+                </a:tc>
+              </a:tr>
+              <a:tr h="366713">
+                <a:tc>
+                  <a:txBody>
+                    <a:bodyPr/>
+                    <a:lstStyle/>
+                    <a:p>
+                      <a:pPr algn="ctr" fontAlgn="ctr"/>
+                      <a:r>
+                        <a:rPr lang="it-IT" sz="2000" u="none" strike="noStrike">
+                          <a:effectLst/>
+                        </a:rPr>
+                        <a:t>IntrFlow</a:t>
+                      </a:r>
+                      <a:endParaRPr lang="it-IT" sz="2000" b="0" i="0" u="none" strike="noStrike">
+                        <a:solidFill>
+                          <a:srgbClr val="000000"/>
+                        </a:solidFill>
+                        <a:effectLst/>
+                        <a:latin typeface="Calibri" panose="020F0502020204030204" pitchFamily="34" charset="0"/>
+                      </a:endParaRPr>
+                    </a:p>
+                  </a:txBody>
+                  <a:tcPr marL="9525" marR="9525" marT="9525" marB="0" anchor="ctr"/>
+                </a:tc>
+                <a:tc>
+                  <a:txBody>
+                    <a:bodyPr/>
+                    <a:lstStyle/>
+                    <a:p>
+                      <a:pPr algn="ctr" fontAlgn="ctr"/>
+                      <a:r>
+                        <a:rPr lang="it-IT" sz="2000" u="none" strike="noStrike" dirty="0">
+                          <a:effectLst/>
+                        </a:rPr>
+                        <a:t>60</a:t>
+                      </a:r>
+                      <a:endParaRPr lang="it-IT" sz="2000" b="0" i="0" u="none" strike="noStrike" dirty="0">
+                        <a:solidFill>
+                          <a:srgbClr val="000000"/>
+                        </a:solidFill>
+                        <a:effectLst/>
+                        <a:latin typeface="Calibri" panose="020F0502020204030204" pitchFamily="34" charset="0"/>
+                      </a:endParaRPr>
+                    </a:p>
+                  </a:txBody>
+                  <a:tcPr marL="9525" marR="9525" marT="9525" marB="0" anchor="ctr"/>
+                </a:tc>
+              </a:tr>
+              <a:tr h="366713">
+                <a:tc>
+                  <a:txBody>
+                    <a:bodyPr/>
+                    <a:lstStyle/>
+                    <a:p>
+                      <a:pPr algn="ctr" fontAlgn="ctr"/>
+                      <a:r>
+                        <a:rPr lang="it-IT" sz="2000" u="none" strike="noStrike">
+                          <a:effectLst/>
+                        </a:rPr>
+                        <a:t>Condivisione</a:t>
+                      </a:r>
+                      <a:endParaRPr lang="it-IT" sz="2000" b="0" i="0" u="none" strike="noStrike">
+                        <a:solidFill>
+                          <a:srgbClr val="000000"/>
+                        </a:solidFill>
+                        <a:effectLst/>
+                        <a:latin typeface="Calibri" panose="020F0502020204030204" pitchFamily="34" charset="0"/>
+                      </a:endParaRPr>
+                    </a:p>
+                  </a:txBody>
+                  <a:tcPr marL="9525" marR="9525" marT="9525" marB="0" anchor="ctr"/>
+                </a:tc>
+                <a:tc>
+                  <a:txBody>
+                    <a:bodyPr/>
+                    <a:lstStyle/>
+                    <a:p>
+                      <a:pPr algn="ctr" fontAlgn="ctr"/>
+                      <a:r>
+                        <a:rPr lang="it-IT" sz="2000" u="none" strike="noStrike" dirty="0">
+                          <a:effectLst/>
+                        </a:rPr>
+                        <a:t>50</a:t>
+                      </a:r>
+                      <a:endParaRPr lang="it-IT" sz="2000" b="0" i="0" u="none" strike="noStrike" dirty="0">
+                        <a:solidFill>
+                          <a:srgbClr val="000000"/>
+                        </a:solidFill>
+                        <a:effectLst/>
+                        <a:latin typeface="Calibri" panose="020F0502020204030204" pitchFamily="34" charset="0"/>
+                      </a:endParaRPr>
+                    </a:p>
+                  </a:txBody>
+                  <a:tcPr marL="9525" marR="9525" marT="9525" marB="0" anchor="ctr"/>
+                </a:tc>
+              </a:tr>
+            </a:tbl>
+          </a:graphicData>
+        </a:graphic>
+      </p:graphicFrame>
+      <p:graphicFrame>
+        <p:nvGraphicFramePr>
+          <p:cNvPr id="11" name="Tabella 10"/>
+          <p:cNvGraphicFramePr>
+            <a:graphicFrameLocks noGrp="1"/>
+          </p:cNvGraphicFramePr>
+          <p:nvPr>
+            <p:extLst>
+              <p:ext uri="{D42A27DB-BD31-4B8C-83A1-F6EECF244321}">
+                <p14:modId xmlns:p14="http://schemas.microsoft.com/office/powerpoint/2010/main" val="2730722614"/>
+              </p:ext>
+            </p:extLst>
+          </p:nvPr>
+        </p:nvGraphicFramePr>
+        <p:xfrm>
+          <a:off x="300037" y="4700590"/>
+          <a:ext cx="5572126" cy="1501139"/>
+        </p:xfrm>
+        <a:graphic>
+          <a:graphicData uri="http://schemas.openxmlformats.org/drawingml/2006/table">
+            <a:tbl>
+              <a:tblPr firstRow="1">
+                <a:tableStyleId>{35758FB7-9AC5-4552-8A53-C91805E547FA}</a:tableStyleId>
+              </a:tblPr>
+              <a:tblGrid>
+                <a:gridCol w="3086101"/>
+                <a:gridCol w="2486025"/>
+              </a:tblGrid>
+              <a:tr h="476471">
+                <a:tc>
+                  <a:txBody>
+                    <a:bodyPr/>
+                    <a:lstStyle/>
+                    <a:p>
+                      <a:pPr algn="ctr" fontAlgn="ctr"/>
+                      <a:r>
+                        <a:rPr lang="it-IT" sz="2000" u="none" strike="noStrike" dirty="0">
+                          <a:effectLst/>
+                        </a:rPr>
+                        <a:t>Pro</a:t>
+                      </a:r>
+                      <a:endParaRPr lang="it-IT" sz="2000" b="0" i="0" u="none" strike="noStrike" dirty="0">
+                        <a:solidFill>
+                          <a:srgbClr val="000000"/>
+                        </a:solidFill>
+                        <a:effectLst/>
+                        <a:latin typeface="Calibri" panose="020F0502020204030204" pitchFamily="34" charset="0"/>
+                      </a:endParaRPr>
+                    </a:p>
+                  </a:txBody>
+                  <a:tcPr marL="9525" marR="9525" marT="9525" marB="0" anchor="ctr"/>
+                </a:tc>
+                <a:tc>
+                  <a:txBody>
+                    <a:bodyPr/>
+                    <a:lstStyle/>
+                    <a:p>
+                      <a:pPr algn="ctr" fontAlgn="ctr"/>
+                      <a:r>
+                        <a:rPr lang="it-IT" sz="2000" u="none" strike="noStrike">
+                          <a:effectLst/>
+                        </a:rPr>
+                        <a:t>Contro</a:t>
+                      </a:r>
+                      <a:endParaRPr lang="it-IT" sz="2000" b="0" i="0" u="none" strike="noStrike">
+                        <a:solidFill>
+                          <a:srgbClr val="000000"/>
+                        </a:solidFill>
+                        <a:effectLst/>
+                        <a:latin typeface="Calibri" panose="020F0502020204030204" pitchFamily="34" charset="0"/>
+                      </a:endParaRPr>
+                    </a:p>
+                  </a:txBody>
+                  <a:tcPr marL="9525" marR="9525" marT="9525" marB="0" anchor="ctr"/>
+                </a:tc>
+              </a:tr>
+              <a:tr h="512334">
+                <a:tc>
+                  <a:txBody>
+                    <a:bodyPr/>
+                    <a:lstStyle/>
+                    <a:p>
+                      <a:pPr algn="ctr" fontAlgn="ctr"/>
+                      <a:r>
+                        <a:rPr lang="it-IT" sz="2000" u="none" strike="noStrike" dirty="0">
+                          <a:effectLst/>
+                        </a:rPr>
+                        <a:t>Complessità bassa</a:t>
+                      </a:r>
+                      <a:endParaRPr lang="it-IT" sz="2000" b="0" i="0" u="none" strike="noStrike" dirty="0">
+                        <a:solidFill>
+                          <a:srgbClr val="000000"/>
+                        </a:solidFill>
+                        <a:effectLst/>
+                        <a:latin typeface="Calibri" panose="020F0502020204030204" pitchFamily="34" charset="0"/>
+                      </a:endParaRPr>
+                    </a:p>
+                  </a:txBody>
+                  <a:tcPr marL="9525" marR="9525" marT="9525" marB="0" anchor="ctr"/>
+                </a:tc>
+                <a:tc>
+                  <a:txBody>
+                    <a:bodyPr/>
+                    <a:lstStyle/>
+                    <a:p>
+                      <a:pPr algn="ctr" fontAlgn="ctr"/>
+                      <a:r>
+                        <a:rPr lang="it-IT" sz="2000" u="none" strike="noStrike">
+                          <a:effectLst/>
+                        </a:rPr>
+                        <a:t>ExtraFlow elevato</a:t>
+                      </a:r>
+                      <a:endParaRPr lang="it-IT" sz="2000" b="0" i="0" u="none" strike="noStrike">
+                        <a:solidFill>
+                          <a:srgbClr val="000000"/>
+                        </a:solidFill>
+                        <a:effectLst/>
+                        <a:latin typeface="Calibri" panose="020F0502020204030204" pitchFamily="34" charset="0"/>
+                      </a:endParaRPr>
+                    </a:p>
+                  </a:txBody>
+                  <a:tcPr marL="9525" marR="9525" marT="9525" marB="0" anchor="ctr"/>
+                </a:tc>
+              </a:tr>
+              <a:tr h="512334">
+                <a:tc>
+                  <a:txBody>
+                    <a:bodyPr/>
+                    <a:lstStyle/>
+                    <a:p>
+                      <a:pPr algn="ctr" fontAlgn="ctr"/>
+                      <a:r>
+                        <a:rPr lang="it-IT" sz="2000" u="none" strike="noStrike" dirty="0">
+                          <a:effectLst/>
+                        </a:rPr>
+                        <a:t>Condivisione media</a:t>
+                      </a:r>
+                      <a:endParaRPr lang="it-IT" sz="2000" b="0" i="0" u="none" strike="noStrike" dirty="0">
+                        <a:solidFill>
+                          <a:srgbClr val="000000"/>
+                        </a:solidFill>
+                        <a:effectLst/>
+                        <a:latin typeface="Calibri" panose="020F0502020204030204" pitchFamily="34" charset="0"/>
+                      </a:endParaRPr>
+                    </a:p>
+                  </a:txBody>
+                  <a:tcPr marL="9525" marR="9525" marT="9525" marB="0" anchor="ctr"/>
+                </a:tc>
+                <a:tc>
+                  <a:txBody>
+                    <a:bodyPr/>
+                    <a:lstStyle/>
+                    <a:p>
+                      <a:pPr algn="ctr" fontAlgn="ctr"/>
+                      <a:endParaRPr lang="it-IT" sz="2000" b="0" i="0" u="none" strike="noStrike" dirty="0">
+                        <a:solidFill>
+                          <a:srgbClr val="000000"/>
+                        </a:solidFill>
+                        <a:effectLst/>
+                        <a:latin typeface="Calibri" panose="020F0502020204030204" pitchFamily="34" charset="0"/>
+                      </a:endParaRPr>
+                    </a:p>
+                  </a:txBody>
+                  <a:tcPr marL="9525" marR="9525" marT="9525" marB="0" anchor="ctr"/>
+                </a:tc>
+              </a:tr>
+            </a:tbl>
+          </a:graphicData>
+        </a:graphic>
+      </p:graphicFrame>
+      <p:graphicFrame>
+        <p:nvGraphicFramePr>
+          <p:cNvPr id="10" name="Grafico 9"/>
+          <p:cNvGraphicFramePr>
+            <a:graphicFrameLocks/>
+          </p:cNvGraphicFramePr>
+          <p:nvPr>
+            <p:extLst>
+              <p:ext uri="{D42A27DB-BD31-4B8C-83A1-F6EECF244321}">
+                <p14:modId xmlns:p14="http://schemas.microsoft.com/office/powerpoint/2010/main" val="4211222486"/>
+              </p:ext>
+            </p:extLst>
+          </p:nvPr>
+        </p:nvGraphicFramePr>
+        <p:xfrm>
+          <a:off x="3887342" y="810198"/>
+          <a:ext cx="10234614" cy="5498306"/>
+        </p:xfrm>
+        <a:graphic>
+          <a:graphicData uri="http://schemas.openxmlformats.org/drawingml/2006/chart">
+            <c:chart xmlns:c="http://schemas.openxmlformats.org/drawingml/2006/chart" xmlns:r="http://schemas.openxmlformats.org/officeDocument/2006/relationships" r:id="rId2"/>
+          </a:graphicData>
+        </a:graphic>
+      </p:graphicFrame>
+    </p:spTree>
+    <p:extLst>
+      <p:ext uri="{BB962C8B-B14F-4D97-AF65-F5344CB8AC3E}">
+        <p14:creationId xmlns:p14="http://schemas.microsoft.com/office/powerpoint/2010/main" val="2779379708"/>
+      </p:ext>
+    </p:extLst>
+  </p:cSld>
+  <p:clrMapOvr>
+    <a:masterClrMapping/>
+  </p:clrMapOvr>
+  <mc:AlternateContent xmlns:mc="http://schemas.openxmlformats.org/markup-compatibility/2006" xmlns:p14="http://schemas.microsoft.com/office/powerpoint/2010/main">
+    <mc:Choice Requires="p14">
+      <p:transition p14:dur="10"/>
+    </mc:Choice>
+    <mc:Fallback xmlns="">
+      <p:transition/>
+    </mc:Fallback>
+  </mc:AlternateContent>
+  <p:timing>
+    <p:tnLst>
+      <p:par>
+        <p:cTn xmlns:p14="http://schemas.microsoft.com/office/powerpoint/2010/main" id="1" dur="indefinite" restart="never" nodeType="tmRoot"/>
+      </p:par>
+    </p:tnLst>
+  </p:timing>
+</p:sld>
+</file>
+
+<file path=ppt/slides/slide38.xml><?xml version="1.0" encoding="utf-8"?>
+<p:sld xmlns:a="http://schemas.openxmlformats.org/drawingml/2006/main" xmlns:r="http://schemas.openxmlformats.org/officeDocument/2006/relationships" xmlns:p="http://schemas.openxmlformats.org/presentationml/2006/main">
+  <p:cSld>
+    <p:spTree>
+      <p:nvGrpSpPr>
+        <p:cNvPr id="1" name=""/>
+        <p:cNvGrpSpPr/>
+        <p:nvPr/>
+      </p:nvGrpSpPr>
+      <p:grpSpPr>
+        <a:xfrm>
+          <a:off x="0" y="0"/>
+          <a:ext cx="0" cy="0"/>
+          <a:chOff x="0" y="0"/>
+          <a:chExt cx="0" cy="0"/>
+        </a:xfrm>
+      </p:grpSpPr>
+      <p:sp>
+        <p:nvSpPr>
+          <p:cNvPr id="5" name="Rettangolo 4"/>
+          <p:cNvSpPr/>
+          <p:nvPr/>
+        </p:nvSpPr>
+        <p:spPr>
+          <a:xfrm>
+            <a:off x="0" y="-28574"/>
+            <a:ext cx="12192000" cy="342900"/>
+          </a:xfrm>
+          <a:prstGeom prst="rect">
+            <a:avLst/>
+          </a:prstGeom>
+          <a:solidFill>
+            <a:srgbClr val="0072C6"/>
+          </a:solidFill>
+        </p:spPr>
+        <p:style>
+          <a:lnRef idx="2">
+            <a:schemeClr val="accent1">
+              <a:shade val="50000"/>
+            </a:schemeClr>
+          </a:lnRef>
+          <a:fillRef idx="1">
+            <a:schemeClr val="accent1"/>
+          </a:fillRef>
+          <a:effectRef idx="0">
+            <a:schemeClr val="accent1"/>
+          </a:effectRef>
+          <a:fontRef idx="minor">
+            <a:schemeClr val="lt1"/>
+          </a:fontRef>
+        </p:style>
+        <p:txBody>
+          <a:bodyPr rtlCol="0" anchor="ctr"/>
+          <a:lstStyle/>
+          <a:p>
+            <a:pPr algn="ctr"/>
+            <a:endParaRPr lang="it-IT"/>
+          </a:p>
+        </p:txBody>
+      </p:sp>
+      <p:sp>
+        <p:nvSpPr>
+          <p:cNvPr id="4" name="Rettangolo 3"/>
+          <p:cNvSpPr/>
+          <p:nvPr/>
+        </p:nvSpPr>
+        <p:spPr>
+          <a:xfrm>
+            <a:off x="0" y="6515100"/>
+            <a:ext cx="12192000" cy="342900"/>
+          </a:xfrm>
+          <a:prstGeom prst="rect">
+            <a:avLst/>
+          </a:prstGeom>
+          <a:solidFill>
+            <a:srgbClr val="0072C6"/>
+          </a:solidFill>
+        </p:spPr>
+        <p:style>
+          <a:lnRef idx="2">
+            <a:schemeClr val="accent1">
+              <a:shade val="50000"/>
+            </a:schemeClr>
+          </a:lnRef>
+          <a:fillRef idx="1">
+            <a:schemeClr val="accent1"/>
+          </a:fillRef>
+          <a:effectRef idx="0">
+            <a:schemeClr val="accent1"/>
+          </a:effectRef>
+          <a:fontRef idx="minor">
+            <a:schemeClr val="lt1"/>
+          </a:fontRef>
+        </p:style>
+        <p:txBody>
+          <a:bodyPr rtlCol="0" anchor="ctr"/>
+          <a:lstStyle/>
+          <a:p>
+            <a:pPr algn="ctr"/>
+            <a:endParaRPr lang="it-IT"/>
+          </a:p>
+        </p:txBody>
+      </p:sp>
+      <p:sp>
+        <p:nvSpPr>
+          <p:cNvPr id="9" name="CasellaDiTesto 8"/>
+          <p:cNvSpPr txBox="1"/>
+          <p:nvPr/>
+        </p:nvSpPr>
+        <p:spPr>
+          <a:xfrm>
+            <a:off x="415529" y="314326"/>
             <a:ext cx="11613357" cy="1692771"/>
           </a:xfrm>
           <a:prstGeom prst="rect">
@@ -14781,14 +16889,14 @@
   <p:timing>
     <p:tnLst>
       <p:par>
-        <p:cTn id="1" dur="indefinite" restart="never" nodeType="tmRoot"/>
+        <p:cTn xmlns:p14="http://schemas.microsoft.com/office/powerpoint/2010/main" id="1" dur="indefinite" restart="never" nodeType="tmRoot"/>
       </p:par>
     </p:tnLst>
   </p:timing>
 </p:sld>
 </file>
 
-<file path=ppt/slides/slide35.xml><?xml version="1.0" encoding="utf-8"?>
+<file path=ppt/slides/slide39.xml><?xml version="1.0" encoding="utf-8"?>
 <p:sld xmlns:a="http://schemas.openxmlformats.org/drawingml/2006/main" xmlns:r="http://schemas.openxmlformats.org/officeDocument/2006/relationships" xmlns:p="http://schemas.openxmlformats.org/presentationml/2006/main">
   <p:cSld>
     <p:spTree>
@@ -15688,2257 +17796,7 @@
   <p:timing>
     <p:tnLst>
       <p:par>
-        <p:cTn id="1" dur="indefinite" restart="never" nodeType="tmRoot"/>
-      </p:par>
-    </p:tnLst>
-  </p:timing>
-</p:sld>
-</file>
-
-<file path=ppt/slides/slide36.xml><?xml version="1.0" encoding="utf-8"?>
-<p:sld xmlns:a="http://schemas.openxmlformats.org/drawingml/2006/main" xmlns:r="http://schemas.openxmlformats.org/officeDocument/2006/relationships" xmlns:p="http://schemas.openxmlformats.org/presentationml/2006/main">
-  <p:cSld>
-    <p:spTree>
-      <p:nvGrpSpPr>
-        <p:cNvPr id="1" name=""/>
-        <p:cNvGrpSpPr/>
-        <p:nvPr/>
-      </p:nvGrpSpPr>
-      <p:grpSpPr>
-        <a:xfrm>
-          <a:off x="0" y="0"/>
-          <a:ext cx="0" cy="0"/>
-          <a:chOff x="0" y="0"/>
-          <a:chExt cx="0" cy="0"/>
-        </a:xfrm>
-      </p:grpSpPr>
-      <p:sp>
-        <p:nvSpPr>
-          <p:cNvPr id="5" name="Rettangolo 4"/>
-          <p:cNvSpPr/>
-          <p:nvPr/>
-        </p:nvSpPr>
-        <p:spPr>
-          <a:xfrm>
-            <a:off x="0" y="-28574"/>
-            <a:ext cx="12192000" cy="342900"/>
-          </a:xfrm>
-          <a:prstGeom prst="rect">
-            <a:avLst/>
-          </a:prstGeom>
-          <a:solidFill>
-            <a:srgbClr val="0072C6"/>
-          </a:solidFill>
-        </p:spPr>
-        <p:style>
-          <a:lnRef idx="2">
-            <a:schemeClr val="accent1">
-              <a:shade val="50000"/>
-            </a:schemeClr>
-          </a:lnRef>
-          <a:fillRef idx="1">
-            <a:schemeClr val="accent1"/>
-          </a:fillRef>
-          <a:effectRef idx="0">
-            <a:schemeClr val="accent1"/>
-          </a:effectRef>
-          <a:fontRef idx="minor">
-            <a:schemeClr val="lt1"/>
-          </a:fontRef>
-        </p:style>
-        <p:txBody>
-          <a:bodyPr rtlCol="0" anchor="ctr"/>
-          <a:lstStyle/>
-          <a:p>
-            <a:pPr algn="ctr"/>
-            <a:endParaRPr lang="it-IT"/>
-          </a:p>
-        </p:txBody>
-      </p:sp>
-      <p:sp>
-        <p:nvSpPr>
-          <p:cNvPr id="4" name="Rettangolo 3"/>
-          <p:cNvSpPr/>
-          <p:nvPr/>
-        </p:nvSpPr>
-        <p:spPr>
-          <a:xfrm>
-            <a:off x="0" y="6515100"/>
-            <a:ext cx="12192000" cy="342900"/>
-          </a:xfrm>
-          <a:prstGeom prst="rect">
-            <a:avLst/>
-          </a:prstGeom>
-          <a:solidFill>
-            <a:srgbClr val="0072C6"/>
-          </a:solidFill>
-        </p:spPr>
-        <p:style>
-          <a:lnRef idx="2">
-            <a:schemeClr val="accent1">
-              <a:shade val="50000"/>
-            </a:schemeClr>
-          </a:lnRef>
-          <a:fillRef idx="1">
-            <a:schemeClr val="accent1"/>
-          </a:fillRef>
-          <a:effectRef idx="0">
-            <a:schemeClr val="accent1"/>
-          </a:effectRef>
-          <a:fontRef idx="minor">
-            <a:schemeClr val="lt1"/>
-          </a:fontRef>
-        </p:style>
-        <p:txBody>
-          <a:bodyPr rtlCol="0" anchor="ctr"/>
-          <a:lstStyle/>
-          <a:p>
-            <a:pPr algn="ctr"/>
-            <a:endParaRPr lang="it-IT"/>
-          </a:p>
-        </p:txBody>
-      </p:sp>
-      <p:sp>
-        <p:nvSpPr>
-          <p:cNvPr id="9" name="CasellaDiTesto 8"/>
-          <p:cNvSpPr txBox="1"/>
-          <p:nvPr/>
-        </p:nvSpPr>
-        <p:spPr>
-          <a:xfrm>
-            <a:off x="415529" y="314326"/>
-            <a:ext cx="11613357" cy="1692771"/>
-          </a:xfrm>
-          <a:prstGeom prst="rect">
-            <a:avLst/>
-          </a:prstGeom>
-          <a:noFill/>
-        </p:spPr>
-        <p:txBody>
-          <a:bodyPr wrap="square" rtlCol="0">
-            <a:spAutoFit/>
-          </a:bodyPr>
-          <a:lstStyle/>
-          <a:p>
-            <a:r>
-              <a:rPr lang="it-IT" sz="4400" b="1" spc="-100" dirty="0" smtClean="0">
-                <a:ln w="3175">
-                  <a:noFill/>
-                </a:ln>
-                <a:solidFill>
-                  <a:srgbClr val="0072C6"/>
-                </a:solidFill>
-                <a:latin typeface="+mj-lt"/>
-                <a:cs typeface="Arial" charset="0"/>
-              </a:rPr>
-              <a:t>Deployment </a:t>
-            </a:r>
-            <a:r>
-              <a:rPr lang="it-IT" sz="4400" b="1" spc="-100" dirty="0" err="1" smtClean="0">
-                <a:ln w="3175">
-                  <a:noFill/>
-                </a:ln>
-                <a:solidFill>
-                  <a:srgbClr val="0072C6"/>
-                </a:solidFill>
-                <a:latin typeface="+mj-lt"/>
-                <a:cs typeface="Arial" charset="0"/>
-              </a:rPr>
-              <a:t>architecture</a:t>
-            </a:r>
-            <a:r>
-              <a:rPr lang="it-IT" sz="4400" b="1" spc="-100" dirty="0" smtClean="0">
-                <a:ln w="3175">
-                  <a:noFill/>
-                </a:ln>
-                <a:solidFill>
-                  <a:srgbClr val="0072C6"/>
-                </a:solidFill>
-                <a:latin typeface="+mj-lt"/>
-                <a:cs typeface="Arial" charset="0"/>
-              </a:rPr>
-              <a:t> – soluzione 2 – non utilizzata</a:t>
-            </a:r>
-            <a:endParaRPr lang="it-IT" sz="4400" b="1" spc="-100" dirty="0">
-              <a:ln w="3175">
-                <a:noFill/>
-              </a:ln>
-              <a:solidFill>
-                <a:srgbClr val="0072C6"/>
-              </a:solidFill>
-              <a:latin typeface="+mj-lt"/>
-              <a:cs typeface="Arial" charset="0"/>
-            </a:endParaRPr>
-          </a:p>
-          <a:p>
-            <a:endParaRPr lang="it-IT" sz="3000" b="1" spc="-100" dirty="0">
-              <a:ln w="3175">
-                <a:noFill/>
-              </a:ln>
-              <a:solidFill>
-                <a:srgbClr val="0072C6"/>
-              </a:solidFill>
-              <a:latin typeface="+mj-lt"/>
-              <a:cs typeface="Arial" charset="0"/>
-            </a:endParaRPr>
-          </a:p>
-          <a:p>
-            <a:endParaRPr lang="it-IT" sz="3000" b="1" spc="-100" dirty="0">
-              <a:ln w="3175">
-                <a:noFill/>
-              </a:ln>
-              <a:solidFill>
-                <a:srgbClr val="0072C6"/>
-              </a:solidFill>
-              <a:latin typeface="+mj-lt"/>
-              <a:cs typeface="Arial" charset="0"/>
-            </a:endParaRPr>
-          </a:p>
-        </p:txBody>
-      </p:sp>
-      <p:pic>
-        <p:nvPicPr>
-          <p:cNvPr id="3" name="Immagine 2" descr="Schermata 2015-02-20 alle 09.59.13.png"/>
-          <p:cNvPicPr>
-            <a:picLocks noChangeAspect="1"/>
-          </p:cNvPicPr>
-          <p:nvPr/>
-        </p:nvPicPr>
-        <p:blipFill>
-          <a:blip r:embed="rId2">
-            <a:extLst>
-              <a:ext uri="{28A0092B-C50C-407E-A947-70E740481C1C}">
-                <a14:useLocalDpi xmlns:a14="http://schemas.microsoft.com/office/drawing/2010/main" val="0"/>
-              </a:ext>
-            </a:extLst>
-          </a:blip>
-          <a:stretch>
-            <a:fillRect/>
-          </a:stretch>
-        </p:blipFill>
-        <p:spPr>
-          <a:xfrm>
-            <a:off x="1178441" y="926794"/>
-            <a:ext cx="10365703" cy="5572761"/>
-          </a:xfrm>
-          <a:prstGeom prst="rect">
-            <a:avLst/>
-          </a:prstGeom>
-        </p:spPr>
-      </p:pic>
-    </p:spTree>
-    <p:extLst>
-      <p:ext uri="{BB962C8B-B14F-4D97-AF65-F5344CB8AC3E}">
-        <p14:creationId xmlns:p14="http://schemas.microsoft.com/office/powerpoint/2010/main" val="1127813121"/>
-      </p:ext>
-    </p:extLst>
-  </p:cSld>
-  <p:clrMapOvr>
-    <a:masterClrMapping/>
-  </p:clrMapOvr>
-  <mc:AlternateContent xmlns:mc="http://schemas.openxmlformats.org/markup-compatibility/2006" xmlns:p14="http://schemas.microsoft.com/office/powerpoint/2010/main">
-    <mc:Choice Requires="p14">
-      <p:transition p14:dur="10"/>
-    </mc:Choice>
-    <mc:Fallback xmlns="">
-      <p:transition/>
-    </mc:Fallback>
-  </mc:AlternateContent>
-  <p:timing>
-    <p:tnLst>
-      <p:par>
-        <p:cTn id="1" dur="indefinite" restart="never" nodeType="tmRoot"/>
-      </p:par>
-    </p:tnLst>
-  </p:timing>
-</p:sld>
-</file>
-
-<file path=ppt/slides/slide37.xml><?xml version="1.0" encoding="utf-8"?>
-<p:sld xmlns:a="http://schemas.openxmlformats.org/drawingml/2006/main" xmlns:r="http://schemas.openxmlformats.org/officeDocument/2006/relationships" xmlns:p="http://schemas.openxmlformats.org/presentationml/2006/main">
-  <p:cSld>
-    <p:spTree>
-      <p:nvGrpSpPr>
-        <p:cNvPr id="1" name=""/>
-        <p:cNvGrpSpPr/>
-        <p:nvPr/>
-      </p:nvGrpSpPr>
-      <p:grpSpPr>
-        <a:xfrm>
-          <a:off x="0" y="0"/>
-          <a:ext cx="0" cy="0"/>
-          <a:chOff x="0" y="0"/>
-          <a:chExt cx="0" cy="0"/>
-        </a:xfrm>
-      </p:grpSpPr>
-      <p:sp>
-        <p:nvSpPr>
-          <p:cNvPr id="5" name="Rettangolo 4"/>
-          <p:cNvSpPr/>
-          <p:nvPr/>
-        </p:nvSpPr>
-        <p:spPr>
-          <a:xfrm>
-            <a:off x="0" y="-28574"/>
-            <a:ext cx="12192000" cy="342900"/>
-          </a:xfrm>
-          <a:prstGeom prst="rect">
-            <a:avLst/>
-          </a:prstGeom>
-          <a:solidFill>
-            <a:srgbClr val="0072C6"/>
-          </a:solidFill>
-        </p:spPr>
-        <p:style>
-          <a:lnRef idx="2">
-            <a:schemeClr val="accent1">
-              <a:shade val="50000"/>
-            </a:schemeClr>
-          </a:lnRef>
-          <a:fillRef idx="1">
-            <a:schemeClr val="accent1"/>
-          </a:fillRef>
-          <a:effectRef idx="0">
-            <a:schemeClr val="accent1"/>
-          </a:effectRef>
-          <a:fontRef idx="minor">
-            <a:schemeClr val="lt1"/>
-          </a:fontRef>
-        </p:style>
-        <p:txBody>
-          <a:bodyPr rtlCol="0" anchor="ctr"/>
-          <a:lstStyle/>
-          <a:p>
-            <a:pPr algn="ctr"/>
-            <a:endParaRPr lang="it-IT"/>
-          </a:p>
-        </p:txBody>
-      </p:sp>
-      <p:sp>
-        <p:nvSpPr>
-          <p:cNvPr id="4" name="Rettangolo 3"/>
-          <p:cNvSpPr/>
-          <p:nvPr/>
-        </p:nvSpPr>
-        <p:spPr>
-          <a:xfrm>
-            <a:off x="0" y="6515100"/>
-            <a:ext cx="12192000" cy="342900"/>
-          </a:xfrm>
-          <a:prstGeom prst="rect">
-            <a:avLst/>
-          </a:prstGeom>
-          <a:solidFill>
-            <a:srgbClr val="0072C6"/>
-          </a:solidFill>
-        </p:spPr>
-        <p:style>
-          <a:lnRef idx="2">
-            <a:schemeClr val="accent1">
-              <a:shade val="50000"/>
-            </a:schemeClr>
-          </a:lnRef>
-          <a:fillRef idx="1">
-            <a:schemeClr val="accent1"/>
-          </a:fillRef>
-          <a:effectRef idx="0">
-            <a:schemeClr val="accent1"/>
-          </a:effectRef>
-          <a:fontRef idx="minor">
-            <a:schemeClr val="lt1"/>
-          </a:fontRef>
-        </p:style>
-        <p:txBody>
-          <a:bodyPr rtlCol="0" anchor="ctr"/>
-          <a:lstStyle/>
-          <a:p>
-            <a:pPr algn="ctr"/>
-            <a:endParaRPr lang="it-IT"/>
-          </a:p>
-        </p:txBody>
-      </p:sp>
-      <p:sp>
-        <p:nvSpPr>
-          <p:cNvPr id="9" name="CasellaDiTesto 8"/>
-          <p:cNvSpPr txBox="1"/>
-          <p:nvPr/>
-        </p:nvSpPr>
-        <p:spPr>
-          <a:xfrm>
-            <a:off x="415529" y="314326"/>
-            <a:ext cx="11613357" cy="1692771"/>
-          </a:xfrm>
-          <a:prstGeom prst="rect">
-            <a:avLst/>
-          </a:prstGeom>
-          <a:noFill/>
-        </p:spPr>
-        <p:txBody>
-          <a:bodyPr wrap="square" rtlCol="0">
-            <a:spAutoFit/>
-          </a:bodyPr>
-          <a:lstStyle/>
-          <a:p>
-            <a:r>
-              <a:rPr lang="it-IT" sz="4400" b="1" spc="-100" dirty="0" smtClean="0">
-                <a:ln w="3175">
-                  <a:noFill/>
-                </a:ln>
-                <a:solidFill>
-                  <a:srgbClr val="0072C6"/>
-                </a:solidFill>
-                <a:latin typeface="+mj-lt"/>
-                <a:cs typeface="Arial" charset="0"/>
-              </a:rPr>
-              <a:t>Deployment </a:t>
-            </a:r>
-            <a:r>
-              <a:rPr lang="it-IT" sz="4400" b="1" spc="-100" dirty="0" err="1" smtClean="0">
-                <a:ln w="3175">
-                  <a:noFill/>
-                </a:ln>
-                <a:solidFill>
-                  <a:srgbClr val="0072C6"/>
-                </a:solidFill>
-                <a:latin typeface="+mj-lt"/>
-                <a:cs typeface="Arial" charset="0"/>
-              </a:rPr>
-              <a:t>architecture</a:t>
-            </a:r>
-            <a:r>
-              <a:rPr lang="it-IT" sz="4400" b="1" spc="-100" dirty="0" smtClean="0">
-                <a:ln w="3175">
-                  <a:noFill/>
-                </a:ln>
-                <a:solidFill>
-                  <a:srgbClr val="0072C6"/>
-                </a:solidFill>
-                <a:latin typeface="+mj-lt"/>
-                <a:cs typeface="Arial" charset="0"/>
-              </a:rPr>
-              <a:t> – soluzione 2</a:t>
-            </a:r>
-            <a:endParaRPr lang="it-IT" sz="4400" b="1" spc="-100" dirty="0">
-              <a:ln w="3175">
-                <a:noFill/>
-              </a:ln>
-              <a:solidFill>
-                <a:srgbClr val="0072C6"/>
-              </a:solidFill>
-              <a:latin typeface="+mj-lt"/>
-              <a:cs typeface="Arial" charset="0"/>
-            </a:endParaRPr>
-          </a:p>
-          <a:p>
-            <a:endParaRPr lang="it-IT" sz="3000" b="1" spc="-100" dirty="0">
-              <a:ln w="3175">
-                <a:noFill/>
-              </a:ln>
-              <a:solidFill>
-                <a:srgbClr val="0072C6"/>
-              </a:solidFill>
-              <a:latin typeface="+mj-lt"/>
-              <a:cs typeface="Arial" charset="0"/>
-            </a:endParaRPr>
-          </a:p>
-          <a:p>
-            <a:endParaRPr lang="it-IT" sz="3000" b="1" spc="-100" dirty="0">
-              <a:ln w="3175">
-                <a:noFill/>
-              </a:ln>
-              <a:solidFill>
-                <a:srgbClr val="0072C6"/>
-              </a:solidFill>
-              <a:latin typeface="+mj-lt"/>
-              <a:cs typeface="Arial" charset="0"/>
-            </a:endParaRPr>
-          </a:p>
-        </p:txBody>
-      </p:sp>
-      <p:graphicFrame>
-        <p:nvGraphicFramePr>
-          <p:cNvPr id="2" name="Tabella 1"/>
-          <p:cNvGraphicFramePr>
-            <a:graphicFrameLocks noGrp="1"/>
-          </p:cNvGraphicFramePr>
-          <p:nvPr>
-            <p:extLst>
-              <p:ext uri="{D42A27DB-BD31-4B8C-83A1-F6EECF244321}">
-                <p14:modId xmlns:p14="http://schemas.microsoft.com/office/powerpoint/2010/main" val="3865904070"/>
-              </p:ext>
-            </p:extLst>
-          </p:nvPr>
-        </p:nvGraphicFramePr>
-        <p:xfrm>
-          <a:off x="757239" y="1128708"/>
-          <a:ext cx="4529137" cy="2933704"/>
-        </p:xfrm>
-        <a:graphic>
-          <a:graphicData uri="http://schemas.openxmlformats.org/drawingml/2006/table">
-            <a:tbl>
-              <a:tblPr>
-                <a:tableStyleId>{35758FB7-9AC5-4552-8A53-C91805E547FA}</a:tableStyleId>
-              </a:tblPr>
-              <a:tblGrid>
-                <a:gridCol w="2587459"/>
-                <a:gridCol w="1941678"/>
-              </a:tblGrid>
-              <a:tr h="366713">
-                <a:tc>
-                  <a:txBody>
-                    <a:bodyPr/>
-                    <a:lstStyle/>
-                    <a:p>
-                      <a:pPr algn="ctr" fontAlgn="ctr"/>
-                      <a:r>
-                        <a:rPr lang="it-IT" sz="2000" u="none" strike="noStrike" dirty="0">
-                          <a:effectLst/>
-                        </a:rPr>
-                        <a:t>Astrazione</a:t>
-                      </a:r>
-                      <a:endParaRPr lang="it-IT" sz="2000" b="0" i="0" u="none" strike="noStrike" dirty="0">
-                        <a:solidFill>
-                          <a:srgbClr val="000000"/>
-                        </a:solidFill>
-                        <a:effectLst/>
-                        <a:latin typeface="Calibri" panose="020F0502020204030204" pitchFamily="34" charset="0"/>
-                      </a:endParaRPr>
-                    </a:p>
-                  </a:txBody>
-                  <a:tcPr marL="9525" marR="9525" marT="9525" marB="0" anchor="ctr"/>
-                </a:tc>
-                <a:tc>
-                  <a:txBody>
-                    <a:bodyPr/>
-                    <a:lstStyle/>
-                    <a:p>
-                      <a:pPr algn="ctr" fontAlgn="ctr"/>
-                      <a:r>
-                        <a:rPr lang="it-IT" sz="2000" u="none" strike="noStrike">
-                          <a:effectLst/>
-                        </a:rPr>
-                        <a:t>10</a:t>
-                      </a:r>
-                      <a:endParaRPr lang="it-IT" sz="2000" b="0" i="0" u="none" strike="noStrike">
-                        <a:solidFill>
-                          <a:srgbClr val="000000"/>
-                        </a:solidFill>
-                        <a:effectLst/>
-                        <a:latin typeface="Calibri" panose="020F0502020204030204" pitchFamily="34" charset="0"/>
-                      </a:endParaRPr>
-                    </a:p>
-                  </a:txBody>
-                  <a:tcPr marL="9525" marR="9525" marT="9525" marB="0" anchor="ctr"/>
-                </a:tc>
-              </a:tr>
-              <a:tr h="366713">
-                <a:tc>
-                  <a:txBody>
-                    <a:bodyPr/>
-                    <a:lstStyle/>
-                    <a:p>
-                      <a:pPr algn="ctr" fontAlgn="ctr"/>
-                      <a:r>
-                        <a:rPr lang="it-IT" sz="2000" u="none" strike="noStrike" dirty="0">
-                          <a:effectLst/>
-                        </a:rPr>
-                        <a:t>Complessità</a:t>
-                      </a:r>
-                      <a:endParaRPr lang="it-IT" sz="2000" b="0" i="0" u="none" strike="noStrike" dirty="0">
-                        <a:solidFill>
-                          <a:srgbClr val="000000"/>
-                        </a:solidFill>
-                        <a:effectLst/>
-                        <a:latin typeface="Calibri" panose="020F0502020204030204" pitchFamily="34" charset="0"/>
-                      </a:endParaRPr>
-                    </a:p>
-                  </a:txBody>
-                  <a:tcPr marL="9525" marR="9525" marT="9525" marB="0" anchor="ctr"/>
-                </a:tc>
-                <a:tc>
-                  <a:txBody>
-                    <a:bodyPr/>
-                    <a:lstStyle/>
-                    <a:p>
-                      <a:pPr algn="ctr" fontAlgn="ctr"/>
-                      <a:r>
-                        <a:rPr lang="it-IT" sz="2000" u="none" strike="noStrike">
-                          <a:effectLst/>
-                        </a:rPr>
-                        <a:t>10</a:t>
-                      </a:r>
-                      <a:endParaRPr lang="it-IT" sz="2000" b="0" i="0" u="none" strike="noStrike">
-                        <a:solidFill>
-                          <a:srgbClr val="000000"/>
-                        </a:solidFill>
-                        <a:effectLst/>
-                        <a:latin typeface="Calibri" panose="020F0502020204030204" pitchFamily="34" charset="0"/>
-                      </a:endParaRPr>
-                    </a:p>
-                  </a:txBody>
-                  <a:tcPr marL="9525" marR="9525" marT="9525" marB="0" anchor="ctr"/>
-                </a:tc>
-              </a:tr>
-              <a:tr h="366713">
-                <a:tc>
-                  <a:txBody>
-                    <a:bodyPr/>
-                    <a:lstStyle/>
-                    <a:p>
-                      <a:pPr algn="ctr" fontAlgn="ctr"/>
-                      <a:r>
-                        <a:rPr lang="it-IT" sz="2000" u="none" strike="noStrike" dirty="0">
-                          <a:effectLst/>
-                        </a:rPr>
-                        <a:t>Frequenza</a:t>
-                      </a:r>
-                      <a:endParaRPr lang="it-IT" sz="2000" b="0" i="0" u="none" strike="noStrike" dirty="0">
-                        <a:solidFill>
-                          <a:srgbClr val="000000"/>
-                        </a:solidFill>
-                        <a:effectLst/>
-                        <a:latin typeface="Calibri" panose="020F0502020204030204" pitchFamily="34" charset="0"/>
-                      </a:endParaRPr>
-                    </a:p>
-                  </a:txBody>
-                  <a:tcPr marL="9525" marR="9525" marT="9525" marB="0" anchor="ctr"/>
-                </a:tc>
-                <a:tc>
-                  <a:txBody>
-                    <a:bodyPr/>
-                    <a:lstStyle/>
-                    <a:p>
-                      <a:pPr algn="ctr" fontAlgn="ctr"/>
-                      <a:r>
-                        <a:rPr lang="it-IT" sz="2000" u="none" strike="noStrike">
-                          <a:effectLst/>
-                        </a:rPr>
-                        <a:t>20</a:t>
-                      </a:r>
-                      <a:endParaRPr lang="it-IT" sz="2000" b="0" i="0" u="none" strike="noStrike">
-                        <a:solidFill>
-                          <a:srgbClr val="000000"/>
-                        </a:solidFill>
-                        <a:effectLst/>
-                        <a:latin typeface="Calibri" panose="020F0502020204030204" pitchFamily="34" charset="0"/>
-                      </a:endParaRPr>
-                    </a:p>
-                  </a:txBody>
-                  <a:tcPr marL="9525" marR="9525" marT="9525" marB="0" anchor="ctr"/>
-                </a:tc>
-              </a:tr>
-              <a:tr h="366713">
-                <a:tc>
-                  <a:txBody>
-                    <a:bodyPr/>
-                    <a:lstStyle/>
-                    <a:p>
-                      <a:pPr algn="ctr" fontAlgn="ctr"/>
-                      <a:r>
-                        <a:rPr lang="it-IT" sz="2000" u="none" strike="noStrike" dirty="0">
-                          <a:effectLst/>
-                        </a:rPr>
-                        <a:t>Ritardo</a:t>
-                      </a:r>
-                      <a:endParaRPr lang="it-IT" sz="2000" b="0" i="0" u="none" strike="noStrike" dirty="0">
-                        <a:solidFill>
-                          <a:srgbClr val="000000"/>
-                        </a:solidFill>
-                        <a:effectLst/>
-                        <a:latin typeface="Calibri" panose="020F0502020204030204" pitchFamily="34" charset="0"/>
-                      </a:endParaRPr>
-                    </a:p>
-                  </a:txBody>
-                  <a:tcPr marL="9525" marR="9525" marT="9525" marB="0" anchor="ctr"/>
-                </a:tc>
-                <a:tc>
-                  <a:txBody>
-                    <a:bodyPr/>
-                    <a:lstStyle/>
-                    <a:p>
-                      <a:pPr algn="ctr" fontAlgn="ctr"/>
-                      <a:r>
-                        <a:rPr lang="it-IT" sz="2000" u="none" strike="noStrike">
-                          <a:effectLst/>
-                        </a:rPr>
-                        <a:t>10</a:t>
-                      </a:r>
-                      <a:endParaRPr lang="it-IT" sz="2000" b="0" i="0" u="none" strike="noStrike">
-                        <a:solidFill>
-                          <a:srgbClr val="000000"/>
-                        </a:solidFill>
-                        <a:effectLst/>
-                        <a:latin typeface="Calibri" panose="020F0502020204030204" pitchFamily="34" charset="0"/>
-                      </a:endParaRPr>
-                    </a:p>
-                  </a:txBody>
-                  <a:tcPr marL="9525" marR="9525" marT="9525" marB="0" anchor="ctr"/>
-                </a:tc>
-              </a:tr>
-              <a:tr h="366713">
-                <a:tc>
-                  <a:txBody>
-                    <a:bodyPr/>
-                    <a:lstStyle/>
-                    <a:p>
-                      <a:pPr algn="ctr" fontAlgn="ctr"/>
-                      <a:r>
-                        <a:rPr lang="it-IT" sz="2000" u="none" strike="noStrike" dirty="0">
-                          <a:effectLst/>
-                        </a:rPr>
-                        <a:t>Localizzazione</a:t>
-                      </a:r>
-                      <a:endParaRPr lang="it-IT" sz="2000" b="0" i="0" u="none" strike="noStrike" dirty="0">
-                        <a:solidFill>
-                          <a:srgbClr val="000000"/>
-                        </a:solidFill>
-                        <a:effectLst/>
-                        <a:latin typeface="Calibri" panose="020F0502020204030204" pitchFamily="34" charset="0"/>
-                      </a:endParaRPr>
-                    </a:p>
-                  </a:txBody>
-                  <a:tcPr marL="9525" marR="9525" marT="9525" marB="0" anchor="ctr"/>
-                </a:tc>
-                <a:tc>
-                  <a:txBody>
-                    <a:bodyPr/>
-                    <a:lstStyle/>
-                    <a:p>
-                      <a:pPr algn="ctr" fontAlgn="ctr"/>
-                      <a:r>
-                        <a:rPr lang="it-IT" sz="2000" u="none" strike="noStrike" dirty="0">
-                          <a:effectLst/>
-                        </a:rPr>
-                        <a:t>30</a:t>
-                      </a:r>
-                      <a:endParaRPr lang="it-IT" sz="2000" b="0" i="0" u="none" strike="noStrike" dirty="0">
-                        <a:solidFill>
-                          <a:srgbClr val="000000"/>
-                        </a:solidFill>
-                        <a:effectLst/>
-                        <a:latin typeface="Calibri" panose="020F0502020204030204" pitchFamily="34" charset="0"/>
-                      </a:endParaRPr>
-                    </a:p>
-                  </a:txBody>
-                  <a:tcPr marL="9525" marR="9525" marT="9525" marB="0" anchor="ctr"/>
-                </a:tc>
-              </a:tr>
-              <a:tr h="366713">
-                <a:tc>
-                  <a:txBody>
-                    <a:bodyPr/>
-                    <a:lstStyle/>
-                    <a:p>
-                      <a:pPr algn="ctr" fontAlgn="ctr"/>
-                      <a:r>
-                        <a:rPr lang="it-IT" sz="2000" u="none" strike="noStrike">
-                          <a:effectLst/>
-                        </a:rPr>
-                        <a:t>ExtraFlow</a:t>
-                      </a:r>
-                      <a:endParaRPr lang="it-IT" sz="2000" b="0" i="0" u="none" strike="noStrike">
-                        <a:solidFill>
-                          <a:srgbClr val="000000"/>
-                        </a:solidFill>
-                        <a:effectLst/>
-                        <a:latin typeface="Calibri" panose="020F0502020204030204" pitchFamily="34" charset="0"/>
-                      </a:endParaRPr>
-                    </a:p>
-                  </a:txBody>
-                  <a:tcPr marL="9525" marR="9525" marT="9525" marB="0" anchor="ctr"/>
-                </a:tc>
-                <a:tc>
-                  <a:txBody>
-                    <a:bodyPr/>
-                    <a:lstStyle/>
-                    <a:p>
-                      <a:pPr algn="ctr" fontAlgn="ctr"/>
-                      <a:r>
-                        <a:rPr lang="it-IT" sz="2000" u="none" strike="noStrike" dirty="0">
-                          <a:effectLst/>
-                        </a:rPr>
-                        <a:t>100</a:t>
-                      </a:r>
-                      <a:endParaRPr lang="it-IT" sz="2000" b="0" i="0" u="none" strike="noStrike" dirty="0">
-                        <a:solidFill>
-                          <a:srgbClr val="000000"/>
-                        </a:solidFill>
-                        <a:effectLst/>
-                        <a:latin typeface="Calibri" panose="020F0502020204030204" pitchFamily="34" charset="0"/>
-                      </a:endParaRPr>
-                    </a:p>
-                  </a:txBody>
-                  <a:tcPr marL="9525" marR="9525" marT="9525" marB="0" anchor="ctr"/>
-                </a:tc>
-              </a:tr>
-              <a:tr h="366713">
-                <a:tc>
-                  <a:txBody>
-                    <a:bodyPr/>
-                    <a:lstStyle/>
-                    <a:p>
-                      <a:pPr algn="ctr" fontAlgn="ctr"/>
-                      <a:r>
-                        <a:rPr lang="it-IT" sz="2000" u="none" strike="noStrike">
-                          <a:effectLst/>
-                        </a:rPr>
-                        <a:t>IntrFlow</a:t>
-                      </a:r>
-                      <a:endParaRPr lang="it-IT" sz="2000" b="0" i="0" u="none" strike="noStrike">
-                        <a:solidFill>
-                          <a:srgbClr val="000000"/>
-                        </a:solidFill>
-                        <a:effectLst/>
-                        <a:latin typeface="Calibri" panose="020F0502020204030204" pitchFamily="34" charset="0"/>
-                      </a:endParaRPr>
-                    </a:p>
-                  </a:txBody>
-                  <a:tcPr marL="9525" marR="9525" marT="9525" marB="0" anchor="ctr"/>
-                </a:tc>
-                <a:tc>
-                  <a:txBody>
-                    <a:bodyPr/>
-                    <a:lstStyle/>
-                    <a:p>
-                      <a:pPr algn="ctr" fontAlgn="ctr"/>
-                      <a:r>
-                        <a:rPr lang="it-IT" sz="2000" u="none" strike="noStrike" dirty="0">
-                          <a:effectLst/>
-                        </a:rPr>
-                        <a:t>60</a:t>
-                      </a:r>
-                      <a:endParaRPr lang="it-IT" sz="2000" b="0" i="0" u="none" strike="noStrike" dirty="0">
-                        <a:solidFill>
-                          <a:srgbClr val="000000"/>
-                        </a:solidFill>
-                        <a:effectLst/>
-                        <a:latin typeface="Calibri" panose="020F0502020204030204" pitchFamily="34" charset="0"/>
-                      </a:endParaRPr>
-                    </a:p>
-                  </a:txBody>
-                  <a:tcPr marL="9525" marR="9525" marT="9525" marB="0" anchor="ctr"/>
-                </a:tc>
-              </a:tr>
-              <a:tr h="366713">
-                <a:tc>
-                  <a:txBody>
-                    <a:bodyPr/>
-                    <a:lstStyle/>
-                    <a:p>
-                      <a:pPr algn="ctr" fontAlgn="ctr"/>
-                      <a:r>
-                        <a:rPr lang="it-IT" sz="2000" u="none" strike="noStrike">
-                          <a:effectLst/>
-                        </a:rPr>
-                        <a:t>Condivisione</a:t>
-                      </a:r>
-                      <a:endParaRPr lang="it-IT" sz="2000" b="0" i="0" u="none" strike="noStrike">
-                        <a:solidFill>
-                          <a:srgbClr val="000000"/>
-                        </a:solidFill>
-                        <a:effectLst/>
-                        <a:latin typeface="Calibri" panose="020F0502020204030204" pitchFamily="34" charset="0"/>
-                      </a:endParaRPr>
-                    </a:p>
-                  </a:txBody>
-                  <a:tcPr marL="9525" marR="9525" marT="9525" marB="0" anchor="ctr"/>
-                </a:tc>
-                <a:tc>
-                  <a:txBody>
-                    <a:bodyPr/>
-                    <a:lstStyle/>
-                    <a:p>
-                      <a:pPr algn="ctr" fontAlgn="ctr"/>
-                      <a:r>
-                        <a:rPr lang="it-IT" sz="2000" u="none" strike="noStrike" dirty="0">
-                          <a:effectLst/>
-                        </a:rPr>
-                        <a:t>50</a:t>
-                      </a:r>
-                      <a:endParaRPr lang="it-IT" sz="2000" b="0" i="0" u="none" strike="noStrike" dirty="0">
-                        <a:solidFill>
-                          <a:srgbClr val="000000"/>
-                        </a:solidFill>
-                        <a:effectLst/>
-                        <a:latin typeface="Calibri" panose="020F0502020204030204" pitchFamily="34" charset="0"/>
-                      </a:endParaRPr>
-                    </a:p>
-                  </a:txBody>
-                  <a:tcPr marL="9525" marR="9525" marT="9525" marB="0" anchor="ctr"/>
-                </a:tc>
-              </a:tr>
-            </a:tbl>
-          </a:graphicData>
-        </a:graphic>
-      </p:graphicFrame>
-      <p:graphicFrame>
-        <p:nvGraphicFramePr>
-          <p:cNvPr id="11" name="Tabella 10"/>
-          <p:cNvGraphicFramePr>
-            <a:graphicFrameLocks noGrp="1"/>
-          </p:cNvGraphicFramePr>
-          <p:nvPr>
-            <p:extLst>
-              <p:ext uri="{D42A27DB-BD31-4B8C-83A1-F6EECF244321}">
-                <p14:modId xmlns:p14="http://schemas.microsoft.com/office/powerpoint/2010/main" val="2730722614"/>
-              </p:ext>
-            </p:extLst>
-          </p:nvPr>
-        </p:nvGraphicFramePr>
-        <p:xfrm>
-          <a:off x="300037" y="4700590"/>
-          <a:ext cx="5572126" cy="1501139"/>
-        </p:xfrm>
-        <a:graphic>
-          <a:graphicData uri="http://schemas.openxmlformats.org/drawingml/2006/table">
-            <a:tbl>
-              <a:tblPr firstRow="1">
-                <a:tableStyleId>{35758FB7-9AC5-4552-8A53-C91805E547FA}</a:tableStyleId>
-              </a:tblPr>
-              <a:tblGrid>
-                <a:gridCol w="3086101"/>
-                <a:gridCol w="2486025"/>
-              </a:tblGrid>
-              <a:tr h="476471">
-                <a:tc>
-                  <a:txBody>
-                    <a:bodyPr/>
-                    <a:lstStyle/>
-                    <a:p>
-                      <a:pPr algn="ctr" fontAlgn="ctr"/>
-                      <a:r>
-                        <a:rPr lang="it-IT" sz="2000" u="none" strike="noStrike" dirty="0">
-                          <a:effectLst/>
-                        </a:rPr>
-                        <a:t>Pro</a:t>
-                      </a:r>
-                      <a:endParaRPr lang="it-IT" sz="2000" b="0" i="0" u="none" strike="noStrike" dirty="0">
-                        <a:solidFill>
-                          <a:srgbClr val="000000"/>
-                        </a:solidFill>
-                        <a:effectLst/>
-                        <a:latin typeface="Calibri" panose="020F0502020204030204" pitchFamily="34" charset="0"/>
-                      </a:endParaRPr>
-                    </a:p>
-                  </a:txBody>
-                  <a:tcPr marL="9525" marR="9525" marT="9525" marB="0" anchor="ctr"/>
-                </a:tc>
-                <a:tc>
-                  <a:txBody>
-                    <a:bodyPr/>
-                    <a:lstStyle/>
-                    <a:p>
-                      <a:pPr algn="ctr" fontAlgn="ctr"/>
-                      <a:r>
-                        <a:rPr lang="it-IT" sz="2000" u="none" strike="noStrike">
-                          <a:effectLst/>
-                        </a:rPr>
-                        <a:t>Contro</a:t>
-                      </a:r>
-                      <a:endParaRPr lang="it-IT" sz="2000" b="0" i="0" u="none" strike="noStrike">
-                        <a:solidFill>
-                          <a:srgbClr val="000000"/>
-                        </a:solidFill>
-                        <a:effectLst/>
-                        <a:latin typeface="Calibri" panose="020F0502020204030204" pitchFamily="34" charset="0"/>
-                      </a:endParaRPr>
-                    </a:p>
-                  </a:txBody>
-                  <a:tcPr marL="9525" marR="9525" marT="9525" marB="0" anchor="ctr"/>
-                </a:tc>
-              </a:tr>
-              <a:tr h="512334">
-                <a:tc>
-                  <a:txBody>
-                    <a:bodyPr/>
-                    <a:lstStyle/>
-                    <a:p>
-                      <a:pPr algn="ctr" fontAlgn="ctr"/>
-                      <a:r>
-                        <a:rPr lang="it-IT" sz="2000" u="none" strike="noStrike" dirty="0">
-                          <a:effectLst/>
-                        </a:rPr>
-                        <a:t>Complessità bassa</a:t>
-                      </a:r>
-                      <a:endParaRPr lang="it-IT" sz="2000" b="0" i="0" u="none" strike="noStrike" dirty="0">
-                        <a:solidFill>
-                          <a:srgbClr val="000000"/>
-                        </a:solidFill>
-                        <a:effectLst/>
-                        <a:latin typeface="Calibri" panose="020F0502020204030204" pitchFamily="34" charset="0"/>
-                      </a:endParaRPr>
-                    </a:p>
-                  </a:txBody>
-                  <a:tcPr marL="9525" marR="9525" marT="9525" marB="0" anchor="ctr"/>
-                </a:tc>
-                <a:tc>
-                  <a:txBody>
-                    <a:bodyPr/>
-                    <a:lstStyle/>
-                    <a:p>
-                      <a:pPr algn="ctr" fontAlgn="ctr"/>
-                      <a:r>
-                        <a:rPr lang="it-IT" sz="2000" u="none" strike="noStrike">
-                          <a:effectLst/>
-                        </a:rPr>
-                        <a:t>ExtraFlow elevato</a:t>
-                      </a:r>
-                      <a:endParaRPr lang="it-IT" sz="2000" b="0" i="0" u="none" strike="noStrike">
-                        <a:solidFill>
-                          <a:srgbClr val="000000"/>
-                        </a:solidFill>
-                        <a:effectLst/>
-                        <a:latin typeface="Calibri" panose="020F0502020204030204" pitchFamily="34" charset="0"/>
-                      </a:endParaRPr>
-                    </a:p>
-                  </a:txBody>
-                  <a:tcPr marL="9525" marR="9525" marT="9525" marB="0" anchor="ctr"/>
-                </a:tc>
-              </a:tr>
-              <a:tr h="512334">
-                <a:tc>
-                  <a:txBody>
-                    <a:bodyPr/>
-                    <a:lstStyle/>
-                    <a:p>
-                      <a:pPr algn="ctr" fontAlgn="ctr"/>
-                      <a:r>
-                        <a:rPr lang="it-IT" sz="2000" u="none" strike="noStrike" dirty="0">
-                          <a:effectLst/>
-                        </a:rPr>
-                        <a:t>Condivisione media</a:t>
-                      </a:r>
-                      <a:endParaRPr lang="it-IT" sz="2000" b="0" i="0" u="none" strike="noStrike" dirty="0">
-                        <a:solidFill>
-                          <a:srgbClr val="000000"/>
-                        </a:solidFill>
-                        <a:effectLst/>
-                        <a:latin typeface="Calibri" panose="020F0502020204030204" pitchFamily="34" charset="0"/>
-                      </a:endParaRPr>
-                    </a:p>
-                  </a:txBody>
-                  <a:tcPr marL="9525" marR="9525" marT="9525" marB="0" anchor="ctr"/>
-                </a:tc>
-                <a:tc>
-                  <a:txBody>
-                    <a:bodyPr/>
-                    <a:lstStyle/>
-                    <a:p>
-                      <a:pPr algn="ctr" fontAlgn="ctr"/>
-                      <a:endParaRPr lang="it-IT" sz="2000" b="0" i="0" u="none" strike="noStrike" dirty="0">
-                        <a:solidFill>
-                          <a:srgbClr val="000000"/>
-                        </a:solidFill>
-                        <a:effectLst/>
-                        <a:latin typeface="Calibri" panose="020F0502020204030204" pitchFamily="34" charset="0"/>
-                      </a:endParaRPr>
-                    </a:p>
-                  </a:txBody>
-                  <a:tcPr marL="9525" marR="9525" marT="9525" marB="0" anchor="ctr"/>
-                </a:tc>
-              </a:tr>
-            </a:tbl>
-          </a:graphicData>
-        </a:graphic>
-      </p:graphicFrame>
-      <p:graphicFrame>
-        <p:nvGraphicFramePr>
-          <p:cNvPr id="10" name="Grafico 9"/>
-          <p:cNvGraphicFramePr>
-            <a:graphicFrameLocks/>
-          </p:cNvGraphicFramePr>
-          <p:nvPr>
-            <p:extLst>
-              <p:ext uri="{D42A27DB-BD31-4B8C-83A1-F6EECF244321}">
-                <p14:modId xmlns:p14="http://schemas.microsoft.com/office/powerpoint/2010/main" val="4211222486"/>
-              </p:ext>
-            </p:extLst>
-          </p:nvPr>
-        </p:nvGraphicFramePr>
-        <p:xfrm>
-          <a:off x="3887342" y="810198"/>
-          <a:ext cx="10234614" cy="5498306"/>
-        </p:xfrm>
-        <a:graphic>
-          <a:graphicData uri="http://schemas.openxmlformats.org/drawingml/2006/chart">
-            <c:chart xmlns:c="http://schemas.openxmlformats.org/drawingml/2006/chart" xmlns:r="http://schemas.openxmlformats.org/officeDocument/2006/relationships" r:id="rId2"/>
-          </a:graphicData>
-        </a:graphic>
-      </p:graphicFrame>
-    </p:spTree>
-    <p:extLst>
-      <p:ext uri="{BB962C8B-B14F-4D97-AF65-F5344CB8AC3E}">
-        <p14:creationId xmlns:p14="http://schemas.microsoft.com/office/powerpoint/2010/main" val="2779379708"/>
-      </p:ext>
-    </p:extLst>
-  </p:cSld>
-  <p:clrMapOvr>
-    <a:masterClrMapping/>
-  </p:clrMapOvr>
-  <mc:AlternateContent xmlns:mc="http://schemas.openxmlformats.org/markup-compatibility/2006" xmlns:p14="http://schemas.microsoft.com/office/powerpoint/2010/main">
-    <mc:Choice Requires="p14">
-      <p:transition p14:dur="10"/>
-    </mc:Choice>
-    <mc:Fallback xmlns="">
-      <p:transition/>
-    </mc:Fallback>
-  </mc:AlternateContent>
-  <p:timing>
-    <p:tnLst>
-      <p:par>
-        <p:cTn id="1" dur="indefinite" restart="never" nodeType="tmRoot"/>
-      </p:par>
-    </p:tnLst>
-  </p:timing>
-</p:sld>
-</file>
-
-<file path=ppt/slides/slide38.xml><?xml version="1.0" encoding="utf-8"?>
-<p:sld xmlns:a="http://schemas.openxmlformats.org/drawingml/2006/main" xmlns:r="http://schemas.openxmlformats.org/officeDocument/2006/relationships" xmlns:p="http://schemas.openxmlformats.org/presentationml/2006/main">
-  <p:cSld>
-    <p:spTree>
-      <p:nvGrpSpPr>
-        <p:cNvPr id="1" name=""/>
-        <p:cNvGrpSpPr/>
-        <p:nvPr/>
-      </p:nvGrpSpPr>
-      <p:grpSpPr>
-        <a:xfrm>
-          <a:off x="0" y="0"/>
-          <a:ext cx="0" cy="0"/>
-          <a:chOff x="0" y="0"/>
-          <a:chExt cx="0" cy="0"/>
-        </a:xfrm>
-      </p:grpSpPr>
-      <p:sp>
-        <p:nvSpPr>
-          <p:cNvPr id="5" name="Rettangolo 4"/>
-          <p:cNvSpPr/>
-          <p:nvPr/>
-        </p:nvSpPr>
-        <p:spPr>
-          <a:xfrm>
-            <a:off x="0" y="-28574"/>
-            <a:ext cx="12192000" cy="342900"/>
-          </a:xfrm>
-          <a:prstGeom prst="rect">
-            <a:avLst/>
-          </a:prstGeom>
-          <a:solidFill>
-            <a:srgbClr val="0072C6"/>
-          </a:solidFill>
-        </p:spPr>
-        <p:style>
-          <a:lnRef idx="2">
-            <a:schemeClr val="accent1">
-              <a:shade val="50000"/>
-            </a:schemeClr>
-          </a:lnRef>
-          <a:fillRef idx="1">
-            <a:schemeClr val="accent1"/>
-          </a:fillRef>
-          <a:effectRef idx="0">
-            <a:schemeClr val="accent1"/>
-          </a:effectRef>
-          <a:fontRef idx="minor">
-            <a:schemeClr val="lt1"/>
-          </a:fontRef>
-        </p:style>
-        <p:txBody>
-          <a:bodyPr rtlCol="0" anchor="ctr"/>
-          <a:lstStyle/>
-          <a:p>
-            <a:pPr algn="ctr"/>
-            <a:endParaRPr lang="it-IT"/>
-          </a:p>
-        </p:txBody>
-      </p:sp>
-      <p:sp>
-        <p:nvSpPr>
-          <p:cNvPr id="4" name="Rettangolo 3"/>
-          <p:cNvSpPr/>
-          <p:nvPr/>
-        </p:nvSpPr>
-        <p:spPr>
-          <a:xfrm>
-            <a:off x="0" y="6515100"/>
-            <a:ext cx="12192000" cy="342900"/>
-          </a:xfrm>
-          <a:prstGeom prst="rect">
-            <a:avLst/>
-          </a:prstGeom>
-          <a:solidFill>
-            <a:srgbClr val="0072C6"/>
-          </a:solidFill>
-        </p:spPr>
-        <p:style>
-          <a:lnRef idx="2">
-            <a:schemeClr val="accent1">
-              <a:shade val="50000"/>
-            </a:schemeClr>
-          </a:lnRef>
-          <a:fillRef idx="1">
-            <a:schemeClr val="accent1"/>
-          </a:fillRef>
-          <a:effectRef idx="0">
-            <a:schemeClr val="accent1"/>
-          </a:effectRef>
-          <a:fontRef idx="minor">
-            <a:schemeClr val="lt1"/>
-          </a:fontRef>
-        </p:style>
-        <p:txBody>
-          <a:bodyPr rtlCol="0" anchor="ctr"/>
-          <a:lstStyle/>
-          <a:p>
-            <a:pPr algn="ctr"/>
-            <a:endParaRPr lang="it-IT"/>
-          </a:p>
-        </p:txBody>
-      </p:sp>
-      <p:sp>
-        <p:nvSpPr>
-          <p:cNvPr id="9" name="CasellaDiTesto 8"/>
-          <p:cNvSpPr txBox="1"/>
-          <p:nvPr/>
-        </p:nvSpPr>
-        <p:spPr>
-          <a:xfrm>
-            <a:off x="415529" y="314326"/>
-            <a:ext cx="11613357" cy="1692771"/>
-          </a:xfrm>
-          <a:prstGeom prst="rect">
-            <a:avLst/>
-          </a:prstGeom>
-          <a:noFill/>
-        </p:spPr>
-        <p:txBody>
-          <a:bodyPr wrap="square" rtlCol="0">
-            <a:spAutoFit/>
-          </a:bodyPr>
-          <a:lstStyle/>
-          <a:p>
-            <a:r>
-              <a:rPr lang="it-IT" sz="4400" b="1" spc="-100" dirty="0" smtClean="0">
-                <a:ln w="3175">
-                  <a:noFill/>
-                </a:ln>
-                <a:solidFill>
-                  <a:srgbClr val="0072C6"/>
-                </a:solidFill>
-                <a:latin typeface="+mj-lt"/>
-                <a:cs typeface="Arial" charset="0"/>
-              </a:rPr>
-              <a:t>Deployment </a:t>
-            </a:r>
-            <a:r>
-              <a:rPr lang="it-IT" sz="4400" b="1" spc="-100" dirty="0" err="1" smtClean="0">
-                <a:ln w="3175">
-                  <a:noFill/>
-                </a:ln>
-                <a:solidFill>
-                  <a:srgbClr val="0072C6"/>
-                </a:solidFill>
-                <a:latin typeface="+mj-lt"/>
-                <a:cs typeface="Arial" charset="0"/>
-              </a:rPr>
-              <a:t>architecture</a:t>
-            </a:r>
-            <a:r>
-              <a:rPr lang="it-IT" sz="4400" b="1" spc="-100" dirty="0" smtClean="0">
-                <a:ln w="3175">
-                  <a:noFill/>
-                </a:ln>
-                <a:solidFill>
-                  <a:srgbClr val="0072C6"/>
-                </a:solidFill>
-                <a:latin typeface="+mj-lt"/>
-                <a:cs typeface="Arial" charset="0"/>
-              </a:rPr>
-              <a:t> – soluzione 3 – non utilizzata</a:t>
-            </a:r>
-            <a:endParaRPr lang="it-IT" sz="4400" b="1" spc="-100" dirty="0">
-              <a:ln w="3175">
-                <a:noFill/>
-              </a:ln>
-              <a:solidFill>
-                <a:srgbClr val="0072C6"/>
-              </a:solidFill>
-              <a:latin typeface="+mj-lt"/>
-              <a:cs typeface="Arial" charset="0"/>
-            </a:endParaRPr>
-          </a:p>
-          <a:p>
-            <a:endParaRPr lang="it-IT" sz="3000" b="1" spc="-100" dirty="0">
-              <a:ln w="3175">
-                <a:noFill/>
-              </a:ln>
-              <a:solidFill>
-                <a:srgbClr val="0072C6"/>
-              </a:solidFill>
-              <a:latin typeface="+mj-lt"/>
-              <a:cs typeface="Arial" charset="0"/>
-            </a:endParaRPr>
-          </a:p>
-          <a:p>
-            <a:endParaRPr lang="it-IT" sz="3000" b="1" spc="-100" dirty="0">
-              <a:ln w="3175">
-                <a:noFill/>
-              </a:ln>
-              <a:solidFill>
-                <a:srgbClr val="0072C6"/>
-              </a:solidFill>
-              <a:latin typeface="+mj-lt"/>
-              <a:cs typeface="Arial" charset="0"/>
-            </a:endParaRPr>
-          </a:p>
-        </p:txBody>
-      </p:sp>
-      <p:pic>
-        <p:nvPicPr>
-          <p:cNvPr id="2" name="Immagine 1" descr="Schermata 2015-02-20 alle 09.59.24.png"/>
-          <p:cNvPicPr>
-            <a:picLocks noChangeAspect="1"/>
-          </p:cNvPicPr>
-          <p:nvPr/>
-        </p:nvPicPr>
-        <p:blipFill>
-          <a:blip r:embed="rId2">
-            <a:extLst>
-              <a:ext uri="{28A0092B-C50C-407E-A947-70E740481C1C}">
-                <a14:useLocalDpi xmlns:a14="http://schemas.microsoft.com/office/drawing/2010/main" val="0"/>
-              </a:ext>
-            </a:extLst>
-          </a:blip>
-          <a:stretch>
-            <a:fillRect/>
-          </a:stretch>
-        </p:blipFill>
-        <p:spPr>
-          <a:xfrm>
-            <a:off x="686468" y="951792"/>
-            <a:ext cx="11189469" cy="5535776"/>
-          </a:xfrm>
-          <a:prstGeom prst="rect">
-            <a:avLst/>
-          </a:prstGeom>
-        </p:spPr>
-      </p:pic>
-    </p:spTree>
-    <p:extLst>
-      <p:ext uri="{BB962C8B-B14F-4D97-AF65-F5344CB8AC3E}">
-        <p14:creationId xmlns:p14="http://schemas.microsoft.com/office/powerpoint/2010/main" val="3637185699"/>
-      </p:ext>
-    </p:extLst>
-  </p:cSld>
-  <p:clrMapOvr>
-    <a:masterClrMapping/>
-  </p:clrMapOvr>
-  <mc:AlternateContent xmlns:mc="http://schemas.openxmlformats.org/markup-compatibility/2006" xmlns:p14="http://schemas.microsoft.com/office/powerpoint/2010/main">
-    <mc:Choice Requires="p14">
-      <p:transition p14:dur="10"/>
-    </mc:Choice>
-    <mc:Fallback xmlns="">
-      <p:transition/>
-    </mc:Fallback>
-  </mc:AlternateContent>
-  <p:timing>
-    <p:tnLst>
-      <p:par>
-        <p:cTn id="1" dur="indefinite" restart="never" nodeType="tmRoot"/>
-      </p:par>
-    </p:tnLst>
-  </p:timing>
-</p:sld>
-</file>
-
-<file path=ppt/slides/slide39.xml><?xml version="1.0" encoding="utf-8"?>
-<p:sld xmlns:a="http://schemas.openxmlformats.org/drawingml/2006/main" xmlns:r="http://schemas.openxmlformats.org/officeDocument/2006/relationships" xmlns:p="http://schemas.openxmlformats.org/presentationml/2006/main">
-  <p:cSld>
-    <p:spTree>
-      <p:nvGrpSpPr>
-        <p:cNvPr id="1" name=""/>
-        <p:cNvGrpSpPr/>
-        <p:nvPr/>
-      </p:nvGrpSpPr>
-      <p:grpSpPr>
-        <a:xfrm>
-          <a:off x="0" y="0"/>
-          <a:ext cx="0" cy="0"/>
-          <a:chOff x="0" y="0"/>
-          <a:chExt cx="0" cy="0"/>
-        </a:xfrm>
-      </p:grpSpPr>
-      <p:sp>
-        <p:nvSpPr>
-          <p:cNvPr id="5" name="Rettangolo 4"/>
-          <p:cNvSpPr/>
-          <p:nvPr/>
-        </p:nvSpPr>
-        <p:spPr>
-          <a:xfrm>
-            <a:off x="0" y="-28574"/>
-            <a:ext cx="12192000" cy="342900"/>
-          </a:xfrm>
-          <a:prstGeom prst="rect">
-            <a:avLst/>
-          </a:prstGeom>
-          <a:solidFill>
-            <a:srgbClr val="0072C6"/>
-          </a:solidFill>
-        </p:spPr>
-        <p:style>
-          <a:lnRef idx="2">
-            <a:schemeClr val="accent1">
-              <a:shade val="50000"/>
-            </a:schemeClr>
-          </a:lnRef>
-          <a:fillRef idx="1">
-            <a:schemeClr val="accent1"/>
-          </a:fillRef>
-          <a:effectRef idx="0">
-            <a:schemeClr val="accent1"/>
-          </a:effectRef>
-          <a:fontRef idx="minor">
-            <a:schemeClr val="lt1"/>
-          </a:fontRef>
-        </p:style>
-        <p:txBody>
-          <a:bodyPr rtlCol="0" anchor="ctr"/>
-          <a:lstStyle/>
-          <a:p>
-            <a:pPr algn="ctr"/>
-            <a:endParaRPr lang="it-IT"/>
-          </a:p>
-        </p:txBody>
-      </p:sp>
-      <p:sp>
-        <p:nvSpPr>
-          <p:cNvPr id="4" name="Rettangolo 3"/>
-          <p:cNvSpPr/>
-          <p:nvPr/>
-        </p:nvSpPr>
-        <p:spPr>
-          <a:xfrm>
-            <a:off x="0" y="6515100"/>
-            <a:ext cx="12192000" cy="342900"/>
-          </a:xfrm>
-          <a:prstGeom prst="rect">
-            <a:avLst/>
-          </a:prstGeom>
-          <a:solidFill>
-            <a:srgbClr val="0072C6"/>
-          </a:solidFill>
-        </p:spPr>
-        <p:style>
-          <a:lnRef idx="2">
-            <a:schemeClr val="accent1">
-              <a:shade val="50000"/>
-            </a:schemeClr>
-          </a:lnRef>
-          <a:fillRef idx="1">
-            <a:schemeClr val="accent1"/>
-          </a:fillRef>
-          <a:effectRef idx="0">
-            <a:schemeClr val="accent1"/>
-          </a:effectRef>
-          <a:fontRef idx="minor">
-            <a:schemeClr val="lt1"/>
-          </a:fontRef>
-        </p:style>
-        <p:txBody>
-          <a:bodyPr rtlCol="0" anchor="ctr"/>
-          <a:lstStyle/>
-          <a:p>
-            <a:pPr algn="ctr"/>
-            <a:endParaRPr lang="it-IT"/>
-          </a:p>
-        </p:txBody>
-      </p:sp>
-      <p:sp>
-        <p:nvSpPr>
-          <p:cNvPr id="9" name="CasellaDiTesto 8"/>
-          <p:cNvSpPr txBox="1"/>
-          <p:nvPr/>
-        </p:nvSpPr>
-        <p:spPr>
-          <a:xfrm>
-            <a:off x="415529" y="314326"/>
-            <a:ext cx="11613357" cy="1692771"/>
-          </a:xfrm>
-          <a:prstGeom prst="rect">
-            <a:avLst/>
-          </a:prstGeom>
-          <a:noFill/>
-        </p:spPr>
-        <p:txBody>
-          <a:bodyPr wrap="square" rtlCol="0">
-            <a:spAutoFit/>
-          </a:bodyPr>
-          <a:lstStyle/>
-          <a:p>
-            <a:r>
-              <a:rPr lang="it-IT" sz="4400" b="1" spc="-100" dirty="0" smtClean="0">
-                <a:ln w="3175">
-                  <a:noFill/>
-                </a:ln>
-                <a:solidFill>
-                  <a:srgbClr val="0072C6"/>
-                </a:solidFill>
-                <a:latin typeface="+mj-lt"/>
-                <a:cs typeface="Arial" charset="0"/>
-              </a:rPr>
-              <a:t>Deployment </a:t>
-            </a:r>
-            <a:r>
-              <a:rPr lang="it-IT" sz="4400" b="1" spc="-100" dirty="0" err="1" smtClean="0">
-                <a:ln w="3175">
-                  <a:noFill/>
-                </a:ln>
-                <a:solidFill>
-                  <a:srgbClr val="0072C6"/>
-                </a:solidFill>
-                <a:latin typeface="+mj-lt"/>
-                <a:cs typeface="Arial" charset="0"/>
-              </a:rPr>
-              <a:t>architecture</a:t>
-            </a:r>
-            <a:r>
-              <a:rPr lang="it-IT" sz="4400" b="1" spc="-100" dirty="0" smtClean="0">
-                <a:ln w="3175">
-                  <a:noFill/>
-                </a:ln>
-                <a:solidFill>
-                  <a:srgbClr val="0072C6"/>
-                </a:solidFill>
-                <a:latin typeface="+mj-lt"/>
-                <a:cs typeface="Arial" charset="0"/>
-              </a:rPr>
-              <a:t> – soluzione 3</a:t>
-            </a:r>
-            <a:endParaRPr lang="it-IT" sz="4400" b="1" spc="-100" dirty="0">
-              <a:ln w="3175">
-                <a:noFill/>
-              </a:ln>
-              <a:solidFill>
-                <a:srgbClr val="0072C6"/>
-              </a:solidFill>
-              <a:latin typeface="+mj-lt"/>
-              <a:cs typeface="Arial" charset="0"/>
-            </a:endParaRPr>
-          </a:p>
-          <a:p>
-            <a:endParaRPr lang="it-IT" sz="3000" b="1" spc="-100" dirty="0">
-              <a:ln w="3175">
-                <a:noFill/>
-              </a:ln>
-              <a:solidFill>
-                <a:srgbClr val="0072C6"/>
-              </a:solidFill>
-              <a:latin typeface="+mj-lt"/>
-              <a:cs typeface="Arial" charset="0"/>
-            </a:endParaRPr>
-          </a:p>
-          <a:p>
-            <a:endParaRPr lang="it-IT" sz="3000" b="1" spc="-100" dirty="0">
-              <a:ln w="3175">
-                <a:noFill/>
-              </a:ln>
-              <a:solidFill>
-                <a:srgbClr val="0072C6"/>
-              </a:solidFill>
-              <a:latin typeface="+mj-lt"/>
-              <a:cs typeface="Arial" charset="0"/>
-            </a:endParaRPr>
-          </a:p>
-        </p:txBody>
-      </p:sp>
-      <p:graphicFrame>
-        <p:nvGraphicFramePr>
-          <p:cNvPr id="2" name="Tabella 1"/>
-          <p:cNvGraphicFramePr>
-            <a:graphicFrameLocks noGrp="1"/>
-          </p:cNvGraphicFramePr>
-          <p:nvPr>
-            <p:extLst>
-              <p:ext uri="{D42A27DB-BD31-4B8C-83A1-F6EECF244321}">
-                <p14:modId xmlns:p14="http://schemas.microsoft.com/office/powerpoint/2010/main" val="2854709170"/>
-              </p:ext>
-            </p:extLst>
-          </p:nvPr>
-        </p:nvGraphicFramePr>
-        <p:xfrm>
-          <a:off x="828675" y="1200148"/>
-          <a:ext cx="4343400" cy="2647952"/>
-        </p:xfrm>
-        <a:graphic>
-          <a:graphicData uri="http://schemas.openxmlformats.org/drawingml/2006/table">
-            <a:tbl>
-              <a:tblPr>
-                <a:tableStyleId>{35758FB7-9AC5-4552-8A53-C91805E547FA}</a:tableStyleId>
-              </a:tblPr>
-              <a:tblGrid>
-                <a:gridCol w="2674093"/>
-                <a:gridCol w="1669307"/>
-              </a:tblGrid>
-              <a:tr h="330994">
-                <a:tc>
-                  <a:txBody>
-                    <a:bodyPr/>
-                    <a:lstStyle/>
-                    <a:p>
-                      <a:pPr algn="ctr" fontAlgn="ctr"/>
-                      <a:r>
-                        <a:rPr lang="it-IT" sz="2000" u="none" strike="noStrike" dirty="0">
-                          <a:effectLst/>
-                        </a:rPr>
-                        <a:t>Astrazione</a:t>
-                      </a:r>
-                      <a:endParaRPr lang="it-IT" sz="2000" b="0" i="0" u="none" strike="noStrike" dirty="0">
-                        <a:solidFill>
-                          <a:srgbClr val="000000"/>
-                        </a:solidFill>
-                        <a:effectLst/>
-                        <a:latin typeface="Calibri" panose="020F0502020204030204" pitchFamily="34" charset="0"/>
-                      </a:endParaRPr>
-                    </a:p>
-                  </a:txBody>
-                  <a:tcPr marL="9525" marR="9525" marT="9525" marB="0" anchor="ctr"/>
-                </a:tc>
-                <a:tc>
-                  <a:txBody>
-                    <a:bodyPr/>
-                    <a:lstStyle/>
-                    <a:p>
-                      <a:pPr algn="ctr" fontAlgn="ctr"/>
-                      <a:r>
-                        <a:rPr lang="it-IT" sz="2000" u="none" strike="noStrike">
-                          <a:effectLst/>
-                        </a:rPr>
-                        <a:t>10</a:t>
-                      </a:r>
-                      <a:endParaRPr lang="it-IT" sz="2000" b="0" i="0" u="none" strike="noStrike">
-                        <a:solidFill>
-                          <a:srgbClr val="000000"/>
-                        </a:solidFill>
-                        <a:effectLst/>
-                        <a:latin typeface="Calibri" panose="020F0502020204030204" pitchFamily="34" charset="0"/>
-                      </a:endParaRPr>
-                    </a:p>
-                  </a:txBody>
-                  <a:tcPr marL="9525" marR="9525" marT="9525" marB="0" anchor="ctr"/>
-                </a:tc>
-              </a:tr>
-              <a:tr h="330994">
-                <a:tc>
-                  <a:txBody>
-                    <a:bodyPr/>
-                    <a:lstStyle/>
-                    <a:p>
-                      <a:pPr algn="ctr" fontAlgn="ctr"/>
-                      <a:r>
-                        <a:rPr lang="it-IT" sz="2000" u="none" strike="noStrike" dirty="0">
-                          <a:effectLst/>
-                        </a:rPr>
-                        <a:t>Complessità</a:t>
-                      </a:r>
-                      <a:endParaRPr lang="it-IT" sz="2000" b="0" i="0" u="none" strike="noStrike" dirty="0">
-                        <a:solidFill>
-                          <a:srgbClr val="000000"/>
-                        </a:solidFill>
-                        <a:effectLst/>
-                        <a:latin typeface="Calibri" panose="020F0502020204030204" pitchFamily="34" charset="0"/>
-                      </a:endParaRPr>
-                    </a:p>
-                  </a:txBody>
-                  <a:tcPr marL="9525" marR="9525" marT="9525" marB="0" anchor="ctr"/>
-                </a:tc>
-                <a:tc>
-                  <a:txBody>
-                    <a:bodyPr/>
-                    <a:lstStyle/>
-                    <a:p>
-                      <a:pPr algn="ctr" fontAlgn="ctr"/>
-                      <a:r>
-                        <a:rPr lang="it-IT" sz="2000" u="none" strike="noStrike">
-                          <a:effectLst/>
-                        </a:rPr>
-                        <a:t>80</a:t>
-                      </a:r>
-                      <a:endParaRPr lang="it-IT" sz="2000" b="0" i="0" u="none" strike="noStrike">
-                        <a:solidFill>
-                          <a:srgbClr val="000000"/>
-                        </a:solidFill>
-                        <a:effectLst/>
-                        <a:latin typeface="Calibri" panose="020F0502020204030204" pitchFamily="34" charset="0"/>
-                      </a:endParaRPr>
-                    </a:p>
-                  </a:txBody>
-                  <a:tcPr marL="9525" marR="9525" marT="9525" marB="0" anchor="ctr"/>
-                </a:tc>
-              </a:tr>
-              <a:tr h="330994">
-                <a:tc>
-                  <a:txBody>
-                    <a:bodyPr/>
-                    <a:lstStyle/>
-                    <a:p>
-                      <a:pPr algn="ctr" fontAlgn="ctr"/>
-                      <a:r>
-                        <a:rPr lang="it-IT" sz="2000" u="none" strike="noStrike" dirty="0">
-                          <a:effectLst/>
-                        </a:rPr>
-                        <a:t>Frequenza</a:t>
-                      </a:r>
-                      <a:endParaRPr lang="it-IT" sz="2000" b="0" i="0" u="none" strike="noStrike" dirty="0">
-                        <a:solidFill>
-                          <a:srgbClr val="000000"/>
-                        </a:solidFill>
-                        <a:effectLst/>
-                        <a:latin typeface="Calibri" panose="020F0502020204030204" pitchFamily="34" charset="0"/>
-                      </a:endParaRPr>
-                    </a:p>
-                  </a:txBody>
-                  <a:tcPr marL="9525" marR="9525" marT="9525" marB="0" anchor="ctr"/>
-                </a:tc>
-                <a:tc>
-                  <a:txBody>
-                    <a:bodyPr/>
-                    <a:lstStyle/>
-                    <a:p>
-                      <a:pPr algn="ctr" fontAlgn="ctr"/>
-                      <a:r>
-                        <a:rPr lang="it-IT" sz="2000" u="none" strike="noStrike">
-                          <a:effectLst/>
-                        </a:rPr>
-                        <a:t>20</a:t>
-                      </a:r>
-                      <a:endParaRPr lang="it-IT" sz="2000" b="0" i="0" u="none" strike="noStrike">
-                        <a:solidFill>
-                          <a:srgbClr val="000000"/>
-                        </a:solidFill>
-                        <a:effectLst/>
-                        <a:latin typeface="Calibri" panose="020F0502020204030204" pitchFamily="34" charset="0"/>
-                      </a:endParaRPr>
-                    </a:p>
-                  </a:txBody>
-                  <a:tcPr marL="9525" marR="9525" marT="9525" marB="0" anchor="ctr"/>
-                </a:tc>
-              </a:tr>
-              <a:tr h="330994">
-                <a:tc>
-                  <a:txBody>
-                    <a:bodyPr/>
-                    <a:lstStyle/>
-                    <a:p>
-                      <a:pPr algn="ctr" fontAlgn="ctr"/>
-                      <a:r>
-                        <a:rPr lang="it-IT" sz="2000" u="none" strike="noStrike" dirty="0">
-                          <a:effectLst/>
-                        </a:rPr>
-                        <a:t>Ritardo</a:t>
-                      </a:r>
-                      <a:endParaRPr lang="it-IT" sz="2000" b="0" i="0" u="none" strike="noStrike" dirty="0">
-                        <a:solidFill>
-                          <a:srgbClr val="000000"/>
-                        </a:solidFill>
-                        <a:effectLst/>
-                        <a:latin typeface="Calibri" panose="020F0502020204030204" pitchFamily="34" charset="0"/>
-                      </a:endParaRPr>
-                    </a:p>
-                  </a:txBody>
-                  <a:tcPr marL="9525" marR="9525" marT="9525" marB="0" anchor="ctr"/>
-                </a:tc>
-                <a:tc>
-                  <a:txBody>
-                    <a:bodyPr/>
-                    <a:lstStyle/>
-                    <a:p>
-                      <a:pPr algn="ctr" fontAlgn="ctr"/>
-                      <a:r>
-                        <a:rPr lang="it-IT" sz="2000" u="none" strike="noStrike">
-                          <a:effectLst/>
-                        </a:rPr>
-                        <a:t>10</a:t>
-                      </a:r>
-                      <a:endParaRPr lang="it-IT" sz="2000" b="0" i="0" u="none" strike="noStrike">
-                        <a:solidFill>
-                          <a:srgbClr val="000000"/>
-                        </a:solidFill>
-                        <a:effectLst/>
-                        <a:latin typeface="Calibri" panose="020F0502020204030204" pitchFamily="34" charset="0"/>
-                      </a:endParaRPr>
-                    </a:p>
-                  </a:txBody>
-                  <a:tcPr marL="9525" marR="9525" marT="9525" marB="0" anchor="ctr"/>
-                </a:tc>
-              </a:tr>
-              <a:tr h="330994">
-                <a:tc>
-                  <a:txBody>
-                    <a:bodyPr/>
-                    <a:lstStyle/>
-                    <a:p>
-                      <a:pPr algn="ctr" fontAlgn="ctr"/>
-                      <a:r>
-                        <a:rPr lang="it-IT" sz="2000" u="none" strike="noStrike" dirty="0">
-                          <a:effectLst/>
-                        </a:rPr>
-                        <a:t>Localizzazione</a:t>
-                      </a:r>
-                      <a:endParaRPr lang="it-IT" sz="2000" b="0" i="0" u="none" strike="noStrike" dirty="0">
-                        <a:solidFill>
-                          <a:srgbClr val="000000"/>
-                        </a:solidFill>
-                        <a:effectLst/>
-                        <a:latin typeface="Calibri" panose="020F0502020204030204" pitchFamily="34" charset="0"/>
-                      </a:endParaRPr>
-                    </a:p>
-                  </a:txBody>
-                  <a:tcPr marL="9525" marR="9525" marT="9525" marB="0" anchor="ctr"/>
-                </a:tc>
-                <a:tc>
-                  <a:txBody>
-                    <a:bodyPr/>
-                    <a:lstStyle/>
-                    <a:p>
-                      <a:pPr algn="ctr" fontAlgn="ctr"/>
-                      <a:r>
-                        <a:rPr lang="it-IT" sz="2000" u="none" strike="noStrike" dirty="0">
-                          <a:effectLst/>
-                        </a:rPr>
-                        <a:t>30</a:t>
-                      </a:r>
-                      <a:endParaRPr lang="it-IT" sz="2000" b="0" i="0" u="none" strike="noStrike" dirty="0">
-                        <a:solidFill>
-                          <a:srgbClr val="000000"/>
-                        </a:solidFill>
-                        <a:effectLst/>
-                        <a:latin typeface="Calibri" panose="020F0502020204030204" pitchFamily="34" charset="0"/>
-                      </a:endParaRPr>
-                    </a:p>
-                  </a:txBody>
-                  <a:tcPr marL="9525" marR="9525" marT="9525" marB="0" anchor="ctr"/>
-                </a:tc>
-              </a:tr>
-              <a:tr h="330994">
-                <a:tc>
-                  <a:txBody>
-                    <a:bodyPr/>
-                    <a:lstStyle/>
-                    <a:p>
-                      <a:pPr algn="ctr" fontAlgn="ctr"/>
-                      <a:r>
-                        <a:rPr lang="it-IT" sz="2000" u="none" strike="noStrike" dirty="0" err="1">
-                          <a:effectLst/>
-                        </a:rPr>
-                        <a:t>ExtraFlow</a:t>
-                      </a:r>
-                      <a:endParaRPr lang="it-IT" sz="2000" b="0" i="0" u="none" strike="noStrike" dirty="0">
-                        <a:solidFill>
-                          <a:srgbClr val="000000"/>
-                        </a:solidFill>
-                        <a:effectLst/>
-                        <a:latin typeface="Calibri" panose="020F0502020204030204" pitchFamily="34" charset="0"/>
-                      </a:endParaRPr>
-                    </a:p>
-                  </a:txBody>
-                  <a:tcPr marL="9525" marR="9525" marT="9525" marB="0" anchor="ctr"/>
-                </a:tc>
-                <a:tc>
-                  <a:txBody>
-                    <a:bodyPr/>
-                    <a:lstStyle/>
-                    <a:p>
-                      <a:pPr algn="ctr" fontAlgn="ctr"/>
-                      <a:r>
-                        <a:rPr lang="it-IT" sz="2000" u="none" strike="noStrike" dirty="0">
-                          <a:effectLst/>
-                        </a:rPr>
-                        <a:t>100</a:t>
-                      </a:r>
-                      <a:endParaRPr lang="it-IT" sz="2000" b="0" i="0" u="none" strike="noStrike" dirty="0">
-                        <a:solidFill>
-                          <a:srgbClr val="000000"/>
-                        </a:solidFill>
-                        <a:effectLst/>
-                        <a:latin typeface="Calibri" panose="020F0502020204030204" pitchFamily="34" charset="0"/>
-                      </a:endParaRPr>
-                    </a:p>
-                  </a:txBody>
-                  <a:tcPr marL="9525" marR="9525" marT="9525" marB="0" anchor="ctr"/>
-                </a:tc>
-              </a:tr>
-              <a:tr h="330994">
-                <a:tc>
-                  <a:txBody>
-                    <a:bodyPr/>
-                    <a:lstStyle/>
-                    <a:p>
-                      <a:pPr algn="ctr" fontAlgn="ctr"/>
-                      <a:r>
-                        <a:rPr lang="it-IT" sz="2000" u="none" strike="noStrike">
-                          <a:effectLst/>
-                        </a:rPr>
-                        <a:t>IntrFlow</a:t>
-                      </a:r>
-                      <a:endParaRPr lang="it-IT" sz="2000" b="0" i="0" u="none" strike="noStrike">
-                        <a:solidFill>
-                          <a:srgbClr val="000000"/>
-                        </a:solidFill>
-                        <a:effectLst/>
-                        <a:latin typeface="Calibri" panose="020F0502020204030204" pitchFamily="34" charset="0"/>
-                      </a:endParaRPr>
-                    </a:p>
-                  </a:txBody>
-                  <a:tcPr marL="9525" marR="9525" marT="9525" marB="0" anchor="ctr"/>
-                </a:tc>
-                <a:tc>
-                  <a:txBody>
-                    <a:bodyPr/>
-                    <a:lstStyle/>
-                    <a:p>
-                      <a:pPr algn="ctr" fontAlgn="ctr"/>
-                      <a:r>
-                        <a:rPr lang="it-IT" sz="2000" u="none" strike="noStrike" dirty="0">
-                          <a:effectLst/>
-                        </a:rPr>
-                        <a:t>100</a:t>
-                      </a:r>
-                      <a:endParaRPr lang="it-IT" sz="2000" b="0" i="0" u="none" strike="noStrike" dirty="0">
-                        <a:solidFill>
-                          <a:srgbClr val="000000"/>
-                        </a:solidFill>
-                        <a:effectLst/>
-                        <a:latin typeface="Calibri" panose="020F0502020204030204" pitchFamily="34" charset="0"/>
-                      </a:endParaRPr>
-                    </a:p>
-                  </a:txBody>
-                  <a:tcPr marL="9525" marR="9525" marT="9525" marB="0" anchor="ctr"/>
-                </a:tc>
-              </a:tr>
-              <a:tr h="330994">
-                <a:tc>
-                  <a:txBody>
-                    <a:bodyPr/>
-                    <a:lstStyle/>
-                    <a:p>
-                      <a:pPr algn="ctr" fontAlgn="ctr"/>
-                      <a:r>
-                        <a:rPr lang="it-IT" sz="2000" u="none" strike="noStrike">
-                          <a:effectLst/>
-                        </a:rPr>
-                        <a:t>Condivisione</a:t>
-                      </a:r>
-                      <a:endParaRPr lang="it-IT" sz="2000" b="0" i="0" u="none" strike="noStrike">
-                        <a:solidFill>
-                          <a:srgbClr val="000000"/>
-                        </a:solidFill>
-                        <a:effectLst/>
-                        <a:latin typeface="Calibri" panose="020F0502020204030204" pitchFamily="34" charset="0"/>
-                      </a:endParaRPr>
-                    </a:p>
-                  </a:txBody>
-                  <a:tcPr marL="9525" marR="9525" marT="9525" marB="0" anchor="ctr"/>
-                </a:tc>
-                <a:tc>
-                  <a:txBody>
-                    <a:bodyPr/>
-                    <a:lstStyle/>
-                    <a:p>
-                      <a:pPr algn="ctr" fontAlgn="ctr"/>
-                      <a:r>
-                        <a:rPr lang="it-IT" sz="2000" u="none" strike="noStrike" dirty="0">
-                          <a:effectLst/>
-                        </a:rPr>
-                        <a:t>0</a:t>
-                      </a:r>
-                      <a:endParaRPr lang="it-IT" sz="2000" b="0" i="0" u="none" strike="noStrike" dirty="0">
-                        <a:solidFill>
-                          <a:srgbClr val="000000"/>
-                        </a:solidFill>
-                        <a:effectLst/>
-                        <a:latin typeface="Calibri" panose="020F0502020204030204" pitchFamily="34" charset="0"/>
-                      </a:endParaRPr>
-                    </a:p>
-                  </a:txBody>
-                  <a:tcPr marL="9525" marR="9525" marT="9525" marB="0" anchor="ctr"/>
-                </a:tc>
-              </a:tr>
-            </a:tbl>
-          </a:graphicData>
-        </a:graphic>
-      </p:graphicFrame>
-      <p:graphicFrame>
-        <p:nvGraphicFramePr>
-          <p:cNvPr id="11" name="Tabella 10"/>
-          <p:cNvGraphicFramePr>
-            <a:graphicFrameLocks noGrp="1"/>
-          </p:cNvGraphicFramePr>
-          <p:nvPr>
-            <p:extLst>
-              <p:ext uri="{D42A27DB-BD31-4B8C-83A1-F6EECF244321}">
-                <p14:modId xmlns:p14="http://schemas.microsoft.com/office/powerpoint/2010/main" val="2616524280"/>
-              </p:ext>
-            </p:extLst>
-          </p:nvPr>
-        </p:nvGraphicFramePr>
-        <p:xfrm>
-          <a:off x="415529" y="4186239"/>
-          <a:ext cx="5885259" cy="2000249"/>
-        </p:xfrm>
-        <a:graphic>
-          <a:graphicData uri="http://schemas.openxmlformats.org/drawingml/2006/table">
-            <a:tbl>
-              <a:tblPr firstRow="1">
-                <a:tableStyleId>{35758FB7-9AC5-4552-8A53-C91805E547FA}</a:tableStyleId>
-              </a:tblPr>
-              <a:tblGrid>
-                <a:gridCol w="2513409"/>
-                <a:gridCol w="3371850"/>
-              </a:tblGrid>
-              <a:tr h="473342">
-                <a:tc>
-                  <a:txBody>
-                    <a:bodyPr/>
-                    <a:lstStyle/>
-                    <a:p>
-                      <a:pPr algn="ctr" fontAlgn="ctr"/>
-                      <a:r>
-                        <a:rPr lang="it-IT" sz="2000" u="none" strike="noStrike" dirty="0">
-                          <a:effectLst/>
-                        </a:rPr>
-                        <a:t>Pro</a:t>
-                      </a:r>
-                      <a:endParaRPr lang="it-IT" sz="2000" b="0" i="0" u="none" strike="noStrike" dirty="0">
-                        <a:solidFill>
-                          <a:srgbClr val="000000"/>
-                        </a:solidFill>
-                        <a:effectLst/>
-                        <a:latin typeface="Calibri" panose="020F0502020204030204" pitchFamily="34" charset="0"/>
-                      </a:endParaRPr>
-                    </a:p>
-                  </a:txBody>
-                  <a:tcPr marL="9525" marR="9525" marT="9525" marB="0" anchor="ctr"/>
-                </a:tc>
-                <a:tc>
-                  <a:txBody>
-                    <a:bodyPr/>
-                    <a:lstStyle/>
-                    <a:p>
-                      <a:pPr algn="ctr" fontAlgn="ctr"/>
-                      <a:r>
-                        <a:rPr lang="it-IT" sz="2000" u="none" strike="noStrike">
-                          <a:effectLst/>
-                        </a:rPr>
-                        <a:t>Contro</a:t>
-                      </a:r>
-                      <a:endParaRPr lang="it-IT" sz="2000" b="0" i="0" u="none" strike="noStrike">
-                        <a:solidFill>
-                          <a:srgbClr val="000000"/>
-                        </a:solidFill>
-                        <a:effectLst/>
-                        <a:latin typeface="Calibri" panose="020F0502020204030204" pitchFamily="34" charset="0"/>
-                      </a:endParaRPr>
-                    </a:p>
-                  </a:txBody>
-                  <a:tcPr marL="9525" marR="9525" marT="9525" marB="0" anchor="ctr"/>
-                </a:tc>
-              </a:tr>
-              <a:tr h="508969">
-                <a:tc>
-                  <a:txBody>
-                    <a:bodyPr/>
-                    <a:lstStyle/>
-                    <a:p>
-                      <a:pPr algn="ctr" fontAlgn="ctr"/>
-                      <a:r>
-                        <a:rPr lang="it-IT" sz="2000" u="none" strike="noStrike" dirty="0">
-                          <a:effectLst/>
-                        </a:rPr>
-                        <a:t>Condivisione bassa</a:t>
-                      </a:r>
-                      <a:endParaRPr lang="it-IT" sz="2000" b="0" i="0" u="none" strike="noStrike" dirty="0">
-                        <a:solidFill>
-                          <a:srgbClr val="000000"/>
-                        </a:solidFill>
-                        <a:effectLst/>
-                        <a:latin typeface="Calibri" panose="020F0502020204030204" pitchFamily="34" charset="0"/>
-                      </a:endParaRPr>
-                    </a:p>
-                  </a:txBody>
-                  <a:tcPr marL="9525" marR="9525" marT="9525" marB="0" anchor="ctr"/>
-                </a:tc>
-                <a:tc>
-                  <a:txBody>
-                    <a:bodyPr/>
-                    <a:lstStyle/>
-                    <a:p>
-                      <a:pPr algn="ctr" fontAlgn="ctr"/>
-                      <a:r>
-                        <a:rPr lang="it-IT" sz="2000" u="none" strike="noStrike" dirty="0" err="1">
-                          <a:effectLst/>
-                        </a:rPr>
-                        <a:t>ExtraFlow</a:t>
-                      </a:r>
-                      <a:r>
-                        <a:rPr lang="it-IT" sz="2000" u="none" strike="noStrike" dirty="0">
-                          <a:effectLst/>
-                        </a:rPr>
-                        <a:t> elevato</a:t>
-                      </a:r>
-                      <a:endParaRPr lang="it-IT" sz="2000" b="0" i="0" u="none" strike="noStrike" dirty="0">
-                        <a:solidFill>
-                          <a:srgbClr val="000000"/>
-                        </a:solidFill>
-                        <a:effectLst/>
-                        <a:latin typeface="Calibri" panose="020F0502020204030204" pitchFamily="34" charset="0"/>
-                      </a:endParaRPr>
-                    </a:p>
-                  </a:txBody>
-                  <a:tcPr marL="9525" marR="9525" marT="9525" marB="0" anchor="ctr"/>
-                </a:tc>
-              </a:tr>
-              <a:tr h="508969">
-                <a:tc>
-                  <a:txBody>
-                    <a:bodyPr/>
-                    <a:lstStyle/>
-                    <a:p>
-                      <a:pPr algn="ctr" fontAlgn="ctr"/>
-                      <a:endParaRPr lang="it-IT" sz="2000" b="0" i="0" u="none" strike="noStrike" dirty="0">
-                        <a:solidFill>
-                          <a:srgbClr val="000000"/>
-                        </a:solidFill>
-                        <a:effectLst/>
-                        <a:latin typeface="Calibri" panose="020F0502020204030204" pitchFamily="34" charset="0"/>
-                      </a:endParaRPr>
-                    </a:p>
-                  </a:txBody>
-                  <a:tcPr marL="9525" marR="9525" marT="9525" marB="0" anchor="ctr"/>
-                </a:tc>
-                <a:tc>
-                  <a:txBody>
-                    <a:bodyPr/>
-                    <a:lstStyle/>
-                    <a:p>
-                      <a:pPr algn="ctr" fontAlgn="ctr"/>
-                      <a:r>
-                        <a:rPr lang="it-IT" sz="2000" u="none" strike="noStrike" dirty="0" err="1">
-                          <a:effectLst/>
-                        </a:rPr>
-                        <a:t>IntraFlow</a:t>
-                      </a:r>
-                      <a:r>
-                        <a:rPr lang="it-IT" sz="2000" u="none" strike="noStrike" dirty="0">
-                          <a:effectLst/>
-                        </a:rPr>
-                        <a:t> elevato</a:t>
-                      </a:r>
-                      <a:endParaRPr lang="it-IT" sz="2000" b="0" i="0" u="none" strike="noStrike" dirty="0">
-                        <a:solidFill>
-                          <a:srgbClr val="000000"/>
-                        </a:solidFill>
-                        <a:effectLst/>
-                        <a:latin typeface="Calibri" panose="020F0502020204030204" pitchFamily="34" charset="0"/>
-                      </a:endParaRPr>
-                    </a:p>
-                  </a:txBody>
-                  <a:tcPr marL="9525" marR="9525" marT="9525" marB="0" anchor="ctr"/>
-                </a:tc>
-              </a:tr>
-              <a:tr h="508969">
-                <a:tc>
-                  <a:txBody>
-                    <a:bodyPr/>
-                    <a:lstStyle/>
-                    <a:p>
-                      <a:pPr algn="l" fontAlgn="b"/>
-                      <a:endParaRPr lang="it-IT" sz="2000" b="0" i="0" u="none" strike="noStrike" dirty="0">
-                        <a:solidFill>
-                          <a:srgbClr val="000000"/>
-                        </a:solidFill>
-                        <a:effectLst/>
-                        <a:latin typeface="Calibri" panose="020F0502020204030204" pitchFamily="34" charset="0"/>
-                      </a:endParaRPr>
-                    </a:p>
-                  </a:txBody>
-                  <a:tcPr marL="9525" marR="9525" marT="9525" marB="0" anchor="b"/>
-                </a:tc>
-                <a:tc>
-                  <a:txBody>
-                    <a:bodyPr/>
-                    <a:lstStyle/>
-                    <a:p>
-                      <a:pPr algn="ctr" fontAlgn="ctr"/>
-                      <a:r>
-                        <a:rPr lang="it-IT" sz="2000" u="none" strike="noStrike" dirty="0">
-                          <a:effectLst/>
-                        </a:rPr>
-                        <a:t>Complessità elevata</a:t>
-                      </a:r>
-                      <a:endParaRPr lang="it-IT" sz="2000" b="0" i="0" u="none" strike="noStrike" dirty="0">
-                        <a:solidFill>
-                          <a:srgbClr val="000000"/>
-                        </a:solidFill>
-                        <a:effectLst/>
-                        <a:latin typeface="Calibri" panose="020F0502020204030204" pitchFamily="34" charset="0"/>
-                      </a:endParaRPr>
-                    </a:p>
-                  </a:txBody>
-                  <a:tcPr marL="9525" marR="9525" marT="9525" marB="0" anchor="ctr"/>
-                </a:tc>
-              </a:tr>
-            </a:tbl>
-          </a:graphicData>
-        </a:graphic>
-      </p:graphicFrame>
-      <p:graphicFrame>
-        <p:nvGraphicFramePr>
-          <p:cNvPr id="10" name="Grafico 9"/>
-          <p:cNvGraphicFramePr>
-            <a:graphicFrameLocks/>
-          </p:cNvGraphicFramePr>
-          <p:nvPr>
-            <p:extLst>
-              <p:ext uri="{D42A27DB-BD31-4B8C-83A1-F6EECF244321}">
-                <p14:modId xmlns:p14="http://schemas.microsoft.com/office/powerpoint/2010/main" val="2101145093"/>
-              </p:ext>
-            </p:extLst>
-          </p:nvPr>
-        </p:nvGraphicFramePr>
-        <p:xfrm>
-          <a:off x="4259960" y="1019556"/>
-          <a:ext cx="9625014" cy="5241131"/>
-        </p:xfrm>
-        <a:graphic>
-          <a:graphicData uri="http://schemas.openxmlformats.org/drawingml/2006/chart">
-            <c:chart xmlns:c="http://schemas.openxmlformats.org/drawingml/2006/chart" xmlns:r="http://schemas.openxmlformats.org/officeDocument/2006/relationships" r:id="rId2"/>
-          </a:graphicData>
-        </a:graphic>
-      </p:graphicFrame>
-    </p:spTree>
-    <p:extLst>
-      <p:ext uri="{BB962C8B-B14F-4D97-AF65-F5344CB8AC3E}">
-        <p14:creationId xmlns:p14="http://schemas.microsoft.com/office/powerpoint/2010/main" val="326428895"/>
-      </p:ext>
-    </p:extLst>
-  </p:cSld>
-  <p:clrMapOvr>
-    <a:masterClrMapping/>
-  </p:clrMapOvr>
-  <mc:AlternateContent xmlns:mc="http://schemas.openxmlformats.org/markup-compatibility/2006" xmlns:p14="http://schemas.microsoft.com/office/powerpoint/2010/main">
-    <mc:Choice Requires="p14">
-      <p:transition p14:dur="10"/>
-    </mc:Choice>
-    <mc:Fallback xmlns="">
-      <p:transition/>
-    </mc:Fallback>
-  </mc:AlternateContent>
-  <p:timing>
-    <p:tnLst>
-      <p:par>
-        <p:cTn id="1" dur="indefinite" restart="never" nodeType="tmRoot"/>
+        <p:cTn xmlns:p14="http://schemas.microsoft.com/office/powerpoint/2010/main" id="1" dur="indefinite" restart="never" nodeType="tmRoot"/>
       </p:par>
     </p:tnLst>
   </p:timing>
@@ -18298,7 +18156,7 @@
   <p:timing>
     <p:tnLst>
       <p:par>
-        <p:cTn id="1" dur="indefinite" restart="never" nodeType="tmRoot"/>
+        <p:cTn xmlns:p14="http://schemas.microsoft.com/office/powerpoint/2010/main" id="1" dur="indefinite" restart="never" nodeType="tmRoot"/>
       </p:par>
     </p:tnLst>
   </p:timing>
@@ -18417,7 +18275,7 @@
         <p:spPr>
           <a:xfrm>
             <a:off x="415529" y="314326"/>
-            <a:ext cx="11613357" cy="1692771"/>
+            <a:ext cx="11613357" cy="1231106"/>
           </a:xfrm>
           <a:prstGeom prst="rect">
             <a:avLst/>
@@ -18456,31 +18314,6 @@
               </a:rPr>
               <a:t>architecture</a:t>
             </a:r>
-            <a:r>
-              <a:rPr lang="it-IT" sz="4400" b="1" spc="-100" dirty="0" smtClean="0">
-                <a:ln w="3175">
-                  <a:noFill/>
-                </a:ln>
-                <a:solidFill>
-                  <a:srgbClr val="0072C6"/>
-                </a:solidFill>
-                <a:latin typeface="+mj-lt"/>
-                <a:cs typeface="Arial" charset="0"/>
-              </a:rPr>
-              <a:t> - 4</a:t>
-            </a:r>
-            <a:endParaRPr lang="it-IT" sz="4400" b="1" spc="-100" dirty="0">
-              <a:ln w="3175">
-                <a:noFill/>
-              </a:ln>
-              <a:solidFill>
-                <a:srgbClr val="0072C6"/>
-              </a:solidFill>
-              <a:latin typeface="+mj-lt"/>
-              <a:cs typeface="Arial" charset="0"/>
-            </a:endParaRPr>
-          </a:p>
-          <a:p>
             <a:endParaRPr lang="it-IT" sz="3000" b="1" spc="-100" dirty="0">
               <a:ln w="3175">
                 <a:noFill/>
@@ -18515,7 +18348,7 @@
         <p:spPr>
           <a:xfrm>
             <a:off x="415529" y="1072724"/>
-            <a:ext cx="11001375" cy="3539430"/>
+            <a:ext cx="11001375" cy="4031873"/>
           </a:xfrm>
           <a:prstGeom prst="rect">
             <a:avLst/>
@@ -18550,17 +18383,7 @@
                 <a:latin typeface="+mj-lt"/>
                 <a:cs typeface="Arial" charset="0"/>
               </a:rPr>
-              <a:t>Analizzando i </a:t>
-            </a:r>
-            <a:r>
-              <a:rPr lang="it-IT" sz="3200" spc="-100" dirty="0" err="1" smtClean="0">
-                <a:ln w="3175">
-                  <a:noFill/>
-                </a:ln>
-                <a:latin typeface="+mj-lt"/>
-                <a:cs typeface="Arial" charset="0"/>
-              </a:rPr>
-              <a:t>foot</a:t>
+              <a:t>Analizzando </a:t>
             </a:r>
             <a:r>
               <a:rPr lang="it-IT" sz="3200" spc="-100" dirty="0" smtClean="0">
@@ -18570,17 +18393,7 @@
                 <a:latin typeface="+mj-lt"/>
                 <a:cs typeface="Arial" charset="0"/>
               </a:rPr>
-              <a:t> </a:t>
-            </a:r>
-            <a:r>
-              <a:rPr lang="it-IT" sz="3200" spc="-100" dirty="0" err="1" smtClean="0">
-                <a:ln w="3175">
-                  <a:noFill/>
-                </a:ln>
-                <a:latin typeface="+mj-lt"/>
-                <a:cs typeface="Arial" charset="0"/>
-              </a:rPr>
-              <a:t>print</a:t>
+              <a:t>i </a:t>
             </a:r>
             <a:r>
               <a:rPr lang="it-IT" sz="3200" spc="-100" dirty="0" smtClean="0">
@@ -18590,11 +18403,51 @@
                 <a:latin typeface="+mj-lt"/>
                 <a:cs typeface="Arial" charset="0"/>
               </a:rPr>
-              <a:t> e i pro/contro delle diverse soluzioni, abbiamo scelta la prima poiché rappresenta i migliori compromessi tra le diverse proprietà analizzate.</a:t>
+              <a:t>pro/contro delle diverse soluzioni, abbiamo scelta la </a:t>
+            </a:r>
+            <a:r>
+              <a:rPr lang="it-IT" sz="3200" spc="-100" dirty="0" smtClean="0">
+                <a:ln w="3175">
+                  <a:noFill/>
+                </a:ln>
+                <a:latin typeface="+mj-lt"/>
+                <a:cs typeface="Arial" charset="0"/>
+              </a:rPr>
+              <a:t>terza poiché </a:t>
+            </a:r>
+            <a:r>
+              <a:rPr lang="it-IT" sz="3200" spc="-100" dirty="0" smtClean="0">
+                <a:ln w="3175">
+                  <a:noFill/>
+                </a:ln>
+                <a:latin typeface="+mj-lt"/>
+                <a:cs typeface="Arial" charset="0"/>
+              </a:rPr>
+              <a:t>rappresenta i migliori compromessi tra le diverse proprietà analizzate.</a:t>
             </a:r>
           </a:p>
           <a:p>
             <a:pPr lvl="0"/>
+            <a:endParaRPr lang="it-IT" sz="3200" spc="-100" dirty="0" smtClean="0">
+              <a:ln w="3175">
+                <a:noFill/>
+              </a:ln>
+              <a:latin typeface="+mj-lt"/>
+              <a:cs typeface="Arial" charset="0"/>
+            </a:endParaRPr>
+          </a:p>
+          <a:p>
+            <a:pPr lvl="0"/>
+            <a:r>
+              <a:rPr lang="it-IT" sz="3200" spc="-100" dirty="0" smtClean="0">
+                <a:ln w="3175">
+                  <a:noFill/>
+                </a:ln>
+                <a:latin typeface="+mj-lt"/>
+                <a:cs typeface="Arial" charset="0"/>
+              </a:rPr>
+              <a:t>SCHEMA SOVRAPPOSTO</a:t>
+            </a:r>
             <a:endParaRPr lang="it-IT" sz="3200" spc="-100" dirty="0">
               <a:ln w="3175">
                 <a:noFill/>
@@ -18646,7 +18499,7 @@
   <p:timing>
     <p:tnLst>
       <p:par>
-        <p:cTn id="1" dur="indefinite" restart="never" nodeType="tmRoot"/>
+        <p:cTn xmlns:p14="http://schemas.microsoft.com/office/powerpoint/2010/main" id="1" dur="indefinite" restart="never" nodeType="tmRoot"/>
       </p:par>
     </p:tnLst>
   </p:timing>
@@ -19348,7 +19201,7 @@
                 <a:latin typeface="+mj-lt"/>
                 <a:cs typeface="Arial" charset="0"/>
               </a:rPr>
-              <a:t>Strumenti - 1</a:t>
+              <a:t>Strumenti</a:t>
             </a:r>
             <a:endParaRPr lang="it-IT" sz="3000" b="1" i="1" spc="-100" dirty="0">
               <a:ln w="3175">
@@ -19384,7 +19237,7 @@
   <p:timing>
     <p:tnLst>
       <p:par>
-        <p:cTn id="1" dur="indefinite" restart="never" nodeType="tmRoot"/>
+        <p:cTn xmlns:p14="http://schemas.microsoft.com/office/powerpoint/2010/main" id="1" dur="indefinite" restart="never" nodeType="tmRoot"/>
       </p:par>
     </p:tnLst>
   </p:timing>
@@ -19777,7 +19630,20 @@
                 <a:latin typeface="+mj-lt"/>
                 <a:cs typeface="Arial" charset="0"/>
               </a:rPr>
-              <a:t>Strumenti – 2 funzionamento sensore</a:t>
+              <a:t>Strumenti </a:t>
+            </a:r>
+            <a:r>
+              <a:rPr lang="it-IT" sz="3000" b="1" i="1" spc="-100" dirty="0" smtClean="0">
+                <a:ln w="3175">
+                  <a:noFill/>
+                </a:ln>
+                <a:solidFill>
+                  <a:srgbClr val="0072C6"/>
+                </a:solidFill>
+                <a:latin typeface="+mj-lt"/>
+                <a:cs typeface="Arial" charset="0"/>
+              </a:rPr>
+              <a:t>– funzionamento sensore</a:t>
             </a:r>
             <a:endParaRPr lang="it-IT" sz="3000" b="1" i="1" spc="-100" dirty="0">
               <a:ln w="3175">
@@ -20113,7 +19979,7 @@
   <p:timing>
     <p:tnLst>
       <p:par>
-        <p:cTn id="1" dur="indefinite" restart="never" nodeType="tmRoot"/>
+        <p:cTn xmlns:p14="http://schemas.microsoft.com/office/powerpoint/2010/main" id="1" dur="indefinite" restart="never" nodeType="tmRoot"/>
       </p:par>
     </p:tnLst>
   </p:timing>
@@ -20303,7 +20169,7 @@
                   <a:srgbClr val="0072C6"/>
                 </a:solidFill>
               </a:rPr>
-              <a:t>Strumenti - 3</a:t>
+              <a:t>Strumenti</a:t>
             </a:r>
             <a:endParaRPr lang="it-IT" sz="3000" b="1" i="1" dirty="0">
               <a:solidFill>
@@ -20518,7 +20384,7 @@
   <p:timing>
     <p:tnLst>
       <p:par>
-        <p:cTn id="1" dur="indefinite" restart="never" nodeType="tmRoot"/>
+        <p:cTn xmlns:p14="http://schemas.microsoft.com/office/powerpoint/2010/main" id="1" dur="indefinite" restart="never" nodeType="tmRoot"/>
       </p:par>
     </p:tnLst>
   </p:timing>
@@ -20708,7 +20574,7 @@
                   <a:srgbClr val="0072C6"/>
                 </a:solidFill>
               </a:rPr>
-              <a:t>Strumenti - 4</a:t>
+              <a:t>Strumenti</a:t>
             </a:r>
             <a:endParaRPr lang="it-IT" sz="3000" b="1" i="1" dirty="0">
               <a:solidFill>
@@ -20894,7 +20760,7 @@
   <p:timing>
     <p:tnLst>
       <p:par>
-        <p:cTn id="1" dur="indefinite" restart="never" nodeType="tmRoot"/>
+        <p:cTn xmlns:p14="http://schemas.microsoft.com/office/powerpoint/2010/main" id="1" dur="indefinite" restart="never" nodeType="tmRoot"/>
       </p:par>
     </p:tnLst>
   </p:timing>
@@ -21084,15 +20950,16 @@
                   <a:srgbClr val="0072C6"/>
                 </a:solidFill>
               </a:rPr>
-              <a:t>Stima costi- 1</a:t>
-            </a:r>
-            <a:endParaRPr lang="it-IT" sz="3000" b="1" i="1" dirty="0">
-              <a:solidFill>
-                <a:srgbClr val="0072C6"/>
-              </a:solidFill>
-            </a:endParaRPr>
-          </a:p>
-          <a:p>
+              <a:t>Stima </a:t>
+            </a:r>
+            <a:r>
+              <a:rPr lang="it-IT" sz="3000" b="1" i="1" dirty="0" smtClean="0">
+                <a:solidFill>
+                  <a:srgbClr val="0072C6"/>
+                </a:solidFill>
+              </a:rPr>
+              <a:t>costi</a:t>
+            </a:r>
             <a:endParaRPr lang="it-IT" sz="1500" b="1" i="1" dirty="0" smtClean="0">
               <a:solidFill>
                 <a:srgbClr val="0072C6"/>
@@ -21369,7 +21236,7 @@
   <p:timing>
     <p:tnLst>
       <p:par>
-        <p:cTn id="1" dur="indefinite" restart="never" nodeType="tmRoot"/>
+        <p:cTn xmlns:p14="http://schemas.microsoft.com/office/powerpoint/2010/main" id="1" dur="indefinite" restart="never" nodeType="tmRoot"/>
       </p:par>
     </p:tnLst>
   </p:timing>
@@ -21536,7 +21403,15 @@
                   <a:srgbClr val="0072C6"/>
                 </a:solidFill>
               </a:rPr>
-              <a:t>Architettura di </a:t>
+              <a:t>Architettura </a:t>
+            </a:r>
+            <a:r>
+              <a:rPr lang="it-IT" b="1" dirty="0" smtClean="0">
+                <a:solidFill>
+                  <a:srgbClr val="0072C6"/>
+                </a:solidFill>
+              </a:rPr>
+              <a:t>di </a:t>
             </a:r>
             <a:r>
               <a:rPr lang="it-IT" b="1" dirty="0" err="1" smtClean="0">
@@ -21559,7 +21434,15 @@
                   <a:srgbClr val="0072C6"/>
                 </a:solidFill>
               </a:rPr>
-              <a:t>Stima costi- 2</a:t>
+              <a:t>Stima </a:t>
+            </a:r>
+            <a:r>
+              <a:rPr lang="it-IT" sz="3000" b="1" i="1" dirty="0" smtClean="0">
+                <a:solidFill>
+                  <a:srgbClr val="0072C6"/>
+                </a:solidFill>
+              </a:rPr>
+              <a:t>costi</a:t>
             </a:r>
             <a:endParaRPr lang="it-IT" sz="1500" b="1" i="1" dirty="0" smtClean="0">
               <a:solidFill>
@@ -21582,7 +21465,15 @@
                   <a:schemeClr val="tx1"/>
                 </a:solidFill>
               </a:rPr>
-              <a:t>Installazione di un singolo sensore:</a:t>
+              <a:t>Installazione </a:t>
+            </a:r>
+            <a:r>
+              <a:rPr lang="it-IT" sz="2400" dirty="0" smtClean="0">
+                <a:solidFill>
+                  <a:schemeClr val="tx1"/>
+                </a:solidFill>
+              </a:rPr>
+              <a:t>di un singolo sensore:</a:t>
             </a:r>
           </a:p>
           <a:p>
@@ -21809,7 +21700,7 @@
   <p:timing>
     <p:tnLst>
       <p:par>
-        <p:cTn id="1" dur="indefinite" restart="never" nodeType="tmRoot"/>
+        <p:cTn xmlns:p14="http://schemas.microsoft.com/office/powerpoint/2010/main" id="1" dur="indefinite" restart="never" nodeType="tmRoot"/>
       </p:par>
     </p:tnLst>
   </p:timing>
@@ -21999,7 +21890,7 @@
                   <a:srgbClr val="0072C6"/>
                 </a:solidFill>
               </a:rPr>
-              <a:t>Stima costi- </a:t>
+              <a:t>Stima </a:t>
             </a:r>
             <a:r>
               <a:rPr lang="it-IT" sz="3000" b="1" i="1" dirty="0" smtClean="0">
@@ -22007,7 +21898,7 @@
                   <a:srgbClr val="0072C6"/>
                 </a:solidFill>
               </a:rPr>
-              <a:t>3</a:t>
+              <a:t>costi</a:t>
             </a:r>
             <a:endParaRPr lang="it-IT" sz="3000" b="1" i="1" dirty="0">
               <a:solidFill>
@@ -22424,7 +22315,7 @@
   <p:timing>
     <p:tnLst>
       <p:par>
-        <p:cTn id="1" dur="indefinite" restart="never" nodeType="tmRoot"/>
+        <p:cTn xmlns:p14="http://schemas.microsoft.com/office/powerpoint/2010/main" id="1" dur="indefinite" restart="never" nodeType="tmRoot"/>
       </p:par>
     </p:tnLst>
   </p:timing>
@@ -22714,7 +22605,7 @@
   <p:timing>
     <p:tnLst>
       <p:par>
-        <p:cTn id="1" dur="indefinite" restart="never" nodeType="tmRoot"/>
+        <p:cTn xmlns:p14="http://schemas.microsoft.com/office/powerpoint/2010/main" id="1" dur="indefinite" restart="never" nodeType="tmRoot"/>
       </p:par>
     </p:tnLst>
   </p:timing>
@@ -23004,7 +22895,7 @@
   <p:timing>
     <p:tnLst>
       <p:par>
-        <p:cTn id="1" dur="indefinite" restart="never" nodeType="tmRoot"/>
+        <p:cTn xmlns:p14="http://schemas.microsoft.com/office/powerpoint/2010/main" id="1" dur="indefinite" restart="never" nodeType="tmRoot"/>
       </p:par>
     </p:tnLst>
   </p:timing>
@@ -23277,13 +23168,6 @@
               </a:rPr>
               <a:t>meteo (esterna)</a:t>
             </a:r>
-            <a:endParaRPr lang="it-IT" sz="3200" spc="-100" dirty="0" smtClean="0">
-              <a:ln w="3175">
-                <a:noFill/>
-              </a:ln>
-              <a:latin typeface="+mj-lt"/>
-              <a:cs typeface="Arial" charset="0"/>
-            </a:endParaRPr>
           </a:p>
           <a:p>
             <a:pPr marL="457200" lvl="0" indent="-457200">
@@ -23449,7 +23333,7 @@
   <p:timing>
     <p:tnLst>
       <p:par>
-        <p:cTn id="1" dur="indefinite" restart="never" nodeType="tmRoot"/>
+        <p:cTn xmlns:p14="http://schemas.microsoft.com/office/powerpoint/2010/main" id="1" dur="indefinite" restart="never" nodeType="tmRoot"/>
       </p:par>
     </p:tnLst>
   </p:timing>
@@ -23739,7 +23623,7 @@
   <p:timing>
     <p:tnLst>
       <p:par>
-        <p:cTn id="1" dur="indefinite" restart="never" nodeType="tmRoot"/>
+        <p:cTn xmlns:p14="http://schemas.microsoft.com/office/powerpoint/2010/main" id="1" dur="indefinite" restart="never" nodeType="tmRoot"/>
       </p:par>
     </p:tnLst>
   </p:timing>
@@ -24029,7 +23913,7 @@
   <p:timing>
     <p:tnLst>
       <p:par>
-        <p:cTn id="1" dur="indefinite" restart="never" nodeType="tmRoot"/>
+        <p:cTn xmlns:p14="http://schemas.microsoft.com/office/powerpoint/2010/main" id="1" dur="indefinite" restart="never" nodeType="tmRoot"/>
       </p:par>
     </p:tnLst>
   </p:timing>
@@ -24319,7 +24203,7 @@
   <p:timing>
     <p:tnLst>
       <p:par>
-        <p:cTn id="1" dur="indefinite" restart="never" nodeType="tmRoot"/>
+        <p:cTn xmlns:p14="http://schemas.microsoft.com/office/powerpoint/2010/main" id="1" dur="indefinite" restart="never" nodeType="tmRoot"/>
       </p:par>
     </p:tnLst>
   </p:timing>
@@ -24609,7 +24493,7 @@
   <p:timing>
     <p:tnLst>
       <p:par>
-        <p:cTn id="1" dur="indefinite" restart="never" nodeType="tmRoot"/>
+        <p:cTn xmlns:p14="http://schemas.microsoft.com/office/powerpoint/2010/main" id="1" dur="indefinite" restart="never" nodeType="tmRoot"/>
       </p:par>
     </p:tnLst>
   </p:timing>
@@ -24913,7 +24797,7 @@
   <p:timing>
     <p:tnLst>
       <p:par>
-        <p:cTn id="1" dur="indefinite" restart="never" nodeType="tmRoot"/>
+        <p:cTn xmlns:p14="http://schemas.microsoft.com/office/powerpoint/2010/main" id="1" dur="indefinite" restart="never" nodeType="tmRoot"/>
       </p:par>
     </p:tnLst>
   </p:timing>
@@ -25090,7 +24974,7 @@
                   <a:srgbClr val="0072C6"/>
                 </a:solidFill>
               </a:rPr>
-              <a:t>Globale -1 </a:t>
+              <a:t>Globale </a:t>
             </a:r>
             <a:endParaRPr lang="it-IT" sz="3000" b="1" i="1" dirty="0">
               <a:solidFill>
@@ -25203,7 +25087,7 @@
   <p:timing>
     <p:tnLst>
       <p:par>
-        <p:cTn id="1" dur="indefinite" restart="never" nodeType="tmRoot"/>
+        <p:cTn xmlns:p14="http://schemas.microsoft.com/office/powerpoint/2010/main" id="1" dur="indefinite" restart="never" nodeType="tmRoot"/>
       </p:par>
     </p:tnLst>
   </p:timing>
@@ -25380,7 +25264,7 @@
                   <a:srgbClr val="0072C6"/>
                 </a:solidFill>
               </a:rPr>
-              <a:t>Globale -2 </a:t>
+              <a:t>Globale </a:t>
             </a:r>
             <a:endParaRPr lang="it-IT" sz="3000" b="1" i="1" dirty="0">
               <a:solidFill>
@@ -25493,7 +25377,7 @@
   <p:timing>
     <p:tnLst>
       <p:par>
-        <p:cTn id="1" dur="indefinite" restart="never" nodeType="tmRoot"/>
+        <p:cTn xmlns:p14="http://schemas.microsoft.com/office/powerpoint/2010/main" id="1" dur="indefinite" restart="never" nodeType="tmRoot"/>
       </p:par>
     </p:tnLst>
   </p:timing>
@@ -25754,7 +25638,7 @@
   <p:timing>
     <p:tnLst>
       <p:par>
-        <p:cTn id="1" dur="indefinite" restart="never" nodeType="tmRoot"/>
+        <p:cTn xmlns:p14="http://schemas.microsoft.com/office/powerpoint/2010/main" id="1" dur="indefinite" restart="never" nodeType="tmRoot"/>
       </p:par>
     </p:tnLst>
   </p:timing>
@@ -26994,7 +26878,7 @@
   <p:timing>
     <p:tnLst>
       <p:par>
-        <p:cTn id="1" dur="indefinite" restart="never" nodeType="tmRoot"/>
+        <p:cTn xmlns:p14="http://schemas.microsoft.com/office/powerpoint/2010/main" id="1" dur="indefinite" restart="never" nodeType="tmRoot"/>
       </p:par>
     </p:tnLst>
   </p:timing>
@@ -27171,7 +27055,7 @@
                   <a:srgbClr val="0072C6"/>
                 </a:solidFill>
               </a:rPr>
-              <a:t>Globale -1</a:t>
+              <a:t>Globale</a:t>
             </a:r>
             <a:endParaRPr lang="it-IT" sz="3000" b="1" i="1" dirty="0">
               <a:solidFill>
@@ -27284,7 +27168,7 @@
   <p:timing>
     <p:tnLst>
       <p:par>
-        <p:cTn id="1" dur="indefinite" restart="never" nodeType="tmRoot"/>
+        <p:cTn xmlns:p14="http://schemas.microsoft.com/office/powerpoint/2010/main" id="1" dur="indefinite" restart="never" nodeType="tmRoot"/>
       </p:par>
     </p:tnLst>
   </p:timing>
@@ -27747,7 +27631,7 @@
   <p:timing>
     <p:tnLst>
       <p:par>
-        <p:cTn id="1" dur="indefinite" restart="never" nodeType="tmRoot"/>
+        <p:cTn xmlns:p14="http://schemas.microsoft.com/office/powerpoint/2010/main" id="1" dur="indefinite" restart="never" nodeType="tmRoot"/>
       </p:par>
     </p:tnLst>
   </p:timing>
@@ -27948,7 +27832,7 @@
                   <a:srgbClr val="0072C6"/>
                 </a:solidFill>
               </a:rPr>
-              <a:t>Globale -2</a:t>
+              <a:t>Globale</a:t>
             </a:r>
             <a:endParaRPr lang="it-IT" sz="3000" b="1" i="1" dirty="0">
               <a:solidFill>
@@ -28037,7 +27921,7 @@
   <p:timing>
     <p:tnLst>
       <p:par>
-        <p:cTn id="1" dur="indefinite" restart="never" nodeType="tmRoot"/>
+        <p:cTn xmlns:p14="http://schemas.microsoft.com/office/powerpoint/2010/main" id="1" dur="indefinite" restart="never" nodeType="tmRoot"/>
       </p:par>
     </p:tnLst>
   </p:timing>
@@ -28214,7 +28098,7 @@
                   <a:srgbClr val="0072C6"/>
                 </a:solidFill>
               </a:rPr>
-              <a:t>Globale -3</a:t>
+              <a:t>Globale</a:t>
             </a:r>
             <a:endParaRPr lang="it-IT" sz="3000" b="1" i="1" dirty="0">
               <a:solidFill>
@@ -28327,7 +28211,7 @@
   <p:timing>
     <p:tnLst>
       <p:par>
-        <p:cTn id="1" dur="indefinite" restart="never" nodeType="tmRoot"/>
+        <p:cTn xmlns:p14="http://schemas.microsoft.com/office/powerpoint/2010/main" id="1" dur="indefinite" restart="never" nodeType="tmRoot"/>
       </p:par>
     </p:tnLst>
   </p:timing>
@@ -29374,7 +29258,7 @@
   <p:timing>
     <p:tnLst>
       <p:par>
-        <p:cTn id="1" dur="indefinite" restart="never" nodeType="tmRoot"/>
+        <p:cTn xmlns:p14="http://schemas.microsoft.com/office/powerpoint/2010/main" id="1" dur="indefinite" restart="never" nodeType="tmRoot"/>
       </p:par>
     </p:tnLst>
   </p:timing>
@@ -29727,7 +29611,7 @@
   <p:timing>
     <p:tnLst>
       <p:par>
-        <p:cTn id="1" dur="indefinite" restart="never" nodeType="tmRoot"/>
+        <p:cTn xmlns:p14="http://schemas.microsoft.com/office/powerpoint/2010/main" id="1" dur="indefinite" restart="never" nodeType="tmRoot"/>
       </p:par>
     </p:tnLst>
   </p:timing>
@@ -30185,16 +30069,6 @@
               <a:buChar char="•"/>
             </a:pPr>
             <a:r>
-              <a:rPr lang="it-IT" sz="2800" spc="-100" dirty="0" err="1" smtClean="0">
-                <a:ln w="3175">
-                  <a:noFill/>
-                </a:ln>
-                <a:latin typeface="+mj-lt"/>
-                <a:cs typeface="Arial" charset="0"/>
-              </a:rPr>
-              <a:t>Raggupramento</a:t>
-            </a:r>
-            <a:r>
               <a:rPr lang="it-IT" sz="2800" spc="-100" dirty="0" smtClean="0">
                 <a:ln w="3175">
                   <a:noFill/>
@@ -30202,8 +30076,15 @@
                 <a:latin typeface="+mj-lt"/>
                 <a:cs typeface="Arial" charset="0"/>
               </a:rPr>
-              <a:t> </a:t>
-            </a:r>
+              <a:t>Raggruppamento </a:t>
+            </a:r>
+            <a:endParaRPr lang="it-IT" sz="2800" spc="-100" dirty="0" smtClean="0">
+              <a:ln w="3175">
+                <a:noFill/>
+              </a:ln>
+              <a:latin typeface="+mj-lt"/>
+              <a:cs typeface="Arial" charset="0"/>
+            </a:endParaRPr>
           </a:p>
           <a:p>
             <a:pPr marL="457200" indent="-457200">
@@ -30218,7 +30099,17 @@
                 <a:latin typeface="+mj-lt"/>
                 <a:cs typeface="Arial" charset="0"/>
               </a:rPr>
-              <a:t>ecc</a:t>
+              <a:t>Ecc</a:t>
+            </a:r>
+            <a:r>
+              <a:rPr lang="it-IT" sz="2800" spc="-100" dirty="0" smtClean="0">
+                <a:ln w="3175">
+                  <a:noFill/>
+                </a:ln>
+                <a:latin typeface="+mj-lt"/>
+                <a:cs typeface="Arial" charset="0"/>
+              </a:rPr>
+              <a:t>…</a:t>
             </a:r>
             <a:endParaRPr lang="it-IT" sz="2800" spc="-100" dirty="0" smtClean="0">
               <a:ln w="3175">
@@ -30260,7 +30151,7 @@
   <p:timing>
     <p:tnLst>
       <p:par>
-        <p:cTn id="1" dur="indefinite" restart="never" nodeType="tmRoot"/>
+        <p:cTn xmlns:p14="http://schemas.microsoft.com/office/powerpoint/2010/main" id="1" dur="indefinite" restart="never" nodeType="tmRoot"/>
       </p:par>
     </p:tnLst>
   </p:timing>
@@ -30549,7 +30440,27 @@
                 <a:latin typeface="+mj-lt"/>
                 <a:cs typeface="Arial" charset="0"/>
               </a:rPr>
-              <a:t>) sulle tabelle del nuovo sistema di sintesi. (comporta la copia fisica sul nuovo sistema)</a:t>
+              <a:t>) sulle tabelle del nuovo sistema di </a:t>
+            </a:r>
+            <a:r>
+              <a:rPr lang="it-IT" sz="2800" spc="-100" dirty="0" smtClean="0">
+                <a:ln w="3175">
+                  <a:noFill/>
+                </a:ln>
+                <a:latin typeface="+mj-lt"/>
+                <a:cs typeface="Arial" charset="0"/>
+              </a:rPr>
+              <a:t>sintesi </a:t>
+            </a:r>
+            <a:r>
+              <a:rPr lang="it-IT" sz="2800" spc="-100" dirty="0" smtClean="0">
+                <a:ln w="3175">
+                  <a:noFill/>
+                </a:ln>
+                <a:latin typeface="+mj-lt"/>
+                <a:cs typeface="Arial" charset="0"/>
+              </a:rPr>
+              <a:t>(comporta la copia fisica sul nuovo sistema)</a:t>
             </a:r>
           </a:p>
           <a:p>
@@ -30653,7 +30564,7 @@
   <p:timing>
     <p:tnLst>
       <p:par>
-        <p:cTn id="1" dur="indefinite" restart="never" nodeType="tmRoot"/>
+        <p:cTn xmlns:p14="http://schemas.microsoft.com/office/powerpoint/2010/main" id="1" dur="indefinite" restart="never" nodeType="tmRoot"/>
       </p:par>
     </p:tnLst>
   </p:timing>
@@ -31188,7 +31099,7 @@
   <p:timing>
     <p:tnLst>
       <p:par>
-        <p:cTn id="1" dur="indefinite" restart="never" nodeType="tmRoot"/>
+        <p:cTn xmlns:p14="http://schemas.microsoft.com/office/powerpoint/2010/main" id="1" dur="indefinite" restart="never" nodeType="tmRoot"/>
       </p:par>
     </p:tnLst>
   </p:timing>
@@ -31763,7 +31674,7 @@
   <p:timing>
     <p:tnLst>
       <p:par>
-        <p:cTn id="1" dur="indefinite" restart="never" nodeType="tmRoot"/>
+        <p:cTn xmlns:p14="http://schemas.microsoft.com/office/powerpoint/2010/main" id="1" dur="indefinite" restart="never" nodeType="tmRoot"/>
       </p:par>
     </p:tnLst>
   </p:timing>
@@ -32091,7 +32002,7 @@
   <p:timing>
     <p:tnLst>
       <p:par>
-        <p:cTn id="1" dur="indefinite" restart="never" nodeType="tmRoot"/>
+        <p:cTn xmlns:p14="http://schemas.microsoft.com/office/powerpoint/2010/main" id="1" dur="indefinite" restart="never" nodeType="tmRoot"/>
       </p:par>
     </p:tnLst>
   </p:timing>
@@ -32467,7 +32378,7 @@
   <p:timing>
     <p:tnLst>
       <p:par>
-        <p:cTn id="1" dur="indefinite" restart="never" nodeType="tmRoot"/>
+        <p:cTn xmlns:p14="http://schemas.microsoft.com/office/powerpoint/2010/main" id="1" dur="indefinite" restart="never" nodeType="tmRoot"/>
       </p:par>
     </p:tnLst>
   </p:timing>
@@ -32810,7 +32721,7 @@
   <p:timing>
     <p:tnLst>
       <p:par>
-        <p:cTn id="1" dur="indefinite" restart="never" nodeType="tmRoot"/>
+        <p:cTn xmlns:p14="http://schemas.microsoft.com/office/powerpoint/2010/main" id="1" dur="indefinite" restart="never" nodeType="tmRoot"/>
       </p:par>
     </p:tnLst>
   </p:timing>
@@ -33090,7 +33001,7 @@
   <p:timing>
     <p:tnLst>
       <p:par>
-        <p:cTn id="1" dur="indefinite" restart="never" nodeType="tmRoot"/>
+        <p:cTn xmlns:p14="http://schemas.microsoft.com/office/powerpoint/2010/main" id="1" dur="indefinite" restart="never" nodeType="tmRoot"/>
       </p:par>
     </p:tnLst>
   </p:timing>
@@ -33442,7 +33353,7 @@
   <p:timing>
     <p:tnLst>
       <p:par>
-        <p:cTn id="1" dur="indefinite" restart="never" nodeType="tmRoot"/>
+        <p:cTn xmlns:p14="http://schemas.microsoft.com/office/powerpoint/2010/main" id="1" dur="indefinite" restart="never" nodeType="tmRoot"/>
       </p:par>
     </p:tnLst>
   </p:timing>
@@ -33746,7 +33657,7 @@
   <p:timing>
     <p:tnLst>
       <p:par>
-        <p:cTn id="1" dur="indefinite" restart="never" nodeType="tmRoot"/>
+        <p:cTn xmlns:p14="http://schemas.microsoft.com/office/powerpoint/2010/main" id="1" dur="indefinite" restart="never" nodeType="tmRoot"/>
       </p:par>
     </p:tnLst>
   </p:timing>
@@ -34184,7 +34095,7 @@
   <p:timing>
     <p:tnLst>
       <p:par>
-        <p:cTn id="1" dur="indefinite" restart="never" nodeType="tmRoot"/>
+        <p:cTn xmlns:p14="http://schemas.microsoft.com/office/powerpoint/2010/main" id="1" dur="indefinite" restart="never" nodeType="tmRoot"/>
       </p:par>
     </p:tnLst>
   </p:timing>
@@ -34459,7 +34370,7 @@
   <p:timing>
     <p:tnLst>
       <p:par>
-        <p:cTn id="1" dur="indefinite" restart="never" nodeType="tmRoot"/>
+        <p:cTn xmlns:p14="http://schemas.microsoft.com/office/powerpoint/2010/main" id="1" dur="indefinite" restart="never" nodeType="tmRoot"/>
       </p:par>
     </p:tnLst>
   </p:timing>
@@ -34747,7 +34658,7 @@
   <p:timing>
     <p:tnLst>
       <p:par>
-        <p:cTn id="1" dur="indefinite" restart="never" nodeType="tmRoot"/>
+        <p:cTn xmlns:p14="http://schemas.microsoft.com/office/powerpoint/2010/main" id="1" dur="indefinite" restart="never" nodeType="tmRoot"/>
       </p:par>
     </p:tnLst>
   </p:timing>
@@ -35112,7 +35023,7 @@
   <p:timing>
     <p:tnLst>
       <p:par>
-        <p:cTn id="1" dur="indefinite" restart="never" nodeType="tmRoot"/>
+        <p:cTn xmlns:p14="http://schemas.microsoft.com/office/powerpoint/2010/main" id="1" dur="indefinite" restart="never" nodeType="tmRoot"/>
       </p:par>
     </p:tnLst>
   </p:timing>
@@ -35505,7 +35416,7 @@
   <p:timing>
     <p:tnLst>
       <p:par>
-        <p:cTn id="1" dur="indefinite" restart="never" nodeType="tmRoot"/>
+        <p:cTn xmlns:p14="http://schemas.microsoft.com/office/powerpoint/2010/main" id="1" dur="indefinite" restart="never" nodeType="tmRoot"/>
       </p:par>
     </p:tnLst>
   </p:timing>
@@ -35701,7 +35612,23 @@
                   <a:schemeClr val="tx1"/>
                 </a:solidFill>
               </a:rPr>
-              <a:t>che ne permette l’utilizzo ma obbliga l’utilizzatore a citare il Licenziante.</a:t>
+              <a:t>che ne permette </a:t>
+            </a:r>
+            <a:r>
+              <a:rPr lang="it-IT" sz="3200" dirty="0" smtClean="0">
+                <a:solidFill>
+                  <a:schemeClr val="tx1"/>
+                </a:solidFill>
+              </a:rPr>
+              <a:t>l’utilizzo, </a:t>
+            </a:r>
+            <a:r>
+              <a:rPr lang="it-IT" sz="3200" dirty="0" smtClean="0">
+                <a:solidFill>
+                  <a:schemeClr val="tx1"/>
+                </a:solidFill>
+              </a:rPr>
+              <a:t>ma obbliga l’utilizzatore a citare il Licenziante.</a:t>
             </a:r>
           </a:p>
           <a:p>
@@ -35876,7 +35803,7 @@
   <p:timing>
     <p:tnLst>
       <p:par>
-        <p:cTn id="1" dur="indefinite" restart="never" nodeType="tmRoot"/>
+        <p:cTn xmlns:p14="http://schemas.microsoft.com/office/powerpoint/2010/main" id="1" dur="indefinite" restart="never" nodeType="tmRoot"/>
       </p:par>
     </p:tnLst>
   </p:timing>
@@ -36346,7 +36273,7 @@
   <p:timing>
     <p:tnLst>
       <p:par>
-        <p:cTn id="1" dur="indefinite" restart="never" nodeType="tmRoot"/>
+        <p:cTn xmlns:p14="http://schemas.microsoft.com/office/powerpoint/2010/main" id="1" dur="indefinite" restart="never" nodeType="tmRoot"/>
       </p:par>
     </p:tnLst>
   </p:timing>
@@ -36490,25 +36417,8 @@
                 <a:latin typeface="+mj-lt"/>
                 <a:cs typeface="Arial" charset="0"/>
               </a:rPr>
-              <a:t>Il target del sistema è il territorio nazionale </a:t>
-            </a:r>
-            <a:r>
-              <a:rPr lang="it-IT" sz="3200" spc="-100" dirty="0" smtClean="0">
-                <a:ln w="3175">
-                  <a:noFill/>
-                </a:ln>
-                <a:latin typeface="+mj-lt"/>
-                <a:cs typeface="Arial" charset="0"/>
-              </a:rPr>
-              <a:t>italiano</a:t>
-            </a:r>
-            <a:endParaRPr lang="it-IT" sz="3200" spc="-100" dirty="0" smtClean="0">
-              <a:ln w="3175">
-                <a:noFill/>
-              </a:ln>
-              <a:latin typeface="+mj-lt"/>
-              <a:cs typeface="Arial" charset="0"/>
-            </a:endParaRPr>
+              <a:t>Il target del sistema è il territorio nazionale italiano</a:t>
+            </a:r>
           </a:p>
           <a:p>
             <a:pPr marL="457200" lvl="0" indent="-457200">
@@ -36536,25 +36446,8 @@
                 <a:latin typeface="+mj-lt"/>
                 <a:cs typeface="Arial" charset="0"/>
               </a:rPr>
-              <a:t>Presenza di 2000 sensori idrici dislocati sul territorio nazionale (a febbraio 2015 in Lombardia sono presenti circa 100 </a:t>
-            </a:r>
-            <a:r>
-              <a:rPr lang="it-IT" sz="3200" spc="-100" dirty="0" smtClean="0">
-                <a:ln w="3175">
-                  <a:noFill/>
-                </a:ln>
-                <a:latin typeface="+mj-lt"/>
-                <a:cs typeface="Arial" charset="0"/>
-              </a:rPr>
-              <a:t>sensori – Arpa Lombardia)</a:t>
-            </a:r>
-            <a:endParaRPr lang="it-IT" sz="3200" spc="-100" dirty="0" smtClean="0">
-              <a:ln w="3175">
-                <a:noFill/>
-              </a:ln>
-              <a:latin typeface="+mj-lt"/>
-              <a:cs typeface="Arial" charset="0"/>
-            </a:endParaRPr>
+              <a:t>Presenza di 2000 sensori idrici dislocati sul territorio nazionale (a febbraio 2015 in Lombardia sono presenti circa 100 sensori – Arpa Lombardia)</a:t>
+            </a:r>
           </a:p>
           <a:p>
             <a:pPr marL="457200" lvl="0" indent="-457200">
@@ -36582,25 +36475,8 @@
                 <a:latin typeface="+mj-lt"/>
                 <a:cs typeface="Arial" charset="0"/>
               </a:rPr>
-              <a:t>I sensori idrici inviano i dati rilevati ogni ora (tutti i sensori sono </a:t>
-            </a:r>
-            <a:r>
-              <a:rPr lang="it-IT" sz="3200" spc="-100" dirty="0" smtClean="0">
-                <a:ln w="3175">
-                  <a:noFill/>
-                </a:ln>
-                <a:latin typeface="+mj-lt"/>
-                <a:cs typeface="Arial" charset="0"/>
-              </a:rPr>
-              <a:t>sincronizzati – l’intervallo di rilevazione è analogo a quello di sistemi realmente esistenti)</a:t>
-            </a:r>
-            <a:endParaRPr lang="it-IT" sz="3200" spc="-100" dirty="0" smtClean="0">
-              <a:ln w="3175">
-                <a:noFill/>
-              </a:ln>
-              <a:latin typeface="+mj-lt"/>
-              <a:cs typeface="Arial" charset="0"/>
-            </a:endParaRPr>
+              <a:t>I sensori idrici inviano i dati rilevati ogni ora (tutti i sensori sono sincronizzati – l’intervallo di rilevazione è analogo a quello di sistemi realmente esistenti)</a:t>
+            </a:r>
           </a:p>
           <a:p>
             <a:pPr marL="457200" lvl="0" indent="-457200">
@@ -36727,7 +36603,7 @@
   <p:timing>
     <p:tnLst>
       <p:par>
-        <p:cTn id="1" dur="indefinite" restart="never" nodeType="tmRoot"/>
+        <p:cTn xmlns:p14="http://schemas.microsoft.com/office/powerpoint/2010/main" id="1" dur="indefinite" restart="never" nodeType="tmRoot"/>
       </p:par>
     </p:tnLst>
   </p:timing>
@@ -37290,7 +37166,7 @@
   <p:timing>
     <p:tnLst>
       <p:par>
-        <p:cTn id="1" dur="indefinite" restart="never" nodeType="tmRoot"/>
+        <p:cTn xmlns:p14="http://schemas.microsoft.com/office/powerpoint/2010/main" id="1" dur="indefinite" restart="never" nodeType="tmRoot"/>
       </p:par>
     </p:tnLst>
   </p:timing>
@@ -37830,7 +37706,7 @@
   <p:timing>
     <p:tnLst>
       <p:par>
-        <p:cTn id="1" dur="indefinite" restart="never" nodeType="tmRoot"/>
+        <p:cTn xmlns:p14="http://schemas.microsoft.com/office/powerpoint/2010/main" id="1" dur="indefinite" restart="never" nodeType="tmRoot"/>
       </p:par>
     </p:tnLst>
   </p:timing>
@@ -38410,7 +38286,7 @@
   <p:timing>
     <p:tnLst>
       <p:par>
-        <p:cTn id="1" dur="indefinite" restart="never" nodeType="tmRoot"/>
+        <p:cTn xmlns:p14="http://schemas.microsoft.com/office/powerpoint/2010/main" id="1" dur="indefinite" restart="never" nodeType="tmRoot"/>
       </p:par>
     </p:tnLst>
   </p:timing>
@@ -38953,7 +38829,7 @@
   <p:timing>
     <p:tnLst>
       <p:par>
-        <p:cTn id="1" dur="indefinite" restart="never" nodeType="tmRoot"/>
+        <p:cTn xmlns:p14="http://schemas.microsoft.com/office/powerpoint/2010/main" id="1" dur="indefinite" restart="never" nodeType="tmRoot"/>
       </p:par>
     </p:tnLst>
   </p:timing>
@@ -39386,7 +39262,7 @@
   <p:timing>
     <p:tnLst>
       <p:par>
-        <p:cTn id="1" dur="indefinite" restart="never" nodeType="tmRoot"/>
+        <p:cTn xmlns:p14="http://schemas.microsoft.com/office/powerpoint/2010/main" id="1" dur="indefinite" restart="never" nodeType="tmRoot"/>
       </p:par>
     </p:tnLst>
   </p:timing>
@@ -39889,7 +39765,7 @@
   <p:timing>
     <p:tnLst>
       <p:par>
-        <p:cTn id="1" dur="indefinite" restart="never" nodeType="tmRoot"/>
+        <p:cTn xmlns:p14="http://schemas.microsoft.com/office/powerpoint/2010/main" id="1" dur="indefinite" restart="never" nodeType="tmRoot"/>
       </p:par>
     </p:tnLst>
   </p:timing>
@@ -40290,7 +40166,7 @@
   <p:timing>
     <p:tnLst>
       <p:par>
-        <p:cTn id="1" dur="indefinite" restart="never" nodeType="tmRoot"/>
+        <p:cTn xmlns:p14="http://schemas.microsoft.com/office/powerpoint/2010/main" id="1" dur="indefinite" restart="never" nodeType="tmRoot"/>
       </p:par>
     </p:tnLst>
   </p:timing>
@@ -40827,7 +40703,7 @@
   <p:timing>
     <p:tnLst>
       <p:par>
-        <p:cTn id="1" dur="indefinite" restart="never" nodeType="tmRoot"/>
+        <p:cTn xmlns:p14="http://schemas.microsoft.com/office/powerpoint/2010/main" id="1" dur="indefinite" restart="never" nodeType="tmRoot"/>
       </p:par>
     </p:tnLst>
   </p:timing>
@@ -41329,7 +41205,7 @@
   <p:timing>
     <p:tnLst>
       <p:par>
-        <p:cTn id="1" dur="indefinite" restart="never" nodeType="tmRoot"/>
+        <p:cTn xmlns:p14="http://schemas.microsoft.com/office/powerpoint/2010/main" id="1" dur="indefinite" restart="never" nodeType="tmRoot"/>
       </p:par>
     </p:tnLst>
   </p:timing>
@@ -41767,7 +41643,7 @@
   <p:timing>
     <p:tnLst>
       <p:par>
-        <p:cTn id="1" dur="indefinite" restart="never" nodeType="tmRoot"/>
+        <p:cTn xmlns:p14="http://schemas.microsoft.com/office/powerpoint/2010/main" id="1" dur="indefinite" restart="never" nodeType="tmRoot"/>
       </p:par>
     </p:tnLst>
   </p:timing>
@@ -42134,7 +42010,7 @@
   <p:timing>
     <p:tnLst>
       <p:par>
-        <p:cTn id="1" dur="indefinite" restart="never" nodeType="tmRoot"/>
+        <p:cTn xmlns:p14="http://schemas.microsoft.com/office/powerpoint/2010/main" id="1" dur="indefinite" restart="never" nodeType="tmRoot"/>
       </p:par>
     </p:tnLst>
   </p:timing>
@@ -42195,8 +42071,14 @@
                 </a:solidFill>
                 <a:latin typeface="Segoe UI Light" panose="020B0502040204020203" pitchFamily="34" charset="0"/>
               </a:rPr>
-              <a:t>The End</a:t>
-            </a:r>
+              <a:t>End</a:t>
+            </a:r>
+            <a:endParaRPr lang="it-IT" sz="6000" b="1" dirty="0" smtClean="0">
+              <a:solidFill>
+                <a:schemeClr val="bg1"/>
+              </a:solidFill>
+              <a:latin typeface="Segoe UI Light" panose="020B0502040204020203" pitchFamily="34" charset="0"/>
+            </a:endParaRPr>
           </a:p>
         </p:txBody>
       </p:sp>
@@ -42221,7 +42103,7 @@
   <p:timing>
     <p:tnLst>
       <p:par>
-        <p:cTn id="1" dur="indefinite" restart="never" nodeType="tmRoot"/>
+        <p:cTn xmlns:p14="http://schemas.microsoft.com/office/powerpoint/2010/main" id="1" dur="indefinite" restart="never" nodeType="tmRoot"/>
       </p:par>
     </p:tnLst>
   </p:timing>
@@ -42483,7 +42365,7 @@
   <a:extraClrSchemeLst/>
   <a:extLst>
     <a:ext uri="{05A4C25C-085E-4340-85A3-A5531E510DB2}">
-      <thm15:themeFamily xmlns:thm15="http://schemas.microsoft.com/office/thememl/2012/main" name="Office Theme" id="{62F939B6-93AF-4DB8-9C6B-D6C7DFDC589F}" vid="{4A3C46E8-61CC-4603-A589-7422A47A8E4A}"/>
+      <thm15:themeFamily xmlns:thm15="http://schemas.microsoft.com/office/thememl/2012/main" xmlns="" name="Office Theme" id="{62F939B6-93AF-4DB8-9C6B-D6C7DFDC589F}" vid="{4A3C46E8-61CC-4603-A589-7422A47A8E4A}"/>
     </a:ext>
   </a:extLst>
 </a:theme>
@@ -42744,7 +42626,7 @@
   <a:extraClrSchemeLst/>
   <a:extLst>
     <a:ext uri="{05A4C25C-085E-4340-85A3-A5531E510DB2}">
-      <thm15:themeFamily xmlns:thm15="http://schemas.microsoft.com/office/thememl/2012/main" name="Office Theme" id="{62F939B6-93AF-4DB8-9C6B-D6C7DFDC589F}" vid="{4A3C46E8-61CC-4603-A589-7422A47A8E4A}"/>
+      <thm15:themeFamily xmlns:thm15="http://schemas.microsoft.com/office/thememl/2012/main" xmlns="" name="Office Theme" id="{62F939B6-93AF-4DB8-9C6B-D6C7DFDC589F}" vid="{4A3C46E8-61CC-4603-A589-7422A47A8E4A}"/>
     </a:ext>
   </a:extLst>
 </a:theme>

--- a/Febbraio 2015.pptx
+++ b/Febbraio 2015.pptx
@@ -198,7 +198,7 @@
   </p:defaultTextStyle>
   <p:extLst>
     <p:ext uri="{EFAFB233-063F-42B5-8137-9DF3F51BA10A}">
-      <p15:sldGuideLst xmlns:p15="http://schemas.microsoft.com/office/powerpoint/2012/main" xmlns="">
+      <p15:sldGuideLst xmlns:p15="http://schemas.microsoft.com/office/powerpoint/2012/main">
         <p15:guide id="1" orient="horz" pos="2160">
           <p15:clr>
             <a:srgbClr val="A4A3A4"/>
@@ -294,28 +294,28 @@
                 <c:formatCode>General</c:formatCode>
                 <c:ptCount val="8"/>
                 <c:pt idx="0">
-                  <c:v>10.0</c:v>
+                  <c:v>10</c:v>
                 </c:pt>
                 <c:pt idx="1">
-                  <c:v>80.0</c:v>
+                  <c:v>80</c:v>
                 </c:pt>
                 <c:pt idx="2">
-                  <c:v>20.0</c:v>
+                  <c:v>20</c:v>
                 </c:pt>
                 <c:pt idx="3">
-                  <c:v>10.0</c:v>
+                  <c:v>10</c:v>
                 </c:pt>
                 <c:pt idx="4">
-                  <c:v>30.0</c:v>
+                  <c:v>30</c:v>
                 </c:pt>
                 <c:pt idx="5">
-                  <c:v>100.0</c:v>
+                  <c:v>100</c:v>
                 </c:pt>
                 <c:pt idx="6">
-                  <c:v>100.0</c:v>
+                  <c:v>100</c:v>
                 </c:pt>
                 <c:pt idx="7">
-                  <c:v>0.0</c:v>
+                  <c:v>0</c:v>
                 </c:pt>
               </c:numCache>
             </c:numRef>
@@ -329,11 +329,11 @@
           <c:showPercent val="0"/>
           <c:showBubbleSize val="0"/>
         </c:dLbls>
-        <c:axId val="-2135969960"/>
-        <c:axId val="-2135966216"/>
+        <c:axId val="121136096"/>
+        <c:axId val="121136656"/>
       </c:radarChart>
       <c:catAx>
-        <c:axId val="-2135969960"/>
+        <c:axId val="121136096"/>
         <c:scaling>
           <c:orientation val="minMax"/>
         </c:scaling>
@@ -376,7 +376,7 @@
             <a:endParaRPr lang="it-IT"/>
           </a:p>
         </c:txPr>
-        <c:crossAx val="-2135966216"/>
+        <c:crossAx val="121136656"/>
         <c:crosses val="autoZero"/>
         <c:auto val="1"/>
         <c:lblAlgn val="ctr"/>
@@ -384,7 +384,7 @@
         <c:noMultiLvlLbl val="0"/>
       </c:catAx>
       <c:valAx>
-        <c:axId val="-2135966216"/>
+        <c:axId val="121136656"/>
         <c:scaling>
           <c:orientation val="minMax"/>
         </c:scaling>
@@ -434,10 +434,10 @@
             <a:endParaRPr lang="it-IT"/>
           </a:p>
         </c:txPr>
-        <c:crossAx val="-2135969960"/>
+        <c:crossAx val="121136096"/>
         <c:crosses val="autoZero"/>
         <c:crossBetween val="between"/>
-        <c:majorUnit val="10.0"/>
+        <c:majorUnit val="10"/>
       </c:valAx>
       <c:spPr>
         <a:noFill/>
@@ -468,7 +468,7 @@
       <a:endParaRPr lang="it-IT"/>
     </a:p>
   </c:txPr>
-  <c:externalData r:id="rId1">
+  <c:externalData r:id="rId3">
     <c:autoUpdate val="0"/>
   </c:externalData>
 </c:chartSpace>
@@ -495,10 +495,10 @@
           <c:layoutTarget val="inner"/>
           <c:xMode val="edge"/>
           <c:yMode val="edge"/>
-          <c:x val="0.258684388589357"/>
-          <c:y val="0.0738863413190105"/>
-          <c:w val="0.46511599843123"/>
-          <c:h val="0.844278982788413"/>
+          <c:x val="0.25868438858935699"/>
+          <c:y val="7.3886341319010507E-2"/>
+          <c:w val="0.46511599843123003"/>
+          <c:h val="0.84427898278841296"/>
         </c:manualLayout>
       </c:layout>
       <c:radarChart>
@@ -555,28 +555,28 @@
                 <c:formatCode>General</c:formatCode>
                 <c:ptCount val="8"/>
                 <c:pt idx="0">
-                  <c:v>10.0</c:v>
+                  <c:v>10</c:v>
                 </c:pt>
                 <c:pt idx="1">
-                  <c:v>10.0</c:v>
+                  <c:v>10</c:v>
                 </c:pt>
                 <c:pt idx="2">
-                  <c:v>20.0</c:v>
+                  <c:v>20</c:v>
                 </c:pt>
                 <c:pt idx="3">
-                  <c:v>10.0</c:v>
+                  <c:v>10</c:v>
                 </c:pt>
                 <c:pt idx="4">
-                  <c:v>30.0</c:v>
+                  <c:v>30</c:v>
                 </c:pt>
                 <c:pt idx="5">
-                  <c:v>100.0</c:v>
+                  <c:v>100</c:v>
                 </c:pt>
                 <c:pt idx="6">
-                  <c:v>60.0</c:v>
+                  <c:v>60</c:v>
                 </c:pt>
                 <c:pt idx="7">
-                  <c:v>50.0</c:v>
+                  <c:v>50</c:v>
                 </c:pt>
               </c:numCache>
             </c:numRef>
@@ -590,11 +590,11 @@
           <c:showPercent val="0"/>
           <c:showBubbleSize val="0"/>
         </c:dLbls>
-        <c:axId val="-2136067400"/>
-        <c:axId val="-2136063656"/>
+        <c:axId val="147617248"/>
+        <c:axId val="147617808"/>
       </c:radarChart>
       <c:catAx>
-        <c:axId val="-2136067400"/>
+        <c:axId val="147617248"/>
         <c:scaling>
           <c:orientation val="minMax"/>
         </c:scaling>
@@ -637,7 +637,7 @@
             <a:endParaRPr lang="it-IT"/>
           </a:p>
         </c:txPr>
-        <c:crossAx val="-2136063656"/>
+        <c:crossAx val="147617808"/>
         <c:crosses val="autoZero"/>
         <c:auto val="1"/>
         <c:lblAlgn val="ctr"/>
@@ -645,7 +645,7 @@
         <c:noMultiLvlLbl val="0"/>
       </c:catAx>
       <c:valAx>
-        <c:axId val="-2136063656"/>
+        <c:axId val="147617808"/>
         <c:scaling>
           <c:orientation val="minMax"/>
         </c:scaling>
@@ -695,10 +695,10 @@
             <a:endParaRPr lang="it-IT"/>
           </a:p>
         </c:txPr>
-        <c:crossAx val="-2136067400"/>
+        <c:crossAx val="147617248"/>
         <c:crosses val="autoZero"/>
         <c:crossBetween val="between"/>
-        <c:majorUnit val="10.0"/>
+        <c:majorUnit val="10"/>
       </c:valAx>
       <c:spPr>
         <a:noFill/>
@@ -729,7 +729,7 @@
       <a:endParaRPr lang="it-IT"/>
     </a:p>
   </c:txPr>
-  <c:externalData r:id="rId1">
+  <c:externalData r:id="rId3">
     <c:autoUpdate val="0"/>
   </c:externalData>
 </c:chartSpace>
@@ -806,28 +806,28 @@
                 <c:formatCode>General</c:formatCode>
                 <c:ptCount val="8"/>
                 <c:pt idx="0">
-                  <c:v>10.0</c:v>
+                  <c:v>10</c:v>
                 </c:pt>
                 <c:pt idx="1">
-                  <c:v>30.0</c:v>
+                  <c:v>30</c:v>
                 </c:pt>
                 <c:pt idx="2">
-                  <c:v>20.0</c:v>
+                  <c:v>20</c:v>
                 </c:pt>
                 <c:pt idx="3">
-                  <c:v>10.0</c:v>
+                  <c:v>10</c:v>
                 </c:pt>
                 <c:pt idx="4">
-                  <c:v>30.0</c:v>
+                  <c:v>30</c:v>
                 </c:pt>
                 <c:pt idx="5">
-                  <c:v>30.0</c:v>
+                  <c:v>30</c:v>
                 </c:pt>
                 <c:pt idx="6">
-                  <c:v>60.0</c:v>
+                  <c:v>60</c:v>
                 </c:pt>
                 <c:pt idx="7">
-                  <c:v>20.0</c:v>
+                  <c:v>20</c:v>
                 </c:pt>
               </c:numCache>
             </c:numRef>
@@ -841,11 +841,11 @@
           <c:showPercent val="0"/>
           <c:showBubbleSize val="0"/>
         </c:dLbls>
-        <c:axId val="2077671656"/>
-        <c:axId val="2077674232"/>
+        <c:axId val="147620048"/>
+        <c:axId val="147951440"/>
       </c:radarChart>
       <c:catAx>
-        <c:axId val="2077671656"/>
+        <c:axId val="147620048"/>
         <c:scaling>
           <c:orientation val="minMax"/>
         </c:scaling>
@@ -888,7 +888,7 @@
             <a:endParaRPr lang="it-IT"/>
           </a:p>
         </c:txPr>
-        <c:crossAx val="2077674232"/>
+        <c:crossAx val="147951440"/>
         <c:crosses val="autoZero"/>
         <c:auto val="1"/>
         <c:lblAlgn val="ctr"/>
@@ -896,10 +896,10 @@
         <c:noMultiLvlLbl val="0"/>
       </c:catAx>
       <c:valAx>
-        <c:axId val="2077674232"/>
+        <c:axId val="147951440"/>
         <c:scaling>
           <c:orientation val="minMax"/>
-          <c:max val="100.0"/>
+          <c:max val="100"/>
         </c:scaling>
         <c:delete val="0"/>
         <c:axPos val="l"/>
@@ -947,10 +947,10 @@
             <a:endParaRPr lang="it-IT"/>
           </a:p>
         </c:txPr>
-        <c:crossAx val="2077671656"/>
+        <c:crossAx val="147620048"/>
         <c:crosses val="autoZero"/>
         <c:crossBetween val="between"/>
-        <c:majorUnit val="10.0"/>
+        <c:majorUnit val="10"/>
       </c:valAx>
       <c:spPr>
         <a:noFill/>
@@ -981,7 +981,429 @@
       <a:endParaRPr lang="it-IT"/>
     </a:p>
   </c:txPr>
-  <c:externalData r:id="rId1">
+  <c:externalData r:id="rId3">
+    <c:autoUpdate val="0"/>
+  </c:externalData>
+</c:chartSpace>
+</file>
+
+<file path=ppt/charts/chart4.xml><?xml version="1.0" encoding="utf-8"?>
+<c:chartSpace xmlns:c="http://schemas.openxmlformats.org/drawingml/2006/chart" xmlns:a="http://schemas.openxmlformats.org/drawingml/2006/main" xmlns:r="http://schemas.openxmlformats.org/officeDocument/2006/relationships">
+  <c:date1904 val="0"/>
+  <c:lang val="it-IT"/>
+  <c:roundedCorners val="0"/>
+  <mc:AlternateContent xmlns:mc="http://schemas.openxmlformats.org/markup-compatibility/2006">
+    <mc:Choice xmlns:c14="http://schemas.microsoft.com/office/drawing/2007/8/2/chart" Requires="c14">
+      <c14:style val="102"/>
+    </mc:Choice>
+    <mc:Fallback>
+      <c:style val="2"/>
+    </mc:Fallback>
+  </mc:AlternateContent>
+  <c:chart>
+    <c:autoTitleDeleted val="1"/>
+    <c:plotArea>
+      <c:layout/>
+      <c:radarChart>
+        <c:radarStyle val="marker"/>
+        <c:varyColors val="0"/>
+        <c:ser>
+          <c:idx val="0"/>
+          <c:order val="0"/>
+          <c:spPr>
+            <a:ln w="38100" cap="rnd">
+              <a:solidFill>
+                <a:srgbClr val="FF0000">
+                  <a:alpha val="70000"/>
+                </a:srgbClr>
+              </a:solidFill>
+              <a:round/>
+            </a:ln>
+            <a:effectLst/>
+          </c:spPr>
+          <c:marker>
+            <c:symbol val="none"/>
+          </c:marker>
+          <c:cat>
+            <c:strRef>
+              <c:f>Foglio4!$B$7:$B$14</c:f>
+              <c:strCache>
+                <c:ptCount val="8"/>
+                <c:pt idx="0">
+                  <c:v>Astrazione</c:v>
+                </c:pt>
+                <c:pt idx="1">
+                  <c:v>Complessità</c:v>
+                </c:pt>
+                <c:pt idx="2">
+                  <c:v>Frequenza</c:v>
+                </c:pt>
+                <c:pt idx="3">
+                  <c:v>Ritardo</c:v>
+                </c:pt>
+                <c:pt idx="4">
+                  <c:v>Localizzazione</c:v>
+                </c:pt>
+                <c:pt idx="5">
+                  <c:v>ExtraFlow</c:v>
+                </c:pt>
+                <c:pt idx="6">
+                  <c:v>IntrFlow</c:v>
+                </c:pt>
+                <c:pt idx="7">
+                  <c:v>Condivisione</c:v>
+                </c:pt>
+              </c:strCache>
+            </c:strRef>
+          </c:cat>
+          <c:val>
+            <c:numRef>
+              <c:f>Foglio4!$C$7:$C$14</c:f>
+              <c:numCache>
+                <c:formatCode>General</c:formatCode>
+                <c:ptCount val="8"/>
+                <c:pt idx="0">
+                  <c:v>10</c:v>
+                </c:pt>
+                <c:pt idx="1">
+                  <c:v>80</c:v>
+                </c:pt>
+                <c:pt idx="2">
+                  <c:v>20</c:v>
+                </c:pt>
+                <c:pt idx="3">
+                  <c:v>10</c:v>
+                </c:pt>
+                <c:pt idx="4">
+                  <c:v>30</c:v>
+                </c:pt>
+                <c:pt idx="5">
+                  <c:v>100</c:v>
+                </c:pt>
+                <c:pt idx="6">
+                  <c:v>100</c:v>
+                </c:pt>
+                <c:pt idx="7">
+                  <c:v>0</c:v>
+                </c:pt>
+              </c:numCache>
+            </c:numRef>
+          </c:val>
+        </c:ser>
+        <c:ser>
+          <c:idx val="1"/>
+          <c:order val="1"/>
+          <c:spPr>
+            <a:ln w="38100" cap="rnd">
+              <a:solidFill>
+                <a:srgbClr val="FFC000">
+                  <a:alpha val="70000"/>
+                </a:srgbClr>
+              </a:solidFill>
+              <a:round/>
+            </a:ln>
+            <a:effectLst/>
+          </c:spPr>
+          <c:marker>
+            <c:symbol val="none"/>
+          </c:marker>
+          <c:cat>
+            <c:strRef>
+              <c:f>Foglio4!$B$7:$B$14</c:f>
+              <c:strCache>
+                <c:ptCount val="8"/>
+                <c:pt idx="0">
+                  <c:v>Astrazione</c:v>
+                </c:pt>
+                <c:pt idx="1">
+                  <c:v>Complessità</c:v>
+                </c:pt>
+                <c:pt idx="2">
+                  <c:v>Frequenza</c:v>
+                </c:pt>
+                <c:pt idx="3">
+                  <c:v>Ritardo</c:v>
+                </c:pt>
+                <c:pt idx="4">
+                  <c:v>Localizzazione</c:v>
+                </c:pt>
+                <c:pt idx="5">
+                  <c:v>ExtraFlow</c:v>
+                </c:pt>
+                <c:pt idx="6">
+                  <c:v>IntrFlow</c:v>
+                </c:pt>
+                <c:pt idx="7">
+                  <c:v>Condivisione</c:v>
+                </c:pt>
+              </c:strCache>
+            </c:strRef>
+          </c:cat>
+          <c:val>
+            <c:numRef>
+              <c:f>Foglio4!$D$7:$D$14</c:f>
+              <c:numCache>
+                <c:formatCode>General</c:formatCode>
+                <c:ptCount val="8"/>
+                <c:pt idx="0">
+                  <c:v>10</c:v>
+                </c:pt>
+                <c:pt idx="1">
+                  <c:v>10</c:v>
+                </c:pt>
+                <c:pt idx="2">
+                  <c:v>20</c:v>
+                </c:pt>
+                <c:pt idx="3">
+                  <c:v>10</c:v>
+                </c:pt>
+                <c:pt idx="4">
+                  <c:v>30</c:v>
+                </c:pt>
+                <c:pt idx="5">
+                  <c:v>100</c:v>
+                </c:pt>
+                <c:pt idx="6">
+                  <c:v>60</c:v>
+                </c:pt>
+                <c:pt idx="7">
+                  <c:v>50</c:v>
+                </c:pt>
+              </c:numCache>
+            </c:numRef>
+          </c:val>
+        </c:ser>
+        <c:ser>
+          <c:idx val="2"/>
+          <c:order val="2"/>
+          <c:spPr>
+            <a:ln w="63500" cap="rnd">
+              <a:solidFill>
+                <a:srgbClr val="00B050">
+                  <a:alpha val="70000"/>
+                </a:srgbClr>
+              </a:solidFill>
+              <a:round/>
+            </a:ln>
+            <a:effectLst/>
+          </c:spPr>
+          <c:marker>
+            <c:symbol val="none"/>
+          </c:marker>
+          <c:cat>
+            <c:strRef>
+              <c:f>Foglio4!$B$7:$B$14</c:f>
+              <c:strCache>
+                <c:ptCount val="8"/>
+                <c:pt idx="0">
+                  <c:v>Astrazione</c:v>
+                </c:pt>
+                <c:pt idx="1">
+                  <c:v>Complessità</c:v>
+                </c:pt>
+                <c:pt idx="2">
+                  <c:v>Frequenza</c:v>
+                </c:pt>
+                <c:pt idx="3">
+                  <c:v>Ritardo</c:v>
+                </c:pt>
+                <c:pt idx="4">
+                  <c:v>Localizzazione</c:v>
+                </c:pt>
+                <c:pt idx="5">
+                  <c:v>ExtraFlow</c:v>
+                </c:pt>
+                <c:pt idx="6">
+                  <c:v>IntrFlow</c:v>
+                </c:pt>
+                <c:pt idx="7">
+                  <c:v>Condivisione</c:v>
+                </c:pt>
+              </c:strCache>
+            </c:strRef>
+          </c:cat>
+          <c:val>
+            <c:numRef>
+              <c:f>Foglio4!$E$7:$E$14</c:f>
+              <c:numCache>
+                <c:formatCode>General</c:formatCode>
+                <c:ptCount val="8"/>
+                <c:pt idx="0">
+                  <c:v>10</c:v>
+                </c:pt>
+                <c:pt idx="1">
+                  <c:v>30</c:v>
+                </c:pt>
+                <c:pt idx="2">
+                  <c:v>20</c:v>
+                </c:pt>
+                <c:pt idx="3">
+                  <c:v>10</c:v>
+                </c:pt>
+                <c:pt idx="4">
+                  <c:v>30</c:v>
+                </c:pt>
+                <c:pt idx="5">
+                  <c:v>30</c:v>
+                </c:pt>
+                <c:pt idx="6">
+                  <c:v>60</c:v>
+                </c:pt>
+                <c:pt idx="7">
+                  <c:v>20</c:v>
+                </c:pt>
+              </c:numCache>
+            </c:numRef>
+          </c:val>
+        </c:ser>
+        <c:dLbls>
+          <c:showLegendKey val="0"/>
+          <c:showVal val="0"/>
+          <c:showCatName val="0"/>
+          <c:showSerName val="0"/>
+          <c:showPercent val="0"/>
+          <c:showBubbleSize val="0"/>
+        </c:dLbls>
+        <c:axId val="212605328"/>
+        <c:axId val="217671632"/>
+      </c:radarChart>
+      <c:catAx>
+        <c:axId val="212605328"/>
+        <c:scaling>
+          <c:orientation val="minMax"/>
+        </c:scaling>
+        <c:delete val="0"/>
+        <c:axPos val="b"/>
+        <c:numFmt formatCode="General" sourceLinked="1"/>
+        <c:majorTickMark val="none"/>
+        <c:minorTickMark val="none"/>
+        <c:tickLblPos val="nextTo"/>
+        <c:spPr>
+          <a:noFill/>
+          <a:ln w="9525" cap="flat" cmpd="sng" algn="ctr">
+            <a:solidFill>
+              <a:schemeClr val="tx1">
+                <a:lumMod val="15000"/>
+                <a:lumOff val="85000"/>
+              </a:schemeClr>
+            </a:solidFill>
+            <a:round/>
+          </a:ln>
+          <a:effectLst/>
+        </c:spPr>
+        <c:txPr>
+          <a:bodyPr rot="-60000000" spcFirstLastPara="1" vertOverflow="ellipsis" vert="horz" wrap="square" anchor="ctr" anchorCtr="1"/>
+          <a:lstStyle/>
+          <a:p>
+            <a:pPr>
+              <a:defRPr sz="900" b="0" i="0" u="none" strike="noStrike" kern="1200" baseline="0">
+                <a:solidFill>
+                  <a:schemeClr val="tx1">
+                    <a:lumMod val="65000"/>
+                    <a:lumOff val="35000"/>
+                  </a:schemeClr>
+                </a:solidFill>
+                <a:latin typeface="+mn-lt"/>
+                <a:ea typeface="+mn-ea"/>
+                <a:cs typeface="+mn-cs"/>
+              </a:defRPr>
+            </a:pPr>
+            <a:endParaRPr lang="it-IT"/>
+          </a:p>
+        </c:txPr>
+        <c:crossAx val="217671632"/>
+        <c:crosses val="autoZero"/>
+        <c:auto val="1"/>
+        <c:lblAlgn val="ctr"/>
+        <c:lblOffset val="100"/>
+        <c:noMultiLvlLbl val="0"/>
+      </c:catAx>
+      <c:valAx>
+        <c:axId val="217671632"/>
+        <c:scaling>
+          <c:orientation val="minMax"/>
+        </c:scaling>
+        <c:delete val="0"/>
+        <c:axPos val="l"/>
+        <c:majorGridlines>
+          <c:spPr>
+            <a:ln w="9525" cap="flat" cmpd="sng" algn="ctr">
+              <a:solidFill>
+                <a:schemeClr val="tx1">
+                  <a:alpha val="70000"/>
+                </a:schemeClr>
+              </a:solidFill>
+              <a:round/>
+            </a:ln>
+            <a:effectLst/>
+          </c:spPr>
+        </c:majorGridlines>
+        <c:numFmt formatCode="General" sourceLinked="1"/>
+        <c:majorTickMark val="none"/>
+        <c:minorTickMark val="none"/>
+        <c:tickLblPos val="nextTo"/>
+        <c:spPr>
+          <a:noFill/>
+          <a:ln>
+            <a:noFill/>
+          </a:ln>
+          <a:effectLst/>
+        </c:spPr>
+        <c:txPr>
+          <a:bodyPr rot="-60000000" spcFirstLastPara="1" vertOverflow="ellipsis" vert="horz" wrap="square" anchor="ctr" anchorCtr="1"/>
+          <a:lstStyle/>
+          <a:p>
+            <a:pPr>
+              <a:defRPr sz="900" b="0" i="0" u="none" strike="noStrike" kern="1200" baseline="0">
+                <a:solidFill>
+                  <a:schemeClr val="tx1">
+                    <a:lumMod val="65000"/>
+                    <a:lumOff val="35000"/>
+                  </a:schemeClr>
+                </a:solidFill>
+                <a:latin typeface="+mn-lt"/>
+                <a:ea typeface="+mn-ea"/>
+                <a:cs typeface="+mn-cs"/>
+              </a:defRPr>
+            </a:pPr>
+            <a:endParaRPr lang="it-IT"/>
+          </a:p>
+        </c:txPr>
+        <c:crossAx val="212605328"/>
+        <c:crosses val="autoZero"/>
+        <c:crossBetween val="between"/>
+        <c:majorUnit val="10"/>
+      </c:valAx>
+      <c:spPr>
+        <a:noFill/>
+        <a:ln>
+          <a:noFill/>
+        </a:ln>
+        <a:effectLst/>
+      </c:spPr>
+    </c:plotArea>
+    <c:plotVisOnly val="1"/>
+    <c:dispBlanksAs val="gap"/>
+    <c:showDLblsOverMax val="0"/>
+  </c:chart>
+  <c:spPr>
+    <a:noFill/>
+    <a:ln>
+      <a:noFill/>
+    </a:ln>
+    <a:effectLst/>
+  </c:spPr>
+  <c:txPr>
+    <a:bodyPr/>
+    <a:lstStyle/>
+    <a:p>
+      <a:pPr>
+        <a:defRPr/>
+      </a:pPr>
+      <a:endParaRPr lang="it-IT"/>
+    </a:p>
+  </c:txPr>
+  <c:externalData r:id="rId3">
     <c:autoUpdate val="0"/>
   </c:externalData>
 </c:chartSpace>
@@ -1068,6 +1490,46 @@
 </file>
 
 <file path=ppt/charts/colors3.xml><?xml version="1.0" encoding="utf-8"?>
+<cs:colorStyle xmlns:cs="http://schemas.microsoft.com/office/drawing/2012/chartStyle" xmlns:a="http://schemas.openxmlformats.org/drawingml/2006/main" meth="cycle" id="10">
+  <a:schemeClr val="accent1"/>
+  <a:schemeClr val="accent2"/>
+  <a:schemeClr val="accent3"/>
+  <a:schemeClr val="accent4"/>
+  <a:schemeClr val="accent5"/>
+  <a:schemeClr val="accent6"/>
+  <cs:variation/>
+  <cs:variation>
+    <a:lumMod val="60000"/>
+  </cs:variation>
+  <cs:variation>
+    <a:lumMod val="80000"/>
+    <a:lumOff val="20000"/>
+  </cs:variation>
+  <cs:variation>
+    <a:lumMod val="80000"/>
+  </cs:variation>
+  <cs:variation>
+    <a:lumMod val="60000"/>
+    <a:lumOff val="40000"/>
+  </cs:variation>
+  <cs:variation>
+    <a:lumMod val="50000"/>
+  </cs:variation>
+  <cs:variation>
+    <a:lumMod val="70000"/>
+    <a:lumOff val="30000"/>
+  </cs:variation>
+  <cs:variation>
+    <a:lumMod val="70000"/>
+  </cs:variation>
+  <cs:variation>
+    <a:lumMod val="50000"/>
+    <a:lumOff val="50000"/>
+  </cs:variation>
+</cs:colorStyle>
+</file>
+
+<file path=ppt/charts/colors4.xml><?xml version="1.0" encoding="utf-8"?>
 <cs:colorStyle xmlns:cs="http://schemas.microsoft.com/office/drawing/2012/chartStyle" xmlns:a="http://schemas.openxmlformats.org/drawingml/2006/main" meth="cycle" id="10">
   <a:schemeClr val="accent1"/>
   <a:schemeClr val="accent2"/>
@@ -2622,6 +3084,511 @@
 </cs:chartStyle>
 </file>
 
+<file path=ppt/charts/style4.xml><?xml version="1.0" encoding="utf-8"?>
+<cs:chartStyle xmlns:cs="http://schemas.microsoft.com/office/drawing/2012/chartStyle" xmlns:a="http://schemas.openxmlformats.org/drawingml/2006/main" id="317">
+  <cs:axisTitle>
+    <cs:lnRef idx="0"/>
+    <cs:fillRef idx="0"/>
+    <cs:effectRef idx="0"/>
+    <cs:fontRef idx="minor">
+      <a:schemeClr val="tx1">
+        <a:lumMod val="65000"/>
+        <a:lumOff val="35000"/>
+      </a:schemeClr>
+    </cs:fontRef>
+    <cs:defRPr sz="1000" kern="1200"/>
+  </cs:axisTitle>
+  <cs:categoryAxis>
+    <cs:lnRef idx="0"/>
+    <cs:fillRef idx="0"/>
+    <cs:effectRef idx="0"/>
+    <cs:fontRef idx="minor">
+      <a:schemeClr val="tx1">
+        <a:lumMod val="65000"/>
+        <a:lumOff val="35000"/>
+      </a:schemeClr>
+    </cs:fontRef>
+    <cs:spPr>
+      <a:ln w="9525" cap="flat" cmpd="sng" algn="ctr">
+        <a:solidFill>
+          <a:schemeClr val="tx1">
+            <a:lumMod val="15000"/>
+            <a:lumOff val="85000"/>
+          </a:schemeClr>
+        </a:solidFill>
+        <a:round/>
+      </a:ln>
+    </cs:spPr>
+    <cs:defRPr sz="900" kern="1200"/>
+  </cs:categoryAxis>
+  <cs:chartArea mods="allowNoFillOverride allowNoLineOverride">
+    <cs:lnRef idx="0"/>
+    <cs:fillRef idx="0"/>
+    <cs:effectRef idx="0"/>
+    <cs:fontRef idx="minor">
+      <a:schemeClr val="tx1"/>
+    </cs:fontRef>
+    <cs:spPr>
+      <a:solidFill>
+        <a:schemeClr val="bg1"/>
+      </a:solidFill>
+      <a:ln w="9525" cap="flat" cmpd="sng" algn="ctr">
+        <a:solidFill>
+          <a:schemeClr val="tx1">
+            <a:lumMod val="15000"/>
+            <a:lumOff val="85000"/>
+          </a:schemeClr>
+        </a:solidFill>
+        <a:round/>
+      </a:ln>
+    </cs:spPr>
+    <cs:defRPr sz="1000" kern="1200"/>
+  </cs:chartArea>
+  <cs:dataLabel>
+    <cs:lnRef idx="0"/>
+    <cs:fillRef idx="0"/>
+    <cs:effectRef idx="0"/>
+    <cs:fontRef idx="minor">
+      <a:schemeClr val="tx1">
+        <a:lumMod val="75000"/>
+        <a:lumOff val="25000"/>
+      </a:schemeClr>
+    </cs:fontRef>
+    <cs:defRPr sz="900" kern="1200"/>
+  </cs:dataLabel>
+  <cs:dataLabelCallout>
+    <cs:lnRef idx="0"/>
+    <cs:fillRef idx="0"/>
+    <cs:effectRef idx="0"/>
+    <cs:fontRef idx="minor">
+      <a:schemeClr val="dk1">
+        <a:lumMod val="65000"/>
+        <a:lumOff val="35000"/>
+      </a:schemeClr>
+    </cs:fontRef>
+    <cs:spPr>
+      <a:solidFill>
+        <a:schemeClr val="lt1"/>
+      </a:solidFill>
+      <a:ln>
+        <a:solidFill>
+          <a:schemeClr val="dk1">
+            <a:lumMod val="25000"/>
+            <a:lumOff val="75000"/>
+          </a:schemeClr>
+        </a:solidFill>
+      </a:ln>
+    </cs:spPr>
+    <cs:defRPr sz="900" kern="1200"/>
+    <cs:bodyPr rot="0" spcFirstLastPara="1" vertOverflow="clip" horzOverflow="clip" vert="horz" wrap="square" lIns="36576" tIns="18288" rIns="36576" bIns="18288" anchor="ctr" anchorCtr="1">
+      <a:spAutoFit/>
+    </cs:bodyPr>
+  </cs:dataLabelCallout>
+  <cs:dataPoint>
+    <cs:lnRef idx="0"/>
+    <cs:fillRef idx="1">
+      <cs:styleClr val="auto"/>
+    </cs:fillRef>
+    <cs:effectRef idx="0"/>
+    <cs:fontRef idx="minor">
+      <a:schemeClr val="tx1"/>
+    </cs:fontRef>
+  </cs:dataPoint>
+  <cs:dataPoint3D>
+    <cs:lnRef idx="0"/>
+    <cs:fillRef idx="1">
+      <cs:styleClr val="auto"/>
+    </cs:fillRef>
+    <cs:effectRef idx="0"/>
+    <cs:fontRef idx="minor">
+      <a:schemeClr val="tx1"/>
+    </cs:fontRef>
+  </cs:dataPoint3D>
+  <cs:dataPointLine>
+    <cs:lnRef idx="0">
+      <cs:styleClr val="auto"/>
+    </cs:lnRef>
+    <cs:fillRef idx="1"/>
+    <cs:effectRef idx="0"/>
+    <cs:fontRef idx="minor">
+      <a:schemeClr val="tx1"/>
+    </cs:fontRef>
+    <cs:spPr>
+      <a:ln w="28575" cap="rnd">
+        <a:solidFill>
+          <a:schemeClr val="phClr"/>
+        </a:solidFill>
+        <a:round/>
+      </a:ln>
+    </cs:spPr>
+  </cs:dataPointLine>
+  <cs:dataPointMarker>
+    <cs:lnRef idx="0">
+      <cs:styleClr val="auto"/>
+    </cs:lnRef>
+    <cs:fillRef idx="1">
+      <cs:styleClr val="auto"/>
+    </cs:fillRef>
+    <cs:effectRef idx="0"/>
+    <cs:fontRef idx="minor">
+      <a:schemeClr val="tx1"/>
+    </cs:fontRef>
+    <cs:spPr>
+      <a:ln w="9525">
+        <a:solidFill>
+          <a:schemeClr val="phClr"/>
+        </a:solidFill>
+      </a:ln>
+    </cs:spPr>
+  </cs:dataPointMarker>
+  <cs:dataPointMarkerLayout symbol="circle" size="5"/>
+  <cs:dataPointWireframe>
+    <cs:lnRef idx="0">
+      <cs:styleClr val="auto"/>
+    </cs:lnRef>
+    <cs:fillRef idx="1"/>
+    <cs:effectRef idx="0"/>
+    <cs:fontRef idx="minor">
+      <a:schemeClr val="tx1"/>
+    </cs:fontRef>
+    <cs:spPr>
+      <a:ln w="9525" cap="rnd">
+        <a:solidFill>
+          <a:schemeClr val="phClr"/>
+        </a:solidFill>
+        <a:round/>
+      </a:ln>
+    </cs:spPr>
+  </cs:dataPointWireframe>
+  <cs:dataTable>
+    <cs:lnRef idx="0"/>
+    <cs:fillRef idx="0"/>
+    <cs:effectRef idx="0"/>
+    <cs:fontRef idx="minor">
+      <a:schemeClr val="tx1">
+        <a:lumMod val="65000"/>
+        <a:lumOff val="35000"/>
+      </a:schemeClr>
+    </cs:fontRef>
+    <cs:spPr>
+      <a:noFill/>
+      <a:ln w="9525" cap="flat" cmpd="sng" algn="ctr">
+        <a:solidFill>
+          <a:schemeClr val="tx1">
+            <a:lumMod val="15000"/>
+            <a:lumOff val="85000"/>
+          </a:schemeClr>
+        </a:solidFill>
+        <a:round/>
+      </a:ln>
+    </cs:spPr>
+    <cs:defRPr sz="900" kern="1200"/>
+  </cs:dataTable>
+  <cs:downBar>
+    <cs:lnRef idx="0"/>
+    <cs:fillRef idx="0"/>
+    <cs:effectRef idx="0"/>
+    <cs:fontRef idx="minor">
+      <a:schemeClr val="tx1"/>
+    </cs:fontRef>
+    <cs:spPr>
+      <a:solidFill>
+        <a:schemeClr val="dk1">
+          <a:lumMod val="75000"/>
+          <a:lumOff val="25000"/>
+        </a:schemeClr>
+      </a:solidFill>
+      <a:ln w="9525" cap="flat" cmpd="sng" algn="ctr">
+        <a:solidFill>
+          <a:schemeClr val="tx1">
+            <a:lumMod val="65000"/>
+            <a:lumOff val="35000"/>
+          </a:schemeClr>
+        </a:solidFill>
+        <a:round/>
+      </a:ln>
+    </cs:spPr>
+  </cs:downBar>
+  <cs:dropLine>
+    <cs:lnRef idx="0"/>
+    <cs:fillRef idx="0"/>
+    <cs:effectRef idx="0"/>
+    <cs:fontRef idx="minor">
+      <a:schemeClr val="tx1"/>
+    </cs:fontRef>
+    <cs:spPr>
+      <a:ln w="9525" cap="flat" cmpd="sng" algn="ctr">
+        <a:solidFill>
+          <a:schemeClr val="tx1">
+            <a:lumMod val="35000"/>
+            <a:lumOff val="65000"/>
+          </a:schemeClr>
+        </a:solidFill>
+        <a:round/>
+      </a:ln>
+    </cs:spPr>
+  </cs:dropLine>
+  <cs:errorBar>
+    <cs:lnRef idx="0"/>
+    <cs:fillRef idx="0"/>
+    <cs:effectRef idx="0"/>
+    <cs:fontRef idx="minor">
+      <a:schemeClr val="tx1"/>
+    </cs:fontRef>
+    <cs:spPr>
+      <a:ln w="9525" cap="flat" cmpd="sng" algn="ctr">
+        <a:solidFill>
+          <a:schemeClr val="tx1">
+            <a:lumMod val="65000"/>
+            <a:lumOff val="35000"/>
+          </a:schemeClr>
+        </a:solidFill>
+        <a:round/>
+      </a:ln>
+    </cs:spPr>
+  </cs:errorBar>
+  <cs:floor>
+    <cs:lnRef idx="0"/>
+    <cs:fillRef idx="0"/>
+    <cs:effectRef idx="0"/>
+    <cs:fontRef idx="minor">
+      <a:schemeClr val="tx1"/>
+    </cs:fontRef>
+    <cs:spPr>
+      <a:noFill/>
+      <a:ln>
+        <a:noFill/>
+      </a:ln>
+    </cs:spPr>
+  </cs:floor>
+  <cs:gridlineMajor>
+    <cs:lnRef idx="0"/>
+    <cs:fillRef idx="0"/>
+    <cs:effectRef idx="0"/>
+    <cs:fontRef idx="minor">
+      <a:schemeClr val="tx1"/>
+    </cs:fontRef>
+    <cs:spPr>
+      <a:ln w="9525" cap="flat" cmpd="sng" algn="ctr">
+        <a:solidFill>
+          <a:schemeClr val="tx1">
+            <a:lumMod val="15000"/>
+            <a:lumOff val="85000"/>
+          </a:schemeClr>
+        </a:solidFill>
+        <a:round/>
+      </a:ln>
+    </cs:spPr>
+  </cs:gridlineMajor>
+  <cs:gridlineMinor>
+    <cs:lnRef idx="0"/>
+    <cs:fillRef idx="0"/>
+    <cs:effectRef idx="0"/>
+    <cs:fontRef idx="minor">
+      <a:schemeClr val="tx1"/>
+    </cs:fontRef>
+    <cs:spPr>
+      <a:ln w="9525" cap="flat" cmpd="sng" algn="ctr">
+        <a:solidFill>
+          <a:schemeClr val="tx1">
+            <a:lumMod val="5000"/>
+            <a:lumOff val="95000"/>
+          </a:schemeClr>
+        </a:solidFill>
+        <a:round/>
+      </a:ln>
+    </cs:spPr>
+  </cs:gridlineMinor>
+  <cs:hiLoLine>
+    <cs:lnRef idx="0"/>
+    <cs:fillRef idx="0"/>
+    <cs:effectRef idx="0"/>
+    <cs:fontRef idx="minor">
+      <a:schemeClr val="tx1"/>
+    </cs:fontRef>
+    <cs:spPr>
+      <a:ln w="9525" cap="flat" cmpd="sng" algn="ctr">
+        <a:solidFill>
+          <a:schemeClr val="tx1">
+            <a:lumMod val="50000"/>
+            <a:lumOff val="50000"/>
+          </a:schemeClr>
+        </a:solidFill>
+        <a:round/>
+      </a:ln>
+    </cs:spPr>
+  </cs:hiLoLine>
+  <cs:leaderLine>
+    <cs:lnRef idx="0"/>
+    <cs:fillRef idx="0"/>
+    <cs:effectRef idx="0"/>
+    <cs:fontRef idx="minor">
+      <a:schemeClr val="tx1"/>
+    </cs:fontRef>
+    <cs:spPr>
+      <a:ln w="9525" cap="flat" cmpd="sng" algn="ctr">
+        <a:solidFill>
+          <a:schemeClr val="tx1">
+            <a:lumMod val="35000"/>
+            <a:lumOff val="65000"/>
+          </a:schemeClr>
+        </a:solidFill>
+        <a:round/>
+      </a:ln>
+    </cs:spPr>
+  </cs:leaderLine>
+  <cs:legend>
+    <cs:lnRef idx="0"/>
+    <cs:fillRef idx="0"/>
+    <cs:effectRef idx="0"/>
+    <cs:fontRef idx="minor">
+      <a:schemeClr val="tx1">
+        <a:lumMod val="65000"/>
+        <a:lumOff val="35000"/>
+      </a:schemeClr>
+    </cs:fontRef>
+    <cs:defRPr sz="900" kern="1200"/>
+  </cs:legend>
+  <cs:plotArea mods="allowNoFillOverride allowNoLineOverride">
+    <cs:lnRef idx="0"/>
+    <cs:fillRef idx="0"/>
+    <cs:effectRef idx="0"/>
+    <cs:fontRef idx="minor">
+      <a:schemeClr val="tx1"/>
+    </cs:fontRef>
+  </cs:plotArea>
+  <cs:plotArea3D mods="allowNoFillOverride allowNoLineOverride">
+    <cs:lnRef idx="0"/>
+    <cs:fillRef idx="0"/>
+    <cs:effectRef idx="0"/>
+    <cs:fontRef idx="minor">
+      <a:schemeClr val="tx1"/>
+    </cs:fontRef>
+  </cs:plotArea3D>
+  <cs:seriesAxis>
+    <cs:lnRef idx="0"/>
+    <cs:fillRef idx="0"/>
+    <cs:effectRef idx="0"/>
+    <cs:fontRef idx="minor">
+      <a:schemeClr val="tx1">
+        <a:lumMod val="65000"/>
+        <a:lumOff val="35000"/>
+      </a:schemeClr>
+    </cs:fontRef>
+    <cs:defRPr sz="900" kern="1200"/>
+  </cs:seriesAxis>
+  <cs:seriesLine>
+    <cs:lnRef idx="0"/>
+    <cs:fillRef idx="0"/>
+    <cs:effectRef idx="0"/>
+    <cs:fontRef idx="minor">
+      <a:schemeClr val="tx1"/>
+    </cs:fontRef>
+    <cs:spPr>
+      <a:ln w="9525" cap="flat" cmpd="sng" algn="ctr">
+        <a:solidFill>
+          <a:schemeClr val="tx1">
+            <a:lumMod val="35000"/>
+            <a:lumOff val="65000"/>
+          </a:schemeClr>
+        </a:solidFill>
+        <a:round/>
+      </a:ln>
+    </cs:spPr>
+  </cs:seriesLine>
+  <cs:title>
+    <cs:lnRef idx="0"/>
+    <cs:fillRef idx="0"/>
+    <cs:effectRef idx="0"/>
+    <cs:fontRef idx="minor">
+      <a:schemeClr val="tx1">
+        <a:lumMod val="65000"/>
+        <a:lumOff val="35000"/>
+      </a:schemeClr>
+    </cs:fontRef>
+    <cs:defRPr sz="1400" b="0" kern="1200" spc="0" baseline="0"/>
+  </cs:title>
+  <cs:trendline>
+    <cs:lnRef idx="0">
+      <cs:styleClr val="auto"/>
+    </cs:lnRef>
+    <cs:fillRef idx="0"/>
+    <cs:effectRef idx="0"/>
+    <cs:fontRef idx="minor">
+      <a:schemeClr val="tx1"/>
+    </cs:fontRef>
+    <cs:spPr>
+      <a:ln w="19050" cap="rnd">
+        <a:solidFill>
+          <a:schemeClr val="phClr"/>
+        </a:solidFill>
+        <a:prstDash val="sysDot"/>
+      </a:ln>
+    </cs:spPr>
+  </cs:trendline>
+  <cs:trendlineLabel>
+    <cs:lnRef idx="0"/>
+    <cs:fillRef idx="0"/>
+    <cs:effectRef idx="0"/>
+    <cs:fontRef idx="minor">
+      <a:schemeClr val="tx1">
+        <a:lumMod val="65000"/>
+        <a:lumOff val="35000"/>
+      </a:schemeClr>
+    </cs:fontRef>
+    <cs:defRPr sz="900" kern="1200"/>
+  </cs:trendlineLabel>
+  <cs:upBar>
+    <cs:lnRef idx="0"/>
+    <cs:fillRef idx="0"/>
+    <cs:effectRef idx="0"/>
+    <cs:fontRef idx="minor">
+      <a:schemeClr val="tx1"/>
+    </cs:fontRef>
+    <cs:spPr>
+      <a:solidFill>
+        <a:schemeClr val="lt1"/>
+      </a:solidFill>
+      <a:ln w="9525" cap="flat" cmpd="sng" algn="ctr">
+        <a:solidFill>
+          <a:schemeClr val="tx1">
+            <a:lumMod val="65000"/>
+            <a:lumOff val="35000"/>
+          </a:schemeClr>
+        </a:solidFill>
+        <a:round/>
+      </a:ln>
+    </cs:spPr>
+  </cs:upBar>
+  <cs:valueAxis>
+    <cs:lnRef idx="0"/>
+    <cs:fillRef idx="0"/>
+    <cs:effectRef idx="0"/>
+    <cs:fontRef idx="minor">
+      <a:schemeClr val="tx1">
+        <a:lumMod val="65000"/>
+        <a:lumOff val="35000"/>
+      </a:schemeClr>
+    </cs:fontRef>
+    <cs:defRPr sz="900" kern="1200"/>
+  </cs:valueAxis>
+  <cs:wall>
+    <cs:lnRef idx="0"/>
+    <cs:fillRef idx="0"/>
+    <cs:effectRef idx="0"/>
+    <cs:fontRef idx="minor">
+      <a:schemeClr val="tx1"/>
+    </cs:fontRef>
+    <cs:spPr>
+      <a:noFill/>
+      <a:ln>
+        <a:noFill/>
+      </a:ln>
+    </cs:spPr>
+  </cs:wall>
+</cs:chartStyle>
+</file>
+
 <file path=ppt/notesMasters/notesMaster1.xml><?xml version="1.0" encoding="utf-8"?>
 <p:notesMaster xmlns:a="http://schemas.openxmlformats.org/drawingml/2006/main" xmlns:r="http://schemas.openxmlformats.org/officeDocument/2006/relationships" xmlns:p="http://schemas.openxmlformats.org/presentationml/2006/main">
   <p:cSld>
@@ -2704,7 +3671,7 @@
           <a:p>
             <a:fld id="{4DC00536-3C86-400C-9F50-1275C6A29586}" type="datetimeFigureOut">
               <a:rPr lang="it-IT" smtClean="0"/>
-              <a:t>23/02/15</a:t>
+              <a:t>23/02/2015</a:t>
             </a:fld>
             <a:endParaRPr lang="it-IT"/>
           </a:p>
@@ -2863,7 +3830,7 @@
           <a:p>
             <a:fld id="{5D3BD91E-6CA1-409C-9187-4AB7B2A7EE76}" type="slidenum">
               <a:rPr lang="it-IT" smtClean="0"/>
-              <a:t>‹n.›</a:t>
+              <a:t>‹N›</a:t>
             </a:fld>
             <a:endParaRPr lang="it-IT"/>
           </a:p>
@@ -3187,7 +4154,7 @@
           <a:p>
             <a:fld id="{0809BC95-6AD5-4D34-9000-81E21223B4F6}" type="datetimeFigureOut">
               <a:rPr lang="it-IT" smtClean="0"/>
-              <a:t>23/02/15</a:t>
+              <a:t>23/02/2015</a:t>
             </a:fld>
             <a:endParaRPr lang="it-IT"/>
           </a:p>
@@ -3229,7 +4196,7 @@
           <a:p>
             <a:fld id="{7506457C-8D0E-4021-BB99-E24A507D8F57}" type="slidenum">
               <a:rPr lang="it-IT" smtClean="0"/>
-              <a:t>‹n.›</a:t>
+              <a:t>‹N›</a:t>
             </a:fld>
             <a:endParaRPr lang="it-IT"/>
           </a:p>
@@ -3365,7 +4332,7 @@
           <a:p>
             <a:fld id="{0809BC95-6AD5-4D34-9000-81E21223B4F6}" type="datetimeFigureOut">
               <a:rPr lang="it-IT" smtClean="0"/>
-              <a:t>23/02/15</a:t>
+              <a:t>23/02/2015</a:t>
             </a:fld>
             <a:endParaRPr lang="it-IT"/>
           </a:p>
@@ -3407,7 +4374,7 @@
           <a:p>
             <a:fld id="{7506457C-8D0E-4021-BB99-E24A507D8F57}" type="slidenum">
               <a:rPr lang="it-IT" smtClean="0"/>
-              <a:t>‹n.›</a:t>
+              <a:t>‹N›</a:t>
             </a:fld>
             <a:endParaRPr lang="it-IT"/>
           </a:p>
@@ -3553,7 +4520,7 @@
           <a:p>
             <a:fld id="{0809BC95-6AD5-4D34-9000-81E21223B4F6}" type="datetimeFigureOut">
               <a:rPr lang="it-IT" smtClean="0"/>
-              <a:t>23/02/15</a:t>
+              <a:t>23/02/2015</a:t>
             </a:fld>
             <a:endParaRPr lang="it-IT"/>
           </a:p>
@@ -3595,7 +4562,7 @@
           <a:p>
             <a:fld id="{7506457C-8D0E-4021-BB99-E24A507D8F57}" type="slidenum">
               <a:rPr lang="it-IT" smtClean="0"/>
-              <a:t>‹n.›</a:t>
+              <a:t>‹N›</a:t>
             </a:fld>
             <a:endParaRPr lang="it-IT"/>
           </a:p>
@@ -3731,7 +4698,7 @@
           <a:p>
             <a:fld id="{0809BC95-6AD5-4D34-9000-81E21223B4F6}" type="datetimeFigureOut">
               <a:rPr lang="it-IT" smtClean="0"/>
-              <a:t>23/02/15</a:t>
+              <a:t>23/02/2015</a:t>
             </a:fld>
             <a:endParaRPr lang="it-IT"/>
           </a:p>
@@ -3773,7 +4740,7 @@
           <a:p>
             <a:fld id="{7506457C-8D0E-4021-BB99-E24A507D8F57}" type="slidenum">
               <a:rPr lang="it-IT" smtClean="0"/>
-              <a:t>‹n.›</a:t>
+              <a:t>‹N›</a:t>
             </a:fld>
             <a:endParaRPr lang="it-IT"/>
           </a:p>
@@ -3985,7 +4952,7 @@
           <a:p>
             <a:fld id="{0809BC95-6AD5-4D34-9000-81E21223B4F6}" type="datetimeFigureOut">
               <a:rPr lang="it-IT" smtClean="0"/>
-              <a:t>23/02/15</a:t>
+              <a:t>23/02/2015</a:t>
             </a:fld>
             <a:endParaRPr lang="it-IT"/>
           </a:p>
@@ -4027,7 +4994,7 @@
           <a:p>
             <a:fld id="{7506457C-8D0E-4021-BB99-E24A507D8F57}" type="slidenum">
               <a:rPr lang="it-IT" smtClean="0"/>
-              <a:t>‹n.›</a:t>
+              <a:t>‹N›</a:t>
             </a:fld>
             <a:endParaRPr lang="it-IT"/>
           </a:p>
@@ -4225,7 +5192,7 @@
           <a:p>
             <a:fld id="{0809BC95-6AD5-4D34-9000-81E21223B4F6}" type="datetimeFigureOut">
               <a:rPr lang="it-IT" smtClean="0"/>
-              <a:t>23/02/15</a:t>
+              <a:t>23/02/2015</a:t>
             </a:fld>
             <a:endParaRPr lang="it-IT"/>
           </a:p>
@@ -4267,7 +5234,7 @@
           <a:p>
             <a:fld id="{7506457C-8D0E-4021-BB99-E24A507D8F57}" type="slidenum">
               <a:rPr lang="it-IT" smtClean="0"/>
-              <a:t>‹n.›</a:t>
+              <a:t>‹N›</a:t>
             </a:fld>
             <a:endParaRPr lang="it-IT"/>
           </a:p>
@@ -4600,7 +5567,7 @@
           <a:p>
             <a:fld id="{0809BC95-6AD5-4D34-9000-81E21223B4F6}" type="datetimeFigureOut">
               <a:rPr lang="it-IT" smtClean="0"/>
-              <a:t>23/02/15</a:t>
+              <a:t>23/02/2015</a:t>
             </a:fld>
             <a:endParaRPr lang="it-IT"/>
           </a:p>
@@ -4642,7 +5609,7 @@
           <a:p>
             <a:fld id="{7506457C-8D0E-4021-BB99-E24A507D8F57}" type="slidenum">
               <a:rPr lang="it-IT" smtClean="0"/>
-              <a:t>‹n.›</a:t>
+              <a:t>‹N›</a:t>
             </a:fld>
             <a:endParaRPr lang="it-IT"/>
           </a:p>
@@ -4726,7 +5693,7 @@
           <a:p>
             <a:fld id="{0809BC95-6AD5-4D34-9000-81E21223B4F6}" type="datetimeFigureOut">
               <a:rPr lang="it-IT" smtClean="0"/>
-              <a:t>23/02/15</a:t>
+              <a:t>23/02/2015</a:t>
             </a:fld>
             <a:endParaRPr lang="it-IT"/>
           </a:p>
@@ -4768,7 +5735,7 @@
           <a:p>
             <a:fld id="{7506457C-8D0E-4021-BB99-E24A507D8F57}" type="slidenum">
               <a:rPr lang="it-IT" smtClean="0"/>
-              <a:t>‹n.›</a:t>
+              <a:t>‹N›</a:t>
             </a:fld>
             <a:endParaRPr lang="it-IT"/>
           </a:p>
@@ -4829,7 +5796,7 @@
           <a:p>
             <a:fld id="{0809BC95-6AD5-4D34-9000-81E21223B4F6}" type="datetimeFigureOut">
               <a:rPr lang="it-IT" smtClean="0"/>
-              <a:t>23/02/15</a:t>
+              <a:t>23/02/2015</a:t>
             </a:fld>
             <a:endParaRPr lang="it-IT"/>
           </a:p>
@@ -4871,7 +5838,7 @@
           <a:p>
             <a:fld id="{7506457C-8D0E-4021-BB99-E24A507D8F57}" type="slidenum">
               <a:rPr lang="it-IT" smtClean="0"/>
-              <a:t>‹n.›</a:t>
+              <a:t>‹N›</a:t>
             </a:fld>
             <a:endParaRPr lang="it-IT"/>
           </a:p>
@@ -5114,7 +6081,7 @@
           <a:p>
             <a:fld id="{0809BC95-6AD5-4D34-9000-81E21223B4F6}" type="datetimeFigureOut">
               <a:rPr lang="it-IT" smtClean="0"/>
-              <a:t>23/02/15</a:t>
+              <a:t>23/02/2015</a:t>
             </a:fld>
             <a:endParaRPr lang="it-IT"/>
           </a:p>
@@ -5156,7 +6123,7 @@
           <a:p>
             <a:fld id="{7506457C-8D0E-4021-BB99-E24A507D8F57}" type="slidenum">
               <a:rPr lang="it-IT" smtClean="0"/>
-              <a:t>‹n.›</a:t>
+              <a:t>‹N›</a:t>
             </a:fld>
             <a:endParaRPr lang="it-IT"/>
           </a:p>
@@ -5375,7 +6342,7 @@
           <a:p>
             <a:fld id="{0809BC95-6AD5-4D34-9000-81E21223B4F6}" type="datetimeFigureOut">
               <a:rPr lang="it-IT" smtClean="0"/>
-              <a:t>23/02/15</a:t>
+              <a:t>23/02/2015</a:t>
             </a:fld>
             <a:endParaRPr lang="it-IT"/>
           </a:p>
@@ -5417,7 +6384,7 @@
           <a:p>
             <a:fld id="{7506457C-8D0E-4021-BB99-E24A507D8F57}" type="slidenum">
               <a:rPr lang="it-IT" smtClean="0"/>
-              <a:t>‹n.›</a:t>
+              <a:t>‹N›</a:t>
             </a:fld>
             <a:endParaRPr lang="it-IT"/>
           </a:p>
@@ -5596,7 +6563,7 @@
           <a:p>
             <a:fld id="{0809BC95-6AD5-4D34-9000-81E21223B4F6}" type="datetimeFigureOut">
               <a:rPr lang="it-IT" smtClean="0"/>
-              <a:t>23/02/15</a:t>
+              <a:t>23/02/2015</a:t>
             </a:fld>
             <a:endParaRPr lang="it-IT"/>
           </a:p>
@@ -5674,7 +6641,7 @@
           <a:p>
             <a:fld id="{7506457C-8D0E-4021-BB99-E24A507D8F57}" type="slidenum">
               <a:rPr lang="it-IT" smtClean="0"/>
-              <a:t>‹n.›</a:t>
+              <a:t>‹N›</a:t>
             </a:fld>
             <a:endParaRPr lang="it-IT"/>
           </a:p>
@@ -6317,7 +7284,7 @@
   <p:timing>
     <p:tnLst>
       <p:par>
-        <p:cTn xmlns:p14="http://schemas.microsoft.com/office/powerpoint/2010/main" id="1" dur="indefinite" restart="never" nodeType="tmRoot"/>
+        <p:cTn id="1" dur="indefinite" restart="never" nodeType="tmRoot"/>
       </p:par>
     </p:tnLst>
   </p:timing>
@@ -6716,7 +7683,7 @@
   <p:timing>
     <p:tnLst>
       <p:par>
-        <p:cTn xmlns:p14="http://schemas.microsoft.com/office/powerpoint/2010/main" id="1" dur="indefinite" restart="never" nodeType="tmRoot"/>
+        <p:cTn id="1" dur="indefinite" restart="never" nodeType="tmRoot"/>
       </p:par>
     </p:tnLst>
   </p:timing>
@@ -7122,7 +8089,7 @@
   <p:timing>
     <p:tnLst>
       <p:par>
-        <p:cTn xmlns:p14="http://schemas.microsoft.com/office/powerpoint/2010/main" id="1" dur="indefinite" restart="never" nodeType="tmRoot"/>
+        <p:cTn id="1" dur="indefinite" restart="never" nodeType="tmRoot"/>
       </p:par>
     </p:tnLst>
   </p:timing>
@@ -7629,7 +8596,7 @@
   <p:timing>
     <p:tnLst>
       <p:par>
-        <p:cTn xmlns:p14="http://schemas.microsoft.com/office/powerpoint/2010/main" id="1" dur="indefinite" restart="never" nodeType="tmRoot"/>
+        <p:cTn id="1" dur="indefinite" restart="never" nodeType="tmRoot"/>
       </p:par>
     </p:tnLst>
   </p:timing>
@@ -7971,7 +8938,7 @@
   <p:timing>
     <p:tnLst>
       <p:par>
-        <p:cTn xmlns:p14="http://schemas.microsoft.com/office/powerpoint/2010/main" id="1" dur="indefinite" restart="never" nodeType="tmRoot"/>
+        <p:cTn id="1" dur="indefinite" restart="never" nodeType="tmRoot"/>
       </p:par>
     </p:tnLst>
   </p:timing>
@@ -8495,7 +9462,7 @@
   <p:timing>
     <p:tnLst>
       <p:par>
-        <p:cTn xmlns:p14="http://schemas.microsoft.com/office/powerpoint/2010/main" id="1" dur="indefinite" restart="never" nodeType="tmRoot"/>
+        <p:cTn id="1" dur="indefinite" restart="never" nodeType="tmRoot"/>
       </p:par>
     </p:tnLst>
   </p:timing>
@@ -8890,7 +9857,7 @@
   <p:timing>
     <p:tnLst>
       <p:par>
-        <p:cTn xmlns:p14="http://schemas.microsoft.com/office/powerpoint/2010/main" id="1" dur="indefinite" restart="never" nodeType="tmRoot"/>
+        <p:cTn id="1" dur="indefinite" restart="never" nodeType="tmRoot"/>
       </p:par>
     </p:tnLst>
   </p:timing>
@@ -9279,7 +10246,7 @@
   <p:timing>
     <p:tnLst>
       <p:par>
-        <p:cTn xmlns:p14="http://schemas.microsoft.com/office/powerpoint/2010/main" id="1" dur="indefinite" restart="never" nodeType="tmRoot"/>
+        <p:cTn id="1" dur="indefinite" restart="never" nodeType="tmRoot"/>
       </p:par>
     </p:tnLst>
   </p:timing>
@@ -10027,7 +10994,7 @@
   <p:timing>
     <p:tnLst>
       <p:par>
-        <p:cTn xmlns:p14="http://schemas.microsoft.com/office/powerpoint/2010/main" id="1" dur="indefinite" restart="never" nodeType="tmRoot"/>
+        <p:cTn id="1" dur="indefinite" restart="never" nodeType="tmRoot"/>
       </p:par>
     </p:tnLst>
   </p:timing>
@@ -10260,7 +11227,7 @@
   <p:timing>
     <p:tnLst>
       <p:par>
-        <p:cTn xmlns:p14="http://schemas.microsoft.com/office/powerpoint/2010/main" id="1" dur="indefinite" restart="never" nodeType="tmRoot"/>
+        <p:cTn id="1" dur="indefinite" restart="never" nodeType="tmRoot"/>
       </p:par>
     </p:tnLst>
   </p:timing>
@@ -10493,7 +11460,7 @@
   <p:timing>
     <p:tnLst>
       <p:par>
-        <p:cTn xmlns:p14="http://schemas.microsoft.com/office/powerpoint/2010/main" id="1" dur="indefinite" restart="never" nodeType="tmRoot"/>
+        <p:cTn id="1" dur="indefinite" restart="never" nodeType="tmRoot"/>
       </p:par>
     </p:tnLst>
   </p:timing>
@@ -10753,7 +11720,7 @@
   <p:timing>
     <p:tnLst>
       <p:par>
-        <p:cTn xmlns:p14="http://schemas.microsoft.com/office/powerpoint/2010/main" id="1" dur="indefinite" restart="never" nodeType="tmRoot"/>
+        <p:cTn id="1" dur="indefinite" restart="never" nodeType="tmRoot"/>
       </p:par>
     </p:tnLst>
   </p:timing>
@@ -10985,7 +11952,7 @@
   <p:timing>
     <p:tnLst>
       <p:par>
-        <p:cTn xmlns:p14="http://schemas.microsoft.com/office/powerpoint/2010/main" id="1" dur="indefinite" restart="never" nodeType="tmRoot"/>
+        <p:cTn id="1" dur="indefinite" restart="never" nodeType="tmRoot"/>
       </p:par>
     </p:tnLst>
   </p:timing>
@@ -11217,7 +12184,7 @@
   <p:timing>
     <p:tnLst>
       <p:par>
-        <p:cTn xmlns:p14="http://schemas.microsoft.com/office/powerpoint/2010/main" id="1" dur="indefinite" restart="never" nodeType="tmRoot"/>
+        <p:cTn id="1" dur="indefinite" restart="never" nodeType="tmRoot"/>
       </p:par>
     </p:tnLst>
   </p:timing>
@@ -11420,7 +12387,7 @@
   <p:timing>
     <p:tnLst>
       <p:par>
-        <p:cTn xmlns:p14="http://schemas.microsoft.com/office/powerpoint/2010/main" id="1" dur="indefinite" restart="never" nodeType="tmRoot"/>
+        <p:cTn id="1" dur="indefinite" restart="never" nodeType="tmRoot"/>
       </p:par>
     </p:tnLst>
   </p:timing>
@@ -11623,7 +12590,7 @@
   <p:timing>
     <p:tnLst>
       <p:par>
-        <p:cTn xmlns:p14="http://schemas.microsoft.com/office/powerpoint/2010/main" id="1" dur="indefinite" restart="never" nodeType="tmRoot"/>
+        <p:cTn id="1" dur="indefinite" restart="never" nodeType="tmRoot"/>
       </p:par>
     </p:tnLst>
   </p:timing>
@@ -11826,7 +12793,7 @@
   <p:timing>
     <p:tnLst>
       <p:par>
-        <p:cTn xmlns:p14="http://schemas.microsoft.com/office/powerpoint/2010/main" id="1" dur="indefinite" restart="never" nodeType="tmRoot"/>
+        <p:cTn id="1" dur="indefinite" restart="never" nodeType="tmRoot"/>
       </p:par>
     </p:tnLst>
   </p:timing>
@@ -12029,7 +12996,7 @@
   <p:timing>
     <p:tnLst>
       <p:par>
-        <p:cTn xmlns:p14="http://schemas.microsoft.com/office/powerpoint/2010/main" id="1" dur="indefinite" restart="never" nodeType="tmRoot"/>
+        <p:cTn id="1" dur="indefinite" restart="never" nodeType="tmRoot"/>
       </p:par>
     </p:tnLst>
   </p:timing>
@@ -12232,7 +13199,7 @@
   <p:timing>
     <p:tnLst>
       <p:par>
-        <p:cTn xmlns:p14="http://schemas.microsoft.com/office/powerpoint/2010/main" id="1" dur="indefinite" restart="never" nodeType="tmRoot"/>
+        <p:cTn id="1" dur="indefinite" restart="never" nodeType="tmRoot"/>
       </p:par>
     </p:tnLst>
   </p:timing>
@@ -12435,7 +13402,7 @@
   <p:timing>
     <p:tnLst>
       <p:par>
-        <p:cTn xmlns:p14="http://schemas.microsoft.com/office/powerpoint/2010/main" id="1" dur="indefinite" restart="never" nodeType="tmRoot"/>
+        <p:cTn id="1" dur="indefinite" restart="never" nodeType="tmRoot"/>
       </p:par>
     </p:tnLst>
   </p:timing>
@@ -12617,20 +13584,7 @@
                 <a:latin typeface="+mj-lt"/>
                 <a:cs typeface="Arial" charset="0"/>
               </a:rPr>
-              <a:t> – </a:t>
-            </a:r>
-            <a:r>
-              <a:rPr lang="it-IT" sz="4400" b="1" spc="-100" dirty="0" smtClean="0">
-                <a:ln w="3175">
-                  <a:noFill/>
-                </a:ln>
-                <a:solidFill>
-                  <a:srgbClr val="0072C6"/>
-                </a:solidFill>
-                <a:latin typeface="+mj-lt"/>
-                <a:cs typeface="Arial" charset="0"/>
-              </a:rPr>
-              <a:t>Aggiorna storico</a:t>
+              <a:t> – Aggiorna storico</a:t>
             </a:r>
             <a:endParaRPr lang="it-IT" sz="4400" b="1" spc="-100" dirty="0">
               <a:ln w="3175">
@@ -12690,7 +13644,7 @@
   <p:timing>
     <p:tnLst>
       <p:par>
-        <p:cTn xmlns:p14="http://schemas.microsoft.com/office/powerpoint/2010/main" id="1" dur="indefinite" restart="never" nodeType="tmRoot"/>
+        <p:cTn id="1" dur="indefinite" restart="never" nodeType="tmRoot"/>
       </p:par>
     </p:tnLst>
   </p:timing>
@@ -12872,20 +13826,7 @@
                 <a:latin typeface="+mj-lt"/>
                 <a:cs typeface="Arial" charset="0"/>
               </a:rPr>
-              <a:t> – </a:t>
-            </a:r>
-            <a:r>
-              <a:rPr lang="it-IT" sz="4400" b="1" spc="-100" dirty="0" smtClean="0">
-                <a:ln w="3175">
-                  <a:noFill/>
-                </a:ln>
-                <a:solidFill>
-                  <a:srgbClr val="0072C6"/>
-                </a:solidFill>
-                <a:latin typeface="+mj-lt"/>
-                <a:cs typeface="Arial" charset="0"/>
-              </a:rPr>
-              <a:t>Identifica SEP</a:t>
+              <a:t> – Identifica SEP</a:t>
             </a:r>
             <a:endParaRPr lang="it-IT" sz="4400" b="1" spc="-100" dirty="0">
               <a:ln w="3175">
@@ -12975,7 +13916,7 @@
   <p:timing>
     <p:tnLst>
       <p:par>
-        <p:cTn xmlns:p14="http://schemas.microsoft.com/office/powerpoint/2010/main" id="1" dur="indefinite" restart="never" nodeType="tmRoot"/>
+        <p:cTn id="1" dur="indefinite" restart="never" nodeType="tmRoot"/>
       </p:par>
     </p:tnLst>
   </p:timing>
@@ -13334,7 +14275,7 @@
   <p:timing>
     <p:tnLst>
       <p:par>
-        <p:cTn xmlns:p14="http://schemas.microsoft.com/office/powerpoint/2010/main" id="1" dur="indefinite" restart="never" nodeType="tmRoot"/>
+        <p:cTn id="1" dur="indefinite" restart="never" nodeType="tmRoot"/>
       </p:par>
     </p:tnLst>
   </p:timing>
@@ -13516,20 +14457,7 @@
                 <a:latin typeface="+mj-lt"/>
                 <a:cs typeface="Arial" charset="0"/>
               </a:rPr>
-              <a:t> – </a:t>
-            </a:r>
-            <a:r>
-              <a:rPr lang="it-IT" sz="4400" b="1" spc="-100" dirty="0" smtClean="0">
-                <a:ln w="3175">
-                  <a:noFill/>
-                </a:ln>
-                <a:solidFill>
-                  <a:srgbClr val="0072C6"/>
-                </a:solidFill>
-                <a:latin typeface="+mj-lt"/>
-                <a:cs typeface="Arial" charset="0"/>
-              </a:rPr>
-              <a:t>Pianifica spostamento squadre e.</a:t>
+              <a:t> – Pianifica spostamento squadre e.</a:t>
             </a:r>
             <a:endParaRPr lang="it-IT" sz="4400" b="1" spc="-100" dirty="0">
               <a:ln w="3175">
@@ -13589,7 +14517,7 @@
   <p:timing>
     <p:tnLst>
       <p:par>
-        <p:cTn xmlns:p14="http://schemas.microsoft.com/office/powerpoint/2010/main" id="1" dur="indefinite" restart="never" nodeType="tmRoot"/>
+        <p:cTn id="1" dur="indefinite" restart="never" nodeType="tmRoot"/>
       </p:par>
     </p:tnLst>
   </p:timing>
@@ -13771,20 +14699,7 @@
                 <a:latin typeface="+mj-lt"/>
                 <a:cs typeface="Arial" charset="0"/>
               </a:rPr>
-              <a:t> – </a:t>
-            </a:r>
-            <a:r>
-              <a:rPr lang="it-IT" sz="4400" b="1" spc="-100" dirty="0" smtClean="0">
-                <a:ln w="3175">
-                  <a:noFill/>
-                </a:ln>
-                <a:solidFill>
-                  <a:srgbClr val="0072C6"/>
-                </a:solidFill>
-                <a:latin typeface="+mj-lt"/>
-                <a:cs typeface="Arial" charset="0"/>
-              </a:rPr>
-              <a:t>Gestisci SEG</a:t>
+              <a:t> – Gestisci SEG</a:t>
             </a:r>
             <a:endParaRPr lang="it-IT" sz="4400" b="1" spc="-100" dirty="0">
               <a:ln w="3175">
@@ -13844,7 +14759,7 @@
   <p:timing>
     <p:tnLst>
       <p:par>
-        <p:cTn xmlns:p14="http://schemas.microsoft.com/office/powerpoint/2010/main" id="1" dur="indefinite" restart="never" nodeType="tmRoot"/>
+        <p:cTn id="1" dur="indefinite" restart="never" nodeType="tmRoot"/>
       </p:par>
     </p:tnLst>
   </p:timing>
@@ -14026,20 +14941,7 @@
                 <a:latin typeface="+mj-lt"/>
                 <a:cs typeface="Arial" charset="0"/>
               </a:rPr>
-              <a:t> – </a:t>
-            </a:r>
-            <a:r>
-              <a:rPr lang="it-IT" sz="4400" b="1" spc="-100" dirty="0" smtClean="0">
-                <a:ln w="3175">
-                  <a:noFill/>
-                </a:ln>
-                <a:solidFill>
-                  <a:srgbClr val="0072C6"/>
-                </a:solidFill>
-                <a:latin typeface="+mj-lt"/>
-                <a:cs typeface="Arial" charset="0"/>
-              </a:rPr>
-              <a:t>visualizza dati sintetici </a:t>
+              <a:t> – visualizza dati sintetici </a:t>
             </a:r>
             <a:endParaRPr lang="it-IT" sz="4400" b="1" spc="-100" dirty="0">
               <a:ln w="3175">
@@ -14099,7 +15001,7 @@
   <p:timing>
     <p:tnLst>
       <p:par>
-        <p:cTn xmlns:p14="http://schemas.microsoft.com/office/powerpoint/2010/main" id="1" dur="indefinite" restart="never" nodeType="tmRoot"/>
+        <p:cTn id="1" dur="indefinite" restart="never" nodeType="tmRoot"/>
       </p:par>
     </p:tnLst>
   </p:timing>
@@ -14281,20 +15183,7 @@
                 <a:latin typeface="+mj-lt"/>
                 <a:cs typeface="Arial" charset="0"/>
               </a:rPr>
-              <a:t> – </a:t>
-            </a:r>
-            <a:r>
-              <a:rPr lang="it-IT" sz="4400" b="1" spc="-100" dirty="0" smtClean="0">
-                <a:ln w="3175">
-                  <a:noFill/>
-                </a:ln>
-                <a:solidFill>
-                  <a:srgbClr val="0072C6"/>
-                </a:solidFill>
-                <a:latin typeface="+mj-lt"/>
-                <a:cs typeface="Arial" charset="0"/>
-              </a:rPr>
-              <a:t>visualizza dati dettagliati </a:t>
+              <a:t> – visualizza dati dettagliati </a:t>
             </a:r>
             <a:endParaRPr lang="it-IT" sz="4400" b="1" spc="-100" dirty="0">
               <a:ln w="3175">
@@ -14354,7 +15243,7 @@
   <p:timing>
     <p:tnLst>
       <p:par>
-        <p:cTn xmlns:p14="http://schemas.microsoft.com/office/powerpoint/2010/main" id="1" dur="indefinite" restart="never" nodeType="tmRoot"/>
+        <p:cTn id="1" dur="indefinite" restart="never" nodeType="tmRoot"/>
       </p:par>
     </p:tnLst>
   </p:timing>
@@ -14523,33 +15412,7 @@
                 <a:latin typeface="+mj-lt"/>
                 <a:cs typeface="Arial" charset="0"/>
               </a:rPr>
-              <a:t> – </a:t>
-            </a:r>
-            <a:r>
-              <a:rPr lang="it-IT" sz="4000" b="1" spc="-100" dirty="0" smtClean="0">
-                <a:ln w="3175">
-                  <a:noFill/>
-                </a:ln>
-                <a:solidFill>
-                  <a:srgbClr val="0072C6"/>
-                </a:solidFill>
-                <a:latin typeface="+mj-lt"/>
-                <a:cs typeface="Arial" charset="0"/>
-              </a:rPr>
-              <a:t>soluzione 1 – </a:t>
-            </a:r>
-            <a:r>
-              <a:rPr lang="it-IT" sz="4000" b="1" spc="-100" dirty="0" smtClean="0">
-                <a:ln w="3175">
-                  <a:noFill/>
-                </a:ln>
-                <a:solidFill>
-                  <a:srgbClr val="0072C6"/>
-                </a:solidFill>
-                <a:latin typeface="+mj-lt"/>
-                <a:cs typeface="Arial" charset="0"/>
-              </a:rPr>
-              <a:t>non utilizzata</a:t>
+              <a:t> – soluzione 1 – non utilizzata</a:t>
             </a:r>
             <a:endParaRPr lang="it-IT" sz="4000" b="1" spc="-100" dirty="0">
               <a:ln w="3175">
@@ -14639,7 +15502,7 @@
   <p:timing>
     <p:tnLst>
       <p:par>
-        <p:cTn xmlns:p14="http://schemas.microsoft.com/office/powerpoint/2010/main" id="1" dur="indefinite" restart="never" nodeType="tmRoot"/>
+        <p:cTn id="1" dur="indefinite" restart="never" nodeType="tmRoot"/>
       </p:par>
     </p:tnLst>
   </p:timing>
@@ -15532,7 +16395,7 @@
   <p:timing>
     <p:tnLst>
       <p:par>
-        <p:cTn xmlns:p14="http://schemas.microsoft.com/office/powerpoint/2010/main" id="1" dur="indefinite" restart="never" nodeType="tmRoot"/>
+        <p:cTn id="1" dur="indefinite" restart="never" nodeType="tmRoot"/>
       </p:par>
     </p:tnLst>
   </p:timing>
@@ -15791,7 +16654,7 @@
   <p:timing>
     <p:tnLst>
       <p:par>
-        <p:cTn xmlns:p14="http://schemas.microsoft.com/office/powerpoint/2010/main" id="1" dur="indefinite" restart="never" nodeType="tmRoot"/>
+        <p:cTn id="1" dur="indefinite" restart="never" nodeType="tmRoot"/>
       </p:par>
     </p:tnLst>
   </p:timing>
@@ -16630,7 +17493,7 @@
   <p:timing>
     <p:tnLst>
       <p:par>
-        <p:cTn xmlns:p14="http://schemas.microsoft.com/office/powerpoint/2010/main" id="1" dur="indefinite" restart="never" nodeType="tmRoot"/>
+        <p:cTn id="1" dur="indefinite" restart="never" nodeType="tmRoot"/>
       </p:par>
     </p:tnLst>
   </p:timing>
@@ -16889,7 +17752,7 @@
   <p:timing>
     <p:tnLst>
       <p:par>
-        <p:cTn xmlns:p14="http://schemas.microsoft.com/office/powerpoint/2010/main" id="1" dur="indefinite" restart="never" nodeType="tmRoot"/>
+        <p:cTn id="1" dur="indefinite" restart="never" nodeType="tmRoot"/>
       </p:par>
     </p:tnLst>
   </p:timing>
@@ -17796,7 +18659,7 @@
   <p:timing>
     <p:tnLst>
       <p:par>
-        <p:cTn xmlns:p14="http://schemas.microsoft.com/office/powerpoint/2010/main" id="1" dur="indefinite" restart="never" nodeType="tmRoot"/>
+        <p:cTn id="1" dur="indefinite" restart="never" nodeType="tmRoot"/>
       </p:par>
     </p:tnLst>
   </p:timing>
@@ -18156,7 +19019,7 @@
   <p:timing>
     <p:tnLst>
       <p:par>
-        <p:cTn xmlns:p14="http://schemas.microsoft.com/office/powerpoint/2010/main" id="1" dur="indefinite" restart="never" nodeType="tmRoot"/>
+        <p:cTn id="1" dur="indefinite" restart="never" nodeType="tmRoot"/>
       </p:par>
     </p:tnLst>
   </p:timing>
@@ -18347,8 +19210,8 @@
         </p:nvSpPr>
         <p:spPr>
           <a:xfrm>
-            <a:off x="415529" y="1072724"/>
-            <a:ext cx="11001375" cy="4031873"/>
+            <a:off x="415529" y="780116"/>
+            <a:ext cx="11001375" cy="3277820"/>
           </a:xfrm>
           <a:prstGeom prst="rect">
             <a:avLst/>
@@ -18365,7 +19228,7 @@
               <a:buFont typeface="Arial" panose="020B0604020202020204" pitchFamily="34" charset="0"/>
               <a:buChar char="•"/>
             </a:pPr>
-            <a:endParaRPr lang="it-IT" sz="3200" spc="-100" dirty="0" smtClean="0">
+            <a:endParaRPr lang="it-IT" sz="1500" spc="-100" dirty="0" smtClean="0">
               <a:ln w="3175">
                 <a:noFill/>
               </a:ln>
@@ -18383,47 +19246,7 @@
                 <a:latin typeface="+mj-lt"/>
                 <a:cs typeface="Arial" charset="0"/>
               </a:rPr>
-              <a:t>Analizzando </a:t>
-            </a:r>
-            <a:r>
-              <a:rPr lang="it-IT" sz="3200" spc="-100" dirty="0" smtClean="0">
-                <a:ln w="3175">
-                  <a:noFill/>
-                </a:ln>
-                <a:latin typeface="+mj-lt"/>
-                <a:cs typeface="Arial" charset="0"/>
-              </a:rPr>
-              <a:t>i </a:t>
-            </a:r>
-            <a:r>
-              <a:rPr lang="it-IT" sz="3200" spc="-100" dirty="0" smtClean="0">
-                <a:ln w="3175">
-                  <a:noFill/>
-                </a:ln>
-                <a:latin typeface="+mj-lt"/>
-                <a:cs typeface="Arial" charset="0"/>
-              </a:rPr>
-              <a:t>pro/contro delle diverse soluzioni, abbiamo scelta la </a:t>
-            </a:r>
-            <a:r>
-              <a:rPr lang="it-IT" sz="3200" spc="-100" dirty="0" smtClean="0">
-                <a:ln w="3175">
-                  <a:noFill/>
-                </a:ln>
-                <a:latin typeface="+mj-lt"/>
-                <a:cs typeface="Arial" charset="0"/>
-              </a:rPr>
-              <a:t>terza poiché </a:t>
-            </a:r>
-            <a:r>
-              <a:rPr lang="it-IT" sz="3200" spc="-100" dirty="0" smtClean="0">
-                <a:ln w="3175">
-                  <a:noFill/>
-                </a:ln>
-                <a:latin typeface="+mj-lt"/>
-                <a:cs typeface="Arial" charset="0"/>
-              </a:rPr>
-              <a:t>rappresenta i migliori compromessi tra le diverse proprietà analizzate.</a:t>
+              <a:t>Analizzando i pro/contro delle diverse soluzioni, abbiamo scelta la terza poiché rappresenta i migliori compromessi tra le diverse proprietà analizzate.</a:t>
             </a:r>
           </a:p>
           <a:p>
@@ -18438,16 +19261,6 @@
           </a:p>
           <a:p>
             <a:pPr lvl="0"/>
-            <a:r>
-              <a:rPr lang="it-IT" sz="3200" spc="-100" dirty="0" smtClean="0">
-                <a:ln w="3175">
-                  <a:noFill/>
-                </a:ln>
-                <a:latin typeface="+mj-lt"/>
-                <a:cs typeface="Arial" charset="0"/>
-              </a:rPr>
-              <a:t>SCHEMA SOVRAPPOSTO</a:t>
-            </a:r>
             <a:endParaRPr lang="it-IT" sz="3200" spc="-100" dirty="0">
               <a:ln w="3175">
                 <a:noFill/>
@@ -18466,18 +19279,32 @@
               <a:cs typeface="Arial" charset="0"/>
             </a:endParaRPr>
           </a:p>
-          <a:p>
-            <a:pPr lvl="0"/>
-            <a:endParaRPr lang="it-IT" sz="3200" spc="-100" dirty="0">
-              <a:ln w="3175">
-                <a:noFill/>
-              </a:ln>
-              <a:latin typeface="+mj-lt"/>
-              <a:cs typeface="Arial" charset="0"/>
-            </a:endParaRPr>
-          </a:p>
         </p:txBody>
       </p:sp>
+      <p:graphicFrame>
+        <p:nvGraphicFramePr>
+          <p:cNvPr id="7" name="Grafico 6"/>
+          <p:cNvGraphicFramePr>
+            <a:graphicFrameLocks/>
+          </p:cNvGraphicFramePr>
+          <p:nvPr>
+            <p:extLst>
+              <p:ext uri="{D42A27DB-BD31-4B8C-83A1-F6EECF244321}">
+                <p14:modId xmlns:p14="http://schemas.microsoft.com/office/powerpoint/2010/main" val="1166776629"/>
+              </p:ext>
+            </p:extLst>
+          </p:nvPr>
+        </p:nvGraphicFramePr>
+        <p:xfrm>
+          <a:off x="1877377" y="2133599"/>
+          <a:ext cx="7656767" cy="4381501"/>
+        </p:xfrm>
+        <a:graphic>
+          <a:graphicData uri="http://schemas.openxmlformats.org/drawingml/2006/chart">
+            <c:chart xmlns:c="http://schemas.openxmlformats.org/drawingml/2006/chart" xmlns:r="http://schemas.openxmlformats.org/officeDocument/2006/relationships" r:id="rId2"/>
+          </a:graphicData>
+        </a:graphic>
+      </p:graphicFrame>
     </p:spTree>
     <p:extLst>
       <p:ext uri="{BB962C8B-B14F-4D97-AF65-F5344CB8AC3E}">
@@ -18499,7 +19326,7 @@
   <p:timing>
     <p:tnLst>
       <p:par>
-        <p:cTn xmlns:p14="http://schemas.microsoft.com/office/powerpoint/2010/main" id="1" dur="indefinite" restart="never" nodeType="tmRoot"/>
+        <p:cTn id="1" dur="indefinite" restart="never" nodeType="tmRoot"/>
       </p:par>
     </p:tnLst>
   </p:timing>
@@ -19237,7 +20064,7 @@
   <p:timing>
     <p:tnLst>
       <p:par>
-        <p:cTn xmlns:p14="http://schemas.microsoft.com/office/powerpoint/2010/main" id="1" dur="indefinite" restart="never" nodeType="tmRoot"/>
+        <p:cTn id="1" dur="indefinite" restart="never" nodeType="tmRoot"/>
       </p:par>
     </p:tnLst>
   </p:timing>
@@ -19630,20 +20457,7 @@
                 <a:latin typeface="+mj-lt"/>
                 <a:cs typeface="Arial" charset="0"/>
               </a:rPr>
-              <a:t>Strumenti </a:t>
-            </a:r>
-            <a:r>
-              <a:rPr lang="it-IT" sz="3000" b="1" i="1" spc="-100" dirty="0" smtClean="0">
-                <a:ln w="3175">
-                  <a:noFill/>
-                </a:ln>
-                <a:solidFill>
-                  <a:srgbClr val="0072C6"/>
-                </a:solidFill>
-                <a:latin typeface="+mj-lt"/>
-                <a:cs typeface="Arial" charset="0"/>
-              </a:rPr>
-              <a:t>– funzionamento sensore</a:t>
+              <a:t>Strumenti – funzionamento sensore</a:t>
             </a:r>
             <a:endParaRPr lang="it-IT" sz="3000" b="1" i="1" spc="-100" dirty="0">
               <a:ln w="3175">
@@ -19979,7 +20793,7 @@
   <p:timing>
     <p:tnLst>
       <p:par>
-        <p:cTn xmlns:p14="http://schemas.microsoft.com/office/powerpoint/2010/main" id="1" dur="indefinite" restart="never" nodeType="tmRoot"/>
+        <p:cTn id="1" dur="indefinite" restart="never" nodeType="tmRoot"/>
       </p:par>
     </p:tnLst>
   </p:timing>
@@ -20384,7 +21198,7 @@
   <p:timing>
     <p:tnLst>
       <p:par>
-        <p:cTn xmlns:p14="http://schemas.microsoft.com/office/powerpoint/2010/main" id="1" dur="indefinite" restart="never" nodeType="tmRoot"/>
+        <p:cTn id="1" dur="indefinite" restart="never" nodeType="tmRoot"/>
       </p:par>
     </p:tnLst>
   </p:timing>
@@ -20760,7 +21574,7 @@
   <p:timing>
     <p:tnLst>
       <p:par>
-        <p:cTn xmlns:p14="http://schemas.microsoft.com/office/powerpoint/2010/main" id="1" dur="indefinite" restart="never" nodeType="tmRoot"/>
+        <p:cTn id="1" dur="indefinite" restart="never" nodeType="tmRoot"/>
       </p:par>
     </p:tnLst>
   </p:timing>
@@ -20950,15 +21764,7 @@
                   <a:srgbClr val="0072C6"/>
                 </a:solidFill>
               </a:rPr>
-              <a:t>Stima </a:t>
-            </a:r>
-            <a:r>
-              <a:rPr lang="it-IT" sz="3000" b="1" i="1" dirty="0" smtClean="0">
-                <a:solidFill>
-                  <a:srgbClr val="0072C6"/>
-                </a:solidFill>
-              </a:rPr>
-              <a:t>costi</a:t>
+              <a:t>Stima costi</a:t>
             </a:r>
             <a:endParaRPr lang="it-IT" sz="1500" b="1" i="1" dirty="0" smtClean="0">
               <a:solidFill>
@@ -21236,7 +22042,7 @@
   <p:timing>
     <p:tnLst>
       <p:par>
-        <p:cTn xmlns:p14="http://schemas.microsoft.com/office/powerpoint/2010/main" id="1" dur="indefinite" restart="never" nodeType="tmRoot"/>
+        <p:cTn id="1" dur="indefinite" restart="never" nodeType="tmRoot"/>
       </p:par>
     </p:tnLst>
   </p:timing>
@@ -21403,15 +22209,7 @@
                   <a:srgbClr val="0072C6"/>
                 </a:solidFill>
               </a:rPr>
-              <a:t>Architettura </a:t>
-            </a:r>
-            <a:r>
-              <a:rPr lang="it-IT" b="1" dirty="0" smtClean="0">
-                <a:solidFill>
-                  <a:srgbClr val="0072C6"/>
-                </a:solidFill>
-              </a:rPr>
-              <a:t>di </a:t>
+              <a:t>Architettura di </a:t>
             </a:r>
             <a:r>
               <a:rPr lang="it-IT" b="1" dirty="0" err="1" smtClean="0">
@@ -21465,15 +22263,7 @@
                   <a:schemeClr val="tx1"/>
                 </a:solidFill>
               </a:rPr>
-              <a:t>Installazione </a:t>
-            </a:r>
-            <a:r>
-              <a:rPr lang="it-IT" sz="2400" dirty="0" smtClean="0">
-                <a:solidFill>
-                  <a:schemeClr val="tx1"/>
-                </a:solidFill>
-              </a:rPr>
-              <a:t>di un singolo sensore:</a:t>
+              <a:t>Installazione di un singolo sensore:</a:t>
             </a:r>
           </a:p>
           <a:p>
@@ -21700,7 +22490,7 @@
   <p:timing>
     <p:tnLst>
       <p:par>
-        <p:cTn xmlns:p14="http://schemas.microsoft.com/office/powerpoint/2010/main" id="1" dur="indefinite" restart="never" nodeType="tmRoot"/>
+        <p:cTn id="1" dur="indefinite" restart="never" nodeType="tmRoot"/>
       </p:par>
     </p:tnLst>
   </p:timing>
@@ -22315,7 +23105,7 @@
   <p:timing>
     <p:tnLst>
       <p:par>
-        <p:cTn xmlns:p14="http://schemas.microsoft.com/office/powerpoint/2010/main" id="1" dur="indefinite" restart="never" nodeType="tmRoot"/>
+        <p:cTn id="1" dur="indefinite" restart="never" nodeType="tmRoot"/>
       </p:par>
     </p:tnLst>
   </p:timing>
@@ -22605,7 +23395,7 @@
   <p:timing>
     <p:tnLst>
       <p:par>
-        <p:cTn xmlns:p14="http://schemas.microsoft.com/office/powerpoint/2010/main" id="1" dur="indefinite" restart="never" nodeType="tmRoot"/>
+        <p:cTn id="1" dur="indefinite" restart="never" nodeType="tmRoot"/>
       </p:par>
     </p:tnLst>
   </p:timing>
@@ -22895,7 +23685,7 @@
   <p:timing>
     <p:tnLst>
       <p:par>
-        <p:cTn xmlns:p14="http://schemas.microsoft.com/office/powerpoint/2010/main" id="1" dur="indefinite" restart="never" nodeType="tmRoot"/>
+        <p:cTn id="1" dur="indefinite" restart="never" nodeType="tmRoot"/>
       </p:par>
     </p:tnLst>
   </p:timing>
@@ -23333,7 +24123,7 @@
   <p:timing>
     <p:tnLst>
       <p:par>
-        <p:cTn xmlns:p14="http://schemas.microsoft.com/office/powerpoint/2010/main" id="1" dur="indefinite" restart="never" nodeType="tmRoot"/>
+        <p:cTn id="1" dur="indefinite" restart="never" nodeType="tmRoot"/>
       </p:par>
     </p:tnLst>
   </p:timing>
@@ -23623,7 +24413,7 @@
   <p:timing>
     <p:tnLst>
       <p:par>
-        <p:cTn xmlns:p14="http://schemas.microsoft.com/office/powerpoint/2010/main" id="1" dur="indefinite" restart="never" nodeType="tmRoot"/>
+        <p:cTn id="1" dur="indefinite" restart="never" nodeType="tmRoot"/>
       </p:par>
     </p:tnLst>
   </p:timing>
@@ -23913,7 +24703,7 @@
   <p:timing>
     <p:tnLst>
       <p:par>
-        <p:cTn xmlns:p14="http://schemas.microsoft.com/office/powerpoint/2010/main" id="1" dur="indefinite" restart="never" nodeType="tmRoot"/>
+        <p:cTn id="1" dur="indefinite" restart="never" nodeType="tmRoot"/>
       </p:par>
     </p:tnLst>
   </p:timing>
@@ -24203,7 +24993,7 @@
   <p:timing>
     <p:tnLst>
       <p:par>
-        <p:cTn xmlns:p14="http://schemas.microsoft.com/office/powerpoint/2010/main" id="1" dur="indefinite" restart="never" nodeType="tmRoot"/>
+        <p:cTn id="1" dur="indefinite" restart="never" nodeType="tmRoot"/>
       </p:par>
     </p:tnLst>
   </p:timing>
@@ -24493,7 +25283,7 @@
   <p:timing>
     <p:tnLst>
       <p:par>
-        <p:cTn xmlns:p14="http://schemas.microsoft.com/office/powerpoint/2010/main" id="1" dur="indefinite" restart="never" nodeType="tmRoot"/>
+        <p:cTn id="1" dur="indefinite" restart="never" nodeType="tmRoot"/>
       </p:par>
     </p:tnLst>
   </p:timing>
@@ -24797,7 +25587,7 @@
   <p:timing>
     <p:tnLst>
       <p:par>
-        <p:cTn xmlns:p14="http://schemas.microsoft.com/office/powerpoint/2010/main" id="1" dur="indefinite" restart="never" nodeType="tmRoot"/>
+        <p:cTn id="1" dur="indefinite" restart="never" nodeType="tmRoot"/>
       </p:par>
     </p:tnLst>
   </p:timing>
@@ -25087,7 +25877,7 @@
   <p:timing>
     <p:tnLst>
       <p:par>
-        <p:cTn xmlns:p14="http://schemas.microsoft.com/office/powerpoint/2010/main" id="1" dur="indefinite" restart="never" nodeType="tmRoot"/>
+        <p:cTn id="1" dur="indefinite" restart="never" nodeType="tmRoot"/>
       </p:par>
     </p:tnLst>
   </p:timing>
@@ -25377,7 +26167,7 @@
   <p:timing>
     <p:tnLst>
       <p:par>
-        <p:cTn xmlns:p14="http://schemas.microsoft.com/office/powerpoint/2010/main" id="1" dur="indefinite" restart="never" nodeType="tmRoot"/>
+        <p:cTn id="1" dur="indefinite" restart="never" nodeType="tmRoot"/>
       </p:par>
     </p:tnLst>
   </p:timing>
@@ -25638,7 +26428,7 @@
   <p:timing>
     <p:tnLst>
       <p:par>
-        <p:cTn xmlns:p14="http://schemas.microsoft.com/office/powerpoint/2010/main" id="1" dur="indefinite" restart="never" nodeType="tmRoot"/>
+        <p:cTn id="1" dur="indefinite" restart="never" nodeType="tmRoot"/>
       </p:par>
     </p:tnLst>
   </p:timing>
@@ -26878,7 +27668,7 @@
   <p:timing>
     <p:tnLst>
       <p:par>
-        <p:cTn xmlns:p14="http://schemas.microsoft.com/office/powerpoint/2010/main" id="1" dur="indefinite" restart="never" nodeType="tmRoot"/>
+        <p:cTn id="1" dur="indefinite" restart="never" nodeType="tmRoot"/>
       </p:par>
     </p:tnLst>
   </p:timing>
@@ -27168,7 +27958,7 @@
   <p:timing>
     <p:tnLst>
       <p:par>
-        <p:cTn xmlns:p14="http://schemas.microsoft.com/office/powerpoint/2010/main" id="1" dur="indefinite" restart="never" nodeType="tmRoot"/>
+        <p:cTn id="1" dur="indefinite" restart="never" nodeType="tmRoot"/>
       </p:par>
     </p:tnLst>
   </p:timing>
@@ -27631,7 +28421,7 @@
   <p:timing>
     <p:tnLst>
       <p:par>
-        <p:cTn xmlns:p14="http://schemas.microsoft.com/office/powerpoint/2010/main" id="1" dur="indefinite" restart="never" nodeType="tmRoot"/>
+        <p:cTn id="1" dur="indefinite" restart="never" nodeType="tmRoot"/>
       </p:par>
     </p:tnLst>
   </p:timing>
@@ -27921,7 +28711,7 @@
   <p:timing>
     <p:tnLst>
       <p:par>
-        <p:cTn xmlns:p14="http://schemas.microsoft.com/office/powerpoint/2010/main" id="1" dur="indefinite" restart="never" nodeType="tmRoot"/>
+        <p:cTn id="1" dur="indefinite" restart="never" nodeType="tmRoot"/>
       </p:par>
     </p:tnLst>
   </p:timing>
@@ -28211,7 +29001,7 @@
   <p:timing>
     <p:tnLst>
       <p:par>
-        <p:cTn xmlns:p14="http://schemas.microsoft.com/office/powerpoint/2010/main" id="1" dur="indefinite" restart="never" nodeType="tmRoot"/>
+        <p:cTn id="1" dur="indefinite" restart="never" nodeType="tmRoot"/>
       </p:par>
     </p:tnLst>
   </p:timing>
@@ -29258,7 +30048,7 @@
   <p:timing>
     <p:tnLst>
       <p:par>
-        <p:cTn xmlns:p14="http://schemas.microsoft.com/office/powerpoint/2010/main" id="1" dur="indefinite" restart="never" nodeType="tmRoot"/>
+        <p:cTn id="1" dur="indefinite" restart="never" nodeType="tmRoot"/>
       </p:par>
     </p:tnLst>
   </p:timing>
@@ -29611,7 +30401,7 @@
   <p:timing>
     <p:tnLst>
       <p:par>
-        <p:cTn xmlns:p14="http://schemas.microsoft.com/office/powerpoint/2010/main" id="1" dur="indefinite" restart="never" nodeType="tmRoot"/>
+        <p:cTn id="1" dur="indefinite" restart="never" nodeType="tmRoot"/>
       </p:par>
     </p:tnLst>
   </p:timing>
@@ -30078,13 +30868,6 @@
               </a:rPr>
               <a:t>Raggruppamento </a:t>
             </a:r>
-            <a:endParaRPr lang="it-IT" sz="2800" spc="-100" dirty="0" smtClean="0">
-              <a:ln w="3175">
-                <a:noFill/>
-              </a:ln>
-              <a:latin typeface="+mj-lt"/>
-              <a:cs typeface="Arial" charset="0"/>
-            </a:endParaRPr>
           </a:p>
           <a:p>
             <a:pPr marL="457200" indent="-457200">
@@ -30111,13 +30894,6 @@
               </a:rPr>
               <a:t>…</a:t>
             </a:r>
-            <a:endParaRPr lang="it-IT" sz="2800" spc="-100" dirty="0" smtClean="0">
-              <a:ln w="3175">
-                <a:noFill/>
-              </a:ln>
-              <a:latin typeface="+mj-lt"/>
-              <a:cs typeface="Arial" charset="0"/>
-            </a:endParaRPr>
           </a:p>
           <a:p>
             <a:endParaRPr lang="en-US" sz="2800" spc="-100" baseline="30000" dirty="0">
@@ -30151,7 +30927,7 @@
   <p:timing>
     <p:tnLst>
       <p:par>
-        <p:cTn xmlns:p14="http://schemas.microsoft.com/office/powerpoint/2010/main" id="1" dur="indefinite" restart="never" nodeType="tmRoot"/>
+        <p:cTn id="1" dur="indefinite" restart="never" nodeType="tmRoot"/>
       </p:par>
     </p:tnLst>
   </p:timing>
@@ -30440,27 +31216,7 @@
                 <a:latin typeface="+mj-lt"/>
                 <a:cs typeface="Arial" charset="0"/>
               </a:rPr>
-              <a:t>) sulle tabelle del nuovo sistema di </a:t>
-            </a:r>
-            <a:r>
-              <a:rPr lang="it-IT" sz="2800" spc="-100" dirty="0" smtClean="0">
-                <a:ln w="3175">
-                  <a:noFill/>
-                </a:ln>
-                <a:latin typeface="+mj-lt"/>
-                <a:cs typeface="Arial" charset="0"/>
-              </a:rPr>
-              <a:t>sintesi </a:t>
-            </a:r>
-            <a:r>
-              <a:rPr lang="it-IT" sz="2800" spc="-100" dirty="0" smtClean="0">
-                <a:ln w="3175">
-                  <a:noFill/>
-                </a:ln>
-                <a:latin typeface="+mj-lt"/>
-                <a:cs typeface="Arial" charset="0"/>
-              </a:rPr>
-              <a:t>(comporta la copia fisica sul nuovo sistema)</a:t>
+              <a:t>) sulle tabelle del nuovo sistema di sintesi (comporta la copia fisica sul nuovo sistema)</a:t>
             </a:r>
           </a:p>
           <a:p>
@@ -30564,7 +31320,7 @@
   <p:timing>
     <p:tnLst>
       <p:par>
-        <p:cTn xmlns:p14="http://schemas.microsoft.com/office/powerpoint/2010/main" id="1" dur="indefinite" restart="never" nodeType="tmRoot"/>
+        <p:cTn id="1" dur="indefinite" restart="never" nodeType="tmRoot"/>
       </p:par>
     </p:tnLst>
   </p:timing>
@@ -31099,7 +31855,7 @@
   <p:timing>
     <p:tnLst>
       <p:par>
-        <p:cTn xmlns:p14="http://schemas.microsoft.com/office/powerpoint/2010/main" id="1" dur="indefinite" restart="never" nodeType="tmRoot"/>
+        <p:cTn id="1" dur="indefinite" restart="never" nodeType="tmRoot"/>
       </p:par>
     </p:tnLst>
   </p:timing>
@@ -31674,7 +32430,7 @@
   <p:timing>
     <p:tnLst>
       <p:par>
-        <p:cTn xmlns:p14="http://schemas.microsoft.com/office/powerpoint/2010/main" id="1" dur="indefinite" restart="never" nodeType="tmRoot"/>
+        <p:cTn id="1" dur="indefinite" restart="never" nodeType="tmRoot"/>
       </p:par>
     </p:tnLst>
   </p:timing>
@@ -32002,7 +32758,7 @@
   <p:timing>
     <p:tnLst>
       <p:par>
-        <p:cTn xmlns:p14="http://schemas.microsoft.com/office/powerpoint/2010/main" id="1" dur="indefinite" restart="never" nodeType="tmRoot"/>
+        <p:cTn id="1" dur="indefinite" restart="never" nodeType="tmRoot"/>
       </p:par>
     </p:tnLst>
   </p:timing>
@@ -32378,7 +33134,7 @@
   <p:timing>
     <p:tnLst>
       <p:par>
-        <p:cTn xmlns:p14="http://schemas.microsoft.com/office/powerpoint/2010/main" id="1" dur="indefinite" restart="never" nodeType="tmRoot"/>
+        <p:cTn id="1" dur="indefinite" restart="never" nodeType="tmRoot"/>
       </p:par>
     </p:tnLst>
   </p:timing>
@@ -32721,7 +33477,7 @@
   <p:timing>
     <p:tnLst>
       <p:par>
-        <p:cTn xmlns:p14="http://schemas.microsoft.com/office/powerpoint/2010/main" id="1" dur="indefinite" restart="never" nodeType="tmRoot"/>
+        <p:cTn id="1" dur="indefinite" restart="never" nodeType="tmRoot"/>
       </p:par>
     </p:tnLst>
   </p:timing>
@@ -33001,7 +33757,7 @@
   <p:timing>
     <p:tnLst>
       <p:par>
-        <p:cTn xmlns:p14="http://schemas.microsoft.com/office/powerpoint/2010/main" id="1" dur="indefinite" restart="never" nodeType="tmRoot"/>
+        <p:cTn id="1" dur="indefinite" restart="never" nodeType="tmRoot"/>
       </p:par>
     </p:tnLst>
   </p:timing>
@@ -33353,7 +34109,7 @@
   <p:timing>
     <p:tnLst>
       <p:par>
-        <p:cTn xmlns:p14="http://schemas.microsoft.com/office/powerpoint/2010/main" id="1" dur="indefinite" restart="never" nodeType="tmRoot"/>
+        <p:cTn id="1" dur="indefinite" restart="never" nodeType="tmRoot"/>
       </p:par>
     </p:tnLst>
   </p:timing>
@@ -33657,7 +34413,7 @@
   <p:timing>
     <p:tnLst>
       <p:par>
-        <p:cTn xmlns:p14="http://schemas.microsoft.com/office/powerpoint/2010/main" id="1" dur="indefinite" restart="never" nodeType="tmRoot"/>
+        <p:cTn id="1" dur="indefinite" restart="never" nodeType="tmRoot"/>
       </p:par>
     </p:tnLst>
   </p:timing>
@@ -34095,7 +34851,7 @@
   <p:timing>
     <p:tnLst>
       <p:par>
-        <p:cTn xmlns:p14="http://schemas.microsoft.com/office/powerpoint/2010/main" id="1" dur="indefinite" restart="never" nodeType="tmRoot"/>
+        <p:cTn id="1" dur="indefinite" restart="never" nodeType="tmRoot"/>
       </p:par>
     </p:tnLst>
   </p:timing>
@@ -34370,7 +35126,7 @@
   <p:timing>
     <p:tnLst>
       <p:par>
-        <p:cTn xmlns:p14="http://schemas.microsoft.com/office/powerpoint/2010/main" id="1" dur="indefinite" restart="never" nodeType="tmRoot"/>
+        <p:cTn id="1" dur="indefinite" restart="never" nodeType="tmRoot"/>
       </p:par>
     </p:tnLst>
   </p:timing>
@@ -34658,7 +35414,7 @@
   <p:timing>
     <p:tnLst>
       <p:par>
-        <p:cTn xmlns:p14="http://schemas.microsoft.com/office/powerpoint/2010/main" id="1" dur="indefinite" restart="never" nodeType="tmRoot"/>
+        <p:cTn id="1" dur="indefinite" restart="never" nodeType="tmRoot"/>
       </p:par>
     </p:tnLst>
   </p:timing>
@@ -35023,7 +35779,7 @@
   <p:timing>
     <p:tnLst>
       <p:par>
-        <p:cTn xmlns:p14="http://schemas.microsoft.com/office/powerpoint/2010/main" id="1" dur="indefinite" restart="never" nodeType="tmRoot"/>
+        <p:cTn id="1" dur="indefinite" restart="never" nodeType="tmRoot"/>
       </p:par>
     </p:tnLst>
   </p:timing>
@@ -35416,7 +36172,7 @@
   <p:timing>
     <p:tnLst>
       <p:par>
-        <p:cTn xmlns:p14="http://schemas.microsoft.com/office/powerpoint/2010/main" id="1" dur="indefinite" restart="never" nodeType="tmRoot"/>
+        <p:cTn id="1" dur="indefinite" restart="never" nodeType="tmRoot"/>
       </p:par>
     </p:tnLst>
   </p:timing>
@@ -35612,23 +36368,7 @@
                   <a:schemeClr val="tx1"/>
                 </a:solidFill>
               </a:rPr>
-              <a:t>che ne permette </a:t>
-            </a:r>
-            <a:r>
-              <a:rPr lang="it-IT" sz="3200" dirty="0" smtClean="0">
-                <a:solidFill>
-                  <a:schemeClr val="tx1"/>
-                </a:solidFill>
-              </a:rPr>
-              <a:t>l’utilizzo, </a:t>
-            </a:r>
-            <a:r>
-              <a:rPr lang="it-IT" sz="3200" dirty="0" smtClean="0">
-                <a:solidFill>
-                  <a:schemeClr val="tx1"/>
-                </a:solidFill>
-              </a:rPr>
-              <a:t>ma obbliga l’utilizzatore a citare il Licenziante.</a:t>
+              <a:t>che ne permette l’utilizzo, ma obbliga l’utilizzatore a citare il Licenziante.</a:t>
             </a:r>
           </a:p>
           <a:p>
@@ -35803,7 +36543,7 @@
   <p:timing>
     <p:tnLst>
       <p:par>
-        <p:cTn xmlns:p14="http://schemas.microsoft.com/office/powerpoint/2010/main" id="1" dur="indefinite" restart="never" nodeType="tmRoot"/>
+        <p:cTn id="1" dur="indefinite" restart="never" nodeType="tmRoot"/>
       </p:par>
     </p:tnLst>
   </p:timing>
@@ -36273,7 +37013,7 @@
   <p:timing>
     <p:tnLst>
       <p:par>
-        <p:cTn xmlns:p14="http://schemas.microsoft.com/office/powerpoint/2010/main" id="1" dur="indefinite" restart="never" nodeType="tmRoot"/>
+        <p:cTn id="1" dur="indefinite" restart="never" nodeType="tmRoot"/>
       </p:par>
     </p:tnLst>
   </p:timing>
@@ -36603,7 +37343,7 @@
   <p:timing>
     <p:tnLst>
       <p:par>
-        <p:cTn xmlns:p14="http://schemas.microsoft.com/office/powerpoint/2010/main" id="1" dur="indefinite" restart="never" nodeType="tmRoot"/>
+        <p:cTn id="1" dur="indefinite" restart="never" nodeType="tmRoot"/>
       </p:par>
     </p:tnLst>
   </p:timing>
@@ -37166,7 +37906,7 @@
   <p:timing>
     <p:tnLst>
       <p:par>
-        <p:cTn xmlns:p14="http://schemas.microsoft.com/office/powerpoint/2010/main" id="1" dur="indefinite" restart="never" nodeType="tmRoot"/>
+        <p:cTn id="1" dur="indefinite" restart="never" nodeType="tmRoot"/>
       </p:par>
     </p:tnLst>
   </p:timing>
@@ -37706,7 +38446,7 @@
   <p:timing>
     <p:tnLst>
       <p:par>
-        <p:cTn xmlns:p14="http://schemas.microsoft.com/office/powerpoint/2010/main" id="1" dur="indefinite" restart="never" nodeType="tmRoot"/>
+        <p:cTn id="1" dur="indefinite" restart="never" nodeType="tmRoot"/>
       </p:par>
     </p:tnLst>
   </p:timing>
@@ -38286,7 +39026,7 @@
   <p:timing>
     <p:tnLst>
       <p:par>
-        <p:cTn xmlns:p14="http://schemas.microsoft.com/office/powerpoint/2010/main" id="1" dur="indefinite" restart="never" nodeType="tmRoot"/>
+        <p:cTn id="1" dur="indefinite" restart="never" nodeType="tmRoot"/>
       </p:par>
     </p:tnLst>
   </p:timing>
@@ -38829,7 +39569,7 @@
   <p:timing>
     <p:tnLst>
       <p:par>
-        <p:cTn xmlns:p14="http://schemas.microsoft.com/office/powerpoint/2010/main" id="1" dur="indefinite" restart="never" nodeType="tmRoot"/>
+        <p:cTn id="1" dur="indefinite" restart="never" nodeType="tmRoot"/>
       </p:par>
     </p:tnLst>
   </p:timing>
@@ -39262,7 +40002,7 @@
   <p:timing>
     <p:tnLst>
       <p:par>
-        <p:cTn xmlns:p14="http://schemas.microsoft.com/office/powerpoint/2010/main" id="1" dur="indefinite" restart="never" nodeType="tmRoot"/>
+        <p:cTn id="1" dur="indefinite" restart="never" nodeType="tmRoot"/>
       </p:par>
     </p:tnLst>
   </p:timing>
@@ -39765,7 +40505,7 @@
   <p:timing>
     <p:tnLst>
       <p:par>
-        <p:cTn xmlns:p14="http://schemas.microsoft.com/office/powerpoint/2010/main" id="1" dur="indefinite" restart="never" nodeType="tmRoot"/>
+        <p:cTn id="1" dur="indefinite" restart="never" nodeType="tmRoot"/>
       </p:par>
     </p:tnLst>
   </p:timing>
@@ -40166,7 +40906,7 @@
   <p:timing>
     <p:tnLst>
       <p:par>
-        <p:cTn xmlns:p14="http://schemas.microsoft.com/office/powerpoint/2010/main" id="1" dur="indefinite" restart="never" nodeType="tmRoot"/>
+        <p:cTn id="1" dur="indefinite" restart="never" nodeType="tmRoot"/>
       </p:par>
     </p:tnLst>
   </p:timing>
@@ -40703,7 +41443,7 @@
   <p:timing>
     <p:tnLst>
       <p:par>
-        <p:cTn xmlns:p14="http://schemas.microsoft.com/office/powerpoint/2010/main" id="1" dur="indefinite" restart="never" nodeType="tmRoot"/>
+        <p:cTn id="1" dur="indefinite" restart="never" nodeType="tmRoot"/>
       </p:par>
     </p:tnLst>
   </p:timing>
@@ -41205,7 +41945,7 @@
   <p:timing>
     <p:tnLst>
       <p:par>
-        <p:cTn xmlns:p14="http://schemas.microsoft.com/office/powerpoint/2010/main" id="1" dur="indefinite" restart="never" nodeType="tmRoot"/>
+        <p:cTn id="1" dur="indefinite" restart="never" nodeType="tmRoot"/>
       </p:par>
     </p:tnLst>
   </p:timing>
@@ -41643,7 +42383,7 @@
   <p:timing>
     <p:tnLst>
       <p:par>
-        <p:cTn xmlns:p14="http://schemas.microsoft.com/office/powerpoint/2010/main" id="1" dur="indefinite" restart="never" nodeType="tmRoot"/>
+        <p:cTn id="1" dur="indefinite" restart="never" nodeType="tmRoot"/>
       </p:par>
     </p:tnLst>
   </p:timing>
@@ -42010,7 +42750,7 @@
   <p:timing>
     <p:tnLst>
       <p:par>
-        <p:cTn xmlns:p14="http://schemas.microsoft.com/office/powerpoint/2010/main" id="1" dur="indefinite" restart="never" nodeType="tmRoot"/>
+        <p:cTn id="1" dur="indefinite" restart="never" nodeType="tmRoot"/>
       </p:par>
     </p:tnLst>
   </p:timing>
@@ -42073,12 +42813,6 @@
               </a:rPr>
               <a:t>End</a:t>
             </a:r>
-            <a:endParaRPr lang="it-IT" sz="6000" b="1" dirty="0" smtClean="0">
-              <a:solidFill>
-                <a:schemeClr val="bg1"/>
-              </a:solidFill>
-              <a:latin typeface="Segoe UI Light" panose="020B0502040204020203" pitchFamily="34" charset="0"/>
-            </a:endParaRPr>
           </a:p>
         </p:txBody>
       </p:sp>
@@ -42103,7 +42837,7 @@
   <p:timing>
     <p:tnLst>
       <p:par>
-        <p:cTn xmlns:p14="http://schemas.microsoft.com/office/powerpoint/2010/main" id="1" dur="indefinite" restart="never" nodeType="tmRoot"/>
+        <p:cTn id="1" dur="indefinite" restart="never" nodeType="tmRoot"/>
       </p:par>
     </p:tnLst>
   </p:timing>
@@ -42365,7 +43099,7 @@
   <a:extraClrSchemeLst/>
   <a:extLst>
     <a:ext uri="{05A4C25C-085E-4340-85A3-A5531E510DB2}">
-      <thm15:themeFamily xmlns:thm15="http://schemas.microsoft.com/office/thememl/2012/main" xmlns="" name="Office Theme" id="{62F939B6-93AF-4DB8-9C6B-D6C7DFDC589F}" vid="{4A3C46E8-61CC-4603-A589-7422A47A8E4A}"/>
+      <thm15:themeFamily xmlns:thm15="http://schemas.microsoft.com/office/thememl/2012/main" name="Office Theme" id="{62F939B6-93AF-4DB8-9C6B-D6C7DFDC589F}" vid="{4A3C46E8-61CC-4603-A589-7422A47A8E4A}"/>
     </a:ext>
   </a:extLst>
 </a:theme>
@@ -42626,7 +43360,7 @@
   <a:extraClrSchemeLst/>
   <a:extLst>
     <a:ext uri="{05A4C25C-085E-4340-85A3-A5531E510DB2}">
-      <thm15:themeFamily xmlns:thm15="http://schemas.microsoft.com/office/thememl/2012/main" xmlns="" name="Office Theme" id="{62F939B6-93AF-4DB8-9C6B-D6C7DFDC589F}" vid="{4A3C46E8-61CC-4603-A589-7422A47A8E4A}"/>
+      <thm15:themeFamily xmlns:thm15="http://schemas.microsoft.com/office/thememl/2012/main" name="Office Theme" id="{62F939B6-93AF-4DB8-9C6B-D6C7DFDC589F}" vid="{4A3C46E8-61CC-4603-A589-7422A47A8E4A}"/>
     </a:ext>
   </a:extLst>
 </a:theme>

--- a/Febbraio 2015.pptx
+++ b/Febbraio 2015.pptx
@@ -55,15 +55,15 @@
     <p:sldId id="299" r:id="rId46"/>
     <p:sldId id="300" r:id="rId47"/>
     <p:sldId id="301" r:id="rId48"/>
-    <p:sldId id="308" r:id="rId49"/>
-    <p:sldId id="311" r:id="rId50"/>
-    <p:sldId id="309" r:id="rId51"/>
-    <p:sldId id="312" r:id="rId52"/>
-    <p:sldId id="310" r:id="rId53"/>
-    <p:sldId id="313" r:id="rId54"/>
-    <p:sldId id="316" r:id="rId55"/>
-    <p:sldId id="315" r:id="rId56"/>
-    <p:sldId id="317" r:id="rId57"/>
+    <p:sldId id="349" r:id="rId49"/>
+    <p:sldId id="308" r:id="rId50"/>
+    <p:sldId id="311" r:id="rId51"/>
+    <p:sldId id="309" r:id="rId52"/>
+    <p:sldId id="312" r:id="rId53"/>
+    <p:sldId id="310" r:id="rId54"/>
+    <p:sldId id="313" r:id="rId55"/>
+    <p:sldId id="316" r:id="rId56"/>
+    <p:sldId id="315" r:id="rId57"/>
     <p:sldId id="344" r:id="rId58"/>
     <p:sldId id="314" r:id="rId59"/>
     <p:sldId id="341" r:id="rId60"/>
@@ -198,7 +198,7 @@
   </p:defaultTextStyle>
   <p:extLst>
     <p:ext uri="{EFAFB233-063F-42B5-8137-9DF3F51BA10A}">
-      <p15:sldGuideLst xmlns:p15="http://schemas.microsoft.com/office/powerpoint/2012/main">
+      <p15:sldGuideLst xmlns:p15="http://schemas.microsoft.com/office/powerpoint/2012/main" xmlns="">
         <p15:guide id="1" orient="horz" pos="2160">
           <p15:clr>
             <a:srgbClr val="A4A3A4"/>
@@ -294,28 +294,28 @@
                 <c:formatCode>General</c:formatCode>
                 <c:ptCount val="8"/>
                 <c:pt idx="0">
-                  <c:v>10</c:v>
+                  <c:v>10.0</c:v>
                 </c:pt>
                 <c:pt idx="1">
-                  <c:v>80</c:v>
+                  <c:v>80.0</c:v>
                 </c:pt>
                 <c:pt idx="2">
-                  <c:v>20</c:v>
+                  <c:v>20.0</c:v>
                 </c:pt>
                 <c:pt idx="3">
-                  <c:v>10</c:v>
+                  <c:v>10.0</c:v>
                 </c:pt>
                 <c:pt idx="4">
-                  <c:v>30</c:v>
+                  <c:v>30.0</c:v>
                 </c:pt>
                 <c:pt idx="5">
-                  <c:v>100</c:v>
+                  <c:v>100.0</c:v>
                 </c:pt>
                 <c:pt idx="6">
-                  <c:v>100</c:v>
+                  <c:v>100.0</c:v>
                 </c:pt>
                 <c:pt idx="7">
-                  <c:v>0</c:v>
+                  <c:v>0.0</c:v>
                 </c:pt>
               </c:numCache>
             </c:numRef>
@@ -329,11 +329,11 @@
           <c:showPercent val="0"/>
           <c:showBubbleSize val="0"/>
         </c:dLbls>
-        <c:axId val="121136096"/>
-        <c:axId val="121136656"/>
+        <c:axId val="-2138453672"/>
+        <c:axId val="-2138450776"/>
       </c:radarChart>
       <c:catAx>
-        <c:axId val="121136096"/>
+        <c:axId val="-2138453672"/>
         <c:scaling>
           <c:orientation val="minMax"/>
         </c:scaling>
@@ -376,7 +376,7 @@
             <a:endParaRPr lang="it-IT"/>
           </a:p>
         </c:txPr>
-        <c:crossAx val="121136656"/>
+        <c:crossAx val="-2138450776"/>
         <c:crosses val="autoZero"/>
         <c:auto val="1"/>
         <c:lblAlgn val="ctr"/>
@@ -384,7 +384,7 @@
         <c:noMultiLvlLbl val="0"/>
       </c:catAx>
       <c:valAx>
-        <c:axId val="121136656"/>
+        <c:axId val="-2138450776"/>
         <c:scaling>
           <c:orientation val="minMax"/>
         </c:scaling>
@@ -434,10 +434,10 @@
             <a:endParaRPr lang="it-IT"/>
           </a:p>
         </c:txPr>
-        <c:crossAx val="121136096"/>
+        <c:crossAx val="-2138453672"/>
         <c:crosses val="autoZero"/>
         <c:crossBetween val="between"/>
-        <c:majorUnit val="10"/>
+        <c:majorUnit val="10.0"/>
       </c:valAx>
       <c:spPr>
         <a:noFill/>
@@ -468,7 +468,7 @@
       <a:endParaRPr lang="it-IT"/>
     </a:p>
   </c:txPr>
-  <c:externalData r:id="rId3">
+  <c:externalData r:id="rId1">
     <c:autoUpdate val="0"/>
   </c:externalData>
 </c:chartSpace>
@@ -495,10 +495,10 @@
           <c:layoutTarget val="inner"/>
           <c:xMode val="edge"/>
           <c:yMode val="edge"/>
-          <c:x val="0.25868438858935699"/>
-          <c:y val="7.3886341319010507E-2"/>
-          <c:w val="0.46511599843123003"/>
-          <c:h val="0.84427898278841296"/>
+          <c:x val="0.258684388589357"/>
+          <c:y val="0.0738863413190105"/>
+          <c:w val="0.46511599843123"/>
+          <c:h val="0.844278982788413"/>
         </c:manualLayout>
       </c:layout>
       <c:radarChart>
@@ -555,28 +555,28 @@
                 <c:formatCode>General</c:formatCode>
                 <c:ptCount val="8"/>
                 <c:pt idx="0">
-                  <c:v>10</c:v>
+                  <c:v>10.0</c:v>
                 </c:pt>
                 <c:pt idx="1">
-                  <c:v>10</c:v>
+                  <c:v>10.0</c:v>
                 </c:pt>
                 <c:pt idx="2">
-                  <c:v>20</c:v>
+                  <c:v>20.0</c:v>
                 </c:pt>
                 <c:pt idx="3">
-                  <c:v>10</c:v>
+                  <c:v>10.0</c:v>
                 </c:pt>
                 <c:pt idx="4">
-                  <c:v>30</c:v>
+                  <c:v>30.0</c:v>
                 </c:pt>
                 <c:pt idx="5">
-                  <c:v>100</c:v>
+                  <c:v>100.0</c:v>
                 </c:pt>
                 <c:pt idx="6">
-                  <c:v>60</c:v>
+                  <c:v>60.0</c:v>
                 </c:pt>
                 <c:pt idx="7">
-                  <c:v>50</c:v>
+                  <c:v>50.0</c:v>
                 </c:pt>
               </c:numCache>
             </c:numRef>
@@ -590,11 +590,11 @@
           <c:showPercent val="0"/>
           <c:showBubbleSize val="0"/>
         </c:dLbls>
-        <c:axId val="147617248"/>
-        <c:axId val="147617808"/>
+        <c:axId val="2128800120"/>
+        <c:axId val="2128810360"/>
       </c:radarChart>
       <c:catAx>
-        <c:axId val="147617248"/>
+        <c:axId val="2128800120"/>
         <c:scaling>
           <c:orientation val="minMax"/>
         </c:scaling>
@@ -637,7 +637,7 @@
             <a:endParaRPr lang="it-IT"/>
           </a:p>
         </c:txPr>
-        <c:crossAx val="147617808"/>
+        <c:crossAx val="2128810360"/>
         <c:crosses val="autoZero"/>
         <c:auto val="1"/>
         <c:lblAlgn val="ctr"/>
@@ -645,7 +645,7 @@
         <c:noMultiLvlLbl val="0"/>
       </c:catAx>
       <c:valAx>
-        <c:axId val="147617808"/>
+        <c:axId val="2128810360"/>
         <c:scaling>
           <c:orientation val="minMax"/>
         </c:scaling>
@@ -695,10 +695,10 @@
             <a:endParaRPr lang="it-IT"/>
           </a:p>
         </c:txPr>
-        <c:crossAx val="147617248"/>
+        <c:crossAx val="2128800120"/>
         <c:crosses val="autoZero"/>
         <c:crossBetween val="between"/>
-        <c:majorUnit val="10"/>
+        <c:majorUnit val="10.0"/>
       </c:valAx>
       <c:spPr>
         <a:noFill/>
@@ -729,7 +729,7 @@
       <a:endParaRPr lang="it-IT"/>
     </a:p>
   </c:txPr>
-  <c:externalData r:id="rId3">
+  <c:externalData r:id="rId1">
     <c:autoUpdate val="0"/>
   </c:externalData>
 </c:chartSpace>
@@ -806,28 +806,28 @@
                 <c:formatCode>General</c:formatCode>
                 <c:ptCount val="8"/>
                 <c:pt idx="0">
-                  <c:v>10</c:v>
+                  <c:v>10.0</c:v>
                 </c:pt>
                 <c:pt idx="1">
-                  <c:v>30</c:v>
+                  <c:v>30.0</c:v>
                 </c:pt>
                 <c:pt idx="2">
-                  <c:v>20</c:v>
+                  <c:v>20.0</c:v>
                 </c:pt>
                 <c:pt idx="3">
-                  <c:v>10</c:v>
+                  <c:v>10.0</c:v>
                 </c:pt>
                 <c:pt idx="4">
-                  <c:v>30</c:v>
+                  <c:v>30.0</c:v>
                 </c:pt>
                 <c:pt idx="5">
-                  <c:v>30</c:v>
+                  <c:v>30.0</c:v>
                 </c:pt>
                 <c:pt idx="6">
-                  <c:v>60</c:v>
+                  <c:v>60.0</c:v>
                 </c:pt>
                 <c:pt idx="7">
-                  <c:v>20</c:v>
+                  <c:v>20.0</c:v>
                 </c:pt>
               </c:numCache>
             </c:numRef>
@@ -841,11 +841,11 @@
           <c:showPercent val="0"/>
           <c:showBubbleSize val="0"/>
         </c:dLbls>
-        <c:axId val="147620048"/>
-        <c:axId val="147951440"/>
+        <c:axId val="-2133522488"/>
+        <c:axId val="-2133518824"/>
       </c:radarChart>
       <c:catAx>
-        <c:axId val="147620048"/>
+        <c:axId val="-2133522488"/>
         <c:scaling>
           <c:orientation val="minMax"/>
         </c:scaling>
@@ -888,7 +888,7 @@
             <a:endParaRPr lang="it-IT"/>
           </a:p>
         </c:txPr>
-        <c:crossAx val="147951440"/>
+        <c:crossAx val="-2133518824"/>
         <c:crosses val="autoZero"/>
         <c:auto val="1"/>
         <c:lblAlgn val="ctr"/>
@@ -896,10 +896,10 @@
         <c:noMultiLvlLbl val="0"/>
       </c:catAx>
       <c:valAx>
-        <c:axId val="147951440"/>
+        <c:axId val="-2133518824"/>
         <c:scaling>
           <c:orientation val="minMax"/>
-          <c:max val="100"/>
+          <c:max val="100.0"/>
         </c:scaling>
         <c:delete val="0"/>
         <c:axPos val="l"/>
@@ -947,10 +947,10 @@
             <a:endParaRPr lang="it-IT"/>
           </a:p>
         </c:txPr>
-        <c:crossAx val="147620048"/>
+        <c:crossAx val="-2133522488"/>
         <c:crosses val="autoZero"/>
         <c:crossBetween val="between"/>
-        <c:majorUnit val="10"/>
+        <c:majorUnit val="10.0"/>
       </c:valAx>
       <c:spPr>
         <a:noFill/>
@@ -981,7 +981,7 @@
       <a:endParaRPr lang="it-IT"/>
     </a:p>
   </c:txPr>
-  <c:externalData r:id="rId3">
+  <c:externalData r:id="rId1">
     <c:autoUpdate val="0"/>
   </c:externalData>
 </c:chartSpace>
@@ -1063,28 +1063,28 @@
                 <c:formatCode>General</c:formatCode>
                 <c:ptCount val="8"/>
                 <c:pt idx="0">
-                  <c:v>10</c:v>
+                  <c:v>10.0</c:v>
                 </c:pt>
                 <c:pt idx="1">
-                  <c:v>80</c:v>
+                  <c:v>80.0</c:v>
                 </c:pt>
                 <c:pt idx="2">
-                  <c:v>20</c:v>
+                  <c:v>20.0</c:v>
                 </c:pt>
                 <c:pt idx="3">
-                  <c:v>10</c:v>
+                  <c:v>10.0</c:v>
                 </c:pt>
                 <c:pt idx="4">
-                  <c:v>30</c:v>